--- a/document/Please Leave me alone!.pptx
+++ b/document/Please Leave me alone!.pptx
@@ -16,16 +16,15 @@
     <p:sldId id="269" r:id="rId10"/>
     <p:sldId id="270" r:id="rId11"/>
     <p:sldId id="272" r:id="rId12"/>
-    <p:sldId id="271" r:id="rId13"/>
-    <p:sldId id="260" r:id="rId14"/>
-    <p:sldId id="273" r:id="rId15"/>
-    <p:sldId id="263" r:id="rId16"/>
-    <p:sldId id="266" r:id="rId17"/>
-    <p:sldId id="267" r:id="rId18"/>
-    <p:sldId id="268" r:id="rId19"/>
-    <p:sldId id="274" r:id="rId20"/>
-    <p:sldId id="276" r:id="rId21"/>
-    <p:sldId id="275" r:id="rId22"/>
+    <p:sldId id="260" r:id="rId13"/>
+    <p:sldId id="273" r:id="rId14"/>
+    <p:sldId id="263" r:id="rId15"/>
+    <p:sldId id="266" r:id="rId16"/>
+    <p:sldId id="267" r:id="rId17"/>
+    <p:sldId id="268" r:id="rId18"/>
+    <p:sldId id="274" r:id="rId19"/>
+    <p:sldId id="276" r:id="rId20"/>
+    <p:sldId id="275" r:id="rId21"/>
   </p:sldIdLst>
   <p:sldSz cx="12192000" cy="6858000"/>
   <p:notesSz cx="6858000" cy="9144000"/>
@@ -3485,7 +3484,7 @@
         </p:nvSpPr>
         <p:spPr>
           <a:xfrm>
-            <a:off x="430696" y="4810540"/>
+            <a:off x="430696" y="5049691"/>
             <a:ext cx="11222944" cy="923330"/>
           </a:xfrm>
           <a:prstGeom prst="rect">
@@ -3546,6 +3545,799 @@
             <a:r>
               <a:rPr lang="en-US" altLang="ko-KR" dirty="0"/>
               <a:t>.</a:t>
+            </a:r>
+          </a:p>
+        </p:txBody>
+      </p:sp>
+      <p:sp>
+        <p:nvSpPr>
+          <p:cNvPr id="5" name="직사각형 4">
+            <a:extLst>
+              <a:ext uri="{FF2B5EF4-FFF2-40B4-BE49-F238E27FC236}">
+                <a16:creationId xmlns:a16="http://schemas.microsoft.com/office/drawing/2014/main" id="{71B2A760-DBAA-45E6-435B-0FACCEB8678A}"/>
+              </a:ext>
+            </a:extLst>
+          </p:cNvPr>
+          <p:cNvSpPr>
+            <a:spLocks noChangeAspect="1"/>
+          </p:cNvSpPr>
+          <p:nvPr/>
+        </p:nvSpPr>
+        <p:spPr>
+          <a:xfrm>
+            <a:off x="2632221" y="1012822"/>
+            <a:ext cx="6927559" cy="3896752"/>
+          </a:xfrm>
+          <a:prstGeom prst="rect">
+            <a:avLst/>
+          </a:prstGeom>
+          <a:solidFill>
+            <a:schemeClr val="bg2">
+              <a:lumMod val="75000"/>
+            </a:schemeClr>
+          </a:solidFill>
+          <a:ln>
+            <a:solidFill>
+              <a:schemeClr val="tx1"/>
+            </a:solidFill>
+          </a:ln>
+        </p:spPr>
+        <p:style>
+          <a:lnRef idx="2">
+            <a:schemeClr val="accent1">
+              <a:shade val="15000"/>
+            </a:schemeClr>
+          </a:lnRef>
+          <a:fillRef idx="1">
+            <a:schemeClr val="accent1"/>
+          </a:fillRef>
+          <a:effectRef idx="0">
+            <a:schemeClr val="accent1"/>
+          </a:effectRef>
+          <a:fontRef idx="minor">
+            <a:schemeClr val="lt1"/>
+          </a:fontRef>
+        </p:style>
+        <p:txBody>
+          <a:bodyPr rtlCol="0" anchor="ctr"/>
+          <a:lstStyle/>
+          <a:p>
+            <a:pPr algn="ctr"/>
+            <a:endParaRPr lang="ko-KR" altLang="en-US" dirty="0"/>
+          </a:p>
+        </p:txBody>
+      </p:sp>
+      <p:sp>
+        <p:nvSpPr>
+          <p:cNvPr id="6" name="TextBox 5">
+            <a:extLst>
+              <a:ext uri="{FF2B5EF4-FFF2-40B4-BE49-F238E27FC236}">
+                <a16:creationId xmlns:a16="http://schemas.microsoft.com/office/drawing/2014/main" id="{4DF9AD5A-032B-18AD-4BD3-3A1E2C4B7A14}"/>
+              </a:ext>
+            </a:extLst>
+          </p:cNvPr>
+          <p:cNvSpPr txBox="1"/>
+          <p:nvPr/>
+        </p:nvSpPr>
+        <p:spPr>
+          <a:xfrm>
+            <a:off x="2849217" y="1152939"/>
+            <a:ext cx="1745991" cy="461665"/>
+          </a:xfrm>
+          <a:prstGeom prst="rect">
+            <a:avLst/>
+          </a:prstGeom>
+          <a:noFill/>
+        </p:spPr>
+        <p:txBody>
+          <a:bodyPr wrap="none" rtlCol="0">
+            <a:spAutoFit/>
+          </a:bodyPr>
+          <a:lstStyle/>
+          <a:p>
+            <a:r>
+              <a:rPr lang="en-US" altLang="ko-KR" sz="2400" b="1" dirty="0"/>
+              <a:t>[</a:t>
+            </a:r>
+            <a:r>
+              <a:rPr lang="ko-KR" altLang="en-US" sz="2400" b="1" dirty="0"/>
+              <a:t>게임</a:t>
+            </a:r>
+            <a:r>
+              <a:rPr lang="en-US" altLang="ko-KR" sz="2400" b="1" dirty="0"/>
+              <a:t> </a:t>
+            </a:r>
+            <a:r>
+              <a:rPr lang="ko-KR" altLang="en-US" sz="2400" b="1" dirty="0"/>
+              <a:t>결과</a:t>
+            </a:r>
+            <a:r>
+              <a:rPr lang="en-US" altLang="ko-KR" sz="2400" b="1" dirty="0"/>
+              <a:t>]</a:t>
+            </a:r>
+            <a:endParaRPr lang="ko-KR" altLang="en-US" sz="2400" b="1" dirty="0"/>
+          </a:p>
+        </p:txBody>
+      </p:sp>
+      <p:grpSp>
+        <p:nvGrpSpPr>
+          <p:cNvPr id="28" name="그룹 27">
+            <a:extLst>
+              <a:ext uri="{FF2B5EF4-FFF2-40B4-BE49-F238E27FC236}">
+                <a16:creationId xmlns:a16="http://schemas.microsoft.com/office/drawing/2014/main" id="{5382B092-FA82-8307-044C-2B951A49632A}"/>
+              </a:ext>
+            </a:extLst>
+          </p:cNvPr>
+          <p:cNvGrpSpPr/>
+          <p:nvPr/>
+        </p:nvGrpSpPr>
+        <p:grpSpPr>
+          <a:xfrm>
+            <a:off x="2737226" y="1738902"/>
+            <a:ext cx="6717548" cy="369332"/>
+            <a:chOff x="2710070" y="1738902"/>
+            <a:chExt cx="6717548" cy="369332"/>
+          </a:xfrm>
+        </p:grpSpPr>
+        <p:sp>
+          <p:nvSpPr>
+            <p:cNvPr id="11" name="TextBox 10">
+              <a:extLst>
+                <a:ext uri="{FF2B5EF4-FFF2-40B4-BE49-F238E27FC236}">
+                  <a16:creationId xmlns:a16="http://schemas.microsoft.com/office/drawing/2014/main" id="{519F726C-378E-01E5-E587-86128CF9B180}"/>
+                </a:ext>
+              </a:extLst>
+            </p:cNvPr>
+            <p:cNvSpPr txBox="1"/>
+            <p:nvPr/>
+          </p:nvSpPr>
+          <p:spPr>
+            <a:xfrm>
+              <a:off x="2710070" y="1738902"/>
+              <a:ext cx="6546985" cy="369332"/>
+            </a:xfrm>
+            <a:prstGeom prst="rect">
+              <a:avLst/>
+            </a:prstGeom>
+            <a:noFill/>
+          </p:spPr>
+          <p:txBody>
+            <a:bodyPr wrap="none" rtlCol="0">
+              <a:spAutoFit/>
+            </a:bodyPr>
+            <a:lstStyle/>
+            <a:p>
+              <a:r>
+                <a:rPr lang="ko-KR" altLang="en-US" dirty="0"/>
+                <a:t>랭킹 </a:t>
+              </a:r>
+              <a:r>
+                <a:rPr lang="en-US" altLang="ko-KR" dirty="0"/>
+                <a:t>1</a:t>
+              </a:r>
+              <a:r>
+                <a:rPr lang="ko-KR" altLang="en-US" dirty="0"/>
+                <a:t>등 유지</a:t>
+              </a:r>
+              <a:r>
+                <a:rPr lang="en-US" altLang="ko-KR" dirty="0"/>
+                <a:t>----------------------------------------------------</a:t>
+              </a:r>
+              <a:endParaRPr lang="ko-KR" altLang="en-US" dirty="0"/>
+            </a:p>
+          </p:txBody>
+        </p:sp>
+        <p:pic>
+          <p:nvPicPr>
+            <p:cNvPr id="23" name="그래픽 22" descr="확인란 선택됨 단색으로 채워진">
+              <a:extLst>
+                <a:ext uri="{FF2B5EF4-FFF2-40B4-BE49-F238E27FC236}">
+                  <a16:creationId xmlns:a16="http://schemas.microsoft.com/office/drawing/2014/main" id="{3087480A-934D-51F5-E37B-8A17A80D1C83}"/>
+                </a:ext>
+              </a:extLst>
+            </p:cNvPr>
+            <p:cNvPicPr>
+              <a:picLocks noChangeAspect="1"/>
+            </p:cNvPicPr>
+            <p:nvPr/>
+          </p:nvPicPr>
+          <p:blipFill>
+            <a:blip r:embed="rId2">
+              <a:extLst>
+                <a:ext uri="{96DAC541-7B7A-43D3-8B79-37D633B846F1}">
+                  <asvg:svgBlip xmlns:asvg="http://schemas.microsoft.com/office/drawing/2016/SVG/main" r:embed="rId3"/>
+                </a:ext>
+              </a:extLst>
+            </a:blip>
+            <a:stretch>
+              <a:fillRect/>
+            </a:stretch>
+          </p:blipFill>
+          <p:spPr>
+            <a:xfrm>
+              <a:off x="9067618" y="1748234"/>
+              <a:ext cx="360000" cy="360000"/>
+            </a:xfrm>
+            <a:prstGeom prst="rect">
+              <a:avLst/>
+            </a:prstGeom>
+          </p:spPr>
+        </p:pic>
+      </p:grpSp>
+      <p:grpSp>
+        <p:nvGrpSpPr>
+          <p:cNvPr id="29" name="그룹 28">
+            <a:extLst>
+              <a:ext uri="{FF2B5EF4-FFF2-40B4-BE49-F238E27FC236}">
+                <a16:creationId xmlns:a16="http://schemas.microsoft.com/office/drawing/2014/main" id="{4E713F88-DA9C-DBC3-67E2-22226B99792D}"/>
+              </a:ext>
+            </a:extLst>
+          </p:cNvPr>
+          <p:cNvGrpSpPr/>
+          <p:nvPr/>
+        </p:nvGrpSpPr>
+        <p:grpSpPr>
+          <a:xfrm>
+            <a:off x="2737226" y="2569126"/>
+            <a:ext cx="6717548" cy="369332"/>
+            <a:chOff x="2710070" y="2600424"/>
+            <a:chExt cx="6717548" cy="369332"/>
+          </a:xfrm>
+        </p:grpSpPr>
+        <p:sp>
+          <p:nvSpPr>
+            <p:cNvPr id="20" name="TextBox 19">
+              <a:extLst>
+                <a:ext uri="{FF2B5EF4-FFF2-40B4-BE49-F238E27FC236}">
+                  <a16:creationId xmlns:a16="http://schemas.microsoft.com/office/drawing/2014/main" id="{153EC467-80A5-BD74-834B-5EA057185ED1}"/>
+                </a:ext>
+              </a:extLst>
+            </p:cNvPr>
+            <p:cNvSpPr txBox="1"/>
+            <p:nvPr/>
+          </p:nvSpPr>
+          <p:spPr>
+            <a:xfrm>
+              <a:off x="2710070" y="2600424"/>
+              <a:ext cx="6561412" cy="369332"/>
+            </a:xfrm>
+            <a:prstGeom prst="rect">
+              <a:avLst/>
+            </a:prstGeom>
+            <a:noFill/>
+          </p:spPr>
+          <p:txBody>
+            <a:bodyPr wrap="none" rtlCol="0">
+              <a:spAutoFit/>
+            </a:bodyPr>
+            <a:lstStyle/>
+            <a:p>
+              <a:r>
+                <a:rPr lang="ko-KR" altLang="en-US" dirty="0"/>
+                <a:t>방해 이벤트 </a:t>
+              </a:r>
+              <a:r>
+                <a:rPr lang="en-US" altLang="ko-KR" dirty="0"/>
+                <a:t>2 : </a:t>
+              </a:r>
+              <a:r>
+                <a:rPr lang="ko-KR" altLang="en-US" dirty="0"/>
+                <a:t>무시</a:t>
+              </a:r>
+              <a:r>
+                <a:rPr lang="en-US" altLang="ko-KR" dirty="0"/>
+                <a:t>---------------------------------------------</a:t>
+              </a:r>
+              <a:endParaRPr lang="ko-KR" altLang="en-US" dirty="0"/>
+            </a:p>
+          </p:txBody>
+        </p:sp>
+        <p:pic>
+          <p:nvPicPr>
+            <p:cNvPr id="25" name="그래픽 24" descr="선을 그은 확인란 단색으로 채워진">
+              <a:extLst>
+                <a:ext uri="{FF2B5EF4-FFF2-40B4-BE49-F238E27FC236}">
+                  <a16:creationId xmlns:a16="http://schemas.microsoft.com/office/drawing/2014/main" id="{D1501463-4E03-D9CC-5A95-DFED9BF99948}"/>
+                </a:ext>
+              </a:extLst>
+            </p:cNvPr>
+            <p:cNvPicPr>
+              <a:picLocks noChangeAspect="1"/>
+            </p:cNvPicPr>
+            <p:nvPr/>
+          </p:nvPicPr>
+          <p:blipFill>
+            <a:blip r:embed="rId4">
+              <a:extLst>
+                <a:ext uri="{96DAC541-7B7A-43D3-8B79-37D633B846F1}">
+                  <asvg:svgBlip xmlns:asvg="http://schemas.microsoft.com/office/drawing/2016/SVG/main" r:embed="rId5"/>
+                </a:ext>
+              </a:extLst>
+            </a:blip>
+            <a:stretch>
+              <a:fillRect/>
+            </a:stretch>
+          </p:blipFill>
+          <p:spPr>
+            <a:xfrm>
+              <a:off x="9067618" y="2605090"/>
+              <a:ext cx="360000" cy="360000"/>
+            </a:xfrm>
+            <a:prstGeom prst="rect">
+              <a:avLst/>
+            </a:prstGeom>
+          </p:spPr>
+        </p:pic>
+      </p:grpSp>
+      <p:grpSp>
+        <p:nvGrpSpPr>
+          <p:cNvPr id="27" name="그룹 26">
+            <a:extLst>
+              <a:ext uri="{FF2B5EF4-FFF2-40B4-BE49-F238E27FC236}">
+                <a16:creationId xmlns:a16="http://schemas.microsoft.com/office/drawing/2014/main" id="{382A0373-790B-1846-01AC-1601B743718A}"/>
+              </a:ext>
+            </a:extLst>
+          </p:cNvPr>
+          <p:cNvGrpSpPr/>
+          <p:nvPr/>
+        </p:nvGrpSpPr>
+        <p:grpSpPr>
+          <a:xfrm>
+            <a:off x="2737226" y="2154014"/>
+            <a:ext cx="6717548" cy="369332"/>
+            <a:chOff x="2710070" y="2196325"/>
+            <a:chExt cx="6717548" cy="369332"/>
+          </a:xfrm>
+        </p:grpSpPr>
+        <p:sp>
+          <p:nvSpPr>
+            <p:cNvPr id="15" name="TextBox 14">
+              <a:extLst>
+                <a:ext uri="{FF2B5EF4-FFF2-40B4-BE49-F238E27FC236}">
+                  <a16:creationId xmlns:a16="http://schemas.microsoft.com/office/drawing/2014/main" id="{B420E1D0-BBAE-18EC-E19A-D9A7FF44DB51}"/>
+                </a:ext>
+              </a:extLst>
+            </p:cNvPr>
+            <p:cNvSpPr txBox="1"/>
+            <p:nvPr/>
+          </p:nvSpPr>
+          <p:spPr>
+            <a:xfrm>
+              <a:off x="2710070" y="2196325"/>
+              <a:ext cx="6561412" cy="369332"/>
+            </a:xfrm>
+            <a:prstGeom prst="rect">
+              <a:avLst/>
+            </a:prstGeom>
+            <a:noFill/>
+          </p:spPr>
+          <p:txBody>
+            <a:bodyPr wrap="none" rtlCol="0">
+              <a:spAutoFit/>
+            </a:bodyPr>
+            <a:lstStyle/>
+            <a:p>
+              <a:r>
+                <a:rPr lang="ko-KR" altLang="en-US" dirty="0"/>
+                <a:t>방해 이벤트 </a:t>
+              </a:r>
+              <a:r>
+                <a:rPr lang="en-US" altLang="ko-KR" dirty="0"/>
+                <a:t>1 : </a:t>
+              </a:r>
+              <a:r>
+                <a:rPr lang="ko-KR" altLang="en-US" dirty="0"/>
+                <a:t>해결</a:t>
+              </a:r>
+              <a:r>
+                <a:rPr lang="en-US" altLang="ko-KR" dirty="0"/>
+                <a:t>---------------------------------------------</a:t>
+              </a:r>
+              <a:endParaRPr lang="ko-KR" altLang="en-US" dirty="0"/>
+            </a:p>
+          </p:txBody>
+        </p:sp>
+        <p:pic>
+          <p:nvPicPr>
+            <p:cNvPr id="26" name="그래픽 25" descr="확인란 선택됨 단색으로 채워진">
+              <a:extLst>
+                <a:ext uri="{FF2B5EF4-FFF2-40B4-BE49-F238E27FC236}">
+                  <a16:creationId xmlns:a16="http://schemas.microsoft.com/office/drawing/2014/main" id="{B0713A76-29A3-F9A1-CF1C-3C8AC1A3A2D1}"/>
+                </a:ext>
+              </a:extLst>
+            </p:cNvPr>
+            <p:cNvPicPr>
+              <a:picLocks noChangeAspect="1"/>
+            </p:cNvPicPr>
+            <p:nvPr/>
+          </p:nvPicPr>
+          <p:blipFill>
+            <a:blip r:embed="rId2">
+              <a:extLst>
+                <a:ext uri="{96DAC541-7B7A-43D3-8B79-37D633B846F1}">
+                  <asvg:svgBlip xmlns:asvg="http://schemas.microsoft.com/office/drawing/2016/SVG/main" r:embed="rId3"/>
+                </a:ext>
+              </a:extLst>
+            </a:blip>
+            <a:stretch>
+              <a:fillRect/>
+            </a:stretch>
+          </p:blipFill>
+          <p:spPr>
+            <a:xfrm>
+              <a:off x="9067618" y="2200991"/>
+              <a:ext cx="360000" cy="360000"/>
+            </a:xfrm>
+            <a:prstGeom prst="rect">
+              <a:avLst/>
+            </a:prstGeom>
+          </p:spPr>
+        </p:pic>
+      </p:grpSp>
+      <p:grpSp>
+        <p:nvGrpSpPr>
+          <p:cNvPr id="30" name="그룹 29">
+            <a:extLst>
+              <a:ext uri="{FF2B5EF4-FFF2-40B4-BE49-F238E27FC236}">
+                <a16:creationId xmlns:a16="http://schemas.microsoft.com/office/drawing/2014/main" id="{2ABA7D9C-3848-4F33-DF22-1D0E98FA522D}"/>
+              </a:ext>
+            </a:extLst>
+          </p:cNvPr>
+          <p:cNvGrpSpPr/>
+          <p:nvPr/>
+        </p:nvGrpSpPr>
+        <p:grpSpPr>
+          <a:xfrm>
+            <a:off x="2737226" y="2984238"/>
+            <a:ext cx="6717548" cy="369332"/>
+            <a:chOff x="2710070" y="2196325"/>
+            <a:chExt cx="6717548" cy="369332"/>
+          </a:xfrm>
+        </p:grpSpPr>
+        <p:sp>
+          <p:nvSpPr>
+            <p:cNvPr id="31" name="TextBox 30">
+              <a:extLst>
+                <a:ext uri="{FF2B5EF4-FFF2-40B4-BE49-F238E27FC236}">
+                  <a16:creationId xmlns:a16="http://schemas.microsoft.com/office/drawing/2014/main" id="{4DC3594B-4ED3-0404-BB03-428EB5DDB41A}"/>
+                </a:ext>
+              </a:extLst>
+            </p:cNvPr>
+            <p:cNvSpPr txBox="1"/>
+            <p:nvPr/>
+          </p:nvSpPr>
+          <p:spPr>
+            <a:xfrm>
+              <a:off x="2710070" y="2196325"/>
+              <a:ext cx="6561412" cy="369332"/>
+            </a:xfrm>
+            <a:prstGeom prst="rect">
+              <a:avLst/>
+            </a:prstGeom>
+            <a:noFill/>
+          </p:spPr>
+          <p:txBody>
+            <a:bodyPr wrap="none" rtlCol="0">
+              <a:spAutoFit/>
+            </a:bodyPr>
+            <a:lstStyle/>
+            <a:p>
+              <a:r>
+                <a:rPr lang="ko-KR" altLang="en-US" dirty="0"/>
+                <a:t>방해 이벤트 </a:t>
+              </a:r>
+              <a:r>
+                <a:rPr lang="en-US" altLang="ko-KR" dirty="0"/>
+                <a:t>1 : </a:t>
+              </a:r>
+              <a:r>
+                <a:rPr lang="ko-KR" altLang="en-US" dirty="0"/>
+                <a:t>해결</a:t>
+              </a:r>
+              <a:r>
+                <a:rPr lang="en-US" altLang="ko-KR" dirty="0"/>
+                <a:t>---------------------------------------------</a:t>
+              </a:r>
+              <a:endParaRPr lang="ko-KR" altLang="en-US" dirty="0"/>
+            </a:p>
+          </p:txBody>
+        </p:sp>
+        <p:pic>
+          <p:nvPicPr>
+            <p:cNvPr id="32" name="그래픽 31" descr="확인란 선택됨 단색으로 채워진">
+              <a:extLst>
+                <a:ext uri="{FF2B5EF4-FFF2-40B4-BE49-F238E27FC236}">
+                  <a16:creationId xmlns:a16="http://schemas.microsoft.com/office/drawing/2014/main" id="{25E741E6-4775-ECB7-5B45-440657301ED6}"/>
+                </a:ext>
+              </a:extLst>
+            </p:cNvPr>
+            <p:cNvPicPr>
+              <a:picLocks noChangeAspect="1"/>
+            </p:cNvPicPr>
+            <p:nvPr/>
+          </p:nvPicPr>
+          <p:blipFill>
+            <a:blip r:embed="rId2">
+              <a:extLst>
+                <a:ext uri="{96DAC541-7B7A-43D3-8B79-37D633B846F1}">
+                  <asvg:svgBlip xmlns:asvg="http://schemas.microsoft.com/office/drawing/2016/SVG/main" r:embed="rId3"/>
+                </a:ext>
+              </a:extLst>
+            </a:blip>
+            <a:stretch>
+              <a:fillRect/>
+            </a:stretch>
+          </p:blipFill>
+          <p:spPr>
+            <a:xfrm>
+              <a:off x="9067618" y="2200991"/>
+              <a:ext cx="360000" cy="360000"/>
+            </a:xfrm>
+            <a:prstGeom prst="rect">
+              <a:avLst/>
+            </a:prstGeom>
+          </p:spPr>
+        </p:pic>
+      </p:grpSp>
+      <p:grpSp>
+        <p:nvGrpSpPr>
+          <p:cNvPr id="33" name="그룹 32">
+            <a:extLst>
+              <a:ext uri="{FF2B5EF4-FFF2-40B4-BE49-F238E27FC236}">
+                <a16:creationId xmlns:a16="http://schemas.microsoft.com/office/drawing/2014/main" id="{C4CD4D78-D823-05AF-DEB8-889952EFB69E}"/>
+              </a:ext>
+            </a:extLst>
+          </p:cNvPr>
+          <p:cNvGrpSpPr/>
+          <p:nvPr/>
+        </p:nvGrpSpPr>
+        <p:grpSpPr>
+          <a:xfrm>
+            <a:off x="2737226" y="3399350"/>
+            <a:ext cx="6717548" cy="369332"/>
+            <a:chOff x="2710070" y="2196325"/>
+            <a:chExt cx="6717548" cy="369332"/>
+          </a:xfrm>
+        </p:grpSpPr>
+        <p:sp>
+          <p:nvSpPr>
+            <p:cNvPr id="34" name="TextBox 33">
+              <a:extLst>
+                <a:ext uri="{FF2B5EF4-FFF2-40B4-BE49-F238E27FC236}">
+                  <a16:creationId xmlns:a16="http://schemas.microsoft.com/office/drawing/2014/main" id="{539C1C3D-7978-C345-DDB1-FD78EB374AD2}"/>
+                </a:ext>
+              </a:extLst>
+            </p:cNvPr>
+            <p:cNvSpPr txBox="1"/>
+            <p:nvPr/>
+          </p:nvSpPr>
+          <p:spPr>
+            <a:xfrm>
+              <a:off x="2710070" y="2196325"/>
+              <a:ext cx="6561412" cy="369332"/>
+            </a:xfrm>
+            <a:prstGeom prst="rect">
+              <a:avLst/>
+            </a:prstGeom>
+            <a:noFill/>
+          </p:spPr>
+          <p:txBody>
+            <a:bodyPr wrap="none" rtlCol="0">
+              <a:spAutoFit/>
+            </a:bodyPr>
+            <a:lstStyle/>
+            <a:p>
+              <a:r>
+                <a:rPr lang="ko-KR" altLang="en-US" dirty="0"/>
+                <a:t>방해 이벤트 </a:t>
+              </a:r>
+              <a:r>
+                <a:rPr lang="en-US" altLang="ko-KR" dirty="0"/>
+                <a:t>3 : </a:t>
+              </a:r>
+              <a:r>
+                <a:rPr lang="ko-KR" altLang="en-US" dirty="0"/>
+                <a:t>해결</a:t>
+              </a:r>
+              <a:r>
+                <a:rPr lang="en-US" altLang="ko-KR" dirty="0"/>
+                <a:t>---------------------------------------------</a:t>
+              </a:r>
+              <a:endParaRPr lang="ko-KR" altLang="en-US" dirty="0"/>
+            </a:p>
+          </p:txBody>
+        </p:sp>
+        <p:pic>
+          <p:nvPicPr>
+            <p:cNvPr id="35" name="그래픽 34" descr="확인란 선택됨 단색으로 채워진">
+              <a:extLst>
+                <a:ext uri="{FF2B5EF4-FFF2-40B4-BE49-F238E27FC236}">
+                  <a16:creationId xmlns:a16="http://schemas.microsoft.com/office/drawing/2014/main" id="{E49B7D79-7879-C015-52AF-62B07F2225CE}"/>
+                </a:ext>
+              </a:extLst>
+            </p:cNvPr>
+            <p:cNvPicPr>
+              <a:picLocks noChangeAspect="1"/>
+            </p:cNvPicPr>
+            <p:nvPr/>
+          </p:nvPicPr>
+          <p:blipFill>
+            <a:blip r:embed="rId2">
+              <a:extLst>
+                <a:ext uri="{96DAC541-7B7A-43D3-8B79-37D633B846F1}">
+                  <asvg:svgBlip xmlns:asvg="http://schemas.microsoft.com/office/drawing/2016/SVG/main" r:embed="rId3"/>
+                </a:ext>
+              </a:extLst>
+            </a:blip>
+            <a:stretch>
+              <a:fillRect/>
+            </a:stretch>
+          </p:blipFill>
+          <p:spPr>
+            <a:xfrm>
+              <a:off x="9067618" y="2200991"/>
+              <a:ext cx="360000" cy="360000"/>
+            </a:xfrm>
+            <a:prstGeom prst="rect">
+              <a:avLst/>
+            </a:prstGeom>
+          </p:spPr>
+        </p:pic>
+      </p:grpSp>
+      <p:grpSp>
+        <p:nvGrpSpPr>
+          <p:cNvPr id="36" name="그룹 35">
+            <a:extLst>
+              <a:ext uri="{FF2B5EF4-FFF2-40B4-BE49-F238E27FC236}">
+                <a16:creationId xmlns:a16="http://schemas.microsoft.com/office/drawing/2014/main" id="{2A5F8F40-1C88-3C87-F573-8121AC0CDF70}"/>
+              </a:ext>
+            </a:extLst>
+          </p:cNvPr>
+          <p:cNvGrpSpPr/>
+          <p:nvPr/>
+        </p:nvGrpSpPr>
+        <p:grpSpPr>
+          <a:xfrm>
+            <a:off x="2737226" y="3814461"/>
+            <a:ext cx="6717548" cy="369332"/>
+            <a:chOff x="2710070" y="2196325"/>
+            <a:chExt cx="6717548" cy="369332"/>
+          </a:xfrm>
+        </p:grpSpPr>
+        <p:sp>
+          <p:nvSpPr>
+            <p:cNvPr id="37" name="TextBox 36">
+              <a:extLst>
+                <a:ext uri="{FF2B5EF4-FFF2-40B4-BE49-F238E27FC236}">
+                  <a16:creationId xmlns:a16="http://schemas.microsoft.com/office/drawing/2014/main" id="{A783A2CF-B3DE-1474-A649-406B70AF8DED}"/>
+                </a:ext>
+              </a:extLst>
+            </p:cNvPr>
+            <p:cNvSpPr txBox="1"/>
+            <p:nvPr/>
+          </p:nvSpPr>
+          <p:spPr>
+            <a:xfrm>
+              <a:off x="2710070" y="2196325"/>
+              <a:ext cx="6561412" cy="369332"/>
+            </a:xfrm>
+            <a:prstGeom prst="rect">
+              <a:avLst/>
+            </a:prstGeom>
+            <a:noFill/>
+          </p:spPr>
+          <p:txBody>
+            <a:bodyPr wrap="none" rtlCol="0">
+              <a:spAutoFit/>
+            </a:bodyPr>
+            <a:lstStyle/>
+            <a:p>
+              <a:r>
+                <a:rPr lang="ko-KR" altLang="en-US" dirty="0" err="1"/>
+                <a:t>히든</a:t>
+              </a:r>
+              <a:r>
+                <a:rPr lang="ko-KR" altLang="en-US" dirty="0"/>
+                <a:t> 이벤트 </a:t>
+              </a:r>
+              <a:r>
+                <a:rPr lang="en-US" altLang="ko-KR" dirty="0"/>
+                <a:t>1 : </a:t>
+              </a:r>
+              <a:r>
+                <a:rPr lang="ko-KR" altLang="en-US" dirty="0"/>
+                <a:t>해결</a:t>
+              </a:r>
+              <a:r>
+                <a:rPr lang="en-US" altLang="ko-KR" dirty="0"/>
+                <a:t>---------------------------------------------</a:t>
+              </a:r>
+              <a:endParaRPr lang="ko-KR" altLang="en-US" dirty="0"/>
+            </a:p>
+          </p:txBody>
+        </p:sp>
+        <p:pic>
+          <p:nvPicPr>
+            <p:cNvPr id="38" name="그래픽 37" descr="확인란 선택됨 단색으로 채워진">
+              <a:extLst>
+                <a:ext uri="{FF2B5EF4-FFF2-40B4-BE49-F238E27FC236}">
+                  <a16:creationId xmlns:a16="http://schemas.microsoft.com/office/drawing/2014/main" id="{110DC444-39A5-0D61-2CD5-BE50221471A7}"/>
+                </a:ext>
+              </a:extLst>
+            </p:cNvPr>
+            <p:cNvPicPr>
+              <a:picLocks noChangeAspect="1"/>
+            </p:cNvPicPr>
+            <p:nvPr/>
+          </p:nvPicPr>
+          <p:blipFill>
+            <a:blip r:embed="rId2">
+              <a:extLst>
+                <a:ext uri="{96DAC541-7B7A-43D3-8B79-37D633B846F1}">
+                  <asvg:svgBlip xmlns:asvg="http://schemas.microsoft.com/office/drawing/2016/SVG/main" r:embed="rId3"/>
+                </a:ext>
+              </a:extLst>
+            </a:blip>
+            <a:stretch>
+              <a:fillRect/>
+            </a:stretch>
+          </p:blipFill>
+          <p:spPr>
+            <a:xfrm>
+              <a:off x="9067618" y="2200991"/>
+              <a:ext cx="360000" cy="360000"/>
+            </a:xfrm>
+            <a:prstGeom prst="rect">
+              <a:avLst/>
+            </a:prstGeom>
+          </p:spPr>
+        </p:pic>
+      </p:grpSp>
+      <p:sp>
+        <p:nvSpPr>
+          <p:cNvPr id="39" name="직사각형 38">
+            <a:extLst>
+              <a:ext uri="{FF2B5EF4-FFF2-40B4-BE49-F238E27FC236}">
+                <a16:creationId xmlns:a16="http://schemas.microsoft.com/office/drawing/2014/main" id="{83264B44-7972-67A8-10D0-CA87E463ED08}"/>
+              </a:ext>
+            </a:extLst>
+          </p:cNvPr>
+          <p:cNvSpPr/>
+          <p:nvPr/>
+        </p:nvSpPr>
+        <p:spPr>
+          <a:xfrm>
+            <a:off x="8322365" y="4472609"/>
+            <a:ext cx="1132409" cy="369332"/>
+          </a:xfrm>
+          <a:prstGeom prst="rect">
+            <a:avLst/>
+          </a:prstGeom>
+        </p:spPr>
+        <p:style>
+          <a:lnRef idx="2">
+            <a:schemeClr val="accent1">
+              <a:shade val="15000"/>
+            </a:schemeClr>
+          </a:lnRef>
+          <a:fillRef idx="1">
+            <a:schemeClr val="accent1"/>
+          </a:fillRef>
+          <a:effectRef idx="0">
+            <a:schemeClr val="accent1"/>
+          </a:effectRef>
+          <a:fontRef idx="minor">
+            <a:schemeClr val="lt1"/>
+          </a:fontRef>
+        </p:style>
+        <p:txBody>
+          <a:bodyPr rtlCol="0" anchor="ctr"/>
+          <a:lstStyle/>
+          <a:p>
+            <a:pPr algn="ctr"/>
+            <a:r>
+              <a:rPr lang="ko-KR" altLang="en-US" sz="1400"/>
+              <a:t>다음으로</a:t>
             </a:r>
           </a:p>
         </p:txBody>
@@ -3699,7 +4491,7 @@
           <p:nvPr>
             <p:extLst>
               <p:ext uri="{D42A27DB-BD31-4B8C-83A1-F6EECF244321}">
-                <p14:modId xmlns:p14="http://schemas.microsoft.com/office/powerpoint/2010/main" val="3482773068"/>
+                <p14:modId xmlns:p14="http://schemas.microsoft.com/office/powerpoint/2010/main" val="3527909115"/>
               </p:ext>
             </p:extLst>
           </p:nvPr>
@@ -3753,7 +4545,7 @@
                       <a:pPr algn="ctr" latinLnBrk="1"/>
                       <a:r>
                         <a:rPr lang="ko-KR" altLang="en-US" dirty="0"/>
-                        <a:t>수치</a:t>
+                        <a:t>해결한 요소</a:t>
                       </a:r>
                     </a:p>
                   </a:txBody>
@@ -3826,7 +4618,7 @@
                       <a:pPr latinLnBrk="1"/>
                       <a:r>
                         <a:rPr lang="en-US" altLang="ko-KR" dirty="0"/>
-                        <a:t>100</a:t>
+                        <a:t>2</a:t>
                       </a:r>
                       <a:endParaRPr lang="ko-KR" altLang="en-US" dirty="0"/>
                     </a:p>
@@ -3863,7 +4655,7 @@
                       <a:pPr latinLnBrk="1"/>
                       <a:r>
                         <a:rPr lang="en-US" altLang="ko-KR" dirty="0"/>
-                        <a:t>300</a:t>
+                        <a:t>3</a:t>
                       </a:r>
                       <a:endParaRPr lang="ko-KR" altLang="en-US" dirty="0"/>
                     </a:p>
@@ -3900,7 +4692,7 @@
                       <a:pPr latinLnBrk="1"/>
                       <a:r>
                         <a:rPr lang="en-US" altLang="ko-KR" dirty="0"/>
-                        <a:t>500</a:t>
+                        <a:t>5</a:t>
                       </a:r>
                       <a:endParaRPr lang="ko-KR" altLang="en-US" dirty="0"/>
                     </a:p>
@@ -3931,134 +4723,6 @@
 </file>
 
 <file path=ppt/slides/slide12.xml><?xml version="1.0" encoding="utf-8"?>
-<p:sld xmlns:a="http://schemas.openxmlformats.org/drawingml/2006/main" xmlns:r="http://schemas.openxmlformats.org/officeDocument/2006/relationships" xmlns:p="http://schemas.openxmlformats.org/presentationml/2006/main">
-  <p:cSld>
-    <p:spTree>
-      <p:nvGrpSpPr>
-        <p:cNvPr id="1" name="">
-          <a:extLst>
-            <a:ext uri="{FF2B5EF4-FFF2-40B4-BE49-F238E27FC236}">
-              <a16:creationId xmlns:a16="http://schemas.microsoft.com/office/drawing/2014/main" id="{3B7111E8-59EF-91E7-AA2D-88DE65E1DA95}"/>
-            </a:ext>
-          </a:extLst>
-        </p:cNvPr>
-        <p:cNvGrpSpPr/>
-        <p:nvPr/>
-      </p:nvGrpSpPr>
-      <p:grpSpPr>
-        <a:xfrm>
-          <a:off x="0" y="0"/>
-          <a:ext cx="0" cy="0"/>
-          <a:chOff x="0" y="0"/>
-          <a:chExt cx="0" cy="0"/>
-        </a:xfrm>
-      </p:grpSpPr>
-      <p:sp>
-        <p:nvSpPr>
-          <p:cNvPr id="2" name="제목 1">
-            <a:extLst>
-              <a:ext uri="{FF2B5EF4-FFF2-40B4-BE49-F238E27FC236}">
-                <a16:creationId xmlns:a16="http://schemas.microsoft.com/office/drawing/2014/main" id="{FCB9ED87-44EB-75F1-3B6B-B11EE06078FA}"/>
-              </a:ext>
-            </a:extLst>
-          </p:cNvPr>
-          <p:cNvSpPr>
-            <a:spLocks noGrp="1"/>
-          </p:cNvSpPr>
-          <p:nvPr>
-            <p:ph type="title"/>
-          </p:nvPr>
-        </p:nvSpPr>
-        <p:spPr>
-          <a:xfrm>
-            <a:off x="94228" y="89491"/>
-            <a:ext cx="10515600" cy="923331"/>
-          </a:xfrm>
-        </p:spPr>
-        <p:txBody>
-          <a:bodyPr/>
-          <a:lstStyle/>
-          <a:p>
-            <a:r>
-              <a:rPr lang="ko-KR" altLang="en-US" dirty="0"/>
-              <a:t>게임 결과 </a:t>
-            </a:r>
-            <a:r>
-              <a:rPr lang="en-US" altLang="ko-KR" dirty="0"/>
-              <a:t>- </a:t>
-            </a:r>
-            <a:r>
-              <a:rPr lang="ko-KR" altLang="en-US" dirty="0"/>
-              <a:t>상세</a:t>
-            </a:r>
-          </a:p>
-        </p:txBody>
-      </p:sp>
-      <p:sp>
-        <p:nvSpPr>
-          <p:cNvPr id="3" name="TextBox 2">
-            <a:extLst>
-              <a:ext uri="{FF2B5EF4-FFF2-40B4-BE49-F238E27FC236}">
-                <a16:creationId xmlns:a16="http://schemas.microsoft.com/office/drawing/2014/main" id="{36F81AB4-D790-9D5A-CDC1-04F397CF922F}"/>
-              </a:ext>
-            </a:extLst>
-          </p:cNvPr>
-          <p:cNvSpPr txBox="1"/>
-          <p:nvPr/>
-        </p:nvSpPr>
-        <p:spPr>
-          <a:xfrm>
-            <a:off x="430696" y="4810540"/>
-            <a:ext cx="8589211" cy="369332"/>
-          </a:xfrm>
-          <a:prstGeom prst="rect">
-            <a:avLst/>
-          </a:prstGeom>
-          <a:noFill/>
-        </p:spPr>
-        <p:txBody>
-          <a:bodyPr wrap="none" rtlCol="0">
-            <a:spAutoFit/>
-          </a:bodyPr>
-          <a:lstStyle/>
-          <a:p>
-            <a:pPr marL="285750" indent="-285750">
-              <a:buFont typeface="Arial" panose="020B0604020202020204" pitchFamily="34" charset="0"/>
-              <a:buChar char="•"/>
-            </a:pPr>
-            <a:r>
-              <a:rPr lang="ko-KR" altLang="en-US" dirty="0"/>
-              <a:t>엔딩에서 해결한 방해 이벤트들과 게임 클리어 여부를 나타내는 </a:t>
-            </a:r>
-            <a:r>
-              <a:rPr lang="en-US" altLang="ko-KR" dirty="0"/>
-              <a:t>UI</a:t>
-            </a:r>
-            <a:r>
-              <a:rPr lang="ko-KR" altLang="en-US" dirty="0"/>
-              <a:t>를 나타낸다</a:t>
-            </a:r>
-            <a:r>
-              <a:rPr lang="en-US" altLang="ko-KR" dirty="0"/>
-              <a:t>.</a:t>
-            </a:r>
-          </a:p>
-        </p:txBody>
-      </p:sp>
-    </p:spTree>
-    <p:extLst>
-      <p:ext uri="{BB962C8B-B14F-4D97-AF65-F5344CB8AC3E}">
-        <p14:creationId xmlns:p14="http://schemas.microsoft.com/office/powerpoint/2010/main" val="408824110"/>
-      </p:ext>
-    </p:extLst>
-  </p:cSld>
-  <p:clrMapOvr>
-    <a:masterClrMapping/>
-  </p:clrMapOvr>
-</p:sld>
-</file>
-
-<file path=ppt/slides/slide13.xml><?xml version="1.0" encoding="utf-8"?>
 <p:sld xmlns:a="http://schemas.openxmlformats.org/drawingml/2006/main" xmlns:r="http://schemas.openxmlformats.org/officeDocument/2006/relationships" xmlns:p="http://schemas.openxmlformats.org/presentationml/2006/main">
   <p:cSld>
     <p:spTree>
@@ -4173,7 +4837,7 @@
 </p:sld>
 </file>
 
-<file path=ppt/slides/slide14.xml><?xml version="1.0" encoding="utf-8"?>
+<file path=ppt/slides/slide13.xml><?xml version="1.0" encoding="utf-8"?>
 <p:sld xmlns:a="http://schemas.openxmlformats.org/drawingml/2006/main" xmlns:r="http://schemas.openxmlformats.org/officeDocument/2006/relationships" xmlns:p="http://schemas.openxmlformats.org/presentationml/2006/main">
   <p:cSld>
     <p:spTree>
@@ -4306,7 +4970,7 @@
 </p:sld>
 </file>
 
-<file path=ppt/slides/slide15.xml><?xml version="1.0" encoding="utf-8"?>
+<file path=ppt/slides/slide14.xml><?xml version="1.0" encoding="utf-8"?>
 <p:sld xmlns:a="http://schemas.openxmlformats.org/drawingml/2006/main" xmlns:r="http://schemas.openxmlformats.org/officeDocument/2006/relationships" xmlns:p="http://schemas.openxmlformats.org/presentationml/2006/main">
   <p:cSld>
     <p:spTree>
@@ -5977,7 +6641,7 @@
 </p:sld>
 </file>
 
-<file path=ppt/slides/slide16.xml><?xml version="1.0" encoding="utf-8"?>
+<file path=ppt/slides/slide15.xml><?xml version="1.0" encoding="utf-8"?>
 <p:sld xmlns:a="http://schemas.openxmlformats.org/drawingml/2006/main" xmlns:r="http://schemas.openxmlformats.org/officeDocument/2006/relationships" xmlns:p="http://schemas.openxmlformats.org/presentationml/2006/main">
   <p:cSld>
     <p:spTree>
@@ -8877,7 +9541,7 @@
 </p:sld>
 </file>
 
-<file path=ppt/slides/slide17.xml><?xml version="1.0" encoding="utf-8"?>
+<file path=ppt/slides/slide16.xml><?xml version="1.0" encoding="utf-8"?>
 <p:sld xmlns:a="http://schemas.openxmlformats.org/drawingml/2006/main" xmlns:r="http://schemas.openxmlformats.org/officeDocument/2006/relationships" xmlns:p="http://schemas.openxmlformats.org/presentationml/2006/main">
   <p:cSld>
     <p:spTree>
@@ -9461,7 +10125,7 @@
 </p:sld>
 </file>
 
-<file path=ppt/slides/slide18.xml><?xml version="1.0" encoding="utf-8"?>
+<file path=ppt/slides/slide17.xml><?xml version="1.0" encoding="utf-8"?>
 <p:sld xmlns:a="http://schemas.openxmlformats.org/drawingml/2006/main" xmlns:r="http://schemas.openxmlformats.org/officeDocument/2006/relationships" xmlns:p="http://schemas.openxmlformats.org/presentationml/2006/main">
   <p:cSld>
     <p:spTree>
@@ -9693,7 +10357,7 @@
 </p:sld>
 </file>
 
-<file path=ppt/slides/slide19.xml><?xml version="1.0" encoding="utf-8"?>
+<file path=ppt/slides/slide18.xml><?xml version="1.0" encoding="utf-8"?>
 <p:sld xmlns:a="http://schemas.openxmlformats.org/drawingml/2006/main" xmlns:r="http://schemas.openxmlformats.org/officeDocument/2006/relationships" xmlns:p="http://schemas.openxmlformats.org/presentationml/2006/main">
   <p:cSld>
     <p:spTree>
@@ -9762,139 +10426,7 @@
 </p:sld>
 </file>
 
-<file path=ppt/slides/slide2.xml><?xml version="1.0" encoding="utf-8"?>
-<p:sld xmlns:a="http://schemas.openxmlformats.org/drawingml/2006/main" xmlns:r="http://schemas.openxmlformats.org/officeDocument/2006/relationships" xmlns:p="http://schemas.openxmlformats.org/presentationml/2006/main">
-  <p:cSld>
-    <p:spTree>
-      <p:nvGrpSpPr>
-        <p:cNvPr id="1" name=""/>
-        <p:cNvGrpSpPr/>
-        <p:nvPr/>
-      </p:nvGrpSpPr>
-      <p:grpSpPr>
-        <a:xfrm>
-          <a:off x="0" y="0"/>
-          <a:ext cx="0" cy="0"/>
-          <a:chOff x="0" y="0"/>
-          <a:chExt cx="0" cy="0"/>
-        </a:xfrm>
-      </p:grpSpPr>
-      <p:sp>
-        <p:nvSpPr>
-          <p:cNvPr id="2" name="제목 1">
-            <a:extLst>
-              <a:ext uri="{FF2B5EF4-FFF2-40B4-BE49-F238E27FC236}">
-                <a16:creationId xmlns:a16="http://schemas.microsoft.com/office/drawing/2014/main" id="{A98C5DAA-04DD-6E5F-D5B8-53D9BA4F7B2F}"/>
-              </a:ext>
-            </a:extLst>
-          </p:cNvPr>
-          <p:cNvSpPr>
-            <a:spLocks noGrp="1"/>
-          </p:cNvSpPr>
-          <p:nvPr>
-            <p:ph type="title"/>
-          </p:nvPr>
-        </p:nvSpPr>
-        <p:spPr>
-          <a:xfrm>
-            <a:off x="96078" y="93455"/>
-            <a:ext cx="10515600" cy="1325563"/>
-          </a:xfrm>
-        </p:spPr>
-        <p:txBody>
-          <a:bodyPr/>
-          <a:lstStyle/>
-          <a:p>
-            <a:r>
-              <a:rPr lang="ko-KR" altLang="en-US" dirty="0"/>
-              <a:t>목차</a:t>
-            </a:r>
-          </a:p>
-        </p:txBody>
-      </p:sp>
-      <p:sp>
-        <p:nvSpPr>
-          <p:cNvPr id="3" name="TextBox 2">
-            <a:extLst>
-              <a:ext uri="{FF2B5EF4-FFF2-40B4-BE49-F238E27FC236}">
-                <a16:creationId xmlns:a16="http://schemas.microsoft.com/office/drawing/2014/main" id="{022A8A03-D221-2178-2291-1CA8456E93D0}"/>
-              </a:ext>
-            </a:extLst>
-          </p:cNvPr>
-          <p:cNvSpPr txBox="1"/>
-          <p:nvPr/>
-        </p:nvSpPr>
-        <p:spPr>
-          <a:xfrm>
-            <a:off x="563217" y="1517374"/>
-            <a:ext cx="1709122" cy="923330"/>
-          </a:xfrm>
-          <a:prstGeom prst="rect">
-            <a:avLst/>
-          </a:prstGeom>
-          <a:noFill/>
-        </p:spPr>
-        <p:txBody>
-          <a:bodyPr wrap="none" rtlCol="0">
-            <a:spAutoFit/>
-          </a:bodyPr>
-          <a:lstStyle/>
-          <a:p>
-            <a:pPr marL="285750" indent="-285750">
-              <a:buFont typeface="Arial" panose="020B0604020202020204" pitchFamily="34" charset="0"/>
-              <a:buChar char="•"/>
-            </a:pPr>
-            <a:r>
-              <a:rPr lang="ko-KR" altLang="en-US" dirty="0"/>
-              <a:t>게임</a:t>
-            </a:r>
-            <a:r>
-              <a:rPr lang="en-US" altLang="ko-KR" dirty="0"/>
-              <a:t> </a:t>
-            </a:r>
-            <a:r>
-              <a:rPr lang="ko-KR" altLang="en-US" dirty="0"/>
-              <a:t>개요</a:t>
-            </a:r>
-            <a:endParaRPr lang="en-US" altLang="ko-KR" dirty="0"/>
-          </a:p>
-          <a:p>
-            <a:pPr marL="285750" indent="-285750">
-              <a:buFont typeface="Arial" panose="020B0604020202020204" pitchFamily="34" charset="0"/>
-              <a:buChar char="•"/>
-            </a:pPr>
-            <a:r>
-              <a:rPr lang="ko-KR" altLang="en-US" dirty="0"/>
-              <a:t>플레이 방식</a:t>
-            </a:r>
-            <a:endParaRPr lang="en-US" altLang="ko-KR" dirty="0"/>
-          </a:p>
-          <a:p>
-            <a:pPr marL="285750" indent="-285750">
-              <a:buFont typeface="Arial" panose="020B0604020202020204" pitchFamily="34" charset="0"/>
-              <a:buChar char="•"/>
-            </a:pPr>
-            <a:r>
-              <a:rPr lang="ko-KR" altLang="en-US" dirty="0"/>
-              <a:t>게임 컨텐츠</a:t>
-            </a:r>
-          </a:p>
-        </p:txBody>
-      </p:sp>
-    </p:spTree>
-    <p:extLst>
-      <p:ext uri="{BB962C8B-B14F-4D97-AF65-F5344CB8AC3E}">
-        <p14:creationId xmlns:p14="http://schemas.microsoft.com/office/powerpoint/2010/main" val="836240426"/>
-      </p:ext>
-    </p:extLst>
-  </p:cSld>
-  <p:clrMapOvr>
-    <a:masterClrMapping/>
-  </p:clrMapOvr>
-</p:sld>
-</file>
-
-<file path=ppt/slides/slide20.xml><?xml version="1.0" encoding="utf-8"?>
+<file path=ppt/slides/slide19.xml><?xml version="1.0" encoding="utf-8"?>
 <p:sld xmlns:a="http://schemas.openxmlformats.org/drawingml/2006/main" xmlns:r="http://schemas.openxmlformats.org/officeDocument/2006/relationships" xmlns:p="http://schemas.openxmlformats.org/presentationml/2006/main">
   <p:cSld>
     <p:spTree>
@@ -10226,7 +10758,139 @@
 </p:sld>
 </file>
 
-<file path=ppt/slides/slide21.xml><?xml version="1.0" encoding="utf-8"?>
+<file path=ppt/slides/slide2.xml><?xml version="1.0" encoding="utf-8"?>
+<p:sld xmlns:a="http://schemas.openxmlformats.org/drawingml/2006/main" xmlns:r="http://schemas.openxmlformats.org/officeDocument/2006/relationships" xmlns:p="http://schemas.openxmlformats.org/presentationml/2006/main">
+  <p:cSld>
+    <p:spTree>
+      <p:nvGrpSpPr>
+        <p:cNvPr id="1" name=""/>
+        <p:cNvGrpSpPr/>
+        <p:nvPr/>
+      </p:nvGrpSpPr>
+      <p:grpSpPr>
+        <a:xfrm>
+          <a:off x="0" y="0"/>
+          <a:ext cx="0" cy="0"/>
+          <a:chOff x="0" y="0"/>
+          <a:chExt cx="0" cy="0"/>
+        </a:xfrm>
+      </p:grpSpPr>
+      <p:sp>
+        <p:nvSpPr>
+          <p:cNvPr id="2" name="제목 1">
+            <a:extLst>
+              <a:ext uri="{FF2B5EF4-FFF2-40B4-BE49-F238E27FC236}">
+                <a16:creationId xmlns:a16="http://schemas.microsoft.com/office/drawing/2014/main" id="{A98C5DAA-04DD-6E5F-D5B8-53D9BA4F7B2F}"/>
+              </a:ext>
+            </a:extLst>
+          </p:cNvPr>
+          <p:cNvSpPr>
+            <a:spLocks noGrp="1"/>
+          </p:cNvSpPr>
+          <p:nvPr>
+            <p:ph type="title"/>
+          </p:nvPr>
+        </p:nvSpPr>
+        <p:spPr>
+          <a:xfrm>
+            <a:off x="96078" y="93455"/>
+            <a:ext cx="10515600" cy="1325563"/>
+          </a:xfrm>
+        </p:spPr>
+        <p:txBody>
+          <a:bodyPr/>
+          <a:lstStyle/>
+          <a:p>
+            <a:r>
+              <a:rPr lang="ko-KR" altLang="en-US" dirty="0"/>
+              <a:t>목차</a:t>
+            </a:r>
+          </a:p>
+        </p:txBody>
+      </p:sp>
+      <p:sp>
+        <p:nvSpPr>
+          <p:cNvPr id="3" name="TextBox 2">
+            <a:extLst>
+              <a:ext uri="{FF2B5EF4-FFF2-40B4-BE49-F238E27FC236}">
+                <a16:creationId xmlns:a16="http://schemas.microsoft.com/office/drawing/2014/main" id="{022A8A03-D221-2178-2291-1CA8456E93D0}"/>
+              </a:ext>
+            </a:extLst>
+          </p:cNvPr>
+          <p:cNvSpPr txBox="1"/>
+          <p:nvPr/>
+        </p:nvSpPr>
+        <p:spPr>
+          <a:xfrm>
+            <a:off x="563217" y="1517374"/>
+            <a:ext cx="1709122" cy="923330"/>
+          </a:xfrm>
+          <a:prstGeom prst="rect">
+            <a:avLst/>
+          </a:prstGeom>
+          <a:noFill/>
+        </p:spPr>
+        <p:txBody>
+          <a:bodyPr wrap="none" rtlCol="0">
+            <a:spAutoFit/>
+          </a:bodyPr>
+          <a:lstStyle/>
+          <a:p>
+            <a:pPr marL="285750" indent="-285750">
+              <a:buFont typeface="Arial" panose="020B0604020202020204" pitchFamily="34" charset="0"/>
+              <a:buChar char="•"/>
+            </a:pPr>
+            <a:r>
+              <a:rPr lang="ko-KR" altLang="en-US" dirty="0"/>
+              <a:t>게임</a:t>
+            </a:r>
+            <a:r>
+              <a:rPr lang="en-US" altLang="ko-KR" dirty="0"/>
+              <a:t> </a:t>
+            </a:r>
+            <a:r>
+              <a:rPr lang="ko-KR" altLang="en-US" dirty="0"/>
+              <a:t>개요</a:t>
+            </a:r>
+            <a:endParaRPr lang="en-US" altLang="ko-KR" dirty="0"/>
+          </a:p>
+          <a:p>
+            <a:pPr marL="285750" indent="-285750">
+              <a:buFont typeface="Arial" panose="020B0604020202020204" pitchFamily="34" charset="0"/>
+              <a:buChar char="•"/>
+            </a:pPr>
+            <a:r>
+              <a:rPr lang="ko-KR" altLang="en-US" dirty="0"/>
+              <a:t>플레이 방식</a:t>
+            </a:r>
+            <a:endParaRPr lang="en-US" altLang="ko-KR" dirty="0"/>
+          </a:p>
+          <a:p>
+            <a:pPr marL="285750" indent="-285750">
+              <a:buFont typeface="Arial" panose="020B0604020202020204" pitchFamily="34" charset="0"/>
+              <a:buChar char="•"/>
+            </a:pPr>
+            <a:r>
+              <a:rPr lang="ko-KR" altLang="en-US" dirty="0"/>
+              <a:t>게임 컨텐츠</a:t>
+            </a:r>
+          </a:p>
+        </p:txBody>
+      </p:sp>
+    </p:spTree>
+    <p:extLst>
+      <p:ext uri="{BB962C8B-B14F-4D97-AF65-F5344CB8AC3E}">
+        <p14:creationId xmlns:p14="http://schemas.microsoft.com/office/powerpoint/2010/main" val="836240426"/>
+      </p:ext>
+    </p:extLst>
+  </p:cSld>
+  <p:clrMapOvr>
+    <a:masterClrMapping/>
+  </p:clrMapOvr>
+</p:sld>
+</file>
+
+<file path=ppt/slides/slide20.xml><?xml version="1.0" encoding="utf-8"?>
 <p:sld xmlns:a="http://schemas.openxmlformats.org/drawingml/2006/main" xmlns:r="http://schemas.openxmlformats.org/officeDocument/2006/relationships" xmlns:p="http://schemas.openxmlformats.org/presentationml/2006/main">
   <p:cSld>
     <p:spTree>

--- a/document/Please Leave me alone!.pptx
+++ b/document/Please Leave me alone!.pptx
@@ -5,7 +5,7 @@
     <p:sldMasterId id="2147483648" r:id="rId1"/>
   </p:sldMasterIdLst>
   <p:notesMasterIdLst>
-    <p:notesMasterId r:id="rId22"/>
+    <p:notesMasterId r:id="rId24"/>
   </p:notesMasterIdLst>
   <p:sldIdLst>
     <p:sldId id="256" r:id="rId2"/>
@@ -19,15 +19,17 @@
     <p:sldId id="264" r:id="rId10"/>
     <p:sldId id="265" r:id="rId11"/>
     <p:sldId id="269" r:id="rId12"/>
-    <p:sldId id="270" r:id="rId13"/>
-    <p:sldId id="272" r:id="rId14"/>
-    <p:sldId id="260" r:id="rId15"/>
-    <p:sldId id="263" r:id="rId16"/>
-    <p:sldId id="266" r:id="rId17"/>
-    <p:sldId id="267" r:id="rId18"/>
-    <p:sldId id="268" r:id="rId19"/>
-    <p:sldId id="276" r:id="rId20"/>
-    <p:sldId id="275" r:id="rId21"/>
+    <p:sldId id="281" r:id="rId13"/>
+    <p:sldId id="282" r:id="rId14"/>
+    <p:sldId id="270" r:id="rId15"/>
+    <p:sldId id="272" r:id="rId16"/>
+    <p:sldId id="260" r:id="rId17"/>
+    <p:sldId id="263" r:id="rId18"/>
+    <p:sldId id="266" r:id="rId19"/>
+    <p:sldId id="267" r:id="rId20"/>
+    <p:sldId id="268" r:id="rId21"/>
+    <p:sldId id="276" r:id="rId22"/>
+    <p:sldId id="275" r:id="rId23"/>
   </p:sldIdLst>
   <p:sldSz cx="12192000" cy="6858000"/>
   <p:notesSz cx="6858000" cy="9144000"/>
@@ -216,7 +218,7 @@
           <a:p>
             <a:fld id="{A9BD1FE7-2F33-4B0D-BA08-1CEE25D4E3DB}" type="datetimeFigureOut">
               <a:rPr lang="ko-KR" altLang="en-US" smtClean="0"/>
-              <a:t>2025-02-02</a:t>
+              <a:t>2025-02-03</a:t>
             </a:fld>
             <a:endParaRPr lang="ko-KR" altLang="en-US"/>
           </a:p>
@@ -630,7 +632,7 @@
           <a:p>
             <a:fld id="{783F481A-738D-4EBC-92BF-08655C0568CC}" type="datetime1">
               <a:rPr lang="ko-KR" altLang="en-US" smtClean="0"/>
-              <a:t>2025-02-02</a:t>
+              <a:t>2025-02-03</a:t>
             </a:fld>
             <a:endParaRPr lang="ko-KR" altLang="en-US"/>
           </a:p>
@@ -828,7 +830,7 @@
           <a:p>
             <a:fld id="{6D9BB776-B79C-4546-8ABA-DA45D9C133A7}" type="datetime1">
               <a:rPr lang="ko-KR" altLang="en-US" smtClean="0"/>
-              <a:t>2025-02-02</a:t>
+              <a:t>2025-02-03</a:t>
             </a:fld>
             <a:endParaRPr lang="ko-KR" altLang="en-US"/>
           </a:p>
@@ -1036,7 +1038,7 @@
           <a:p>
             <a:fld id="{720FF001-C6D3-49EC-8DC3-B2593B1DC1C3}" type="datetime1">
               <a:rPr lang="ko-KR" altLang="en-US" smtClean="0"/>
-              <a:t>2025-02-02</a:t>
+              <a:t>2025-02-03</a:t>
             </a:fld>
             <a:endParaRPr lang="ko-KR" altLang="en-US"/>
           </a:p>
@@ -1234,7 +1236,7 @@
           <a:p>
             <a:fld id="{091E519C-B90B-4A61-8F7D-EA80CD22B7D5}" type="datetime1">
               <a:rPr lang="ko-KR" altLang="en-US" smtClean="0"/>
-              <a:t>2025-02-02</a:t>
+              <a:t>2025-02-03</a:t>
             </a:fld>
             <a:endParaRPr lang="ko-KR" altLang="en-US"/>
           </a:p>
@@ -1509,7 +1511,7 @@
           <a:p>
             <a:fld id="{FD734108-2D59-40E2-B393-1F390391A1FB}" type="datetime1">
               <a:rPr lang="ko-KR" altLang="en-US" smtClean="0"/>
-              <a:t>2025-02-02</a:t>
+              <a:t>2025-02-03</a:t>
             </a:fld>
             <a:endParaRPr lang="ko-KR" altLang="en-US"/>
           </a:p>
@@ -1774,7 +1776,7 @@
           <a:p>
             <a:fld id="{297FF520-CDFD-4316-AC89-B0A764216C4E}" type="datetime1">
               <a:rPr lang="ko-KR" altLang="en-US" smtClean="0"/>
-              <a:t>2025-02-02</a:t>
+              <a:t>2025-02-03</a:t>
             </a:fld>
             <a:endParaRPr lang="ko-KR" altLang="en-US"/>
           </a:p>
@@ -2186,7 +2188,7 @@
           <a:p>
             <a:fld id="{0CF3B42C-2182-4183-A46A-124CD019AF43}" type="datetime1">
               <a:rPr lang="ko-KR" altLang="en-US" smtClean="0"/>
-              <a:t>2025-02-02</a:t>
+              <a:t>2025-02-03</a:t>
             </a:fld>
             <a:endParaRPr lang="ko-KR" altLang="en-US"/>
           </a:p>
@@ -2327,7 +2329,7 @@
           <a:p>
             <a:fld id="{B738F611-77C6-4F89-8E2C-D3A9C27DF43F}" type="datetime1">
               <a:rPr lang="ko-KR" altLang="en-US" smtClean="0"/>
-              <a:t>2025-02-02</a:t>
+              <a:t>2025-02-03</a:t>
             </a:fld>
             <a:endParaRPr lang="ko-KR" altLang="en-US"/>
           </a:p>
@@ -2440,7 +2442,7 @@
           <a:p>
             <a:fld id="{A051748B-BCED-40F0-8EF5-AF075B4618B9}" type="datetime1">
               <a:rPr lang="ko-KR" altLang="en-US" smtClean="0"/>
-              <a:t>2025-02-02</a:t>
+              <a:t>2025-02-03</a:t>
             </a:fld>
             <a:endParaRPr lang="ko-KR" altLang="en-US"/>
           </a:p>
@@ -2751,7 +2753,7 @@
           <a:p>
             <a:fld id="{41DBB85A-8EA7-4277-A6E6-46EF2EEF4790}" type="datetime1">
               <a:rPr lang="ko-KR" altLang="en-US" smtClean="0"/>
-              <a:t>2025-02-02</a:t>
+              <a:t>2025-02-03</a:t>
             </a:fld>
             <a:endParaRPr lang="ko-KR" altLang="en-US"/>
           </a:p>
@@ -3039,7 +3041,7 @@
           <a:p>
             <a:fld id="{BBE44FDA-CB41-4E86-912D-6ECC7574FD7F}" type="datetime1">
               <a:rPr lang="ko-KR" altLang="en-US" smtClean="0"/>
-              <a:t>2025-02-02</a:t>
+              <a:t>2025-02-03</a:t>
             </a:fld>
             <a:endParaRPr lang="ko-KR" altLang="en-US"/>
           </a:p>
@@ -3280,7 +3282,7 @@
           <a:p>
             <a:fld id="{F0992805-70C9-4612-850D-0415F751BF22}" type="datetime1">
               <a:rPr lang="ko-KR" altLang="en-US" smtClean="0"/>
-              <a:t>2025-02-02</a:t>
+              <a:t>2025-02-03</a:t>
             </a:fld>
             <a:endParaRPr lang="ko-KR" altLang="en-US"/>
           </a:p>
@@ -4782,8 +4784,8 @@
         </p:nvSpPr>
         <p:spPr>
           <a:xfrm>
-            <a:off x="430696" y="4810540"/>
-            <a:ext cx="11288668" cy="1477328"/>
+            <a:off x="430696" y="5173870"/>
+            <a:ext cx="8252580" cy="1200329"/>
           </a:xfrm>
           <a:prstGeom prst="rect">
             <a:avLst/>
@@ -4797,12 +4799,12 @@
           <a:lstStyle/>
           <a:p>
             <a:pPr marL="285750" indent="-285750">
-              <a:buFont typeface="Arial" panose="020B0604020202020204" pitchFamily="34" charset="0"/>
-              <a:buChar char="•"/>
+              <a:buFontTx/>
+              <a:buChar char="-"/>
             </a:pPr>
             <a:r>
               <a:rPr lang="ko-KR" altLang="en-US" dirty="0"/>
-              <a:t>게임을 플레이하는 플레이어가 점수를 얻는 것을 방해하는 이벤트이다</a:t>
+              <a:t>방해 이벤트는 플레이어가 미니게임을 진행하는데 방해를 하는 시스템이다</a:t>
             </a:r>
             <a:r>
               <a:rPr lang="en-US" altLang="ko-KR" dirty="0"/>
@@ -4811,12 +4813,12 @@
           </a:p>
           <a:p>
             <a:pPr marL="285750" indent="-285750">
-              <a:buFont typeface="Arial" panose="020B0604020202020204" pitchFamily="34" charset="0"/>
-              <a:buChar char="•"/>
+              <a:buFontTx/>
+              <a:buChar char="-"/>
             </a:pPr>
             <a:r>
               <a:rPr lang="ko-KR" altLang="en-US" dirty="0"/>
-              <a:t>이벤트 마다 해결하는 방식이 다르다</a:t>
+              <a:t>이벤트마다 해결법이 다르며 정해진 해결법을 통해서 해결 할 수 있다</a:t>
             </a:r>
             <a:r>
               <a:rPr lang="en-US" altLang="ko-KR" dirty="0"/>
@@ -4825,36 +4827,12 @@
           </a:p>
           <a:p>
             <a:pPr marL="285750" indent="-285750">
-              <a:buFont typeface="Arial" panose="020B0604020202020204" pitchFamily="34" charset="0"/>
-              <a:buChar char="•"/>
+              <a:buFontTx/>
+              <a:buChar char="-"/>
             </a:pPr>
             <a:r>
               <a:rPr lang="ko-KR" altLang="en-US" dirty="0"/>
-              <a:t>첫 등장시점은 게임 시작 후 </a:t>
-            </a:r>
-            <a:r>
-              <a:rPr lang="en-US" altLang="ko-KR" dirty="0"/>
-              <a:t>1</a:t>
-            </a:r>
-            <a:r>
-              <a:rPr lang="ko-KR" altLang="en-US" dirty="0"/>
-              <a:t>분 뒤이며</a:t>
-            </a:r>
-            <a:r>
-              <a:rPr lang="en-US" altLang="ko-KR" dirty="0"/>
-              <a:t>, </a:t>
-            </a:r>
-            <a:r>
-              <a:rPr lang="ko-KR" altLang="en-US" dirty="0"/>
-              <a:t>매 이벤트를 해결하고 </a:t>
-            </a:r>
-            <a:r>
-              <a:rPr lang="en-US" altLang="ko-KR" dirty="0"/>
-              <a:t>1</a:t>
-            </a:r>
-            <a:r>
-              <a:rPr lang="ko-KR" altLang="en-US" dirty="0"/>
-              <a:t>분이 지난 후에 다음 이벤트가 등장한다</a:t>
+              <a:t>기본 해결법 말고 무시해서 넘길 수 있다</a:t>
             </a:r>
             <a:r>
               <a:rPr lang="en-US" altLang="ko-KR" dirty="0"/>
@@ -4863,34 +4841,12 @@
           </a:p>
           <a:p>
             <a:pPr marL="285750" indent="-285750">
-              <a:buFont typeface="Arial" panose="020B0604020202020204" pitchFamily="34" charset="0"/>
-              <a:buChar char="•"/>
+              <a:buFontTx/>
+              <a:buChar char="-"/>
             </a:pPr>
             <a:r>
               <a:rPr lang="ko-KR" altLang="en-US" dirty="0"/>
-              <a:t>이벤트를 해결하는 조작법은 마우스 클릭을 통해서 해결이 된다</a:t>
-            </a:r>
-            <a:r>
-              <a:rPr lang="en-US" altLang="ko-KR" dirty="0"/>
-              <a:t>.</a:t>
-            </a:r>
-          </a:p>
-          <a:p>
-            <a:pPr marL="285750" indent="-285750">
-              <a:buFont typeface="Arial" panose="020B0604020202020204" pitchFamily="34" charset="0"/>
-              <a:buChar char="•"/>
-            </a:pPr>
-            <a:r>
-              <a:rPr lang="ko-KR" altLang="en-US" dirty="0"/>
-              <a:t>방해 이벤트를 해결 하거나 무시할 수 있는데 무시할 경우 </a:t>
-            </a:r>
-            <a:r>
-              <a:rPr lang="ko-KR" altLang="en-US" dirty="0" err="1"/>
-              <a:t>디메리트가</a:t>
-            </a:r>
-            <a:r>
-              <a:rPr lang="ko-KR" altLang="en-US" dirty="0"/>
-              <a:t> 적용이 된다</a:t>
+              <a:t>특정 이벤트는 해결을 하거나 무시를 할 시 후속 이벤트가 등장한다</a:t>
             </a:r>
             <a:r>
               <a:rPr lang="en-US" altLang="ko-KR" dirty="0"/>
@@ -4913,7 +4869,7 @@
         </p:nvGrpSpPr>
         <p:grpSpPr>
           <a:xfrm>
-            <a:off x="2809461" y="1186054"/>
+            <a:off x="2809461" y="1364959"/>
             <a:ext cx="6003235" cy="3451253"/>
             <a:chOff x="2816087" y="1557130"/>
             <a:chExt cx="6546574" cy="3763618"/>
@@ -6733,6 +6689,5780 @@
         <p:cNvPr id="1" name="">
           <a:extLst>
             <a:ext uri="{FF2B5EF4-FFF2-40B4-BE49-F238E27FC236}">
+              <a16:creationId xmlns:a16="http://schemas.microsoft.com/office/drawing/2014/main" id="{2CD57FE7-68A2-E605-EB52-782D7FE3BDE8}"/>
+            </a:ext>
+          </a:extLst>
+        </p:cNvPr>
+        <p:cNvGrpSpPr/>
+        <p:nvPr/>
+      </p:nvGrpSpPr>
+      <p:grpSpPr>
+        <a:xfrm>
+          <a:off x="0" y="0"/>
+          <a:ext cx="0" cy="0"/>
+          <a:chOff x="0" y="0"/>
+          <a:chExt cx="0" cy="0"/>
+        </a:xfrm>
+      </p:grpSpPr>
+      <p:sp>
+        <p:nvSpPr>
+          <p:cNvPr id="38" name="제목 1">
+            <a:extLst>
+              <a:ext uri="{FF2B5EF4-FFF2-40B4-BE49-F238E27FC236}">
+                <a16:creationId xmlns:a16="http://schemas.microsoft.com/office/drawing/2014/main" id="{E65D3470-60D6-3A26-67B0-B4CF6D0F7E20}"/>
+              </a:ext>
+            </a:extLst>
+          </p:cNvPr>
+          <p:cNvSpPr txBox="1">
+            <a:spLocks/>
+          </p:cNvSpPr>
+          <p:nvPr/>
+        </p:nvSpPr>
+        <p:spPr>
+          <a:xfrm>
+            <a:off x="129225" y="83886"/>
+            <a:ext cx="2637170" cy="608225"/>
+          </a:xfrm>
+          <a:prstGeom prst="rect">
+            <a:avLst/>
+          </a:prstGeom>
+        </p:spPr>
+        <p:txBody>
+          <a:bodyPr vert="horz" lIns="91440" tIns="45720" rIns="91440" bIns="45720" rtlCol="0" anchor="ctr">
+            <a:normAutofit/>
+          </a:bodyPr>
+          <a:lstStyle>
+            <a:lvl1pPr algn="l" defTabSz="914400" rtl="0" eaLnBrk="1" latinLnBrk="1" hangingPunct="1">
+              <a:lnSpc>
+                <a:spcPct val="90000"/>
+              </a:lnSpc>
+              <a:spcBef>
+                <a:spcPct val="0"/>
+              </a:spcBef>
+              <a:buNone/>
+              <a:defRPr sz="4400" kern="1200">
+                <a:solidFill>
+                  <a:schemeClr val="tx1"/>
+                </a:solidFill>
+                <a:latin typeface="+mj-lt"/>
+                <a:ea typeface="+mj-ea"/>
+                <a:cs typeface="+mj-cs"/>
+              </a:defRPr>
+            </a:lvl1pPr>
+          </a:lstStyle>
+          <a:p>
+            <a:pPr algn="ctr"/>
+            <a:r>
+              <a:rPr lang="ko-KR" altLang="en-US" sz="3200" b="1" dirty="0"/>
+              <a:t>방해 이벤트</a:t>
+            </a:r>
+          </a:p>
+        </p:txBody>
+      </p:sp>
+      <p:cxnSp>
+        <p:nvCxnSpPr>
+          <p:cNvPr id="39" name="직선 연결선 38">
+            <a:extLst>
+              <a:ext uri="{FF2B5EF4-FFF2-40B4-BE49-F238E27FC236}">
+                <a16:creationId xmlns:a16="http://schemas.microsoft.com/office/drawing/2014/main" id="{3A0D5C74-FD77-9E7A-80B3-5007B608B9DF}"/>
+              </a:ext>
+            </a:extLst>
+          </p:cNvPr>
+          <p:cNvCxnSpPr>
+            <a:cxnSpLocks/>
+          </p:cNvCxnSpPr>
+          <p:nvPr/>
+        </p:nvCxnSpPr>
+        <p:spPr>
+          <a:xfrm>
+            <a:off x="0" y="692111"/>
+            <a:ext cx="12192000" cy="0"/>
+          </a:xfrm>
+          <a:prstGeom prst="line">
+            <a:avLst/>
+          </a:prstGeom>
+          <a:ln>
+            <a:solidFill>
+              <a:schemeClr val="bg2">
+                <a:lumMod val="75000"/>
+              </a:schemeClr>
+            </a:solidFill>
+          </a:ln>
+        </p:spPr>
+        <p:style>
+          <a:lnRef idx="2">
+            <a:schemeClr val="accent1"/>
+          </a:lnRef>
+          <a:fillRef idx="0">
+            <a:schemeClr val="accent1"/>
+          </a:fillRef>
+          <a:effectRef idx="1">
+            <a:schemeClr val="accent1"/>
+          </a:effectRef>
+          <a:fontRef idx="minor">
+            <a:schemeClr val="tx1"/>
+          </a:fontRef>
+        </p:style>
+      </p:cxnSp>
+      <p:cxnSp>
+        <p:nvCxnSpPr>
+          <p:cNvPr id="40" name="직선 연결선 39">
+            <a:extLst>
+              <a:ext uri="{FF2B5EF4-FFF2-40B4-BE49-F238E27FC236}">
+                <a16:creationId xmlns:a16="http://schemas.microsoft.com/office/drawing/2014/main" id="{F11F3244-9A89-0BD8-530F-940A30D5F036}"/>
+              </a:ext>
+            </a:extLst>
+          </p:cNvPr>
+          <p:cNvCxnSpPr>
+            <a:cxnSpLocks/>
+          </p:cNvCxnSpPr>
+          <p:nvPr/>
+        </p:nvCxnSpPr>
+        <p:spPr>
+          <a:xfrm>
+            <a:off x="129225" y="658980"/>
+            <a:ext cx="2637170" cy="0"/>
+          </a:xfrm>
+          <a:prstGeom prst="line">
+            <a:avLst/>
+          </a:prstGeom>
+          <a:ln w="76200">
+            <a:solidFill>
+              <a:schemeClr val="tx1"/>
+            </a:solidFill>
+          </a:ln>
+        </p:spPr>
+        <p:style>
+          <a:lnRef idx="2">
+            <a:schemeClr val="accent1"/>
+          </a:lnRef>
+          <a:fillRef idx="0">
+            <a:schemeClr val="accent1"/>
+          </a:fillRef>
+          <a:effectRef idx="1">
+            <a:schemeClr val="accent1"/>
+          </a:effectRef>
+          <a:fontRef idx="minor">
+            <a:schemeClr val="tx1"/>
+          </a:fontRef>
+        </p:style>
+      </p:cxnSp>
+      <p:sp>
+        <p:nvSpPr>
+          <p:cNvPr id="41" name="슬라이드 번호 개체 틀 40">
+            <a:extLst>
+              <a:ext uri="{FF2B5EF4-FFF2-40B4-BE49-F238E27FC236}">
+                <a16:creationId xmlns:a16="http://schemas.microsoft.com/office/drawing/2014/main" id="{60FF3AF4-D463-4041-F4C9-007B3A2A67CB}"/>
+              </a:ext>
+            </a:extLst>
+          </p:cNvPr>
+          <p:cNvSpPr>
+            <a:spLocks noGrp="1"/>
+          </p:cNvSpPr>
+          <p:nvPr>
+            <p:ph type="sldNum" sz="quarter" idx="12"/>
+          </p:nvPr>
+        </p:nvSpPr>
+        <p:spPr/>
+        <p:txBody>
+          <a:bodyPr/>
+          <a:lstStyle/>
+          <a:p>
+            <a:fld id="{8D96929D-9E84-4A42-B4C3-2E48812748E4}" type="slidenum">
+              <a:rPr lang="ko-KR" altLang="en-US" smtClean="0"/>
+              <a:t>12</a:t>
+            </a:fld>
+            <a:endParaRPr lang="ko-KR" altLang="en-US"/>
+          </a:p>
+        </p:txBody>
+      </p:sp>
+      <p:sp>
+        <p:nvSpPr>
+          <p:cNvPr id="36" name="TextBox 35">
+            <a:extLst>
+              <a:ext uri="{FF2B5EF4-FFF2-40B4-BE49-F238E27FC236}">
+                <a16:creationId xmlns:a16="http://schemas.microsoft.com/office/drawing/2014/main" id="{53383BC0-2DD6-5E8A-12BD-AD318010F5D1}"/>
+              </a:ext>
+            </a:extLst>
+          </p:cNvPr>
+          <p:cNvSpPr txBox="1"/>
+          <p:nvPr/>
+        </p:nvSpPr>
+        <p:spPr>
+          <a:xfrm>
+            <a:off x="454785" y="700766"/>
+            <a:ext cx="2106667" cy="523220"/>
+          </a:xfrm>
+          <a:prstGeom prst="rect">
+            <a:avLst/>
+          </a:prstGeom>
+          <a:noFill/>
+        </p:spPr>
+        <p:txBody>
+          <a:bodyPr wrap="none" rtlCol="0">
+            <a:spAutoFit/>
+          </a:bodyPr>
+          <a:lstStyle/>
+          <a:p>
+            <a:r>
+              <a:rPr lang="ko-KR" altLang="en-US" sz="2800" dirty="0">
+                <a:solidFill>
+                  <a:srgbClr val="0070C0"/>
+                </a:solidFill>
+              </a:rPr>
+              <a:t>무시 시스템</a:t>
+            </a:r>
+          </a:p>
+        </p:txBody>
+      </p:sp>
+      <p:sp>
+        <p:nvSpPr>
+          <p:cNvPr id="42" name="사각형: 둥근 모서리 41">
+            <a:extLst>
+              <a:ext uri="{FF2B5EF4-FFF2-40B4-BE49-F238E27FC236}">
+                <a16:creationId xmlns:a16="http://schemas.microsoft.com/office/drawing/2014/main" id="{E9F3CBC7-A17B-B216-AF51-045AA3971A2A}"/>
+              </a:ext>
+            </a:extLst>
+          </p:cNvPr>
+          <p:cNvSpPr/>
+          <p:nvPr/>
+        </p:nvSpPr>
+        <p:spPr>
+          <a:xfrm>
+            <a:off x="2809461" y="1364959"/>
+            <a:ext cx="6003235" cy="3451253"/>
+          </a:xfrm>
+          <a:prstGeom prst="roundRect">
+            <a:avLst>
+              <a:gd name="adj" fmla="val 2928"/>
+            </a:avLst>
+          </a:prstGeom>
+          <a:solidFill>
+            <a:schemeClr val="bg2">
+              <a:lumMod val="75000"/>
+            </a:schemeClr>
+          </a:solidFill>
+        </p:spPr>
+        <p:style>
+          <a:lnRef idx="2">
+            <a:schemeClr val="accent1">
+              <a:shade val="15000"/>
+            </a:schemeClr>
+          </a:lnRef>
+          <a:fillRef idx="1">
+            <a:schemeClr val="accent1"/>
+          </a:fillRef>
+          <a:effectRef idx="0">
+            <a:schemeClr val="accent1"/>
+          </a:effectRef>
+          <a:fontRef idx="minor">
+            <a:schemeClr val="lt1"/>
+          </a:fontRef>
+        </p:style>
+        <p:txBody>
+          <a:bodyPr rtlCol="0" anchor="ctr"/>
+          <a:lstStyle/>
+          <a:p>
+            <a:pPr algn="ctr"/>
+            <a:endParaRPr lang="ko-KR" altLang="en-US"/>
+          </a:p>
+        </p:txBody>
+      </p:sp>
+      <p:grpSp>
+        <p:nvGrpSpPr>
+          <p:cNvPr id="43" name="그룹 42">
+            <a:extLst>
+              <a:ext uri="{FF2B5EF4-FFF2-40B4-BE49-F238E27FC236}">
+                <a16:creationId xmlns:a16="http://schemas.microsoft.com/office/drawing/2014/main" id="{4D2677AE-416A-B567-0A37-B32CF4AD70BE}"/>
+              </a:ext>
+            </a:extLst>
+          </p:cNvPr>
+          <p:cNvGrpSpPr/>
+          <p:nvPr/>
+        </p:nvGrpSpPr>
+        <p:grpSpPr>
+          <a:xfrm>
+            <a:off x="3016050" y="1489520"/>
+            <a:ext cx="5638665" cy="3171749"/>
+            <a:chOff x="371062" y="208722"/>
+            <a:chExt cx="11449877" cy="6440556"/>
+          </a:xfrm>
+        </p:grpSpPr>
+        <p:sp>
+          <p:nvSpPr>
+            <p:cNvPr id="55" name="직사각형 54">
+              <a:extLst>
+                <a:ext uri="{FF2B5EF4-FFF2-40B4-BE49-F238E27FC236}">
+                  <a16:creationId xmlns:a16="http://schemas.microsoft.com/office/drawing/2014/main" id="{DF0BE6A5-A49C-B447-4119-69B75ACA2453}"/>
+                </a:ext>
+              </a:extLst>
+            </p:cNvPr>
+            <p:cNvSpPr>
+              <a:spLocks noChangeAspect="1"/>
+            </p:cNvSpPr>
+            <p:nvPr/>
+          </p:nvSpPr>
+          <p:spPr>
+            <a:xfrm>
+              <a:off x="371062" y="208722"/>
+              <a:ext cx="11449877" cy="6440556"/>
+            </a:xfrm>
+            <a:prstGeom prst="rect">
+              <a:avLst/>
+            </a:prstGeom>
+            <a:solidFill>
+              <a:schemeClr val="bg1"/>
+            </a:solidFill>
+            <a:ln>
+              <a:solidFill>
+                <a:schemeClr val="tx1"/>
+              </a:solidFill>
+            </a:ln>
+          </p:spPr>
+          <p:style>
+            <a:lnRef idx="2">
+              <a:schemeClr val="accent1">
+                <a:shade val="15000"/>
+              </a:schemeClr>
+            </a:lnRef>
+            <a:fillRef idx="1">
+              <a:schemeClr val="accent1"/>
+            </a:fillRef>
+            <a:effectRef idx="0">
+              <a:schemeClr val="accent1"/>
+            </a:effectRef>
+            <a:fontRef idx="minor">
+              <a:schemeClr val="lt1"/>
+            </a:fontRef>
+          </p:style>
+          <p:txBody>
+            <a:bodyPr rtlCol="0" anchor="ctr"/>
+            <a:lstStyle/>
+            <a:p>
+              <a:pPr algn="ctr"/>
+              <a:endParaRPr lang="ko-KR" altLang="en-US" sz="700"/>
+            </a:p>
+          </p:txBody>
+        </p:sp>
+        <p:sp>
+          <p:nvSpPr>
+            <p:cNvPr id="56" name="직사각형 55">
+              <a:extLst>
+                <a:ext uri="{FF2B5EF4-FFF2-40B4-BE49-F238E27FC236}">
+                  <a16:creationId xmlns:a16="http://schemas.microsoft.com/office/drawing/2014/main" id="{0D270917-9308-3E30-EB94-177B6DE93E9C}"/>
+                </a:ext>
+              </a:extLst>
+            </p:cNvPr>
+            <p:cNvSpPr/>
+            <p:nvPr/>
+          </p:nvSpPr>
+          <p:spPr>
+            <a:xfrm>
+              <a:off x="371062" y="5493026"/>
+              <a:ext cx="11449876" cy="1156252"/>
+            </a:xfrm>
+            <a:prstGeom prst="rect">
+              <a:avLst/>
+            </a:prstGeom>
+            <a:solidFill>
+              <a:schemeClr val="tx1">
+                <a:lumMod val="65000"/>
+                <a:lumOff val="35000"/>
+              </a:schemeClr>
+            </a:solidFill>
+            <a:ln>
+              <a:solidFill>
+                <a:schemeClr val="tx1"/>
+              </a:solidFill>
+            </a:ln>
+          </p:spPr>
+          <p:style>
+            <a:lnRef idx="2">
+              <a:schemeClr val="accent1">
+                <a:shade val="15000"/>
+              </a:schemeClr>
+            </a:lnRef>
+            <a:fillRef idx="1">
+              <a:schemeClr val="accent1"/>
+            </a:fillRef>
+            <a:effectRef idx="0">
+              <a:schemeClr val="accent1"/>
+            </a:effectRef>
+            <a:fontRef idx="minor">
+              <a:schemeClr val="lt1"/>
+            </a:fontRef>
+          </p:style>
+          <p:txBody>
+            <a:bodyPr rtlCol="0" anchor="ctr"/>
+            <a:lstStyle/>
+            <a:p>
+              <a:pPr algn="ctr"/>
+              <a:endParaRPr lang="ko-KR" altLang="en-US" sz="700"/>
+            </a:p>
+          </p:txBody>
+        </p:sp>
+        <p:sp>
+          <p:nvSpPr>
+            <p:cNvPr id="57" name="사각형: 둥근 모서리 56">
+              <a:extLst>
+                <a:ext uri="{FF2B5EF4-FFF2-40B4-BE49-F238E27FC236}">
+                  <a16:creationId xmlns:a16="http://schemas.microsoft.com/office/drawing/2014/main" id="{7841C24D-DE14-DC97-6D87-F1D6CDCF0BC5}"/>
+                </a:ext>
+              </a:extLst>
+            </p:cNvPr>
+            <p:cNvSpPr/>
+            <p:nvPr/>
+          </p:nvSpPr>
+          <p:spPr>
+            <a:xfrm>
+              <a:off x="578115" y="4210904"/>
+              <a:ext cx="722243" cy="1282122"/>
+            </a:xfrm>
+            <a:prstGeom prst="roundRect">
+              <a:avLst/>
+            </a:prstGeom>
+            <a:ln>
+              <a:noFill/>
+            </a:ln>
+          </p:spPr>
+          <p:style>
+            <a:lnRef idx="2">
+              <a:schemeClr val="accent1">
+                <a:shade val="15000"/>
+              </a:schemeClr>
+            </a:lnRef>
+            <a:fillRef idx="1">
+              <a:schemeClr val="accent1"/>
+            </a:fillRef>
+            <a:effectRef idx="0">
+              <a:schemeClr val="accent1"/>
+            </a:effectRef>
+            <a:fontRef idx="minor">
+              <a:schemeClr val="lt1"/>
+            </a:fontRef>
+          </p:style>
+          <p:txBody>
+            <a:bodyPr rtlCol="0" anchor="ctr"/>
+            <a:lstStyle/>
+            <a:p>
+              <a:pPr algn="ctr"/>
+              <a:endParaRPr lang="ko-KR" altLang="en-US" sz="700"/>
+            </a:p>
+          </p:txBody>
+        </p:sp>
+        <p:sp>
+          <p:nvSpPr>
+            <p:cNvPr id="58" name="직사각형 57">
+              <a:extLst>
+                <a:ext uri="{FF2B5EF4-FFF2-40B4-BE49-F238E27FC236}">
+                  <a16:creationId xmlns:a16="http://schemas.microsoft.com/office/drawing/2014/main" id="{6545F592-F090-80A0-C8BC-76BEE1EE535A}"/>
+                </a:ext>
+              </a:extLst>
+            </p:cNvPr>
+            <p:cNvSpPr/>
+            <p:nvPr/>
+          </p:nvSpPr>
+          <p:spPr>
+            <a:xfrm>
+              <a:off x="4923703" y="4953026"/>
+              <a:ext cx="540000" cy="540000"/>
+            </a:xfrm>
+            <a:prstGeom prst="rect">
+              <a:avLst/>
+            </a:prstGeom>
+            <a:solidFill>
+              <a:schemeClr val="accent2">
+                <a:lumMod val="75000"/>
+              </a:schemeClr>
+            </a:solidFill>
+            <a:ln>
+              <a:noFill/>
+            </a:ln>
+          </p:spPr>
+          <p:style>
+            <a:lnRef idx="2">
+              <a:schemeClr val="accent1">
+                <a:shade val="15000"/>
+              </a:schemeClr>
+            </a:lnRef>
+            <a:fillRef idx="1">
+              <a:schemeClr val="accent1"/>
+            </a:fillRef>
+            <a:effectRef idx="0">
+              <a:schemeClr val="accent1"/>
+            </a:effectRef>
+            <a:fontRef idx="minor">
+              <a:schemeClr val="lt1"/>
+            </a:fontRef>
+          </p:style>
+          <p:txBody>
+            <a:bodyPr rtlCol="0" anchor="ctr"/>
+            <a:lstStyle/>
+            <a:p>
+              <a:pPr algn="ctr"/>
+              <a:endParaRPr lang="ko-KR" altLang="en-US" sz="700"/>
+            </a:p>
+          </p:txBody>
+        </p:sp>
+        <p:sp>
+          <p:nvSpPr>
+            <p:cNvPr id="59" name="직사각형 58">
+              <a:extLst>
+                <a:ext uri="{FF2B5EF4-FFF2-40B4-BE49-F238E27FC236}">
+                  <a16:creationId xmlns:a16="http://schemas.microsoft.com/office/drawing/2014/main" id="{5632DD6B-89FE-1DA6-819E-C49974ABB86E}"/>
+                </a:ext>
+              </a:extLst>
+            </p:cNvPr>
+            <p:cNvSpPr/>
+            <p:nvPr/>
+          </p:nvSpPr>
+          <p:spPr>
+            <a:xfrm>
+              <a:off x="8186557" y="3860605"/>
+              <a:ext cx="540000" cy="540000"/>
+            </a:xfrm>
+            <a:prstGeom prst="rect">
+              <a:avLst/>
+            </a:prstGeom>
+            <a:solidFill>
+              <a:schemeClr val="accent2">
+                <a:lumMod val="75000"/>
+              </a:schemeClr>
+            </a:solidFill>
+            <a:ln>
+              <a:noFill/>
+            </a:ln>
+          </p:spPr>
+          <p:style>
+            <a:lnRef idx="2">
+              <a:schemeClr val="accent1">
+                <a:shade val="15000"/>
+              </a:schemeClr>
+            </a:lnRef>
+            <a:fillRef idx="1">
+              <a:schemeClr val="accent1"/>
+            </a:fillRef>
+            <a:effectRef idx="0">
+              <a:schemeClr val="accent1"/>
+            </a:effectRef>
+            <a:fontRef idx="minor">
+              <a:schemeClr val="lt1"/>
+            </a:fontRef>
+          </p:style>
+          <p:txBody>
+            <a:bodyPr rtlCol="0" anchor="ctr"/>
+            <a:lstStyle/>
+            <a:p>
+              <a:pPr algn="ctr"/>
+              <a:endParaRPr lang="ko-KR" altLang="en-US" sz="700"/>
+            </a:p>
+          </p:txBody>
+        </p:sp>
+        <p:sp>
+          <p:nvSpPr>
+            <p:cNvPr id="60" name="TextBox 59">
+              <a:extLst>
+                <a:ext uri="{FF2B5EF4-FFF2-40B4-BE49-F238E27FC236}">
+                  <a16:creationId xmlns:a16="http://schemas.microsoft.com/office/drawing/2014/main" id="{1E09A66A-01B6-5106-30BB-A9AC6B3DE3B2}"/>
+                </a:ext>
+              </a:extLst>
+            </p:cNvPr>
+            <p:cNvSpPr txBox="1"/>
+            <p:nvPr/>
+          </p:nvSpPr>
+          <p:spPr>
+            <a:xfrm>
+              <a:off x="9932503" y="311426"/>
+              <a:ext cx="1563758" cy="372516"/>
+            </a:xfrm>
+            <a:prstGeom prst="rect">
+              <a:avLst/>
+            </a:prstGeom>
+            <a:noFill/>
+          </p:spPr>
+          <p:txBody>
+            <a:bodyPr wrap="square" rtlCol="0">
+              <a:spAutoFit/>
+            </a:bodyPr>
+            <a:lstStyle/>
+            <a:p>
+              <a:pPr algn="ctr"/>
+              <a:r>
+                <a:rPr lang="en-US" altLang="ko-KR" sz="700" b="1" dirty="0"/>
+                <a:t>&lt;</a:t>
+              </a:r>
+              <a:r>
+                <a:rPr lang="ko-KR" altLang="en-US" sz="700" b="1" dirty="0"/>
+                <a:t>현재 순위</a:t>
+              </a:r>
+              <a:r>
+                <a:rPr lang="en-US" altLang="ko-KR" sz="700" b="1" dirty="0"/>
+                <a:t>&gt;</a:t>
+              </a:r>
+              <a:endParaRPr lang="ko-KR" altLang="en-US" sz="700" b="1" dirty="0"/>
+            </a:p>
+          </p:txBody>
+        </p:sp>
+        <p:grpSp>
+          <p:nvGrpSpPr>
+            <p:cNvPr id="61" name="그룹 60">
+              <a:extLst>
+                <a:ext uri="{FF2B5EF4-FFF2-40B4-BE49-F238E27FC236}">
+                  <a16:creationId xmlns:a16="http://schemas.microsoft.com/office/drawing/2014/main" id="{5E105A10-B1B0-90DD-6BF5-2CD5B0138B4F}"/>
+                </a:ext>
+              </a:extLst>
+            </p:cNvPr>
+            <p:cNvGrpSpPr/>
+            <p:nvPr/>
+          </p:nvGrpSpPr>
+          <p:grpSpPr>
+            <a:xfrm>
+              <a:off x="9690652" y="682717"/>
+              <a:ext cx="2047462" cy="360000"/>
+              <a:chOff x="9687339" y="685059"/>
+              <a:chExt cx="2047462" cy="360000"/>
+            </a:xfrm>
+          </p:grpSpPr>
+          <p:sp>
+            <p:nvSpPr>
+              <p:cNvPr id="70" name="직사각형 69">
+                <a:extLst>
+                  <a:ext uri="{FF2B5EF4-FFF2-40B4-BE49-F238E27FC236}">
+                    <a16:creationId xmlns:a16="http://schemas.microsoft.com/office/drawing/2014/main" id="{12A9399E-2CED-1DBD-113B-FE3004F0454D}"/>
+                  </a:ext>
+                </a:extLst>
+              </p:cNvPr>
+              <p:cNvSpPr/>
+              <p:nvPr/>
+            </p:nvSpPr>
+            <p:spPr>
+              <a:xfrm>
+                <a:off x="9687339" y="685059"/>
+                <a:ext cx="324678" cy="360000"/>
+              </a:xfrm>
+              <a:prstGeom prst="rect">
+                <a:avLst/>
+              </a:prstGeom>
+              <a:solidFill>
+                <a:srgbClr val="FFFF00"/>
+              </a:solidFill>
+              <a:ln>
+                <a:noFill/>
+              </a:ln>
+            </p:spPr>
+            <p:style>
+              <a:lnRef idx="2">
+                <a:schemeClr val="accent1">
+                  <a:shade val="15000"/>
+                </a:schemeClr>
+              </a:lnRef>
+              <a:fillRef idx="1">
+                <a:schemeClr val="accent1"/>
+              </a:fillRef>
+              <a:effectRef idx="0">
+                <a:schemeClr val="accent1"/>
+              </a:effectRef>
+              <a:fontRef idx="minor">
+                <a:schemeClr val="lt1"/>
+              </a:fontRef>
+            </p:style>
+            <p:txBody>
+              <a:bodyPr rtlCol="0" anchor="ctr"/>
+              <a:lstStyle/>
+              <a:p>
+                <a:pPr algn="ctr"/>
+                <a:r>
+                  <a:rPr lang="en-US" altLang="ko-KR" sz="700" dirty="0">
+                    <a:solidFill>
+                      <a:schemeClr val="tx1"/>
+                    </a:solidFill>
+                  </a:rPr>
+                  <a:t>1</a:t>
+                </a:r>
+                <a:endParaRPr lang="ko-KR" altLang="en-US" sz="700" dirty="0">
+                  <a:solidFill>
+                    <a:schemeClr val="tx1"/>
+                  </a:solidFill>
+                </a:endParaRPr>
+              </a:p>
+            </p:txBody>
+          </p:sp>
+          <p:sp>
+            <p:nvSpPr>
+              <p:cNvPr id="71" name="직사각형 70">
+                <a:extLst>
+                  <a:ext uri="{FF2B5EF4-FFF2-40B4-BE49-F238E27FC236}">
+                    <a16:creationId xmlns:a16="http://schemas.microsoft.com/office/drawing/2014/main" id="{0E268AC0-D60E-441B-6D89-9CE2238A935D}"/>
+                  </a:ext>
+                </a:extLst>
+              </p:cNvPr>
+              <p:cNvSpPr/>
+              <p:nvPr/>
+            </p:nvSpPr>
+            <p:spPr>
+              <a:xfrm>
+                <a:off x="10012017" y="685059"/>
+                <a:ext cx="556592" cy="360000"/>
+              </a:xfrm>
+              <a:prstGeom prst="rect">
+                <a:avLst/>
+              </a:prstGeom>
+              <a:solidFill>
+                <a:schemeClr val="bg2">
+                  <a:lumMod val="75000"/>
+                </a:schemeClr>
+              </a:solidFill>
+              <a:ln>
+                <a:noFill/>
+              </a:ln>
+            </p:spPr>
+            <p:style>
+              <a:lnRef idx="2">
+                <a:schemeClr val="accent1">
+                  <a:shade val="15000"/>
+                </a:schemeClr>
+              </a:lnRef>
+              <a:fillRef idx="1">
+                <a:schemeClr val="accent1"/>
+              </a:fillRef>
+              <a:effectRef idx="0">
+                <a:schemeClr val="accent1"/>
+              </a:effectRef>
+              <a:fontRef idx="minor">
+                <a:schemeClr val="lt1"/>
+              </a:fontRef>
+            </p:style>
+            <p:txBody>
+              <a:bodyPr rtlCol="0" anchor="ctr"/>
+              <a:lstStyle/>
+              <a:p>
+                <a:r>
+                  <a:rPr lang="en-US" altLang="ko-KR" sz="500" dirty="0">
+                    <a:solidFill>
+                      <a:schemeClr val="tx1"/>
+                    </a:solidFill>
+                  </a:rPr>
+                  <a:t>You</a:t>
+                </a:r>
+                <a:endParaRPr lang="ko-KR" altLang="en-US" sz="500" dirty="0">
+                  <a:solidFill>
+                    <a:schemeClr val="tx1"/>
+                  </a:solidFill>
+                </a:endParaRPr>
+              </a:p>
+            </p:txBody>
+          </p:sp>
+          <p:sp>
+            <p:nvSpPr>
+              <p:cNvPr id="72" name="직사각형 71">
+                <a:extLst>
+                  <a:ext uri="{FF2B5EF4-FFF2-40B4-BE49-F238E27FC236}">
+                    <a16:creationId xmlns:a16="http://schemas.microsoft.com/office/drawing/2014/main" id="{E0E97CA1-02BB-D35F-A107-CDD6FCB69E96}"/>
+                  </a:ext>
+                </a:extLst>
+              </p:cNvPr>
+              <p:cNvSpPr/>
+              <p:nvPr/>
+            </p:nvSpPr>
+            <p:spPr>
+              <a:xfrm>
+                <a:off x="10508972" y="685059"/>
+                <a:ext cx="1225829" cy="360000"/>
+              </a:xfrm>
+              <a:prstGeom prst="rect">
+                <a:avLst/>
+              </a:prstGeom>
+              <a:solidFill>
+                <a:schemeClr val="bg2">
+                  <a:lumMod val="75000"/>
+                </a:schemeClr>
+              </a:solidFill>
+              <a:ln>
+                <a:noFill/>
+              </a:ln>
+            </p:spPr>
+            <p:style>
+              <a:lnRef idx="2">
+                <a:schemeClr val="accent1">
+                  <a:shade val="15000"/>
+                </a:schemeClr>
+              </a:lnRef>
+              <a:fillRef idx="1">
+                <a:schemeClr val="accent1"/>
+              </a:fillRef>
+              <a:effectRef idx="0">
+                <a:schemeClr val="accent1"/>
+              </a:effectRef>
+              <a:fontRef idx="minor">
+                <a:schemeClr val="lt1"/>
+              </a:fontRef>
+            </p:style>
+            <p:txBody>
+              <a:bodyPr rtlCol="0" anchor="ctr"/>
+              <a:lstStyle/>
+              <a:p>
+                <a:pPr algn="r"/>
+                <a:r>
+                  <a:rPr lang="en-US" altLang="ko-KR" sz="500" dirty="0">
+                    <a:solidFill>
+                      <a:schemeClr val="tx1"/>
+                    </a:solidFill>
+                  </a:rPr>
+                  <a:t>123,000pt</a:t>
+                </a:r>
+                <a:endParaRPr lang="ko-KR" altLang="en-US" sz="500" dirty="0">
+                  <a:solidFill>
+                    <a:schemeClr val="tx1"/>
+                  </a:solidFill>
+                </a:endParaRPr>
+              </a:p>
+            </p:txBody>
+          </p:sp>
+        </p:grpSp>
+        <p:grpSp>
+          <p:nvGrpSpPr>
+            <p:cNvPr id="62" name="그룹 61">
+              <a:extLst>
+                <a:ext uri="{FF2B5EF4-FFF2-40B4-BE49-F238E27FC236}">
+                  <a16:creationId xmlns:a16="http://schemas.microsoft.com/office/drawing/2014/main" id="{ED849BEF-CB4E-01C1-3FE2-B57DEB4B4FD2}"/>
+                </a:ext>
+              </a:extLst>
+            </p:cNvPr>
+            <p:cNvGrpSpPr/>
+            <p:nvPr/>
+          </p:nvGrpSpPr>
+          <p:grpSpPr>
+            <a:xfrm>
+              <a:off x="9690652" y="1044675"/>
+              <a:ext cx="2047462" cy="360000"/>
+              <a:chOff x="9687339" y="685059"/>
+              <a:chExt cx="2047462" cy="360000"/>
+            </a:xfrm>
+          </p:grpSpPr>
+          <p:sp>
+            <p:nvSpPr>
+              <p:cNvPr id="67" name="직사각형 66">
+                <a:extLst>
+                  <a:ext uri="{FF2B5EF4-FFF2-40B4-BE49-F238E27FC236}">
+                    <a16:creationId xmlns:a16="http://schemas.microsoft.com/office/drawing/2014/main" id="{E072CFDA-317D-2EB7-7A99-05ED7190392B}"/>
+                  </a:ext>
+                </a:extLst>
+              </p:cNvPr>
+              <p:cNvSpPr/>
+              <p:nvPr/>
+            </p:nvSpPr>
+            <p:spPr>
+              <a:xfrm>
+                <a:off x="9687339" y="685059"/>
+                <a:ext cx="324678" cy="360000"/>
+              </a:xfrm>
+              <a:prstGeom prst="rect">
+                <a:avLst/>
+              </a:prstGeom>
+              <a:solidFill>
+                <a:schemeClr val="bg1">
+                  <a:lumMod val="85000"/>
+                </a:schemeClr>
+              </a:solidFill>
+              <a:ln>
+                <a:noFill/>
+              </a:ln>
+            </p:spPr>
+            <p:style>
+              <a:lnRef idx="2">
+                <a:schemeClr val="accent1">
+                  <a:shade val="15000"/>
+                </a:schemeClr>
+              </a:lnRef>
+              <a:fillRef idx="1">
+                <a:schemeClr val="accent1"/>
+              </a:fillRef>
+              <a:effectRef idx="0">
+                <a:schemeClr val="accent1"/>
+              </a:effectRef>
+              <a:fontRef idx="minor">
+                <a:schemeClr val="lt1"/>
+              </a:fontRef>
+            </p:style>
+            <p:txBody>
+              <a:bodyPr rtlCol="0" anchor="ctr"/>
+              <a:lstStyle/>
+              <a:p>
+                <a:pPr algn="ctr"/>
+                <a:r>
+                  <a:rPr lang="en-US" altLang="ko-KR" sz="700" dirty="0">
+                    <a:solidFill>
+                      <a:schemeClr val="tx1"/>
+                    </a:solidFill>
+                  </a:rPr>
+                  <a:t>2</a:t>
+                </a:r>
+                <a:endParaRPr lang="ko-KR" altLang="en-US" sz="700" dirty="0">
+                  <a:solidFill>
+                    <a:schemeClr val="tx1"/>
+                  </a:solidFill>
+                </a:endParaRPr>
+              </a:p>
+            </p:txBody>
+          </p:sp>
+          <p:sp>
+            <p:nvSpPr>
+              <p:cNvPr id="68" name="직사각형 67">
+                <a:extLst>
+                  <a:ext uri="{FF2B5EF4-FFF2-40B4-BE49-F238E27FC236}">
+                    <a16:creationId xmlns:a16="http://schemas.microsoft.com/office/drawing/2014/main" id="{3AD78BD8-8B2D-DBA8-9882-C944F1D28B31}"/>
+                  </a:ext>
+                </a:extLst>
+              </p:cNvPr>
+              <p:cNvSpPr/>
+              <p:nvPr/>
+            </p:nvSpPr>
+            <p:spPr>
+              <a:xfrm>
+                <a:off x="10012017" y="685059"/>
+                <a:ext cx="556592" cy="360000"/>
+              </a:xfrm>
+              <a:prstGeom prst="rect">
+                <a:avLst/>
+              </a:prstGeom>
+              <a:solidFill>
+                <a:schemeClr val="bg1"/>
+              </a:solidFill>
+              <a:ln>
+                <a:noFill/>
+              </a:ln>
+            </p:spPr>
+            <p:style>
+              <a:lnRef idx="2">
+                <a:schemeClr val="accent1">
+                  <a:shade val="15000"/>
+                </a:schemeClr>
+              </a:lnRef>
+              <a:fillRef idx="1">
+                <a:schemeClr val="accent1"/>
+              </a:fillRef>
+              <a:effectRef idx="0">
+                <a:schemeClr val="accent1"/>
+              </a:effectRef>
+              <a:fontRef idx="minor">
+                <a:schemeClr val="lt1"/>
+              </a:fontRef>
+            </p:style>
+            <p:txBody>
+              <a:bodyPr rtlCol="0" anchor="ctr"/>
+              <a:lstStyle/>
+              <a:p>
+                <a:r>
+                  <a:rPr lang="en-US" altLang="ko-KR" sz="500" dirty="0">
+                    <a:solidFill>
+                      <a:schemeClr val="tx1"/>
+                    </a:solidFill>
+                  </a:rPr>
+                  <a:t>P1</a:t>
+                </a:r>
+                <a:endParaRPr lang="ko-KR" altLang="en-US" sz="500" dirty="0">
+                  <a:solidFill>
+                    <a:schemeClr val="tx1"/>
+                  </a:solidFill>
+                </a:endParaRPr>
+              </a:p>
+            </p:txBody>
+          </p:sp>
+          <p:sp>
+            <p:nvSpPr>
+              <p:cNvPr id="69" name="직사각형 68">
+                <a:extLst>
+                  <a:ext uri="{FF2B5EF4-FFF2-40B4-BE49-F238E27FC236}">
+                    <a16:creationId xmlns:a16="http://schemas.microsoft.com/office/drawing/2014/main" id="{ACEB0354-4A38-A1C7-8399-C6E31C8AD999}"/>
+                  </a:ext>
+                </a:extLst>
+              </p:cNvPr>
+              <p:cNvSpPr/>
+              <p:nvPr/>
+            </p:nvSpPr>
+            <p:spPr>
+              <a:xfrm>
+                <a:off x="10508972" y="685059"/>
+                <a:ext cx="1225829" cy="360000"/>
+              </a:xfrm>
+              <a:prstGeom prst="rect">
+                <a:avLst/>
+              </a:prstGeom>
+              <a:solidFill>
+                <a:schemeClr val="bg1"/>
+              </a:solidFill>
+              <a:ln>
+                <a:noFill/>
+              </a:ln>
+            </p:spPr>
+            <p:style>
+              <a:lnRef idx="2">
+                <a:schemeClr val="accent1">
+                  <a:shade val="15000"/>
+                </a:schemeClr>
+              </a:lnRef>
+              <a:fillRef idx="1">
+                <a:schemeClr val="accent1"/>
+              </a:fillRef>
+              <a:effectRef idx="0">
+                <a:schemeClr val="accent1"/>
+              </a:effectRef>
+              <a:fontRef idx="minor">
+                <a:schemeClr val="lt1"/>
+              </a:fontRef>
+            </p:style>
+            <p:txBody>
+              <a:bodyPr rtlCol="0" anchor="ctr"/>
+              <a:lstStyle/>
+              <a:p>
+                <a:pPr algn="r"/>
+                <a:r>
+                  <a:rPr lang="en-US" altLang="ko-KR" sz="500" dirty="0">
+                    <a:solidFill>
+                      <a:schemeClr val="tx1"/>
+                    </a:solidFill>
+                  </a:rPr>
+                  <a:t>96,000pt</a:t>
+                </a:r>
+                <a:endParaRPr lang="ko-KR" altLang="en-US" sz="500" dirty="0">
+                  <a:solidFill>
+                    <a:schemeClr val="tx1"/>
+                  </a:solidFill>
+                </a:endParaRPr>
+              </a:p>
+            </p:txBody>
+          </p:sp>
+        </p:grpSp>
+        <p:grpSp>
+          <p:nvGrpSpPr>
+            <p:cNvPr id="63" name="그룹 62">
+              <a:extLst>
+                <a:ext uri="{FF2B5EF4-FFF2-40B4-BE49-F238E27FC236}">
+                  <a16:creationId xmlns:a16="http://schemas.microsoft.com/office/drawing/2014/main" id="{A431C834-B3BB-8FF6-0AF2-499DB6FB85DE}"/>
+                </a:ext>
+              </a:extLst>
+            </p:cNvPr>
+            <p:cNvGrpSpPr/>
+            <p:nvPr/>
+          </p:nvGrpSpPr>
+          <p:grpSpPr>
+            <a:xfrm>
+              <a:off x="9690652" y="1406633"/>
+              <a:ext cx="2047462" cy="360000"/>
+              <a:chOff x="9687339" y="685059"/>
+              <a:chExt cx="2047462" cy="360000"/>
+            </a:xfrm>
+          </p:grpSpPr>
+          <p:sp>
+            <p:nvSpPr>
+              <p:cNvPr id="64" name="직사각형 63">
+                <a:extLst>
+                  <a:ext uri="{FF2B5EF4-FFF2-40B4-BE49-F238E27FC236}">
+                    <a16:creationId xmlns:a16="http://schemas.microsoft.com/office/drawing/2014/main" id="{126A7A9A-7C5B-3B69-AD24-66F5831790E0}"/>
+                  </a:ext>
+                </a:extLst>
+              </p:cNvPr>
+              <p:cNvSpPr/>
+              <p:nvPr/>
+            </p:nvSpPr>
+            <p:spPr>
+              <a:xfrm>
+                <a:off x="9687339" y="685059"/>
+                <a:ext cx="324678" cy="360000"/>
+              </a:xfrm>
+              <a:prstGeom prst="rect">
+                <a:avLst/>
+              </a:prstGeom>
+              <a:solidFill>
+                <a:schemeClr val="accent2">
+                  <a:lumMod val="60000"/>
+                  <a:lumOff val="40000"/>
+                </a:schemeClr>
+              </a:solidFill>
+              <a:ln>
+                <a:noFill/>
+              </a:ln>
+            </p:spPr>
+            <p:style>
+              <a:lnRef idx="2">
+                <a:schemeClr val="accent1">
+                  <a:shade val="15000"/>
+                </a:schemeClr>
+              </a:lnRef>
+              <a:fillRef idx="1">
+                <a:schemeClr val="accent1"/>
+              </a:fillRef>
+              <a:effectRef idx="0">
+                <a:schemeClr val="accent1"/>
+              </a:effectRef>
+              <a:fontRef idx="minor">
+                <a:schemeClr val="lt1"/>
+              </a:fontRef>
+            </p:style>
+            <p:txBody>
+              <a:bodyPr rtlCol="0" anchor="ctr"/>
+              <a:lstStyle/>
+              <a:p>
+                <a:pPr algn="ctr"/>
+                <a:r>
+                  <a:rPr lang="en-US" altLang="ko-KR" sz="700" dirty="0">
+                    <a:solidFill>
+                      <a:schemeClr val="tx1"/>
+                    </a:solidFill>
+                  </a:rPr>
+                  <a:t>3</a:t>
+                </a:r>
+                <a:endParaRPr lang="ko-KR" altLang="en-US" sz="700" dirty="0">
+                  <a:solidFill>
+                    <a:schemeClr val="tx1"/>
+                  </a:solidFill>
+                </a:endParaRPr>
+              </a:p>
+            </p:txBody>
+          </p:sp>
+          <p:sp>
+            <p:nvSpPr>
+              <p:cNvPr id="65" name="직사각형 64">
+                <a:extLst>
+                  <a:ext uri="{FF2B5EF4-FFF2-40B4-BE49-F238E27FC236}">
+                    <a16:creationId xmlns:a16="http://schemas.microsoft.com/office/drawing/2014/main" id="{0F1135F3-F8BF-4C25-7393-7C268637D4CE}"/>
+                  </a:ext>
+                </a:extLst>
+              </p:cNvPr>
+              <p:cNvSpPr/>
+              <p:nvPr/>
+            </p:nvSpPr>
+            <p:spPr>
+              <a:xfrm>
+                <a:off x="10012017" y="685059"/>
+                <a:ext cx="556592" cy="360000"/>
+              </a:xfrm>
+              <a:prstGeom prst="rect">
+                <a:avLst/>
+              </a:prstGeom>
+              <a:solidFill>
+                <a:schemeClr val="bg1"/>
+              </a:solidFill>
+              <a:ln>
+                <a:noFill/>
+              </a:ln>
+            </p:spPr>
+            <p:style>
+              <a:lnRef idx="2">
+                <a:schemeClr val="accent1">
+                  <a:shade val="15000"/>
+                </a:schemeClr>
+              </a:lnRef>
+              <a:fillRef idx="1">
+                <a:schemeClr val="accent1"/>
+              </a:fillRef>
+              <a:effectRef idx="0">
+                <a:schemeClr val="accent1"/>
+              </a:effectRef>
+              <a:fontRef idx="minor">
+                <a:schemeClr val="lt1"/>
+              </a:fontRef>
+            </p:style>
+            <p:txBody>
+              <a:bodyPr rtlCol="0" anchor="ctr"/>
+              <a:lstStyle/>
+              <a:p>
+                <a:r>
+                  <a:rPr lang="en-US" altLang="ko-KR" sz="500" dirty="0">
+                    <a:solidFill>
+                      <a:schemeClr val="tx1"/>
+                    </a:solidFill>
+                  </a:rPr>
+                  <a:t>P2</a:t>
+                </a:r>
+                <a:endParaRPr lang="ko-KR" altLang="en-US" sz="500" dirty="0">
+                  <a:solidFill>
+                    <a:schemeClr val="tx1"/>
+                  </a:solidFill>
+                </a:endParaRPr>
+              </a:p>
+            </p:txBody>
+          </p:sp>
+          <p:sp>
+            <p:nvSpPr>
+              <p:cNvPr id="66" name="직사각형 65">
+                <a:extLst>
+                  <a:ext uri="{FF2B5EF4-FFF2-40B4-BE49-F238E27FC236}">
+                    <a16:creationId xmlns:a16="http://schemas.microsoft.com/office/drawing/2014/main" id="{B333FFA2-686F-9000-4720-C91B2E56DCC0}"/>
+                  </a:ext>
+                </a:extLst>
+              </p:cNvPr>
+              <p:cNvSpPr/>
+              <p:nvPr/>
+            </p:nvSpPr>
+            <p:spPr>
+              <a:xfrm>
+                <a:off x="10508972" y="685059"/>
+                <a:ext cx="1225829" cy="360000"/>
+              </a:xfrm>
+              <a:prstGeom prst="rect">
+                <a:avLst/>
+              </a:prstGeom>
+              <a:solidFill>
+                <a:schemeClr val="bg1"/>
+              </a:solidFill>
+              <a:ln>
+                <a:noFill/>
+              </a:ln>
+            </p:spPr>
+            <p:style>
+              <a:lnRef idx="2">
+                <a:schemeClr val="accent1">
+                  <a:shade val="15000"/>
+                </a:schemeClr>
+              </a:lnRef>
+              <a:fillRef idx="1">
+                <a:schemeClr val="accent1"/>
+              </a:fillRef>
+              <a:effectRef idx="0">
+                <a:schemeClr val="accent1"/>
+              </a:effectRef>
+              <a:fontRef idx="minor">
+                <a:schemeClr val="lt1"/>
+              </a:fontRef>
+            </p:style>
+            <p:txBody>
+              <a:bodyPr rtlCol="0" anchor="ctr"/>
+              <a:lstStyle/>
+              <a:p>
+                <a:pPr algn="r"/>
+                <a:r>
+                  <a:rPr lang="en-US" altLang="ko-KR" sz="500" dirty="0">
+                    <a:solidFill>
+                      <a:schemeClr val="tx1"/>
+                    </a:solidFill>
+                  </a:rPr>
+                  <a:t>50,000pt</a:t>
+                </a:r>
+                <a:endParaRPr lang="ko-KR" altLang="en-US" sz="500" dirty="0">
+                  <a:solidFill>
+                    <a:schemeClr val="tx1"/>
+                  </a:solidFill>
+                </a:endParaRPr>
+              </a:p>
+            </p:txBody>
+          </p:sp>
+        </p:grpSp>
+      </p:grpSp>
+      <p:sp>
+        <p:nvSpPr>
+          <p:cNvPr id="44" name="타원 43">
+            <a:extLst>
+              <a:ext uri="{FF2B5EF4-FFF2-40B4-BE49-F238E27FC236}">
+                <a16:creationId xmlns:a16="http://schemas.microsoft.com/office/drawing/2014/main" id="{73CA4248-0AFD-DE47-6F62-BB51B29AAC94}"/>
+              </a:ext>
+            </a:extLst>
+          </p:cNvPr>
+          <p:cNvSpPr/>
+          <p:nvPr/>
+        </p:nvSpPr>
+        <p:spPr>
+          <a:xfrm>
+            <a:off x="2849441" y="3024426"/>
+            <a:ext cx="132318" cy="132318"/>
+          </a:xfrm>
+          <a:prstGeom prst="ellipse">
+            <a:avLst/>
+          </a:prstGeom>
+          <a:solidFill>
+            <a:schemeClr val="tx1">
+              <a:lumMod val="85000"/>
+              <a:lumOff val="15000"/>
+            </a:schemeClr>
+          </a:solidFill>
+        </p:spPr>
+        <p:style>
+          <a:lnRef idx="2">
+            <a:schemeClr val="accent1">
+              <a:shade val="15000"/>
+            </a:schemeClr>
+          </a:lnRef>
+          <a:fillRef idx="1">
+            <a:schemeClr val="accent1"/>
+          </a:fillRef>
+          <a:effectRef idx="0">
+            <a:schemeClr val="accent1"/>
+          </a:effectRef>
+          <a:fontRef idx="minor">
+            <a:schemeClr val="lt1"/>
+          </a:fontRef>
+        </p:style>
+        <p:txBody>
+          <a:bodyPr rtlCol="0" anchor="ctr"/>
+          <a:lstStyle/>
+          <a:p>
+            <a:pPr algn="ctr"/>
+            <a:endParaRPr lang="ko-KR" altLang="en-US"/>
+          </a:p>
+        </p:txBody>
+      </p:sp>
+      <p:sp>
+        <p:nvSpPr>
+          <p:cNvPr id="45" name="직사각형 44">
+            <a:extLst>
+              <a:ext uri="{FF2B5EF4-FFF2-40B4-BE49-F238E27FC236}">
+                <a16:creationId xmlns:a16="http://schemas.microsoft.com/office/drawing/2014/main" id="{25041FBA-3C21-9840-081A-C41432704B21}"/>
+              </a:ext>
+            </a:extLst>
+          </p:cNvPr>
+          <p:cNvSpPr/>
+          <p:nvPr/>
+        </p:nvSpPr>
+        <p:spPr>
+          <a:xfrm>
+            <a:off x="5118397" y="1550881"/>
+            <a:ext cx="1397514" cy="257419"/>
+          </a:xfrm>
+          <a:prstGeom prst="rect">
+            <a:avLst/>
+          </a:prstGeom>
+        </p:spPr>
+        <p:style>
+          <a:lnRef idx="2">
+            <a:schemeClr val="accent1">
+              <a:shade val="15000"/>
+            </a:schemeClr>
+          </a:lnRef>
+          <a:fillRef idx="1">
+            <a:schemeClr val="accent1"/>
+          </a:fillRef>
+          <a:effectRef idx="0">
+            <a:schemeClr val="accent1"/>
+          </a:effectRef>
+          <a:fontRef idx="minor">
+            <a:schemeClr val="lt1"/>
+          </a:fontRef>
+        </p:style>
+        <p:txBody>
+          <a:bodyPr rtlCol="0" anchor="ctr"/>
+          <a:lstStyle/>
+          <a:p>
+            <a:pPr algn="ctr"/>
+            <a:r>
+              <a:rPr lang="ko-KR" altLang="en-US" sz="1050" dirty="0"/>
+              <a:t>현재 점수 </a:t>
+            </a:r>
+            <a:r>
+              <a:rPr lang="en-US" altLang="ko-KR" sz="1050" dirty="0"/>
+              <a:t>:</a:t>
+            </a:r>
+            <a:r>
+              <a:rPr lang="ko-KR" altLang="en-US" sz="1050" dirty="0"/>
+              <a:t> </a:t>
+            </a:r>
+            <a:r>
+              <a:rPr lang="en-US" altLang="ko-KR" sz="1050" dirty="0"/>
+              <a:t>123,000</a:t>
+            </a:r>
+            <a:endParaRPr lang="ko-KR" altLang="en-US" sz="1050" dirty="0"/>
+          </a:p>
+        </p:txBody>
+      </p:sp>
+      <p:sp>
+        <p:nvSpPr>
+          <p:cNvPr id="46" name="직사각형 45">
+            <a:extLst>
+              <a:ext uri="{FF2B5EF4-FFF2-40B4-BE49-F238E27FC236}">
+                <a16:creationId xmlns:a16="http://schemas.microsoft.com/office/drawing/2014/main" id="{B8F39969-A7F6-C015-3F89-EC2CCFF278A2}"/>
+              </a:ext>
+            </a:extLst>
+          </p:cNvPr>
+          <p:cNvSpPr/>
+          <p:nvPr/>
+        </p:nvSpPr>
+        <p:spPr>
+          <a:xfrm>
+            <a:off x="3016050" y="1484965"/>
+            <a:ext cx="5638664" cy="3171749"/>
+          </a:xfrm>
+          <a:prstGeom prst="rect">
+            <a:avLst/>
+          </a:prstGeom>
+          <a:solidFill>
+            <a:schemeClr val="bg2">
+              <a:lumMod val="50000"/>
+              <a:alpha val="50000"/>
+            </a:schemeClr>
+          </a:solidFill>
+        </p:spPr>
+        <p:style>
+          <a:lnRef idx="2">
+            <a:schemeClr val="accent1">
+              <a:shade val="15000"/>
+            </a:schemeClr>
+          </a:lnRef>
+          <a:fillRef idx="1">
+            <a:schemeClr val="accent1"/>
+          </a:fillRef>
+          <a:effectRef idx="0">
+            <a:schemeClr val="accent1"/>
+          </a:effectRef>
+          <a:fontRef idx="minor">
+            <a:schemeClr val="lt1"/>
+          </a:fontRef>
+        </p:style>
+        <p:txBody>
+          <a:bodyPr rtlCol="0" anchor="ctr"/>
+          <a:lstStyle/>
+          <a:p>
+            <a:pPr algn="ctr"/>
+            <a:endParaRPr lang="ko-KR" altLang="en-US"/>
+          </a:p>
+        </p:txBody>
+      </p:sp>
+      <p:sp>
+        <p:nvSpPr>
+          <p:cNvPr id="47" name="직사각형 46">
+            <a:extLst>
+              <a:ext uri="{FF2B5EF4-FFF2-40B4-BE49-F238E27FC236}">
+                <a16:creationId xmlns:a16="http://schemas.microsoft.com/office/drawing/2014/main" id="{57DEA02D-519F-A538-A7EA-698946EF941D}"/>
+              </a:ext>
+            </a:extLst>
+          </p:cNvPr>
+          <p:cNvSpPr/>
+          <p:nvPr/>
+        </p:nvSpPr>
+        <p:spPr>
+          <a:xfrm>
+            <a:off x="5009026" y="2634874"/>
+            <a:ext cx="1618914" cy="919002"/>
+          </a:xfrm>
+          <a:prstGeom prst="rect">
+            <a:avLst/>
+          </a:prstGeom>
+          <a:ln>
+            <a:noFill/>
+          </a:ln>
+        </p:spPr>
+        <p:style>
+          <a:lnRef idx="2">
+            <a:schemeClr val="accent1">
+              <a:shade val="15000"/>
+            </a:schemeClr>
+          </a:lnRef>
+          <a:fillRef idx="1">
+            <a:schemeClr val="accent1"/>
+          </a:fillRef>
+          <a:effectRef idx="0">
+            <a:schemeClr val="accent1"/>
+          </a:effectRef>
+          <a:fontRef idx="minor">
+            <a:schemeClr val="lt1"/>
+          </a:fontRef>
+        </p:style>
+        <p:txBody>
+          <a:bodyPr rtlCol="0" anchor="t"/>
+          <a:lstStyle/>
+          <a:p>
+            <a:pPr algn="ctr"/>
+            <a:endParaRPr lang="en-US" altLang="ko-KR" sz="1200" dirty="0"/>
+          </a:p>
+          <a:p>
+            <a:pPr algn="ctr"/>
+            <a:r>
+              <a:rPr lang="ko-KR" altLang="en-US" sz="1200" dirty="0"/>
+              <a:t>환경 설정</a:t>
+            </a:r>
+            <a:endParaRPr lang="en-US" altLang="ko-KR" sz="1200" dirty="0"/>
+          </a:p>
+          <a:p>
+            <a:pPr algn="ctr"/>
+            <a:endParaRPr lang="en-US" altLang="ko-KR" sz="1200" dirty="0"/>
+          </a:p>
+          <a:p>
+            <a:pPr algn="ctr"/>
+            <a:r>
+              <a:rPr lang="ko-KR" altLang="en-US" sz="1200" dirty="0"/>
+              <a:t>게임으로 돌아가기</a:t>
+            </a:r>
+          </a:p>
+        </p:txBody>
+      </p:sp>
+      <p:grpSp>
+        <p:nvGrpSpPr>
+          <p:cNvPr id="48" name="그룹 47">
+            <a:extLst>
+              <a:ext uri="{FF2B5EF4-FFF2-40B4-BE49-F238E27FC236}">
+                <a16:creationId xmlns:a16="http://schemas.microsoft.com/office/drawing/2014/main" id="{DE92B66E-C3C2-86AD-F398-87DF13062D18}"/>
+              </a:ext>
+            </a:extLst>
+          </p:cNvPr>
+          <p:cNvGrpSpPr/>
+          <p:nvPr/>
+        </p:nvGrpSpPr>
+        <p:grpSpPr>
+          <a:xfrm>
+            <a:off x="3253020" y="1550881"/>
+            <a:ext cx="5164726" cy="1083993"/>
+            <a:chOff x="3299791" y="1759879"/>
+            <a:chExt cx="5632174" cy="1182103"/>
+          </a:xfrm>
+        </p:grpSpPr>
+        <p:sp>
+          <p:nvSpPr>
+            <p:cNvPr id="49" name="사각형: 둥근 모서리 48">
+              <a:extLst>
+                <a:ext uri="{FF2B5EF4-FFF2-40B4-BE49-F238E27FC236}">
+                  <a16:creationId xmlns:a16="http://schemas.microsoft.com/office/drawing/2014/main" id="{D092D899-71B8-9771-028B-0C437C1A0232}"/>
+                </a:ext>
+              </a:extLst>
+            </p:cNvPr>
+            <p:cNvSpPr/>
+            <p:nvPr/>
+          </p:nvSpPr>
+          <p:spPr>
+            <a:xfrm>
+              <a:off x="3299791" y="1759879"/>
+              <a:ext cx="5632174" cy="1182103"/>
+            </a:xfrm>
+            <a:prstGeom prst="roundRect">
+              <a:avLst/>
+            </a:prstGeom>
+            <a:solidFill>
+              <a:schemeClr val="bg1">
+                <a:lumMod val="85000"/>
+              </a:schemeClr>
+            </a:solidFill>
+          </p:spPr>
+          <p:style>
+            <a:lnRef idx="2">
+              <a:schemeClr val="accent1">
+                <a:shade val="15000"/>
+              </a:schemeClr>
+            </a:lnRef>
+            <a:fillRef idx="1">
+              <a:schemeClr val="accent1"/>
+            </a:fillRef>
+            <a:effectRef idx="0">
+              <a:schemeClr val="accent1"/>
+            </a:effectRef>
+            <a:fontRef idx="minor">
+              <a:schemeClr val="lt1"/>
+            </a:fontRef>
+          </p:style>
+          <p:txBody>
+            <a:bodyPr rtlCol="0" anchor="ctr"/>
+            <a:lstStyle/>
+            <a:p>
+              <a:pPr algn="ctr"/>
+              <a:endParaRPr lang="ko-KR" altLang="en-US"/>
+            </a:p>
+          </p:txBody>
+        </p:sp>
+        <p:sp>
+          <p:nvSpPr>
+            <p:cNvPr id="51" name="직사각형 50">
+              <a:extLst>
+                <a:ext uri="{FF2B5EF4-FFF2-40B4-BE49-F238E27FC236}">
+                  <a16:creationId xmlns:a16="http://schemas.microsoft.com/office/drawing/2014/main" id="{EBB56DAC-E781-8FDA-D3B6-71E87F870010}"/>
+                </a:ext>
+              </a:extLst>
+            </p:cNvPr>
+            <p:cNvSpPr/>
+            <p:nvPr/>
+          </p:nvSpPr>
+          <p:spPr>
+            <a:xfrm>
+              <a:off x="3942522" y="1848148"/>
+              <a:ext cx="4750904" cy="981191"/>
+            </a:xfrm>
+            <a:prstGeom prst="rect">
+              <a:avLst/>
+            </a:prstGeom>
+            <a:solidFill>
+              <a:srgbClr val="D9D9D9"/>
+            </a:solidFill>
+            <a:ln>
+              <a:noFill/>
+            </a:ln>
+          </p:spPr>
+          <p:style>
+            <a:lnRef idx="2">
+              <a:schemeClr val="accent1">
+                <a:shade val="15000"/>
+              </a:schemeClr>
+            </a:lnRef>
+            <a:fillRef idx="1">
+              <a:schemeClr val="accent1"/>
+            </a:fillRef>
+            <a:effectRef idx="0">
+              <a:schemeClr val="accent1"/>
+            </a:effectRef>
+            <a:fontRef idx="minor">
+              <a:schemeClr val="lt1"/>
+            </a:fontRef>
+          </p:style>
+          <p:txBody>
+            <a:bodyPr rtlCol="0" anchor="t"/>
+            <a:lstStyle/>
+            <a:p>
+              <a:pPr algn="ctr"/>
+              <a:r>
+                <a:rPr lang="en-US" altLang="ko-KR" sz="1500" dirty="0">
+                  <a:solidFill>
+                    <a:schemeClr val="tx1"/>
+                  </a:solidFill>
+                </a:rPr>
+                <a:t>NPC</a:t>
+              </a:r>
+              <a:r>
+                <a:rPr lang="ko-KR" altLang="en-US" sz="1500" dirty="0">
+                  <a:solidFill>
+                    <a:schemeClr val="tx1"/>
+                  </a:solidFill>
+                </a:rPr>
+                <a:t>이름</a:t>
+              </a:r>
+              <a:endParaRPr lang="en-US" altLang="ko-KR" sz="1500" dirty="0">
+                <a:solidFill>
+                  <a:schemeClr val="tx1"/>
+                </a:solidFill>
+              </a:endParaRPr>
+            </a:p>
+            <a:p>
+              <a:pPr algn="ctr"/>
+              <a:r>
+                <a:rPr lang="en-US" altLang="ko-KR" sz="1500" dirty="0">
+                  <a:solidFill>
+                    <a:schemeClr val="tx1"/>
+                  </a:solidFill>
+                </a:rPr>
+                <a:t>010-xxxx-xxxx</a:t>
+              </a:r>
+              <a:endParaRPr lang="ko-KR" altLang="en-US" sz="1500" dirty="0">
+                <a:solidFill>
+                  <a:schemeClr val="tx1"/>
+                </a:solidFill>
+              </a:endParaRPr>
+            </a:p>
+          </p:txBody>
+        </p:sp>
+        <p:grpSp>
+          <p:nvGrpSpPr>
+            <p:cNvPr id="52" name="그룹 51">
+              <a:extLst>
+                <a:ext uri="{FF2B5EF4-FFF2-40B4-BE49-F238E27FC236}">
+                  <a16:creationId xmlns:a16="http://schemas.microsoft.com/office/drawing/2014/main" id="{31EDBC44-921D-F57C-E725-DED7743B2ED4}"/>
+                </a:ext>
+              </a:extLst>
+            </p:cNvPr>
+            <p:cNvGrpSpPr/>
+            <p:nvPr/>
+          </p:nvGrpSpPr>
+          <p:grpSpPr>
+            <a:xfrm>
+              <a:off x="4094364" y="2631887"/>
+              <a:ext cx="4447221" cy="259070"/>
+              <a:chOff x="4055165" y="2631887"/>
+              <a:chExt cx="4447221" cy="259070"/>
+            </a:xfrm>
+          </p:grpSpPr>
+          <p:sp>
+            <p:nvSpPr>
+              <p:cNvPr id="53" name="직사각형 52">
+                <a:extLst>
+                  <a:ext uri="{FF2B5EF4-FFF2-40B4-BE49-F238E27FC236}">
+                    <a16:creationId xmlns:a16="http://schemas.microsoft.com/office/drawing/2014/main" id="{FB533D89-0E69-64B9-4DD8-32868562AF87}"/>
+                  </a:ext>
+                </a:extLst>
+              </p:cNvPr>
+              <p:cNvSpPr/>
+              <p:nvPr/>
+            </p:nvSpPr>
+            <p:spPr>
+              <a:xfrm>
+                <a:off x="4055165" y="2631887"/>
+                <a:ext cx="1524000" cy="259070"/>
+              </a:xfrm>
+              <a:prstGeom prst="rect">
+                <a:avLst/>
+              </a:prstGeom>
+              <a:solidFill>
+                <a:srgbClr val="00B050"/>
+              </a:solidFill>
+              <a:ln>
+                <a:solidFill>
+                  <a:schemeClr val="tx1"/>
+                </a:solidFill>
+              </a:ln>
+            </p:spPr>
+            <p:style>
+              <a:lnRef idx="2">
+                <a:schemeClr val="accent1">
+                  <a:shade val="15000"/>
+                </a:schemeClr>
+              </a:lnRef>
+              <a:fillRef idx="1">
+                <a:schemeClr val="accent1"/>
+              </a:fillRef>
+              <a:effectRef idx="0">
+                <a:schemeClr val="accent1"/>
+              </a:effectRef>
+              <a:fontRef idx="minor">
+                <a:schemeClr val="lt1"/>
+              </a:fontRef>
+            </p:style>
+            <p:txBody>
+              <a:bodyPr rtlCol="0" anchor="ctr"/>
+              <a:lstStyle/>
+              <a:p>
+                <a:pPr algn="ctr"/>
+                <a:r>
+                  <a:rPr lang="ko-KR" altLang="en-US" sz="1200" dirty="0">
+                    <a:solidFill>
+                      <a:schemeClr val="tx1"/>
+                    </a:solidFill>
+                  </a:rPr>
+                  <a:t>전화 받기</a:t>
+                </a:r>
+              </a:p>
+            </p:txBody>
+          </p:sp>
+          <p:sp>
+            <p:nvSpPr>
+              <p:cNvPr id="54" name="직사각형 53">
+                <a:extLst>
+                  <a:ext uri="{FF2B5EF4-FFF2-40B4-BE49-F238E27FC236}">
+                    <a16:creationId xmlns:a16="http://schemas.microsoft.com/office/drawing/2014/main" id="{DE4A824F-150B-1959-4CB3-2AE850CDD06A}"/>
+                  </a:ext>
+                </a:extLst>
+              </p:cNvPr>
+              <p:cNvSpPr/>
+              <p:nvPr/>
+            </p:nvSpPr>
+            <p:spPr>
+              <a:xfrm>
+                <a:off x="6978386" y="2631887"/>
+                <a:ext cx="1524000" cy="259070"/>
+              </a:xfrm>
+              <a:prstGeom prst="rect">
+                <a:avLst/>
+              </a:prstGeom>
+              <a:solidFill>
+                <a:srgbClr val="C00000"/>
+              </a:solidFill>
+              <a:ln>
+                <a:solidFill>
+                  <a:schemeClr val="tx1"/>
+                </a:solidFill>
+              </a:ln>
+            </p:spPr>
+            <p:style>
+              <a:lnRef idx="2">
+                <a:schemeClr val="accent1">
+                  <a:shade val="15000"/>
+                </a:schemeClr>
+              </a:lnRef>
+              <a:fillRef idx="1">
+                <a:schemeClr val="accent1"/>
+              </a:fillRef>
+              <a:effectRef idx="0">
+                <a:schemeClr val="accent1"/>
+              </a:effectRef>
+              <a:fontRef idx="minor">
+                <a:schemeClr val="lt1"/>
+              </a:fontRef>
+            </p:style>
+            <p:txBody>
+              <a:bodyPr rtlCol="0" anchor="ctr"/>
+              <a:lstStyle/>
+              <a:p>
+                <a:pPr algn="ctr"/>
+                <a:r>
+                  <a:rPr lang="ko-KR" altLang="en-US" sz="1200" dirty="0">
+                    <a:solidFill>
+                      <a:schemeClr val="tx1"/>
+                    </a:solidFill>
+                  </a:rPr>
+                  <a:t>무시하기</a:t>
+                </a:r>
+              </a:p>
+            </p:txBody>
+          </p:sp>
+        </p:grpSp>
+      </p:grpSp>
+      <p:pic>
+        <p:nvPicPr>
+          <p:cNvPr id="74" name="그래픽 73" descr="수신기 단색으로 채워진">
+            <a:extLst>
+              <a:ext uri="{FF2B5EF4-FFF2-40B4-BE49-F238E27FC236}">
+                <a16:creationId xmlns:a16="http://schemas.microsoft.com/office/drawing/2014/main" id="{BA83F7EF-4463-3B6D-EA17-33D3A101A1B8}"/>
+              </a:ext>
+            </a:extLst>
+          </p:cNvPr>
+          <p:cNvPicPr>
+            <a:picLocks noChangeAspect="1"/>
+          </p:cNvPicPr>
+          <p:nvPr/>
+        </p:nvPicPr>
+        <p:blipFill>
+          <a:blip r:embed="rId2">
+            <a:extLst>
+              <a:ext uri="{96DAC541-7B7A-43D3-8B79-37D633B846F1}">
+                <asvg:svgBlip xmlns:asvg="http://schemas.microsoft.com/office/drawing/2016/SVG/main" r:embed="rId3"/>
+              </a:ext>
+            </a:extLst>
+          </a:blip>
+          <a:stretch>
+            <a:fillRect/>
+          </a:stretch>
+        </p:blipFill>
+        <p:spPr>
+          <a:xfrm>
+            <a:off x="4691960" y="1622630"/>
+            <a:ext cx="533089" cy="533089"/>
+          </a:xfrm>
+          <a:prstGeom prst="rect">
+            <a:avLst/>
+          </a:prstGeom>
+        </p:spPr>
+      </p:pic>
+      <p:sp>
+        <p:nvSpPr>
+          <p:cNvPr id="75" name="TextBox 74">
+            <a:extLst>
+              <a:ext uri="{FF2B5EF4-FFF2-40B4-BE49-F238E27FC236}">
+                <a16:creationId xmlns:a16="http://schemas.microsoft.com/office/drawing/2014/main" id="{3DB45777-5C4E-D0BF-491C-08C00DA889B2}"/>
+              </a:ext>
+            </a:extLst>
+          </p:cNvPr>
+          <p:cNvSpPr txBox="1"/>
+          <p:nvPr/>
+        </p:nvSpPr>
+        <p:spPr>
+          <a:xfrm>
+            <a:off x="361325" y="5019843"/>
+            <a:ext cx="9514143" cy="1522020"/>
+          </a:xfrm>
+          <a:prstGeom prst="rect">
+            <a:avLst/>
+          </a:prstGeom>
+          <a:noFill/>
+        </p:spPr>
+        <p:txBody>
+          <a:bodyPr wrap="none" rtlCol="0">
+            <a:spAutoFit/>
+          </a:bodyPr>
+          <a:lstStyle/>
+          <a:p>
+            <a:pPr marL="285750" indent="-285750">
+              <a:lnSpc>
+                <a:spcPct val="150000"/>
+              </a:lnSpc>
+              <a:buFontTx/>
+              <a:buChar char="-"/>
+            </a:pPr>
+            <a:r>
+              <a:rPr lang="ko-KR" altLang="en-US" sz="1600" dirty="0"/>
+              <a:t>방해 이벤트는 무시를 이용해서 빠르게 넘길 수 있다</a:t>
+            </a:r>
+            <a:r>
+              <a:rPr lang="en-US" altLang="ko-KR" sz="1600" dirty="0"/>
+              <a:t>.</a:t>
+            </a:r>
+          </a:p>
+          <a:p>
+            <a:pPr marL="285750" indent="-285750">
+              <a:lnSpc>
+                <a:spcPct val="150000"/>
+              </a:lnSpc>
+              <a:buFontTx/>
+              <a:buChar char="-"/>
+            </a:pPr>
+            <a:r>
+              <a:rPr lang="ko-KR" altLang="en-US" sz="1600" dirty="0"/>
+              <a:t>해당 이벤트를 무시하였을 경우 </a:t>
+            </a:r>
+            <a:r>
+              <a:rPr lang="ko-KR" altLang="en-US" sz="1600" dirty="0" err="1"/>
+              <a:t>랜덤한</a:t>
+            </a:r>
+            <a:r>
+              <a:rPr lang="ko-KR" altLang="en-US" sz="1600" dirty="0"/>
+              <a:t> 시간</a:t>
+            </a:r>
+            <a:r>
+              <a:rPr lang="en-US" altLang="ko-KR" sz="1600" dirty="0"/>
+              <a:t>(30</a:t>
+            </a:r>
+            <a:r>
+              <a:rPr lang="ko-KR" altLang="en-US" sz="1600" dirty="0"/>
+              <a:t>초</a:t>
+            </a:r>
+            <a:r>
+              <a:rPr lang="en-US" altLang="ko-KR" sz="1600" dirty="0"/>
+              <a:t>~1</a:t>
+            </a:r>
+            <a:r>
+              <a:rPr lang="ko-KR" altLang="en-US" sz="1600" dirty="0"/>
+              <a:t>분</a:t>
+            </a:r>
+            <a:r>
+              <a:rPr lang="en-US" altLang="ko-KR" sz="1600" dirty="0"/>
+              <a:t>)</a:t>
+            </a:r>
+            <a:r>
+              <a:rPr lang="ko-KR" altLang="en-US" sz="1600" dirty="0"/>
+              <a:t>이내로 해당 이벤트가 다시 등장할 수 있다</a:t>
+            </a:r>
+            <a:r>
+              <a:rPr lang="en-US" altLang="ko-KR" sz="1600" dirty="0"/>
+              <a:t>.</a:t>
+            </a:r>
+          </a:p>
+          <a:p>
+            <a:pPr marL="285750" indent="-285750">
+              <a:lnSpc>
+                <a:spcPct val="150000"/>
+              </a:lnSpc>
+              <a:buFontTx/>
+              <a:buChar char="-"/>
+            </a:pPr>
+            <a:r>
+              <a:rPr lang="ko-KR" altLang="en-US" sz="1600" dirty="0"/>
+              <a:t>특정 이벤트는 무시를 사용하면 후속 이벤트가 등장하는 경우가 있다</a:t>
+            </a:r>
+            <a:r>
+              <a:rPr lang="en-US" altLang="ko-KR" sz="1600" dirty="0"/>
+              <a:t>.</a:t>
+            </a:r>
+          </a:p>
+          <a:p>
+            <a:pPr marL="285750" indent="-285750">
+              <a:lnSpc>
+                <a:spcPct val="150000"/>
+              </a:lnSpc>
+              <a:buFontTx/>
+              <a:buChar char="-"/>
+            </a:pPr>
+            <a:r>
+              <a:rPr lang="ko-KR" altLang="en-US" sz="1600" dirty="0"/>
+              <a:t>무시는 게임당 최대 </a:t>
+            </a:r>
+            <a:r>
+              <a:rPr lang="en-US" altLang="ko-KR" sz="1600" dirty="0"/>
+              <a:t>2</a:t>
+            </a:r>
+            <a:r>
+              <a:rPr lang="ko-KR" altLang="en-US" sz="1600" dirty="0"/>
+              <a:t>번까지 사용 가능하다</a:t>
+            </a:r>
+            <a:r>
+              <a:rPr lang="en-US" altLang="ko-KR" sz="1600" dirty="0"/>
+              <a:t>.</a:t>
+            </a:r>
+          </a:p>
+        </p:txBody>
+      </p:sp>
+      <p:sp>
+        <p:nvSpPr>
+          <p:cNvPr id="76" name="직사각형 75">
+            <a:extLst>
+              <a:ext uri="{FF2B5EF4-FFF2-40B4-BE49-F238E27FC236}">
+                <a16:creationId xmlns:a16="http://schemas.microsoft.com/office/drawing/2014/main" id="{7F32E462-2301-C50B-7C7F-2500DDFD9CF7}"/>
+              </a:ext>
+            </a:extLst>
+          </p:cNvPr>
+          <p:cNvSpPr/>
+          <p:nvPr/>
+        </p:nvSpPr>
+        <p:spPr>
+          <a:xfrm>
+            <a:off x="6529163" y="2263362"/>
+            <a:ext cx="1647360" cy="394850"/>
+          </a:xfrm>
+          <a:prstGeom prst="rect">
+            <a:avLst/>
+          </a:prstGeom>
+          <a:noFill/>
+          <a:ln w="38100">
+            <a:solidFill>
+              <a:srgbClr val="FF0000"/>
+            </a:solidFill>
+          </a:ln>
+        </p:spPr>
+        <p:style>
+          <a:lnRef idx="2">
+            <a:schemeClr val="accent1">
+              <a:shade val="15000"/>
+            </a:schemeClr>
+          </a:lnRef>
+          <a:fillRef idx="1">
+            <a:schemeClr val="accent1"/>
+          </a:fillRef>
+          <a:effectRef idx="0">
+            <a:schemeClr val="accent1"/>
+          </a:effectRef>
+          <a:fontRef idx="minor">
+            <a:schemeClr val="lt1"/>
+          </a:fontRef>
+        </p:style>
+        <p:txBody>
+          <a:bodyPr rtlCol="0" anchor="ctr"/>
+          <a:lstStyle/>
+          <a:p>
+            <a:pPr algn="ctr"/>
+            <a:endParaRPr lang="ko-KR" altLang="en-US"/>
+          </a:p>
+        </p:txBody>
+      </p:sp>
+    </p:spTree>
+    <p:extLst>
+      <p:ext uri="{BB962C8B-B14F-4D97-AF65-F5344CB8AC3E}">
+        <p14:creationId xmlns:p14="http://schemas.microsoft.com/office/powerpoint/2010/main" val="3633158389"/>
+      </p:ext>
+    </p:extLst>
+  </p:cSld>
+  <p:clrMapOvr>
+    <a:masterClrMapping/>
+  </p:clrMapOvr>
+</p:sld>
+</file>
+
+<file path=ppt/slides/slide13.xml><?xml version="1.0" encoding="utf-8"?>
+<p:sld xmlns:a="http://schemas.openxmlformats.org/drawingml/2006/main" xmlns:r="http://schemas.openxmlformats.org/officeDocument/2006/relationships" xmlns:p="http://schemas.openxmlformats.org/presentationml/2006/main">
+  <p:cSld>
+    <p:spTree>
+      <p:nvGrpSpPr>
+        <p:cNvPr id="1" name="">
+          <a:extLst>
+            <a:ext uri="{FF2B5EF4-FFF2-40B4-BE49-F238E27FC236}">
+              <a16:creationId xmlns:a16="http://schemas.microsoft.com/office/drawing/2014/main" id="{52CAA5F9-A086-2F3E-F1A4-7823592711B5}"/>
+            </a:ext>
+          </a:extLst>
+        </p:cNvPr>
+        <p:cNvGrpSpPr/>
+        <p:nvPr/>
+      </p:nvGrpSpPr>
+      <p:grpSpPr>
+        <a:xfrm>
+          <a:off x="0" y="0"/>
+          <a:ext cx="0" cy="0"/>
+          <a:chOff x="0" y="0"/>
+          <a:chExt cx="0" cy="0"/>
+        </a:xfrm>
+      </p:grpSpPr>
+      <p:sp>
+        <p:nvSpPr>
+          <p:cNvPr id="38" name="제목 1">
+            <a:extLst>
+              <a:ext uri="{FF2B5EF4-FFF2-40B4-BE49-F238E27FC236}">
+                <a16:creationId xmlns:a16="http://schemas.microsoft.com/office/drawing/2014/main" id="{A4A4E98D-C65A-4D37-C08E-F96D6376BF84}"/>
+              </a:ext>
+            </a:extLst>
+          </p:cNvPr>
+          <p:cNvSpPr txBox="1">
+            <a:spLocks/>
+          </p:cNvSpPr>
+          <p:nvPr/>
+        </p:nvSpPr>
+        <p:spPr>
+          <a:xfrm>
+            <a:off x="129225" y="83886"/>
+            <a:ext cx="2637170" cy="608225"/>
+          </a:xfrm>
+          <a:prstGeom prst="rect">
+            <a:avLst/>
+          </a:prstGeom>
+        </p:spPr>
+        <p:txBody>
+          <a:bodyPr vert="horz" lIns="91440" tIns="45720" rIns="91440" bIns="45720" rtlCol="0" anchor="ctr">
+            <a:normAutofit/>
+          </a:bodyPr>
+          <a:lstStyle>
+            <a:lvl1pPr algn="l" defTabSz="914400" rtl="0" eaLnBrk="1" latinLnBrk="1" hangingPunct="1">
+              <a:lnSpc>
+                <a:spcPct val="90000"/>
+              </a:lnSpc>
+              <a:spcBef>
+                <a:spcPct val="0"/>
+              </a:spcBef>
+              <a:buNone/>
+              <a:defRPr sz="4400" kern="1200">
+                <a:solidFill>
+                  <a:schemeClr val="tx1"/>
+                </a:solidFill>
+                <a:latin typeface="+mj-lt"/>
+                <a:ea typeface="+mj-ea"/>
+                <a:cs typeface="+mj-cs"/>
+              </a:defRPr>
+            </a:lvl1pPr>
+          </a:lstStyle>
+          <a:p>
+            <a:pPr algn="ctr"/>
+            <a:r>
+              <a:rPr lang="ko-KR" altLang="en-US" sz="3200" b="1" dirty="0"/>
+              <a:t>방해 이벤트</a:t>
+            </a:r>
+          </a:p>
+        </p:txBody>
+      </p:sp>
+      <p:cxnSp>
+        <p:nvCxnSpPr>
+          <p:cNvPr id="39" name="직선 연결선 38">
+            <a:extLst>
+              <a:ext uri="{FF2B5EF4-FFF2-40B4-BE49-F238E27FC236}">
+                <a16:creationId xmlns:a16="http://schemas.microsoft.com/office/drawing/2014/main" id="{0456C94F-2A77-56DC-4AC5-515E9274453C}"/>
+              </a:ext>
+            </a:extLst>
+          </p:cNvPr>
+          <p:cNvCxnSpPr>
+            <a:cxnSpLocks/>
+          </p:cNvCxnSpPr>
+          <p:nvPr/>
+        </p:nvCxnSpPr>
+        <p:spPr>
+          <a:xfrm>
+            <a:off x="0" y="692111"/>
+            <a:ext cx="12192000" cy="0"/>
+          </a:xfrm>
+          <a:prstGeom prst="line">
+            <a:avLst/>
+          </a:prstGeom>
+          <a:ln>
+            <a:solidFill>
+              <a:schemeClr val="bg2">
+                <a:lumMod val="75000"/>
+              </a:schemeClr>
+            </a:solidFill>
+          </a:ln>
+        </p:spPr>
+        <p:style>
+          <a:lnRef idx="2">
+            <a:schemeClr val="accent1"/>
+          </a:lnRef>
+          <a:fillRef idx="0">
+            <a:schemeClr val="accent1"/>
+          </a:fillRef>
+          <a:effectRef idx="1">
+            <a:schemeClr val="accent1"/>
+          </a:effectRef>
+          <a:fontRef idx="minor">
+            <a:schemeClr val="tx1"/>
+          </a:fontRef>
+        </p:style>
+      </p:cxnSp>
+      <p:cxnSp>
+        <p:nvCxnSpPr>
+          <p:cNvPr id="40" name="직선 연결선 39">
+            <a:extLst>
+              <a:ext uri="{FF2B5EF4-FFF2-40B4-BE49-F238E27FC236}">
+                <a16:creationId xmlns:a16="http://schemas.microsoft.com/office/drawing/2014/main" id="{7BCC3248-226B-23C4-A8A3-FC0164E35149}"/>
+              </a:ext>
+            </a:extLst>
+          </p:cNvPr>
+          <p:cNvCxnSpPr>
+            <a:cxnSpLocks/>
+          </p:cNvCxnSpPr>
+          <p:nvPr/>
+        </p:nvCxnSpPr>
+        <p:spPr>
+          <a:xfrm>
+            <a:off x="129225" y="658980"/>
+            <a:ext cx="2637170" cy="0"/>
+          </a:xfrm>
+          <a:prstGeom prst="line">
+            <a:avLst/>
+          </a:prstGeom>
+          <a:ln w="76200">
+            <a:solidFill>
+              <a:schemeClr val="tx1"/>
+            </a:solidFill>
+          </a:ln>
+        </p:spPr>
+        <p:style>
+          <a:lnRef idx="2">
+            <a:schemeClr val="accent1"/>
+          </a:lnRef>
+          <a:fillRef idx="0">
+            <a:schemeClr val="accent1"/>
+          </a:fillRef>
+          <a:effectRef idx="1">
+            <a:schemeClr val="accent1"/>
+          </a:effectRef>
+          <a:fontRef idx="minor">
+            <a:schemeClr val="tx1"/>
+          </a:fontRef>
+        </p:style>
+      </p:cxnSp>
+      <p:sp>
+        <p:nvSpPr>
+          <p:cNvPr id="41" name="슬라이드 번호 개체 틀 40">
+            <a:extLst>
+              <a:ext uri="{FF2B5EF4-FFF2-40B4-BE49-F238E27FC236}">
+                <a16:creationId xmlns:a16="http://schemas.microsoft.com/office/drawing/2014/main" id="{0216EEA7-A3F0-6F89-8F0D-D44255F35A79}"/>
+              </a:ext>
+            </a:extLst>
+          </p:cNvPr>
+          <p:cNvSpPr>
+            <a:spLocks noGrp="1"/>
+          </p:cNvSpPr>
+          <p:nvPr>
+            <p:ph type="sldNum" sz="quarter" idx="12"/>
+          </p:nvPr>
+        </p:nvSpPr>
+        <p:spPr/>
+        <p:txBody>
+          <a:bodyPr/>
+          <a:lstStyle/>
+          <a:p>
+            <a:fld id="{8D96929D-9E84-4A42-B4C3-2E48812748E4}" type="slidenum">
+              <a:rPr lang="ko-KR" altLang="en-US" smtClean="0"/>
+              <a:t>13</a:t>
+            </a:fld>
+            <a:endParaRPr lang="ko-KR" altLang="en-US"/>
+          </a:p>
+        </p:txBody>
+      </p:sp>
+      <p:sp>
+        <p:nvSpPr>
+          <p:cNvPr id="36" name="TextBox 35">
+            <a:extLst>
+              <a:ext uri="{FF2B5EF4-FFF2-40B4-BE49-F238E27FC236}">
+                <a16:creationId xmlns:a16="http://schemas.microsoft.com/office/drawing/2014/main" id="{714C6CBF-7FEE-D70D-A236-BA2A760D4F39}"/>
+              </a:ext>
+            </a:extLst>
+          </p:cNvPr>
+          <p:cNvSpPr txBox="1"/>
+          <p:nvPr/>
+        </p:nvSpPr>
+        <p:spPr>
+          <a:xfrm>
+            <a:off x="454785" y="700766"/>
+            <a:ext cx="2106667" cy="523220"/>
+          </a:xfrm>
+          <a:prstGeom prst="rect">
+            <a:avLst/>
+          </a:prstGeom>
+          <a:noFill/>
+        </p:spPr>
+        <p:txBody>
+          <a:bodyPr wrap="none" rtlCol="0">
+            <a:spAutoFit/>
+          </a:bodyPr>
+          <a:lstStyle/>
+          <a:p>
+            <a:r>
+              <a:rPr lang="ko-KR" altLang="en-US" sz="2800" dirty="0">
+                <a:solidFill>
+                  <a:srgbClr val="0070C0"/>
+                </a:solidFill>
+              </a:rPr>
+              <a:t>후속 이벤트</a:t>
+            </a:r>
+          </a:p>
+        </p:txBody>
+      </p:sp>
+      <p:sp>
+        <p:nvSpPr>
+          <p:cNvPr id="75" name="TextBox 74">
+            <a:extLst>
+              <a:ext uri="{FF2B5EF4-FFF2-40B4-BE49-F238E27FC236}">
+                <a16:creationId xmlns:a16="http://schemas.microsoft.com/office/drawing/2014/main" id="{D9F88F65-383C-8621-D9E9-DB43154C08FB}"/>
+              </a:ext>
+            </a:extLst>
+          </p:cNvPr>
+          <p:cNvSpPr txBox="1"/>
+          <p:nvPr/>
+        </p:nvSpPr>
+        <p:spPr>
+          <a:xfrm>
+            <a:off x="430696" y="5173870"/>
+            <a:ext cx="8903399" cy="783356"/>
+          </a:xfrm>
+          <a:prstGeom prst="rect">
+            <a:avLst/>
+          </a:prstGeom>
+          <a:noFill/>
+        </p:spPr>
+        <p:txBody>
+          <a:bodyPr wrap="none" rtlCol="0">
+            <a:spAutoFit/>
+          </a:bodyPr>
+          <a:lstStyle/>
+          <a:p>
+            <a:pPr marL="285750" indent="-285750">
+              <a:lnSpc>
+                <a:spcPct val="150000"/>
+              </a:lnSpc>
+              <a:buFontTx/>
+              <a:buChar char="-"/>
+            </a:pPr>
+            <a:r>
+              <a:rPr lang="ko-KR" altLang="en-US" sz="1600" dirty="0"/>
+              <a:t>특정 방해 이벤트는 후속 이벤트를 가지고 있다</a:t>
+            </a:r>
+            <a:r>
+              <a:rPr lang="en-US" altLang="ko-KR" sz="1600" dirty="0"/>
+              <a:t>.</a:t>
+            </a:r>
+          </a:p>
+          <a:p>
+            <a:pPr marL="285750" indent="-285750">
+              <a:lnSpc>
+                <a:spcPct val="150000"/>
+              </a:lnSpc>
+              <a:buFontTx/>
+              <a:buChar char="-"/>
+            </a:pPr>
+            <a:r>
+              <a:rPr lang="ko-KR" altLang="en-US" sz="1600" dirty="0"/>
+              <a:t>해당 이벤트를 해결하거나 무시하였을 경우 다음 방해이벤트는 </a:t>
+            </a:r>
+            <a:r>
+              <a:rPr lang="ko-KR" altLang="en-US" sz="1600" b="1" dirty="0"/>
+              <a:t>반드시</a:t>
+            </a:r>
+            <a:r>
+              <a:rPr lang="ko-KR" altLang="en-US" sz="1600" dirty="0"/>
+              <a:t> 후속 이벤트가 된다</a:t>
+            </a:r>
+            <a:r>
+              <a:rPr lang="en-US" altLang="ko-KR" sz="1600" dirty="0"/>
+              <a:t>.</a:t>
+            </a:r>
+            <a:r>
+              <a:rPr lang="ko-KR" altLang="en-US" sz="1600" dirty="0"/>
+              <a:t> </a:t>
+            </a:r>
+            <a:endParaRPr lang="en-US" altLang="ko-KR" sz="1600" dirty="0"/>
+          </a:p>
+        </p:txBody>
+      </p:sp>
+      <p:grpSp>
+        <p:nvGrpSpPr>
+          <p:cNvPr id="2" name="그룹 1">
+            <a:extLst>
+              <a:ext uri="{FF2B5EF4-FFF2-40B4-BE49-F238E27FC236}">
+                <a16:creationId xmlns:a16="http://schemas.microsoft.com/office/drawing/2014/main" id="{F9256119-59AD-44F2-D6A4-C67106AA4DC7}"/>
+              </a:ext>
+            </a:extLst>
+          </p:cNvPr>
+          <p:cNvGrpSpPr/>
+          <p:nvPr/>
+        </p:nvGrpSpPr>
+        <p:grpSpPr>
+          <a:xfrm>
+            <a:off x="281612" y="1637684"/>
+            <a:ext cx="4969565" cy="2856997"/>
+            <a:chOff x="2809461" y="1364959"/>
+            <a:chExt cx="6003235" cy="3451253"/>
+          </a:xfrm>
+        </p:grpSpPr>
+        <p:sp>
+          <p:nvSpPr>
+            <p:cNvPr id="42" name="사각형: 둥근 모서리 41">
+              <a:extLst>
+                <a:ext uri="{FF2B5EF4-FFF2-40B4-BE49-F238E27FC236}">
+                  <a16:creationId xmlns:a16="http://schemas.microsoft.com/office/drawing/2014/main" id="{7ED5796C-325A-A284-2383-0D2600C6FF5D}"/>
+                </a:ext>
+              </a:extLst>
+            </p:cNvPr>
+            <p:cNvSpPr/>
+            <p:nvPr/>
+          </p:nvSpPr>
+          <p:spPr>
+            <a:xfrm>
+              <a:off x="2809461" y="1364959"/>
+              <a:ext cx="6003235" cy="3451253"/>
+            </a:xfrm>
+            <a:prstGeom prst="roundRect">
+              <a:avLst>
+                <a:gd name="adj" fmla="val 2928"/>
+              </a:avLst>
+            </a:prstGeom>
+            <a:solidFill>
+              <a:schemeClr val="bg2">
+                <a:lumMod val="75000"/>
+              </a:schemeClr>
+            </a:solidFill>
+          </p:spPr>
+          <p:style>
+            <a:lnRef idx="2">
+              <a:schemeClr val="accent1">
+                <a:shade val="15000"/>
+              </a:schemeClr>
+            </a:lnRef>
+            <a:fillRef idx="1">
+              <a:schemeClr val="accent1"/>
+            </a:fillRef>
+            <a:effectRef idx="0">
+              <a:schemeClr val="accent1"/>
+            </a:effectRef>
+            <a:fontRef idx="minor">
+              <a:schemeClr val="lt1"/>
+            </a:fontRef>
+          </p:style>
+          <p:txBody>
+            <a:bodyPr rtlCol="0" anchor="ctr"/>
+            <a:lstStyle/>
+            <a:p>
+              <a:pPr algn="ctr"/>
+              <a:endParaRPr lang="ko-KR" altLang="en-US" sz="1600"/>
+            </a:p>
+          </p:txBody>
+        </p:sp>
+        <p:grpSp>
+          <p:nvGrpSpPr>
+            <p:cNvPr id="43" name="그룹 42">
+              <a:extLst>
+                <a:ext uri="{FF2B5EF4-FFF2-40B4-BE49-F238E27FC236}">
+                  <a16:creationId xmlns:a16="http://schemas.microsoft.com/office/drawing/2014/main" id="{859D8C58-DBB7-56F9-CAA5-5AFB532F7DEF}"/>
+                </a:ext>
+              </a:extLst>
+            </p:cNvPr>
+            <p:cNvGrpSpPr/>
+            <p:nvPr/>
+          </p:nvGrpSpPr>
+          <p:grpSpPr>
+            <a:xfrm>
+              <a:off x="3016050" y="1489520"/>
+              <a:ext cx="5638665" cy="3171749"/>
+              <a:chOff x="371062" y="208722"/>
+              <a:chExt cx="11449877" cy="6440556"/>
+            </a:xfrm>
+          </p:grpSpPr>
+          <p:sp>
+            <p:nvSpPr>
+              <p:cNvPr id="55" name="직사각형 54">
+                <a:extLst>
+                  <a:ext uri="{FF2B5EF4-FFF2-40B4-BE49-F238E27FC236}">
+                    <a16:creationId xmlns:a16="http://schemas.microsoft.com/office/drawing/2014/main" id="{1A4E1A40-43D5-FEBC-52D9-1F9469D8AFB6}"/>
+                  </a:ext>
+                </a:extLst>
+              </p:cNvPr>
+              <p:cNvSpPr>
+                <a:spLocks noChangeAspect="1"/>
+              </p:cNvSpPr>
+              <p:nvPr/>
+            </p:nvSpPr>
+            <p:spPr>
+              <a:xfrm>
+                <a:off x="371062" y="208722"/>
+                <a:ext cx="11449877" cy="6440556"/>
+              </a:xfrm>
+              <a:prstGeom prst="rect">
+                <a:avLst/>
+              </a:prstGeom>
+              <a:solidFill>
+                <a:schemeClr val="bg1"/>
+              </a:solidFill>
+              <a:ln>
+                <a:solidFill>
+                  <a:schemeClr val="tx1"/>
+                </a:solidFill>
+              </a:ln>
+            </p:spPr>
+            <p:style>
+              <a:lnRef idx="2">
+                <a:schemeClr val="accent1">
+                  <a:shade val="15000"/>
+                </a:schemeClr>
+              </a:lnRef>
+              <a:fillRef idx="1">
+                <a:schemeClr val="accent1"/>
+              </a:fillRef>
+              <a:effectRef idx="0">
+                <a:schemeClr val="accent1"/>
+              </a:effectRef>
+              <a:fontRef idx="minor">
+                <a:schemeClr val="lt1"/>
+              </a:fontRef>
+            </p:style>
+            <p:txBody>
+              <a:bodyPr rtlCol="0" anchor="ctr"/>
+              <a:lstStyle/>
+              <a:p>
+                <a:pPr algn="ctr"/>
+                <a:endParaRPr lang="ko-KR" altLang="en-US" sz="600"/>
+              </a:p>
+            </p:txBody>
+          </p:sp>
+          <p:sp>
+            <p:nvSpPr>
+              <p:cNvPr id="56" name="직사각형 55">
+                <a:extLst>
+                  <a:ext uri="{FF2B5EF4-FFF2-40B4-BE49-F238E27FC236}">
+                    <a16:creationId xmlns:a16="http://schemas.microsoft.com/office/drawing/2014/main" id="{2A2A5BC3-D53A-9DFC-01B9-023C566D5035}"/>
+                  </a:ext>
+                </a:extLst>
+              </p:cNvPr>
+              <p:cNvSpPr/>
+              <p:nvPr/>
+            </p:nvSpPr>
+            <p:spPr>
+              <a:xfrm>
+                <a:off x="371062" y="5493026"/>
+                <a:ext cx="11449876" cy="1156252"/>
+              </a:xfrm>
+              <a:prstGeom prst="rect">
+                <a:avLst/>
+              </a:prstGeom>
+              <a:solidFill>
+                <a:schemeClr val="tx1">
+                  <a:lumMod val="65000"/>
+                  <a:lumOff val="35000"/>
+                </a:schemeClr>
+              </a:solidFill>
+              <a:ln>
+                <a:solidFill>
+                  <a:schemeClr val="tx1"/>
+                </a:solidFill>
+              </a:ln>
+            </p:spPr>
+            <p:style>
+              <a:lnRef idx="2">
+                <a:schemeClr val="accent1">
+                  <a:shade val="15000"/>
+                </a:schemeClr>
+              </a:lnRef>
+              <a:fillRef idx="1">
+                <a:schemeClr val="accent1"/>
+              </a:fillRef>
+              <a:effectRef idx="0">
+                <a:schemeClr val="accent1"/>
+              </a:effectRef>
+              <a:fontRef idx="minor">
+                <a:schemeClr val="lt1"/>
+              </a:fontRef>
+            </p:style>
+            <p:txBody>
+              <a:bodyPr rtlCol="0" anchor="ctr"/>
+              <a:lstStyle/>
+              <a:p>
+                <a:pPr algn="ctr"/>
+                <a:endParaRPr lang="ko-KR" altLang="en-US" sz="600"/>
+              </a:p>
+            </p:txBody>
+          </p:sp>
+          <p:sp>
+            <p:nvSpPr>
+              <p:cNvPr id="57" name="사각형: 둥근 모서리 56">
+                <a:extLst>
+                  <a:ext uri="{FF2B5EF4-FFF2-40B4-BE49-F238E27FC236}">
+                    <a16:creationId xmlns:a16="http://schemas.microsoft.com/office/drawing/2014/main" id="{28E29A43-1F00-20DD-8C4B-F0A94EC1193A}"/>
+                  </a:ext>
+                </a:extLst>
+              </p:cNvPr>
+              <p:cNvSpPr/>
+              <p:nvPr/>
+            </p:nvSpPr>
+            <p:spPr>
+              <a:xfrm>
+                <a:off x="578115" y="4210904"/>
+                <a:ext cx="722243" cy="1282122"/>
+              </a:xfrm>
+              <a:prstGeom prst="roundRect">
+                <a:avLst/>
+              </a:prstGeom>
+              <a:ln>
+                <a:noFill/>
+              </a:ln>
+            </p:spPr>
+            <p:style>
+              <a:lnRef idx="2">
+                <a:schemeClr val="accent1">
+                  <a:shade val="15000"/>
+                </a:schemeClr>
+              </a:lnRef>
+              <a:fillRef idx="1">
+                <a:schemeClr val="accent1"/>
+              </a:fillRef>
+              <a:effectRef idx="0">
+                <a:schemeClr val="accent1"/>
+              </a:effectRef>
+              <a:fontRef idx="minor">
+                <a:schemeClr val="lt1"/>
+              </a:fontRef>
+            </p:style>
+            <p:txBody>
+              <a:bodyPr rtlCol="0" anchor="ctr"/>
+              <a:lstStyle/>
+              <a:p>
+                <a:pPr algn="ctr"/>
+                <a:endParaRPr lang="ko-KR" altLang="en-US" sz="600"/>
+              </a:p>
+            </p:txBody>
+          </p:sp>
+          <p:sp>
+            <p:nvSpPr>
+              <p:cNvPr id="58" name="직사각형 57">
+                <a:extLst>
+                  <a:ext uri="{FF2B5EF4-FFF2-40B4-BE49-F238E27FC236}">
+                    <a16:creationId xmlns:a16="http://schemas.microsoft.com/office/drawing/2014/main" id="{F08C97C1-B8EB-A86B-F6EF-EBD2253BBD53}"/>
+                  </a:ext>
+                </a:extLst>
+              </p:cNvPr>
+              <p:cNvSpPr/>
+              <p:nvPr/>
+            </p:nvSpPr>
+            <p:spPr>
+              <a:xfrm>
+                <a:off x="4923703" y="4953026"/>
+                <a:ext cx="540000" cy="540000"/>
+              </a:xfrm>
+              <a:prstGeom prst="rect">
+                <a:avLst/>
+              </a:prstGeom>
+              <a:solidFill>
+                <a:schemeClr val="accent2">
+                  <a:lumMod val="75000"/>
+                </a:schemeClr>
+              </a:solidFill>
+              <a:ln>
+                <a:noFill/>
+              </a:ln>
+            </p:spPr>
+            <p:style>
+              <a:lnRef idx="2">
+                <a:schemeClr val="accent1">
+                  <a:shade val="15000"/>
+                </a:schemeClr>
+              </a:lnRef>
+              <a:fillRef idx="1">
+                <a:schemeClr val="accent1"/>
+              </a:fillRef>
+              <a:effectRef idx="0">
+                <a:schemeClr val="accent1"/>
+              </a:effectRef>
+              <a:fontRef idx="minor">
+                <a:schemeClr val="lt1"/>
+              </a:fontRef>
+            </p:style>
+            <p:txBody>
+              <a:bodyPr rtlCol="0" anchor="ctr"/>
+              <a:lstStyle/>
+              <a:p>
+                <a:pPr algn="ctr"/>
+                <a:endParaRPr lang="ko-KR" altLang="en-US" sz="600"/>
+              </a:p>
+            </p:txBody>
+          </p:sp>
+          <p:sp>
+            <p:nvSpPr>
+              <p:cNvPr id="59" name="직사각형 58">
+                <a:extLst>
+                  <a:ext uri="{FF2B5EF4-FFF2-40B4-BE49-F238E27FC236}">
+                    <a16:creationId xmlns:a16="http://schemas.microsoft.com/office/drawing/2014/main" id="{FC9D03E5-A550-AA9F-22A8-D39504291C23}"/>
+                  </a:ext>
+                </a:extLst>
+              </p:cNvPr>
+              <p:cNvSpPr/>
+              <p:nvPr/>
+            </p:nvSpPr>
+            <p:spPr>
+              <a:xfrm>
+                <a:off x="8186557" y="3860605"/>
+                <a:ext cx="540000" cy="540000"/>
+              </a:xfrm>
+              <a:prstGeom prst="rect">
+                <a:avLst/>
+              </a:prstGeom>
+              <a:solidFill>
+                <a:schemeClr val="accent2">
+                  <a:lumMod val="75000"/>
+                </a:schemeClr>
+              </a:solidFill>
+              <a:ln>
+                <a:noFill/>
+              </a:ln>
+            </p:spPr>
+            <p:style>
+              <a:lnRef idx="2">
+                <a:schemeClr val="accent1">
+                  <a:shade val="15000"/>
+                </a:schemeClr>
+              </a:lnRef>
+              <a:fillRef idx="1">
+                <a:schemeClr val="accent1"/>
+              </a:fillRef>
+              <a:effectRef idx="0">
+                <a:schemeClr val="accent1"/>
+              </a:effectRef>
+              <a:fontRef idx="minor">
+                <a:schemeClr val="lt1"/>
+              </a:fontRef>
+            </p:style>
+            <p:txBody>
+              <a:bodyPr rtlCol="0" anchor="ctr"/>
+              <a:lstStyle/>
+              <a:p>
+                <a:pPr algn="ctr"/>
+                <a:endParaRPr lang="ko-KR" altLang="en-US" sz="600"/>
+              </a:p>
+            </p:txBody>
+          </p:sp>
+          <p:sp>
+            <p:nvSpPr>
+              <p:cNvPr id="60" name="TextBox 59">
+                <a:extLst>
+                  <a:ext uri="{FF2B5EF4-FFF2-40B4-BE49-F238E27FC236}">
+                    <a16:creationId xmlns:a16="http://schemas.microsoft.com/office/drawing/2014/main" id="{9658EBAC-F61E-5563-A840-F8E9D3F47523}"/>
+                  </a:ext>
+                </a:extLst>
+              </p:cNvPr>
+              <p:cNvSpPr txBox="1"/>
+              <p:nvPr/>
+            </p:nvSpPr>
+            <p:spPr>
+              <a:xfrm>
+                <a:off x="9932504" y="311425"/>
+                <a:ext cx="1563758" cy="452979"/>
+              </a:xfrm>
+              <a:prstGeom prst="rect">
+                <a:avLst/>
+              </a:prstGeom>
+              <a:noFill/>
+            </p:spPr>
+            <p:txBody>
+              <a:bodyPr wrap="square" rtlCol="0">
+                <a:spAutoFit/>
+              </a:bodyPr>
+              <a:lstStyle/>
+              <a:p>
+                <a:pPr algn="ctr"/>
+                <a:r>
+                  <a:rPr lang="en-US" altLang="ko-KR" sz="600" b="1" dirty="0"/>
+                  <a:t>&lt;</a:t>
+                </a:r>
+                <a:r>
+                  <a:rPr lang="ko-KR" altLang="en-US" sz="600" b="1" dirty="0"/>
+                  <a:t>현재 순위</a:t>
+                </a:r>
+                <a:r>
+                  <a:rPr lang="en-US" altLang="ko-KR" sz="600" b="1" dirty="0"/>
+                  <a:t>&gt;</a:t>
+                </a:r>
+                <a:endParaRPr lang="ko-KR" altLang="en-US" sz="600" b="1" dirty="0"/>
+              </a:p>
+            </p:txBody>
+          </p:sp>
+          <p:grpSp>
+            <p:nvGrpSpPr>
+              <p:cNvPr id="61" name="그룹 60">
+                <a:extLst>
+                  <a:ext uri="{FF2B5EF4-FFF2-40B4-BE49-F238E27FC236}">
+                    <a16:creationId xmlns:a16="http://schemas.microsoft.com/office/drawing/2014/main" id="{70D30335-0E35-44DB-EEFD-A22551E3A865}"/>
+                  </a:ext>
+                </a:extLst>
+              </p:cNvPr>
+              <p:cNvGrpSpPr/>
+              <p:nvPr/>
+            </p:nvGrpSpPr>
+            <p:grpSpPr>
+              <a:xfrm>
+                <a:off x="9690652" y="682717"/>
+                <a:ext cx="2047462" cy="360000"/>
+                <a:chOff x="9687339" y="685059"/>
+                <a:chExt cx="2047462" cy="360000"/>
+              </a:xfrm>
+            </p:grpSpPr>
+            <p:sp>
+              <p:nvSpPr>
+                <p:cNvPr id="70" name="직사각형 69">
+                  <a:extLst>
+                    <a:ext uri="{FF2B5EF4-FFF2-40B4-BE49-F238E27FC236}">
+                      <a16:creationId xmlns:a16="http://schemas.microsoft.com/office/drawing/2014/main" id="{F15D7374-26D5-5BB2-DB48-8101149DD1C1}"/>
+                    </a:ext>
+                  </a:extLst>
+                </p:cNvPr>
+                <p:cNvSpPr/>
+                <p:nvPr/>
+              </p:nvSpPr>
+              <p:spPr>
+                <a:xfrm>
+                  <a:off x="9687339" y="685059"/>
+                  <a:ext cx="324678" cy="360000"/>
+                </a:xfrm>
+                <a:prstGeom prst="rect">
+                  <a:avLst/>
+                </a:prstGeom>
+                <a:solidFill>
+                  <a:srgbClr val="FFFF00"/>
+                </a:solidFill>
+                <a:ln>
+                  <a:noFill/>
+                </a:ln>
+              </p:spPr>
+              <p:style>
+                <a:lnRef idx="2">
+                  <a:schemeClr val="accent1">
+                    <a:shade val="15000"/>
+                  </a:schemeClr>
+                </a:lnRef>
+                <a:fillRef idx="1">
+                  <a:schemeClr val="accent1"/>
+                </a:fillRef>
+                <a:effectRef idx="0">
+                  <a:schemeClr val="accent1"/>
+                </a:effectRef>
+                <a:fontRef idx="minor">
+                  <a:schemeClr val="lt1"/>
+                </a:fontRef>
+              </p:style>
+              <p:txBody>
+                <a:bodyPr rtlCol="0" anchor="ctr"/>
+                <a:lstStyle/>
+                <a:p>
+                  <a:pPr algn="ctr"/>
+                  <a:r>
+                    <a:rPr lang="en-US" altLang="ko-KR" sz="600" dirty="0">
+                      <a:solidFill>
+                        <a:schemeClr val="tx1"/>
+                      </a:solidFill>
+                    </a:rPr>
+                    <a:t>1</a:t>
+                  </a:r>
+                  <a:endParaRPr lang="ko-KR" altLang="en-US" sz="600" dirty="0">
+                    <a:solidFill>
+                      <a:schemeClr val="tx1"/>
+                    </a:solidFill>
+                  </a:endParaRPr>
+                </a:p>
+              </p:txBody>
+            </p:sp>
+            <p:sp>
+              <p:nvSpPr>
+                <p:cNvPr id="71" name="직사각형 70">
+                  <a:extLst>
+                    <a:ext uri="{FF2B5EF4-FFF2-40B4-BE49-F238E27FC236}">
+                      <a16:creationId xmlns:a16="http://schemas.microsoft.com/office/drawing/2014/main" id="{1E80EA47-5BD9-8C4E-631C-96E20B0F7378}"/>
+                    </a:ext>
+                  </a:extLst>
+                </p:cNvPr>
+                <p:cNvSpPr/>
+                <p:nvPr/>
+              </p:nvSpPr>
+              <p:spPr>
+                <a:xfrm>
+                  <a:off x="10012017" y="685059"/>
+                  <a:ext cx="556592" cy="360000"/>
+                </a:xfrm>
+                <a:prstGeom prst="rect">
+                  <a:avLst/>
+                </a:prstGeom>
+                <a:solidFill>
+                  <a:schemeClr val="bg2">
+                    <a:lumMod val="75000"/>
+                  </a:schemeClr>
+                </a:solidFill>
+                <a:ln>
+                  <a:noFill/>
+                </a:ln>
+              </p:spPr>
+              <p:style>
+                <a:lnRef idx="2">
+                  <a:schemeClr val="accent1">
+                    <a:shade val="15000"/>
+                  </a:schemeClr>
+                </a:lnRef>
+                <a:fillRef idx="1">
+                  <a:schemeClr val="accent1"/>
+                </a:fillRef>
+                <a:effectRef idx="0">
+                  <a:schemeClr val="accent1"/>
+                </a:effectRef>
+                <a:fontRef idx="minor">
+                  <a:schemeClr val="lt1"/>
+                </a:fontRef>
+              </p:style>
+              <p:txBody>
+                <a:bodyPr rtlCol="0" anchor="ctr"/>
+                <a:lstStyle/>
+                <a:p>
+                  <a:r>
+                    <a:rPr lang="en-US" altLang="ko-KR" sz="400" dirty="0">
+                      <a:solidFill>
+                        <a:schemeClr val="tx1"/>
+                      </a:solidFill>
+                    </a:rPr>
+                    <a:t>You</a:t>
+                  </a:r>
+                  <a:endParaRPr lang="ko-KR" altLang="en-US" sz="400" dirty="0">
+                    <a:solidFill>
+                      <a:schemeClr val="tx1"/>
+                    </a:solidFill>
+                  </a:endParaRPr>
+                </a:p>
+              </p:txBody>
+            </p:sp>
+            <p:sp>
+              <p:nvSpPr>
+                <p:cNvPr id="72" name="직사각형 71">
+                  <a:extLst>
+                    <a:ext uri="{FF2B5EF4-FFF2-40B4-BE49-F238E27FC236}">
+                      <a16:creationId xmlns:a16="http://schemas.microsoft.com/office/drawing/2014/main" id="{4D9FDF3F-AF94-474C-2077-CC40F04C8637}"/>
+                    </a:ext>
+                  </a:extLst>
+                </p:cNvPr>
+                <p:cNvSpPr/>
+                <p:nvPr/>
+              </p:nvSpPr>
+              <p:spPr>
+                <a:xfrm>
+                  <a:off x="10508972" y="685059"/>
+                  <a:ext cx="1225829" cy="360000"/>
+                </a:xfrm>
+                <a:prstGeom prst="rect">
+                  <a:avLst/>
+                </a:prstGeom>
+                <a:solidFill>
+                  <a:schemeClr val="bg2">
+                    <a:lumMod val="75000"/>
+                  </a:schemeClr>
+                </a:solidFill>
+                <a:ln>
+                  <a:noFill/>
+                </a:ln>
+              </p:spPr>
+              <p:style>
+                <a:lnRef idx="2">
+                  <a:schemeClr val="accent1">
+                    <a:shade val="15000"/>
+                  </a:schemeClr>
+                </a:lnRef>
+                <a:fillRef idx="1">
+                  <a:schemeClr val="accent1"/>
+                </a:fillRef>
+                <a:effectRef idx="0">
+                  <a:schemeClr val="accent1"/>
+                </a:effectRef>
+                <a:fontRef idx="minor">
+                  <a:schemeClr val="lt1"/>
+                </a:fontRef>
+              </p:style>
+              <p:txBody>
+                <a:bodyPr rtlCol="0" anchor="ctr"/>
+                <a:lstStyle/>
+                <a:p>
+                  <a:pPr algn="r"/>
+                  <a:r>
+                    <a:rPr lang="en-US" altLang="ko-KR" sz="400" dirty="0">
+                      <a:solidFill>
+                        <a:schemeClr val="tx1"/>
+                      </a:solidFill>
+                    </a:rPr>
+                    <a:t>123,000pt</a:t>
+                  </a:r>
+                  <a:endParaRPr lang="ko-KR" altLang="en-US" sz="400" dirty="0">
+                    <a:solidFill>
+                      <a:schemeClr val="tx1"/>
+                    </a:solidFill>
+                  </a:endParaRPr>
+                </a:p>
+              </p:txBody>
+            </p:sp>
+          </p:grpSp>
+          <p:grpSp>
+            <p:nvGrpSpPr>
+              <p:cNvPr id="62" name="그룹 61">
+                <a:extLst>
+                  <a:ext uri="{FF2B5EF4-FFF2-40B4-BE49-F238E27FC236}">
+                    <a16:creationId xmlns:a16="http://schemas.microsoft.com/office/drawing/2014/main" id="{7033116F-97C5-28BE-8602-B437B7E25BA1}"/>
+                  </a:ext>
+                </a:extLst>
+              </p:cNvPr>
+              <p:cNvGrpSpPr/>
+              <p:nvPr/>
+            </p:nvGrpSpPr>
+            <p:grpSpPr>
+              <a:xfrm>
+                <a:off x="9690652" y="1044675"/>
+                <a:ext cx="2047462" cy="360000"/>
+                <a:chOff x="9687339" y="685059"/>
+                <a:chExt cx="2047462" cy="360000"/>
+              </a:xfrm>
+            </p:grpSpPr>
+            <p:sp>
+              <p:nvSpPr>
+                <p:cNvPr id="67" name="직사각형 66">
+                  <a:extLst>
+                    <a:ext uri="{FF2B5EF4-FFF2-40B4-BE49-F238E27FC236}">
+                      <a16:creationId xmlns:a16="http://schemas.microsoft.com/office/drawing/2014/main" id="{4D6DB607-FC9C-1FF2-7DB4-BF2DA3A1FB87}"/>
+                    </a:ext>
+                  </a:extLst>
+                </p:cNvPr>
+                <p:cNvSpPr/>
+                <p:nvPr/>
+              </p:nvSpPr>
+              <p:spPr>
+                <a:xfrm>
+                  <a:off x="9687339" y="685059"/>
+                  <a:ext cx="324678" cy="360000"/>
+                </a:xfrm>
+                <a:prstGeom prst="rect">
+                  <a:avLst/>
+                </a:prstGeom>
+                <a:solidFill>
+                  <a:schemeClr val="bg1">
+                    <a:lumMod val="85000"/>
+                  </a:schemeClr>
+                </a:solidFill>
+                <a:ln>
+                  <a:noFill/>
+                </a:ln>
+              </p:spPr>
+              <p:style>
+                <a:lnRef idx="2">
+                  <a:schemeClr val="accent1">
+                    <a:shade val="15000"/>
+                  </a:schemeClr>
+                </a:lnRef>
+                <a:fillRef idx="1">
+                  <a:schemeClr val="accent1"/>
+                </a:fillRef>
+                <a:effectRef idx="0">
+                  <a:schemeClr val="accent1"/>
+                </a:effectRef>
+                <a:fontRef idx="minor">
+                  <a:schemeClr val="lt1"/>
+                </a:fontRef>
+              </p:style>
+              <p:txBody>
+                <a:bodyPr rtlCol="0" anchor="ctr"/>
+                <a:lstStyle/>
+                <a:p>
+                  <a:pPr algn="ctr"/>
+                  <a:r>
+                    <a:rPr lang="en-US" altLang="ko-KR" sz="600" dirty="0">
+                      <a:solidFill>
+                        <a:schemeClr val="tx1"/>
+                      </a:solidFill>
+                    </a:rPr>
+                    <a:t>2</a:t>
+                  </a:r>
+                  <a:endParaRPr lang="ko-KR" altLang="en-US" sz="600" dirty="0">
+                    <a:solidFill>
+                      <a:schemeClr val="tx1"/>
+                    </a:solidFill>
+                  </a:endParaRPr>
+                </a:p>
+              </p:txBody>
+            </p:sp>
+            <p:sp>
+              <p:nvSpPr>
+                <p:cNvPr id="68" name="직사각형 67">
+                  <a:extLst>
+                    <a:ext uri="{FF2B5EF4-FFF2-40B4-BE49-F238E27FC236}">
+                      <a16:creationId xmlns:a16="http://schemas.microsoft.com/office/drawing/2014/main" id="{ECD9A4A8-6C4F-D223-D9D6-397BCD936F52}"/>
+                    </a:ext>
+                  </a:extLst>
+                </p:cNvPr>
+                <p:cNvSpPr/>
+                <p:nvPr/>
+              </p:nvSpPr>
+              <p:spPr>
+                <a:xfrm>
+                  <a:off x="10012017" y="685059"/>
+                  <a:ext cx="556592" cy="360000"/>
+                </a:xfrm>
+                <a:prstGeom prst="rect">
+                  <a:avLst/>
+                </a:prstGeom>
+                <a:solidFill>
+                  <a:schemeClr val="bg1"/>
+                </a:solidFill>
+                <a:ln>
+                  <a:noFill/>
+                </a:ln>
+              </p:spPr>
+              <p:style>
+                <a:lnRef idx="2">
+                  <a:schemeClr val="accent1">
+                    <a:shade val="15000"/>
+                  </a:schemeClr>
+                </a:lnRef>
+                <a:fillRef idx="1">
+                  <a:schemeClr val="accent1"/>
+                </a:fillRef>
+                <a:effectRef idx="0">
+                  <a:schemeClr val="accent1"/>
+                </a:effectRef>
+                <a:fontRef idx="minor">
+                  <a:schemeClr val="lt1"/>
+                </a:fontRef>
+              </p:style>
+              <p:txBody>
+                <a:bodyPr rtlCol="0" anchor="ctr"/>
+                <a:lstStyle/>
+                <a:p>
+                  <a:r>
+                    <a:rPr lang="en-US" altLang="ko-KR" sz="400" dirty="0">
+                      <a:solidFill>
+                        <a:schemeClr val="tx1"/>
+                      </a:solidFill>
+                    </a:rPr>
+                    <a:t>P1</a:t>
+                  </a:r>
+                  <a:endParaRPr lang="ko-KR" altLang="en-US" sz="400" dirty="0">
+                    <a:solidFill>
+                      <a:schemeClr val="tx1"/>
+                    </a:solidFill>
+                  </a:endParaRPr>
+                </a:p>
+              </p:txBody>
+            </p:sp>
+            <p:sp>
+              <p:nvSpPr>
+                <p:cNvPr id="69" name="직사각형 68">
+                  <a:extLst>
+                    <a:ext uri="{FF2B5EF4-FFF2-40B4-BE49-F238E27FC236}">
+                      <a16:creationId xmlns:a16="http://schemas.microsoft.com/office/drawing/2014/main" id="{266049C0-F710-CA87-E78D-7737E9CD384B}"/>
+                    </a:ext>
+                  </a:extLst>
+                </p:cNvPr>
+                <p:cNvSpPr/>
+                <p:nvPr/>
+              </p:nvSpPr>
+              <p:spPr>
+                <a:xfrm>
+                  <a:off x="10508972" y="685059"/>
+                  <a:ext cx="1225829" cy="360000"/>
+                </a:xfrm>
+                <a:prstGeom prst="rect">
+                  <a:avLst/>
+                </a:prstGeom>
+                <a:solidFill>
+                  <a:schemeClr val="bg1"/>
+                </a:solidFill>
+                <a:ln>
+                  <a:noFill/>
+                </a:ln>
+              </p:spPr>
+              <p:style>
+                <a:lnRef idx="2">
+                  <a:schemeClr val="accent1">
+                    <a:shade val="15000"/>
+                  </a:schemeClr>
+                </a:lnRef>
+                <a:fillRef idx="1">
+                  <a:schemeClr val="accent1"/>
+                </a:fillRef>
+                <a:effectRef idx="0">
+                  <a:schemeClr val="accent1"/>
+                </a:effectRef>
+                <a:fontRef idx="minor">
+                  <a:schemeClr val="lt1"/>
+                </a:fontRef>
+              </p:style>
+              <p:txBody>
+                <a:bodyPr rtlCol="0" anchor="ctr"/>
+                <a:lstStyle/>
+                <a:p>
+                  <a:pPr algn="r"/>
+                  <a:r>
+                    <a:rPr lang="en-US" altLang="ko-KR" sz="400" dirty="0">
+                      <a:solidFill>
+                        <a:schemeClr val="tx1"/>
+                      </a:solidFill>
+                    </a:rPr>
+                    <a:t>96,000pt</a:t>
+                  </a:r>
+                  <a:endParaRPr lang="ko-KR" altLang="en-US" sz="400" dirty="0">
+                    <a:solidFill>
+                      <a:schemeClr val="tx1"/>
+                    </a:solidFill>
+                  </a:endParaRPr>
+                </a:p>
+              </p:txBody>
+            </p:sp>
+          </p:grpSp>
+          <p:grpSp>
+            <p:nvGrpSpPr>
+              <p:cNvPr id="63" name="그룹 62">
+                <a:extLst>
+                  <a:ext uri="{FF2B5EF4-FFF2-40B4-BE49-F238E27FC236}">
+                    <a16:creationId xmlns:a16="http://schemas.microsoft.com/office/drawing/2014/main" id="{42139488-C34A-9CA7-4DB2-CA3536E9F50A}"/>
+                  </a:ext>
+                </a:extLst>
+              </p:cNvPr>
+              <p:cNvGrpSpPr/>
+              <p:nvPr/>
+            </p:nvGrpSpPr>
+            <p:grpSpPr>
+              <a:xfrm>
+                <a:off x="9690652" y="1406633"/>
+                <a:ext cx="2047462" cy="360000"/>
+                <a:chOff x="9687339" y="685059"/>
+                <a:chExt cx="2047462" cy="360000"/>
+              </a:xfrm>
+            </p:grpSpPr>
+            <p:sp>
+              <p:nvSpPr>
+                <p:cNvPr id="64" name="직사각형 63">
+                  <a:extLst>
+                    <a:ext uri="{FF2B5EF4-FFF2-40B4-BE49-F238E27FC236}">
+                      <a16:creationId xmlns:a16="http://schemas.microsoft.com/office/drawing/2014/main" id="{87FD9DD3-B2B4-7BE3-09E8-309021DD5AF2}"/>
+                    </a:ext>
+                  </a:extLst>
+                </p:cNvPr>
+                <p:cNvSpPr/>
+                <p:nvPr/>
+              </p:nvSpPr>
+              <p:spPr>
+                <a:xfrm>
+                  <a:off x="9687339" y="685059"/>
+                  <a:ext cx="324678" cy="360000"/>
+                </a:xfrm>
+                <a:prstGeom prst="rect">
+                  <a:avLst/>
+                </a:prstGeom>
+                <a:solidFill>
+                  <a:schemeClr val="accent2">
+                    <a:lumMod val="60000"/>
+                    <a:lumOff val="40000"/>
+                  </a:schemeClr>
+                </a:solidFill>
+                <a:ln>
+                  <a:noFill/>
+                </a:ln>
+              </p:spPr>
+              <p:style>
+                <a:lnRef idx="2">
+                  <a:schemeClr val="accent1">
+                    <a:shade val="15000"/>
+                  </a:schemeClr>
+                </a:lnRef>
+                <a:fillRef idx="1">
+                  <a:schemeClr val="accent1"/>
+                </a:fillRef>
+                <a:effectRef idx="0">
+                  <a:schemeClr val="accent1"/>
+                </a:effectRef>
+                <a:fontRef idx="minor">
+                  <a:schemeClr val="lt1"/>
+                </a:fontRef>
+              </p:style>
+              <p:txBody>
+                <a:bodyPr rtlCol="0" anchor="ctr"/>
+                <a:lstStyle/>
+                <a:p>
+                  <a:pPr algn="ctr"/>
+                  <a:r>
+                    <a:rPr lang="en-US" altLang="ko-KR" sz="600" dirty="0">
+                      <a:solidFill>
+                        <a:schemeClr val="tx1"/>
+                      </a:solidFill>
+                    </a:rPr>
+                    <a:t>3</a:t>
+                  </a:r>
+                  <a:endParaRPr lang="ko-KR" altLang="en-US" sz="600" dirty="0">
+                    <a:solidFill>
+                      <a:schemeClr val="tx1"/>
+                    </a:solidFill>
+                  </a:endParaRPr>
+                </a:p>
+              </p:txBody>
+            </p:sp>
+            <p:sp>
+              <p:nvSpPr>
+                <p:cNvPr id="65" name="직사각형 64">
+                  <a:extLst>
+                    <a:ext uri="{FF2B5EF4-FFF2-40B4-BE49-F238E27FC236}">
+                      <a16:creationId xmlns:a16="http://schemas.microsoft.com/office/drawing/2014/main" id="{04AFD3F5-D1FD-F952-E4A3-C9047C2D4D79}"/>
+                    </a:ext>
+                  </a:extLst>
+                </p:cNvPr>
+                <p:cNvSpPr/>
+                <p:nvPr/>
+              </p:nvSpPr>
+              <p:spPr>
+                <a:xfrm>
+                  <a:off x="10012017" y="685059"/>
+                  <a:ext cx="556592" cy="360000"/>
+                </a:xfrm>
+                <a:prstGeom prst="rect">
+                  <a:avLst/>
+                </a:prstGeom>
+                <a:solidFill>
+                  <a:schemeClr val="bg1"/>
+                </a:solidFill>
+                <a:ln>
+                  <a:noFill/>
+                </a:ln>
+              </p:spPr>
+              <p:style>
+                <a:lnRef idx="2">
+                  <a:schemeClr val="accent1">
+                    <a:shade val="15000"/>
+                  </a:schemeClr>
+                </a:lnRef>
+                <a:fillRef idx="1">
+                  <a:schemeClr val="accent1"/>
+                </a:fillRef>
+                <a:effectRef idx="0">
+                  <a:schemeClr val="accent1"/>
+                </a:effectRef>
+                <a:fontRef idx="minor">
+                  <a:schemeClr val="lt1"/>
+                </a:fontRef>
+              </p:style>
+              <p:txBody>
+                <a:bodyPr rtlCol="0" anchor="ctr"/>
+                <a:lstStyle/>
+                <a:p>
+                  <a:r>
+                    <a:rPr lang="en-US" altLang="ko-KR" sz="400" dirty="0">
+                      <a:solidFill>
+                        <a:schemeClr val="tx1"/>
+                      </a:solidFill>
+                    </a:rPr>
+                    <a:t>P2</a:t>
+                  </a:r>
+                  <a:endParaRPr lang="ko-KR" altLang="en-US" sz="400" dirty="0">
+                    <a:solidFill>
+                      <a:schemeClr val="tx1"/>
+                    </a:solidFill>
+                  </a:endParaRPr>
+                </a:p>
+              </p:txBody>
+            </p:sp>
+            <p:sp>
+              <p:nvSpPr>
+                <p:cNvPr id="66" name="직사각형 65">
+                  <a:extLst>
+                    <a:ext uri="{FF2B5EF4-FFF2-40B4-BE49-F238E27FC236}">
+                      <a16:creationId xmlns:a16="http://schemas.microsoft.com/office/drawing/2014/main" id="{A09E8508-EC37-524B-24C0-85B14539665C}"/>
+                    </a:ext>
+                  </a:extLst>
+                </p:cNvPr>
+                <p:cNvSpPr/>
+                <p:nvPr/>
+              </p:nvSpPr>
+              <p:spPr>
+                <a:xfrm>
+                  <a:off x="10508972" y="685059"/>
+                  <a:ext cx="1225829" cy="360000"/>
+                </a:xfrm>
+                <a:prstGeom prst="rect">
+                  <a:avLst/>
+                </a:prstGeom>
+                <a:solidFill>
+                  <a:schemeClr val="bg1"/>
+                </a:solidFill>
+                <a:ln>
+                  <a:noFill/>
+                </a:ln>
+              </p:spPr>
+              <p:style>
+                <a:lnRef idx="2">
+                  <a:schemeClr val="accent1">
+                    <a:shade val="15000"/>
+                  </a:schemeClr>
+                </a:lnRef>
+                <a:fillRef idx="1">
+                  <a:schemeClr val="accent1"/>
+                </a:fillRef>
+                <a:effectRef idx="0">
+                  <a:schemeClr val="accent1"/>
+                </a:effectRef>
+                <a:fontRef idx="minor">
+                  <a:schemeClr val="lt1"/>
+                </a:fontRef>
+              </p:style>
+              <p:txBody>
+                <a:bodyPr rtlCol="0" anchor="ctr"/>
+                <a:lstStyle/>
+                <a:p>
+                  <a:pPr algn="r"/>
+                  <a:r>
+                    <a:rPr lang="en-US" altLang="ko-KR" sz="400" dirty="0">
+                      <a:solidFill>
+                        <a:schemeClr val="tx1"/>
+                      </a:solidFill>
+                    </a:rPr>
+                    <a:t>50,000pt</a:t>
+                  </a:r>
+                  <a:endParaRPr lang="ko-KR" altLang="en-US" sz="400" dirty="0">
+                    <a:solidFill>
+                      <a:schemeClr val="tx1"/>
+                    </a:solidFill>
+                  </a:endParaRPr>
+                </a:p>
+              </p:txBody>
+            </p:sp>
+          </p:grpSp>
+        </p:grpSp>
+        <p:sp>
+          <p:nvSpPr>
+            <p:cNvPr id="44" name="타원 43">
+              <a:extLst>
+                <a:ext uri="{FF2B5EF4-FFF2-40B4-BE49-F238E27FC236}">
+                  <a16:creationId xmlns:a16="http://schemas.microsoft.com/office/drawing/2014/main" id="{3D7144C8-E823-2EC8-D5C5-4F75962512D1}"/>
+                </a:ext>
+              </a:extLst>
+            </p:cNvPr>
+            <p:cNvSpPr/>
+            <p:nvPr/>
+          </p:nvSpPr>
+          <p:spPr>
+            <a:xfrm>
+              <a:off x="2849441" y="3024426"/>
+              <a:ext cx="132318" cy="132318"/>
+            </a:xfrm>
+            <a:prstGeom prst="ellipse">
+              <a:avLst/>
+            </a:prstGeom>
+            <a:solidFill>
+              <a:schemeClr val="tx1">
+                <a:lumMod val="85000"/>
+                <a:lumOff val="15000"/>
+              </a:schemeClr>
+            </a:solidFill>
+          </p:spPr>
+          <p:style>
+            <a:lnRef idx="2">
+              <a:schemeClr val="accent1">
+                <a:shade val="15000"/>
+              </a:schemeClr>
+            </a:lnRef>
+            <a:fillRef idx="1">
+              <a:schemeClr val="accent1"/>
+            </a:fillRef>
+            <a:effectRef idx="0">
+              <a:schemeClr val="accent1"/>
+            </a:effectRef>
+            <a:fontRef idx="minor">
+              <a:schemeClr val="lt1"/>
+            </a:fontRef>
+          </p:style>
+          <p:txBody>
+            <a:bodyPr rtlCol="0" anchor="ctr"/>
+            <a:lstStyle/>
+            <a:p>
+              <a:pPr algn="ctr"/>
+              <a:endParaRPr lang="ko-KR" altLang="en-US" sz="1600"/>
+            </a:p>
+          </p:txBody>
+        </p:sp>
+        <p:sp>
+          <p:nvSpPr>
+            <p:cNvPr id="45" name="직사각형 44">
+              <a:extLst>
+                <a:ext uri="{FF2B5EF4-FFF2-40B4-BE49-F238E27FC236}">
+                  <a16:creationId xmlns:a16="http://schemas.microsoft.com/office/drawing/2014/main" id="{B1F56AB3-831E-47B9-A7A7-7AD101ADAFB3}"/>
+                </a:ext>
+              </a:extLst>
+            </p:cNvPr>
+            <p:cNvSpPr/>
+            <p:nvPr/>
+          </p:nvSpPr>
+          <p:spPr>
+            <a:xfrm>
+              <a:off x="5118397" y="1550881"/>
+              <a:ext cx="1397514" cy="257419"/>
+            </a:xfrm>
+            <a:prstGeom prst="rect">
+              <a:avLst/>
+            </a:prstGeom>
+          </p:spPr>
+          <p:style>
+            <a:lnRef idx="2">
+              <a:schemeClr val="accent1">
+                <a:shade val="15000"/>
+              </a:schemeClr>
+            </a:lnRef>
+            <a:fillRef idx="1">
+              <a:schemeClr val="accent1"/>
+            </a:fillRef>
+            <a:effectRef idx="0">
+              <a:schemeClr val="accent1"/>
+            </a:effectRef>
+            <a:fontRef idx="minor">
+              <a:schemeClr val="lt1"/>
+            </a:fontRef>
+          </p:style>
+          <p:txBody>
+            <a:bodyPr rtlCol="0" anchor="ctr"/>
+            <a:lstStyle/>
+            <a:p>
+              <a:pPr algn="ctr"/>
+              <a:r>
+                <a:rPr lang="ko-KR" altLang="en-US" sz="1000" dirty="0"/>
+                <a:t>현재 점수 </a:t>
+              </a:r>
+              <a:r>
+                <a:rPr lang="en-US" altLang="ko-KR" sz="1000" dirty="0"/>
+                <a:t>:</a:t>
+              </a:r>
+              <a:r>
+                <a:rPr lang="ko-KR" altLang="en-US" sz="1000" dirty="0"/>
+                <a:t> </a:t>
+              </a:r>
+              <a:r>
+                <a:rPr lang="en-US" altLang="ko-KR" sz="1000" dirty="0"/>
+                <a:t>123,000</a:t>
+              </a:r>
+              <a:endParaRPr lang="ko-KR" altLang="en-US" sz="1000" dirty="0"/>
+            </a:p>
+          </p:txBody>
+        </p:sp>
+        <p:sp>
+          <p:nvSpPr>
+            <p:cNvPr id="46" name="직사각형 45">
+              <a:extLst>
+                <a:ext uri="{FF2B5EF4-FFF2-40B4-BE49-F238E27FC236}">
+                  <a16:creationId xmlns:a16="http://schemas.microsoft.com/office/drawing/2014/main" id="{53F0CF10-FB08-0E2B-723B-14AF8B54E524}"/>
+                </a:ext>
+              </a:extLst>
+            </p:cNvPr>
+            <p:cNvSpPr/>
+            <p:nvPr/>
+          </p:nvSpPr>
+          <p:spPr>
+            <a:xfrm>
+              <a:off x="3016050" y="1484965"/>
+              <a:ext cx="5638664" cy="3171749"/>
+            </a:xfrm>
+            <a:prstGeom prst="rect">
+              <a:avLst/>
+            </a:prstGeom>
+            <a:solidFill>
+              <a:schemeClr val="bg2">
+                <a:lumMod val="50000"/>
+                <a:alpha val="50000"/>
+              </a:schemeClr>
+            </a:solidFill>
+          </p:spPr>
+          <p:style>
+            <a:lnRef idx="2">
+              <a:schemeClr val="accent1">
+                <a:shade val="15000"/>
+              </a:schemeClr>
+            </a:lnRef>
+            <a:fillRef idx="1">
+              <a:schemeClr val="accent1"/>
+            </a:fillRef>
+            <a:effectRef idx="0">
+              <a:schemeClr val="accent1"/>
+            </a:effectRef>
+            <a:fontRef idx="minor">
+              <a:schemeClr val="lt1"/>
+            </a:fontRef>
+          </p:style>
+          <p:txBody>
+            <a:bodyPr rtlCol="0" anchor="ctr"/>
+            <a:lstStyle/>
+            <a:p>
+              <a:pPr algn="ctr"/>
+              <a:endParaRPr lang="ko-KR" altLang="en-US" sz="1600"/>
+            </a:p>
+          </p:txBody>
+        </p:sp>
+        <p:sp>
+          <p:nvSpPr>
+            <p:cNvPr id="47" name="직사각형 46">
+              <a:extLst>
+                <a:ext uri="{FF2B5EF4-FFF2-40B4-BE49-F238E27FC236}">
+                  <a16:creationId xmlns:a16="http://schemas.microsoft.com/office/drawing/2014/main" id="{25672957-432F-88F9-57DA-E78739485795}"/>
+                </a:ext>
+              </a:extLst>
+            </p:cNvPr>
+            <p:cNvSpPr/>
+            <p:nvPr/>
+          </p:nvSpPr>
+          <p:spPr>
+            <a:xfrm>
+              <a:off x="5009026" y="2634874"/>
+              <a:ext cx="1618914" cy="919002"/>
+            </a:xfrm>
+            <a:prstGeom prst="rect">
+              <a:avLst/>
+            </a:prstGeom>
+            <a:ln>
+              <a:noFill/>
+            </a:ln>
+          </p:spPr>
+          <p:style>
+            <a:lnRef idx="2">
+              <a:schemeClr val="accent1">
+                <a:shade val="15000"/>
+              </a:schemeClr>
+            </a:lnRef>
+            <a:fillRef idx="1">
+              <a:schemeClr val="accent1"/>
+            </a:fillRef>
+            <a:effectRef idx="0">
+              <a:schemeClr val="accent1"/>
+            </a:effectRef>
+            <a:fontRef idx="minor">
+              <a:schemeClr val="lt1"/>
+            </a:fontRef>
+          </p:style>
+          <p:txBody>
+            <a:bodyPr rtlCol="0" anchor="t"/>
+            <a:lstStyle/>
+            <a:p>
+              <a:pPr algn="ctr"/>
+              <a:endParaRPr lang="en-US" altLang="ko-KR" sz="1100" dirty="0"/>
+            </a:p>
+            <a:p>
+              <a:pPr algn="ctr"/>
+              <a:r>
+                <a:rPr lang="ko-KR" altLang="en-US" sz="900" dirty="0"/>
+                <a:t>환경 설정</a:t>
+              </a:r>
+              <a:endParaRPr lang="en-US" altLang="ko-KR" sz="900" dirty="0"/>
+            </a:p>
+            <a:p>
+              <a:pPr algn="ctr"/>
+              <a:endParaRPr lang="en-US" altLang="ko-KR" sz="900" dirty="0"/>
+            </a:p>
+            <a:p>
+              <a:pPr algn="ctr"/>
+              <a:r>
+                <a:rPr lang="ko-KR" altLang="en-US" sz="900" dirty="0"/>
+                <a:t>게임으로 돌아가기</a:t>
+              </a:r>
+            </a:p>
+          </p:txBody>
+        </p:sp>
+        <p:grpSp>
+          <p:nvGrpSpPr>
+            <p:cNvPr id="48" name="그룹 47">
+              <a:extLst>
+                <a:ext uri="{FF2B5EF4-FFF2-40B4-BE49-F238E27FC236}">
+                  <a16:creationId xmlns:a16="http://schemas.microsoft.com/office/drawing/2014/main" id="{ADC6EF81-4563-0D31-F6ED-CCEAB7FE9F7C}"/>
+                </a:ext>
+              </a:extLst>
+            </p:cNvPr>
+            <p:cNvGrpSpPr/>
+            <p:nvPr/>
+          </p:nvGrpSpPr>
+          <p:grpSpPr>
+            <a:xfrm>
+              <a:off x="3253020" y="1550881"/>
+              <a:ext cx="5164726" cy="1083993"/>
+              <a:chOff x="3299791" y="1759879"/>
+              <a:chExt cx="5632174" cy="1182103"/>
+            </a:xfrm>
+          </p:grpSpPr>
+          <p:sp>
+            <p:nvSpPr>
+              <p:cNvPr id="49" name="사각형: 둥근 모서리 48">
+                <a:extLst>
+                  <a:ext uri="{FF2B5EF4-FFF2-40B4-BE49-F238E27FC236}">
+                    <a16:creationId xmlns:a16="http://schemas.microsoft.com/office/drawing/2014/main" id="{0FB1213F-9140-885D-172B-5EBA05248E44}"/>
+                  </a:ext>
+                </a:extLst>
+              </p:cNvPr>
+              <p:cNvSpPr/>
+              <p:nvPr/>
+            </p:nvSpPr>
+            <p:spPr>
+              <a:xfrm>
+                <a:off x="3299791" y="1759879"/>
+                <a:ext cx="5632174" cy="1182103"/>
+              </a:xfrm>
+              <a:prstGeom prst="roundRect">
+                <a:avLst/>
+              </a:prstGeom>
+              <a:solidFill>
+                <a:schemeClr val="bg1">
+                  <a:lumMod val="85000"/>
+                </a:schemeClr>
+              </a:solidFill>
+            </p:spPr>
+            <p:style>
+              <a:lnRef idx="2">
+                <a:schemeClr val="accent1">
+                  <a:shade val="15000"/>
+                </a:schemeClr>
+              </a:lnRef>
+              <a:fillRef idx="1">
+                <a:schemeClr val="accent1"/>
+              </a:fillRef>
+              <a:effectRef idx="0">
+                <a:schemeClr val="accent1"/>
+              </a:effectRef>
+              <a:fontRef idx="minor">
+                <a:schemeClr val="lt1"/>
+              </a:fontRef>
+            </p:style>
+            <p:txBody>
+              <a:bodyPr rtlCol="0" anchor="ctr"/>
+              <a:lstStyle/>
+              <a:p>
+                <a:pPr algn="ctr"/>
+                <a:endParaRPr lang="ko-KR" altLang="en-US" sz="1600"/>
+              </a:p>
+            </p:txBody>
+          </p:sp>
+          <p:sp>
+            <p:nvSpPr>
+              <p:cNvPr id="51" name="직사각형 50">
+                <a:extLst>
+                  <a:ext uri="{FF2B5EF4-FFF2-40B4-BE49-F238E27FC236}">
+                    <a16:creationId xmlns:a16="http://schemas.microsoft.com/office/drawing/2014/main" id="{C30C5914-8BD1-746C-A099-AB5B94CB3F95}"/>
+                  </a:ext>
+                </a:extLst>
+              </p:cNvPr>
+              <p:cNvSpPr/>
+              <p:nvPr/>
+            </p:nvSpPr>
+            <p:spPr>
+              <a:xfrm>
+                <a:off x="3942522" y="1848148"/>
+                <a:ext cx="4750904" cy="981191"/>
+              </a:xfrm>
+              <a:prstGeom prst="rect">
+                <a:avLst/>
+              </a:prstGeom>
+              <a:solidFill>
+                <a:srgbClr val="D9D9D9"/>
+              </a:solidFill>
+              <a:ln>
+                <a:noFill/>
+              </a:ln>
+            </p:spPr>
+            <p:style>
+              <a:lnRef idx="2">
+                <a:schemeClr val="accent1">
+                  <a:shade val="15000"/>
+                </a:schemeClr>
+              </a:lnRef>
+              <a:fillRef idx="1">
+                <a:schemeClr val="accent1"/>
+              </a:fillRef>
+              <a:effectRef idx="0">
+                <a:schemeClr val="accent1"/>
+              </a:effectRef>
+              <a:fontRef idx="minor">
+                <a:schemeClr val="lt1"/>
+              </a:fontRef>
+            </p:style>
+            <p:txBody>
+              <a:bodyPr rtlCol="0" anchor="t"/>
+              <a:lstStyle/>
+              <a:p>
+                <a:pPr algn="ctr"/>
+                <a:r>
+                  <a:rPr lang="en-US" altLang="ko-KR" sz="1400" dirty="0">
+                    <a:solidFill>
+                      <a:schemeClr val="tx1"/>
+                    </a:solidFill>
+                  </a:rPr>
+                  <a:t>NPC</a:t>
+                </a:r>
+                <a:r>
+                  <a:rPr lang="ko-KR" altLang="en-US" sz="1400" dirty="0">
+                    <a:solidFill>
+                      <a:schemeClr val="tx1"/>
+                    </a:solidFill>
+                  </a:rPr>
+                  <a:t>이름</a:t>
+                </a:r>
+                <a:endParaRPr lang="en-US" altLang="ko-KR" sz="1400" dirty="0">
+                  <a:solidFill>
+                    <a:schemeClr val="tx1"/>
+                  </a:solidFill>
+                </a:endParaRPr>
+              </a:p>
+              <a:p>
+                <a:pPr algn="ctr"/>
+                <a:r>
+                  <a:rPr lang="en-US" altLang="ko-KR" sz="1400" dirty="0">
+                    <a:solidFill>
+                      <a:schemeClr val="tx1"/>
+                    </a:solidFill>
+                  </a:rPr>
+                  <a:t>010-xxxx-xxxx</a:t>
+                </a:r>
+                <a:endParaRPr lang="ko-KR" altLang="en-US" sz="1400" dirty="0">
+                  <a:solidFill>
+                    <a:schemeClr val="tx1"/>
+                  </a:solidFill>
+                </a:endParaRPr>
+              </a:p>
+            </p:txBody>
+          </p:sp>
+          <p:grpSp>
+            <p:nvGrpSpPr>
+              <p:cNvPr id="52" name="그룹 51">
+                <a:extLst>
+                  <a:ext uri="{FF2B5EF4-FFF2-40B4-BE49-F238E27FC236}">
+                    <a16:creationId xmlns:a16="http://schemas.microsoft.com/office/drawing/2014/main" id="{AD8C6548-C815-74C1-7A9C-21DF1726A075}"/>
+                  </a:ext>
+                </a:extLst>
+              </p:cNvPr>
+              <p:cNvGrpSpPr/>
+              <p:nvPr/>
+            </p:nvGrpSpPr>
+            <p:grpSpPr>
+              <a:xfrm>
+                <a:off x="4094364" y="2631887"/>
+                <a:ext cx="4447221" cy="259070"/>
+                <a:chOff x="4055165" y="2631887"/>
+                <a:chExt cx="4447221" cy="259070"/>
+              </a:xfrm>
+            </p:grpSpPr>
+            <p:sp>
+              <p:nvSpPr>
+                <p:cNvPr id="53" name="직사각형 52">
+                  <a:extLst>
+                    <a:ext uri="{FF2B5EF4-FFF2-40B4-BE49-F238E27FC236}">
+                      <a16:creationId xmlns:a16="http://schemas.microsoft.com/office/drawing/2014/main" id="{AF68BF56-7940-1C9A-B7F2-49DF47C6AAB9}"/>
+                    </a:ext>
+                  </a:extLst>
+                </p:cNvPr>
+                <p:cNvSpPr/>
+                <p:nvPr/>
+              </p:nvSpPr>
+              <p:spPr>
+                <a:xfrm>
+                  <a:off x="4055165" y="2631887"/>
+                  <a:ext cx="1524000" cy="259070"/>
+                </a:xfrm>
+                <a:prstGeom prst="rect">
+                  <a:avLst/>
+                </a:prstGeom>
+                <a:solidFill>
+                  <a:srgbClr val="00B050"/>
+                </a:solidFill>
+                <a:ln>
+                  <a:solidFill>
+                    <a:schemeClr val="tx1"/>
+                  </a:solidFill>
+                </a:ln>
+              </p:spPr>
+              <p:style>
+                <a:lnRef idx="2">
+                  <a:schemeClr val="accent1">
+                    <a:shade val="15000"/>
+                  </a:schemeClr>
+                </a:lnRef>
+                <a:fillRef idx="1">
+                  <a:schemeClr val="accent1"/>
+                </a:fillRef>
+                <a:effectRef idx="0">
+                  <a:schemeClr val="accent1"/>
+                </a:effectRef>
+                <a:fontRef idx="minor">
+                  <a:schemeClr val="lt1"/>
+                </a:fontRef>
+              </p:style>
+              <p:txBody>
+                <a:bodyPr rtlCol="0" anchor="ctr"/>
+                <a:lstStyle/>
+                <a:p>
+                  <a:pPr algn="ctr"/>
+                  <a:r>
+                    <a:rPr lang="ko-KR" altLang="en-US" sz="1100" dirty="0">
+                      <a:solidFill>
+                        <a:schemeClr val="tx1"/>
+                      </a:solidFill>
+                    </a:rPr>
+                    <a:t>전화 받기</a:t>
+                  </a:r>
+                </a:p>
+              </p:txBody>
+            </p:sp>
+            <p:sp>
+              <p:nvSpPr>
+                <p:cNvPr id="54" name="직사각형 53">
+                  <a:extLst>
+                    <a:ext uri="{FF2B5EF4-FFF2-40B4-BE49-F238E27FC236}">
+                      <a16:creationId xmlns:a16="http://schemas.microsoft.com/office/drawing/2014/main" id="{51CF6628-EC15-D8EB-3E77-621C6972D5FD}"/>
+                    </a:ext>
+                  </a:extLst>
+                </p:cNvPr>
+                <p:cNvSpPr/>
+                <p:nvPr/>
+              </p:nvSpPr>
+              <p:spPr>
+                <a:xfrm>
+                  <a:off x="6978386" y="2631887"/>
+                  <a:ext cx="1524000" cy="259070"/>
+                </a:xfrm>
+                <a:prstGeom prst="rect">
+                  <a:avLst/>
+                </a:prstGeom>
+                <a:solidFill>
+                  <a:srgbClr val="C00000"/>
+                </a:solidFill>
+                <a:ln>
+                  <a:solidFill>
+                    <a:schemeClr val="tx1"/>
+                  </a:solidFill>
+                </a:ln>
+              </p:spPr>
+              <p:style>
+                <a:lnRef idx="2">
+                  <a:schemeClr val="accent1">
+                    <a:shade val="15000"/>
+                  </a:schemeClr>
+                </a:lnRef>
+                <a:fillRef idx="1">
+                  <a:schemeClr val="accent1"/>
+                </a:fillRef>
+                <a:effectRef idx="0">
+                  <a:schemeClr val="accent1"/>
+                </a:effectRef>
+                <a:fontRef idx="minor">
+                  <a:schemeClr val="lt1"/>
+                </a:fontRef>
+              </p:style>
+              <p:txBody>
+                <a:bodyPr rtlCol="0" anchor="ctr"/>
+                <a:lstStyle/>
+                <a:p>
+                  <a:pPr algn="ctr"/>
+                  <a:r>
+                    <a:rPr lang="ko-KR" altLang="en-US" sz="1100" dirty="0">
+                      <a:solidFill>
+                        <a:schemeClr val="tx1"/>
+                      </a:solidFill>
+                    </a:rPr>
+                    <a:t>무시하기</a:t>
+                  </a:r>
+                </a:p>
+              </p:txBody>
+            </p:sp>
+          </p:grpSp>
+        </p:grpSp>
+        <p:pic>
+          <p:nvPicPr>
+            <p:cNvPr id="74" name="그래픽 73" descr="수신기 단색으로 채워진">
+              <a:extLst>
+                <a:ext uri="{FF2B5EF4-FFF2-40B4-BE49-F238E27FC236}">
+                  <a16:creationId xmlns:a16="http://schemas.microsoft.com/office/drawing/2014/main" id="{222C4089-7C9E-045E-CF17-12F584945EC5}"/>
+                </a:ext>
+              </a:extLst>
+            </p:cNvPr>
+            <p:cNvPicPr>
+              <a:picLocks noChangeAspect="1"/>
+            </p:cNvPicPr>
+            <p:nvPr/>
+          </p:nvPicPr>
+          <p:blipFill>
+            <a:blip r:embed="rId2">
+              <a:extLst>
+                <a:ext uri="{96DAC541-7B7A-43D3-8B79-37D633B846F1}">
+                  <asvg:svgBlip xmlns:asvg="http://schemas.microsoft.com/office/drawing/2016/SVG/main" r:embed="rId3"/>
+                </a:ext>
+              </a:extLst>
+            </a:blip>
+            <a:stretch>
+              <a:fillRect/>
+            </a:stretch>
+          </p:blipFill>
+          <p:spPr>
+            <a:xfrm>
+              <a:off x="4691960" y="1622630"/>
+              <a:ext cx="533089" cy="533089"/>
+            </a:xfrm>
+            <a:prstGeom prst="rect">
+              <a:avLst/>
+            </a:prstGeom>
+          </p:spPr>
+        </p:pic>
+        <p:sp>
+          <p:nvSpPr>
+            <p:cNvPr id="76" name="직사각형 75">
+              <a:extLst>
+                <a:ext uri="{FF2B5EF4-FFF2-40B4-BE49-F238E27FC236}">
+                  <a16:creationId xmlns:a16="http://schemas.microsoft.com/office/drawing/2014/main" id="{2EA5B728-FC3A-B216-24C2-EC331838D6D4}"/>
+                </a:ext>
+              </a:extLst>
+            </p:cNvPr>
+            <p:cNvSpPr/>
+            <p:nvPr/>
+          </p:nvSpPr>
+          <p:spPr>
+            <a:xfrm>
+              <a:off x="6529163" y="2263362"/>
+              <a:ext cx="1647360" cy="394850"/>
+            </a:xfrm>
+            <a:prstGeom prst="rect">
+              <a:avLst/>
+            </a:prstGeom>
+            <a:noFill/>
+            <a:ln w="38100">
+              <a:solidFill>
+                <a:srgbClr val="FF0000"/>
+              </a:solidFill>
+            </a:ln>
+          </p:spPr>
+          <p:style>
+            <a:lnRef idx="2">
+              <a:schemeClr val="accent1">
+                <a:shade val="15000"/>
+              </a:schemeClr>
+            </a:lnRef>
+            <a:fillRef idx="1">
+              <a:schemeClr val="accent1"/>
+            </a:fillRef>
+            <a:effectRef idx="0">
+              <a:schemeClr val="accent1"/>
+            </a:effectRef>
+            <a:fontRef idx="minor">
+              <a:schemeClr val="lt1"/>
+            </a:fontRef>
+          </p:style>
+          <p:txBody>
+            <a:bodyPr rtlCol="0" anchor="ctr"/>
+            <a:lstStyle/>
+            <a:p>
+              <a:pPr algn="ctr"/>
+              <a:endParaRPr lang="ko-KR" altLang="en-US" sz="1600"/>
+            </a:p>
+          </p:txBody>
+        </p:sp>
+      </p:grpSp>
+      <p:grpSp>
+        <p:nvGrpSpPr>
+          <p:cNvPr id="108" name="그룹 107">
+            <a:extLst>
+              <a:ext uri="{FF2B5EF4-FFF2-40B4-BE49-F238E27FC236}">
+                <a16:creationId xmlns:a16="http://schemas.microsoft.com/office/drawing/2014/main" id="{FDD53D06-8E12-89FC-278D-52908BD3626D}"/>
+              </a:ext>
+            </a:extLst>
+          </p:cNvPr>
+          <p:cNvGrpSpPr/>
+          <p:nvPr/>
+        </p:nvGrpSpPr>
+        <p:grpSpPr>
+          <a:xfrm>
+            <a:off x="5497183" y="2321330"/>
+            <a:ext cx="1310784" cy="1489704"/>
+            <a:chOff x="5630041" y="2472523"/>
+            <a:chExt cx="1310784" cy="1489704"/>
+          </a:xfrm>
+        </p:grpSpPr>
+        <p:sp>
+          <p:nvSpPr>
+            <p:cNvPr id="3" name="화살표: 오른쪽 2">
+              <a:extLst>
+                <a:ext uri="{FF2B5EF4-FFF2-40B4-BE49-F238E27FC236}">
+                  <a16:creationId xmlns:a16="http://schemas.microsoft.com/office/drawing/2014/main" id="{1525F671-9E2F-DB88-30E7-84C6F1D24679}"/>
+                </a:ext>
+              </a:extLst>
+            </p:cNvPr>
+            <p:cNvSpPr/>
+            <p:nvPr/>
+          </p:nvSpPr>
+          <p:spPr>
+            <a:xfrm>
+              <a:off x="5630041" y="2472523"/>
+              <a:ext cx="1310784" cy="996159"/>
+            </a:xfrm>
+            <a:prstGeom prst="rightArrow">
+              <a:avLst/>
+            </a:prstGeom>
+            <a:solidFill>
+              <a:schemeClr val="tx1"/>
+            </a:solidFill>
+            <a:ln>
+              <a:noFill/>
+            </a:ln>
+          </p:spPr>
+          <p:style>
+            <a:lnRef idx="2">
+              <a:schemeClr val="accent1">
+                <a:shade val="15000"/>
+              </a:schemeClr>
+            </a:lnRef>
+            <a:fillRef idx="1">
+              <a:schemeClr val="accent1"/>
+            </a:fillRef>
+            <a:effectRef idx="0">
+              <a:schemeClr val="accent1"/>
+            </a:effectRef>
+            <a:fontRef idx="minor">
+              <a:schemeClr val="lt1"/>
+            </a:fontRef>
+          </p:style>
+          <p:txBody>
+            <a:bodyPr rtlCol="0" anchor="ctr"/>
+            <a:lstStyle/>
+            <a:p>
+              <a:pPr algn="ctr"/>
+              <a:endParaRPr lang="ko-KR" altLang="en-US"/>
+            </a:p>
+          </p:txBody>
+        </p:sp>
+        <p:sp>
+          <p:nvSpPr>
+            <p:cNvPr id="4" name="TextBox 3">
+              <a:extLst>
+                <a:ext uri="{FF2B5EF4-FFF2-40B4-BE49-F238E27FC236}">
+                  <a16:creationId xmlns:a16="http://schemas.microsoft.com/office/drawing/2014/main" id="{0FC75651-3AFC-550D-B131-6BF76E95670A}"/>
+                </a:ext>
+              </a:extLst>
+            </p:cNvPr>
+            <p:cNvSpPr txBox="1"/>
+            <p:nvPr/>
+          </p:nvSpPr>
+          <p:spPr>
+            <a:xfrm>
+              <a:off x="5858073" y="3592895"/>
+              <a:ext cx="854721" cy="369332"/>
+            </a:xfrm>
+            <a:prstGeom prst="rect">
+              <a:avLst/>
+            </a:prstGeom>
+            <a:noFill/>
+          </p:spPr>
+          <p:txBody>
+            <a:bodyPr wrap="none" rtlCol="0">
+              <a:spAutoFit/>
+            </a:bodyPr>
+            <a:lstStyle/>
+            <a:p>
+              <a:pPr algn="ctr"/>
+              <a:r>
+                <a:rPr lang="en-US" altLang="ko-KR" dirty="0"/>
+                <a:t>1</a:t>
+              </a:r>
+              <a:r>
+                <a:rPr lang="ko-KR" altLang="en-US" dirty="0"/>
+                <a:t>분 후</a:t>
+              </a:r>
+            </a:p>
+          </p:txBody>
+        </p:sp>
+      </p:grpSp>
+      <p:grpSp>
+        <p:nvGrpSpPr>
+          <p:cNvPr id="73" name="그룹 72">
+            <a:extLst>
+              <a:ext uri="{FF2B5EF4-FFF2-40B4-BE49-F238E27FC236}">
+                <a16:creationId xmlns:a16="http://schemas.microsoft.com/office/drawing/2014/main" id="{41199267-1FB8-5A6A-B574-26B65900C1A5}"/>
+              </a:ext>
+            </a:extLst>
+          </p:cNvPr>
+          <p:cNvGrpSpPr/>
+          <p:nvPr/>
+        </p:nvGrpSpPr>
+        <p:grpSpPr>
+          <a:xfrm>
+            <a:off x="7053974" y="1636982"/>
+            <a:ext cx="4968000" cy="2858400"/>
+            <a:chOff x="2816087" y="1557130"/>
+            <a:chExt cx="6546574" cy="3763618"/>
+          </a:xfrm>
+        </p:grpSpPr>
+        <p:sp>
+          <p:nvSpPr>
+            <p:cNvPr id="77" name="사각형: 둥근 모서리 76">
+              <a:extLst>
+                <a:ext uri="{FF2B5EF4-FFF2-40B4-BE49-F238E27FC236}">
+                  <a16:creationId xmlns:a16="http://schemas.microsoft.com/office/drawing/2014/main" id="{8EEAA376-DF16-4D34-32DA-1F094659EBE6}"/>
+                </a:ext>
+              </a:extLst>
+            </p:cNvPr>
+            <p:cNvSpPr/>
+            <p:nvPr/>
+          </p:nvSpPr>
+          <p:spPr>
+            <a:xfrm>
+              <a:off x="2816087" y="1557130"/>
+              <a:ext cx="6546574" cy="3763618"/>
+            </a:xfrm>
+            <a:prstGeom prst="roundRect">
+              <a:avLst>
+                <a:gd name="adj" fmla="val 2928"/>
+              </a:avLst>
+            </a:prstGeom>
+            <a:solidFill>
+              <a:schemeClr val="bg2">
+                <a:lumMod val="75000"/>
+              </a:schemeClr>
+            </a:solidFill>
+          </p:spPr>
+          <p:style>
+            <a:lnRef idx="2">
+              <a:schemeClr val="accent1">
+                <a:shade val="15000"/>
+              </a:schemeClr>
+            </a:lnRef>
+            <a:fillRef idx="1">
+              <a:schemeClr val="accent1"/>
+            </a:fillRef>
+            <a:effectRef idx="0">
+              <a:schemeClr val="accent1"/>
+            </a:effectRef>
+            <a:fontRef idx="minor">
+              <a:schemeClr val="lt1"/>
+            </a:fontRef>
+          </p:style>
+          <p:txBody>
+            <a:bodyPr rtlCol="0" anchor="ctr"/>
+            <a:lstStyle/>
+            <a:p>
+              <a:pPr algn="ctr"/>
+              <a:endParaRPr lang="ko-KR" altLang="en-US" sz="1100"/>
+            </a:p>
+          </p:txBody>
+        </p:sp>
+        <p:grpSp>
+          <p:nvGrpSpPr>
+            <p:cNvPr id="78" name="그룹 77">
+              <a:extLst>
+                <a:ext uri="{FF2B5EF4-FFF2-40B4-BE49-F238E27FC236}">
+                  <a16:creationId xmlns:a16="http://schemas.microsoft.com/office/drawing/2014/main" id="{05C035D3-0FED-7924-4A8D-0942D06C8F4A}"/>
+                </a:ext>
+              </a:extLst>
+            </p:cNvPr>
+            <p:cNvGrpSpPr/>
+            <p:nvPr/>
+          </p:nvGrpSpPr>
+          <p:grpSpPr>
+            <a:xfrm>
+              <a:off x="3041374" y="1692965"/>
+              <a:ext cx="6149008" cy="3458817"/>
+              <a:chOff x="371062" y="208722"/>
+              <a:chExt cx="11449877" cy="6440556"/>
+            </a:xfrm>
+          </p:grpSpPr>
+          <p:sp>
+            <p:nvSpPr>
+              <p:cNvPr id="90" name="직사각형 89">
+                <a:extLst>
+                  <a:ext uri="{FF2B5EF4-FFF2-40B4-BE49-F238E27FC236}">
+                    <a16:creationId xmlns:a16="http://schemas.microsoft.com/office/drawing/2014/main" id="{951F7062-4943-4D27-5D08-56AEAD0C3CE2}"/>
+                  </a:ext>
+                </a:extLst>
+              </p:cNvPr>
+              <p:cNvSpPr>
+                <a:spLocks noChangeAspect="1"/>
+              </p:cNvSpPr>
+              <p:nvPr/>
+            </p:nvSpPr>
+            <p:spPr>
+              <a:xfrm>
+                <a:off x="371062" y="208722"/>
+                <a:ext cx="11449877" cy="6440556"/>
+              </a:xfrm>
+              <a:prstGeom prst="rect">
+                <a:avLst/>
+              </a:prstGeom>
+              <a:solidFill>
+                <a:schemeClr val="bg1"/>
+              </a:solidFill>
+              <a:ln>
+                <a:solidFill>
+                  <a:schemeClr val="tx1"/>
+                </a:solidFill>
+              </a:ln>
+            </p:spPr>
+            <p:style>
+              <a:lnRef idx="2">
+                <a:schemeClr val="accent1">
+                  <a:shade val="15000"/>
+                </a:schemeClr>
+              </a:lnRef>
+              <a:fillRef idx="1">
+                <a:schemeClr val="accent1"/>
+              </a:fillRef>
+              <a:effectRef idx="0">
+                <a:schemeClr val="accent1"/>
+              </a:effectRef>
+              <a:fontRef idx="minor">
+                <a:schemeClr val="lt1"/>
+              </a:fontRef>
+            </p:style>
+            <p:txBody>
+              <a:bodyPr rtlCol="0" anchor="ctr"/>
+              <a:lstStyle/>
+              <a:p>
+                <a:pPr algn="ctr"/>
+                <a:endParaRPr lang="ko-KR" altLang="en-US" sz="300"/>
+              </a:p>
+            </p:txBody>
+          </p:sp>
+          <p:sp>
+            <p:nvSpPr>
+              <p:cNvPr id="91" name="직사각형 90">
+                <a:extLst>
+                  <a:ext uri="{FF2B5EF4-FFF2-40B4-BE49-F238E27FC236}">
+                    <a16:creationId xmlns:a16="http://schemas.microsoft.com/office/drawing/2014/main" id="{7537941F-9934-ADB0-D7C6-2C7479DE0AEF}"/>
+                  </a:ext>
+                </a:extLst>
+              </p:cNvPr>
+              <p:cNvSpPr/>
+              <p:nvPr/>
+            </p:nvSpPr>
+            <p:spPr>
+              <a:xfrm>
+                <a:off x="371062" y="5493026"/>
+                <a:ext cx="11449876" cy="1156252"/>
+              </a:xfrm>
+              <a:prstGeom prst="rect">
+                <a:avLst/>
+              </a:prstGeom>
+              <a:solidFill>
+                <a:schemeClr val="tx1">
+                  <a:lumMod val="65000"/>
+                  <a:lumOff val="35000"/>
+                </a:schemeClr>
+              </a:solidFill>
+              <a:ln>
+                <a:solidFill>
+                  <a:schemeClr val="tx1"/>
+                </a:solidFill>
+              </a:ln>
+            </p:spPr>
+            <p:style>
+              <a:lnRef idx="2">
+                <a:schemeClr val="accent1">
+                  <a:shade val="15000"/>
+                </a:schemeClr>
+              </a:lnRef>
+              <a:fillRef idx="1">
+                <a:schemeClr val="accent1"/>
+              </a:fillRef>
+              <a:effectRef idx="0">
+                <a:schemeClr val="accent1"/>
+              </a:effectRef>
+              <a:fontRef idx="minor">
+                <a:schemeClr val="lt1"/>
+              </a:fontRef>
+            </p:style>
+            <p:txBody>
+              <a:bodyPr rtlCol="0" anchor="ctr"/>
+              <a:lstStyle/>
+              <a:p>
+                <a:pPr algn="ctr"/>
+                <a:endParaRPr lang="ko-KR" altLang="en-US" sz="300"/>
+              </a:p>
+            </p:txBody>
+          </p:sp>
+          <p:sp>
+            <p:nvSpPr>
+              <p:cNvPr id="92" name="사각형: 둥근 모서리 91">
+                <a:extLst>
+                  <a:ext uri="{FF2B5EF4-FFF2-40B4-BE49-F238E27FC236}">
+                    <a16:creationId xmlns:a16="http://schemas.microsoft.com/office/drawing/2014/main" id="{08CE4356-29E8-A17A-5C55-15CD82ADBF20}"/>
+                  </a:ext>
+                </a:extLst>
+              </p:cNvPr>
+              <p:cNvSpPr/>
+              <p:nvPr/>
+            </p:nvSpPr>
+            <p:spPr>
+              <a:xfrm>
+                <a:off x="578115" y="4210904"/>
+                <a:ext cx="722243" cy="1282122"/>
+              </a:xfrm>
+              <a:prstGeom prst="roundRect">
+                <a:avLst/>
+              </a:prstGeom>
+              <a:ln>
+                <a:noFill/>
+              </a:ln>
+            </p:spPr>
+            <p:style>
+              <a:lnRef idx="2">
+                <a:schemeClr val="accent1">
+                  <a:shade val="15000"/>
+                </a:schemeClr>
+              </a:lnRef>
+              <a:fillRef idx="1">
+                <a:schemeClr val="accent1"/>
+              </a:fillRef>
+              <a:effectRef idx="0">
+                <a:schemeClr val="accent1"/>
+              </a:effectRef>
+              <a:fontRef idx="minor">
+                <a:schemeClr val="lt1"/>
+              </a:fontRef>
+            </p:style>
+            <p:txBody>
+              <a:bodyPr rtlCol="0" anchor="ctr"/>
+              <a:lstStyle/>
+              <a:p>
+                <a:pPr algn="ctr"/>
+                <a:endParaRPr lang="ko-KR" altLang="en-US" sz="300"/>
+              </a:p>
+            </p:txBody>
+          </p:sp>
+          <p:sp>
+            <p:nvSpPr>
+              <p:cNvPr id="93" name="직사각형 92">
+                <a:extLst>
+                  <a:ext uri="{FF2B5EF4-FFF2-40B4-BE49-F238E27FC236}">
+                    <a16:creationId xmlns:a16="http://schemas.microsoft.com/office/drawing/2014/main" id="{498E51CD-386F-130C-2394-56EC844CFA8B}"/>
+                  </a:ext>
+                </a:extLst>
+              </p:cNvPr>
+              <p:cNvSpPr/>
+              <p:nvPr/>
+            </p:nvSpPr>
+            <p:spPr>
+              <a:xfrm>
+                <a:off x="4923703" y="4953026"/>
+                <a:ext cx="540000" cy="540000"/>
+              </a:xfrm>
+              <a:prstGeom prst="rect">
+                <a:avLst/>
+              </a:prstGeom>
+              <a:solidFill>
+                <a:schemeClr val="accent2">
+                  <a:lumMod val="75000"/>
+                </a:schemeClr>
+              </a:solidFill>
+              <a:ln>
+                <a:noFill/>
+              </a:ln>
+            </p:spPr>
+            <p:style>
+              <a:lnRef idx="2">
+                <a:schemeClr val="accent1">
+                  <a:shade val="15000"/>
+                </a:schemeClr>
+              </a:lnRef>
+              <a:fillRef idx="1">
+                <a:schemeClr val="accent1"/>
+              </a:fillRef>
+              <a:effectRef idx="0">
+                <a:schemeClr val="accent1"/>
+              </a:effectRef>
+              <a:fontRef idx="minor">
+                <a:schemeClr val="lt1"/>
+              </a:fontRef>
+            </p:style>
+            <p:txBody>
+              <a:bodyPr rtlCol="0" anchor="ctr"/>
+              <a:lstStyle/>
+              <a:p>
+                <a:pPr algn="ctr"/>
+                <a:endParaRPr lang="ko-KR" altLang="en-US" sz="300"/>
+              </a:p>
+            </p:txBody>
+          </p:sp>
+          <p:sp>
+            <p:nvSpPr>
+              <p:cNvPr id="94" name="직사각형 93">
+                <a:extLst>
+                  <a:ext uri="{FF2B5EF4-FFF2-40B4-BE49-F238E27FC236}">
+                    <a16:creationId xmlns:a16="http://schemas.microsoft.com/office/drawing/2014/main" id="{B7C53F1E-9810-EBD4-AC6B-401DE1E95131}"/>
+                  </a:ext>
+                </a:extLst>
+              </p:cNvPr>
+              <p:cNvSpPr/>
+              <p:nvPr/>
+            </p:nvSpPr>
+            <p:spPr>
+              <a:xfrm>
+                <a:off x="8186557" y="3860605"/>
+                <a:ext cx="540000" cy="540000"/>
+              </a:xfrm>
+              <a:prstGeom prst="rect">
+                <a:avLst/>
+              </a:prstGeom>
+              <a:solidFill>
+                <a:schemeClr val="accent2">
+                  <a:lumMod val="75000"/>
+                </a:schemeClr>
+              </a:solidFill>
+              <a:ln>
+                <a:noFill/>
+              </a:ln>
+            </p:spPr>
+            <p:style>
+              <a:lnRef idx="2">
+                <a:schemeClr val="accent1">
+                  <a:shade val="15000"/>
+                </a:schemeClr>
+              </a:lnRef>
+              <a:fillRef idx="1">
+                <a:schemeClr val="accent1"/>
+              </a:fillRef>
+              <a:effectRef idx="0">
+                <a:schemeClr val="accent1"/>
+              </a:effectRef>
+              <a:fontRef idx="minor">
+                <a:schemeClr val="lt1"/>
+              </a:fontRef>
+            </p:style>
+            <p:txBody>
+              <a:bodyPr rtlCol="0" anchor="ctr"/>
+              <a:lstStyle/>
+              <a:p>
+                <a:pPr algn="ctr"/>
+                <a:endParaRPr lang="ko-KR" altLang="en-US" sz="300"/>
+              </a:p>
+            </p:txBody>
+          </p:sp>
+          <p:sp>
+            <p:nvSpPr>
+              <p:cNvPr id="95" name="TextBox 94">
+                <a:extLst>
+                  <a:ext uri="{FF2B5EF4-FFF2-40B4-BE49-F238E27FC236}">
+                    <a16:creationId xmlns:a16="http://schemas.microsoft.com/office/drawing/2014/main" id="{89A11D43-C1DF-5FD2-A85E-115089E3A11F}"/>
+                  </a:ext>
+                </a:extLst>
+              </p:cNvPr>
+              <p:cNvSpPr txBox="1"/>
+              <p:nvPr/>
+            </p:nvSpPr>
+            <p:spPr>
+              <a:xfrm>
+                <a:off x="9932503" y="311426"/>
+                <a:ext cx="1563758" cy="339567"/>
+              </a:xfrm>
+              <a:prstGeom prst="rect">
+                <a:avLst/>
+              </a:prstGeom>
+              <a:noFill/>
+            </p:spPr>
+            <p:txBody>
+              <a:bodyPr wrap="square" rtlCol="0">
+                <a:spAutoFit/>
+              </a:bodyPr>
+              <a:lstStyle/>
+              <a:p>
+                <a:pPr algn="ctr"/>
+                <a:r>
+                  <a:rPr lang="en-US" altLang="ko-KR" sz="300" b="1" dirty="0"/>
+                  <a:t>&lt;</a:t>
+                </a:r>
+                <a:r>
+                  <a:rPr lang="ko-KR" altLang="en-US" sz="300" b="1" dirty="0"/>
+                  <a:t>현재 순위</a:t>
+                </a:r>
+                <a:r>
+                  <a:rPr lang="en-US" altLang="ko-KR" sz="300" b="1" dirty="0"/>
+                  <a:t>&gt;</a:t>
+                </a:r>
+                <a:endParaRPr lang="ko-KR" altLang="en-US" sz="300" b="1" dirty="0"/>
+              </a:p>
+            </p:txBody>
+          </p:sp>
+          <p:grpSp>
+            <p:nvGrpSpPr>
+              <p:cNvPr id="96" name="그룹 95">
+                <a:extLst>
+                  <a:ext uri="{FF2B5EF4-FFF2-40B4-BE49-F238E27FC236}">
+                    <a16:creationId xmlns:a16="http://schemas.microsoft.com/office/drawing/2014/main" id="{2030BE09-54A0-EF1E-614E-FBDEC2571C20}"/>
+                  </a:ext>
+                </a:extLst>
+              </p:cNvPr>
+              <p:cNvGrpSpPr/>
+              <p:nvPr/>
+            </p:nvGrpSpPr>
+            <p:grpSpPr>
+              <a:xfrm>
+                <a:off x="9690652" y="682717"/>
+                <a:ext cx="2047462" cy="360000"/>
+                <a:chOff x="9687339" y="685059"/>
+                <a:chExt cx="2047462" cy="360000"/>
+              </a:xfrm>
+            </p:grpSpPr>
+            <p:sp>
+              <p:nvSpPr>
+                <p:cNvPr id="105" name="직사각형 104">
+                  <a:extLst>
+                    <a:ext uri="{FF2B5EF4-FFF2-40B4-BE49-F238E27FC236}">
+                      <a16:creationId xmlns:a16="http://schemas.microsoft.com/office/drawing/2014/main" id="{45B2B90F-94BD-E5DA-F83B-DD60F91C56BB}"/>
+                    </a:ext>
+                  </a:extLst>
+                </p:cNvPr>
+                <p:cNvSpPr/>
+                <p:nvPr/>
+              </p:nvSpPr>
+              <p:spPr>
+                <a:xfrm>
+                  <a:off x="9687339" y="685059"/>
+                  <a:ext cx="324678" cy="360000"/>
+                </a:xfrm>
+                <a:prstGeom prst="rect">
+                  <a:avLst/>
+                </a:prstGeom>
+                <a:solidFill>
+                  <a:srgbClr val="FFFF00"/>
+                </a:solidFill>
+                <a:ln>
+                  <a:noFill/>
+                </a:ln>
+              </p:spPr>
+              <p:style>
+                <a:lnRef idx="2">
+                  <a:schemeClr val="accent1">
+                    <a:shade val="15000"/>
+                  </a:schemeClr>
+                </a:lnRef>
+                <a:fillRef idx="1">
+                  <a:schemeClr val="accent1"/>
+                </a:fillRef>
+                <a:effectRef idx="0">
+                  <a:schemeClr val="accent1"/>
+                </a:effectRef>
+                <a:fontRef idx="minor">
+                  <a:schemeClr val="lt1"/>
+                </a:fontRef>
+              </p:style>
+              <p:txBody>
+                <a:bodyPr rtlCol="0" anchor="ctr"/>
+                <a:lstStyle/>
+                <a:p>
+                  <a:pPr algn="ctr"/>
+                  <a:r>
+                    <a:rPr lang="en-US" altLang="ko-KR" sz="300" dirty="0">
+                      <a:solidFill>
+                        <a:schemeClr val="tx1"/>
+                      </a:solidFill>
+                    </a:rPr>
+                    <a:t>1</a:t>
+                  </a:r>
+                  <a:endParaRPr lang="ko-KR" altLang="en-US" sz="300" dirty="0">
+                    <a:solidFill>
+                      <a:schemeClr val="tx1"/>
+                    </a:solidFill>
+                  </a:endParaRPr>
+                </a:p>
+              </p:txBody>
+            </p:sp>
+            <p:sp>
+              <p:nvSpPr>
+                <p:cNvPr id="106" name="직사각형 105">
+                  <a:extLst>
+                    <a:ext uri="{FF2B5EF4-FFF2-40B4-BE49-F238E27FC236}">
+                      <a16:creationId xmlns:a16="http://schemas.microsoft.com/office/drawing/2014/main" id="{08CBD1FB-C25E-A4BB-3D30-0831B88952E5}"/>
+                    </a:ext>
+                  </a:extLst>
+                </p:cNvPr>
+                <p:cNvSpPr/>
+                <p:nvPr/>
+              </p:nvSpPr>
+              <p:spPr>
+                <a:xfrm>
+                  <a:off x="10012017" y="685059"/>
+                  <a:ext cx="556592" cy="360000"/>
+                </a:xfrm>
+                <a:prstGeom prst="rect">
+                  <a:avLst/>
+                </a:prstGeom>
+                <a:solidFill>
+                  <a:schemeClr val="bg2">
+                    <a:lumMod val="75000"/>
+                  </a:schemeClr>
+                </a:solidFill>
+                <a:ln>
+                  <a:noFill/>
+                </a:ln>
+              </p:spPr>
+              <p:style>
+                <a:lnRef idx="2">
+                  <a:schemeClr val="accent1">
+                    <a:shade val="15000"/>
+                  </a:schemeClr>
+                </a:lnRef>
+                <a:fillRef idx="1">
+                  <a:schemeClr val="accent1"/>
+                </a:fillRef>
+                <a:effectRef idx="0">
+                  <a:schemeClr val="accent1"/>
+                </a:effectRef>
+                <a:fontRef idx="minor">
+                  <a:schemeClr val="lt1"/>
+                </a:fontRef>
+              </p:style>
+              <p:txBody>
+                <a:bodyPr rtlCol="0" anchor="ctr"/>
+                <a:lstStyle/>
+                <a:p>
+                  <a:r>
+                    <a:rPr lang="en-US" altLang="ko-KR" sz="200" dirty="0">
+                      <a:solidFill>
+                        <a:schemeClr val="tx1"/>
+                      </a:solidFill>
+                    </a:rPr>
+                    <a:t>You</a:t>
+                  </a:r>
+                  <a:endParaRPr lang="ko-KR" altLang="en-US" sz="200" dirty="0">
+                    <a:solidFill>
+                      <a:schemeClr val="tx1"/>
+                    </a:solidFill>
+                  </a:endParaRPr>
+                </a:p>
+              </p:txBody>
+            </p:sp>
+            <p:sp>
+              <p:nvSpPr>
+                <p:cNvPr id="107" name="직사각형 106">
+                  <a:extLst>
+                    <a:ext uri="{FF2B5EF4-FFF2-40B4-BE49-F238E27FC236}">
+                      <a16:creationId xmlns:a16="http://schemas.microsoft.com/office/drawing/2014/main" id="{388AEC54-B7B7-3261-97D5-CDA010AB0B2F}"/>
+                    </a:ext>
+                  </a:extLst>
+                </p:cNvPr>
+                <p:cNvSpPr/>
+                <p:nvPr/>
+              </p:nvSpPr>
+              <p:spPr>
+                <a:xfrm>
+                  <a:off x="10508972" y="685059"/>
+                  <a:ext cx="1225829" cy="360000"/>
+                </a:xfrm>
+                <a:prstGeom prst="rect">
+                  <a:avLst/>
+                </a:prstGeom>
+                <a:solidFill>
+                  <a:schemeClr val="bg2">
+                    <a:lumMod val="75000"/>
+                  </a:schemeClr>
+                </a:solidFill>
+                <a:ln>
+                  <a:noFill/>
+                </a:ln>
+              </p:spPr>
+              <p:style>
+                <a:lnRef idx="2">
+                  <a:schemeClr val="accent1">
+                    <a:shade val="15000"/>
+                  </a:schemeClr>
+                </a:lnRef>
+                <a:fillRef idx="1">
+                  <a:schemeClr val="accent1"/>
+                </a:fillRef>
+                <a:effectRef idx="0">
+                  <a:schemeClr val="accent1"/>
+                </a:effectRef>
+                <a:fontRef idx="minor">
+                  <a:schemeClr val="lt1"/>
+                </a:fontRef>
+              </p:style>
+              <p:txBody>
+                <a:bodyPr rtlCol="0" anchor="ctr"/>
+                <a:lstStyle/>
+                <a:p>
+                  <a:pPr algn="r"/>
+                  <a:r>
+                    <a:rPr lang="en-US" altLang="ko-KR" sz="200" dirty="0">
+                      <a:solidFill>
+                        <a:schemeClr val="tx1"/>
+                      </a:solidFill>
+                    </a:rPr>
+                    <a:t>123,000pt</a:t>
+                  </a:r>
+                  <a:endParaRPr lang="ko-KR" altLang="en-US" sz="200" dirty="0">
+                    <a:solidFill>
+                      <a:schemeClr val="tx1"/>
+                    </a:solidFill>
+                  </a:endParaRPr>
+                </a:p>
+              </p:txBody>
+            </p:sp>
+          </p:grpSp>
+          <p:grpSp>
+            <p:nvGrpSpPr>
+              <p:cNvPr id="97" name="그룹 96">
+                <a:extLst>
+                  <a:ext uri="{FF2B5EF4-FFF2-40B4-BE49-F238E27FC236}">
+                    <a16:creationId xmlns:a16="http://schemas.microsoft.com/office/drawing/2014/main" id="{C112CC87-056B-DFF7-C4B1-82B3D15BA779}"/>
+                  </a:ext>
+                </a:extLst>
+              </p:cNvPr>
+              <p:cNvGrpSpPr/>
+              <p:nvPr/>
+            </p:nvGrpSpPr>
+            <p:grpSpPr>
+              <a:xfrm>
+                <a:off x="9690652" y="1044675"/>
+                <a:ext cx="2047462" cy="360000"/>
+                <a:chOff x="9687339" y="685059"/>
+                <a:chExt cx="2047462" cy="360000"/>
+              </a:xfrm>
+            </p:grpSpPr>
+            <p:sp>
+              <p:nvSpPr>
+                <p:cNvPr id="102" name="직사각형 101">
+                  <a:extLst>
+                    <a:ext uri="{FF2B5EF4-FFF2-40B4-BE49-F238E27FC236}">
+                      <a16:creationId xmlns:a16="http://schemas.microsoft.com/office/drawing/2014/main" id="{2FE34CB3-85AC-2652-8A0F-2699F3B029AA}"/>
+                    </a:ext>
+                  </a:extLst>
+                </p:cNvPr>
+                <p:cNvSpPr/>
+                <p:nvPr/>
+              </p:nvSpPr>
+              <p:spPr>
+                <a:xfrm>
+                  <a:off x="9687339" y="685059"/>
+                  <a:ext cx="324678" cy="360000"/>
+                </a:xfrm>
+                <a:prstGeom prst="rect">
+                  <a:avLst/>
+                </a:prstGeom>
+                <a:solidFill>
+                  <a:schemeClr val="bg1">
+                    <a:lumMod val="85000"/>
+                  </a:schemeClr>
+                </a:solidFill>
+                <a:ln>
+                  <a:noFill/>
+                </a:ln>
+              </p:spPr>
+              <p:style>
+                <a:lnRef idx="2">
+                  <a:schemeClr val="accent1">
+                    <a:shade val="15000"/>
+                  </a:schemeClr>
+                </a:lnRef>
+                <a:fillRef idx="1">
+                  <a:schemeClr val="accent1"/>
+                </a:fillRef>
+                <a:effectRef idx="0">
+                  <a:schemeClr val="accent1"/>
+                </a:effectRef>
+                <a:fontRef idx="minor">
+                  <a:schemeClr val="lt1"/>
+                </a:fontRef>
+              </p:style>
+              <p:txBody>
+                <a:bodyPr rtlCol="0" anchor="ctr"/>
+                <a:lstStyle/>
+                <a:p>
+                  <a:pPr algn="ctr"/>
+                  <a:r>
+                    <a:rPr lang="en-US" altLang="ko-KR" sz="300" dirty="0">
+                      <a:solidFill>
+                        <a:schemeClr val="tx1"/>
+                      </a:solidFill>
+                    </a:rPr>
+                    <a:t>2</a:t>
+                  </a:r>
+                  <a:endParaRPr lang="ko-KR" altLang="en-US" sz="300" dirty="0">
+                    <a:solidFill>
+                      <a:schemeClr val="tx1"/>
+                    </a:solidFill>
+                  </a:endParaRPr>
+                </a:p>
+              </p:txBody>
+            </p:sp>
+            <p:sp>
+              <p:nvSpPr>
+                <p:cNvPr id="103" name="직사각형 102">
+                  <a:extLst>
+                    <a:ext uri="{FF2B5EF4-FFF2-40B4-BE49-F238E27FC236}">
+                      <a16:creationId xmlns:a16="http://schemas.microsoft.com/office/drawing/2014/main" id="{6F277284-DA05-F85E-BE7B-D74195FAB87A}"/>
+                    </a:ext>
+                  </a:extLst>
+                </p:cNvPr>
+                <p:cNvSpPr/>
+                <p:nvPr/>
+              </p:nvSpPr>
+              <p:spPr>
+                <a:xfrm>
+                  <a:off x="10012017" y="685059"/>
+                  <a:ext cx="556592" cy="360000"/>
+                </a:xfrm>
+                <a:prstGeom prst="rect">
+                  <a:avLst/>
+                </a:prstGeom>
+                <a:solidFill>
+                  <a:schemeClr val="bg1"/>
+                </a:solidFill>
+                <a:ln>
+                  <a:noFill/>
+                </a:ln>
+              </p:spPr>
+              <p:style>
+                <a:lnRef idx="2">
+                  <a:schemeClr val="accent1">
+                    <a:shade val="15000"/>
+                  </a:schemeClr>
+                </a:lnRef>
+                <a:fillRef idx="1">
+                  <a:schemeClr val="accent1"/>
+                </a:fillRef>
+                <a:effectRef idx="0">
+                  <a:schemeClr val="accent1"/>
+                </a:effectRef>
+                <a:fontRef idx="minor">
+                  <a:schemeClr val="lt1"/>
+                </a:fontRef>
+              </p:style>
+              <p:txBody>
+                <a:bodyPr rtlCol="0" anchor="ctr"/>
+                <a:lstStyle/>
+                <a:p>
+                  <a:r>
+                    <a:rPr lang="en-US" altLang="ko-KR" sz="200" dirty="0">
+                      <a:solidFill>
+                        <a:schemeClr val="tx1"/>
+                      </a:solidFill>
+                    </a:rPr>
+                    <a:t>P1</a:t>
+                  </a:r>
+                  <a:endParaRPr lang="ko-KR" altLang="en-US" sz="200" dirty="0">
+                    <a:solidFill>
+                      <a:schemeClr val="tx1"/>
+                    </a:solidFill>
+                  </a:endParaRPr>
+                </a:p>
+              </p:txBody>
+            </p:sp>
+            <p:sp>
+              <p:nvSpPr>
+                <p:cNvPr id="104" name="직사각형 103">
+                  <a:extLst>
+                    <a:ext uri="{FF2B5EF4-FFF2-40B4-BE49-F238E27FC236}">
+                      <a16:creationId xmlns:a16="http://schemas.microsoft.com/office/drawing/2014/main" id="{9274D3EC-54CE-1B96-E3F4-487C2C4D4A0D}"/>
+                    </a:ext>
+                  </a:extLst>
+                </p:cNvPr>
+                <p:cNvSpPr/>
+                <p:nvPr/>
+              </p:nvSpPr>
+              <p:spPr>
+                <a:xfrm>
+                  <a:off x="10508972" y="685059"/>
+                  <a:ext cx="1225829" cy="360000"/>
+                </a:xfrm>
+                <a:prstGeom prst="rect">
+                  <a:avLst/>
+                </a:prstGeom>
+                <a:solidFill>
+                  <a:schemeClr val="bg1"/>
+                </a:solidFill>
+                <a:ln>
+                  <a:noFill/>
+                </a:ln>
+              </p:spPr>
+              <p:style>
+                <a:lnRef idx="2">
+                  <a:schemeClr val="accent1">
+                    <a:shade val="15000"/>
+                  </a:schemeClr>
+                </a:lnRef>
+                <a:fillRef idx="1">
+                  <a:schemeClr val="accent1"/>
+                </a:fillRef>
+                <a:effectRef idx="0">
+                  <a:schemeClr val="accent1"/>
+                </a:effectRef>
+                <a:fontRef idx="minor">
+                  <a:schemeClr val="lt1"/>
+                </a:fontRef>
+              </p:style>
+              <p:txBody>
+                <a:bodyPr rtlCol="0" anchor="ctr"/>
+                <a:lstStyle/>
+                <a:p>
+                  <a:pPr algn="r"/>
+                  <a:r>
+                    <a:rPr lang="en-US" altLang="ko-KR" sz="200" dirty="0">
+                      <a:solidFill>
+                        <a:schemeClr val="tx1"/>
+                      </a:solidFill>
+                    </a:rPr>
+                    <a:t>96,000pt</a:t>
+                  </a:r>
+                  <a:endParaRPr lang="ko-KR" altLang="en-US" sz="200" dirty="0">
+                    <a:solidFill>
+                      <a:schemeClr val="tx1"/>
+                    </a:solidFill>
+                  </a:endParaRPr>
+                </a:p>
+              </p:txBody>
+            </p:sp>
+          </p:grpSp>
+          <p:grpSp>
+            <p:nvGrpSpPr>
+              <p:cNvPr id="98" name="그룹 97">
+                <a:extLst>
+                  <a:ext uri="{FF2B5EF4-FFF2-40B4-BE49-F238E27FC236}">
+                    <a16:creationId xmlns:a16="http://schemas.microsoft.com/office/drawing/2014/main" id="{3F015B2E-9A5D-DFCC-8A3D-1A4912D045DE}"/>
+                  </a:ext>
+                </a:extLst>
+              </p:cNvPr>
+              <p:cNvGrpSpPr/>
+              <p:nvPr/>
+            </p:nvGrpSpPr>
+            <p:grpSpPr>
+              <a:xfrm>
+                <a:off x="9690652" y="1406633"/>
+                <a:ext cx="2047462" cy="360000"/>
+                <a:chOff x="9687339" y="685059"/>
+                <a:chExt cx="2047462" cy="360000"/>
+              </a:xfrm>
+            </p:grpSpPr>
+            <p:sp>
+              <p:nvSpPr>
+                <p:cNvPr id="99" name="직사각형 98">
+                  <a:extLst>
+                    <a:ext uri="{FF2B5EF4-FFF2-40B4-BE49-F238E27FC236}">
+                      <a16:creationId xmlns:a16="http://schemas.microsoft.com/office/drawing/2014/main" id="{6831BF57-1329-9DE7-BDDF-5C8A4BE3487F}"/>
+                    </a:ext>
+                  </a:extLst>
+                </p:cNvPr>
+                <p:cNvSpPr/>
+                <p:nvPr/>
+              </p:nvSpPr>
+              <p:spPr>
+                <a:xfrm>
+                  <a:off x="9687339" y="685059"/>
+                  <a:ext cx="324678" cy="360000"/>
+                </a:xfrm>
+                <a:prstGeom prst="rect">
+                  <a:avLst/>
+                </a:prstGeom>
+                <a:solidFill>
+                  <a:schemeClr val="accent2">
+                    <a:lumMod val="60000"/>
+                    <a:lumOff val="40000"/>
+                  </a:schemeClr>
+                </a:solidFill>
+                <a:ln>
+                  <a:noFill/>
+                </a:ln>
+              </p:spPr>
+              <p:style>
+                <a:lnRef idx="2">
+                  <a:schemeClr val="accent1">
+                    <a:shade val="15000"/>
+                  </a:schemeClr>
+                </a:lnRef>
+                <a:fillRef idx="1">
+                  <a:schemeClr val="accent1"/>
+                </a:fillRef>
+                <a:effectRef idx="0">
+                  <a:schemeClr val="accent1"/>
+                </a:effectRef>
+                <a:fontRef idx="minor">
+                  <a:schemeClr val="lt1"/>
+                </a:fontRef>
+              </p:style>
+              <p:txBody>
+                <a:bodyPr rtlCol="0" anchor="ctr"/>
+                <a:lstStyle/>
+                <a:p>
+                  <a:pPr algn="ctr"/>
+                  <a:r>
+                    <a:rPr lang="en-US" altLang="ko-KR" sz="300" dirty="0">
+                      <a:solidFill>
+                        <a:schemeClr val="tx1"/>
+                      </a:solidFill>
+                    </a:rPr>
+                    <a:t>3</a:t>
+                  </a:r>
+                  <a:endParaRPr lang="ko-KR" altLang="en-US" sz="300" dirty="0">
+                    <a:solidFill>
+                      <a:schemeClr val="tx1"/>
+                    </a:solidFill>
+                  </a:endParaRPr>
+                </a:p>
+              </p:txBody>
+            </p:sp>
+            <p:sp>
+              <p:nvSpPr>
+                <p:cNvPr id="100" name="직사각형 99">
+                  <a:extLst>
+                    <a:ext uri="{FF2B5EF4-FFF2-40B4-BE49-F238E27FC236}">
+                      <a16:creationId xmlns:a16="http://schemas.microsoft.com/office/drawing/2014/main" id="{76317974-0FCA-C2D2-D2C2-FF3055788083}"/>
+                    </a:ext>
+                  </a:extLst>
+                </p:cNvPr>
+                <p:cNvSpPr/>
+                <p:nvPr/>
+              </p:nvSpPr>
+              <p:spPr>
+                <a:xfrm>
+                  <a:off x="10012017" y="685059"/>
+                  <a:ext cx="556592" cy="360000"/>
+                </a:xfrm>
+                <a:prstGeom prst="rect">
+                  <a:avLst/>
+                </a:prstGeom>
+                <a:solidFill>
+                  <a:schemeClr val="bg1"/>
+                </a:solidFill>
+                <a:ln>
+                  <a:noFill/>
+                </a:ln>
+              </p:spPr>
+              <p:style>
+                <a:lnRef idx="2">
+                  <a:schemeClr val="accent1">
+                    <a:shade val="15000"/>
+                  </a:schemeClr>
+                </a:lnRef>
+                <a:fillRef idx="1">
+                  <a:schemeClr val="accent1"/>
+                </a:fillRef>
+                <a:effectRef idx="0">
+                  <a:schemeClr val="accent1"/>
+                </a:effectRef>
+                <a:fontRef idx="minor">
+                  <a:schemeClr val="lt1"/>
+                </a:fontRef>
+              </p:style>
+              <p:txBody>
+                <a:bodyPr rtlCol="0" anchor="ctr"/>
+                <a:lstStyle/>
+                <a:p>
+                  <a:r>
+                    <a:rPr lang="en-US" altLang="ko-KR" sz="200" dirty="0">
+                      <a:solidFill>
+                        <a:schemeClr val="tx1"/>
+                      </a:solidFill>
+                    </a:rPr>
+                    <a:t>P2</a:t>
+                  </a:r>
+                  <a:endParaRPr lang="ko-KR" altLang="en-US" sz="200" dirty="0">
+                    <a:solidFill>
+                      <a:schemeClr val="tx1"/>
+                    </a:solidFill>
+                  </a:endParaRPr>
+                </a:p>
+              </p:txBody>
+            </p:sp>
+            <p:sp>
+              <p:nvSpPr>
+                <p:cNvPr id="101" name="직사각형 100">
+                  <a:extLst>
+                    <a:ext uri="{FF2B5EF4-FFF2-40B4-BE49-F238E27FC236}">
+                      <a16:creationId xmlns:a16="http://schemas.microsoft.com/office/drawing/2014/main" id="{19695106-D59B-A05C-D9A5-3FFBA0870BC4}"/>
+                    </a:ext>
+                  </a:extLst>
+                </p:cNvPr>
+                <p:cNvSpPr/>
+                <p:nvPr/>
+              </p:nvSpPr>
+              <p:spPr>
+                <a:xfrm>
+                  <a:off x="10508972" y="685059"/>
+                  <a:ext cx="1225829" cy="360000"/>
+                </a:xfrm>
+                <a:prstGeom prst="rect">
+                  <a:avLst/>
+                </a:prstGeom>
+                <a:solidFill>
+                  <a:schemeClr val="bg1"/>
+                </a:solidFill>
+                <a:ln>
+                  <a:noFill/>
+                </a:ln>
+              </p:spPr>
+              <p:style>
+                <a:lnRef idx="2">
+                  <a:schemeClr val="accent1">
+                    <a:shade val="15000"/>
+                  </a:schemeClr>
+                </a:lnRef>
+                <a:fillRef idx="1">
+                  <a:schemeClr val="accent1"/>
+                </a:fillRef>
+                <a:effectRef idx="0">
+                  <a:schemeClr val="accent1"/>
+                </a:effectRef>
+                <a:fontRef idx="minor">
+                  <a:schemeClr val="lt1"/>
+                </a:fontRef>
+              </p:style>
+              <p:txBody>
+                <a:bodyPr rtlCol="0" anchor="ctr"/>
+                <a:lstStyle/>
+                <a:p>
+                  <a:pPr algn="r"/>
+                  <a:r>
+                    <a:rPr lang="en-US" altLang="ko-KR" sz="200" dirty="0">
+                      <a:solidFill>
+                        <a:schemeClr val="tx1"/>
+                      </a:solidFill>
+                    </a:rPr>
+                    <a:t>50,000pt</a:t>
+                  </a:r>
+                  <a:endParaRPr lang="ko-KR" altLang="en-US" sz="200" dirty="0">
+                    <a:solidFill>
+                      <a:schemeClr val="tx1"/>
+                    </a:solidFill>
+                  </a:endParaRPr>
+                </a:p>
+              </p:txBody>
+            </p:sp>
+          </p:grpSp>
+        </p:grpSp>
+        <p:sp>
+          <p:nvSpPr>
+            <p:cNvPr id="79" name="타원 78">
+              <a:extLst>
+                <a:ext uri="{FF2B5EF4-FFF2-40B4-BE49-F238E27FC236}">
+                  <a16:creationId xmlns:a16="http://schemas.microsoft.com/office/drawing/2014/main" id="{C36A9434-EDC5-A0A1-9307-6F054E30E132}"/>
+                </a:ext>
+              </a:extLst>
+            </p:cNvPr>
+            <p:cNvSpPr/>
+            <p:nvPr/>
+          </p:nvSpPr>
+          <p:spPr>
+            <a:xfrm>
+              <a:off x="2859686" y="3366792"/>
+              <a:ext cx="144294" cy="144294"/>
+            </a:xfrm>
+            <a:prstGeom prst="ellipse">
+              <a:avLst/>
+            </a:prstGeom>
+            <a:solidFill>
+              <a:schemeClr val="tx1">
+                <a:lumMod val="85000"/>
+                <a:lumOff val="15000"/>
+              </a:schemeClr>
+            </a:solidFill>
+          </p:spPr>
+          <p:style>
+            <a:lnRef idx="2">
+              <a:schemeClr val="accent1">
+                <a:shade val="15000"/>
+              </a:schemeClr>
+            </a:lnRef>
+            <a:fillRef idx="1">
+              <a:schemeClr val="accent1"/>
+            </a:fillRef>
+            <a:effectRef idx="0">
+              <a:schemeClr val="accent1"/>
+            </a:effectRef>
+            <a:fontRef idx="minor">
+              <a:schemeClr val="lt1"/>
+            </a:fontRef>
+          </p:style>
+          <p:txBody>
+            <a:bodyPr rtlCol="0" anchor="ctr"/>
+            <a:lstStyle/>
+            <a:p>
+              <a:pPr algn="ctr"/>
+              <a:endParaRPr lang="ko-KR" altLang="en-US" sz="1100"/>
+            </a:p>
+          </p:txBody>
+        </p:sp>
+        <p:sp>
+          <p:nvSpPr>
+            <p:cNvPr id="80" name="직사각형 79">
+              <a:extLst>
+                <a:ext uri="{FF2B5EF4-FFF2-40B4-BE49-F238E27FC236}">
+                  <a16:creationId xmlns:a16="http://schemas.microsoft.com/office/drawing/2014/main" id="{5D1CAF7E-6BBD-440F-2B73-D8465E225709}"/>
+                </a:ext>
+              </a:extLst>
+            </p:cNvPr>
+            <p:cNvSpPr/>
+            <p:nvPr/>
+          </p:nvSpPr>
+          <p:spPr>
+            <a:xfrm>
+              <a:off x="5334000" y="1759879"/>
+              <a:ext cx="1524000" cy="280717"/>
+            </a:xfrm>
+            <a:prstGeom prst="rect">
+              <a:avLst/>
+            </a:prstGeom>
+          </p:spPr>
+          <p:style>
+            <a:lnRef idx="2">
+              <a:schemeClr val="accent1">
+                <a:shade val="15000"/>
+              </a:schemeClr>
+            </a:lnRef>
+            <a:fillRef idx="1">
+              <a:schemeClr val="accent1"/>
+            </a:fillRef>
+            <a:effectRef idx="0">
+              <a:schemeClr val="accent1"/>
+            </a:effectRef>
+            <a:fontRef idx="minor">
+              <a:schemeClr val="lt1"/>
+            </a:fontRef>
+          </p:style>
+          <p:txBody>
+            <a:bodyPr rtlCol="0" anchor="ctr"/>
+            <a:lstStyle/>
+            <a:p>
+              <a:pPr algn="ctr"/>
+              <a:r>
+                <a:rPr lang="ko-KR" altLang="en-US" sz="700" dirty="0"/>
+                <a:t>현재 점수 </a:t>
+              </a:r>
+              <a:r>
+                <a:rPr lang="en-US" altLang="ko-KR" sz="700" dirty="0"/>
+                <a:t>:</a:t>
+              </a:r>
+              <a:r>
+                <a:rPr lang="ko-KR" altLang="en-US" sz="700" dirty="0"/>
+                <a:t> </a:t>
+              </a:r>
+              <a:r>
+                <a:rPr lang="en-US" altLang="ko-KR" sz="700" dirty="0"/>
+                <a:t>123,000</a:t>
+              </a:r>
+              <a:endParaRPr lang="ko-KR" altLang="en-US" sz="700" dirty="0"/>
+            </a:p>
+          </p:txBody>
+        </p:sp>
+        <p:sp>
+          <p:nvSpPr>
+            <p:cNvPr id="81" name="직사각형 80">
+              <a:extLst>
+                <a:ext uri="{FF2B5EF4-FFF2-40B4-BE49-F238E27FC236}">
+                  <a16:creationId xmlns:a16="http://schemas.microsoft.com/office/drawing/2014/main" id="{B6711006-03C2-F711-6111-FB4C52C95498}"/>
+                </a:ext>
+              </a:extLst>
+            </p:cNvPr>
+            <p:cNvSpPr/>
+            <p:nvPr/>
+          </p:nvSpPr>
+          <p:spPr>
+            <a:xfrm>
+              <a:off x="3041374" y="1687997"/>
+              <a:ext cx="6149007" cy="3458817"/>
+            </a:xfrm>
+            <a:prstGeom prst="rect">
+              <a:avLst/>
+            </a:prstGeom>
+            <a:solidFill>
+              <a:schemeClr val="bg2">
+                <a:lumMod val="50000"/>
+                <a:alpha val="50000"/>
+              </a:schemeClr>
+            </a:solidFill>
+          </p:spPr>
+          <p:style>
+            <a:lnRef idx="2">
+              <a:schemeClr val="accent1">
+                <a:shade val="15000"/>
+              </a:schemeClr>
+            </a:lnRef>
+            <a:fillRef idx="1">
+              <a:schemeClr val="accent1"/>
+            </a:fillRef>
+            <a:effectRef idx="0">
+              <a:schemeClr val="accent1"/>
+            </a:effectRef>
+            <a:fontRef idx="minor">
+              <a:schemeClr val="lt1"/>
+            </a:fontRef>
+          </p:style>
+          <p:txBody>
+            <a:bodyPr rtlCol="0" anchor="ctr"/>
+            <a:lstStyle/>
+            <a:p>
+              <a:pPr algn="ctr"/>
+              <a:endParaRPr lang="ko-KR" altLang="en-US" sz="1100"/>
+            </a:p>
+          </p:txBody>
+        </p:sp>
+        <p:sp>
+          <p:nvSpPr>
+            <p:cNvPr id="82" name="직사각형 81">
+              <a:extLst>
+                <a:ext uri="{FF2B5EF4-FFF2-40B4-BE49-F238E27FC236}">
+                  <a16:creationId xmlns:a16="http://schemas.microsoft.com/office/drawing/2014/main" id="{0970298A-DE00-AF53-44E1-CA4BE3D17C1A}"/>
+                </a:ext>
+              </a:extLst>
+            </p:cNvPr>
+            <p:cNvSpPr/>
+            <p:nvPr/>
+          </p:nvSpPr>
+          <p:spPr>
+            <a:xfrm>
+              <a:off x="5214730" y="2941982"/>
+              <a:ext cx="1765438" cy="1002179"/>
+            </a:xfrm>
+            <a:prstGeom prst="rect">
+              <a:avLst/>
+            </a:prstGeom>
+            <a:ln>
+              <a:noFill/>
+            </a:ln>
+          </p:spPr>
+          <p:style>
+            <a:lnRef idx="2">
+              <a:schemeClr val="accent1">
+                <a:shade val="15000"/>
+              </a:schemeClr>
+            </a:lnRef>
+            <a:fillRef idx="1">
+              <a:schemeClr val="accent1"/>
+            </a:fillRef>
+            <a:effectRef idx="0">
+              <a:schemeClr val="accent1"/>
+            </a:effectRef>
+            <a:fontRef idx="minor">
+              <a:schemeClr val="lt1"/>
+            </a:fontRef>
+          </p:style>
+          <p:txBody>
+            <a:bodyPr rtlCol="0" anchor="t"/>
+            <a:lstStyle/>
+            <a:p>
+              <a:pPr algn="ctr"/>
+              <a:endParaRPr lang="en-US" altLang="ko-KR" sz="900" dirty="0"/>
+            </a:p>
+            <a:p>
+              <a:pPr algn="ctr"/>
+              <a:r>
+                <a:rPr lang="ko-KR" altLang="en-US" sz="900" dirty="0"/>
+                <a:t>환경 설정</a:t>
+              </a:r>
+              <a:endParaRPr lang="en-US" altLang="ko-KR" sz="900" dirty="0"/>
+            </a:p>
+            <a:p>
+              <a:pPr algn="ctr"/>
+              <a:endParaRPr lang="en-US" altLang="ko-KR" sz="900" dirty="0"/>
+            </a:p>
+            <a:p>
+              <a:pPr algn="ctr"/>
+              <a:r>
+                <a:rPr lang="ko-KR" altLang="en-US" sz="900" dirty="0"/>
+                <a:t>게임으로 돌아가기</a:t>
+              </a:r>
+            </a:p>
+          </p:txBody>
+        </p:sp>
+        <p:grpSp>
+          <p:nvGrpSpPr>
+            <p:cNvPr id="83" name="그룹 82">
+              <a:extLst>
+                <a:ext uri="{FF2B5EF4-FFF2-40B4-BE49-F238E27FC236}">
+                  <a16:creationId xmlns:a16="http://schemas.microsoft.com/office/drawing/2014/main" id="{FFC41261-FBF1-018E-0EA7-B4181B8B1B56}"/>
+                </a:ext>
+              </a:extLst>
+            </p:cNvPr>
+            <p:cNvGrpSpPr/>
+            <p:nvPr/>
+          </p:nvGrpSpPr>
+          <p:grpSpPr>
+            <a:xfrm>
+              <a:off x="3299791" y="1759879"/>
+              <a:ext cx="5632174" cy="1182103"/>
+              <a:chOff x="3299791" y="1759879"/>
+              <a:chExt cx="5632174" cy="1182103"/>
+            </a:xfrm>
+          </p:grpSpPr>
+          <p:sp>
+            <p:nvSpPr>
+              <p:cNvPr id="84" name="사각형: 둥근 모서리 83">
+                <a:extLst>
+                  <a:ext uri="{FF2B5EF4-FFF2-40B4-BE49-F238E27FC236}">
+                    <a16:creationId xmlns:a16="http://schemas.microsoft.com/office/drawing/2014/main" id="{78534EF1-4FBD-0F74-622A-339AF08654B0}"/>
+                  </a:ext>
+                </a:extLst>
+              </p:cNvPr>
+              <p:cNvSpPr/>
+              <p:nvPr/>
+            </p:nvSpPr>
+            <p:spPr>
+              <a:xfrm>
+                <a:off x="3299791" y="1759879"/>
+                <a:ext cx="5632174" cy="1182103"/>
+              </a:xfrm>
+              <a:prstGeom prst="roundRect">
+                <a:avLst/>
+              </a:prstGeom>
+              <a:solidFill>
+                <a:schemeClr val="bg1">
+                  <a:lumMod val="85000"/>
+                </a:schemeClr>
+              </a:solidFill>
+            </p:spPr>
+            <p:style>
+              <a:lnRef idx="2">
+                <a:schemeClr val="accent1">
+                  <a:shade val="15000"/>
+                </a:schemeClr>
+              </a:lnRef>
+              <a:fillRef idx="1">
+                <a:schemeClr val="accent1"/>
+              </a:fillRef>
+              <a:effectRef idx="0">
+                <a:schemeClr val="accent1"/>
+              </a:effectRef>
+              <a:fontRef idx="minor">
+                <a:schemeClr val="lt1"/>
+              </a:fontRef>
+            </p:style>
+            <p:txBody>
+              <a:bodyPr rtlCol="0" anchor="ctr"/>
+              <a:lstStyle/>
+              <a:p>
+                <a:pPr algn="ctr"/>
+                <a:endParaRPr lang="ko-KR" altLang="en-US" sz="1100"/>
+              </a:p>
+            </p:txBody>
+          </p:sp>
+          <p:pic>
+            <p:nvPicPr>
+              <p:cNvPr id="85" name="그림 84" descr="블랙, 어둠이(가) 표시된 사진&#10;&#10;자동 생성된 설명">
+                <a:extLst>
+                  <a:ext uri="{FF2B5EF4-FFF2-40B4-BE49-F238E27FC236}">
+                    <a16:creationId xmlns:a16="http://schemas.microsoft.com/office/drawing/2014/main" id="{D69AAAA7-785A-88CD-3B21-D967E9518C65}"/>
+                  </a:ext>
+                </a:extLst>
+              </p:cNvPr>
+              <p:cNvPicPr>
+                <a:picLocks noChangeAspect="1"/>
+              </p:cNvPicPr>
+              <p:nvPr/>
+            </p:nvPicPr>
+            <p:blipFill>
+              <a:blip r:embed="rId4">
+                <a:extLst>
+                  <a:ext uri="{28A0092B-C50C-407E-A947-70E740481C1C}">
+                    <a14:useLocalDpi xmlns:a14="http://schemas.microsoft.com/office/drawing/2010/main" val="0"/>
+                  </a:ext>
+                </a:extLst>
+              </a:blip>
+              <a:stretch>
+                <a:fillRect/>
+              </a:stretch>
+            </p:blipFill>
+            <p:spPr>
+              <a:xfrm>
+                <a:off x="3353130" y="1805718"/>
+                <a:ext cx="531410" cy="531410"/>
+              </a:xfrm>
+              <a:prstGeom prst="rect">
+                <a:avLst/>
+              </a:prstGeom>
+            </p:spPr>
+          </p:pic>
+          <p:sp>
+            <p:nvSpPr>
+              <p:cNvPr id="86" name="직사각형 85">
+                <a:extLst>
+                  <a:ext uri="{FF2B5EF4-FFF2-40B4-BE49-F238E27FC236}">
+                    <a16:creationId xmlns:a16="http://schemas.microsoft.com/office/drawing/2014/main" id="{31375CFE-083B-088A-BC97-122929C60C9A}"/>
+                  </a:ext>
+                </a:extLst>
+              </p:cNvPr>
+              <p:cNvSpPr/>
+              <p:nvPr/>
+            </p:nvSpPr>
+            <p:spPr>
+              <a:xfrm>
+                <a:off x="3942522" y="1848148"/>
+                <a:ext cx="4750904" cy="981191"/>
+              </a:xfrm>
+              <a:prstGeom prst="rect">
+                <a:avLst/>
+              </a:prstGeom>
+              <a:solidFill>
+                <a:srgbClr val="D9D9D9"/>
+              </a:solidFill>
+              <a:ln>
+                <a:noFill/>
+              </a:ln>
+            </p:spPr>
+            <p:style>
+              <a:lnRef idx="2">
+                <a:schemeClr val="accent1">
+                  <a:shade val="15000"/>
+                </a:schemeClr>
+              </a:lnRef>
+              <a:fillRef idx="1">
+                <a:schemeClr val="accent1"/>
+              </a:fillRef>
+              <a:effectRef idx="0">
+                <a:schemeClr val="accent1"/>
+              </a:effectRef>
+              <a:fontRef idx="minor">
+                <a:schemeClr val="lt1"/>
+              </a:fontRef>
+            </p:style>
+            <p:txBody>
+              <a:bodyPr rtlCol="0" anchor="t"/>
+              <a:lstStyle/>
+              <a:p>
+                <a:r>
+                  <a:rPr lang="ko-KR" altLang="en-US" sz="1200" dirty="0">
+                    <a:solidFill>
+                      <a:schemeClr val="tx1"/>
+                    </a:solidFill>
+                  </a:rPr>
+                  <a:t>너 왜 내 전화 안 받아</a:t>
+                </a:r>
+                <a:r>
+                  <a:rPr lang="en-US" altLang="ko-KR" sz="1200" dirty="0">
+                    <a:solidFill>
+                      <a:schemeClr val="tx1"/>
+                    </a:solidFill>
+                  </a:rPr>
+                  <a:t>?</a:t>
+                </a:r>
+                <a:endParaRPr lang="ko-KR" altLang="en-US" sz="1200" dirty="0">
+                  <a:solidFill>
+                    <a:schemeClr val="tx1"/>
+                  </a:solidFill>
+                </a:endParaRPr>
+              </a:p>
+            </p:txBody>
+          </p:sp>
+          <p:grpSp>
+            <p:nvGrpSpPr>
+              <p:cNvPr id="87" name="그룹 86">
+                <a:extLst>
+                  <a:ext uri="{FF2B5EF4-FFF2-40B4-BE49-F238E27FC236}">
+                    <a16:creationId xmlns:a16="http://schemas.microsoft.com/office/drawing/2014/main" id="{9C53696A-9426-C633-60AF-6C6025421B98}"/>
+                  </a:ext>
+                </a:extLst>
+              </p:cNvPr>
+              <p:cNvGrpSpPr/>
+              <p:nvPr/>
+            </p:nvGrpSpPr>
+            <p:grpSpPr>
+              <a:xfrm>
+                <a:off x="4094364" y="2631887"/>
+                <a:ext cx="4447221" cy="259070"/>
+                <a:chOff x="4055165" y="2631887"/>
+                <a:chExt cx="4447221" cy="259070"/>
+              </a:xfrm>
+            </p:grpSpPr>
+            <p:sp>
+              <p:nvSpPr>
+                <p:cNvPr id="88" name="직사각형 87">
+                  <a:extLst>
+                    <a:ext uri="{FF2B5EF4-FFF2-40B4-BE49-F238E27FC236}">
+                      <a16:creationId xmlns:a16="http://schemas.microsoft.com/office/drawing/2014/main" id="{0F7B3D04-BFC7-6BCE-E27A-1FCA77C52291}"/>
+                    </a:ext>
+                  </a:extLst>
+                </p:cNvPr>
+                <p:cNvSpPr/>
+                <p:nvPr/>
+              </p:nvSpPr>
+              <p:spPr>
+                <a:xfrm>
+                  <a:off x="4055165" y="2631887"/>
+                  <a:ext cx="1524000" cy="259070"/>
+                </a:xfrm>
+                <a:prstGeom prst="rect">
+                  <a:avLst/>
+                </a:prstGeom>
+                <a:solidFill>
+                  <a:schemeClr val="bg1">
+                    <a:lumMod val="65000"/>
+                  </a:schemeClr>
+                </a:solidFill>
+                <a:ln>
+                  <a:solidFill>
+                    <a:schemeClr val="tx1"/>
+                  </a:solidFill>
+                </a:ln>
+              </p:spPr>
+              <p:style>
+                <a:lnRef idx="2">
+                  <a:schemeClr val="accent1">
+                    <a:shade val="15000"/>
+                  </a:schemeClr>
+                </a:lnRef>
+                <a:fillRef idx="1">
+                  <a:schemeClr val="accent1"/>
+                </a:fillRef>
+                <a:effectRef idx="0">
+                  <a:schemeClr val="accent1"/>
+                </a:effectRef>
+                <a:fontRef idx="minor">
+                  <a:schemeClr val="lt1"/>
+                </a:fontRef>
+              </p:style>
+              <p:txBody>
+                <a:bodyPr rtlCol="0" anchor="ctr"/>
+                <a:lstStyle/>
+                <a:p>
+                  <a:pPr algn="ctr"/>
+                  <a:r>
+                    <a:rPr lang="ko-KR" altLang="en-US" sz="900" dirty="0">
+                      <a:solidFill>
+                        <a:schemeClr val="tx1"/>
+                      </a:solidFill>
+                    </a:rPr>
+                    <a:t>읽음으로 표시</a:t>
+                  </a:r>
+                </a:p>
+              </p:txBody>
+            </p:sp>
+            <p:sp>
+              <p:nvSpPr>
+                <p:cNvPr id="89" name="직사각형 88">
+                  <a:extLst>
+                    <a:ext uri="{FF2B5EF4-FFF2-40B4-BE49-F238E27FC236}">
+                      <a16:creationId xmlns:a16="http://schemas.microsoft.com/office/drawing/2014/main" id="{2EE9C116-4525-713C-C2D9-A547C9FBFA19}"/>
+                    </a:ext>
+                  </a:extLst>
+                </p:cNvPr>
+                <p:cNvSpPr/>
+                <p:nvPr/>
+              </p:nvSpPr>
+              <p:spPr>
+                <a:xfrm>
+                  <a:off x="6978386" y="2631887"/>
+                  <a:ext cx="1524000" cy="259070"/>
+                </a:xfrm>
+                <a:prstGeom prst="rect">
+                  <a:avLst/>
+                </a:prstGeom>
+                <a:solidFill>
+                  <a:schemeClr val="bg1">
+                    <a:lumMod val="65000"/>
+                  </a:schemeClr>
+                </a:solidFill>
+                <a:ln>
+                  <a:solidFill>
+                    <a:schemeClr val="tx1"/>
+                  </a:solidFill>
+                </a:ln>
+              </p:spPr>
+              <p:style>
+                <a:lnRef idx="2">
+                  <a:schemeClr val="accent1">
+                    <a:shade val="15000"/>
+                  </a:schemeClr>
+                </a:lnRef>
+                <a:fillRef idx="1">
+                  <a:schemeClr val="accent1"/>
+                </a:fillRef>
+                <a:effectRef idx="0">
+                  <a:schemeClr val="accent1"/>
+                </a:effectRef>
+                <a:fontRef idx="minor">
+                  <a:schemeClr val="lt1"/>
+                </a:fontRef>
+              </p:style>
+              <p:txBody>
+                <a:bodyPr rtlCol="0" anchor="ctr"/>
+                <a:lstStyle/>
+                <a:p>
+                  <a:pPr algn="ctr"/>
+                  <a:r>
+                    <a:rPr lang="ko-KR" altLang="en-US" sz="900" dirty="0">
+                      <a:solidFill>
+                        <a:schemeClr val="tx1"/>
+                      </a:solidFill>
+                    </a:rPr>
+                    <a:t>답장</a:t>
+                  </a:r>
+                </a:p>
+              </p:txBody>
+            </p:sp>
+          </p:grpSp>
+        </p:grpSp>
+      </p:grpSp>
+    </p:spTree>
+    <p:extLst>
+      <p:ext uri="{BB962C8B-B14F-4D97-AF65-F5344CB8AC3E}">
+        <p14:creationId xmlns:p14="http://schemas.microsoft.com/office/powerpoint/2010/main" val="4254180001"/>
+      </p:ext>
+    </p:extLst>
+  </p:cSld>
+  <p:clrMapOvr>
+    <a:masterClrMapping/>
+  </p:clrMapOvr>
+</p:sld>
+</file>
+
+<file path=ppt/slides/slide14.xml><?xml version="1.0" encoding="utf-8"?>
+<p:sld xmlns:a="http://schemas.openxmlformats.org/drawingml/2006/main" xmlns:r="http://schemas.openxmlformats.org/officeDocument/2006/relationships" xmlns:p="http://schemas.openxmlformats.org/presentationml/2006/main">
+  <p:cSld>
+    <p:spTree>
+      <p:nvGrpSpPr>
+        <p:cNvPr id="1" name="">
+          <a:extLst>
+            <a:ext uri="{FF2B5EF4-FFF2-40B4-BE49-F238E27FC236}">
               <a16:creationId xmlns:a16="http://schemas.microsoft.com/office/drawing/2014/main" id="{8DCD9DC8-031B-8C62-DF9A-0F89DAF74B61}"/>
             </a:ext>
           </a:extLst>
@@ -7786,7 +13516,7 @@
           <a:p>
             <a:fld id="{8D96929D-9E84-4A42-B4C3-2E48812748E4}" type="slidenum">
               <a:rPr lang="ko-KR" altLang="en-US" smtClean="0"/>
-              <a:t>12</a:t>
+              <a:t>14</a:t>
             </a:fld>
             <a:endParaRPr lang="ko-KR" altLang="en-US"/>
           </a:p>
@@ -7805,7 +13535,7 @@
 </p:sld>
 </file>
 
-<file path=ppt/slides/slide13.xml><?xml version="1.0" encoding="utf-8"?>
+<file path=ppt/slides/slide15.xml><?xml version="1.0" encoding="utf-8"?>
 <p:sld xmlns:a="http://schemas.openxmlformats.org/drawingml/2006/main" xmlns:r="http://schemas.openxmlformats.org/officeDocument/2006/relationships" xmlns:p="http://schemas.openxmlformats.org/presentationml/2006/main">
   <p:cSld>
     <p:spTree>
@@ -8323,7 +14053,7 @@
           <a:p>
             <a:fld id="{8D96929D-9E84-4A42-B4C3-2E48812748E4}" type="slidenum">
               <a:rPr lang="ko-KR" altLang="en-US" smtClean="0"/>
-              <a:t>13</a:t>
+              <a:t>15</a:t>
             </a:fld>
             <a:endParaRPr lang="ko-KR" altLang="en-US"/>
           </a:p>
@@ -8342,7 +14072,7 @@
 </p:sld>
 </file>
 
-<file path=ppt/slides/slide14.xml><?xml version="1.0" encoding="utf-8"?>
+<file path=ppt/slides/slide16.xml><?xml version="1.0" encoding="utf-8"?>
 <p:sld xmlns:a="http://schemas.openxmlformats.org/drawingml/2006/main" xmlns:r="http://schemas.openxmlformats.org/officeDocument/2006/relationships" xmlns:p="http://schemas.openxmlformats.org/presentationml/2006/main">
   <p:cSld>
     <p:spTree>
@@ -8556,7 +14286,7 @@
           <a:p>
             <a:fld id="{8D96929D-9E84-4A42-B4C3-2E48812748E4}" type="slidenum">
               <a:rPr lang="ko-KR" altLang="en-US" smtClean="0"/>
-              <a:t>14</a:t>
+              <a:t>16</a:t>
             </a:fld>
             <a:endParaRPr lang="ko-KR" altLang="en-US"/>
           </a:p>
@@ -8575,7 +14305,7 @@
 </p:sld>
 </file>
 
-<file path=ppt/slides/slide15.xml><?xml version="1.0" encoding="utf-8"?>
+<file path=ppt/slides/slide17.xml><?xml version="1.0" encoding="utf-8"?>
 <p:sld xmlns:a="http://schemas.openxmlformats.org/drawingml/2006/main" xmlns:r="http://schemas.openxmlformats.org/officeDocument/2006/relationships" xmlns:p="http://schemas.openxmlformats.org/presentationml/2006/main">
   <p:cSld>
     <p:spTree>
@@ -10379,7 +16109,7 @@
           <a:p>
             <a:fld id="{8D96929D-9E84-4A42-B4C3-2E48812748E4}" type="slidenum">
               <a:rPr lang="ko-KR" altLang="en-US" smtClean="0"/>
-              <a:t>15</a:t>
+              <a:t>17</a:t>
             </a:fld>
             <a:endParaRPr lang="ko-KR" altLang="en-US"/>
           </a:p>
@@ -10398,7 +16128,7 @@
 </p:sld>
 </file>
 
-<file path=ppt/slides/slide16.xml><?xml version="1.0" encoding="utf-8"?>
+<file path=ppt/slides/slide18.xml><?xml version="1.0" encoding="utf-8"?>
 <p:sld xmlns:a="http://schemas.openxmlformats.org/drawingml/2006/main" xmlns:r="http://schemas.openxmlformats.org/officeDocument/2006/relationships" xmlns:p="http://schemas.openxmlformats.org/presentationml/2006/main">
   <p:cSld>
     <p:spTree>
@@ -13460,7 +19190,7 @@
           <a:p>
             <a:fld id="{8D96929D-9E84-4A42-B4C3-2E48812748E4}" type="slidenum">
               <a:rPr lang="ko-KR" altLang="en-US" smtClean="0"/>
-              <a:t>16</a:t>
+              <a:t>18</a:t>
             </a:fld>
             <a:endParaRPr lang="ko-KR" altLang="en-US"/>
           </a:p>
@@ -13479,7 +19209,7 @@
 </p:sld>
 </file>
 
-<file path=ppt/slides/slide17.xml><?xml version="1.0" encoding="utf-8"?>
+<file path=ppt/slides/slide19.xml><?xml version="1.0" encoding="utf-8"?>
 <p:sld xmlns:a="http://schemas.openxmlformats.org/drawingml/2006/main" xmlns:r="http://schemas.openxmlformats.org/officeDocument/2006/relationships" xmlns:p="http://schemas.openxmlformats.org/presentationml/2006/main">
   <p:cSld>
     <p:spTree>
@@ -14212,7 +19942,7 @@
           <a:p>
             <a:fld id="{8D96929D-9E84-4A42-B4C3-2E48812748E4}" type="slidenum">
               <a:rPr lang="ko-KR" altLang="en-US" smtClean="0"/>
-              <a:t>17</a:t>
+              <a:t>19</a:t>
             </a:fld>
             <a:endParaRPr lang="ko-KR" altLang="en-US"/>
           </a:p>
@@ -14222,897 +19952,6 @@
     <p:extLst>
       <p:ext uri="{BB962C8B-B14F-4D97-AF65-F5344CB8AC3E}">
         <p14:creationId xmlns:p14="http://schemas.microsoft.com/office/powerpoint/2010/main" val="2024790795"/>
-      </p:ext>
-    </p:extLst>
-  </p:cSld>
-  <p:clrMapOvr>
-    <a:masterClrMapping/>
-  </p:clrMapOvr>
-</p:sld>
-</file>
-
-<file path=ppt/slides/slide18.xml><?xml version="1.0" encoding="utf-8"?>
-<p:sld xmlns:a="http://schemas.openxmlformats.org/drawingml/2006/main" xmlns:r="http://schemas.openxmlformats.org/officeDocument/2006/relationships" xmlns:p="http://schemas.openxmlformats.org/presentationml/2006/main">
-  <p:cSld>
-    <p:spTree>
-      <p:nvGrpSpPr>
-        <p:cNvPr id="1" name="">
-          <a:extLst>
-            <a:ext uri="{FF2B5EF4-FFF2-40B4-BE49-F238E27FC236}">
-              <a16:creationId xmlns:a16="http://schemas.microsoft.com/office/drawing/2014/main" id="{DB1CAF17-DC68-BE93-2842-074B26E083FE}"/>
-            </a:ext>
-          </a:extLst>
-        </p:cNvPr>
-        <p:cNvGrpSpPr/>
-        <p:nvPr/>
-      </p:nvGrpSpPr>
-      <p:grpSpPr>
-        <a:xfrm>
-          <a:off x="0" y="0"/>
-          <a:ext cx="0" cy="0"/>
-          <a:chOff x="0" y="0"/>
-          <a:chExt cx="0" cy="0"/>
-        </a:xfrm>
-      </p:grpSpPr>
-      <p:sp>
-        <p:nvSpPr>
-          <p:cNvPr id="3" name="TextBox 2">
-            <a:extLst>
-              <a:ext uri="{FF2B5EF4-FFF2-40B4-BE49-F238E27FC236}">
-                <a16:creationId xmlns:a16="http://schemas.microsoft.com/office/drawing/2014/main" id="{B124C310-4C16-B363-E824-E123EFD35D45}"/>
-              </a:ext>
-            </a:extLst>
-          </p:cNvPr>
-          <p:cNvSpPr txBox="1"/>
-          <p:nvPr/>
-        </p:nvSpPr>
-        <p:spPr>
-          <a:xfrm>
-            <a:off x="430696" y="1338470"/>
-            <a:ext cx="11272638" cy="1477328"/>
-          </a:xfrm>
-          <a:prstGeom prst="rect">
-            <a:avLst/>
-          </a:prstGeom>
-          <a:noFill/>
-        </p:spPr>
-        <p:txBody>
-          <a:bodyPr wrap="none" rtlCol="0">
-            <a:spAutoFit/>
-          </a:bodyPr>
-          <a:lstStyle/>
-          <a:p>
-            <a:pPr marL="285750" indent="-285750">
-              <a:buFont typeface="Arial" panose="020B0604020202020204" pitchFamily="34" charset="0"/>
-              <a:buChar char="•"/>
-            </a:pPr>
-            <a:r>
-              <a:rPr lang="ko-KR" altLang="en-US" dirty="0"/>
-              <a:t>플레이어가 </a:t>
-            </a:r>
-            <a:r>
-              <a:rPr lang="en-US" altLang="ko-KR" dirty="0"/>
-              <a:t>10</a:t>
-            </a:r>
-            <a:r>
-              <a:rPr lang="ko-KR" altLang="en-US" dirty="0"/>
-              <a:t>분 여러 방해를 물리치면서 </a:t>
-            </a:r>
-            <a:r>
-              <a:rPr lang="en-US" altLang="ko-KR" dirty="0"/>
-              <a:t>1</a:t>
-            </a:r>
-            <a:r>
-              <a:rPr lang="ko-KR" altLang="en-US" dirty="0"/>
-              <a:t>등을 유지하면 게임이 클리어 된다</a:t>
-            </a:r>
-            <a:r>
-              <a:rPr lang="en-US" altLang="ko-KR" dirty="0"/>
-              <a:t>.</a:t>
-            </a:r>
-          </a:p>
-          <a:p>
-            <a:pPr marL="285750" indent="-285750">
-              <a:buFont typeface="Arial" panose="020B0604020202020204" pitchFamily="34" charset="0"/>
-              <a:buChar char="•"/>
-            </a:pPr>
-            <a:r>
-              <a:rPr lang="ko-KR" altLang="en-US" dirty="0"/>
-              <a:t>플레이어가 방해 이벤트를 빠르게 해결하고 와야 하는 이유가 되는 시스템이다</a:t>
-            </a:r>
-            <a:r>
-              <a:rPr lang="en-US" altLang="ko-KR" dirty="0"/>
-              <a:t>.</a:t>
-            </a:r>
-          </a:p>
-          <a:p>
-            <a:pPr marL="285750" indent="-285750">
-              <a:buFont typeface="Arial" panose="020B0604020202020204" pitchFamily="34" charset="0"/>
-              <a:buChar char="•"/>
-            </a:pPr>
-            <a:r>
-              <a:rPr lang="ko-KR" altLang="en-US" dirty="0"/>
-              <a:t>플레이어는 시작할 때 </a:t>
-            </a:r>
-            <a:r>
-              <a:rPr lang="en-US" altLang="ko-KR" dirty="0"/>
-              <a:t>2</a:t>
-            </a:r>
-            <a:r>
-              <a:rPr lang="ko-KR" altLang="en-US" dirty="0"/>
-              <a:t>등과 </a:t>
-            </a:r>
-            <a:r>
-              <a:rPr lang="en-US" altLang="ko-KR" dirty="0"/>
-              <a:t>30,000</a:t>
-            </a:r>
-            <a:r>
-              <a:rPr lang="ko-KR" altLang="en-US" dirty="0"/>
-              <a:t>점 차이로 게임을 시작하게 된다</a:t>
-            </a:r>
-            <a:r>
-              <a:rPr lang="en-US" altLang="ko-KR" dirty="0"/>
-              <a:t>.</a:t>
-            </a:r>
-          </a:p>
-          <a:p>
-            <a:pPr marL="285750" indent="-285750">
-              <a:buFont typeface="Arial" panose="020B0604020202020204" pitchFamily="34" charset="0"/>
-              <a:buChar char="•"/>
-            </a:pPr>
-            <a:r>
-              <a:rPr lang="ko-KR" altLang="en-US" dirty="0"/>
-              <a:t>방해 이벤트가 나오기전까지는 유저와 동일하게 점수가 상승한다</a:t>
-            </a:r>
-            <a:r>
-              <a:rPr lang="en-US" altLang="ko-KR" dirty="0"/>
-              <a:t>.</a:t>
-            </a:r>
-          </a:p>
-          <a:p>
-            <a:pPr marL="285750" indent="-285750">
-              <a:buFont typeface="Arial" panose="020B0604020202020204" pitchFamily="34" charset="0"/>
-              <a:buChar char="•"/>
-            </a:pPr>
-            <a:r>
-              <a:rPr lang="ko-KR" altLang="en-US" dirty="0"/>
-              <a:t>방해 이벤트를 해결하고 일시정지를 해제 하면 </a:t>
-            </a:r>
-            <a:r>
-              <a:rPr lang="en-US" altLang="ko-KR" dirty="0"/>
-              <a:t>2,3</a:t>
-            </a:r>
-            <a:r>
-              <a:rPr lang="ko-KR" altLang="en-US" dirty="0"/>
-              <a:t>등의 점수가 </a:t>
-            </a:r>
-            <a:r>
-              <a:rPr lang="ko-KR" altLang="en-US" dirty="0" err="1"/>
-              <a:t>랜덤한</a:t>
-            </a:r>
-            <a:r>
-              <a:rPr lang="ko-KR" altLang="en-US" dirty="0"/>
-              <a:t> 수치만큼 상승한다</a:t>
-            </a:r>
-            <a:r>
-              <a:rPr lang="en-US" altLang="ko-KR" dirty="0"/>
-              <a:t>.(1000~3000</a:t>
-            </a:r>
-            <a:r>
-              <a:rPr lang="ko-KR" altLang="en-US" dirty="0"/>
-              <a:t>점</a:t>
-            </a:r>
-            <a:r>
-              <a:rPr lang="en-US" altLang="ko-KR" dirty="0"/>
-              <a:t>)</a:t>
-            </a:r>
-          </a:p>
-        </p:txBody>
-      </p:sp>
-      <p:sp>
-        <p:nvSpPr>
-          <p:cNvPr id="6" name="제목 1">
-            <a:extLst>
-              <a:ext uri="{FF2B5EF4-FFF2-40B4-BE49-F238E27FC236}">
-                <a16:creationId xmlns:a16="http://schemas.microsoft.com/office/drawing/2014/main" id="{9058F6A6-42BF-CDE0-6104-7CCED99405EC}"/>
-              </a:ext>
-            </a:extLst>
-          </p:cNvPr>
-          <p:cNvSpPr>
-            <a:spLocks noGrp="1"/>
-          </p:cNvSpPr>
-          <p:nvPr>
-            <p:ph type="title"/>
-          </p:nvPr>
-        </p:nvSpPr>
-        <p:spPr>
-          <a:xfrm>
-            <a:off x="129225" y="83886"/>
-            <a:ext cx="3034834" cy="608225"/>
-          </a:xfrm>
-        </p:spPr>
-        <p:txBody>
-          <a:bodyPr>
-            <a:normAutofit/>
-          </a:bodyPr>
-          <a:lstStyle/>
-          <a:p>
-            <a:pPr algn="ctr"/>
-            <a:r>
-              <a:rPr lang="ko-KR" altLang="en-US" sz="3200" b="1"/>
-              <a:t>미니 게임 종류</a:t>
-            </a:r>
-            <a:endParaRPr lang="ko-KR" altLang="en-US" sz="3200" b="1" dirty="0"/>
-          </a:p>
-        </p:txBody>
-      </p:sp>
-      <p:cxnSp>
-        <p:nvCxnSpPr>
-          <p:cNvPr id="7" name="직선 연결선 6">
-            <a:extLst>
-              <a:ext uri="{FF2B5EF4-FFF2-40B4-BE49-F238E27FC236}">
-                <a16:creationId xmlns:a16="http://schemas.microsoft.com/office/drawing/2014/main" id="{9BC3F700-722F-FAE2-CCCD-D224AE5F4FBF}"/>
-              </a:ext>
-            </a:extLst>
-          </p:cNvPr>
-          <p:cNvCxnSpPr>
-            <a:cxnSpLocks/>
-          </p:cNvCxnSpPr>
-          <p:nvPr/>
-        </p:nvCxnSpPr>
-        <p:spPr>
-          <a:xfrm>
-            <a:off x="0" y="692111"/>
-            <a:ext cx="12192000" cy="0"/>
-          </a:xfrm>
-          <a:prstGeom prst="line">
-            <a:avLst/>
-          </a:prstGeom>
-          <a:ln>
-            <a:solidFill>
-              <a:schemeClr val="bg2">
-                <a:lumMod val="75000"/>
-              </a:schemeClr>
-            </a:solidFill>
-          </a:ln>
-        </p:spPr>
-        <p:style>
-          <a:lnRef idx="2">
-            <a:schemeClr val="accent1"/>
-          </a:lnRef>
-          <a:fillRef idx="0">
-            <a:schemeClr val="accent1"/>
-          </a:fillRef>
-          <a:effectRef idx="1">
-            <a:schemeClr val="accent1"/>
-          </a:effectRef>
-          <a:fontRef idx="minor">
-            <a:schemeClr val="tx1"/>
-          </a:fontRef>
-        </p:style>
-      </p:cxnSp>
-      <p:cxnSp>
-        <p:nvCxnSpPr>
-          <p:cNvPr id="8" name="직선 연결선 7">
-            <a:extLst>
-              <a:ext uri="{FF2B5EF4-FFF2-40B4-BE49-F238E27FC236}">
-                <a16:creationId xmlns:a16="http://schemas.microsoft.com/office/drawing/2014/main" id="{127A5D7A-4412-0EDD-C902-7B467D85E9FF}"/>
-              </a:ext>
-            </a:extLst>
-          </p:cNvPr>
-          <p:cNvCxnSpPr>
-            <a:cxnSpLocks/>
-          </p:cNvCxnSpPr>
-          <p:nvPr/>
-        </p:nvCxnSpPr>
-        <p:spPr>
-          <a:xfrm>
-            <a:off x="129225" y="658980"/>
-            <a:ext cx="3034834" cy="0"/>
-          </a:xfrm>
-          <a:prstGeom prst="line">
-            <a:avLst/>
-          </a:prstGeom>
-          <a:ln w="76200">
-            <a:solidFill>
-              <a:schemeClr val="tx1"/>
-            </a:solidFill>
-          </a:ln>
-        </p:spPr>
-        <p:style>
-          <a:lnRef idx="2">
-            <a:schemeClr val="accent1"/>
-          </a:lnRef>
-          <a:fillRef idx="0">
-            <a:schemeClr val="accent1"/>
-          </a:fillRef>
-          <a:effectRef idx="1">
-            <a:schemeClr val="accent1"/>
-          </a:effectRef>
-          <a:fontRef idx="minor">
-            <a:schemeClr val="tx1"/>
-          </a:fontRef>
-        </p:style>
-      </p:cxnSp>
-      <p:sp>
-        <p:nvSpPr>
-          <p:cNvPr id="9" name="TextBox 8">
-            <a:extLst>
-              <a:ext uri="{FF2B5EF4-FFF2-40B4-BE49-F238E27FC236}">
-                <a16:creationId xmlns:a16="http://schemas.microsoft.com/office/drawing/2014/main" id="{7E2A229B-56BC-A19D-2CEA-258FE7C37FB0}"/>
-              </a:ext>
-            </a:extLst>
-          </p:cNvPr>
-          <p:cNvSpPr txBox="1"/>
-          <p:nvPr/>
-        </p:nvSpPr>
-        <p:spPr>
-          <a:xfrm>
-            <a:off x="454785" y="786904"/>
-            <a:ext cx="4070345" cy="523220"/>
-          </a:xfrm>
-          <a:prstGeom prst="rect">
-            <a:avLst/>
-          </a:prstGeom>
-          <a:noFill/>
-        </p:spPr>
-        <p:txBody>
-          <a:bodyPr wrap="none" rtlCol="0">
-            <a:spAutoFit/>
-          </a:bodyPr>
-          <a:lstStyle/>
-          <a:p>
-            <a:r>
-              <a:rPr lang="ko-KR" altLang="en-US" sz="2800" dirty="0">
-                <a:solidFill>
-                  <a:srgbClr val="0070C0"/>
-                </a:solidFill>
-              </a:rPr>
-              <a:t>러닝 게임 </a:t>
-            </a:r>
-            <a:r>
-              <a:rPr lang="en-US" altLang="ko-KR" sz="2800" dirty="0">
-                <a:solidFill>
-                  <a:srgbClr val="0070C0"/>
-                </a:solidFill>
-              </a:rPr>
-              <a:t>- </a:t>
-            </a:r>
-            <a:r>
-              <a:rPr lang="ko-KR" altLang="en-US" sz="2800" dirty="0">
-                <a:solidFill>
-                  <a:srgbClr val="0070C0"/>
-                </a:solidFill>
-              </a:rPr>
-              <a:t>랭킹 시스템</a:t>
-            </a:r>
-          </a:p>
-        </p:txBody>
-      </p:sp>
-      <p:sp>
-        <p:nvSpPr>
-          <p:cNvPr id="10" name="슬라이드 번호 개체 틀 9">
-            <a:extLst>
-              <a:ext uri="{FF2B5EF4-FFF2-40B4-BE49-F238E27FC236}">
-                <a16:creationId xmlns:a16="http://schemas.microsoft.com/office/drawing/2014/main" id="{202DC32E-D031-93A8-C8D7-D42153900D08}"/>
-              </a:ext>
-            </a:extLst>
-          </p:cNvPr>
-          <p:cNvSpPr>
-            <a:spLocks noGrp="1"/>
-          </p:cNvSpPr>
-          <p:nvPr>
-            <p:ph type="sldNum" sz="quarter" idx="12"/>
-          </p:nvPr>
-        </p:nvSpPr>
-        <p:spPr/>
-        <p:txBody>
-          <a:bodyPr/>
-          <a:lstStyle/>
-          <a:p>
-            <a:fld id="{8D96929D-9E84-4A42-B4C3-2E48812748E4}" type="slidenum">
-              <a:rPr lang="ko-KR" altLang="en-US" smtClean="0"/>
-              <a:t>18</a:t>
-            </a:fld>
-            <a:endParaRPr lang="ko-KR" altLang="en-US"/>
-          </a:p>
-        </p:txBody>
-      </p:sp>
-    </p:spTree>
-    <p:extLst>
-      <p:ext uri="{BB962C8B-B14F-4D97-AF65-F5344CB8AC3E}">
-        <p14:creationId xmlns:p14="http://schemas.microsoft.com/office/powerpoint/2010/main" val="4128513733"/>
-      </p:ext>
-    </p:extLst>
-  </p:cSld>
-  <p:clrMapOvr>
-    <a:masterClrMapping/>
-  </p:clrMapOvr>
-</p:sld>
-</file>
-
-<file path=ppt/slides/slide19.xml><?xml version="1.0" encoding="utf-8"?>
-<p:sld xmlns:a="http://schemas.openxmlformats.org/drawingml/2006/main" xmlns:r="http://schemas.openxmlformats.org/officeDocument/2006/relationships" xmlns:p="http://schemas.openxmlformats.org/presentationml/2006/main">
-  <p:cSld>
-    <p:spTree>
-      <p:nvGrpSpPr>
-        <p:cNvPr id="1" name="">
-          <a:extLst>
-            <a:ext uri="{FF2B5EF4-FFF2-40B4-BE49-F238E27FC236}">
-              <a16:creationId xmlns:a16="http://schemas.microsoft.com/office/drawing/2014/main" id="{7A9AB4AF-B781-064D-C8F6-7F7E9F611A2B}"/>
-            </a:ext>
-          </a:extLst>
-        </p:cNvPr>
-        <p:cNvGrpSpPr/>
-        <p:nvPr/>
-      </p:nvGrpSpPr>
-      <p:grpSpPr>
-        <a:xfrm>
-          <a:off x="0" y="0"/>
-          <a:ext cx="0" cy="0"/>
-          <a:chOff x="0" y="0"/>
-          <a:chExt cx="0" cy="0"/>
-        </a:xfrm>
-      </p:grpSpPr>
-      <p:graphicFrame>
-        <p:nvGraphicFramePr>
-          <p:cNvPr id="5" name="표 4">
-            <a:extLst>
-              <a:ext uri="{FF2B5EF4-FFF2-40B4-BE49-F238E27FC236}">
-                <a16:creationId xmlns:a16="http://schemas.microsoft.com/office/drawing/2014/main" id="{1BEB2776-EED5-2393-8958-04D784919D62}"/>
-              </a:ext>
-            </a:extLst>
-          </p:cNvPr>
-          <p:cNvGraphicFramePr>
-            <a:graphicFrameLocks noGrp="1"/>
-          </p:cNvGraphicFramePr>
-          <p:nvPr>
-            <p:extLst>
-              <p:ext uri="{D42A27DB-BD31-4B8C-83A1-F6EECF244321}">
-                <p14:modId xmlns:p14="http://schemas.microsoft.com/office/powerpoint/2010/main" val="1887801595"/>
-              </p:ext>
-            </p:extLst>
-          </p:nvPr>
-        </p:nvGraphicFramePr>
-        <p:xfrm>
-          <a:off x="220806" y="1219855"/>
-          <a:ext cx="11750388" cy="5230880"/>
-        </p:xfrm>
-        <a:graphic>
-          <a:graphicData uri="http://schemas.openxmlformats.org/drawingml/2006/table">
-            <a:tbl>
-              <a:tblPr firstRow="1" bandRow="1">
-                <a:tableStyleId>{5C22544A-7EE6-4342-B048-85BDC9FD1C3A}</a:tableStyleId>
-              </a:tblPr>
-              <a:tblGrid>
-                <a:gridCol w="1694133">
-                  <a:extLst>
-                    <a:ext uri="{9D8B030D-6E8A-4147-A177-3AD203B41FA5}">
-                      <a16:colId xmlns:a16="http://schemas.microsoft.com/office/drawing/2014/main" val="2813083487"/>
-                    </a:ext>
-                  </a:extLst>
-                </a:gridCol>
-                <a:gridCol w="10056255">
-                  <a:extLst>
-                    <a:ext uri="{9D8B030D-6E8A-4147-A177-3AD203B41FA5}">
-                      <a16:colId xmlns:a16="http://schemas.microsoft.com/office/drawing/2014/main" val="561523259"/>
-                    </a:ext>
-                  </a:extLst>
-                </a:gridCol>
-              </a:tblGrid>
-              <a:tr h="579365">
-                <a:tc gridSpan="2">
-                  <a:txBody>
-                    <a:bodyPr/>
-                    <a:lstStyle/>
-                    <a:p>
-                      <a:pPr algn="ctr" latinLnBrk="1"/>
-                      <a:r>
-                        <a:rPr lang="ko-KR" altLang="en-US" sz="2400" dirty="0"/>
-                        <a:t>방해 이벤트 이름</a:t>
-                      </a:r>
-                    </a:p>
-                  </a:txBody>
-                  <a:tcPr anchor="ctr"/>
-                </a:tc>
-                <a:tc hMerge="1">
-                  <a:txBody>
-                    <a:bodyPr/>
-                    <a:lstStyle/>
-                    <a:p>
-                      <a:pPr algn="ctr" latinLnBrk="1"/>
-                      <a:endParaRPr lang="ko-KR" altLang="en-US" dirty="0"/>
-                    </a:p>
-                  </a:txBody>
-                  <a:tcPr anchor="ctr"/>
-                </a:tc>
-                <a:extLst>
-                  <a:ext uri="{0D108BD9-81ED-4DB2-BD59-A6C34878D82A}">
-                    <a16:rowId xmlns:a16="http://schemas.microsoft.com/office/drawing/2014/main" val="2737868931"/>
-                  </a:ext>
-                </a:extLst>
-              </a:tr>
-              <a:tr h="2941983">
-                <a:tc gridSpan="2">
-                  <a:txBody>
-                    <a:bodyPr/>
-                    <a:lstStyle/>
-                    <a:p>
-                      <a:pPr latinLnBrk="1"/>
-                      <a:r>
-                        <a:rPr lang="ko-KR" altLang="en-US" dirty="0"/>
-                        <a:t>필요한 </a:t>
-                      </a:r>
-                      <a:r>
-                        <a:rPr lang="en-US" altLang="ko-KR" dirty="0"/>
-                        <a:t>UI </a:t>
-                      </a:r>
-                      <a:r>
-                        <a:rPr lang="ko-KR" altLang="en-US" dirty="0"/>
-                        <a:t>예시</a:t>
-                      </a:r>
-                      <a:endParaRPr lang="en-US" altLang="ko-KR" dirty="0"/>
-                    </a:p>
-                    <a:p>
-                      <a:pPr latinLnBrk="1"/>
-                      <a:r>
-                        <a:rPr lang="ko-KR" altLang="en-US" dirty="0"/>
-                        <a:t>해결 연출 </a:t>
-                      </a:r>
-                      <a:r>
-                        <a:rPr lang="en-US" altLang="ko-KR" dirty="0"/>
-                        <a:t>UI</a:t>
-                      </a:r>
-                      <a:endParaRPr lang="ko-KR" altLang="en-US" dirty="0"/>
-                    </a:p>
-                  </a:txBody>
-                  <a:tcPr anchor="ctr"/>
-                </a:tc>
-                <a:tc hMerge="1">
-                  <a:txBody>
-                    <a:bodyPr/>
-                    <a:lstStyle/>
-                    <a:p>
-                      <a:pPr latinLnBrk="1"/>
-                      <a:endParaRPr lang="ko-KR" altLang="en-US" dirty="0"/>
-                    </a:p>
-                  </a:txBody>
-                  <a:tcPr anchor="ctr"/>
-                </a:tc>
-                <a:extLst>
-                  <a:ext uri="{0D108BD9-81ED-4DB2-BD59-A6C34878D82A}">
-                    <a16:rowId xmlns:a16="http://schemas.microsoft.com/office/drawing/2014/main" val="908470571"/>
-                  </a:ext>
-                </a:extLst>
-              </a:tr>
-              <a:tr h="569844">
-                <a:tc>
-                  <a:txBody>
-                    <a:bodyPr/>
-                    <a:lstStyle/>
-                    <a:p>
-                      <a:pPr latinLnBrk="1"/>
-                      <a:r>
-                        <a:rPr lang="ko-KR" altLang="en-US" dirty="0"/>
-                        <a:t>이벤트 연출</a:t>
-                      </a:r>
-                    </a:p>
-                  </a:txBody>
-                  <a:tcPr anchor="ctr"/>
-                </a:tc>
-                <a:tc>
-                  <a:txBody>
-                    <a:bodyPr/>
-                    <a:lstStyle/>
-                    <a:p>
-                      <a:pPr latinLnBrk="1"/>
-                      <a:r>
-                        <a:rPr lang="ko-KR" altLang="en-US" dirty="0"/>
-                        <a:t>이벤트 </a:t>
-                      </a:r>
-                      <a:r>
-                        <a:rPr lang="ko-KR" altLang="en-US" dirty="0" err="1"/>
-                        <a:t>등장시</a:t>
-                      </a:r>
-                      <a:r>
-                        <a:rPr lang="ko-KR" altLang="en-US" dirty="0"/>
-                        <a:t> 연출에 관련하여 작성하는 공간이다</a:t>
-                      </a:r>
-                      <a:r>
-                        <a:rPr lang="en-US" altLang="ko-KR" dirty="0"/>
-                        <a:t>.</a:t>
-                      </a:r>
-                      <a:endParaRPr lang="ko-KR" altLang="en-US" dirty="0"/>
-                    </a:p>
-                  </a:txBody>
-                  <a:tcPr anchor="ctr"/>
-                </a:tc>
-                <a:extLst>
-                  <a:ext uri="{0D108BD9-81ED-4DB2-BD59-A6C34878D82A}">
-                    <a16:rowId xmlns:a16="http://schemas.microsoft.com/office/drawing/2014/main" val="3498810977"/>
-                  </a:ext>
-                </a:extLst>
-              </a:tr>
-              <a:tr h="569844">
-                <a:tc>
-                  <a:txBody>
-                    <a:bodyPr/>
-                    <a:lstStyle/>
-                    <a:p>
-                      <a:pPr latinLnBrk="1"/>
-                      <a:r>
-                        <a:rPr lang="ko-KR" altLang="en-US" dirty="0"/>
-                        <a:t>해결 방식</a:t>
-                      </a:r>
-                    </a:p>
-                  </a:txBody>
-                  <a:tcPr anchor="ctr"/>
-                </a:tc>
-                <a:tc>
-                  <a:txBody>
-                    <a:bodyPr/>
-                    <a:lstStyle/>
-                    <a:p>
-                      <a:pPr latinLnBrk="1"/>
-                      <a:r>
-                        <a:rPr lang="ko-KR" altLang="en-US" dirty="0"/>
-                        <a:t>해당 이벤트를 해결하기 위한 방식을 설명하는 공간이다</a:t>
-                      </a:r>
-                      <a:r>
-                        <a:rPr lang="en-US" altLang="ko-KR" dirty="0"/>
-                        <a:t>.</a:t>
-                      </a:r>
-                      <a:endParaRPr lang="ko-KR" altLang="en-US" dirty="0"/>
-                    </a:p>
-                  </a:txBody>
-                  <a:tcPr anchor="ctr"/>
-                </a:tc>
-                <a:extLst>
-                  <a:ext uri="{0D108BD9-81ED-4DB2-BD59-A6C34878D82A}">
-                    <a16:rowId xmlns:a16="http://schemas.microsoft.com/office/drawing/2014/main" val="4089131018"/>
-                  </a:ext>
-                </a:extLst>
-              </a:tr>
-              <a:tr h="569844">
-                <a:tc>
-                  <a:txBody>
-                    <a:bodyPr/>
-                    <a:lstStyle/>
-                    <a:p>
-                      <a:pPr latinLnBrk="1"/>
-                      <a:r>
-                        <a:rPr lang="ko-KR" altLang="en-US" dirty="0"/>
-                        <a:t>후속 이벤트</a:t>
-                      </a:r>
-                    </a:p>
-                  </a:txBody>
-                  <a:tcPr anchor="ctr"/>
-                </a:tc>
-                <a:tc>
-                  <a:txBody>
-                    <a:bodyPr/>
-                    <a:lstStyle/>
-                    <a:p>
-                      <a:pPr latinLnBrk="1"/>
-                      <a:r>
-                        <a:rPr lang="ko-KR" altLang="en-US" dirty="0"/>
-                        <a:t>만약 해당 이벤트의 선택지에 따라 달라지거나 바로 뒤에 오는 이벤트를 적는 공간이다</a:t>
-                      </a:r>
-                      <a:r>
-                        <a:rPr lang="en-US" altLang="ko-KR" dirty="0"/>
-                        <a:t>.</a:t>
-                      </a:r>
-                      <a:endParaRPr lang="ko-KR" altLang="en-US" dirty="0"/>
-                    </a:p>
-                  </a:txBody>
-                  <a:tcPr anchor="ctr"/>
-                </a:tc>
-                <a:extLst>
-                  <a:ext uri="{0D108BD9-81ED-4DB2-BD59-A6C34878D82A}">
-                    <a16:rowId xmlns:a16="http://schemas.microsoft.com/office/drawing/2014/main" val="3507590656"/>
-                  </a:ext>
-                </a:extLst>
-              </a:tr>
-            </a:tbl>
-          </a:graphicData>
-        </a:graphic>
-      </p:graphicFrame>
-      <p:sp>
-        <p:nvSpPr>
-          <p:cNvPr id="4" name="제목 1">
-            <a:extLst>
-              <a:ext uri="{FF2B5EF4-FFF2-40B4-BE49-F238E27FC236}">
-                <a16:creationId xmlns:a16="http://schemas.microsoft.com/office/drawing/2014/main" id="{AD7A4C6E-139C-6BF1-65C4-AAB58C2BB925}"/>
-              </a:ext>
-            </a:extLst>
-          </p:cNvPr>
-          <p:cNvSpPr>
-            <a:spLocks noGrp="1"/>
-          </p:cNvSpPr>
-          <p:nvPr>
-            <p:ph type="title"/>
-          </p:nvPr>
-        </p:nvSpPr>
-        <p:spPr>
-          <a:xfrm>
-            <a:off x="129224" y="83886"/>
-            <a:ext cx="3243453" cy="608225"/>
-          </a:xfrm>
-        </p:spPr>
-        <p:txBody>
-          <a:bodyPr>
-            <a:normAutofit fontScale="90000"/>
-          </a:bodyPr>
-          <a:lstStyle/>
-          <a:p>
-            <a:pPr algn="ctr"/>
-            <a:r>
-              <a:rPr lang="ko-KR" altLang="en-US" sz="3200" b="1" dirty="0"/>
-              <a:t>방해 이벤트 종류</a:t>
-            </a:r>
-          </a:p>
-        </p:txBody>
-      </p:sp>
-      <p:cxnSp>
-        <p:nvCxnSpPr>
-          <p:cNvPr id="7" name="직선 연결선 6">
-            <a:extLst>
-              <a:ext uri="{FF2B5EF4-FFF2-40B4-BE49-F238E27FC236}">
-                <a16:creationId xmlns:a16="http://schemas.microsoft.com/office/drawing/2014/main" id="{0D2C2914-DA59-A107-797A-BA797B41FD89}"/>
-              </a:ext>
-            </a:extLst>
-          </p:cNvPr>
-          <p:cNvCxnSpPr>
-            <a:cxnSpLocks/>
-          </p:cNvCxnSpPr>
-          <p:nvPr/>
-        </p:nvCxnSpPr>
-        <p:spPr>
-          <a:xfrm>
-            <a:off x="0" y="692111"/>
-            <a:ext cx="12192000" cy="0"/>
-          </a:xfrm>
-          <a:prstGeom prst="line">
-            <a:avLst/>
-          </a:prstGeom>
-          <a:ln>
-            <a:solidFill>
-              <a:schemeClr val="bg2">
-                <a:lumMod val="75000"/>
-              </a:schemeClr>
-            </a:solidFill>
-          </a:ln>
-        </p:spPr>
-        <p:style>
-          <a:lnRef idx="2">
-            <a:schemeClr val="accent1"/>
-          </a:lnRef>
-          <a:fillRef idx="0">
-            <a:schemeClr val="accent1"/>
-          </a:fillRef>
-          <a:effectRef idx="1">
-            <a:schemeClr val="accent1"/>
-          </a:effectRef>
-          <a:fontRef idx="minor">
-            <a:schemeClr val="tx1"/>
-          </a:fontRef>
-        </p:style>
-      </p:cxnSp>
-      <p:cxnSp>
-        <p:nvCxnSpPr>
-          <p:cNvPr id="8" name="직선 연결선 7">
-            <a:extLst>
-              <a:ext uri="{FF2B5EF4-FFF2-40B4-BE49-F238E27FC236}">
-                <a16:creationId xmlns:a16="http://schemas.microsoft.com/office/drawing/2014/main" id="{C877BB06-3B78-9894-4AAF-0B9CC17A6371}"/>
-              </a:ext>
-            </a:extLst>
-          </p:cNvPr>
-          <p:cNvCxnSpPr>
-            <a:cxnSpLocks/>
-          </p:cNvCxnSpPr>
-          <p:nvPr/>
-        </p:nvCxnSpPr>
-        <p:spPr>
-          <a:xfrm>
-            <a:off x="129225" y="658980"/>
-            <a:ext cx="3243452" cy="0"/>
-          </a:xfrm>
-          <a:prstGeom prst="line">
-            <a:avLst/>
-          </a:prstGeom>
-          <a:ln w="76200">
-            <a:solidFill>
-              <a:schemeClr val="tx1"/>
-            </a:solidFill>
-          </a:ln>
-        </p:spPr>
-        <p:style>
-          <a:lnRef idx="2">
-            <a:schemeClr val="accent1"/>
-          </a:lnRef>
-          <a:fillRef idx="0">
-            <a:schemeClr val="accent1"/>
-          </a:fillRef>
-          <a:effectRef idx="1">
-            <a:schemeClr val="accent1"/>
-          </a:effectRef>
-          <a:fontRef idx="minor">
-            <a:schemeClr val="tx1"/>
-          </a:fontRef>
-        </p:style>
-      </p:cxnSp>
-      <p:sp>
-        <p:nvSpPr>
-          <p:cNvPr id="13" name="TextBox 12">
-            <a:extLst>
-              <a:ext uri="{FF2B5EF4-FFF2-40B4-BE49-F238E27FC236}">
-                <a16:creationId xmlns:a16="http://schemas.microsoft.com/office/drawing/2014/main" id="{469D91B0-5608-DB80-FD4A-FFAD262DBCAF}"/>
-              </a:ext>
-            </a:extLst>
-          </p:cNvPr>
-          <p:cNvSpPr txBox="1"/>
-          <p:nvPr/>
-        </p:nvSpPr>
-        <p:spPr>
-          <a:xfrm>
-            <a:off x="220806" y="703260"/>
-            <a:ext cx="4281941" cy="523220"/>
-          </a:xfrm>
-          <a:prstGeom prst="rect">
-            <a:avLst/>
-          </a:prstGeom>
-          <a:noFill/>
-        </p:spPr>
-        <p:txBody>
-          <a:bodyPr wrap="none" rtlCol="0">
-            <a:spAutoFit/>
-          </a:bodyPr>
-          <a:lstStyle/>
-          <a:p>
-            <a:r>
-              <a:rPr lang="ko-KR" altLang="en-US" sz="2800" dirty="0">
-                <a:solidFill>
-                  <a:srgbClr val="0070C0"/>
-                </a:solidFill>
-              </a:rPr>
-              <a:t>방해 이벤트 종류 표기 틀</a:t>
-            </a:r>
-          </a:p>
-        </p:txBody>
-      </p:sp>
-      <p:sp>
-        <p:nvSpPr>
-          <p:cNvPr id="14" name="슬라이드 번호 개체 틀 13">
-            <a:extLst>
-              <a:ext uri="{FF2B5EF4-FFF2-40B4-BE49-F238E27FC236}">
-                <a16:creationId xmlns:a16="http://schemas.microsoft.com/office/drawing/2014/main" id="{0E71259D-A91E-E062-6D88-5660A4BAE98E}"/>
-              </a:ext>
-            </a:extLst>
-          </p:cNvPr>
-          <p:cNvSpPr>
-            <a:spLocks noGrp="1"/>
-          </p:cNvSpPr>
-          <p:nvPr>
-            <p:ph type="sldNum" sz="quarter" idx="12"/>
-          </p:nvPr>
-        </p:nvSpPr>
-        <p:spPr/>
-        <p:txBody>
-          <a:bodyPr/>
-          <a:lstStyle/>
-          <a:p>
-            <a:fld id="{8D96929D-9E84-4A42-B4C3-2E48812748E4}" type="slidenum">
-              <a:rPr lang="ko-KR" altLang="en-US" smtClean="0"/>
-              <a:t>19</a:t>
-            </a:fld>
-            <a:endParaRPr lang="ko-KR" altLang="en-US"/>
-          </a:p>
-        </p:txBody>
-      </p:sp>
-    </p:spTree>
-    <p:extLst>
-      <p:ext uri="{BB962C8B-B14F-4D97-AF65-F5344CB8AC3E}">
-        <p14:creationId xmlns:p14="http://schemas.microsoft.com/office/powerpoint/2010/main" val="1196857558"/>
       </p:ext>
     </p:extLst>
   </p:cSld>
@@ -15773,6 +20612,897 @@
 </file>
 
 <file path=ppt/slides/slide20.xml><?xml version="1.0" encoding="utf-8"?>
+<p:sld xmlns:a="http://schemas.openxmlformats.org/drawingml/2006/main" xmlns:r="http://schemas.openxmlformats.org/officeDocument/2006/relationships" xmlns:p="http://schemas.openxmlformats.org/presentationml/2006/main">
+  <p:cSld>
+    <p:spTree>
+      <p:nvGrpSpPr>
+        <p:cNvPr id="1" name="">
+          <a:extLst>
+            <a:ext uri="{FF2B5EF4-FFF2-40B4-BE49-F238E27FC236}">
+              <a16:creationId xmlns:a16="http://schemas.microsoft.com/office/drawing/2014/main" id="{DB1CAF17-DC68-BE93-2842-074B26E083FE}"/>
+            </a:ext>
+          </a:extLst>
+        </p:cNvPr>
+        <p:cNvGrpSpPr/>
+        <p:nvPr/>
+      </p:nvGrpSpPr>
+      <p:grpSpPr>
+        <a:xfrm>
+          <a:off x="0" y="0"/>
+          <a:ext cx="0" cy="0"/>
+          <a:chOff x="0" y="0"/>
+          <a:chExt cx="0" cy="0"/>
+        </a:xfrm>
+      </p:grpSpPr>
+      <p:sp>
+        <p:nvSpPr>
+          <p:cNvPr id="3" name="TextBox 2">
+            <a:extLst>
+              <a:ext uri="{FF2B5EF4-FFF2-40B4-BE49-F238E27FC236}">
+                <a16:creationId xmlns:a16="http://schemas.microsoft.com/office/drawing/2014/main" id="{B124C310-4C16-B363-E824-E123EFD35D45}"/>
+              </a:ext>
+            </a:extLst>
+          </p:cNvPr>
+          <p:cNvSpPr txBox="1"/>
+          <p:nvPr/>
+        </p:nvSpPr>
+        <p:spPr>
+          <a:xfrm>
+            <a:off x="430696" y="1338470"/>
+            <a:ext cx="11272638" cy="1477328"/>
+          </a:xfrm>
+          <a:prstGeom prst="rect">
+            <a:avLst/>
+          </a:prstGeom>
+          <a:noFill/>
+        </p:spPr>
+        <p:txBody>
+          <a:bodyPr wrap="none" rtlCol="0">
+            <a:spAutoFit/>
+          </a:bodyPr>
+          <a:lstStyle/>
+          <a:p>
+            <a:pPr marL="285750" indent="-285750">
+              <a:buFont typeface="Arial" panose="020B0604020202020204" pitchFamily="34" charset="0"/>
+              <a:buChar char="•"/>
+            </a:pPr>
+            <a:r>
+              <a:rPr lang="ko-KR" altLang="en-US" dirty="0"/>
+              <a:t>플레이어가 </a:t>
+            </a:r>
+            <a:r>
+              <a:rPr lang="en-US" altLang="ko-KR" dirty="0"/>
+              <a:t>10</a:t>
+            </a:r>
+            <a:r>
+              <a:rPr lang="ko-KR" altLang="en-US" dirty="0"/>
+              <a:t>분 여러 방해를 물리치면서 </a:t>
+            </a:r>
+            <a:r>
+              <a:rPr lang="en-US" altLang="ko-KR" dirty="0"/>
+              <a:t>1</a:t>
+            </a:r>
+            <a:r>
+              <a:rPr lang="ko-KR" altLang="en-US" dirty="0"/>
+              <a:t>등을 유지하면 게임이 클리어 된다</a:t>
+            </a:r>
+            <a:r>
+              <a:rPr lang="en-US" altLang="ko-KR" dirty="0"/>
+              <a:t>.</a:t>
+            </a:r>
+          </a:p>
+          <a:p>
+            <a:pPr marL="285750" indent="-285750">
+              <a:buFont typeface="Arial" panose="020B0604020202020204" pitchFamily="34" charset="0"/>
+              <a:buChar char="•"/>
+            </a:pPr>
+            <a:r>
+              <a:rPr lang="ko-KR" altLang="en-US" dirty="0"/>
+              <a:t>플레이어가 방해 이벤트를 빠르게 해결하고 와야 하는 이유가 되는 시스템이다</a:t>
+            </a:r>
+            <a:r>
+              <a:rPr lang="en-US" altLang="ko-KR" dirty="0"/>
+              <a:t>.</a:t>
+            </a:r>
+          </a:p>
+          <a:p>
+            <a:pPr marL="285750" indent="-285750">
+              <a:buFont typeface="Arial" panose="020B0604020202020204" pitchFamily="34" charset="0"/>
+              <a:buChar char="•"/>
+            </a:pPr>
+            <a:r>
+              <a:rPr lang="ko-KR" altLang="en-US" dirty="0"/>
+              <a:t>플레이어는 시작할 때 </a:t>
+            </a:r>
+            <a:r>
+              <a:rPr lang="en-US" altLang="ko-KR" dirty="0"/>
+              <a:t>2</a:t>
+            </a:r>
+            <a:r>
+              <a:rPr lang="ko-KR" altLang="en-US" dirty="0"/>
+              <a:t>등과 </a:t>
+            </a:r>
+            <a:r>
+              <a:rPr lang="en-US" altLang="ko-KR" dirty="0"/>
+              <a:t>30,000</a:t>
+            </a:r>
+            <a:r>
+              <a:rPr lang="ko-KR" altLang="en-US" dirty="0"/>
+              <a:t>점 차이로 게임을 시작하게 된다</a:t>
+            </a:r>
+            <a:r>
+              <a:rPr lang="en-US" altLang="ko-KR" dirty="0"/>
+              <a:t>.</a:t>
+            </a:r>
+          </a:p>
+          <a:p>
+            <a:pPr marL="285750" indent="-285750">
+              <a:buFont typeface="Arial" panose="020B0604020202020204" pitchFamily="34" charset="0"/>
+              <a:buChar char="•"/>
+            </a:pPr>
+            <a:r>
+              <a:rPr lang="ko-KR" altLang="en-US" dirty="0"/>
+              <a:t>방해 이벤트가 나오기전까지는 유저와 동일하게 점수가 상승한다</a:t>
+            </a:r>
+            <a:r>
+              <a:rPr lang="en-US" altLang="ko-KR" dirty="0"/>
+              <a:t>.</a:t>
+            </a:r>
+          </a:p>
+          <a:p>
+            <a:pPr marL="285750" indent="-285750">
+              <a:buFont typeface="Arial" panose="020B0604020202020204" pitchFamily="34" charset="0"/>
+              <a:buChar char="•"/>
+            </a:pPr>
+            <a:r>
+              <a:rPr lang="ko-KR" altLang="en-US" dirty="0"/>
+              <a:t>방해 이벤트를 해결하고 일시정지를 해제 하면 </a:t>
+            </a:r>
+            <a:r>
+              <a:rPr lang="en-US" altLang="ko-KR" dirty="0"/>
+              <a:t>2,3</a:t>
+            </a:r>
+            <a:r>
+              <a:rPr lang="ko-KR" altLang="en-US" dirty="0"/>
+              <a:t>등의 점수가 </a:t>
+            </a:r>
+            <a:r>
+              <a:rPr lang="ko-KR" altLang="en-US" dirty="0" err="1"/>
+              <a:t>랜덤한</a:t>
+            </a:r>
+            <a:r>
+              <a:rPr lang="ko-KR" altLang="en-US" dirty="0"/>
+              <a:t> 수치만큼 상승한다</a:t>
+            </a:r>
+            <a:r>
+              <a:rPr lang="en-US" altLang="ko-KR" dirty="0"/>
+              <a:t>.(1000~3000</a:t>
+            </a:r>
+            <a:r>
+              <a:rPr lang="ko-KR" altLang="en-US" dirty="0"/>
+              <a:t>점</a:t>
+            </a:r>
+            <a:r>
+              <a:rPr lang="en-US" altLang="ko-KR" dirty="0"/>
+              <a:t>)</a:t>
+            </a:r>
+          </a:p>
+        </p:txBody>
+      </p:sp>
+      <p:sp>
+        <p:nvSpPr>
+          <p:cNvPr id="6" name="제목 1">
+            <a:extLst>
+              <a:ext uri="{FF2B5EF4-FFF2-40B4-BE49-F238E27FC236}">
+                <a16:creationId xmlns:a16="http://schemas.microsoft.com/office/drawing/2014/main" id="{9058F6A6-42BF-CDE0-6104-7CCED99405EC}"/>
+              </a:ext>
+            </a:extLst>
+          </p:cNvPr>
+          <p:cNvSpPr>
+            <a:spLocks noGrp="1"/>
+          </p:cNvSpPr>
+          <p:nvPr>
+            <p:ph type="title"/>
+          </p:nvPr>
+        </p:nvSpPr>
+        <p:spPr>
+          <a:xfrm>
+            <a:off x="129225" y="83886"/>
+            <a:ext cx="3034834" cy="608225"/>
+          </a:xfrm>
+        </p:spPr>
+        <p:txBody>
+          <a:bodyPr>
+            <a:normAutofit/>
+          </a:bodyPr>
+          <a:lstStyle/>
+          <a:p>
+            <a:pPr algn="ctr"/>
+            <a:r>
+              <a:rPr lang="ko-KR" altLang="en-US" sz="3200" b="1"/>
+              <a:t>미니 게임 종류</a:t>
+            </a:r>
+            <a:endParaRPr lang="ko-KR" altLang="en-US" sz="3200" b="1" dirty="0"/>
+          </a:p>
+        </p:txBody>
+      </p:sp>
+      <p:cxnSp>
+        <p:nvCxnSpPr>
+          <p:cNvPr id="7" name="직선 연결선 6">
+            <a:extLst>
+              <a:ext uri="{FF2B5EF4-FFF2-40B4-BE49-F238E27FC236}">
+                <a16:creationId xmlns:a16="http://schemas.microsoft.com/office/drawing/2014/main" id="{9BC3F700-722F-FAE2-CCCD-D224AE5F4FBF}"/>
+              </a:ext>
+            </a:extLst>
+          </p:cNvPr>
+          <p:cNvCxnSpPr>
+            <a:cxnSpLocks/>
+          </p:cNvCxnSpPr>
+          <p:nvPr/>
+        </p:nvCxnSpPr>
+        <p:spPr>
+          <a:xfrm>
+            <a:off x="0" y="692111"/>
+            <a:ext cx="12192000" cy="0"/>
+          </a:xfrm>
+          <a:prstGeom prst="line">
+            <a:avLst/>
+          </a:prstGeom>
+          <a:ln>
+            <a:solidFill>
+              <a:schemeClr val="bg2">
+                <a:lumMod val="75000"/>
+              </a:schemeClr>
+            </a:solidFill>
+          </a:ln>
+        </p:spPr>
+        <p:style>
+          <a:lnRef idx="2">
+            <a:schemeClr val="accent1"/>
+          </a:lnRef>
+          <a:fillRef idx="0">
+            <a:schemeClr val="accent1"/>
+          </a:fillRef>
+          <a:effectRef idx="1">
+            <a:schemeClr val="accent1"/>
+          </a:effectRef>
+          <a:fontRef idx="minor">
+            <a:schemeClr val="tx1"/>
+          </a:fontRef>
+        </p:style>
+      </p:cxnSp>
+      <p:cxnSp>
+        <p:nvCxnSpPr>
+          <p:cNvPr id="8" name="직선 연결선 7">
+            <a:extLst>
+              <a:ext uri="{FF2B5EF4-FFF2-40B4-BE49-F238E27FC236}">
+                <a16:creationId xmlns:a16="http://schemas.microsoft.com/office/drawing/2014/main" id="{127A5D7A-4412-0EDD-C902-7B467D85E9FF}"/>
+              </a:ext>
+            </a:extLst>
+          </p:cNvPr>
+          <p:cNvCxnSpPr>
+            <a:cxnSpLocks/>
+          </p:cNvCxnSpPr>
+          <p:nvPr/>
+        </p:nvCxnSpPr>
+        <p:spPr>
+          <a:xfrm>
+            <a:off x="129225" y="658980"/>
+            <a:ext cx="3034834" cy="0"/>
+          </a:xfrm>
+          <a:prstGeom prst="line">
+            <a:avLst/>
+          </a:prstGeom>
+          <a:ln w="76200">
+            <a:solidFill>
+              <a:schemeClr val="tx1"/>
+            </a:solidFill>
+          </a:ln>
+        </p:spPr>
+        <p:style>
+          <a:lnRef idx="2">
+            <a:schemeClr val="accent1"/>
+          </a:lnRef>
+          <a:fillRef idx="0">
+            <a:schemeClr val="accent1"/>
+          </a:fillRef>
+          <a:effectRef idx="1">
+            <a:schemeClr val="accent1"/>
+          </a:effectRef>
+          <a:fontRef idx="minor">
+            <a:schemeClr val="tx1"/>
+          </a:fontRef>
+        </p:style>
+      </p:cxnSp>
+      <p:sp>
+        <p:nvSpPr>
+          <p:cNvPr id="9" name="TextBox 8">
+            <a:extLst>
+              <a:ext uri="{FF2B5EF4-FFF2-40B4-BE49-F238E27FC236}">
+                <a16:creationId xmlns:a16="http://schemas.microsoft.com/office/drawing/2014/main" id="{7E2A229B-56BC-A19D-2CEA-258FE7C37FB0}"/>
+              </a:ext>
+            </a:extLst>
+          </p:cNvPr>
+          <p:cNvSpPr txBox="1"/>
+          <p:nvPr/>
+        </p:nvSpPr>
+        <p:spPr>
+          <a:xfrm>
+            <a:off x="454785" y="786904"/>
+            <a:ext cx="4070345" cy="523220"/>
+          </a:xfrm>
+          <a:prstGeom prst="rect">
+            <a:avLst/>
+          </a:prstGeom>
+          <a:noFill/>
+        </p:spPr>
+        <p:txBody>
+          <a:bodyPr wrap="none" rtlCol="0">
+            <a:spAutoFit/>
+          </a:bodyPr>
+          <a:lstStyle/>
+          <a:p>
+            <a:r>
+              <a:rPr lang="ko-KR" altLang="en-US" sz="2800" dirty="0">
+                <a:solidFill>
+                  <a:srgbClr val="0070C0"/>
+                </a:solidFill>
+              </a:rPr>
+              <a:t>러닝 게임 </a:t>
+            </a:r>
+            <a:r>
+              <a:rPr lang="en-US" altLang="ko-KR" sz="2800" dirty="0">
+                <a:solidFill>
+                  <a:srgbClr val="0070C0"/>
+                </a:solidFill>
+              </a:rPr>
+              <a:t>- </a:t>
+            </a:r>
+            <a:r>
+              <a:rPr lang="ko-KR" altLang="en-US" sz="2800" dirty="0">
+                <a:solidFill>
+                  <a:srgbClr val="0070C0"/>
+                </a:solidFill>
+              </a:rPr>
+              <a:t>랭킹 시스템</a:t>
+            </a:r>
+          </a:p>
+        </p:txBody>
+      </p:sp>
+      <p:sp>
+        <p:nvSpPr>
+          <p:cNvPr id="10" name="슬라이드 번호 개체 틀 9">
+            <a:extLst>
+              <a:ext uri="{FF2B5EF4-FFF2-40B4-BE49-F238E27FC236}">
+                <a16:creationId xmlns:a16="http://schemas.microsoft.com/office/drawing/2014/main" id="{202DC32E-D031-93A8-C8D7-D42153900D08}"/>
+              </a:ext>
+            </a:extLst>
+          </p:cNvPr>
+          <p:cNvSpPr>
+            <a:spLocks noGrp="1"/>
+          </p:cNvSpPr>
+          <p:nvPr>
+            <p:ph type="sldNum" sz="quarter" idx="12"/>
+          </p:nvPr>
+        </p:nvSpPr>
+        <p:spPr/>
+        <p:txBody>
+          <a:bodyPr/>
+          <a:lstStyle/>
+          <a:p>
+            <a:fld id="{8D96929D-9E84-4A42-B4C3-2E48812748E4}" type="slidenum">
+              <a:rPr lang="ko-KR" altLang="en-US" smtClean="0"/>
+              <a:t>20</a:t>
+            </a:fld>
+            <a:endParaRPr lang="ko-KR" altLang="en-US"/>
+          </a:p>
+        </p:txBody>
+      </p:sp>
+    </p:spTree>
+    <p:extLst>
+      <p:ext uri="{BB962C8B-B14F-4D97-AF65-F5344CB8AC3E}">
+        <p14:creationId xmlns:p14="http://schemas.microsoft.com/office/powerpoint/2010/main" val="4128513733"/>
+      </p:ext>
+    </p:extLst>
+  </p:cSld>
+  <p:clrMapOvr>
+    <a:masterClrMapping/>
+  </p:clrMapOvr>
+</p:sld>
+</file>
+
+<file path=ppt/slides/slide21.xml><?xml version="1.0" encoding="utf-8"?>
+<p:sld xmlns:a="http://schemas.openxmlformats.org/drawingml/2006/main" xmlns:r="http://schemas.openxmlformats.org/officeDocument/2006/relationships" xmlns:p="http://schemas.openxmlformats.org/presentationml/2006/main">
+  <p:cSld>
+    <p:spTree>
+      <p:nvGrpSpPr>
+        <p:cNvPr id="1" name="">
+          <a:extLst>
+            <a:ext uri="{FF2B5EF4-FFF2-40B4-BE49-F238E27FC236}">
+              <a16:creationId xmlns:a16="http://schemas.microsoft.com/office/drawing/2014/main" id="{7A9AB4AF-B781-064D-C8F6-7F7E9F611A2B}"/>
+            </a:ext>
+          </a:extLst>
+        </p:cNvPr>
+        <p:cNvGrpSpPr/>
+        <p:nvPr/>
+      </p:nvGrpSpPr>
+      <p:grpSpPr>
+        <a:xfrm>
+          <a:off x="0" y="0"/>
+          <a:ext cx="0" cy="0"/>
+          <a:chOff x="0" y="0"/>
+          <a:chExt cx="0" cy="0"/>
+        </a:xfrm>
+      </p:grpSpPr>
+      <p:graphicFrame>
+        <p:nvGraphicFramePr>
+          <p:cNvPr id="5" name="표 4">
+            <a:extLst>
+              <a:ext uri="{FF2B5EF4-FFF2-40B4-BE49-F238E27FC236}">
+                <a16:creationId xmlns:a16="http://schemas.microsoft.com/office/drawing/2014/main" id="{1BEB2776-EED5-2393-8958-04D784919D62}"/>
+              </a:ext>
+            </a:extLst>
+          </p:cNvPr>
+          <p:cNvGraphicFramePr>
+            <a:graphicFrameLocks noGrp="1"/>
+          </p:cNvGraphicFramePr>
+          <p:nvPr>
+            <p:extLst>
+              <p:ext uri="{D42A27DB-BD31-4B8C-83A1-F6EECF244321}">
+                <p14:modId xmlns:p14="http://schemas.microsoft.com/office/powerpoint/2010/main" val="1887801595"/>
+              </p:ext>
+            </p:extLst>
+          </p:nvPr>
+        </p:nvGraphicFramePr>
+        <p:xfrm>
+          <a:off x="220806" y="1219855"/>
+          <a:ext cx="11750388" cy="5230880"/>
+        </p:xfrm>
+        <a:graphic>
+          <a:graphicData uri="http://schemas.openxmlformats.org/drawingml/2006/table">
+            <a:tbl>
+              <a:tblPr firstRow="1" bandRow="1">
+                <a:tableStyleId>{5C22544A-7EE6-4342-B048-85BDC9FD1C3A}</a:tableStyleId>
+              </a:tblPr>
+              <a:tblGrid>
+                <a:gridCol w="1694133">
+                  <a:extLst>
+                    <a:ext uri="{9D8B030D-6E8A-4147-A177-3AD203B41FA5}">
+                      <a16:colId xmlns:a16="http://schemas.microsoft.com/office/drawing/2014/main" val="2813083487"/>
+                    </a:ext>
+                  </a:extLst>
+                </a:gridCol>
+                <a:gridCol w="10056255">
+                  <a:extLst>
+                    <a:ext uri="{9D8B030D-6E8A-4147-A177-3AD203B41FA5}">
+                      <a16:colId xmlns:a16="http://schemas.microsoft.com/office/drawing/2014/main" val="561523259"/>
+                    </a:ext>
+                  </a:extLst>
+                </a:gridCol>
+              </a:tblGrid>
+              <a:tr h="579365">
+                <a:tc gridSpan="2">
+                  <a:txBody>
+                    <a:bodyPr/>
+                    <a:lstStyle/>
+                    <a:p>
+                      <a:pPr algn="ctr" latinLnBrk="1"/>
+                      <a:r>
+                        <a:rPr lang="ko-KR" altLang="en-US" sz="2400" dirty="0"/>
+                        <a:t>방해 이벤트 이름</a:t>
+                      </a:r>
+                    </a:p>
+                  </a:txBody>
+                  <a:tcPr anchor="ctr"/>
+                </a:tc>
+                <a:tc hMerge="1">
+                  <a:txBody>
+                    <a:bodyPr/>
+                    <a:lstStyle/>
+                    <a:p>
+                      <a:pPr algn="ctr" latinLnBrk="1"/>
+                      <a:endParaRPr lang="ko-KR" altLang="en-US" dirty="0"/>
+                    </a:p>
+                  </a:txBody>
+                  <a:tcPr anchor="ctr"/>
+                </a:tc>
+                <a:extLst>
+                  <a:ext uri="{0D108BD9-81ED-4DB2-BD59-A6C34878D82A}">
+                    <a16:rowId xmlns:a16="http://schemas.microsoft.com/office/drawing/2014/main" val="2737868931"/>
+                  </a:ext>
+                </a:extLst>
+              </a:tr>
+              <a:tr h="2941983">
+                <a:tc gridSpan="2">
+                  <a:txBody>
+                    <a:bodyPr/>
+                    <a:lstStyle/>
+                    <a:p>
+                      <a:pPr latinLnBrk="1"/>
+                      <a:r>
+                        <a:rPr lang="ko-KR" altLang="en-US" dirty="0"/>
+                        <a:t>필요한 </a:t>
+                      </a:r>
+                      <a:r>
+                        <a:rPr lang="en-US" altLang="ko-KR" dirty="0"/>
+                        <a:t>UI </a:t>
+                      </a:r>
+                      <a:r>
+                        <a:rPr lang="ko-KR" altLang="en-US" dirty="0"/>
+                        <a:t>예시</a:t>
+                      </a:r>
+                      <a:endParaRPr lang="en-US" altLang="ko-KR" dirty="0"/>
+                    </a:p>
+                    <a:p>
+                      <a:pPr latinLnBrk="1"/>
+                      <a:r>
+                        <a:rPr lang="ko-KR" altLang="en-US" dirty="0"/>
+                        <a:t>해결 연출 </a:t>
+                      </a:r>
+                      <a:r>
+                        <a:rPr lang="en-US" altLang="ko-KR" dirty="0"/>
+                        <a:t>UI</a:t>
+                      </a:r>
+                      <a:endParaRPr lang="ko-KR" altLang="en-US" dirty="0"/>
+                    </a:p>
+                  </a:txBody>
+                  <a:tcPr anchor="ctr"/>
+                </a:tc>
+                <a:tc hMerge="1">
+                  <a:txBody>
+                    <a:bodyPr/>
+                    <a:lstStyle/>
+                    <a:p>
+                      <a:pPr latinLnBrk="1"/>
+                      <a:endParaRPr lang="ko-KR" altLang="en-US" dirty="0"/>
+                    </a:p>
+                  </a:txBody>
+                  <a:tcPr anchor="ctr"/>
+                </a:tc>
+                <a:extLst>
+                  <a:ext uri="{0D108BD9-81ED-4DB2-BD59-A6C34878D82A}">
+                    <a16:rowId xmlns:a16="http://schemas.microsoft.com/office/drawing/2014/main" val="908470571"/>
+                  </a:ext>
+                </a:extLst>
+              </a:tr>
+              <a:tr h="569844">
+                <a:tc>
+                  <a:txBody>
+                    <a:bodyPr/>
+                    <a:lstStyle/>
+                    <a:p>
+                      <a:pPr latinLnBrk="1"/>
+                      <a:r>
+                        <a:rPr lang="ko-KR" altLang="en-US" dirty="0"/>
+                        <a:t>이벤트 연출</a:t>
+                      </a:r>
+                    </a:p>
+                  </a:txBody>
+                  <a:tcPr anchor="ctr"/>
+                </a:tc>
+                <a:tc>
+                  <a:txBody>
+                    <a:bodyPr/>
+                    <a:lstStyle/>
+                    <a:p>
+                      <a:pPr latinLnBrk="1"/>
+                      <a:r>
+                        <a:rPr lang="ko-KR" altLang="en-US" dirty="0"/>
+                        <a:t>이벤트 </a:t>
+                      </a:r>
+                      <a:r>
+                        <a:rPr lang="ko-KR" altLang="en-US" dirty="0" err="1"/>
+                        <a:t>등장시</a:t>
+                      </a:r>
+                      <a:r>
+                        <a:rPr lang="ko-KR" altLang="en-US" dirty="0"/>
+                        <a:t> 연출에 관련하여 작성하는 공간이다</a:t>
+                      </a:r>
+                      <a:r>
+                        <a:rPr lang="en-US" altLang="ko-KR" dirty="0"/>
+                        <a:t>.</a:t>
+                      </a:r>
+                      <a:endParaRPr lang="ko-KR" altLang="en-US" dirty="0"/>
+                    </a:p>
+                  </a:txBody>
+                  <a:tcPr anchor="ctr"/>
+                </a:tc>
+                <a:extLst>
+                  <a:ext uri="{0D108BD9-81ED-4DB2-BD59-A6C34878D82A}">
+                    <a16:rowId xmlns:a16="http://schemas.microsoft.com/office/drawing/2014/main" val="3498810977"/>
+                  </a:ext>
+                </a:extLst>
+              </a:tr>
+              <a:tr h="569844">
+                <a:tc>
+                  <a:txBody>
+                    <a:bodyPr/>
+                    <a:lstStyle/>
+                    <a:p>
+                      <a:pPr latinLnBrk="1"/>
+                      <a:r>
+                        <a:rPr lang="ko-KR" altLang="en-US" dirty="0"/>
+                        <a:t>해결 방식</a:t>
+                      </a:r>
+                    </a:p>
+                  </a:txBody>
+                  <a:tcPr anchor="ctr"/>
+                </a:tc>
+                <a:tc>
+                  <a:txBody>
+                    <a:bodyPr/>
+                    <a:lstStyle/>
+                    <a:p>
+                      <a:pPr latinLnBrk="1"/>
+                      <a:r>
+                        <a:rPr lang="ko-KR" altLang="en-US" dirty="0"/>
+                        <a:t>해당 이벤트를 해결하기 위한 방식을 설명하는 공간이다</a:t>
+                      </a:r>
+                      <a:r>
+                        <a:rPr lang="en-US" altLang="ko-KR" dirty="0"/>
+                        <a:t>.</a:t>
+                      </a:r>
+                      <a:endParaRPr lang="ko-KR" altLang="en-US" dirty="0"/>
+                    </a:p>
+                  </a:txBody>
+                  <a:tcPr anchor="ctr"/>
+                </a:tc>
+                <a:extLst>
+                  <a:ext uri="{0D108BD9-81ED-4DB2-BD59-A6C34878D82A}">
+                    <a16:rowId xmlns:a16="http://schemas.microsoft.com/office/drawing/2014/main" val="4089131018"/>
+                  </a:ext>
+                </a:extLst>
+              </a:tr>
+              <a:tr h="569844">
+                <a:tc>
+                  <a:txBody>
+                    <a:bodyPr/>
+                    <a:lstStyle/>
+                    <a:p>
+                      <a:pPr latinLnBrk="1"/>
+                      <a:r>
+                        <a:rPr lang="ko-KR" altLang="en-US" dirty="0"/>
+                        <a:t>후속 이벤트</a:t>
+                      </a:r>
+                    </a:p>
+                  </a:txBody>
+                  <a:tcPr anchor="ctr"/>
+                </a:tc>
+                <a:tc>
+                  <a:txBody>
+                    <a:bodyPr/>
+                    <a:lstStyle/>
+                    <a:p>
+                      <a:pPr latinLnBrk="1"/>
+                      <a:r>
+                        <a:rPr lang="ko-KR" altLang="en-US" dirty="0"/>
+                        <a:t>만약 해당 이벤트의 선택지에 따라 달라지거나 바로 뒤에 오는 이벤트를 적는 공간이다</a:t>
+                      </a:r>
+                      <a:r>
+                        <a:rPr lang="en-US" altLang="ko-KR" dirty="0"/>
+                        <a:t>.</a:t>
+                      </a:r>
+                      <a:endParaRPr lang="ko-KR" altLang="en-US" dirty="0"/>
+                    </a:p>
+                  </a:txBody>
+                  <a:tcPr anchor="ctr"/>
+                </a:tc>
+                <a:extLst>
+                  <a:ext uri="{0D108BD9-81ED-4DB2-BD59-A6C34878D82A}">
+                    <a16:rowId xmlns:a16="http://schemas.microsoft.com/office/drawing/2014/main" val="3507590656"/>
+                  </a:ext>
+                </a:extLst>
+              </a:tr>
+            </a:tbl>
+          </a:graphicData>
+        </a:graphic>
+      </p:graphicFrame>
+      <p:sp>
+        <p:nvSpPr>
+          <p:cNvPr id="4" name="제목 1">
+            <a:extLst>
+              <a:ext uri="{FF2B5EF4-FFF2-40B4-BE49-F238E27FC236}">
+                <a16:creationId xmlns:a16="http://schemas.microsoft.com/office/drawing/2014/main" id="{AD7A4C6E-139C-6BF1-65C4-AAB58C2BB925}"/>
+              </a:ext>
+            </a:extLst>
+          </p:cNvPr>
+          <p:cNvSpPr>
+            <a:spLocks noGrp="1"/>
+          </p:cNvSpPr>
+          <p:nvPr>
+            <p:ph type="title"/>
+          </p:nvPr>
+        </p:nvSpPr>
+        <p:spPr>
+          <a:xfrm>
+            <a:off x="129224" y="83886"/>
+            <a:ext cx="3243453" cy="608225"/>
+          </a:xfrm>
+        </p:spPr>
+        <p:txBody>
+          <a:bodyPr>
+            <a:normAutofit fontScale="90000"/>
+          </a:bodyPr>
+          <a:lstStyle/>
+          <a:p>
+            <a:pPr algn="ctr"/>
+            <a:r>
+              <a:rPr lang="ko-KR" altLang="en-US" sz="3200" b="1" dirty="0"/>
+              <a:t>방해 이벤트 종류</a:t>
+            </a:r>
+          </a:p>
+        </p:txBody>
+      </p:sp>
+      <p:cxnSp>
+        <p:nvCxnSpPr>
+          <p:cNvPr id="7" name="직선 연결선 6">
+            <a:extLst>
+              <a:ext uri="{FF2B5EF4-FFF2-40B4-BE49-F238E27FC236}">
+                <a16:creationId xmlns:a16="http://schemas.microsoft.com/office/drawing/2014/main" id="{0D2C2914-DA59-A107-797A-BA797B41FD89}"/>
+              </a:ext>
+            </a:extLst>
+          </p:cNvPr>
+          <p:cNvCxnSpPr>
+            <a:cxnSpLocks/>
+          </p:cNvCxnSpPr>
+          <p:nvPr/>
+        </p:nvCxnSpPr>
+        <p:spPr>
+          <a:xfrm>
+            <a:off x="0" y="692111"/>
+            <a:ext cx="12192000" cy="0"/>
+          </a:xfrm>
+          <a:prstGeom prst="line">
+            <a:avLst/>
+          </a:prstGeom>
+          <a:ln>
+            <a:solidFill>
+              <a:schemeClr val="bg2">
+                <a:lumMod val="75000"/>
+              </a:schemeClr>
+            </a:solidFill>
+          </a:ln>
+        </p:spPr>
+        <p:style>
+          <a:lnRef idx="2">
+            <a:schemeClr val="accent1"/>
+          </a:lnRef>
+          <a:fillRef idx="0">
+            <a:schemeClr val="accent1"/>
+          </a:fillRef>
+          <a:effectRef idx="1">
+            <a:schemeClr val="accent1"/>
+          </a:effectRef>
+          <a:fontRef idx="minor">
+            <a:schemeClr val="tx1"/>
+          </a:fontRef>
+        </p:style>
+      </p:cxnSp>
+      <p:cxnSp>
+        <p:nvCxnSpPr>
+          <p:cNvPr id="8" name="직선 연결선 7">
+            <a:extLst>
+              <a:ext uri="{FF2B5EF4-FFF2-40B4-BE49-F238E27FC236}">
+                <a16:creationId xmlns:a16="http://schemas.microsoft.com/office/drawing/2014/main" id="{C877BB06-3B78-9894-4AAF-0B9CC17A6371}"/>
+              </a:ext>
+            </a:extLst>
+          </p:cNvPr>
+          <p:cNvCxnSpPr>
+            <a:cxnSpLocks/>
+          </p:cNvCxnSpPr>
+          <p:nvPr/>
+        </p:nvCxnSpPr>
+        <p:spPr>
+          <a:xfrm>
+            <a:off x="129225" y="658980"/>
+            <a:ext cx="3243452" cy="0"/>
+          </a:xfrm>
+          <a:prstGeom prst="line">
+            <a:avLst/>
+          </a:prstGeom>
+          <a:ln w="76200">
+            <a:solidFill>
+              <a:schemeClr val="tx1"/>
+            </a:solidFill>
+          </a:ln>
+        </p:spPr>
+        <p:style>
+          <a:lnRef idx="2">
+            <a:schemeClr val="accent1"/>
+          </a:lnRef>
+          <a:fillRef idx="0">
+            <a:schemeClr val="accent1"/>
+          </a:fillRef>
+          <a:effectRef idx="1">
+            <a:schemeClr val="accent1"/>
+          </a:effectRef>
+          <a:fontRef idx="minor">
+            <a:schemeClr val="tx1"/>
+          </a:fontRef>
+        </p:style>
+      </p:cxnSp>
+      <p:sp>
+        <p:nvSpPr>
+          <p:cNvPr id="13" name="TextBox 12">
+            <a:extLst>
+              <a:ext uri="{FF2B5EF4-FFF2-40B4-BE49-F238E27FC236}">
+                <a16:creationId xmlns:a16="http://schemas.microsoft.com/office/drawing/2014/main" id="{469D91B0-5608-DB80-FD4A-FFAD262DBCAF}"/>
+              </a:ext>
+            </a:extLst>
+          </p:cNvPr>
+          <p:cNvSpPr txBox="1"/>
+          <p:nvPr/>
+        </p:nvSpPr>
+        <p:spPr>
+          <a:xfrm>
+            <a:off x="220806" y="703260"/>
+            <a:ext cx="4281941" cy="523220"/>
+          </a:xfrm>
+          <a:prstGeom prst="rect">
+            <a:avLst/>
+          </a:prstGeom>
+          <a:noFill/>
+        </p:spPr>
+        <p:txBody>
+          <a:bodyPr wrap="none" rtlCol="0">
+            <a:spAutoFit/>
+          </a:bodyPr>
+          <a:lstStyle/>
+          <a:p>
+            <a:r>
+              <a:rPr lang="ko-KR" altLang="en-US" sz="2800" dirty="0">
+                <a:solidFill>
+                  <a:srgbClr val="0070C0"/>
+                </a:solidFill>
+              </a:rPr>
+              <a:t>방해 이벤트 종류 표기 틀</a:t>
+            </a:r>
+          </a:p>
+        </p:txBody>
+      </p:sp>
+      <p:sp>
+        <p:nvSpPr>
+          <p:cNvPr id="14" name="슬라이드 번호 개체 틀 13">
+            <a:extLst>
+              <a:ext uri="{FF2B5EF4-FFF2-40B4-BE49-F238E27FC236}">
+                <a16:creationId xmlns:a16="http://schemas.microsoft.com/office/drawing/2014/main" id="{0E71259D-A91E-E062-6D88-5660A4BAE98E}"/>
+              </a:ext>
+            </a:extLst>
+          </p:cNvPr>
+          <p:cNvSpPr>
+            <a:spLocks noGrp="1"/>
+          </p:cNvSpPr>
+          <p:nvPr>
+            <p:ph type="sldNum" sz="quarter" idx="12"/>
+          </p:nvPr>
+        </p:nvSpPr>
+        <p:spPr/>
+        <p:txBody>
+          <a:bodyPr/>
+          <a:lstStyle/>
+          <a:p>
+            <a:fld id="{8D96929D-9E84-4A42-B4C3-2E48812748E4}" type="slidenum">
+              <a:rPr lang="ko-KR" altLang="en-US" smtClean="0"/>
+              <a:t>21</a:t>
+            </a:fld>
+            <a:endParaRPr lang="ko-KR" altLang="en-US"/>
+          </a:p>
+        </p:txBody>
+      </p:sp>
+    </p:spTree>
+    <p:extLst>
+      <p:ext uri="{BB962C8B-B14F-4D97-AF65-F5344CB8AC3E}">
+        <p14:creationId xmlns:p14="http://schemas.microsoft.com/office/powerpoint/2010/main" val="1196857558"/>
+      </p:ext>
+    </p:extLst>
+  </p:cSld>
+  <p:clrMapOvr>
+    <a:masterClrMapping/>
+  </p:clrMapOvr>
+</p:sld>
+</file>
+
+<file path=ppt/slides/slide22.xml><?xml version="1.0" encoding="utf-8"?>
 <p:sld xmlns:a="http://schemas.openxmlformats.org/drawingml/2006/main" xmlns:r="http://schemas.openxmlformats.org/officeDocument/2006/relationships" xmlns:p="http://schemas.openxmlformats.org/presentationml/2006/main">
   <p:cSld>
     <p:spTree>
@@ -19360,7 +25090,7 @@
           <a:p>
             <a:fld id="{8D96929D-9E84-4A42-B4C3-2E48812748E4}" type="slidenum">
               <a:rPr lang="ko-KR" altLang="en-US" smtClean="0"/>
-              <a:t>20</a:t>
+              <a:t>22</a:t>
             </a:fld>
             <a:endParaRPr lang="ko-KR" altLang="en-US"/>
           </a:p>
@@ -19525,7 +25255,7 @@
         </p:nvSpPr>
         <p:spPr>
           <a:xfrm>
-            <a:off x="318052" y="1954695"/>
+            <a:off x="821635" y="1928191"/>
             <a:ext cx="2597425" cy="1682961"/>
           </a:xfrm>
           <a:prstGeom prst="rect">
@@ -20147,6 +25877,425 @@
           </a:p>
         </p:txBody>
       </p:sp>
+      <p:grpSp>
+        <p:nvGrpSpPr>
+          <p:cNvPr id="12" name="그룹 11">
+            <a:extLst>
+              <a:ext uri="{FF2B5EF4-FFF2-40B4-BE49-F238E27FC236}">
+                <a16:creationId xmlns:a16="http://schemas.microsoft.com/office/drawing/2014/main" id="{03C3F759-481C-A1EC-0B9D-33F468E14D93}"/>
+              </a:ext>
+            </a:extLst>
+          </p:cNvPr>
+          <p:cNvGrpSpPr/>
+          <p:nvPr/>
+        </p:nvGrpSpPr>
+        <p:grpSpPr>
+          <a:xfrm>
+            <a:off x="543340" y="1444485"/>
+            <a:ext cx="7475095" cy="1086678"/>
+            <a:chOff x="901149" y="1444484"/>
+            <a:chExt cx="7475095" cy="1086678"/>
+          </a:xfrm>
+        </p:grpSpPr>
+        <p:grpSp>
+          <p:nvGrpSpPr>
+            <p:cNvPr id="8" name="그룹 7">
+              <a:extLst>
+                <a:ext uri="{FF2B5EF4-FFF2-40B4-BE49-F238E27FC236}">
+                  <a16:creationId xmlns:a16="http://schemas.microsoft.com/office/drawing/2014/main" id="{F724BBFC-8AE4-4768-52B8-4E59ADE70C04}"/>
+                </a:ext>
+              </a:extLst>
+            </p:cNvPr>
+            <p:cNvGrpSpPr/>
+            <p:nvPr/>
+          </p:nvGrpSpPr>
+          <p:grpSpPr>
+            <a:xfrm>
+              <a:off x="901149" y="1444484"/>
+              <a:ext cx="1086678" cy="1086678"/>
+              <a:chOff x="788504" y="1789042"/>
+              <a:chExt cx="1258957" cy="1258957"/>
+            </a:xfrm>
+          </p:grpSpPr>
+          <p:sp>
+            <p:nvSpPr>
+              <p:cNvPr id="7" name="타원 6">
+                <a:extLst>
+                  <a:ext uri="{FF2B5EF4-FFF2-40B4-BE49-F238E27FC236}">
+                    <a16:creationId xmlns:a16="http://schemas.microsoft.com/office/drawing/2014/main" id="{3ADB30D9-A868-C9AE-33C4-AEA924A84E36}"/>
+                  </a:ext>
+                </a:extLst>
+              </p:cNvPr>
+              <p:cNvSpPr/>
+              <p:nvPr/>
+            </p:nvSpPr>
+            <p:spPr>
+              <a:xfrm>
+                <a:off x="788504" y="1789042"/>
+                <a:ext cx="1258957" cy="1258957"/>
+              </a:xfrm>
+              <a:prstGeom prst="ellipse">
+                <a:avLst/>
+              </a:prstGeom>
+              <a:solidFill>
+                <a:schemeClr val="bg1">
+                  <a:lumMod val="95000"/>
+                </a:schemeClr>
+              </a:solidFill>
+            </p:spPr>
+            <p:style>
+              <a:lnRef idx="2">
+                <a:schemeClr val="accent1">
+                  <a:shade val="15000"/>
+                </a:schemeClr>
+              </a:lnRef>
+              <a:fillRef idx="1">
+                <a:schemeClr val="accent1"/>
+              </a:fillRef>
+              <a:effectRef idx="0">
+                <a:schemeClr val="accent1"/>
+              </a:effectRef>
+              <a:fontRef idx="minor">
+                <a:schemeClr val="lt1"/>
+              </a:fontRef>
+            </p:style>
+            <p:txBody>
+              <a:bodyPr rtlCol="0" anchor="ctr"/>
+              <a:lstStyle/>
+              <a:p>
+                <a:pPr algn="ctr"/>
+                <a:endParaRPr lang="ko-KR" altLang="en-US"/>
+              </a:p>
+            </p:txBody>
+          </p:sp>
+          <p:pic>
+            <p:nvPicPr>
+              <p:cNvPr id="5" name="그래픽 4" descr="실행 단색으로 채워진">
+                <a:extLst>
+                  <a:ext uri="{FF2B5EF4-FFF2-40B4-BE49-F238E27FC236}">
+                    <a16:creationId xmlns:a16="http://schemas.microsoft.com/office/drawing/2014/main" id="{B725F952-F6C7-8E77-0395-A24B8B3F5D05}"/>
+                  </a:ext>
+                </a:extLst>
+              </p:cNvPr>
+              <p:cNvPicPr>
+                <a:picLocks noChangeAspect="1"/>
+              </p:cNvPicPr>
+              <p:nvPr/>
+            </p:nvPicPr>
+            <p:blipFill>
+              <a:blip r:embed="rId2">
+                <a:extLst>
+                  <a:ext uri="{96DAC541-7B7A-43D3-8B79-37D633B846F1}">
+                    <asvg:svgBlip xmlns:asvg="http://schemas.microsoft.com/office/drawing/2016/SVG/main" r:embed="rId3"/>
+                  </a:ext>
+                </a:extLst>
+              </a:blip>
+              <a:stretch>
+                <a:fillRect/>
+              </a:stretch>
+            </p:blipFill>
+            <p:spPr>
+              <a:xfrm>
+                <a:off x="960782" y="1961320"/>
+                <a:ext cx="914400" cy="914400"/>
+              </a:xfrm>
+              <a:prstGeom prst="rect">
+                <a:avLst/>
+              </a:prstGeom>
+            </p:spPr>
+          </p:pic>
+        </p:grpSp>
+        <p:sp>
+          <p:nvSpPr>
+            <p:cNvPr id="10" name="TextBox 9">
+              <a:extLst>
+                <a:ext uri="{FF2B5EF4-FFF2-40B4-BE49-F238E27FC236}">
+                  <a16:creationId xmlns:a16="http://schemas.microsoft.com/office/drawing/2014/main" id="{0641C40B-0AE8-2BC9-058A-FDD377863467}"/>
+                </a:ext>
+              </a:extLst>
+            </p:cNvPr>
+            <p:cNvSpPr txBox="1"/>
+            <p:nvPr/>
+          </p:nvSpPr>
+          <p:spPr>
+            <a:xfrm>
+              <a:off x="2438400" y="1444484"/>
+              <a:ext cx="2592376" cy="523220"/>
+            </a:xfrm>
+            <a:prstGeom prst="rect">
+              <a:avLst/>
+            </a:prstGeom>
+            <a:noFill/>
+          </p:spPr>
+          <p:txBody>
+            <a:bodyPr wrap="none" rtlCol="0">
+              <a:spAutoFit/>
+            </a:bodyPr>
+            <a:lstStyle/>
+            <a:p>
+              <a:r>
+                <a:rPr lang="ko-KR" altLang="en-US" sz="2800" dirty="0"/>
+                <a:t>러닝 액션 장르</a:t>
+              </a:r>
+            </a:p>
+          </p:txBody>
+        </p:sp>
+        <p:sp>
+          <p:nvSpPr>
+            <p:cNvPr id="11" name="TextBox 10">
+              <a:extLst>
+                <a:ext uri="{FF2B5EF4-FFF2-40B4-BE49-F238E27FC236}">
+                  <a16:creationId xmlns:a16="http://schemas.microsoft.com/office/drawing/2014/main" id="{75C4CE8D-0CB7-CE6C-4FE9-49008EFE369C}"/>
+                </a:ext>
+              </a:extLst>
+            </p:cNvPr>
+            <p:cNvSpPr txBox="1"/>
+            <p:nvPr/>
+          </p:nvSpPr>
+          <p:spPr>
+            <a:xfrm>
+              <a:off x="2438400" y="2007942"/>
+              <a:ext cx="5937844" cy="523220"/>
+            </a:xfrm>
+            <a:prstGeom prst="rect">
+              <a:avLst/>
+            </a:prstGeom>
+            <a:noFill/>
+          </p:spPr>
+          <p:txBody>
+            <a:bodyPr wrap="none" rtlCol="0">
+              <a:spAutoFit/>
+            </a:bodyPr>
+            <a:lstStyle/>
+            <a:p>
+              <a:pPr marL="285750" indent="-285750">
+                <a:buFontTx/>
+                <a:buChar char="-"/>
+              </a:pPr>
+              <a:r>
+                <a:rPr lang="ko-KR" altLang="en-US" sz="1400" dirty="0"/>
+                <a:t>플레이어가 스마트폰으로 플레이하는 미니게임 중 하나의 장르</a:t>
+              </a:r>
+              <a:endParaRPr lang="en-US" altLang="ko-KR" sz="1400" dirty="0"/>
+            </a:p>
+            <a:p>
+              <a:pPr marL="285750" indent="-285750">
+                <a:buFontTx/>
+                <a:buChar char="-"/>
+              </a:pPr>
+              <a:r>
+                <a:rPr lang="ko-KR" altLang="en-US" sz="1400" dirty="0"/>
+                <a:t>캐릭터에게 달려오는 장애물을 피하는 것이 컨셉인 미니게임이 있다</a:t>
+              </a:r>
+              <a:r>
+                <a:rPr lang="en-US" altLang="ko-KR" sz="1400" dirty="0"/>
+                <a:t>.</a:t>
+              </a:r>
+              <a:endParaRPr lang="ko-KR" altLang="en-US" sz="1400" dirty="0"/>
+            </a:p>
+          </p:txBody>
+        </p:sp>
+      </p:grpSp>
+      <p:grpSp>
+        <p:nvGrpSpPr>
+          <p:cNvPr id="21" name="그룹 20">
+            <a:extLst>
+              <a:ext uri="{FF2B5EF4-FFF2-40B4-BE49-F238E27FC236}">
+                <a16:creationId xmlns:a16="http://schemas.microsoft.com/office/drawing/2014/main" id="{3F5138FC-1628-1546-578F-EEC8724B6367}"/>
+              </a:ext>
+            </a:extLst>
+          </p:cNvPr>
+          <p:cNvGrpSpPr/>
+          <p:nvPr/>
+        </p:nvGrpSpPr>
+        <p:grpSpPr>
+          <a:xfrm>
+            <a:off x="543340" y="3758169"/>
+            <a:ext cx="8537885" cy="1086678"/>
+            <a:chOff x="543340" y="3067876"/>
+            <a:chExt cx="8537885" cy="1086678"/>
+          </a:xfrm>
+        </p:grpSpPr>
+        <p:sp>
+          <p:nvSpPr>
+            <p:cNvPr id="17" name="타원 16">
+              <a:extLst>
+                <a:ext uri="{FF2B5EF4-FFF2-40B4-BE49-F238E27FC236}">
+                  <a16:creationId xmlns:a16="http://schemas.microsoft.com/office/drawing/2014/main" id="{53BCB6F9-063E-D2C7-716A-9735B3FCFCFA}"/>
+                </a:ext>
+              </a:extLst>
+            </p:cNvPr>
+            <p:cNvSpPr/>
+            <p:nvPr/>
+          </p:nvSpPr>
+          <p:spPr>
+            <a:xfrm>
+              <a:off x="543340" y="3067876"/>
+              <a:ext cx="1086678" cy="1086678"/>
+            </a:xfrm>
+            <a:prstGeom prst="ellipse">
+              <a:avLst/>
+            </a:prstGeom>
+            <a:solidFill>
+              <a:schemeClr val="bg1">
+                <a:lumMod val="95000"/>
+              </a:schemeClr>
+            </a:solidFill>
+          </p:spPr>
+          <p:style>
+            <a:lnRef idx="2">
+              <a:schemeClr val="accent1">
+                <a:shade val="15000"/>
+              </a:schemeClr>
+            </a:lnRef>
+            <a:fillRef idx="1">
+              <a:schemeClr val="accent1"/>
+            </a:fillRef>
+            <a:effectRef idx="0">
+              <a:schemeClr val="accent1"/>
+            </a:effectRef>
+            <a:fontRef idx="minor">
+              <a:schemeClr val="lt1"/>
+            </a:fontRef>
+          </p:style>
+          <p:txBody>
+            <a:bodyPr rtlCol="0" anchor="ctr"/>
+            <a:lstStyle/>
+            <a:p>
+              <a:pPr algn="ctr"/>
+              <a:endParaRPr lang="ko-KR" altLang="en-US"/>
+            </a:p>
+          </p:txBody>
+        </p:sp>
+        <p:sp>
+          <p:nvSpPr>
+            <p:cNvPr id="15" name="TextBox 14">
+              <a:extLst>
+                <a:ext uri="{FF2B5EF4-FFF2-40B4-BE49-F238E27FC236}">
+                  <a16:creationId xmlns:a16="http://schemas.microsoft.com/office/drawing/2014/main" id="{D1C324F0-BAD6-3581-35C9-E6AC0E9FA353}"/>
+                </a:ext>
+              </a:extLst>
+            </p:cNvPr>
+            <p:cNvSpPr txBox="1"/>
+            <p:nvPr/>
+          </p:nvSpPr>
+          <p:spPr>
+            <a:xfrm>
+              <a:off x="2080591" y="3067876"/>
+              <a:ext cx="1747594" cy="523220"/>
+            </a:xfrm>
+            <a:prstGeom prst="rect">
+              <a:avLst/>
+            </a:prstGeom>
+            <a:noFill/>
+          </p:spPr>
+          <p:txBody>
+            <a:bodyPr wrap="none" rtlCol="0">
+              <a:spAutoFit/>
+            </a:bodyPr>
+            <a:lstStyle/>
+            <a:p>
+              <a:r>
+                <a:rPr lang="ko-KR" altLang="en-US" sz="2800" dirty="0"/>
+                <a:t>퍼즐 장르</a:t>
+              </a:r>
+            </a:p>
+          </p:txBody>
+        </p:sp>
+        <p:sp>
+          <p:nvSpPr>
+            <p:cNvPr id="16" name="TextBox 15">
+              <a:extLst>
+                <a:ext uri="{FF2B5EF4-FFF2-40B4-BE49-F238E27FC236}">
+                  <a16:creationId xmlns:a16="http://schemas.microsoft.com/office/drawing/2014/main" id="{98CB6CA7-0F29-DF0D-2616-62C19008FB1F}"/>
+                </a:ext>
+              </a:extLst>
+            </p:cNvPr>
+            <p:cNvSpPr txBox="1"/>
+            <p:nvPr/>
+          </p:nvSpPr>
+          <p:spPr>
+            <a:xfrm>
+              <a:off x="2080591" y="3631334"/>
+              <a:ext cx="7000634" cy="523220"/>
+            </a:xfrm>
+            <a:prstGeom prst="rect">
+              <a:avLst/>
+            </a:prstGeom>
+            <a:noFill/>
+          </p:spPr>
+          <p:txBody>
+            <a:bodyPr wrap="none" rtlCol="0">
+              <a:spAutoFit/>
+            </a:bodyPr>
+            <a:lstStyle/>
+            <a:p>
+              <a:pPr marL="285750" indent="-285750">
+                <a:buFontTx/>
+                <a:buChar char="-"/>
+              </a:pPr>
+              <a:r>
+                <a:rPr lang="ko-KR" altLang="en-US" sz="1400" dirty="0"/>
+                <a:t>방해 이벤트마다 특별한 해결법을 가지고 있는다</a:t>
+              </a:r>
+              <a:r>
+                <a:rPr lang="en-US" altLang="ko-KR" sz="1400" dirty="0"/>
+                <a:t>.</a:t>
+              </a:r>
+            </a:p>
+            <a:p>
+              <a:pPr marL="285750" indent="-285750">
+                <a:buFontTx/>
+                <a:buChar char="-"/>
+              </a:pPr>
+              <a:r>
+                <a:rPr lang="ko-KR" altLang="en-US" sz="1400" dirty="0"/>
+                <a:t>방해 이벤트를 해결하는데 있어서 퍼즐을 풀어서 해결해야 하는 방식이 존재한다</a:t>
+              </a:r>
+              <a:r>
+                <a:rPr lang="en-US" altLang="ko-KR" sz="1400" dirty="0"/>
+                <a:t>.</a:t>
+              </a:r>
+            </a:p>
+          </p:txBody>
+        </p:sp>
+        <p:pic>
+          <p:nvPicPr>
+            <p:cNvPr id="20" name="그래픽 19" descr="퍼즐 조각 단색으로 채워진">
+              <a:extLst>
+                <a:ext uri="{FF2B5EF4-FFF2-40B4-BE49-F238E27FC236}">
+                  <a16:creationId xmlns:a16="http://schemas.microsoft.com/office/drawing/2014/main" id="{E5FA2C9E-1124-DE5E-B115-2394A7A9203B}"/>
+                </a:ext>
+              </a:extLst>
+            </p:cNvPr>
+            <p:cNvPicPr>
+              <a:picLocks noChangeAspect="1"/>
+            </p:cNvPicPr>
+            <p:nvPr/>
+          </p:nvPicPr>
+          <p:blipFill>
+            <a:blip r:embed="rId4">
+              <a:extLst>
+                <a:ext uri="{96DAC541-7B7A-43D3-8B79-37D633B846F1}">
+                  <asvg:svgBlip xmlns:asvg="http://schemas.microsoft.com/office/drawing/2016/SVG/main" r:embed="rId5"/>
+                </a:ext>
+              </a:extLst>
+            </a:blip>
+            <a:stretch>
+              <a:fillRect/>
+            </a:stretch>
+          </p:blipFill>
+          <p:spPr>
+            <a:xfrm>
+              <a:off x="629479" y="3154015"/>
+              <a:ext cx="914400" cy="914400"/>
+            </a:xfrm>
+            <a:prstGeom prst="rect">
+              <a:avLst/>
+            </a:prstGeom>
+          </p:spPr>
+        </p:pic>
+      </p:grpSp>
     </p:spTree>
     <p:extLst>
       <p:ext uri="{BB962C8B-B14F-4D97-AF65-F5344CB8AC3E}">

--- a/document/Please Leave me alone!.pptx
+++ b/document/Please Leave me alone!.pptx
@@ -5,7 +5,7 @@
     <p:sldMasterId id="2147483648" r:id="rId1"/>
   </p:sldMasterIdLst>
   <p:notesMasterIdLst>
-    <p:notesMasterId r:id="rId31"/>
+    <p:notesMasterId r:id="rId35"/>
   </p:notesMasterIdLst>
   <p:sldIdLst>
     <p:sldId id="256" r:id="rId2"/>
@@ -32,11 +32,15 @@
     <p:sldId id="267" r:id="rId23"/>
     <p:sldId id="268" r:id="rId24"/>
     <p:sldId id="289" r:id="rId25"/>
-    <p:sldId id="276" r:id="rId26"/>
-    <p:sldId id="275" r:id="rId27"/>
-    <p:sldId id="287" r:id="rId28"/>
-    <p:sldId id="288" r:id="rId29"/>
-    <p:sldId id="284" r:id="rId30"/>
+    <p:sldId id="290" r:id="rId26"/>
+    <p:sldId id="291" r:id="rId27"/>
+    <p:sldId id="292" r:id="rId28"/>
+    <p:sldId id="293" r:id="rId29"/>
+    <p:sldId id="276" r:id="rId30"/>
+    <p:sldId id="275" r:id="rId31"/>
+    <p:sldId id="287" r:id="rId32"/>
+    <p:sldId id="288" r:id="rId33"/>
+    <p:sldId id="284" r:id="rId34"/>
   </p:sldIdLst>
   <p:sldSz cx="12192000" cy="6858000"/>
   <p:notesSz cx="6858000" cy="9144000"/>
@@ -225,7 +229,7 @@
           <a:p>
             <a:fld id="{A9BD1FE7-2F33-4B0D-BA08-1CEE25D4E3DB}" type="datetimeFigureOut">
               <a:rPr lang="ko-KR" altLang="en-US" smtClean="0"/>
-              <a:t>2025-02-03</a:t>
+              <a:t>2025-02-04</a:t>
             </a:fld>
             <a:endParaRPr lang="ko-KR" altLang="en-US"/>
           </a:p>
@@ -492,6 +496,306 @@
 </p:notesMaster>
 </file>
 
+<file path=ppt/notesSlides/notesSlide1.xml><?xml version="1.0" encoding="utf-8"?>
+<p:notes xmlns:a="http://schemas.openxmlformats.org/drawingml/2006/main" xmlns:r="http://schemas.openxmlformats.org/officeDocument/2006/relationships" xmlns:p="http://schemas.openxmlformats.org/presentationml/2006/main">
+  <p:cSld>
+    <p:spTree>
+      <p:nvGrpSpPr>
+        <p:cNvPr id="1" name=""/>
+        <p:cNvGrpSpPr/>
+        <p:nvPr/>
+      </p:nvGrpSpPr>
+      <p:grpSpPr>
+        <a:xfrm>
+          <a:off x="0" y="0"/>
+          <a:ext cx="0" cy="0"/>
+          <a:chOff x="0" y="0"/>
+          <a:chExt cx="0" cy="0"/>
+        </a:xfrm>
+      </p:grpSpPr>
+      <p:sp>
+        <p:nvSpPr>
+          <p:cNvPr id="2" name="슬라이드 이미지 개체 틀 1"/>
+          <p:cNvSpPr>
+            <a:spLocks noGrp="1" noRot="1" noChangeAspect="1"/>
+          </p:cNvSpPr>
+          <p:nvPr>
+            <p:ph type="sldImg"/>
+          </p:nvPr>
+        </p:nvSpPr>
+        <p:spPr/>
+      </p:sp>
+      <p:sp>
+        <p:nvSpPr>
+          <p:cNvPr id="3" name="슬라이드 노트 개체 틀 2"/>
+          <p:cNvSpPr>
+            <a:spLocks noGrp="1"/>
+          </p:cNvSpPr>
+          <p:nvPr>
+            <p:ph type="body" idx="1"/>
+          </p:nvPr>
+        </p:nvSpPr>
+        <p:spPr/>
+        <p:txBody>
+          <a:bodyPr/>
+          <a:lstStyle/>
+          <a:p>
+            <a:endParaRPr lang="ko-KR" altLang="en-US" dirty="0"/>
+          </a:p>
+        </p:txBody>
+      </p:sp>
+      <p:sp>
+        <p:nvSpPr>
+          <p:cNvPr id="4" name="슬라이드 번호 개체 틀 3"/>
+          <p:cNvSpPr>
+            <a:spLocks noGrp="1"/>
+          </p:cNvSpPr>
+          <p:nvPr>
+            <p:ph type="sldNum" sz="quarter" idx="5"/>
+          </p:nvPr>
+        </p:nvSpPr>
+        <p:spPr/>
+        <p:txBody>
+          <a:bodyPr/>
+          <a:lstStyle/>
+          <a:p>
+            <a:fld id="{7314D800-9A51-42A1-B86E-6DA909F79E40}" type="slidenum">
+              <a:rPr lang="ko-KR" altLang="en-US" smtClean="0"/>
+              <a:t>25</a:t>
+            </a:fld>
+            <a:endParaRPr lang="ko-KR" altLang="en-US"/>
+          </a:p>
+        </p:txBody>
+      </p:sp>
+    </p:spTree>
+    <p:extLst>
+      <p:ext uri="{BB962C8B-B14F-4D97-AF65-F5344CB8AC3E}">
+        <p14:creationId xmlns:p14="http://schemas.microsoft.com/office/powerpoint/2010/main" val="1792405223"/>
+      </p:ext>
+    </p:extLst>
+  </p:cSld>
+  <p:clrMapOvr>
+    <a:masterClrMapping/>
+  </p:clrMapOvr>
+</p:notes>
+</file>
+
+<file path=ppt/notesSlides/notesSlide2.xml><?xml version="1.0" encoding="utf-8"?>
+<p:notes xmlns:a="http://schemas.openxmlformats.org/drawingml/2006/main" xmlns:r="http://schemas.openxmlformats.org/officeDocument/2006/relationships" xmlns:p="http://schemas.openxmlformats.org/presentationml/2006/main">
+  <p:cSld>
+    <p:spTree>
+      <p:nvGrpSpPr>
+        <p:cNvPr id="1" name="">
+          <a:extLst>
+            <a:ext uri="{FF2B5EF4-FFF2-40B4-BE49-F238E27FC236}">
+              <a16:creationId xmlns:a16="http://schemas.microsoft.com/office/drawing/2014/main" id="{9274DA3F-8FC4-A9E9-45FD-77EF34AF088D}"/>
+            </a:ext>
+          </a:extLst>
+        </p:cNvPr>
+        <p:cNvGrpSpPr/>
+        <p:nvPr/>
+      </p:nvGrpSpPr>
+      <p:grpSpPr>
+        <a:xfrm>
+          <a:off x="0" y="0"/>
+          <a:ext cx="0" cy="0"/>
+          <a:chOff x="0" y="0"/>
+          <a:chExt cx="0" cy="0"/>
+        </a:xfrm>
+      </p:grpSpPr>
+      <p:sp>
+        <p:nvSpPr>
+          <p:cNvPr id="2" name="슬라이드 이미지 개체 틀 1">
+            <a:extLst>
+              <a:ext uri="{FF2B5EF4-FFF2-40B4-BE49-F238E27FC236}">
+                <a16:creationId xmlns:a16="http://schemas.microsoft.com/office/drawing/2014/main" id="{88011184-DAD6-9058-4105-B299D12C0E35}"/>
+              </a:ext>
+            </a:extLst>
+          </p:cNvPr>
+          <p:cNvSpPr>
+            <a:spLocks noGrp="1" noRot="1" noChangeAspect="1"/>
+          </p:cNvSpPr>
+          <p:nvPr>
+            <p:ph type="sldImg"/>
+          </p:nvPr>
+        </p:nvSpPr>
+        <p:spPr/>
+      </p:sp>
+      <p:sp>
+        <p:nvSpPr>
+          <p:cNvPr id="3" name="슬라이드 노트 개체 틀 2">
+            <a:extLst>
+              <a:ext uri="{FF2B5EF4-FFF2-40B4-BE49-F238E27FC236}">
+                <a16:creationId xmlns:a16="http://schemas.microsoft.com/office/drawing/2014/main" id="{F3FB1626-E5A0-FC91-E6CD-A2A482579014}"/>
+              </a:ext>
+            </a:extLst>
+          </p:cNvPr>
+          <p:cNvSpPr>
+            <a:spLocks noGrp="1"/>
+          </p:cNvSpPr>
+          <p:nvPr>
+            <p:ph type="body" idx="1"/>
+          </p:nvPr>
+        </p:nvSpPr>
+        <p:spPr/>
+        <p:txBody>
+          <a:bodyPr/>
+          <a:lstStyle/>
+          <a:p>
+            <a:endParaRPr lang="ko-KR" altLang="en-US" dirty="0"/>
+          </a:p>
+        </p:txBody>
+      </p:sp>
+      <p:sp>
+        <p:nvSpPr>
+          <p:cNvPr id="4" name="슬라이드 번호 개체 틀 3">
+            <a:extLst>
+              <a:ext uri="{FF2B5EF4-FFF2-40B4-BE49-F238E27FC236}">
+                <a16:creationId xmlns:a16="http://schemas.microsoft.com/office/drawing/2014/main" id="{67EDCBF7-A8E0-A79B-ED1F-A0E604CB97A8}"/>
+              </a:ext>
+            </a:extLst>
+          </p:cNvPr>
+          <p:cNvSpPr>
+            <a:spLocks noGrp="1"/>
+          </p:cNvSpPr>
+          <p:nvPr>
+            <p:ph type="sldNum" sz="quarter" idx="5"/>
+          </p:nvPr>
+        </p:nvSpPr>
+        <p:spPr/>
+        <p:txBody>
+          <a:bodyPr/>
+          <a:lstStyle/>
+          <a:p>
+            <a:fld id="{7314D800-9A51-42A1-B86E-6DA909F79E40}" type="slidenum">
+              <a:rPr lang="ko-KR" altLang="en-US" smtClean="0"/>
+              <a:t>26</a:t>
+            </a:fld>
+            <a:endParaRPr lang="ko-KR" altLang="en-US"/>
+          </a:p>
+        </p:txBody>
+      </p:sp>
+    </p:spTree>
+    <p:extLst>
+      <p:ext uri="{BB962C8B-B14F-4D97-AF65-F5344CB8AC3E}">
+        <p14:creationId xmlns:p14="http://schemas.microsoft.com/office/powerpoint/2010/main" val="4292142447"/>
+      </p:ext>
+    </p:extLst>
+  </p:cSld>
+  <p:clrMapOvr>
+    <a:masterClrMapping/>
+  </p:clrMapOvr>
+</p:notes>
+</file>
+
+<file path=ppt/notesSlides/notesSlide3.xml><?xml version="1.0" encoding="utf-8"?>
+<p:notes xmlns:a="http://schemas.openxmlformats.org/drawingml/2006/main" xmlns:r="http://schemas.openxmlformats.org/officeDocument/2006/relationships" xmlns:p="http://schemas.openxmlformats.org/presentationml/2006/main">
+  <p:cSld>
+    <p:spTree>
+      <p:nvGrpSpPr>
+        <p:cNvPr id="1" name="">
+          <a:extLst>
+            <a:ext uri="{FF2B5EF4-FFF2-40B4-BE49-F238E27FC236}">
+              <a16:creationId xmlns:a16="http://schemas.microsoft.com/office/drawing/2014/main" id="{592E98EB-5A92-1E3B-6ED0-119E8A5E4710}"/>
+            </a:ext>
+          </a:extLst>
+        </p:cNvPr>
+        <p:cNvGrpSpPr/>
+        <p:nvPr/>
+      </p:nvGrpSpPr>
+      <p:grpSpPr>
+        <a:xfrm>
+          <a:off x="0" y="0"/>
+          <a:ext cx="0" cy="0"/>
+          <a:chOff x="0" y="0"/>
+          <a:chExt cx="0" cy="0"/>
+        </a:xfrm>
+      </p:grpSpPr>
+      <p:sp>
+        <p:nvSpPr>
+          <p:cNvPr id="2" name="슬라이드 이미지 개체 틀 1">
+            <a:extLst>
+              <a:ext uri="{FF2B5EF4-FFF2-40B4-BE49-F238E27FC236}">
+                <a16:creationId xmlns:a16="http://schemas.microsoft.com/office/drawing/2014/main" id="{77072164-8C3B-5182-BD20-74897FBF1BED}"/>
+              </a:ext>
+            </a:extLst>
+          </p:cNvPr>
+          <p:cNvSpPr>
+            <a:spLocks noGrp="1" noRot="1" noChangeAspect="1"/>
+          </p:cNvSpPr>
+          <p:nvPr>
+            <p:ph type="sldImg"/>
+          </p:nvPr>
+        </p:nvSpPr>
+        <p:spPr/>
+      </p:sp>
+      <p:sp>
+        <p:nvSpPr>
+          <p:cNvPr id="3" name="슬라이드 노트 개체 틀 2">
+            <a:extLst>
+              <a:ext uri="{FF2B5EF4-FFF2-40B4-BE49-F238E27FC236}">
+                <a16:creationId xmlns:a16="http://schemas.microsoft.com/office/drawing/2014/main" id="{7AC3AAD6-6ED4-1E58-3C8B-781283D12CCC}"/>
+              </a:ext>
+            </a:extLst>
+          </p:cNvPr>
+          <p:cNvSpPr>
+            <a:spLocks noGrp="1"/>
+          </p:cNvSpPr>
+          <p:nvPr>
+            <p:ph type="body" idx="1"/>
+          </p:nvPr>
+        </p:nvSpPr>
+        <p:spPr/>
+        <p:txBody>
+          <a:bodyPr/>
+          <a:lstStyle/>
+          <a:p>
+            <a:endParaRPr lang="ko-KR" altLang="en-US" dirty="0"/>
+          </a:p>
+        </p:txBody>
+      </p:sp>
+      <p:sp>
+        <p:nvSpPr>
+          <p:cNvPr id="4" name="슬라이드 번호 개체 틀 3">
+            <a:extLst>
+              <a:ext uri="{FF2B5EF4-FFF2-40B4-BE49-F238E27FC236}">
+                <a16:creationId xmlns:a16="http://schemas.microsoft.com/office/drawing/2014/main" id="{A49E1A35-C355-D1E2-9E68-DC0205E19270}"/>
+              </a:ext>
+            </a:extLst>
+          </p:cNvPr>
+          <p:cNvSpPr>
+            <a:spLocks noGrp="1"/>
+          </p:cNvSpPr>
+          <p:nvPr>
+            <p:ph type="sldNum" sz="quarter" idx="5"/>
+          </p:nvPr>
+        </p:nvSpPr>
+        <p:spPr/>
+        <p:txBody>
+          <a:bodyPr/>
+          <a:lstStyle/>
+          <a:p>
+            <a:fld id="{7314D800-9A51-42A1-B86E-6DA909F79E40}" type="slidenum">
+              <a:rPr lang="ko-KR" altLang="en-US" smtClean="0"/>
+              <a:t>27</a:t>
+            </a:fld>
+            <a:endParaRPr lang="ko-KR" altLang="en-US"/>
+          </a:p>
+        </p:txBody>
+      </p:sp>
+    </p:spTree>
+    <p:extLst>
+      <p:ext uri="{BB962C8B-B14F-4D97-AF65-F5344CB8AC3E}">
+        <p14:creationId xmlns:p14="http://schemas.microsoft.com/office/powerpoint/2010/main" val="3316197748"/>
+      </p:ext>
+    </p:extLst>
+  </p:cSld>
+  <p:clrMapOvr>
+    <a:masterClrMapping/>
+  </p:clrMapOvr>
+</p:notes>
+</file>
+
 <file path=ppt/slideLayouts/slideLayout1.xml><?xml version="1.0" encoding="utf-8"?>
 <p:sldLayout xmlns:a="http://schemas.openxmlformats.org/drawingml/2006/main" xmlns:r="http://schemas.openxmlformats.org/officeDocument/2006/relationships" xmlns:p="http://schemas.openxmlformats.org/presentationml/2006/main" type="title" preserve="1">
   <p:cSld name="제목 슬라이드">
@@ -639,7 +943,7 @@
           <a:p>
             <a:fld id="{783F481A-738D-4EBC-92BF-08655C0568CC}" type="datetime1">
               <a:rPr lang="ko-KR" altLang="en-US" smtClean="0"/>
-              <a:t>2025-02-03</a:t>
+              <a:t>2025-02-04</a:t>
             </a:fld>
             <a:endParaRPr lang="ko-KR" altLang="en-US"/>
           </a:p>
@@ -837,7 +1141,7 @@
           <a:p>
             <a:fld id="{6D9BB776-B79C-4546-8ABA-DA45D9C133A7}" type="datetime1">
               <a:rPr lang="ko-KR" altLang="en-US" smtClean="0"/>
-              <a:t>2025-02-03</a:t>
+              <a:t>2025-02-04</a:t>
             </a:fld>
             <a:endParaRPr lang="ko-KR" altLang="en-US"/>
           </a:p>
@@ -1045,7 +1349,7 @@
           <a:p>
             <a:fld id="{720FF001-C6D3-49EC-8DC3-B2593B1DC1C3}" type="datetime1">
               <a:rPr lang="ko-KR" altLang="en-US" smtClean="0"/>
-              <a:t>2025-02-03</a:t>
+              <a:t>2025-02-04</a:t>
             </a:fld>
             <a:endParaRPr lang="ko-KR" altLang="en-US"/>
           </a:p>
@@ -1243,7 +1547,7 @@
           <a:p>
             <a:fld id="{091E519C-B90B-4A61-8F7D-EA80CD22B7D5}" type="datetime1">
               <a:rPr lang="ko-KR" altLang="en-US" smtClean="0"/>
-              <a:t>2025-02-03</a:t>
+              <a:t>2025-02-04</a:t>
             </a:fld>
             <a:endParaRPr lang="ko-KR" altLang="en-US"/>
           </a:p>
@@ -1518,7 +1822,7 @@
           <a:p>
             <a:fld id="{FD734108-2D59-40E2-B393-1F390391A1FB}" type="datetime1">
               <a:rPr lang="ko-KR" altLang="en-US" smtClean="0"/>
-              <a:t>2025-02-03</a:t>
+              <a:t>2025-02-04</a:t>
             </a:fld>
             <a:endParaRPr lang="ko-KR" altLang="en-US"/>
           </a:p>
@@ -1783,7 +2087,7 @@
           <a:p>
             <a:fld id="{297FF520-CDFD-4316-AC89-B0A764216C4E}" type="datetime1">
               <a:rPr lang="ko-KR" altLang="en-US" smtClean="0"/>
-              <a:t>2025-02-03</a:t>
+              <a:t>2025-02-04</a:t>
             </a:fld>
             <a:endParaRPr lang="ko-KR" altLang="en-US"/>
           </a:p>
@@ -2195,7 +2499,7 @@
           <a:p>
             <a:fld id="{0CF3B42C-2182-4183-A46A-124CD019AF43}" type="datetime1">
               <a:rPr lang="ko-KR" altLang="en-US" smtClean="0"/>
-              <a:t>2025-02-03</a:t>
+              <a:t>2025-02-04</a:t>
             </a:fld>
             <a:endParaRPr lang="ko-KR" altLang="en-US"/>
           </a:p>
@@ -2336,7 +2640,7 @@
           <a:p>
             <a:fld id="{B738F611-77C6-4F89-8E2C-D3A9C27DF43F}" type="datetime1">
               <a:rPr lang="ko-KR" altLang="en-US" smtClean="0"/>
-              <a:t>2025-02-03</a:t>
+              <a:t>2025-02-04</a:t>
             </a:fld>
             <a:endParaRPr lang="ko-KR" altLang="en-US"/>
           </a:p>
@@ -2449,7 +2753,7 @@
           <a:p>
             <a:fld id="{A051748B-BCED-40F0-8EF5-AF075B4618B9}" type="datetime1">
               <a:rPr lang="ko-KR" altLang="en-US" smtClean="0"/>
-              <a:t>2025-02-03</a:t>
+              <a:t>2025-02-04</a:t>
             </a:fld>
             <a:endParaRPr lang="ko-KR" altLang="en-US"/>
           </a:p>
@@ -2760,7 +3064,7 @@
           <a:p>
             <a:fld id="{41DBB85A-8EA7-4277-A6E6-46EF2EEF4790}" type="datetime1">
               <a:rPr lang="ko-KR" altLang="en-US" smtClean="0"/>
-              <a:t>2025-02-03</a:t>
+              <a:t>2025-02-04</a:t>
             </a:fld>
             <a:endParaRPr lang="ko-KR" altLang="en-US"/>
           </a:p>
@@ -3048,7 +3352,7 @@
           <a:p>
             <a:fld id="{BBE44FDA-CB41-4E86-912D-6ECC7574FD7F}" type="datetime1">
               <a:rPr lang="ko-KR" altLang="en-US" smtClean="0"/>
-              <a:t>2025-02-03</a:t>
+              <a:t>2025-02-04</a:t>
             </a:fld>
             <a:endParaRPr lang="ko-KR" altLang="en-US"/>
           </a:p>
@@ -3289,7 +3593,7 @@
           <a:p>
             <a:fld id="{F0992805-70C9-4612-850D-0415F751BF22}" type="datetime1">
               <a:rPr lang="ko-KR" altLang="en-US" smtClean="0"/>
-              <a:t>2025-02-03</a:t>
+              <a:t>2025-02-04</a:t>
             </a:fld>
             <a:endParaRPr lang="ko-KR" altLang="en-US"/>
           </a:p>
@@ -15926,7 +16230,7 @@
         <p:spPr>
           <a:xfrm>
             <a:off x="430696" y="5365387"/>
-            <a:ext cx="11222944" cy="923330"/>
+            <a:ext cx="11222944" cy="1200329"/>
           </a:xfrm>
           <a:prstGeom prst="rect">
             <a:avLst/>
@@ -15940,8 +16244,8 @@
           <a:lstStyle/>
           <a:p>
             <a:pPr marL="285750" indent="-285750">
-              <a:buFont typeface="Arial" panose="020B0604020202020204" pitchFamily="34" charset="0"/>
-              <a:buChar char="•"/>
+              <a:buFontTx/>
+              <a:buChar char="-"/>
             </a:pPr>
             <a:r>
               <a:rPr lang="ko-KR" altLang="en-US" dirty="0"/>
@@ -15953,7 +16257,7 @@
             </a:r>
             <a:r>
               <a:rPr lang="ko-KR" altLang="en-US" dirty="0"/>
-              <a:t>분을 버티게 되면 점수 집계 창으로 넘어간다</a:t>
+              <a:t>분을 버티게 되면 목표 달성 창으로 넘어간다</a:t>
             </a:r>
             <a:r>
               <a:rPr lang="en-US" altLang="ko-KR" dirty="0"/>
@@ -15962,26 +16266,40 @@
           </a:p>
           <a:p>
             <a:pPr marL="285750" indent="-285750">
-              <a:buFont typeface="Arial" panose="020B0604020202020204" pitchFamily="34" charset="0"/>
-              <a:buChar char="•"/>
+              <a:buFontTx/>
+              <a:buChar char="-"/>
             </a:pPr>
             <a:r>
               <a:rPr lang="ko-KR" altLang="en-US" dirty="0"/>
-              <a:t>만약 플레이어가 미니게임의 목표를 달성한 채로 넘어가게 되면 게임 클리어 점수를 얻는다</a:t>
+              <a:t>만약 플레이어가 미니게임의 목표를 달성한 채로 넘어가게 되면 목표 달성 성공 처리가 된다</a:t>
             </a:r>
             <a:r>
               <a:rPr lang="en-US" altLang="ko-KR" dirty="0"/>
-              <a:t>.</a:t>
+              <a:t>. </a:t>
             </a:r>
           </a:p>
           <a:p>
             <a:pPr marL="285750" indent="-285750">
-              <a:buFont typeface="Arial" panose="020B0604020202020204" pitchFamily="34" charset="0"/>
-              <a:buChar char="•"/>
+              <a:buFontTx/>
+              <a:buChar char="-"/>
             </a:pPr>
             <a:r>
               <a:rPr lang="ko-KR" altLang="en-US" dirty="0"/>
-              <a:t>그렇지 않은 경우 방해 이벤트 처리관련 점수를 받게 된다</a:t>
+              <a:t>방해 이벤트를 해결 하였을 경우 목표 달성 성공처리가 된다</a:t>
+            </a:r>
+            <a:r>
+              <a:rPr lang="en-US" altLang="ko-KR" dirty="0"/>
+              <a:t>.</a:t>
+            </a:r>
+          </a:p>
+          <a:p>
+            <a:pPr marL="285750" indent="-285750">
+              <a:buFontTx/>
+              <a:buChar char="-"/>
+            </a:pPr>
+            <a:r>
+              <a:rPr lang="ko-KR" altLang="en-US" dirty="0"/>
+              <a:t>무시 하였을 경우에는 목표 달성 실패 처리 된다</a:t>
             </a:r>
             <a:r>
               <a:rPr lang="en-US" altLang="ko-KR" dirty="0"/>
@@ -17027,7 +17345,7 @@
         <p:spPr>
           <a:xfrm>
             <a:off x="636105" y="1636644"/>
-            <a:ext cx="9882834" cy="646331"/>
+            <a:ext cx="8334333" cy="646331"/>
           </a:xfrm>
           <a:prstGeom prst="rect">
             <a:avLst/>
@@ -17046,7 +17364,7 @@
             </a:pPr>
             <a:r>
               <a:rPr lang="ko-KR" altLang="en-US" dirty="0"/>
-              <a:t>플레이어가 게임을 어느정도 했는지에 따른 점수를 매기고 점수에 따라서 등급을 부여한다</a:t>
+              <a:t>플레이어가 목표달성을 어느정도 했는지 개수를 집계하고 등급을 부여한다</a:t>
             </a:r>
             <a:r>
               <a:rPr lang="en-US" altLang="ko-KR" dirty="0"/>
@@ -17084,7 +17402,7 @@
           <p:nvPr>
             <p:extLst>
               <p:ext uri="{D42A27DB-BD31-4B8C-83A1-F6EECF244321}">
-                <p14:modId xmlns:p14="http://schemas.microsoft.com/office/powerpoint/2010/main" val="3527909115"/>
+                <p14:modId xmlns:p14="http://schemas.microsoft.com/office/powerpoint/2010/main" val="276322744"/>
               </p:ext>
             </p:extLst>
           </p:nvPr>
@@ -17138,7 +17456,7 @@
                       <a:pPr algn="ctr" latinLnBrk="1"/>
                       <a:r>
                         <a:rPr lang="ko-KR" altLang="en-US" dirty="0"/>
-                        <a:t>해결한 요소</a:t>
+                        <a:t>목표 달성한 항목</a:t>
                       </a:r>
                     </a:p>
                   </a:txBody>
@@ -17460,7 +17778,7 @@
         <p:spPr>
           <a:xfrm>
             <a:off x="454785" y="707392"/>
-            <a:ext cx="2592376" cy="523220"/>
+            <a:ext cx="4155305" cy="523220"/>
           </a:xfrm>
           <a:prstGeom prst="rect">
             <a:avLst/>
@@ -17479,7 +17797,7 @@
                   <a:srgbClr val="0070C0"/>
                 </a:solidFill>
               </a:rPr>
-              <a:t>점수 측정 방식</a:t>
+              <a:t>게임 결과 등급 처리방식</a:t>
             </a:r>
           </a:p>
         </p:txBody>
@@ -17578,8 +17896,8 @@
           <a:lstStyle/>
           <a:p>
             <a:pPr marL="285750" indent="-285750">
-              <a:buFont typeface="Arial" panose="020B0604020202020204" pitchFamily="34" charset="0"/>
-              <a:buChar char="•"/>
+              <a:buFontTx/>
+              <a:buChar char="-"/>
             </a:pPr>
             <a:r>
               <a:rPr lang="ko-KR" altLang="en-US" dirty="0"/>
@@ -17589,12 +17907,12 @@
           </a:p>
           <a:p>
             <a:pPr marL="285750" indent="-285750">
-              <a:buFont typeface="Arial" panose="020B0604020202020204" pitchFamily="34" charset="0"/>
-              <a:buChar char="•"/>
+              <a:buFontTx/>
+              <a:buChar char="-"/>
             </a:pPr>
             <a:r>
               <a:rPr lang="ko-KR" altLang="en-US" dirty="0"/>
-              <a:t>방해 공작</a:t>
+              <a:t>방해 이벤트 종류</a:t>
             </a:r>
             <a:endParaRPr lang="en-US" altLang="ko-KR" dirty="0"/>
           </a:p>
@@ -24924,6 +25242,52 @@
           </a:p>
         </p:txBody>
       </p:sp>
+      <p:sp>
+        <p:nvSpPr>
+          <p:cNvPr id="3" name="화살표: 오른쪽 2">
+            <a:extLst>
+              <a:ext uri="{FF2B5EF4-FFF2-40B4-BE49-F238E27FC236}">
+                <a16:creationId xmlns:a16="http://schemas.microsoft.com/office/drawing/2014/main" id="{19A51C7C-DE3F-31F8-16FF-3E80D8F53448}"/>
+              </a:ext>
+            </a:extLst>
+          </p:cNvPr>
+          <p:cNvSpPr/>
+          <p:nvPr/>
+        </p:nvSpPr>
+        <p:spPr>
+          <a:xfrm>
+            <a:off x="5606796" y="4906826"/>
+            <a:ext cx="978408" cy="484632"/>
+          </a:xfrm>
+          <a:prstGeom prst="rightArrow">
+            <a:avLst/>
+          </a:prstGeom>
+        </p:spPr>
+        <p:style>
+          <a:lnRef idx="2">
+            <a:schemeClr val="accent1">
+              <a:shade val="15000"/>
+            </a:schemeClr>
+          </a:lnRef>
+          <a:fillRef idx="1">
+            <a:schemeClr val="accent1"/>
+          </a:fillRef>
+          <a:effectRef idx="0">
+            <a:schemeClr val="accent1"/>
+          </a:effectRef>
+          <a:fontRef idx="minor">
+            <a:schemeClr val="lt1"/>
+          </a:fontRef>
+        </p:style>
+        <p:txBody>
+          <a:bodyPr rtlCol="0" anchor="ctr"/>
+          <a:lstStyle/>
+          <a:p>
+            <a:pPr algn="ctr"/>
+            <a:endParaRPr lang="ko-KR" altLang="en-US"/>
+          </a:p>
+        </p:txBody>
+      </p:sp>
     </p:spTree>
     <p:extLst>
       <p:ext uri="{BB962C8B-B14F-4D97-AF65-F5344CB8AC3E}">
@@ -26221,8 +26585,8 @@
           <a:lstStyle/>
           <a:p>
             <a:pPr marL="285750" indent="-285750">
-              <a:buFont typeface="Arial" panose="020B0604020202020204" pitchFamily="34" charset="0"/>
-              <a:buChar char="•"/>
+              <a:buFontTx/>
+              <a:buChar char="-"/>
             </a:pPr>
             <a:r>
               <a:rPr lang="ko-KR" altLang="en-US" dirty="0"/>
@@ -26243,8 +26607,8 @@
           </a:p>
           <a:p>
             <a:pPr marL="285750" indent="-285750">
-              <a:buFont typeface="Arial" panose="020B0604020202020204" pitchFamily="34" charset="0"/>
-              <a:buChar char="•"/>
+              <a:buFontTx/>
+              <a:buChar char="-"/>
             </a:pPr>
             <a:r>
               <a:rPr lang="ko-KR" altLang="en-US" dirty="0"/>
@@ -26273,8 +26637,8 @@
           </a:p>
           <a:p>
             <a:pPr marL="285750" indent="-285750">
-              <a:buFont typeface="Arial" panose="020B0604020202020204" pitchFamily="34" charset="0"/>
-              <a:buChar char="•"/>
+              <a:buFontTx/>
+              <a:buChar char="-"/>
             </a:pPr>
             <a:r>
               <a:rPr lang="ko-KR" altLang="en-US" dirty="0"/>
@@ -26959,7 +27323,7 @@
         <p:spPr>
           <a:xfrm>
             <a:off x="430696" y="1504122"/>
-            <a:ext cx="11272638" cy="1477328"/>
+            <a:ext cx="8646919" cy="1477328"/>
           </a:xfrm>
           <a:prstGeom prst="rect">
             <a:avLst/>
@@ -26973,8 +27337,8 @@
           <a:lstStyle/>
           <a:p>
             <a:pPr marL="285750" indent="-285750">
-              <a:buFont typeface="Arial" panose="020B0604020202020204" pitchFamily="34" charset="0"/>
-              <a:buChar char="•"/>
+              <a:buFontTx/>
+              <a:buChar char="-"/>
             </a:pPr>
             <a:r>
               <a:rPr lang="ko-KR" altLang="en-US" dirty="0"/>
@@ -27003,8 +27367,8 @@
           </a:p>
           <a:p>
             <a:pPr marL="285750" indent="-285750">
-              <a:buFont typeface="Arial" panose="020B0604020202020204" pitchFamily="34" charset="0"/>
-              <a:buChar char="•"/>
+              <a:buFontTx/>
+              <a:buChar char="-"/>
             </a:pPr>
             <a:r>
               <a:rPr lang="ko-KR" altLang="en-US" dirty="0"/>
@@ -27017,8 +27381,8 @@
           </a:p>
           <a:p>
             <a:pPr marL="285750" indent="-285750">
-              <a:buFont typeface="Arial" panose="020B0604020202020204" pitchFamily="34" charset="0"/>
-              <a:buChar char="•"/>
+              <a:buFontTx/>
+              <a:buChar char="-"/>
             </a:pPr>
             <a:r>
               <a:rPr lang="ko-KR" altLang="en-US" dirty="0"/>
@@ -27047,8 +27411,8 @@
           </a:p>
           <a:p>
             <a:pPr marL="285750" indent="-285750">
-              <a:buFont typeface="Arial" panose="020B0604020202020204" pitchFamily="34" charset="0"/>
-              <a:buChar char="•"/>
+              <a:buFontTx/>
+              <a:buChar char="-"/>
             </a:pPr>
             <a:r>
               <a:rPr lang="ko-KR" altLang="en-US" dirty="0"/>
@@ -27061,12 +27425,12 @@
           </a:p>
           <a:p>
             <a:pPr marL="285750" indent="-285750">
-              <a:buFont typeface="Arial" panose="020B0604020202020204" pitchFamily="34" charset="0"/>
-              <a:buChar char="•"/>
+              <a:buFontTx/>
+              <a:buChar char="-"/>
             </a:pPr>
             <a:r>
               <a:rPr lang="ko-KR" altLang="en-US" dirty="0"/>
-              <a:t>방해 이벤트를 해결하고 일시정지를 해제 하면 </a:t>
+              <a:t>이벤트를 해결하는 중에도 </a:t>
             </a:r>
             <a:r>
               <a:rPr lang="en-US" altLang="ko-KR" dirty="0"/>
@@ -27074,27 +27438,11 @@
             </a:r>
             <a:r>
               <a:rPr lang="ko-KR" altLang="en-US" dirty="0"/>
-              <a:t>등의 점수가 </a:t>
-            </a:r>
-            <a:r>
-              <a:rPr lang="ko-KR" altLang="en-US" dirty="0" err="1"/>
-              <a:t>랜덤한</a:t>
-            </a:r>
-            <a:r>
-              <a:rPr lang="ko-KR" altLang="en-US" dirty="0"/>
-              <a:t> 수치만큼 상승한다</a:t>
+              <a:t>등의 점수는 계속 상승 한다</a:t>
             </a:r>
             <a:r>
               <a:rPr lang="en-US" altLang="ko-KR" dirty="0"/>
-              <a:t>.(1000~3000</a:t>
-            </a:r>
-            <a:r>
-              <a:rPr lang="ko-KR" altLang="en-US" dirty="0"/>
-              <a:t>점</a:t>
-            </a:r>
-            <a:r>
-              <a:rPr lang="en-US" altLang="ko-KR" dirty="0"/>
-              <a:t>)</a:t>
+              <a:t>.</a:t>
             </a:r>
           </a:p>
         </p:txBody>
@@ -27359,7 +27707,7 @@
         <p:spPr>
           <a:xfrm>
             <a:off x="554527" y="5210360"/>
-            <a:ext cx="11200502" cy="1200329"/>
+            <a:ext cx="8416086" cy="923330"/>
           </a:xfrm>
           <a:prstGeom prst="rect">
             <a:avLst/>
@@ -27377,12 +27725,8 @@
               <a:buChar char="-"/>
             </a:pPr>
             <a:r>
-              <a:rPr lang="ko-KR" altLang="en-US" dirty="0" err="1"/>
-              <a:t>횡스크롤</a:t>
-            </a:r>
-            <a:r>
               <a:rPr lang="ko-KR" altLang="en-US" dirty="0"/>
-              <a:t> 러닝 게임으로 점프와 슬라이딩 두개의 기능으로 장애물을 피할 때마다 점수를 얻는 게임이다</a:t>
+              <a:t>터치를 통해서 떨어지려는 종이 비행기를 멀리 날리는 것이 목표인 게임이다</a:t>
             </a:r>
             <a:r>
               <a:rPr lang="en-US" altLang="ko-KR" dirty="0"/>
@@ -27396,19 +27740,11 @@
             </a:pPr>
             <a:r>
               <a:rPr lang="ko-KR" altLang="en-US" dirty="0"/>
-              <a:t>캐릭터는 고정 되어 있고 장애물이 플레이어에게 다가오는 형식</a:t>
+              <a:t>날아가면서 장애물에 부딪힐 경우 게임오버가 된다</a:t>
             </a:r>
             <a:r>
               <a:rPr lang="en-US" altLang="ko-KR" dirty="0"/>
-              <a:t>(</a:t>
-            </a:r>
-            <a:r>
-              <a:rPr lang="ko-KR" altLang="en-US" dirty="0"/>
-              <a:t>속도는 점수 배점에 따라 달라진다</a:t>
-            </a:r>
-            <a:r>
-              <a:rPr lang="en-US" altLang="ko-KR" dirty="0"/>
-              <a:t>.)</a:t>
+              <a:t>.</a:t>
             </a:r>
           </a:p>
           <a:p>
@@ -27418,776 +27754,53 @@
             </a:pPr>
             <a:r>
               <a:rPr lang="ko-KR" altLang="en-US" dirty="0"/>
-              <a:t>정해진 시간동안 </a:t>
+              <a:t>날아가는 속도는 </a:t>
             </a:r>
             <a:r>
               <a:rPr lang="en-US" altLang="ko-KR" dirty="0"/>
-              <a:t>1</a:t>
+              <a:t>1m/s</a:t>
             </a:r>
             <a:r>
               <a:rPr lang="ko-KR" altLang="en-US" dirty="0"/>
-              <a:t>등을 유지하는 것이 목표이다</a:t>
+              <a:t>로 통과한 장애물이 많을 수록 점점 빨라진다</a:t>
             </a:r>
             <a:r>
               <a:rPr lang="en-US" altLang="ko-KR" dirty="0"/>
               <a:t>.</a:t>
             </a:r>
-          </a:p>
-          <a:p>
-            <a:pPr marL="285750" indent="-285750">
-              <a:buFontTx/>
-              <a:buChar char="-"/>
-            </a:pPr>
-            <a:r>
-              <a:rPr lang="ko-KR" altLang="en-US" dirty="0"/>
-              <a:t>장애물에 </a:t>
-            </a:r>
-            <a:r>
-              <a:rPr lang="en-US" altLang="ko-KR" dirty="0"/>
-              <a:t>3</a:t>
-            </a:r>
-            <a:r>
-              <a:rPr lang="ko-KR" altLang="en-US" dirty="0"/>
-              <a:t>번 이상 부딪힐 경우 게임 오버</a:t>
-            </a:r>
-            <a:endParaRPr lang="en-US" altLang="ko-KR" dirty="0"/>
           </a:p>
         </p:txBody>
       </p:sp>
-      <p:grpSp>
-        <p:nvGrpSpPr>
-          <p:cNvPr id="12" name="그룹 11">
+      <p:sp>
+        <p:nvSpPr>
+          <p:cNvPr id="13" name="직사각형 12">
             <a:extLst>
               <a:ext uri="{FF2B5EF4-FFF2-40B4-BE49-F238E27FC236}">
-                <a16:creationId xmlns:a16="http://schemas.microsoft.com/office/drawing/2014/main" id="{6ED55BF5-2784-5785-DEA0-2C3F6CC68699}"/>
+                <a16:creationId xmlns:a16="http://schemas.microsoft.com/office/drawing/2014/main" id="{F00A16E6-1005-B319-65AB-2E98E9DABF11}"/>
               </a:ext>
             </a:extLst>
           </p:cNvPr>
-          <p:cNvGrpSpPr/>
-          <p:nvPr/>
-        </p:nvGrpSpPr>
-        <p:grpSpPr>
-          <a:xfrm>
-            <a:off x="2756452" y="1360418"/>
-            <a:ext cx="6433930" cy="3619086"/>
-            <a:chOff x="371062" y="208722"/>
-            <a:chExt cx="11449877" cy="6440556"/>
-          </a:xfrm>
-        </p:grpSpPr>
-        <p:sp>
-          <p:nvSpPr>
-            <p:cNvPr id="13" name="직사각형 12">
-              <a:extLst>
-                <a:ext uri="{FF2B5EF4-FFF2-40B4-BE49-F238E27FC236}">
-                  <a16:creationId xmlns:a16="http://schemas.microsoft.com/office/drawing/2014/main" id="{F00A16E6-1005-B319-65AB-2E98E9DABF11}"/>
-                </a:ext>
-              </a:extLst>
-            </p:cNvPr>
-            <p:cNvSpPr>
-              <a:spLocks noChangeAspect="1"/>
-            </p:cNvSpPr>
-            <p:nvPr/>
-          </p:nvSpPr>
-          <p:spPr>
-            <a:xfrm>
-              <a:off x="371062" y="208722"/>
-              <a:ext cx="11449877" cy="6440556"/>
-            </a:xfrm>
-            <a:prstGeom prst="rect">
-              <a:avLst/>
-            </a:prstGeom>
-            <a:solidFill>
-              <a:schemeClr val="bg1"/>
-            </a:solidFill>
-            <a:ln>
-              <a:solidFill>
-                <a:schemeClr val="tx1"/>
-              </a:solidFill>
-            </a:ln>
-          </p:spPr>
-          <p:style>
-            <a:lnRef idx="2">
-              <a:schemeClr val="accent1">
-                <a:shade val="15000"/>
-              </a:schemeClr>
-            </a:lnRef>
-            <a:fillRef idx="1">
-              <a:schemeClr val="accent1"/>
-            </a:fillRef>
-            <a:effectRef idx="0">
-              <a:schemeClr val="accent1"/>
-            </a:effectRef>
-            <a:fontRef idx="minor">
-              <a:schemeClr val="lt1"/>
-            </a:fontRef>
-          </p:style>
-          <p:txBody>
-            <a:bodyPr rtlCol="0" anchor="ctr"/>
-            <a:lstStyle/>
-            <a:p>
-              <a:pPr algn="ctr"/>
-              <a:endParaRPr lang="ko-KR" altLang="en-US" dirty="0"/>
-            </a:p>
-          </p:txBody>
-        </p:sp>
-        <p:sp>
-          <p:nvSpPr>
-            <p:cNvPr id="14" name="직사각형 13">
-              <a:extLst>
-                <a:ext uri="{FF2B5EF4-FFF2-40B4-BE49-F238E27FC236}">
-                  <a16:creationId xmlns:a16="http://schemas.microsoft.com/office/drawing/2014/main" id="{6A4106A8-87A6-2516-E8FA-2B4DB5ED4B35}"/>
-                </a:ext>
-              </a:extLst>
-            </p:cNvPr>
-            <p:cNvSpPr/>
-            <p:nvPr/>
-          </p:nvSpPr>
-          <p:spPr>
-            <a:xfrm>
-              <a:off x="371062" y="5493026"/>
-              <a:ext cx="11449876" cy="1156252"/>
-            </a:xfrm>
-            <a:prstGeom prst="rect">
-              <a:avLst/>
-            </a:prstGeom>
-            <a:solidFill>
-              <a:schemeClr val="tx1">
-                <a:lumMod val="65000"/>
-                <a:lumOff val="35000"/>
-              </a:schemeClr>
-            </a:solidFill>
-            <a:ln>
-              <a:solidFill>
-                <a:schemeClr val="tx1"/>
-              </a:solidFill>
-            </a:ln>
-          </p:spPr>
-          <p:style>
-            <a:lnRef idx="2">
-              <a:schemeClr val="accent1">
-                <a:shade val="15000"/>
-              </a:schemeClr>
-            </a:lnRef>
-            <a:fillRef idx="1">
-              <a:schemeClr val="accent1"/>
-            </a:fillRef>
-            <a:effectRef idx="0">
-              <a:schemeClr val="accent1"/>
-            </a:effectRef>
-            <a:fontRef idx="minor">
-              <a:schemeClr val="lt1"/>
-            </a:fontRef>
-          </p:style>
-          <p:txBody>
-            <a:bodyPr rtlCol="0" anchor="ctr"/>
-            <a:lstStyle/>
-            <a:p>
-              <a:pPr algn="ctr"/>
-              <a:endParaRPr lang="ko-KR" altLang="en-US"/>
-            </a:p>
-          </p:txBody>
-        </p:sp>
-        <p:sp>
-          <p:nvSpPr>
-            <p:cNvPr id="15" name="사각형: 둥근 모서리 14">
-              <a:extLst>
-                <a:ext uri="{FF2B5EF4-FFF2-40B4-BE49-F238E27FC236}">
-                  <a16:creationId xmlns:a16="http://schemas.microsoft.com/office/drawing/2014/main" id="{824F810C-4573-E61C-BB7F-C105248D21F9}"/>
-                </a:ext>
-              </a:extLst>
-            </p:cNvPr>
-            <p:cNvSpPr/>
-            <p:nvPr/>
-          </p:nvSpPr>
-          <p:spPr>
-            <a:xfrm>
-              <a:off x="578115" y="4210904"/>
-              <a:ext cx="722243" cy="1282122"/>
-            </a:xfrm>
-            <a:prstGeom prst="roundRect">
-              <a:avLst/>
-            </a:prstGeom>
-            <a:ln>
-              <a:noFill/>
-            </a:ln>
-          </p:spPr>
-          <p:style>
-            <a:lnRef idx="2">
-              <a:schemeClr val="accent1">
-                <a:shade val="15000"/>
-              </a:schemeClr>
-            </a:lnRef>
-            <a:fillRef idx="1">
-              <a:schemeClr val="accent1"/>
-            </a:fillRef>
-            <a:effectRef idx="0">
-              <a:schemeClr val="accent1"/>
-            </a:effectRef>
-            <a:fontRef idx="minor">
-              <a:schemeClr val="lt1"/>
-            </a:fontRef>
-          </p:style>
-          <p:txBody>
-            <a:bodyPr rtlCol="0" anchor="ctr"/>
-            <a:lstStyle/>
-            <a:p>
-              <a:pPr algn="ctr"/>
-              <a:endParaRPr lang="ko-KR" altLang="en-US"/>
-            </a:p>
-          </p:txBody>
-        </p:sp>
-        <p:sp>
-          <p:nvSpPr>
-            <p:cNvPr id="16" name="직사각형 15">
-              <a:extLst>
-                <a:ext uri="{FF2B5EF4-FFF2-40B4-BE49-F238E27FC236}">
-                  <a16:creationId xmlns:a16="http://schemas.microsoft.com/office/drawing/2014/main" id="{BCC55774-4233-F9C5-9EDE-54269A70CF81}"/>
-                </a:ext>
-              </a:extLst>
-            </p:cNvPr>
-            <p:cNvSpPr/>
-            <p:nvPr/>
-          </p:nvSpPr>
-          <p:spPr>
-            <a:xfrm>
-              <a:off x="4923703" y="4953026"/>
-              <a:ext cx="540000" cy="540000"/>
-            </a:xfrm>
-            <a:prstGeom prst="rect">
-              <a:avLst/>
-            </a:prstGeom>
-            <a:solidFill>
-              <a:schemeClr val="accent2">
-                <a:lumMod val="75000"/>
-              </a:schemeClr>
-            </a:solidFill>
-            <a:ln>
-              <a:noFill/>
-            </a:ln>
-          </p:spPr>
-          <p:style>
-            <a:lnRef idx="2">
-              <a:schemeClr val="accent1">
-                <a:shade val="15000"/>
-              </a:schemeClr>
-            </a:lnRef>
-            <a:fillRef idx="1">
-              <a:schemeClr val="accent1"/>
-            </a:fillRef>
-            <a:effectRef idx="0">
-              <a:schemeClr val="accent1"/>
-            </a:effectRef>
-            <a:fontRef idx="minor">
-              <a:schemeClr val="lt1"/>
-            </a:fontRef>
-          </p:style>
-          <p:txBody>
-            <a:bodyPr rtlCol="0" anchor="ctr"/>
-            <a:lstStyle/>
-            <a:p>
-              <a:pPr algn="ctr"/>
-              <a:endParaRPr lang="ko-KR" altLang="en-US"/>
-            </a:p>
-          </p:txBody>
-        </p:sp>
-        <p:sp>
-          <p:nvSpPr>
-            <p:cNvPr id="17" name="직사각형 16">
-              <a:extLst>
-                <a:ext uri="{FF2B5EF4-FFF2-40B4-BE49-F238E27FC236}">
-                  <a16:creationId xmlns:a16="http://schemas.microsoft.com/office/drawing/2014/main" id="{B1124DA2-5129-0246-90EC-F4C609CC96D8}"/>
-                </a:ext>
-              </a:extLst>
-            </p:cNvPr>
-            <p:cNvSpPr/>
-            <p:nvPr/>
-          </p:nvSpPr>
-          <p:spPr>
-            <a:xfrm>
-              <a:off x="8186557" y="3860605"/>
-              <a:ext cx="540000" cy="540000"/>
-            </a:xfrm>
-            <a:prstGeom prst="rect">
-              <a:avLst/>
-            </a:prstGeom>
-            <a:solidFill>
-              <a:schemeClr val="accent2">
-                <a:lumMod val="75000"/>
-              </a:schemeClr>
-            </a:solidFill>
-            <a:ln>
-              <a:noFill/>
-            </a:ln>
-          </p:spPr>
-          <p:style>
-            <a:lnRef idx="2">
-              <a:schemeClr val="accent1">
-                <a:shade val="15000"/>
-              </a:schemeClr>
-            </a:lnRef>
-            <a:fillRef idx="1">
-              <a:schemeClr val="accent1"/>
-            </a:fillRef>
-            <a:effectRef idx="0">
-              <a:schemeClr val="accent1"/>
-            </a:effectRef>
-            <a:fontRef idx="minor">
-              <a:schemeClr val="lt1"/>
-            </a:fontRef>
-          </p:style>
-          <p:txBody>
-            <a:bodyPr rtlCol="0" anchor="ctr"/>
-            <a:lstStyle/>
-            <a:p>
-              <a:pPr algn="ctr"/>
-              <a:endParaRPr lang="ko-KR" altLang="en-US"/>
-            </a:p>
-          </p:txBody>
-        </p:sp>
-        <p:sp>
-          <p:nvSpPr>
-            <p:cNvPr id="18" name="사각형: 둥근 모서리 17">
-              <a:extLst>
-                <a:ext uri="{FF2B5EF4-FFF2-40B4-BE49-F238E27FC236}">
-                  <a16:creationId xmlns:a16="http://schemas.microsoft.com/office/drawing/2014/main" id="{D80D4548-6150-D91E-E0B5-91C8D5B10917}"/>
-                </a:ext>
-              </a:extLst>
-            </p:cNvPr>
-            <p:cNvSpPr/>
-            <p:nvPr/>
-          </p:nvSpPr>
-          <p:spPr>
-            <a:xfrm>
-              <a:off x="7015268" y="4210904"/>
-              <a:ext cx="722243" cy="1282122"/>
-            </a:xfrm>
-            <a:prstGeom prst="roundRect">
-              <a:avLst/>
-            </a:prstGeom>
-            <a:solidFill>
-              <a:schemeClr val="accent1">
-                <a:alpha val="55000"/>
-              </a:schemeClr>
-            </a:solidFill>
-            <a:ln>
-              <a:noFill/>
-            </a:ln>
-          </p:spPr>
-          <p:style>
-            <a:lnRef idx="2">
-              <a:schemeClr val="accent1">
-                <a:shade val="15000"/>
-              </a:schemeClr>
-            </a:lnRef>
-            <a:fillRef idx="1">
-              <a:schemeClr val="accent1"/>
-            </a:fillRef>
-            <a:effectRef idx="0">
-              <a:schemeClr val="accent1"/>
-            </a:effectRef>
-            <a:fontRef idx="minor">
-              <a:schemeClr val="lt1"/>
-            </a:fontRef>
-          </p:style>
-          <p:txBody>
-            <a:bodyPr rtlCol="0" anchor="ctr"/>
-            <a:lstStyle/>
-            <a:p>
-              <a:pPr algn="ctr"/>
-              <a:endParaRPr lang="ko-KR" altLang="en-US"/>
-            </a:p>
-          </p:txBody>
-        </p:sp>
-        <p:sp>
-          <p:nvSpPr>
-            <p:cNvPr id="19" name="사각형: 둥근 모서리 18">
-              <a:extLst>
-                <a:ext uri="{FF2B5EF4-FFF2-40B4-BE49-F238E27FC236}">
-                  <a16:creationId xmlns:a16="http://schemas.microsoft.com/office/drawing/2014/main" id="{7F37FF9C-12C2-490E-6D33-C9050690B19B}"/>
-                </a:ext>
-              </a:extLst>
-            </p:cNvPr>
-            <p:cNvSpPr/>
-            <p:nvPr/>
-          </p:nvSpPr>
-          <p:spPr>
-            <a:xfrm>
-              <a:off x="4713512" y="3489544"/>
-              <a:ext cx="722243" cy="1282122"/>
-            </a:xfrm>
-            <a:prstGeom prst="roundRect">
-              <a:avLst/>
-            </a:prstGeom>
-            <a:ln>
-              <a:noFill/>
-            </a:ln>
-          </p:spPr>
-          <p:style>
-            <a:lnRef idx="2">
-              <a:schemeClr val="accent1">
-                <a:shade val="15000"/>
-              </a:schemeClr>
-            </a:lnRef>
-            <a:fillRef idx="1">
-              <a:schemeClr val="accent1"/>
-            </a:fillRef>
-            <a:effectRef idx="0">
-              <a:schemeClr val="accent1"/>
-            </a:effectRef>
-            <a:fontRef idx="minor">
-              <a:schemeClr val="lt1"/>
-            </a:fontRef>
-          </p:style>
-          <p:txBody>
-            <a:bodyPr rtlCol="0" anchor="ctr"/>
-            <a:lstStyle/>
-            <a:p>
-              <a:pPr algn="ctr"/>
-              <a:endParaRPr lang="ko-KR" altLang="en-US"/>
-            </a:p>
-          </p:txBody>
-        </p:sp>
-        <p:sp>
-          <p:nvSpPr>
-            <p:cNvPr id="20" name="사각형: 둥근 모서리 19">
-              <a:extLst>
-                <a:ext uri="{FF2B5EF4-FFF2-40B4-BE49-F238E27FC236}">
-                  <a16:creationId xmlns:a16="http://schemas.microsoft.com/office/drawing/2014/main" id="{CC8A46DB-2D65-999C-0D71-B348CEE12246}"/>
-                </a:ext>
-              </a:extLst>
-            </p:cNvPr>
-            <p:cNvSpPr/>
-            <p:nvPr/>
-          </p:nvSpPr>
-          <p:spPr>
-            <a:xfrm>
-              <a:off x="3550145" y="4210904"/>
-              <a:ext cx="722243" cy="1282122"/>
-            </a:xfrm>
-            <a:prstGeom prst="roundRect">
-              <a:avLst/>
-            </a:prstGeom>
-            <a:solidFill>
-              <a:schemeClr val="accent1">
-                <a:alpha val="55000"/>
-              </a:schemeClr>
-            </a:solidFill>
-            <a:ln>
-              <a:noFill/>
-            </a:ln>
-          </p:spPr>
-          <p:style>
-            <a:lnRef idx="2">
-              <a:schemeClr val="accent1">
-                <a:shade val="15000"/>
-              </a:schemeClr>
-            </a:lnRef>
-            <a:fillRef idx="1">
-              <a:schemeClr val="accent1"/>
-            </a:fillRef>
-            <a:effectRef idx="0">
-              <a:schemeClr val="accent1"/>
-            </a:effectRef>
-            <a:fontRef idx="minor">
-              <a:schemeClr val="lt1"/>
-            </a:fontRef>
-          </p:style>
-          <p:txBody>
-            <a:bodyPr rtlCol="0" anchor="ctr"/>
-            <a:lstStyle/>
-            <a:p>
-              <a:pPr algn="ctr"/>
-              <a:endParaRPr lang="ko-KR" altLang="en-US"/>
-            </a:p>
-          </p:txBody>
-        </p:sp>
-        <p:sp>
-          <p:nvSpPr>
-            <p:cNvPr id="21" name="사각형: 둥근 모서리 20">
-              <a:extLst>
-                <a:ext uri="{FF2B5EF4-FFF2-40B4-BE49-F238E27FC236}">
-                  <a16:creationId xmlns:a16="http://schemas.microsoft.com/office/drawing/2014/main" id="{612B9E51-86F8-1976-3CA1-27FD752239DC}"/>
-                </a:ext>
-              </a:extLst>
-            </p:cNvPr>
-            <p:cNvSpPr/>
-            <p:nvPr/>
-          </p:nvSpPr>
-          <p:spPr>
-            <a:xfrm>
-              <a:off x="8032488" y="4747481"/>
-              <a:ext cx="722243" cy="745545"/>
-            </a:xfrm>
-            <a:prstGeom prst="roundRect">
-              <a:avLst/>
-            </a:prstGeom>
-            <a:ln>
-              <a:noFill/>
-            </a:ln>
-          </p:spPr>
-          <p:style>
-            <a:lnRef idx="2">
-              <a:schemeClr val="accent1">
-                <a:shade val="15000"/>
-              </a:schemeClr>
-            </a:lnRef>
-            <a:fillRef idx="1">
-              <a:schemeClr val="accent1"/>
-            </a:fillRef>
-            <a:effectRef idx="0">
-              <a:schemeClr val="accent1"/>
-            </a:effectRef>
-            <a:fontRef idx="minor">
-              <a:schemeClr val="lt1"/>
-            </a:fontRef>
-          </p:style>
-          <p:txBody>
-            <a:bodyPr rtlCol="0" anchor="ctr"/>
-            <a:lstStyle/>
-            <a:p>
-              <a:pPr algn="ctr"/>
-              <a:endParaRPr lang="ko-KR" altLang="en-US"/>
-            </a:p>
-          </p:txBody>
-        </p:sp>
-        <p:cxnSp>
-          <p:nvCxnSpPr>
-            <p:cNvPr id="22" name="직선 화살표 연결선 21">
-              <a:extLst>
-                <a:ext uri="{FF2B5EF4-FFF2-40B4-BE49-F238E27FC236}">
-                  <a16:creationId xmlns:a16="http://schemas.microsoft.com/office/drawing/2014/main" id="{CD34BBD8-9AA2-E668-37AC-CA7B14CE9549}"/>
-                </a:ext>
-              </a:extLst>
-            </p:cNvPr>
-            <p:cNvCxnSpPr>
-              <a:cxnSpLocks/>
-            </p:cNvCxnSpPr>
-            <p:nvPr/>
-          </p:nvCxnSpPr>
-          <p:spPr>
-            <a:xfrm flipV="1">
-              <a:off x="4320209" y="4210904"/>
-              <a:ext cx="318052" cy="414105"/>
-            </a:xfrm>
-            <a:prstGeom prst="straightConnector1">
-              <a:avLst/>
-            </a:prstGeom>
-            <a:ln w="38100">
-              <a:solidFill>
-                <a:srgbClr val="FF0000"/>
-              </a:solidFill>
-              <a:tailEnd type="triangle"/>
-            </a:ln>
-          </p:spPr>
-          <p:style>
-            <a:lnRef idx="2">
-              <a:schemeClr val="accent1"/>
-            </a:lnRef>
-            <a:fillRef idx="0">
-              <a:schemeClr val="accent1"/>
-            </a:fillRef>
-            <a:effectRef idx="1">
-              <a:schemeClr val="accent1"/>
-            </a:effectRef>
-            <a:fontRef idx="minor">
-              <a:schemeClr val="tx1"/>
-            </a:fontRef>
-          </p:style>
-        </p:cxnSp>
-        <p:cxnSp>
-          <p:nvCxnSpPr>
-            <p:cNvPr id="23" name="직선 화살표 연결선 22">
-              <a:extLst>
-                <a:ext uri="{FF2B5EF4-FFF2-40B4-BE49-F238E27FC236}">
-                  <a16:creationId xmlns:a16="http://schemas.microsoft.com/office/drawing/2014/main" id="{0205850F-ADA0-9C18-B120-4B1F8D6129FB}"/>
-                </a:ext>
-              </a:extLst>
-            </p:cNvPr>
-            <p:cNvCxnSpPr>
-              <a:cxnSpLocks/>
-            </p:cNvCxnSpPr>
-            <p:nvPr/>
-          </p:nvCxnSpPr>
-          <p:spPr>
-            <a:xfrm>
-              <a:off x="7821935" y="4479192"/>
-              <a:ext cx="229480" cy="268289"/>
-            </a:xfrm>
-            <a:prstGeom prst="straightConnector1">
-              <a:avLst/>
-            </a:prstGeom>
-            <a:ln w="38100">
-              <a:solidFill>
-                <a:srgbClr val="FF0000"/>
-              </a:solidFill>
-              <a:tailEnd type="triangle"/>
-            </a:ln>
-          </p:spPr>
-          <p:style>
-            <a:lnRef idx="2">
-              <a:schemeClr val="accent1"/>
-            </a:lnRef>
-            <a:fillRef idx="0">
-              <a:schemeClr val="accent1"/>
-            </a:fillRef>
-            <a:effectRef idx="1">
-              <a:schemeClr val="accent1"/>
-            </a:effectRef>
-            <a:fontRef idx="minor">
-              <a:schemeClr val="tx1"/>
-            </a:fontRef>
-          </p:style>
-        </p:cxnSp>
-      </p:grpSp>
-      <p:grpSp>
-        <p:nvGrpSpPr>
-          <p:cNvPr id="31" name="그룹 30">
-            <a:extLst>
-              <a:ext uri="{FF2B5EF4-FFF2-40B4-BE49-F238E27FC236}">
-                <a16:creationId xmlns:a16="http://schemas.microsoft.com/office/drawing/2014/main" id="{28053BC8-98EF-6E0C-400B-304665472014}"/>
-              </a:ext>
-            </a:extLst>
-          </p:cNvPr>
-          <p:cNvGrpSpPr/>
-          <p:nvPr/>
-        </p:nvGrpSpPr>
-        <p:grpSpPr>
-          <a:xfrm>
-            <a:off x="2872799" y="1500579"/>
-            <a:ext cx="1060173" cy="291260"/>
-            <a:chOff x="3734379" y="1360417"/>
-            <a:chExt cx="1695023" cy="465671"/>
-          </a:xfrm>
-        </p:grpSpPr>
-        <p:pic>
-          <p:nvPicPr>
-            <p:cNvPr id="28" name="그림 27" descr="블랙, 어둠이(가) 표시된 사진&#10;&#10;자동 생성된 설명">
-              <a:extLst>
-                <a:ext uri="{FF2B5EF4-FFF2-40B4-BE49-F238E27FC236}">
-                  <a16:creationId xmlns:a16="http://schemas.microsoft.com/office/drawing/2014/main" id="{5BCF5D75-5EF9-C6EC-8829-DA0B57CB56FC}"/>
-                </a:ext>
-              </a:extLst>
-            </p:cNvPr>
-            <p:cNvPicPr>
-              <a:picLocks noChangeAspect="1"/>
-            </p:cNvPicPr>
-            <p:nvPr/>
-          </p:nvPicPr>
-          <p:blipFill>
-            <a:blip r:embed="rId2">
-              <a:extLst>
-                <a:ext uri="{28A0092B-C50C-407E-A947-70E740481C1C}">
-                  <a14:useLocalDpi xmlns:a14="http://schemas.microsoft.com/office/drawing/2010/main" val="0"/>
-                </a:ext>
-              </a:extLst>
-            </a:blip>
-            <a:stretch>
-              <a:fillRect/>
-            </a:stretch>
-          </p:blipFill>
-          <p:spPr>
-            <a:xfrm>
-              <a:off x="3734379" y="1360417"/>
-              <a:ext cx="465671" cy="465671"/>
-            </a:xfrm>
-            <a:prstGeom prst="rect">
-              <a:avLst/>
-            </a:prstGeom>
-          </p:spPr>
-        </p:pic>
-        <p:pic>
-          <p:nvPicPr>
-            <p:cNvPr id="29" name="그림 28" descr="블랙, 어둠이(가) 표시된 사진&#10;&#10;자동 생성된 설명">
-              <a:extLst>
-                <a:ext uri="{FF2B5EF4-FFF2-40B4-BE49-F238E27FC236}">
-                  <a16:creationId xmlns:a16="http://schemas.microsoft.com/office/drawing/2014/main" id="{388946B1-F36F-68A5-6732-F9BFD9E54BC5}"/>
-                </a:ext>
-              </a:extLst>
-            </p:cNvPr>
-            <p:cNvPicPr>
-              <a:picLocks noChangeAspect="1"/>
-            </p:cNvPicPr>
-            <p:nvPr/>
-          </p:nvPicPr>
-          <p:blipFill>
-            <a:blip r:embed="rId2">
-              <a:extLst>
-                <a:ext uri="{28A0092B-C50C-407E-A947-70E740481C1C}">
-                  <a14:useLocalDpi xmlns:a14="http://schemas.microsoft.com/office/drawing/2010/main" val="0"/>
-                </a:ext>
-              </a:extLst>
-            </a:blip>
-            <a:stretch>
-              <a:fillRect/>
-            </a:stretch>
-          </p:blipFill>
-          <p:spPr>
-            <a:xfrm>
-              <a:off x="4349055" y="1360417"/>
-              <a:ext cx="465671" cy="465671"/>
-            </a:xfrm>
-            <a:prstGeom prst="rect">
-              <a:avLst/>
-            </a:prstGeom>
-          </p:spPr>
-        </p:pic>
-        <p:pic>
-          <p:nvPicPr>
-            <p:cNvPr id="30" name="그림 29" descr="블랙, 어둠이(가) 표시된 사진&#10;&#10;자동 생성된 설명">
-              <a:extLst>
-                <a:ext uri="{FF2B5EF4-FFF2-40B4-BE49-F238E27FC236}">
-                  <a16:creationId xmlns:a16="http://schemas.microsoft.com/office/drawing/2014/main" id="{88EA31AB-A855-1CEF-C4CC-E27804256B29}"/>
-                </a:ext>
-              </a:extLst>
-            </p:cNvPr>
-            <p:cNvPicPr>
-              <a:picLocks noChangeAspect="1"/>
-            </p:cNvPicPr>
-            <p:nvPr/>
-          </p:nvPicPr>
-          <p:blipFill>
-            <a:blip r:embed="rId2">
-              <a:extLst>
-                <a:ext uri="{28A0092B-C50C-407E-A947-70E740481C1C}">
-                  <a14:useLocalDpi xmlns:a14="http://schemas.microsoft.com/office/drawing/2010/main" val="0"/>
-                </a:ext>
-              </a:extLst>
-            </a:blip>
-            <a:stretch>
-              <a:fillRect/>
-            </a:stretch>
-          </p:blipFill>
-          <p:spPr>
-            <a:xfrm>
-              <a:off x="4963731" y="1360417"/>
-              <a:ext cx="465671" cy="465671"/>
-            </a:xfrm>
-            <a:prstGeom prst="rect">
-              <a:avLst/>
-            </a:prstGeom>
-          </p:spPr>
-        </p:pic>
-      </p:grpSp>
-      <p:sp>
-        <p:nvSpPr>
-          <p:cNvPr id="32" name="직사각형 31">
-            <a:extLst>
-              <a:ext uri="{FF2B5EF4-FFF2-40B4-BE49-F238E27FC236}">
-                <a16:creationId xmlns:a16="http://schemas.microsoft.com/office/drawing/2014/main" id="{6A41B3EB-ADEF-89D5-6A9B-A7FC162B5B46}"/>
-              </a:ext>
-            </a:extLst>
-          </p:cNvPr>
-          <p:cNvSpPr/>
+          <p:cNvSpPr>
+            <a:spLocks noChangeAspect="1"/>
+          </p:cNvSpPr>
           <p:nvPr/>
         </p:nvSpPr>
         <p:spPr>
           <a:xfrm>
-            <a:off x="4745769" y="1460573"/>
-            <a:ext cx="1843456" cy="371271"/>
+            <a:off x="2756452" y="1360418"/>
+            <a:ext cx="6433930" cy="3619086"/>
           </a:xfrm>
           <a:prstGeom prst="rect">
             <a:avLst/>
           </a:prstGeom>
+          <a:solidFill>
+            <a:schemeClr val="bg1"/>
+          </a:solidFill>
+          <a:ln>
+            <a:solidFill>
+              <a:schemeClr val="tx1"/>
+            </a:solidFill>
+          </a:ln>
         </p:spPr>
         <p:style>
           <a:lnRef idx="2">
@@ -28210,737 +27823,10 @@
           <a:lstStyle/>
           <a:p>
             <a:pPr algn="ctr"/>
-            <a:r>
-              <a:rPr lang="ko-KR" altLang="en-US" sz="1100" dirty="0"/>
-              <a:t>현재 점수 </a:t>
-            </a:r>
-            <a:r>
-              <a:rPr lang="en-US" altLang="ko-KR" sz="1100" dirty="0"/>
-              <a:t>:</a:t>
-            </a:r>
-            <a:r>
-              <a:rPr lang="ko-KR" altLang="en-US" sz="1100" dirty="0"/>
-              <a:t> </a:t>
-            </a:r>
-            <a:r>
-              <a:rPr lang="en-US" altLang="ko-KR" sz="1100" dirty="0"/>
-              <a:t>123,000</a:t>
-            </a:r>
-            <a:endParaRPr lang="ko-KR" altLang="en-US" sz="1100" dirty="0"/>
+            <a:endParaRPr lang="ko-KR" altLang="en-US" dirty="0"/>
           </a:p>
         </p:txBody>
       </p:sp>
-      <p:grpSp>
-        <p:nvGrpSpPr>
-          <p:cNvPr id="33" name="그룹 32">
-            <a:extLst>
-              <a:ext uri="{FF2B5EF4-FFF2-40B4-BE49-F238E27FC236}">
-                <a16:creationId xmlns:a16="http://schemas.microsoft.com/office/drawing/2014/main" id="{90FC4F6B-60D4-FBD4-B1E5-641539DDA45E}"/>
-              </a:ext>
-            </a:extLst>
-          </p:cNvPr>
-          <p:cNvGrpSpPr/>
-          <p:nvPr/>
-        </p:nvGrpSpPr>
-        <p:grpSpPr>
-          <a:xfrm>
-            <a:off x="7798181" y="1431760"/>
-            <a:ext cx="1347179" cy="889480"/>
-            <a:chOff x="9690652" y="311427"/>
-            <a:chExt cx="2047462" cy="1455206"/>
-          </a:xfrm>
-        </p:grpSpPr>
-        <p:sp>
-          <p:nvSpPr>
-            <p:cNvPr id="34" name="TextBox 33">
-              <a:extLst>
-                <a:ext uri="{FF2B5EF4-FFF2-40B4-BE49-F238E27FC236}">
-                  <a16:creationId xmlns:a16="http://schemas.microsoft.com/office/drawing/2014/main" id="{093E89A9-155B-8140-25FC-5BF0CF614E25}"/>
-                </a:ext>
-              </a:extLst>
-            </p:cNvPr>
-            <p:cNvSpPr txBox="1"/>
-            <p:nvPr/>
-          </p:nvSpPr>
-          <p:spPr>
-            <a:xfrm>
-              <a:off x="9932505" y="311427"/>
-              <a:ext cx="1563758" cy="415411"/>
-            </a:xfrm>
-            <a:prstGeom prst="rect">
-              <a:avLst/>
-            </a:prstGeom>
-            <a:noFill/>
-          </p:spPr>
-          <p:txBody>
-            <a:bodyPr wrap="square" rtlCol="0">
-              <a:spAutoFit/>
-            </a:bodyPr>
-            <a:lstStyle/>
-            <a:p>
-              <a:pPr algn="ctr"/>
-              <a:r>
-                <a:rPr lang="en-US" altLang="ko-KR" sz="1000" b="1" dirty="0"/>
-                <a:t>&lt;</a:t>
-              </a:r>
-              <a:r>
-                <a:rPr lang="ko-KR" altLang="en-US" sz="1000" b="1" dirty="0"/>
-                <a:t>현재 순위</a:t>
-              </a:r>
-              <a:r>
-                <a:rPr lang="en-US" altLang="ko-KR" sz="1000" b="1" dirty="0"/>
-                <a:t>&gt;</a:t>
-              </a:r>
-              <a:endParaRPr lang="ko-KR" altLang="en-US" sz="1000" b="1" dirty="0"/>
-            </a:p>
-          </p:txBody>
-        </p:sp>
-        <p:grpSp>
-          <p:nvGrpSpPr>
-            <p:cNvPr id="35" name="그룹 34">
-              <a:extLst>
-                <a:ext uri="{FF2B5EF4-FFF2-40B4-BE49-F238E27FC236}">
-                  <a16:creationId xmlns:a16="http://schemas.microsoft.com/office/drawing/2014/main" id="{A66AACAA-2CCF-B921-991C-6581A098FCE5}"/>
-                </a:ext>
-              </a:extLst>
-            </p:cNvPr>
-            <p:cNvGrpSpPr/>
-            <p:nvPr/>
-          </p:nvGrpSpPr>
-          <p:grpSpPr>
-            <a:xfrm>
-              <a:off x="9690652" y="682717"/>
-              <a:ext cx="2047462" cy="360000"/>
-              <a:chOff x="9687339" y="685059"/>
-              <a:chExt cx="2047462" cy="360000"/>
-            </a:xfrm>
-          </p:grpSpPr>
-          <p:sp>
-            <p:nvSpPr>
-              <p:cNvPr id="44" name="직사각형 43">
-                <a:extLst>
-                  <a:ext uri="{FF2B5EF4-FFF2-40B4-BE49-F238E27FC236}">
-                    <a16:creationId xmlns:a16="http://schemas.microsoft.com/office/drawing/2014/main" id="{482FAA7E-B316-54A4-1199-79413C0F5963}"/>
-                  </a:ext>
-                </a:extLst>
-              </p:cNvPr>
-              <p:cNvSpPr/>
-              <p:nvPr/>
-            </p:nvSpPr>
-            <p:spPr>
-              <a:xfrm>
-                <a:off x="9687339" y="685059"/>
-                <a:ext cx="324678" cy="360000"/>
-              </a:xfrm>
-              <a:prstGeom prst="rect">
-                <a:avLst/>
-              </a:prstGeom>
-              <a:solidFill>
-                <a:srgbClr val="FFFF00"/>
-              </a:solidFill>
-              <a:ln>
-                <a:noFill/>
-              </a:ln>
-            </p:spPr>
-            <p:style>
-              <a:lnRef idx="2">
-                <a:schemeClr val="accent1">
-                  <a:shade val="15000"/>
-                </a:schemeClr>
-              </a:lnRef>
-              <a:fillRef idx="1">
-                <a:schemeClr val="accent1"/>
-              </a:fillRef>
-              <a:effectRef idx="0">
-                <a:schemeClr val="accent1"/>
-              </a:effectRef>
-              <a:fontRef idx="minor">
-                <a:schemeClr val="lt1"/>
-              </a:fontRef>
-            </p:style>
-            <p:txBody>
-              <a:bodyPr rtlCol="0" anchor="ctr"/>
-              <a:lstStyle/>
-              <a:p>
-                <a:pPr algn="ctr"/>
-                <a:r>
-                  <a:rPr lang="en-US" altLang="ko-KR" sz="1000" dirty="0">
-                    <a:solidFill>
-                      <a:schemeClr val="tx1"/>
-                    </a:solidFill>
-                  </a:rPr>
-                  <a:t>1</a:t>
-                </a:r>
-                <a:endParaRPr lang="ko-KR" altLang="en-US" sz="1000" dirty="0">
-                  <a:solidFill>
-                    <a:schemeClr val="tx1"/>
-                  </a:solidFill>
-                </a:endParaRPr>
-              </a:p>
-            </p:txBody>
-          </p:sp>
-          <p:sp>
-            <p:nvSpPr>
-              <p:cNvPr id="45" name="직사각형 44">
-                <a:extLst>
-                  <a:ext uri="{FF2B5EF4-FFF2-40B4-BE49-F238E27FC236}">
-                    <a16:creationId xmlns:a16="http://schemas.microsoft.com/office/drawing/2014/main" id="{0328AB9B-2255-2419-58EF-399E5D9A0A72}"/>
-                  </a:ext>
-                </a:extLst>
-              </p:cNvPr>
-              <p:cNvSpPr/>
-              <p:nvPr/>
-            </p:nvSpPr>
-            <p:spPr>
-              <a:xfrm>
-                <a:off x="10012017" y="685059"/>
-                <a:ext cx="556592" cy="360000"/>
-              </a:xfrm>
-              <a:prstGeom prst="rect">
-                <a:avLst/>
-              </a:prstGeom>
-              <a:solidFill>
-                <a:schemeClr val="bg2">
-                  <a:lumMod val="75000"/>
-                </a:schemeClr>
-              </a:solidFill>
-              <a:ln>
-                <a:noFill/>
-              </a:ln>
-            </p:spPr>
-            <p:style>
-              <a:lnRef idx="2">
-                <a:schemeClr val="accent1">
-                  <a:shade val="15000"/>
-                </a:schemeClr>
-              </a:lnRef>
-              <a:fillRef idx="1">
-                <a:schemeClr val="accent1"/>
-              </a:fillRef>
-              <a:effectRef idx="0">
-                <a:schemeClr val="accent1"/>
-              </a:effectRef>
-              <a:fontRef idx="minor">
-                <a:schemeClr val="lt1"/>
-              </a:fontRef>
-            </p:style>
-            <p:txBody>
-              <a:bodyPr rtlCol="0" anchor="ctr"/>
-              <a:lstStyle/>
-              <a:p>
-                <a:r>
-                  <a:rPr lang="en-US" altLang="ko-KR" sz="800" dirty="0">
-                    <a:solidFill>
-                      <a:schemeClr val="tx1"/>
-                    </a:solidFill>
-                  </a:rPr>
-                  <a:t>You</a:t>
-                </a:r>
-                <a:endParaRPr lang="ko-KR" altLang="en-US" sz="800" dirty="0">
-                  <a:solidFill>
-                    <a:schemeClr val="tx1"/>
-                  </a:solidFill>
-                </a:endParaRPr>
-              </a:p>
-            </p:txBody>
-          </p:sp>
-          <p:sp>
-            <p:nvSpPr>
-              <p:cNvPr id="46" name="직사각형 45">
-                <a:extLst>
-                  <a:ext uri="{FF2B5EF4-FFF2-40B4-BE49-F238E27FC236}">
-                    <a16:creationId xmlns:a16="http://schemas.microsoft.com/office/drawing/2014/main" id="{FDAA4A11-C544-C5E7-5EAB-FC3F81D7057F}"/>
-                  </a:ext>
-                </a:extLst>
-              </p:cNvPr>
-              <p:cNvSpPr/>
-              <p:nvPr/>
-            </p:nvSpPr>
-            <p:spPr>
-              <a:xfrm>
-                <a:off x="10508972" y="685059"/>
-                <a:ext cx="1225829" cy="360000"/>
-              </a:xfrm>
-              <a:prstGeom prst="rect">
-                <a:avLst/>
-              </a:prstGeom>
-              <a:solidFill>
-                <a:schemeClr val="bg2">
-                  <a:lumMod val="75000"/>
-                </a:schemeClr>
-              </a:solidFill>
-              <a:ln>
-                <a:noFill/>
-              </a:ln>
-            </p:spPr>
-            <p:style>
-              <a:lnRef idx="2">
-                <a:schemeClr val="accent1">
-                  <a:shade val="15000"/>
-                </a:schemeClr>
-              </a:lnRef>
-              <a:fillRef idx="1">
-                <a:schemeClr val="accent1"/>
-              </a:fillRef>
-              <a:effectRef idx="0">
-                <a:schemeClr val="accent1"/>
-              </a:effectRef>
-              <a:fontRef idx="minor">
-                <a:schemeClr val="lt1"/>
-              </a:fontRef>
-            </p:style>
-            <p:txBody>
-              <a:bodyPr rtlCol="0" anchor="ctr"/>
-              <a:lstStyle/>
-              <a:p>
-                <a:pPr algn="r"/>
-                <a:r>
-                  <a:rPr lang="en-US" altLang="ko-KR" sz="800" dirty="0">
-                    <a:solidFill>
-                      <a:schemeClr val="tx1"/>
-                    </a:solidFill>
-                  </a:rPr>
-                  <a:t>123,000pt</a:t>
-                </a:r>
-                <a:endParaRPr lang="ko-KR" altLang="en-US" sz="800" dirty="0">
-                  <a:solidFill>
-                    <a:schemeClr val="tx1"/>
-                  </a:solidFill>
-                </a:endParaRPr>
-              </a:p>
-            </p:txBody>
-          </p:sp>
-        </p:grpSp>
-        <p:grpSp>
-          <p:nvGrpSpPr>
-            <p:cNvPr id="36" name="그룹 35">
-              <a:extLst>
-                <a:ext uri="{FF2B5EF4-FFF2-40B4-BE49-F238E27FC236}">
-                  <a16:creationId xmlns:a16="http://schemas.microsoft.com/office/drawing/2014/main" id="{518C551D-7232-F297-11BB-13F6F12D44FE}"/>
-                </a:ext>
-              </a:extLst>
-            </p:cNvPr>
-            <p:cNvGrpSpPr/>
-            <p:nvPr/>
-          </p:nvGrpSpPr>
-          <p:grpSpPr>
-            <a:xfrm>
-              <a:off x="9690652" y="1044675"/>
-              <a:ext cx="2047462" cy="360000"/>
-              <a:chOff x="9687339" y="685059"/>
-              <a:chExt cx="2047462" cy="360000"/>
-            </a:xfrm>
-          </p:grpSpPr>
-          <p:sp>
-            <p:nvSpPr>
-              <p:cNvPr id="41" name="직사각형 40">
-                <a:extLst>
-                  <a:ext uri="{FF2B5EF4-FFF2-40B4-BE49-F238E27FC236}">
-                    <a16:creationId xmlns:a16="http://schemas.microsoft.com/office/drawing/2014/main" id="{2EA30486-F02C-F237-BF04-84E6081BA914}"/>
-                  </a:ext>
-                </a:extLst>
-              </p:cNvPr>
-              <p:cNvSpPr/>
-              <p:nvPr/>
-            </p:nvSpPr>
-            <p:spPr>
-              <a:xfrm>
-                <a:off x="9687339" y="685059"/>
-                <a:ext cx="324678" cy="360000"/>
-              </a:xfrm>
-              <a:prstGeom prst="rect">
-                <a:avLst/>
-              </a:prstGeom>
-              <a:solidFill>
-                <a:schemeClr val="bg1">
-                  <a:lumMod val="85000"/>
-                </a:schemeClr>
-              </a:solidFill>
-              <a:ln>
-                <a:noFill/>
-              </a:ln>
-            </p:spPr>
-            <p:style>
-              <a:lnRef idx="2">
-                <a:schemeClr val="accent1">
-                  <a:shade val="15000"/>
-                </a:schemeClr>
-              </a:lnRef>
-              <a:fillRef idx="1">
-                <a:schemeClr val="accent1"/>
-              </a:fillRef>
-              <a:effectRef idx="0">
-                <a:schemeClr val="accent1"/>
-              </a:effectRef>
-              <a:fontRef idx="minor">
-                <a:schemeClr val="lt1"/>
-              </a:fontRef>
-            </p:style>
-            <p:txBody>
-              <a:bodyPr rtlCol="0" anchor="ctr"/>
-              <a:lstStyle/>
-              <a:p>
-                <a:pPr algn="ctr"/>
-                <a:r>
-                  <a:rPr lang="en-US" altLang="ko-KR" sz="1000" dirty="0">
-                    <a:solidFill>
-                      <a:schemeClr val="tx1"/>
-                    </a:solidFill>
-                  </a:rPr>
-                  <a:t>2</a:t>
-                </a:r>
-                <a:endParaRPr lang="ko-KR" altLang="en-US" sz="1000" dirty="0">
-                  <a:solidFill>
-                    <a:schemeClr val="tx1"/>
-                  </a:solidFill>
-                </a:endParaRPr>
-              </a:p>
-            </p:txBody>
-          </p:sp>
-          <p:sp>
-            <p:nvSpPr>
-              <p:cNvPr id="42" name="직사각형 41">
-                <a:extLst>
-                  <a:ext uri="{FF2B5EF4-FFF2-40B4-BE49-F238E27FC236}">
-                    <a16:creationId xmlns:a16="http://schemas.microsoft.com/office/drawing/2014/main" id="{0234F917-2E60-93AF-B12B-A7CAA05680BF}"/>
-                  </a:ext>
-                </a:extLst>
-              </p:cNvPr>
-              <p:cNvSpPr/>
-              <p:nvPr/>
-            </p:nvSpPr>
-            <p:spPr>
-              <a:xfrm>
-                <a:off x="10012017" y="685059"/>
-                <a:ext cx="556592" cy="360000"/>
-              </a:xfrm>
-              <a:prstGeom prst="rect">
-                <a:avLst/>
-              </a:prstGeom>
-              <a:solidFill>
-                <a:schemeClr val="bg1"/>
-              </a:solidFill>
-              <a:ln>
-                <a:noFill/>
-              </a:ln>
-            </p:spPr>
-            <p:style>
-              <a:lnRef idx="2">
-                <a:schemeClr val="accent1">
-                  <a:shade val="15000"/>
-                </a:schemeClr>
-              </a:lnRef>
-              <a:fillRef idx="1">
-                <a:schemeClr val="accent1"/>
-              </a:fillRef>
-              <a:effectRef idx="0">
-                <a:schemeClr val="accent1"/>
-              </a:effectRef>
-              <a:fontRef idx="minor">
-                <a:schemeClr val="lt1"/>
-              </a:fontRef>
-            </p:style>
-            <p:txBody>
-              <a:bodyPr rtlCol="0" anchor="ctr"/>
-              <a:lstStyle/>
-              <a:p>
-                <a:r>
-                  <a:rPr lang="en-US" altLang="ko-KR" sz="800" dirty="0">
-                    <a:solidFill>
-                      <a:schemeClr val="tx1"/>
-                    </a:solidFill>
-                  </a:rPr>
-                  <a:t>P1</a:t>
-                </a:r>
-                <a:endParaRPr lang="ko-KR" altLang="en-US" sz="800" dirty="0">
-                  <a:solidFill>
-                    <a:schemeClr val="tx1"/>
-                  </a:solidFill>
-                </a:endParaRPr>
-              </a:p>
-            </p:txBody>
-          </p:sp>
-          <p:sp>
-            <p:nvSpPr>
-              <p:cNvPr id="43" name="직사각형 42">
-                <a:extLst>
-                  <a:ext uri="{FF2B5EF4-FFF2-40B4-BE49-F238E27FC236}">
-                    <a16:creationId xmlns:a16="http://schemas.microsoft.com/office/drawing/2014/main" id="{A8A88940-BAA3-15B0-B896-A112E28FBABF}"/>
-                  </a:ext>
-                </a:extLst>
-              </p:cNvPr>
-              <p:cNvSpPr/>
-              <p:nvPr/>
-            </p:nvSpPr>
-            <p:spPr>
-              <a:xfrm>
-                <a:off x="10508972" y="685059"/>
-                <a:ext cx="1225829" cy="360000"/>
-              </a:xfrm>
-              <a:prstGeom prst="rect">
-                <a:avLst/>
-              </a:prstGeom>
-              <a:solidFill>
-                <a:schemeClr val="bg1"/>
-              </a:solidFill>
-              <a:ln>
-                <a:noFill/>
-              </a:ln>
-            </p:spPr>
-            <p:style>
-              <a:lnRef idx="2">
-                <a:schemeClr val="accent1">
-                  <a:shade val="15000"/>
-                </a:schemeClr>
-              </a:lnRef>
-              <a:fillRef idx="1">
-                <a:schemeClr val="accent1"/>
-              </a:fillRef>
-              <a:effectRef idx="0">
-                <a:schemeClr val="accent1"/>
-              </a:effectRef>
-              <a:fontRef idx="minor">
-                <a:schemeClr val="lt1"/>
-              </a:fontRef>
-            </p:style>
-            <p:txBody>
-              <a:bodyPr rtlCol="0" anchor="ctr"/>
-              <a:lstStyle/>
-              <a:p>
-                <a:pPr algn="r"/>
-                <a:r>
-                  <a:rPr lang="en-US" altLang="ko-KR" sz="800" dirty="0">
-                    <a:solidFill>
-                      <a:schemeClr val="tx1"/>
-                    </a:solidFill>
-                  </a:rPr>
-                  <a:t>96,000pt</a:t>
-                </a:r>
-                <a:endParaRPr lang="ko-KR" altLang="en-US" sz="800" dirty="0">
-                  <a:solidFill>
-                    <a:schemeClr val="tx1"/>
-                  </a:solidFill>
-                </a:endParaRPr>
-              </a:p>
-            </p:txBody>
-          </p:sp>
-        </p:grpSp>
-        <p:grpSp>
-          <p:nvGrpSpPr>
-            <p:cNvPr id="37" name="그룹 36">
-              <a:extLst>
-                <a:ext uri="{FF2B5EF4-FFF2-40B4-BE49-F238E27FC236}">
-                  <a16:creationId xmlns:a16="http://schemas.microsoft.com/office/drawing/2014/main" id="{8D8366A2-A6E6-F1C8-0597-813E8CBE5C43}"/>
-                </a:ext>
-              </a:extLst>
-            </p:cNvPr>
-            <p:cNvGrpSpPr/>
-            <p:nvPr/>
-          </p:nvGrpSpPr>
-          <p:grpSpPr>
-            <a:xfrm>
-              <a:off x="9690652" y="1406633"/>
-              <a:ext cx="2047462" cy="360000"/>
-              <a:chOff x="9687339" y="685059"/>
-              <a:chExt cx="2047462" cy="360000"/>
-            </a:xfrm>
-          </p:grpSpPr>
-          <p:sp>
-            <p:nvSpPr>
-              <p:cNvPr id="38" name="직사각형 37">
-                <a:extLst>
-                  <a:ext uri="{FF2B5EF4-FFF2-40B4-BE49-F238E27FC236}">
-                    <a16:creationId xmlns:a16="http://schemas.microsoft.com/office/drawing/2014/main" id="{3CB64011-7AC0-0C93-B807-79298B0B0313}"/>
-                  </a:ext>
-                </a:extLst>
-              </p:cNvPr>
-              <p:cNvSpPr/>
-              <p:nvPr/>
-            </p:nvSpPr>
-            <p:spPr>
-              <a:xfrm>
-                <a:off x="9687339" y="685059"/>
-                <a:ext cx="324678" cy="360000"/>
-              </a:xfrm>
-              <a:prstGeom prst="rect">
-                <a:avLst/>
-              </a:prstGeom>
-              <a:solidFill>
-                <a:schemeClr val="accent2">
-                  <a:lumMod val="60000"/>
-                  <a:lumOff val="40000"/>
-                </a:schemeClr>
-              </a:solidFill>
-              <a:ln>
-                <a:noFill/>
-              </a:ln>
-            </p:spPr>
-            <p:style>
-              <a:lnRef idx="2">
-                <a:schemeClr val="accent1">
-                  <a:shade val="15000"/>
-                </a:schemeClr>
-              </a:lnRef>
-              <a:fillRef idx="1">
-                <a:schemeClr val="accent1"/>
-              </a:fillRef>
-              <a:effectRef idx="0">
-                <a:schemeClr val="accent1"/>
-              </a:effectRef>
-              <a:fontRef idx="minor">
-                <a:schemeClr val="lt1"/>
-              </a:fontRef>
-            </p:style>
-            <p:txBody>
-              <a:bodyPr rtlCol="0" anchor="ctr"/>
-              <a:lstStyle/>
-              <a:p>
-                <a:pPr algn="ctr"/>
-                <a:r>
-                  <a:rPr lang="en-US" altLang="ko-KR" sz="1000" dirty="0">
-                    <a:solidFill>
-                      <a:schemeClr val="tx1"/>
-                    </a:solidFill>
-                  </a:rPr>
-                  <a:t>3</a:t>
-                </a:r>
-                <a:endParaRPr lang="ko-KR" altLang="en-US" sz="1000" dirty="0">
-                  <a:solidFill>
-                    <a:schemeClr val="tx1"/>
-                  </a:solidFill>
-                </a:endParaRPr>
-              </a:p>
-            </p:txBody>
-          </p:sp>
-          <p:sp>
-            <p:nvSpPr>
-              <p:cNvPr id="39" name="직사각형 38">
-                <a:extLst>
-                  <a:ext uri="{FF2B5EF4-FFF2-40B4-BE49-F238E27FC236}">
-                    <a16:creationId xmlns:a16="http://schemas.microsoft.com/office/drawing/2014/main" id="{7549EB9B-E15D-1F8D-0F30-368212C7BE26}"/>
-                  </a:ext>
-                </a:extLst>
-              </p:cNvPr>
-              <p:cNvSpPr/>
-              <p:nvPr/>
-            </p:nvSpPr>
-            <p:spPr>
-              <a:xfrm>
-                <a:off x="10012017" y="685059"/>
-                <a:ext cx="556592" cy="360000"/>
-              </a:xfrm>
-              <a:prstGeom prst="rect">
-                <a:avLst/>
-              </a:prstGeom>
-              <a:solidFill>
-                <a:schemeClr val="bg1"/>
-              </a:solidFill>
-              <a:ln>
-                <a:noFill/>
-              </a:ln>
-            </p:spPr>
-            <p:style>
-              <a:lnRef idx="2">
-                <a:schemeClr val="accent1">
-                  <a:shade val="15000"/>
-                </a:schemeClr>
-              </a:lnRef>
-              <a:fillRef idx="1">
-                <a:schemeClr val="accent1"/>
-              </a:fillRef>
-              <a:effectRef idx="0">
-                <a:schemeClr val="accent1"/>
-              </a:effectRef>
-              <a:fontRef idx="minor">
-                <a:schemeClr val="lt1"/>
-              </a:fontRef>
-            </p:style>
-            <p:txBody>
-              <a:bodyPr rtlCol="0" anchor="ctr"/>
-              <a:lstStyle/>
-              <a:p>
-                <a:r>
-                  <a:rPr lang="en-US" altLang="ko-KR" sz="800" dirty="0">
-                    <a:solidFill>
-                      <a:schemeClr val="tx1"/>
-                    </a:solidFill>
-                  </a:rPr>
-                  <a:t>P2</a:t>
-                </a:r>
-                <a:endParaRPr lang="ko-KR" altLang="en-US" sz="800" dirty="0">
-                  <a:solidFill>
-                    <a:schemeClr val="tx1"/>
-                  </a:solidFill>
-                </a:endParaRPr>
-              </a:p>
-            </p:txBody>
-          </p:sp>
-          <p:sp>
-            <p:nvSpPr>
-              <p:cNvPr id="40" name="직사각형 39">
-                <a:extLst>
-                  <a:ext uri="{FF2B5EF4-FFF2-40B4-BE49-F238E27FC236}">
-                    <a16:creationId xmlns:a16="http://schemas.microsoft.com/office/drawing/2014/main" id="{C259BE48-DA77-5EAF-60ED-02F68E8A3010}"/>
-                  </a:ext>
-                </a:extLst>
-              </p:cNvPr>
-              <p:cNvSpPr/>
-              <p:nvPr/>
-            </p:nvSpPr>
-            <p:spPr>
-              <a:xfrm>
-                <a:off x="10508972" y="685059"/>
-                <a:ext cx="1225829" cy="360000"/>
-              </a:xfrm>
-              <a:prstGeom prst="rect">
-                <a:avLst/>
-              </a:prstGeom>
-              <a:solidFill>
-                <a:schemeClr val="bg1"/>
-              </a:solidFill>
-              <a:ln>
-                <a:noFill/>
-              </a:ln>
-            </p:spPr>
-            <p:style>
-              <a:lnRef idx="2">
-                <a:schemeClr val="accent1">
-                  <a:shade val="15000"/>
-                </a:schemeClr>
-              </a:lnRef>
-              <a:fillRef idx="1">
-                <a:schemeClr val="accent1"/>
-              </a:fillRef>
-              <a:effectRef idx="0">
-                <a:schemeClr val="accent1"/>
-              </a:effectRef>
-              <a:fontRef idx="minor">
-                <a:schemeClr val="lt1"/>
-              </a:fontRef>
-            </p:style>
-            <p:txBody>
-              <a:bodyPr rtlCol="0" anchor="ctr"/>
-              <a:lstStyle/>
-              <a:p>
-                <a:pPr algn="r"/>
-                <a:r>
-                  <a:rPr lang="en-US" altLang="ko-KR" sz="800" dirty="0">
-                    <a:solidFill>
-                      <a:schemeClr val="tx1"/>
-                    </a:solidFill>
-                  </a:rPr>
-                  <a:t>50,000pt</a:t>
-                </a:r>
-                <a:endParaRPr lang="ko-KR" altLang="en-US" sz="800" dirty="0">
-                  <a:solidFill>
-                    <a:schemeClr val="tx1"/>
-                  </a:solidFill>
-                </a:endParaRPr>
-              </a:p>
-            </p:txBody>
-          </p:sp>
-        </p:grpSp>
-      </p:grpSp>
       <p:sp>
         <p:nvSpPr>
           <p:cNvPr id="5" name="제목 1">
@@ -29110,7 +27996,7 @@
         <p:spPr>
           <a:xfrm>
             <a:off x="454785" y="658980"/>
-            <a:ext cx="2106667" cy="523220"/>
+            <a:ext cx="2951449" cy="523220"/>
           </a:xfrm>
           <a:prstGeom prst="rect">
             <a:avLst/>
@@ -29129,11 +28015,463 @@
                   <a:srgbClr val="0070C0"/>
                 </a:solidFill>
               </a:rPr>
-              <a:t>피하기 게임</a:t>
+              <a:t>종이 비행기 게임</a:t>
             </a:r>
           </a:p>
         </p:txBody>
       </p:sp>
+      <p:sp>
+        <p:nvSpPr>
+          <p:cNvPr id="8" name="직사각형 7">
+            <a:extLst>
+              <a:ext uri="{FF2B5EF4-FFF2-40B4-BE49-F238E27FC236}">
+                <a16:creationId xmlns:a16="http://schemas.microsoft.com/office/drawing/2014/main" id="{9C69D799-1609-8778-FCAB-81349C9AD817}"/>
+              </a:ext>
+            </a:extLst>
+          </p:cNvPr>
+          <p:cNvSpPr/>
+          <p:nvPr/>
+        </p:nvSpPr>
+        <p:spPr>
+          <a:xfrm>
+            <a:off x="3889513" y="3696121"/>
+            <a:ext cx="311426" cy="1283383"/>
+          </a:xfrm>
+          <a:prstGeom prst="rect">
+            <a:avLst/>
+          </a:prstGeom>
+          <a:solidFill>
+            <a:schemeClr val="tx1"/>
+          </a:solidFill>
+          <a:ln>
+            <a:noFill/>
+          </a:ln>
+        </p:spPr>
+        <p:style>
+          <a:lnRef idx="2">
+            <a:schemeClr val="accent1">
+              <a:shade val="15000"/>
+            </a:schemeClr>
+          </a:lnRef>
+          <a:fillRef idx="1">
+            <a:schemeClr val="accent1"/>
+          </a:fillRef>
+          <a:effectRef idx="0">
+            <a:schemeClr val="accent1"/>
+          </a:effectRef>
+          <a:fontRef idx="minor">
+            <a:schemeClr val="lt1"/>
+          </a:fontRef>
+        </p:style>
+        <p:txBody>
+          <a:bodyPr rtlCol="0" anchor="ctr"/>
+          <a:lstStyle/>
+          <a:p>
+            <a:pPr algn="ctr"/>
+            <a:endParaRPr lang="ko-KR" altLang="en-US"/>
+          </a:p>
+        </p:txBody>
+      </p:sp>
+      <p:sp>
+        <p:nvSpPr>
+          <p:cNvPr id="9" name="직사각형 8">
+            <a:extLst>
+              <a:ext uri="{FF2B5EF4-FFF2-40B4-BE49-F238E27FC236}">
+                <a16:creationId xmlns:a16="http://schemas.microsoft.com/office/drawing/2014/main" id="{506A7FBE-D2AC-0BDE-11B1-9D45E6AF3C2E}"/>
+              </a:ext>
+            </a:extLst>
+          </p:cNvPr>
+          <p:cNvSpPr/>
+          <p:nvPr/>
+        </p:nvSpPr>
+        <p:spPr>
+          <a:xfrm>
+            <a:off x="3889513" y="1360418"/>
+            <a:ext cx="311426" cy="1283383"/>
+          </a:xfrm>
+          <a:prstGeom prst="rect">
+            <a:avLst/>
+          </a:prstGeom>
+          <a:solidFill>
+            <a:schemeClr val="tx1"/>
+          </a:solidFill>
+          <a:ln>
+            <a:noFill/>
+          </a:ln>
+        </p:spPr>
+        <p:style>
+          <a:lnRef idx="2">
+            <a:schemeClr val="accent1">
+              <a:shade val="15000"/>
+            </a:schemeClr>
+          </a:lnRef>
+          <a:fillRef idx="1">
+            <a:schemeClr val="accent1"/>
+          </a:fillRef>
+          <a:effectRef idx="0">
+            <a:schemeClr val="accent1"/>
+          </a:effectRef>
+          <a:fontRef idx="minor">
+            <a:schemeClr val="lt1"/>
+          </a:fontRef>
+        </p:style>
+        <p:txBody>
+          <a:bodyPr rtlCol="0" anchor="ctr"/>
+          <a:lstStyle/>
+          <a:p>
+            <a:pPr algn="ctr"/>
+            <a:endParaRPr lang="ko-KR" altLang="en-US"/>
+          </a:p>
+        </p:txBody>
+      </p:sp>
+      <p:sp>
+        <p:nvSpPr>
+          <p:cNvPr id="11" name="직사각형 10">
+            <a:extLst>
+              <a:ext uri="{FF2B5EF4-FFF2-40B4-BE49-F238E27FC236}">
+                <a16:creationId xmlns:a16="http://schemas.microsoft.com/office/drawing/2014/main" id="{DA535A1F-BD0D-0FD4-9EF1-71A924560B55}"/>
+              </a:ext>
+            </a:extLst>
+          </p:cNvPr>
+          <p:cNvSpPr/>
+          <p:nvPr/>
+        </p:nvSpPr>
+        <p:spPr>
+          <a:xfrm>
+            <a:off x="5068957" y="3936229"/>
+            <a:ext cx="311426" cy="1043276"/>
+          </a:xfrm>
+          <a:prstGeom prst="rect">
+            <a:avLst/>
+          </a:prstGeom>
+          <a:solidFill>
+            <a:schemeClr val="tx1"/>
+          </a:solidFill>
+          <a:ln>
+            <a:noFill/>
+          </a:ln>
+        </p:spPr>
+        <p:style>
+          <a:lnRef idx="2">
+            <a:schemeClr val="accent1">
+              <a:shade val="15000"/>
+            </a:schemeClr>
+          </a:lnRef>
+          <a:fillRef idx="1">
+            <a:schemeClr val="accent1"/>
+          </a:fillRef>
+          <a:effectRef idx="0">
+            <a:schemeClr val="accent1"/>
+          </a:effectRef>
+          <a:fontRef idx="minor">
+            <a:schemeClr val="lt1"/>
+          </a:fontRef>
+        </p:style>
+        <p:txBody>
+          <a:bodyPr rtlCol="0" anchor="ctr"/>
+          <a:lstStyle/>
+          <a:p>
+            <a:pPr algn="ctr"/>
+            <a:endParaRPr lang="ko-KR" altLang="en-US"/>
+          </a:p>
+        </p:txBody>
+      </p:sp>
+      <p:sp>
+        <p:nvSpPr>
+          <p:cNvPr id="24" name="직사각형 23">
+            <a:extLst>
+              <a:ext uri="{FF2B5EF4-FFF2-40B4-BE49-F238E27FC236}">
+                <a16:creationId xmlns:a16="http://schemas.microsoft.com/office/drawing/2014/main" id="{BDE1CB0A-10CB-CDDB-DF17-948DB6CEFA05}"/>
+              </a:ext>
+            </a:extLst>
+          </p:cNvPr>
+          <p:cNvSpPr/>
+          <p:nvPr/>
+        </p:nvSpPr>
+        <p:spPr>
+          <a:xfrm>
+            <a:off x="5068957" y="1360419"/>
+            <a:ext cx="311426" cy="1523490"/>
+          </a:xfrm>
+          <a:prstGeom prst="rect">
+            <a:avLst/>
+          </a:prstGeom>
+          <a:solidFill>
+            <a:schemeClr val="tx1"/>
+          </a:solidFill>
+          <a:ln>
+            <a:noFill/>
+          </a:ln>
+        </p:spPr>
+        <p:style>
+          <a:lnRef idx="2">
+            <a:schemeClr val="accent1">
+              <a:shade val="15000"/>
+            </a:schemeClr>
+          </a:lnRef>
+          <a:fillRef idx="1">
+            <a:schemeClr val="accent1"/>
+          </a:fillRef>
+          <a:effectRef idx="0">
+            <a:schemeClr val="accent1"/>
+          </a:effectRef>
+          <a:fontRef idx="minor">
+            <a:schemeClr val="lt1"/>
+          </a:fontRef>
+        </p:style>
+        <p:txBody>
+          <a:bodyPr rtlCol="0" anchor="ctr"/>
+          <a:lstStyle/>
+          <a:p>
+            <a:pPr algn="ctr"/>
+            <a:endParaRPr lang="ko-KR" altLang="en-US"/>
+          </a:p>
+        </p:txBody>
+      </p:sp>
+      <p:sp>
+        <p:nvSpPr>
+          <p:cNvPr id="25" name="직사각형 24">
+            <a:extLst>
+              <a:ext uri="{FF2B5EF4-FFF2-40B4-BE49-F238E27FC236}">
+                <a16:creationId xmlns:a16="http://schemas.microsoft.com/office/drawing/2014/main" id="{177381E1-4700-99FD-C602-301A95F05833}"/>
+              </a:ext>
+            </a:extLst>
+          </p:cNvPr>
+          <p:cNvSpPr/>
+          <p:nvPr/>
+        </p:nvSpPr>
+        <p:spPr>
+          <a:xfrm>
+            <a:off x="6486941" y="3152094"/>
+            <a:ext cx="311426" cy="1827410"/>
+          </a:xfrm>
+          <a:prstGeom prst="rect">
+            <a:avLst/>
+          </a:prstGeom>
+          <a:solidFill>
+            <a:schemeClr val="tx1"/>
+          </a:solidFill>
+          <a:ln>
+            <a:noFill/>
+          </a:ln>
+        </p:spPr>
+        <p:style>
+          <a:lnRef idx="2">
+            <a:schemeClr val="accent1">
+              <a:shade val="15000"/>
+            </a:schemeClr>
+          </a:lnRef>
+          <a:fillRef idx="1">
+            <a:schemeClr val="accent1"/>
+          </a:fillRef>
+          <a:effectRef idx="0">
+            <a:schemeClr val="accent1"/>
+          </a:effectRef>
+          <a:fontRef idx="minor">
+            <a:schemeClr val="lt1"/>
+          </a:fontRef>
+        </p:style>
+        <p:txBody>
+          <a:bodyPr rtlCol="0" anchor="ctr"/>
+          <a:lstStyle/>
+          <a:p>
+            <a:pPr algn="ctr"/>
+            <a:endParaRPr lang="ko-KR" altLang="en-US"/>
+          </a:p>
+        </p:txBody>
+      </p:sp>
+      <p:sp>
+        <p:nvSpPr>
+          <p:cNvPr id="26" name="직사각형 25">
+            <a:extLst>
+              <a:ext uri="{FF2B5EF4-FFF2-40B4-BE49-F238E27FC236}">
+                <a16:creationId xmlns:a16="http://schemas.microsoft.com/office/drawing/2014/main" id="{E113FC3C-0552-146F-A439-8B0711C1DFD7}"/>
+              </a:ext>
+            </a:extLst>
+          </p:cNvPr>
+          <p:cNvSpPr/>
+          <p:nvPr/>
+        </p:nvSpPr>
+        <p:spPr>
+          <a:xfrm>
+            <a:off x="6486941" y="1360417"/>
+            <a:ext cx="311426" cy="739357"/>
+          </a:xfrm>
+          <a:prstGeom prst="rect">
+            <a:avLst/>
+          </a:prstGeom>
+          <a:solidFill>
+            <a:schemeClr val="tx1"/>
+          </a:solidFill>
+          <a:ln>
+            <a:noFill/>
+          </a:ln>
+        </p:spPr>
+        <p:style>
+          <a:lnRef idx="2">
+            <a:schemeClr val="accent1">
+              <a:shade val="15000"/>
+            </a:schemeClr>
+          </a:lnRef>
+          <a:fillRef idx="1">
+            <a:schemeClr val="accent1"/>
+          </a:fillRef>
+          <a:effectRef idx="0">
+            <a:schemeClr val="accent1"/>
+          </a:effectRef>
+          <a:fontRef idx="minor">
+            <a:schemeClr val="lt1"/>
+          </a:fontRef>
+        </p:style>
+        <p:txBody>
+          <a:bodyPr rtlCol="0" anchor="ctr"/>
+          <a:lstStyle/>
+          <a:p>
+            <a:pPr algn="ctr"/>
+            <a:endParaRPr lang="ko-KR" altLang="en-US"/>
+          </a:p>
+        </p:txBody>
+      </p:sp>
+      <p:sp>
+        <p:nvSpPr>
+          <p:cNvPr id="27" name="직사각형 26">
+            <a:extLst>
+              <a:ext uri="{FF2B5EF4-FFF2-40B4-BE49-F238E27FC236}">
+                <a16:creationId xmlns:a16="http://schemas.microsoft.com/office/drawing/2014/main" id="{FBA3BB7C-70ED-527F-8246-DD54495C8867}"/>
+              </a:ext>
+            </a:extLst>
+          </p:cNvPr>
+          <p:cNvSpPr/>
+          <p:nvPr/>
+        </p:nvSpPr>
+        <p:spPr>
+          <a:xfrm>
+            <a:off x="7838661" y="3709365"/>
+            <a:ext cx="311426" cy="1283383"/>
+          </a:xfrm>
+          <a:prstGeom prst="rect">
+            <a:avLst/>
+          </a:prstGeom>
+          <a:solidFill>
+            <a:schemeClr val="tx1"/>
+          </a:solidFill>
+          <a:ln>
+            <a:noFill/>
+          </a:ln>
+        </p:spPr>
+        <p:style>
+          <a:lnRef idx="2">
+            <a:schemeClr val="accent1">
+              <a:shade val="15000"/>
+            </a:schemeClr>
+          </a:lnRef>
+          <a:fillRef idx="1">
+            <a:schemeClr val="accent1"/>
+          </a:fillRef>
+          <a:effectRef idx="0">
+            <a:schemeClr val="accent1"/>
+          </a:effectRef>
+          <a:fontRef idx="minor">
+            <a:schemeClr val="lt1"/>
+          </a:fontRef>
+        </p:style>
+        <p:txBody>
+          <a:bodyPr rtlCol="0" anchor="ctr"/>
+          <a:lstStyle/>
+          <a:p>
+            <a:pPr algn="ctr"/>
+            <a:endParaRPr lang="ko-KR" altLang="en-US"/>
+          </a:p>
+        </p:txBody>
+      </p:sp>
+      <p:sp>
+        <p:nvSpPr>
+          <p:cNvPr id="47" name="직사각형 46">
+            <a:extLst>
+              <a:ext uri="{FF2B5EF4-FFF2-40B4-BE49-F238E27FC236}">
+                <a16:creationId xmlns:a16="http://schemas.microsoft.com/office/drawing/2014/main" id="{7CACEC57-0EE0-37AC-6787-D33C79DA828B}"/>
+              </a:ext>
+            </a:extLst>
+          </p:cNvPr>
+          <p:cNvSpPr/>
+          <p:nvPr/>
+        </p:nvSpPr>
+        <p:spPr>
+          <a:xfrm>
+            <a:off x="7838661" y="1373662"/>
+            <a:ext cx="311426" cy="1283383"/>
+          </a:xfrm>
+          <a:prstGeom prst="rect">
+            <a:avLst/>
+          </a:prstGeom>
+          <a:solidFill>
+            <a:schemeClr val="tx1"/>
+          </a:solidFill>
+          <a:ln>
+            <a:noFill/>
+          </a:ln>
+        </p:spPr>
+        <p:style>
+          <a:lnRef idx="2">
+            <a:schemeClr val="accent1">
+              <a:shade val="15000"/>
+            </a:schemeClr>
+          </a:lnRef>
+          <a:fillRef idx="1">
+            <a:schemeClr val="accent1"/>
+          </a:fillRef>
+          <a:effectRef idx="0">
+            <a:schemeClr val="accent1"/>
+          </a:effectRef>
+          <a:fontRef idx="minor">
+            <a:schemeClr val="lt1"/>
+          </a:fontRef>
+        </p:style>
+        <p:txBody>
+          <a:bodyPr rtlCol="0" anchor="ctr"/>
+          <a:lstStyle/>
+          <a:p>
+            <a:pPr algn="ctr"/>
+            <a:endParaRPr lang="ko-KR" altLang="en-US"/>
+          </a:p>
+        </p:txBody>
+      </p:sp>
+      <p:pic>
+        <p:nvPicPr>
+          <p:cNvPr id="49" name="그래픽 48" descr="보내다 단색으로 채워진">
+            <a:extLst>
+              <a:ext uri="{FF2B5EF4-FFF2-40B4-BE49-F238E27FC236}">
+                <a16:creationId xmlns:a16="http://schemas.microsoft.com/office/drawing/2014/main" id="{5562DDEC-85DF-3FC6-FC14-69FAE4AE7A9A}"/>
+              </a:ext>
+            </a:extLst>
+          </p:cNvPr>
+          <p:cNvPicPr>
+            <a:picLocks noChangeAspect="1"/>
+          </p:cNvPicPr>
+          <p:nvPr/>
+        </p:nvPicPr>
+        <p:blipFill>
+          <a:blip r:embed="rId2">
+            <a:extLst>
+              <a:ext uri="{96DAC541-7B7A-43D3-8B79-37D633B846F1}">
+                <asvg:svgBlip xmlns:asvg="http://schemas.microsoft.com/office/drawing/2016/SVG/main" r:embed="rId3"/>
+              </a:ext>
+            </a:extLst>
+          </a:blip>
+          <a:stretch>
+            <a:fillRect/>
+          </a:stretch>
+        </p:blipFill>
+        <p:spPr>
+          <a:xfrm>
+            <a:off x="3187571" y="3020800"/>
+            <a:ext cx="523036" cy="523036"/>
+          </a:xfrm>
+          <a:prstGeom prst="rect">
+            <a:avLst/>
+          </a:prstGeom>
+        </p:spPr>
+      </p:pic>
     </p:spTree>
     <p:extLst>
       <p:ext uri="{BB962C8B-B14F-4D97-AF65-F5344CB8AC3E}">
@@ -29148,6 +28486,3601 @@
 </file>
 
 <file path=ppt/slides/slide25.xml><?xml version="1.0" encoding="utf-8"?>
+<p:sld xmlns:a="http://schemas.openxmlformats.org/drawingml/2006/main" xmlns:r="http://schemas.openxmlformats.org/officeDocument/2006/relationships" xmlns:p="http://schemas.openxmlformats.org/presentationml/2006/main">
+  <p:cSld>
+    <p:spTree>
+      <p:nvGrpSpPr>
+        <p:cNvPr id="1" name="">
+          <a:extLst>
+            <a:ext uri="{FF2B5EF4-FFF2-40B4-BE49-F238E27FC236}">
+              <a16:creationId xmlns:a16="http://schemas.microsoft.com/office/drawing/2014/main" id="{CB1AB8CB-F137-5246-5D60-5F4C06A65223}"/>
+            </a:ext>
+          </a:extLst>
+        </p:cNvPr>
+        <p:cNvGrpSpPr/>
+        <p:nvPr/>
+      </p:nvGrpSpPr>
+      <p:grpSpPr>
+        <a:xfrm>
+          <a:off x="0" y="0"/>
+          <a:ext cx="0" cy="0"/>
+          <a:chOff x="0" y="0"/>
+          <a:chExt cx="0" cy="0"/>
+        </a:xfrm>
+      </p:grpSpPr>
+      <p:sp>
+        <p:nvSpPr>
+          <p:cNvPr id="5" name="제목 1">
+            <a:extLst>
+              <a:ext uri="{FF2B5EF4-FFF2-40B4-BE49-F238E27FC236}">
+                <a16:creationId xmlns:a16="http://schemas.microsoft.com/office/drawing/2014/main" id="{0E42C8D8-A83C-8A6E-EE36-9F976ED2F6C6}"/>
+              </a:ext>
+            </a:extLst>
+          </p:cNvPr>
+          <p:cNvSpPr>
+            <a:spLocks noGrp="1"/>
+          </p:cNvSpPr>
+          <p:nvPr>
+            <p:ph type="title"/>
+          </p:nvPr>
+        </p:nvSpPr>
+        <p:spPr>
+          <a:xfrm>
+            <a:off x="129225" y="83886"/>
+            <a:ext cx="3034834" cy="608225"/>
+          </a:xfrm>
+        </p:spPr>
+        <p:txBody>
+          <a:bodyPr>
+            <a:normAutofit/>
+          </a:bodyPr>
+          <a:lstStyle/>
+          <a:p>
+            <a:pPr algn="ctr"/>
+            <a:r>
+              <a:rPr lang="ko-KR" altLang="en-US" sz="3200" b="1"/>
+              <a:t>미니 게임 종류</a:t>
+            </a:r>
+            <a:endParaRPr lang="ko-KR" altLang="en-US" sz="3200" b="1" dirty="0"/>
+          </a:p>
+        </p:txBody>
+      </p:sp>
+      <p:cxnSp>
+        <p:nvCxnSpPr>
+          <p:cNvPr id="6" name="직선 연결선 5">
+            <a:extLst>
+              <a:ext uri="{FF2B5EF4-FFF2-40B4-BE49-F238E27FC236}">
+                <a16:creationId xmlns:a16="http://schemas.microsoft.com/office/drawing/2014/main" id="{BF124D24-1CC5-551D-C2A8-F0FA6F48C5DC}"/>
+              </a:ext>
+            </a:extLst>
+          </p:cNvPr>
+          <p:cNvCxnSpPr>
+            <a:cxnSpLocks/>
+          </p:cNvCxnSpPr>
+          <p:nvPr/>
+        </p:nvCxnSpPr>
+        <p:spPr>
+          <a:xfrm>
+            <a:off x="0" y="692111"/>
+            <a:ext cx="12192000" cy="0"/>
+          </a:xfrm>
+          <a:prstGeom prst="line">
+            <a:avLst/>
+          </a:prstGeom>
+          <a:ln>
+            <a:solidFill>
+              <a:schemeClr val="bg2">
+                <a:lumMod val="75000"/>
+              </a:schemeClr>
+            </a:solidFill>
+          </a:ln>
+        </p:spPr>
+        <p:style>
+          <a:lnRef idx="2">
+            <a:schemeClr val="accent1"/>
+          </a:lnRef>
+          <a:fillRef idx="0">
+            <a:schemeClr val="accent1"/>
+          </a:fillRef>
+          <a:effectRef idx="1">
+            <a:schemeClr val="accent1"/>
+          </a:effectRef>
+          <a:fontRef idx="minor">
+            <a:schemeClr val="tx1"/>
+          </a:fontRef>
+        </p:style>
+      </p:cxnSp>
+      <p:cxnSp>
+        <p:nvCxnSpPr>
+          <p:cNvPr id="7" name="직선 연결선 6">
+            <a:extLst>
+              <a:ext uri="{FF2B5EF4-FFF2-40B4-BE49-F238E27FC236}">
+                <a16:creationId xmlns:a16="http://schemas.microsoft.com/office/drawing/2014/main" id="{F38FAA80-CB42-680D-CFC1-9620AE16CD96}"/>
+              </a:ext>
+            </a:extLst>
+          </p:cNvPr>
+          <p:cNvCxnSpPr>
+            <a:cxnSpLocks/>
+          </p:cNvCxnSpPr>
+          <p:nvPr/>
+        </p:nvCxnSpPr>
+        <p:spPr>
+          <a:xfrm>
+            <a:off x="129225" y="658980"/>
+            <a:ext cx="3034834" cy="0"/>
+          </a:xfrm>
+          <a:prstGeom prst="line">
+            <a:avLst/>
+          </a:prstGeom>
+          <a:ln w="76200">
+            <a:solidFill>
+              <a:schemeClr val="tx1"/>
+            </a:solidFill>
+          </a:ln>
+        </p:spPr>
+        <p:style>
+          <a:lnRef idx="2">
+            <a:schemeClr val="accent1"/>
+          </a:lnRef>
+          <a:fillRef idx="0">
+            <a:schemeClr val="accent1"/>
+          </a:fillRef>
+          <a:effectRef idx="1">
+            <a:schemeClr val="accent1"/>
+          </a:effectRef>
+          <a:fontRef idx="minor">
+            <a:schemeClr val="tx1"/>
+          </a:fontRef>
+        </p:style>
+      </p:cxnSp>
+      <p:sp>
+        <p:nvSpPr>
+          <p:cNvPr id="10" name="슬라이드 번호 개체 틀 9">
+            <a:extLst>
+              <a:ext uri="{FF2B5EF4-FFF2-40B4-BE49-F238E27FC236}">
+                <a16:creationId xmlns:a16="http://schemas.microsoft.com/office/drawing/2014/main" id="{E775F511-CA49-60B4-23A8-BF117C7F0D8B}"/>
+              </a:ext>
+            </a:extLst>
+          </p:cNvPr>
+          <p:cNvSpPr>
+            <a:spLocks noGrp="1"/>
+          </p:cNvSpPr>
+          <p:nvPr>
+            <p:ph type="sldNum" sz="quarter" idx="12"/>
+          </p:nvPr>
+        </p:nvSpPr>
+        <p:spPr/>
+        <p:txBody>
+          <a:bodyPr/>
+          <a:lstStyle/>
+          <a:p>
+            <a:fld id="{8D96929D-9E84-4A42-B4C3-2E48812748E4}" type="slidenum">
+              <a:rPr lang="ko-KR" altLang="en-US" smtClean="0"/>
+              <a:t>25</a:t>
+            </a:fld>
+            <a:endParaRPr lang="ko-KR" altLang="en-US"/>
+          </a:p>
+        </p:txBody>
+      </p:sp>
+      <p:sp>
+        <p:nvSpPr>
+          <p:cNvPr id="4" name="TextBox 3">
+            <a:extLst>
+              <a:ext uri="{FF2B5EF4-FFF2-40B4-BE49-F238E27FC236}">
+                <a16:creationId xmlns:a16="http://schemas.microsoft.com/office/drawing/2014/main" id="{E37E95FB-46F5-08A9-39AB-F00BC15401C4}"/>
+              </a:ext>
+            </a:extLst>
+          </p:cNvPr>
+          <p:cNvSpPr txBox="1"/>
+          <p:nvPr/>
+        </p:nvSpPr>
+        <p:spPr>
+          <a:xfrm>
+            <a:off x="454785" y="658980"/>
+            <a:ext cx="2951449" cy="523220"/>
+          </a:xfrm>
+          <a:prstGeom prst="rect">
+            <a:avLst/>
+          </a:prstGeom>
+          <a:noFill/>
+        </p:spPr>
+        <p:txBody>
+          <a:bodyPr wrap="none" rtlCol="0">
+            <a:spAutoFit/>
+          </a:bodyPr>
+          <a:lstStyle/>
+          <a:p>
+            <a:r>
+              <a:rPr lang="ko-KR" altLang="en-US" sz="2800" dirty="0">
+                <a:solidFill>
+                  <a:srgbClr val="0070C0"/>
+                </a:solidFill>
+              </a:rPr>
+              <a:t>종이 비행기 게임</a:t>
+            </a:r>
+          </a:p>
+        </p:txBody>
+      </p:sp>
+      <p:grpSp>
+        <p:nvGrpSpPr>
+          <p:cNvPr id="2" name="그룹 1">
+            <a:extLst>
+              <a:ext uri="{FF2B5EF4-FFF2-40B4-BE49-F238E27FC236}">
+                <a16:creationId xmlns:a16="http://schemas.microsoft.com/office/drawing/2014/main" id="{CB18C72F-E4DA-D237-CBEB-25EAE079DA2A}"/>
+              </a:ext>
+            </a:extLst>
+          </p:cNvPr>
+          <p:cNvGrpSpPr/>
+          <p:nvPr/>
+        </p:nvGrpSpPr>
+        <p:grpSpPr>
+          <a:xfrm>
+            <a:off x="1860256" y="1383237"/>
+            <a:ext cx="8471488" cy="4782652"/>
+            <a:chOff x="2756452" y="1360417"/>
+            <a:chExt cx="6433930" cy="3632331"/>
+          </a:xfrm>
+        </p:grpSpPr>
+        <p:sp>
+          <p:nvSpPr>
+            <p:cNvPr id="13" name="직사각형 12">
+              <a:extLst>
+                <a:ext uri="{FF2B5EF4-FFF2-40B4-BE49-F238E27FC236}">
+                  <a16:creationId xmlns:a16="http://schemas.microsoft.com/office/drawing/2014/main" id="{52B4742F-CB6E-134E-4C51-FB3DEEFCCF2A}"/>
+                </a:ext>
+              </a:extLst>
+            </p:cNvPr>
+            <p:cNvSpPr>
+              <a:spLocks noChangeAspect="1"/>
+            </p:cNvSpPr>
+            <p:nvPr/>
+          </p:nvSpPr>
+          <p:spPr>
+            <a:xfrm>
+              <a:off x="2756452" y="1360418"/>
+              <a:ext cx="6433930" cy="3619086"/>
+            </a:xfrm>
+            <a:prstGeom prst="rect">
+              <a:avLst/>
+            </a:prstGeom>
+            <a:solidFill>
+              <a:schemeClr val="bg1"/>
+            </a:solidFill>
+            <a:ln>
+              <a:solidFill>
+                <a:schemeClr val="tx1"/>
+              </a:solidFill>
+            </a:ln>
+          </p:spPr>
+          <p:style>
+            <a:lnRef idx="2">
+              <a:schemeClr val="accent1">
+                <a:shade val="15000"/>
+              </a:schemeClr>
+            </a:lnRef>
+            <a:fillRef idx="1">
+              <a:schemeClr val="accent1"/>
+            </a:fillRef>
+            <a:effectRef idx="0">
+              <a:schemeClr val="accent1"/>
+            </a:effectRef>
+            <a:fontRef idx="minor">
+              <a:schemeClr val="lt1"/>
+            </a:fontRef>
+          </p:style>
+          <p:txBody>
+            <a:bodyPr rtlCol="0" anchor="ctr"/>
+            <a:lstStyle/>
+            <a:p>
+              <a:pPr algn="ctr"/>
+              <a:endParaRPr lang="ko-KR" altLang="en-US" dirty="0"/>
+            </a:p>
+          </p:txBody>
+        </p:sp>
+        <p:sp>
+          <p:nvSpPr>
+            <p:cNvPr id="8" name="직사각형 7">
+              <a:extLst>
+                <a:ext uri="{FF2B5EF4-FFF2-40B4-BE49-F238E27FC236}">
+                  <a16:creationId xmlns:a16="http://schemas.microsoft.com/office/drawing/2014/main" id="{38D8BD52-EC87-2520-8396-7C9CCB7AC6F4}"/>
+                </a:ext>
+              </a:extLst>
+            </p:cNvPr>
+            <p:cNvSpPr/>
+            <p:nvPr/>
+          </p:nvSpPr>
+          <p:spPr>
+            <a:xfrm>
+              <a:off x="3889513" y="3696121"/>
+              <a:ext cx="311426" cy="1283383"/>
+            </a:xfrm>
+            <a:prstGeom prst="rect">
+              <a:avLst/>
+            </a:prstGeom>
+            <a:solidFill>
+              <a:schemeClr val="tx1"/>
+            </a:solidFill>
+            <a:ln>
+              <a:noFill/>
+            </a:ln>
+          </p:spPr>
+          <p:style>
+            <a:lnRef idx="2">
+              <a:schemeClr val="accent1">
+                <a:shade val="15000"/>
+              </a:schemeClr>
+            </a:lnRef>
+            <a:fillRef idx="1">
+              <a:schemeClr val="accent1"/>
+            </a:fillRef>
+            <a:effectRef idx="0">
+              <a:schemeClr val="accent1"/>
+            </a:effectRef>
+            <a:fontRef idx="minor">
+              <a:schemeClr val="lt1"/>
+            </a:fontRef>
+          </p:style>
+          <p:txBody>
+            <a:bodyPr rtlCol="0" anchor="ctr"/>
+            <a:lstStyle/>
+            <a:p>
+              <a:pPr algn="ctr"/>
+              <a:endParaRPr lang="ko-KR" altLang="en-US"/>
+            </a:p>
+          </p:txBody>
+        </p:sp>
+        <p:sp>
+          <p:nvSpPr>
+            <p:cNvPr id="9" name="직사각형 8">
+              <a:extLst>
+                <a:ext uri="{FF2B5EF4-FFF2-40B4-BE49-F238E27FC236}">
+                  <a16:creationId xmlns:a16="http://schemas.microsoft.com/office/drawing/2014/main" id="{A58BBAEA-3C35-3F60-1462-1C451E0033EE}"/>
+                </a:ext>
+              </a:extLst>
+            </p:cNvPr>
+            <p:cNvSpPr/>
+            <p:nvPr/>
+          </p:nvSpPr>
+          <p:spPr>
+            <a:xfrm>
+              <a:off x="3889513" y="1360418"/>
+              <a:ext cx="311426" cy="1283383"/>
+            </a:xfrm>
+            <a:prstGeom prst="rect">
+              <a:avLst/>
+            </a:prstGeom>
+            <a:solidFill>
+              <a:schemeClr val="tx1"/>
+            </a:solidFill>
+            <a:ln>
+              <a:noFill/>
+            </a:ln>
+          </p:spPr>
+          <p:style>
+            <a:lnRef idx="2">
+              <a:schemeClr val="accent1">
+                <a:shade val="15000"/>
+              </a:schemeClr>
+            </a:lnRef>
+            <a:fillRef idx="1">
+              <a:schemeClr val="accent1"/>
+            </a:fillRef>
+            <a:effectRef idx="0">
+              <a:schemeClr val="accent1"/>
+            </a:effectRef>
+            <a:fontRef idx="minor">
+              <a:schemeClr val="lt1"/>
+            </a:fontRef>
+          </p:style>
+          <p:txBody>
+            <a:bodyPr rtlCol="0" anchor="ctr"/>
+            <a:lstStyle/>
+            <a:p>
+              <a:pPr algn="ctr"/>
+              <a:endParaRPr lang="ko-KR" altLang="en-US"/>
+            </a:p>
+          </p:txBody>
+        </p:sp>
+        <p:sp>
+          <p:nvSpPr>
+            <p:cNvPr id="11" name="직사각형 10">
+              <a:extLst>
+                <a:ext uri="{FF2B5EF4-FFF2-40B4-BE49-F238E27FC236}">
+                  <a16:creationId xmlns:a16="http://schemas.microsoft.com/office/drawing/2014/main" id="{B2F65E17-8321-6F93-569E-F7A93FFA4FB4}"/>
+                </a:ext>
+              </a:extLst>
+            </p:cNvPr>
+            <p:cNvSpPr/>
+            <p:nvPr/>
+          </p:nvSpPr>
+          <p:spPr>
+            <a:xfrm>
+              <a:off x="5068957" y="3936229"/>
+              <a:ext cx="311426" cy="1043276"/>
+            </a:xfrm>
+            <a:prstGeom prst="rect">
+              <a:avLst/>
+            </a:prstGeom>
+            <a:solidFill>
+              <a:schemeClr val="tx1"/>
+            </a:solidFill>
+            <a:ln>
+              <a:noFill/>
+            </a:ln>
+          </p:spPr>
+          <p:style>
+            <a:lnRef idx="2">
+              <a:schemeClr val="accent1">
+                <a:shade val="15000"/>
+              </a:schemeClr>
+            </a:lnRef>
+            <a:fillRef idx="1">
+              <a:schemeClr val="accent1"/>
+            </a:fillRef>
+            <a:effectRef idx="0">
+              <a:schemeClr val="accent1"/>
+            </a:effectRef>
+            <a:fontRef idx="minor">
+              <a:schemeClr val="lt1"/>
+            </a:fontRef>
+          </p:style>
+          <p:txBody>
+            <a:bodyPr rtlCol="0" anchor="ctr"/>
+            <a:lstStyle/>
+            <a:p>
+              <a:pPr algn="ctr"/>
+              <a:endParaRPr lang="ko-KR" altLang="en-US"/>
+            </a:p>
+          </p:txBody>
+        </p:sp>
+        <p:sp>
+          <p:nvSpPr>
+            <p:cNvPr id="24" name="직사각형 23">
+              <a:extLst>
+                <a:ext uri="{FF2B5EF4-FFF2-40B4-BE49-F238E27FC236}">
+                  <a16:creationId xmlns:a16="http://schemas.microsoft.com/office/drawing/2014/main" id="{9972570D-B39E-BA84-6178-8C095C982A2D}"/>
+                </a:ext>
+              </a:extLst>
+            </p:cNvPr>
+            <p:cNvSpPr/>
+            <p:nvPr/>
+          </p:nvSpPr>
+          <p:spPr>
+            <a:xfrm>
+              <a:off x="5068957" y="1360419"/>
+              <a:ext cx="311426" cy="1523490"/>
+            </a:xfrm>
+            <a:prstGeom prst="rect">
+              <a:avLst/>
+            </a:prstGeom>
+            <a:solidFill>
+              <a:schemeClr val="tx1"/>
+            </a:solidFill>
+            <a:ln>
+              <a:noFill/>
+            </a:ln>
+          </p:spPr>
+          <p:style>
+            <a:lnRef idx="2">
+              <a:schemeClr val="accent1">
+                <a:shade val="15000"/>
+              </a:schemeClr>
+            </a:lnRef>
+            <a:fillRef idx="1">
+              <a:schemeClr val="accent1"/>
+            </a:fillRef>
+            <a:effectRef idx="0">
+              <a:schemeClr val="accent1"/>
+            </a:effectRef>
+            <a:fontRef idx="minor">
+              <a:schemeClr val="lt1"/>
+            </a:fontRef>
+          </p:style>
+          <p:txBody>
+            <a:bodyPr rtlCol="0" anchor="ctr"/>
+            <a:lstStyle/>
+            <a:p>
+              <a:pPr algn="ctr"/>
+              <a:endParaRPr lang="ko-KR" altLang="en-US"/>
+            </a:p>
+          </p:txBody>
+        </p:sp>
+        <p:sp>
+          <p:nvSpPr>
+            <p:cNvPr id="25" name="직사각형 24">
+              <a:extLst>
+                <a:ext uri="{FF2B5EF4-FFF2-40B4-BE49-F238E27FC236}">
+                  <a16:creationId xmlns:a16="http://schemas.microsoft.com/office/drawing/2014/main" id="{52292049-660C-EAFB-D62F-85BBE9A5F1AA}"/>
+                </a:ext>
+              </a:extLst>
+            </p:cNvPr>
+            <p:cNvSpPr/>
+            <p:nvPr/>
+          </p:nvSpPr>
+          <p:spPr>
+            <a:xfrm>
+              <a:off x="6486941" y="3152094"/>
+              <a:ext cx="311426" cy="1827410"/>
+            </a:xfrm>
+            <a:prstGeom prst="rect">
+              <a:avLst/>
+            </a:prstGeom>
+            <a:solidFill>
+              <a:schemeClr val="tx1"/>
+            </a:solidFill>
+            <a:ln>
+              <a:noFill/>
+            </a:ln>
+          </p:spPr>
+          <p:style>
+            <a:lnRef idx="2">
+              <a:schemeClr val="accent1">
+                <a:shade val="15000"/>
+              </a:schemeClr>
+            </a:lnRef>
+            <a:fillRef idx="1">
+              <a:schemeClr val="accent1"/>
+            </a:fillRef>
+            <a:effectRef idx="0">
+              <a:schemeClr val="accent1"/>
+            </a:effectRef>
+            <a:fontRef idx="minor">
+              <a:schemeClr val="lt1"/>
+            </a:fontRef>
+          </p:style>
+          <p:txBody>
+            <a:bodyPr rtlCol="0" anchor="ctr"/>
+            <a:lstStyle/>
+            <a:p>
+              <a:pPr algn="ctr"/>
+              <a:endParaRPr lang="ko-KR" altLang="en-US"/>
+            </a:p>
+          </p:txBody>
+        </p:sp>
+        <p:sp>
+          <p:nvSpPr>
+            <p:cNvPr id="26" name="직사각형 25">
+              <a:extLst>
+                <a:ext uri="{FF2B5EF4-FFF2-40B4-BE49-F238E27FC236}">
+                  <a16:creationId xmlns:a16="http://schemas.microsoft.com/office/drawing/2014/main" id="{854B040D-5D69-CAD9-7FC8-A736B199DD68}"/>
+                </a:ext>
+              </a:extLst>
+            </p:cNvPr>
+            <p:cNvSpPr/>
+            <p:nvPr/>
+          </p:nvSpPr>
+          <p:spPr>
+            <a:xfrm>
+              <a:off x="6486941" y="1360417"/>
+              <a:ext cx="311426" cy="739357"/>
+            </a:xfrm>
+            <a:prstGeom prst="rect">
+              <a:avLst/>
+            </a:prstGeom>
+            <a:solidFill>
+              <a:schemeClr val="tx1"/>
+            </a:solidFill>
+            <a:ln>
+              <a:noFill/>
+            </a:ln>
+          </p:spPr>
+          <p:style>
+            <a:lnRef idx="2">
+              <a:schemeClr val="accent1">
+                <a:shade val="15000"/>
+              </a:schemeClr>
+            </a:lnRef>
+            <a:fillRef idx="1">
+              <a:schemeClr val="accent1"/>
+            </a:fillRef>
+            <a:effectRef idx="0">
+              <a:schemeClr val="accent1"/>
+            </a:effectRef>
+            <a:fontRef idx="minor">
+              <a:schemeClr val="lt1"/>
+            </a:fontRef>
+          </p:style>
+          <p:txBody>
+            <a:bodyPr rtlCol="0" anchor="ctr"/>
+            <a:lstStyle/>
+            <a:p>
+              <a:pPr algn="ctr"/>
+              <a:endParaRPr lang="ko-KR" altLang="en-US"/>
+            </a:p>
+          </p:txBody>
+        </p:sp>
+        <p:sp>
+          <p:nvSpPr>
+            <p:cNvPr id="27" name="직사각형 26">
+              <a:extLst>
+                <a:ext uri="{FF2B5EF4-FFF2-40B4-BE49-F238E27FC236}">
+                  <a16:creationId xmlns:a16="http://schemas.microsoft.com/office/drawing/2014/main" id="{47AF3A60-2688-CB38-D377-5D8C93EC6488}"/>
+                </a:ext>
+              </a:extLst>
+            </p:cNvPr>
+            <p:cNvSpPr/>
+            <p:nvPr/>
+          </p:nvSpPr>
+          <p:spPr>
+            <a:xfrm>
+              <a:off x="7838661" y="3709365"/>
+              <a:ext cx="311426" cy="1283383"/>
+            </a:xfrm>
+            <a:prstGeom prst="rect">
+              <a:avLst/>
+            </a:prstGeom>
+            <a:solidFill>
+              <a:schemeClr val="tx1"/>
+            </a:solidFill>
+            <a:ln>
+              <a:noFill/>
+            </a:ln>
+          </p:spPr>
+          <p:style>
+            <a:lnRef idx="2">
+              <a:schemeClr val="accent1">
+                <a:shade val="15000"/>
+              </a:schemeClr>
+            </a:lnRef>
+            <a:fillRef idx="1">
+              <a:schemeClr val="accent1"/>
+            </a:fillRef>
+            <a:effectRef idx="0">
+              <a:schemeClr val="accent1"/>
+            </a:effectRef>
+            <a:fontRef idx="minor">
+              <a:schemeClr val="lt1"/>
+            </a:fontRef>
+          </p:style>
+          <p:txBody>
+            <a:bodyPr rtlCol="0" anchor="ctr"/>
+            <a:lstStyle/>
+            <a:p>
+              <a:pPr algn="ctr"/>
+              <a:endParaRPr lang="ko-KR" altLang="en-US"/>
+            </a:p>
+          </p:txBody>
+        </p:sp>
+        <p:sp>
+          <p:nvSpPr>
+            <p:cNvPr id="47" name="직사각형 46">
+              <a:extLst>
+                <a:ext uri="{FF2B5EF4-FFF2-40B4-BE49-F238E27FC236}">
+                  <a16:creationId xmlns:a16="http://schemas.microsoft.com/office/drawing/2014/main" id="{E941F796-C1DB-B5B1-4545-14E60B1EA358}"/>
+                </a:ext>
+              </a:extLst>
+            </p:cNvPr>
+            <p:cNvSpPr/>
+            <p:nvPr/>
+          </p:nvSpPr>
+          <p:spPr>
+            <a:xfrm>
+              <a:off x="7838661" y="1373662"/>
+              <a:ext cx="311426" cy="1283383"/>
+            </a:xfrm>
+            <a:prstGeom prst="rect">
+              <a:avLst/>
+            </a:prstGeom>
+            <a:solidFill>
+              <a:schemeClr val="tx1"/>
+            </a:solidFill>
+            <a:ln>
+              <a:noFill/>
+            </a:ln>
+          </p:spPr>
+          <p:style>
+            <a:lnRef idx="2">
+              <a:schemeClr val="accent1">
+                <a:shade val="15000"/>
+              </a:schemeClr>
+            </a:lnRef>
+            <a:fillRef idx="1">
+              <a:schemeClr val="accent1"/>
+            </a:fillRef>
+            <a:effectRef idx="0">
+              <a:schemeClr val="accent1"/>
+            </a:effectRef>
+            <a:fontRef idx="minor">
+              <a:schemeClr val="lt1"/>
+            </a:fontRef>
+          </p:style>
+          <p:txBody>
+            <a:bodyPr rtlCol="0" anchor="ctr"/>
+            <a:lstStyle/>
+            <a:p>
+              <a:pPr algn="ctr"/>
+              <a:endParaRPr lang="ko-KR" altLang="en-US"/>
+            </a:p>
+          </p:txBody>
+        </p:sp>
+        <p:pic>
+          <p:nvPicPr>
+            <p:cNvPr id="49" name="그래픽 48" descr="보내다 단색으로 채워진">
+              <a:extLst>
+                <a:ext uri="{FF2B5EF4-FFF2-40B4-BE49-F238E27FC236}">
+                  <a16:creationId xmlns:a16="http://schemas.microsoft.com/office/drawing/2014/main" id="{E20E168A-8201-20C6-7FA8-87B1550064E7}"/>
+                </a:ext>
+              </a:extLst>
+            </p:cNvPr>
+            <p:cNvPicPr>
+              <a:picLocks noChangeAspect="1"/>
+            </p:cNvPicPr>
+            <p:nvPr/>
+          </p:nvPicPr>
+          <p:blipFill>
+            <a:blip r:embed="rId3">
+              <a:extLst>
+                <a:ext uri="{96DAC541-7B7A-43D3-8B79-37D633B846F1}">
+                  <asvg:svgBlip xmlns:asvg="http://schemas.microsoft.com/office/drawing/2016/SVG/main" r:embed="rId4"/>
+                </a:ext>
+              </a:extLst>
+            </a:blip>
+            <a:stretch>
+              <a:fillRect/>
+            </a:stretch>
+          </p:blipFill>
+          <p:spPr>
+            <a:xfrm>
+              <a:off x="3187571" y="3020800"/>
+              <a:ext cx="523036" cy="523036"/>
+            </a:xfrm>
+            <a:prstGeom prst="rect">
+              <a:avLst/>
+            </a:prstGeom>
+          </p:spPr>
+        </p:pic>
+      </p:grpSp>
+      <p:pic>
+        <p:nvPicPr>
+          <p:cNvPr id="12" name="그래픽 11" descr="보내다 단색으로 채워진">
+            <a:extLst>
+              <a:ext uri="{FF2B5EF4-FFF2-40B4-BE49-F238E27FC236}">
+                <a16:creationId xmlns:a16="http://schemas.microsoft.com/office/drawing/2014/main" id="{A0F16621-B5D5-3F58-B842-BCE555365AD6}"/>
+              </a:ext>
+            </a:extLst>
+          </p:cNvPr>
+          <p:cNvPicPr>
+            <a:picLocks noChangeAspect="1"/>
+          </p:cNvPicPr>
+          <p:nvPr/>
+        </p:nvPicPr>
+        <p:blipFill>
+          <a:blip r:embed="rId3">
+            <a:extLst>
+              <a:ext uri="{96DAC541-7B7A-43D3-8B79-37D633B846F1}">
+                <asvg:svgBlip xmlns:asvg="http://schemas.microsoft.com/office/drawing/2016/SVG/main" r:embed="rId4"/>
+              </a:ext>
+            </a:extLst>
+          </a:blip>
+          <a:stretch>
+            <a:fillRect/>
+          </a:stretch>
+        </p:blipFill>
+        <p:spPr>
+          <a:xfrm>
+            <a:off x="4421456" y="3590241"/>
+            <a:ext cx="688676" cy="688676"/>
+          </a:xfrm>
+          <a:prstGeom prst="rect">
+            <a:avLst/>
+          </a:prstGeom>
+        </p:spPr>
+      </p:pic>
+      <p:pic>
+        <p:nvPicPr>
+          <p:cNvPr id="14" name="그래픽 13" descr="보내다 단색으로 채워진">
+            <a:extLst>
+              <a:ext uri="{FF2B5EF4-FFF2-40B4-BE49-F238E27FC236}">
+                <a16:creationId xmlns:a16="http://schemas.microsoft.com/office/drawing/2014/main" id="{879CD87E-9872-3C41-BFE0-7A102A93AF29}"/>
+              </a:ext>
+            </a:extLst>
+          </p:cNvPr>
+          <p:cNvPicPr>
+            <a:picLocks noChangeAspect="1"/>
+          </p:cNvPicPr>
+          <p:nvPr/>
+        </p:nvPicPr>
+        <p:blipFill>
+          <a:blip r:embed="rId5">
+            <a:extLst>
+              <a:ext uri="{96DAC541-7B7A-43D3-8B79-37D633B846F1}">
+                <asvg:svgBlip xmlns:asvg="http://schemas.microsoft.com/office/drawing/2016/SVG/main" r:embed="rId6"/>
+              </a:ext>
+            </a:extLst>
+          </a:blip>
+          <a:stretch>
+            <a:fillRect/>
+          </a:stretch>
+        </p:blipFill>
+        <p:spPr>
+          <a:xfrm>
+            <a:off x="4230203" y="3834489"/>
+            <a:ext cx="688676" cy="688676"/>
+          </a:xfrm>
+          <a:prstGeom prst="rect">
+            <a:avLst/>
+          </a:prstGeom>
+        </p:spPr>
+      </p:pic>
+      <p:sp>
+        <p:nvSpPr>
+          <p:cNvPr id="18" name="폭발: 8pt 17">
+            <a:extLst>
+              <a:ext uri="{FF2B5EF4-FFF2-40B4-BE49-F238E27FC236}">
+                <a16:creationId xmlns:a16="http://schemas.microsoft.com/office/drawing/2014/main" id="{DBA3CA3A-3DD6-73AB-6855-77E0DE6E7AE4}"/>
+              </a:ext>
+            </a:extLst>
+          </p:cNvPr>
+          <p:cNvSpPr/>
+          <p:nvPr/>
+        </p:nvSpPr>
+        <p:spPr>
+          <a:xfrm>
+            <a:off x="3964876" y="4458634"/>
+            <a:ext cx="748978" cy="860021"/>
+          </a:xfrm>
+          <a:prstGeom prst="irregularSeal1">
+            <a:avLst/>
+          </a:prstGeom>
+          <a:solidFill>
+            <a:schemeClr val="bg1"/>
+          </a:solidFill>
+        </p:spPr>
+        <p:style>
+          <a:lnRef idx="2">
+            <a:schemeClr val="accent1">
+              <a:shade val="15000"/>
+            </a:schemeClr>
+          </a:lnRef>
+          <a:fillRef idx="1">
+            <a:schemeClr val="accent1"/>
+          </a:fillRef>
+          <a:effectRef idx="0">
+            <a:schemeClr val="accent1"/>
+          </a:effectRef>
+          <a:fontRef idx="minor">
+            <a:schemeClr val="lt1"/>
+          </a:fontRef>
+        </p:style>
+        <p:txBody>
+          <a:bodyPr rtlCol="0" anchor="ctr"/>
+          <a:lstStyle/>
+          <a:p>
+            <a:pPr algn="ctr"/>
+            <a:endParaRPr lang="ko-KR" altLang="en-US"/>
+          </a:p>
+        </p:txBody>
+      </p:sp>
+      <p:pic>
+        <p:nvPicPr>
+          <p:cNvPr id="16" name="그래픽 15" descr="커서 단색으로 채워진">
+            <a:extLst>
+              <a:ext uri="{FF2B5EF4-FFF2-40B4-BE49-F238E27FC236}">
+                <a16:creationId xmlns:a16="http://schemas.microsoft.com/office/drawing/2014/main" id="{F198B7DD-F89A-97F8-BE20-C5AE8D9CDD33}"/>
+              </a:ext>
+            </a:extLst>
+          </p:cNvPr>
+          <p:cNvPicPr>
+            <a:picLocks noChangeAspect="1"/>
+          </p:cNvPicPr>
+          <p:nvPr/>
+        </p:nvPicPr>
+        <p:blipFill>
+          <a:blip r:embed="rId7">
+            <a:extLst>
+              <a:ext uri="{96DAC541-7B7A-43D3-8B79-37D633B846F1}">
+                <asvg:svgBlip xmlns:asvg="http://schemas.microsoft.com/office/drawing/2016/SVG/main" r:embed="rId8"/>
+              </a:ext>
+            </a:extLst>
+          </a:blip>
+          <a:stretch>
+            <a:fillRect/>
+          </a:stretch>
+        </p:blipFill>
+        <p:spPr>
+          <a:xfrm>
+            <a:off x="4117341" y="4571706"/>
+            <a:ext cx="914400" cy="914400"/>
+          </a:xfrm>
+          <a:prstGeom prst="rect">
+            <a:avLst/>
+          </a:prstGeom>
+        </p:spPr>
+      </p:pic>
+      <p:sp>
+        <p:nvSpPr>
+          <p:cNvPr id="20" name="말풍선: 사각형 19">
+            <a:extLst>
+              <a:ext uri="{FF2B5EF4-FFF2-40B4-BE49-F238E27FC236}">
+                <a16:creationId xmlns:a16="http://schemas.microsoft.com/office/drawing/2014/main" id="{F6728DD6-26D8-C952-A017-F2BB8C5D44FD}"/>
+              </a:ext>
+            </a:extLst>
+          </p:cNvPr>
+          <p:cNvSpPr/>
+          <p:nvPr/>
+        </p:nvSpPr>
+        <p:spPr>
+          <a:xfrm>
+            <a:off x="3352146" y="5795802"/>
+            <a:ext cx="4638261" cy="949545"/>
+          </a:xfrm>
+          <a:prstGeom prst="wedgeRectCallout">
+            <a:avLst>
+              <a:gd name="adj1" fmla="val -26928"/>
+              <a:gd name="adj2" fmla="val -89824"/>
+            </a:avLst>
+          </a:prstGeom>
+          <a:solidFill>
+            <a:schemeClr val="accent1">
+              <a:lumMod val="40000"/>
+              <a:lumOff val="60000"/>
+            </a:schemeClr>
+          </a:solidFill>
+        </p:spPr>
+        <p:style>
+          <a:lnRef idx="2">
+            <a:schemeClr val="accent1">
+              <a:shade val="15000"/>
+            </a:schemeClr>
+          </a:lnRef>
+          <a:fillRef idx="1">
+            <a:schemeClr val="accent1"/>
+          </a:fillRef>
+          <a:effectRef idx="0">
+            <a:schemeClr val="accent1"/>
+          </a:effectRef>
+          <a:fontRef idx="minor">
+            <a:schemeClr val="lt1"/>
+          </a:fontRef>
+        </p:style>
+        <p:txBody>
+          <a:bodyPr rtlCol="0" anchor="ctr"/>
+          <a:lstStyle/>
+          <a:p>
+            <a:pPr algn="ctr"/>
+            <a:r>
+              <a:rPr lang="en-US" altLang="ko-KR" sz="1400" b="1" dirty="0">
+                <a:solidFill>
+                  <a:schemeClr val="tx1"/>
+                </a:solidFill>
+              </a:rPr>
+              <a:t>[</a:t>
+            </a:r>
+            <a:r>
+              <a:rPr lang="ko-KR" altLang="en-US" sz="1400" b="1" dirty="0">
+                <a:solidFill>
+                  <a:schemeClr val="tx1"/>
+                </a:solidFill>
+              </a:rPr>
+              <a:t>조작법</a:t>
+            </a:r>
+            <a:r>
+              <a:rPr lang="en-US" altLang="ko-KR" sz="1400" b="1" dirty="0">
+                <a:solidFill>
+                  <a:schemeClr val="tx1"/>
+                </a:solidFill>
+              </a:rPr>
+              <a:t>]</a:t>
+            </a:r>
+          </a:p>
+          <a:p>
+            <a:pPr marL="171450" indent="-171450">
+              <a:buFontTx/>
+              <a:buChar char="-"/>
+            </a:pPr>
+            <a:r>
+              <a:rPr lang="ko-KR" altLang="en-US" sz="1200" dirty="0">
+                <a:solidFill>
+                  <a:schemeClr val="tx1"/>
+                </a:solidFill>
+              </a:rPr>
+              <a:t>마우스 클릭을 유지하면 종이 비행기가 올라간다</a:t>
+            </a:r>
+            <a:r>
+              <a:rPr lang="en-US" altLang="ko-KR" sz="1200" dirty="0">
+                <a:solidFill>
+                  <a:schemeClr val="tx1"/>
+                </a:solidFill>
+              </a:rPr>
+              <a:t>.</a:t>
+            </a:r>
+          </a:p>
+          <a:p>
+            <a:pPr marL="171450" indent="-171450">
+              <a:buFontTx/>
+              <a:buChar char="-"/>
+            </a:pPr>
+            <a:r>
+              <a:rPr lang="ko-KR" altLang="en-US" sz="1200" dirty="0">
+                <a:solidFill>
+                  <a:schemeClr val="tx1"/>
+                </a:solidFill>
+              </a:rPr>
+              <a:t>클릭을 종료하게 되면 중력가속도 만큼의 속도로 떨어진다</a:t>
+            </a:r>
+            <a:r>
+              <a:rPr lang="en-US" altLang="ko-KR" sz="1200" dirty="0">
+                <a:solidFill>
+                  <a:schemeClr val="tx1"/>
+                </a:solidFill>
+              </a:rPr>
+              <a:t>.</a:t>
+            </a:r>
+            <a:endParaRPr lang="ko-KR" altLang="en-US" sz="1200" dirty="0">
+              <a:solidFill>
+                <a:schemeClr val="tx1"/>
+              </a:solidFill>
+            </a:endParaRPr>
+          </a:p>
+        </p:txBody>
+      </p:sp>
+    </p:spTree>
+    <p:extLst>
+      <p:ext uri="{BB962C8B-B14F-4D97-AF65-F5344CB8AC3E}">
+        <p14:creationId xmlns:p14="http://schemas.microsoft.com/office/powerpoint/2010/main" val="1703124142"/>
+      </p:ext>
+    </p:extLst>
+  </p:cSld>
+  <p:clrMapOvr>
+    <a:masterClrMapping/>
+  </p:clrMapOvr>
+</p:sld>
+</file>
+
+<file path=ppt/slides/slide26.xml><?xml version="1.0" encoding="utf-8"?>
+<p:sld xmlns:a="http://schemas.openxmlformats.org/drawingml/2006/main" xmlns:r="http://schemas.openxmlformats.org/officeDocument/2006/relationships" xmlns:p="http://schemas.openxmlformats.org/presentationml/2006/main">
+  <p:cSld>
+    <p:spTree>
+      <p:nvGrpSpPr>
+        <p:cNvPr id="1" name="">
+          <a:extLst>
+            <a:ext uri="{FF2B5EF4-FFF2-40B4-BE49-F238E27FC236}">
+              <a16:creationId xmlns:a16="http://schemas.microsoft.com/office/drawing/2014/main" id="{0FD66E9B-DC1F-4B3B-E13F-59684139A27B}"/>
+            </a:ext>
+          </a:extLst>
+        </p:cNvPr>
+        <p:cNvGrpSpPr/>
+        <p:nvPr/>
+      </p:nvGrpSpPr>
+      <p:grpSpPr>
+        <a:xfrm>
+          <a:off x="0" y="0"/>
+          <a:ext cx="0" cy="0"/>
+          <a:chOff x="0" y="0"/>
+          <a:chExt cx="0" cy="0"/>
+        </a:xfrm>
+      </p:grpSpPr>
+      <p:sp>
+        <p:nvSpPr>
+          <p:cNvPr id="5" name="제목 1">
+            <a:extLst>
+              <a:ext uri="{FF2B5EF4-FFF2-40B4-BE49-F238E27FC236}">
+                <a16:creationId xmlns:a16="http://schemas.microsoft.com/office/drawing/2014/main" id="{075BEBEA-5061-3D64-95A0-22E1D59EAF96}"/>
+              </a:ext>
+            </a:extLst>
+          </p:cNvPr>
+          <p:cNvSpPr>
+            <a:spLocks noGrp="1"/>
+          </p:cNvSpPr>
+          <p:nvPr>
+            <p:ph type="title"/>
+          </p:nvPr>
+        </p:nvSpPr>
+        <p:spPr>
+          <a:xfrm>
+            <a:off x="129225" y="83886"/>
+            <a:ext cx="3034834" cy="608225"/>
+          </a:xfrm>
+        </p:spPr>
+        <p:txBody>
+          <a:bodyPr>
+            <a:normAutofit/>
+          </a:bodyPr>
+          <a:lstStyle/>
+          <a:p>
+            <a:pPr algn="ctr"/>
+            <a:r>
+              <a:rPr lang="ko-KR" altLang="en-US" sz="3200" b="1"/>
+              <a:t>미니 게임 종류</a:t>
+            </a:r>
+            <a:endParaRPr lang="ko-KR" altLang="en-US" sz="3200" b="1" dirty="0"/>
+          </a:p>
+        </p:txBody>
+      </p:sp>
+      <p:cxnSp>
+        <p:nvCxnSpPr>
+          <p:cNvPr id="6" name="직선 연결선 5">
+            <a:extLst>
+              <a:ext uri="{FF2B5EF4-FFF2-40B4-BE49-F238E27FC236}">
+                <a16:creationId xmlns:a16="http://schemas.microsoft.com/office/drawing/2014/main" id="{E07AD010-3915-FAB9-D5FD-6978C833BF17}"/>
+              </a:ext>
+            </a:extLst>
+          </p:cNvPr>
+          <p:cNvCxnSpPr>
+            <a:cxnSpLocks/>
+          </p:cNvCxnSpPr>
+          <p:nvPr/>
+        </p:nvCxnSpPr>
+        <p:spPr>
+          <a:xfrm>
+            <a:off x="0" y="692111"/>
+            <a:ext cx="12192000" cy="0"/>
+          </a:xfrm>
+          <a:prstGeom prst="line">
+            <a:avLst/>
+          </a:prstGeom>
+          <a:ln>
+            <a:solidFill>
+              <a:schemeClr val="bg2">
+                <a:lumMod val="75000"/>
+              </a:schemeClr>
+            </a:solidFill>
+          </a:ln>
+        </p:spPr>
+        <p:style>
+          <a:lnRef idx="2">
+            <a:schemeClr val="accent1"/>
+          </a:lnRef>
+          <a:fillRef idx="0">
+            <a:schemeClr val="accent1"/>
+          </a:fillRef>
+          <a:effectRef idx="1">
+            <a:schemeClr val="accent1"/>
+          </a:effectRef>
+          <a:fontRef idx="minor">
+            <a:schemeClr val="tx1"/>
+          </a:fontRef>
+        </p:style>
+      </p:cxnSp>
+      <p:cxnSp>
+        <p:nvCxnSpPr>
+          <p:cNvPr id="7" name="직선 연결선 6">
+            <a:extLst>
+              <a:ext uri="{FF2B5EF4-FFF2-40B4-BE49-F238E27FC236}">
+                <a16:creationId xmlns:a16="http://schemas.microsoft.com/office/drawing/2014/main" id="{7072F7B4-24C8-00A3-B0A4-DA4F765B024D}"/>
+              </a:ext>
+            </a:extLst>
+          </p:cNvPr>
+          <p:cNvCxnSpPr>
+            <a:cxnSpLocks/>
+          </p:cNvCxnSpPr>
+          <p:nvPr/>
+        </p:nvCxnSpPr>
+        <p:spPr>
+          <a:xfrm>
+            <a:off x="129225" y="658980"/>
+            <a:ext cx="3034834" cy="0"/>
+          </a:xfrm>
+          <a:prstGeom prst="line">
+            <a:avLst/>
+          </a:prstGeom>
+          <a:ln w="76200">
+            <a:solidFill>
+              <a:schemeClr val="tx1"/>
+            </a:solidFill>
+          </a:ln>
+        </p:spPr>
+        <p:style>
+          <a:lnRef idx="2">
+            <a:schemeClr val="accent1"/>
+          </a:lnRef>
+          <a:fillRef idx="0">
+            <a:schemeClr val="accent1"/>
+          </a:fillRef>
+          <a:effectRef idx="1">
+            <a:schemeClr val="accent1"/>
+          </a:effectRef>
+          <a:fontRef idx="minor">
+            <a:schemeClr val="tx1"/>
+          </a:fontRef>
+        </p:style>
+      </p:cxnSp>
+      <p:sp>
+        <p:nvSpPr>
+          <p:cNvPr id="10" name="슬라이드 번호 개체 틀 9">
+            <a:extLst>
+              <a:ext uri="{FF2B5EF4-FFF2-40B4-BE49-F238E27FC236}">
+                <a16:creationId xmlns:a16="http://schemas.microsoft.com/office/drawing/2014/main" id="{80A21F01-380C-92D0-D2F5-6CCFC85DE8A7}"/>
+              </a:ext>
+            </a:extLst>
+          </p:cNvPr>
+          <p:cNvSpPr>
+            <a:spLocks noGrp="1"/>
+          </p:cNvSpPr>
+          <p:nvPr>
+            <p:ph type="sldNum" sz="quarter" idx="12"/>
+          </p:nvPr>
+        </p:nvSpPr>
+        <p:spPr/>
+        <p:txBody>
+          <a:bodyPr/>
+          <a:lstStyle/>
+          <a:p>
+            <a:fld id="{8D96929D-9E84-4A42-B4C3-2E48812748E4}" type="slidenum">
+              <a:rPr lang="ko-KR" altLang="en-US" smtClean="0"/>
+              <a:t>26</a:t>
+            </a:fld>
+            <a:endParaRPr lang="ko-KR" altLang="en-US"/>
+          </a:p>
+        </p:txBody>
+      </p:sp>
+      <p:sp>
+        <p:nvSpPr>
+          <p:cNvPr id="4" name="TextBox 3">
+            <a:extLst>
+              <a:ext uri="{FF2B5EF4-FFF2-40B4-BE49-F238E27FC236}">
+                <a16:creationId xmlns:a16="http://schemas.microsoft.com/office/drawing/2014/main" id="{43015DBB-29C6-B08F-6C84-8E7CDE56633F}"/>
+              </a:ext>
+            </a:extLst>
+          </p:cNvPr>
+          <p:cNvSpPr txBox="1"/>
+          <p:nvPr/>
+        </p:nvSpPr>
+        <p:spPr>
+          <a:xfrm>
+            <a:off x="454785" y="658980"/>
+            <a:ext cx="6155852" cy="523220"/>
+          </a:xfrm>
+          <a:prstGeom prst="rect">
+            <a:avLst/>
+          </a:prstGeom>
+          <a:noFill/>
+        </p:spPr>
+        <p:txBody>
+          <a:bodyPr wrap="none" rtlCol="0">
+            <a:spAutoFit/>
+          </a:bodyPr>
+          <a:lstStyle/>
+          <a:p>
+            <a:r>
+              <a:rPr lang="ko-KR" altLang="en-US" sz="2800" dirty="0">
+                <a:solidFill>
+                  <a:srgbClr val="0070C0"/>
+                </a:solidFill>
+              </a:rPr>
+              <a:t>종이 비행기 게임 </a:t>
+            </a:r>
+            <a:r>
+              <a:rPr lang="en-US" altLang="ko-KR" sz="2800" dirty="0">
+                <a:solidFill>
+                  <a:srgbClr val="0070C0"/>
+                </a:solidFill>
+              </a:rPr>
+              <a:t>– </a:t>
+            </a:r>
+            <a:r>
+              <a:rPr lang="ko-KR" altLang="en-US" sz="2800" dirty="0">
+                <a:solidFill>
+                  <a:srgbClr val="0070C0"/>
+                </a:solidFill>
+              </a:rPr>
+              <a:t>장애물 생성 방식</a:t>
+            </a:r>
+          </a:p>
+        </p:txBody>
+      </p:sp>
+      <p:sp>
+        <p:nvSpPr>
+          <p:cNvPr id="13" name="직사각형 12">
+            <a:extLst>
+              <a:ext uri="{FF2B5EF4-FFF2-40B4-BE49-F238E27FC236}">
+                <a16:creationId xmlns:a16="http://schemas.microsoft.com/office/drawing/2014/main" id="{8DBF599E-EFDD-88A6-7469-ACD9D1D52C18}"/>
+              </a:ext>
+            </a:extLst>
+          </p:cNvPr>
+          <p:cNvSpPr>
+            <a:spLocks noChangeAspect="1"/>
+          </p:cNvSpPr>
+          <p:nvPr/>
+        </p:nvSpPr>
+        <p:spPr>
+          <a:xfrm>
+            <a:off x="2178945" y="1307198"/>
+            <a:ext cx="1479292" cy="4765212"/>
+          </a:xfrm>
+          <a:prstGeom prst="rect">
+            <a:avLst/>
+          </a:prstGeom>
+          <a:solidFill>
+            <a:schemeClr val="bg1"/>
+          </a:solidFill>
+          <a:ln>
+            <a:solidFill>
+              <a:schemeClr val="tx1"/>
+            </a:solidFill>
+          </a:ln>
+        </p:spPr>
+        <p:style>
+          <a:lnRef idx="2">
+            <a:schemeClr val="accent1">
+              <a:shade val="15000"/>
+            </a:schemeClr>
+          </a:lnRef>
+          <a:fillRef idx="1">
+            <a:schemeClr val="accent1"/>
+          </a:fillRef>
+          <a:effectRef idx="0">
+            <a:schemeClr val="accent1"/>
+          </a:effectRef>
+          <a:fontRef idx="minor">
+            <a:schemeClr val="lt1"/>
+          </a:fontRef>
+        </p:style>
+        <p:txBody>
+          <a:bodyPr rtlCol="0" anchor="ctr"/>
+          <a:lstStyle/>
+          <a:p>
+            <a:pPr algn="ctr"/>
+            <a:endParaRPr lang="ko-KR" altLang="en-US" dirty="0"/>
+          </a:p>
+        </p:txBody>
+      </p:sp>
+      <p:graphicFrame>
+        <p:nvGraphicFramePr>
+          <p:cNvPr id="3" name="표 2">
+            <a:extLst>
+              <a:ext uri="{FF2B5EF4-FFF2-40B4-BE49-F238E27FC236}">
+                <a16:creationId xmlns:a16="http://schemas.microsoft.com/office/drawing/2014/main" id="{C4E3685A-3D1A-95D1-0743-32137C0C6319}"/>
+              </a:ext>
+            </a:extLst>
+          </p:cNvPr>
+          <p:cNvGraphicFramePr>
+            <a:graphicFrameLocks noGrp="1"/>
+          </p:cNvGraphicFramePr>
+          <p:nvPr>
+            <p:extLst>
+              <p:ext uri="{D42A27DB-BD31-4B8C-83A1-F6EECF244321}">
+                <p14:modId xmlns:p14="http://schemas.microsoft.com/office/powerpoint/2010/main" val="2093363541"/>
+              </p:ext>
+            </p:extLst>
+          </p:nvPr>
+        </p:nvGraphicFramePr>
+        <p:xfrm>
+          <a:off x="2703427" y="1314060"/>
+          <a:ext cx="410051" cy="4758348"/>
+        </p:xfrm>
+        <a:graphic>
+          <a:graphicData uri="http://schemas.openxmlformats.org/drawingml/2006/table">
+            <a:tbl>
+              <a:tblPr firstRow="1" bandRow="1">
+                <a:tableStyleId>{5940675A-B579-460E-94D1-54222C63F5DA}</a:tableStyleId>
+              </a:tblPr>
+              <a:tblGrid>
+                <a:gridCol w="410051">
+                  <a:extLst>
+                    <a:ext uri="{9D8B030D-6E8A-4147-A177-3AD203B41FA5}">
+                      <a16:colId xmlns:a16="http://schemas.microsoft.com/office/drawing/2014/main" val="1816571288"/>
+                    </a:ext>
+                  </a:extLst>
+                </a:gridCol>
+              </a:tblGrid>
+              <a:tr h="793058">
+                <a:tc>
+                  <a:txBody>
+                    <a:bodyPr/>
+                    <a:lstStyle/>
+                    <a:p>
+                      <a:pPr latinLnBrk="1"/>
+                      <a:endParaRPr lang="ko-KR" altLang="en-US" dirty="0">
+                        <a:solidFill>
+                          <a:schemeClr val="tx1"/>
+                        </a:solidFill>
+                      </a:endParaRPr>
+                    </a:p>
+                  </a:txBody>
+                  <a:tcPr>
+                    <a:solidFill>
+                      <a:schemeClr val="tx1"/>
+                    </a:solidFill>
+                  </a:tcPr>
+                </a:tc>
+                <a:extLst>
+                  <a:ext uri="{0D108BD9-81ED-4DB2-BD59-A6C34878D82A}">
+                    <a16:rowId xmlns:a16="http://schemas.microsoft.com/office/drawing/2014/main" val="2342599159"/>
+                  </a:ext>
+                </a:extLst>
+              </a:tr>
+              <a:tr h="793058">
+                <a:tc>
+                  <a:txBody>
+                    <a:bodyPr/>
+                    <a:lstStyle/>
+                    <a:p>
+                      <a:pPr latinLnBrk="1"/>
+                      <a:endParaRPr lang="ko-KR" altLang="en-US" dirty="0"/>
+                    </a:p>
+                  </a:txBody>
+                  <a:tcPr>
+                    <a:solidFill>
+                      <a:schemeClr val="tx1"/>
+                    </a:solidFill>
+                  </a:tcPr>
+                </a:tc>
+                <a:extLst>
+                  <a:ext uri="{0D108BD9-81ED-4DB2-BD59-A6C34878D82A}">
+                    <a16:rowId xmlns:a16="http://schemas.microsoft.com/office/drawing/2014/main" val="1598473037"/>
+                  </a:ext>
+                </a:extLst>
+              </a:tr>
+              <a:tr h="793058">
+                <a:tc>
+                  <a:txBody>
+                    <a:bodyPr/>
+                    <a:lstStyle/>
+                    <a:p>
+                      <a:pPr latinLnBrk="1"/>
+                      <a:endParaRPr lang="ko-KR" altLang="en-US"/>
+                    </a:p>
+                  </a:txBody>
+                  <a:tcPr/>
+                </a:tc>
+                <a:extLst>
+                  <a:ext uri="{0D108BD9-81ED-4DB2-BD59-A6C34878D82A}">
+                    <a16:rowId xmlns:a16="http://schemas.microsoft.com/office/drawing/2014/main" val="597150394"/>
+                  </a:ext>
+                </a:extLst>
+              </a:tr>
+              <a:tr h="793058">
+                <a:tc>
+                  <a:txBody>
+                    <a:bodyPr/>
+                    <a:lstStyle/>
+                    <a:p>
+                      <a:pPr latinLnBrk="1"/>
+                      <a:endParaRPr lang="ko-KR" altLang="en-US" dirty="0"/>
+                    </a:p>
+                  </a:txBody>
+                  <a:tcPr/>
+                </a:tc>
+                <a:extLst>
+                  <a:ext uri="{0D108BD9-81ED-4DB2-BD59-A6C34878D82A}">
+                    <a16:rowId xmlns:a16="http://schemas.microsoft.com/office/drawing/2014/main" val="3996599238"/>
+                  </a:ext>
+                </a:extLst>
+              </a:tr>
+              <a:tr h="793058">
+                <a:tc>
+                  <a:txBody>
+                    <a:bodyPr/>
+                    <a:lstStyle/>
+                    <a:p>
+                      <a:pPr latinLnBrk="1"/>
+                      <a:endParaRPr lang="ko-KR" altLang="en-US" dirty="0"/>
+                    </a:p>
+                  </a:txBody>
+                  <a:tcPr>
+                    <a:solidFill>
+                      <a:schemeClr val="tx1"/>
+                    </a:solidFill>
+                  </a:tcPr>
+                </a:tc>
+                <a:extLst>
+                  <a:ext uri="{0D108BD9-81ED-4DB2-BD59-A6C34878D82A}">
+                    <a16:rowId xmlns:a16="http://schemas.microsoft.com/office/drawing/2014/main" val="3061340530"/>
+                  </a:ext>
+                </a:extLst>
+              </a:tr>
+              <a:tr h="793058">
+                <a:tc>
+                  <a:txBody>
+                    <a:bodyPr/>
+                    <a:lstStyle/>
+                    <a:p>
+                      <a:pPr latinLnBrk="1"/>
+                      <a:endParaRPr lang="ko-KR" altLang="en-US" dirty="0"/>
+                    </a:p>
+                  </a:txBody>
+                  <a:tcPr>
+                    <a:solidFill>
+                      <a:schemeClr val="tx1"/>
+                    </a:solidFill>
+                  </a:tcPr>
+                </a:tc>
+                <a:extLst>
+                  <a:ext uri="{0D108BD9-81ED-4DB2-BD59-A6C34878D82A}">
+                    <a16:rowId xmlns:a16="http://schemas.microsoft.com/office/drawing/2014/main" val="2383452592"/>
+                  </a:ext>
+                </a:extLst>
+              </a:tr>
+            </a:tbl>
+          </a:graphicData>
+        </a:graphic>
+      </p:graphicFrame>
+      <p:sp>
+        <p:nvSpPr>
+          <p:cNvPr id="22" name="직사각형 21">
+            <a:extLst>
+              <a:ext uri="{FF2B5EF4-FFF2-40B4-BE49-F238E27FC236}">
+                <a16:creationId xmlns:a16="http://schemas.microsoft.com/office/drawing/2014/main" id="{FB0C3BCC-58AF-0379-5D31-61636D1DF9C5}"/>
+              </a:ext>
+            </a:extLst>
+          </p:cNvPr>
+          <p:cNvSpPr>
+            <a:spLocks noChangeAspect="1"/>
+          </p:cNvSpPr>
+          <p:nvPr/>
+        </p:nvSpPr>
+        <p:spPr>
+          <a:xfrm>
+            <a:off x="4182719" y="1314060"/>
+            <a:ext cx="1479292" cy="4765212"/>
+          </a:xfrm>
+          <a:prstGeom prst="rect">
+            <a:avLst/>
+          </a:prstGeom>
+          <a:solidFill>
+            <a:schemeClr val="bg1"/>
+          </a:solidFill>
+          <a:ln>
+            <a:solidFill>
+              <a:schemeClr val="tx1"/>
+            </a:solidFill>
+          </a:ln>
+        </p:spPr>
+        <p:style>
+          <a:lnRef idx="2">
+            <a:schemeClr val="accent1">
+              <a:shade val="15000"/>
+            </a:schemeClr>
+          </a:lnRef>
+          <a:fillRef idx="1">
+            <a:schemeClr val="accent1"/>
+          </a:fillRef>
+          <a:effectRef idx="0">
+            <a:schemeClr val="accent1"/>
+          </a:effectRef>
+          <a:fontRef idx="minor">
+            <a:schemeClr val="lt1"/>
+          </a:fontRef>
+        </p:style>
+        <p:txBody>
+          <a:bodyPr rtlCol="0" anchor="ctr"/>
+          <a:lstStyle/>
+          <a:p>
+            <a:pPr algn="ctr"/>
+            <a:endParaRPr lang="ko-KR" altLang="en-US" dirty="0"/>
+          </a:p>
+        </p:txBody>
+      </p:sp>
+      <p:graphicFrame>
+        <p:nvGraphicFramePr>
+          <p:cNvPr id="23" name="표 22">
+            <a:extLst>
+              <a:ext uri="{FF2B5EF4-FFF2-40B4-BE49-F238E27FC236}">
+                <a16:creationId xmlns:a16="http://schemas.microsoft.com/office/drawing/2014/main" id="{E709C24F-ADFF-1FAB-5977-48EF53FA827A}"/>
+              </a:ext>
+            </a:extLst>
+          </p:cNvPr>
+          <p:cNvGraphicFramePr>
+            <a:graphicFrameLocks noGrp="1"/>
+          </p:cNvGraphicFramePr>
+          <p:nvPr>
+            <p:extLst>
+              <p:ext uri="{D42A27DB-BD31-4B8C-83A1-F6EECF244321}">
+                <p14:modId xmlns:p14="http://schemas.microsoft.com/office/powerpoint/2010/main" val="3867470556"/>
+              </p:ext>
+            </p:extLst>
+          </p:nvPr>
+        </p:nvGraphicFramePr>
+        <p:xfrm>
+          <a:off x="4707201" y="1320922"/>
+          <a:ext cx="410051" cy="4758348"/>
+        </p:xfrm>
+        <a:graphic>
+          <a:graphicData uri="http://schemas.openxmlformats.org/drawingml/2006/table">
+            <a:tbl>
+              <a:tblPr firstRow="1" bandRow="1">
+                <a:tableStyleId>{5940675A-B579-460E-94D1-54222C63F5DA}</a:tableStyleId>
+              </a:tblPr>
+              <a:tblGrid>
+                <a:gridCol w="410051">
+                  <a:extLst>
+                    <a:ext uri="{9D8B030D-6E8A-4147-A177-3AD203B41FA5}">
+                      <a16:colId xmlns:a16="http://schemas.microsoft.com/office/drawing/2014/main" val="1816571288"/>
+                    </a:ext>
+                  </a:extLst>
+                </a:gridCol>
+              </a:tblGrid>
+              <a:tr h="793058">
+                <a:tc>
+                  <a:txBody>
+                    <a:bodyPr/>
+                    <a:lstStyle/>
+                    <a:p>
+                      <a:pPr latinLnBrk="1"/>
+                      <a:endParaRPr lang="ko-KR" altLang="en-US" dirty="0">
+                        <a:solidFill>
+                          <a:schemeClr val="tx1"/>
+                        </a:solidFill>
+                      </a:endParaRPr>
+                    </a:p>
+                  </a:txBody>
+                  <a:tcPr>
+                    <a:solidFill>
+                      <a:schemeClr val="tx1"/>
+                    </a:solidFill>
+                  </a:tcPr>
+                </a:tc>
+                <a:extLst>
+                  <a:ext uri="{0D108BD9-81ED-4DB2-BD59-A6C34878D82A}">
+                    <a16:rowId xmlns:a16="http://schemas.microsoft.com/office/drawing/2014/main" val="2342599159"/>
+                  </a:ext>
+                </a:extLst>
+              </a:tr>
+              <a:tr h="793058">
+                <a:tc>
+                  <a:txBody>
+                    <a:bodyPr/>
+                    <a:lstStyle/>
+                    <a:p>
+                      <a:pPr latinLnBrk="1"/>
+                      <a:endParaRPr lang="ko-KR" altLang="en-US" dirty="0"/>
+                    </a:p>
+                  </a:txBody>
+                  <a:tcPr>
+                    <a:solidFill>
+                      <a:schemeClr val="tx1"/>
+                    </a:solidFill>
+                  </a:tcPr>
+                </a:tc>
+                <a:extLst>
+                  <a:ext uri="{0D108BD9-81ED-4DB2-BD59-A6C34878D82A}">
+                    <a16:rowId xmlns:a16="http://schemas.microsoft.com/office/drawing/2014/main" val="1598473037"/>
+                  </a:ext>
+                </a:extLst>
+              </a:tr>
+              <a:tr h="793058">
+                <a:tc>
+                  <a:txBody>
+                    <a:bodyPr/>
+                    <a:lstStyle/>
+                    <a:p>
+                      <a:pPr latinLnBrk="1"/>
+                      <a:endParaRPr lang="ko-KR" altLang="en-US" dirty="0"/>
+                    </a:p>
+                  </a:txBody>
+                  <a:tcPr>
+                    <a:solidFill>
+                      <a:schemeClr val="tx1"/>
+                    </a:solidFill>
+                  </a:tcPr>
+                </a:tc>
+                <a:extLst>
+                  <a:ext uri="{0D108BD9-81ED-4DB2-BD59-A6C34878D82A}">
+                    <a16:rowId xmlns:a16="http://schemas.microsoft.com/office/drawing/2014/main" val="597150394"/>
+                  </a:ext>
+                </a:extLst>
+              </a:tr>
+              <a:tr h="793058">
+                <a:tc>
+                  <a:txBody>
+                    <a:bodyPr/>
+                    <a:lstStyle/>
+                    <a:p>
+                      <a:pPr latinLnBrk="1"/>
+                      <a:endParaRPr lang="ko-KR" altLang="en-US" dirty="0"/>
+                    </a:p>
+                  </a:txBody>
+                  <a:tcPr/>
+                </a:tc>
+                <a:extLst>
+                  <a:ext uri="{0D108BD9-81ED-4DB2-BD59-A6C34878D82A}">
+                    <a16:rowId xmlns:a16="http://schemas.microsoft.com/office/drawing/2014/main" val="3996599238"/>
+                  </a:ext>
+                </a:extLst>
+              </a:tr>
+              <a:tr h="793058">
+                <a:tc>
+                  <a:txBody>
+                    <a:bodyPr/>
+                    <a:lstStyle/>
+                    <a:p>
+                      <a:pPr latinLnBrk="1"/>
+                      <a:endParaRPr lang="ko-KR" altLang="en-US" dirty="0"/>
+                    </a:p>
+                  </a:txBody>
+                  <a:tcPr>
+                    <a:noFill/>
+                  </a:tcPr>
+                </a:tc>
+                <a:extLst>
+                  <a:ext uri="{0D108BD9-81ED-4DB2-BD59-A6C34878D82A}">
+                    <a16:rowId xmlns:a16="http://schemas.microsoft.com/office/drawing/2014/main" val="3061340530"/>
+                  </a:ext>
+                </a:extLst>
+              </a:tr>
+              <a:tr h="793058">
+                <a:tc>
+                  <a:txBody>
+                    <a:bodyPr/>
+                    <a:lstStyle/>
+                    <a:p>
+                      <a:pPr latinLnBrk="1"/>
+                      <a:endParaRPr lang="ko-KR" altLang="en-US" dirty="0"/>
+                    </a:p>
+                  </a:txBody>
+                  <a:tcPr>
+                    <a:solidFill>
+                      <a:schemeClr val="tx1"/>
+                    </a:solidFill>
+                  </a:tcPr>
+                </a:tc>
+                <a:extLst>
+                  <a:ext uri="{0D108BD9-81ED-4DB2-BD59-A6C34878D82A}">
+                    <a16:rowId xmlns:a16="http://schemas.microsoft.com/office/drawing/2014/main" val="2383452592"/>
+                  </a:ext>
+                </a:extLst>
+              </a:tr>
+            </a:tbl>
+          </a:graphicData>
+        </a:graphic>
+      </p:graphicFrame>
+      <p:sp>
+        <p:nvSpPr>
+          <p:cNvPr id="28" name="직사각형 27">
+            <a:extLst>
+              <a:ext uri="{FF2B5EF4-FFF2-40B4-BE49-F238E27FC236}">
+                <a16:creationId xmlns:a16="http://schemas.microsoft.com/office/drawing/2014/main" id="{06887A07-8789-1597-5DA2-F149413E676A}"/>
+              </a:ext>
+            </a:extLst>
+          </p:cNvPr>
+          <p:cNvSpPr>
+            <a:spLocks noChangeAspect="1"/>
+          </p:cNvSpPr>
+          <p:nvPr/>
+        </p:nvSpPr>
+        <p:spPr>
+          <a:xfrm>
+            <a:off x="6158569" y="1300336"/>
+            <a:ext cx="1479292" cy="4765212"/>
+          </a:xfrm>
+          <a:prstGeom prst="rect">
+            <a:avLst/>
+          </a:prstGeom>
+          <a:solidFill>
+            <a:schemeClr val="bg1"/>
+          </a:solidFill>
+          <a:ln>
+            <a:solidFill>
+              <a:schemeClr val="tx1"/>
+            </a:solidFill>
+          </a:ln>
+        </p:spPr>
+        <p:style>
+          <a:lnRef idx="2">
+            <a:schemeClr val="accent1">
+              <a:shade val="15000"/>
+            </a:schemeClr>
+          </a:lnRef>
+          <a:fillRef idx="1">
+            <a:schemeClr val="accent1"/>
+          </a:fillRef>
+          <a:effectRef idx="0">
+            <a:schemeClr val="accent1"/>
+          </a:effectRef>
+          <a:fontRef idx="minor">
+            <a:schemeClr val="lt1"/>
+          </a:fontRef>
+        </p:style>
+        <p:txBody>
+          <a:bodyPr rtlCol="0" anchor="ctr"/>
+          <a:lstStyle/>
+          <a:p>
+            <a:pPr algn="ctr"/>
+            <a:endParaRPr lang="ko-KR" altLang="en-US" dirty="0"/>
+          </a:p>
+        </p:txBody>
+      </p:sp>
+      <p:graphicFrame>
+        <p:nvGraphicFramePr>
+          <p:cNvPr id="29" name="표 28">
+            <a:extLst>
+              <a:ext uri="{FF2B5EF4-FFF2-40B4-BE49-F238E27FC236}">
+                <a16:creationId xmlns:a16="http://schemas.microsoft.com/office/drawing/2014/main" id="{2F08031C-BC08-B85B-8BDC-E124D0FDB572}"/>
+              </a:ext>
+            </a:extLst>
+          </p:cNvPr>
+          <p:cNvGraphicFramePr>
+            <a:graphicFrameLocks noGrp="1"/>
+          </p:cNvGraphicFramePr>
+          <p:nvPr>
+            <p:extLst>
+              <p:ext uri="{D42A27DB-BD31-4B8C-83A1-F6EECF244321}">
+                <p14:modId xmlns:p14="http://schemas.microsoft.com/office/powerpoint/2010/main" val="1691845142"/>
+              </p:ext>
+            </p:extLst>
+          </p:nvPr>
+        </p:nvGraphicFramePr>
+        <p:xfrm>
+          <a:off x="6683051" y="1307198"/>
+          <a:ext cx="410051" cy="4758348"/>
+        </p:xfrm>
+        <a:graphic>
+          <a:graphicData uri="http://schemas.openxmlformats.org/drawingml/2006/table">
+            <a:tbl>
+              <a:tblPr firstRow="1" bandRow="1">
+                <a:tableStyleId>{5940675A-B579-460E-94D1-54222C63F5DA}</a:tableStyleId>
+              </a:tblPr>
+              <a:tblGrid>
+                <a:gridCol w="410051">
+                  <a:extLst>
+                    <a:ext uri="{9D8B030D-6E8A-4147-A177-3AD203B41FA5}">
+                      <a16:colId xmlns:a16="http://schemas.microsoft.com/office/drawing/2014/main" val="1816571288"/>
+                    </a:ext>
+                  </a:extLst>
+                </a:gridCol>
+              </a:tblGrid>
+              <a:tr h="793058">
+                <a:tc>
+                  <a:txBody>
+                    <a:bodyPr/>
+                    <a:lstStyle/>
+                    <a:p>
+                      <a:pPr latinLnBrk="1"/>
+                      <a:endParaRPr lang="ko-KR" altLang="en-US" dirty="0">
+                        <a:solidFill>
+                          <a:schemeClr val="tx1"/>
+                        </a:solidFill>
+                      </a:endParaRPr>
+                    </a:p>
+                  </a:txBody>
+                  <a:tcPr>
+                    <a:solidFill>
+                      <a:schemeClr val="tx1"/>
+                    </a:solidFill>
+                  </a:tcPr>
+                </a:tc>
+                <a:extLst>
+                  <a:ext uri="{0D108BD9-81ED-4DB2-BD59-A6C34878D82A}">
+                    <a16:rowId xmlns:a16="http://schemas.microsoft.com/office/drawing/2014/main" val="2342599159"/>
+                  </a:ext>
+                </a:extLst>
+              </a:tr>
+              <a:tr h="793058">
+                <a:tc>
+                  <a:txBody>
+                    <a:bodyPr/>
+                    <a:lstStyle/>
+                    <a:p>
+                      <a:pPr latinLnBrk="1"/>
+                      <a:endParaRPr lang="ko-KR" altLang="en-US" dirty="0"/>
+                    </a:p>
+                  </a:txBody>
+                  <a:tcPr>
+                    <a:noFill/>
+                  </a:tcPr>
+                </a:tc>
+                <a:extLst>
+                  <a:ext uri="{0D108BD9-81ED-4DB2-BD59-A6C34878D82A}">
+                    <a16:rowId xmlns:a16="http://schemas.microsoft.com/office/drawing/2014/main" val="1598473037"/>
+                  </a:ext>
+                </a:extLst>
+              </a:tr>
+              <a:tr h="793058">
+                <a:tc>
+                  <a:txBody>
+                    <a:bodyPr/>
+                    <a:lstStyle/>
+                    <a:p>
+                      <a:pPr latinLnBrk="1"/>
+                      <a:endParaRPr lang="ko-KR" altLang="en-US" dirty="0"/>
+                    </a:p>
+                  </a:txBody>
+                  <a:tcPr>
+                    <a:noFill/>
+                  </a:tcPr>
+                </a:tc>
+                <a:extLst>
+                  <a:ext uri="{0D108BD9-81ED-4DB2-BD59-A6C34878D82A}">
+                    <a16:rowId xmlns:a16="http://schemas.microsoft.com/office/drawing/2014/main" val="597150394"/>
+                  </a:ext>
+                </a:extLst>
+              </a:tr>
+              <a:tr h="793058">
+                <a:tc>
+                  <a:txBody>
+                    <a:bodyPr/>
+                    <a:lstStyle/>
+                    <a:p>
+                      <a:pPr latinLnBrk="1"/>
+                      <a:endParaRPr lang="ko-KR" altLang="en-US" dirty="0"/>
+                    </a:p>
+                  </a:txBody>
+                  <a:tcPr>
+                    <a:solidFill>
+                      <a:schemeClr val="tx1"/>
+                    </a:solidFill>
+                  </a:tcPr>
+                </a:tc>
+                <a:extLst>
+                  <a:ext uri="{0D108BD9-81ED-4DB2-BD59-A6C34878D82A}">
+                    <a16:rowId xmlns:a16="http://schemas.microsoft.com/office/drawing/2014/main" val="3996599238"/>
+                  </a:ext>
+                </a:extLst>
+              </a:tr>
+              <a:tr h="793058">
+                <a:tc>
+                  <a:txBody>
+                    <a:bodyPr/>
+                    <a:lstStyle/>
+                    <a:p>
+                      <a:pPr latinLnBrk="1"/>
+                      <a:endParaRPr lang="ko-KR" altLang="en-US" dirty="0"/>
+                    </a:p>
+                  </a:txBody>
+                  <a:tcPr>
+                    <a:solidFill>
+                      <a:schemeClr val="tx1"/>
+                    </a:solidFill>
+                  </a:tcPr>
+                </a:tc>
+                <a:extLst>
+                  <a:ext uri="{0D108BD9-81ED-4DB2-BD59-A6C34878D82A}">
+                    <a16:rowId xmlns:a16="http://schemas.microsoft.com/office/drawing/2014/main" val="3061340530"/>
+                  </a:ext>
+                </a:extLst>
+              </a:tr>
+              <a:tr h="793058">
+                <a:tc>
+                  <a:txBody>
+                    <a:bodyPr/>
+                    <a:lstStyle/>
+                    <a:p>
+                      <a:pPr latinLnBrk="1"/>
+                      <a:endParaRPr lang="ko-KR" altLang="en-US" dirty="0"/>
+                    </a:p>
+                  </a:txBody>
+                  <a:tcPr>
+                    <a:solidFill>
+                      <a:schemeClr val="tx1"/>
+                    </a:solidFill>
+                  </a:tcPr>
+                </a:tc>
+                <a:extLst>
+                  <a:ext uri="{0D108BD9-81ED-4DB2-BD59-A6C34878D82A}">
+                    <a16:rowId xmlns:a16="http://schemas.microsoft.com/office/drawing/2014/main" val="2383452592"/>
+                  </a:ext>
+                </a:extLst>
+              </a:tr>
+            </a:tbl>
+          </a:graphicData>
+        </a:graphic>
+      </p:graphicFrame>
+      <p:sp>
+        <p:nvSpPr>
+          <p:cNvPr id="32" name="말풍선: 사각형 31">
+            <a:extLst>
+              <a:ext uri="{FF2B5EF4-FFF2-40B4-BE49-F238E27FC236}">
+                <a16:creationId xmlns:a16="http://schemas.microsoft.com/office/drawing/2014/main" id="{A7AA8409-C50F-F593-0B12-CBF51B85B420}"/>
+              </a:ext>
+            </a:extLst>
+          </p:cNvPr>
+          <p:cNvSpPr/>
+          <p:nvPr/>
+        </p:nvSpPr>
+        <p:spPr>
+          <a:xfrm>
+            <a:off x="8009282" y="2345638"/>
+            <a:ext cx="3945835" cy="689101"/>
+          </a:xfrm>
+          <a:prstGeom prst="wedgeRectCallout">
+            <a:avLst>
+              <a:gd name="adj1" fmla="val -54642"/>
+              <a:gd name="adj2" fmla="val -8179"/>
+            </a:avLst>
+          </a:prstGeom>
+          <a:solidFill>
+            <a:schemeClr val="accent1">
+              <a:lumMod val="40000"/>
+              <a:lumOff val="60000"/>
+            </a:schemeClr>
+          </a:solidFill>
+        </p:spPr>
+        <p:style>
+          <a:lnRef idx="2">
+            <a:schemeClr val="accent1">
+              <a:shade val="15000"/>
+            </a:schemeClr>
+          </a:lnRef>
+          <a:fillRef idx="1">
+            <a:schemeClr val="accent1"/>
+          </a:fillRef>
+          <a:effectRef idx="0">
+            <a:schemeClr val="accent1"/>
+          </a:effectRef>
+          <a:fontRef idx="minor">
+            <a:schemeClr val="lt1"/>
+          </a:fontRef>
+        </p:style>
+        <p:txBody>
+          <a:bodyPr rtlCol="0" anchor="ctr"/>
+          <a:lstStyle/>
+          <a:p>
+            <a:pPr algn="ctr"/>
+            <a:r>
+              <a:rPr lang="en-US" altLang="ko-KR" sz="1400" b="1" dirty="0">
+                <a:solidFill>
+                  <a:schemeClr val="tx1"/>
+                </a:solidFill>
+              </a:rPr>
+              <a:t>[</a:t>
+            </a:r>
+            <a:r>
+              <a:rPr lang="ko-KR" altLang="en-US" sz="1400" b="1" dirty="0">
+                <a:solidFill>
+                  <a:schemeClr val="tx1"/>
+                </a:solidFill>
+              </a:rPr>
+              <a:t>생성 규칙</a:t>
+            </a:r>
+            <a:r>
+              <a:rPr lang="en-US" altLang="ko-KR" sz="1400" b="1" dirty="0">
+                <a:solidFill>
+                  <a:schemeClr val="tx1"/>
+                </a:solidFill>
+              </a:rPr>
+              <a:t>]</a:t>
+            </a:r>
+          </a:p>
+          <a:p>
+            <a:pPr marL="171450" indent="-171450">
+              <a:buFontTx/>
+              <a:buChar char="-"/>
+            </a:pPr>
+            <a:r>
+              <a:rPr lang="en-US" altLang="ko-KR" sz="1200" dirty="0">
+                <a:solidFill>
+                  <a:schemeClr val="tx1"/>
+                </a:solidFill>
+              </a:rPr>
+              <a:t>3</a:t>
+            </a:r>
+            <a:r>
+              <a:rPr lang="ko-KR" altLang="en-US" sz="1200" dirty="0">
+                <a:solidFill>
+                  <a:schemeClr val="tx1"/>
+                </a:solidFill>
+              </a:rPr>
+              <a:t>가지 패턴의 장벽들이 랜덤하게 생성된다</a:t>
+            </a:r>
+            <a:r>
+              <a:rPr lang="en-US" altLang="ko-KR" sz="1200" dirty="0">
+                <a:solidFill>
+                  <a:schemeClr val="tx1"/>
+                </a:solidFill>
+              </a:rPr>
+              <a:t>.</a:t>
+            </a:r>
+          </a:p>
+        </p:txBody>
+      </p:sp>
+      <p:grpSp>
+        <p:nvGrpSpPr>
+          <p:cNvPr id="37" name="그룹 36">
+            <a:extLst>
+              <a:ext uri="{FF2B5EF4-FFF2-40B4-BE49-F238E27FC236}">
+                <a16:creationId xmlns:a16="http://schemas.microsoft.com/office/drawing/2014/main" id="{CFA82190-4BB9-836E-67D9-C66F5CD4B05E}"/>
+              </a:ext>
+            </a:extLst>
+          </p:cNvPr>
+          <p:cNvGrpSpPr/>
+          <p:nvPr/>
+        </p:nvGrpSpPr>
+        <p:grpSpPr>
+          <a:xfrm>
+            <a:off x="2178945" y="6065546"/>
+            <a:ext cx="1479292" cy="248054"/>
+            <a:chOff x="1170814" y="4384113"/>
+            <a:chExt cx="544901" cy="248054"/>
+          </a:xfrm>
+        </p:grpSpPr>
+        <p:cxnSp>
+          <p:nvCxnSpPr>
+            <p:cNvPr id="33" name="직선 연결선 32">
+              <a:extLst>
+                <a:ext uri="{FF2B5EF4-FFF2-40B4-BE49-F238E27FC236}">
+                  <a16:creationId xmlns:a16="http://schemas.microsoft.com/office/drawing/2014/main" id="{658DF484-F9F7-026B-83B1-6637E0A7F1BA}"/>
+                </a:ext>
+              </a:extLst>
+            </p:cNvPr>
+            <p:cNvCxnSpPr>
+              <a:cxnSpLocks/>
+            </p:cNvCxnSpPr>
+            <p:nvPr/>
+          </p:nvCxnSpPr>
+          <p:spPr>
+            <a:xfrm rot="16200000">
+              <a:off x="1046787" y="4508140"/>
+              <a:ext cx="248054" cy="0"/>
+            </a:xfrm>
+            <a:prstGeom prst="line">
+              <a:avLst/>
+            </a:prstGeom>
+            <a:ln w="38100">
+              <a:solidFill>
+                <a:srgbClr val="FF0000"/>
+              </a:solidFill>
+            </a:ln>
+          </p:spPr>
+          <p:style>
+            <a:lnRef idx="2">
+              <a:schemeClr val="accent1"/>
+            </a:lnRef>
+            <a:fillRef idx="0">
+              <a:schemeClr val="accent1"/>
+            </a:fillRef>
+            <a:effectRef idx="1">
+              <a:schemeClr val="accent1"/>
+            </a:effectRef>
+            <a:fontRef idx="minor">
+              <a:schemeClr val="tx1"/>
+            </a:fontRef>
+          </p:style>
+        </p:cxnSp>
+        <p:cxnSp>
+          <p:nvCxnSpPr>
+            <p:cNvPr id="34" name="직선 연결선 33">
+              <a:extLst>
+                <a:ext uri="{FF2B5EF4-FFF2-40B4-BE49-F238E27FC236}">
+                  <a16:creationId xmlns:a16="http://schemas.microsoft.com/office/drawing/2014/main" id="{CDCDF763-C61F-BB47-BBC6-F2D67136548E}"/>
+                </a:ext>
+              </a:extLst>
+            </p:cNvPr>
+            <p:cNvCxnSpPr>
+              <a:cxnSpLocks/>
+            </p:cNvCxnSpPr>
+            <p:nvPr/>
+          </p:nvCxnSpPr>
+          <p:spPr>
+            <a:xfrm rot="16200000">
+              <a:off x="1591686" y="4508140"/>
+              <a:ext cx="248054" cy="0"/>
+            </a:xfrm>
+            <a:prstGeom prst="line">
+              <a:avLst/>
+            </a:prstGeom>
+            <a:ln w="38100">
+              <a:solidFill>
+                <a:srgbClr val="FF0000"/>
+              </a:solidFill>
+            </a:ln>
+          </p:spPr>
+          <p:style>
+            <a:lnRef idx="2">
+              <a:schemeClr val="accent1"/>
+            </a:lnRef>
+            <a:fillRef idx="0">
+              <a:schemeClr val="accent1"/>
+            </a:fillRef>
+            <a:effectRef idx="1">
+              <a:schemeClr val="accent1"/>
+            </a:effectRef>
+            <a:fontRef idx="minor">
+              <a:schemeClr val="tx1"/>
+            </a:fontRef>
+          </p:style>
+        </p:cxnSp>
+        <p:cxnSp>
+          <p:nvCxnSpPr>
+            <p:cNvPr id="35" name="직선 연결선 34">
+              <a:extLst>
+                <a:ext uri="{FF2B5EF4-FFF2-40B4-BE49-F238E27FC236}">
+                  <a16:creationId xmlns:a16="http://schemas.microsoft.com/office/drawing/2014/main" id="{1E5131CD-6C16-9056-AFDD-799A76233836}"/>
+                </a:ext>
+              </a:extLst>
+            </p:cNvPr>
+            <p:cNvCxnSpPr>
+              <a:cxnSpLocks/>
+            </p:cNvCxnSpPr>
+            <p:nvPr/>
+          </p:nvCxnSpPr>
+          <p:spPr>
+            <a:xfrm>
+              <a:off x="1170814" y="4508140"/>
+              <a:ext cx="544901" cy="0"/>
+            </a:xfrm>
+            <a:prstGeom prst="line">
+              <a:avLst/>
+            </a:prstGeom>
+            <a:ln w="38100">
+              <a:solidFill>
+                <a:srgbClr val="FF0000"/>
+              </a:solidFill>
+            </a:ln>
+          </p:spPr>
+          <p:style>
+            <a:lnRef idx="2">
+              <a:schemeClr val="accent1"/>
+            </a:lnRef>
+            <a:fillRef idx="0">
+              <a:schemeClr val="accent1"/>
+            </a:fillRef>
+            <a:effectRef idx="1">
+              <a:schemeClr val="accent1"/>
+            </a:effectRef>
+            <a:fontRef idx="minor">
+              <a:schemeClr val="tx1"/>
+            </a:fontRef>
+          </p:style>
+        </p:cxnSp>
+      </p:grpSp>
+      <p:sp>
+        <p:nvSpPr>
+          <p:cNvPr id="36" name="TextBox 35">
+            <a:extLst>
+              <a:ext uri="{FF2B5EF4-FFF2-40B4-BE49-F238E27FC236}">
+                <a16:creationId xmlns:a16="http://schemas.microsoft.com/office/drawing/2014/main" id="{7174580E-FCE2-9671-6328-C948C3D5014A}"/>
+              </a:ext>
+            </a:extLst>
+          </p:cNvPr>
+          <p:cNvSpPr txBox="1"/>
+          <p:nvPr/>
+        </p:nvSpPr>
+        <p:spPr>
+          <a:xfrm>
+            <a:off x="2779017" y="6225545"/>
+            <a:ext cx="385042" cy="261610"/>
+          </a:xfrm>
+          <a:prstGeom prst="rect">
+            <a:avLst/>
+          </a:prstGeom>
+          <a:noFill/>
+        </p:spPr>
+        <p:txBody>
+          <a:bodyPr wrap="none" rtlCol="0">
+            <a:spAutoFit/>
+          </a:bodyPr>
+          <a:lstStyle/>
+          <a:p>
+            <a:r>
+              <a:rPr lang="en-US" altLang="ko-KR" sz="1100" dirty="0"/>
+              <a:t>6m</a:t>
+            </a:r>
+            <a:endParaRPr lang="ko-KR" altLang="en-US" sz="1100" dirty="0"/>
+          </a:p>
+        </p:txBody>
+      </p:sp>
+      <p:grpSp>
+        <p:nvGrpSpPr>
+          <p:cNvPr id="38" name="그룹 37">
+            <a:extLst>
+              <a:ext uri="{FF2B5EF4-FFF2-40B4-BE49-F238E27FC236}">
+                <a16:creationId xmlns:a16="http://schemas.microsoft.com/office/drawing/2014/main" id="{BD53A808-1DD4-FB1E-7AF4-9EF8F498E9FD}"/>
+              </a:ext>
+            </a:extLst>
+          </p:cNvPr>
+          <p:cNvGrpSpPr/>
+          <p:nvPr/>
+        </p:nvGrpSpPr>
+        <p:grpSpPr>
+          <a:xfrm rot="5400000">
+            <a:off x="-337654" y="3569205"/>
+            <a:ext cx="4744623" cy="248058"/>
+            <a:chOff x="1170814" y="4384109"/>
+            <a:chExt cx="544901" cy="248058"/>
+          </a:xfrm>
+        </p:grpSpPr>
+        <p:cxnSp>
+          <p:nvCxnSpPr>
+            <p:cNvPr id="39" name="직선 연결선 38">
+              <a:extLst>
+                <a:ext uri="{FF2B5EF4-FFF2-40B4-BE49-F238E27FC236}">
+                  <a16:creationId xmlns:a16="http://schemas.microsoft.com/office/drawing/2014/main" id="{2725B69C-3E69-A9D9-3F53-ACC53A415095}"/>
+                </a:ext>
+              </a:extLst>
+            </p:cNvPr>
+            <p:cNvCxnSpPr>
+              <a:cxnSpLocks/>
+            </p:cNvCxnSpPr>
+            <p:nvPr/>
+          </p:nvCxnSpPr>
+          <p:spPr>
+            <a:xfrm rot="16200000">
+              <a:off x="1046787" y="4508136"/>
+              <a:ext cx="248054" cy="0"/>
+            </a:xfrm>
+            <a:prstGeom prst="line">
+              <a:avLst/>
+            </a:prstGeom>
+            <a:ln w="38100">
+              <a:solidFill>
+                <a:srgbClr val="FF0000"/>
+              </a:solidFill>
+            </a:ln>
+          </p:spPr>
+          <p:style>
+            <a:lnRef idx="2">
+              <a:schemeClr val="accent1"/>
+            </a:lnRef>
+            <a:fillRef idx="0">
+              <a:schemeClr val="accent1"/>
+            </a:fillRef>
+            <a:effectRef idx="1">
+              <a:schemeClr val="accent1"/>
+            </a:effectRef>
+            <a:fontRef idx="minor">
+              <a:schemeClr val="tx1"/>
+            </a:fontRef>
+          </p:style>
+        </p:cxnSp>
+        <p:cxnSp>
+          <p:nvCxnSpPr>
+            <p:cNvPr id="40" name="직선 연결선 39">
+              <a:extLst>
+                <a:ext uri="{FF2B5EF4-FFF2-40B4-BE49-F238E27FC236}">
+                  <a16:creationId xmlns:a16="http://schemas.microsoft.com/office/drawing/2014/main" id="{39B234D2-B3A4-DC47-7221-DE9F1591DDAC}"/>
+                </a:ext>
+              </a:extLst>
+            </p:cNvPr>
+            <p:cNvCxnSpPr>
+              <a:cxnSpLocks/>
+            </p:cNvCxnSpPr>
+            <p:nvPr/>
+          </p:nvCxnSpPr>
+          <p:spPr>
+            <a:xfrm rot="16200000">
+              <a:off x="1591686" y="4508140"/>
+              <a:ext cx="248054" cy="0"/>
+            </a:xfrm>
+            <a:prstGeom prst="line">
+              <a:avLst/>
+            </a:prstGeom>
+            <a:ln w="38100">
+              <a:solidFill>
+                <a:srgbClr val="FF0000"/>
+              </a:solidFill>
+            </a:ln>
+          </p:spPr>
+          <p:style>
+            <a:lnRef idx="2">
+              <a:schemeClr val="accent1"/>
+            </a:lnRef>
+            <a:fillRef idx="0">
+              <a:schemeClr val="accent1"/>
+            </a:fillRef>
+            <a:effectRef idx="1">
+              <a:schemeClr val="accent1"/>
+            </a:effectRef>
+            <a:fontRef idx="minor">
+              <a:schemeClr val="tx1"/>
+            </a:fontRef>
+          </p:style>
+        </p:cxnSp>
+        <p:cxnSp>
+          <p:nvCxnSpPr>
+            <p:cNvPr id="41" name="직선 연결선 40">
+              <a:extLst>
+                <a:ext uri="{FF2B5EF4-FFF2-40B4-BE49-F238E27FC236}">
+                  <a16:creationId xmlns:a16="http://schemas.microsoft.com/office/drawing/2014/main" id="{A9DC8C01-1AF0-5493-278C-56CFDF37D429}"/>
+                </a:ext>
+              </a:extLst>
+            </p:cNvPr>
+            <p:cNvCxnSpPr>
+              <a:cxnSpLocks/>
+            </p:cNvCxnSpPr>
+            <p:nvPr/>
+          </p:nvCxnSpPr>
+          <p:spPr>
+            <a:xfrm>
+              <a:off x="1170814" y="4508140"/>
+              <a:ext cx="544901" cy="0"/>
+            </a:xfrm>
+            <a:prstGeom prst="line">
+              <a:avLst/>
+            </a:prstGeom>
+            <a:ln w="38100">
+              <a:solidFill>
+                <a:srgbClr val="FF0000"/>
+              </a:solidFill>
+            </a:ln>
+          </p:spPr>
+          <p:style>
+            <a:lnRef idx="2">
+              <a:schemeClr val="accent1"/>
+            </a:lnRef>
+            <a:fillRef idx="0">
+              <a:schemeClr val="accent1"/>
+            </a:fillRef>
+            <a:effectRef idx="1">
+              <a:schemeClr val="accent1"/>
+            </a:effectRef>
+            <a:fontRef idx="minor">
+              <a:schemeClr val="tx1"/>
+            </a:fontRef>
+          </p:style>
+        </p:cxnSp>
+      </p:grpSp>
+      <p:sp>
+        <p:nvSpPr>
+          <p:cNvPr id="42" name="TextBox 41">
+            <a:extLst>
+              <a:ext uri="{FF2B5EF4-FFF2-40B4-BE49-F238E27FC236}">
+                <a16:creationId xmlns:a16="http://schemas.microsoft.com/office/drawing/2014/main" id="{60302D06-6DD9-4DDC-C2EF-AF40185A53F8}"/>
+              </a:ext>
+            </a:extLst>
+          </p:cNvPr>
+          <p:cNvSpPr txBox="1"/>
+          <p:nvPr/>
+        </p:nvSpPr>
+        <p:spPr>
+          <a:xfrm>
+            <a:off x="1255075" y="3284932"/>
+            <a:ext cx="798617" cy="430887"/>
+          </a:xfrm>
+          <a:prstGeom prst="rect">
+            <a:avLst/>
+          </a:prstGeom>
+          <a:noFill/>
+        </p:spPr>
+        <p:txBody>
+          <a:bodyPr wrap="none" rtlCol="0">
+            <a:spAutoFit/>
+          </a:bodyPr>
+          <a:lstStyle/>
+          <a:p>
+            <a:pPr algn="ctr"/>
+            <a:r>
+              <a:rPr lang="ko-KR" altLang="en-US" sz="1100" dirty="0"/>
+              <a:t>화면의</a:t>
+            </a:r>
+            <a:endParaRPr lang="en-US" altLang="ko-KR" sz="1100" dirty="0"/>
+          </a:p>
+          <a:p>
+            <a:pPr algn="ctr"/>
+            <a:r>
+              <a:rPr lang="ko-KR" altLang="en-US" sz="1100" dirty="0"/>
+              <a:t>새로 크기</a:t>
+            </a:r>
+          </a:p>
+        </p:txBody>
+      </p:sp>
+    </p:spTree>
+    <p:extLst>
+      <p:ext uri="{BB962C8B-B14F-4D97-AF65-F5344CB8AC3E}">
+        <p14:creationId xmlns:p14="http://schemas.microsoft.com/office/powerpoint/2010/main" val="907752299"/>
+      </p:ext>
+    </p:extLst>
+  </p:cSld>
+  <p:clrMapOvr>
+    <a:masterClrMapping/>
+  </p:clrMapOvr>
+</p:sld>
+</file>
+
+<file path=ppt/slides/slide27.xml><?xml version="1.0" encoding="utf-8"?>
+<p:sld xmlns:a="http://schemas.openxmlformats.org/drawingml/2006/main" xmlns:r="http://schemas.openxmlformats.org/officeDocument/2006/relationships" xmlns:p="http://schemas.openxmlformats.org/presentationml/2006/main">
+  <p:cSld>
+    <p:spTree>
+      <p:nvGrpSpPr>
+        <p:cNvPr id="1" name="">
+          <a:extLst>
+            <a:ext uri="{FF2B5EF4-FFF2-40B4-BE49-F238E27FC236}">
+              <a16:creationId xmlns:a16="http://schemas.microsoft.com/office/drawing/2014/main" id="{33E29C8A-A6B5-8BC7-F1B9-1EE2AD828C00}"/>
+            </a:ext>
+          </a:extLst>
+        </p:cNvPr>
+        <p:cNvGrpSpPr/>
+        <p:nvPr/>
+      </p:nvGrpSpPr>
+      <p:grpSpPr>
+        <a:xfrm>
+          <a:off x="0" y="0"/>
+          <a:ext cx="0" cy="0"/>
+          <a:chOff x="0" y="0"/>
+          <a:chExt cx="0" cy="0"/>
+        </a:xfrm>
+      </p:grpSpPr>
+      <p:sp>
+        <p:nvSpPr>
+          <p:cNvPr id="5" name="제목 1">
+            <a:extLst>
+              <a:ext uri="{FF2B5EF4-FFF2-40B4-BE49-F238E27FC236}">
+                <a16:creationId xmlns:a16="http://schemas.microsoft.com/office/drawing/2014/main" id="{D2893B88-4DC4-F3F9-F8A4-A8579FA775ED}"/>
+              </a:ext>
+            </a:extLst>
+          </p:cNvPr>
+          <p:cNvSpPr>
+            <a:spLocks noGrp="1"/>
+          </p:cNvSpPr>
+          <p:nvPr>
+            <p:ph type="title"/>
+          </p:nvPr>
+        </p:nvSpPr>
+        <p:spPr>
+          <a:xfrm>
+            <a:off x="129225" y="83886"/>
+            <a:ext cx="3034834" cy="608225"/>
+          </a:xfrm>
+        </p:spPr>
+        <p:txBody>
+          <a:bodyPr>
+            <a:normAutofit/>
+          </a:bodyPr>
+          <a:lstStyle/>
+          <a:p>
+            <a:pPr algn="ctr"/>
+            <a:r>
+              <a:rPr lang="ko-KR" altLang="en-US" sz="3200" b="1"/>
+              <a:t>미니 게임 종류</a:t>
+            </a:r>
+            <a:endParaRPr lang="ko-KR" altLang="en-US" sz="3200" b="1" dirty="0"/>
+          </a:p>
+        </p:txBody>
+      </p:sp>
+      <p:cxnSp>
+        <p:nvCxnSpPr>
+          <p:cNvPr id="6" name="직선 연결선 5">
+            <a:extLst>
+              <a:ext uri="{FF2B5EF4-FFF2-40B4-BE49-F238E27FC236}">
+                <a16:creationId xmlns:a16="http://schemas.microsoft.com/office/drawing/2014/main" id="{70DE14BA-1A83-6A76-DF85-64835F690B49}"/>
+              </a:ext>
+            </a:extLst>
+          </p:cNvPr>
+          <p:cNvCxnSpPr>
+            <a:cxnSpLocks/>
+          </p:cNvCxnSpPr>
+          <p:nvPr/>
+        </p:nvCxnSpPr>
+        <p:spPr>
+          <a:xfrm>
+            <a:off x="0" y="692111"/>
+            <a:ext cx="12192000" cy="0"/>
+          </a:xfrm>
+          <a:prstGeom prst="line">
+            <a:avLst/>
+          </a:prstGeom>
+          <a:ln>
+            <a:solidFill>
+              <a:schemeClr val="bg2">
+                <a:lumMod val="75000"/>
+              </a:schemeClr>
+            </a:solidFill>
+          </a:ln>
+        </p:spPr>
+        <p:style>
+          <a:lnRef idx="2">
+            <a:schemeClr val="accent1"/>
+          </a:lnRef>
+          <a:fillRef idx="0">
+            <a:schemeClr val="accent1"/>
+          </a:fillRef>
+          <a:effectRef idx="1">
+            <a:schemeClr val="accent1"/>
+          </a:effectRef>
+          <a:fontRef idx="minor">
+            <a:schemeClr val="tx1"/>
+          </a:fontRef>
+        </p:style>
+      </p:cxnSp>
+      <p:cxnSp>
+        <p:nvCxnSpPr>
+          <p:cNvPr id="7" name="직선 연결선 6">
+            <a:extLst>
+              <a:ext uri="{FF2B5EF4-FFF2-40B4-BE49-F238E27FC236}">
+                <a16:creationId xmlns:a16="http://schemas.microsoft.com/office/drawing/2014/main" id="{A84EA181-7FEC-9E58-1E7B-CA8429036CEF}"/>
+              </a:ext>
+            </a:extLst>
+          </p:cNvPr>
+          <p:cNvCxnSpPr>
+            <a:cxnSpLocks/>
+          </p:cNvCxnSpPr>
+          <p:nvPr/>
+        </p:nvCxnSpPr>
+        <p:spPr>
+          <a:xfrm>
+            <a:off x="129225" y="658980"/>
+            <a:ext cx="3034834" cy="0"/>
+          </a:xfrm>
+          <a:prstGeom prst="line">
+            <a:avLst/>
+          </a:prstGeom>
+          <a:ln w="76200">
+            <a:solidFill>
+              <a:schemeClr val="tx1"/>
+            </a:solidFill>
+          </a:ln>
+        </p:spPr>
+        <p:style>
+          <a:lnRef idx="2">
+            <a:schemeClr val="accent1"/>
+          </a:lnRef>
+          <a:fillRef idx="0">
+            <a:schemeClr val="accent1"/>
+          </a:fillRef>
+          <a:effectRef idx="1">
+            <a:schemeClr val="accent1"/>
+          </a:effectRef>
+          <a:fontRef idx="minor">
+            <a:schemeClr val="tx1"/>
+          </a:fontRef>
+        </p:style>
+      </p:cxnSp>
+      <p:sp>
+        <p:nvSpPr>
+          <p:cNvPr id="10" name="슬라이드 번호 개체 틀 9">
+            <a:extLst>
+              <a:ext uri="{FF2B5EF4-FFF2-40B4-BE49-F238E27FC236}">
+                <a16:creationId xmlns:a16="http://schemas.microsoft.com/office/drawing/2014/main" id="{7A0AB2A9-BB8B-402E-3D7B-1F15094910C1}"/>
+              </a:ext>
+            </a:extLst>
+          </p:cNvPr>
+          <p:cNvSpPr>
+            <a:spLocks noGrp="1"/>
+          </p:cNvSpPr>
+          <p:nvPr>
+            <p:ph type="sldNum" sz="quarter" idx="12"/>
+          </p:nvPr>
+        </p:nvSpPr>
+        <p:spPr/>
+        <p:txBody>
+          <a:bodyPr/>
+          <a:lstStyle/>
+          <a:p>
+            <a:fld id="{8D96929D-9E84-4A42-B4C3-2E48812748E4}" type="slidenum">
+              <a:rPr lang="ko-KR" altLang="en-US" smtClean="0"/>
+              <a:t>27</a:t>
+            </a:fld>
+            <a:endParaRPr lang="ko-KR" altLang="en-US"/>
+          </a:p>
+        </p:txBody>
+      </p:sp>
+      <p:sp>
+        <p:nvSpPr>
+          <p:cNvPr id="4" name="TextBox 3">
+            <a:extLst>
+              <a:ext uri="{FF2B5EF4-FFF2-40B4-BE49-F238E27FC236}">
+                <a16:creationId xmlns:a16="http://schemas.microsoft.com/office/drawing/2014/main" id="{7428DE5E-2606-D44B-4DA4-91D4AF66D8B0}"/>
+              </a:ext>
+            </a:extLst>
+          </p:cNvPr>
+          <p:cNvSpPr txBox="1"/>
+          <p:nvPr/>
+        </p:nvSpPr>
+        <p:spPr>
+          <a:xfrm>
+            <a:off x="454785" y="658980"/>
+            <a:ext cx="4070345" cy="523220"/>
+          </a:xfrm>
+          <a:prstGeom prst="rect">
+            <a:avLst/>
+          </a:prstGeom>
+          <a:noFill/>
+        </p:spPr>
+        <p:txBody>
+          <a:bodyPr wrap="none" rtlCol="0">
+            <a:spAutoFit/>
+          </a:bodyPr>
+          <a:lstStyle/>
+          <a:p>
+            <a:r>
+              <a:rPr lang="ko-KR" altLang="en-US" sz="2800" dirty="0">
+                <a:solidFill>
+                  <a:srgbClr val="0070C0"/>
+                </a:solidFill>
+              </a:rPr>
+              <a:t>종이 비행기 게임 </a:t>
+            </a:r>
+            <a:r>
+              <a:rPr lang="en-US" altLang="ko-KR" sz="2800" dirty="0">
+                <a:solidFill>
+                  <a:srgbClr val="0070C0"/>
+                </a:solidFill>
+              </a:rPr>
+              <a:t>- </a:t>
+            </a:r>
+            <a:r>
+              <a:rPr lang="ko-KR" altLang="en-US" sz="2800" dirty="0">
+                <a:solidFill>
+                  <a:srgbClr val="0070C0"/>
+                </a:solidFill>
+              </a:rPr>
+              <a:t>목표</a:t>
+            </a:r>
+          </a:p>
+        </p:txBody>
+      </p:sp>
+      <p:sp>
+        <p:nvSpPr>
+          <p:cNvPr id="2" name="TextBox 1">
+            <a:extLst>
+              <a:ext uri="{FF2B5EF4-FFF2-40B4-BE49-F238E27FC236}">
+                <a16:creationId xmlns:a16="http://schemas.microsoft.com/office/drawing/2014/main" id="{116F490A-C4B5-08B8-BE62-6090AB251BB4}"/>
+              </a:ext>
+            </a:extLst>
+          </p:cNvPr>
+          <p:cNvSpPr txBox="1"/>
+          <p:nvPr/>
+        </p:nvSpPr>
+        <p:spPr>
+          <a:xfrm>
+            <a:off x="454785" y="5345156"/>
+            <a:ext cx="5572359" cy="923330"/>
+          </a:xfrm>
+          <a:prstGeom prst="rect">
+            <a:avLst/>
+          </a:prstGeom>
+          <a:noFill/>
+        </p:spPr>
+        <p:txBody>
+          <a:bodyPr wrap="none" rtlCol="0">
+            <a:spAutoFit/>
+          </a:bodyPr>
+          <a:lstStyle/>
+          <a:p>
+            <a:pPr marL="285750" indent="-285750">
+              <a:buFontTx/>
+              <a:buChar char="-"/>
+            </a:pPr>
+            <a:r>
+              <a:rPr lang="ko-KR" altLang="en-US" dirty="0"/>
+              <a:t>장애물을 하나 넘길 때 마다 카운트 된다</a:t>
+            </a:r>
+            <a:r>
+              <a:rPr lang="en-US" altLang="ko-KR" dirty="0"/>
+              <a:t>.</a:t>
+            </a:r>
+          </a:p>
+          <a:p>
+            <a:pPr marL="285750" indent="-285750">
+              <a:buFontTx/>
+              <a:buChar char="-"/>
+            </a:pPr>
+            <a:r>
+              <a:rPr lang="ko-KR" altLang="en-US" dirty="0"/>
+              <a:t>플레이어는 목표 카운트를 </a:t>
+            </a:r>
+            <a:r>
+              <a:rPr lang="en-US" altLang="ko-KR" dirty="0"/>
+              <a:t>10</a:t>
+            </a:r>
+            <a:r>
+              <a:rPr lang="ko-KR" altLang="en-US" dirty="0"/>
+              <a:t>분내 달성해야 한다</a:t>
+            </a:r>
+            <a:r>
+              <a:rPr lang="en-US" altLang="ko-KR" dirty="0"/>
+              <a:t>.</a:t>
+            </a:r>
+          </a:p>
+          <a:p>
+            <a:pPr marL="285750" indent="-285750">
+              <a:buFontTx/>
+              <a:buChar char="-"/>
+            </a:pPr>
+            <a:r>
+              <a:rPr lang="ko-KR" altLang="en-US" dirty="0"/>
+              <a:t>목표 점수는 </a:t>
+            </a:r>
+            <a:r>
+              <a:rPr lang="en-US" altLang="ko-KR" dirty="0"/>
+              <a:t>100</a:t>
+            </a:r>
+            <a:r>
+              <a:rPr lang="ko-KR" altLang="en-US" dirty="0"/>
+              <a:t>점이다</a:t>
+            </a:r>
+            <a:r>
+              <a:rPr lang="en-US" altLang="ko-KR" dirty="0"/>
+              <a:t>.</a:t>
+            </a:r>
+          </a:p>
+        </p:txBody>
+      </p:sp>
+      <p:sp>
+        <p:nvSpPr>
+          <p:cNvPr id="8" name="직사각형 7">
+            <a:extLst>
+              <a:ext uri="{FF2B5EF4-FFF2-40B4-BE49-F238E27FC236}">
+                <a16:creationId xmlns:a16="http://schemas.microsoft.com/office/drawing/2014/main" id="{CF81D0CC-064A-D40A-1D2E-1CC3605413CB}"/>
+              </a:ext>
+            </a:extLst>
+          </p:cNvPr>
+          <p:cNvSpPr>
+            <a:spLocks noChangeAspect="1"/>
+          </p:cNvSpPr>
+          <p:nvPr/>
+        </p:nvSpPr>
+        <p:spPr>
+          <a:xfrm>
+            <a:off x="1378224" y="1645130"/>
+            <a:ext cx="4141305" cy="3328994"/>
+          </a:xfrm>
+          <a:prstGeom prst="rect">
+            <a:avLst/>
+          </a:prstGeom>
+          <a:solidFill>
+            <a:schemeClr val="bg1"/>
+          </a:solidFill>
+          <a:ln>
+            <a:solidFill>
+              <a:schemeClr val="tx1"/>
+            </a:solidFill>
+          </a:ln>
+        </p:spPr>
+        <p:style>
+          <a:lnRef idx="2">
+            <a:schemeClr val="accent1">
+              <a:shade val="15000"/>
+            </a:schemeClr>
+          </a:lnRef>
+          <a:fillRef idx="1">
+            <a:schemeClr val="accent1"/>
+          </a:fillRef>
+          <a:effectRef idx="0">
+            <a:schemeClr val="accent1"/>
+          </a:effectRef>
+          <a:fontRef idx="minor">
+            <a:schemeClr val="lt1"/>
+          </a:fontRef>
+        </p:style>
+        <p:txBody>
+          <a:bodyPr rtlCol="0" anchor="ctr"/>
+          <a:lstStyle/>
+          <a:p>
+            <a:pPr algn="ctr"/>
+            <a:endParaRPr lang="ko-KR" altLang="en-US" dirty="0"/>
+          </a:p>
+        </p:txBody>
+      </p:sp>
+      <p:graphicFrame>
+        <p:nvGraphicFramePr>
+          <p:cNvPr id="9" name="표 8">
+            <a:extLst>
+              <a:ext uri="{FF2B5EF4-FFF2-40B4-BE49-F238E27FC236}">
+                <a16:creationId xmlns:a16="http://schemas.microsoft.com/office/drawing/2014/main" id="{86261215-D8D5-D847-5202-5C8CEABCEE77}"/>
+              </a:ext>
+            </a:extLst>
+          </p:cNvPr>
+          <p:cNvGraphicFramePr>
+            <a:graphicFrameLocks noGrp="1"/>
+          </p:cNvGraphicFramePr>
+          <p:nvPr>
+            <p:extLst>
+              <p:ext uri="{D42A27DB-BD31-4B8C-83A1-F6EECF244321}">
+                <p14:modId xmlns:p14="http://schemas.microsoft.com/office/powerpoint/2010/main" val="1643244277"/>
+              </p:ext>
+            </p:extLst>
+          </p:nvPr>
+        </p:nvGraphicFramePr>
+        <p:xfrm>
+          <a:off x="3021479" y="1651992"/>
+          <a:ext cx="410051" cy="3324198"/>
+        </p:xfrm>
+        <a:graphic>
+          <a:graphicData uri="http://schemas.openxmlformats.org/drawingml/2006/table">
+            <a:tbl>
+              <a:tblPr firstRow="1" bandRow="1">
+                <a:tableStyleId>{5940675A-B579-460E-94D1-54222C63F5DA}</a:tableStyleId>
+              </a:tblPr>
+              <a:tblGrid>
+                <a:gridCol w="410051">
+                  <a:extLst>
+                    <a:ext uri="{9D8B030D-6E8A-4147-A177-3AD203B41FA5}">
+                      <a16:colId xmlns:a16="http://schemas.microsoft.com/office/drawing/2014/main" val="1816571288"/>
+                    </a:ext>
+                  </a:extLst>
+                </a:gridCol>
+              </a:tblGrid>
+              <a:tr h="554033">
+                <a:tc>
+                  <a:txBody>
+                    <a:bodyPr/>
+                    <a:lstStyle/>
+                    <a:p>
+                      <a:pPr latinLnBrk="1"/>
+                      <a:endParaRPr lang="ko-KR" altLang="en-US" dirty="0">
+                        <a:solidFill>
+                          <a:schemeClr val="tx1"/>
+                        </a:solidFill>
+                      </a:endParaRPr>
+                    </a:p>
+                  </a:txBody>
+                  <a:tcPr>
+                    <a:solidFill>
+                      <a:schemeClr val="tx1"/>
+                    </a:solidFill>
+                  </a:tcPr>
+                </a:tc>
+                <a:extLst>
+                  <a:ext uri="{0D108BD9-81ED-4DB2-BD59-A6C34878D82A}">
+                    <a16:rowId xmlns:a16="http://schemas.microsoft.com/office/drawing/2014/main" val="2342599159"/>
+                  </a:ext>
+                </a:extLst>
+              </a:tr>
+              <a:tr h="554033">
+                <a:tc>
+                  <a:txBody>
+                    <a:bodyPr/>
+                    <a:lstStyle/>
+                    <a:p>
+                      <a:pPr latinLnBrk="1"/>
+                      <a:endParaRPr lang="ko-KR" altLang="en-US" dirty="0"/>
+                    </a:p>
+                  </a:txBody>
+                  <a:tcPr>
+                    <a:solidFill>
+                      <a:schemeClr val="tx1"/>
+                    </a:solidFill>
+                  </a:tcPr>
+                </a:tc>
+                <a:extLst>
+                  <a:ext uri="{0D108BD9-81ED-4DB2-BD59-A6C34878D82A}">
+                    <a16:rowId xmlns:a16="http://schemas.microsoft.com/office/drawing/2014/main" val="1598473037"/>
+                  </a:ext>
+                </a:extLst>
+              </a:tr>
+              <a:tr h="554033">
+                <a:tc>
+                  <a:txBody>
+                    <a:bodyPr/>
+                    <a:lstStyle/>
+                    <a:p>
+                      <a:pPr latinLnBrk="1"/>
+                      <a:endParaRPr lang="ko-KR" altLang="en-US"/>
+                    </a:p>
+                  </a:txBody>
+                  <a:tcPr/>
+                </a:tc>
+                <a:extLst>
+                  <a:ext uri="{0D108BD9-81ED-4DB2-BD59-A6C34878D82A}">
+                    <a16:rowId xmlns:a16="http://schemas.microsoft.com/office/drawing/2014/main" val="597150394"/>
+                  </a:ext>
+                </a:extLst>
+              </a:tr>
+              <a:tr h="554033">
+                <a:tc>
+                  <a:txBody>
+                    <a:bodyPr/>
+                    <a:lstStyle/>
+                    <a:p>
+                      <a:pPr latinLnBrk="1"/>
+                      <a:endParaRPr lang="ko-KR" altLang="en-US" dirty="0"/>
+                    </a:p>
+                  </a:txBody>
+                  <a:tcPr/>
+                </a:tc>
+                <a:extLst>
+                  <a:ext uri="{0D108BD9-81ED-4DB2-BD59-A6C34878D82A}">
+                    <a16:rowId xmlns:a16="http://schemas.microsoft.com/office/drawing/2014/main" val="3996599238"/>
+                  </a:ext>
+                </a:extLst>
+              </a:tr>
+              <a:tr h="554033">
+                <a:tc>
+                  <a:txBody>
+                    <a:bodyPr/>
+                    <a:lstStyle/>
+                    <a:p>
+                      <a:pPr latinLnBrk="1"/>
+                      <a:endParaRPr lang="ko-KR" altLang="en-US" dirty="0"/>
+                    </a:p>
+                  </a:txBody>
+                  <a:tcPr>
+                    <a:solidFill>
+                      <a:schemeClr val="tx1"/>
+                    </a:solidFill>
+                  </a:tcPr>
+                </a:tc>
+                <a:extLst>
+                  <a:ext uri="{0D108BD9-81ED-4DB2-BD59-A6C34878D82A}">
+                    <a16:rowId xmlns:a16="http://schemas.microsoft.com/office/drawing/2014/main" val="3061340530"/>
+                  </a:ext>
+                </a:extLst>
+              </a:tr>
+              <a:tr h="554033">
+                <a:tc>
+                  <a:txBody>
+                    <a:bodyPr/>
+                    <a:lstStyle/>
+                    <a:p>
+                      <a:pPr latinLnBrk="1"/>
+                      <a:endParaRPr lang="ko-KR" altLang="en-US" dirty="0"/>
+                    </a:p>
+                  </a:txBody>
+                  <a:tcPr>
+                    <a:solidFill>
+                      <a:schemeClr val="tx1"/>
+                    </a:solidFill>
+                  </a:tcPr>
+                </a:tc>
+                <a:extLst>
+                  <a:ext uri="{0D108BD9-81ED-4DB2-BD59-A6C34878D82A}">
+                    <a16:rowId xmlns:a16="http://schemas.microsoft.com/office/drawing/2014/main" val="2383452592"/>
+                  </a:ext>
+                </a:extLst>
+              </a:tr>
+            </a:tbl>
+          </a:graphicData>
+        </a:graphic>
+      </p:graphicFrame>
+      <p:pic>
+        <p:nvPicPr>
+          <p:cNvPr id="11" name="그래픽 10" descr="보내다 단색으로 채워진">
+            <a:extLst>
+              <a:ext uri="{FF2B5EF4-FFF2-40B4-BE49-F238E27FC236}">
+                <a16:creationId xmlns:a16="http://schemas.microsoft.com/office/drawing/2014/main" id="{071D4B57-784B-AF3A-72E3-FA5ECCFEE59B}"/>
+              </a:ext>
+            </a:extLst>
+          </p:cNvPr>
+          <p:cNvPicPr>
+            <a:picLocks noChangeAspect="1"/>
+          </p:cNvPicPr>
+          <p:nvPr/>
+        </p:nvPicPr>
+        <p:blipFill>
+          <a:blip r:embed="rId3">
+            <a:extLst>
+              <a:ext uri="{96DAC541-7B7A-43D3-8B79-37D633B846F1}">
+                <asvg:svgBlip xmlns:asvg="http://schemas.microsoft.com/office/drawing/2016/SVG/main" r:embed="rId4"/>
+              </a:ext>
+            </a:extLst>
+          </a:blip>
+          <a:stretch>
+            <a:fillRect/>
+          </a:stretch>
+        </p:blipFill>
+        <p:spPr>
+          <a:xfrm>
+            <a:off x="1753715" y="2632080"/>
+            <a:ext cx="688676" cy="688676"/>
+          </a:xfrm>
+          <a:prstGeom prst="rect">
+            <a:avLst/>
+          </a:prstGeom>
+        </p:spPr>
+      </p:pic>
+      <p:pic>
+        <p:nvPicPr>
+          <p:cNvPr id="12" name="그래픽 11" descr="보내다 단색으로 채워진">
+            <a:extLst>
+              <a:ext uri="{FF2B5EF4-FFF2-40B4-BE49-F238E27FC236}">
+                <a16:creationId xmlns:a16="http://schemas.microsoft.com/office/drawing/2014/main" id="{DCA718F0-31F4-8C89-E5A7-D29E4CA09E3D}"/>
+              </a:ext>
+            </a:extLst>
+          </p:cNvPr>
+          <p:cNvPicPr>
+            <a:picLocks noChangeAspect="1"/>
+          </p:cNvPicPr>
+          <p:nvPr/>
+        </p:nvPicPr>
+        <p:blipFill>
+          <a:blip r:embed="rId5">
+            <a:extLst>
+              <a:ext uri="{96DAC541-7B7A-43D3-8B79-37D633B846F1}">
+                <asvg:svgBlip xmlns:asvg="http://schemas.microsoft.com/office/drawing/2016/SVG/main" r:embed="rId6"/>
+              </a:ext>
+            </a:extLst>
+          </a:blip>
+          <a:stretch>
+            <a:fillRect/>
+          </a:stretch>
+        </p:blipFill>
+        <p:spPr>
+          <a:xfrm>
+            <a:off x="3707707" y="3062770"/>
+            <a:ext cx="688676" cy="688676"/>
+          </a:xfrm>
+          <a:prstGeom prst="rect">
+            <a:avLst/>
+          </a:prstGeom>
+        </p:spPr>
+      </p:pic>
+      <p:sp>
+        <p:nvSpPr>
+          <p:cNvPr id="14" name="화살표: 오른쪽 13">
+            <a:extLst>
+              <a:ext uri="{FF2B5EF4-FFF2-40B4-BE49-F238E27FC236}">
+                <a16:creationId xmlns:a16="http://schemas.microsoft.com/office/drawing/2014/main" id="{3A4028FF-1980-C419-F4AA-80A8BCC33F81}"/>
+              </a:ext>
+            </a:extLst>
+          </p:cNvPr>
+          <p:cNvSpPr/>
+          <p:nvPr/>
+        </p:nvSpPr>
+        <p:spPr>
+          <a:xfrm rot="900000">
+            <a:off x="2606131" y="3024756"/>
+            <a:ext cx="1099443" cy="311426"/>
+          </a:xfrm>
+          <a:prstGeom prst="rightArrow">
+            <a:avLst/>
+          </a:prstGeom>
+        </p:spPr>
+        <p:style>
+          <a:lnRef idx="2">
+            <a:schemeClr val="accent1">
+              <a:shade val="15000"/>
+            </a:schemeClr>
+          </a:lnRef>
+          <a:fillRef idx="1">
+            <a:schemeClr val="accent1"/>
+          </a:fillRef>
+          <a:effectRef idx="0">
+            <a:schemeClr val="accent1"/>
+          </a:effectRef>
+          <a:fontRef idx="minor">
+            <a:schemeClr val="lt1"/>
+          </a:fontRef>
+        </p:style>
+        <p:txBody>
+          <a:bodyPr rtlCol="0" anchor="ctr"/>
+          <a:lstStyle/>
+          <a:p>
+            <a:pPr algn="ctr"/>
+            <a:endParaRPr lang="ko-KR" altLang="en-US"/>
+          </a:p>
+        </p:txBody>
+      </p:sp>
+      <p:sp>
+        <p:nvSpPr>
+          <p:cNvPr id="15" name="TextBox 14">
+            <a:extLst>
+              <a:ext uri="{FF2B5EF4-FFF2-40B4-BE49-F238E27FC236}">
+                <a16:creationId xmlns:a16="http://schemas.microsoft.com/office/drawing/2014/main" id="{D01A3ED7-DA67-309A-067A-5B55BF36BD38}"/>
+              </a:ext>
+            </a:extLst>
+          </p:cNvPr>
+          <p:cNvSpPr txBox="1"/>
+          <p:nvPr/>
+        </p:nvSpPr>
+        <p:spPr>
+          <a:xfrm>
+            <a:off x="3610130" y="2732363"/>
+            <a:ext cx="510208" cy="369332"/>
+          </a:xfrm>
+          <a:prstGeom prst="rect">
+            <a:avLst/>
+          </a:prstGeom>
+          <a:noFill/>
+          <a:ln w="28575">
+            <a:solidFill>
+              <a:srgbClr val="FF0000"/>
+            </a:solidFill>
+          </a:ln>
+        </p:spPr>
+        <p:txBody>
+          <a:bodyPr wrap="square" rtlCol="0">
+            <a:spAutoFit/>
+          </a:bodyPr>
+          <a:lstStyle/>
+          <a:p>
+            <a:pPr algn="ctr"/>
+            <a:r>
+              <a:rPr lang="en-US" altLang="ko-KR" dirty="0"/>
+              <a:t>+1</a:t>
+            </a:r>
+            <a:endParaRPr lang="ko-KR" altLang="en-US" dirty="0"/>
+          </a:p>
+        </p:txBody>
+      </p:sp>
+    </p:spTree>
+    <p:extLst>
+      <p:ext uri="{BB962C8B-B14F-4D97-AF65-F5344CB8AC3E}">
+        <p14:creationId xmlns:p14="http://schemas.microsoft.com/office/powerpoint/2010/main" val="2180033036"/>
+      </p:ext>
+    </p:extLst>
+  </p:cSld>
+  <p:clrMapOvr>
+    <a:masterClrMapping/>
+  </p:clrMapOvr>
+</p:sld>
+</file>
+
+<file path=ppt/slides/slide28.xml><?xml version="1.0" encoding="utf-8"?>
+<p:sld xmlns:a="http://schemas.openxmlformats.org/drawingml/2006/main" xmlns:r="http://schemas.openxmlformats.org/officeDocument/2006/relationships" xmlns:p="http://schemas.openxmlformats.org/presentationml/2006/main">
+  <p:cSld>
+    <p:spTree>
+      <p:nvGrpSpPr>
+        <p:cNvPr id="1" name="">
+          <a:extLst>
+            <a:ext uri="{FF2B5EF4-FFF2-40B4-BE49-F238E27FC236}">
+              <a16:creationId xmlns:a16="http://schemas.microsoft.com/office/drawing/2014/main" id="{8589488A-8A67-23B7-06E7-3D35CE9E3732}"/>
+            </a:ext>
+          </a:extLst>
+        </p:cNvPr>
+        <p:cNvGrpSpPr/>
+        <p:nvPr/>
+      </p:nvGrpSpPr>
+      <p:grpSpPr>
+        <a:xfrm>
+          <a:off x="0" y="0"/>
+          <a:ext cx="0" cy="0"/>
+          <a:chOff x="0" y="0"/>
+          <a:chExt cx="0" cy="0"/>
+        </a:xfrm>
+      </p:grpSpPr>
+      <p:sp>
+        <p:nvSpPr>
+          <p:cNvPr id="3" name="TextBox 2">
+            <a:extLst>
+              <a:ext uri="{FF2B5EF4-FFF2-40B4-BE49-F238E27FC236}">
+                <a16:creationId xmlns:a16="http://schemas.microsoft.com/office/drawing/2014/main" id="{97F577EC-03E7-D667-57FA-1BAD5EA24226}"/>
+              </a:ext>
+            </a:extLst>
+          </p:cNvPr>
+          <p:cNvSpPr txBox="1"/>
+          <p:nvPr/>
+        </p:nvSpPr>
+        <p:spPr>
+          <a:xfrm>
+            <a:off x="554527" y="5210360"/>
+            <a:ext cx="8275022" cy="923330"/>
+          </a:xfrm>
+          <a:prstGeom prst="rect">
+            <a:avLst/>
+          </a:prstGeom>
+          <a:noFill/>
+        </p:spPr>
+        <p:txBody>
+          <a:bodyPr wrap="none" rtlCol="0">
+            <a:spAutoFit/>
+          </a:bodyPr>
+          <a:lstStyle/>
+          <a:p>
+            <a:pPr marL="285750" indent="-285750">
+              <a:buFontTx/>
+              <a:buChar char="-"/>
+            </a:pPr>
+            <a:r>
+              <a:rPr lang="ko-KR" altLang="en-US" dirty="0"/>
+              <a:t>플레이어는 </a:t>
+            </a:r>
+            <a:r>
+              <a:rPr lang="en-US" altLang="ko-KR" dirty="0"/>
+              <a:t>PVP</a:t>
+            </a:r>
+            <a:r>
+              <a:rPr lang="ko-KR" altLang="en-US" dirty="0"/>
+              <a:t>게임의 랭킹 </a:t>
+            </a:r>
+            <a:r>
+              <a:rPr lang="en-US" altLang="ko-KR" dirty="0"/>
+              <a:t>1</a:t>
+            </a:r>
+            <a:r>
+              <a:rPr lang="ko-KR" altLang="en-US" dirty="0"/>
+              <a:t>등을 유지하기위해서 게임을 진행한다는 컨셉</a:t>
+            </a:r>
+            <a:endParaRPr lang="en-US" altLang="ko-KR" dirty="0"/>
+          </a:p>
+          <a:p>
+            <a:pPr marL="285750" indent="-285750">
+              <a:buFontTx/>
+              <a:buChar char="-"/>
+            </a:pPr>
+            <a:r>
+              <a:rPr lang="ko-KR" altLang="en-US" dirty="0"/>
+              <a:t>매칭이 존재</a:t>
+            </a:r>
+            <a:r>
+              <a:rPr lang="en-US" altLang="ko-KR" dirty="0"/>
+              <a:t>(</a:t>
+            </a:r>
+            <a:r>
+              <a:rPr lang="ko-KR" altLang="en-US" dirty="0"/>
+              <a:t>실제 서버에 물린 것이 아닌 </a:t>
+            </a:r>
+            <a:r>
+              <a:rPr lang="en-US" altLang="ko-KR" dirty="0"/>
+              <a:t>2</a:t>
+            </a:r>
+            <a:r>
+              <a:rPr lang="ko-KR" altLang="en-US" dirty="0"/>
+              <a:t>초간의 기다림</a:t>
+            </a:r>
+            <a:r>
+              <a:rPr lang="en-US" altLang="ko-KR" dirty="0"/>
+              <a:t>)</a:t>
+            </a:r>
+          </a:p>
+          <a:p>
+            <a:pPr marL="285750" indent="-285750">
+              <a:buFontTx/>
+              <a:buChar char="-"/>
+            </a:pPr>
+            <a:r>
+              <a:rPr lang="ko-KR" altLang="en-US" dirty="0"/>
+              <a:t>전투 후 승리 시 </a:t>
+            </a:r>
+            <a:r>
+              <a:rPr lang="en-US" altLang="ko-KR" dirty="0"/>
+              <a:t>+8</a:t>
+            </a:r>
+            <a:r>
+              <a:rPr lang="ko-KR" altLang="en-US" dirty="0"/>
+              <a:t>점 패배 시 </a:t>
+            </a:r>
+            <a:r>
+              <a:rPr lang="en-US" altLang="ko-KR" dirty="0"/>
+              <a:t>-5</a:t>
+            </a:r>
+            <a:r>
+              <a:rPr lang="ko-KR" altLang="en-US" dirty="0"/>
+              <a:t>점이 되는 구조이다</a:t>
+            </a:r>
+            <a:r>
+              <a:rPr lang="en-US" altLang="ko-KR" dirty="0"/>
+              <a:t>.</a:t>
+            </a:r>
+          </a:p>
+        </p:txBody>
+      </p:sp>
+      <p:sp>
+        <p:nvSpPr>
+          <p:cNvPr id="13" name="직사각형 12">
+            <a:extLst>
+              <a:ext uri="{FF2B5EF4-FFF2-40B4-BE49-F238E27FC236}">
+                <a16:creationId xmlns:a16="http://schemas.microsoft.com/office/drawing/2014/main" id="{4B515834-8E2A-1B5A-9C6F-2030BC0F5C11}"/>
+              </a:ext>
+            </a:extLst>
+          </p:cNvPr>
+          <p:cNvSpPr>
+            <a:spLocks noChangeAspect="1"/>
+          </p:cNvSpPr>
+          <p:nvPr/>
+        </p:nvSpPr>
+        <p:spPr>
+          <a:xfrm>
+            <a:off x="2756452" y="1360418"/>
+            <a:ext cx="6433930" cy="3619086"/>
+          </a:xfrm>
+          <a:prstGeom prst="rect">
+            <a:avLst/>
+          </a:prstGeom>
+          <a:solidFill>
+            <a:schemeClr val="bg1"/>
+          </a:solidFill>
+          <a:ln>
+            <a:solidFill>
+              <a:schemeClr val="tx1"/>
+            </a:solidFill>
+          </a:ln>
+        </p:spPr>
+        <p:style>
+          <a:lnRef idx="2">
+            <a:schemeClr val="accent1">
+              <a:shade val="15000"/>
+            </a:schemeClr>
+          </a:lnRef>
+          <a:fillRef idx="1">
+            <a:schemeClr val="accent1"/>
+          </a:fillRef>
+          <a:effectRef idx="0">
+            <a:schemeClr val="accent1"/>
+          </a:effectRef>
+          <a:fontRef idx="minor">
+            <a:schemeClr val="lt1"/>
+          </a:fontRef>
+        </p:style>
+        <p:txBody>
+          <a:bodyPr rtlCol="0" anchor="ctr"/>
+          <a:lstStyle/>
+          <a:p>
+            <a:pPr algn="ctr"/>
+            <a:endParaRPr lang="ko-KR" altLang="en-US" dirty="0"/>
+          </a:p>
+        </p:txBody>
+      </p:sp>
+      <p:sp>
+        <p:nvSpPr>
+          <p:cNvPr id="5" name="제목 1">
+            <a:extLst>
+              <a:ext uri="{FF2B5EF4-FFF2-40B4-BE49-F238E27FC236}">
+                <a16:creationId xmlns:a16="http://schemas.microsoft.com/office/drawing/2014/main" id="{461B1273-FB0F-0B4E-F6AE-D3DF4B3EC609}"/>
+              </a:ext>
+            </a:extLst>
+          </p:cNvPr>
+          <p:cNvSpPr>
+            <a:spLocks noGrp="1"/>
+          </p:cNvSpPr>
+          <p:nvPr>
+            <p:ph type="title"/>
+          </p:nvPr>
+        </p:nvSpPr>
+        <p:spPr>
+          <a:xfrm>
+            <a:off x="129225" y="83886"/>
+            <a:ext cx="3034834" cy="608225"/>
+          </a:xfrm>
+        </p:spPr>
+        <p:txBody>
+          <a:bodyPr>
+            <a:normAutofit/>
+          </a:bodyPr>
+          <a:lstStyle/>
+          <a:p>
+            <a:pPr algn="ctr"/>
+            <a:r>
+              <a:rPr lang="ko-KR" altLang="en-US" sz="3200" b="1"/>
+              <a:t>미니 게임 종류</a:t>
+            </a:r>
+            <a:endParaRPr lang="ko-KR" altLang="en-US" sz="3200" b="1" dirty="0"/>
+          </a:p>
+        </p:txBody>
+      </p:sp>
+      <p:cxnSp>
+        <p:nvCxnSpPr>
+          <p:cNvPr id="6" name="직선 연결선 5">
+            <a:extLst>
+              <a:ext uri="{FF2B5EF4-FFF2-40B4-BE49-F238E27FC236}">
+                <a16:creationId xmlns:a16="http://schemas.microsoft.com/office/drawing/2014/main" id="{874F9631-3157-6772-DAF0-14C1FCDEB1DF}"/>
+              </a:ext>
+            </a:extLst>
+          </p:cNvPr>
+          <p:cNvCxnSpPr>
+            <a:cxnSpLocks/>
+          </p:cNvCxnSpPr>
+          <p:nvPr/>
+        </p:nvCxnSpPr>
+        <p:spPr>
+          <a:xfrm>
+            <a:off x="0" y="692111"/>
+            <a:ext cx="12192000" cy="0"/>
+          </a:xfrm>
+          <a:prstGeom prst="line">
+            <a:avLst/>
+          </a:prstGeom>
+          <a:ln>
+            <a:solidFill>
+              <a:schemeClr val="bg2">
+                <a:lumMod val="75000"/>
+              </a:schemeClr>
+            </a:solidFill>
+          </a:ln>
+        </p:spPr>
+        <p:style>
+          <a:lnRef idx="2">
+            <a:schemeClr val="accent1"/>
+          </a:lnRef>
+          <a:fillRef idx="0">
+            <a:schemeClr val="accent1"/>
+          </a:fillRef>
+          <a:effectRef idx="1">
+            <a:schemeClr val="accent1"/>
+          </a:effectRef>
+          <a:fontRef idx="minor">
+            <a:schemeClr val="tx1"/>
+          </a:fontRef>
+        </p:style>
+      </p:cxnSp>
+      <p:cxnSp>
+        <p:nvCxnSpPr>
+          <p:cNvPr id="7" name="직선 연결선 6">
+            <a:extLst>
+              <a:ext uri="{FF2B5EF4-FFF2-40B4-BE49-F238E27FC236}">
+                <a16:creationId xmlns:a16="http://schemas.microsoft.com/office/drawing/2014/main" id="{610441F0-0D82-3CA0-F236-DF0063E85086}"/>
+              </a:ext>
+            </a:extLst>
+          </p:cNvPr>
+          <p:cNvCxnSpPr>
+            <a:cxnSpLocks/>
+          </p:cNvCxnSpPr>
+          <p:nvPr/>
+        </p:nvCxnSpPr>
+        <p:spPr>
+          <a:xfrm>
+            <a:off x="129225" y="658980"/>
+            <a:ext cx="3034834" cy="0"/>
+          </a:xfrm>
+          <a:prstGeom prst="line">
+            <a:avLst/>
+          </a:prstGeom>
+          <a:ln w="76200">
+            <a:solidFill>
+              <a:schemeClr val="tx1"/>
+            </a:solidFill>
+          </a:ln>
+        </p:spPr>
+        <p:style>
+          <a:lnRef idx="2">
+            <a:schemeClr val="accent1"/>
+          </a:lnRef>
+          <a:fillRef idx="0">
+            <a:schemeClr val="accent1"/>
+          </a:fillRef>
+          <a:effectRef idx="1">
+            <a:schemeClr val="accent1"/>
+          </a:effectRef>
+          <a:fontRef idx="minor">
+            <a:schemeClr val="tx1"/>
+          </a:fontRef>
+        </p:style>
+      </p:cxnSp>
+      <p:sp>
+        <p:nvSpPr>
+          <p:cNvPr id="10" name="슬라이드 번호 개체 틀 9">
+            <a:extLst>
+              <a:ext uri="{FF2B5EF4-FFF2-40B4-BE49-F238E27FC236}">
+                <a16:creationId xmlns:a16="http://schemas.microsoft.com/office/drawing/2014/main" id="{7C3F6FEC-FBD5-4F76-2F6E-E801246AD720}"/>
+              </a:ext>
+            </a:extLst>
+          </p:cNvPr>
+          <p:cNvSpPr>
+            <a:spLocks noGrp="1"/>
+          </p:cNvSpPr>
+          <p:nvPr>
+            <p:ph type="sldNum" sz="quarter" idx="12"/>
+          </p:nvPr>
+        </p:nvSpPr>
+        <p:spPr/>
+        <p:txBody>
+          <a:bodyPr/>
+          <a:lstStyle/>
+          <a:p>
+            <a:fld id="{8D96929D-9E84-4A42-B4C3-2E48812748E4}" type="slidenum">
+              <a:rPr lang="ko-KR" altLang="en-US" smtClean="0"/>
+              <a:t>28</a:t>
+            </a:fld>
+            <a:endParaRPr lang="ko-KR" altLang="en-US"/>
+          </a:p>
+        </p:txBody>
+      </p:sp>
+      <p:sp>
+        <p:nvSpPr>
+          <p:cNvPr id="4" name="TextBox 3">
+            <a:extLst>
+              <a:ext uri="{FF2B5EF4-FFF2-40B4-BE49-F238E27FC236}">
+                <a16:creationId xmlns:a16="http://schemas.microsoft.com/office/drawing/2014/main" id="{B9728B45-0464-19B2-22E2-63404F7AC179}"/>
+              </a:ext>
+            </a:extLst>
+          </p:cNvPr>
+          <p:cNvSpPr txBox="1"/>
+          <p:nvPr/>
+        </p:nvSpPr>
+        <p:spPr>
+          <a:xfrm>
+            <a:off x="454785" y="658980"/>
+            <a:ext cx="1912703" cy="523220"/>
+          </a:xfrm>
+          <a:prstGeom prst="rect">
+            <a:avLst/>
+          </a:prstGeom>
+          <a:noFill/>
+        </p:spPr>
+        <p:txBody>
+          <a:bodyPr wrap="none" rtlCol="0">
+            <a:spAutoFit/>
+          </a:bodyPr>
+          <a:lstStyle/>
+          <a:p>
+            <a:r>
+              <a:rPr lang="ko-KR" altLang="en-US" sz="2800" dirty="0">
+                <a:solidFill>
+                  <a:srgbClr val="0070C0"/>
+                </a:solidFill>
+              </a:rPr>
+              <a:t>전투 게임</a:t>
+            </a:r>
+            <a:r>
+              <a:rPr lang="en-US" altLang="ko-KR" sz="2800" dirty="0">
+                <a:solidFill>
+                  <a:srgbClr val="0070C0"/>
+                </a:solidFill>
+              </a:rPr>
+              <a:t>?</a:t>
+            </a:r>
+            <a:endParaRPr lang="ko-KR" altLang="en-US" sz="2800" dirty="0">
+              <a:solidFill>
+                <a:srgbClr val="0070C0"/>
+              </a:solidFill>
+            </a:endParaRPr>
+          </a:p>
+        </p:txBody>
+      </p:sp>
+    </p:spTree>
+    <p:extLst>
+      <p:ext uri="{BB962C8B-B14F-4D97-AF65-F5344CB8AC3E}">
+        <p14:creationId xmlns:p14="http://schemas.microsoft.com/office/powerpoint/2010/main" val="245593134"/>
+      </p:ext>
+    </p:extLst>
+  </p:cSld>
+  <p:clrMapOvr>
+    <a:masterClrMapping/>
+  </p:clrMapOvr>
+</p:sld>
+</file>
+
+<file path=ppt/slides/slide29.xml><?xml version="1.0" encoding="utf-8"?>
 <p:sld xmlns:a="http://schemas.openxmlformats.org/drawingml/2006/main" xmlns:r="http://schemas.openxmlformats.org/officeDocument/2006/relationships" xmlns:p="http://schemas.openxmlformats.org/presentationml/2006/main">
   <p:cSld>
     <p:spTree>
@@ -29619,7 +32552,7 @@
           <a:p>
             <a:fld id="{8D96929D-9E84-4A42-B4C3-2E48812748E4}" type="slidenum">
               <a:rPr lang="ko-KR" altLang="en-US" smtClean="0"/>
-              <a:t>25</a:t>
+              <a:t>29</a:t>
             </a:fld>
             <a:endParaRPr lang="ko-KR" altLang="en-US"/>
           </a:p>
@@ -29690,7 +32623,252 @@
 </p:sld>
 </file>
 
-<file path=ppt/slides/slide26.xml><?xml version="1.0" encoding="utf-8"?>
+<file path=ppt/slides/slide3.xml><?xml version="1.0" encoding="utf-8"?>
+<p:sld xmlns:a="http://schemas.openxmlformats.org/drawingml/2006/main" xmlns:r="http://schemas.openxmlformats.org/officeDocument/2006/relationships" xmlns:p="http://schemas.openxmlformats.org/presentationml/2006/main">
+  <p:cSld>
+    <p:spTree>
+      <p:nvGrpSpPr>
+        <p:cNvPr id="1" name="">
+          <a:extLst>
+            <a:ext uri="{FF2B5EF4-FFF2-40B4-BE49-F238E27FC236}">
+              <a16:creationId xmlns:a16="http://schemas.microsoft.com/office/drawing/2014/main" id="{6E432048-5F36-E66C-8197-E75317296DEC}"/>
+            </a:ext>
+          </a:extLst>
+        </p:cNvPr>
+        <p:cNvGrpSpPr/>
+        <p:nvPr/>
+      </p:nvGrpSpPr>
+      <p:grpSpPr>
+        <a:xfrm>
+          <a:off x="0" y="0"/>
+          <a:ext cx="0" cy="0"/>
+          <a:chOff x="0" y="0"/>
+          <a:chExt cx="0" cy="0"/>
+        </a:xfrm>
+      </p:grpSpPr>
+      <p:sp>
+        <p:nvSpPr>
+          <p:cNvPr id="4" name="사각형: 둥근 모서리 3">
+            <a:extLst>
+              <a:ext uri="{FF2B5EF4-FFF2-40B4-BE49-F238E27FC236}">
+                <a16:creationId xmlns:a16="http://schemas.microsoft.com/office/drawing/2014/main" id="{88D2F86A-D0C1-6194-3948-ED3EFE0C9AF1}"/>
+              </a:ext>
+            </a:extLst>
+          </p:cNvPr>
+          <p:cNvSpPr/>
+          <p:nvPr/>
+        </p:nvSpPr>
+        <p:spPr>
+          <a:xfrm>
+            <a:off x="228600" y="681059"/>
+            <a:ext cx="11734800" cy="695739"/>
+          </a:xfrm>
+          <a:prstGeom prst="roundRect">
+            <a:avLst>
+              <a:gd name="adj" fmla="val 50000"/>
+            </a:avLst>
+          </a:prstGeom>
+          <a:solidFill>
+            <a:schemeClr val="bg1">
+              <a:lumMod val="95000"/>
+            </a:schemeClr>
+          </a:solidFill>
+          <a:ln w="19050">
+            <a:solidFill>
+              <a:schemeClr val="bg1">
+                <a:lumMod val="85000"/>
+              </a:schemeClr>
+            </a:solidFill>
+          </a:ln>
+          <a:effectLst>
+            <a:outerShdw blurRad="50800" dist="38100" dir="8100000" algn="tr" rotWithShape="0">
+              <a:prstClr val="black">
+                <a:alpha val="40000"/>
+              </a:prstClr>
+            </a:outerShdw>
+          </a:effectLst>
+        </p:spPr>
+        <p:style>
+          <a:lnRef idx="2">
+            <a:schemeClr val="accent1">
+              <a:shade val="15000"/>
+            </a:schemeClr>
+          </a:lnRef>
+          <a:fillRef idx="1">
+            <a:schemeClr val="accent1"/>
+          </a:fillRef>
+          <a:effectRef idx="0">
+            <a:schemeClr val="accent1"/>
+          </a:effectRef>
+          <a:fontRef idx="minor">
+            <a:schemeClr val="lt1"/>
+          </a:fontRef>
+        </p:style>
+        <p:txBody>
+          <a:bodyPr rtlCol="0" anchor="ctr"/>
+          <a:lstStyle/>
+          <a:p>
+            <a:r>
+              <a:rPr lang="ko-KR" altLang="en-US" sz="3600" b="1" dirty="0">
+                <a:solidFill>
+                  <a:schemeClr val="tx1"/>
+                </a:solidFill>
+              </a:rPr>
+              <a:t>  게임 개요</a:t>
+            </a:r>
+          </a:p>
+        </p:txBody>
+      </p:sp>
+      <p:pic>
+        <p:nvPicPr>
+          <p:cNvPr id="10" name="그래픽 9" descr="기타 단색으로 채워진">
+            <a:extLst>
+              <a:ext uri="{FF2B5EF4-FFF2-40B4-BE49-F238E27FC236}">
+                <a16:creationId xmlns:a16="http://schemas.microsoft.com/office/drawing/2014/main" id="{236AD4FF-B76D-059C-D059-45AA3F04D622}"/>
+              </a:ext>
+            </a:extLst>
+          </p:cNvPr>
+          <p:cNvPicPr>
+            <a:picLocks noChangeAspect="1"/>
+          </p:cNvPicPr>
+          <p:nvPr/>
+        </p:nvPicPr>
+        <p:blipFill>
+          <a:blip r:embed="rId2">
+            <a:extLst>
+              <a:ext uri="{96DAC541-7B7A-43D3-8B79-37D633B846F1}">
+                <asvg:svgBlip xmlns:asvg="http://schemas.microsoft.com/office/drawing/2016/SVG/main" r:embed="rId3"/>
+              </a:ext>
+            </a:extLst>
+          </a:blip>
+          <a:stretch>
+            <a:fillRect/>
+          </a:stretch>
+        </p:blipFill>
+        <p:spPr>
+          <a:xfrm rot="5400000">
+            <a:off x="11265877" y="761335"/>
+            <a:ext cx="559191" cy="559191"/>
+          </a:xfrm>
+          <a:prstGeom prst="rect">
+            <a:avLst/>
+          </a:prstGeom>
+        </p:spPr>
+      </p:pic>
+      <p:sp>
+        <p:nvSpPr>
+          <p:cNvPr id="11" name="TextBox 10">
+            <a:extLst>
+              <a:ext uri="{FF2B5EF4-FFF2-40B4-BE49-F238E27FC236}">
+                <a16:creationId xmlns:a16="http://schemas.microsoft.com/office/drawing/2014/main" id="{5A66836E-F0FC-E8F3-6313-86DF0EF7403D}"/>
+              </a:ext>
+            </a:extLst>
+          </p:cNvPr>
+          <p:cNvSpPr txBox="1"/>
+          <p:nvPr/>
+        </p:nvSpPr>
+        <p:spPr>
+          <a:xfrm>
+            <a:off x="821635" y="1928191"/>
+            <a:ext cx="2597425" cy="1682961"/>
+          </a:xfrm>
+          <a:prstGeom prst="rect">
+            <a:avLst/>
+          </a:prstGeom>
+          <a:noFill/>
+        </p:spPr>
+        <p:txBody>
+          <a:bodyPr wrap="square" rtlCol="0">
+            <a:spAutoFit/>
+          </a:bodyPr>
+          <a:lstStyle/>
+          <a:p>
+            <a:pPr marL="342900" indent="-342900">
+              <a:lnSpc>
+                <a:spcPct val="150000"/>
+              </a:lnSpc>
+              <a:buFontTx/>
+              <a:buChar char="-"/>
+            </a:pPr>
+            <a:r>
+              <a:rPr lang="ko-KR" altLang="en-US" sz="2400" b="1" dirty="0"/>
+              <a:t>게임소개</a:t>
+            </a:r>
+            <a:endParaRPr lang="en-US" altLang="ko-KR" sz="2400" b="1" dirty="0"/>
+          </a:p>
+          <a:p>
+            <a:pPr marL="342900" indent="-342900">
+              <a:lnSpc>
+                <a:spcPct val="150000"/>
+              </a:lnSpc>
+              <a:buFontTx/>
+              <a:buChar char="-"/>
+            </a:pPr>
+            <a:r>
+              <a:rPr lang="ko-KR" altLang="en-US" sz="2400" b="1" dirty="0"/>
+              <a:t>장르</a:t>
+            </a:r>
+            <a:endParaRPr lang="en-US" altLang="ko-KR" sz="2400" b="1" dirty="0"/>
+          </a:p>
+          <a:p>
+            <a:pPr marL="342900" indent="-342900">
+              <a:lnSpc>
+                <a:spcPct val="150000"/>
+              </a:lnSpc>
+              <a:buFontTx/>
+              <a:buChar char="-"/>
+            </a:pPr>
+            <a:r>
+              <a:rPr lang="ko-KR" altLang="en-US" sz="2400" b="1" dirty="0"/>
+              <a:t>주요 요소</a:t>
+            </a:r>
+            <a:endParaRPr lang="en-US" altLang="ko-KR" sz="2400" b="1" dirty="0"/>
+          </a:p>
+        </p:txBody>
+      </p:sp>
+      <p:sp>
+        <p:nvSpPr>
+          <p:cNvPr id="12" name="슬라이드 번호 개체 틀 11">
+            <a:extLst>
+              <a:ext uri="{FF2B5EF4-FFF2-40B4-BE49-F238E27FC236}">
+                <a16:creationId xmlns:a16="http://schemas.microsoft.com/office/drawing/2014/main" id="{2FB65050-84ED-FFE9-7866-CDB53F4287FF}"/>
+              </a:ext>
+            </a:extLst>
+          </p:cNvPr>
+          <p:cNvSpPr>
+            <a:spLocks noGrp="1"/>
+          </p:cNvSpPr>
+          <p:nvPr>
+            <p:ph type="sldNum" sz="quarter" idx="12"/>
+          </p:nvPr>
+        </p:nvSpPr>
+        <p:spPr/>
+        <p:txBody>
+          <a:bodyPr/>
+          <a:lstStyle/>
+          <a:p>
+            <a:fld id="{8D96929D-9E84-4A42-B4C3-2E48812748E4}" type="slidenum">
+              <a:rPr lang="ko-KR" altLang="en-US" smtClean="0"/>
+              <a:t>3</a:t>
+            </a:fld>
+            <a:endParaRPr lang="ko-KR" altLang="en-US"/>
+          </a:p>
+        </p:txBody>
+      </p:sp>
+    </p:spTree>
+    <p:extLst>
+      <p:ext uri="{BB962C8B-B14F-4D97-AF65-F5344CB8AC3E}">
+        <p14:creationId xmlns:p14="http://schemas.microsoft.com/office/powerpoint/2010/main" val="986517549"/>
+      </p:ext>
+    </p:extLst>
+  </p:cSld>
+  <p:clrMapOvr>
+    <a:masterClrMapping/>
+  </p:clrMapOvr>
+</p:sld>
+</file>
+
+<file path=ppt/slides/slide30.xml><?xml version="1.0" encoding="utf-8"?>
 <p:sld xmlns:a="http://schemas.openxmlformats.org/drawingml/2006/main" xmlns:r="http://schemas.openxmlformats.org/officeDocument/2006/relationships" xmlns:p="http://schemas.openxmlformats.org/presentationml/2006/main">
   <p:cSld>
     <p:spTree>
@@ -33278,7 +36456,7 @@
           <a:p>
             <a:fld id="{8D96929D-9E84-4A42-B4C3-2E48812748E4}" type="slidenum">
               <a:rPr lang="ko-KR" altLang="en-US" smtClean="0"/>
-              <a:t>26</a:t>
+              <a:t>30</a:t>
             </a:fld>
             <a:endParaRPr lang="ko-KR" altLang="en-US"/>
           </a:p>
@@ -33349,7 +36527,7 @@
 </p:sld>
 </file>
 
-<file path=ppt/slides/slide27.xml><?xml version="1.0" encoding="utf-8"?>
+<file path=ppt/slides/slide31.xml><?xml version="1.0" encoding="utf-8"?>
 <p:sld xmlns:a="http://schemas.openxmlformats.org/drawingml/2006/main" xmlns:r="http://schemas.openxmlformats.org/officeDocument/2006/relationships" xmlns:p="http://schemas.openxmlformats.org/presentationml/2006/main">
   <p:cSld>
     <p:spTree>
@@ -35107,7 +38285,7 @@
           <a:p>
             <a:fld id="{8D96929D-9E84-4A42-B4C3-2E48812748E4}" type="slidenum">
               <a:rPr lang="ko-KR" altLang="en-US" smtClean="0"/>
-              <a:t>27</a:t>
+              <a:t>31</a:t>
             </a:fld>
             <a:endParaRPr lang="ko-KR" altLang="en-US"/>
           </a:p>
@@ -36172,7 +39350,7 @@
 </p:sld>
 </file>
 
-<file path=ppt/slides/slide28.xml><?xml version="1.0" encoding="utf-8"?>
+<file path=ppt/slides/slide32.xml><?xml version="1.0" encoding="utf-8"?>
 <p:sld xmlns:a="http://schemas.openxmlformats.org/drawingml/2006/main" xmlns:r="http://schemas.openxmlformats.org/officeDocument/2006/relationships" xmlns:p="http://schemas.openxmlformats.org/presentationml/2006/main">
   <p:cSld>
     <p:spTree>
@@ -36432,7 +39610,7 @@
           <a:p>
             <a:fld id="{8D96929D-9E84-4A42-B4C3-2E48812748E4}" type="slidenum">
               <a:rPr lang="ko-KR" altLang="en-US" smtClean="0"/>
-              <a:t>28</a:t>
+              <a:t>32</a:t>
             </a:fld>
             <a:endParaRPr lang="ko-KR" altLang="en-US"/>
           </a:p>
@@ -38682,7 +41860,7 @@
 </p:sld>
 </file>
 
-<file path=ppt/slides/slide29.xml><?xml version="1.0" encoding="utf-8"?>
+<file path=ppt/slides/slide33.xml><?xml version="1.0" encoding="utf-8"?>
 <p:sld xmlns:a="http://schemas.openxmlformats.org/drawingml/2006/main" xmlns:r="http://schemas.openxmlformats.org/officeDocument/2006/relationships" xmlns:p="http://schemas.openxmlformats.org/presentationml/2006/main">
   <p:cSld>
     <p:spTree>
@@ -39109,7 +42287,7 @@
           <a:p>
             <a:fld id="{8D96929D-9E84-4A42-B4C3-2E48812748E4}" type="slidenum">
               <a:rPr lang="ko-KR" altLang="en-US" smtClean="0"/>
-              <a:t>29</a:t>
+              <a:t>33</a:t>
             </a:fld>
             <a:endParaRPr lang="ko-KR" altLang="en-US"/>
           </a:p>
@@ -41949,251 +45127,6 @@
 </p:sld>
 </file>
 
-<file path=ppt/slides/slide3.xml><?xml version="1.0" encoding="utf-8"?>
-<p:sld xmlns:a="http://schemas.openxmlformats.org/drawingml/2006/main" xmlns:r="http://schemas.openxmlformats.org/officeDocument/2006/relationships" xmlns:p="http://schemas.openxmlformats.org/presentationml/2006/main">
-  <p:cSld>
-    <p:spTree>
-      <p:nvGrpSpPr>
-        <p:cNvPr id="1" name="">
-          <a:extLst>
-            <a:ext uri="{FF2B5EF4-FFF2-40B4-BE49-F238E27FC236}">
-              <a16:creationId xmlns:a16="http://schemas.microsoft.com/office/drawing/2014/main" id="{6E432048-5F36-E66C-8197-E75317296DEC}"/>
-            </a:ext>
-          </a:extLst>
-        </p:cNvPr>
-        <p:cNvGrpSpPr/>
-        <p:nvPr/>
-      </p:nvGrpSpPr>
-      <p:grpSpPr>
-        <a:xfrm>
-          <a:off x="0" y="0"/>
-          <a:ext cx="0" cy="0"/>
-          <a:chOff x="0" y="0"/>
-          <a:chExt cx="0" cy="0"/>
-        </a:xfrm>
-      </p:grpSpPr>
-      <p:sp>
-        <p:nvSpPr>
-          <p:cNvPr id="4" name="사각형: 둥근 모서리 3">
-            <a:extLst>
-              <a:ext uri="{FF2B5EF4-FFF2-40B4-BE49-F238E27FC236}">
-                <a16:creationId xmlns:a16="http://schemas.microsoft.com/office/drawing/2014/main" id="{88D2F86A-D0C1-6194-3948-ED3EFE0C9AF1}"/>
-              </a:ext>
-            </a:extLst>
-          </p:cNvPr>
-          <p:cNvSpPr/>
-          <p:nvPr/>
-        </p:nvSpPr>
-        <p:spPr>
-          <a:xfrm>
-            <a:off x="228600" y="681059"/>
-            <a:ext cx="11734800" cy="695739"/>
-          </a:xfrm>
-          <a:prstGeom prst="roundRect">
-            <a:avLst>
-              <a:gd name="adj" fmla="val 50000"/>
-            </a:avLst>
-          </a:prstGeom>
-          <a:solidFill>
-            <a:schemeClr val="bg1">
-              <a:lumMod val="95000"/>
-            </a:schemeClr>
-          </a:solidFill>
-          <a:ln w="19050">
-            <a:solidFill>
-              <a:schemeClr val="bg1">
-                <a:lumMod val="85000"/>
-              </a:schemeClr>
-            </a:solidFill>
-          </a:ln>
-          <a:effectLst>
-            <a:outerShdw blurRad="50800" dist="38100" dir="8100000" algn="tr" rotWithShape="0">
-              <a:prstClr val="black">
-                <a:alpha val="40000"/>
-              </a:prstClr>
-            </a:outerShdw>
-          </a:effectLst>
-        </p:spPr>
-        <p:style>
-          <a:lnRef idx="2">
-            <a:schemeClr val="accent1">
-              <a:shade val="15000"/>
-            </a:schemeClr>
-          </a:lnRef>
-          <a:fillRef idx="1">
-            <a:schemeClr val="accent1"/>
-          </a:fillRef>
-          <a:effectRef idx="0">
-            <a:schemeClr val="accent1"/>
-          </a:effectRef>
-          <a:fontRef idx="minor">
-            <a:schemeClr val="lt1"/>
-          </a:fontRef>
-        </p:style>
-        <p:txBody>
-          <a:bodyPr rtlCol="0" anchor="ctr"/>
-          <a:lstStyle/>
-          <a:p>
-            <a:r>
-              <a:rPr lang="ko-KR" altLang="en-US" sz="3600" b="1" dirty="0">
-                <a:solidFill>
-                  <a:schemeClr val="tx1"/>
-                </a:solidFill>
-              </a:rPr>
-              <a:t>  게임 개요</a:t>
-            </a:r>
-          </a:p>
-        </p:txBody>
-      </p:sp>
-      <p:pic>
-        <p:nvPicPr>
-          <p:cNvPr id="10" name="그래픽 9" descr="기타 단색으로 채워진">
-            <a:extLst>
-              <a:ext uri="{FF2B5EF4-FFF2-40B4-BE49-F238E27FC236}">
-                <a16:creationId xmlns:a16="http://schemas.microsoft.com/office/drawing/2014/main" id="{236AD4FF-B76D-059C-D059-45AA3F04D622}"/>
-              </a:ext>
-            </a:extLst>
-          </p:cNvPr>
-          <p:cNvPicPr>
-            <a:picLocks noChangeAspect="1"/>
-          </p:cNvPicPr>
-          <p:nvPr/>
-        </p:nvPicPr>
-        <p:blipFill>
-          <a:blip r:embed="rId2">
-            <a:extLst>
-              <a:ext uri="{96DAC541-7B7A-43D3-8B79-37D633B846F1}">
-                <asvg:svgBlip xmlns:asvg="http://schemas.microsoft.com/office/drawing/2016/SVG/main" r:embed="rId3"/>
-              </a:ext>
-            </a:extLst>
-          </a:blip>
-          <a:stretch>
-            <a:fillRect/>
-          </a:stretch>
-        </p:blipFill>
-        <p:spPr>
-          <a:xfrm rot="5400000">
-            <a:off x="11265877" y="761335"/>
-            <a:ext cx="559191" cy="559191"/>
-          </a:xfrm>
-          <a:prstGeom prst="rect">
-            <a:avLst/>
-          </a:prstGeom>
-        </p:spPr>
-      </p:pic>
-      <p:sp>
-        <p:nvSpPr>
-          <p:cNvPr id="11" name="TextBox 10">
-            <a:extLst>
-              <a:ext uri="{FF2B5EF4-FFF2-40B4-BE49-F238E27FC236}">
-                <a16:creationId xmlns:a16="http://schemas.microsoft.com/office/drawing/2014/main" id="{5A66836E-F0FC-E8F3-6313-86DF0EF7403D}"/>
-              </a:ext>
-            </a:extLst>
-          </p:cNvPr>
-          <p:cNvSpPr txBox="1"/>
-          <p:nvPr/>
-        </p:nvSpPr>
-        <p:spPr>
-          <a:xfrm>
-            <a:off x="821635" y="1928191"/>
-            <a:ext cx="2597425" cy="1682961"/>
-          </a:xfrm>
-          <a:prstGeom prst="rect">
-            <a:avLst/>
-          </a:prstGeom>
-          <a:noFill/>
-        </p:spPr>
-        <p:txBody>
-          <a:bodyPr wrap="square" rtlCol="0">
-            <a:spAutoFit/>
-          </a:bodyPr>
-          <a:lstStyle/>
-          <a:p>
-            <a:pPr marL="342900" indent="-342900">
-              <a:lnSpc>
-                <a:spcPct val="150000"/>
-              </a:lnSpc>
-              <a:buFontTx/>
-              <a:buChar char="-"/>
-            </a:pPr>
-            <a:r>
-              <a:rPr lang="ko-KR" altLang="en-US" sz="2400" b="1" dirty="0"/>
-              <a:t>게임소개</a:t>
-            </a:r>
-            <a:endParaRPr lang="en-US" altLang="ko-KR" sz="2400" b="1" dirty="0"/>
-          </a:p>
-          <a:p>
-            <a:pPr marL="342900" indent="-342900">
-              <a:lnSpc>
-                <a:spcPct val="150000"/>
-              </a:lnSpc>
-              <a:buFontTx/>
-              <a:buChar char="-"/>
-            </a:pPr>
-            <a:r>
-              <a:rPr lang="ko-KR" altLang="en-US" sz="2400" b="1" dirty="0"/>
-              <a:t>장르</a:t>
-            </a:r>
-            <a:endParaRPr lang="en-US" altLang="ko-KR" sz="2400" b="1" dirty="0"/>
-          </a:p>
-          <a:p>
-            <a:pPr marL="342900" indent="-342900">
-              <a:lnSpc>
-                <a:spcPct val="150000"/>
-              </a:lnSpc>
-              <a:buFontTx/>
-              <a:buChar char="-"/>
-            </a:pPr>
-            <a:r>
-              <a:rPr lang="ko-KR" altLang="en-US" sz="2400" b="1" dirty="0"/>
-              <a:t>주요 요소</a:t>
-            </a:r>
-            <a:endParaRPr lang="en-US" altLang="ko-KR" sz="2400" b="1" dirty="0"/>
-          </a:p>
-        </p:txBody>
-      </p:sp>
-      <p:sp>
-        <p:nvSpPr>
-          <p:cNvPr id="12" name="슬라이드 번호 개체 틀 11">
-            <a:extLst>
-              <a:ext uri="{FF2B5EF4-FFF2-40B4-BE49-F238E27FC236}">
-                <a16:creationId xmlns:a16="http://schemas.microsoft.com/office/drawing/2014/main" id="{2FB65050-84ED-FFE9-7866-CDB53F4287FF}"/>
-              </a:ext>
-            </a:extLst>
-          </p:cNvPr>
-          <p:cNvSpPr>
-            <a:spLocks noGrp="1"/>
-          </p:cNvSpPr>
-          <p:nvPr>
-            <p:ph type="sldNum" sz="quarter" idx="12"/>
-          </p:nvPr>
-        </p:nvSpPr>
-        <p:spPr/>
-        <p:txBody>
-          <a:bodyPr/>
-          <a:lstStyle/>
-          <a:p>
-            <a:fld id="{8D96929D-9E84-4A42-B4C3-2E48812748E4}" type="slidenum">
-              <a:rPr lang="ko-KR" altLang="en-US" smtClean="0"/>
-              <a:t>3</a:t>
-            </a:fld>
-            <a:endParaRPr lang="ko-KR" altLang="en-US"/>
-          </a:p>
-        </p:txBody>
-      </p:sp>
-    </p:spTree>
-    <p:extLst>
-      <p:ext uri="{BB962C8B-B14F-4D97-AF65-F5344CB8AC3E}">
-        <p14:creationId xmlns:p14="http://schemas.microsoft.com/office/powerpoint/2010/main" val="986517549"/>
-      </p:ext>
-    </p:extLst>
-  </p:cSld>
-  <p:clrMapOvr>
-    <a:masterClrMapping/>
-  </p:clrMapOvr>
-</p:sld>
-</file>
-
 <file path=ppt/slides/slide4.xml><?xml version="1.0" encoding="utf-8"?>
 <p:sld xmlns:a="http://schemas.openxmlformats.org/drawingml/2006/main" xmlns:r="http://schemas.openxmlformats.org/officeDocument/2006/relationships" xmlns:p="http://schemas.openxmlformats.org/presentationml/2006/main">
   <p:cSld>

--- a/document/Please Leave me alone!.pptx
+++ b/document/Please Leave me alone!.pptx
@@ -5,7 +5,7 @@
     <p:sldMasterId id="2147483648" r:id="rId1"/>
   </p:sldMasterIdLst>
   <p:notesMasterIdLst>
-    <p:notesMasterId r:id="rId35"/>
+    <p:notesMasterId r:id="rId36"/>
   </p:notesMasterIdLst>
   <p:sldIdLst>
     <p:sldId id="256" r:id="rId2"/>
@@ -41,6 +41,7 @@
     <p:sldId id="287" r:id="rId32"/>
     <p:sldId id="288" r:id="rId33"/>
     <p:sldId id="284" r:id="rId34"/>
+    <p:sldId id="294" r:id="rId35"/>
   </p:sldIdLst>
   <p:sldSz cx="12192000" cy="6858000"/>
   <p:notesSz cx="6858000" cy="9144000"/>
@@ -32030,7 +32031,7 @@
         <p:spPr>
           <a:xfrm>
             <a:off x="454785" y="658980"/>
-            <a:ext cx="1912703" cy="523220"/>
+            <a:ext cx="3669594" cy="523220"/>
           </a:xfrm>
           <a:prstGeom prst="rect">
             <a:avLst/>
@@ -32049,21 +32050,8 @@
                   <a:srgbClr val="0070C0"/>
                 </a:solidFill>
               </a:rPr>
-              <a:t>전투 게임</a:t>
+              <a:t>스테이지형 퍼즐 게임</a:t>
             </a:r>
-            <a:r>
-              <a:rPr lang="en-US" altLang="ko-KR" sz="2800" dirty="0">
-                <a:solidFill>
-                  <a:srgbClr val="0070C0"/>
-                </a:solidFill>
-              </a:rPr>
-              <a:t>?</a:t>
-            </a:r>
-            <a:endParaRPr lang="ko-KR" altLang="en-US" sz="2800" dirty="0">
-              <a:solidFill>
-                <a:srgbClr val="0070C0"/>
-              </a:solidFill>
-            </a:endParaRPr>
           </a:p>
         </p:txBody>
       </p:sp>
@@ -45127,6 +45115,2001 @@
 </p:sld>
 </file>
 
+<file path=ppt/slides/slide34.xml><?xml version="1.0" encoding="utf-8"?>
+<p:sld xmlns:a="http://schemas.openxmlformats.org/drawingml/2006/main" xmlns:r="http://schemas.openxmlformats.org/officeDocument/2006/relationships" xmlns:p="http://schemas.openxmlformats.org/presentationml/2006/main">
+  <p:cSld>
+    <p:spTree>
+      <p:nvGrpSpPr>
+        <p:cNvPr id="1" name="">
+          <a:extLst>
+            <a:ext uri="{FF2B5EF4-FFF2-40B4-BE49-F238E27FC236}">
+              <a16:creationId xmlns:a16="http://schemas.microsoft.com/office/drawing/2014/main" id="{0F39585B-4CBD-F82F-5EFE-2B989A0403C5}"/>
+            </a:ext>
+          </a:extLst>
+        </p:cNvPr>
+        <p:cNvGrpSpPr/>
+        <p:nvPr/>
+      </p:nvGrpSpPr>
+      <p:grpSpPr>
+        <a:xfrm>
+          <a:off x="0" y="0"/>
+          <a:ext cx="0" cy="0"/>
+          <a:chOff x="0" y="0"/>
+          <a:chExt cx="0" cy="0"/>
+        </a:xfrm>
+      </p:grpSpPr>
+      <p:graphicFrame>
+        <p:nvGraphicFramePr>
+          <p:cNvPr id="87" name="표 86">
+            <a:extLst>
+              <a:ext uri="{FF2B5EF4-FFF2-40B4-BE49-F238E27FC236}">
+                <a16:creationId xmlns:a16="http://schemas.microsoft.com/office/drawing/2014/main" id="{68B2EA8A-0CBF-CA0A-E50D-B365D8BFBB63}"/>
+              </a:ext>
+            </a:extLst>
+          </p:cNvPr>
+          <p:cNvGraphicFramePr>
+            <a:graphicFrameLocks noGrp="1"/>
+          </p:cNvGraphicFramePr>
+          <p:nvPr>
+            <p:extLst>
+              <p:ext uri="{D42A27DB-BD31-4B8C-83A1-F6EECF244321}">
+                <p14:modId xmlns:p14="http://schemas.microsoft.com/office/powerpoint/2010/main" val="2524257990"/>
+              </p:ext>
+            </p:extLst>
+          </p:nvPr>
+        </p:nvGraphicFramePr>
+        <p:xfrm>
+          <a:off x="220806" y="871748"/>
+          <a:ext cx="11750388" cy="5572785"/>
+        </p:xfrm>
+        <a:graphic>
+          <a:graphicData uri="http://schemas.openxmlformats.org/drawingml/2006/table">
+            <a:tbl>
+              <a:tblPr firstRow="1" bandRow="1">
+                <a:tableStyleId>{5C22544A-7EE6-4342-B048-85BDC9FD1C3A}</a:tableStyleId>
+              </a:tblPr>
+              <a:tblGrid>
+                <a:gridCol w="1694133">
+                  <a:extLst>
+                    <a:ext uri="{9D8B030D-6E8A-4147-A177-3AD203B41FA5}">
+                      <a16:colId xmlns:a16="http://schemas.microsoft.com/office/drawing/2014/main" val="2813083487"/>
+                    </a:ext>
+                  </a:extLst>
+                </a:gridCol>
+                <a:gridCol w="10056255">
+                  <a:extLst>
+                    <a:ext uri="{9D8B030D-6E8A-4147-A177-3AD203B41FA5}">
+                      <a16:colId xmlns:a16="http://schemas.microsoft.com/office/drawing/2014/main" val="561523259"/>
+                    </a:ext>
+                  </a:extLst>
+                </a:gridCol>
+              </a:tblGrid>
+              <a:tr h="579365">
+                <a:tc gridSpan="2">
+                  <a:txBody>
+                    <a:bodyPr/>
+                    <a:lstStyle/>
+                    <a:p>
+                      <a:pPr algn="ctr" latinLnBrk="1"/>
+                      <a:r>
+                        <a:rPr lang="ko-KR" altLang="en-US" sz="2400" dirty="0"/>
+                        <a:t>배터리 부족</a:t>
+                      </a:r>
+                    </a:p>
+                  </a:txBody>
+                  <a:tcPr anchor="ctr"/>
+                </a:tc>
+                <a:tc hMerge="1">
+                  <a:txBody>
+                    <a:bodyPr/>
+                    <a:lstStyle/>
+                    <a:p>
+                      <a:pPr algn="ctr" latinLnBrk="1"/>
+                      <a:endParaRPr lang="ko-KR" altLang="en-US" dirty="0"/>
+                    </a:p>
+                  </a:txBody>
+                  <a:tcPr anchor="ctr"/>
+                </a:tc>
+                <a:extLst>
+                  <a:ext uri="{0D108BD9-81ED-4DB2-BD59-A6C34878D82A}">
+                    <a16:rowId xmlns:a16="http://schemas.microsoft.com/office/drawing/2014/main" val="2737868931"/>
+                  </a:ext>
+                </a:extLst>
+              </a:tr>
+              <a:tr h="3213652">
+                <a:tc gridSpan="2">
+                  <a:txBody>
+                    <a:bodyPr/>
+                    <a:lstStyle/>
+                    <a:p>
+                      <a:pPr latinLnBrk="1"/>
+                      <a:endParaRPr lang="ko-KR" altLang="en-US" dirty="0"/>
+                    </a:p>
+                  </a:txBody>
+                  <a:tcPr anchor="ctr"/>
+                </a:tc>
+                <a:tc hMerge="1">
+                  <a:txBody>
+                    <a:bodyPr/>
+                    <a:lstStyle/>
+                    <a:p>
+                      <a:pPr latinLnBrk="1"/>
+                      <a:endParaRPr lang="ko-KR" altLang="en-US" dirty="0"/>
+                    </a:p>
+                  </a:txBody>
+                  <a:tcPr anchor="ctr"/>
+                </a:tc>
+                <a:extLst>
+                  <a:ext uri="{0D108BD9-81ED-4DB2-BD59-A6C34878D82A}">
+                    <a16:rowId xmlns:a16="http://schemas.microsoft.com/office/drawing/2014/main" val="908470571"/>
+                  </a:ext>
+                </a:extLst>
+              </a:tr>
+              <a:tr h="569844">
+                <a:tc>
+                  <a:txBody>
+                    <a:bodyPr/>
+                    <a:lstStyle/>
+                    <a:p>
+                      <a:pPr latinLnBrk="1"/>
+                      <a:r>
+                        <a:rPr lang="ko-KR" altLang="en-US" dirty="0"/>
+                        <a:t>이벤트 연출</a:t>
+                      </a:r>
+                    </a:p>
+                  </a:txBody>
+                  <a:tcPr anchor="ctr"/>
+                </a:tc>
+                <a:tc>
+                  <a:txBody>
+                    <a:bodyPr/>
+                    <a:lstStyle/>
+                    <a:p>
+                      <a:pPr latinLnBrk="1"/>
+                      <a:r>
+                        <a:rPr lang="ko-KR" altLang="en-US" dirty="0"/>
+                        <a:t>배터리가 부족하다는 팝업 문구와 함께 화면이 </a:t>
+                      </a:r>
+                      <a:r>
+                        <a:rPr lang="en-US" altLang="ko-KR" dirty="0"/>
+                        <a:t>3</a:t>
+                      </a:r>
+                      <a:r>
+                        <a:rPr lang="ko-KR" altLang="en-US" dirty="0"/>
+                        <a:t>초간 점멸한다</a:t>
+                      </a:r>
+                      <a:r>
+                        <a:rPr lang="en-US" altLang="ko-KR" dirty="0"/>
+                        <a:t>.</a:t>
+                      </a:r>
+                    </a:p>
+                    <a:p>
+                      <a:pPr latinLnBrk="1"/>
+                      <a:r>
+                        <a:rPr lang="ko-KR" altLang="en-US" dirty="0"/>
+                        <a:t>그와 동시에 스마트폰 오른쪽으로 충전기 선이 등장한다</a:t>
+                      </a:r>
+                      <a:r>
+                        <a:rPr lang="en-US" altLang="ko-KR" dirty="0"/>
+                        <a:t>.</a:t>
+                      </a:r>
+                      <a:endParaRPr lang="ko-KR" altLang="en-US" dirty="0"/>
+                    </a:p>
+                  </a:txBody>
+                  <a:tcPr anchor="ctr"/>
+                </a:tc>
+                <a:extLst>
+                  <a:ext uri="{0D108BD9-81ED-4DB2-BD59-A6C34878D82A}">
+                    <a16:rowId xmlns:a16="http://schemas.microsoft.com/office/drawing/2014/main" val="3498810977"/>
+                  </a:ext>
+                </a:extLst>
+              </a:tr>
+              <a:tr h="569844">
+                <a:tc>
+                  <a:txBody>
+                    <a:bodyPr/>
+                    <a:lstStyle/>
+                    <a:p>
+                      <a:pPr latinLnBrk="1"/>
+                      <a:r>
+                        <a:rPr lang="ko-KR" altLang="en-US" dirty="0"/>
+                        <a:t>해결 방식</a:t>
+                      </a:r>
+                    </a:p>
+                  </a:txBody>
+                  <a:tcPr anchor="ctr"/>
+                </a:tc>
+                <a:tc>
+                  <a:txBody>
+                    <a:bodyPr/>
+                    <a:lstStyle/>
+                    <a:p>
+                      <a:pPr latinLnBrk="1"/>
+                      <a:r>
+                        <a:rPr lang="ko-KR" altLang="en-US" dirty="0"/>
+                        <a:t>충전기를 마우스 드래그를 통해 스마트폰 충전 단자에 꽂으면 해결된다</a:t>
+                      </a:r>
+                      <a:r>
+                        <a:rPr lang="en-US" altLang="ko-KR" dirty="0"/>
+                        <a:t>.</a:t>
+                      </a:r>
+                    </a:p>
+                  </a:txBody>
+                  <a:tcPr anchor="ctr"/>
+                </a:tc>
+                <a:extLst>
+                  <a:ext uri="{0D108BD9-81ED-4DB2-BD59-A6C34878D82A}">
+                    <a16:rowId xmlns:a16="http://schemas.microsoft.com/office/drawing/2014/main" val="4089131018"/>
+                  </a:ext>
+                </a:extLst>
+              </a:tr>
+              <a:tr h="569844">
+                <a:tc>
+                  <a:txBody>
+                    <a:bodyPr/>
+                    <a:lstStyle/>
+                    <a:p>
+                      <a:pPr latinLnBrk="1"/>
+                      <a:r>
+                        <a:rPr lang="ko-KR" altLang="en-US" dirty="0"/>
+                        <a:t>후속 이벤트</a:t>
+                      </a:r>
+                    </a:p>
+                  </a:txBody>
+                  <a:tcPr anchor="ctr"/>
+                </a:tc>
+                <a:tc>
+                  <a:txBody>
+                    <a:bodyPr/>
+                    <a:lstStyle/>
+                    <a:p>
+                      <a:pPr latinLnBrk="1"/>
+                      <a:r>
+                        <a:rPr lang="ko-KR" altLang="en-US" dirty="0">
+                          <a:solidFill>
+                            <a:srgbClr val="FF0000"/>
+                          </a:solidFill>
+                        </a:rPr>
+                        <a:t>무시</a:t>
+                      </a:r>
+                      <a:r>
+                        <a:rPr lang="ko-KR" altLang="en-US" dirty="0"/>
+                        <a:t> </a:t>
+                      </a:r>
+                      <a:r>
+                        <a:rPr lang="en-US" altLang="ko-KR" dirty="0"/>
+                        <a:t>– 30</a:t>
+                      </a:r>
+                      <a:r>
+                        <a:rPr lang="ko-KR" altLang="en-US" dirty="0"/>
+                        <a:t>초마다 화면이 등장하다 </a:t>
+                      </a:r>
+                      <a:r>
+                        <a:rPr lang="en-US" altLang="ko-KR" dirty="0"/>
+                        <a:t>2</a:t>
+                      </a:r>
+                      <a:r>
+                        <a:rPr lang="ko-KR" altLang="en-US" dirty="0"/>
+                        <a:t>번 이상 등장하면 핸드폰이 꺼지며 충전기를 꽂아야 한다</a:t>
+                      </a:r>
+                      <a:r>
+                        <a:rPr lang="en-US" altLang="ko-KR" dirty="0"/>
+                        <a:t>.</a:t>
+                      </a:r>
+                      <a:r>
+                        <a:rPr lang="ko-KR" altLang="en-US" dirty="0"/>
+                        <a:t> </a:t>
+                      </a:r>
+                    </a:p>
+                  </a:txBody>
+                  <a:tcPr anchor="ctr"/>
+                </a:tc>
+                <a:extLst>
+                  <a:ext uri="{0D108BD9-81ED-4DB2-BD59-A6C34878D82A}">
+                    <a16:rowId xmlns:a16="http://schemas.microsoft.com/office/drawing/2014/main" val="3507590656"/>
+                  </a:ext>
+                </a:extLst>
+              </a:tr>
+            </a:tbl>
+          </a:graphicData>
+        </a:graphic>
+      </p:graphicFrame>
+      <p:sp>
+        <p:nvSpPr>
+          <p:cNvPr id="37" name="제목 1">
+            <a:extLst>
+              <a:ext uri="{FF2B5EF4-FFF2-40B4-BE49-F238E27FC236}">
+                <a16:creationId xmlns:a16="http://schemas.microsoft.com/office/drawing/2014/main" id="{0B96D9DF-434F-820F-E39F-6170192ADECA}"/>
+              </a:ext>
+            </a:extLst>
+          </p:cNvPr>
+          <p:cNvSpPr>
+            <a:spLocks noGrp="1"/>
+          </p:cNvSpPr>
+          <p:nvPr>
+            <p:ph type="title"/>
+          </p:nvPr>
+        </p:nvSpPr>
+        <p:spPr>
+          <a:xfrm>
+            <a:off x="129224" y="83886"/>
+            <a:ext cx="3243453" cy="608225"/>
+          </a:xfrm>
+        </p:spPr>
+        <p:txBody>
+          <a:bodyPr>
+            <a:normAutofit fontScale="90000"/>
+          </a:bodyPr>
+          <a:lstStyle/>
+          <a:p>
+            <a:pPr algn="ctr"/>
+            <a:r>
+              <a:rPr lang="ko-KR" altLang="en-US" sz="3200" b="1" dirty="0"/>
+              <a:t>방해 이벤트 종류</a:t>
+            </a:r>
+          </a:p>
+        </p:txBody>
+      </p:sp>
+      <p:cxnSp>
+        <p:nvCxnSpPr>
+          <p:cNvPr id="38" name="직선 연결선 37">
+            <a:extLst>
+              <a:ext uri="{FF2B5EF4-FFF2-40B4-BE49-F238E27FC236}">
+                <a16:creationId xmlns:a16="http://schemas.microsoft.com/office/drawing/2014/main" id="{66847A36-6A7D-6F1F-4EFC-03B93EFCB5CB}"/>
+              </a:ext>
+            </a:extLst>
+          </p:cNvPr>
+          <p:cNvCxnSpPr>
+            <a:cxnSpLocks/>
+          </p:cNvCxnSpPr>
+          <p:nvPr/>
+        </p:nvCxnSpPr>
+        <p:spPr>
+          <a:xfrm>
+            <a:off x="0" y="692111"/>
+            <a:ext cx="12192000" cy="0"/>
+          </a:xfrm>
+          <a:prstGeom prst="line">
+            <a:avLst/>
+          </a:prstGeom>
+          <a:ln>
+            <a:solidFill>
+              <a:schemeClr val="bg2">
+                <a:lumMod val="75000"/>
+              </a:schemeClr>
+            </a:solidFill>
+          </a:ln>
+        </p:spPr>
+        <p:style>
+          <a:lnRef idx="2">
+            <a:schemeClr val="accent1"/>
+          </a:lnRef>
+          <a:fillRef idx="0">
+            <a:schemeClr val="accent1"/>
+          </a:fillRef>
+          <a:effectRef idx="1">
+            <a:schemeClr val="accent1"/>
+          </a:effectRef>
+          <a:fontRef idx="minor">
+            <a:schemeClr val="tx1"/>
+          </a:fontRef>
+        </p:style>
+      </p:cxnSp>
+      <p:cxnSp>
+        <p:nvCxnSpPr>
+          <p:cNvPr id="40" name="직선 연결선 39">
+            <a:extLst>
+              <a:ext uri="{FF2B5EF4-FFF2-40B4-BE49-F238E27FC236}">
+                <a16:creationId xmlns:a16="http://schemas.microsoft.com/office/drawing/2014/main" id="{B11566E1-4886-F0FE-69AE-6256601C785D}"/>
+              </a:ext>
+            </a:extLst>
+          </p:cNvPr>
+          <p:cNvCxnSpPr>
+            <a:cxnSpLocks/>
+          </p:cNvCxnSpPr>
+          <p:nvPr/>
+        </p:nvCxnSpPr>
+        <p:spPr>
+          <a:xfrm>
+            <a:off x="129225" y="658980"/>
+            <a:ext cx="3243452" cy="0"/>
+          </a:xfrm>
+          <a:prstGeom prst="line">
+            <a:avLst/>
+          </a:prstGeom>
+          <a:ln w="76200">
+            <a:solidFill>
+              <a:schemeClr val="tx1"/>
+            </a:solidFill>
+          </a:ln>
+        </p:spPr>
+        <p:style>
+          <a:lnRef idx="2">
+            <a:schemeClr val="accent1"/>
+          </a:lnRef>
+          <a:fillRef idx="0">
+            <a:schemeClr val="accent1"/>
+          </a:fillRef>
+          <a:effectRef idx="1">
+            <a:schemeClr val="accent1"/>
+          </a:effectRef>
+          <a:fontRef idx="minor">
+            <a:schemeClr val="tx1"/>
+          </a:fontRef>
+        </p:style>
+      </p:cxnSp>
+      <p:sp>
+        <p:nvSpPr>
+          <p:cNvPr id="47" name="슬라이드 번호 개체 틀 46">
+            <a:extLst>
+              <a:ext uri="{FF2B5EF4-FFF2-40B4-BE49-F238E27FC236}">
+                <a16:creationId xmlns:a16="http://schemas.microsoft.com/office/drawing/2014/main" id="{3D8EC6D5-195D-1E25-0B98-21F6ADDA3047}"/>
+              </a:ext>
+            </a:extLst>
+          </p:cNvPr>
+          <p:cNvSpPr>
+            <a:spLocks noGrp="1"/>
+          </p:cNvSpPr>
+          <p:nvPr>
+            <p:ph type="sldNum" sz="quarter" idx="12"/>
+          </p:nvPr>
+        </p:nvSpPr>
+        <p:spPr/>
+        <p:txBody>
+          <a:bodyPr/>
+          <a:lstStyle/>
+          <a:p>
+            <a:fld id="{8D96929D-9E84-4A42-B4C3-2E48812748E4}" type="slidenum">
+              <a:rPr lang="ko-KR" altLang="en-US" smtClean="0"/>
+              <a:t>34</a:t>
+            </a:fld>
+            <a:endParaRPr lang="ko-KR" altLang="en-US"/>
+          </a:p>
+        </p:txBody>
+      </p:sp>
+      <p:sp>
+        <p:nvSpPr>
+          <p:cNvPr id="61" name="직사각형 60">
+            <a:extLst>
+              <a:ext uri="{FF2B5EF4-FFF2-40B4-BE49-F238E27FC236}">
+                <a16:creationId xmlns:a16="http://schemas.microsoft.com/office/drawing/2014/main" id="{196915AB-A423-AC17-8F17-AA002267BC97}"/>
+              </a:ext>
+            </a:extLst>
+          </p:cNvPr>
+          <p:cNvSpPr/>
+          <p:nvPr/>
+        </p:nvSpPr>
+        <p:spPr>
+          <a:xfrm>
+            <a:off x="9541565" y="885000"/>
+            <a:ext cx="2423003" cy="523212"/>
+          </a:xfrm>
+          <a:prstGeom prst="rect">
+            <a:avLst/>
+          </a:prstGeom>
+          <a:ln>
+            <a:noFill/>
+          </a:ln>
+        </p:spPr>
+        <p:style>
+          <a:lnRef idx="2">
+            <a:schemeClr val="accent1">
+              <a:shade val="15000"/>
+            </a:schemeClr>
+          </a:lnRef>
+          <a:fillRef idx="1">
+            <a:schemeClr val="accent1"/>
+          </a:fillRef>
+          <a:effectRef idx="0">
+            <a:schemeClr val="accent1"/>
+          </a:effectRef>
+          <a:fontRef idx="minor">
+            <a:schemeClr val="lt1"/>
+          </a:fontRef>
+        </p:style>
+        <p:txBody>
+          <a:bodyPr rtlCol="0" anchor="ctr"/>
+          <a:lstStyle/>
+          <a:p>
+            <a:pPr algn="ctr"/>
+            <a:r>
+              <a:rPr lang="ko-KR" altLang="en-US" dirty="0"/>
+              <a:t>쉬움</a:t>
+            </a:r>
+          </a:p>
+        </p:txBody>
+      </p:sp>
+      <p:grpSp>
+        <p:nvGrpSpPr>
+          <p:cNvPr id="46" name="그룹 45">
+            <a:extLst>
+              <a:ext uri="{FF2B5EF4-FFF2-40B4-BE49-F238E27FC236}">
+                <a16:creationId xmlns:a16="http://schemas.microsoft.com/office/drawing/2014/main" id="{E8157B7F-67C4-8E1F-BA9D-990DE553ADF8}"/>
+              </a:ext>
+            </a:extLst>
+          </p:cNvPr>
+          <p:cNvGrpSpPr/>
+          <p:nvPr/>
+        </p:nvGrpSpPr>
+        <p:grpSpPr>
+          <a:xfrm>
+            <a:off x="3711850" y="2093383"/>
+            <a:ext cx="3446972" cy="1981660"/>
+            <a:chOff x="445189" y="2318670"/>
+            <a:chExt cx="2534458" cy="1457057"/>
+          </a:xfrm>
+        </p:grpSpPr>
+        <p:sp>
+          <p:nvSpPr>
+            <p:cNvPr id="6" name="사각형: 둥근 모서리 5">
+              <a:extLst>
+                <a:ext uri="{FF2B5EF4-FFF2-40B4-BE49-F238E27FC236}">
+                  <a16:creationId xmlns:a16="http://schemas.microsoft.com/office/drawing/2014/main" id="{9C35E01E-277B-1E11-2D3A-42C5A9852E78}"/>
+                </a:ext>
+              </a:extLst>
+            </p:cNvPr>
+            <p:cNvSpPr/>
+            <p:nvPr/>
+          </p:nvSpPr>
+          <p:spPr>
+            <a:xfrm>
+              <a:off x="445189" y="2318670"/>
+              <a:ext cx="2534458" cy="1457057"/>
+            </a:xfrm>
+            <a:prstGeom prst="roundRect">
+              <a:avLst>
+                <a:gd name="adj" fmla="val 2928"/>
+              </a:avLst>
+            </a:prstGeom>
+            <a:solidFill>
+              <a:schemeClr val="bg2">
+                <a:lumMod val="75000"/>
+              </a:schemeClr>
+            </a:solidFill>
+          </p:spPr>
+          <p:style>
+            <a:lnRef idx="2">
+              <a:schemeClr val="accent1">
+                <a:shade val="15000"/>
+              </a:schemeClr>
+            </a:lnRef>
+            <a:fillRef idx="1">
+              <a:schemeClr val="accent1"/>
+            </a:fillRef>
+            <a:effectRef idx="0">
+              <a:schemeClr val="accent1"/>
+            </a:effectRef>
+            <a:fontRef idx="minor">
+              <a:schemeClr val="lt1"/>
+            </a:fontRef>
+          </p:style>
+          <p:txBody>
+            <a:bodyPr rtlCol="0" anchor="ctr"/>
+            <a:lstStyle/>
+            <a:p>
+              <a:pPr algn="ctr"/>
+              <a:endParaRPr lang="ko-KR" altLang="en-US" sz="700"/>
+            </a:p>
+          </p:txBody>
+        </p:sp>
+        <p:grpSp>
+          <p:nvGrpSpPr>
+            <p:cNvPr id="7" name="그룹 6">
+              <a:extLst>
+                <a:ext uri="{FF2B5EF4-FFF2-40B4-BE49-F238E27FC236}">
+                  <a16:creationId xmlns:a16="http://schemas.microsoft.com/office/drawing/2014/main" id="{B74FC905-ECD4-8F6E-79BF-93CF99BCAAB2}"/>
+                </a:ext>
+              </a:extLst>
+            </p:cNvPr>
+            <p:cNvGrpSpPr/>
+            <p:nvPr/>
+          </p:nvGrpSpPr>
+          <p:grpSpPr>
+            <a:xfrm>
+              <a:off x="532407" y="2371258"/>
+              <a:ext cx="2380543" cy="1339056"/>
+              <a:chOff x="371062" y="208722"/>
+              <a:chExt cx="11449877" cy="6440556"/>
+            </a:xfrm>
+          </p:grpSpPr>
+          <p:sp>
+            <p:nvSpPr>
+              <p:cNvPr id="19" name="직사각형 18">
+                <a:extLst>
+                  <a:ext uri="{FF2B5EF4-FFF2-40B4-BE49-F238E27FC236}">
+                    <a16:creationId xmlns:a16="http://schemas.microsoft.com/office/drawing/2014/main" id="{42548096-2985-5C61-3F13-C3911A30317B}"/>
+                  </a:ext>
+                </a:extLst>
+              </p:cNvPr>
+              <p:cNvSpPr>
+                <a:spLocks noChangeAspect="1"/>
+              </p:cNvSpPr>
+              <p:nvPr/>
+            </p:nvSpPr>
+            <p:spPr>
+              <a:xfrm>
+                <a:off x="371062" y="208722"/>
+                <a:ext cx="11449877" cy="6440556"/>
+              </a:xfrm>
+              <a:prstGeom prst="rect">
+                <a:avLst/>
+              </a:prstGeom>
+              <a:solidFill>
+                <a:schemeClr val="bg1"/>
+              </a:solidFill>
+              <a:ln>
+                <a:solidFill>
+                  <a:schemeClr val="tx1"/>
+                </a:solidFill>
+              </a:ln>
+            </p:spPr>
+            <p:style>
+              <a:lnRef idx="2">
+                <a:schemeClr val="accent1">
+                  <a:shade val="15000"/>
+                </a:schemeClr>
+              </a:lnRef>
+              <a:fillRef idx="1">
+                <a:schemeClr val="accent1"/>
+              </a:fillRef>
+              <a:effectRef idx="0">
+                <a:schemeClr val="accent1"/>
+              </a:effectRef>
+              <a:fontRef idx="minor">
+                <a:schemeClr val="lt1"/>
+              </a:fontRef>
+            </p:style>
+            <p:txBody>
+              <a:bodyPr rtlCol="0" anchor="ctr"/>
+              <a:lstStyle/>
+              <a:p>
+                <a:pPr algn="ctr"/>
+                <a:endParaRPr lang="ko-KR" altLang="en-US" sz="200"/>
+              </a:p>
+            </p:txBody>
+          </p:sp>
+          <p:sp>
+            <p:nvSpPr>
+              <p:cNvPr id="20" name="직사각형 19">
+                <a:extLst>
+                  <a:ext uri="{FF2B5EF4-FFF2-40B4-BE49-F238E27FC236}">
+                    <a16:creationId xmlns:a16="http://schemas.microsoft.com/office/drawing/2014/main" id="{26099A0F-C9CD-23F2-C145-CD97FFAD33DB}"/>
+                  </a:ext>
+                </a:extLst>
+              </p:cNvPr>
+              <p:cNvSpPr/>
+              <p:nvPr/>
+            </p:nvSpPr>
+            <p:spPr>
+              <a:xfrm>
+                <a:off x="371062" y="5493026"/>
+                <a:ext cx="11449876" cy="1156252"/>
+              </a:xfrm>
+              <a:prstGeom prst="rect">
+                <a:avLst/>
+              </a:prstGeom>
+              <a:solidFill>
+                <a:schemeClr val="tx1">
+                  <a:lumMod val="65000"/>
+                  <a:lumOff val="35000"/>
+                </a:schemeClr>
+              </a:solidFill>
+              <a:ln>
+                <a:solidFill>
+                  <a:schemeClr val="tx1"/>
+                </a:solidFill>
+              </a:ln>
+            </p:spPr>
+            <p:style>
+              <a:lnRef idx="2">
+                <a:schemeClr val="accent1">
+                  <a:shade val="15000"/>
+                </a:schemeClr>
+              </a:lnRef>
+              <a:fillRef idx="1">
+                <a:schemeClr val="accent1"/>
+              </a:fillRef>
+              <a:effectRef idx="0">
+                <a:schemeClr val="accent1"/>
+              </a:effectRef>
+              <a:fontRef idx="minor">
+                <a:schemeClr val="lt1"/>
+              </a:fontRef>
+            </p:style>
+            <p:txBody>
+              <a:bodyPr rtlCol="0" anchor="ctr"/>
+              <a:lstStyle/>
+              <a:p>
+                <a:pPr algn="ctr"/>
+                <a:endParaRPr lang="ko-KR" altLang="en-US" sz="200"/>
+              </a:p>
+            </p:txBody>
+          </p:sp>
+          <p:sp>
+            <p:nvSpPr>
+              <p:cNvPr id="21" name="사각형: 둥근 모서리 20">
+                <a:extLst>
+                  <a:ext uri="{FF2B5EF4-FFF2-40B4-BE49-F238E27FC236}">
+                    <a16:creationId xmlns:a16="http://schemas.microsoft.com/office/drawing/2014/main" id="{249DD5A8-24A2-6123-05D8-9A497D745AE5}"/>
+                  </a:ext>
+                </a:extLst>
+              </p:cNvPr>
+              <p:cNvSpPr/>
+              <p:nvPr/>
+            </p:nvSpPr>
+            <p:spPr>
+              <a:xfrm>
+                <a:off x="578115" y="4210904"/>
+                <a:ext cx="722243" cy="1282122"/>
+              </a:xfrm>
+              <a:prstGeom prst="roundRect">
+                <a:avLst/>
+              </a:prstGeom>
+              <a:ln>
+                <a:noFill/>
+              </a:ln>
+            </p:spPr>
+            <p:style>
+              <a:lnRef idx="2">
+                <a:schemeClr val="accent1">
+                  <a:shade val="15000"/>
+                </a:schemeClr>
+              </a:lnRef>
+              <a:fillRef idx="1">
+                <a:schemeClr val="accent1"/>
+              </a:fillRef>
+              <a:effectRef idx="0">
+                <a:schemeClr val="accent1"/>
+              </a:effectRef>
+              <a:fontRef idx="minor">
+                <a:schemeClr val="lt1"/>
+              </a:fontRef>
+            </p:style>
+            <p:txBody>
+              <a:bodyPr rtlCol="0" anchor="ctr"/>
+              <a:lstStyle/>
+              <a:p>
+                <a:pPr algn="ctr"/>
+                <a:endParaRPr lang="ko-KR" altLang="en-US" sz="200"/>
+              </a:p>
+            </p:txBody>
+          </p:sp>
+          <p:sp>
+            <p:nvSpPr>
+              <p:cNvPr id="22" name="직사각형 21">
+                <a:extLst>
+                  <a:ext uri="{FF2B5EF4-FFF2-40B4-BE49-F238E27FC236}">
+                    <a16:creationId xmlns:a16="http://schemas.microsoft.com/office/drawing/2014/main" id="{223A0AAC-EE4E-2551-509F-EA0BE659603B}"/>
+                  </a:ext>
+                </a:extLst>
+              </p:cNvPr>
+              <p:cNvSpPr/>
+              <p:nvPr/>
+            </p:nvSpPr>
+            <p:spPr>
+              <a:xfrm>
+                <a:off x="4923703" y="4953026"/>
+                <a:ext cx="540000" cy="540000"/>
+              </a:xfrm>
+              <a:prstGeom prst="rect">
+                <a:avLst/>
+              </a:prstGeom>
+              <a:solidFill>
+                <a:schemeClr val="accent2">
+                  <a:lumMod val="75000"/>
+                </a:schemeClr>
+              </a:solidFill>
+              <a:ln>
+                <a:noFill/>
+              </a:ln>
+            </p:spPr>
+            <p:style>
+              <a:lnRef idx="2">
+                <a:schemeClr val="accent1">
+                  <a:shade val="15000"/>
+                </a:schemeClr>
+              </a:lnRef>
+              <a:fillRef idx="1">
+                <a:schemeClr val="accent1"/>
+              </a:fillRef>
+              <a:effectRef idx="0">
+                <a:schemeClr val="accent1"/>
+              </a:effectRef>
+              <a:fontRef idx="minor">
+                <a:schemeClr val="lt1"/>
+              </a:fontRef>
+            </p:style>
+            <p:txBody>
+              <a:bodyPr rtlCol="0" anchor="ctr"/>
+              <a:lstStyle/>
+              <a:p>
+                <a:pPr algn="ctr"/>
+                <a:endParaRPr lang="ko-KR" altLang="en-US" sz="200"/>
+              </a:p>
+            </p:txBody>
+          </p:sp>
+          <p:sp>
+            <p:nvSpPr>
+              <p:cNvPr id="23" name="직사각형 22">
+                <a:extLst>
+                  <a:ext uri="{FF2B5EF4-FFF2-40B4-BE49-F238E27FC236}">
+                    <a16:creationId xmlns:a16="http://schemas.microsoft.com/office/drawing/2014/main" id="{DA412186-47B7-BFAF-E858-DFD490BB71F8}"/>
+                  </a:ext>
+                </a:extLst>
+              </p:cNvPr>
+              <p:cNvSpPr/>
+              <p:nvPr/>
+            </p:nvSpPr>
+            <p:spPr>
+              <a:xfrm>
+                <a:off x="8186557" y="3860605"/>
+                <a:ext cx="540000" cy="540000"/>
+              </a:xfrm>
+              <a:prstGeom prst="rect">
+                <a:avLst/>
+              </a:prstGeom>
+              <a:solidFill>
+                <a:schemeClr val="accent2">
+                  <a:lumMod val="75000"/>
+                </a:schemeClr>
+              </a:solidFill>
+              <a:ln>
+                <a:noFill/>
+              </a:ln>
+            </p:spPr>
+            <p:style>
+              <a:lnRef idx="2">
+                <a:schemeClr val="accent1">
+                  <a:shade val="15000"/>
+                </a:schemeClr>
+              </a:lnRef>
+              <a:fillRef idx="1">
+                <a:schemeClr val="accent1"/>
+              </a:fillRef>
+              <a:effectRef idx="0">
+                <a:schemeClr val="accent1"/>
+              </a:effectRef>
+              <a:fontRef idx="minor">
+                <a:schemeClr val="lt1"/>
+              </a:fontRef>
+            </p:style>
+            <p:txBody>
+              <a:bodyPr rtlCol="0" anchor="ctr"/>
+              <a:lstStyle/>
+              <a:p>
+                <a:pPr algn="ctr"/>
+                <a:endParaRPr lang="ko-KR" altLang="en-US" sz="200"/>
+              </a:p>
+            </p:txBody>
+          </p:sp>
+          <p:sp>
+            <p:nvSpPr>
+              <p:cNvPr id="24" name="TextBox 23">
+                <a:extLst>
+                  <a:ext uri="{FF2B5EF4-FFF2-40B4-BE49-F238E27FC236}">
+                    <a16:creationId xmlns:a16="http://schemas.microsoft.com/office/drawing/2014/main" id="{54A16A05-C8C3-ED0E-7723-BAEAD4A2FFE9}"/>
+                  </a:ext>
+                </a:extLst>
+              </p:cNvPr>
+              <p:cNvSpPr txBox="1"/>
+              <p:nvPr/>
+            </p:nvSpPr>
+            <p:spPr>
+              <a:xfrm>
+                <a:off x="9932508" y="311425"/>
+                <a:ext cx="1563761" cy="435380"/>
+              </a:xfrm>
+              <a:prstGeom prst="rect">
+                <a:avLst/>
+              </a:prstGeom>
+              <a:noFill/>
+            </p:spPr>
+            <p:txBody>
+              <a:bodyPr wrap="square" rtlCol="0">
+                <a:spAutoFit/>
+              </a:bodyPr>
+              <a:lstStyle/>
+              <a:p>
+                <a:pPr algn="ctr"/>
+                <a:r>
+                  <a:rPr lang="en-US" altLang="ko-KR" sz="200" b="1" dirty="0"/>
+                  <a:t>&lt;</a:t>
+                </a:r>
+                <a:r>
+                  <a:rPr lang="ko-KR" altLang="en-US" sz="200" b="1" dirty="0"/>
+                  <a:t>현재 순위</a:t>
+                </a:r>
+                <a:r>
+                  <a:rPr lang="en-US" altLang="ko-KR" sz="200" b="1" dirty="0"/>
+                  <a:t>&gt;</a:t>
+                </a:r>
+                <a:endParaRPr lang="ko-KR" altLang="en-US" sz="200" b="1" dirty="0"/>
+              </a:p>
+            </p:txBody>
+          </p:sp>
+          <p:grpSp>
+            <p:nvGrpSpPr>
+              <p:cNvPr id="25" name="그룹 24">
+                <a:extLst>
+                  <a:ext uri="{FF2B5EF4-FFF2-40B4-BE49-F238E27FC236}">
+                    <a16:creationId xmlns:a16="http://schemas.microsoft.com/office/drawing/2014/main" id="{26790F3C-6FCA-9F76-2F40-280C32B0C910}"/>
+                  </a:ext>
+                </a:extLst>
+              </p:cNvPr>
+              <p:cNvGrpSpPr/>
+              <p:nvPr/>
+            </p:nvGrpSpPr>
+            <p:grpSpPr>
+              <a:xfrm>
+                <a:off x="9690652" y="682717"/>
+                <a:ext cx="2047462" cy="360000"/>
+                <a:chOff x="9687339" y="685059"/>
+                <a:chExt cx="2047462" cy="360000"/>
+              </a:xfrm>
+            </p:grpSpPr>
+            <p:sp>
+              <p:nvSpPr>
+                <p:cNvPr id="34" name="직사각형 33">
+                  <a:extLst>
+                    <a:ext uri="{FF2B5EF4-FFF2-40B4-BE49-F238E27FC236}">
+                      <a16:creationId xmlns:a16="http://schemas.microsoft.com/office/drawing/2014/main" id="{A4DD02AC-5867-7415-609F-3A1E56670E39}"/>
+                    </a:ext>
+                  </a:extLst>
+                </p:cNvPr>
+                <p:cNvSpPr/>
+                <p:nvPr/>
+              </p:nvSpPr>
+              <p:spPr>
+                <a:xfrm>
+                  <a:off x="9687339" y="685059"/>
+                  <a:ext cx="324678" cy="360000"/>
+                </a:xfrm>
+                <a:prstGeom prst="rect">
+                  <a:avLst/>
+                </a:prstGeom>
+                <a:solidFill>
+                  <a:srgbClr val="FFFF00"/>
+                </a:solidFill>
+                <a:ln>
+                  <a:noFill/>
+                </a:ln>
+              </p:spPr>
+              <p:style>
+                <a:lnRef idx="2">
+                  <a:schemeClr val="accent1">
+                    <a:shade val="15000"/>
+                  </a:schemeClr>
+                </a:lnRef>
+                <a:fillRef idx="1">
+                  <a:schemeClr val="accent1"/>
+                </a:fillRef>
+                <a:effectRef idx="0">
+                  <a:schemeClr val="accent1"/>
+                </a:effectRef>
+                <a:fontRef idx="minor">
+                  <a:schemeClr val="lt1"/>
+                </a:fontRef>
+              </p:style>
+              <p:txBody>
+                <a:bodyPr rtlCol="0" anchor="ctr"/>
+                <a:lstStyle/>
+                <a:p>
+                  <a:pPr algn="ctr"/>
+                  <a:r>
+                    <a:rPr lang="en-US" altLang="ko-KR" sz="200" dirty="0">
+                      <a:solidFill>
+                        <a:schemeClr val="tx1"/>
+                      </a:solidFill>
+                    </a:rPr>
+                    <a:t>1</a:t>
+                  </a:r>
+                  <a:endParaRPr lang="ko-KR" altLang="en-US" sz="200" dirty="0">
+                    <a:solidFill>
+                      <a:schemeClr val="tx1"/>
+                    </a:solidFill>
+                  </a:endParaRPr>
+                </a:p>
+              </p:txBody>
+            </p:sp>
+            <p:sp>
+              <p:nvSpPr>
+                <p:cNvPr id="35" name="직사각형 34">
+                  <a:extLst>
+                    <a:ext uri="{FF2B5EF4-FFF2-40B4-BE49-F238E27FC236}">
+                      <a16:creationId xmlns:a16="http://schemas.microsoft.com/office/drawing/2014/main" id="{1C52C69F-2F9D-A927-B81B-EED12DEC83AF}"/>
+                    </a:ext>
+                  </a:extLst>
+                </p:cNvPr>
+                <p:cNvSpPr/>
+                <p:nvPr/>
+              </p:nvSpPr>
+              <p:spPr>
+                <a:xfrm>
+                  <a:off x="10012017" y="685059"/>
+                  <a:ext cx="556592" cy="360000"/>
+                </a:xfrm>
+                <a:prstGeom prst="rect">
+                  <a:avLst/>
+                </a:prstGeom>
+                <a:solidFill>
+                  <a:schemeClr val="bg2">
+                    <a:lumMod val="75000"/>
+                  </a:schemeClr>
+                </a:solidFill>
+                <a:ln>
+                  <a:noFill/>
+                </a:ln>
+              </p:spPr>
+              <p:style>
+                <a:lnRef idx="2">
+                  <a:schemeClr val="accent1">
+                    <a:shade val="15000"/>
+                  </a:schemeClr>
+                </a:lnRef>
+                <a:fillRef idx="1">
+                  <a:schemeClr val="accent1"/>
+                </a:fillRef>
+                <a:effectRef idx="0">
+                  <a:schemeClr val="accent1"/>
+                </a:effectRef>
+                <a:fontRef idx="minor">
+                  <a:schemeClr val="lt1"/>
+                </a:fontRef>
+              </p:style>
+              <p:txBody>
+                <a:bodyPr rtlCol="0" anchor="ctr"/>
+                <a:lstStyle/>
+                <a:p>
+                  <a:r>
+                    <a:rPr lang="en-US" altLang="ko-KR" sz="200" dirty="0">
+                      <a:solidFill>
+                        <a:schemeClr val="tx1"/>
+                      </a:solidFill>
+                    </a:rPr>
+                    <a:t>You</a:t>
+                  </a:r>
+                  <a:endParaRPr lang="ko-KR" altLang="en-US" sz="200" dirty="0">
+                    <a:solidFill>
+                      <a:schemeClr val="tx1"/>
+                    </a:solidFill>
+                  </a:endParaRPr>
+                </a:p>
+              </p:txBody>
+            </p:sp>
+            <p:sp>
+              <p:nvSpPr>
+                <p:cNvPr id="36" name="직사각형 35">
+                  <a:extLst>
+                    <a:ext uri="{FF2B5EF4-FFF2-40B4-BE49-F238E27FC236}">
+                      <a16:creationId xmlns:a16="http://schemas.microsoft.com/office/drawing/2014/main" id="{556C455F-4BC2-D444-ADF4-A5DD1B529E59}"/>
+                    </a:ext>
+                  </a:extLst>
+                </p:cNvPr>
+                <p:cNvSpPr/>
+                <p:nvPr/>
+              </p:nvSpPr>
+              <p:spPr>
+                <a:xfrm>
+                  <a:off x="10508972" y="685059"/>
+                  <a:ext cx="1225829" cy="360000"/>
+                </a:xfrm>
+                <a:prstGeom prst="rect">
+                  <a:avLst/>
+                </a:prstGeom>
+                <a:solidFill>
+                  <a:schemeClr val="bg2">
+                    <a:lumMod val="75000"/>
+                  </a:schemeClr>
+                </a:solidFill>
+                <a:ln>
+                  <a:noFill/>
+                </a:ln>
+              </p:spPr>
+              <p:style>
+                <a:lnRef idx="2">
+                  <a:schemeClr val="accent1">
+                    <a:shade val="15000"/>
+                  </a:schemeClr>
+                </a:lnRef>
+                <a:fillRef idx="1">
+                  <a:schemeClr val="accent1"/>
+                </a:fillRef>
+                <a:effectRef idx="0">
+                  <a:schemeClr val="accent1"/>
+                </a:effectRef>
+                <a:fontRef idx="minor">
+                  <a:schemeClr val="lt1"/>
+                </a:fontRef>
+              </p:style>
+              <p:txBody>
+                <a:bodyPr rtlCol="0" anchor="ctr"/>
+                <a:lstStyle/>
+                <a:p>
+                  <a:pPr algn="r"/>
+                  <a:r>
+                    <a:rPr lang="en-US" altLang="ko-KR" sz="200" dirty="0">
+                      <a:solidFill>
+                        <a:schemeClr val="tx1"/>
+                      </a:solidFill>
+                    </a:rPr>
+                    <a:t>123,000pt</a:t>
+                  </a:r>
+                  <a:endParaRPr lang="ko-KR" altLang="en-US" sz="200" dirty="0">
+                    <a:solidFill>
+                      <a:schemeClr val="tx1"/>
+                    </a:solidFill>
+                  </a:endParaRPr>
+                </a:p>
+              </p:txBody>
+            </p:sp>
+          </p:grpSp>
+          <p:grpSp>
+            <p:nvGrpSpPr>
+              <p:cNvPr id="26" name="그룹 25">
+                <a:extLst>
+                  <a:ext uri="{FF2B5EF4-FFF2-40B4-BE49-F238E27FC236}">
+                    <a16:creationId xmlns:a16="http://schemas.microsoft.com/office/drawing/2014/main" id="{2337CF02-6098-0686-6135-0987C3B74265}"/>
+                  </a:ext>
+                </a:extLst>
+              </p:cNvPr>
+              <p:cNvGrpSpPr/>
+              <p:nvPr/>
+            </p:nvGrpSpPr>
+            <p:grpSpPr>
+              <a:xfrm>
+                <a:off x="9690652" y="1044675"/>
+                <a:ext cx="2047462" cy="360000"/>
+                <a:chOff x="9687339" y="685059"/>
+                <a:chExt cx="2047462" cy="360000"/>
+              </a:xfrm>
+            </p:grpSpPr>
+            <p:sp>
+              <p:nvSpPr>
+                <p:cNvPr id="31" name="직사각형 30">
+                  <a:extLst>
+                    <a:ext uri="{FF2B5EF4-FFF2-40B4-BE49-F238E27FC236}">
+                      <a16:creationId xmlns:a16="http://schemas.microsoft.com/office/drawing/2014/main" id="{DD580CB2-E58D-3322-EBD1-2F9DD8CEA41B}"/>
+                    </a:ext>
+                  </a:extLst>
+                </p:cNvPr>
+                <p:cNvSpPr/>
+                <p:nvPr/>
+              </p:nvSpPr>
+              <p:spPr>
+                <a:xfrm>
+                  <a:off x="9687339" y="685059"/>
+                  <a:ext cx="324678" cy="360000"/>
+                </a:xfrm>
+                <a:prstGeom prst="rect">
+                  <a:avLst/>
+                </a:prstGeom>
+                <a:solidFill>
+                  <a:schemeClr val="bg1">
+                    <a:lumMod val="85000"/>
+                  </a:schemeClr>
+                </a:solidFill>
+                <a:ln>
+                  <a:noFill/>
+                </a:ln>
+              </p:spPr>
+              <p:style>
+                <a:lnRef idx="2">
+                  <a:schemeClr val="accent1">
+                    <a:shade val="15000"/>
+                  </a:schemeClr>
+                </a:lnRef>
+                <a:fillRef idx="1">
+                  <a:schemeClr val="accent1"/>
+                </a:fillRef>
+                <a:effectRef idx="0">
+                  <a:schemeClr val="accent1"/>
+                </a:effectRef>
+                <a:fontRef idx="minor">
+                  <a:schemeClr val="lt1"/>
+                </a:fontRef>
+              </p:style>
+              <p:txBody>
+                <a:bodyPr rtlCol="0" anchor="ctr"/>
+                <a:lstStyle/>
+                <a:p>
+                  <a:pPr algn="ctr"/>
+                  <a:r>
+                    <a:rPr lang="en-US" altLang="ko-KR" sz="200" dirty="0">
+                      <a:solidFill>
+                        <a:schemeClr val="tx1"/>
+                      </a:solidFill>
+                    </a:rPr>
+                    <a:t>2</a:t>
+                  </a:r>
+                  <a:endParaRPr lang="ko-KR" altLang="en-US" sz="200" dirty="0">
+                    <a:solidFill>
+                      <a:schemeClr val="tx1"/>
+                    </a:solidFill>
+                  </a:endParaRPr>
+                </a:p>
+              </p:txBody>
+            </p:sp>
+            <p:sp>
+              <p:nvSpPr>
+                <p:cNvPr id="32" name="직사각형 31">
+                  <a:extLst>
+                    <a:ext uri="{FF2B5EF4-FFF2-40B4-BE49-F238E27FC236}">
+                      <a16:creationId xmlns:a16="http://schemas.microsoft.com/office/drawing/2014/main" id="{563AC88E-3448-8DA0-0179-5D69CB6B0F5E}"/>
+                    </a:ext>
+                  </a:extLst>
+                </p:cNvPr>
+                <p:cNvSpPr/>
+                <p:nvPr/>
+              </p:nvSpPr>
+              <p:spPr>
+                <a:xfrm>
+                  <a:off x="10012017" y="685059"/>
+                  <a:ext cx="556592" cy="360000"/>
+                </a:xfrm>
+                <a:prstGeom prst="rect">
+                  <a:avLst/>
+                </a:prstGeom>
+                <a:solidFill>
+                  <a:schemeClr val="bg1"/>
+                </a:solidFill>
+                <a:ln>
+                  <a:noFill/>
+                </a:ln>
+              </p:spPr>
+              <p:style>
+                <a:lnRef idx="2">
+                  <a:schemeClr val="accent1">
+                    <a:shade val="15000"/>
+                  </a:schemeClr>
+                </a:lnRef>
+                <a:fillRef idx="1">
+                  <a:schemeClr val="accent1"/>
+                </a:fillRef>
+                <a:effectRef idx="0">
+                  <a:schemeClr val="accent1"/>
+                </a:effectRef>
+                <a:fontRef idx="minor">
+                  <a:schemeClr val="lt1"/>
+                </a:fontRef>
+              </p:style>
+              <p:txBody>
+                <a:bodyPr rtlCol="0" anchor="ctr"/>
+                <a:lstStyle/>
+                <a:p>
+                  <a:r>
+                    <a:rPr lang="en-US" altLang="ko-KR" sz="200" dirty="0">
+                      <a:solidFill>
+                        <a:schemeClr val="tx1"/>
+                      </a:solidFill>
+                    </a:rPr>
+                    <a:t>P1</a:t>
+                  </a:r>
+                  <a:endParaRPr lang="ko-KR" altLang="en-US" sz="200" dirty="0">
+                    <a:solidFill>
+                      <a:schemeClr val="tx1"/>
+                    </a:solidFill>
+                  </a:endParaRPr>
+                </a:p>
+              </p:txBody>
+            </p:sp>
+            <p:sp>
+              <p:nvSpPr>
+                <p:cNvPr id="33" name="직사각형 32">
+                  <a:extLst>
+                    <a:ext uri="{FF2B5EF4-FFF2-40B4-BE49-F238E27FC236}">
+                      <a16:creationId xmlns:a16="http://schemas.microsoft.com/office/drawing/2014/main" id="{F001DBE0-C8FC-9829-4257-0945B9D334F2}"/>
+                    </a:ext>
+                  </a:extLst>
+                </p:cNvPr>
+                <p:cNvSpPr/>
+                <p:nvPr/>
+              </p:nvSpPr>
+              <p:spPr>
+                <a:xfrm>
+                  <a:off x="10508972" y="685059"/>
+                  <a:ext cx="1225829" cy="360000"/>
+                </a:xfrm>
+                <a:prstGeom prst="rect">
+                  <a:avLst/>
+                </a:prstGeom>
+                <a:solidFill>
+                  <a:schemeClr val="bg1"/>
+                </a:solidFill>
+                <a:ln>
+                  <a:noFill/>
+                </a:ln>
+              </p:spPr>
+              <p:style>
+                <a:lnRef idx="2">
+                  <a:schemeClr val="accent1">
+                    <a:shade val="15000"/>
+                  </a:schemeClr>
+                </a:lnRef>
+                <a:fillRef idx="1">
+                  <a:schemeClr val="accent1"/>
+                </a:fillRef>
+                <a:effectRef idx="0">
+                  <a:schemeClr val="accent1"/>
+                </a:effectRef>
+                <a:fontRef idx="minor">
+                  <a:schemeClr val="lt1"/>
+                </a:fontRef>
+              </p:style>
+              <p:txBody>
+                <a:bodyPr rtlCol="0" anchor="ctr"/>
+                <a:lstStyle/>
+                <a:p>
+                  <a:pPr algn="r"/>
+                  <a:r>
+                    <a:rPr lang="en-US" altLang="ko-KR" sz="200" dirty="0">
+                      <a:solidFill>
+                        <a:schemeClr val="tx1"/>
+                      </a:solidFill>
+                    </a:rPr>
+                    <a:t>96,000pt</a:t>
+                  </a:r>
+                  <a:endParaRPr lang="ko-KR" altLang="en-US" sz="200" dirty="0">
+                    <a:solidFill>
+                      <a:schemeClr val="tx1"/>
+                    </a:solidFill>
+                  </a:endParaRPr>
+                </a:p>
+              </p:txBody>
+            </p:sp>
+          </p:grpSp>
+          <p:grpSp>
+            <p:nvGrpSpPr>
+              <p:cNvPr id="27" name="그룹 26">
+                <a:extLst>
+                  <a:ext uri="{FF2B5EF4-FFF2-40B4-BE49-F238E27FC236}">
+                    <a16:creationId xmlns:a16="http://schemas.microsoft.com/office/drawing/2014/main" id="{B5B960C3-64C8-850F-9B20-5869645D204F}"/>
+                  </a:ext>
+                </a:extLst>
+              </p:cNvPr>
+              <p:cNvGrpSpPr/>
+              <p:nvPr/>
+            </p:nvGrpSpPr>
+            <p:grpSpPr>
+              <a:xfrm>
+                <a:off x="9690652" y="1406633"/>
+                <a:ext cx="2047462" cy="360000"/>
+                <a:chOff x="9687339" y="685059"/>
+                <a:chExt cx="2047462" cy="360000"/>
+              </a:xfrm>
+            </p:grpSpPr>
+            <p:sp>
+              <p:nvSpPr>
+                <p:cNvPr id="28" name="직사각형 27">
+                  <a:extLst>
+                    <a:ext uri="{FF2B5EF4-FFF2-40B4-BE49-F238E27FC236}">
+                      <a16:creationId xmlns:a16="http://schemas.microsoft.com/office/drawing/2014/main" id="{A8C6FBFB-7EF1-73C2-7FA2-18E995F48C6C}"/>
+                    </a:ext>
+                  </a:extLst>
+                </p:cNvPr>
+                <p:cNvSpPr/>
+                <p:nvPr/>
+              </p:nvSpPr>
+              <p:spPr>
+                <a:xfrm>
+                  <a:off x="9687339" y="685059"/>
+                  <a:ext cx="324678" cy="360000"/>
+                </a:xfrm>
+                <a:prstGeom prst="rect">
+                  <a:avLst/>
+                </a:prstGeom>
+                <a:solidFill>
+                  <a:schemeClr val="accent2">
+                    <a:lumMod val="60000"/>
+                    <a:lumOff val="40000"/>
+                  </a:schemeClr>
+                </a:solidFill>
+                <a:ln>
+                  <a:noFill/>
+                </a:ln>
+              </p:spPr>
+              <p:style>
+                <a:lnRef idx="2">
+                  <a:schemeClr val="accent1">
+                    <a:shade val="15000"/>
+                  </a:schemeClr>
+                </a:lnRef>
+                <a:fillRef idx="1">
+                  <a:schemeClr val="accent1"/>
+                </a:fillRef>
+                <a:effectRef idx="0">
+                  <a:schemeClr val="accent1"/>
+                </a:effectRef>
+                <a:fontRef idx="minor">
+                  <a:schemeClr val="lt1"/>
+                </a:fontRef>
+              </p:style>
+              <p:txBody>
+                <a:bodyPr rtlCol="0" anchor="ctr"/>
+                <a:lstStyle/>
+                <a:p>
+                  <a:pPr algn="ctr"/>
+                  <a:r>
+                    <a:rPr lang="en-US" altLang="ko-KR" sz="200" dirty="0">
+                      <a:solidFill>
+                        <a:schemeClr val="tx1"/>
+                      </a:solidFill>
+                    </a:rPr>
+                    <a:t>3</a:t>
+                  </a:r>
+                  <a:endParaRPr lang="ko-KR" altLang="en-US" sz="200" dirty="0">
+                    <a:solidFill>
+                      <a:schemeClr val="tx1"/>
+                    </a:solidFill>
+                  </a:endParaRPr>
+                </a:p>
+              </p:txBody>
+            </p:sp>
+            <p:sp>
+              <p:nvSpPr>
+                <p:cNvPr id="29" name="직사각형 28">
+                  <a:extLst>
+                    <a:ext uri="{FF2B5EF4-FFF2-40B4-BE49-F238E27FC236}">
+                      <a16:creationId xmlns:a16="http://schemas.microsoft.com/office/drawing/2014/main" id="{223EC241-5886-650D-4E09-2E2561333261}"/>
+                    </a:ext>
+                  </a:extLst>
+                </p:cNvPr>
+                <p:cNvSpPr/>
+                <p:nvPr/>
+              </p:nvSpPr>
+              <p:spPr>
+                <a:xfrm>
+                  <a:off x="10012017" y="685059"/>
+                  <a:ext cx="556592" cy="360000"/>
+                </a:xfrm>
+                <a:prstGeom prst="rect">
+                  <a:avLst/>
+                </a:prstGeom>
+                <a:solidFill>
+                  <a:schemeClr val="bg1"/>
+                </a:solidFill>
+                <a:ln>
+                  <a:noFill/>
+                </a:ln>
+              </p:spPr>
+              <p:style>
+                <a:lnRef idx="2">
+                  <a:schemeClr val="accent1">
+                    <a:shade val="15000"/>
+                  </a:schemeClr>
+                </a:lnRef>
+                <a:fillRef idx="1">
+                  <a:schemeClr val="accent1"/>
+                </a:fillRef>
+                <a:effectRef idx="0">
+                  <a:schemeClr val="accent1"/>
+                </a:effectRef>
+                <a:fontRef idx="minor">
+                  <a:schemeClr val="lt1"/>
+                </a:fontRef>
+              </p:style>
+              <p:txBody>
+                <a:bodyPr rtlCol="0" anchor="ctr"/>
+                <a:lstStyle/>
+                <a:p>
+                  <a:r>
+                    <a:rPr lang="en-US" altLang="ko-KR" sz="200" dirty="0">
+                      <a:solidFill>
+                        <a:schemeClr val="tx1"/>
+                      </a:solidFill>
+                    </a:rPr>
+                    <a:t>P2</a:t>
+                  </a:r>
+                  <a:endParaRPr lang="ko-KR" altLang="en-US" sz="200" dirty="0">
+                    <a:solidFill>
+                      <a:schemeClr val="tx1"/>
+                    </a:solidFill>
+                  </a:endParaRPr>
+                </a:p>
+              </p:txBody>
+            </p:sp>
+            <p:sp>
+              <p:nvSpPr>
+                <p:cNvPr id="30" name="직사각형 29">
+                  <a:extLst>
+                    <a:ext uri="{FF2B5EF4-FFF2-40B4-BE49-F238E27FC236}">
+                      <a16:creationId xmlns:a16="http://schemas.microsoft.com/office/drawing/2014/main" id="{309559F9-67B5-5634-7B58-DD1B209C4CCF}"/>
+                    </a:ext>
+                  </a:extLst>
+                </p:cNvPr>
+                <p:cNvSpPr/>
+                <p:nvPr/>
+              </p:nvSpPr>
+              <p:spPr>
+                <a:xfrm>
+                  <a:off x="10508972" y="685059"/>
+                  <a:ext cx="1225829" cy="360000"/>
+                </a:xfrm>
+                <a:prstGeom prst="rect">
+                  <a:avLst/>
+                </a:prstGeom>
+                <a:solidFill>
+                  <a:schemeClr val="bg1"/>
+                </a:solidFill>
+                <a:ln>
+                  <a:noFill/>
+                </a:ln>
+              </p:spPr>
+              <p:style>
+                <a:lnRef idx="2">
+                  <a:schemeClr val="accent1">
+                    <a:shade val="15000"/>
+                  </a:schemeClr>
+                </a:lnRef>
+                <a:fillRef idx="1">
+                  <a:schemeClr val="accent1"/>
+                </a:fillRef>
+                <a:effectRef idx="0">
+                  <a:schemeClr val="accent1"/>
+                </a:effectRef>
+                <a:fontRef idx="minor">
+                  <a:schemeClr val="lt1"/>
+                </a:fontRef>
+              </p:style>
+              <p:txBody>
+                <a:bodyPr rtlCol="0" anchor="ctr"/>
+                <a:lstStyle/>
+                <a:p>
+                  <a:pPr algn="r"/>
+                  <a:r>
+                    <a:rPr lang="en-US" altLang="ko-KR" sz="200" dirty="0">
+                      <a:solidFill>
+                        <a:schemeClr val="tx1"/>
+                      </a:solidFill>
+                    </a:rPr>
+                    <a:t>50,000pt</a:t>
+                  </a:r>
+                  <a:endParaRPr lang="ko-KR" altLang="en-US" sz="200" dirty="0">
+                    <a:solidFill>
+                      <a:schemeClr val="tx1"/>
+                    </a:solidFill>
+                  </a:endParaRPr>
+                </a:p>
+              </p:txBody>
+            </p:sp>
+          </p:grpSp>
+        </p:grpSp>
+        <p:sp>
+          <p:nvSpPr>
+            <p:cNvPr id="8" name="타원 7">
+              <a:extLst>
+                <a:ext uri="{FF2B5EF4-FFF2-40B4-BE49-F238E27FC236}">
+                  <a16:creationId xmlns:a16="http://schemas.microsoft.com/office/drawing/2014/main" id="{89973AFC-73A1-66EA-B0DC-411717D905A1}"/>
+                </a:ext>
+              </a:extLst>
+            </p:cNvPr>
+            <p:cNvSpPr/>
+            <p:nvPr/>
+          </p:nvSpPr>
+          <p:spPr>
+            <a:xfrm>
+              <a:off x="462068" y="3019267"/>
+              <a:ext cx="55862" cy="55862"/>
+            </a:xfrm>
+            <a:prstGeom prst="ellipse">
+              <a:avLst/>
+            </a:prstGeom>
+            <a:solidFill>
+              <a:schemeClr val="tx1">
+                <a:lumMod val="85000"/>
+                <a:lumOff val="15000"/>
+              </a:schemeClr>
+            </a:solidFill>
+          </p:spPr>
+          <p:style>
+            <a:lnRef idx="2">
+              <a:schemeClr val="accent1">
+                <a:shade val="15000"/>
+              </a:schemeClr>
+            </a:lnRef>
+            <a:fillRef idx="1">
+              <a:schemeClr val="accent1"/>
+            </a:fillRef>
+            <a:effectRef idx="0">
+              <a:schemeClr val="accent1"/>
+            </a:effectRef>
+            <a:fontRef idx="minor">
+              <a:schemeClr val="lt1"/>
+            </a:fontRef>
+          </p:style>
+          <p:txBody>
+            <a:bodyPr rtlCol="0" anchor="ctr"/>
+            <a:lstStyle/>
+            <a:p>
+              <a:pPr algn="ctr"/>
+              <a:endParaRPr lang="ko-KR" altLang="en-US" sz="700"/>
+            </a:p>
+          </p:txBody>
+        </p:sp>
+        <p:sp>
+          <p:nvSpPr>
+            <p:cNvPr id="9" name="직사각형 8">
+              <a:extLst>
+                <a:ext uri="{FF2B5EF4-FFF2-40B4-BE49-F238E27FC236}">
+                  <a16:creationId xmlns:a16="http://schemas.microsoft.com/office/drawing/2014/main" id="{29FE4AE1-F5AF-6655-76B6-A69801F2EFF5}"/>
+                </a:ext>
+              </a:extLst>
+            </p:cNvPr>
+            <p:cNvSpPr/>
+            <p:nvPr/>
+          </p:nvSpPr>
+          <p:spPr>
+            <a:xfrm>
+              <a:off x="1419981" y="2397163"/>
+              <a:ext cx="590005" cy="108678"/>
+            </a:xfrm>
+            <a:prstGeom prst="rect">
+              <a:avLst/>
+            </a:prstGeom>
+          </p:spPr>
+          <p:style>
+            <a:lnRef idx="2">
+              <a:schemeClr val="accent1">
+                <a:shade val="15000"/>
+              </a:schemeClr>
+            </a:lnRef>
+            <a:fillRef idx="1">
+              <a:schemeClr val="accent1"/>
+            </a:fillRef>
+            <a:effectRef idx="0">
+              <a:schemeClr val="accent1"/>
+            </a:effectRef>
+            <a:fontRef idx="minor">
+              <a:schemeClr val="lt1"/>
+            </a:fontRef>
+          </p:style>
+          <p:txBody>
+            <a:bodyPr rtlCol="0" anchor="ctr"/>
+            <a:lstStyle/>
+            <a:p>
+              <a:pPr algn="ctr"/>
+              <a:r>
+                <a:rPr lang="ko-KR" altLang="en-US" sz="200" dirty="0"/>
+                <a:t>현재 점수 </a:t>
+              </a:r>
+              <a:r>
+                <a:rPr lang="en-US" altLang="ko-KR" sz="200" dirty="0"/>
+                <a:t>:</a:t>
+              </a:r>
+              <a:r>
+                <a:rPr lang="ko-KR" altLang="en-US" sz="200" dirty="0"/>
+                <a:t> </a:t>
+              </a:r>
+              <a:r>
+                <a:rPr lang="en-US" altLang="ko-KR" sz="200" dirty="0"/>
+                <a:t>123,000</a:t>
+              </a:r>
+              <a:endParaRPr lang="ko-KR" altLang="en-US" sz="200" dirty="0"/>
+            </a:p>
+          </p:txBody>
+        </p:sp>
+        <p:sp>
+          <p:nvSpPr>
+            <p:cNvPr id="10" name="직사각형 9">
+              <a:extLst>
+                <a:ext uri="{FF2B5EF4-FFF2-40B4-BE49-F238E27FC236}">
+                  <a16:creationId xmlns:a16="http://schemas.microsoft.com/office/drawing/2014/main" id="{289EC07B-962B-B3CB-9DD1-BBDCF50EA512}"/>
+                </a:ext>
+              </a:extLst>
+            </p:cNvPr>
+            <p:cNvSpPr/>
+            <p:nvPr/>
+          </p:nvSpPr>
+          <p:spPr>
+            <a:xfrm>
+              <a:off x="532407" y="2369334"/>
+              <a:ext cx="2380543" cy="1339056"/>
+            </a:xfrm>
+            <a:prstGeom prst="rect">
+              <a:avLst/>
+            </a:prstGeom>
+            <a:solidFill>
+              <a:schemeClr val="bg2">
+                <a:lumMod val="50000"/>
+                <a:alpha val="50000"/>
+              </a:schemeClr>
+            </a:solidFill>
+          </p:spPr>
+          <p:style>
+            <a:lnRef idx="2">
+              <a:schemeClr val="accent1">
+                <a:shade val="15000"/>
+              </a:schemeClr>
+            </a:lnRef>
+            <a:fillRef idx="1">
+              <a:schemeClr val="accent1"/>
+            </a:fillRef>
+            <a:effectRef idx="0">
+              <a:schemeClr val="accent1"/>
+            </a:effectRef>
+            <a:fontRef idx="minor">
+              <a:schemeClr val="lt1"/>
+            </a:fontRef>
+          </p:style>
+          <p:txBody>
+            <a:bodyPr rtlCol="0" anchor="ctr"/>
+            <a:lstStyle/>
+            <a:p>
+              <a:pPr algn="ctr"/>
+              <a:endParaRPr lang="ko-KR" altLang="en-US" sz="700"/>
+            </a:p>
+          </p:txBody>
+        </p:sp>
+        <p:sp>
+          <p:nvSpPr>
+            <p:cNvPr id="41" name="직사각형 40">
+              <a:extLst>
+                <a:ext uri="{FF2B5EF4-FFF2-40B4-BE49-F238E27FC236}">
+                  <a16:creationId xmlns:a16="http://schemas.microsoft.com/office/drawing/2014/main" id="{7A9D9A9A-EC26-5FEF-F705-317086A28511}"/>
+                </a:ext>
+              </a:extLst>
+            </p:cNvPr>
+            <p:cNvSpPr/>
+            <p:nvPr/>
+          </p:nvSpPr>
+          <p:spPr>
+            <a:xfrm>
+              <a:off x="532407" y="2369334"/>
+              <a:ext cx="2380543" cy="1339056"/>
+            </a:xfrm>
+            <a:prstGeom prst="rect">
+              <a:avLst/>
+            </a:prstGeom>
+            <a:solidFill>
+              <a:schemeClr val="bg2">
+                <a:lumMod val="25000"/>
+                <a:alpha val="85000"/>
+              </a:schemeClr>
+            </a:solidFill>
+          </p:spPr>
+          <p:style>
+            <a:lnRef idx="2">
+              <a:schemeClr val="accent1">
+                <a:shade val="15000"/>
+              </a:schemeClr>
+            </a:lnRef>
+            <a:fillRef idx="1">
+              <a:schemeClr val="accent1"/>
+            </a:fillRef>
+            <a:effectRef idx="0">
+              <a:schemeClr val="accent1"/>
+            </a:effectRef>
+            <a:fontRef idx="minor">
+              <a:schemeClr val="lt1"/>
+            </a:fontRef>
+          </p:style>
+          <p:txBody>
+            <a:bodyPr rtlCol="0" anchor="ctr"/>
+            <a:lstStyle/>
+            <a:p>
+              <a:pPr algn="ctr"/>
+              <a:endParaRPr lang="ko-KR" altLang="en-US" sz="2000"/>
+            </a:p>
+          </p:txBody>
+        </p:sp>
+        <p:pic>
+          <p:nvPicPr>
+            <p:cNvPr id="44" name="그림 43" descr="스크린샷, 로고, 그래픽, 직사각형이(가) 표시된 사진&#10;&#10;자동 생성된 설명">
+              <a:extLst>
+                <a:ext uri="{FF2B5EF4-FFF2-40B4-BE49-F238E27FC236}">
+                  <a16:creationId xmlns:a16="http://schemas.microsoft.com/office/drawing/2014/main" id="{36231566-75EC-F3AF-E7A9-082F4187273C}"/>
+                </a:ext>
+              </a:extLst>
+            </p:cNvPr>
+            <p:cNvPicPr>
+              <a:picLocks noChangeAspect="1"/>
+            </p:cNvPicPr>
+            <p:nvPr/>
+          </p:nvPicPr>
+          <p:blipFill>
+            <a:blip r:embed="rId2">
+              <a:extLst>
+                <a:ext uri="{28A0092B-C50C-407E-A947-70E740481C1C}">
+                  <a14:useLocalDpi xmlns:a14="http://schemas.microsoft.com/office/drawing/2010/main" val="0"/>
+                </a:ext>
+              </a:extLst>
+            </a:blip>
+            <a:stretch>
+              <a:fillRect/>
+            </a:stretch>
+          </p:blipFill>
+          <p:spPr>
+            <a:xfrm>
+              <a:off x="1481361" y="2750948"/>
+              <a:ext cx="468279" cy="468279"/>
+            </a:xfrm>
+            <a:prstGeom prst="rect">
+              <a:avLst/>
+            </a:prstGeom>
+          </p:spPr>
+        </p:pic>
+        <p:sp>
+          <p:nvSpPr>
+            <p:cNvPr id="45" name="TextBox 44">
+              <a:extLst>
+                <a:ext uri="{FF2B5EF4-FFF2-40B4-BE49-F238E27FC236}">
+                  <a16:creationId xmlns:a16="http://schemas.microsoft.com/office/drawing/2014/main" id="{B4DD4810-95A2-0F28-B84E-D9BF52181441}"/>
+                </a:ext>
+              </a:extLst>
+            </p:cNvPr>
+            <p:cNvSpPr txBox="1"/>
+            <p:nvPr/>
+          </p:nvSpPr>
+          <p:spPr>
+            <a:xfrm>
+              <a:off x="1328779" y="3144718"/>
+              <a:ext cx="721565" cy="203669"/>
+            </a:xfrm>
+            <a:prstGeom prst="rect">
+              <a:avLst/>
+            </a:prstGeom>
+            <a:noFill/>
+          </p:spPr>
+          <p:txBody>
+            <a:bodyPr wrap="none" rtlCol="0">
+              <a:spAutoFit/>
+            </a:bodyPr>
+            <a:lstStyle/>
+            <a:p>
+              <a:pPr algn="ctr"/>
+              <a:r>
+                <a:rPr lang="ko-KR" altLang="en-US" sz="600" dirty="0">
+                  <a:solidFill>
+                    <a:schemeClr val="bg1"/>
+                  </a:solidFill>
+                </a:rPr>
+                <a:t>배터리가 부족합니다</a:t>
+              </a:r>
+              <a:endParaRPr lang="en-US" altLang="ko-KR" sz="600" dirty="0">
+                <a:solidFill>
+                  <a:schemeClr val="bg1"/>
+                </a:solidFill>
+              </a:endParaRPr>
+            </a:p>
+            <a:p>
+              <a:pPr algn="ctr"/>
+              <a:r>
+                <a:rPr lang="ko-KR" altLang="en-US" sz="600" dirty="0">
+                  <a:solidFill>
+                    <a:schemeClr val="bg1"/>
+                  </a:solidFill>
+                </a:rPr>
+                <a:t>충전기를 연결해주세요</a:t>
+              </a:r>
+            </a:p>
+          </p:txBody>
+        </p:sp>
+      </p:grpSp>
+      <p:pic>
+        <p:nvPicPr>
+          <p:cNvPr id="55" name="그림 54" descr="블랙, 어둠이(가) 표시된 사진&#10;&#10;자동 생성된 설명">
+            <a:extLst>
+              <a:ext uri="{FF2B5EF4-FFF2-40B4-BE49-F238E27FC236}">
+                <a16:creationId xmlns:a16="http://schemas.microsoft.com/office/drawing/2014/main" id="{3F1C8233-409C-D98D-25DD-29CAAD1DD9DB}"/>
+              </a:ext>
+            </a:extLst>
+          </p:cNvPr>
+          <p:cNvPicPr>
+            <a:picLocks noChangeAspect="1"/>
+          </p:cNvPicPr>
+          <p:nvPr/>
+        </p:nvPicPr>
+        <p:blipFill>
+          <a:blip r:embed="rId3">
+            <a:extLst>
+              <a:ext uri="{28A0092B-C50C-407E-A947-70E740481C1C}">
+                <a14:useLocalDpi xmlns:a14="http://schemas.microsoft.com/office/drawing/2010/main" val="0"/>
+              </a:ext>
+            </a:extLst>
+          </a:blip>
+          <a:stretch>
+            <a:fillRect/>
+          </a:stretch>
+        </p:blipFill>
+        <p:spPr>
+          <a:xfrm rot="16200000">
+            <a:off x="7740683" y="2785085"/>
+            <a:ext cx="708758" cy="708758"/>
+          </a:xfrm>
+          <a:prstGeom prst="rect">
+            <a:avLst/>
+          </a:prstGeom>
+        </p:spPr>
+      </p:pic>
+      <p:cxnSp>
+        <p:nvCxnSpPr>
+          <p:cNvPr id="64" name="직선 연결선 63">
+            <a:extLst>
+              <a:ext uri="{FF2B5EF4-FFF2-40B4-BE49-F238E27FC236}">
+                <a16:creationId xmlns:a16="http://schemas.microsoft.com/office/drawing/2014/main" id="{78A200C6-A77B-84C6-CA4B-F54BD103756E}"/>
+              </a:ext>
+            </a:extLst>
+          </p:cNvPr>
+          <p:cNvCxnSpPr/>
+          <p:nvPr/>
+        </p:nvCxnSpPr>
+        <p:spPr>
+          <a:xfrm>
+            <a:off x="8449441" y="3122200"/>
+            <a:ext cx="0" cy="1516061"/>
+          </a:xfrm>
+          <a:prstGeom prst="line">
+            <a:avLst/>
+          </a:prstGeom>
+          <a:ln w="38100">
+            <a:solidFill>
+              <a:schemeClr val="tx1"/>
+            </a:solidFill>
+          </a:ln>
+        </p:spPr>
+        <p:style>
+          <a:lnRef idx="2">
+            <a:schemeClr val="accent1"/>
+          </a:lnRef>
+          <a:fillRef idx="0">
+            <a:schemeClr val="accent1"/>
+          </a:fillRef>
+          <a:effectRef idx="1">
+            <a:schemeClr val="accent1"/>
+          </a:effectRef>
+          <a:fontRef idx="minor">
+            <a:schemeClr val="tx1"/>
+          </a:fontRef>
+        </p:style>
+      </p:cxnSp>
+      <p:sp>
+        <p:nvSpPr>
+          <p:cNvPr id="65" name="TextBox 64">
+            <a:extLst>
+              <a:ext uri="{FF2B5EF4-FFF2-40B4-BE49-F238E27FC236}">
+                <a16:creationId xmlns:a16="http://schemas.microsoft.com/office/drawing/2014/main" id="{AA06C963-7ADB-7942-EA54-5B84682FFA6A}"/>
+              </a:ext>
+            </a:extLst>
+          </p:cNvPr>
+          <p:cNvSpPr txBox="1"/>
+          <p:nvPr/>
+        </p:nvSpPr>
+        <p:spPr>
+          <a:xfrm>
+            <a:off x="5270498" y="2859009"/>
+            <a:ext cx="433132" cy="246221"/>
+          </a:xfrm>
+          <a:prstGeom prst="rect">
+            <a:avLst/>
+          </a:prstGeom>
+          <a:noFill/>
+        </p:spPr>
+        <p:txBody>
+          <a:bodyPr wrap="none" rtlCol="0">
+            <a:spAutoFit/>
+          </a:bodyPr>
+          <a:lstStyle/>
+          <a:p>
+            <a:r>
+              <a:rPr lang="en-US" altLang="ko-KR" sz="1000" dirty="0"/>
+              <a:t>10%</a:t>
+            </a:r>
+            <a:endParaRPr lang="ko-KR" altLang="en-US" sz="1000" dirty="0"/>
+          </a:p>
+        </p:txBody>
+      </p:sp>
+    </p:spTree>
+    <p:extLst>
+      <p:ext uri="{BB962C8B-B14F-4D97-AF65-F5344CB8AC3E}">
+        <p14:creationId xmlns:p14="http://schemas.microsoft.com/office/powerpoint/2010/main" val="356826922"/>
+      </p:ext>
+    </p:extLst>
+  </p:cSld>
+  <p:clrMapOvr>
+    <a:masterClrMapping/>
+  </p:clrMapOvr>
+</p:sld>
+</file>
+
 <file path=ppt/slides/slide4.xml><?xml version="1.0" encoding="utf-8"?>
 <p:sld xmlns:a="http://schemas.openxmlformats.org/drawingml/2006/main" xmlns:r="http://schemas.openxmlformats.org/officeDocument/2006/relationships" xmlns:p="http://schemas.openxmlformats.org/presentationml/2006/main">
   <p:cSld>

--- a/document/Please Leave me alone!.pptx
+++ b/document/Please Leave me alone!.pptx
@@ -230,7 +230,7 @@
           <a:p>
             <a:fld id="{A9BD1FE7-2F33-4B0D-BA08-1CEE25D4E3DB}" type="datetimeFigureOut">
               <a:rPr lang="ko-KR" altLang="en-US" smtClean="0"/>
-              <a:t>2025-02-04</a:t>
+              <a:t>2025-02-05</a:t>
             </a:fld>
             <a:endParaRPr lang="ko-KR" altLang="en-US"/>
           </a:p>
@@ -944,7 +944,7 @@
           <a:p>
             <a:fld id="{783F481A-738D-4EBC-92BF-08655C0568CC}" type="datetime1">
               <a:rPr lang="ko-KR" altLang="en-US" smtClean="0"/>
-              <a:t>2025-02-04</a:t>
+              <a:t>2025-02-05</a:t>
             </a:fld>
             <a:endParaRPr lang="ko-KR" altLang="en-US"/>
           </a:p>
@@ -1142,7 +1142,7 @@
           <a:p>
             <a:fld id="{6D9BB776-B79C-4546-8ABA-DA45D9C133A7}" type="datetime1">
               <a:rPr lang="ko-KR" altLang="en-US" smtClean="0"/>
-              <a:t>2025-02-04</a:t>
+              <a:t>2025-02-05</a:t>
             </a:fld>
             <a:endParaRPr lang="ko-KR" altLang="en-US"/>
           </a:p>
@@ -1350,7 +1350,7 @@
           <a:p>
             <a:fld id="{720FF001-C6D3-49EC-8DC3-B2593B1DC1C3}" type="datetime1">
               <a:rPr lang="ko-KR" altLang="en-US" smtClean="0"/>
-              <a:t>2025-02-04</a:t>
+              <a:t>2025-02-05</a:t>
             </a:fld>
             <a:endParaRPr lang="ko-KR" altLang="en-US"/>
           </a:p>
@@ -1548,7 +1548,7 @@
           <a:p>
             <a:fld id="{091E519C-B90B-4A61-8F7D-EA80CD22B7D5}" type="datetime1">
               <a:rPr lang="ko-KR" altLang="en-US" smtClean="0"/>
-              <a:t>2025-02-04</a:t>
+              <a:t>2025-02-05</a:t>
             </a:fld>
             <a:endParaRPr lang="ko-KR" altLang="en-US"/>
           </a:p>
@@ -1823,7 +1823,7 @@
           <a:p>
             <a:fld id="{FD734108-2D59-40E2-B393-1F390391A1FB}" type="datetime1">
               <a:rPr lang="ko-KR" altLang="en-US" smtClean="0"/>
-              <a:t>2025-02-04</a:t>
+              <a:t>2025-02-05</a:t>
             </a:fld>
             <a:endParaRPr lang="ko-KR" altLang="en-US"/>
           </a:p>
@@ -2088,7 +2088,7 @@
           <a:p>
             <a:fld id="{297FF520-CDFD-4316-AC89-B0A764216C4E}" type="datetime1">
               <a:rPr lang="ko-KR" altLang="en-US" smtClean="0"/>
-              <a:t>2025-02-04</a:t>
+              <a:t>2025-02-05</a:t>
             </a:fld>
             <a:endParaRPr lang="ko-KR" altLang="en-US"/>
           </a:p>
@@ -2500,7 +2500,7 @@
           <a:p>
             <a:fld id="{0CF3B42C-2182-4183-A46A-124CD019AF43}" type="datetime1">
               <a:rPr lang="ko-KR" altLang="en-US" smtClean="0"/>
-              <a:t>2025-02-04</a:t>
+              <a:t>2025-02-05</a:t>
             </a:fld>
             <a:endParaRPr lang="ko-KR" altLang="en-US"/>
           </a:p>
@@ -2641,7 +2641,7 @@
           <a:p>
             <a:fld id="{B738F611-77C6-4F89-8E2C-D3A9C27DF43F}" type="datetime1">
               <a:rPr lang="ko-KR" altLang="en-US" smtClean="0"/>
-              <a:t>2025-02-04</a:t>
+              <a:t>2025-02-05</a:t>
             </a:fld>
             <a:endParaRPr lang="ko-KR" altLang="en-US"/>
           </a:p>
@@ -2754,7 +2754,7 @@
           <a:p>
             <a:fld id="{A051748B-BCED-40F0-8EF5-AF075B4618B9}" type="datetime1">
               <a:rPr lang="ko-KR" altLang="en-US" smtClean="0"/>
-              <a:t>2025-02-04</a:t>
+              <a:t>2025-02-05</a:t>
             </a:fld>
             <a:endParaRPr lang="ko-KR" altLang="en-US"/>
           </a:p>
@@ -3065,7 +3065,7 @@
           <a:p>
             <a:fld id="{41DBB85A-8EA7-4277-A6E6-46EF2EEF4790}" type="datetime1">
               <a:rPr lang="ko-KR" altLang="en-US" smtClean="0"/>
-              <a:t>2025-02-04</a:t>
+              <a:t>2025-02-05</a:t>
             </a:fld>
             <a:endParaRPr lang="ko-KR" altLang="en-US"/>
           </a:p>
@@ -3353,7 +3353,7 @@
           <a:p>
             <a:fld id="{BBE44FDA-CB41-4E86-912D-6ECC7574FD7F}" type="datetime1">
               <a:rPr lang="ko-KR" altLang="en-US" smtClean="0"/>
-              <a:t>2025-02-04</a:t>
+              <a:t>2025-02-05</a:t>
             </a:fld>
             <a:endParaRPr lang="ko-KR" altLang="en-US"/>
           </a:p>
@@ -3594,7 +3594,7 @@
           <a:p>
             <a:fld id="{F0992805-70C9-4612-850D-0415F751BF22}" type="datetime1">
               <a:rPr lang="ko-KR" altLang="en-US" smtClean="0"/>
-              <a:t>2025-02-04</a:t>
+              <a:t>2025-02-05</a:t>
             </a:fld>
             <a:endParaRPr lang="ko-KR" altLang="en-US"/>
           </a:p>
@@ -5096,8 +5096,8 @@
         </p:nvSpPr>
         <p:spPr>
           <a:xfrm>
-            <a:off x="430696" y="5173870"/>
-            <a:ext cx="8252580" cy="1200329"/>
+            <a:off x="430696" y="5127679"/>
+            <a:ext cx="8908208" cy="1231106"/>
           </a:xfrm>
           <a:prstGeom prst="rect">
             <a:avLst/>
@@ -5130,21 +5130,7 @@
             </a:pPr>
             <a:r>
               <a:rPr lang="ko-KR" altLang="en-US" dirty="0"/>
-              <a:t>이벤트마다 해결법이 다르며 정해진 해결법을 통해서 해결 할 수 있다</a:t>
-            </a:r>
-            <a:r>
-              <a:rPr lang="en-US" altLang="ko-KR" dirty="0"/>
-              <a:t>.</a:t>
-            </a:r>
-          </a:p>
-          <a:p>
-            <a:pPr marL="285750" indent="-285750">
-              <a:buFontTx/>
-              <a:buChar char="-"/>
-            </a:pPr>
-            <a:r>
-              <a:rPr lang="ko-KR" altLang="en-US" dirty="0"/>
-              <a:t>기본 해결법 말고 무시해서 넘길 수 있다</a:t>
+              <a:t>이벤트마다 해결법이 다르며 정해진 해결법을 통해서 해결 하거나 무시할 수 있다</a:t>
             </a:r>
             <a:r>
               <a:rPr lang="en-US" altLang="ko-KR" dirty="0"/>
@@ -5159,6 +5145,28 @@
             <a:r>
               <a:rPr lang="ko-KR" altLang="en-US" dirty="0"/>
               <a:t>특정 이벤트는 해결을 하거나 무시를 할 시 후속 이벤트가 등장한다</a:t>
+            </a:r>
+            <a:r>
+              <a:rPr lang="en-US" altLang="ko-KR" dirty="0"/>
+              <a:t>.</a:t>
+            </a:r>
+          </a:p>
+          <a:p>
+            <a:pPr marL="285750" indent="-285750">
+              <a:buFontTx/>
+              <a:buChar char="-"/>
+            </a:pPr>
+            <a:r>
+              <a:rPr lang="ko-KR" altLang="en-US" dirty="0"/>
+              <a:t>모든 방해 이벤트는 게임 중 </a:t>
+            </a:r>
+            <a:r>
+              <a:rPr lang="ko-KR" altLang="en-US" sz="2000" b="1" dirty="0"/>
+              <a:t>한 번만 </a:t>
+            </a:r>
+            <a:r>
+              <a:rPr lang="ko-KR" altLang="en-US" dirty="0"/>
+              <a:t>등장한다</a:t>
             </a:r>
             <a:r>
               <a:rPr lang="en-US" altLang="ko-KR" dirty="0"/>
@@ -8849,7 +8857,7 @@
         <p:spPr>
           <a:xfrm>
             <a:off x="361325" y="5019843"/>
-            <a:ext cx="9514143" cy="1522020"/>
+            <a:ext cx="11269432" cy="1522020"/>
           </a:xfrm>
           <a:prstGeom prst="rect">
             <a:avLst/>
@@ -8888,19 +8896,11 @@
             </a:pPr>
             <a:r>
               <a:rPr lang="ko-KR" altLang="en-US" sz="1600" dirty="0"/>
-              <a:t>해당 이벤트를 무시하였을 경우 </a:t>
-            </a:r>
-            <a:r>
-              <a:rPr lang="ko-KR" altLang="en-US" sz="1600" dirty="0" err="1"/>
-              <a:t>랜덤한</a:t>
-            </a:r>
-            <a:r>
-              <a:rPr lang="ko-KR" altLang="en-US" sz="1600" dirty="0"/>
-              <a:t> 시간</a:t>
+              <a:t>무시하였을 경우 </a:t>
             </a:r>
             <a:r>
               <a:rPr lang="en-US" altLang="ko-KR" sz="1600" dirty="0"/>
-              <a:t>(30</a:t>
+              <a:t>30</a:t>
             </a:r>
             <a:r>
               <a:rPr lang="ko-KR" altLang="en-US" sz="1600" dirty="0"/>
@@ -8908,19 +8908,19 @@
             </a:r>
             <a:r>
               <a:rPr lang="en-US" altLang="ko-KR" sz="1600" dirty="0"/>
-              <a:t>~1</a:t>
+              <a:t>/ 20</a:t>
             </a:r>
             <a:r>
               <a:rPr lang="ko-KR" altLang="en-US" sz="1600" dirty="0"/>
-              <a:t>분</a:t>
+              <a:t>초</a:t>
             </a:r>
             <a:r>
               <a:rPr lang="en-US" altLang="ko-KR" sz="1600" dirty="0"/>
-              <a:t>)</a:t>
+              <a:t>/ 10</a:t>
             </a:r>
             <a:r>
               <a:rPr lang="ko-KR" altLang="en-US" sz="1600" dirty="0"/>
-              <a:t>이내로 해당 이벤트가 다시 등장할 수 있다</a:t>
+              <a:t>초 순으로 같은 이벤트가 다시 등장하는 간격이 짧아 지면서 해결 난이도가 상승한다</a:t>
             </a:r>
             <a:r>
               <a:rPr lang="en-US" altLang="ko-KR" sz="1600" dirty="0"/>

--- a/document/Please Leave me alone!.pptx
+++ b/document/Please Leave me alone!.pptx
@@ -8857,7 +8857,7 @@
         <p:spPr>
           <a:xfrm>
             <a:off x="361325" y="5019843"/>
-            <a:ext cx="11269432" cy="1522020"/>
+            <a:ext cx="9908482" cy="1343381"/>
           </a:xfrm>
           <a:prstGeom prst="rect">
             <a:avLst/>
@@ -8878,11 +8878,11 @@
               <a:buChar char="-"/>
             </a:pPr>
             <a:r>
-              <a:rPr lang="ko-KR" altLang="en-US" sz="1600" dirty="0"/>
+              <a:rPr lang="ko-KR" altLang="en-US" sz="1400" dirty="0"/>
               <a:t>방해 이벤트는 무시를 이용해서 빠르게 넘길 수 있다</a:t>
             </a:r>
             <a:r>
-              <a:rPr lang="en-US" altLang="ko-KR" sz="1600" dirty="0"/>
+              <a:rPr lang="en-US" altLang="ko-KR" sz="1400" dirty="0"/>
               <a:t>.</a:t>
             </a:r>
           </a:p>
@@ -8895,35 +8895,35 @@
               <a:buChar char="-"/>
             </a:pPr>
             <a:r>
-              <a:rPr lang="ko-KR" altLang="en-US" sz="1600" dirty="0"/>
+              <a:rPr lang="ko-KR" altLang="en-US" sz="1400" dirty="0"/>
               <a:t>무시하였을 경우 </a:t>
             </a:r>
             <a:r>
-              <a:rPr lang="en-US" altLang="ko-KR" sz="1600" dirty="0"/>
+              <a:rPr lang="en-US" altLang="ko-KR" sz="1400" dirty="0"/>
               <a:t>30</a:t>
             </a:r>
             <a:r>
-              <a:rPr lang="ko-KR" altLang="en-US" sz="1600" dirty="0"/>
+              <a:rPr lang="ko-KR" altLang="en-US" sz="1400" dirty="0"/>
               <a:t>초</a:t>
             </a:r>
             <a:r>
-              <a:rPr lang="en-US" altLang="ko-KR" sz="1600" dirty="0"/>
+              <a:rPr lang="en-US" altLang="ko-KR" sz="1400" dirty="0"/>
               <a:t>/ 20</a:t>
             </a:r>
             <a:r>
-              <a:rPr lang="ko-KR" altLang="en-US" sz="1600" dirty="0"/>
+              <a:rPr lang="ko-KR" altLang="en-US" sz="1400" dirty="0"/>
               <a:t>초</a:t>
             </a:r>
             <a:r>
-              <a:rPr lang="en-US" altLang="ko-KR" sz="1600" dirty="0"/>
+              <a:rPr lang="en-US" altLang="ko-KR" sz="1400" dirty="0"/>
               <a:t>/ 10</a:t>
             </a:r>
             <a:r>
-              <a:rPr lang="ko-KR" altLang="en-US" sz="1600" dirty="0"/>
+              <a:rPr lang="ko-KR" altLang="en-US" sz="1400" dirty="0"/>
               <a:t>초 순으로 같은 이벤트가 다시 등장하는 간격이 짧아 지면서 해결 난이도가 상승한다</a:t>
             </a:r>
             <a:r>
-              <a:rPr lang="en-US" altLang="ko-KR" sz="1600" dirty="0"/>
+              <a:rPr lang="en-US" altLang="ko-KR" sz="1400" dirty="0"/>
               <a:t>.</a:t>
             </a:r>
           </a:p>
@@ -8936,11 +8936,11 @@
               <a:buChar char="-"/>
             </a:pPr>
             <a:r>
-              <a:rPr lang="ko-KR" altLang="en-US" sz="1600" dirty="0"/>
+              <a:rPr lang="ko-KR" altLang="en-US" sz="1400" dirty="0"/>
               <a:t>특정 이벤트는 무시를 사용하면 후속 이벤트가 등장하는 경우가 있다</a:t>
             </a:r>
             <a:r>
-              <a:rPr lang="en-US" altLang="ko-KR" sz="1600" dirty="0"/>
+              <a:rPr lang="en-US" altLang="ko-KR" sz="1400" dirty="0"/>
               <a:t>.</a:t>
             </a:r>
           </a:p>
@@ -8953,19 +8953,19 @@
               <a:buChar char="-"/>
             </a:pPr>
             <a:r>
-              <a:rPr lang="ko-KR" altLang="en-US" sz="1600" dirty="0"/>
+              <a:rPr lang="ko-KR" altLang="en-US" sz="1400" dirty="0"/>
               <a:t>무시는 게임당 최대 </a:t>
             </a:r>
             <a:r>
-              <a:rPr lang="en-US" altLang="ko-KR" sz="1600" dirty="0"/>
+              <a:rPr lang="en-US" altLang="ko-KR" sz="1400" dirty="0"/>
               <a:t>2</a:t>
             </a:r>
             <a:r>
-              <a:rPr lang="ko-KR" altLang="en-US" sz="1600" dirty="0"/>
+              <a:rPr lang="ko-KR" altLang="en-US" sz="1400" dirty="0"/>
               <a:t>번까지 사용 가능하다</a:t>
             </a:r>
             <a:r>
-              <a:rPr lang="en-US" altLang="ko-KR" sz="1600" dirty="0"/>
+              <a:rPr lang="en-US" altLang="ko-KR" sz="1400" dirty="0"/>
               <a:t>.</a:t>
             </a:r>
           </a:p>
@@ -44388,61 +44388,12 @@
           </a:p>
         </p:txBody>
       </p:sp>
-      <p:sp>
-        <p:nvSpPr>
-          <p:cNvPr id="53" name="직사각형 52">
+      <p:grpSp>
+        <p:nvGrpSpPr>
+          <p:cNvPr id="41" name="그룹 40">
             <a:extLst>
               <a:ext uri="{FF2B5EF4-FFF2-40B4-BE49-F238E27FC236}">
-                <a16:creationId xmlns:a16="http://schemas.microsoft.com/office/drawing/2014/main" id="{8340A83D-E0E1-0F24-AFFD-76B1E77603F7}"/>
-              </a:ext>
-            </a:extLst>
-          </p:cNvPr>
-          <p:cNvSpPr/>
-          <p:nvPr/>
-        </p:nvSpPr>
-        <p:spPr>
-          <a:xfrm>
-            <a:off x="7759346" y="1517675"/>
-            <a:ext cx="4071401" cy="3067878"/>
-          </a:xfrm>
-          <a:prstGeom prst="rect">
-            <a:avLst/>
-          </a:prstGeom>
-          <a:solidFill>
-            <a:schemeClr val="bg1"/>
-          </a:solidFill>
-        </p:spPr>
-        <p:style>
-          <a:lnRef idx="2">
-            <a:schemeClr val="accent1">
-              <a:shade val="15000"/>
-            </a:schemeClr>
-          </a:lnRef>
-          <a:fillRef idx="1">
-            <a:schemeClr val="accent1"/>
-          </a:fillRef>
-          <a:effectRef idx="0">
-            <a:schemeClr val="accent1"/>
-          </a:effectRef>
-          <a:fontRef idx="minor">
-            <a:schemeClr val="lt1"/>
-          </a:fontRef>
-        </p:style>
-        <p:txBody>
-          <a:bodyPr rtlCol="0" anchor="ctr"/>
-          <a:lstStyle/>
-          <a:p>
-            <a:pPr algn="ctr"/>
-            <a:endParaRPr lang="ko-KR" altLang="en-US"/>
-          </a:p>
-        </p:txBody>
-      </p:sp>
-      <p:grpSp>
-        <p:nvGrpSpPr>
-          <p:cNvPr id="43" name="그룹 42">
-            <a:extLst>
-              <a:ext uri="{FF2B5EF4-FFF2-40B4-BE49-F238E27FC236}">
-                <a16:creationId xmlns:a16="http://schemas.microsoft.com/office/drawing/2014/main" id="{490A6522-C7B0-3443-ED54-CBA3C978DB59}"/>
+                <a16:creationId xmlns:a16="http://schemas.microsoft.com/office/drawing/2014/main" id="{F51841F3-CA0C-F8CC-0E15-71C9241A6748}"/>
               </a:ext>
             </a:extLst>
           </p:cNvPr>
@@ -44450,19 +44401,19 @@
           <p:nvPr/>
         </p:nvGrpSpPr>
         <p:grpSpPr>
-          <a:xfrm rot="5400000">
-            <a:off x="7454123" y="2219173"/>
-            <a:ext cx="2822541" cy="1622675"/>
-            <a:chOff x="596345" y="1557116"/>
-            <a:chExt cx="4472608" cy="2571297"/>
+          <a:xfrm>
+            <a:off x="7759346" y="1517675"/>
+            <a:ext cx="4071401" cy="3067878"/>
+            <a:chOff x="7759346" y="1517675"/>
+            <a:chExt cx="4071401" cy="3067878"/>
           </a:xfrm>
         </p:grpSpPr>
         <p:sp>
           <p:nvSpPr>
-            <p:cNvPr id="50" name="사각형: 둥근 모서리 49">
+            <p:cNvPr id="53" name="직사각형 52">
               <a:extLst>
                 <a:ext uri="{FF2B5EF4-FFF2-40B4-BE49-F238E27FC236}">
-                  <a16:creationId xmlns:a16="http://schemas.microsoft.com/office/drawing/2014/main" id="{4938B808-031D-AC1A-7B4C-007BDAE41DD5}"/>
+                  <a16:creationId xmlns:a16="http://schemas.microsoft.com/office/drawing/2014/main" id="{8340A83D-E0E1-0F24-AFFD-76B1E77603F7}"/>
                 </a:ext>
               </a:extLst>
             </p:cNvPr>
@@ -44471,13 +44422,365 @@
           </p:nvSpPr>
           <p:spPr>
             <a:xfrm>
-              <a:off x="596345" y="1557116"/>
-              <a:ext cx="4472608" cy="2571297"/>
+              <a:off x="7759346" y="1517675"/>
+              <a:ext cx="4071401" cy="3067878"/>
             </a:xfrm>
-            <a:prstGeom prst="roundRect">
-              <a:avLst>
-                <a:gd name="adj" fmla="val 2928"/>
-              </a:avLst>
+            <a:prstGeom prst="rect">
+              <a:avLst/>
+            </a:prstGeom>
+            <a:solidFill>
+              <a:schemeClr val="bg1"/>
+            </a:solidFill>
+          </p:spPr>
+          <p:style>
+            <a:lnRef idx="2">
+              <a:schemeClr val="accent1">
+                <a:shade val="15000"/>
+              </a:schemeClr>
+            </a:lnRef>
+            <a:fillRef idx="1">
+              <a:schemeClr val="accent1"/>
+            </a:fillRef>
+            <a:effectRef idx="0">
+              <a:schemeClr val="accent1"/>
+            </a:effectRef>
+            <a:fontRef idx="minor">
+              <a:schemeClr val="lt1"/>
+            </a:fontRef>
+          </p:style>
+          <p:txBody>
+            <a:bodyPr rtlCol="0" anchor="ctr"/>
+            <a:lstStyle/>
+            <a:p>
+              <a:pPr algn="ctr"/>
+              <a:endParaRPr lang="ko-KR" altLang="en-US"/>
+            </a:p>
+          </p:txBody>
+        </p:sp>
+        <p:grpSp>
+          <p:nvGrpSpPr>
+            <p:cNvPr id="43" name="그룹 42">
+              <a:extLst>
+                <a:ext uri="{FF2B5EF4-FFF2-40B4-BE49-F238E27FC236}">
+                  <a16:creationId xmlns:a16="http://schemas.microsoft.com/office/drawing/2014/main" id="{490A6522-C7B0-3443-ED54-CBA3C978DB59}"/>
+                </a:ext>
+              </a:extLst>
+            </p:cNvPr>
+            <p:cNvGrpSpPr/>
+            <p:nvPr/>
+          </p:nvGrpSpPr>
+          <p:grpSpPr>
+            <a:xfrm rot="5400000">
+              <a:off x="7454123" y="2219173"/>
+              <a:ext cx="2822541" cy="1622675"/>
+              <a:chOff x="596345" y="1557116"/>
+              <a:chExt cx="4472608" cy="2571297"/>
+            </a:xfrm>
+          </p:grpSpPr>
+          <p:sp>
+            <p:nvSpPr>
+              <p:cNvPr id="50" name="사각형: 둥근 모서리 49">
+                <a:extLst>
+                  <a:ext uri="{FF2B5EF4-FFF2-40B4-BE49-F238E27FC236}">
+                    <a16:creationId xmlns:a16="http://schemas.microsoft.com/office/drawing/2014/main" id="{4938B808-031D-AC1A-7B4C-007BDAE41DD5}"/>
+                  </a:ext>
+                </a:extLst>
+              </p:cNvPr>
+              <p:cNvSpPr/>
+              <p:nvPr/>
+            </p:nvSpPr>
+            <p:spPr>
+              <a:xfrm>
+                <a:off x="596345" y="1557116"/>
+                <a:ext cx="4472608" cy="2571297"/>
+              </a:xfrm>
+              <a:prstGeom prst="roundRect">
+                <a:avLst>
+                  <a:gd name="adj" fmla="val 2928"/>
+                </a:avLst>
+              </a:prstGeom>
+              <a:solidFill>
+                <a:schemeClr val="bg2">
+                  <a:lumMod val="75000"/>
+                </a:schemeClr>
+              </a:solidFill>
+            </p:spPr>
+            <p:style>
+              <a:lnRef idx="2">
+                <a:schemeClr val="accent1">
+                  <a:shade val="15000"/>
+                </a:schemeClr>
+              </a:lnRef>
+              <a:fillRef idx="1">
+                <a:schemeClr val="accent1"/>
+              </a:fillRef>
+              <a:effectRef idx="0">
+                <a:schemeClr val="accent1"/>
+              </a:effectRef>
+              <a:fontRef idx="minor">
+                <a:schemeClr val="lt1"/>
+              </a:fontRef>
+            </p:style>
+            <p:txBody>
+              <a:bodyPr rtlCol="0" anchor="ctr"/>
+              <a:lstStyle/>
+              <a:p>
+                <a:pPr algn="ctr"/>
+                <a:endParaRPr lang="ko-KR" altLang="en-US" sz="1050"/>
+              </a:p>
+            </p:txBody>
+          </p:sp>
+          <p:sp>
+            <p:nvSpPr>
+              <p:cNvPr id="51" name="직사각형 50">
+                <a:extLst>
+                  <a:ext uri="{FF2B5EF4-FFF2-40B4-BE49-F238E27FC236}">
+                    <a16:creationId xmlns:a16="http://schemas.microsoft.com/office/drawing/2014/main" id="{9730F3D5-7A86-1BBC-5297-61B6ED7906DA}"/>
+                  </a:ext>
+                </a:extLst>
+              </p:cNvPr>
+              <p:cNvSpPr>
+                <a:spLocks noChangeAspect="1"/>
+              </p:cNvSpPr>
+              <p:nvPr/>
+            </p:nvSpPr>
+            <p:spPr>
+              <a:xfrm>
+                <a:off x="750261" y="1649918"/>
+                <a:ext cx="4200992" cy="2363058"/>
+              </a:xfrm>
+              <a:prstGeom prst="rect">
+                <a:avLst/>
+              </a:prstGeom>
+              <a:solidFill>
+                <a:schemeClr val="bg1"/>
+              </a:solidFill>
+              <a:ln>
+                <a:solidFill>
+                  <a:schemeClr val="tx1"/>
+                </a:solidFill>
+              </a:ln>
+            </p:spPr>
+            <p:style>
+              <a:lnRef idx="2">
+                <a:schemeClr val="accent1">
+                  <a:shade val="15000"/>
+                </a:schemeClr>
+              </a:lnRef>
+              <a:fillRef idx="1">
+                <a:schemeClr val="accent1"/>
+              </a:fillRef>
+              <a:effectRef idx="0">
+                <a:schemeClr val="accent1"/>
+              </a:effectRef>
+              <a:fontRef idx="minor">
+                <a:schemeClr val="lt1"/>
+              </a:fontRef>
+            </p:style>
+            <p:txBody>
+              <a:bodyPr rtlCol="0" anchor="ctr"/>
+              <a:lstStyle/>
+              <a:p>
+                <a:pPr algn="ctr"/>
+                <a:endParaRPr lang="ko-KR" altLang="en-US" sz="200"/>
+              </a:p>
+            </p:txBody>
+          </p:sp>
+          <p:sp>
+            <p:nvSpPr>
+              <p:cNvPr id="52" name="타원 51">
+                <a:extLst>
+                  <a:ext uri="{FF2B5EF4-FFF2-40B4-BE49-F238E27FC236}">
+                    <a16:creationId xmlns:a16="http://schemas.microsoft.com/office/drawing/2014/main" id="{AB2CAAC3-C42B-1831-E780-BEBA254AAA0A}"/>
+                  </a:ext>
+                </a:extLst>
+              </p:cNvPr>
+              <p:cNvSpPr/>
+              <p:nvPr/>
+            </p:nvSpPr>
+            <p:spPr>
+              <a:xfrm>
+                <a:off x="626132" y="2793474"/>
+                <a:ext cx="98581" cy="98581"/>
+              </a:xfrm>
+              <a:prstGeom prst="ellipse">
+                <a:avLst/>
+              </a:prstGeom>
+              <a:solidFill>
+                <a:schemeClr val="tx1">
+                  <a:lumMod val="85000"/>
+                  <a:lumOff val="15000"/>
+                </a:schemeClr>
+              </a:solidFill>
+            </p:spPr>
+            <p:style>
+              <a:lnRef idx="2">
+                <a:schemeClr val="accent1">
+                  <a:shade val="15000"/>
+                </a:schemeClr>
+              </a:lnRef>
+              <a:fillRef idx="1">
+                <a:schemeClr val="accent1"/>
+              </a:fillRef>
+              <a:effectRef idx="0">
+                <a:schemeClr val="accent1"/>
+              </a:effectRef>
+              <a:fontRef idx="minor">
+                <a:schemeClr val="lt1"/>
+              </a:fontRef>
+            </p:style>
+            <p:txBody>
+              <a:bodyPr rtlCol="0" anchor="ctr"/>
+              <a:lstStyle/>
+              <a:p>
+                <a:pPr algn="ctr"/>
+                <a:endParaRPr lang="ko-KR" altLang="en-US" sz="1050"/>
+              </a:p>
+            </p:txBody>
+          </p:sp>
+        </p:grpSp>
+        <p:sp>
+          <p:nvSpPr>
+            <p:cNvPr id="54" name="직사각형 53">
+              <a:extLst>
+                <a:ext uri="{FF2B5EF4-FFF2-40B4-BE49-F238E27FC236}">
+                  <a16:creationId xmlns:a16="http://schemas.microsoft.com/office/drawing/2014/main" id="{D3FB5A26-E393-6584-2937-76D58B4F9444}"/>
+                </a:ext>
+              </a:extLst>
+            </p:cNvPr>
+            <p:cNvSpPr/>
+            <p:nvPr/>
+          </p:nvSpPr>
+          <p:spPr>
+            <a:xfrm>
+              <a:off x="10084904" y="2096631"/>
+              <a:ext cx="1622675" cy="2177195"/>
+            </a:xfrm>
+            <a:prstGeom prst="rect">
+              <a:avLst/>
+            </a:prstGeom>
+            <a:solidFill>
+              <a:srgbClr val="FFFF00"/>
+            </a:solidFill>
+          </p:spPr>
+          <p:style>
+            <a:lnRef idx="2">
+              <a:schemeClr val="accent1">
+                <a:shade val="15000"/>
+              </a:schemeClr>
+            </a:lnRef>
+            <a:fillRef idx="1">
+              <a:schemeClr val="accent1"/>
+            </a:fillRef>
+            <a:effectRef idx="0">
+              <a:schemeClr val="accent1"/>
+            </a:effectRef>
+            <a:fontRef idx="minor">
+              <a:schemeClr val="lt1"/>
+            </a:fontRef>
+          </p:style>
+          <p:txBody>
+            <a:bodyPr rtlCol="0" anchor="ctr"/>
+            <a:lstStyle/>
+            <a:p>
+              <a:pPr algn="ctr"/>
+              <a:r>
+                <a:rPr lang="ko-KR" altLang="en-US" sz="1200" dirty="0">
+                  <a:solidFill>
+                    <a:schemeClr val="tx1"/>
+                  </a:solidFill>
+                </a:rPr>
+                <a:t>이체할 계좌</a:t>
+              </a:r>
+              <a:endParaRPr lang="en-US" altLang="ko-KR" sz="1200" dirty="0">
+                <a:solidFill>
+                  <a:schemeClr val="tx1"/>
+                </a:solidFill>
+              </a:endParaRPr>
+            </a:p>
+            <a:p>
+              <a:pPr algn="ctr"/>
+              <a:r>
+                <a:rPr lang="en-US" altLang="ko-KR" sz="1200" dirty="0">
+                  <a:solidFill>
+                    <a:schemeClr val="tx1"/>
+                  </a:solidFill>
+                </a:rPr>
+                <a:t>XX-XXXX-XX</a:t>
+              </a:r>
+            </a:p>
+            <a:p>
+              <a:pPr algn="ctr"/>
+              <a:r>
+                <a:rPr lang="en-US" altLang="ko-KR" sz="1200" dirty="0">
+                  <a:solidFill>
+                    <a:schemeClr val="tx1"/>
+                  </a:solidFill>
+                </a:rPr>
+                <a:t>Oo</a:t>
+              </a:r>
+              <a:r>
+                <a:rPr lang="ko-KR" altLang="en-US" sz="1200" dirty="0">
+                  <a:solidFill>
+                    <a:schemeClr val="tx1"/>
+                  </a:solidFill>
+                </a:rPr>
+                <a:t>은행</a:t>
+              </a:r>
+              <a:endParaRPr lang="en-US" altLang="ko-KR" sz="1200" dirty="0">
+                <a:solidFill>
+                  <a:schemeClr val="tx1"/>
+                </a:solidFill>
+              </a:endParaRPr>
+            </a:p>
+            <a:p>
+              <a:pPr algn="ctr"/>
+              <a:endParaRPr lang="en-US" altLang="ko-KR" sz="1200" dirty="0">
+                <a:solidFill>
+                  <a:schemeClr val="tx1"/>
+                </a:solidFill>
+              </a:endParaRPr>
+            </a:p>
+            <a:p>
+              <a:pPr algn="ctr"/>
+              <a:r>
+                <a:rPr lang="en-US" altLang="ko-KR" sz="1200" dirty="0">
+                  <a:solidFill>
+                    <a:schemeClr val="tx1"/>
+                  </a:solidFill>
+                </a:rPr>
+                <a:t>500,000</a:t>
+              </a:r>
+              <a:r>
+                <a:rPr lang="ko-KR" altLang="en-US" sz="1200" dirty="0">
+                  <a:solidFill>
+                    <a:schemeClr val="tx1"/>
+                  </a:solidFill>
+                </a:rPr>
+                <a:t>원</a:t>
+              </a:r>
+            </a:p>
+          </p:txBody>
+        </p:sp>
+        <p:sp>
+          <p:nvSpPr>
+            <p:cNvPr id="56" name="직사각형 55">
+              <a:extLst>
+                <a:ext uri="{FF2B5EF4-FFF2-40B4-BE49-F238E27FC236}">
+                  <a16:creationId xmlns:a16="http://schemas.microsoft.com/office/drawing/2014/main" id="{19131EAB-555B-B936-C70D-89599191EB51}"/>
+                </a:ext>
+              </a:extLst>
+            </p:cNvPr>
+            <p:cNvSpPr/>
+            <p:nvPr/>
+          </p:nvSpPr>
+          <p:spPr>
+            <a:xfrm>
+              <a:off x="8262730" y="2246243"/>
+              <a:ext cx="1225827" cy="146368"/>
+            </a:xfrm>
+            <a:prstGeom prst="rect">
+              <a:avLst/>
             </a:prstGeom>
             <a:solidFill>
               <a:schemeClr val="bg2">
@@ -44506,72 +44809,51 @@
             <a:lstStyle/>
             <a:p>
               <a:pPr algn="ctr"/>
-              <a:endParaRPr lang="ko-KR" altLang="en-US" sz="1050"/>
+              <a:endParaRPr lang="ko-KR" altLang="en-US"/>
             </a:p>
           </p:txBody>
         </p:sp>
         <p:sp>
           <p:nvSpPr>
-            <p:cNvPr id="51" name="직사각형 50">
+            <p:cNvPr id="57" name="TextBox 56">
               <a:extLst>
                 <a:ext uri="{FF2B5EF4-FFF2-40B4-BE49-F238E27FC236}">
-                  <a16:creationId xmlns:a16="http://schemas.microsoft.com/office/drawing/2014/main" id="{9730F3D5-7A86-1BBC-5297-61B6ED7906DA}"/>
+                  <a16:creationId xmlns:a16="http://schemas.microsoft.com/office/drawing/2014/main" id="{8561EBB6-FDD5-3905-37D1-AD3B1DE0F8E2}"/>
                 </a:ext>
               </a:extLst>
             </p:cNvPr>
-            <p:cNvSpPr>
-              <a:spLocks noChangeAspect="1"/>
-            </p:cNvSpPr>
+            <p:cNvSpPr txBox="1"/>
             <p:nvPr/>
           </p:nvSpPr>
           <p:spPr>
             <a:xfrm>
-              <a:off x="750261" y="1649918"/>
-              <a:ext cx="4200992" cy="2363058"/>
+              <a:off x="8262730" y="1981215"/>
+              <a:ext cx="801823" cy="230832"/>
             </a:xfrm>
             <a:prstGeom prst="rect">
               <a:avLst/>
             </a:prstGeom>
-            <a:solidFill>
-              <a:schemeClr val="bg1"/>
-            </a:solidFill>
-            <a:ln>
-              <a:solidFill>
-                <a:schemeClr val="tx1"/>
-              </a:solidFill>
-            </a:ln>
+            <a:noFill/>
           </p:spPr>
-          <p:style>
-            <a:lnRef idx="2">
-              <a:schemeClr val="accent1">
-                <a:shade val="15000"/>
-              </a:schemeClr>
-            </a:lnRef>
-            <a:fillRef idx="1">
-              <a:schemeClr val="accent1"/>
-            </a:fillRef>
-            <a:effectRef idx="0">
-              <a:schemeClr val="accent1"/>
-            </a:effectRef>
-            <a:fontRef idx="minor">
-              <a:schemeClr val="lt1"/>
-            </a:fontRef>
-          </p:style>
           <p:txBody>
-            <a:bodyPr rtlCol="0" anchor="ctr"/>
+            <a:bodyPr wrap="none" rtlCol="0">
+              <a:spAutoFit/>
+            </a:bodyPr>
             <a:lstStyle/>
             <a:p>
-              <a:pPr algn="ctr"/>
-              <a:endParaRPr lang="ko-KR" altLang="en-US" sz="200"/>
+              <a:r>
+                <a:rPr lang="ko-KR" altLang="en-US" sz="900" dirty="0"/>
+                <a:t>이체할 계좌</a:t>
+              </a:r>
             </a:p>
           </p:txBody>
         </p:sp>
         <p:sp>
           <p:nvSpPr>
-            <p:cNvPr id="52" name="타원 51">
+            <p:cNvPr id="58" name="직사각형 57">
               <a:extLst>
                 <a:ext uri="{FF2B5EF4-FFF2-40B4-BE49-F238E27FC236}">
-                  <a16:creationId xmlns:a16="http://schemas.microsoft.com/office/drawing/2014/main" id="{AB2CAAC3-C42B-1831-E780-BEBA254AAA0A}"/>
+                  <a16:creationId xmlns:a16="http://schemas.microsoft.com/office/drawing/2014/main" id="{90B99A34-CE6C-00B5-28BE-5EFCDECCC5FB}"/>
                 </a:ext>
               </a:extLst>
             </p:cNvPr>
@@ -44580,16 +44862,15 @@
           </p:nvSpPr>
           <p:spPr>
             <a:xfrm>
-              <a:off x="626132" y="2793474"/>
-              <a:ext cx="98581" cy="98581"/>
+              <a:off x="8262730" y="2913768"/>
+              <a:ext cx="1225827" cy="146368"/>
             </a:xfrm>
-            <a:prstGeom prst="ellipse">
+            <a:prstGeom prst="rect">
               <a:avLst/>
             </a:prstGeom>
             <a:solidFill>
-              <a:schemeClr val="tx1">
-                <a:lumMod val="85000"/>
-                <a:lumOff val="15000"/>
+              <a:schemeClr val="bg2">
+                <a:lumMod val="75000"/>
               </a:schemeClr>
             </a:solidFill>
           </p:spPr>
@@ -44614,362 +44895,102 @@
             <a:lstStyle/>
             <a:p>
               <a:pPr algn="ctr"/>
-              <a:endParaRPr lang="ko-KR" altLang="en-US" sz="1050"/>
+              <a:endParaRPr lang="ko-KR" altLang="en-US"/>
+            </a:p>
+          </p:txBody>
+        </p:sp>
+        <p:sp>
+          <p:nvSpPr>
+            <p:cNvPr id="59" name="TextBox 58">
+              <a:extLst>
+                <a:ext uri="{FF2B5EF4-FFF2-40B4-BE49-F238E27FC236}">
+                  <a16:creationId xmlns:a16="http://schemas.microsoft.com/office/drawing/2014/main" id="{6B4CDC23-F6D6-14AF-336D-61CEB5101BDD}"/>
+                </a:ext>
+              </a:extLst>
+            </p:cNvPr>
+            <p:cNvSpPr txBox="1"/>
+            <p:nvPr/>
+          </p:nvSpPr>
+          <p:spPr>
+            <a:xfrm>
+              <a:off x="8262730" y="2647082"/>
+              <a:ext cx="415498" cy="230832"/>
+            </a:xfrm>
+            <a:prstGeom prst="rect">
+              <a:avLst/>
+            </a:prstGeom>
+            <a:noFill/>
+          </p:spPr>
+          <p:txBody>
+            <a:bodyPr wrap="none" rtlCol="0">
+              <a:spAutoFit/>
+            </a:bodyPr>
+            <a:lstStyle/>
+            <a:p>
+              <a:r>
+                <a:rPr lang="ko-KR" altLang="en-US" sz="900" dirty="0"/>
+                <a:t>금액</a:t>
+              </a:r>
+            </a:p>
+          </p:txBody>
+        </p:sp>
+        <p:sp>
+          <p:nvSpPr>
+            <p:cNvPr id="60" name="직사각형 59">
+              <a:extLst>
+                <a:ext uri="{FF2B5EF4-FFF2-40B4-BE49-F238E27FC236}">
+                  <a16:creationId xmlns:a16="http://schemas.microsoft.com/office/drawing/2014/main" id="{8BD00154-BC7F-38EF-D1E1-55169B3A4ADD}"/>
+                </a:ext>
+              </a:extLst>
+            </p:cNvPr>
+            <p:cNvSpPr/>
+            <p:nvPr/>
+          </p:nvSpPr>
+          <p:spPr>
+            <a:xfrm>
+              <a:off x="8429241" y="4073746"/>
+              <a:ext cx="872304" cy="211566"/>
+            </a:xfrm>
+            <a:prstGeom prst="rect">
+              <a:avLst/>
+            </a:prstGeom>
+            <a:solidFill>
+              <a:srgbClr val="00B050"/>
+            </a:solidFill>
+          </p:spPr>
+          <p:style>
+            <a:lnRef idx="2">
+              <a:schemeClr val="accent1">
+                <a:shade val="15000"/>
+              </a:schemeClr>
+            </a:lnRef>
+            <a:fillRef idx="1">
+              <a:schemeClr val="accent1"/>
+            </a:fillRef>
+            <a:effectRef idx="0">
+              <a:schemeClr val="accent1"/>
+            </a:effectRef>
+            <a:fontRef idx="minor">
+              <a:schemeClr val="lt1"/>
+            </a:fontRef>
+          </p:style>
+          <p:txBody>
+            <a:bodyPr rtlCol="0" anchor="ctr"/>
+            <a:lstStyle/>
+            <a:p>
+              <a:pPr algn="ctr"/>
+              <a:r>
+                <a:rPr lang="ko-KR" altLang="en-US" sz="1000">
+                  <a:solidFill>
+                    <a:schemeClr val="tx1"/>
+                  </a:solidFill>
+                </a:rPr>
+                <a:t>이체하기</a:t>
+              </a:r>
             </a:p>
           </p:txBody>
         </p:sp>
       </p:grpSp>
-      <p:sp>
-        <p:nvSpPr>
-          <p:cNvPr id="54" name="직사각형 53">
-            <a:extLst>
-              <a:ext uri="{FF2B5EF4-FFF2-40B4-BE49-F238E27FC236}">
-                <a16:creationId xmlns:a16="http://schemas.microsoft.com/office/drawing/2014/main" id="{D3FB5A26-E393-6584-2937-76D58B4F9444}"/>
-              </a:ext>
-            </a:extLst>
-          </p:cNvPr>
-          <p:cNvSpPr/>
-          <p:nvPr/>
-        </p:nvSpPr>
-        <p:spPr>
-          <a:xfrm>
-            <a:off x="10084904" y="2096631"/>
-            <a:ext cx="1622675" cy="2177195"/>
-          </a:xfrm>
-          <a:prstGeom prst="rect">
-            <a:avLst/>
-          </a:prstGeom>
-          <a:solidFill>
-            <a:srgbClr val="FFFF00"/>
-          </a:solidFill>
-        </p:spPr>
-        <p:style>
-          <a:lnRef idx="2">
-            <a:schemeClr val="accent1">
-              <a:shade val="15000"/>
-            </a:schemeClr>
-          </a:lnRef>
-          <a:fillRef idx="1">
-            <a:schemeClr val="accent1"/>
-          </a:fillRef>
-          <a:effectRef idx="0">
-            <a:schemeClr val="accent1"/>
-          </a:effectRef>
-          <a:fontRef idx="minor">
-            <a:schemeClr val="lt1"/>
-          </a:fontRef>
-        </p:style>
-        <p:txBody>
-          <a:bodyPr rtlCol="0" anchor="ctr"/>
-          <a:lstStyle/>
-          <a:p>
-            <a:pPr algn="ctr"/>
-            <a:r>
-              <a:rPr lang="ko-KR" altLang="en-US" sz="1200" dirty="0">
-                <a:solidFill>
-                  <a:schemeClr val="tx1"/>
-                </a:solidFill>
-              </a:rPr>
-              <a:t>이체할 계좌</a:t>
-            </a:r>
-            <a:endParaRPr lang="en-US" altLang="ko-KR" sz="1200" dirty="0">
-              <a:solidFill>
-                <a:schemeClr val="tx1"/>
-              </a:solidFill>
-            </a:endParaRPr>
-          </a:p>
-          <a:p>
-            <a:pPr algn="ctr"/>
-            <a:r>
-              <a:rPr lang="en-US" altLang="ko-KR" sz="1200" dirty="0">
-                <a:solidFill>
-                  <a:schemeClr val="tx1"/>
-                </a:solidFill>
-              </a:rPr>
-              <a:t>XX-XXXX-XX</a:t>
-            </a:r>
-          </a:p>
-          <a:p>
-            <a:pPr algn="ctr"/>
-            <a:r>
-              <a:rPr lang="en-US" altLang="ko-KR" sz="1200" dirty="0">
-                <a:solidFill>
-                  <a:schemeClr val="tx1"/>
-                </a:solidFill>
-              </a:rPr>
-              <a:t>Oo</a:t>
-            </a:r>
-            <a:r>
-              <a:rPr lang="ko-KR" altLang="en-US" sz="1200" dirty="0">
-                <a:solidFill>
-                  <a:schemeClr val="tx1"/>
-                </a:solidFill>
-              </a:rPr>
-              <a:t>은행</a:t>
-            </a:r>
-            <a:endParaRPr lang="en-US" altLang="ko-KR" sz="1200" dirty="0">
-              <a:solidFill>
-                <a:schemeClr val="tx1"/>
-              </a:solidFill>
-            </a:endParaRPr>
-          </a:p>
-          <a:p>
-            <a:pPr algn="ctr"/>
-            <a:endParaRPr lang="en-US" altLang="ko-KR" sz="1200" dirty="0">
-              <a:solidFill>
-                <a:schemeClr val="tx1"/>
-              </a:solidFill>
-            </a:endParaRPr>
-          </a:p>
-          <a:p>
-            <a:pPr algn="ctr"/>
-            <a:r>
-              <a:rPr lang="en-US" altLang="ko-KR" sz="1200" dirty="0">
-                <a:solidFill>
-                  <a:schemeClr val="tx1"/>
-                </a:solidFill>
-              </a:rPr>
-              <a:t>500,000</a:t>
-            </a:r>
-            <a:r>
-              <a:rPr lang="ko-KR" altLang="en-US" sz="1200" dirty="0">
-                <a:solidFill>
-                  <a:schemeClr val="tx1"/>
-                </a:solidFill>
-              </a:rPr>
-              <a:t>원</a:t>
-            </a:r>
-          </a:p>
-        </p:txBody>
-      </p:sp>
-      <p:sp>
-        <p:nvSpPr>
-          <p:cNvPr id="56" name="직사각형 55">
-            <a:extLst>
-              <a:ext uri="{FF2B5EF4-FFF2-40B4-BE49-F238E27FC236}">
-                <a16:creationId xmlns:a16="http://schemas.microsoft.com/office/drawing/2014/main" id="{19131EAB-555B-B936-C70D-89599191EB51}"/>
-              </a:ext>
-            </a:extLst>
-          </p:cNvPr>
-          <p:cNvSpPr/>
-          <p:nvPr/>
-        </p:nvSpPr>
-        <p:spPr>
-          <a:xfrm>
-            <a:off x="8262730" y="2246243"/>
-            <a:ext cx="1225827" cy="146368"/>
-          </a:xfrm>
-          <a:prstGeom prst="rect">
-            <a:avLst/>
-          </a:prstGeom>
-          <a:solidFill>
-            <a:schemeClr val="bg2">
-              <a:lumMod val="75000"/>
-            </a:schemeClr>
-          </a:solidFill>
-        </p:spPr>
-        <p:style>
-          <a:lnRef idx="2">
-            <a:schemeClr val="accent1">
-              <a:shade val="15000"/>
-            </a:schemeClr>
-          </a:lnRef>
-          <a:fillRef idx="1">
-            <a:schemeClr val="accent1"/>
-          </a:fillRef>
-          <a:effectRef idx="0">
-            <a:schemeClr val="accent1"/>
-          </a:effectRef>
-          <a:fontRef idx="minor">
-            <a:schemeClr val="lt1"/>
-          </a:fontRef>
-        </p:style>
-        <p:txBody>
-          <a:bodyPr rtlCol="0" anchor="ctr"/>
-          <a:lstStyle/>
-          <a:p>
-            <a:pPr algn="ctr"/>
-            <a:endParaRPr lang="ko-KR" altLang="en-US"/>
-          </a:p>
-        </p:txBody>
-      </p:sp>
-      <p:sp>
-        <p:nvSpPr>
-          <p:cNvPr id="57" name="TextBox 56">
-            <a:extLst>
-              <a:ext uri="{FF2B5EF4-FFF2-40B4-BE49-F238E27FC236}">
-                <a16:creationId xmlns:a16="http://schemas.microsoft.com/office/drawing/2014/main" id="{8561EBB6-FDD5-3905-37D1-AD3B1DE0F8E2}"/>
-              </a:ext>
-            </a:extLst>
-          </p:cNvPr>
-          <p:cNvSpPr txBox="1"/>
-          <p:nvPr/>
-        </p:nvSpPr>
-        <p:spPr>
-          <a:xfrm>
-            <a:off x="8262730" y="1981215"/>
-            <a:ext cx="801823" cy="230832"/>
-          </a:xfrm>
-          <a:prstGeom prst="rect">
-            <a:avLst/>
-          </a:prstGeom>
-          <a:noFill/>
-        </p:spPr>
-        <p:txBody>
-          <a:bodyPr wrap="none" rtlCol="0">
-            <a:spAutoFit/>
-          </a:bodyPr>
-          <a:lstStyle/>
-          <a:p>
-            <a:r>
-              <a:rPr lang="ko-KR" altLang="en-US" sz="900" dirty="0"/>
-              <a:t>이체할 계좌</a:t>
-            </a:r>
-          </a:p>
-        </p:txBody>
-      </p:sp>
-      <p:sp>
-        <p:nvSpPr>
-          <p:cNvPr id="58" name="직사각형 57">
-            <a:extLst>
-              <a:ext uri="{FF2B5EF4-FFF2-40B4-BE49-F238E27FC236}">
-                <a16:creationId xmlns:a16="http://schemas.microsoft.com/office/drawing/2014/main" id="{90B99A34-CE6C-00B5-28BE-5EFCDECCC5FB}"/>
-              </a:ext>
-            </a:extLst>
-          </p:cNvPr>
-          <p:cNvSpPr/>
-          <p:nvPr/>
-        </p:nvSpPr>
-        <p:spPr>
-          <a:xfrm>
-            <a:off x="8262730" y="2913768"/>
-            <a:ext cx="1225827" cy="146368"/>
-          </a:xfrm>
-          <a:prstGeom prst="rect">
-            <a:avLst/>
-          </a:prstGeom>
-          <a:solidFill>
-            <a:schemeClr val="bg2">
-              <a:lumMod val="75000"/>
-            </a:schemeClr>
-          </a:solidFill>
-        </p:spPr>
-        <p:style>
-          <a:lnRef idx="2">
-            <a:schemeClr val="accent1">
-              <a:shade val="15000"/>
-            </a:schemeClr>
-          </a:lnRef>
-          <a:fillRef idx="1">
-            <a:schemeClr val="accent1"/>
-          </a:fillRef>
-          <a:effectRef idx="0">
-            <a:schemeClr val="accent1"/>
-          </a:effectRef>
-          <a:fontRef idx="minor">
-            <a:schemeClr val="lt1"/>
-          </a:fontRef>
-        </p:style>
-        <p:txBody>
-          <a:bodyPr rtlCol="0" anchor="ctr"/>
-          <a:lstStyle/>
-          <a:p>
-            <a:pPr algn="ctr"/>
-            <a:endParaRPr lang="ko-KR" altLang="en-US"/>
-          </a:p>
-        </p:txBody>
-      </p:sp>
-      <p:sp>
-        <p:nvSpPr>
-          <p:cNvPr id="59" name="TextBox 58">
-            <a:extLst>
-              <a:ext uri="{FF2B5EF4-FFF2-40B4-BE49-F238E27FC236}">
-                <a16:creationId xmlns:a16="http://schemas.microsoft.com/office/drawing/2014/main" id="{6B4CDC23-F6D6-14AF-336D-61CEB5101BDD}"/>
-              </a:ext>
-            </a:extLst>
-          </p:cNvPr>
-          <p:cNvSpPr txBox="1"/>
-          <p:nvPr/>
-        </p:nvSpPr>
-        <p:spPr>
-          <a:xfrm>
-            <a:off x="8262730" y="2647082"/>
-            <a:ext cx="415498" cy="230832"/>
-          </a:xfrm>
-          <a:prstGeom prst="rect">
-            <a:avLst/>
-          </a:prstGeom>
-          <a:noFill/>
-        </p:spPr>
-        <p:txBody>
-          <a:bodyPr wrap="none" rtlCol="0">
-            <a:spAutoFit/>
-          </a:bodyPr>
-          <a:lstStyle/>
-          <a:p>
-            <a:r>
-              <a:rPr lang="ko-KR" altLang="en-US" sz="900" dirty="0"/>
-              <a:t>금액</a:t>
-            </a:r>
-          </a:p>
-        </p:txBody>
-      </p:sp>
-      <p:sp>
-        <p:nvSpPr>
-          <p:cNvPr id="60" name="직사각형 59">
-            <a:extLst>
-              <a:ext uri="{FF2B5EF4-FFF2-40B4-BE49-F238E27FC236}">
-                <a16:creationId xmlns:a16="http://schemas.microsoft.com/office/drawing/2014/main" id="{8BD00154-BC7F-38EF-D1E1-55169B3A4ADD}"/>
-              </a:ext>
-            </a:extLst>
-          </p:cNvPr>
-          <p:cNvSpPr/>
-          <p:nvPr/>
-        </p:nvSpPr>
-        <p:spPr>
-          <a:xfrm>
-            <a:off x="8429241" y="4073746"/>
-            <a:ext cx="872304" cy="211566"/>
-          </a:xfrm>
-          <a:prstGeom prst="rect">
-            <a:avLst/>
-          </a:prstGeom>
-          <a:solidFill>
-            <a:srgbClr val="00B050"/>
-          </a:solidFill>
-        </p:spPr>
-        <p:style>
-          <a:lnRef idx="2">
-            <a:schemeClr val="accent1">
-              <a:shade val="15000"/>
-            </a:schemeClr>
-          </a:lnRef>
-          <a:fillRef idx="1">
-            <a:schemeClr val="accent1"/>
-          </a:fillRef>
-          <a:effectRef idx="0">
-            <a:schemeClr val="accent1"/>
-          </a:effectRef>
-          <a:fontRef idx="minor">
-            <a:schemeClr val="lt1"/>
-          </a:fontRef>
-        </p:style>
-        <p:txBody>
-          <a:bodyPr rtlCol="0" anchor="ctr"/>
-          <a:lstStyle/>
-          <a:p>
-            <a:pPr algn="ctr"/>
-            <a:r>
-              <a:rPr lang="ko-KR" altLang="en-US" sz="1000">
-                <a:solidFill>
-                  <a:schemeClr val="tx1"/>
-                </a:solidFill>
-              </a:rPr>
-              <a:t>이체하기</a:t>
-            </a:r>
-          </a:p>
-        </p:txBody>
-      </p:sp>
       <p:sp>
         <p:nvSpPr>
           <p:cNvPr id="61" name="직사각형 60">

--- a/document/Please Leave me alone!.pptx
+++ b/document/Please Leave me alone!.pptx
@@ -5096,8 +5096,8 @@
         </p:nvSpPr>
         <p:spPr>
           <a:xfrm>
-            <a:off x="430696" y="5127679"/>
-            <a:ext cx="8908208" cy="1231106"/>
+            <a:off x="430696" y="5052371"/>
+            <a:ext cx="8959504" cy="1231106"/>
           </a:xfrm>
           <a:prstGeom prst="rect">
             <a:avLst/>
@@ -51903,8 +51903,8 @@
         </p:nvSpPr>
         <p:spPr>
           <a:xfrm>
-            <a:off x="224040" y="5531086"/>
-            <a:ext cx="11743921" cy="646331"/>
+            <a:off x="224040" y="5079473"/>
+            <a:ext cx="11743921" cy="1285288"/>
           </a:xfrm>
           <a:prstGeom prst="rect">
             <a:avLst/>
@@ -51918,12 +51918,32 @@
           <a:lstStyle/>
           <a:p>
             <a:pPr marL="285750" indent="-285750">
-              <a:buFont typeface="Arial" panose="020B0604020202020204" pitchFamily="34" charset="0"/>
-              <a:buChar char="•"/>
+              <a:lnSpc>
+                <a:spcPct val="150000"/>
+              </a:lnSpc>
+              <a:buFontTx/>
+              <a:buChar char="-"/>
             </a:pPr>
             <a:r>
               <a:rPr lang="ko-KR" altLang="en-US" dirty="0"/>
               <a:t>기본적으로 미니게임의 목표를 달성하기 위해서 게임을 플레이 한다</a:t>
+            </a:r>
+            <a:r>
+              <a:rPr lang="en-US" altLang="ko-KR" dirty="0"/>
+              <a:t>. </a:t>
+            </a:r>
+          </a:p>
+          <a:p>
+            <a:pPr marL="285750" indent="-285750">
+              <a:lnSpc>
+                <a:spcPct val="150000"/>
+              </a:lnSpc>
+              <a:buFontTx/>
+              <a:buChar char="-"/>
+            </a:pPr>
+            <a:r>
+              <a:rPr lang="ko-KR" altLang="en-US" dirty="0"/>
+              <a:t>특정 시간마다 랜덤하게 발생하는 방해 이벤트를 해결하여 다시 미니 게임에 집중해 게임을 클리어해야 한다</a:t>
             </a:r>
             <a:r>
               <a:rPr lang="en-US" altLang="ko-KR" dirty="0"/>
@@ -51932,12 +51952,23 @@
           </a:p>
           <a:p>
             <a:pPr marL="285750" indent="-285750">
-              <a:buFont typeface="Arial" panose="020B0604020202020204" pitchFamily="34" charset="0"/>
-              <a:buChar char="•"/>
+              <a:lnSpc>
+                <a:spcPct val="150000"/>
+              </a:lnSpc>
+              <a:buFontTx/>
+              <a:buChar char="-"/>
             </a:pPr>
             <a:r>
               <a:rPr lang="ko-KR" altLang="en-US" dirty="0"/>
-              <a:t>특정 시간마다 랜덤하게 발생하는 방해 이벤트를 해결하여 다시 미니 게임에 집중해 게임을 클리어해야 한다</a:t>
+              <a:t>미니게임은 일시정지상태에서 풀릴 경우 </a:t>
+            </a:r>
+            <a:r>
+              <a:rPr lang="en-US" altLang="ko-KR" dirty="0"/>
+              <a:t>3</a:t>
+            </a:r>
+            <a:r>
+              <a:rPr lang="ko-KR" altLang="en-US" dirty="0"/>
+              <a:t>초의 카운트 다운이 지나고 게임이 다시 재게 된다</a:t>
             </a:r>
             <a:r>
               <a:rPr lang="en-US" altLang="ko-KR" dirty="0"/>
@@ -51975,7 +52006,7 @@
         </p:blipFill>
         <p:spPr>
           <a:xfrm>
-            <a:off x="2954214" y="1354716"/>
+            <a:off x="2954214" y="970406"/>
             <a:ext cx="6971559" cy="3908128"/>
           </a:xfrm>
           <a:prstGeom prst="rect">

--- a/document/Please Leave me alone!.pptx
+++ b/document/Please Leave me alone!.pptx
@@ -35,8 +35,8 @@
     <p:sldId id="290" r:id="rId26"/>
     <p:sldId id="291" r:id="rId27"/>
     <p:sldId id="292" r:id="rId28"/>
-    <p:sldId id="293" r:id="rId29"/>
-    <p:sldId id="276" r:id="rId30"/>
+    <p:sldId id="276" r:id="rId29"/>
+    <p:sldId id="295" r:id="rId30"/>
     <p:sldId id="275" r:id="rId31"/>
     <p:sldId id="287" r:id="rId32"/>
     <p:sldId id="288" r:id="rId33"/>
@@ -230,7 +230,7 @@
           <a:p>
             <a:fld id="{A9BD1FE7-2F33-4B0D-BA08-1CEE25D4E3DB}" type="datetimeFigureOut">
               <a:rPr lang="ko-KR" altLang="en-US" smtClean="0"/>
-              <a:t>2025-02-05</a:t>
+              <a:t>2025-02-06</a:t>
             </a:fld>
             <a:endParaRPr lang="ko-KR" altLang="en-US"/>
           </a:p>
@@ -944,7 +944,7 @@
           <a:p>
             <a:fld id="{783F481A-738D-4EBC-92BF-08655C0568CC}" type="datetime1">
               <a:rPr lang="ko-KR" altLang="en-US" smtClean="0"/>
-              <a:t>2025-02-05</a:t>
+              <a:t>2025-02-06</a:t>
             </a:fld>
             <a:endParaRPr lang="ko-KR" altLang="en-US"/>
           </a:p>
@@ -1142,7 +1142,7 @@
           <a:p>
             <a:fld id="{6D9BB776-B79C-4546-8ABA-DA45D9C133A7}" type="datetime1">
               <a:rPr lang="ko-KR" altLang="en-US" smtClean="0"/>
-              <a:t>2025-02-05</a:t>
+              <a:t>2025-02-06</a:t>
             </a:fld>
             <a:endParaRPr lang="ko-KR" altLang="en-US"/>
           </a:p>
@@ -1350,7 +1350,7 @@
           <a:p>
             <a:fld id="{720FF001-C6D3-49EC-8DC3-B2593B1DC1C3}" type="datetime1">
               <a:rPr lang="ko-KR" altLang="en-US" smtClean="0"/>
-              <a:t>2025-02-05</a:t>
+              <a:t>2025-02-06</a:t>
             </a:fld>
             <a:endParaRPr lang="ko-KR" altLang="en-US"/>
           </a:p>
@@ -1548,7 +1548,7 @@
           <a:p>
             <a:fld id="{091E519C-B90B-4A61-8F7D-EA80CD22B7D5}" type="datetime1">
               <a:rPr lang="ko-KR" altLang="en-US" smtClean="0"/>
-              <a:t>2025-02-05</a:t>
+              <a:t>2025-02-06</a:t>
             </a:fld>
             <a:endParaRPr lang="ko-KR" altLang="en-US"/>
           </a:p>
@@ -1823,7 +1823,7 @@
           <a:p>
             <a:fld id="{FD734108-2D59-40E2-B393-1F390391A1FB}" type="datetime1">
               <a:rPr lang="ko-KR" altLang="en-US" smtClean="0"/>
-              <a:t>2025-02-05</a:t>
+              <a:t>2025-02-06</a:t>
             </a:fld>
             <a:endParaRPr lang="ko-KR" altLang="en-US"/>
           </a:p>
@@ -2088,7 +2088,7 @@
           <a:p>
             <a:fld id="{297FF520-CDFD-4316-AC89-B0A764216C4E}" type="datetime1">
               <a:rPr lang="ko-KR" altLang="en-US" smtClean="0"/>
-              <a:t>2025-02-05</a:t>
+              <a:t>2025-02-06</a:t>
             </a:fld>
             <a:endParaRPr lang="ko-KR" altLang="en-US"/>
           </a:p>
@@ -2500,7 +2500,7 @@
           <a:p>
             <a:fld id="{0CF3B42C-2182-4183-A46A-124CD019AF43}" type="datetime1">
               <a:rPr lang="ko-KR" altLang="en-US" smtClean="0"/>
-              <a:t>2025-02-05</a:t>
+              <a:t>2025-02-06</a:t>
             </a:fld>
             <a:endParaRPr lang="ko-KR" altLang="en-US"/>
           </a:p>
@@ -2641,7 +2641,7 @@
           <a:p>
             <a:fld id="{B738F611-77C6-4F89-8E2C-D3A9C27DF43F}" type="datetime1">
               <a:rPr lang="ko-KR" altLang="en-US" smtClean="0"/>
-              <a:t>2025-02-05</a:t>
+              <a:t>2025-02-06</a:t>
             </a:fld>
             <a:endParaRPr lang="ko-KR" altLang="en-US"/>
           </a:p>
@@ -2754,7 +2754,7 @@
           <a:p>
             <a:fld id="{A051748B-BCED-40F0-8EF5-AF075B4618B9}" type="datetime1">
               <a:rPr lang="ko-KR" altLang="en-US" smtClean="0"/>
-              <a:t>2025-02-05</a:t>
+              <a:t>2025-02-06</a:t>
             </a:fld>
             <a:endParaRPr lang="ko-KR" altLang="en-US"/>
           </a:p>
@@ -3065,7 +3065,7 @@
           <a:p>
             <a:fld id="{41DBB85A-8EA7-4277-A6E6-46EF2EEF4790}" type="datetime1">
               <a:rPr lang="ko-KR" altLang="en-US" smtClean="0"/>
-              <a:t>2025-02-05</a:t>
+              <a:t>2025-02-06</a:t>
             </a:fld>
             <a:endParaRPr lang="ko-KR" altLang="en-US"/>
           </a:p>
@@ -3353,7 +3353,7 @@
           <a:p>
             <a:fld id="{BBE44FDA-CB41-4E86-912D-6ECC7574FD7F}" type="datetime1">
               <a:rPr lang="ko-KR" altLang="en-US" smtClean="0"/>
-              <a:t>2025-02-05</a:t>
+              <a:t>2025-02-06</a:t>
             </a:fld>
             <a:endParaRPr lang="ko-KR" altLang="en-US"/>
           </a:p>
@@ -3594,7 +3594,7 @@
           <a:p>
             <a:fld id="{F0992805-70C9-4612-850D-0415F751BF22}" type="datetime1">
               <a:rPr lang="ko-KR" altLang="en-US" smtClean="0"/>
-              <a:t>2025-02-05</a:t>
+              <a:t>2025-02-06</a:t>
             </a:fld>
             <a:endParaRPr lang="ko-KR" altLang="en-US"/>
           </a:p>
@@ -20505,8 +20505,8 @@
         </p:nvSpPr>
         <p:spPr>
           <a:xfrm>
-            <a:off x="3401273" y="3325008"/>
-            <a:ext cx="1631593" cy="585471"/>
+            <a:off x="3352066" y="3125828"/>
+            <a:ext cx="1631593" cy="728104"/>
           </a:xfrm>
           <a:prstGeom prst="wedgeRectCallout">
             <a:avLst>
@@ -20584,6 +20584,38 @@
                 </a:solidFill>
               </a:rPr>
               <a:t>점프</a:t>
+            </a:r>
+            <a:endParaRPr lang="en-US" altLang="ko-KR" sz="1100" dirty="0">
+              <a:solidFill>
+                <a:schemeClr val="tx1"/>
+              </a:solidFill>
+            </a:endParaRPr>
+          </a:p>
+          <a:p>
+            <a:pPr algn="ctr"/>
+            <a:r>
+              <a:rPr lang="ko-KR" altLang="en-US" sz="1100" dirty="0">
+                <a:solidFill>
+                  <a:schemeClr val="tx1"/>
+                </a:solidFill>
+              </a:rPr>
+              <a:t>체공 시간 </a:t>
+            </a:r>
+            <a:r>
+              <a:rPr lang="en-US" altLang="ko-KR" sz="1100" dirty="0">
+                <a:solidFill>
+                  <a:schemeClr val="tx1"/>
+                </a:solidFill>
+              </a:rPr>
+              <a:t>0.1</a:t>
+            </a:r>
+            <a:r>
+              <a:rPr lang="ko-KR" altLang="en-US" sz="1100" dirty="0">
+                <a:solidFill>
+                  <a:schemeClr val="tx1"/>
+                </a:solidFill>
+              </a:rPr>
+              <a:t>초</a:t>
             </a:r>
             <a:endParaRPr lang="en-US" altLang="ko-KR" sz="1100" dirty="0">
               <a:solidFill>
@@ -20815,8 +20847,8 @@
         </p:nvSpPr>
         <p:spPr>
           <a:xfrm>
-            <a:off x="5965240" y="3673822"/>
-            <a:ext cx="1631593" cy="585471"/>
+            <a:off x="5478720" y="3680773"/>
+            <a:ext cx="2419431" cy="605100"/>
           </a:xfrm>
           <a:prstGeom prst="wedgeRectCallout">
             <a:avLst>
@@ -20894,6 +20926,22 @@
                 </a:solidFill>
               </a:rPr>
               <a:t>슬라이딩</a:t>
+            </a:r>
+            <a:endParaRPr lang="en-US" altLang="ko-KR" sz="1100" dirty="0">
+              <a:solidFill>
+                <a:schemeClr val="tx1"/>
+              </a:solidFill>
+            </a:endParaRPr>
+          </a:p>
+          <a:p>
+            <a:pPr algn="ctr"/>
+            <a:r>
+              <a:rPr lang="ko-KR" altLang="en-US" sz="1100" dirty="0">
+                <a:solidFill>
+                  <a:schemeClr val="tx1"/>
+                </a:solidFill>
+              </a:rPr>
+              <a:t>조작 키를 입력하는 동안 상태 유지</a:t>
             </a:r>
             <a:endParaRPr lang="en-US" altLang="ko-KR" sz="1100" dirty="0">
               <a:solidFill>
@@ -31675,407 +31723,6 @@
         <p:cNvPr id="1" name="">
           <a:extLst>
             <a:ext uri="{FF2B5EF4-FFF2-40B4-BE49-F238E27FC236}">
-              <a16:creationId xmlns:a16="http://schemas.microsoft.com/office/drawing/2014/main" id="{8589488A-8A67-23B7-06E7-3D35CE9E3732}"/>
-            </a:ext>
-          </a:extLst>
-        </p:cNvPr>
-        <p:cNvGrpSpPr/>
-        <p:nvPr/>
-      </p:nvGrpSpPr>
-      <p:grpSpPr>
-        <a:xfrm>
-          <a:off x="0" y="0"/>
-          <a:ext cx="0" cy="0"/>
-          <a:chOff x="0" y="0"/>
-          <a:chExt cx="0" cy="0"/>
-        </a:xfrm>
-      </p:grpSpPr>
-      <p:sp>
-        <p:nvSpPr>
-          <p:cNvPr id="3" name="TextBox 2">
-            <a:extLst>
-              <a:ext uri="{FF2B5EF4-FFF2-40B4-BE49-F238E27FC236}">
-                <a16:creationId xmlns:a16="http://schemas.microsoft.com/office/drawing/2014/main" id="{97F577EC-03E7-D667-57FA-1BAD5EA24226}"/>
-              </a:ext>
-            </a:extLst>
-          </p:cNvPr>
-          <p:cNvSpPr txBox="1"/>
-          <p:nvPr/>
-        </p:nvSpPr>
-        <p:spPr>
-          <a:xfrm>
-            <a:off x="554527" y="5210360"/>
-            <a:ext cx="8275022" cy="923330"/>
-          </a:xfrm>
-          <a:prstGeom prst="rect">
-            <a:avLst/>
-          </a:prstGeom>
-          <a:noFill/>
-        </p:spPr>
-        <p:txBody>
-          <a:bodyPr wrap="none" rtlCol="0">
-            <a:spAutoFit/>
-          </a:bodyPr>
-          <a:lstStyle/>
-          <a:p>
-            <a:pPr marL="285750" indent="-285750">
-              <a:buFontTx/>
-              <a:buChar char="-"/>
-            </a:pPr>
-            <a:r>
-              <a:rPr lang="ko-KR" altLang="en-US" dirty="0"/>
-              <a:t>플레이어는 </a:t>
-            </a:r>
-            <a:r>
-              <a:rPr lang="en-US" altLang="ko-KR" dirty="0"/>
-              <a:t>PVP</a:t>
-            </a:r>
-            <a:r>
-              <a:rPr lang="ko-KR" altLang="en-US" dirty="0"/>
-              <a:t>게임의 랭킹 </a:t>
-            </a:r>
-            <a:r>
-              <a:rPr lang="en-US" altLang="ko-KR" dirty="0"/>
-              <a:t>1</a:t>
-            </a:r>
-            <a:r>
-              <a:rPr lang="ko-KR" altLang="en-US" dirty="0"/>
-              <a:t>등을 유지하기위해서 게임을 진행한다는 컨셉</a:t>
-            </a:r>
-            <a:endParaRPr lang="en-US" altLang="ko-KR" dirty="0"/>
-          </a:p>
-          <a:p>
-            <a:pPr marL="285750" indent="-285750">
-              <a:buFontTx/>
-              <a:buChar char="-"/>
-            </a:pPr>
-            <a:r>
-              <a:rPr lang="ko-KR" altLang="en-US" dirty="0"/>
-              <a:t>매칭이 존재</a:t>
-            </a:r>
-            <a:r>
-              <a:rPr lang="en-US" altLang="ko-KR" dirty="0"/>
-              <a:t>(</a:t>
-            </a:r>
-            <a:r>
-              <a:rPr lang="ko-KR" altLang="en-US" dirty="0"/>
-              <a:t>실제 서버에 물린 것이 아닌 </a:t>
-            </a:r>
-            <a:r>
-              <a:rPr lang="en-US" altLang="ko-KR" dirty="0"/>
-              <a:t>2</a:t>
-            </a:r>
-            <a:r>
-              <a:rPr lang="ko-KR" altLang="en-US" dirty="0"/>
-              <a:t>초간의 기다림</a:t>
-            </a:r>
-            <a:r>
-              <a:rPr lang="en-US" altLang="ko-KR" dirty="0"/>
-              <a:t>)</a:t>
-            </a:r>
-          </a:p>
-          <a:p>
-            <a:pPr marL="285750" indent="-285750">
-              <a:buFontTx/>
-              <a:buChar char="-"/>
-            </a:pPr>
-            <a:r>
-              <a:rPr lang="ko-KR" altLang="en-US" dirty="0"/>
-              <a:t>전투 후 승리 시 </a:t>
-            </a:r>
-            <a:r>
-              <a:rPr lang="en-US" altLang="ko-KR" dirty="0"/>
-              <a:t>+8</a:t>
-            </a:r>
-            <a:r>
-              <a:rPr lang="ko-KR" altLang="en-US" dirty="0"/>
-              <a:t>점 패배 시 </a:t>
-            </a:r>
-            <a:r>
-              <a:rPr lang="en-US" altLang="ko-KR" dirty="0"/>
-              <a:t>-5</a:t>
-            </a:r>
-            <a:r>
-              <a:rPr lang="ko-KR" altLang="en-US" dirty="0"/>
-              <a:t>점이 되는 구조이다</a:t>
-            </a:r>
-            <a:r>
-              <a:rPr lang="en-US" altLang="ko-KR" dirty="0"/>
-              <a:t>.</a:t>
-            </a:r>
-          </a:p>
-        </p:txBody>
-      </p:sp>
-      <p:sp>
-        <p:nvSpPr>
-          <p:cNvPr id="13" name="직사각형 12">
-            <a:extLst>
-              <a:ext uri="{FF2B5EF4-FFF2-40B4-BE49-F238E27FC236}">
-                <a16:creationId xmlns:a16="http://schemas.microsoft.com/office/drawing/2014/main" id="{4B515834-8E2A-1B5A-9C6F-2030BC0F5C11}"/>
-              </a:ext>
-            </a:extLst>
-          </p:cNvPr>
-          <p:cNvSpPr>
-            <a:spLocks noChangeAspect="1"/>
-          </p:cNvSpPr>
-          <p:nvPr/>
-        </p:nvSpPr>
-        <p:spPr>
-          <a:xfrm>
-            <a:off x="2756452" y="1360418"/>
-            <a:ext cx="6433930" cy="3619086"/>
-          </a:xfrm>
-          <a:prstGeom prst="rect">
-            <a:avLst/>
-          </a:prstGeom>
-          <a:solidFill>
-            <a:schemeClr val="bg1"/>
-          </a:solidFill>
-          <a:ln>
-            <a:solidFill>
-              <a:schemeClr val="tx1"/>
-            </a:solidFill>
-          </a:ln>
-        </p:spPr>
-        <p:style>
-          <a:lnRef idx="2">
-            <a:schemeClr val="accent1">
-              <a:shade val="15000"/>
-            </a:schemeClr>
-          </a:lnRef>
-          <a:fillRef idx="1">
-            <a:schemeClr val="accent1"/>
-          </a:fillRef>
-          <a:effectRef idx="0">
-            <a:schemeClr val="accent1"/>
-          </a:effectRef>
-          <a:fontRef idx="minor">
-            <a:schemeClr val="lt1"/>
-          </a:fontRef>
-        </p:style>
-        <p:txBody>
-          <a:bodyPr rtlCol="0" anchor="ctr"/>
-          <a:lstStyle/>
-          <a:p>
-            <a:pPr algn="ctr"/>
-            <a:endParaRPr lang="ko-KR" altLang="en-US" dirty="0"/>
-          </a:p>
-        </p:txBody>
-      </p:sp>
-      <p:sp>
-        <p:nvSpPr>
-          <p:cNvPr id="5" name="제목 1">
-            <a:extLst>
-              <a:ext uri="{FF2B5EF4-FFF2-40B4-BE49-F238E27FC236}">
-                <a16:creationId xmlns:a16="http://schemas.microsoft.com/office/drawing/2014/main" id="{461B1273-FB0F-0B4E-F6AE-D3DF4B3EC609}"/>
-              </a:ext>
-            </a:extLst>
-          </p:cNvPr>
-          <p:cNvSpPr>
-            <a:spLocks noGrp="1"/>
-          </p:cNvSpPr>
-          <p:nvPr>
-            <p:ph type="title"/>
-          </p:nvPr>
-        </p:nvSpPr>
-        <p:spPr>
-          <a:xfrm>
-            <a:off x="129225" y="83886"/>
-            <a:ext cx="3034834" cy="608225"/>
-          </a:xfrm>
-        </p:spPr>
-        <p:txBody>
-          <a:bodyPr>
-            <a:normAutofit/>
-          </a:bodyPr>
-          <a:lstStyle/>
-          <a:p>
-            <a:pPr algn="ctr"/>
-            <a:r>
-              <a:rPr lang="ko-KR" altLang="en-US" sz="3200" b="1"/>
-              <a:t>미니 게임 종류</a:t>
-            </a:r>
-            <a:endParaRPr lang="ko-KR" altLang="en-US" sz="3200" b="1" dirty="0"/>
-          </a:p>
-        </p:txBody>
-      </p:sp>
-      <p:cxnSp>
-        <p:nvCxnSpPr>
-          <p:cNvPr id="6" name="직선 연결선 5">
-            <a:extLst>
-              <a:ext uri="{FF2B5EF4-FFF2-40B4-BE49-F238E27FC236}">
-                <a16:creationId xmlns:a16="http://schemas.microsoft.com/office/drawing/2014/main" id="{874F9631-3157-6772-DAF0-14C1FCDEB1DF}"/>
-              </a:ext>
-            </a:extLst>
-          </p:cNvPr>
-          <p:cNvCxnSpPr>
-            <a:cxnSpLocks/>
-          </p:cNvCxnSpPr>
-          <p:nvPr/>
-        </p:nvCxnSpPr>
-        <p:spPr>
-          <a:xfrm>
-            <a:off x="0" y="692111"/>
-            <a:ext cx="12192000" cy="0"/>
-          </a:xfrm>
-          <a:prstGeom prst="line">
-            <a:avLst/>
-          </a:prstGeom>
-          <a:ln>
-            <a:solidFill>
-              <a:schemeClr val="bg2">
-                <a:lumMod val="75000"/>
-              </a:schemeClr>
-            </a:solidFill>
-          </a:ln>
-        </p:spPr>
-        <p:style>
-          <a:lnRef idx="2">
-            <a:schemeClr val="accent1"/>
-          </a:lnRef>
-          <a:fillRef idx="0">
-            <a:schemeClr val="accent1"/>
-          </a:fillRef>
-          <a:effectRef idx="1">
-            <a:schemeClr val="accent1"/>
-          </a:effectRef>
-          <a:fontRef idx="minor">
-            <a:schemeClr val="tx1"/>
-          </a:fontRef>
-        </p:style>
-      </p:cxnSp>
-      <p:cxnSp>
-        <p:nvCxnSpPr>
-          <p:cNvPr id="7" name="직선 연결선 6">
-            <a:extLst>
-              <a:ext uri="{FF2B5EF4-FFF2-40B4-BE49-F238E27FC236}">
-                <a16:creationId xmlns:a16="http://schemas.microsoft.com/office/drawing/2014/main" id="{610441F0-0D82-3CA0-F236-DF0063E85086}"/>
-              </a:ext>
-            </a:extLst>
-          </p:cNvPr>
-          <p:cNvCxnSpPr>
-            <a:cxnSpLocks/>
-          </p:cNvCxnSpPr>
-          <p:nvPr/>
-        </p:nvCxnSpPr>
-        <p:spPr>
-          <a:xfrm>
-            <a:off x="129225" y="658980"/>
-            <a:ext cx="3034834" cy="0"/>
-          </a:xfrm>
-          <a:prstGeom prst="line">
-            <a:avLst/>
-          </a:prstGeom>
-          <a:ln w="76200">
-            <a:solidFill>
-              <a:schemeClr val="tx1"/>
-            </a:solidFill>
-          </a:ln>
-        </p:spPr>
-        <p:style>
-          <a:lnRef idx="2">
-            <a:schemeClr val="accent1"/>
-          </a:lnRef>
-          <a:fillRef idx="0">
-            <a:schemeClr val="accent1"/>
-          </a:fillRef>
-          <a:effectRef idx="1">
-            <a:schemeClr val="accent1"/>
-          </a:effectRef>
-          <a:fontRef idx="minor">
-            <a:schemeClr val="tx1"/>
-          </a:fontRef>
-        </p:style>
-      </p:cxnSp>
-      <p:sp>
-        <p:nvSpPr>
-          <p:cNvPr id="10" name="슬라이드 번호 개체 틀 9">
-            <a:extLst>
-              <a:ext uri="{FF2B5EF4-FFF2-40B4-BE49-F238E27FC236}">
-                <a16:creationId xmlns:a16="http://schemas.microsoft.com/office/drawing/2014/main" id="{7C3F6FEC-FBD5-4F76-2F6E-E801246AD720}"/>
-              </a:ext>
-            </a:extLst>
-          </p:cNvPr>
-          <p:cNvSpPr>
-            <a:spLocks noGrp="1"/>
-          </p:cNvSpPr>
-          <p:nvPr>
-            <p:ph type="sldNum" sz="quarter" idx="12"/>
-          </p:nvPr>
-        </p:nvSpPr>
-        <p:spPr/>
-        <p:txBody>
-          <a:bodyPr/>
-          <a:lstStyle/>
-          <a:p>
-            <a:fld id="{8D96929D-9E84-4A42-B4C3-2E48812748E4}" type="slidenum">
-              <a:rPr lang="ko-KR" altLang="en-US" smtClean="0"/>
-              <a:t>28</a:t>
-            </a:fld>
-            <a:endParaRPr lang="ko-KR" altLang="en-US"/>
-          </a:p>
-        </p:txBody>
-      </p:sp>
-      <p:sp>
-        <p:nvSpPr>
-          <p:cNvPr id="4" name="TextBox 3">
-            <a:extLst>
-              <a:ext uri="{FF2B5EF4-FFF2-40B4-BE49-F238E27FC236}">
-                <a16:creationId xmlns:a16="http://schemas.microsoft.com/office/drawing/2014/main" id="{B9728B45-0464-19B2-22E2-63404F7AC179}"/>
-              </a:ext>
-            </a:extLst>
-          </p:cNvPr>
-          <p:cNvSpPr txBox="1"/>
-          <p:nvPr/>
-        </p:nvSpPr>
-        <p:spPr>
-          <a:xfrm>
-            <a:off x="454785" y="658980"/>
-            <a:ext cx="3669594" cy="523220"/>
-          </a:xfrm>
-          <a:prstGeom prst="rect">
-            <a:avLst/>
-          </a:prstGeom>
-          <a:noFill/>
-        </p:spPr>
-        <p:txBody>
-          <a:bodyPr wrap="none" rtlCol="0">
-            <a:spAutoFit/>
-          </a:bodyPr>
-          <a:lstStyle/>
-          <a:p>
-            <a:r>
-              <a:rPr lang="ko-KR" altLang="en-US" sz="2800" dirty="0">
-                <a:solidFill>
-                  <a:srgbClr val="0070C0"/>
-                </a:solidFill>
-              </a:rPr>
-              <a:t>스테이지형 퍼즐 게임</a:t>
-            </a:r>
-          </a:p>
-        </p:txBody>
-      </p:sp>
-    </p:spTree>
-    <p:extLst>
-      <p:ext uri="{BB962C8B-B14F-4D97-AF65-F5344CB8AC3E}">
-        <p14:creationId xmlns:p14="http://schemas.microsoft.com/office/powerpoint/2010/main" val="245593134"/>
-      </p:ext>
-    </p:extLst>
-  </p:cSld>
-  <p:clrMapOvr>
-    <a:masterClrMapping/>
-  </p:clrMapOvr>
-</p:sld>
-</file>
-
-<file path=ppt/slides/slide29.xml><?xml version="1.0" encoding="utf-8"?>
-<p:sld xmlns:a="http://schemas.openxmlformats.org/drawingml/2006/main" xmlns:r="http://schemas.openxmlformats.org/officeDocument/2006/relationships" xmlns:p="http://schemas.openxmlformats.org/presentationml/2006/main">
-  <p:cSld>
-    <p:spTree>
-      <p:nvGrpSpPr>
-        <p:cNvPr id="1" name="">
-          <a:extLst>
-            <a:ext uri="{FF2B5EF4-FFF2-40B4-BE49-F238E27FC236}">
               <a16:creationId xmlns:a16="http://schemas.microsoft.com/office/drawing/2014/main" id="{7A9AB4AF-B781-064D-C8F6-7F7E9F611A2B}"/>
             </a:ext>
           </a:extLst>
@@ -32480,45 +32127,6 @@
       </p:cxnSp>
       <p:sp>
         <p:nvSpPr>
-          <p:cNvPr id="13" name="TextBox 12">
-            <a:extLst>
-              <a:ext uri="{FF2B5EF4-FFF2-40B4-BE49-F238E27FC236}">
-                <a16:creationId xmlns:a16="http://schemas.microsoft.com/office/drawing/2014/main" id="{469D91B0-5608-DB80-FD4A-FFAD262DBCAF}"/>
-              </a:ext>
-            </a:extLst>
-          </p:cNvPr>
-          <p:cNvSpPr txBox="1"/>
-          <p:nvPr/>
-        </p:nvSpPr>
-        <p:spPr>
-          <a:xfrm>
-            <a:off x="220806" y="703260"/>
-            <a:ext cx="4281941" cy="523220"/>
-          </a:xfrm>
-          <a:prstGeom prst="rect">
-            <a:avLst/>
-          </a:prstGeom>
-          <a:noFill/>
-        </p:spPr>
-        <p:txBody>
-          <a:bodyPr wrap="none" rtlCol="0">
-            <a:spAutoFit/>
-          </a:bodyPr>
-          <a:lstStyle/>
-          <a:p>
-            <a:r>
-              <a:rPr lang="ko-KR" altLang="en-US" sz="2800" dirty="0">
-                <a:solidFill>
-                  <a:srgbClr val="0070C0"/>
-                </a:solidFill>
-              </a:rPr>
-              <a:t>방해 이벤트 종류 표기 틀</a:t>
-            </a:r>
-          </a:p>
-        </p:txBody>
-      </p:sp>
-      <p:sp>
-        <p:nvSpPr>
           <p:cNvPr id="14" name="슬라이드 번호 개체 틀 13">
             <a:extLst>
               <a:ext uri="{FF2B5EF4-FFF2-40B4-BE49-F238E27FC236}">
@@ -32540,7 +32148,7 @@
           <a:p>
             <a:fld id="{8D96929D-9E84-4A42-B4C3-2E48812748E4}" type="slidenum">
               <a:rPr lang="ko-KR" altLang="en-US" smtClean="0"/>
-              <a:t>29</a:t>
+              <a:t>28</a:t>
             </a:fld>
             <a:endParaRPr lang="ko-KR" altLang="en-US"/>
           </a:p>
@@ -32598,10 +32206,292 @@
           </a:p>
         </p:txBody>
       </p:sp>
+      <p:sp>
+        <p:nvSpPr>
+          <p:cNvPr id="3" name="TextBox 2">
+            <a:extLst>
+              <a:ext uri="{FF2B5EF4-FFF2-40B4-BE49-F238E27FC236}">
+                <a16:creationId xmlns:a16="http://schemas.microsoft.com/office/drawing/2014/main" id="{99008DF4-7379-9D97-1897-AD199E4943FA}"/>
+              </a:ext>
+            </a:extLst>
+          </p:cNvPr>
+          <p:cNvSpPr txBox="1"/>
+          <p:nvPr/>
+        </p:nvSpPr>
+        <p:spPr>
+          <a:xfrm>
+            <a:off x="2749571" y="786705"/>
+            <a:ext cx="6692858" cy="338554"/>
+          </a:xfrm>
+          <a:prstGeom prst="rect">
+            <a:avLst/>
+          </a:prstGeom>
+          <a:noFill/>
+        </p:spPr>
+        <p:txBody>
+          <a:bodyPr wrap="none" rtlCol="0">
+            <a:spAutoFit/>
+          </a:bodyPr>
+          <a:lstStyle/>
+          <a:p>
+            <a:pPr algn="ctr"/>
+            <a:r>
+              <a:rPr lang="ko-KR" altLang="en-US" sz="1600" b="1" dirty="0">
+                <a:solidFill>
+                  <a:srgbClr val="FF0000"/>
+                </a:solidFill>
+              </a:rPr>
+              <a:t>상세 시스템 및 연출</a:t>
+            </a:r>
+            <a:r>
+              <a:rPr lang="en-US" altLang="ko-KR" sz="1600" b="1" dirty="0">
+                <a:solidFill>
+                  <a:srgbClr val="FF0000"/>
+                </a:solidFill>
+              </a:rPr>
+              <a:t>, </a:t>
+            </a:r>
+            <a:r>
+              <a:rPr lang="ko-KR" altLang="en-US" sz="1600" b="1" dirty="0">
+                <a:solidFill>
+                  <a:srgbClr val="FF0000"/>
+                </a:solidFill>
+              </a:rPr>
+              <a:t>들어갈 텍스트는 </a:t>
+            </a:r>
+            <a:r>
+              <a:rPr lang="en-US" altLang="ko-KR" sz="1600" b="1" dirty="0">
+                <a:solidFill>
+                  <a:srgbClr val="FF0000"/>
+                </a:solidFill>
+              </a:rPr>
+              <a:t>“</a:t>
+            </a:r>
+            <a:r>
+              <a:rPr lang="ko-KR" altLang="en-US" sz="1600" b="1" dirty="0">
+                <a:solidFill>
+                  <a:srgbClr val="FF0000"/>
+                </a:solidFill>
+              </a:rPr>
+              <a:t>방해 이벤트 상세 기획서</a:t>
+            </a:r>
+            <a:r>
+              <a:rPr lang="en-US" altLang="ko-KR" sz="1600" b="1" dirty="0">
+                <a:solidFill>
+                  <a:srgbClr val="FF0000"/>
+                </a:solidFill>
+              </a:rPr>
+              <a:t>”</a:t>
+            </a:r>
+            <a:r>
+              <a:rPr lang="ko-KR" altLang="en-US" sz="1600" b="1" dirty="0">
+                <a:solidFill>
+                  <a:srgbClr val="FF0000"/>
+                </a:solidFill>
+              </a:rPr>
+              <a:t> 참고</a:t>
+            </a:r>
+            <a:endParaRPr lang="en-US" altLang="ko-KR" sz="1600" b="1" dirty="0">
+              <a:solidFill>
+                <a:srgbClr val="FF0000"/>
+              </a:solidFill>
+            </a:endParaRPr>
+          </a:p>
+        </p:txBody>
+      </p:sp>
     </p:spTree>
     <p:extLst>
       <p:ext uri="{BB962C8B-B14F-4D97-AF65-F5344CB8AC3E}">
         <p14:creationId xmlns:p14="http://schemas.microsoft.com/office/powerpoint/2010/main" val="1196857558"/>
+      </p:ext>
+    </p:extLst>
+  </p:cSld>
+  <p:clrMapOvr>
+    <a:masterClrMapping/>
+  </p:clrMapOvr>
+</p:sld>
+</file>
+
+<file path=ppt/slides/slide29.xml><?xml version="1.0" encoding="utf-8"?>
+<p:sld xmlns:a="http://schemas.openxmlformats.org/drawingml/2006/main" xmlns:r="http://schemas.openxmlformats.org/officeDocument/2006/relationships" xmlns:p="http://schemas.openxmlformats.org/presentationml/2006/main">
+  <p:cSld>
+    <p:spTree>
+      <p:nvGrpSpPr>
+        <p:cNvPr id="1" name="">
+          <a:extLst>
+            <a:ext uri="{FF2B5EF4-FFF2-40B4-BE49-F238E27FC236}">
+              <a16:creationId xmlns:a16="http://schemas.microsoft.com/office/drawing/2014/main" id="{D47E555D-855F-EE56-D0AE-311EBAED6905}"/>
+            </a:ext>
+          </a:extLst>
+        </p:cNvPr>
+        <p:cNvGrpSpPr/>
+        <p:nvPr/>
+      </p:nvGrpSpPr>
+      <p:grpSpPr>
+        <a:xfrm>
+          <a:off x="0" y="0"/>
+          <a:ext cx="0" cy="0"/>
+          <a:chOff x="0" y="0"/>
+          <a:chExt cx="0" cy="0"/>
+        </a:xfrm>
+      </p:grpSpPr>
+      <p:sp>
+        <p:nvSpPr>
+          <p:cNvPr id="4" name="제목 1">
+            <a:extLst>
+              <a:ext uri="{FF2B5EF4-FFF2-40B4-BE49-F238E27FC236}">
+                <a16:creationId xmlns:a16="http://schemas.microsoft.com/office/drawing/2014/main" id="{3DFF4D9B-3FFB-B45B-B283-3CAD66FAD96D}"/>
+              </a:ext>
+            </a:extLst>
+          </p:cNvPr>
+          <p:cNvSpPr>
+            <a:spLocks noGrp="1"/>
+          </p:cNvSpPr>
+          <p:nvPr>
+            <p:ph type="title"/>
+          </p:nvPr>
+        </p:nvSpPr>
+        <p:spPr>
+          <a:xfrm>
+            <a:off x="129224" y="83886"/>
+            <a:ext cx="3243453" cy="608225"/>
+          </a:xfrm>
+        </p:spPr>
+        <p:txBody>
+          <a:bodyPr>
+            <a:normAutofit fontScale="90000"/>
+          </a:bodyPr>
+          <a:lstStyle/>
+          <a:p>
+            <a:pPr algn="ctr"/>
+            <a:r>
+              <a:rPr lang="ko-KR" altLang="en-US" sz="3200" b="1" dirty="0"/>
+              <a:t>방해 이벤트 종류</a:t>
+            </a:r>
+          </a:p>
+        </p:txBody>
+      </p:sp>
+      <p:cxnSp>
+        <p:nvCxnSpPr>
+          <p:cNvPr id="7" name="직선 연결선 6">
+            <a:extLst>
+              <a:ext uri="{FF2B5EF4-FFF2-40B4-BE49-F238E27FC236}">
+                <a16:creationId xmlns:a16="http://schemas.microsoft.com/office/drawing/2014/main" id="{D98EBF14-B0C9-5E8B-8590-375E046AFDE1}"/>
+              </a:ext>
+            </a:extLst>
+          </p:cNvPr>
+          <p:cNvCxnSpPr>
+            <a:cxnSpLocks/>
+          </p:cNvCxnSpPr>
+          <p:nvPr/>
+        </p:nvCxnSpPr>
+        <p:spPr>
+          <a:xfrm>
+            <a:off x="0" y="692111"/>
+            <a:ext cx="12192000" cy="0"/>
+          </a:xfrm>
+          <a:prstGeom prst="line">
+            <a:avLst/>
+          </a:prstGeom>
+          <a:ln>
+            <a:solidFill>
+              <a:schemeClr val="bg2">
+                <a:lumMod val="75000"/>
+              </a:schemeClr>
+            </a:solidFill>
+          </a:ln>
+        </p:spPr>
+        <p:style>
+          <a:lnRef idx="2">
+            <a:schemeClr val="accent1"/>
+          </a:lnRef>
+          <a:fillRef idx="0">
+            <a:schemeClr val="accent1"/>
+          </a:fillRef>
+          <a:effectRef idx="1">
+            <a:schemeClr val="accent1"/>
+          </a:effectRef>
+          <a:fontRef idx="minor">
+            <a:schemeClr val="tx1"/>
+          </a:fontRef>
+        </p:style>
+      </p:cxnSp>
+      <p:cxnSp>
+        <p:nvCxnSpPr>
+          <p:cNvPr id="8" name="직선 연결선 7">
+            <a:extLst>
+              <a:ext uri="{FF2B5EF4-FFF2-40B4-BE49-F238E27FC236}">
+                <a16:creationId xmlns:a16="http://schemas.microsoft.com/office/drawing/2014/main" id="{C1D06A7D-1A16-7E25-19B3-EF2ADBB06E92}"/>
+              </a:ext>
+            </a:extLst>
+          </p:cNvPr>
+          <p:cNvCxnSpPr>
+            <a:cxnSpLocks/>
+          </p:cNvCxnSpPr>
+          <p:nvPr/>
+        </p:nvCxnSpPr>
+        <p:spPr>
+          <a:xfrm>
+            <a:off x="129225" y="658980"/>
+            <a:ext cx="3243452" cy="0"/>
+          </a:xfrm>
+          <a:prstGeom prst="line">
+            <a:avLst/>
+          </a:prstGeom>
+          <a:ln w="76200">
+            <a:solidFill>
+              <a:schemeClr val="tx1"/>
+            </a:solidFill>
+          </a:ln>
+        </p:spPr>
+        <p:style>
+          <a:lnRef idx="2">
+            <a:schemeClr val="accent1"/>
+          </a:lnRef>
+          <a:fillRef idx="0">
+            <a:schemeClr val="accent1"/>
+          </a:fillRef>
+          <a:effectRef idx="1">
+            <a:schemeClr val="accent1"/>
+          </a:effectRef>
+          <a:fontRef idx="minor">
+            <a:schemeClr val="tx1"/>
+          </a:fontRef>
+        </p:style>
+      </p:cxnSp>
+      <p:sp>
+        <p:nvSpPr>
+          <p:cNvPr id="14" name="슬라이드 번호 개체 틀 13">
+            <a:extLst>
+              <a:ext uri="{FF2B5EF4-FFF2-40B4-BE49-F238E27FC236}">
+                <a16:creationId xmlns:a16="http://schemas.microsoft.com/office/drawing/2014/main" id="{F580C4C0-9D83-3709-5860-E9F10D6785D6}"/>
+              </a:ext>
+            </a:extLst>
+          </p:cNvPr>
+          <p:cNvSpPr>
+            <a:spLocks noGrp="1"/>
+          </p:cNvSpPr>
+          <p:nvPr>
+            <p:ph type="sldNum" sz="quarter" idx="12"/>
+          </p:nvPr>
+        </p:nvSpPr>
+        <p:spPr/>
+        <p:txBody>
+          <a:bodyPr/>
+          <a:lstStyle/>
+          <a:p>
+            <a:fld id="{8D96929D-9E84-4A42-B4C3-2E48812748E4}" type="slidenum">
+              <a:rPr lang="ko-KR" altLang="en-US" smtClean="0"/>
+              <a:t>29</a:t>
+            </a:fld>
+            <a:endParaRPr lang="ko-KR" altLang="en-US"/>
+          </a:p>
+        </p:txBody>
+      </p:sp>
+    </p:spTree>
+    <p:extLst>
+      <p:ext uri="{BB962C8B-B14F-4D97-AF65-F5344CB8AC3E}">
+        <p14:creationId xmlns:p14="http://schemas.microsoft.com/office/powerpoint/2010/main" val="3552313690"/>
       </p:ext>
     </p:extLst>
   </p:cSld>
@@ -32894,7 +32784,7 @@
           <p:nvPr>
             <p:extLst>
               <p:ext uri="{D42A27DB-BD31-4B8C-83A1-F6EECF244321}">
-                <p14:modId xmlns:p14="http://schemas.microsoft.com/office/powerpoint/2010/main" val="138106012"/>
+                <p14:modId xmlns:p14="http://schemas.microsoft.com/office/powerpoint/2010/main" val="3619575753"/>
               </p:ext>
             </p:extLst>
           </p:nvPr>

--- a/document/Please Leave me alone!.pptx
+++ b/document/Please Leave me alone!.pptx
@@ -5,7 +5,7 @@
     <p:sldMasterId id="2147483648" r:id="rId1"/>
   </p:sldMasterIdLst>
   <p:notesMasterIdLst>
-    <p:notesMasterId r:id="rId36"/>
+    <p:notesMasterId r:id="rId37"/>
   </p:notesMasterIdLst>
   <p:sldIdLst>
     <p:sldId id="256" r:id="rId2"/>
@@ -42,6 +42,7 @@
     <p:sldId id="288" r:id="rId33"/>
     <p:sldId id="284" r:id="rId34"/>
     <p:sldId id="294" r:id="rId35"/>
+    <p:sldId id="296" r:id="rId36"/>
   </p:sldIdLst>
   <p:sldSz cx="12192000" cy="6858000"/>
   <p:notesSz cx="6858000" cy="9144000"/>
@@ -230,7 +231,7 @@
           <a:p>
             <a:fld id="{A9BD1FE7-2F33-4B0D-BA08-1CEE25D4E3DB}" type="datetimeFigureOut">
               <a:rPr lang="ko-KR" altLang="en-US" smtClean="0"/>
-              <a:t>2025-02-06</a:t>
+              <a:t>2025-02-08</a:t>
             </a:fld>
             <a:endParaRPr lang="ko-KR" altLang="en-US"/>
           </a:p>
@@ -944,7 +945,7 @@
           <a:p>
             <a:fld id="{783F481A-738D-4EBC-92BF-08655C0568CC}" type="datetime1">
               <a:rPr lang="ko-KR" altLang="en-US" smtClean="0"/>
-              <a:t>2025-02-06</a:t>
+              <a:t>2025-02-08</a:t>
             </a:fld>
             <a:endParaRPr lang="ko-KR" altLang="en-US"/>
           </a:p>
@@ -1142,7 +1143,7 @@
           <a:p>
             <a:fld id="{6D9BB776-B79C-4546-8ABA-DA45D9C133A7}" type="datetime1">
               <a:rPr lang="ko-KR" altLang="en-US" smtClean="0"/>
-              <a:t>2025-02-06</a:t>
+              <a:t>2025-02-08</a:t>
             </a:fld>
             <a:endParaRPr lang="ko-KR" altLang="en-US"/>
           </a:p>
@@ -1350,7 +1351,7 @@
           <a:p>
             <a:fld id="{720FF001-C6D3-49EC-8DC3-B2593B1DC1C3}" type="datetime1">
               <a:rPr lang="ko-KR" altLang="en-US" smtClean="0"/>
-              <a:t>2025-02-06</a:t>
+              <a:t>2025-02-08</a:t>
             </a:fld>
             <a:endParaRPr lang="ko-KR" altLang="en-US"/>
           </a:p>
@@ -1548,7 +1549,7 @@
           <a:p>
             <a:fld id="{091E519C-B90B-4A61-8F7D-EA80CD22B7D5}" type="datetime1">
               <a:rPr lang="ko-KR" altLang="en-US" smtClean="0"/>
-              <a:t>2025-02-06</a:t>
+              <a:t>2025-02-08</a:t>
             </a:fld>
             <a:endParaRPr lang="ko-KR" altLang="en-US"/>
           </a:p>
@@ -1823,7 +1824,7 @@
           <a:p>
             <a:fld id="{FD734108-2D59-40E2-B393-1F390391A1FB}" type="datetime1">
               <a:rPr lang="ko-KR" altLang="en-US" smtClean="0"/>
-              <a:t>2025-02-06</a:t>
+              <a:t>2025-02-08</a:t>
             </a:fld>
             <a:endParaRPr lang="ko-KR" altLang="en-US"/>
           </a:p>
@@ -2088,7 +2089,7 @@
           <a:p>
             <a:fld id="{297FF520-CDFD-4316-AC89-B0A764216C4E}" type="datetime1">
               <a:rPr lang="ko-KR" altLang="en-US" smtClean="0"/>
-              <a:t>2025-02-06</a:t>
+              <a:t>2025-02-08</a:t>
             </a:fld>
             <a:endParaRPr lang="ko-KR" altLang="en-US"/>
           </a:p>
@@ -2500,7 +2501,7 @@
           <a:p>
             <a:fld id="{0CF3B42C-2182-4183-A46A-124CD019AF43}" type="datetime1">
               <a:rPr lang="ko-KR" altLang="en-US" smtClean="0"/>
-              <a:t>2025-02-06</a:t>
+              <a:t>2025-02-08</a:t>
             </a:fld>
             <a:endParaRPr lang="ko-KR" altLang="en-US"/>
           </a:p>
@@ -2641,7 +2642,7 @@
           <a:p>
             <a:fld id="{B738F611-77C6-4F89-8E2C-D3A9C27DF43F}" type="datetime1">
               <a:rPr lang="ko-KR" altLang="en-US" smtClean="0"/>
-              <a:t>2025-02-06</a:t>
+              <a:t>2025-02-08</a:t>
             </a:fld>
             <a:endParaRPr lang="ko-KR" altLang="en-US"/>
           </a:p>
@@ -2754,7 +2755,7 @@
           <a:p>
             <a:fld id="{A051748B-BCED-40F0-8EF5-AF075B4618B9}" type="datetime1">
               <a:rPr lang="ko-KR" altLang="en-US" smtClean="0"/>
-              <a:t>2025-02-06</a:t>
+              <a:t>2025-02-08</a:t>
             </a:fld>
             <a:endParaRPr lang="ko-KR" altLang="en-US"/>
           </a:p>
@@ -3065,7 +3066,7 @@
           <a:p>
             <a:fld id="{41DBB85A-8EA7-4277-A6E6-46EF2EEF4790}" type="datetime1">
               <a:rPr lang="ko-KR" altLang="en-US" smtClean="0"/>
-              <a:t>2025-02-06</a:t>
+              <a:t>2025-02-08</a:t>
             </a:fld>
             <a:endParaRPr lang="ko-KR" altLang="en-US"/>
           </a:p>
@@ -3353,7 +3354,7 @@
           <a:p>
             <a:fld id="{BBE44FDA-CB41-4E86-912D-6ECC7574FD7F}" type="datetime1">
               <a:rPr lang="ko-KR" altLang="en-US" smtClean="0"/>
-              <a:t>2025-02-06</a:t>
+              <a:t>2025-02-08</a:t>
             </a:fld>
             <a:endParaRPr lang="ko-KR" altLang="en-US"/>
           </a:p>
@@ -3594,7 +3595,7 @@
           <a:p>
             <a:fld id="{F0992805-70C9-4612-850D-0415F751BF22}" type="datetime1">
               <a:rPr lang="ko-KR" altLang="en-US" smtClean="0"/>
-              <a:t>2025-02-06</a:t>
+              <a:t>2025-02-08</a:t>
             </a:fld>
             <a:endParaRPr lang="ko-KR" altLang="en-US"/>
           </a:p>
@@ -23575,6 +23576,31 @@
                     <a:schemeClr val="tx1"/>
                   </a:solidFill>
                 </a:endParaRPr>
+              </a:p>
+              <a:p>
+                <a:pPr marL="285750" indent="-285750">
+                  <a:lnSpc>
+                    <a:spcPct val="150000"/>
+                  </a:lnSpc>
+                  <a:buFontTx/>
+                  <a:buChar char="-"/>
+                </a:pPr>
+                <a:r>
+                  <a:rPr lang="ko-KR" altLang="en-US" sz="1600" dirty="0">
+                    <a:solidFill>
+                      <a:schemeClr val="tx1"/>
+                    </a:solidFill>
+                  </a:rPr>
+                  <a:t>기타 </a:t>
+                </a:r>
+                <a:r>
+                  <a:rPr lang="en-US" altLang="ko-KR" sz="1600" dirty="0">
+                    <a:solidFill>
+                      <a:schemeClr val="tx1"/>
+                    </a:solidFill>
+                  </a:rPr>
+                  <a:t>UI</a:t>
+                </a:r>
               </a:p>
             </p:txBody>
           </p:sp>
@@ -47021,6 +47047,252 @@
 </p:sld>
 </file>
 
+<file path=ppt/slides/slide35.xml><?xml version="1.0" encoding="utf-8"?>
+<p:sld xmlns:a="http://schemas.openxmlformats.org/drawingml/2006/main" xmlns:r="http://schemas.openxmlformats.org/officeDocument/2006/relationships" xmlns:p="http://schemas.openxmlformats.org/presentationml/2006/main">
+  <p:cSld>
+    <p:spTree>
+      <p:nvGrpSpPr>
+        <p:cNvPr id="1" name="">
+          <a:extLst>
+            <a:ext uri="{FF2B5EF4-FFF2-40B4-BE49-F238E27FC236}">
+              <a16:creationId xmlns:a16="http://schemas.microsoft.com/office/drawing/2014/main" id="{1C573F21-411D-3004-6A56-8D6137B0CC1D}"/>
+            </a:ext>
+          </a:extLst>
+        </p:cNvPr>
+        <p:cNvGrpSpPr/>
+        <p:nvPr/>
+      </p:nvGrpSpPr>
+      <p:grpSpPr>
+        <a:xfrm>
+          <a:off x="0" y="0"/>
+          <a:ext cx="0" cy="0"/>
+          <a:chOff x="0" y="0"/>
+          <a:chExt cx="0" cy="0"/>
+        </a:xfrm>
+      </p:grpSpPr>
+      <p:sp>
+        <p:nvSpPr>
+          <p:cNvPr id="4" name="제목 1">
+            <a:extLst>
+              <a:ext uri="{FF2B5EF4-FFF2-40B4-BE49-F238E27FC236}">
+                <a16:creationId xmlns:a16="http://schemas.microsoft.com/office/drawing/2014/main" id="{A62A5664-855D-14C5-F55A-E629611ECA5C}"/>
+              </a:ext>
+            </a:extLst>
+          </p:cNvPr>
+          <p:cNvSpPr>
+            <a:spLocks noGrp="1"/>
+          </p:cNvSpPr>
+          <p:nvPr>
+            <p:ph type="title"/>
+          </p:nvPr>
+        </p:nvSpPr>
+        <p:spPr>
+          <a:xfrm>
+            <a:off x="129225" y="83886"/>
+            <a:ext cx="2037506" cy="608225"/>
+          </a:xfrm>
+        </p:spPr>
+        <p:txBody>
+          <a:bodyPr>
+            <a:normAutofit/>
+          </a:bodyPr>
+          <a:lstStyle/>
+          <a:p>
+            <a:pPr algn="ctr"/>
+            <a:r>
+              <a:rPr lang="ko-KR" altLang="en-US" sz="3200" b="1" dirty="0"/>
+              <a:t>기타 </a:t>
+            </a:r>
+            <a:r>
+              <a:rPr lang="en-US" altLang="ko-KR" sz="3200" b="1" dirty="0"/>
+              <a:t>UI</a:t>
+            </a:r>
+            <a:endParaRPr lang="ko-KR" altLang="en-US" sz="3200" b="1" dirty="0"/>
+          </a:p>
+        </p:txBody>
+      </p:sp>
+      <p:cxnSp>
+        <p:nvCxnSpPr>
+          <p:cNvPr id="7" name="직선 연결선 6">
+            <a:extLst>
+              <a:ext uri="{FF2B5EF4-FFF2-40B4-BE49-F238E27FC236}">
+                <a16:creationId xmlns:a16="http://schemas.microsoft.com/office/drawing/2014/main" id="{5751857A-2351-7BB6-4DC5-E80A1CB822E5}"/>
+              </a:ext>
+            </a:extLst>
+          </p:cNvPr>
+          <p:cNvCxnSpPr>
+            <a:cxnSpLocks/>
+          </p:cNvCxnSpPr>
+          <p:nvPr/>
+        </p:nvCxnSpPr>
+        <p:spPr>
+          <a:xfrm>
+            <a:off x="0" y="692111"/>
+            <a:ext cx="12192000" cy="0"/>
+          </a:xfrm>
+          <a:prstGeom prst="line">
+            <a:avLst/>
+          </a:prstGeom>
+          <a:ln>
+            <a:solidFill>
+              <a:schemeClr val="bg2">
+                <a:lumMod val="75000"/>
+              </a:schemeClr>
+            </a:solidFill>
+          </a:ln>
+        </p:spPr>
+        <p:style>
+          <a:lnRef idx="2">
+            <a:schemeClr val="accent1"/>
+          </a:lnRef>
+          <a:fillRef idx="0">
+            <a:schemeClr val="accent1"/>
+          </a:fillRef>
+          <a:effectRef idx="1">
+            <a:schemeClr val="accent1"/>
+          </a:effectRef>
+          <a:fontRef idx="minor">
+            <a:schemeClr val="tx1"/>
+          </a:fontRef>
+        </p:style>
+      </p:cxnSp>
+      <p:cxnSp>
+        <p:nvCxnSpPr>
+          <p:cNvPr id="8" name="직선 연결선 7">
+            <a:extLst>
+              <a:ext uri="{FF2B5EF4-FFF2-40B4-BE49-F238E27FC236}">
+                <a16:creationId xmlns:a16="http://schemas.microsoft.com/office/drawing/2014/main" id="{DC51B223-7D74-6DCB-4B9E-9506EB92F8C5}"/>
+              </a:ext>
+            </a:extLst>
+          </p:cNvPr>
+          <p:cNvCxnSpPr>
+            <a:cxnSpLocks/>
+          </p:cNvCxnSpPr>
+          <p:nvPr/>
+        </p:nvCxnSpPr>
+        <p:spPr>
+          <a:xfrm>
+            <a:off x="129225" y="658980"/>
+            <a:ext cx="2037505" cy="0"/>
+          </a:xfrm>
+          <a:prstGeom prst="line">
+            <a:avLst/>
+          </a:prstGeom>
+          <a:ln w="76200">
+            <a:solidFill>
+              <a:schemeClr val="tx1"/>
+            </a:solidFill>
+          </a:ln>
+        </p:spPr>
+        <p:style>
+          <a:lnRef idx="2">
+            <a:schemeClr val="accent1"/>
+          </a:lnRef>
+          <a:fillRef idx="0">
+            <a:schemeClr val="accent1"/>
+          </a:fillRef>
+          <a:effectRef idx="1">
+            <a:schemeClr val="accent1"/>
+          </a:effectRef>
+          <a:fontRef idx="minor">
+            <a:schemeClr val="tx1"/>
+          </a:fontRef>
+        </p:style>
+      </p:cxnSp>
+      <p:sp>
+        <p:nvSpPr>
+          <p:cNvPr id="14" name="슬라이드 번호 개체 틀 13">
+            <a:extLst>
+              <a:ext uri="{FF2B5EF4-FFF2-40B4-BE49-F238E27FC236}">
+                <a16:creationId xmlns:a16="http://schemas.microsoft.com/office/drawing/2014/main" id="{E9C01983-9369-6175-2BEB-A0499D8BB093}"/>
+              </a:ext>
+            </a:extLst>
+          </p:cNvPr>
+          <p:cNvSpPr>
+            <a:spLocks noGrp="1"/>
+          </p:cNvSpPr>
+          <p:nvPr>
+            <p:ph type="sldNum" sz="quarter" idx="12"/>
+          </p:nvPr>
+        </p:nvSpPr>
+        <p:spPr/>
+        <p:txBody>
+          <a:bodyPr/>
+          <a:lstStyle/>
+          <a:p>
+            <a:fld id="{8D96929D-9E84-4A42-B4C3-2E48812748E4}" type="slidenum">
+              <a:rPr lang="ko-KR" altLang="en-US" smtClean="0"/>
+              <a:t>35</a:t>
+            </a:fld>
+            <a:endParaRPr lang="ko-KR" altLang="en-US"/>
+          </a:p>
+        </p:txBody>
+      </p:sp>
+      <p:sp>
+        <p:nvSpPr>
+          <p:cNvPr id="3" name="TextBox 2">
+            <a:extLst>
+              <a:ext uri="{FF2B5EF4-FFF2-40B4-BE49-F238E27FC236}">
+                <a16:creationId xmlns:a16="http://schemas.microsoft.com/office/drawing/2014/main" id="{2C7ABC1B-FD6C-5753-5FED-9051D7761F9D}"/>
+              </a:ext>
+            </a:extLst>
+          </p:cNvPr>
+          <p:cNvSpPr txBox="1"/>
+          <p:nvPr/>
+        </p:nvSpPr>
+        <p:spPr>
+          <a:xfrm>
+            <a:off x="454785" y="707392"/>
+            <a:ext cx="2222083" cy="523220"/>
+          </a:xfrm>
+          <a:prstGeom prst="rect">
+            <a:avLst/>
+          </a:prstGeom>
+          <a:noFill/>
+        </p:spPr>
+        <p:txBody>
+          <a:bodyPr wrap="none" rtlCol="0">
+            <a:spAutoFit/>
+          </a:bodyPr>
+          <a:lstStyle/>
+          <a:p>
+            <a:r>
+              <a:rPr lang="ko-KR" altLang="en-US" sz="2800" dirty="0">
+                <a:solidFill>
+                  <a:srgbClr val="0070C0"/>
+                </a:solidFill>
+              </a:rPr>
+              <a:t>메인 화면 </a:t>
+            </a:r>
+            <a:r>
+              <a:rPr lang="en-US" altLang="ko-KR" sz="2800" dirty="0">
+                <a:solidFill>
+                  <a:srgbClr val="0070C0"/>
+                </a:solidFill>
+              </a:rPr>
+              <a:t>UI</a:t>
+            </a:r>
+            <a:endParaRPr lang="ko-KR" altLang="en-US" sz="2800" dirty="0">
+              <a:solidFill>
+                <a:srgbClr val="0070C0"/>
+              </a:solidFill>
+            </a:endParaRPr>
+          </a:p>
+        </p:txBody>
+      </p:sp>
+    </p:spTree>
+    <p:extLst>
+      <p:ext uri="{BB962C8B-B14F-4D97-AF65-F5344CB8AC3E}">
+        <p14:creationId xmlns:p14="http://schemas.microsoft.com/office/powerpoint/2010/main" val="3196397919"/>
+      </p:ext>
+    </p:extLst>
+  </p:cSld>
+  <p:clrMapOvr>
+    <a:masterClrMapping/>
+  </p:clrMapOvr>
+</p:sld>
+</file>
+
 <file path=ppt/slides/slide4.xml><?xml version="1.0" encoding="utf-8"?>
 <p:sld xmlns:a="http://schemas.openxmlformats.org/drawingml/2006/main" xmlns:r="http://schemas.openxmlformats.org/officeDocument/2006/relationships" xmlns:p="http://schemas.openxmlformats.org/presentationml/2006/main">
   <p:cSld>

--- a/document/Please Leave me alone!.pptx
+++ b/document/Please Leave me alone!.pptx
@@ -231,7 +231,7 @@
           <a:p>
             <a:fld id="{A9BD1FE7-2F33-4B0D-BA08-1CEE25D4E3DB}" type="datetimeFigureOut">
               <a:rPr lang="ko-KR" altLang="en-US" smtClean="0"/>
-              <a:t>2025-02-08</a:t>
+              <a:t>2025-02-11</a:t>
             </a:fld>
             <a:endParaRPr lang="ko-KR" altLang="en-US"/>
           </a:p>
@@ -945,7 +945,7 @@
           <a:p>
             <a:fld id="{783F481A-738D-4EBC-92BF-08655C0568CC}" type="datetime1">
               <a:rPr lang="ko-KR" altLang="en-US" smtClean="0"/>
-              <a:t>2025-02-08</a:t>
+              <a:t>2025-02-11</a:t>
             </a:fld>
             <a:endParaRPr lang="ko-KR" altLang="en-US"/>
           </a:p>
@@ -1143,7 +1143,7 @@
           <a:p>
             <a:fld id="{6D9BB776-B79C-4546-8ABA-DA45D9C133A7}" type="datetime1">
               <a:rPr lang="ko-KR" altLang="en-US" smtClean="0"/>
-              <a:t>2025-02-08</a:t>
+              <a:t>2025-02-11</a:t>
             </a:fld>
             <a:endParaRPr lang="ko-KR" altLang="en-US"/>
           </a:p>
@@ -1351,7 +1351,7 @@
           <a:p>
             <a:fld id="{720FF001-C6D3-49EC-8DC3-B2593B1DC1C3}" type="datetime1">
               <a:rPr lang="ko-KR" altLang="en-US" smtClean="0"/>
-              <a:t>2025-02-08</a:t>
+              <a:t>2025-02-11</a:t>
             </a:fld>
             <a:endParaRPr lang="ko-KR" altLang="en-US"/>
           </a:p>
@@ -1549,7 +1549,7 @@
           <a:p>
             <a:fld id="{091E519C-B90B-4A61-8F7D-EA80CD22B7D5}" type="datetime1">
               <a:rPr lang="ko-KR" altLang="en-US" smtClean="0"/>
-              <a:t>2025-02-08</a:t>
+              <a:t>2025-02-11</a:t>
             </a:fld>
             <a:endParaRPr lang="ko-KR" altLang="en-US"/>
           </a:p>
@@ -1824,7 +1824,7 @@
           <a:p>
             <a:fld id="{FD734108-2D59-40E2-B393-1F390391A1FB}" type="datetime1">
               <a:rPr lang="ko-KR" altLang="en-US" smtClean="0"/>
-              <a:t>2025-02-08</a:t>
+              <a:t>2025-02-11</a:t>
             </a:fld>
             <a:endParaRPr lang="ko-KR" altLang="en-US"/>
           </a:p>
@@ -2089,7 +2089,7 @@
           <a:p>
             <a:fld id="{297FF520-CDFD-4316-AC89-B0A764216C4E}" type="datetime1">
               <a:rPr lang="ko-KR" altLang="en-US" smtClean="0"/>
-              <a:t>2025-02-08</a:t>
+              <a:t>2025-02-11</a:t>
             </a:fld>
             <a:endParaRPr lang="ko-KR" altLang="en-US"/>
           </a:p>
@@ -2501,7 +2501,7 @@
           <a:p>
             <a:fld id="{0CF3B42C-2182-4183-A46A-124CD019AF43}" type="datetime1">
               <a:rPr lang="ko-KR" altLang="en-US" smtClean="0"/>
-              <a:t>2025-02-08</a:t>
+              <a:t>2025-02-11</a:t>
             </a:fld>
             <a:endParaRPr lang="ko-KR" altLang="en-US"/>
           </a:p>
@@ -2642,7 +2642,7 @@
           <a:p>
             <a:fld id="{B738F611-77C6-4F89-8E2C-D3A9C27DF43F}" type="datetime1">
               <a:rPr lang="ko-KR" altLang="en-US" smtClean="0"/>
-              <a:t>2025-02-08</a:t>
+              <a:t>2025-02-11</a:t>
             </a:fld>
             <a:endParaRPr lang="ko-KR" altLang="en-US"/>
           </a:p>
@@ -2755,7 +2755,7 @@
           <a:p>
             <a:fld id="{A051748B-BCED-40F0-8EF5-AF075B4618B9}" type="datetime1">
               <a:rPr lang="ko-KR" altLang="en-US" smtClean="0"/>
-              <a:t>2025-02-08</a:t>
+              <a:t>2025-02-11</a:t>
             </a:fld>
             <a:endParaRPr lang="ko-KR" altLang="en-US"/>
           </a:p>
@@ -3066,7 +3066,7 @@
           <a:p>
             <a:fld id="{41DBB85A-8EA7-4277-A6E6-46EF2EEF4790}" type="datetime1">
               <a:rPr lang="ko-KR" altLang="en-US" smtClean="0"/>
-              <a:t>2025-02-08</a:t>
+              <a:t>2025-02-11</a:t>
             </a:fld>
             <a:endParaRPr lang="ko-KR" altLang="en-US"/>
           </a:p>
@@ -3354,7 +3354,7 @@
           <a:p>
             <a:fld id="{BBE44FDA-CB41-4E86-912D-6ECC7574FD7F}" type="datetime1">
               <a:rPr lang="ko-KR" altLang="en-US" smtClean="0"/>
-              <a:t>2025-02-08</a:t>
+              <a:t>2025-02-11</a:t>
             </a:fld>
             <a:endParaRPr lang="ko-KR" altLang="en-US"/>
           </a:p>
@@ -3595,7 +3595,7 @@
           <a:p>
             <a:fld id="{F0992805-70C9-4612-850D-0415F751BF22}" type="datetime1">
               <a:rPr lang="ko-KR" altLang="en-US" smtClean="0"/>
-              <a:t>2025-02-08</a:t>
+              <a:t>2025-02-11</a:t>
             </a:fld>
             <a:endParaRPr lang="ko-KR" altLang="en-US"/>
           </a:p>
@@ -50289,7 +50289,7 @@
         <p:spPr>
           <a:xfrm>
             <a:off x="323762" y="4576505"/>
-            <a:ext cx="5713424" cy="1700787"/>
+            <a:ext cx="6163867" cy="1700787"/>
           </a:xfrm>
           <a:prstGeom prst="rect">
             <a:avLst/>
@@ -50374,12 +50374,17 @@
             </a:r>
             <a:r>
               <a:rPr lang="en-US" altLang="ko-KR" dirty="0"/>
-              <a:t>.</a:t>
+              <a:t>.(</a:t>
             </a:r>
             <a:r>
               <a:rPr lang="ko-KR" altLang="en-US" dirty="0"/>
-              <a:t> </a:t>
+              <a:t>사이즈 </a:t>
             </a:r>
+            <a:r>
+              <a:rPr lang="en-US" altLang="ko-KR" dirty="0"/>
+              <a:t>: 960 X 600)</a:t>
+            </a:r>
+            <a:endParaRPr lang="ko-KR" altLang="en-US" dirty="0"/>
           </a:p>
         </p:txBody>
       </p:sp>
@@ -51114,6 +51119,750 @@
               <a:t>6</a:t>
             </a:fld>
             <a:endParaRPr lang="ko-KR" altLang="en-US"/>
+          </a:p>
+        </p:txBody>
+      </p:sp>
+      <p:grpSp>
+        <p:nvGrpSpPr>
+          <p:cNvPr id="14" name="그룹 13">
+            <a:extLst>
+              <a:ext uri="{FF2B5EF4-FFF2-40B4-BE49-F238E27FC236}">
+                <a16:creationId xmlns:a16="http://schemas.microsoft.com/office/drawing/2014/main" id="{F71E715D-0A69-882D-6D3F-82A43F5FE779}"/>
+              </a:ext>
+            </a:extLst>
+          </p:cNvPr>
+          <p:cNvGrpSpPr/>
+          <p:nvPr/>
+        </p:nvGrpSpPr>
+        <p:grpSpPr>
+          <a:xfrm>
+            <a:off x="1535099" y="1521395"/>
+            <a:ext cx="4472607" cy="248054"/>
+            <a:chOff x="1541725" y="1547461"/>
+            <a:chExt cx="1635420" cy="248054"/>
+          </a:xfrm>
+        </p:grpSpPr>
+        <p:cxnSp>
+          <p:nvCxnSpPr>
+            <p:cNvPr id="5" name="직선 연결선 4">
+              <a:extLst>
+                <a:ext uri="{FF2B5EF4-FFF2-40B4-BE49-F238E27FC236}">
+                  <a16:creationId xmlns:a16="http://schemas.microsoft.com/office/drawing/2014/main" id="{9C13279F-B421-B0D9-2A36-20C1D054404F}"/>
+                </a:ext>
+              </a:extLst>
+            </p:cNvPr>
+            <p:cNvCxnSpPr>
+              <a:cxnSpLocks/>
+            </p:cNvCxnSpPr>
+            <p:nvPr/>
+          </p:nvCxnSpPr>
+          <p:spPr>
+            <a:xfrm rot="16200000">
+              <a:off x="1417698" y="1671488"/>
+              <a:ext cx="248054" cy="0"/>
+            </a:xfrm>
+            <a:prstGeom prst="line">
+              <a:avLst/>
+            </a:prstGeom>
+            <a:ln w="38100">
+              <a:solidFill>
+                <a:srgbClr val="FF0000"/>
+              </a:solidFill>
+            </a:ln>
+          </p:spPr>
+          <p:style>
+            <a:lnRef idx="2">
+              <a:schemeClr val="accent1"/>
+            </a:lnRef>
+            <a:fillRef idx="0">
+              <a:schemeClr val="accent1"/>
+            </a:fillRef>
+            <a:effectRef idx="1">
+              <a:schemeClr val="accent1"/>
+            </a:effectRef>
+            <a:fontRef idx="minor">
+              <a:schemeClr val="tx1"/>
+            </a:fontRef>
+          </p:style>
+        </p:cxnSp>
+        <p:cxnSp>
+          <p:nvCxnSpPr>
+            <p:cNvPr id="8" name="직선 연결선 7">
+              <a:extLst>
+                <a:ext uri="{FF2B5EF4-FFF2-40B4-BE49-F238E27FC236}">
+                  <a16:creationId xmlns:a16="http://schemas.microsoft.com/office/drawing/2014/main" id="{4EBA0C4B-CE03-46A8-C3CE-7FB2EBB26B4B}"/>
+                </a:ext>
+              </a:extLst>
+            </p:cNvPr>
+            <p:cNvCxnSpPr>
+              <a:cxnSpLocks/>
+            </p:cNvCxnSpPr>
+            <p:nvPr/>
+          </p:nvCxnSpPr>
+          <p:spPr>
+            <a:xfrm rot="16200000">
+              <a:off x="3053112" y="1671488"/>
+              <a:ext cx="248054" cy="0"/>
+            </a:xfrm>
+            <a:prstGeom prst="line">
+              <a:avLst/>
+            </a:prstGeom>
+            <a:ln w="38100">
+              <a:solidFill>
+                <a:srgbClr val="FF0000"/>
+              </a:solidFill>
+            </a:ln>
+          </p:spPr>
+          <p:style>
+            <a:lnRef idx="2">
+              <a:schemeClr val="accent1"/>
+            </a:lnRef>
+            <a:fillRef idx="0">
+              <a:schemeClr val="accent1"/>
+            </a:fillRef>
+            <a:effectRef idx="1">
+              <a:schemeClr val="accent1"/>
+            </a:effectRef>
+            <a:fontRef idx="minor">
+              <a:schemeClr val="tx1"/>
+            </a:fontRef>
+          </p:style>
+        </p:cxnSp>
+        <p:cxnSp>
+          <p:nvCxnSpPr>
+            <p:cNvPr id="13" name="직선 연결선 12">
+              <a:extLst>
+                <a:ext uri="{FF2B5EF4-FFF2-40B4-BE49-F238E27FC236}">
+                  <a16:creationId xmlns:a16="http://schemas.microsoft.com/office/drawing/2014/main" id="{682F1EC5-4463-DE9A-AB01-6AAE55CD4BF9}"/>
+                </a:ext>
+              </a:extLst>
+            </p:cNvPr>
+            <p:cNvCxnSpPr>
+              <a:cxnSpLocks/>
+            </p:cNvCxnSpPr>
+            <p:nvPr/>
+          </p:nvCxnSpPr>
+          <p:spPr>
+            <a:xfrm>
+              <a:off x="1541725" y="1671488"/>
+              <a:ext cx="1635420" cy="0"/>
+            </a:xfrm>
+            <a:prstGeom prst="line">
+              <a:avLst/>
+            </a:prstGeom>
+            <a:ln w="38100">
+              <a:solidFill>
+                <a:srgbClr val="FF0000"/>
+              </a:solidFill>
+            </a:ln>
+          </p:spPr>
+          <p:style>
+            <a:lnRef idx="2">
+              <a:schemeClr val="accent1"/>
+            </a:lnRef>
+            <a:fillRef idx="0">
+              <a:schemeClr val="accent1"/>
+            </a:fillRef>
+            <a:effectRef idx="1">
+              <a:schemeClr val="accent1"/>
+            </a:effectRef>
+            <a:fontRef idx="minor">
+              <a:schemeClr val="tx1"/>
+            </a:fontRef>
+          </p:style>
+        </p:cxnSp>
+      </p:grpSp>
+      <p:grpSp>
+        <p:nvGrpSpPr>
+          <p:cNvPr id="18" name="그룹 17">
+            <a:extLst>
+              <a:ext uri="{FF2B5EF4-FFF2-40B4-BE49-F238E27FC236}">
+                <a16:creationId xmlns:a16="http://schemas.microsoft.com/office/drawing/2014/main" id="{ADCEC5A1-9D25-1736-8E52-A8A38401CB57}"/>
+              </a:ext>
+            </a:extLst>
+          </p:cNvPr>
+          <p:cNvGrpSpPr/>
+          <p:nvPr/>
+        </p:nvGrpSpPr>
+        <p:grpSpPr>
+          <a:xfrm rot="5400000">
+            <a:off x="110030" y="2931469"/>
+            <a:ext cx="2524185" cy="248054"/>
+            <a:chOff x="1541725" y="1547461"/>
+            <a:chExt cx="1635420" cy="248054"/>
+          </a:xfrm>
+        </p:grpSpPr>
+        <p:cxnSp>
+          <p:nvCxnSpPr>
+            <p:cNvPr id="20" name="직선 연결선 19">
+              <a:extLst>
+                <a:ext uri="{FF2B5EF4-FFF2-40B4-BE49-F238E27FC236}">
+                  <a16:creationId xmlns:a16="http://schemas.microsoft.com/office/drawing/2014/main" id="{89F3A502-8FE6-C45E-2AAF-4C1DBFD82762}"/>
+                </a:ext>
+              </a:extLst>
+            </p:cNvPr>
+            <p:cNvCxnSpPr>
+              <a:cxnSpLocks/>
+            </p:cNvCxnSpPr>
+            <p:nvPr/>
+          </p:nvCxnSpPr>
+          <p:spPr>
+            <a:xfrm rot="16200000">
+              <a:off x="1417698" y="1671488"/>
+              <a:ext cx="248054" cy="0"/>
+            </a:xfrm>
+            <a:prstGeom prst="line">
+              <a:avLst/>
+            </a:prstGeom>
+            <a:ln w="38100">
+              <a:solidFill>
+                <a:srgbClr val="FF0000"/>
+              </a:solidFill>
+            </a:ln>
+          </p:spPr>
+          <p:style>
+            <a:lnRef idx="2">
+              <a:schemeClr val="accent1"/>
+            </a:lnRef>
+            <a:fillRef idx="0">
+              <a:schemeClr val="accent1"/>
+            </a:fillRef>
+            <a:effectRef idx="1">
+              <a:schemeClr val="accent1"/>
+            </a:effectRef>
+            <a:fontRef idx="minor">
+              <a:schemeClr val="tx1"/>
+            </a:fontRef>
+          </p:style>
+        </p:cxnSp>
+        <p:cxnSp>
+          <p:nvCxnSpPr>
+            <p:cNvPr id="23" name="직선 연결선 22">
+              <a:extLst>
+                <a:ext uri="{FF2B5EF4-FFF2-40B4-BE49-F238E27FC236}">
+                  <a16:creationId xmlns:a16="http://schemas.microsoft.com/office/drawing/2014/main" id="{5C103328-6D96-8E41-E364-C195FAE81AA6}"/>
+                </a:ext>
+              </a:extLst>
+            </p:cNvPr>
+            <p:cNvCxnSpPr>
+              <a:cxnSpLocks/>
+            </p:cNvCxnSpPr>
+            <p:nvPr/>
+          </p:nvCxnSpPr>
+          <p:spPr>
+            <a:xfrm rot="16200000">
+              <a:off x="3053112" y="1671488"/>
+              <a:ext cx="248054" cy="0"/>
+            </a:xfrm>
+            <a:prstGeom prst="line">
+              <a:avLst/>
+            </a:prstGeom>
+            <a:ln w="38100">
+              <a:solidFill>
+                <a:srgbClr val="FF0000"/>
+              </a:solidFill>
+            </a:ln>
+          </p:spPr>
+          <p:style>
+            <a:lnRef idx="2">
+              <a:schemeClr val="accent1"/>
+            </a:lnRef>
+            <a:fillRef idx="0">
+              <a:schemeClr val="accent1"/>
+            </a:fillRef>
+            <a:effectRef idx="1">
+              <a:schemeClr val="accent1"/>
+            </a:effectRef>
+            <a:fontRef idx="minor">
+              <a:schemeClr val="tx1"/>
+            </a:fontRef>
+          </p:style>
+        </p:cxnSp>
+        <p:cxnSp>
+          <p:nvCxnSpPr>
+            <p:cNvPr id="30" name="직선 연결선 29">
+              <a:extLst>
+                <a:ext uri="{FF2B5EF4-FFF2-40B4-BE49-F238E27FC236}">
+                  <a16:creationId xmlns:a16="http://schemas.microsoft.com/office/drawing/2014/main" id="{EDDFB546-A185-E113-E4DE-DC883895A5F9}"/>
+                </a:ext>
+              </a:extLst>
+            </p:cNvPr>
+            <p:cNvCxnSpPr>
+              <a:cxnSpLocks/>
+            </p:cNvCxnSpPr>
+            <p:nvPr/>
+          </p:nvCxnSpPr>
+          <p:spPr>
+            <a:xfrm>
+              <a:off x="1541725" y="1671488"/>
+              <a:ext cx="1635420" cy="0"/>
+            </a:xfrm>
+            <a:prstGeom prst="line">
+              <a:avLst/>
+            </a:prstGeom>
+            <a:ln w="38100">
+              <a:solidFill>
+                <a:srgbClr val="FF0000"/>
+              </a:solidFill>
+            </a:ln>
+          </p:spPr>
+          <p:style>
+            <a:lnRef idx="2">
+              <a:schemeClr val="accent1"/>
+            </a:lnRef>
+            <a:fillRef idx="0">
+              <a:schemeClr val="accent1"/>
+            </a:fillRef>
+            <a:effectRef idx="1">
+              <a:schemeClr val="accent1"/>
+            </a:effectRef>
+            <a:fontRef idx="minor">
+              <a:schemeClr val="tx1"/>
+            </a:fontRef>
+          </p:style>
+        </p:cxnSp>
+      </p:grpSp>
+      <p:sp>
+        <p:nvSpPr>
+          <p:cNvPr id="32" name="TextBox 31">
+            <a:extLst>
+              <a:ext uri="{FF2B5EF4-FFF2-40B4-BE49-F238E27FC236}">
+                <a16:creationId xmlns:a16="http://schemas.microsoft.com/office/drawing/2014/main" id="{F66A1754-7C84-AA63-37D0-4353702646FA}"/>
+              </a:ext>
+            </a:extLst>
+          </p:cNvPr>
+          <p:cNvSpPr txBox="1"/>
+          <p:nvPr/>
+        </p:nvSpPr>
+        <p:spPr>
+          <a:xfrm>
+            <a:off x="3489113" y="1305339"/>
+            <a:ext cx="564578" cy="369332"/>
+          </a:xfrm>
+          <a:prstGeom prst="rect">
+            <a:avLst/>
+          </a:prstGeom>
+          <a:noFill/>
+        </p:spPr>
+        <p:txBody>
+          <a:bodyPr wrap="none" rtlCol="0">
+            <a:spAutoFit/>
+          </a:bodyPr>
+          <a:lstStyle/>
+          <a:p>
+            <a:r>
+              <a:rPr lang="en-US" altLang="ko-KR" dirty="0"/>
+              <a:t>960</a:t>
+            </a:r>
+            <a:endParaRPr lang="ko-KR" altLang="en-US" dirty="0"/>
+          </a:p>
+        </p:txBody>
+      </p:sp>
+      <p:sp>
+        <p:nvSpPr>
+          <p:cNvPr id="33" name="TextBox 32">
+            <a:extLst>
+              <a:ext uri="{FF2B5EF4-FFF2-40B4-BE49-F238E27FC236}">
+                <a16:creationId xmlns:a16="http://schemas.microsoft.com/office/drawing/2014/main" id="{764C3768-9EFE-1F54-7A34-B587B6892F46}"/>
+              </a:ext>
+            </a:extLst>
+          </p:cNvPr>
+          <p:cNvSpPr txBox="1"/>
+          <p:nvPr/>
+        </p:nvSpPr>
+        <p:spPr>
+          <a:xfrm>
+            <a:off x="848942" y="2870830"/>
+            <a:ext cx="564578" cy="369332"/>
+          </a:xfrm>
+          <a:prstGeom prst="rect">
+            <a:avLst/>
+          </a:prstGeom>
+          <a:noFill/>
+        </p:spPr>
+        <p:txBody>
+          <a:bodyPr wrap="none" rtlCol="0">
+            <a:spAutoFit/>
+          </a:bodyPr>
+          <a:lstStyle/>
+          <a:p>
+            <a:r>
+              <a:rPr lang="en-US" altLang="ko-KR" dirty="0"/>
+              <a:t>600</a:t>
+            </a:r>
+            <a:endParaRPr lang="ko-KR" altLang="en-US" dirty="0"/>
+          </a:p>
+        </p:txBody>
+      </p:sp>
+      <p:grpSp>
+        <p:nvGrpSpPr>
+          <p:cNvPr id="34" name="그룹 33">
+            <a:extLst>
+              <a:ext uri="{FF2B5EF4-FFF2-40B4-BE49-F238E27FC236}">
+                <a16:creationId xmlns:a16="http://schemas.microsoft.com/office/drawing/2014/main" id="{09A16CED-1849-EA09-6F9E-40E0E4FEB0CA}"/>
+              </a:ext>
+            </a:extLst>
+          </p:cNvPr>
+          <p:cNvGrpSpPr/>
+          <p:nvPr/>
+        </p:nvGrpSpPr>
+        <p:grpSpPr>
+          <a:xfrm>
+            <a:off x="8183099" y="1658250"/>
+            <a:ext cx="2363058" cy="248054"/>
+            <a:chOff x="1541725" y="1547461"/>
+            <a:chExt cx="1635420" cy="248054"/>
+          </a:xfrm>
+        </p:grpSpPr>
+        <p:cxnSp>
+          <p:nvCxnSpPr>
+            <p:cNvPr id="35" name="직선 연결선 34">
+              <a:extLst>
+                <a:ext uri="{FF2B5EF4-FFF2-40B4-BE49-F238E27FC236}">
+                  <a16:creationId xmlns:a16="http://schemas.microsoft.com/office/drawing/2014/main" id="{3B8718F1-7710-E8FE-2677-1D496DEEF8FF}"/>
+                </a:ext>
+              </a:extLst>
+            </p:cNvPr>
+            <p:cNvCxnSpPr>
+              <a:cxnSpLocks/>
+            </p:cNvCxnSpPr>
+            <p:nvPr/>
+          </p:nvCxnSpPr>
+          <p:spPr>
+            <a:xfrm rot="16200000">
+              <a:off x="1417698" y="1671488"/>
+              <a:ext cx="248054" cy="0"/>
+            </a:xfrm>
+            <a:prstGeom prst="line">
+              <a:avLst/>
+            </a:prstGeom>
+            <a:ln w="38100">
+              <a:solidFill>
+                <a:srgbClr val="FF0000"/>
+              </a:solidFill>
+            </a:ln>
+          </p:spPr>
+          <p:style>
+            <a:lnRef idx="2">
+              <a:schemeClr val="accent1"/>
+            </a:lnRef>
+            <a:fillRef idx="0">
+              <a:schemeClr val="accent1"/>
+            </a:fillRef>
+            <a:effectRef idx="1">
+              <a:schemeClr val="accent1"/>
+            </a:effectRef>
+            <a:fontRef idx="minor">
+              <a:schemeClr val="tx1"/>
+            </a:fontRef>
+          </p:style>
+        </p:cxnSp>
+        <p:cxnSp>
+          <p:nvCxnSpPr>
+            <p:cNvPr id="36" name="직선 연결선 35">
+              <a:extLst>
+                <a:ext uri="{FF2B5EF4-FFF2-40B4-BE49-F238E27FC236}">
+                  <a16:creationId xmlns:a16="http://schemas.microsoft.com/office/drawing/2014/main" id="{6A945933-20C9-F0E9-A5E8-AD67129044AE}"/>
+                </a:ext>
+              </a:extLst>
+            </p:cNvPr>
+            <p:cNvCxnSpPr>
+              <a:cxnSpLocks/>
+            </p:cNvCxnSpPr>
+            <p:nvPr/>
+          </p:nvCxnSpPr>
+          <p:spPr>
+            <a:xfrm rot="16200000">
+              <a:off x="3053112" y="1671488"/>
+              <a:ext cx="248054" cy="0"/>
+            </a:xfrm>
+            <a:prstGeom prst="line">
+              <a:avLst/>
+            </a:prstGeom>
+            <a:ln w="38100">
+              <a:solidFill>
+                <a:srgbClr val="FF0000"/>
+              </a:solidFill>
+            </a:ln>
+          </p:spPr>
+          <p:style>
+            <a:lnRef idx="2">
+              <a:schemeClr val="accent1"/>
+            </a:lnRef>
+            <a:fillRef idx="0">
+              <a:schemeClr val="accent1"/>
+            </a:fillRef>
+            <a:effectRef idx="1">
+              <a:schemeClr val="accent1"/>
+            </a:effectRef>
+            <a:fontRef idx="minor">
+              <a:schemeClr val="tx1"/>
+            </a:fontRef>
+          </p:style>
+        </p:cxnSp>
+        <p:cxnSp>
+          <p:nvCxnSpPr>
+            <p:cNvPr id="37" name="직선 연결선 36">
+              <a:extLst>
+                <a:ext uri="{FF2B5EF4-FFF2-40B4-BE49-F238E27FC236}">
+                  <a16:creationId xmlns:a16="http://schemas.microsoft.com/office/drawing/2014/main" id="{378DC4A0-8925-7EA2-05D0-7A24B5D8A346}"/>
+                </a:ext>
+              </a:extLst>
+            </p:cNvPr>
+            <p:cNvCxnSpPr>
+              <a:cxnSpLocks/>
+            </p:cNvCxnSpPr>
+            <p:nvPr/>
+          </p:nvCxnSpPr>
+          <p:spPr>
+            <a:xfrm>
+              <a:off x="1541725" y="1671488"/>
+              <a:ext cx="1635420" cy="0"/>
+            </a:xfrm>
+            <a:prstGeom prst="line">
+              <a:avLst/>
+            </a:prstGeom>
+            <a:ln w="38100">
+              <a:solidFill>
+                <a:srgbClr val="FF0000"/>
+              </a:solidFill>
+            </a:ln>
+          </p:spPr>
+          <p:style>
+            <a:lnRef idx="2">
+              <a:schemeClr val="accent1"/>
+            </a:lnRef>
+            <a:fillRef idx="0">
+              <a:schemeClr val="accent1"/>
+            </a:fillRef>
+            <a:effectRef idx="1">
+              <a:schemeClr val="accent1"/>
+            </a:effectRef>
+            <a:fontRef idx="minor">
+              <a:schemeClr val="tx1"/>
+            </a:fontRef>
+          </p:style>
+        </p:cxnSp>
+      </p:grpSp>
+      <p:grpSp>
+        <p:nvGrpSpPr>
+          <p:cNvPr id="38" name="그룹 37">
+            <a:extLst>
+              <a:ext uri="{FF2B5EF4-FFF2-40B4-BE49-F238E27FC236}">
+                <a16:creationId xmlns:a16="http://schemas.microsoft.com/office/drawing/2014/main" id="{6246B7DB-17ED-6606-10D8-87C53199F70D}"/>
+              </a:ext>
+            </a:extLst>
+          </p:cNvPr>
+          <p:cNvGrpSpPr/>
+          <p:nvPr/>
+        </p:nvGrpSpPr>
+        <p:grpSpPr>
+          <a:xfrm rot="5400000">
+            <a:off x="5975952" y="3894250"/>
+            <a:ext cx="4177798" cy="248054"/>
+            <a:chOff x="1541725" y="1547461"/>
+            <a:chExt cx="1635420" cy="248054"/>
+          </a:xfrm>
+        </p:grpSpPr>
+        <p:cxnSp>
+          <p:nvCxnSpPr>
+            <p:cNvPr id="39" name="직선 연결선 38">
+              <a:extLst>
+                <a:ext uri="{FF2B5EF4-FFF2-40B4-BE49-F238E27FC236}">
+                  <a16:creationId xmlns:a16="http://schemas.microsoft.com/office/drawing/2014/main" id="{3C709443-6589-8006-6848-69C321F03970}"/>
+                </a:ext>
+              </a:extLst>
+            </p:cNvPr>
+            <p:cNvCxnSpPr>
+              <a:cxnSpLocks/>
+            </p:cNvCxnSpPr>
+            <p:nvPr/>
+          </p:nvCxnSpPr>
+          <p:spPr>
+            <a:xfrm rot="16200000">
+              <a:off x="1417698" y="1671488"/>
+              <a:ext cx="248054" cy="0"/>
+            </a:xfrm>
+            <a:prstGeom prst="line">
+              <a:avLst/>
+            </a:prstGeom>
+            <a:ln w="38100">
+              <a:solidFill>
+                <a:srgbClr val="FF0000"/>
+              </a:solidFill>
+            </a:ln>
+          </p:spPr>
+          <p:style>
+            <a:lnRef idx="2">
+              <a:schemeClr val="accent1"/>
+            </a:lnRef>
+            <a:fillRef idx="0">
+              <a:schemeClr val="accent1"/>
+            </a:fillRef>
+            <a:effectRef idx="1">
+              <a:schemeClr val="accent1"/>
+            </a:effectRef>
+            <a:fontRef idx="minor">
+              <a:schemeClr val="tx1"/>
+            </a:fontRef>
+          </p:style>
+        </p:cxnSp>
+        <p:cxnSp>
+          <p:nvCxnSpPr>
+            <p:cNvPr id="40" name="직선 연결선 39">
+              <a:extLst>
+                <a:ext uri="{FF2B5EF4-FFF2-40B4-BE49-F238E27FC236}">
+                  <a16:creationId xmlns:a16="http://schemas.microsoft.com/office/drawing/2014/main" id="{8CAAEFF4-2D8C-FB02-A700-F6E3F4EF3E1C}"/>
+                </a:ext>
+              </a:extLst>
+            </p:cNvPr>
+            <p:cNvCxnSpPr>
+              <a:cxnSpLocks/>
+            </p:cNvCxnSpPr>
+            <p:nvPr/>
+          </p:nvCxnSpPr>
+          <p:spPr>
+            <a:xfrm rot="16200000">
+              <a:off x="3053112" y="1671488"/>
+              <a:ext cx="248054" cy="0"/>
+            </a:xfrm>
+            <a:prstGeom prst="line">
+              <a:avLst/>
+            </a:prstGeom>
+            <a:ln w="38100">
+              <a:solidFill>
+                <a:srgbClr val="FF0000"/>
+              </a:solidFill>
+            </a:ln>
+          </p:spPr>
+          <p:style>
+            <a:lnRef idx="2">
+              <a:schemeClr val="accent1"/>
+            </a:lnRef>
+            <a:fillRef idx="0">
+              <a:schemeClr val="accent1"/>
+            </a:fillRef>
+            <a:effectRef idx="1">
+              <a:schemeClr val="accent1"/>
+            </a:effectRef>
+            <a:fontRef idx="minor">
+              <a:schemeClr val="tx1"/>
+            </a:fontRef>
+          </p:style>
+        </p:cxnSp>
+        <p:cxnSp>
+          <p:nvCxnSpPr>
+            <p:cNvPr id="41" name="직선 연결선 40">
+              <a:extLst>
+                <a:ext uri="{FF2B5EF4-FFF2-40B4-BE49-F238E27FC236}">
+                  <a16:creationId xmlns:a16="http://schemas.microsoft.com/office/drawing/2014/main" id="{9365251B-440A-0DEC-576F-2B5988323187}"/>
+                </a:ext>
+              </a:extLst>
+            </p:cNvPr>
+            <p:cNvCxnSpPr>
+              <a:cxnSpLocks/>
+            </p:cNvCxnSpPr>
+            <p:nvPr/>
+          </p:nvCxnSpPr>
+          <p:spPr>
+            <a:xfrm>
+              <a:off x="1541725" y="1671488"/>
+              <a:ext cx="1635420" cy="0"/>
+            </a:xfrm>
+            <a:prstGeom prst="line">
+              <a:avLst/>
+            </a:prstGeom>
+            <a:ln w="38100">
+              <a:solidFill>
+                <a:srgbClr val="FF0000"/>
+              </a:solidFill>
+            </a:ln>
+          </p:spPr>
+          <p:style>
+            <a:lnRef idx="2">
+              <a:schemeClr val="accent1"/>
+            </a:lnRef>
+            <a:fillRef idx="0">
+              <a:schemeClr val="accent1"/>
+            </a:fillRef>
+            <a:effectRef idx="1">
+              <a:schemeClr val="accent1"/>
+            </a:effectRef>
+            <a:fontRef idx="minor">
+              <a:schemeClr val="tx1"/>
+            </a:fontRef>
+          </p:style>
+        </p:cxnSp>
+      </p:grpSp>
+      <p:sp>
+        <p:nvSpPr>
+          <p:cNvPr id="42" name="TextBox 41">
+            <a:extLst>
+              <a:ext uri="{FF2B5EF4-FFF2-40B4-BE49-F238E27FC236}">
+                <a16:creationId xmlns:a16="http://schemas.microsoft.com/office/drawing/2014/main" id="{50B3C305-76C4-897E-8DEC-5ED97443FB26}"/>
+              </a:ext>
+            </a:extLst>
+          </p:cNvPr>
+          <p:cNvSpPr txBox="1"/>
+          <p:nvPr/>
+        </p:nvSpPr>
+        <p:spPr>
+          <a:xfrm>
+            <a:off x="9082339" y="1440379"/>
+            <a:ext cx="564578" cy="369332"/>
+          </a:xfrm>
+          <a:prstGeom prst="rect">
+            <a:avLst/>
+          </a:prstGeom>
+          <a:noFill/>
+        </p:spPr>
+        <p:txBody>
+          <a:bodyPr wrap="none" rtlCol="0">
+            <a:spAutoFit/>
+          </a:bodyPr>
+          <a:lstStyle/>
+          <a:p>
+            <a:r>
+              <a:rPr lang="en-US" altLang="ko-KR" dirty="0"/>
+              <a:t>675</a:t>
+            </a:r>
+            <a:endParaRPr lang="ko-KR" altLang="en-US" dirty="0"/>
+          </a:p>
+        </p:txBody>
+      </p:sp>
+      <p:sp>
+        <p:nvSpPr>
+          <p:cNvPr id="43" name="TextBox 42">
+            <a:extLst>
+              <a:ext uri="{FF2B5EF4-FFF2-40B4-BE49-F238E27FC236}">
+                <a16:creationId xmlns:a16="http://schemas.microsoft.com/office/drawing/2014/main" id="{DA7E8FA4-008C-83F1-AC39-261D809FA3D1}"/>
+              </a:ext>
+            </a:extLst>
+          </p:cNvPr>
+          <p:cNvSpPr txBox="1"/>
+          <p:nvPr/>
+        </p:nvSpPr>
+        <p:spPr>
+          <a:xfrm>
+            <a:off x="7525728" y="3833611"/>
+            <a:ext cx="564578" cy="369332"/>
+          </a:xfrm>
+          <a:prstGeom prst="rect">
+            <a:avLst/>
+          </a:prstGeom>
+          <a:noFill/>
+        </p:spPr>
+        <p:txBody>
+          <a:bodyPr wrap="none" rtlCol="0">
+            <a:spAutoFit/>
+          </a:bodyPr>
+          <a:lstStyle/>
+          <a:p>
+            <a:r>
+              <a:rPr lang="en-US" altLang="ko-KR" dirty="0"/>
+              <a:t>880</a:t>
+            </a:r>
+            <a:endParaRPr lang="ko-KR" altLang="en-US" dirty="0"/>
           </a:p>
         </p:txBody>
       </p:sp>

--- a/document/Please Leave me alone!.pptx
+++ b/document/Please Leave me alone!.pptx
@@ -231,7 +231,7 @@
           <a:p>
             <a:fld id="{A9BD1FE7-2F33-4B0D-BA08-1CEE25D4E3DB}" type="datetimeFigureOut">
               <a:rPr lang="ko-KR" altLang="en-US" smtClean="0"/>
-              <a:t>2025-02-11</a:t>
+              <a:t>2025-02-12</a:t>
             </a:fld>
             <a:endParaRPr lang="ko-KR" altLang="en-US"/>
           </a:p>
@@ -945,7 +945,7 @@
           <a:p>
             <a:fld id="{783F481A-738D-4EBC-92BF-08655C0568CC}" type="datetime1">
               <a:rPr lang="ko-KR" altLang="en-US" smtClean="0"/>
-              <a:t>2025-02-11</a:t>
+              <a:t>2025-02-12</a:t>
             </a:fld>
             <a:endParaRPr lang="ko-KR" altLang="en-US"/>
           </a:p>
@@ -1143,7 +1143,7 @@
           <a:p>
             <a:fld id="{6D9BB776-B79C-4546-8ABA-DA45D9C133A7}" type="datetime1">
               <a:rPr lang="ko-KR" altLang="en-US" smtClean="0"/>
-              <a:t>2025-02-11</a:t>
+              <a:t>2025-02-12</a:t>
             </a:fld>
             <a:endParaRPr lang="ko-KR" altLang="en-US"/>
           </a:p>
@@ -1351,7 +1351,7 @@
           <a:p>
             <a:fld id="{720FF001-C6D3-49EC-8DC3-B2593B1DC1C3}" type="datetime1">
               <a:rPr lang="ko-KR" altLang="en-US" smtClean="0"/>
-              <a:t>2025-02-11</a:t>
+              <a:t>2025-02-12</a:t>
             </a:fld>
             <a:endParaRPr lang="ko-KR" altLang="en-US"/>
           </a:p>
@@ -1549,7 +1549,7 @@
           <a:p>
             <a:fld id="{091E519C-B90B-4A61-8F7D-EA80CD22B7D5}" type="datetime1">
               <a:rPr lang="ko-KR" altLang="en-US" smtClean="0"/>
-              <a:t>2025-02-11</a:t>
+              <a:t>2025-02-12</a:t>
             </a:fld>
             <a:endParaRPr lang="ko-KR" altLang="en-US"/>
           </a:p>
@@ -1824,7 +1824,7 @@
           <a:p>
             <a:fld id="{FD734108-2D59-40E2-B393-1F390391A1FB}" type="datetime1">
               <a:rPr lang="ko-KR" altLang="en-US" smtClean="0"/>
-              <a:t>2025-02-11</a:t>
+              <a:t>2025-02-12</a:t>
             </a:fld>
             <a:endParaRPr lang="ko-KR" altLang="en-US"/>
           </a:p>
@@ -2089,7 +2089,7 @@
           <a:p>
             <a:fld id="{297FF520-CDFD-4316-AC89-B0A764216C4E}" type="datetime1">
               <a:rPr lang="ko-KR" altLang="en-US" smtClean="0"/>
-              <a:t>2025-02-11</a:t>
+              <a:t>2025-02-12</a:t>
             </a:fld>
             <a:endParaRPr lang="ko-KR" altLang="en-US"/>
           </a:p>
@@ -2501,7 +2501,7 @@
           <a:p>
             <a:fld id="{0CF3B42C-2182-4183-A46A-124CD019AF43}" type="datetime1">
               <a:rPr lang="ko-KR" altLang="en-US" smtClean="0"/>
-              <a:t>2025-02-11</a:t>
+              <a:t>2025-02-12</a:t>
             </a:fld>
             <a:endParaRPr lang="ko-KR" altLang="en-US"/>
           </a:p>
@@ -2642,7 +2642,7 @@
           <a:p>
             <a:fld id="{B738F611-77C6-4F89-8E2C-D3A9C27DF43F}" type="datetime1">
               <a:rPr lang="ko-KR" altLang="en-US" smtClean="0"/>
-              <a:t>2025-02-11</a:t>
+              <a:t>2025-02-12</a:t>
             </a:fld>
             <a:endParaRPr lang="ko-KR" altLang="en-US"/>
           </a:p>
@@ -2755,7 +2755,7 @@
           <a:p>
             <a:fld id="{A051748B-BCED-40F0-8EF5-AF075B4618B9}" type="datetime1">
               <a:rPr lang="ko-KR" altLang="en-US" smtClean="0"/>
-              <a:t>2025-02-11</a:t>
+              <a:t>2025-02-12</a:t>
             </a:fld>
             <a:endParaRPr lang="ko-KR" altLang="en-US"/>
           </a:p>
@@ -3066,7 +3066,7 @@
           <a:p>
             <a:fld id="{41DBB85A-8EA7-4277-A6E6-46EF2EEF4790}" type="datetime1">
               <a:rPr lang="ko-KR" altLang="en-US" smtClean="0"/>
-              <a:t>2025-02-11</a:t>
+              <a:t>2025-02-12</a:t>
             </a:fld>
             <a:endParaRPr lang="ko-KR" altLang="en-US"/>
           </a:p>
@@ -3354,7 +3354,7 @@
           <a:p>
             <a:fld id="{BBE44FDA-CB41-4E86-912D-6ECC7574FD7F}" type="datetime1">
               <a:rPr lang="ko-KR" altLang="en-US" smtClean="0"/>
-              <a:t>2025-02-11</a:t>
+              <a:t>2025-02-12</a:t>
             </a:fld>
             <a:endParaRPr lang="ko-KR" altLang="en-US"/>
           </a:p>
@@ -3595,7 +3595,7 @@
           <a:p>
             <a:fld id="{F0992805-70C9-4612-850D-0415F751BF22}" type="datetime1">
               <a:rPr lang="ko-KR" altLang="en-US" smtClean="0"/>
-              <a:t>2025-02-11</a:t>
+              <a:t>2025-02-12</a:t>
             </a:fld>
             <a:endParaRPr lang="ko-KR" altLang="en-US"/>
           </a:p>

--- a/document/Please Leave me alone!.pptx
+++ b/document/Please Leave me alone!.pptx
@@ -231,7 +231,7 @@
           <a:p>
             <a:fld id="{A9BD1FE7-2F33-4B0D-BA08-1CEE25D4E3DB}" type="datetimeFigureOut">
               <a:rPr lang="ko-KR" altLang="en-US" smtClean="0"/>
-              <a:t>2025-02-12</a:t>
+              <a:t>2025-02-13</a:t>
             </a:fld>
             <a:endParaRPr lang="ko-KR" altLang="en-US"/>
           </a:p>
@@ -945,7 +945,7 @@
           <a:p>
             <a:fld id="{783F481A-738D-4EBC-92BF-08655C0568CC}" type="datetime1">
               <a:rPr lang="ko-KR" altLang="en-US" smtClean="0"/>
-              <a:t>2025-02-12</a:t>
+              <a:t>2025-02-13</a:t>
             </a:fld>
             <a:endParaRPr lang="ko-KR" altLang="en-US"/>
           </a:p>
@@ -1143,7 +1143,7 @@
           <a:p>
             <a:fld id="{6D9BB776-B79C-4546-8ABA-DA45D9C133A7}" type="datetime1">
               <a:rPr lang="ko-KR" altLang="en-US" smtClean="0"/>
-              <a:t>2025-02-12</a:t>
+              <a:t>2025-02-13</a:t>
             </a:fld>
             <a:endParaRPr lang="ko-KR" altLang="en-US"/>
           </a:p>
@@ -1351,7 +1351,7 @@
           <a:p>
             <a:fld id="{720FF001-C6D3-49EC-8DC3-B2593B1DC1C3}" type="datetime1">
               <a:rPr lang="ko-KR" altLang="en-US" smtClean="0"/>
-              <a:t>2025-02-12</a:t>
+              <a:t>2025-02-13</a:t>
             </a:fld>
             <a:endParaRPr lang="ko-KR" altLang="en-US"/>
           </a:p>
@@ -1549,7 +1549,7 @@
           <a:p>
             <a:fld id="{091E519C-B90B-4A61-8F7D-EA80CD22B7D5}" type="datetime1">
               <a:rPr lang="ko-KR" altLang="en-US" smtClean="0"/>
-              <a:t>2025-02-12</a:t>
+              <a:t>2025-02-13</a:t>
             </a:fld>
             <a:endParaRPr lang="ko-KR" altLang="en-US"/>
           </a:p>
@@ -1824,7 +1824,7 @@
           <a:p>
             <a:fld id="{FD734108-2D59-40E2-B393-1F390391A1FB}" type="datetime1">
               <a:rPr lang="ko-KR" altLang="en-US" smtClean="0"/>
-              <a:t>2025-02-12</a:t>
+              <a:t>2025-02-13</a:t>
             </a:fld>
             <a:endParaRPr lang="ko-KR" altLang="en-US"/>
           </a:p>
@@ -2089,7 +2089,7 @@
           <a:p>
             <a:fld id="{297FF520-CDFD-4316-AC89-B0A764216C4E}" type="datetime1">
               <a:rPr lang="ko-KR" altLang="en-US" smtClean="0"/>
-              <a:t>2025-02-12</a:t>
+              <a:t>2025-02-13</a:t>
             </a:fld>
             <a:endParaRPr lang="ko-KR" altLang="en-US"/>
           </a:p>
@@ -2501,7 +2501,7 @@
           <a:p>
             <a:fld id="{0CF3B42C-2182-4183-A46A-124CD019AF43}" type="datetime1">
               <a:rPr lang="ko-KR" altLang="en-US" smtClean="0"/>
-              <a:t>2025-02-12</a:t>
+              <a:t>2025-02-13</a:t>
             </a:fld>
             <a:endParaRPr lang="ko-KR" altLang="en-US"/>
           </a:p>
@@ -2642,7 +2642,7 @@
           <a:p>
             <a:fld id="{B738F611-77C6-4F89-8E2C-D3A9C27DF43F}" type="datetime1">
               <a:rPr lang="ko-KR" altLang="en-US" smtClean="0"/>
-              <a:t>2025-02-12</a:t>
+              <a:t>2025-02-13</a:t>
             </a:fld>
             <a:endParaRPr lang="ko-KR" altLang="en-US"/>
           </a:p>
@@ -2755,7 +2755,7 @@
           <a:p>
             <a:fld id="{A051748B-BCED-40F0-8EF5-AF075B4618B9}" type="datetime1">
               <a:rPr lang="ko-KR" altLang="en-US" smtClean="0"/>
-              <a:t>2025-02-12</a:t>
+              <a:t>2025-02-13</a:t>
             </a:fld>
             <a:endParaRPr lang="ko-KR" altLang="en-US"/>
           </a:p>
@@ -3066,7 +3066,7 @@
           <a:p>
             <a:fld id="{41DBB85A-8EA7-4277-A6E6-46EF2EEF4790}" type="datetime1">
               <a:rPr lang="ko-KR" altLang="en-US" smtClean="0"/>
-              <a:t>2025-02-12</a:t>
+              <a:t>2025-02-13</a:t>
             </a:fld>
             <a:endParaRPr lang="ko-KR" altLang="en-US"/>
           </a:p>
@@ -3354,7 +3354,7 @@
           <a:p>
             <a:fld id="{BBE44FDA-CB41-4E86-912D-6ECC7574FD7F}" type="datetime1">
               <a:rPr lang="ko-KR" altLang="en-US" smtClean="0"/>
-              <a:t>2025-02-12</a:t>
+              <a:t>2025-02-13</a:t>
             </a:fld>
             <a:endParaRPr lang="ko-KR" altLang="en-US"/>
           </a:p>
@@ -3595,7 +3595,7 @@
           <a:p>
             <a:fld id="{F0992805-70C9-4612-850D-0415F751BF22}" type="datetime1">
               <a:rPr lang="ko-KR" altLang="en-US" smtClean="0"/>
-              <a:t>2025-02-12</a:t>
+              <a:t>2025-02-13</a:t>
             </a:fld>
             <a:endParaRPr lang="ko-KR" altLang="en-US"/>
           </a:p>
@@ -23067,585 +23067,319 @@
           </a:p>
         </p:txBody>
       </p:sp>
-      <p:grpSp>
-        <p:nvGrpSpPr>
-          <p:cNvPr id="26" name="그룹 25">
+      <p:sp>
+        <p:nvSpPr>
+          <p:cNvPr id="11" name="사각형: 둥근 모서리 10">
             <a:extLst>
               <a:ext uri="{FF2B5EF4-FFF2-40B4-BE49-F238E27FC236}">
-                <a16:creationId xmlns:a16="http://schemas.microsoft.com/office/drawing/2014/main" id="{EBB2B605-BD28-5963-A6EF-93DEB05FA432}"/>
+                <a16:creationId xmlns:a16="http://schemas.microsoft.com/office/drawing/2014/main" id="{560E4BC8-ED68-437A-1FF7-DF26806205C1}"/>
               </a:ext>
             </a:extLst>
           </p:cNvPr>
-          <p:cNvGrpSpPr/>
+          <p:cNvSpPr/>
           <p:nvPr/>
-        </p:nvGrpSpPr>
-        <p:grpSpPr>
+        </p:nvSpPr>
+        <p:spPr>
           <a:xfrm>
-            <a:off x="1514551" y="2755299"/>
-            <a:ext cx="9162898" cy="2651588"/>
-            <a:chOff x="1981200" y="2887821"/>
-            <a:chExt cx="7815470" cy="2261665"/>
+            <a:off x="1514551" y="3296556"/>
+            <a:ext cx="2283926" cy="2110330"/>
           </a:xfrm>
-        </p:grpSpPr>
-        <p:grpSp>
-          <p:nvGrpSpPr>
-            <p:cNvPr id="13" name="그룹 12">
-              <a:extLst>
-                <a:ext uri="{FF2B5EF4-FFF2-40B4-BE49-F238E27FC236}">
-                  <a16:creationId xmlns:a16="http://schemas.microsoft.com/office/drawing/2014/main" id="{47A293C9-6C52-6D85-B508-570F431665E4}"/>
-                </a:ext>
-              </a:extLst>
-            </p:cNvPr>
-            <p:cNvGrpSpPr/>
-            <p:nvPr/>
-          </p:nvGrpSpPr>
-          <p:grpSpPr>
-            <a:xfrm>
-              <a:off x="1981200" y="2887821"/>
-              <a:ext cx="1948069" cy="2261664"/>
-              <a:chOff x="1126435" y="2967335"/>
-              <a:chExt cx="1948069" cy="2261664"/>
-            </a:xfrm>
-          </p:grpSpPr>
-          <p:sp>
-            <p:nvSpPr>
-              <p:cNvPr id="11" name="사각형: 둥근 모서리 10">
-                <a:extLst>
-                  <a:ext uri="{FF2B5EF4-FFF2-40B4-BE49-F238E27FC236}">
-                    <a16:creationId xmlns:a16="http://schemas.microsoft.com/office/drawing/2014/main" id="{560E4BC8-ED68-437A-1FF7-DF26806205C1}"/>
-                  </a:ext>
-                </a:extLst>
-              </p:cNvPr>
-              <p:cNvSpPr/>
-              <p:nvPr/>
-            </p:nvSpPr>
-            <p:spPr>
-              <a:xfrm>
-                <a:off x="1126435" y="3428999"/>
-                <a:ext cx="1948069" cy="1800000"/>
-              </a:xfrm>
-              <a:prstGeom prst="roundRect">
-                <a:avLst>
-                  <a:gd name="adj" fmla="val 8164"/>
-                </a:avLst>
-              </a:prstGeom>
+          <a:prstGeom prst="roundRect">
+            <a:avLst>
+              <a:gd name="adj" fmla="val 8164"/>
+            </a:avLst>
+          </a:prstGeom>
+          <a:solidFill>
+            <a:schemeClr val="bg1"/>
+          </a:solidFill>
+          <a:ln w="12700"/>
+        </p:spPr>
+        <p:style>
+          <a:lnRef idx="2">
+            <a:schemeClr val="accent1">
+              <a:shade val="15000"/>
+            </a:schemeClr>
+          </a:lnRef>
+          <a:fillRef idx="1">
+            <a:schemeClr val="accent1"/>
+          </a:fillRef>
+          <a:effectRef idx="0">
+            <a:schemeClr val="accent1"/>
+          </a:effectRef>
+          <a:fontRef idx="minor">
+            <a:schemeClr val="lt1"/>
+          </a:fontRef>
+        </p:style>
+        <p:txBody>
+          <a:bodyPr tIns="180000" rtlCol="0" anchor="t"/>
+          <a:lstStyle/>
+          <a:p>
+            <a:pPr>
+              <a:lnSpc>
+                <a:spcPct val="150000"/>
+              </a:lnSpc>
+            </a:pPr>
+            <a:endParaRPr lang="en-US" altLang="ko-KR" sz="1600" dirty="0">
               <a:solidFill>
-                <a:schemeClr val="bg1"/>
+                <a:schemeClr val="tx1"/>
               </a:solidFill>
-              <a:ln w="12700"/>
-            </p:spPr>
-            <p:style>
-              <a:lnRef idx="2">
-                <a:schemeClr val="accent1">
-                  <a:shade val="15000"/>
-                </a:schemeClr>
-              </a:lnRef>
-              <a:fillRef idx="1">
-                <a:schemeClr val="accent1"/>
-              </a:fillRef>
-              <a:effectRef idx="0">
-                <a:schemeClr val="accent1"/>
-              </a:effectRef>
-              <a:fontRef idx="minor">
-                <a:schemeClr val="lt1"/>
-              </a:fontRef>
-            </p:style>
-            <p:txBody>
-              <a:bodyPr tIns="180000" rtlCol="0" anchor="t"/>
-              <a:lstStyle/>
-              <a:p>
-                <a:pPr marL="285750" indent="-285750">
-                  <a:lnSpc>
-                    <a:spcPct val="150000"/>
-                  </a:lnSpc>
-                  <a:buFontTx/>
-                  <a:buChar char="-"/>
-                </a:pPr>
-                <a:r>
-                  <a:rPr lang="ko-KR" altLang="en-US" sz="1600" dirty="0">
-                    <a:solidFill>
-                      <a:schemeClr val="tx1"/>
-                    </a:solidFill>
-                  </a:rPr>
-                  <a:t>게임 소개</a:t>
-                </a:r>
-                <a:endParaRPr lang="en-US" altLang="ko-KR" sz="1600" dirty="0">
-                  <a:solidFill>
-                    <a:schemeClr val="tx1"/>
-                  </a:solidFill>
-                </a:endParaRPr>
-              </a:p>
-              <a:p>
-                <a:pPr marL="285750" indent="-285750">
-                  <a:lnSpc>
-                    <a:spcPct val="150000"/>
-                  </a:lnSpc>
-                  <a:buFontTx/>
-                  <a:buChar char="-"/>
-                </a:pPr>
-                <a:r>
-                  <a:rPr lang="ko-KR" altLang="en-US" sz="1600" dirty="0">
-                    <a:solidFill>
-                      <a:schemeClr val="tx1"/>
-                    </a:solidFill>
-                  </a:rPr>
-                  <a:t>장르</a:t>
-                </a:r>
-                <a:endParaRPr lang="en-US" altLang="ko-KR" sz="1600" dirty="0">
-                  <a:solidFill>
-                    <a:schemeClr val="tx1"/>
-                  </a:solidFill>
-                </a:endParaRPr>
-              </a:p>
-              <a:p>
-                <a:pPr marL="285750" indent="-285750">
-                  <a:lnSpc>
-                    <a:spcPct val="150000"/>
-                  </a:lnSpc>
-                  <a:buFontTx/>
-                  <a:buChar char="-"/>
-                </a:pPr>
-                <a:r>
-                  <a:rPr lang="ko-KR" altLang="en-US" sz="1600" dirty="0">
-                    <a:solidFill>
-                      <a:schemeClr val="tx1"/>
-                    </a:solidFill>
-                  </a:rPr>
-                  <a:t>주요 요소</a:t>
-                </a:r>
-                <a:endParaRPr lang="en-US" altLang="ko-KR" sz="1600" dirty="0">
-                  <a:solidFill>
-                    <a:schemeClr val="tx1"/>
-                  </a:solidFill>
-                </a:endParaRPr>
-              </a:p>
-            </p:txBody>
-          </p:sp>
-          <p:sp>
-            <p:nvSpPr>
-              <p:cNvPr id="12" name="TextBox 11">
-                <a:extLst>
-                  <a:ext uri="{FF2B5EF4-FFF2-40B4-BE49-F238E27FC236}">
-                    <a16:creationId xmlns:a16="http://schemas.microsoft.com/office/drawing/2014/main" id="{8730E8F7-C5C8-69C7-EDCF-1CC519AD7B04}"/>
-                  </a:ext>
-                </a:extLst>
-              </p:cNvPr>
-              <p:cNvSpPr txBox="1"/>
-              <p:nvPr/>
-            </p:nvSpPr>
-            <p:spPr>
-              <a:xfrm>
-                <a:off x="1126436" y="2967335"/>
-                <a:ext cx="1948068" cy="461665"/>
-              </a:xfrm>
-              <a:prstGeom prst="rect">
-                <a:avLst/>
-              </a:prstGeom>
-              <a:noFill/>
-            </p:spPr>
-            <p:txBody>
-              <a:bodyPr wrap="square" rtlCol="0">
-                <a:spAutoFit/>
-              </a:bodyPr>
-              <a:lstStyle/>
-              <a:p>
-                <a:pPr algn="ctr"/>
-                <a:r>
-                  <a:rPr lang="en-US" altLang="ko-KR" sz="2800" b="1" dirty="0"/>
-                  <a:t>1.</a:t>
-                </a:r>
-                <a:r>
-                  <a:rPr lang="ko-KR" altLang="en-US" sz="2800" b="1" dirty="0"/>
-                  <a:t>게임</a:t>
-                </a:r>
-                <a:r>
-                  <a:rPr lang="en-US" altLang="ko-KR" sz="2800" b="1" dirty="0"/>
-                  <a:t> </a:t>
-                </a:r>
-                <a:r>
-                  <a:rPr lang="ko-KR" altLang="en-US" sz="2800" b="1" dirty="0"/>
-                  <a:t>개요</a:t>
-                </a:r>
-              </a:p>
-            </p:txBody>
-          </p:sp>
-        </p:grpSp>
-        <p:grpSp>
-          <p:nvGrpSpPr>
-            <p:cNvPr id="14" name="그룹 13">
-              <a:extLst>
-                <a:ext uri="{FF2B5EF4-FFF2-40B4-BE49-F238E27FC236}">
-                  <a16:creationId xmlns:a16="http://schemas.microsoft.com/office/drawing/2014/main" id="{A2E75BB2-26CF-B1E2-9BE1-D891E53BCCA4}"/>
-                </a:ext>
-              </a:extLst>
-            </p:cNvPr>
-            <p:cNvGrpSpPr/>
-            <p:nvPr/>
-          </p:nvGrpSpPr>
-          <p:grpSpPr>
-            <a:xfrm>
-              <a:off x="4914901" y="2887821"/>
-              <a:ext cx="1948069" cy="2261665"/>
-              <a:chOff x="1126435" y="2967335"/>
-              <a:chExt cx="1948069" cy="2261665"/>
-            </a:xfrm>
-          </p:grpSpPr>
-          <p:sp>
-            <p:nvSpPr>
-              <p:cNvPr id="15" name="사각형: 둥근 모서리 14">
-                <a:extLst>
-                  <a:ext uri="{FF2B5EF4-FFF2-40B4-BE49-F238E27FC236}">
-                    <a16:creationId xmlns:a16="http://schemas.microsoft.com/office/drawing/2014/main" id="{3B960660-C2E4-1114-17F2-77D65283045E}"/>
-                  </a:ext>
-                </a:extLst>
-              </p:cNvPr>
-              <p:cNvSpPr/>
-              <p:nvPr/>
-            </p:nvSpPr>
-            <p:spPr>
-              <a:xfrm>
-                <a:off x="1126435" y="3429000"/>
-                <a:ext cx="1948069" cy="1800000"/>
-              </a:xfrm>
-              <a:prstGeom prst="roundRect">
-                <a:avLst>
-                  <a:gd name="adj" fmla="val 8164"/>
-                </a:avLst>
-              </a:prstGeom>
+            </a:endParaRPr>
+          </a:p>
+        </p:txBody>
+      </p:sp>
+      <p:sp>
+        <p:nvSpPr>
+          <p:cNvPr id="12" name="TextBox 11">
+            <a:hlinkClick r:id="rId2" action="ppaction://hlinksldjump"/>
+            <a:extLst>
+              <a:ext uri="{FF2B5EF4-FFF2-40B4-BE49-F238E27FC236}">
+                <a16:creationId xmlns:a16="http://schemas.microsoft.com/office/drawing/2014/main" id="{8730E8F7-C5C8-69C7-EDCF-1CC519AD7B04}"/>
+              </a:ext>
+            </a:extLst>
+          </p:cNvPr>
+          <p:cNvSpPr txBox="1"/>
+          <p:nvPr/>
+        </p:nvSpPr>
+        <p:spPr>
+          <a:xfrm>
+            <a:off x="1514552" y="2755299"/>
+            <a:ext cx="2283925" cy="541259"/>
+          </a:xfrm>
+          <a:prstGeom prst="rect">
+            <a:avLst/>
+          </a:prstGeom>
+          <a:noFill/>
+        </p:spPr>
+        <p:txBody>
+          <a:bodyPr wrap="square" rtlCol="0">
+            <a:spAutoFit/>
+          </a:bodyPr>
+          <a:lstStyle/>
+          <a:p>
+            <a:pPr algn="ctr"/>
+            <a:r>
+              <a:rPr lang="en-US" altLang="ko-KR" sz="2800" b="1" dirty="0"/>
+              <a:t>1.</a:t>
+            </a:r>
+            <a:r>
+              <a:rPr lang="ko-KR" altLang="en-US" sz="2800" b="1" dirty="0"/>
+              <a:t>게임</a:t>
+            </a:r>
+            <a:r>
+              <a:rPr lang="en-US" altLang="ko-KR" sz="2800" b="1" dirty="0"/>
+              <a:t> </a:t>
+            </a:r>
+            <a:r>
+              <a:rPr lang="ko-KR" altLang="en-US" sz="2800" b="1" dirty="0"/>
+              <a:t>개요</a:t>
+            </a:r>
+          </a:p>
+        </p:txBody>
+      </p:sp>
+      <p:sp>
+        <p:nvSpPr>
+          <p:cNvPr id="15" name="사각형: 둥근 모서리 14">
+            <a:extLst>
+              <a:ext uri="{FF2B5EF4-FFF2-40B4-BE49-F238E27FC236}">
+                <a16:creationId xmlns:a16="http://schemas.microsoft.com/office/drawing/2014/main" id="{3B960660-C2E4-1114-17F2-77D65283045E}"/>
+              </a:ext>
+            </a:extLst>
+          </p:cNvPr>
+          <p:cNvSpPr/>
+          <p:nvPr/>
+        </p:nvSpPr>
+        <p:spPr>
+          <a:xfrm>
+            <a:off x="4915418" y="3296557"/>
+            <a:ext cx="2283926" cy="2110330"/>
+          </a:xfrm>
+          <a:prstGeom prst="roundRect">
+            <a:avLst>
+              <a:gd name="adj" fmla="val 8164"/>
+            </a:avLst>
+          </a:prstGeom>
+          <a:solidFill>
+            <a:schemeClr val="bg1"/>
+          </a:solidFill>
+          <a:ln w="12700"/>
+        </p:spPr>
+        <p:style>
+          <a:lnRef idx="2">
+            <a:schemeClr val="accent1">
+              <a:shade val="15000"/>
+            </a:schemeClr>
+          </a:lnRef>
+          <a:fillRef idx="1">
+            <a:schemeClr val="accent1"/>
+          </a:fillRef>
+          <a:effectRef idx="0">
+            <a:schemeClr val="accent1"/>
+          </a:effectRef>
+          <a:fontRef idx="minor">
+            <a:schemeClr val="lt1"/>
+          </a:fontRef>
+        </p:style>
+        <p:txBody>
+          <a:bodyPr tIns="180000" rtlCol="0" anchor="t"/>
+          <a:lstStyle/>
+          <a:p>
+            <a:pPr marL="285750" indent="-285750">
+              <a:lnSpc>
+                <a:spcPct val="150000"/>
+              </a:lnSpc>
+              <a:buFontTx/>
+              <a:buChar char="-"/>
+            </a:pPr>
+            <a:endParaRPr lang="en-US" altLang="ko-KR" sz="1600" dirty="0">
               <a:solidFill>
-                <a:schemeClr val="bg1"/>
+                <a:schemeClr val="tx1"/>
               </a:solidFill>
-              <a:ln w="12700"/>
-            </p:spPr>
-            <p:style>
-              <a:lnRef idx="2">
-                <a:schemeClr val="accent1">
-                  <a:shade val="15000"/>
-                </a:schemeClr>
-              </a:lnRef>
-              <a:fillRef idx="1">
-                <a:schemeClr val="accent1"/>
-              </a:fillRef>
-              <a:effectRef idx="0">
-                <a:schemeClr val="accent1"/>
-              </a:effectRef>
-              <a:fontRef idx="minor">
-                <a:schemeClr val="lt1"/>
-              </a:fontRef>
-            </p:style>
-            <p:txBody>
-              <a:bodyPr tIns="180000" rtlCol="0" anchor="t"/>
-              <a:lstStyle/>
-              <a:p>
-                <a:pPr marL="285750" indent="-285750">
-                  <a:lnSpc>
-                    <a:spcPct val="150000"/>
-                  </a:lnSpc>
-                  <a:buFontTx/>
-                  <a:buChar char="-"/>
-                </a:pPr>
-                <a:r>
-                  <a:rPr lang="ko-KR" altLang="en-US" sz="1600" dirty="0">
-                    <a:solidFill>
-                      <a:schemeClr val="tx1"/>
-                    </a:solidFill>
-                  </a:rPr>
-                  <a:t>플레이 흐름도</a:t>
-                </a:r>
-                <a:endParaRPr lang="en-US" altLang="ko-KR" sz="1600" dirty="0">
-                  <a:solidFill>
-                    <a:schemeClr val="tx1"/>
-                  </a:solidFill>
-                </a:endParaRPr>
-              </a:p>
-              <a:p>
-                <a:pPr marL="285750" indent="-285750">
-                  <a:lnSpc>
-                    <a:spcPct val="150000"/>
-                  </a:lnSpc>
-                  <a:buFontTx/>
-                  <a:buChar char="-"/>
-                </a:pPr>
-                <a:r>
-                  <a:rPr lang="ko-KR" altLang="en-US" sz="1600" dirty="0">
-                    <a:solidFill>
-                      <a:schemeClr val="tx1"/>
-                    </a:solidFill>
-                  </a:rPr>
-                  <a:t>미니 게임</a:t>
-                </a:r>
-                <a:endParaRPr lang="en-US" altLang="ko-KR" sz="1600" dirty="0">
-                  <a:solidFill>
-                    <a:schemeClr val="tx1"/>
-                  </a:solidFill>
-                </a:endParaRPr>
-              </a:p>
-              <a:p>
-                <a:pPr marL="285750" indent="-285750">
-                  <a:lnSpc>
-                    <a:spcPct val="150000"/>
-                  </a:lnSpc>
-                  <a:buFontTx/>
-                  <a:buChar char="-"/>
-                </a:pPr>
-                <a:r>
-                  <a:rPr lang="ko-KR" altLang="en-US" sz="1600" dirty="0">
-                    <a:solidFill>
-                      <a:schemeClr val="tx1"/>
-                    </a:solidFill>
-                  </a:rPr>
-                  <a:t>방해 이벤트</a:t>
-                </a:r>
-                <a:endParaRPr lang="en-US" altLang="ko-KR" sz="1600" dirty="0">
-                  <a:solidFill>
-                    <a:schemeClr val="tx1"/>
-                  </a:solidFill>
-                </a:endParaRPr>
-              </a:p>
-              <a:p>
-                <a:pPr marL="285750" indent="-285750">
-                  <a:lnSpc>
-                    <a:spcPct val="150000"/>
-                  </a:lnSpc>
-                  <a:buFontTx/>
-                  <a:buChar char="-"/>
-                </a:pPr>
-                <a:r>
-                  <a:rPr lang="ko-KR" altLang="en-US" sz="1600" dirty="0">
-                    <a:solidFill>
-                      <a:schemeClr val="tx1"/>
-                    </a:solidFill>
-                  </a:rPr>
-                  <a:t>게임 결과</a:t>
-                </a:r>
-                <a:endParaRPr lang="en-US" altLang="ko-KR" sz="1600" dirty="0">
-                  <a:solidFill>
-                    <a:schemeClr val="tx1"/>
-                  </a:solidFill>
-                </a:endParaRPr>
-              </a:p>
-            </p:txBody>
-          </p:sp>
-          <p:sp>
-            <p:nvSpPr>
-              <p:cNvPr id="16" name="TextBox 15">
-                <a:extLst>
-                  <a:ext uri="{FF2B5EF4-FFF2-40B4-BE49-F238E27FC236}">
-                    <a16:creationId xmlns:a16="http://schemas.microsoft.com/office/drawing/2014/main" id="{34255465-7673-A89E-1D29-BD13BC2E1E60}"/>
-                  </a:ext>
-                </a:extLst>
-              </p:cNvPr>
-              <p:cNvSpPr txBox="1"/>
-              <p:nvPr/>
-            </p:nvSpPr>
-            <p:spPr>
-              <a:xfrm>
-                <a:off x="1126436" y="2967335"/>
-                <a:ext cx="1948068" cy="420028"/>
-              </a:xfrm>
-              <a:prstGeom prst="rect">
-                <a:avLst/>
-              </a:prstGeom>
-              <a:noFill/>
-            </p:spPr>
-            <p:txBody>
-              <a:bodyPr wrap="square" rtlCol="0">
-                <a:spAutoFit/>
-              </a:bodyPr>
-              <a:lstStyle/>
-              <a:p>
-                <a:pPr algn="ctr"/>
-                <a:r>
-                  <a:rPr lang="en-US" altLang="ko-KR" sz="2600" b="1" dirty="0"/>
-                  <a:t>2.</a:t>
-                </a:r>
-                <a:r>
-                  <a:rPr lang="ko-KR" altLang="en-US" sz="2600" b="1" dirty="0"/>
-                  <a:t>플레이 방식</a:t>
-                </a:r>
-              </a:p>
-            </p:txBody>
-          </p:sp>
-        </p:grpSp>
-        <p:grpSp>
-          <p:nvGrpSpPr>
-            <p:cNvPr id="23" name="그룹 22">
-              <a:extLst>
-                <a:ext uri="{FF2B5EF4-FFF2-40B4-BE49-F238E27FC236}">
-                  <a16:creationId xmlns:a16="http://schemas.microsoft.com/office/drawing/2014/main" id="{6233C370-85C8-0B48-82F2-44FCBB54C650}"/>
-                </a:ext>
-              </a:extLst>
-            </p:cNvPr>
-            <p:cNvGrpSpPr/>
-            <p:nvPr/>
-          </p:nvGrpSpPr>
-          <p:grpSpPr>
-            <a:xfrm>
-              <a:off x="7848601" y="2887821"/>
-              <a:ext cx="1948069" cy="2261665"/>
-              <a:chOff x="1126435" y="2967335"/>
-              <a:chExt cx="1948069" cy="2261665"/>
-            </a:xfrm>
-          </p:grpSpPr>
-          <p:sp>
-            <p:nvSpPr>
-              <p:cNvPr id="24" name="사각형: 둥근 모서리 23">
-                <a:extLst>
-                  <a:ext uri="{FF2B5EF4-FFF2-40B4-BE49-F238E27FC236}">
-                    <a16:creationId xmlns:a16="http://schemas.microsoft.com/office/drawing/2014/main" id="{F5864730-D434-D390-21A1-41D4919651F8}"/>
-                  </a:ext>
-                </a:extLst>
-              </p:cNvPr>
-              <p:cNvSpPr/>
-              <p:nvPr/>
-            </p:nvSpPr>
-            <p:spPr>
-              <a:xfrm>
-                <a:off x="1126435" y="3429000"/>
-                <a:ext cx="1948069" cy="1800000"/>
-              </a:xfrm>
-              <a:prstGeom prst="roundRect">
-                <a:avLst>
-                  <a:gd name="adj" fmla="val 8164"/>
-                </a:avLst>
-              </a:prstGeom>
+            </a:endParaRPr>
+          </a:p>
+        </p:txBody>
+      </p:sp>
+      <p:sp>
+        <p:nvSpPr>
+          <p:cNvPr id="16" name="TextBox 15">
+            <a:hlinkClick r:id="rId3" action="ppaction://hlinksldjump"/>
+            <a:extLst>
+              <a:ext uri="{FF2B5EF4-FFF2-40B4-BE49-F238E27FC236}">
+                <a16:creationId xmlns:a16="http://schemas.microsoft.com/office/drawing/2014/main" id="{34255465-7673-A89E-1D29-BD13BC2E1E60}"/>
+              </a:ext>
+            </a:extLst>
+          </p:cNvPr>
+          <p:cNvSpPr txBox="1"/>
+          <p:nvPr/>
+        </p:nvSpPr>
+        <p:spPr>
+          <a:xfrm>
+            <a:off x="4954038" y="2755299"/>
+            <a:ext cx="2283925" cy="492443"/>
+          </a:xfrm>
+          <a:prstGeom prst="rect">
+            <a:avLst/>
+          </a:prstGeom>
+          <a:noFill/>
+        </p:spPr>
+        <p:txBody>
+          <a:bodyPr wrap="square" rtlCol="0">
+            <a:spAutoFit/>
+          </a:bodyPr>
+          <a:lstStyle/>
+          <a:p>
+            <a:pPr algn="ctr"/>
+            <a:r>
+              <a:rPr lang="en-US" altLang="ko-KR" sz="2600" b="1" dirty="0"/>
+              <a:t>2.</a:t>
+            </a:r>
+            <a:r>
+              <a:rPr lang="ko-KR" altLang="en-US" sz="2600" b="1" dirty="0"/>
+              <a:t>플레이 방식</a:t>
+            </a:r>
+          </a:p>
+        </p:txBody>
+      </p:sp>
+      <p:sp>
+        <p:nvSpPr>
+          <p:cNvPr id="24" name="사각형: 둥근 모서리 23">
+            <a:extLst>
+              <a:ext uri="{FF2B5EF4-FFF2-40B4-BE49-F238E27FC236}">
+                <a16:creationId xmlns:a16="http://schemas.microsoft.com/office/drawing/2014/main" id="{F5864730-D434-D390-21A1-41D4919651F8}"/>
+              </a:ext>
+            </a:extLst>
+          </p:cNvPr>
+          <p:cNvSpPr/>
+          <p:nvPr/>
+        </p:nvSpPr>
+        <p:spPr>
+          <a:xfrm>
+            <a:off x="8393523" y="3296557"/>
+            <a:ext cx="2283926" cy="2110330"/>
+          </a:xfrm>
+          <a:prstGeom prst="roundRect">
+            <a:avLst>
+              <a:gd name="adj" fmla="val 8164"/>
+            </a:avLst>
+          </a:prstGeom>
+          <a:solidFill>
+            <a:schemeClr val="bg1"/>
+          </a:solidFill>
+          <a:ln w="12700"/>
+        </p:spPr>
+        <p:style>
+          <a:lnRef idx="2">
+            <a:schemeClr val="accent1">
+              <a:shade val="15000"/>
+            </a:schemeClr>
+          </a:lnRef>
+          <a:fillRef idx="1">
+            <a:schemeClr val="accent1"/>
+          </a:fillRef>
+          <a:effectRef idx="0">
+            <a:schemeClr val="accent1"/>
+          </a:effectRef>
+          <a:fontRef idx="minor">
+            <a:schemeClr val="lt1"/>
+          </a:fontRef>
+        </p:style>
+        <p:txBody>
+          <a:bodyPr tIns="180000" rtlCol="0" anchor="t"/>
+          <a:lstStyle/>
+          <a:p>
+            <a:pPr>
+              <a:lnSpc>
+                <a:spcPct val="150000"/>
+              </a:lnSpc>
+            </a:pPr>
+            <a:endParaRPr lang="en-US" altLang="ko-KR" sz="1600" dirty="0">
               <a:solidFill>
-                <a:schemeClr val="bg1"/>
+                <a:schemeClr val="tx1"/>
               </a:solidFill>
-              <a:ln w="12700"/>
-            </p:spPr>
-            <p:style>
-              <a:lnRef idx="2">
-                <a:schemeClr val="accent1">
-                  <a:shade val="15000"/>
-                </a:schemeClr>
-              </a:lnRef>
-              <a:fillRef idx="1">
-                <a:schemeClr val="accent1"/>
-              </a:fillRef>
-              <a:effectRef idx="0">
-                <a:schemeClr val="accent1"/>
-              </a:effectRef>
-              <a:fontRef idx="minor">
-                <a:schemeClr val="lt1"/>
-              </a:fontRef>
-            </p:style>
-            <p:txBody>
-              <a:bodyPr tIns="180000" rtlCol="0" anchor="t"/>
-              <a:lstStyle/>
-              <a:p>
-                <a:pPr marL="285750" indent="-285750">
-                  <a:lnSpc>
-                    <a:spcPct val="150000"/>
-                  </a:lnSpc>
-                  <a:buFontTx/>
-                  <a:buChar char="-"/>
-                </a:pPr>
-                <a:r>
-                  <a:rPr lang="ko-KR" altLang="en-US" sz="1600" dirty="0">
-                    <a:solidFill>
-                      <a:schemeClr val="tx1"/>
-                    </a:solidFill>
-                  </a:rPr>
-                  <a:t>미니 게임 종류</a:t>
-                </a:r>
-                <a:endParaRPr lang="en-US" altLang="ko-KR" sz="1600" dirty="0">
-                  <a:solidFill>
-                    <a:schemeClr val="tx1"/>
-                  </a:solidFill>
-                </a:endParaRPr>
-              </a:p>
-              <a:p>
-                <a:pPr marL="285750" indent="-285750">
-                  <a:lnSpc>
-                    <a:spcPct val="150000"/>
-                  </a:lnSpc>
-                  <a:buFontTx/>
-                  <a:buChar char="-"/>
-                </a:pPr>
-                <a:r>
-                  <a:rPr lang="ko-KR" altLang="en-US" sz="1600" dirty="0">
-                    <a:solidFill>
-                      <a:schemeClr val="tx1"/>
-                    </a:solidFill>
-                  </a:rPr>
-                  <a:t>방해 이벤트 종류</a:t>
-                </a:r>
-                <a:endParaRPr lang="en-US" altLang="ko-KR" sz="1600" dirty="0">
-                  <a:solidFill>
-                    <a:schemeClr val="tx1"/>
-                  </a:solidFill>
-                </a:endParaRPr>
-              </a:p>
-              <a:p>
-                <a:pPr marL="285750" indent="-285750">
-                  <a:lnSpc>
-                    <a:spcPct val="150000"/>
-                  </a:lnSpc>
-                  <a:buFontTx/>
-                  <a:buChar char="-"/>
-                </a:pPr>
-                <a:r>
-                  <a:rPr lang="ko-KR" altLang="en-US" sz="1600" dirty="0">
-                    <a:solidFill>
-                      <a:schemeClr val="tx1"/>
-                    </a:solidFill>
-                  </a:rPr>
-                  <a:t>기타 </a:t>
-                </a:r>
-                <a:r>
-                  <a:rPr lang="en-US" altLang="ko-KR" sz="1600" dirty="0">
-                    <a:solidFill>
-                      <a:schemeClr val="tx1"/>
-                    </a:solidFill>
-                  </a:rPr>
-                  <a:t>UI</a:t>
-                </a:r>
-              </a:p>
-            </p:txBody>
-          </p:sp>
-          <p:sp>
-            <p:nvSpPr>
-              <p:cNvPr id="25" name="TextBox 24">
-                <a:extLst>
-                  <a:ext uri="{FF2B5EF4-FFF2-40B4-BE49-F238E27FC236}">
-                    <a16:creationId xmlns:a16="http://schemas.microsoft.com/office/drawing/2014/main" id="{2CB4799A-65D4-BF10-C68E-23C8B8070014}"/>
-                  </a:ext>
-                </a:extLst>
-              </p:cNvPr>
-              <p:cNvSpPr txBox="1"/>
-              <p:nvPr/>
-            </p:nvSpPr>
-            <p:spPr>
-              <a:xfrm>
-                <a:off x="1126436" y="2967335"/>
-                <a:ext cx="1948068" cy="420028"/>
-              </a:xfrm>
-              <a:prstGeom prst="rect">
-                <a:avLst/>
-              </a:prstGeom>
-              <a:noFill/>
-            </p:spPr>
-            <p:txBody>
-              <a:bodyPr wrap="square" rtlCol="0">
-                <a:spAutoFit/>
-              </a:bodyPr>
-              <a:lstStyle/>
-              <a:p>
-                <a:pPr algn="ctr"/>
-                <a:r>
-                  <a:rPr lang="en-US" altLang="ko-KR" sz="2600" b="1" dirty="0"/>
-                  <a:t>3.</a:t>
-                </a:r>
-                <a:r>
-                  <a:rPr lang="ko-KR" altLang="en-US" sz="2600" b="1" dirty="0"/>
-                  <a:t>게임 컨텐츠</a:t>
-                </a:r>
-              </a:p>
-            </p:txBody>
-          </p:sp>
-        </p:grpSp>
-      </p:grpSp>
+            </a:endParaRPr>
+          </a:p>
+        </p:txBody>
+      </p:sp>
+      <p:sp>
+        <p:nvSpPr>
+          <p:cNvPr id="25" name="TextBox 24">
+            <a:hlinkClick r:id="rId4" action="ppaction://hlinksldjump"/>
+            <a:extLst>
+              <a:ext uri="{FF2B5EF4-FFF2-40B4-BE49-F238E27FC236}">
+                <a16:creationId xmlns:a16="http://schemas.microsoft.com/office/drawing/2014/main" id="{2CB4799A-65D4-BF10-C68E-23C8B8070014}"/>
+              </a:ext>
+            </a:extLst>
+          </p:cNvPr>
+          <p:cNvSpPr txBox="1"/>
+          <p:nvPr/>
+        </p:nvSpPr>
+        <p:spPr>
+          <a:xfrm>
+            <a:off x="8393524" y="2755299"/>
+            <a:ext cx="2283925" cy="492443"/>
+          </a:xfrm>
+          <a:prstGeom prst="rect">
+            <a:avLst/>
+          </a:prstGeom>
+          <a:noFill/>
+        </p:spPr>
+        <p:txBody>
+          <a:bodyPr wrap="square" rtlCol="0">
+            <a:spAutoFit/>
+          </a:bodyPr>
+          <a:lstStyle/>
+          <a:p>
+            <a:pPr algn="ctr"/>
+            <a:r>
+              <a:rPr lang="en-US" altLang="ko-KR" sz="2600" b="1" dirty="0"/>
+              <a:t>3.</a:t>
+            </a:r>
+            <a:r>
+              <a:rPr lang="ko-KR" altLang="en-US" sz="2600" b="1" dirty="0"/>
+              <a:t>게임 컨텐츠</a:t>
+            </a:r>
+          </a:p>
+        </p:txBody>
+      </p:sp>
       <p:sp>
         <p:nvSpPr>
           <p:cNvPr id="27" name="슬라이드 번호 개체 틀 26">
@@ -23672,6 +23406,725 @@
               <a:t>2</a:t>
             </a:fld>
             <a:endParaRPr lang="ko-KR" altLang="en-US"/>
+          </a:p>
+        </p:txBody>
+      </p:sp>
+      <p:sp>
+        <p:nvSpPr>
+          <p:cNvPr id="3" name="사각형: 둥근 모서리 2">
+            <a:hlinkClick r:id="rId5" action="ppaction://hlinksldjump"/>
+            <a:extLst>
+              <a:ext uri="{FF2B5EF4-FFF2-40B4-BE49-F238E27FC236}">
+                <a16:creationId xmlns:a16="http://schemas.microsoft.com/office/drawing/2014/main" id="{666FF188-9AD3-E7C8-8F9A-A792A0C0EF71}"/>
+              </a:ext>
+            </a:extLst>
+          </p:cNvPr>
+          <p:cNvSpPr/>
+          <p:nvPr/>
+        </p:nvSpPr>
+        <p:spPr>
+          <a:xfrm>
+            <a:off x="1659288" y="3523336"/>
+            <a:ext cx="1994452" cy="365125"/>
+          </a:xfrm>
+          <a:prstGeom prst="roundRect">
+            <a:avLst>
+              <a:gd name="adj" fmla="val 50000"/>
+            </a:avLst>
+          </a:prstGeom>
+          <a:solidFill>
+            <a:schemeClr val="bg1">
+              <a:lumMod val="85000"/>
+            </a:schemeClr>
+          </a:solidFill>
+          <a:ln>
+            <a:noFill/>
+          </a:ln>
+        </p:spPr>
+        <p:style>
+          <a:lnRef idx="2">
+            <a:schemeClr val="accent1">
+              <a:shade val="15000"/>
+            </a:schemeClr>
+          </a:lnRef>
+          <a:fillRef idx="1">
+            <a:schemeClr val="accent1"/>
+          </a:fillRef>
+          <a:effectRef idx="0">
+            <a:schemeClr val="accent1"/>
+          </a:effectRef>
+          <a:fontRef idx="minor">
+            <a:schemeClr val="lt1"/>
+          </a:fontRef>
+        </p:style>
+        <p:txBody>
+          <a:bodyPr rtlCol="0" anchor="ctr"/>
+          <a:lstStyle/>
+          <a:p>
+            <a:r>
+              <a:rPr lang="ko-KR" altLang="en-US" sz="1600" dirty="0">
+                <a:solidFill>
+                  <a:schemeClr val="tx1"/>
+                </a:solidFill>
+              </a:rPr>
+              <a:t>게임 소개</a:t>
+            </a:r>
+          </a:p>
+        </p:txBody>
+      </p:sp>
+      <p:sp>
+        <p:nvSpPr>
+          <p:cNvPr id="4" name="사각형: 둥근 모서리 3">
+            <a:hlinkClick r:id="rId6" action="ppaction://hlinksldjump"/>
+            <a:extLst>
+              <a:ext uri="{FF2B5EF4-FFF2-40B4-BE49-F238E27FC236}">
+                <a16:creationId xmlns:a16="http://schemas.microsoft.com/office/drawing/2014/main" id="{8EC03212-14CF-801C-5A1D-EB43A23C5598}"/>
+              </a:ext>
+            </a:extLst>
+          </p:cNvPr>
+          <p:cNvSpPr/>
+          <p:nvPr/>
+        </p:nvSpPr>
+        <p:spPr>
+          <a:xfrm>
+            <a:off x="1659288" y="4169159"/>
+            <a:ext cx="1994452" cy="365125"/>
+          </a:xfrm>
+          <a:prstGeom prst="roundRect">
+            <a:avLst>
+              <a:gd name="adj" fmla="val 50000"/>
+            </a:avLst>
+          </a:prstGeom>
+          <a:solidFill>
+            <a:schemeClr val="bg1">
+              <a:lumMod val="85000"/>
+            </a:schemeClr>
+          </a:solidFill>
+          <a:ln>
+            <a:noFill/>
+          </a:ln>
+        </p:spPr>
+        <p:style>
+          <a:lnRef idx="2">
+            <a:schemeClr val="accent1">
+              <a:shade val="15000"/>
+            </a:schemeClr>
+          </a:lnRef>
+          <a:fillRef idx="1">
+            <a:schemeClr val="accent1"/>
+          </a:fillRef>
+          <a:effectRef idx="0">
+            <a:schemeClr val="accent1"/>
+          </a:effectRef>
+          <a:fontRef idx="minor">
+            <a:schemeClr val="lt1"/>
+          </a:fontRef>
+        </p:style>
+        <p:txBody>
+          <a:bodyPr rtlCol="0" anchor="ctr"/>
+          <a:lstStyle/>
+          <a:p>
+            <a:r>
+              <a:rPr lang="ko-KR" altLang="en-US" sz="1600" dirty="0">
+                <a:solidFill>
+                  <a:schemeClr val="tx1"/>
+                </a:solidFill>
+              </a:rPr>
+              <a:t>장르</a:t>
+            </a:r>
+          </a:p>
+        </p:txBody>
+      </p:sp>
+      <p:sp>
+        <p:nvSpPr>
+          <p:cNvPr id="5" name="사각형: 둥근 모서리 4">
+            <a:hlinkClick r:id="rId7" action="ppaction://hlinksldjump"/>
+            <a:extLst>
+              <a:ext uri="{FF2B5EF4-FFF2-40B4-BE49-F238E27FC236}">
+                <a16:creationId xmlns:a16="http://schemas.microsoft.com/office/drawing/2014/main" id="{165DAEB6-A834-943C-0C1D-98EC40B278C8}"/>
+              </a:ext>
+            </a:extLst>
+          </p:cNvPr>
+          <p:cNvSpPr/>
+          <p:nvPr/>
+        </p:nvSpPr>
+        <p:spPr>
+          <a:xfrm>
+            <a:off x="1659288" y="4814982"/>
+            <a:ext cx="1994452" cy="365125"/>
+          </a:xfrm>
+          <a:prstGeom prst="roundRect">
+            <a:avLst>
+              <a:gd name="adj" fmla="val 50000"/>
+            </a:avLst>
+          </a:prstGeom>
+          <a:solidFill>
+            <a:schemeClr val="bg1">
+              <a:lumMod val="85000"/>
+            </a:schemeClr>
+          </a:solidFill>
+          <a:ln>
+            <a:noFill/>
+          </a:ln>
+        </p:spPr>
+        <p:style>
+          <a:lnRef idx="2">
+            <a:schemeClr val="accent1">
+              <a:shade val="15000"/>
+            </a:schemeClr>
+          </a:lnRef>
+          <a:fillRef idx="1">
+            <a:schemeClr val="accent1"/>
+          </a:fillRef>
+          <a:effectRef idx="0">
+            <a:schemeClr val="accent1"/>
+          </a:effectRef>
+          <a:fontRef idx="minor">
+            <a:schemeClr val="lt1"/>
+          </a:fontRef>
+        </p:style>
+        <p:txBody>
+          <a:bodyPr rtlCol="0" anchor="ctr"/>
+          <a:lstStyle/>
+          <a:p>
+            <a:r>
+              <a:rPr lang="ko-KR" altLang="en-US" sz="1600" dirty="0">
+                <a:solidFill>
+                  <a:schemeClr val="tx1"/>
+                </a:solidFill>
+              </a:rPr>
+              <a:t>주요 요소</a:t>
+            </a:r>
+          </a:p>
+        </p:txBody>
+      </p:sp>
+      <p:sp>
+        <p:nvSpPr>
+          <p:cNvPr id="18" name="사각형: 둥근 모서리 17">
+            <a:hlinkClick r:id="rId8" action="ppaction://hlinksldjump"/>
+            <a:extLst>
+              <a:ext uri="{FF2B5EF4-FFF2-40B4-BE49-F238E27FC236}">
+                <a16:creationId xmlns:a16="http://schemas.microsoft.com/office/drawing/2014/main" id="{AA8A5A8B-4B76-F086-92D9-3B3FB7724F05}"/>
+              </a:ext>
+            </a:extLst>
+          </p:cNvPr>
+          <p:cNvSpPr/>
+          <p:nvPr/>
+        </p:nvSpPr>
+        <p:spPr>
+          <a:xfrm>
+            <a:off x="5060155" y="3429000"/>
+            <a:ext cx="1994452" cy="365125"/>
+          </a:xfrm>
+          <a:prstGeom prst="roundRect">
+            <a:avLst>
+              <a:gd name="adj" fmla="val 50000"/>
+            </a:avLst>
+          </a:prstGeom>
+          <a:solidFill>
+            <a:schemeClr val="bg1">
+              <a:lumMod val="85000"/>
+            </a:schemeClr>
+          </a:solidFill>
+          <a:ln>
+            <a:noFill/>
+          </a:ln>
+        </p:spPr>
+        <p:style>
+          <a:lnRef idx="2">
+            <a:schemeClr val="accent1">
+              <a:shade val="15000"/>
+            </a:schemeClr>
+          </a:lnRef>
+          <a:fillRef idx="1">
+            <a:schemeClr val="accent1"/>
+          </a:fillRef>
+          <a:effectRef idx="0">
+            <a:schemeClr val="accent1"/>
+          </a:effectRef>
+          <a:fontRef idx="minor">
+            <a:schemeClr val="lt1"/>
+          </a:fontRef>
+        </p:style>
+        <p:txBody>
+          <a:bodyPr rtlCol="0" anchor="ctr"/>
+          <a:lstStyle/>
+          <a:p>
+            <a:r>
+              <a:rPr lang="ko-KR" altLang="en-US" sz="1600">
+                <a:solidFill>
+                  <a:schemeClr val="tx1"/>
+                </a:solidFill>
+              </a:rPr>
+              <a:t>플레이 흐름도</a:t>
+            </a:r>
+            <a:endParaRPr lang="ko-KR" altLang="en-US" sz="1600" dirty="0">
+              <a:solidFill>
+                <a:schemeClr val="tx1"/>
+              </a:solidFill>
+            </a:endParaRPr>
+          </a:p>
+        </p:txBody>
+      </p:sp>
+      <p:sp>
+        <p:nvSpPr>
+          <p:cNvPr id="19" name="사각형: 둥근 모서리 18">
+            <a:hlinkClick r:id="rId9" action="ppaction://hlinksldjump"/>
+            <a:extLst>
+              <a:ext uri="{FF2B5EF4-FFF2-40B4-BE49-F238E27FC236}">
+                <a16:creationId xmlns:a16="http://schemas.microsoft.com/office/drawing/2014/main" id="{BF9BA783-6DB5-8549-073A-AE1347EEC31F}"/>
+              </a:ext>
+            </a:extLst>
+          </p:cNvPr>
+          <p:cNvSpPr/>
+          <p:nvPr/>
+        </p:nvSpPr>
+        <p:spPr>
+          <a:xfrm>
+            <a:off x="5060155" y="3923442"/>
+            <a:ext cx="1994452" cy="365125"/>
+          </a:xfrm>
+          <a:prstGeom prst="roundRect">
+            <a:avLst>
+              <a:gd name="adj" fmla="val 50000"/>
+            </a:avLst>
+          </a:prstGeom>
+          <a:solidFill>
+            <a:schemeClr val="bg1">
+              <a:lumMod val="85000"/>
+            </a:schemeClr>
+          </a:solidFill>
+          <a:ln>
+            <a:noFill/>
+          </a:ln>
+        </p:spPr>
+        <p:style>
+          <a:lnRef idx="2">
+            <a:schemeClr val="accent1">
+              <a:shade val="15000"/>
+            </a:schemeClr>
+          </a:lnRef>
+          <a:fillRef idx="1">
+            <a:schemeClr val="accent1"/>
+          </a:fillRef>
+          <a:effectRef idx="0">
+            <a:schemeClr val="accent1"/>
+          </a:effectRef>
+          <a:fontRef idx="minor">
+            <a:schemeClr val="lt1"/>
+          </a:fontRef>
+        </p:style>
+        <p:txBody>
+          <a:bodyPr rtlCol="0" anchor="ctr"/>
+          <a:lstStyle/>
+          <a:p>
+            <a:r>
+              <a:rPr lang="ko-KR" altLang="en-US" sz="1600" dirty="0">
+                <a:solidFill>
+                  <a:schemeClr val="tx1"/>
+                </a:solidFill>
+              </a:rPr>
+              <a:t>미니 게임</a:t>
+            </a:r>
+          </a:p>
+        </p:txBody>
+      </p:sp>
+      <p:sp>
+        <p:nvSpPr>
+          <p:cNvPr id="20" name="사각형: 둥근 모서리 19">
+            <a:hlinkClick r:id="rId10" action="ppaction://hlinksldjump"/>
+            <a:extLst>
+              <a:ext uri="{FF2B5EF4-FFF2-40B4-BE49-F238E27FC236}">
+                <a16:creationId xmlns:a16="http://schemas.microsoft.com/office/drawing/2014/main" id="{3BA528C0-AAAC-1744-0ABD-7B0D8C515670}"/>
+              </a:ext>
+            </a:extLst>
+          </p:cNvPr>
+          <p:cNvSpPr/>
+          <p:nvPr/>
+        </p:nvSpPr>
+        <p:spPr>
+          <a:xfrm>
+            <a:off x="5060155" y="4417884"/>
+            <a:ext cx="1994452" cy="365125"/>
+          </a:xfrm>
+          <a:prstGeom prst="roundRect">
+            <a:avLst>
+              <a:gd name="adj" fmla="val 50000"/>
+            </a:avLst>
+          </a:prstGeom>
+          <a:solidFill>
+            <a:schemeClr val="bg1">
+              <a:lumMod val="85000"/>
+            </a:schemeClr>
+          </a:solidFill>
+          <a:ln>
+            <a:noFill/>
+          </a:ln>
+        </p:spPr>
+        <p:style>
+          <a:lnRef idx="2">
+            <a:schemeClr val="accent1">
+              <a:shade val="15000"/>
+            </a:schemeClr>
+          </a:lnRef>
+          <a:fillRef idx="1">
+            <a:schemeClr val="accent1"/>
+          </a:fillRef>
+          <a:effectRef idx="0">
+            <a:schemeClr val="accent1"/>
+          </a:effectRef>
+          <a:fontRef idx="minor">
+            <a:schemeClr val="lt1"/>
+          </a:fontRef>
+        </p:style>
+        <p:txBody>
+          <a:bodyPr rtlCol="0" anchor="ctr"/>
+          <a:lstStyle/>
+          <a:p>
+            <a:r>
+              <a:rPr lang="ko-KR" altLang="en-US" sz="1600" dirty="0">
+                <a:solidFill>
+                  <a:schemeClr val="tx1"/>
+                </a:solidFill>
+              </a:rPr>
+              <a:t>방해 이벤트</a:t>
+            </a:r>
+          </a:p>
+        </p:txBody>
+      </p:sp>
+      <p:sp>
+        <p:nvSpPr>
+          <p:cNvPr id="21" name="사각형: 둥근 모서리 20">
+            <a:hlinkClick r:id="rId11" action="ppaction://hlinksldjump"/>
+            <a:extLst>
+              <a:ext uri="{FF2B5EF4-FFF2-40B4-BE49-F238E27FC236}">
+                <a16:creationId xmlns:a16="http://schemas.microsoft.com/office/drawing/2014/main" id="{2CC67722-D325-D08A-77D1-AFADF257D7ED}"/>
+              </a:ext>
+            </a:extLst>
+          </p:cNvPr>
+          <p:cNvSpPr/>
+          <p:nvPr/>
+        </p:nvSpPr>
+        <p:spPr>
+          <a:xfrm>
+            <a:off x="5060155" y="4912327"/>
+            <a:ext cx="1994452" cy="365125"/>
+          </a:xfrm>
+          <a:prstGeom prst="roundRect">
+            <a:avLst>
+              <a:gd name="adj" fmla="val 50000"/>
+            </a:avLst>
+          </a:prstGeom>
+          <a:solidFill>
+            <a:schemeClr val="bg1">
+              <a:lumMod val="85000"/>
+            </a:schemeClr>
+          </a:solidFill>
+          <a:ln>
+            <a:noFill/>
+          </a:ln>
+        </p:spPr>
+        <p:style>
+          <a:lnRef idx="2">
+            <a:schemeClr val="accent1">
+              <a:shade val="15000"/>
+            </a:schemeClr>
+          </a:lnRef>
+          <a:fillRef idx="1">
+            <a:schemeClr val="accent1"/>
+          </a:fillRef>
+          <a:effectRef idx="0">
+            <a:schemeClr val="accent1"/>
+          </a:effectRef>
+          <a:fontRef idx="minor">
+            <a:schemeClr val="lt1"/>
+          </a:fontRef>
+        </p:style>
+        <p:txBody>
+          <a:bodyPr rtlCol="0" anchor="ctr"/>
+          <a:lstStyle/>
+          <a:p>
+            <a:r>
+              <a:rPr lang="ko-KR" altLang="en-US" sz="1600" dirty="0">
+                <a:solidFill>
+                  <a:schemeClr val="tx1"/>
+                </a:solidFill>
+              </a:rPr>
+              <a:t>게임 결과</a:t>
+            </a:r>
+          </a:p>
+        </p:txBody>
+      </p:sp>
+      <p:grpSp>
+        <p:nvGrpSpPr>
+          <p:cNvPr id="30" name="그룹 29">
+            <a:extLst>
+              <a:ext uri="{FF2B5EF4-FFF2-40B4-BE49-F238E27FC236}">
+                <a16:creationId xmlns:a16="http://schemas.microsoft.com/office/drawing/2014/main" id="{C7C5FAF1-8617-A300-E5FE-FB471E38FB19}"/>
+              </a:ext>
+            </a:extLst>
+          </p:cNvPr>
+          <p:cNvGrpSpPr/>
+          <p:nvPr/>
+        </p:nvGrpSpPr>
+        <p:grpSpPr>
+          <a:xfrm>
+            <a:off x="8538260" y="3471375"/>
+            <a:ext cx="1994452" cy="1760694"/>
+            <a:chOff x="8538260" y="3446255"/>
+            <a:chExt cx="1994452" cy="1760694"/>
+          </a:xfrm>
+        </p:grpSpPr>
+        <p:sp>
+          <p:nvSpPr>
+            <p:cNvPr id="22" name="사각형: 둥근 모서리 21">
+              <a:hlinkClick r:id="rId12" action="ppaction://hlinksldjump"/>
+              <a:extLst>
+                <a:ext uri="{FF2B5EF4-FFF2-40B4-BE49-F238E27FC236}">
+                  <a16:creationId xmlns:a16="http://schemas.microsoft.com/office/drawing/2014/main" id="{D06A8D2F-E1D6-F84C-0BA0-375A9D08EEC1}"/>
+                </a:ext>
+              </a:extLst>
+            </p:cNvPr>
+            <p:cNvSpPr/>
+            <p:nvPr/>
+          </p:nvSpPr>
+          <p:spPr>
+            <a:xfrm>
+              <a:off x="8538260" y="3446255"/>
+              <a:ext cx="1994452" cy="365125"/>
+            </a:xfrm>
+            <a:prstGeom prst="roundRect">
+              <a:avLst>
+                <a:gd name="adj" fmla="val 50000"/>
+              </a:avLst>
+            </a:prstGeom>
+            <a:solidFill>
+              <a:schemeClr val="bg1">
+                <a:lumMod val="85000"/>
+              </a:schemeClr>
+            </a:solidFill>
+            <a:ln>
+              <a:noFill/>
+            </a:ln>
+          </p:spPr>
+          <p:style>
+            <a:lnRef idx="2">
+              <a:schemeClr val="accent1">
+                <a:shade val="15000"/>
+              </a:schemeClr>
+            </a:lnRef>
+            <a:fillRef idx="1">
+              <a:schemeClr val="accent1"/>
+            </a:fillRef>
+            <a:effectRef idx="0">
+              <a:schemeClr val="accent1"/>
+            </a:effectRef>
+            <a:fontRef idx="minor">
+              <a:schemeClr val="lt1"/>
+            </a:fontRef>
+          </p:style>
+          <p:txBody>
+            <a:bodyPr rtlCol="0" anchor="ctr"/>
+            <a:lstStyle/>
+            <a:p>
+              <a:r>
+                <a:rPr lang="ko-KR" altLang="en-US" sz="1600">
+                  <a:solidFill>
+                    <a:schemeClr val="tx1"/>
+                  </a:solidFill>
+                </a:rPr>
+                <a:t>미니 게임</a:t>
+              </a:r>
+              <a:endParaRPr lang="ko-KR" altLang="en-US" sz="1600" dirty="0">
+                <a:solidFill>
+                  <a:schemeClr val="tx1"/>
+                </a:solidFill>
+              </a:endParaRPr>
+            </a:p>
+          </p:txBody>
+        </p:sp>
+        <p:sp>
+          <p:nvSpPr>
+            <p:cNvPr id="28" name="사각형: 둥근 모서리 27">
+              <a:hlinkClick r:id="rId13" action="ppaction://hlinksldjump"/>
+              <a:extLst>
+                <a:ext uri="{FF2B5EF4-FFF2-40B4-BE49-F238E27FC236}">
+                  <a16:creationId xmlns:a16="http://schemas.microsoft.com/office/drawing/2014/main" id="{F47302B6-3EC0-4829-0D90-6A9B861A3950}"/>
+                </a:ext>
+              </a:extLst>
+            </p:cNvPr>
+            <p:cNvSpPr/>
+            <p:nvPr/>
+          </p:nvSpPr>
+          <p:spPr>
+            <a:xfrm>
+              <a:off x="8538260" y="4144039"/>
+              <a:ext cx="1994452" cy="365125"/>
+            </a:xfrm>
+            <a:prstGeom prst="roundRect">
+              <a:avLst>
+                <a:gd name="adj" fmla="val 50000"/>
+              </a:avLst>
+            </a:prstGeom>
+            <a:solidFill>
+              <a:schemeClr val="bg1">
+                <a:lumMod val="85000"/>
+              </a:schemeClr>
+            </a:solidFill>
+            <a:ln>
+              <a:noFill/>
+            </a:ln>
+          </p:spPr>
+          <p:style>
+            <a:lnRef idx="2">
+              <a:schemeClr val="accent1">
+                <a:shade val="15000"/>
+              </a:schemeClr>
+            </a:lnRef>
+            <a:fillRef idx="1">
+              <a:schemeClr val="accent1"/>
+            </a:fillRef>
+            <a:effectRef idx="0">
+              <a:schemeClr val="accent1"/>
+            </a:effectRef>
+            <a:fontRef idx="minor">
+              <a:schemeClr val="lt1"/>
+            </a:fontRef>
+          </p:style>
+          <p:txBody>
+            <a:bodyPr rtlCol="0" anchor="ctr"/>
+            <a:lstStyle/>
+            <a:p>
+              <a:r>
+                <a:rPr lang="ko-KR" altLang="en-US" sz="1600" dirty="0">
+                  <a:solidFill>
+                    <a:schemeClr val="tx1"/>
+                  </a:solidFill>
+                </a:rPr>
+                <a:t>방해 이벤트</a:t>
+              </a:r>
+            </a:p>
+          </p:txBody>
+        </p:sp>
+        <p:sp>
+          <p:nvSpPr>
+            <p:cNvPr id="29" name="사각형: 둥근 모서리 28">
+              <a:hlinkClick r:id="rId14" action="ppaction://hlinksldjump"/>
+              <a:extLst>
+                <a:ext uri="{FF2B5EF4-FFF2-40B4-BE49-F238E27FC236}">
+                  <a16:creationId xmlns:a16="http://schemas.microsoft.com/office/drawing/2014/main" id="{418F241B-A692-C18C-663C-7F7BC3DAAF6E}"/>
+                </a:ext>
+              </a:extLst>
+            </p:cNvPr>
+            <p:cNvSpPr/>
+            <p:nvPr/>
+          </p:nvSpPr>
+          <p:spPr>
+            <a:xfrm>
+              <a:off x="8538260" y="4841824"/>
+              <a:ext cx="1994452" cy="365125"/>
+            </a:xfrm>
+            <a:prstGeom prst="roundRect">
+              <a:avLst>
+                <a:gd name="adj" fmla="val 50000"/>
+              </a:avLst>
+            </a:prstGeom>
+            <a:solidFill>
+              <a:schemeClr val="bg1">
+                <a:lumMod val="85000"/>
+              </a:schemeClr>
+            </a:solidFill>
+            <a:ln>
+              <a:noFill/>
+            </a:ln>
+          </p:spPr>
+          <p:style>
+            <a:lnRef idx="2">
+              <a:schemeClr val="accent1">
+                <a:shade val="15000"/>
+              </a:schemeClr>
+            </a:lnRef>
+            <a:fillRef idx="1">
+              <a:schemeClr val="accent1"/>
+            </a:fillRef>
+            <a:effectRef idx="0">
+              <a:schemeClr val="accent1"/>
+            </a:effectRef>
+            <a:fontRef idx="minor">
+              <a:schemeClr val="lt1"/>
+            </a:fontRef>
+          </p:style>
+          <p:txBody>
+            <a:bodyPr rtlCol="0" anchor="ctr"/>
+            <a:lstStyle/>
+            <a:p>
+              <a:r>
+                <a:rPr lang="ko-KR" altLang="en-US" sz="1600" dirty="0">
+                  <a:solidFill>
+                    <a:schemeClr val="tx1"/>
+                  </a:solidFill>
+                </a:rPr>
+                <a:t>기타 </a:t>
+              </a:r>
+              <a:r>
+                <a:rPr lang="en-US" altLang="ko-KR" sz="1600" dirty="0">
+                  <a:solidFill>
+                    <a:schemeClr val="tx1"/>
+                  </a:solidFill>
+                </a:rPr>
+                <a:t>UI</a:t>
+              </a:r>
+              <a:endParaRPr lang="ko-KR" altLang="en-US" sz="1600" dirty="0">
+                <a:solidFill>
+                  <a:schemeClr val="tx1"/>
+                </a:solidFill>
+              </a:endParaRPr>
+            </a:p>
+          </p:txBody>
+        </p:sp>
+      </p:grpSp>
+      <p:sp>
+        <p:nvSpPr>
+          <p:cNvPr id="31" name="TextBox 30">
+            <a:extLst>
+              <a:ext uri="{FF2B5EF4-FFF2-40B4-BE49-F238E27FC236}">
+                <a16:creationId xmlns:a16="http://schemas.microsoft.com/office/drawing/2014/main" id="{2D94C016-2A7A-7A7F-1BA3-E22E535D247D}"/>
+              </a:ext>
+            </a:extLst>
+          </p:cNvPr>
+          <p:cNvSpPr txBox="1"/>
+          <p:nvPr/>
+        </p:nvSpPr>
+        <p:spPr>
+          <a:xfrm>
+            <a:off x="3507792" y="1883465"/>
+            <a:ext cx="5176418" cy="369332"/>
+          </a:xfrm>
+          <a:prstGeom prst="rect">
+            <a:avLst/>
+          </a:prstGeom>
+          <a:noFill/>
+        </p:spPr>
+        <p:txBody>
+          <a:bodyPr wrap="none" rtlCol="0">
+            <a:spAutoFit/>
+          </a:bodyPr>
+          <a:lstStyle/>
+          <a:p>
+            <a:pPr algn="ctr"/>
+            <a:r>
+              <a:rPr lang="en-US" altLang="ko-KR" dirty="0"/>
+              <a:t>Ctrl + </a:t>
+            </a:r>
+            <a:r>
+              <a:rPr lang="ko-KR" altLang="en-US" dirty="0"/>
+              <a:t>클릭으로 원하는 목차로 이동 가능합니다</a:t>
+            </a:r>
+            <a:r>
+              <a:rPr lang="en-US" altLang="ko-KR" dirty="0"/>
+              <a:t>.</a:t>
+            </a:r>
+            <a:endParaRPr lang="ko-KR" altLang="en-US" dirty="0"/>
           </a:p>
         </p:txBody>
       </p:sp>

--- a/document/Please Leave me alone!.pptx
+++ b/document/Please Leave me alone!.pptx
@@ -52624,447 +52624,6 @@
       </p:grpSpPr>
       <p:sp>
         <p:nvSpPr>
-          <p:cNvPr id="8" name="사각형: 둥근 모서리 7">
-            <a:extLst>
-              <a:ext uri="{FF2B5EF4-FFF2-40B4-BE49-F238E27FC236}">
-                <a16:creationId xmlns:a16="http://schemas.microsoft.com/office/drawing/2014/main" id="{A53CD60E-CB12-D2F2-E8F6-5C609EE79239}"/>
-              </a:ext>
-            </a:extLst>
-          </p:cNvPr>
-          <p:cNvSpPr/>
-          <p:nvPr/>
-        </p:nvSpPr>
-        <p:spPr>
-          <a:xfrm>
-            <a:off x="337929" y="2826023"/>
-            <a:ext cx="1199323" cy="762000"/>
-          </a:xfrm>
-          <a:prstGeom prst="roundRect">
-            <a:avLst/>
-          </a:prstGeom>
-          <a:solidFill>
-            <a:schemeClr val="bg1">
-              <a:lumMod val="85000"/>
-            </a:schemeClr>
-          </a:solidFill>
-        </p:spPr>
-        <p:style>
-          <a:lnRef idx="2">
-            <a:schemeClr val="accent1">
-              <a:shade val="15000"/>
-            </a:schemeClr>
-          </a:lnRef>
-          <a:fillRef idx="1">
-            <a:schemeClr val="accent1"/>
-          </a:fillRef>
-          <a:effectRef idx="0">
-            <a:schemeClr val="accent1"/>
-          </a:effectRef>
-          <a:fontRef idx="minor">
-            <a:schemeClr val="lt1"/>
-          </a:fontRef>
-        </p:style>
-        <p:txBody>
-          <a:bodyPr rtlCol="0" anchor="ctr"/>
-          <a:lstStyle/>
-          <a:p>
-            <a:pPr algn="ctr"/>
-            <a:r>
-              <a:rPr lang="ko-KR" altLang="en-US" sz="1600" dirty="0">
-                <a:solidFill>
-                  <a:schemeClr val="tx1"/>
-                </a:solidFill>
-              </a:rPr>
-              <a:t>메인 화면</a:t>
-            </a:r>
-          </a:p>
-        </p:txBody>
-      </p:sp>
-      <p:sp>
-        <p:nvSpPr>
-          <p:cNvPr id="4" name="화살표: 오른쪽 3">
-            <a:extLst>
-              <a:ext uri="{FF2B5EF4-FFF2-40B4-BE49-F238E27FC236}">
-                <a16:creationId xmlns:a16="http://schemas.microsoft.com/office/drawing/2014/main" id="{5121B7C4-01E1-0217-970A-8023EB32A624}"/>
-              </a:ext>
-            </a:extLst>
-          </p:cNvPr>
-          <p:cNvSpPr/>
-          <p:nvPr/>
-        </p:nvSpPr>
-        <p:spPr>
-          <a:xfrm>
-            <a:off x="1753703" y="2826024"/>
-            <a:ext cx="960783" cy="761999"/>
-          </a:xfrm>
-          <a:prstGeom prst="rightArrow">
-            <a:avLst>
-              <a:gd name="adj1" fmla="val 37392"/>
-              <a:gd name="adj2" fmla="val 58695"/>
-            </a:avLst>
-          </a:prstGeom>
-          <a:solidFill>
-            <a:schemeClr val="accent1">
-              <a:lumMod val="40000"/>
-              <a:lumOff val="60000"/>
-            </a:schemeClr>
-          </a:solidFill>
-        </p:spPr>
-        <p:style>
-          <a:lnRef idx="2">
-            <a:schemeClr val="accent1">
-              <a:shade val="15000"/>
-            </a:schemeClr>
-          </a:lnRef>
-          <a:fillRef idx="1">
-            <a:schemeClr val="accent1"/>
-          </a:fillRef>
-          <a:effectRef idx="0">
-            <a:schemeClr val="accent1"/>
-          </a:effectRef>
-          <a:fontRef idx="minor">
-            <a:schemeClr val="lt1"/>
-          </a:fontRef>
-        </p:style>
-        <p:txBody>
-          <a:bodyPr rtlCol="0" anchor="ctr"/>
-          <a:lstStyle/>
-          <a:p>
-            <a:pPr algn="ctr"/>
-            <a:endParaRPr lang="ko-KR" altLang="en-US">
-              <a:solidFill>
-                <a:schemeClr val="tx1"/>
-              </a:solidFill>
-            </a:endParaRPr>
-          </a:p>
-        </p:txBody>
-      </p:sp>
-      <p:sp>
-        <p:nvSpPr>
-          <p:cNvPr id="5" name="사각형: 둥근 모서리 4">
-            <a:extLst>
-              <a:ext uri="{FF2B5EF4-FFF2-40B4-BE49-F238E27FC236}">
-                <a16:creationId xmlns:a16="http://schemas.microsoft.com/office/drawing/2014/main" id="{59DFC62F-071E-450C-BC0F-BB3B809F8968}"/>
-              </a:ext>
-            </a:extLst>
-          </p:cNvPr>
-          <p:cNvSpPr/>
-          <p:nvPr/>
-        </p:nvSpPr>
-        <p:spPr>
-          <a:xfrm>
-            <a:off x="2930937" y="2826023"/>
-            <a:ext cx="1199323" cy="762000"/>
-          </a:xfrm>
-          <a:prstGeom prst="roundRect">
-            <a:avLst/>
-          </a:prstGeom>
-          <a:solidFill>
-            <a:schemeClr val="bg1">
-              <a:lumMod val="85000"/>
-            </a:schemeClr>
-          </a:solidFill>
-        </p:spPr>
-        <p:style>
-          <a:lnRef idx="2">
-            <a:schemeClr val="accent1">
-              <a:shade val="15000"/>
-            </a:schemeClr>
-          </a:lnRef>
-          <a:fillRef idx="1">
-            <a:schemeClr val="accent1"/>
-          </a:fillRef>
-          <a:effectRef idx="0">
-            <a:schemeClr val="accent1"/>
-          </a:effectRef>
-          <a:fontRef idx="minor">
-            <a:schemeClr val="lt1"/>
-          </a:fontRef>
-        </p:style>
-        <p:txBody>
-          <a:bodyPr rtlCol="0" anchor="ctr"/>
-          <a:lstStyle/>
-          <a:p>
-            <a:pPr algn="ctr"/>
-            <a:r>
-              <a:rPr lang="ko-KR" altLang="en-US" sz="1600" dirty="0">
-                <a:solidFill>
-                  <a:schemeClr val="tx1"/>
-                </a:solidFill>
-              </a:rPr>
-              <a:t>미니 게임 선택</a:t>
-            </a:r>
-          </a:p>
-        </p:txBody>
-      </p:sp>
-      <p:sp>
-        <p:nvSpPr>
-          <p:cNvPr id="6" name="화살표: 오른쪽 5">
-            <a:extLst>
-              <a:ext uri="{FF2B5EF4-FFF2-40B4-BE49-F238E27FC236}">
-                <a16:creationId xmlns:a16="http://schemas.microsoft.com/office/drawing/2014/main" id="{ED5D8895-3FF8-9308-4D53-667A0B26C243}"/>
-              </a:ext>
-            </a:extLst>
-          </p:cNvPr>
-          <p:cNvSpPr/>
-          <p:nvPr/>
-        </p:nvSpPr>
-        <p:spPr>
-          <a:xfrm>
-            <a:off x="4346711" y="2826024"/>
-            <a:ext cx="960783" cy="761999"/>
-          </a:xfrm>
-          <a:prstGeom prst="rightArrow">
-            <a:avLst>
-              <a:gd name="adj1" fmla="val 37392"/>
-              <a:gd name="adj2" fmla="val 58695"/>
-            </a:avLst>
-          </a:prstGeom>
-          <a:solidFill>
-            <a:schemeClr val="accent1">
-              <a:lumMod val="40000"/>
-              <a:lumOff val="60000"/>
-            </a:schemeClr>
-          </a:solidFill>
-        </p:spPr>
-        <p:style>
-          <a:lnRef idx="2">
-            <a:schemeClr val="accent1">
-              <a:shade val="15000"/>
-            </a:schemeClr>
-          </a:lnRef>
-          <a:fillRef idx="1">
-            <a:schemeClr val="accent1"/>
-          </a:fillRef>
-          <a:effectRef idx="0">
-            <a:schemeClr val="accent1"/>
-          </a:effectRef>
-          <a:fontRef idx="minor">
-            <a:schemeClr val="lt1"/>
-          </a:fontRef>
-        </p:style>
-        <p:txBody>
-          <a:bodyPr rtlCol="0" anchor="ctr"/>
-          <a:lstStyle/>
-          <a:p>
-            <a:pPr algn="ctr"/>
-            <a:endParaRPr lang="ko-KR" altLang="en-US">
-              <a:solidFill>
-                <a:schemeClr val="tx1"/>
-              </a:solidFill>
-            </a:endParaRPr>
-          </a:p>
-        </p:txBody>
-      </p:sp>
-      <p:sp>
-        <p:nvSpPr>
-          <p:cNvPr id="7" name="사각형: 둥근 모서리 6">
-            <a:extLst>
-              <a:ext uri="{FF2B5EF4-FFF2-40B4-BE49-F238E27FC236}">
-                <a16:creationId xmlns:a16="http://schemas.microsoft.com/office/drawing/2014/main" id="{3B9264E7-07A1-7E21-66FE-86772551D893}"/>
-              </a:ext>
-            </a:extLst>
-          </p:cNvPr>
-          <p:cNvSpPr/>
-          <p:nvPr/>
-        </p:nvSpPr>
-        <p:spPr>
-          <a:xfrm>
-            <a:off x="5523945" y="2826023"/>
-            <a:ext cx="2696820" cy="762000"/>
-          </a:xfrm>
-          <a:prstGeom prst="roundRect">
-            <a:avLst/>
-          </a:prstGeom>
-          <a:solidFill>
-            <a:schemeClr val="bg1">
-              <a:lumMod val="85000"/>
-            </a:schemeClr>
-          </a:solidFill>
-        </p:spPr>
-        <p:style>
-          <a:lnRef idx="2">
-            <a:schemeClr val="accent1">
-              <a:shade val="15000"/>
-            </a:schemeClr>
-          </a:lnRef>
-          <a:fillRef idx="1">
-            <a:schemeClr val="accent1"/>
-          </a:fillRef>
-          <a:effectRef idx="0">
-            <a:schemeClr val="accent1"/>
-          </a:effectRef>
-          <a:fontRef idx="minor">
-            <a:schemeClr val="lt1"/>
-          </a:fontRef>
-        </p:style>
-        <p:txBody>
-          <a:bodyPr rtlCol="0" anchor="ctr"/>
-          <a:lstStyle/>
-          <a:p>
-            <a:pPr algn="ctr"/>
-            <a:r>
-              <a:rPr lang="ko-KR" altLang="en-US" sz="1600" dirty="0">
-                <a:solidFill>
-                  <a:schemeClr val="tx1"/>
-                </a:solidFill>
-              </a:rPr>
-              <a:t>미니 게임 플레이</a:t>
-            </a:r>
-            <a:endParaRPr lang="en-US" altLang="ko-KR" sz="1600" dirty="0">
-              <a:solidFill>
-                <a:schemeClr val="tx1"/>
-              </a:solidFill>
-            </a:endParaRPr>
-          </a:p>
-          <a:p>
-            <a:pPr algn="ctr"/>
-            <a:r>
-              <a:rPr lang="ko-KR" altLang="en-US" sz="1600" dirty="0">
-                <a:solidFill>
-                  <a:schemeClr val="tx1"/>
-                </a:solidFill>
-              </a:rPr>
-              <a:t>및 방해 요소 해결</a:t>
-            </a:r>
-          </a:p>
-        </p:txBody>
-      </p:sp>
-      <p:sp>
-        <p:nvSpPr>
-          <p:cNvPr id="9" name="화살표: 오른쪽 8">
-            <a:extLst>
-              <a:ext uri="{FF2B5EF4-FFF2-40B4-BE49-F238E27FC236}">
-                <a16:creationId xmlns:a16="http://schemas.microsoft.com/office/drawing/2014/main" id="{481628C6-A734-0F9C-B157-554CF70BDCDE}"/>
-              </a:ext>
-            </a:extLst>
-          </p:cNvPr>
-          <p:cNvSpPr/>
-          <p:nvPr/>
-        </p:nvSpPr>
-        <p:spPr>
-          <a:xfrm>
-            <a:off x="8437216" y="2826024"/>
-            <a:ext cx="1378227" cy="761999"/>
-          </a:xfrm>
-          <a:prstGeom prst="rightArrow">
-            <a:avLst>
-              <a:gd name="adj1" fmla="val 60001"/>
-              <a:gd name="adj2" fmla="val 58695"/>
-            </a:avLst>
-          </a:prstGeom>
-          <a:solidFill>
-            <a:schemeClr val="accent1">
-              <a:lumMod val="40000"/>
-              <a:lumOff val="60000"/>
-            </a:schemeClr>
-          </a:solidFill>
-        </p:spPr>
-        <p:style>
-          <a:lnRef idx="2">
-            <a:schemeClr val="accent1">
-              <a:shade val="15000"/>
-            </a:schemeClr>
-          </a:lnRef>
-          <a:fillRef idx="1">
-            <a:schemeClr val="accent1"/>
-          </a:fillRef>
-          <a:effectRef idx="0">
-            <a:schemeClr val="accent1"/>
-          </a:effectRef>
-          <a:fontRef idx="minor">
-            <a:schemeClr val="lt1"/>
-          </a:fontRef>
-        </p:style>
-        <p:txBody>
-          <a:bodyPr rtlCol="0" anchor="ctr"/>
-          <a:lstStyle/>
-          <a:p>
-            <a:pPr algn="ctr"/>
-            <a:r>
-              <a:rPr lang="en-US" altLang="ko-KR" dirty="0">
-                <a:solidFill>
-                  <a:schemeClr val="tx1"/>
-                </a:solidFill>
-              </a:rPr>
-              <a:t>10</a:t>
-            </a:r>
-            <a:r>
-              <a:rPr lang="ko-KR" altLang="en-US" dirty="0">
-                <a:solidFill>
-                  <a:schemeClr val="tx1"/>
-                </a:solidFill>
-              </a:rPr>
-              <a:t>분 후</a:t>
-            </a:r>
-          </a:p>
-        </p:txBody>
-      </p:sp>
-      <p:sp>
-        <p:nvSpPr>
-          <p:cNvPr id="10" name="사각형: 둥근 모서리 9">
-            <a:extLst>
-              <a:ext uri="{FF2B5EF4-FFF2-40B4-BE49-F238E27FC236}">
-                <a16:creationId xmlns:a16="http://schemas.microsoft.com/office/drawing/2014/main" id="{8A7EAEE8-F8B8-F15D-0193-F7D4147990A1}"/>
-              </a:ext>
-            </a:extLst>
-          </p:cNvPr>
-          <p:cNvSpPr/>
-          <p:nvPr/>
-        </p:nvSpPr>
-        <p:spPr>
-          <a:xfrm>
-            <a:off x="10031896" y="2826023"/>
-            <a:ext cx="1378227" cy="762000"/>
-          </a:xfrm>
-          <a:prstGeom prst="roundRect">
-            <a:avLst/>
-          </a:prstGeom>
-          <a:solidFill>
-            <a:schemeClr val="bg1">
-              <a:lumMod val="85000"/>
-            </a:schemeClr>
-          </a:solidFill>
-        </p:spPr>
-        <p:style>
-          <a:lnRef idx="2">
-            <a:schemeClr val="accent1">
-              <a:shade val="15000"/>
-            </a:schemeClr>
-          </a:lnRef>
-          <a:fillRef idx="1">
-            <a:schemeClr val="accent1"/>
-          </a:fillRef>
-          <a:effectRef idx="0">
-            <a:schemeClr val="accent1"/>
-          </a:effectRef>
-          <a:fontRef idx="minor">
-            <a:schemeClr val="lt1"/>
-          </a:fontRef>
-        </p:style>
-        <p:txBody>
-          <a:bodyPr rtlCol="0" anchor="ctr"/>
-          <a:lstStyle/>
-          <a:p>
-            <a:pPr algn="ctr"/>
-            <a:r>
-              <a:rPr lang="ko-KR" altLang="en-US" sz="1600">
-                <a:solidFill>
-                  <a:schemeClr val="tx1"/>
-                </a:solidFill>
-              </a:rPr>
-              <a:t>게임 결과</a:t>
-            </a:r>
-            <a:endParaRPr lang="ko-KR" altLang="en-US" sz="1600" dirty="0">
-              <a:solidFill>
-                <a:schemeClr val="tx1"/>
-              </a:solidFill>
-            </a:endParaRPr>
-          </a:p>
-        </p:txBody>
-      </p:sp>
-      <p:sp>
-        <p:nvSpPr>
           <p:cNvPr id="12" name="제목 1">
             <a:extLst>
               <a:ext uri="{FF2B5EF4-FFF2-40B4-BE49-F238E27FC236}">
@@ -53217,6 +52776,966 @@
           </a:p>
         </p:txBody>
       </p:sp>
+      <p:grpSp>
+        <p:nvGrpSpPr>
+          <p:cNvPr id="30" name="그룹 29">
+            <a:extLst>
+              <a:ext uri="{FF2B5EF4-FFF2-40B4-BE49-F238E27FC236}">
+                <a16:creationId xmlns:a16="http://schemas.microsoft.com/office/drawing/2014/main" id="{350D7FB7-55C2-3901-6F63-D4EBE12940AC}"/>
+              </a:ext>
+            </a:extLst>
+          </p:cNvPr>
+          <p:cNvGrpSpPr/>
+          <p:nvPr/>
+        </p:nvGrpSpPr>
+        <p:grpSpPr>
+          <a:xfrm>
+            <a:off x="569845" y="1243887"/>
+            <a:ext cx="11052311" cy="4673208"/>
+            <a:chOff x="129225" y="999606"/>
+            <a:chExt cx="11052311" cy="4673208"/>
+          </a:xfrm>
+        </p:grpSpPr>
+        <p:sp>
+          <p:nvSpPr>
+            <p:cNvPr id="8" name="사각형: 둥근 모서리 7">
+              <a:extLst>
+                <a:ext uri="{FF2B5EF4-FFF2-40B4-BE49-F238E27FC236}">
+                  <a16:creationId xmlns:a16="http://schemas.microsoft.com/office/drawing/2014/main" id="{A53CD60E-CB12-D2F2-E8F6-5C609EE79239}"/>
+                </a:ext>
+              </a:extLst>
+            </p:cNvPr>
+            <p:cNvSpPr/>
+            <p:nvPr/>
+          </p:nvSpPr>
+          <p:spPr>
+            <a:xfrm>
+              <a:off x="129225" y="2892674"/>
+              <a:ext cx="1199323" cy="762000"/>
+            </a:xfrm>
+            <a:prstGeom prst="roundRect">
+              <a:avLst/>
+            </a:prstGeom>
+            <a:solidFill>
+              <a:schemeClr val="bg1">
+                <a:lumMod val="85000"/>
+              </a:schemeClr>
+            </a:solidFill>
+          </p:spPr>
+          <p:style>
+            <a:lnRef idx="2">
+              <a:schemeClr val="accent1">
+                <a:shade val="15000"/>
+              </a:schemeClr>
+            </a:lnRef>
+            <a:fillRef idx="1">
+              <a:schemeClr val="accent1"/>
+            </a:fillRef>
+            <a:effectRef idx="0">
+              <a:schemeClr val="accent1"/>
+            </a:effectRef>
+            <a:fontRef idx="minor">
+              <a:schemeClr val="lt1"/>
+            </a:fontRef>
+          </p:style>
+          <p:txBody>
+            <a:bodyPr rtlCol="0" anchor="ctr"/>
+            <a:lstStyle/>
+            <a:p>
+              <a:pPr algn="ctr"/>
+              <a:r>
+                <a:rPr lang="ko-KR" altLang="en-US" sz="1600" dirty="0">
+                  <a:solidFill>
+                    <a:schemeClr val="tx1"/>
+                  </a:solidFill>
+                </a:rPr>
+                <a:t>메인 화면</a:t>
+              </a:r>
+            </a:p>
+          </p:txBody>
+        </p:sp>
+        <p:sp>
+          <p:nvSpPr>
+            <p:cNvPr id="4" name="화살표: 오른쪽 3">
+              <a:extLst>
+                <a:ext uri="{FF2B5EF4-FFF2-40B4-BE49-F238E27FC236}">
+                  <a16:creationId xmlns:a16="http://schemas.microsoft.com/office/drawing/2014/main" id="{5121B7C4-01E1-0217-970A-8023EB32A624}"/>
+                </a:ext>
+              </a:extLst>
+            </p:cNvPr>
+            <p:cNvSpPr/>
+            <p:nvPr/>
+          </p:nvSpPr>
+          <p:spPr>
+            <a:xfrm>
+              <a:off x="1405852" y="2892675"/>
+              <a:ext cx="767505" cy="761999"/>
+            </a:xfrm>
+            <a:prstGeom prst="rightArrow">
+              <a:avLst>
+                <a:gd name="adj1" fmla="val 37392"/>
+                <a:gd name="adj2" fmla="val 58695"/>
+              </a:avLst>
+            </a:prstGeom>
+            <a:solidFill>
+              <a:schemeClr val="accent1">
+                <a:lumMod val="40000"/>
+                <a:lumOff val="60000"/>
+              </a:schemeClr>
+            </a:solidFill>
+          </p:spPr>
+          <p:style>
+            <a:lnRef idx="2">
+              <a:schemeClr val="accent1">
+                <a:shade val="15000"/>
+              </a:schemeClr>
+            </a:lnRef>
+            <a:fillRef idx="1">
+              <a:schemeClr val="accent1"/>
+            </a:fillRef>
+            <a:effectRef idx="0">
+              <a:schemeClr val="accent1"/>
+            </a:effectRef>
+            <a:fontRef idx="minor">
+              <a:schemeClr val="lt1"/>
+            </a:fontRef>
+          </p:style>
+          <p:txBody>
+            <a:bodyPr rtlCol="0" anchor="ctr"/>
+            <a:lstStyle/>
+            <a:p>
+              <a:pPr algn="ctr"/>
+              <a:endParaRPr lang="ko-KR" altLang="en-US">
+                <a:solidFill>
+                  <a:schemeClr val="tx1"/>
+                </a:solidFill>
+              </a:endParaRPr>
+            </a:p>
+          </p:txBody>
+        </p:sp>
+        <p:sp>
+          <p:nvSpPr>
+            <p:cNvPr id="5" name="사각형: 둥근 모서리 4">
+              <a:extLst>
+                <a:ext uri="{FF2B5EF4-FFF2-40B4-BE49-F238E27FC236}">
+                  <a16:creationId xmlns:a16="http://schemas.microsoft.com/office/drawing/2014/main" id="{59DFC62F-071E-450C-BC0F-BB3B809F8968}"/>
+                </a:ext>
+              </a:extLst>
+            </p:cNvPr>
+            <p:cNvSpPr/>
+            <p:nvPr/>
+          </p:nvSpPr>
+          <p:spPr>
+            <a:xfrm>
+              <a:off x="2250661" y="2892674"/>
+              <a:ext cx="1199323" cy="762000"/>
+            </a:xfrm>
+            <a:prstGeom prst="roundRect">
+              <a:avLst/>
+            </a:prstGeom>
+            <a:solidFill>
+              <a:schemeClr val="bg1">
+                <a:lumMod val="85000"/>
+              </a:schemeClr>
+            </a:solidFill>
+          </p:spPr>
+          <p:style>
+            <a:lnRef idx="2">
+              <a:schemeClr val="accent1">
+                <a:shade val="15000"/>
+              </a:schemeClr>
+            </a:lnRef>
+            <a:fillRef idx="1">
+              <a:schemeClr val="accent1"/>
+            </a:fillRef>
+            <a:effectRef idx="0">
+              <a:schemeClr val="accent1"/>
+            </a:effectRef>
+            <a:fontRef idx="minor">
+              <a:schemeClr val="lt1"/>
+            </a:fontRef>
+          </p:style>
+          <p:txBody>
+            <a:bodyPr rtlCol="0" anchor="ctr"/>
+            <a:lstStyle/>
+            <a:p>
+              <a:pPr algn="ctr"/>
+              <a:r>
+                <a:rPr lang="ko-KR" altLang="en-US" sz="1600" dirty="0">
+                  <a:solidFill>
+                    <a:schemeClr val="tx1"/>
+                  </a:solidFill>
+                </a:rPr>
+                <a:t>미니 게임 선택</a:t>
+              </a:r>
+            </a:p>
+          </p:txBody>
+        </p:sp>
+        <p:sp>
+          <p:nvSpPr>
+            <p:cNvPr id="9" name="화살표: 오른쪽 8">
+              <a:extLst>
+                <a:ext uri="{FF2B5EF4-FFF2-40B4-BE49-F238E27FC236}">
+                  <a16:creationId xmlns:a16="http://schemas.microsoft.com/office/drawing/2014/main" id="{481628C6-A734-0F9C-B157-554CF70BDCDE}"/>
+                </a:ext>
+              </a:extLst>
+            </p:cNvPr>
+            <p:cNvSpPr/>
+            <p:nvPr/>
+          </p:nvSpPr>
+          <p:spPr>
+            <a:xfrm>
+              <a:off x="8152295" y="2892675"/>
+              <a:ext cx="1378227" cy="761999"/>
+            </a:xfrm>
+            <a:prstGeom prst="rightArrow">
+              <a:avLst>
+                <a:gd name="adj1" fmla="val 60001"/>
+                <a:gd name="adj2" fmla="val 58695"/>
+              </a:avLst>
+            </a:prstGeom>
+            <a:solidFill>
+              <a:schemeClr val="accent1">
+                <a:lumMod val="40000"/>
+                <a:lumOff val="60000"/>
+              </a:schemeClr>
+            </a:solidFill>
+          </p:spPr>
+          <p:style>
+            <a:lnRef idx="2">
+              <a:schemeClr val="accent1">
+                <a:shade val="15000"/>
+              </a:schemeClr>
+            </a:lnRef>
+            <a:fillRef idx="1">
+              <a:schemeClr val="accent1"/>
+            </a:fillRef>
+            <a:effectRef idx="0">
+              <a:schemeClr val="accent1"/>
+            </a:effectRef>
+            <a:fontRef idx="minor">
+              <a:schemeClr val="lt1"/>
+            </a:fontRef>
+          </p:style>
+          <p:txBody>
+            <a:bodyPr rtlCol="0" anchor="ctr"/>
+            <a:lstStyle/>
+            <a:p>
+              <a:pPr algn="ctr"/>
+              <a:r>
+                <a:rPr lang="en-US" altLang="ko-KR" dirty="0">
+                  <a:solidFill>
+                    <a:schemeClr val="tx1"/>
+                  </a:solidFill>
+                </a:rPr>
+                <a:t>10</a:t>
+              </a:r>
+              <a:r>
+                <a:rPr lang="ko-KR" altLang="en-US" dirty="0">
+                  <a:solidFill>
+                    <a:schemeClr val="tx1"/>
+                  </a:solidFill>
+                </a:rPr>
+                <a:t>분 후</a:t>
+              </a:r>
+            </a:p>
+          </p:txBody>
+        </p:sp>
+        <p:sp>
+          <p:nvSpPr>
+            <p:cNvPr id="10" name="사각형: 둥근 모서리 9">
+              <a:extLst>
+                <a:ext uri="{FF2B5EF4-FFF2-40B4-BE49-F238E27FC236}">
+                  <a16:creationId xmlns:a16="http://schemas.microsoft.com/office/drawing/2014/main" id="{8A7EAEE8-F8B8-F15D-0193-F7D4147990A1}"/>
+                </a:ext>
+              </a:extLst>
+            </p:cNvPr>
+            <p:cNvSpPr/>
+            <p:nvPr/>
+          </p:nvSpPr>
+          <p:spPr>
+            <a:xfrm>
+              <a:off x="9803309" y="2892674"/>
+              <a:ext cx="1378227" cy="762000"/>
+            </a:xfrm>
+            <a:prstGeom prst="roundRect">
+              <a:avLst/>
+            </a:prstGeom>
+            <a:solidFill>
+              <a:schemeClr val="bg1">
+                <a:lumMod val="85000"/>
+              </a:schemeClr>
+            </a:solidFill>
+          </p:spPr>
+          <p:style>
+            <a:lnRef idx="2">
+              <a:schemeClr val="accent1">
+                <a:shade val="15000"/>
+              </a:schemeClr>
+            </a:lnRef>
+            <a:fillRef idx="1">
+              <a:schemeClr val="accent1"/>
+            </a:fillRef>
+            <a:effectRef idx="0">
+              <a:schemeClr val="accent1"/>
+            </a:effectRef>
+            <a:fontRef idx="minor">
+              <a:schemeClr val="lt1"/>
+            </a:fontRef>
+          </p:style>
+          <p:txBody>
+            <a:bodyPr rtlCol="0" anchor="ctr"/>
+            <a:lstStyle/>
+            <a:p>
+              <a:pPr algn="ctr"/>
+              <a:r>
+                <a:rPr lang="ko-KR" altLang="en-US" sz="1600" dirty="0">
+                  <a:solidFill>
+                    <a:schemeClr val="tx1"/>
+                  </a:solidFill>
+                </a:rPr>
+                <a:t>게임 결과</a:t>
+              </a:r>
+            </a:p>
+          </p:txBody>
+        </p:sp>
+        <p:sp>
+          <p:nvSpPr>
+            <p:cNvPr id="21" name="화살표: 오른쪽 20">
+              <a:extLst>
+                <a:ext uri="{FF2B5EF4-FFF2-40B4-BE49-F238E27FC236}">
+                  <a16:creationId xmlns:a16="http://schemas.microsoft.com/office/drawing/2014/main" id="{7C549078-B738-717D-334E-63D130ECF7F0}"/>
+                </a:ext>
+              </a:extLst>
+            </p:cNvPr>
+            <p:cNvSpPr/>
+            <p:nvPr/>
+          </p:nvSpPr>
+          <p:spPr>
+            <a:xfrm>
+              <a:off x="3527288" y="2892675"/>
+              <a:ext cx="767505" cy="761999"/>
+            </a:xfrm>
+            <a:prstGeom prst="rightArrow">
+              <a:avLst>
+                <a:gd name="adj1" fmla="val 37392"/>
+                <a:gd name="adj2" fmla="val 58695"/>
+              </a:avLst>
+            </a:prstGeom>
+            <a:solidFill>
+              <a:schemeClr val="accent1">
+                <a:lumMod val="40000"/>
+                <a:lumOff val="60000"/>
+              </a:schemeClr>
+            </a:solidFill>
+          </p:spPr>
+          <p:style>
+            <a:lnRef idx="2">
+              <a:schemeClr val="accent1">
+                <a:shade val="15000"/>
+              </a:schemeClr>
+            </a:lnRef>
+            <a:fillRef idx="1">
+              <a:schemeClr val="accent1"/>
+            </a:fillRef>
+            <a:effectRef idx="0">
+              <a:schemeClr val="accent1"/>
+            </a:effectRef>
+            <a:fontRef idx="minor">
+              <a:schemeClr val="lt1"/>
+            </a:fontRef>
+          </p:style>
+          <p:txBody>
+            <a:bodyPr rtlCol="0" anchor="ctr"/>
+            <a:lstStyle/>
+            <a:p>
+              <a:pPr algn="ctr"/>
+              <a:endParaRPr lang="ko-KR" altLang="en-US">
+                <a:solidFill>
+                  <a:schemeClr val="tx1"/>
+                </a:solidFill>
+              </a:endParaRPr>
+            </a:p>
+          </p:txBody>
+        </p:sp>
+        <p:grpSp>
+          <p:nvGrpSpPr>
+            <p:cNvPr id="25" name="그룹 24">
+              <a:extLst>
+                <a:ext uri="{FF2B5EF4-FFF2-40B4-BE49-F238E27FC236}">
+                  <a16:creationId xmlns:a16="http://schemas.microsoft.com/office/drawing/2014/main" id="{B6E791E5-FEB5-D53F-08E8-265A2504BA08}"/>
+                </a:ext>
+              </a:extLst>
+            </p:cNvPr>
+            <p:cNvGrpSpPr/>
+            <p:nvPr/>
+          </p:nvGrpSpPr>
+          <p:grpSpPr>
+            <a:xfrm>
+              <a:off x="4372097" y="2892674"/>
+              <a:ext cx="3507411" cy="762000"/>
+              <a:chOff x="4372097" y="2892674"/>
+              <a:chExt cx="3507411" cy="762000"/>
+            </a:xfrm>
+          </p:grpSpPr>
+          <p:sp>
+            <p:nvSpPr>
+              <p:cNvPr id="20" name="사각형: 둥근 모서리 19">
+                <a:extLst>
+                  <a:ext uri="{FF2B5EF4-FFF2-40B4-BE49-F238E27FC236}">
+                    <a16:creationId xmlns:a16="http://schemas.microsoft.com/office/drawing/2014/main" id="{3B9264E7-07A1-7E21-66FE-86772551D893}"/>
+                  </a:ext>
+                </a:extLst>
+              </p:cNvPr>
+              <p:cNvSpPr/>
+              <p:nvPr/>
+            </p:nvSpPr>
+            <p:spPr>
+              <a:xfrm>
+                <a:off x="4372097" y="2892674"/>
+                <a:ext cx="1247916" cy="762000"/>
+              </a:xfrm>
+              <a:prstGeom prst="roundRect">
+                <a:avLst/>
+              </a:prstGeom>
+              <a:solidFill>
+                <a:schemeClr val="bg1">
+                  <a:lumMod val="85000"/>
+                </a:schemeClr>
+              </a:solidFill>
+            </p:spPr>
+            <p:style>
+              <a:lnRef idx="2">
+                <a:schemeClr val="accent1">
+                  <a:shade val="15000"/>
+                </a:schemeClr>
+              </a:lnRef>
+              <a:fillRef idx="1">
+                <a:schemeClr val="accent1"/>
+              </a:fillRef>
+              <a:effectRef idx="0">
+                <a:schemeClr val="accent1"/>
+              </a:effectRef>
+              <a:fontRef idx="minor">
+                <a:schemeClr val="lt1"/>
+              </a:fontRef>
+            </p:style>
+            <p:txBody>
+              <a:bodyPr rtlCol="0" anchor="ctr"/>
+              <a:lstStyle/>
+              <a:p>
+                <a:pPr algn="ctr"/>
+                <a:r>
+                  <a:rPr lang="ko-KR" altLang="en-US" sz="1600" dirty="0">
+                    <a:solidFill>
+                      <a:schemeClr val="tx1"/>
+                    </a:solidFill>
+                  </a:rPr>
+                  <a:t>미니 게임</a:t>
+                </a:r>
+                <a:endParaRPr lang="en-US" altLang="ko-KR" sz="1600" dirty="0">
+                  <a:solidFill>
+                    <a:schemeClr val="tx1"/>
+                  </a:solidFill>
+                </a:endParaRPr>
+              </a:p>
+              <a:p>
+                <a:pPr algn="ctr"/>
+                <a:r>
+                  <a:rPr lang="ko-KR" altLang="en-US" sz="1600" dirty="0">
+                    <a:solidFill>
+                      <a:schemeClr val="tx1"/>
+                    </a:solidFill>
+                  </a:rPr>
+                  <a:t>플레이</a:t>
+                </a:r>
+              </a:p>
+            </p:txBody>
+          </p:sp>
+          <p:sp>
+            <p:nvSpPr>
+              <p:cNvPr id="22" name="사각형: 둥근 모서리 21">
+                <a:extLst>
+                  <a:ext uri="{FF2B5EF4-FFF2-40B4-BE49-F238E27FC236}">
+                    <a16:creationId xmlns:a16="http://schemas.microsoft.com/office/drawing/2014/main" id="{9B20D025-1289-A959-C406-8345D499D724}"/>
+                  </a:ext>
+                </a:extLst>
+              </p:cNvPr>
+              <p:cNvSpPr/>
+              <p:nvPr/>
+            </p:nvSpPr>
+            <p:spPr>
+              <a:xfrm>
+                <a:off x="6096000" y="2892674"/>
+                <a:ext cx="1783508" cy="762000"/>
+              </a:xfrm>
+              <a:prstGeom prst="roundRect">
+                <a:avLst/>
+              </a:prstGeom>
+              <a:solidFill>
+                <a:schemeClr val="bg1">
+                  <a:lumMod val="85000"/>
+                </a:schemeClr>
+              </a:solidFill>
+            </p:spPr>
+            <p:style>
+              <a:lnRef idx="2">
+                <a:schemeClr val="accent1">
+                  <a:shade val="15000"/>
+                </a:schemeClr>
+              </a:lnRef>
+              <a:fillRef idx="1">
+                <a:schemeClr val="accent1"/>
+              </a:fillRef>
+              <a:effectRef idx="0">
+                <a:schemeClr val="accent1"/>
+              </a:effectRef>
+              <a:fontRef idx="minor">
+                <a:schemeClr val="lt1"/>
+              </a:fontRef>
+            </p:style>
+            <p:txBody>
+              <a:bodyPr rtlCol="0" anchor="ctr"/>
+              <a:lstStyle/>
+              <a:p>
+                <a:pPr algn="ctr"/>
+                <a:r>
+                  <a:rPr lang="ko-KR" altLang="en-US" sz="1600" dirty="0">
+                    <a:solidFill>
+                      <a:schemeClr val="tx1"/>
+                    </a:solidFill>
+                  </a:rPr>
+                  <a:t>방해 이벤트</a:t>
+                </a:r>
+                <a:endParaRPr lang="en-US" altLang="ko-KR" sz="1600" dirty="0">
+                  <a:solidFill>
+                    <a:schemeClr val="tx1"/>
+                  </a:solidFill>
+                </a:endParaRPr>
+              </a:p>
+              <a:p>
+                <a:pPr algn="ctr"/>
+                <a:r>
+                  <a:rPr lang="ko-KR" altLang="en-US" sz="1600" dirty="0">
+                    <a:solidFill>
+                      <a:schemeClr val="tx1"/>
+                    </a:solidFill>
+                  </a:rPr>
+                  <a:t>플레이 </a:t>
+                </a:r>
+                <a:r>
+                  <a:rPr lang="en-US" altLang="ko-KR" sz="1600" dirty="0">
+                    <a:solidFill>
+                      <a:schemeClr val="tx1"/>
+                    </a:solidFill>
+                  </a:rPr>
+                  <a:t>or </a:t>
+                </a:r>
+                <a:r>
+                  <a:rPr lang="ko-KR" altLang="en-US" sz="1600" dirty="0">
+                    <a:solidFill>
+                      <a:schemeClr val="tx1"/>
+                    </a:solidFill>
+                  </a:rPr>
+                  <a:t>무시</a:t>
+                </a:r>
+              </a:p>
+            </p:txBody>
+          </p:sp>
+        </p:grpSp>
+        <p:sp>
+          <p:nvSpPr>
+            <p:cNvPr id="23" name="화살표: U자형 22">
+              <a:extLst>
+                <a:ext uri="{FF2B5EF4-FFF2-40B4-BE49-F238E27FC236}">
+                  <a16:creationId xmlns:a16="http://schemas.microsoft.com/office/drawing/2014/main" id="{53B9D298-9298-E670-C2DF-8767CE1AB6D2}"/>
+                </a:ext>
+              </a:extLst>
+            </p:cNvPr>
+            <p:cNvSpPr/>
+            <p:nvPr/>
+          </p:nvSpPr>
+          <p:spPr>
+            <a:xfrm>
+              <a:off x="4890037" y="1726020"/>
+              <a:ext cx="2471530" cy="1073426"/>
+            </a:xfrm>
+            <a:prstGeom prst="uturnArrow">
+              <a:avLst>
+                <a:gd name="adj1" fmla="val 25000"/>
+                <a:gd name="adj2" fmla="val 25000"/>
+                <a:gd name="adj3" fmla="val 25000"/>
+                <a:gd name="adj4" fmla="val 43750"/>
+                <a:gd name="adj5" fmla="val 100000"/>
+              </a:avLst>
+            </a:prstGeom>
+            <a:solidFill>
+              <a:srgbClr val="83CBEB"/>
+            </a:solidFill>
+            <a:ln>
+              <a:solidFill>
+                <a:schemeClr val="tx1"/>
+              </a:solidFill>
+            </a:ln>
+          </p:spPr>
+          <p:style>
+            <a:lnRef idx="2">
+              <a:schemeClr val="accent1">
+                <a:shade val="15000"/>
+              </a:schemeClr>
+            </a:lnRef>
+            <a:fillRef idx="1">
+              <a:schemeClr val="accent1"/>
+            </a:fillRef>
+            <a:effectRef idx="0">
+              <a:schemeClr val="accent1"/>
+            </a:effectRef>
+            <a:fontRef idx="minor">
+              <a:schemeClr val="lt1"/>
+            </a:fontRef>
+          </p:style>
+          <p:txBody>
+            <a:bodyPr rtlCol="0" anchor="ctr"/>
+            <a:lstStyle/>
+            <a:p>
+              <a:pPr algn="ctr"/>
+              <a:endParaRPr lang="ko-KR" altLang="en-US">
+                <a:solidFill>
+                  <a:schemeClr val="tx1"/>
+                </a:solidFill>
+              </a:endParaRPr>
+            </a:p>
+          </p:txBody>
+        </p:sp>
+        <p:sp>
+          <p:nvSpPr>
+            <p:cNvPr id="24" name="화살표: U자형 23">
+              <a:extLst>
+                <a:ext uri="{FF2B5EF4-FFF2-40B4-BE49-F238E27FC236}">
+                  <a16:creationId xmlns:a16="http://schemas.microsoft.com/office/drawing/2014/main" id="{5AB8CA78-1C74-6CB5-80DD-C12E62422F16}"/>
+                </a:ext>
+              </a:extLst>
+            </p:cNvPr>
+            <p:cNvSpPr/>
+            <p:nvPr/>
+          </p:nvSpPr>
+          <p:spPr>
+            <a:xfrm rot="10800000">
+              <a:off x="4890038" y="3747902"/>
+              <a:ext cx="2471530" cy="1073426"/>
+            </a:xfrm>
+            <a:prstGeom prst="uturnArrow">
+              <a:avLst>
+                <a:gd name="adj1" fmla="val 25000"/>
+                <a:gd name="adj2" fmla="val 25000"/>
+                <a:gd name="adj3" fmla="val 25000"/>
+                <a:gd name="adj4" fmla="val 43750"/>
+                <a:gd name="adj5" fmla="val 100000"/>
+              </a:avLst>
+            </a:prstGeom>
+            <a:solidFill>
+              <a:srgbClr val="83CBEB"/>
+            </a:solidFill>
+            <a:ln>
+              <a:solidFill>
+                <a:schemeClr val="tx1"/>
+              </a:solidFill>
+            </a:ln>
+          </p:spPr>
+          <p:style>
+            <a:lnRef idx="2">
+              <a:schemeClr val="accent1">
+                <a:shade val="15000"/>
+              </a:schemeClr>
+            </a:lnRef>
+            <a:fillRef idx="1">
+              <a:schemeClr val="accent1"/>
+            </a:fillRef>
+            <a:effectRef idx="0">
+              <a:schemeClr val="accent1"/>
+            </a:effectRef>
+            <a:fontRef idx="minor">
+              <a:schemeClr val="lt1"/>
+            </a:fontRef>
+          </p:style>
+          <p:txBody>
+            <a:bodyPr rtlCol="0" anchor="ctr"/>
+            <a:lstStyle/>
+            <a:p>
+              <a:pPr algn="ctr"/>
+              <a:endParaRPr lang="ko-KR" altLang="en-US">
+                <a:solidFill>
+                  <a:schemeClr val="tx1"/>
+                </a:solidFill>
+              </a:endParaRPr>
+            </a:p>
+          </p:txBody>
+        </p:sp>
+        <p:sp>
+          <p:nvSpPr>
+            <p:cNvPr id="27" name="말풍선: 사각형 26">
+              <a:extLst>
+                <a:ext uri="{FF2B5EF4-FFF2-40B4-BE49-F238E27FC236}">
+                  <a16:creationId xmlns:a16="http://schemas.microsoft.com/office/drawing/2014/main" id="{E478914D-C0C0-728F-66CA-848D5500CC7C}"/>
+                </a:ext>
+              </a:extLst>
+            </p:cNvPr>
+            <p:cNvSpPr/>
+            <p:nvPr/>
+          </p:nvSpPr>
+          <p:spPr>
+            <a:xfrm>
+              <a:off x="1789604" y="2129683"/>
+              <a:ext cx="2516825" cy="455498"/>
+            </a:xfrm>
+            <a:prstGeom prst="wedgeRectCallout">
+              <a:avLst>
+                <a:gd name="adj1" fmla="val 27500"/>
+                <a:gd name="adj2" fmla="val 102774"/>
+              </a:avLst>
+            </a:prstGeom>
+            <a:solidFill>
+              <a:schemeClr val="bg1"/>
+            </a:solidFill>
+            <a:ln>
+              <a:solidFill>
+                <a:srgbClr val="FF0000"/>
+              </a:solidFill>
+            </a:ln>
+          </p:spPr>
+          <p:style>
+            <a:lnRef idx="2">
+              <a:schemeClr val="accent1">
+                <a:shade val="15000"/>
+              </a:schemeClr>
+            </a:lnRef>
+            <a:fillRef idx="1">
+              <a:schemeClr val="accent1"/>
+            </a:fillRef>
+            <a:effectRef idx="0">
+              <a:schemeClr val="accent1"/>
+            </a:effectRef>
+            <a:fontRef idx="minor">
+              <a:schemeClr val="lt1"/>
+            </a:fontRef>
+          </p:style>
+          <p:txBody>
+            <a:bodyPr rtlCol="0" anchor="ctr"/>
+            <a:lstStyle/>
+            <a:p>
+              <a:pPr algn="ctr"/>
+              <a:r>
+                <a:rPr lang="ko-KR" altLang="en-US" sz="1200" b="1" dirty="0">
+                  <a:solidFill>
+                    <a:schemeClr val="tx1"/>
+                  </a:solidFill>
+                </a:rPr>
+                <a:t>방해 이벤트 타이머 시작 시점</a:t>
+              </a:r>
+            </a:p>
+          </p:txBody>
+        </p:sp>
+        <p:sp>
+          <p:nvSpPr>
+            <p:cNvPr id="28" name="말풍선: 사각형 27">
+              <a:extLst>
+                <a:ext uri="{FF2B5EF4-FFF2-40B4-BE49-F238E27FC236}">
+                  <a16:creationId xmlns:a16="http://schemas.microsoft.com/office/drawing/2014/main" id="{DADE71D6-B099-FD6A-F6B9-E851740C08D8}"/>
+                </a:ext>
+              </a:extLst>
+            </p:cNvPr>
+            <p:cNvSpPr/>
+            <p:nvPr/>
+          </p:nvSpPr>
+          <p:spPr>
+            <a:xfrm>
+              <a:off x="4705082" y="5104795"/>
+              <a:ext cx="2573689" cy="568019"/>
+            </a:xfrm>
+            <a:prstGeom prst="wedgeRectCallout">
+              <a:avLst>
+                <a:gd name="adj1" fmla="val 11441"/>
+                <a:gd name="adj2" fmla="val -89534"/>
+              </a:avLst>
+            </a:prstGeom>
+            <a:solidFill>
+              <a:schemeClr val="bg1"/>
+            </a:solidFill>
+            <a:ln>
+              <a:solidFill>
+                <a:srgbClr val="FF0000"/>
+              </a:solidFill>
+            </a:ln>
+          </p:spPr>
+          <p:style>
+            <a:lnRef idx="2">
+              <a:schemeClr val="accent1">
+                <a:shade val="15000"/>
+              </a:schemeClr>
+            </a:lnRef>
+            <a:fillRef idx="1">
+              <a:schemeClr val="accent1"/>
+            </a:fillRef>
+            <a:effectRef idx="0">
+              <a:schemeClr val="accent1"/>
+            </a:effectRef>
+            <a:fontRef idx="minor">
+              <a:schemeClr val="lt1"/>
+            </a:fontRef>
+          </p:style>
+          <p:txBody>
+            <a:bodyPr rtlCol="0" anchor="ctr"/>
+            <a:lstStyle/>
+            <a:p>
+              <a:pPr algn="ctr"/>
+              <a:r>
+                <a:rPr lang="ko-KR" altLang="en-US" sz="1200" b="1" dirty="0">
+                  <a:solidFill>
+                    <a:schemeClr val="tx1"/>
+                  </a:solidFill>
+                </a:rPr>
+                <a:t>방해 이벤트 해결 </a:t>
+              </a:r>
+              <a:r>
+                <a:rPr lang="en-US" altLang="ko-KR" sz="1200" b="1" dirty="0">
+                  <a:solidFill>
+                    <a:schemeClr val="tx1"/>
+                  </a:solidFill>
+                </a:rPr>
+                <a:t>or </a:t>
+              </a:r>
+              <a:r>
+                <a:rPr lang="ko-KR" altLang="en-US" sz="1200" b="1" dirty="0">
+                  <a:solidFill>
+                    <a:schemeClr val="tx1"/>
+                  </a:solidFill>
+                </a:rPr>
+                <a:t>무시 시 이동</a:t>
+              </a:r>
+              <a:endParaRPr lang="en-US" altLang="ko-KR" sz="1200" b="1" dirty="0">
+                <a:solidFill>
+                  <a:schemeClr val="tx1"/>
+                </a:solidFill>
+              </a:endParaRPr>
+            </a:p>
+            <a:p>
+              <a:pPr algn="ctr"/>
+              <a:r>
+                <a:rPr lang="en-US" altLang="ko-KR" sz="1200" b="1" dirty="0">
+                  <a:solidFill>
+                    <a:schemeClr val="tx1"/>
+                  </a:solidFill>
+                </a:rPr>
+                <a:t>+ </a:t>
+              </a:r>
+              <a:r>
+                <a:rPr lang="ko-KR" altLang="en-US" sz="1200" b="1" dirty="0">
+                  <a:solidFill>
+                    <a:schemeClr val="tx1"/>
+                  </a:solidFill>
+                </a:rPr>
+                <a:t>방해 이벤트 타이머 다시 가동</a:t>
+              </a:r>
+            </a:p>
+          </p:txBody>
+        </p:sp>
+        <p:sp>
+          <p:nvSpPr>
+            <p:cNvPr id="29" name="말풍선: 사각형 28">
+              <a:extLst>
+                <a:ext uri="{FF2B5EF4-FFF2-40B4-BE49-F238E27FC236}">
+                  <a16:creationId xmlns:a16="http://schemas.microsoft.com/office/drawing/2014/main" id="{E37CB122-9131-CAF9-D565-0B9A834E7987}"/>
+                </a:ext>
+              </a:extLst>
+            </p:cNvPr>
+            <p:cNvSpPr/>
+            <p:nvPr/>
+          </p:nvSpPr>
+          <p:spPr>
+            <a:xfrm>
+              <a:off x="3853078" y="999606"/>
+              <a:ext cx="4220832" cy="455498"/>
+            </a:xfrm>
+            <a:prstGeom prst="wedgeRectCallout">
+              <a:avLst>
+                <a:gd name="adj1" fmla="val 18560"/>
+                <a:gd name="adj2" fmla="val 96955"/>
+              </a:avLst>
+            </a:prstGeom>
+            <a:solidFill>
+              <a:schemeClr val="bg1"/>
+            </a:solidFill>
+            <a:ln>
+              <a:solidFill>
+                <a:srgbClr val="FF0000"/>
+              </a:solidFill>
+            </a:ln>
+          </p:spPr>
+          <p:style>
+            <a:lnRef idx="2">
+              <a:schemeClr val="accent1">
+                <a:shade val="15000"/>
+              </a:schemeClr>
+            </a:lnRef>
+            <a:fillRef idx="1">
+              <a:schemeClr val="accent1"/>
+            </a:fillRef>
+            <a:effectRef idx="0">
+              <a:schemeClr val="accent1"/>
+            </a:effectRef>
+            <a:fontRef idx="minor">
+              <a:schemeClr val="lt1"/>
+            </a:fontRef>
+          </p:style>
+          <p:txBody>
+            <a:bodyPr rtlCol="0" anchor="ctr"/>
+            <a:lstStyle/>
+            <a:p>
+              <a:pPr algn="ctr"/>
+              <a:r>
+                <a:rPr lang="ko-KR" altLang="en-US" sz="1200" b="1" dirty="0">
+                  <a:solidFill>
+                    <a:schemeClr val="tx1"/>
+                  </a:solidFill>
+                </a:rPr>
+                <a:t>타이머 </a:t>
+              </a:r>
+              <a:r>
+                <a:rPr lang="en-US" altLang="ko-KR" sz="1200" b="1" dirty="0">
+                  <a:solidFill>
+                    <a:schemeClr val="tx1"/>
+                  </a:solidFill>
+                </a:rPr>
+                <a:t>1</a:t>
+              </a:r>
+              <a:r>
+                <a:rPr lang="ko-KR" altLang="en-US" sz="1200" b="1" dirty="0">
+                  <a:solidFill>
+                    <a:schemeClr val="tx1"/>
+                  </a:solidFill>
+                </a:rPr>
+                <a:t>분 지난 후 </a:t>
+              </a:r>
+              <a:r>
+                <a:rPr lang="en-US" altLang="ko-KR" sz="1200" b="1" dirty="0">
+                  <a:solidFill>
+                    <a:schemeClr val="tx1"/>
+                  </a:solidFill>
+                </a:rPr>
+                <a:t>or </a:t>
+              </a:r>
+              <a:r>
+                <a:rPr lang="ko-KR" altLang="en-US" sz="1200" b="1" dirty="0">
+                  <a:solidFill>
+                    <a:schemeClr val="tx1"/>
+                  </a:solidFill>
+                </a:rPr>
+                <a:t>지정된 시간이 지난 후 이동</a:t>
+              </a:r>
+            </a:p>
+          </p:txBody>
+        </p:sp>
+      </p:grpSp>
     </p:spTree>
     <p:extLst>
       <p:ext uri="{BB962C8B-B14F-4D97-AF65-F5344CB8AC3E}">

--- a/document/Please Leave me alone!.pptx
+++ b/document/Please Leave me alone!.pptx
@@ -5,44 +5,45 @@
     <p:sldMasterId id="2147483648" r:id="rId1"/>
   </p:sldMasterIdLst>
   <p:notesMasterIdLst>
-    <p:notesMasterId r:id="rId37"/>
+    <p:notesMasterId r:id="rId38"/>
   </p:notesMasterIdLst>
   <p:sldIdLst>
     <p:sldId id="256" r:id="rId2"/>
     <p:sldId id="257" r:id="rId3"/>
     <p:sldId id="258" r:id="rId4"/>
     <p:sldId id="261" r:id="rId5"/>
-    <p:sldId id="279" r:id="rId6"/>
-    <p:sldId id="280" r:id="rId7"/>
-    <p:sldId id="259" r:id="rId8"/>
-    <p:sldId id="262" r:id="rId9"/>
-    <p:sldId id="264" r:id="rId10"/>
-    <p:sldId id="265" r:id="rId11"/>
-    <p:sldId id="269" r:id="rId12"/>
-    <p:sldId id="281" r:id="rId13"/>
-    <p:sldId id="282" r:id="rId14"/>
-    <p:sldId id="283" r:id="rId15"/>
-    <p:sldId id="270" r:id="rId16"/>
-    <p:sldId id="272" r:id="rId17"/>
-    <p:sldId id="260" r:id="rId18"/>
-    <p:sldId id="263" r:id="rId19"/>
-    <p:sldId id="266" r:id="rId20"/>
-    <p:sldId id="285" r:id="rId21"/>
-    <p:sldId id="286" r:id="rId22"/>
-    <p:sldId id="267" r:id="rId23"/>
-    <p:sldId id="268" r:id="rId24"/>
-    <p:sldId id="289" r:id="rId25"/>
-    <p:sldId id="290" r:id="rId26"/>
-    <p:sldId id="291" r:id="rId27"/>
-    <p:sldId id="292" r:id="rId28"/>
-    <p:sldId id="276" r:id="rId29"/>
-    <p:sldId id="295" r:id="rId30"/>
-    <p:sldId id="275" r:id="rId31"/>
-    <p:sldId id="287" r:id="rId32"/>
-    <p:sldId id="288" r:id="rId33"/>
-    <p:sldId id="284" r:id="rId34"/>
-    <p:sldId id="294" r:id="rId35"/>
-    <p:sldId id="296" r:id="rId36"/>
+    <p:sldId id="297" r:id="rId6"/>
+    <p:sldId id="279" r:id="rId7"/>
+    <p:sldId id="280" r:id="rId8"/>
+    <p:sldId id="259" r:id="rId9"/>
+    <p:sldId id="262" r:id="rId10"/>
+    <p:sldId id="264" r:id="rId11"/>
+    <p:sldId id="265" r:id="rId12"/>
+    <p:sldId id="269" r:id="rId13"/>
+    <p:sldId id="281" r:id="rId14"/>
+    <p:sldId id="282" r:id="rId15"/>
+    <p:sldId id="283" r:id="rId16"/>
+    <p:sldId id="270" r:id="rId17"/>
+    <p:sldId id="272" r:id="rId18"/>
+    <p:sldId id="260" r:id="rId19"/>
+    <p:sldId id="263" r:id="rId20"/>
+    <p:sldId id="266" r:id="rId21"/>
+    <p:sldId id="285" r:id="rId22"/>
+    <p:sldId id="286" r:id="rId23"/>
+    <p:sldId id="267" r:id="rId24"/>
+    <p:sldId id="268" r:id="rId25"/>
+    <p:sldId id="289" r:id="rId26"/>
+    <p:sldId id="290" r:id="rId27"/>
+    <p:sldId id="291" r:id="rId28"/>
+    <p:sldId id="292" r:id="rId29"/>
+    <p:sldId id="276" r:id="rId30"/>
+    <p:sldId id="295" r:id="rId31"/>
+    <p:sldId id="275" r:id="rId32"/>
+    <p:sldId id="287" r:id="rId33"/>
+    <p:sldId id="288" r:id="rId34"/>
+    <p:sldId id="284" r:id="rId35"/>
+    <p:sldId id="294" r:id="rId36"/>
+    <p:sldId id="296" r:id="rId37"/>
   </p:sldIdLst>
   <p:sldSz cx="12192000" cy="6858000"/>
   <p:notesSz cx="6858000" cy="9144000"/>
@@ -231,7 +232,7 @@
           <a:p>
             <a:fld id="{A9BD1FE7-2F33-4B0D-BA08-1CEE25D4E3DB}" type="datetimeFigureOut">
               <a:rPr lang="ko-KR" altLang="en-US" smtClean="0"/>
-              <a:t>2025-02-13</a:t>
+              <a:t>2025-02-15</a:t>
             </a:fld>
             <a:endParaRPr lang="ko-KR" altLang="en-US"/>
           </a:p>
@@ -563,7 +564,7 @@
           <a:p>
             <a:fld id="{7314D800-9A51-42A1-B86E-6DA909F79E40}" type="slidenum">
               <a:rPr lang="ko-KR" altLang="en-US" smtClean="0"/>
-              <a:t>25</a:t>
+              <a:t>26</a:t>
             </a:fld>
             <a:endParaRPr lang="ko-KR" altLang="en-US"/>
           </a:p>
@@ -671,7 +672,7 @@
           <a:p>
             <a:fld id="{7314D800-9A51-42A1-B86E-6DA909F79E40}" type="slidenum">
               <a:rPr lang="ko-KR" altLang="en-US" smtClean="0"/>
-              <a:t>26</a:t>
+              <a:t>27</a:t>
             </a:fld>
             <a:endParaRPr lang="ko-KR" altLang="en-US"/>
           </a:p>
@@ -779,7 +780,7 @@
           <a:p>
             <a:fld id="{7314D800-9A51-42A1-B86E-6DA909F79E40}" type="slidenum">
               <a:rPr lang="ko-KR" altLang="en-US" smtClean="0"/>
-              <a:t>27</a:t>
+              <a:t>28</a:t>
             </a:fld>
             <a:endParaRPr lang="ko-KR" altLang="en-US"/>
           </a:p>
@@ -945,7 +946,7 @@
           <a:p>
             <a:fld id="{783F481A-738D-4EBC-92BF-08655C0568CC}" type="datetime1">
               <a:rPr lang="ko-KR" altLang="en-US" smtClean="0"/>
-              <a:t>2025-02-13</a:t>
+              <a:t>2025-02-15</a:t>
             </a:fld>
             <a:endParaRPr lang="ko-KR" altLang="en-US"/>
           </a:p>
@@ -1143,7 +1144,7 @@
           <a:p>
             <a:fld id="{6D9BB776-B79C-4546-8ABA-DA45D9C133A7}" type="datetime1">
               <a:rPr lang="ko-KR" altLang="en-US" smtClean="0"/>
-              <a:t>2025-02-13</a:t>
+              <a:t>2025-02-15</a:t>
             </a:fld>
             <a:endParaRPr lang="ko-KR" altLang="en-US"/>
           </a:p>
@@ -1351,7 +1352,7 @@
           <a:p>
             <a:fld id="{720FF001-C6D3-49EC-8DC3-B2593B1DC1C3}" type="datetime1">
               <a:rPr lang="ko-KR" altLang="en-US" smtClean="0"/>
-              <a:t>2025-02-13</a:t>
+              <a:t>2025-02-15</a:t>
             </a:fld>
             <a:endParaRPr lang="ko-KR" altLang="en-US"/>
           </a:p>
@@ -1549,7 +1550,7 @@
           <a:p>
             <a:fld id="{091E519C-B90B-4A61-8F7D-EA80CD22B7D5}" type="datetime1">
               <a:rPr lang="ko-KR" altLang="en-US" smtClean="0"/>
-              <a:t>2025-02-13</a:t>
+              <a:t>2025-02-15</a:t>
             </a:fld>
             <a:endParaRPr lang="ko-KR" altLang="en-US"/>
           </a:p>
@@ -1824,7 +1825,7 @@
           <a:p>
             <a:fld id="{FD734108-2D59-40E2-B393-1F390391A1FB}" type="datetime1">
               <a:rPr lang="ko-KR" altLang="en-US" smtClean="0"/>
-              <a:t>2025-02-13</a:t>
+              <a:t>2025-02-15</a:t>
             </a:fld>
             <a:endParaRPr lang="ko-KR" altLang="en-US"/>
           </a:p>
@@ -2089,7 +2090,7 @@
           <a:p>
             <a:fld id="{297FF520-CDFD-4316-AC89-B0A764216C4E}" type="datetime1">
               <a:rPr lang="ko-KR" altLang="en-US" smtClean="0"/>
-              <a:t>2025-02-13</a:t>
+              <a:t>2025-02-15</a:t>
             </a:fld>
             <a:endParaRPr lang="ko-KR" altLang="en-US"/>
           </a:p>
@@ -2501,7 +2502,7 @@
           <a:p>
             <a:fld id="{0CF3B42C-2182-4183-A46A-124CD019AF43}" type="datetime1">
               <a:rPr lang="ko-KR" altLang="en-US" smtClean="0"/>
-              <a:t>2025-02-13</a:t>
+              <a:t>2025-02-15</a:t>
             </a:fld>
             <a:endParaRPr lang="ko-KR" altLang="en-US"/>
           </a:p>
@@ -2642,7 +2643,7 @@
           <a:p>
             <a:fld id="{B738F611-77C6-4F89-8E2C-D3A9C27DF43F}" type="datetime1">
               <a:rPr lang="ko-KR" altLang="en-US" smtClean="0"/>
-              <a:t>2025-02-13</a:t>
+              <a:t>2025-02-15</a:t>
             </a:fld>
             <a:endParaRPr lang="ko-KR" altLang="en-US"/>
           </a:p>
@@ -2755,7 +2756,7 @@
           <a:p>
             <a:fld id="{A051748B-BCED-40F0-8EF5-AF075B4618B9}" type="datetime1">
               <a:rPr lang="ko-KR" altLang="en-US" smtClean="0"/>
-              <a:t>2025-02-13</a:t>
+              <a:t>2025-02-15</a:t>
             </a:fld>
             <a:endParaRPr lang="ko-KR" altLang="en-US"/>
           </a:p>
@@ -3066,7 +3067,7 @@
           <a:p>
             <a:fld id="{41DBB85A-8EA7-4277-A6E6-46EF2EEF4790}" type="datetime1">
               <a:rPr lang="ko-KR" altLang="en-US" smtClean="0"/>
-              <a:t>2025-02-13</a:t>
+              <a:t>2025-02-15</a:t>
             </a:fld>
             <a:endParaRPr lang="ko-KR" altLang="en-US"/>
           </a:p>
@@ -3354,7 +3355,7 @@
           <a:p>
             <a:fld id="{BBE44FDA-CB41-4E86-912D-6ECC7574FD7F}" type="datetime1">
               <a:rPr lang="ko-KR" altLang="en-US" smtClean="0"/>
-              <a:t>2025-02-13</a:t>
+              <a:t>2025-02-15</a:t>
             </a:fld>
             <a:endParaRPr lang="ko-KR" altLang="en-US"/>
           </a:p>
@@ -3595,7 +3596,7 @@
           <a:p>
             <a:fld id="{F0992805-70C9-4612-850D-0415F751BF22}" type="datetime1">
               <a:rPr lang="ko-KR" altLang="en-US" smtClean="0"/>
-              <a:t>2025-02-13</a:t>
+              <a:t>2025-02-15</a:t>
             </a:fld>
             <a:endParaRPr lang="ko-KR" altLang="en-US"/>
           </a:p>
@@ -4177,6 +4178,320 @@
 </file>
 
 <file path=ppt/slides/slide10.xml><?xml version="1.0" encoding="utf-8"?>
+<p:sld xmlns:a="http://schemas.openxmlformats.org/drawingml/2006/main" xmlns:r="http://schemas.openxmlformats.org/officeDocument/2006/relationships" xmlns:p="http://schemas.openxmlformats.org/presentationml/2006/main">
+  <p:cSld>
+    <p:spTree>
+      <p:nvGrpSpPr>
+        <p:cNvPr id="1" name="">
+          <a:extLst>
+            <a:ext uri="{FF2B5EF4-FFF2-40B4-BE49-F238E27FC236}">
+              <a16:creationId xmlns:a16="http://schemas.microsoft.com/office/drawing/2014/main" id="{7FBB3AAC-825A-EC47-27A9-EF2E389E22B5}"/>
+            </a:ext>
+          </a:extLst>
+        </p:cNvPr>
+        <p:cNvGrpSpPr/>
+        <p:nvPr/>
+      </p:nvGrpSpPr>
+      <p:grpSpPr>
+        <a:xfrm>
+          <a:off x="0" y="0"/>
+          <a:ext cx="0" cy="0"/>
+          <a:chOff x="0" y="0"/>
+          <a:chExt cx="0" cy="0"/>
+        </a:xfrm>
+      </p:grpSpPr>
+      <p:sp>
+        <p:nvSpPr>
+          <p:cNvPr id="12" name="TextBox 11">
+            <a:extLst>
+              <a:ext uri="{FF2B5EF4-FFF2-40B4-BE49-F238E27FC236}">
+                <a16:creationId xmlns:a16="http://schemas.microsoft.com/office/drawing/2014/main" id="{A42B08CC-977C-2A63-2DE6-96C4B0712EB6}"/>
+              </a:ext>
+            </a:extLst>
+          </p:cNvPr>
+          <p:cNvSpPr txBox="1"/>
+          <p:nvPr/>
+        </p:nvSpPr>
+        <p:spPr>
+          <a:xfrm>
+            <a:off x="224040" y="5079473"/>
+            <a:ext cx="11743921" cy="1285288"/>
+          </a:xfrm>
+          <a:prstGeom prst="rect">
+            <a:avLst/>
+          </a:prstGeom>
+          <a:noFill/>
+        </p:spPr>
+        <p:txBody>
+          <a:bodyPr wrap="none" rtlCol="0">
+            <a:spAutoFit/>
+          </a:bodyPr>
+          <a:lstStyle/>
+          <a:p>
+            <a:pPr marL="285750" indent="-285750">
+              <a:lnSpc>
+                <a:spcPct val="150000"/>
+              </a:lnSpc>
+              <a:buFontTx/>
+              <a:buChar char="-"/>
+            </a:pPr>
+            <a:r>
+              <a:rPr lang="ko-KR" altLang="en-US" dirty="0"/>
+              <a:t>기본적으로 미니게임의 목표를 달성하기 위해서 게임을 플레이 한다</a:t>
+            </a:r>
+            <a:r>
+              <a:rPr lang="en-US" altLang="ko-KR" dirty="0"/>
+              <a:t>. </a:t>
+            </a:r>
+          </a:p>
+          <a:p>
+            <a:pPr marL="285750" indent="-285750">
+              <a:lnSpc>
+                <a:spcPct val="150000"/>
+              </a:lnSpc>
+              <a:buFontTx/>
+              <a:buChar char="-"/>
+            </a:pPr>
+            <a:r>
+              <a:rPr lang="ko-KR" altLang="en-US" dirty="0"/>
+              <a:t>특정 시간마다 랜덤하게 발생하는 방해 이벤트를 해결하여 다시 미니 게임에 집중해 게임을 클리어해야 한다</a:t>
+            </a:r>
+            <a:r>
+              <a:rPr lang="en-US" altLang="ko-KR" dirty="0"/>
+              <a:t>.</a:t>
+            </a:r>
+          </a:p>
+          <a:p>
+            <a:pPr marL="285750" indent="-285750">
+              <a:lnSpc>
+                <a:spcPct val="150000"/>
+              </a:lnSpc>
+              <a:buFontTx/>
+              <a:buChar char="-"/>
+            </a:pPr>
+            <a:r>
+              <a:rPr lang="ko-KR" altLang="en-US" dirty="0"/>
+              <a:t>미니게임은 일시정지상태에서 풀릴 경우 </a:t>
+            </a:r>
+            <a:r>
+              <a:rPr lang="en-US" altLang="ko-KR" dirty="0"/>
+              <a:t>3</a:t>
+            </a:r>
+            <a:r>
+              <a:rPr lang="ko-KR" altLang="en-US" dirty="0"/>
+              <a:t>초의 카운트 다운이 지나고 게임이 다시 재게 된다</a:t>
+            </a:r>
+            <a:r>
+              <a:rPr lang="en-US" altLang="ko-KR" dirty="0"/>
+              <a:t>.</a:t>
+            </a:r>
+            <a:endParaRPr lang="ko-KR" altLang="en-US" dirty="0"/>
+          </a:p>
+        </p:txBody>
+      </p:sp>
+      <p:pic>
+        <p:nvPicPr>
+          <p:cNvPr id="14" name="그림 13" descr="텍스트, 스크린샷, 디스플레이, 직사각형이(가) 표시된 사진&#10;&#10;자동 생성된 설명">
+            <a:extLst>
+              <a:ext uri="{FF2B5EF4-FFF2-40B4-BE49-F238E27FC236}">
+                <a16:creationId xmlns:a16="http://schemas.microsoft.com/office/drawing/2014/main" id="{62D40E5C-9F6C-E6C5-CCB2-E2C001EAFCC9}"/>
+              </a:ext>
+            </a:extLst>
+          </p:cNvPr>
+          <p:cNvPicPr>
+            <a:picLocks noChangeAspect="1"/>
+          </p:cNvPicPr>
+          <p:nvPr/>
+        </p:nvPicPr>
+        <p:blipFill>
+          <a:blip r:embed="rId2">
+            <a:extLst>
+              <a:ext uri="{28A0092B-C50C-407E-A947-70E740481C1C}">
+                <a14:useLocalDpi xmlns:a14="http://schemas.microsoft.com/office/drawing/2010/main" val="0"/>
+              </a:ext>
+            </a:extLst>
+          </a:blip>
+          <a:stretch>
+            <a:fillRect/>
+          </a:stretch>
+        </p:blipFill>
+        <p:spPr>
+          <a:xfrm>
+            <a:off x="2954214" y="970406"/>
+            <a:ext cx="6971559" cy="3908128"/>
+          </a:xfrm>
+          <a:prstGeom prst="rect">
+            <a:avLst/>
+          </a:prstGeom>
+        </p:spPr>
+      </p:pic>
+      <p:sp>
+        <p:nvSpPr>
+          <p:cNvPr id="2" name="제목 1">
+            <a:extLst>
+              <a:ext uri="{FF2B5EF4-FFF2-40B4-BE49-F238E27FC236}">
+                <a16:creationId xmlns:a16="http://schemas.microsoft.com/office/drawing/2014/main" id="{DFDE4A83-9CCA-49E6-6BDF-8A75D93338D2}"/>
+              </a:ext>
+            </a:extLst>
+          </p:cNvPr>
+          <p:cNvSpPr>
+            <a:spLocks noGrp="1"/>
+          </p:cNvSpPr>
+          <p:nvPr>
+            <p:ph type="title"/>
+          </p:nvPr>
+        </p:nvSpPr>
+        <p:spPr>
+          <a:xfrm>
+            <a:off x="129225" y="83886"/>
+            <a:ext cx="2637170" cy="608225"/>
+          </a:xfrm>
+        </p:spPr>
+        <p:txBody>
+          <a:bodyPr>
+            <a:normAutofit/>
+          </a:bodyPr>
+          <a:lstStyle/>
+          <a:p>
+            <a:pPr algn="ctr"/>
+            <a:r>
+              <a:rPr lang="ko-KR" altLang="en-US" sz="3200" b="1" dirty="0"/>
+              <a:t>미니 게임</a:t>
+            </a:r>
+          </a:p>
+        </p:txBody>
+      </p:sp>
+      <p:cxnSp>
+        <p:nvCxnSpPr>
+          <p:cNvPr id="3" name="직선 연결선 2">
+            <a:extLst>
+              <a:ext uri="{FF2B5EF4-FFF2-40B4-BE49-F238E27FC236}">
+                <a16:creationId xmlns:a16="http://schemas.microsoft.com/office/drawing/2014/main" id="{96B9FD06-4562-1FA5-9304-11A9788A7063}"/>
+              </a:ext>
+            </a:extLst>
+          </p:cNvPr>
+          <p:cNvCxnSpPr>
+            <a:cxnSpLocks/>
+          </p:cNvCxnSpPr>
+          <p:nvPr/>
+        </p:nvCxnSpPr>
+        <p:spPr>
+          <a:xfrm>
+            <a:off x="0" y="692111"/>
+            <a:ext cx="12192000" cy="0"/>
+          </a:xfrm>
+          <a:prstGeom prst="line">
+            <a:avLst/>
+          </a:prstGeom>
+          <a:ln>
+            <a:solidFill>
+              <a:schemeClr val="bg2">
+                <a:lumMod val="75000"/>
+              </a:schemeClr>
+            </a:solidFill>
+          </a:ln>
+        </p:spPr>
+        <p:style>
+          <a:lnRef idx="2">
+            <a:schemeClr val="accent1"/>
+          </a:lnRef>
+          <a:fillRef idx="0">
+            <a:schemeClr val="accent1"/>
+          </a:fillRef>
+          <a:effectRef idx="1">
+            <a:schemeClr val="accent1"/>
+          </a:effectRef>
+          <a:fontRef idx="minor">
+            <a:schemeClr val="tx1"/>
+          </a:fontRef>
+        </p:style>
+      </p:cxnSp>
+      <p:cxnSp>
+        <p:nvCxnSpPr>
+          <p:cNvPr id="4" name="직선 연결선 3">
+            <a:extLst>
+              <a:ext uri="{FF2B5EF4-FFF2-40B4-BE49-F238E27FC236}">
+                <a16:creationId xmlns:a16="http://schemas.microsoft.com/office/drawing/2014/main" id="{2E6D7959-E6F4-D7AF-5A37-E23F02C0D45A}"/>
+              </a:ext>
+            </a:extLst>
+          </p:cNvPr>
+          <p:cNvCxnSpPr>
+            <a:cxnSpLocks/>
+          </p:cNvCxnSpPr>
+          <p:nvPr/>
+        </p:nvCxnSpPr>
+        <p:spPr>
+          <a:xfrm>
+            <a:off x="129225" y="658980"/>
+            <a:ext cx="2637170" cy="0"/>
+          </a:xfrm>
+          <a:prstGeom prst="line">
+            <a:avLst/>
+          </a:prstGeom>
+          <a:ln w="76200">
+            <a:solidFill>
+              <a:schemeClr val="tx1"/>
+            </a:solidFill>
+          </a:ln>
+        </p:spPr>
+        <p:style>
+          <a:lnRef idx="2">
+            <a:schemeClr val="accent1"/>
+          </a:lnRef>
+          <a:fillRef idx="0">
+            <a:schemeClr val="accent1"/>
+          </a:fillRef>
+          <a:effectRef idx="1">
+            <a:schemeClr val="accent1"/>
+          </a:effectRef>
+          <a:fontRef idx="minor">
+            <a:schemeClr val="tx1"/>
+          </a:fontRef>
+        </p:style>
+      </p:cxnSp>
+      <p:sp>
+        <p:nvSpPr>
+          <p:cNvPr id="5" name="슬라이드 번호 개체 틀 4">
+            <a:extLst>
+              <a:ext uri="{FF2B5EF4-FFF2-40B4-BE49-F238E27FC236}">
+                <a16:creationId xmlns:a16="http://schemas.microsoft.com/office/drawing/2014/main" id="{CBE7DABE-3E89-2B53-B5DB-770178311345}"/>
+              </a:ext>
+            </a:extLst>
+          </p:cNvPr>
+          <p:cNvSpPr>
+            <a:spLocks noGrp="1"/>
+          </p:cNvSpPr>
+          <p:nvPr>
+            <p:ph type="sldNum" sz="quarter" idx="12"/>
+          </p:nvPr>
+        </p:nvSpPr>
+        <p:spPr/>
+        <p:txBody>
+          <a:bodyPr/>
+          <a:lstStyle/>
+          <a:p>
+            <a:fld id="{8D96929D-9E84-4A42-B4C3-2E48812748E4}" type="slidenum">
+              <a:rPr lang="ko-KR" altLang="en-US" smtClean="0"/>
+              <a:t>10</a:t>
+            </a:fld>
+            <a:endParaRPr lang="ko-KR" altLang="en-US"/>
+          </a:p>
+        </p:txBody>
+      </p:sp>
+    </p:spTree>
+    <p:extLst>
+      <p:ext uri="{BB962C8B-B14F-4D97-AF65-F5344CB8AC3E}">
+        <p14:creationId xmlns:p14="http://schemas.microsoft.com/office/powerpoint/2010/main" val="226208891"/>
+      </p:ext>
+    </p:extLst>
+  </p:cSld>
+  <p:clrMapOvr>
+    <a:masterClrMapping/>
+  </p:clrMapOvr>
+</p:sld>
+</file>
+
+<file path=ppt/slides/slide11.xml><?xml version="1.0" encoding="utf-8"?>
 <p:sld xmlns:a="http://schemas.openxmlformats.org/drawingml/2006/main" xmlns:r="http://schemas.openxmlformats.org/officeDocument/2006/relationships" xmlns:p="http://schemas.openxmlformats.org/presentationml/2006/main">
   <p:cSld>
     <p:spTree>
@@ -5041,7 +5356,7 @@
           <a:p>
             <a:fld id="{8D96929D-9E84-4A42-B4C3-2E48812748E4}" type="slidenum">
               <a:rPr lang="ko-KR" altLang="en-US" smtClean="0"/>
-              <a:t>10</a:t>
+              <a:t>11</a:t>
             </a:fld>
             <a:endParaRPr lang="ko-KR" altLang="en-US"/>
           </a:p>
@@ -5060,7 +5375,7 @@
 </p:sld>
 </file>
 
-<file path=ppt/slides/slide11.xml><?xml version="1.0" encoding="utf-8"?>
+<file path=ppt/slides/slide12.xml><?xml version="1.0" encoding="utf-8"?>
 <p:sld xmlns:a="http://schemas.openxmlformats.org/drawingml/2006/main" xmlns:r="http://schemas.openxmlformats.org/officeDocument/2006/relationships" xmlns:p="http://schemas.openxmlformats.org/presentationml/2006/main">
   <p:cSld>
     <p:spTree>
@@ -6983,7 +7298,7 @@
           <a:p>
             <a:fld id="{8D96929D-9E84-4A42-B4C3-2E48812748E4}" type="slidenum">
               <a:rPr lang="ko-KR" altLang="en-US" smtClean="0"/>
-              <a:t>11</a:t>
+              <a:t>12</a:t>
             </a:fld>
             <a:endParaRPr lang="ko-KR" altLang="en-US"/>
           </a:p>
@@ -7002,7 +7317,7 @@
 </p:sld>
 </file>
 
-<file path=ppt/slides/slide12.xml><?xml version="1.0" encoding="utf-8"?>
+<file path=ppt/slides/slide13.xml><?xml version="1.0" encoding="utf-8"?>
 <p:sld xmlns:a="http://schemas.openxmlformats.org/drawingml/2006/main" xmlns:r="http://schemas.openxmlformats.org/officeDocument/2006/relationships" xmlns:p="http://schemas.openxmlformats.org/presentationml/2006/main">
   <p:cSld>
     <p:spTree>
@@ -7191,7 +7506,7 @@
           <a:p>
             <a:fld id="{8D96929D-9E84-4A42-B4C3-2E48812748E4}" type="slidenum">
               <a:rPr lang="ko-KR" altLang="en-US" smtClean="0"/>
-              <a:t>12</a:t>
+              <a:t>13</a:t>
             </a:fld>
             <a:endParaRPr lang="ko-KR" altLang="en-US"/>
           </a:p>
@@ -9037,7 +9352,7 @@
 </p:sld>
 </file>
 
-<file path=ppt/slides/slide13.xml><?xml version="1.0" encoding="utf-8"?>
+<file path=ppt/slides/slide14.xml><?xml version="1.0" encoding="utf-8"?>
 <p:sld xmlns:a="http://schemas.openxmlformats.org/drawingml/2006/main" xmlns:r="http://schemas.openxmlformats.org/officeDocument/2006/relationships" xmlns:p="http://schemas.openxmlformats.org/presentationml/2006/main">
   <p:cSld>
     <p:spTree>
@@ -9226,7 +9541,7 @@
           <a:p>
             <a:fld id="{8D96929D-9E84-4A42-B4C3-2E48812748E4}" type="slidenum">
               <a:rPr lang="ko-KR" altLang="en-US" smtClean="0"/>
-              <a:t>13</a:t>
+              <a:t>14</a:t>
             </a:fld>
             <a:endParaRPr lang="ko-KR" altLang="en-US"/>
           </a:p>
@@ -12747,7 +13062,7 @@
 </p:sld>
 </file>
 
-<file path=ppt/slides/slide14.xml><?xml version="1.0" encoding="utf-8"?>
+<file path=ppt/slides/slide15.xml><?xml version="1.0" encoding="utf-8"?>
 <p:sld xmlns:a="http://schemas.openxmlformats.org/drawingml/2006/main" xmlns:r="http://schemas.openxmlformats.org/officeDocument/2006/relationships" xmlns:p="http://schemas.openxmlformats.org/presentationml/2006/main">
   <p:cSld>
     <p:spTree>
@@ -12936,7 +13251,7 @@
           <a:p>
             <a:fld id="{8D96929D-9E84-4A42-B4C3-2E48812748E4}" type="slidenum">
               <a:rPr lang="ko-KR" altLang="en-US" smtClean="0"/>
-              <a:t>14</a:t>
+              <a:t>15</a:t>
             </a:fld>
             <a:endParaRPr lang="ko-KR" altLang="en-US"/>
           </a:p>
@@ -16194,7 +16509,7 @@
 </p:sld>
 </file>
 
-<file path=ppt/slides/slide15.xml><?xml version="1.0" encoding="utf-8"?>
+<file path=ppt/slides/slide16.xml><?xml version="1.0" encoding="utf-8"?>
 <p:sld xmlns:a="http://schemas.openxmlformats.org/drawingml/2006/main" xmlns:r="http://schemas.openxmlformats.org/officeDocument/2006/relationships" xmlns:p="http://schemas.openxmlformats.org/presentationml/2006/main">
   <p:cSld>
     <p:spTree>
@@ -17290,7 +17605,7 @@
           <a:p>
             <a:fld id="{8D96929D-9E84-4A42-B4C3-2E48812748E4}" type="slidenum">
               <a:rPr lang="ko-KR" altLang="en-US" smtClean="0"/>
-              <a:t>15</a:t>
+              <a:t>16</a:t>
             </a:fld>
             <a:endParaRPr lang="ko-KR" altLang="en-US"/>
           </a:p>
@@ -17309,7 +17624,7 @@
 </p:sld>
 </file>
 
-<file path=ppt/slides/slide16.xml><?xml version="1.0" encoding="utf-8"?>
+<file path=ppt/slides/slide17.xml><?xml version="1.0" encoding="utf-8"?>
 <p:sld xmlns:a="http://schemas.openxmlformats.org/drawingml/2006/main" xmlns:r="http://schemas.openxmlformats.org/officeDocument/2006/relationships" xmlns:p="http://schemas.openxmlformats.org/presentationml/2006/main">
   <p:cSld>
     <p:spTree>
@@ -17827,7 +18142,7 @@
           <a:p>
             <a:fld id="{8D96929D-9E84-4A42-B4C3-2E48812748E4}" type="slidenum">
               <a:rPr lang="ko-KR" altLang="en-US" smtClean="0"/>
-              <a:t>16</a:t>
+              <a:t>17</a:t>
             </a:fld>
             <a:endParaRPr lang="ko-KR" altLang="en-US"/>
           </a:p>
@@ -17846,7 +18161,7 @@
 </p:sld>
 </file>
 
-<file path=ppt/slides/slide17.xml><?xml version="1.0" encoding="utf-8"?>
+<file path=ppt/slides/slide18.xml><?xml version="1.0" encoding="utf-8"?>
 <p:sld xmlns:a="http://schemas.openxmlformats.org/drawingml/2006/main" xmlns:r="http://schemas.openxmlformats.org/officeDocument/2006/relationships" xmlns:p="http://schemas.openxmlformats.org/presentationml/2006/main">
   <p:cSld>
     <p:spTree>
@@ -18060,7 +18375,7 @@
           <a:p>
             <a:fld id="{8D96929D-9E84-4A42-B4C3-2E48812748E4}" type="slidenum">
               <a:rPr lang="ko-KR" altLang="en-US" smtClean="0"/>
-              <a:t>17</a:t>
+              <a:t>18</a:t>
             </a:fld>
             <a:endParaRPr lang="ko-KR" altLang="en-US"/>
           </a:p>
@@ -18079,7 +18394,7 @@
 </p:sld>
 </file>
 
-<file path=ppt/slides/slide18.xml><?xml version="1.0" encoding="utf-8"?>
+<file path=ppt/slides/slide19.xml><?xml version="1.0" encoding="utf-8"?>
 <p:sld xmlns:a="http://schemas.openxmlformats.org/drawingml/2006/main" xmlns:r="http://schemas.openxmlformats.org/officeDocument/2006/relationships" xmlns:p="http://schemas.openxmlformats.org/presentationml/2006/main">
   <p:cSld>
     <p:spTree>
@@ -19847,7 +20162,7 @@
           <a:p>
             <a:fld id="{8D96929D-9E84-4A42-B4C3-2E48812748E4}" type="slidenum">
               <a:rPr lang="ko-KR" altLang="en-US" smtClean="0"/>
-              <a:t>18</a:t>
+              <a:t>19</a:t>
             </a:fld>
             <a:endParaRPr lang="ko-KR" altLang="en-US"/>
           </a:p>
@@ -19905,7 +20220,1135 @@
 </p:sld>
 </file>
 
-<file path=ppt/slides/slide19.xml><?xml version="1.0" encoding="utf-8"?>
+<file path=ppt/slides/slide2.xml><?xml version="1.0" encoding="utf-8"?>
+<p:sld xmlns:a="http://schemas.openxmlformats.org/drawingml/2006/main" xmlns:r="http://schemas.openxmlformats.org/officeDocument/2006/relationships" xmlns:p="http://schemas.openxmlformats.org/presentationml/2006/main">
+  <p:cSld>
+    <p:spTree>
+      <p:nvGrpSpPr>
+        <p:cNvPr id="1" name=""/>
+        <p:cNvGrpSpPr/>
+        <p:nvPr/>
+      </p:nvGrpSpPr>
+      <p:grpSpPr>
+        <a:xfrm>
+          <a:off x="0" y="0"/>
+          <a:ext cx="0" cy="0"/>
+          <a:chOff x="0" y="0"/>
+          <a:chExt cx="0" cy="0"/>
+        </a:xfrm>
+      </p:grpSpPr>
+      <p:sp>
+        <p:nvSpPr>
+          <p:cNvPr id="10" name="TextBox 9">
+            <a:extLst>
+              <a:ext uri="{FF2B5EF4-FFF2-40B4-BE49-F238E27FC236}">
+                <a16:creationId xmlns:a16="http://schemas.microsoft.com/office/drawing/2014/main" id="{AF322326-9735-3289-360D-9974CB47446D}"/>
+              </a:ext>
+            </a:extLst>
+          </p:cNvPr>
+          <p:cNvSpPr txBox="1"/>
+          <p:nvPr/>
+        </p:nvSpPr>
+        <p:spPr>
+          <a:xfrm>
+            <a:off x="2405269" y="549965"/>
+            <a:ext cx="6937514" cy="830997"/>
+          </a:xfrm>
+          <a:prstGeom prst="rect">
+            <a:avLst/>
+          </a:prstGeom>
+          <a:noFill/>
+        </p:spPr>
+        <p:txBody>
+          <a:bodyPr wrap="square" rtlCol="0">
+            <a:spAutoFit/>
+          </a:bodyPr>
+          <a:lstStyle/>
+          <a:p>
+            <a:pPr algn="ctr"/>
+            <a:r>
+              <a:rPr lang="ko-KR" altLang="en-US" sz="4800" b="1"/>
+              <a:t>목차</a:t>
+            </a:r>
+            <a:endParaRPr lang="ko-KR" altLang="en-US" sz="4800" b="1" dirty="0"/>
+          </a:p>
+        </p:txBody>
+      </p:sp>
+      <p:sp>
+        <p:nvSpPr>
+          <p:cNvPr id="11" name="사각형: 둥근 모서리 10">
+            <a:extLst>
+              <a:ext uri="{FF2B5EF4-FFF2-40B4-BE49-F238E27FC236}">
+                <a16:creationId xmlns:a16="http://schemas.microsoft.com/office/drawing/2014/main" id="{560E4BC8-ED68-437A-1FF7-DF26806205C1}"/>
+              </a:ext>
+            </a:extLst>
+          </p:cNvPr>
+          <p:cNvSpPr/>
+          <p:nvPr/>
+        </p:nvSpPr>
+        <p:spPr>
+          <a:xfrm>
+            <a:off x="1514551" y="3296556"/>
+            <a:ext cx="2283926" cy="2110330"/>
+          </a:xfrm>
+          <a:prstGeom prst="roundRect">
+            <a:avLst>
+              <a:gd name="adj" fmla="val 8164"/>
+            </a:avLst>
+          </a:prstGeom>
+          <a:solidFill>
+            <a:schemeClr val="bg1"/>
+          </a:solidFill>
+          <a:ln w="12700"/>
+        </p:spPr>
+        <p:style>
+          <a:lnRef idx="2">
+            <a:schemeClr val="accent1">
+              <a:shade val="15000"/>
+            </a:schemeClr>
+          </a:lnRef>
+          <a:fillRef idx="1">
+            <a:schemeClr val="accent1"/>
+          </a:fillRef>
+          <a:effectRef idx="0">
+            <a:schemeClr val="accent1"/>
+          </a:effectRef>
+          <a:fontRef idx="minor">
+            <a:schemeClr val="lt1"/>
+          </a:fontRef>
+        </p:style>
+        <p:txBody>
+          <a:bodyPr tIns="180000" rtlCol="0" anchor="t"/>
+          <a:lstStyle/>
+          <a:p>
+            <a:pPr>
+              <a:lnSpc>
+                <a:spcPct val="150000"/>
+              </a:lnSpc>
+            </a:pPr>
+            <a:endParaRPr lang="en-US" altLang="ko-KR" sz="1600" dirty="0">
+              <a:solidFill>
+                <a:schemeClr val="tx1"/>
+              </a:solidFill>
+            </a:endParaRPr>
+          </a:p>
+        </p:txBody>
+      </p:sp>
+      <p:sp>
+        <p:nvSpPr>
+          <p:cNvPr id="12" name="TextBox 11">
+            <a:hlinkClick r:id="rId2" action="ppaction://hlinksldjump"/>
+            <a:extLst>
+              <a:ext uri="{FF2B5EF4-FFF2-40B4-BE49-F238E27FC236}">
+                <a16:creationId xmlns:a16="http://schemas.microsoft.com/office/drawing/2014/main" id="{8730E8F7-C5C8-69C7-EDCF-1CC519AD7B04}"/>
+              </a:ext>
+            </a:extLst>
+          </p:cNvPr>
+          <p:cNvSpPr txBox="1"/>
+          <p:nvPr/>
+        </p:nvSpPr>
+        <p:spPr>
+          <a:xfrm>
+            <a:off x="1514552" y="2755299"/>
+            <a:ext cx="2283925" cy="541259"/>
+          </a:xfrm>
+          <a:prstGeom prst="rect">
+            <a:avLst/>
+          </a:prstGeom>
+          <a:noFill/>
+        </p:spPr>
+        <p:txBody>
+          <a:bodyPr wrap="square" rtlCol="0">
+            <a:spAutoFit/>
+          </a:bodyPr>
+          <a:lstStyle/>
+          <a:p>
+            <a:pPr algn="ctr"/>
+            <a:r>
+              <a:rPr lang="en-US" altLang="ko-KR" sz="2800" b="1" dirty="0"/>
+              <a:t>1.</a:t>
+            </a:r>
+            <a:r>
+              <a:rPr lang="ko-KR" altLang="en-US" sz="2800" b="1" dirty="0"/>
+              <a:t>게임</a:t>
+            </a:r>
+            <a:r>
+              <a:rPr lang="en-US" altLang="ko-KR" sz="2800" b="1" dirty="0"/>
+              <a:t> </a:t>
+            </a:r>
+            <a:r>
+              <a:rPr lang="ko-KR" altLang="en-US" sz="2800" b="1" dirty="0"/>
+              <a:t>개요</a:t>
+            </a:r>
+          </a:p>
+        </p:txBody>
+      </p:sp>
+      <p:sp>
+        <p:nvSpPr>
+          <p:cNvPr id="15" name="사각형: 둥근 모서리 14">
+            <a:extLst>
+              <a:ext uri="{FF2B5EF4-FFF2-40B4-BE49-F238E27FC236}">
+                <a16:creationId xmlns:a16="http://schemas.microsoft.com/office/drawing/2014/main" id="{3B960660-C2E4-1114-17F2-77D65283045E}"/>
+              </a:ext>
+            </a:extLst>
+          </p:cNvPr>
+          <p:cNvSpPr/>
+          <p:nvPr/>
+        </p:nvSpPr>
+        <p:spPr>
+          <a:xfrm>
+            <a:off x="4915418" y="3296557"/>
+            <a:ext cx="2283926" cy="2110330"/>
+          </a:xfrm>
+          <a:prstGeom prst="roundRect">
+            <a:avLst>
+              <a:gd name="adj" fmla="val 8164"/>
+            </a:avLst>
+          </a:prstGeom>
+          <a:solidFill>
+            <a:schemeClr val="bg1"/>
+          </a:solidFill>
+          <a:ln w="12700"/>
+        </p:spPr>
+        <p:style>
+          <a:lnRef idx="2">
+            <a:schemeClr val="accent1">
+              <a:shade val="15000"/>
+            </a:schemeClr>
+          </a:lnRef>
+          <a:fillRef idx="1">
+            <a:schemeClr val="accent1"/>
+          </a:fillRef>
+          <a:effectRef idx="0">
+            <a:schemeClr val="accent1"/>
+          </a:effectRef>
+          <a:fontRef idx="minor">
+            <a:schemeClr val="lt1"/>
+          </a:fontRef>
+        </p:style>
+        <p:txBody>
+          <a:bodyPr tIns="180000" rtlCol="0" anchor="t"/>
+          <a:lstStyle/>
+          <a:p>
+            <a:pPr marL="285750" indent="-285750">
+              <a:lnSpc>
+                <a:spcPct val="150000"/>
+              </a:lnSpc>
+              <a:buFontTx/>
+              <a:buChar char="-"/>
+            </a:pPr>
+            <a:endParaRPr lang="en-US" altLang="ko-KR" sz="1600" dirty="0">
+              <a:solidFill>
+                <a:schemeClr val="tx1"/>
+              </a:solidFill>
+            </a:endParaRPr>
+          </a:p>
+        </p:txBody>
+      </p:sp>
+      <p:sp>
+        <p:nvSpPr>
+          <p:cNvPr id="16" name="TextBox 15">
+            <a:hlinkClick r:id="rId3" action="ppaction://hlinksldjump"/>
+            <a:extLst>
+              <a:ext uri="{FF2B5EF4-FFF2-40B4-BE49-F238E27FC236}">
+                <a16:creationId xmlns:a16="http://schemas.microsoft.com/office/drawing/2014/main" id="{34255465-7673-A89E-1D29-BD13BC2E1E60}"/>
+              </a:ext>
+            </a:extLst>
+          </p:cNvPr>
+          <p:cNvSpPr txBox="1"/>
+          <p:nvPr/>
+        </p:nvSpPr>
+        <p:spPr>
+          <a:xfrm>
+            <a:off x="4954038" y="2755299"/>
+            <a:ext cx="2283925" cy="492443"/>
+          </a:xfrm>
+          <a:prstGeom prst="rect">
+            <a:avLst/>
+          </a:prstGeom>
+          <a:noFill/>
+        </p:spPr>
+        <p:txBody>
+          <a:bodyPr wrap="square" rtlCol="0">
+            <a:spAutoFit/>
+          </a:bodyPr>
+          <a:lstStyle/>
+          <a:p>
+            <a:pPr algn="ctr"/>
+            <a:r>
+              <a:rPr lang="en-US" altLang="ko-KR" sz="2600" b="1" dirty="0"/>
+              <a:t>2.</a:t>
+            </a:r>
+            <a:r>
+              <a:rPr lang="ko-KR" altLang="en-US" sz="2600" b="1" dirty="0"/>
+              <a:t>플레이 방식</a:t>
+            </a:r>
+          </a:p>
+        </p:txBody>
+      </p:sp>
+      <p:sp>
+        <p:nvSpPr>
+          <p:cNvPr id="24" name="사각형: 둥근 모서리 23">
+            <a:extLst>
+              <a:ext uri="{FF2B5EF4-FFF2-40B4-BE49-F238E27FC236}">
+                <a16:creationId xmlns:a16="http://schemas.microsoft.com/office/drawing/2014/main" id="{F5864730-D434-D390-21A1-41D4919651F8}"/>
+              </a:ext>
+            </a:extLst>
+          </p:cNvPr>
+          <p:cNvSpPr/>
+          <p:nvPr/>
+        </p:nvSpPr>
+        <p:spPr>
+          <a:xfrm>
+            <a:off x="8393523" y="3296557"/>
+            <a:ext cx="2283926" cy="2110330"/>
+          </a:xfrm>
+          <a:prstGeom prst="roundRect">
+            <a:avLst>
+              <a:gd name="adj" fmla="val 8164"/>
+            </a:avLst>
+          </a:prstGeom>
+          <a:solidFill>
+            <a:schemeClr val="bg1"/>
+          </a:solidFill>
+          <a:ln w="12700"/>
+        </p:spPr>
+        <p:style>
+          <a:lnRef idx="2">
+            <a:schemeClr val="accent1">
+              <a:shade val="15000"/>
+            </a:schemeClr>
+          </a:lnRef>
+          <a:fillRef idx="1">
+            <a:schemeClr val="accent1"/>
+          </a:fillRef>
+          <a:effectRef idx="0">
+            <a:schemeClr val="accent1"/>
+          </a:effectRef>
+          <a:fontRef idx="minor">
+            <a:schemeClr val="lt1"/>
+          </a:fontRef>
+        </p:style>
+        <p:txBody>
+          <a:bodyPr tIns="180000" rtlCol="0" anchor="t"/>
+          <a:lstStyle/>
+          <a:p>
+            <a:pPr>
+              <a:lnSpc>
+                <a:spcPct val="150000"/>
+              </a:lnSpc>
+            </a:pPr>
+            <a:endParaRPr lang="en-US" altLang="ko-KR" sz="1600" dirty="0">
+              <a:solidFill>
+                <a:schemeClr val="tx1"/>
+              </a:solidFill>
+            </a:endParaRPr>
+          </a:p>
+        </p:txBody>
+      </p:sp>
+      <p:sp>
+        <p:nvSpPr>
+          <p:cNvPr id="25" name="TextBox 24">
+            <a:hlinkClick r:id="rId4" action="ppaction://hlinksldjump"/>
+            <a:extLst>
+              <a:ext uri="{FF2B5EF4-FFF2-40B4-BE49-F238E27FC236}">
+                <a16:creationId xmlns:a16="http://schemas.microsoft.com/office/drawing/2014/main" id="{2CB4799A-65D4-BF10-C68E-23C8B8070014}"/>
+              </a:ext>
+            </a:extLst>
+          </p:cNvPr>
+          <p:cNvSpPr txBox="1"/>
+          <p:nvPr/>
+        </p:nvSpPr>
+        <p:spPr>
+          <a:xfrm>
+            <a:off x="8393524" y="2755299"/>
+            <a:ext cx="2283925" cy="492443"/>
+          </a:xfrm>
+          <a:prstGeom prst="rect">
+            <a:avLst/>
+          </a:prstGeom>
+          <a:noFill/>
+        </p:spPr>
+        <p:txBody>
+          <a:bodyPr wrap="square" rtlCol="0">
+            <a:spAutoFit/>
+          </a:bodyPr>
+          <a:lstStyle/>
+          <a:p>
+            <a:pPr algn="ctr"/>
+            <a:r>
+              <a:rPr lang="en-US" altLang="ko-KR" sz="2600" b="1" dirty="0"/>
+              <a:t>3.</a:t>
+            </a:r>
+            <a:r>
+              <a:rPr lang="ko-KR" altLang="en-US" sz="2600" b="1" dirty="0"/>
+              <a:t>게임 컨텐츠</a:t>
+            </a:r>
+          </a:p>
+        </p:txBody>
+      </p:sp>
+      <p:sp>
+        <p:nvSpPr>
+          <p:cNvPr id="27" name="슬라이드 번호 개체 틀 26">
+            <a:extLst>
+              <a:ext uri="{FF2B5EF4-FFF2-40B4-BE49-F238E27FC236}">
+                <a16:creationId xmlns:a16="http://schemas.microsoft.com/office/drawing/2014/main" id="{B97C1223-E403-15D6-BC81-0C9499F130FD}"/>
+              </a:ext>
+            </a:extLst>
+          </p:cNvPr>
+          <p:cNvSpPr>
+            <a:spLocks noGrp="1"/>
+          </p:cNvSpPr>
+          <p:nvPr>
+            <p:ph type="sldNum" sz="quarter" idx="12"/>
+          </p:nvPr>
+        </p:nvSpPr>
+        <p:spPr/>
+        <p:txBody>
+          <a:bodyPr/>
+          <a:lstStyle/>
+          <a:p>
+            <a:fld id="{8D96929D-9E84-4A42-B4C3-2E48812748E4}" type="slidenum">
+              <a:rPr lang="ko-KR" altLang="en-US" smtClean="0"/>
+              <a:t>2</a:t>
+            </a:fld>
+            <a:endParaRPr lang="ko-KR" altLang="en-US"/>
+          </a:p>
+        </p:txBody>
+      </p:sp>
+      <p:sp>
+        <p:nvSpPr>
+          <p:cNvPr id="3" name="사각형: 둥근 모서리 2">
+            <a:hlinkClick r:id="rId5" action="ppaction://hlinksldjump"/>
+            <a:extLst>
+              <a:ext uri="{FF2B5EF4-FFF2-40B4-BE49-F238E27FC236}">
+                <a16:creationId xmlns:a16="http://schemas.microsoft.com/office/drawing/2014/main" id="{666FF188-9AD3-E7C8-8F9A-A792A0C0EF71}"/>
+              </a:ext>
+            </a:extLst>
+          </p:cNvPr>
+          <p:cNvSpPr/>
+          <p:nvPr/>
+        </p:nvSpPr>
+        <p:spPr>
+          <a:xfrm>
+            <a:off x="1659288" y="3523336"/>
+            <a:ext cx="1994452" cy="365125"/>
+          </a:xfrm>
+          <a:prstGeom prst="roundRect">
+            <a:avLst>
+              <a:gd name="adj" fmla="val 50000"/>
+            </a:avLst>
+          </a:prstGeom>
+          <a:solidFill>
+            <a:schemeClr val="bg1">
+              <a:lumMod val="85000"/>
+            </a:schemeClr>
+          </a:solidFill>
+          <a:ln>
+            <a:noFill/>
+          </a:ln>
+        </p:spPr>
+        <p:style>
+          <a:lnRef idx="2">
+            <a:schemeClr val="accent1">
+              <a:shade val="15000"/>
+            </a:schemeClr>
+          </a:lnRef>
+          <a:fillRef idx="1">
+            <a:schemeClr val="accent1"/>
+          </a:fillRef>
+          <a:effectRef idx="0">
+            <a:schemeClr val="accent1"/>
+          </a:effectRef>
+          <a:fontRef idx="minor">
+            <a:schemeClr val="lt1"/>
+          </a:fontRef>
+        </p:style>
+        <p:txBody>
+          <a:bodyPr rtlCol="0" anchor="ctr"/>
+          <a:lstStyle/>
+          <a:p>
+            <a:r>
+              <a:rPr lang="ko-KR" altLang="en-US" sz="1600" dirty="0">
+                <a:solidFill>
+                  <a:schemeClr val="tx1"/>
+                </a:solidFill>
+              </a:rPr>
+              <a:t>게임 소개</a:t>
+            </a:r>
+          </a:p>
+        </p:txBody>
+      </p:sp>
+      <p:sp>
+        <p:nvSpPr>
+          <p:cNvPr id="4" name="사각형: 둥근 모서리 3">
+            <a:hlinkClick r:id="rId6" action="ppaction://hlinksldjump"/>
+            <a:extLst>
+              <a:ext uri="{FF2B5EF4-FFF2-40B4-BE49-F238E27FC236}">
+                <a16:creationId xmlns:a16="http://schemas.microsoft.com/office/drawing/2014/main" id="{8EC03212-14CF-801C-5A1D-EB43A23C5598}"/>
+              </a:ext>
+            </a:extLst>
+          </p:cNvPr>
+          <p:cNvSpPr/>
+          <p:nvPr/>
+        </p:nvSpPr>
+        <p:spPr>
+          <a:xfrm>
+            <a:off x="1659288" y="4169159"/>
+            <a:ext cx="1994452" cy="365125"/>
+          </a:xfrm>
+          <a:prstGeom prst="roundRect">
+            <a:avLst>
+              <a:gd name="adj" fmla="val 50000"/>
+            </a:avLst>
+          </a:prstGeom>
+          <a:solidFill>
+            <a:schemeClr val="bg1">
+              <a:lumMod val="85000"/>
+            </a:schemeClr>
+          </a:solidFill>
+          <a:ln>
+            <a:noFill/>
+          </a:ln>
+        </p:spPr>
+        <p:style>
+          <a:lnRef idx="2">
+            <a:schemeClr val="accent1">
+              <a:shade val="15000"/>
+            </a:schemeClr>
+          </a:lnRef>
+          <a:fillRef idx="1">
+            <a:schemeClr val="accent1"/>
+          </a:fillRef>
+          <a:effectRef idx="0">
+            <a:schemeClr val="accent1"/>
+          </a:effectRef>
+          <a:fontRef idx="minor">
+            <a:schemeClr val="lt1"/>
+          </a:fontRef>
+        </p:style>
+        <p:txBody>
+          <a:bodyPr rtlCol="0" anchor="ctr"/>
+          <a:lstStyle/>
+          <a:p>
+            <a:r>
+              <a:rPr lang="ko-KR" altLang="en-US" sz="1600" dirty="0">
+                <a:solidFill>
+                  <a:schemeClr val="tx1"/>
+                </a:solidFill>
+              </a:rPr>
+              <a:t>장르</a:t>
+            </a:r>
+          </a:p>
+        </p:txBody>
+      </p:sp>
+      <p:sp>
+        <p:nvSpPr>
+          <p:cNvPr id="5" name="사각형: 둥근 모서리 4">
+            <a:hlinkClick r:id="rId7" action="ppaction://hlinksldjump"/>
+            <a:extLst>
+              <a:ext uri="{FF2B5EF4-FFF2-40B4-BE49-F238E27FC236}">
+                <a16:creationId xmlns:a16="http://schemas.microsoft.com/office/drawing/2014/main" id="{165DAEB6-A834-943C-0C1D-98EC40B278C8}"/>
+              </a:ext>
+            </a:extLst>
+          </p:cNvPr>
+          <p:cNvSpPr/>
+          <p:nvPr/>
+        </p:nvSpPr>
+        <p:spPr>
+          <a:xfrm>
+            <a:off x="1659288" y="4814982"/>
+            <a:ext cx="1994452" cy="365125"/>
+          </a:xfrm>
+          <a:prstGeom prst="roundRect">
+            <a:avLst>
+              <a:gd name="adj" fmla="val 50000"/>
+            </a:avLst>
+          </a:prstGeom>
+          <a:solidFill>
+            <a:schemeClr val="bg1">
+              <a:lumMod val="85000"/>
+            </a:schemeClr>
+          </a:solidFill>
+          <a:ln>
+            <a:noFill/>
+          </a:ln>
+        </p:spPr>
+        <p:style>
+          <a:lnRef idx="2">
+            <a:schemeClr val="accent1">
+              <a:shade val="15000"/>
+            </a:schemeClr>
+          </a:lnRef>
+          <a:fillRef idx="1">
+            <a:schemeClr val="accent1"/>
+          </a:fillRef>
+          <a:effectRef idx="0">
+            <a:schemeClr val="accent1"/>
+          </a:effectRef>
+          <a:fontRef idx="minor">
+            <a:schemeClr val="lt1"/>
+          </a:fontRef>
+        </p:style>
+        <p:txBody>
+          <a:bodyPr rtlCol="0" anchor="ctr"/>
+          <a:lstStyle/>
+          <a:p>
+            <a:r>
+              <a:rPr lang="ko-KR" altLang="en-US" sz="1600" dirty="0">
+                <a:solidFill>
+                  <a:schemeClr val="tx1"/>
+                </a:solidFill>
+              </a:rPr>
+              <a:t>주요 요소</a:t>
+            </a:r>
+          </a:p>
+        </p:txBody>
+      </p:sp>
+      <p:sp>
+        <p:nvSpPr>
+          <p:cNvPr id="18" name="사각형: 둥근 모서리 17">
+            <a:hlinkClick r:id="rId8" action="ppaction://hlinksldjump"/>
+            <a:extLst>
+              <a:ext uri="{FF2B5EF4-FFF2-40B4-BE49-F238E27FC236}">
+                <a16:creationId xmlns:a16="http://schemas.microsoft.com/office/drawing/2014/main" id="{AA8A5A8B-4B76-F086-92D9-3B3FB7724F05}"/>
+              </a:ext>
+            </a:extLst>
+          </p:cNvPr>
+          <p:cNvSpPr/>
+          <p:nvPr/>
+        </p:nvSpPr>
+        <p:spPr>
+          <a:xfrm>
+            <a:off x="5060155" y="3429000"/>
+            <a:ext cx="1994452" cy="365125"/>
+          </a:xfrm>
+          <a:prstGeom prst="roundRect">
+            <a:avLst>
+              <a:gd name="adj" fmla="val 50000"/>
+            </a:avLst>
+          </a:prstGeom>
+          <a:solidFill>
+            <a:schemeClr val="bg1">
+              <a:lumMod val="85000"/>
+            </a:schemeClr>
+          </a:solidFill>
+          <a:ln>
+            <a:noFill/>
+          </a:ln>
+        </p:spPr>
+        <p:style>
+          <a:lnRef idx="2">
+            <a:schemeClr val="accent1">
+              <a:shade val="15000"/>
+            </a:schemeClr>
+          </a:lnRef>
+          <a:fillRef idx="1">
+            <a:schemeClr val="accent1"/>
+          </a:fillRef>
+          <a:effectRef idx="0">
+            <a:schemeClr val="accent1"/>
+          </a:effectRef>
+          <a:fontRef idx="minor">
+            <a:schemeClr val="lt1"/>
+          </a:fontRef>
+        </p:style>
+        <p:txBody>
+          <a:bodyPr rtlCol="0" anchor="ctr"/>
+          <a:lstStyle/>
+          <a:p>
+            <a:r>
+              <a:rPr lang="ko-KR" altLang="en-US" sz="1600">
+                <a:solidFill>
+                  <a:schemeClr val="tx1"/>
+                </a:solidFill>
+              </a:rPr>
+              <a:t>플레이 흐름도</a:t>
+            </a:r>
+            <a:endParaRPr lang="ko-KR" altLang="en-US" sz="1600" dirty="0">
+              <a:solidFill>
+                <a:schemeClr val="tx1"/>
+              </a:solidFill>
+            </a:endParaRPr>
+          </a:p>
+        </p:txBody>
+      </p:sp>
+      <p:sp>
+        <p:nvSpPr>
+          <p:cNvPr id="19" name="사각형: 둥근 모서리 18">
+            <a:hlinkClick r:id="rId9" action="ppaction://hlinksldjump"/>
+            <a:extLst>
+              <a:ext uri="{FF2B5EF4-FFF2-40B4-BE49-F238E27FC236}">
+                <a16:creationId xmlns:a16="http://schemas.microsoft.com/office/drawing/2014/main" id="{BF9BA783-6DB5-8549-073A-AE1347EEC31F}"/>
+              </a:ext>
+            </a:extLst>
+          </p:cNvPr>
+          <p:cNvSpPr/>
+          <p:nvPr/>
+        </p:nvSpPr>
+        <p:spPr>
+          <a:xfrm>
+            <a:off x="5060155" y="3923442"/>
+            <a:ext cx="1994452" cy="365125"/>
+          </a:xfrm>
+          <a:prstGeom prst="roundRect">
+            <a:avLst>
+              <a:gd name="adj" fmla="val 50000"/>
+            </a:avLst>
+          </a:prstGeom>
+          <a:solidFill>
+            <a:schemeClr val="bg1">
+              <a:lumMod val="85000"/>
+            </a:schemeClr>
+          </a:solidFill>
+          <a:ln>
+            <a:noFill/>
+          </a:ln>
+        </p:spPr>
+        <p:style>
+          <a:lnRef idx="2">
+            <a:schemeClr val="accent1">
+              <a:shade val="15000"/>
+            </a:schemeClr>
+          </a:lnRef>
+          <a:fillRef idx="1">
+            <a:schemeClr val="accent1"/>
+          </a:fillRef>
+          <a:effectRef idx="0">
+            <a:schemeClr val="accent1"/>
+          </a:effectRef>
+          <a:fontRef idx="minor">
+            <a:schemeClr val="lt1"/>
+          </a:fontRef>
+        </p:style>
+        <p:txBody>
+          <a:bodyPr rtlCol="0" anchor="ctr"/>
+          <a:lstStyle/>
+          <a:p>
+            <a:r>
+              <a:rPr lang="ko-KR" altLang="en-US" sz="1600" dirty="0">
+                <a:solidFill>
+                  <a:schemeClr val="tx1"/>
+                </a:solidFill>
+              </a:rPr>
+              <a:t>미니 게임</a:t>
+            </a:r>
+          </a:p>
+        </p:txBody>
+      </p:sp>
+      <p:sp>
+        <p:nvSpPr>
+          <p:cNvPr id="20" name="사각형: 둥근 모서리 19">
+            <a:hlinkClick r:id="rId10" action="ppaction://hlinksldjump"/>
+            <a:extLst>
+              <a:ext uri="{FF2B5EF4-FFF2-40B4-BE49-F238E27FC236}">
+                <a16:creationId xmlns:a16="http://schemas.microsoft.com/office/drawing/2014/main" id="{3BA528C0-AAAC-1744-0ABD-7B0D8C515670}"/>
+              </a:ext>
+            </a:extLst>
+          </p:cNvPr>
+          <p:cNvSpPr/>
+          <p:nvPr/>
+        </p:nvSpPr>
+        <p:spPr>
+          <a:xfrm>
+            <a:off x="5060155" y="4417884"/>
+            <a:ext cx="1994452" cy="365125"/>
+          </a:xfrm>
+          <a:prstGeom prst="roundRect">
+            <a:avLst>
+              <a:gd name="adj" fmla="val 50000"/>
+            </a:avLst>
+          </a:prstGeom>
+          <a:solidFill>
+            <a:schemeClr val="bg1">
+              <a:lumMod val="85000"/>
+            </a:schemeClr>
+          </a:solidFill>
+          <a:ln>
+            <a:noFill/>
+          </a:ln>
+        </p:spPr>
+        <p:style>
+          <a:lnRef idx="2">
+            <a:schemeClr val="accent1">
+              <a:shade val="15000"/>
+            </a:schemeClr>
+          </a:lnRef>
+          <a:fillRef idx="1">
+            <a:schemeClr val="accent1"/>
+          </a:fillRef>
+          <a:effectRef idx="0">
+            <a:schemeClr val="accent1"/>
+          </a:effectRef>
+          <a:fontRef idx="minor">
+            <a:schemeClr val="lt1"/>
+          </a:fontRef>
+        </p:style>
+        <p:txBody>
+          <a:bodyPr rtlCol="0" anchor="ctr"/>
+          <a:lstStyle/>
+          <a:p>
+            <a:r>
+              <a:rPr lang="ko-KR" altLang="en-US" sz="1600" dirty="0">
+                <a:solidFill>
+                  <a:schemeClr val="tx1"/>
+                </a:solidFill>
+              </a:rPr>
+              <a:t>방해 이벤트</a:t>
+            </a:r>
+          </a:p>
+        </p:txBody>
+      </p:sp>
+      <p:sp>
+        <p:nvSpPr>
+          <p:cNvPr id="21" name="사각형: 둥근 모서리 20">
+            <a:hlinkClick r:id="rId11" action="ppaction://hlinksldjump"/>
+            <a:extLst>
+              <a:ext uri="{FF2B5EF4-FFF2-40B4-BE49-F238E27FC236}">
+                <a16:creationId xmlns:a16="http://schemas.microsoft.com/office/drawing/2014/main" id="{2CC67722-D325-D08A-77D1-AFADF257D7ED}"/>
+              </a:ext>
+            </a:extLst>
+          </p:cNvPr>
+          <p:cNvSpPr/>
+          <p:nvPr/>
+        </p:nvSpPr>
+        <p:spPr>
+          <a:xfrm>
+            <a:off x="5060155" y="4912327"/>
+            <a:ext cx="1994452" cy="365125"/>
+          </a:xfrm>
+          <a:prstGeom prst="roundRect">
+            <a:avLst>
+              <a:gd name="adj" fmla="val 50000"/>
+            </a:avLst>
+          </a:prstGeom>
+          <a:solidFill>
+            <a:schemeClr val="bg1">
+              <a:lumMod val="85000"/>
+            </a:schemeClr>
+          </a:solidFill>
+          <a:ln>
+            <a:noFill/>
+          </a:ln>
+        </p:spPr>
+        <p:style>
+          <a:lnRef idx="2">
+            <a:schemeClr val="accent1">
+              <a:shade val="15000"/>
+            </a:schemeClr>
+          </a:lnRef>
+          <a:fillRef idx="1">
+            <a:schemeClr val="accent1"/>
+          </a:fillRef>
+          <a:effectRef idx="0">
+            <a:schemeClr val="accent1"/>
+          </a:effectRef>
+          <a:fontRef idx="minor">
+            <a:schemeClr val="lt1"/>
+          </a:fontRef>
+        </p:style>
+        <p:txBody>
+          <a:bodyPr rtlCol="0" anchor="ctr"/>
+          <a:lstStyle/>
+          <a:p>
+            <a:r>
+              <a:rPr lang="ko-KR" altLang="en-US" sz="1600" dirty="0">
+                <a:solidFill>
+                  <a:schemeClr val="tx1"/>
+                </a:solidFill>
+              </a:rPr>
+              <a:t>게임 결과</a:t>
+            </a:r>
+          </a:p>
+        </p:txBody>
+      </p:sp>
+      <p:grpSp>
+        <p:nvGrpSpPr>
+          <p:cNvPr id="30" name="그룹 29">
+            <a:extLst>
+              <a:ext uri="{FF2B5EF4-FFF2-40B4-BE49-F238E27FC236}">
+                <a16:creationId xmlns:a16="http://schemas.microsoft.com/office/drawing/2014/main" id="{C7C5FAF1-8617-A300-E5FE-FB471E38FB19}"/>
+              </a:ext>
+            </a:extLst>
+          </p:cNvPr>
+          <p:cNvGrpSpPr/>
+          <p:nvPr/>
+        </p:nvGrpSpPr>
+        <p:grpSpPr>
+          <a:xfrm>
+            <a:off x="8538260" y="3471375"/>
+            <a:ext cx="1994452" cy="1760694"/>
+            <a:chOff x="8538260" y="3446255"/>
+            <a:chExt cx="1994452" cy="1760694"/>
+          </a:xfrm>
+        </p:grpSpPr>
+        <p:sp>
+          <p:nvSpPr>
+            <p:cNvPr id="22" name="사각형: 둥근 모서리 21">
+              <a:hlinkClick r:id="rId12" action="ppaction://hlinksldjump"/>
+              <a:extLst>
+                <a:ext uri="{FF2B5EF4-FFF2-40B4-BE49-F238E27FC236}">
+                  <a16:creationId xmlns:a16="http://schemas.microsoft.com/office/drawing/2014/main" id="{D06A8D2F-E1D6-F84C-0BA0-375A9D08EEC1}"/>
+                </a:ext>
+              </a:extLst>
+            </p:cNvPr>
+            <p:cNvSpPr/>
+            <p:nvPr/>
+          </p:nvSpPr>
+          <p:spPr>
+            <a:xfrm>
+              <a:off x="8538260" y="3446255"/>
+              <a:ext cx="1994452" cy="365125"/>
+            </a:xfrm>
+            <a:prstGeom prst="roundRect">
+              <a:avLst>
+                <a:gd name="adj" fmla="val 50000"/>
+              </a:avLst>
+            </a:prstGeom>
+            <a:solidFill>
+              <a:schemeClr val="bg1">
+                <a:lumMod val="85000"/>
+              </a:schemeClr>
+            </a:solidFill>
+            <a:ln>
+              <a:noFill/>
+            </a:ln>
+          </p:spPr>
+          <p:style>
+            <a:lnRef idx="2">
+              <a:schemeClr val="accent1">
+                <a:shade val="15000"/>
+              </a:schemeClr>
+            </a:lnRef>
+            <a:fillRef idx="1">
+              <a:schemeClr val="accent1"/>
+            </a:fillRef>
+            <a:effectRef idx="0">
+              <a:schemeClr val="accent1"/>
+            </a:effectRef>
+            <a:fontRef idx="minor">
+              <a:schemeClr val="lt1"/>
+            </a:fontRef>
+          </p:style>
+          <p:txBody>
+            <a:bodyPr rtlCol="0" anchor="ctr"/>
+            <a:lstStyle/>
+            <a:p>
+              <a:r>
+                <a:rPr lang="ko-KR" altLang="en-US" sz="1600">
+                  <a:solidFill>
+                    <a:schemeClr val="tx1"/>
+                  </a:solidFill>
+                </a:rPr>
+                <a:t>미니 게임</a:t>
+              </a:r>
+              <a:endParaRPr lang="ko-KR" altLang="en-US" sz="1600" dirty="0">
+                <a:solidFill>
+                  <a:schemeClr val="tx1"/>
+                </a:solidFill>
+              </a:endParaRPr>
+            </a:p>
+          </p:txBody>
+        </p:sp>
+        <p:sp>
+          <p:nvSpPr>
+            <p:cNvPr id="28" name="사각형: 둥근 모서리 27">
+              <a:hlinkClick r:id="rId13" action="ppaction://hlinksldjump"/>
+              <a:extLst>
+                <a:ext uri="{FF2B5EF4-FFF2-40B4-BE49-F238E27FC236}">
+                  <a16:creationId xmlns:a16="http://schemas.microsoft.com/office/drawing/2014/main" id="{F47302B6-3EC0-4829-0D90-6A9B861A3950}"/>
+                </a:ext>
+              </a:extLst>
+            </p:cNvPr>
+            <p:cNvSpPr/>
+            <p:nvPr/>
+          </p:nvSpPr>
+          <p:spPr>
+            <a:xfrm>
+              <a:off x="8538260" y="4144039"/>
+              <a:ext cx="1994452" cy="365125"/>
+            </a:xfrm>
+            <a:prstGeom prst="roundRect">
+              <a:avLst>
+                <a:gd name="adj" fmla="val 50000"/>
+              </a:avLst>
+            </a:prstGeom>
+            <a:solidFill>
+              <a:schemeClr val="bg1">
+                <a:lumMod val="85000"/>
+              </a:schemeClr>
+            </a:solidFill>
+            <a:ln>
+              <a:noFill/>
+            </a:ln>
+          </p:spPr>
+          <p:style>
+            <a:lnRef idx="2">
+              <a:schemeClr val="accent1">
+                <a:shade val="15000"/>
+              </a:schemeClr>
+            </a:lnRef>
+            <a:fillRef idx="1">
+              <a:schemeClr val="accent1"/>
+            </a:fillRef>
+            <a:effectRef idx="0">
+              <a:schemeClr val="accent1"/>
+            </a:effectRef>
+            <a:fontRef idx="minor">
+              <a:schemeClr val="lt1"/>
+            </a:fontRef>
+          </p:style>
+          <p:txBody>
+            <a:bodyPr rtlCol="0" anchor="ctr"/>
+            <a:lstStyle/>
+            <a:p>
+              <a:r>
+                <a:rPr lang="ko-KR" altLang="en-US" sz="1600" dirty="0">
+                  <a:solidFill>
+                    <a:schemeClr val="tx1"/>
+                  </a:solidFill>
+                </a:rPr>
+                <a:t>방해 이벤트</a:t>
+              </a:r>
+            </a:p>
+          </p:txBody>
+        </p:sp>
+        <p:sp>
+          <p:nvSpPr>
+            <p:cNvPr id="29" name="사각형: 둥근 모서리 28">
+              <a:hlinkClick r:id="rId14" action="ppaction://hlinksldjump"/>
+              <a:extLst>
+                <a:ext uri="{FF2B5EF4-FFF2-40B4-BE49-F238E27FC236}">
+                  <a16:creationId xmlns:a16="http://schemas.microsoft.com/office/drawing/2014/main" id="{418F241B-A692-C18C-663C-7F7BC3DAAF6E}"/>
+                </a:ext>
+              </a:extLst>
+            </p:cNvPr>
+            <p:cNvSpPr/>
+            <p:nvPr/>
+          </p:nvSpPr>
+          <p:spPr>
+            <a:xfrm>
+              <a:off x="8538260" y="4841824"/>
+              <a:ext cx="1994452" cy="365125"/>
+            </a:xfrm>
+            <a:prstGeom prst="roundRect">
+              <a:avLst>
+                <a:gd name="adj" fmla="val 50000"/>
+              </a:avLst>
+            </a:prstGeom>
+            <a:solidFill>
+              <a:schemeClr val="bg1">
+                <a:lumMod val="85000"/>
+              </a:schemeClr>
+            </a:solidFill>
+            <a:ln>
+              <a:noFill/>
+            </a:ln>
+          </p:spPr>
+          <p:style>
+            <a:lnRef idx="2">
+              <a:schemeClr val="accent1">
+                <a:shade val="15000"/>
+              </a:schemeClr>
+            </a:lnRef>
+            <a:fillRef idx="1">
+              <a:schemeClr val="accent1"/>
+            </a:fillRef>
+            <a:effectRef idx="0">
+              <a:schemeClr val="accent1"/>
+            </a:effectRef>
+            <a:fontRef idx="minor">
+              <a:schemeClr val="lt1"/>
+            </a:fontRef>
+          </p:style>
+          <p:txBody>
+            <a:bodyPr rtlCol="0" anchor="ctr"/>
+            <a:lstStyle/>
+            <a:p>
+              <a:r>
+                <a:rPr lang="ko-KR" altLang="en-US" sz="1600" dirty="0">
+                  <a:solidFill>
+                    <a:schemeClr val="tx1"/>
+                  </a:solidFill>
+                </a:rPr>
+                <a:t>기타 </a:t>
+              </a:r>
+              <a:r>
+                <a:rPr lang="en-US" altLang="ko-KR" sz="1600" dirty="0">
+                  <a:solidFill>
+                    <a:schemeClr val="tx1"/>
+                  </a:solidFill>
+                </a:rPr>
+                <a:t>UI</a:t>
+              </a:r>
+              <a:endParaRPr lang="ko-KR" altLang="en-US" sz="1600" dirty="0">
+                <a:solidFill>
+                  <a:schemeClr val="tx1"/>
+                </a:solidFill>
+              </a:endParaRPr>
+            </a:p>
+          </p:txBody>
+        </p:sp>
+      </p:grpSp>
+      <p:sp>
+        <p:nvSpPr>
+          <p:cNvPr id="31" name="TextBox 30">
+            <a:extLst>
+              <a:ext uri="{FF2B5EF4-FFF2-40B4-BE49-F238E27FC236}">
+                <a16:creationId xmlns:a16="http://schemas.microsoft.com/office/drawing/2014/main" id="{2D94C016-2A7A-7A7F-1BA3-E22E535D247D}"/>
+              </a:ext>
+            </a:extLst>
+          </p:cNvPr>
+          <p:cNvSpPr txBox="1"/>
+          <p:nvPr/>
+        </p:nvSpPr>
+        <p:spPr>
+          <a:xfrm>
+            <a:off x="3507792" y="1883465"/>
+            <a:ext cx="5176418" cy="369332"/>
+          </a:xfrm>
+          <a:prstGeom prst="rect">
+            <a:avLst/>
+          </a:prstGeom>
+          <a:noFill/>
+        </p:spPr>
+        <p:txBody>
+          <a:bodyPr wrap="none" rtlCol="0">
+            <a:spAutoFit/>
+          </a:bodyPr>
+          <a:lstStyle/>
+          <a:p>
+            <a:pPr algn="ctr"/>
+            <a:r>
+              <a:rPr lang="en-US" altLang="ko-KR" dirty="0"/>
+              <a:t>Ctrl + </a:t>
+            </a:r>
+            <a:r>
+              <a:rPr lang="ko-KR" altLang="en-US" dirty="0"/>
+              <a:t>클릭으로 원하는 목차로 이동 가능합니다</a:t>
+            </a:r>
+            <a:r>
+              <a:rPr lang="en-US" altLang="ko-KR" dirty="0"/>
+              <a:t>.</a:t>
+            </a:r>
+            <a:endParaRPr lang="ko-KR" altLang="en-US" dirty="0"/>
+          </a:p>
+        </p:txBody>
+      </p:sp>
+    </p:spTree>
+    <p:extLst>
+      <p:ext uri="{BB962C8B-B14F-4D97-AF65-F5344CB8AC3E}">
+        <p14:creationId xmlns:p14="http://schemas.microsoft.com/office/powerpoint/2010/main" val="836240426"/>
+      </p:ext>
+    </p:extLst>
+  </p:cSld>
+  <p:clrMapOvr>
+    <a:masterClrMapping/>
+  </p:clrMapOvr>
+</p:sld>
+</file>
+
+<file path=ppt/slides/slide20.xml><?xml version="1.0" encoding="utf-8"?>
 <p:sld xmlns:a="http://schemas.openxmlformats.org/drawingml/2006/main" xmlns:r="http://schemas.openxmlformats.org/officeDocument/2006/relationships" xmlns:p="http://schemas.openxmlformats.org/presentationml/2006/main">
   <p:cSld>
     <p:spTree>
@@ -22994,7 +24437,7 @@
           <a:p>
             <a:fld id="{8D96929D-9E84-4A42-B4C3-2E48812748E4}" type="slidenum">
               <a:rPr lang="ko-KR" altLang="en-US" smtClean="0"/>
-              <a:t>19</a:t>
+              <a:t>20</a:t>
             </a:fld>
             <a:endParaRPr lang="ko-KR" altLang="en-US"/>
           </a:p>
@@ -23013,1135 +24456,7 @@
 </p:sld>
 </file>
 
-<file path=ppt/slides/slide2.xml><?xml version="1.0" encoding="utf-8"?>
-<p:sld xmlns:a="http://schemas.openxmlformats.org/drawingml/2006/main" xmlns:r="http://schemas.openxmlformats.org/officeDocument/2006/relationships" xmlns:p="http://schemas.openxmlformats.org/presentationml/2006/main">
-  <p:cSld>
-    <p:spTree>
-      <p:nvGrpSpPr>
-        <p:cNvPr id="1" name=""/>
-        <p:cNvGrpSpPr/>
-        <p:nvPr/>
-      </p:nvGrpSpPr>
-      <p:grpSpPr>
-        <a:xfrm>
-          <a:off x="0" y="0"/>
-          <a:ext cx="0" cy="0"/>
-          <a:chOff x="0" y="0"/>
-          <a:chExt cx="0" cy="0"/>
-        </a:xfrm>
-      </p:grpSpPr>
-      <p:sp>
-        <p:nvSpPr>
-          <p:cNvPr id="10" name="TextBox 9">
-            <a:extLst>
-              <a:ext uri="{FF2B5EF4-FFF2-40B4-BE49-F238E27FC236}">
-                <a16:creationId xmlns:a16="http://schemas.microsoft.com/office/drawing/2014/main" id="{AF322326-9735-3289-360D-9974CB47446D}"/>
-              </a:ext>
-            </a:extLst>
-          </p:cNvPr>
-          <p:cNvSpPr txBox="1"/>
-          <p:nvPr/>
-        </p:nvSpPr>
-        <p:spPr>
-          <a:xfrm>
-            <a:off x="2405269" y="549965"/>
-            <a:ext cx="6937514" cy="830997"/>
-          </a:xfrm>
-          <a:prstGeom prst="rect">
-            <a:avLst/>
-          </a:prstGeom>
-          <a:noFill/>
-        </p:spPr>
-        <p:txBody>
-          <a:bodyPr wrap="square" rtlCol="0">
-            <a:spAutoFit/>
-          </a:bodyPr>
-          <a:lstStyle/>
-          <a:p>
-            <a:pPr algn="ctr"/>
-            <a:r>
-              <a:rPr lang="ko-KR" altLang="en-US" sz="4800" b="1"/>
-              <a:t>목차</a:t>
-            </a:r>
-            <a:endParaRPr lang="ko-KR" altLang="en-US" sz="4800" b="1" dirty="0"/>
-          </a:p>
-        </p:txBody>
-      </p:sp>
-      <p:sp>
-        <p:nvSpPr>
-          <p:cNvPr id="11" name="사각형: 둥근 모서리 10">
-            <a:extLst>
-              <a:ext uri="{FF2B5EF4-FFF2-40B4-BE49-F238E27FC236}">
-                <a16:creationId xmlns:a16="http://schemas.microsoft.com/office/drawing/2014/main" id="{560E4BC8-ED68-437A-1FF7-DF26806205C1}"/>
-              </a:ext>
-            </a:extLst>
-          </p:cNvPr>
-          <p:cNvSpPr/>
-          <p:nvPr/>
-        </p:nvSpPr>
-        <p:spPr>
-          <a:xfrm>
-            <a:off x="1514551" y="3296556"/>
-            <a:ext cx="2283926" cy="2110330"/>
-          </a:xfrm>
-          <a:prstGeom prst="roundRect">
-            <a:avLst>
-              <a:gd name="adj" fmla="val 8164"/>
-            </a:avLst>
-          </a:prstGeom>
-          <a:solidFill>
-            <a:schemeClr val="bg1"/>
-          </a:solidFill>
-          <a:ln w="12700"/>
-        </p:spPr>
-        <p:style>
-          <a:lnRef idx="2">
-            <a:schemeClr val="accent1">
-              <a:shade val="15000"/>
-            </a:schemeClr>
-          </a:lnRef>
-          <a:fillRef idx="1">
-            <a:schemeClr val="accent1"/>
-          </a:fillRef>
-          <a:effectRef idx="0">
-            <a:schemeClr val="accent1"/>
-          </a:effectRef>
-          <a:fontRef idx="minor">
-            <a:schemeClr val="lt1"/>
-          </a:fontRef>
-        </p:style>
-        <p:txBody>
-          <a:bodyPr tIns="180000" rtlCol="0" anchor="t"/>
-          <a:lstStyle/>
-          <a:p>
-            <a:pPr>
-              <a:lnSpc>
-                <a:spcPct val="150000"/>
-              </a:lnSpc>
-            </a:pPr>
-            <a:endParaRPr lang="en-US" altLang="ko-KR" sz="1600" dirty="0">
-              <a:solidFill>
-                <a:schemeClr val="tx1"/>
-              </a:solidFill>
-            </a:endParaRPr>
-          </a:p>
-        </p:txBody>
-      </p:sp>
-      <p:sp>
-        <p:nvSpPr>
-          <p:cNvPr id="12" name="TextBox 11">
-            <a:hlinkClick r:id="rId2" action="ppaction://hlinksldjump"/>
-            <a:extLst>
-              <a:ext uri="{FF2B5EF4-FFF2-40B4-BE49-F238E27FC236}">
-                <a16:creationId xmlns:a16="http://schemas.microsoft.com/office/drawing/2014/main" id="{8730E8F7-C5C8-69C7-EDCF-1CC519AD7B04}"/>
-              </a:ext>
-            </a:extLst>
-          </p:cNvPr>
-          <p:cNvSpPr txBox="1"/>
-          <p:nvPr/>
-        </p:nvSpPr>
-        <p:spPr>
-          <a:xfrm>
-            <a:off x="1514552" y="2755299"/>
-            <a:ext cx="2283925" cy="541259"/>
-          </a:xfrm>
-          <a:prstGeom prst="rect">
-            <a:avLst/>
-          </a:prstGeom>
-          <a:noFill/>
-        </p:spPr>
-        <p:txBody>
-          <a:bodyPr wrap="square" rtlCol="0">
-            <a:spAutoFit/>
-          </a:bodyPr>
-          <a:lstStyle/>
-          <a:p>
-            <a:pPr algn="ctr"/>
-            <a:r>
-              <a:rPr lang="en-US" altLang="ko-KR" sz="2800" b="1" dirty="0"/>
-              <a:t>1.</a:t>
-            </a:r>
-            <a:r>
-              <a:rPr lang="ko-KR" altLang="en-US" sz="2800" b="1" dirty="0"/>
-              <a:t>게임</a:t>
-            </a:r>
-            <a:r>
-              <a:rPr lang="en-US" altLang="ko-KR" sz="2800" b="1" dirty="0"/>
-              <a:t> </a:t>
-            </a:r>
-            <a:r>
-              <a:rPr lang="ko-KR" altLang="en-US" sz="2800" b="1" dirty="0"/>
-              <a:t>개요</a:t>
-            </a:r>
-          </a:p>
-        </p:txBody>
-      </p:sp>
-      <p:sp>
-        <p:nvSpPr>
-          <p:cNvPr id="15" name="사각형: 둥근 모서리 14">
-            <a:extLst>
-              <a:ext uri="{FF2B5EF4-FFF2-40B4-BE49-F238E27FC236}">
-                <a16:creationId xmlns:a16="http://schemas.microsoft.com/office/drawing/2014/main" id="{3B960660-C2E4-1114-17F2-77D65283045E}"/>
-              </a:ext>
-            </a:extLst>
-          </p:cNvPr>
-          <p:cNvSpPr/>
-          <p:nvPr/>
-        </p:nvSpPr>
-        <p:spPr>
-          <a:xfrm>
-            <a:off x="4915418" y="3296557"/>
-            <a:ext cx="2283926" cy="2110330"/>
-          </a:xfrm>
-          <a:prstGeom prst="roundRect">
-            <a:avLst>
-              <a:gd name="adj" fmla="val 8164"/>
-            </a:avLst>
-          </a:prstGeom>
-          <a:solidFill>
-            <a:schemeClr val="bg1"/>
-          </a:solidFill>
-          <a:ln w="12700"/>
-        </p:spPr>
-        <p:style>
-          <a:lnRef idx="2">
-            <a:schemeClr val="accent1">
-              <a:shade val="15000"/>
-            </a:schemeClr>
-          </a:lnRef>
-          <a:fillRef idx="1">
-            <a:schemeClr val="accent1"/>
-          </a:fillRef>
-          <a:effectRef idx="0">
-            <a:schemeClr val="accent1"/>
-          </a:effectRef>
-          <a:fontRef idx="minor">
-            <a:schemeClr val="lt1"/>
-          </a:fontRef>
-        </p:style>
-        <p:txBody>
-          <a:bodyPr tIns="180000" rtlCol="0" anchor="t"/>
-          <a:lstStyle/>
-          <a:p>
-            <a:pPr marL="285750" indent="-285750">
-              <a:lnSpc>
-                <a:spcPct val="150000"/>
-              </a:lnSpc>
-              <a:buFontTx/>
-              <a:buChar char="-"/>
-            </a:pPr>
-            <a:endParaRPr lang="en-US" altLang="ko-KR" sz="1600" dirty="0">
-              <a:solidFill>
-                <a:schemeClr val="tx1"/>
-              </a:solidFill>
-            </a:endParaRPr>
-          </a:p>
-        </p:txBody>
-      </p:sp>
-      <p:sp>
-        <p:nvSpPr>
-          <p:cNvPr id="16" name="TextBox 15">
-            <a:hlinkClick r:id="rId3" action="ppaction://hlinksldjump"/>
-            <a:extLst>
-              <a:ext uri="{FF2B5EF4-FFF2-40B4-BE49-F238E27FC236}">
-                <a16:creationId xmlns:a16="http://schemas.microsoft.com/office/drawing/2014/main" id="{34255465-7673-A89E-1D29-BD13BC2E1E60}"/>
-              </a:ext>
-            </a:extLst>
-          </p:cNvPr>
-          <p:cNvSpPr txBox="1"/>
-          <p:nvPr/>
-        </p:nvSpPr>
-        <p:spPr>
-          <a:xfrm>
-            <a:off x="4954038" y="2755299"/>
-            <a:ext cx="2283925" cy="492443"/>
-          </a:xfrm>
-          <a:prstGeom prst="rect">
-            <a:avLst/>
-          </a:prstGeom>
-          <a:noFill/>
-        </p:spPr>
-        <p:txBody>
-          <a:bodyPr wrap="square" rtlCol="0">
-            <a:spAutoFit/>
-          </a:bodyPr>
-          <a:lstStyle/>
-          <a:p>
-            <a:pPr algn="ctr"/>
-            <a:r>
-              <a:rPr lang="en-US" altLang="ko-KR" sz="2600" b="1" dirty="0"/>
-              <a:t>2.</a:t>
-            </a:r>
-            <a:r>
-              <a:rPr lang="ko-KR" altLang="en-US" sz="2600" b="1" dirty="0"/>
-              <a:t>플레이 방식</a:t>
-            </a:r>
-          </a:p>
-        </p:txBody>
-      </p:sp>
-      <p:sp>
-        <p:nvSpPr>
-          <p:cNvPr id="24" name="사각형: 둥근 모서리 23">
-            <a:extLst>
-              <a:ext uri="{FF2B5EF4-FFF2-40B4-BE49-F238E27FC236}">
-                <a16:creationId xmlns:a16="http://schemas.microsoft.com/office/drawing/2014/main" id="{F5864730-D434-D390-21A1-41D4919651F8}"/>
-              </a:ext>
-            </a:extLst>
-          </p:cNvPr>
-          <p:cNvSpPr/>
-          <p:nvPr/>
-        </p:nvSpPr>
-        <p:spPr>
-          <a:xfrm>
-            <a:off x="8393523" y="3296557"/>
-            <a:ext cx="2283926" cy="2110330"/>
-          </a:xfrm>
-          <a:prstGeom prst="roundRect">
-            <a:avLst>
-              <a:gd name="adj" fmla="val 8164"/>
-            </a:avLst>
-          </a:prstGeom>
-          <a:solidFill>
-            <a:schemeClr val="bg1"/>
-          </a:solidFill>
-          <a:ln w="12700"/>
-        </p:spPr>
-        <p:style>
-          <a:lnRef idx="2">
-            <a:schemeClr val="accent1">
-              <a:shade val="15000"/>
-            </a:schemeClr>
-          </a:lnRef>
-          <a:fillRef idx="1">
-            <a:schemeClr val="accent1"/>
-          </a:fillRef>
-          <a:effectRef idx="0">
-            <a:schemeClr val="accent1"/>
-          </a:effectRef>
-          <a:fontRef idx="minor">
-            <a:schemeClr val="lt1"/>
-          </a:fontRef>
-        </p:style>
-        <p:txBody>
-          <a:bodyPr tIns="180000" rtlCol="0" anchor="t"/>
-          <a:lstStyle/>
-          <a:p>
-            <a:pPr>
-              <a:lnSpc>
-                <a:spcPct val="150000"/>
-              </a:lnSpc>
-            </a:pPr>
-            <a:endParaRPr lang="en-US" altLang="ko-KR" sz="1600" dirty="0">
-              <a:solidFill>
-                <a:schemeClr val="tx1"/>
-              </a:solidFill>
-            </a:endParaRPr>
-          </a:p>
-        </p:txBody>
-      </p:sp>
-      <p:sp>
-        <p:nvSpPr>
-          <p:cNvPr id="25" name="TextBox 24">
-            <a:hlinkClick r:id="rId4" action="ppaction://hlinksldjump"/>
-            <a:extLst>
-              <a:ext uri="{FF2B5EF4-FFF2-40B4-BE49-F238E27FC236}">
-                <a16:creationId xmlns:a16="http://schemas.microsoft.com/office/drawing/2014/main" id="{2CB4799A-65D4-BF10-C68E-23C8B8070014}"/>
-              </a:ext>
-            </a:extLst>
-          </p:cNvPr>
-          <p:cNvSpPr txBox="1"/>
-          <p:nvPr/>
-        </p:nvSpPr>
-        <p:spPr>
-          <a:xfrm>
-            <a:off x="8393524" y="2755299"/>
-            <a:ext cx="2283925" cy="492443"/>
-          </a:xfrm>
-          <a:prstGeom prst="rect">
-            <a:avLst/>
-          </a:prstGeom>
-          <a:noFill/>
-        </p:spPr>
-        <p:txBody>
-          <a:bodyPr wrap="square" rtlCol="0">
-            <a:spAutoFit/>
-          </a:bodyPr>
-          <a:lstStyle/>
-          <a:p>
-            <a:pPr algn="ctr"/>
-            <a:r>
-              <a:rPr lang="en-US" altLang="ko-KR" sz="2600" b="1" dirty="0"/>
-              <a:t>3.</a:t>
-            </a:r>
-            <a:r>
-              <a:rPr lang="ko-KR" altLang="en-US" sz="2600" b="1" dirty="0"/>
-              <a:t>게임 컨텐츠</a:t>
-            </a:r>
-          </a:p>
-        </p:txBody>
-      </p:sp>
-      <p:sp>
-        <p:nvSpPr>
-          <p:cNvPr id="27" name="슬라이드 번호 개체 틀 26">
-            <a:extLst>
-              <a:ext uri="{FF2B5EF4-FFF2-40B4-BE49-F238E27FC236}">
-                <a16:creationId xmlns:a16="http://schemas.microsoft.com/office/drawing/2014/main" id="{B97C1223-E403-15D6-BC81-0C9499F130FD}"/>
-              </a:ext>
-            </a:extLst>
-          </p:cNvPr>
-          <p:cNvSpPr>
-            <a:spLocks noGrp="1"/>
-          </p:cNvSpPr>
-          <p:nvPr>
-            <p:ph type="sldNum" sz="quarter" idx="12"/>
-          </p:nvPr>
-        </p:nvSpPr>
-        <p:spPr/>
-        <p:txBody>
-          <a:bodyPr/>
-          <a:lstStyle/>
-          <a:p>
-            <a:fld id="{8D96929D-9E84-4A42-B4C3-2E48812748E4}" type="slidenum">
-              <a:rPr lang="ko-KR" altLang="en-US" smtClean="0"/>
-              <a:t>2</a:t>
-            </a:fld>
-            <a:endParaRPr lang="ko-KR" altLang="en-US"/>
-          </a:p>
-        </p:txBody>
-      </p:sp>
-      <p:sp>
-        <p:nvSpPr>
-          <p:cNvPr id="3" name="사각형: 둥근 모서리 2">
-            <a:hlinkClick r:id="rId5" action="ppaction://hlinksldjump"/>
-            <a:extLst>
-              <a:ext uri="{FF2B5EF4-FFF2-40B4-BE49-F238E27FC236}">
-                <a16:creationId xmlns:a16="http://schemas.microsoft.com/office/drawing/2014/main" id="{666FF188-9AD3-E7C8-8F9A-A792A0C0EF71}"/>
-              </a:ext>
-            </a:extLst>
-          </p:cNvPr>
-          <p:cNvSpPr/>
-          <p:nvPr/>
-        </p:nvSpPr>
-        <p:spPr>
-          <a:xfrm>
-            <a:off x="1659288" y="3523336"/>
-            <a:ext cx="1994452" cy="365125"/>
-          </a:xfrm>
-          <a:prstGeom prst="roundRect">
-            <a:avLst>
-              <a:gd name="adj" fmla="val 50000"/>
-            </a:avLst>
-          </a:prstGeom>
-          <a:solidFill>
-            <a:schemeClr val="bg1">
-              <a:lumMod val="85000"/>
-            </a:schemeClr>
-          </a:solidFill>
-          <a:ln>
-            <a:noFill/>
-          </a:ln>
-        </p:spPr>
-        <p:style>
-          <a:lnRef idx="2">
-            <a:schemeClr val="accent1">
-              <a:shade val="15000"/>
-            </a:schemeClr>
-          </a:lnRef>
-          <a:fillRef idx="1">
-            <a:schemeClr val="accent1"/>
-          </a:fillRef>
-          <a:effectRef idx="0">
-            <a:schemeClr val="accent1"/>
-          </a:effectRef>
-          <a:fontRef idx="minor">
-            <a:schemeClr val="lt1"/>
-          </a:fontRef>
-        </p:style>
-        <p:txBody>
-          <a:bodyPr rtlCol="0" anchor="ctr"/>
-          <a:lstStyle/>
-          <a:p>
-            <a:r>
-              <a:rPr lang="ko-KR" altLang="en-US" sz="1600" dirty="0">
-                <a:solidFill>
-                  <a:schemeClr val="tx1"/>
-                </a:solidFill>
-              </a:rPr>
-              <a:t>게임 소개</a:t>
-            </a:r>
-          </a:p>
-        </p:txBody>
-      </p:sp>
-      <p:sp>
-        <p:nvSpPr>
-          <p:cNvPr id="4" name="사각형: 둥근 모서리 3">
-            <a:hlinkClick r:id="rId6" action="ppaction://hlinksldjump"/>
-            <a:extLst>
-              <a:ext uri="{FF2B5EF4-FFF2-40B4-BE49-F238E27FC236}">
-                <a16:creationId xmlns:a16="http://schemas.microsoft.com/office/drawing/2014/main" id="{8EC03212-14CF-801C-5A1D-EB43A23C5598}"/>
-              </a:ext>
-            </a:extLst>
-          </p:cNvPr>
-          <p:cNvSpPr/>
-          <p:nvPr/>
-        </p:nvSpPr>
-        <p:spPr>
-          <a:xfrm>
-            <a:off x="1659288" y="4169159"/>
-            <a:ext cx="1994452" cy="365125"/>
-          </a:xfrm>
-          <a:prstGeom prst="roundRect">
-            <a:avLst>
-              <a:gd name="adj" fmla="val 50000"/>
-            </a:avLst>
-          </a:prstGeom>
-          <a:solidFill>
-            <a:schemeClr val="bg1">
-              <a:lumMod val="85000"/>
-            </a:schemeClr>
-          </a:solidFill>
-          <a:ln>
-            <a:noFill/>
-          </a:ln>
-        </p:spPr>
-        <p:style>
-          <a:lnRef idx="2">
-            <a:schemeClr val="accent1">
-              <a:shade val="15000"/>
-            </a:schemeClr>
-          </a:lnRef>
-          <a:fillRef idx="1">
-            <a:schemeClr val="accent1"/>
-          </a:fillRef>
-          <a:effectRef idx="0">
-            <a:schemeClr val="accent1"/>
-          </a:effectRef>
-          <a:fontRef idx="minor">
-            <a:schemeClr val="lt1"/>
-          </a:fontRef>
-        </p:style>
-        <p:txBody>
-          <a:bodyPr rtlCol="0" anchor="ctr"/>
-          <a:lstStyle/>
-          <a:p>
-            <a:r>
-              <a:rPr lang="ko-KR" altLang="en-US" sz="1600" dirty="0">
-                <a:solidFill>
-                  <a:schemeClr val="tx1"/>
-                </a:solidFill>
-              </a:rPr>
-              <a:t>장르</a:t>
-            </a:r>
-          </a:p>
-        </p:txBody>
-      </p:sp>
-      <p:sp>
-        <p:nvSpPr>
-          <p:cNvPr id="5" name="사각형: 둥근 모서리 4">
-            <a:hlinkClick r:id="rId7" action="ppaction://hlinksldjump"/>
-            <a:extLst>
-              <a:ext uri="{FF2B5EF4-FFF2-40B4-BE49-F238E27FC236}">
-                <a16:creationId xmlns:a16="http://schemas.microsoft.com/office/drawing/2014/main" id="{165DAEB6-A834-943C-0C1D-98EC40B278C8}"/>
-              </a:ext>
-            </a:extLst>
-          </p:cNvPr>
-          <p:cNvSpPr/>
-          <p:nvPr/>
-        </p:nvSpPr>
-        <p:spPr>
-          <a:xfrm>
-            <a:off x="1659288" y="4814982"/>
-            <a:ext cx="1994452" cy="365125"/>
-          </a:xfrm>
-          <a:prstGeom prst="roundRect">
-            <a:avLst>
-              <a:gd name="adj" fmla="val 50000"/>
-            </a:avLst>
-          </a:prstGeom>
-          <a:solidFill>
-            <a:schemeClr val="bg1">
-              <a:lumMod val="85000"/>
-            </a:schemeClr>
-          </a:solidFill>
-          <a:ln>
-            <a:noFill/>
-          </a:ln>
-        </p:spPr>
-        <p:style>
-          <a:lnRef idx="2">
-            <a:schemeClr val="accent1">
-              <a:shade val="15000"/>
-            </a:schemeClr>
-          </a:lnRef>
-          <a:fillRef idx="1">
-            <a:schemeClr val="accent1"/>
-          </a:fillRef>
-          <a:effectRef idx="0">
-            <a:schemeClr val="accent1"/>
-          </a:effectRef>
-          <a:fontRef idx="minor">
-            <a:schemeClr val="lt1"/>
-          </a:fontRef>
-        </p:style>
-        <p:txBody>
-          <a:bodyPr rtlCol="0" anchor="ctr"/>
-          <a:lstStyle/>
-          <a:p>
-            <a:r>
-              <a:rPr lang="ko-KR" altLang="en-US" sz="1600" dirty="0">
-                <a:solidFill>
-                  <a:schemeClr val="tx1"/>
-                </a:solidFill>
-              </a:rPr>
-              <a:t>주요 요소</a:t>
-            </a:r>
-          </a:p>
-        </p:txBody>
-      </p:sp>
-      <p:sp>
-        <p:nvSpPr>
-          <p:cNvPr id="18" name="사각형: 둥근 모서리 17">
-            <a:hlinkClick r:id="rId8" action="ppaction://hlinksldjump"/>
-            <a:extLst>
-              <a:ext uri="{FF2B5EF4-FFF2-40B4-BE49-F238E27FC236}">
-                <a16:creationId xmlns:a16="http://schemas.microsoft.com/office/drawing/2014/main" id="{AA8A5A8B-4B76-F086-92D9-3B3FB7724F05}"/>
-              </a:ext>
-            </a:extLst>
-          </p:cNvPr>
-          <p:cNvSpPr/>
-          <p:nvPr/>
-        </p:nvSpPr>
-        <p:spPr>
-          <a:xfrm>
-            <a:off x="5060155" y="3429000"/>
-            <a:ext cx="1994452" cy="365125"/>
-          </a:xfrm>
-          <a:prstGeom prst="roundRect">
-            <a:avLst>
-              <a:gd name="adj" fmla="val 50000"/>
-            </a:avLst>
-          </a:prstGeom>
-          <a:solidFill>
-            <a:schemeClr val="bg1">
-              <a:lumMod val="85000"/>
-            </a:schemeClr>
-          </a:solidFill>
-          <a:ln>
-            <a:noFill/>
-          </a:ln>
-        </p:spPr>
-        <p:style>
-          <a:lnRef idx="2">
-            <a:schemeClr val="accent1">
-              <a:shade val="15000"/>
-            </a:schemeClr>
-          </a:lnRef>
-          <a:fillRef idx="1">
-            <a:schemeClr val="accent1"/>
-          </a:fillRef>
-          <a:effectRef idx="0">
-            <a:schemeClr val="accent1"/>
-          </a:effectRef>
-          <a:fontRef idx="minor">
-            <a:schemeClr val="lt1"/>
-          </a:fontRef>
-        </p:style>
-        <p:txBody>
-          <a:bodyPr rtlCol="0" anchor="ctr"/>
-          <a:lstStyle/>
-          <a:p>
-            <a:r>
-              <a:rPr lang="ko-KR" altLang="en-US" sz="1600">
-                <a:solidFill>
-                  <a:schemeClr val="tx1"/>
-                </a:solidFill>
-              </a:rPr>
-              <a:t>플레이 흐름도</a:t>
-            </a:r>
-            <a:endParaRPr lang="ko-KR" altLang="en-US" sz="1600" dirty="0">
-              <a:solidFill>
-                <a:schemeClr val="tx1"/>
-              </a:solidFill>
-            </a:endParaRPr>
-          </a:p>
-        </p:txBody>
-      </p:sp>
-      <p:sp>
-        <p:nvSpPr>
-          <p:cNvPr id="19" name="사각형: 둥근 모서리 18">
-            <a:hlinkClick r:id="rId9" action="ppaction://hlinksldjump"/>
-            <a:extLst>
-              <a:ext uri="{FF2B5EF4-FFF2-40B4-BE49-F238E27FC236}">
-                <a16:creationId xmlns:a16="http://schemas.microsoft.com/office/drawing/2014/main" id="{BF9BA783-6DB5-8549-073A-AE1347EEC31F}"/>
-              </a:ext>
-            </a:extLst>
-          </p:cNvPr>
-          <p:cNvSpPr/>
-          <p:nvPr/>
-        </p:nvSpPr>
-        <p:spPr>
-          <a:xfrm>
-            <a:off x="5060155" y="3923442"/>
-            <a:ext cx="1994452" cy="365125"/>
-          </a:xfrm>
-          <a:prstGeom prst="roundRect">
-            <a:avLst>
-              <a:gd name="adj" fmla="val 50000"/>
-            </a:avLst>
-          </a:prstGeom>
-          <a:solidFill>
-            <a:schemeClr val="bg1">
-              <a:lumMod val="85000"/>
-            </a:schemeClr>
-          </a:solidFill>
-          <a:ln>
-            <a:noFill/>
-          </a:ln>
-        </p:spPr>
-        <p:style>
-          <a:lnRef idx="2">
-            <a:schemeClr val="accent1">
-              <a:shade val="15000"/>
-            </a:schemeClr>
-          </a:lnRef>
-          <a:fillRef idx="1">
-            <a:schemeClr val="accent1"/>
-          </a:fillRef>
-          <a:effectRef idx="0">
-            <a:schemeClr val="accent1"/>
-          </a:effectRef>
-          <a:fontRef idx="minor">
-            <a:schemeClr val="lt1"/>
-          </a:fontRef>
-        </p:style>
-        <p:txBody>
-          <a:bodyPr rtlCol="0" anchor="ctr"/>
-          <a:lstStyle/>
-          <a:p>
-            <a:r>
-              <a:rPr lang="ko-KR" altLang="en-US" sz="1600" dirty="0">
-                <a:solidFill>
-                  <a:schemeClr val="tx1"/>
-                </a:solidFill>
-              </a:rPr>
-              <a:t>미니 게임</a:t>
-            </a:r>
-          </a:p>
-        </p:txBody>
-      </p:sp>
-      <p:sp>
-        <p:nvSpPr>
-          <p:cNvPr id="20" name="사각형: 둥근 모서리 19">
-            <a:hlinkClick r:id="rId10" action="ppaction://hlinksldjump"/>
-            <a:extLst>
-              <a:ext uri="{FF2B5EF4-FFF2-40B4-BE49-F238E27FC236}">
-                <a16:creationId xmlns:a16="http://schemas.microsoft.com/office/drawing/2014/main" id="{3BA528C0-AAAC-1744-0ABD-7B0D8C515670}"/>
-              </a:ext>
-            </a:extLst>
-          </p:cNvPr>
-          <p:cNvSpPr/>
-          <p:nvPr/>
-        </p:nvSpPr>
-        <p:spPr>
-          <a:xfrm>
-            <a:off x="5060155" y="4417884"/>
-            <a:ext cx="1994452" cy="365125"/>
-          </a:xfrm>
-          <a:prstGeom prst="roundRect">
-            <a:avLst>
-              <a:gd name="adj" fmla="val 50000"/>
-            </a:avLst>
-          </a:prstGeom>
-          <a:solidFill>
-            <a:schemeClr val="bg1">
-              <a:lumMod val="85000"/>
-            </a:schemeClr>
-          </a:solidFill>
-          <a:ln>
-            <a:noFill/>
-          </a:ln>
-        </p:spPr>
-        <p:style>
-          <a:lnRef idx="2">
-            <a:schemeClr val="accent1">
-              <a:shade val="15000"/>
-            </a:schemeClr>
-          </a:lnRef>
-          <a:fillRef idx="1">
-            <a:schemeClr val="accent1"/>
-          </a:fillRef>
-          <a:effectRef idx="0">
-            <a:schemeClr val="accent1"/>
-          </a:effectRef>
-          <a:fontRef idx="minor">
-            <a:schemeClr val="lt1"/>
-          </a:fontRef>
-        </p:style>
-        <p:txBody>
-          <a:bodyPr rtlCol="0" anchor="ctr"/>
-          <a:lstStyle/>
-          <a:p>
-            <a:r>
-              <a:rPr lang="ko-KR" altLang="en-US" sz="1600" dirty="0">
-                <a:solidFill>
-                  <a:schemeClr val="tx1"/>
-                </a:solidFill>
-              </a:rPr>
-              <a:t>방해 이벤트</a:t>
-            </a:r>
-          </a:p>
-        </p:txBody>
-      </p:sp>
-      <p:sp>
-        <p:nvSpPr>
-          <p:cNvPr id="21" name="사각형: 둥근 모서리 20">
-            <a:hlinkClick r:id="rId11" action="ppaction://hlinksldjump"/>
-            <a:extLst>
-              <a:ext uri="{FF2B5EF4-FFF2-40B4-BE49-F238E27FC236}">
-                <a16:creationId xmlns:a16="http://schemas.microsoft.com/office/drawing/2014/main" id="{2CC67722-D325-D08A-77D1-AFADF257D7ED}"/>
-              </a:ext>
-            </a:extLst>
-          </p:cNvPr>
-          <p:cNvSpPr/>
-          <p:nvPr/>
-        </p:nvSpPr>
-        <p:spPr>
-          <a:xfrm>
-            <a:off x="5060155" y="4912327"/>
-            <a:ext cx="1994452" cy="365125"/>
-          </a:xfrm>
-          <a:prstGeom prst="roundRect">
-            <a:avLst>
-              <a:gd name="adj" fmla="val 50000"/>
-            </a:avLst>
-          </a:prstGeom>
-          <a:solidFill>
-            <a:schemeClr val="bg1">
-              <a:lumMod val="85000"/>
-            </a:schemeClr>
-          </a:solidFill>
-          <a:ln>
-            <a:noFill/>
-          </a:ln>
-        </p:spPr>
-        <p:style>
-          <a:lnRef idx="2">
-            <a:schemeClr val="accent1">
-              <a:shade val="15000"/>
-            </a:schemeClr>
-          </a:lnRef>
-          <a:fillRef idx="1">
-            <a:schemeClr val="accent1"/>
-          </a:fillRef>
-          <a:effectRef idx="0">
-            <a:schemeClr val="accent1"/>
-          </a:effectRef>
-          <a:fontRef idx="minor">
-            <a:schemeClr val="lt1"/>
-          </a:fontRef>
-        </p:style>
-        <p:txBody>
-          <a:bodyPr rtlCol="0" anchor="ctr"/>
-          <a:lstStyle/>
-          <a:p>
-            <a:r>
-              <a:rPr lang="ko-KR" altLang="en-US" sz="1600" dirty="0">
-                <a:solidFill>
-                  <a:schemeClr val="tx1"/>
-                </a:solidFill>
-              </a:rPr>
-              <a:t>게임 결과</a:t>
-            </a:r>
-          </a:p>
-        </p:txBody>
-      </p:sp>
-      <p:grpSp>
-        <p:nvGrpSpPr>
-          <p:cNvPr id="30" name="그룹 29">
-            <a:extLst>
-              <a:ext uri="{FF2B5EF4-FFF2-40B4-BE49-F238E27FC236}">
-                <a16:creationId xmlns:a16="http://schemas.microsoft.com/office/drawing/2014/main" id="{C7C5FAF1-8617-A300-E5FE-FB471E38FB19}"/>
-              </a:ext>
-            </a:extLst>
-          </p:cNvPr>
-          <p:cNvGrpSpPr/>
-          <p:nvPr/>
-        </p:nvGrpSpPr>
-        <p:grpSpPr>
-          <a:xfrm>
-            <a:off x="8538260" y="3471375"/>
-            <a:ext cx="1994452" cy="1760694"/>
-            <a:chOff x="8538260" y="3446255"/>
-            <a:chExt cx="1994452" cy="1760694"/>
-          </a:xfrm>
-        </p:grpSpPr>
-        <p:sp>
-          <p:nvSpPr>
-            <p:cNvPr id="22" name="사각형: 둥근 모서리 21">
-              <a:hlinkClick r:id="rId12" action="ppaction://hlinksldjump"/>
-              <a:extLst>
-                <a:ext uri="{FF2B5EF4-FFF2-40B4-BE49-F238E27FC236}">
-                  <a16:creationId xmlns:a16="http://schemas.microsoft.com/office/drawing/2014/main" id="{D06A8D2F-E1D6-F84C-0BA0-375A9D08EEC1}"/>
-                </a:ext>
-              </a:extLst>
-            </p:cNvPr>
-            <p:cNvSpPr/>
-            <p:nvPr/>
-          </p:nvSpPr>
-          <p:spPr>
-            <a:xfrm>
-              <a:off x="8538260" y="3446255"/>
-              <a:ext cx="1994452" cy="365125"/>
-            </a:xfrm>
-            <a:prstGeom prst="roundRect">
-              <a:avLst>
-                <a:gd name="adj" fmla="val 50000"/>
-              </a:avLst>
-            </a:prstGeom>
-            <a:solidFill>
-              <a:schemeClr val="bg1">
-                <a:lumMod val="85000"/>
-              </a:schemeClr>
-            </a:solidFill>
-            <a:ln>
-              <a:noFill/>
-            </a:ln>
-          </p:spPr>
-          <p:style>
-            <a:lnRef idx="2">
-              <a:schemeClr val="accent1">
-                <a:shade val="15000"/>
-              </a:schemeClr>
-            </a:lnRef>
-            <a:fillRef idx="1">
-              <a:schemeClr val="accent1"/>
-            </a:fillRef>
-            <a:effectRef idx="0">
-              <a:schemeClr val="accent1"/>
-            </a:effectRef>
-            <a:fontRef idx="minor">
-              <a:schemeClr val="lt1"/>
-            </a:fontRef>
-          </p:style>
-          <p:txBody>
-            <a:bodyPr rtlCol="0" anchor="ctr"/>
-            <a:lstStyle/>
-            <a:p>
-              <a:r>
-                <a:rPr lang="ko-KR" altLang="en-US" sz="1600">
-                  <a:solidFill>
-                    <a:schemeClr val="tx1"/>
-                  </a:solidFill>
-                </a:rPr>
-                <a:t>미니 게임</a:t>
-              </a:r>
-              <a:endParaRPr lang="ko-KR" altLang="en-US" sz="1600" dirty="0">
-                <a:solidFill>
-                  <a:schemeClr val="tx1"/>
-                </a:solidFill>
-              </a:endParaRPr>
-            </a:p>
-          </p:txBody>
-        </p:sp>
-        <p:sp>
-          <p:nvSpPr>
-            <p:cNvPr id="28" name="사각형: 둥근 모서리 27">
-              <a:hlinkClick r:id="rId13" action="ppaction://hlinksldjump"/>
-              <a:extLst>
-                <a:ext uri="{FF2B5EF4-FFF2-40B4-BE49-F238E27FC236}">
-                  <a16:creationId xmlns:a16="http://schemas.microsoft.com/office/drawing/2014/main" id="{F47302B6-3EC0-4829-0D90-6A9B861A3950}"/>
-                </a:ext>
-              </a:extLst>
-            </p:cNvPr>
-            <p:cNvSpPr/>
-            <p:nvPr/>
-          </p:nvSpPr>
-          <p:spPr>
-            <a:xfrm>
-              <a:off x="8538260" y="4144039"/>
-              <a:ext cx="1994452" cy="365125"/>
-            </a:xfrm>
-            <a:prstGeom prst="roundRect">
-              <a:avLst>
-                <a:gd name="adj" fmla="val 50000"/>
-              </a:avLst>
-            </a:prstGeom>
-            <a:solidFill>
-              <a:schemeClr val="bg1">
-                <a:lumMod val="85000"/>
-              </a:schemeClr>
-            </a:solidFill>
-            <a:ln>
-              <a:noFill/>
-            </a:ln>
-          </p:spPr>
-          <p:style>
-            <a:lnRef idx="2">
-              <a:schemeClr val="accent1">
-                <a:shade val="15000"/>
-              </a:schemeClr>
-            </a:lnRef>
-            <a:fillRef idx="1">
-              <a:schemeClr val="accent1"/>
-            </a:fillRef>
-            <a:effectRef idx="0">
-              <a:schemeClr val="accent1"/>
-            </a:effectRef>
-            <a:fontRef idx="minor">
-              <a:schemeClr val="lt1"/>
-            </a:fontRef>
-          </p:style>
-          <p:txBody>
-            <a:bodyPr rtlCol="0" anchor="ctr"/>
-            <a:lstStyle/>
-            <a:p>
-              <a:r>
-                <a:rPr lang="ko-KR" altLang="en-US" sz="1600" dirty="0">
-                  <a:solidFill>
-                    <a:schemeClr val="tx1"/>
-                  </a:solidFill>
-                </a:rPr>
-                <a:t>방해 이벤트</a:t>
-              </a:r>
-            </a:p>
-          </p:txBody>
-        </p:sp>
-        <p:sp>
-          <p:nvSpPr>
-            <p:cNvPr id="29" name="사각형: 둥근 모서리 28">
-              <a:hlinkClick r:id="rId14" action="ppaction://hlinksldjump"/>
-              <a:extLst>
-                <a:ext uri="{FF2B5EF4-FFF2-40B4-BE49-F238E27FC236}">
-                  <a16:creationId xmlns:a16="http://schemas.microsoft.com/office/drawing/2014/main" id="{418F241B-A692-C18C-663C-7F7BC3DAAF6E}"/>
-                </a:ext>
-              </a:extLst>
-            </p:cNvPr>
-            <p:cNvSpPr/>
-            <p:nvPr/>
-          </p:nvSpPr>
-          <p:spPr>
-            <a:xfrm>
-              <a:off x="8538260" y="4841824"/>
-              <a:ext cx="1994452" cy="365125"/>
-            </a:xfrm>
-            <a:prstGeom prst="roundRect">
-              <a:avLst>
-                <a:gd name="adj" fmla="val 50000"/>
-              </a:avLst>
-            </a:prstGeom>
-            <a:solidFill>
-              <a:schemeClr val="bg1">
-                <a:lumMod val="85000"/>
-              </a:schemeClr>
-            </a:solidFill>
-            <a:ln>
-              <a:noFill/>
-            </a:ln>
-          </p:spPr>
-          <p:style>
-            <a:lnRef idx="2">
-              <a:schemeClr val="accent1">
-                <a:shade val="15000"/>
-              </a:schemeClr>
-            </a:lnRef>
-            <a:fillRef idx="1">
-              <a:schemeClr val="accent1"/>
-            </a:fillRef>
-            <a:effectRef idx="0">
-              <a:schemeClr val="accent1"/>
-            </a:effectRef>
-            <a:fontRef idx="minor">
-              <a:schemeClr val="lt1"/>
-            </a:fontRef>
-          </p:style>
-          <p:txBody>
-            <a:bodyPr rtlCol="0" anchor="ctr"/>
-            <a:lstStyle/>
-            <a:p>
-              <a:r>
-                <a:rPr lang="ko-KR" altLang="en-US" sz="1600" dirty="0">
-                  <a:solidFill>
-                    <a:schemeClr val="tx1"/>
-                  </a:solidFill>
-                </a:rPr>
-                <a:t>기타 </a:t>
-              </a:r>
-              <a:r>
-                <a:rPr lang="en-US" altLang="ko-KR" sz="1600" dirty="0">
-                  <a:solidFill>
-                    <a:schemeClr val="tx1"/>
-                  </a:solidFill>
-                </a:rPr>
-                <a:t>UI</a:t>
-              </a:r>
-              <a:endParaRPr lang="ko-KR" altLang="en-US" sz="1600" dirty="0">
-                <a:solidFill>
-                  <a:schemeClr val="tx1"/>
-                </a:solidFill>
-              </a:endParaRPr>
-            </a:p>
-          </p:txBody>
-        </p:sp>
-      </p:grpSp>
-      <p:sp>
-        <p:nvSpPr>
-          <p:cNvPr id="31" name="TextBox 30">
-            <a:extLst>
-              <a:ext uri="{FF2B5EF4-FFF2-40B4-BE49-F238E27FC236}">
-                <a16:creationId xmlns:a16="http://schemas.microsoft.com/office/drawing/2014/main" id="{2D94C016-2A7A-7A7F-1BA3-E22E535D247D}"/>
-              </a:ext>
-            </a:extLst>
-          </p:cNvPr>
-          <p:cNvSpPr txBox="1"/>
-          <p:nvPr/>
-        </p:nvSpPr>
-        <p:spPr>
-          <a:xfrm>
-            <a:off x="3507792" y="1883465"/>
-            <a:ext cx="5176418" cy="369332"/>
-          </a:xfrm>
-          <a:prstGeom prst="rect">
-            <a:avLst/>
-          </a:prstGeom>
-          <a:noFill/>
-        </p:spPr>
-        <p:txBody>
-          <a:bodyPr wrap="none" rtlCol="0">
-            <a:spAutoFit/>
-          </a:bodyPr>
-          <a:lstStyle/>
-          <a:p>
-            <a:pPr algn="ctr"/>
-            <a:r>
-              <a:rPr lang="en-US" altLang="ko-KR" dirty="0"/>
-              <a:t>Ctrl + </a:t>
-            </a:r>
-            <a:r>
-              <a:rPr lang="ko-KR" altLang="en-US" dirty="0"/>
-              <a:t>클릭으로 원하는 목차로 이동 가능합니다</a:t>
-            </a:r>
-            <a:r>
-              <a:rPr lang="en-US" altLang="ko-KR" dirty="0"/>
-              <a:t>.</a:t>
-            </a:r>
-            <a:endParaRPr lang="ko-KR" altLang="en-US" dirty="0"/>
-          </a:p>
-        </p:txBody>
-      </p:sp>
-    </p:spTree>
-    <p:extLst>
-      <p:ext uri="{BB962C8B-B14F-4D97-AF65-F5344CB8AC3E}">
-        <p14:creationId xmlns:p14="http://schemas.microsoft.com/office/powerpoint/2010/main" val="836240426"/>
-      </p:ext>
-    </p:extLst>
-  </p:cSld>
-  <p:clrMapOvr>
-    <a:masterClrMapping/>
-  </p:clrMapOvr>
-</p:sld>
-</file>
-
-<file path=ppt/slides/slide20.xml><?xml version="1.0" encoding="utf-8"?>
+<file path=ppt/slides/slide21.xml><?xml version="1.0" encoding="utf-8"?>
 <p:sld xmlns:a="http://schemas.openxmlformats.org/drawingml/2006/main" xmlns:r="http://schemas.openxmlformats.org/officeDocument/2006/relationships" xmlns:p="http://schemas.openxmlformats.org/presentationml/2006/main">
   <p:cSld>
     <p:spTree>
@@ -25466,7 +25781,7 @@
           <a:p>
             <a:fld id="{8D96929D-9E84-4A42-B4C3-2E48812748E4}" type="slidenum">
               <a:rPr lang="ko-KR" altLang="en-US" smtClean="0"/>
-              <a:t>20</a:t>
+              <a:t>21</a:t>
             </a:fld>
             <a:endParaRPr lang="ko-KR" altLang="en-US"/>
           </a:p>
@@ -25829,7 +26144,7 @@
 </p:sld>
 </file>
 
-<file path=ppt/slides/slide21.xml><?xml version="1.0" encoding="utf-8"?>
+<file path=ppt/slides/slide22.xml><?xml version="1.0" encoding="utf-8"?>
 <p:sld xmlns:a="http://schemas.openxmlformats.org/drawingml/2006/main" xmlns:r="http://schemas.openxmlformats.org/officeDocument/2006/relationships" xmlns:p="http://schemas.openxmlformats.org/presentationml/2006/main">
   <p:cSld>
     <p:spTree>
@@ -26055,7 +26370,7 @@
           <a:p>
             <a:fld id="{8D96929D-9E84-4A42-B4C3-2E48812748E4}" type="slidenum">
               <a:rPr lang="ko-KR" altLang="en-US" smtClean="0"/>
-              <a:t>21</a:t>
+              <a:t>22</a:t>
             </a:fld>
             <a:endParaRPr lang="ko-KR" altLang="en-US"/>
           </a:p>
@@ -27061,7 +27376,7 @@
 </p:sld>
 </file>
 
-<file path=ppt/slides/slide22.xml><?xml version="1.0" encoding="utf-8"?>
+<file path=ppt/slides/slide23.xml><?xml version="1.0" encoding="utf-8"?>
 <p:sld xmlns:a="http://schemas.openxmlformats.org/drawingml/2006/main" xmlns:r="http://schemas.openxmlformats.org/officeDocument/2006/relationships" xmlns:p="http://schemas.openxmlformats.org/presentationml/2006/main">
   <p:cSld>
     <p:spTree>
@@ -27794,7 +28109,7 @@
           <a:p>
             <a:fld id="{8D96929D-9E84-4A42-B4C3-2E48812748E4}" type="slidenum">
               <a:rPr lang="ko-KR" altLang="en-US" smtClean="0"/>
-              <a:t>22</a:t>
+              <a:t>23</a:t>
             </a:fld>
             <a:endParaRPr lang="ko-KR" altLang="en-US"/>
           </a:p>
@@ -27813,7 +28128,7 @@
 </p:sld>
 </file>
 
-<file path=ppt/slides/slide23.xml><?xml version="1.0" encoding="utf-8"?>
+<file path=ppt/slides/slide24.xml><?xml version="1.0" encoding="utf-8"?>
 <p:sld xmlns:a="http://schemas.openxmlformats.org/drawingml/2006/main" xmlns:r="http://schemas.openxmlformats.org/officeDocument/2006/relationships" xmlns:p="http://schemas.openxmlformats.org/presentationml/2006/main">
   <p:cSld>
     <p:spTree>
@@ -28178,7 +28493,7 @@
           <a:p>
             <a:fld id="{8D96929D-9E84-4A42-B4C3-2E48812748E4}" type="slidenum">
               <a:rPr lang="ko-KR" altLang="en-US" smtClean="0"/>
-              <a:t>23</a:t>
+              <a:t>24</a:t>
             </a:fld>
             <a:endParaRPr lang="ko-KR" altLang="en-US"/>
           </a:p>
@@ -28197,7 +28512,7 @@
 </p:sld>
 </file>
 
-<file path=ppt/slides/slide24.xml><?xml version="1.0" encoding="utf-8"?>
+<file path=ppt/slides/slide25.xml><?xml version="1.0" encoding="utf-8"?>
 <p:sld xmlns:a="http://schemas.openxmlformats.org/drawingml/2006/main" xmlns:r="http://schemas.openxmlformats.org/officeDocument/2006/relationships" xmlns:p="http://schemas.openxmlformats.org/presentationml/2006/main">
   <p:cSld>
     <p:spTree>
@@ -28503,7 +28818,7 @@
           <a:p>
             <a:fld id="{8D96929D-9E84-4A42-B4C3-2E48812748E4}" type="slidenum">
               <a:rPr lang="ko-KR" altLang="en-US" smtClean="0"/>
-              <a:t>24</a:t>
+              <a:t>25</a:t>
             </a:fld>
             <a:endParaRPr lang="ko-KR" altLang="en-US"/>
           </a:p>
@@ -29013,7 +29328,7 @@
 </p:sld>
 </file>
 
-<file path=ppt/slides/slide25.xml><?xml version="1.0" encoding="utf-8"?>
+<file path=ppt/slides/slide26.xml><?xml version="1.0" encoding="utf-8"?>
 <p:sld xmlns:a="http://schemas.openxmlformats.org/drawingml/2006/main" xmlns:r="http://schemas.openxmlformats.org/officeDocument/2006/relationships" xmlns:p="http://schemas.openxmlformats.org/presentationml/2006/main">
   <p:cSld>
     <p:spTree>
@@ -29184,7 +29499,7 @@
           <a:p>
             <a:fld id="{8D96929D-9E84-4A42-B4C3-2E48812748E4}" type="slidenum">
               <a:rPr lang="ko-KR" altLang="en-US" smtClean="0"/>
-              <a:t>25</a:t>
+              <a:t>26</a:t>
             </a:fld>
             <a:endParaRPr lang="ko-KR" altLang="en-US"/>
           </a:p>
@@ -30055,7 +30370,7 @@
 </p:sld>
 </file>
 
-<file path=ppt/slides/slide26.xml><?xml version="1.0" encoding="utf-8"?>
+<file path=ppt/slides/slide27.xml><?xml version="1.0" encoding="utf-8"?>
 <p:sld xmlns:a="http://schemas.openxmlformats.org/drawingml/2006/main" xmlns:r="http://schemas.openxmlformats.org/officeDocument/2006/relationships" xmlns:p="http://schemas.openxmlformats.org/presentationml/2006/main">
   <p:cSld>
     <p:spTree>
@@ -30226,7 +30541,7 @@
           <a:p>
             <a:fld id="{8D96929D-9E84-4A42-B4C3-2E48812748E4}" type="slidenum">
               <a:rPr lang="ko-KR" altLang="en-US" smtClean="0"/>
-              <a:t>26</a:t>
+              <a:t>27</a:t>
             </a:fld>
             <a:endParaRPr lang="ko-KR" altLang="en-US"/>
           </a:p>
@@ -31475,7 +31790,7 @@
 </p:sld>
 </file>
 
-<file path=ppt/slides/slide27.xml><?xml version="1.0" encoding="utf-8"?>
+<file path=ppt/slides/slide28.xml><?xml version="1.0" encoding="utf-8"?>
 <p:sld xmlns:a="http://schemas.openxmlformats.org/drawingml/2006/main" xmlns:r="http://schemas.openxmlformats.org/officeDocument/2006/relationships" xmlns:p="http://schemas.openxmlformats.org/presentationml/2006/main">
   <p:cSld>
     <p:spTree>
@@ -31646,7 +31961,7 @@
           <a:p>
             <a:fld id="{8D96929D-9E84-4A42-B4C3-2E48812748E4}" type="slidenum">
               <a:rPr lang="ko-KR" altLang="en-US" smtClean="0"/>
-              <a:t>27</a:t>
+              <a:t>28</a:t>
             </a:fld>
             <a:endParaRPr lang="ko-KR" altLang="en-US"/>
           </a:p>
@@ -32194,7 +32509,7 @@
 </p:sld>
 </file>
 
-<file path=ppt/slides/slide28.xml><?xml version="1.0" encoding="utf-8"?>
+<file path=ppt/slides/slide29.xml><?xml version="1.0" encoding="utf-8"?>
 <p:sld xmlns:a="http://schemas.openxmlformats.org/drawingml/2006/main" xmlns:r="http://schemas.openxmlformats.org/officeDocument/2006/relationships" xmlns:p="http://schemas.openxmlformats.org/presentationml/2006/main">
   <p:cSld>
     <p:spTree>
@@ -32627,7 +32942,7 @@
           <a:p>
             <a:fld id="{8D96929D-9E84-4A42-B4C3-2E48812748E4}" type="slidenum">
               <a:rPr lang="ko-KR" altLang="en-US" smtClean="0"/>
-              <a:t>28</a:t>
+              <a:t>29</a:t>
             </a:fld>
             <a:endParaRPr lang="ko-KR" altLang="en-US"/>
           </a:p>
@@ -32782,195 +33097,6 @@
     <p:extLst>
       <p:ext uri="{BB962C8B-B14F-4D97-AF65-F5344CB8AC3E}">
         <p14:creationId xmlns:p14="http://schemas.microsoft.com/office/powerpoint/2010/main" val="1196857558"/>
-      </p:ext>
-    </p:extLst>
-  </p:cSld>
-  <p:clrMapOvr>
-    <a:masterClrMapping/>
-  </p:clrMapOvr>
-</p:sld>
-</file>
-
-<file path=ppt/slides/slide29.xml><?xml version="1.0" encoding="utf-8"?>
-<p:sld xmlns:a="http://schemas.openxmlformats.org/drawingml/2006/main" xmlns:r="http://schemas.openxmlformats.org/officeDocument/2006/relationships" xmlns:p="http://schemas.openxmlformats.org/presentationml/2006/main">
-  <p:cSld>
-    <p:spTree>
-      <p:nvGrpSpPr>
-        <p:cNvPr id="1" name="">
-          <a:extLst>
-            <a:ext uri="{FF2B5EF4-FFF2-40B4-BE49-F238E27FC236}">
-              <a16:creationId xmlns:a16="http://schemas.microsoft.com/office/drawing/2014/main" id="{D47E555D-855F-EE56-D0AE-311EBAED6905}"/>
-            </a:ext>
-          </a:extLst>
-        </p:cNvPr>
-        <p:cNvGrpSpPr/>
-        <p:nvPr/>
-      </p:nvGrpSpPr>
-      <p:grpSpPr>
-        <a:xfrm>
-          <a:off x="0" y="0"/>
-          <a:ext cx="0" cy="0"/>
-          <a:chOff x="0" y="0"/>
-          <a:chExt cx="0" cy="0"/>
-        </a:xfrm>
-      </p:grpSpPr>
-      <p:sp>
-        <p:nvSpPr>
-          <p:cNvPr id="4" name="제목 1">
-            <a:extLst>
-              <a:ext uri="{FF2B5EF4-FFF2-40B4-BE49-F238E27FC236}">
-                <a16:creationId xmlns:a16="http://schemas.microsoft.com/office/drawing/2014/main" id="{3DFF4D9B-3FFB-B45B-B283-3CAD66FAD96D}"/>
-              </a:ext>
-            </a:extLst>
-          </p:cNvPr>
-          <p:cNvSpPr>
-            <a:spLocks noGrp="1"/>
-          </p:cNvSpPr>
-          <p:nvPr>
-            <p:ph type="title"/>
-          </p:nvPr>
-        </p:nvSpPr>
-        <p:spPr>
-          <a:xfrm>
-            <a:off x="129224" y="83886"/>
-            <a:ext cx="3243453" cy="608225"/>
-          </a:xfrm>
-        </p:spPr>
-        <p:txBody>
-          <a:bodyPr>
-            <a:normAutofit fontScale="90000"/>
-          </a:bodyPr>
-          <a:lstStyle/>
-          <a:p>
-            <a:pPr algn="ctr"/>
-            <a:r>
-              <a:rPr lang="ko-KR" altLang="en-US" sz="3200" b="1" dirty="0"/>
-              <a:t>방해 이벤트 종류</a:t>
-            </a:r>
-          </a:p>
-        </p:txBody>
-      </p:sp>
-      <p:cxnSp>
-        <p:nvCxnSpPr>
-          <p:cNvPr id="7" name="직선 연결선 6">
-            <a:extLst>
-              <a:ext uri="{FF2B5EF4-FFF2-40B4-BE49-F238E27FC236}">
-                <a16:creationId xmlns:a16="http://schemas.microsoft.com/office/drawing/2014/main" id="{D98EBF14-B0C9-5E8B-8590-375E046AFDE1}"/>
-              </a:ext>
-            </a:extLst>
-          </p:cNvPr>
-          <p:cNvCxnSpPr>
-            <a:cxnSpLocks/>
-          </p:cNvCxnSpPr>
-          <p:nvPr/>
-        </p:nvCxnSpPr>
-        <p:spPr>
-          <a:xfrm>
-            <a:off x="0" y="692111"/>
-            <a:ext cx="12192000" cy="0"/>
-          </a:xfrm>
-          <a:prstGeom prst="line">
-            <a:avLst/>
-          </a:prstGeom>
-          <a:ln>
-            <a:solidFill>
-              <a:schemeClr val="bg2">
-                <a:lumMod val="75000"/>
-              </a:schemeClr>
-            </a:solidFill>
-          </a:ln>
-        </p:spPr>
-        <p:style>
-          <a:lnRef idx="2">
-            <a:schemeClr val="accent1"/>
-          </a:lnRef>
-          <a:fillRef idx="0">
-            <a:schemeClr val="accent1"/>
-          </a:fillRef>
-          <a:effectRef idx="1">
-            <a:schemeClr val="accent1"/>
-          </a:effectRef>
-          <a:fontRef idx="minor">
-            <a:schemeClr val="tx1"/>
-          </a:fontRef>
-        </p:style>
-      </p:cxnSp>
-      <p:cxnSp>
-        <p:nvCxnSpPr>
-          <p:cNvPr id="8" name="직선 연결선 7">
-            <a:extLst>
-              <a:ext uri="{FF2B5EF4-FFF2-40B4-BE49-F238E27FC236}">
-                <a16:creationId xmlns:a16="http://schemas.microsoft.com/office/drawing/2014/main" id="{C1D06A7D-1A16-7E25-19B3-EF2ADBB06E92}"/>
-              </a:ext>
-            </a:extLst>
-          </p:cNvPr>
-          <p:cNvCxnSpPr>
-            <a:cxnSpLocks/>
-          </p:cNvCxnSpPr>
-          <p:nvPr/>
-        </p:nvCxnSpPr>
-        <p:spPr>
-          <a:xfrm>
-            <a:off x="129225" y="658980"/>
-            <a:ext cx="3243452" cy="0"/>
-          </a:xfrm>
-          <a:prstGeom prst="line">
-            <a:avLst/>
-          </a:prstGeom>
-          <a:ln w="76200">
-            <a:solidFill>
-              <a:schemeClr val="tx1"/>
-            </a:solidFill>
-          </a:ln>
-        </p:spPr>
-        <p:style>
-          <a:lnRef idx="2">
-            <a:schemeClr val="accent1"/>
-          </a:lnRef>
-          <a:fillRef idx="0">
-            <a:schemeClr val="accent1"/>
-          </a:fillRef>
-          <a:effectRef idx="1">
-            <a:schemeClr val="accent1"/>
-          </a:effectRef>
-          <a:fontRef idx="minor">
-            <a:schemeClr val="tx1"/>
-          </a:fontRef>
-        </p:style>
-      </p:cxnSp>
-      <p:sp>
-        <p:nvSpPr>
-          <p:cNvPr id="14" name="슬라이드 번호 개체 틀 13">
-            <a:extLst>
-              <a:ext uri="{FF2B5EF4-FFF2-40B4-BE49-F238E27FC236}">
-                <a16:creationId xmlns:a16="http://schemas.microsoft.com/office/drawing/2014/main" id="{F580C4C0-9D83-3709-5860-E9F10D6785D6}"/>
-              </a:ext>
-            </a:extLst>
-          </p:cNvPr>
-          <p:cNvSpPr>
-            <a:spLocks noGrp="1"/>
-          </p:cNvSpPr>
-          <p:nvPr>
-            <p:ph type="sldNum" sz="quarter" idx="12"/>
-          </p:nvPr>
-        </p:nvSpPr>
-        <p:spPr/>
-        <p:txBody>
-          <a:bodyPr/>
-          <a:lstStyle/>
-          <a:p>
-            <a:fld id="{8D96929D-9E84-4A42-B4C3-2E48812748E4}" type="slidenum">
-              <a:rPr lang="ko-KR" altLang="en-US" smtClean="0"/>
-              <a:t>29</a:t>
-            </a:fld>
-            <a:endParaRPr lang="ko-KR" altLang="en-US"/>
-          </a:p>
-        </p:txBody>
-      </p:sp>
-    </p:spTree>
-    <p:extLst>
-      <p:ext uri="{BB962C8B-B14F-4D97-AF65-F5344CB8AC3E}">
-        <p14:creationId xmlns:p14="http://schemas.microsoft.com/office/powerpoint/2010/main" val="3552313690"/>
       </p:ext>
     </p:extLst>
   </p:cSld>
@@ -33226,6 +33352,195 @@
 </file>
 
 <file path=ppt/slides/slide30.xml><?xml version="1.0" encoding="utf-8"?>
+<p:sld xmlns:a="http://schemas.openxmlformats.org/drawingml/2006/main" xmlns:r="http://schemas.openxmlformats.org/officeDocument/2006/relationships" xmlns:p="http://schemas.openxmlformats.org/presentationml/2006/main">
+  <p:cSld>
+    <p:spTree>
+      <p:nvGrpSpPr>
+        <p:cNvPr id="1" name="">
+          <a:extLst>
+            <a:ext uri="{FF2B5EF4-FFF2-40B4-BE49-F238E27FC236}">
+              <a16:creationId xmlns:a16="http://schemas.microsoft.com/office/drawing/2014/main" id="{D47E555D-855F-EE56-D0AE-311EBAED6905}"/>
+            </a:ext>
+          </a:extLst>
+        </p:cNvPr>
+        <p:cNvGrpSpPr/>
+        <p:nvPr/>
+      </p:nvGrpSpPr>
+      <p:grpSpPr>
+        <a:xfrm>
+          <a:off x="0" y="0"/>
+          <a:ext cx="0" cy="0"/>
+          <a:chOff x="0" y="0"/>
+          <a:chExt cx="0" cy="0"/>
+        </a:xfrm>
+      </p:grpSpPr>
+      <p:sp>
+        <p:nvSpPr>
+          <p:cNvPr id="4" name="제목 1">
+            <a:extLst>
+              <a:ext uri="{FF2B5EF4-FFF2-40B4-BE49-F238E27FC236}">
+                <a16:creationId xmlns:a16="http://schemas.microsoft.com/office/drawing/2014/main" id="{3DFF4D9B-3FFB-B45B-B283-3CAD66FAD96D}"/>
+              </a:ext>
+            </a:extLst>
+          </p:cNvPr>
+          <p:cNvSpPr>
+            <a:spLocks noGrp="1"/>
+          </p:cNvSpPr>
+          <p:nvPr>
+            <p:ph type="title"/>
+          </p:nvPr>
+        </p:nvSpPr>
+        <p:spPr>
+          <a:xfrm>
+            <a:off x="129224" y="83886"/>
+            <a:ext cx="3243453" cy="608225"/>
+          </a:xfrm>
+        </p:spPr>
+        <p:txBody>
+          <a:bodyPr>
+            <a:normAutofit fontScale="90000"/>
+          </a:bodyPr>
+          <a:lstStyle/>
+          <a:p>
+            <a:pPr algn="ctr"/>
+            <a:r>
+              <a:rPr lang="ko-KR" altLang="en-US" sz="3200" b="1" dirty="0"/>
+              <a:t>방해 이벤트 종류</a:t>
+            </a:r>
+          </a:p>
+        </p:txBody>
+      </p:sp>
+      <p:cxnSp>
+        <p:nvCxnSpPr>
+          <p:cNvPr id="7" name="직선 연결선 6">
+            <a:extLst>
+              <a:ext uri="{FF2B5EF4-FFF2-40B4-BE49-F238E27FC236}">
+                <a16:creationId xmlns:a16="http://schemas.microsoft.com/office/drawing/2014/main" id="{D98EBF14-B0C9-5E8B-8590-375E046AFDE1}"/>
+              </a:ext>
+            </a:extLst>
+          </p:cNvPr>
+          <p:cNvCxnSpPr>
+            <a:cxnSpLocks/>
+          </p:cNvCxnSpPr>
+          <p:nvPr/>
+        </p:nvCxnSpPr>
+        <p:spPr>
+          <a:xfrm>
+            <a:off x="0" y="692111"/>
+            <a:ext cx="12192000" cy="0"/>
+          </a:xfrm>
+          <a:prstGeom prst="line">
+            <a:avLst/>
+          </a:prstGeom>
+          <a:ln>
+            <a:solidFill>
+              <a:schemeClr val="bg2">
+                <a:lumMod val="75000"/>
+              </a:schemeClr>
+            </a:solidFill>
+          </a:ln>
+        </p:spPr>
+        <p:style>
+          <a:lnRef idx="2">
+            <a:schemeClr val="accent1"/>
+          </a:lnRef>
+          <a:fillRef idx="0">
+            <a:schemeClr val="accent1"/>
+          </a:fillRef>
+          <a:effectRef idx="1">
+            <a:schemeClr val="accent1"/>
+          </a:effectRef>
+          <a:fontRef idx="minor">
+            <a:schemeClr val="tx1"/>
+          </a:fontRef>
+        </p:style>
+      </p:cxnSp>
+      <p:cxnSp>
+        <p:nvCxnSpPr>
+          <p:cNvPr id="8" name="직선 연결선 7">
+            <a:extLst>
+              <a:ext uri="{FF2B5EF4-FFF2-40B4-BE49-F238E27FC236}">
+                <a16:creationId xmlns:a16="http://schemas.microsoft.com/office/drawing/2014/main" id="{C1D06A7D-1A16-7E25-19B3-EF2ADBB06E92}"/>
+              </a:ext>
+            </a:extLst>
+          </p:cNvPr>
+          <p:cNvCxnSpPr>
+            <a:cxnSpLocks/>
+          </p:cNvCxnSpPr>
+          <p:nvPr/>
+        </p:nvCxnSpPr>
+        <p:spPr>
+          <a:xfrm>
+            <a:off x="129225" y="658980"/>
+            <a:ext cx="3243452" cy="0"/>
+          </a:xfrm>
+          <a:prstGeom prst="line">
+            <a:avLst/>
+          </a:prstGeom>
+          <a:ln w="76200">
+            <a:solidFill>
+              <a:schemeClr val="tx1"/>
+            </a:solidFill>
+          </a:ln>
+        </p:spPr>
+        <p:style>
+          <a:lnRef idx="2">
+            <a:schemeClr val="accent1"/>
+          </a:lnRef>
+          <a:fillRef idx="0">
+            <a:schemeClr val="accent1"/>
+          </a:fillRef>
+          <a:effectRef idx="1">
+            <a:schemeClr val="accent1"/>
+          </a:effectRef>
+          <a:fontRef idx="minor">
+            <a:schemeClr val="tx1"/>
+          </a:fontRef>
+        </p:style>
+      </p:cxnSp>
+      <p:sp>
+        <p:nvSpPr>
+          <p:cNvPr id="14" name="슬라이드 번호 개체 틀 13">
+            <a:extLst>
+              <a:ext uri="{FF2B5EF4-FFF2-40B4-BE49-F238E27FC236}">
+                <a16:creationId xmlns:a16="http://schemas.microsoft.com/office/drawing/2014/main" id="{F580C4C0-9D83-3709-5860-E9F10D6785D6}"/>
+              </a:ext>
+            </a:extLst>
+          </p:cNvPr>
+          <p:cNvSpPr>
+            <a:spLocks noGrp="1"/>
+          </p:cNvSpPr>
+          <p:nvPr>
+            <p:ph type="sldNum" sz="quarter" idx="12"/>
+          </p:nvPr>
+        </p:nvSpPr>
+        <p:spPr/>
+        <p:txBody>
+          <a:bodyPr/>
+          <a:lstStyle/>
+          <a:p>
+            <a:fld id="{8D96929D-9E84-4A42-B4C3-2E48812748E4}" type="slidenum">
+              <a:rPr lang="ko-KR" altLang="en-US" smtClean="0"/>
+              <a:t>30</a:t>
+            </a:fld>
+            <a:endParaRPr lang="ko-KR" altLang="en-US"/>
+          </a:p>
+        </p:txBody>
+      </p:sp>
+    </p:spTree>
+    <p:extLst>
+      <p:ext uri="{BB962C8B-B14F-4D97-AF65-F5344CB8AC3E}">
+        <p14:creationId xmlns:p14="http://schemas.microsoft.com/office/powerpoint/2010/main" val="3552313690"/>
+      </p:ext>
+    </p:extLst>
+  </p:cSld>
+  <p:clrMapOvr>
+    <a:masterClrMapping/>
+  </p:clrMapOvr>
+</p:sld>
+</file>
+
+<file path=ppt/slides/slide31.xml><?xml version="1.0" encoding="utf-8"?>
 <p:sld xmlns:a="http://schemas.openxmlformats.org/drawingml/2006/main" xmlns:r="http://schemas.openxmlformats.org/officeDocument/2006/relationships" xmlns:p="http://schemas.openxmlformats.org/presentationml/2006/main">
   <p:cSld>
     <p:spTree>
@@ -36813,7 +37128,7 @@
           <a:p>
             <a:fld id="{8D96929D-9E84-4A42-B4C3-2E48812748E4}" type="slidenum">
               <a:rPr lang="ko-KR" altLang="en-US" smtClean="0"/>
-              <a:t>30</a:t>
+              <a:t>31</a:t>
             </a:fld>
             <a:endParaRPr lang="ko-KR" altLang="en-US"/>
           </a:p>
@@ -36884,7 +37199,7 @@
 </p:sld>
 </file>
 
-<file path=ppt/slides/slide31.xml><?xml version="1.0" encoding="utf-8"?>
+<file path=ppt/slides/slide32.xml><?xml version="1.0" encoding="utf-8"?>
 <p:sld xmlns:a="http://schemas.openxmlformats.org/drawingml/2006/main" xmlns:r="http://schemas.openxmlformats.org/officeDocument/2006/relationships" xmlns:p="http://schemas.openxmlformats.org/presentationml/2006/main">
   <p:cSld>
     <p:spTree>
@@ -38642,7 +38957,7 @@
           <a:p>
             <a:fld id="{8D96929D-9E84-4A42-B4C3-2E48812748E4}" type="slidenum">
               <a:rPr lang="ko-KR" altLang="en-US" smtClean="0"/>
-              <a:t>31</a:t>
+              <a:t>32</a:t>
             </a:fld>
             <a:endParaRPr lang="ko-KR" altLang="en-US"/>
           </a:p>
@@ -39707,7 +40022,7 @@
 </p:sld>
 </file>
 
-<file path=ppt/slides/slide32.xml><?xml version="1.0" encoding="utf-8"?>
+<file path=ppt/slides/slide33.xml><?xml version="1.0" encoding="utf-8"?>
 <p:sld xmlns:a="http://schemas.openxmlformats.org/drawingml/2006/main" xmlns:r="http://schemas.openxmlformats.org/officeDocument/2006/relationships" xmlns:p="http://schemas.openxmlformats.org/presentationml/2006/main">
   <p:cSld>
     <p:spTree>
@@ -39967,7 +40282,7 @@
           <a:p>
             <a:fld id="{8D96929D-9E84-4A42-B4C3-2E48812748E4}" type="slidenum">
               <a:rPr lang="ko-KR" altLang="en-US" smtClean="0"/>
-              <a:t>32</a:t>
+              <a:t>33</a:t>
             </a:fld>
             <a:endParaRPr lang="ko-KR" altLang="en-US"/>
           </a:p>
@@ -42217,7 +42532,7 @@
 </p:sld>
 </file>
 
-<file path=ppt/slides/slide33.xml><?xml version="1.0" encoding="utf-8"?>
+<file path=ppt/slides/slide34.xml><?xml version="1.0" encoding="utf-8"?>
 <p:sld xmlns:a="http://schemas.openxmlformats.org/drawingml/2006/main" xmlns:r="http://schemas.openxmlformats.org/officeDocument/2006/relationships" xmlns:p="http://schemas.openxmlformats.org/presentationml/2006/main">
   <p:cSld>
     <p:spTree>
@@ -42644,7 +42959,7 @@
           <a:p>
             <a:fld id="{8D96929D-9E84-4A42-B4C3-2E48812748E4}" type="slidenum">
               <a:rPr lang="ko-KR" altLang="en-US" smtClean="0"/>
-              <a:t>33</a:t>
+              <a:t>34</a:t>
             </a:fld>
             <a:endParaRPr lang="ko-KR" altLang="en-US"/>
           </a:p>
@@ -45505,7 +45820,7 @@
 </p:sld>
 </file>
 
-<file path=ppt/slides/slide34.xml><?xml version="1.0" encoding="utf-8"?>
+<file path=ppt/slides/slide35.xml><?xml version="1.0" encoding="utf-8"?>
 <p:sld xmlns:a="http://schemas.openxmlformats.org/drawingml/2006/main" xmlns:r="http://schemas.openxmlformats.org/officeDocument/2006/relationships" xmlns:p="http://schemas.openxmlformats.org/presentationml/2006/main">
   <p:cSld>
     <p:spTree>
@@ -45951,7 +46266,7 @@
           <a:p>
             <a:fld id="{8D96929D-9E84-4A42-B4C3-2E48812748E4}" type="slidenum">
               <a:rPr lang="ko-KR" altLang="en-US" smtClean="0"/>
-              <a:t>34</a:t>
+              <a:t>35</a:t>
             </a:fld>
             <a:endParaRPr lang="ko-KR" altLang="en-US"/>
           </a:p>
@@ -47500,7 +47815,7 @@
 </p:sld>
 </file>
 
-<file path=ppt/slides/slide35.xml><?xml version="1.0" encoding="utf-8"?>
+<file path=ppt/slides/slide36.xml><?xml version="1.0" encoding="utf-8"?>
 <p:sld xmlns:a="http://schemas.openxmlformats.org/drawingml/2006/main" xmlns:r="http://schemas.openxmlformats.org/officeDocument/2006/relationships" xmlns:p="http://schemas.openxmlformats.org/presentationml/2006/main">
   <p:cSld>
     <p:spTree>
@@ -47675,7 +47990,7 @@
           <a:p>
             <a:fld id="{8D96929D-9E84-4A42-B4C3-2E48812748E4}" type="slidenum">
               <a:rPr lang="ko-KR" altLang="en-US" smtClean="0"/>
-              <a:t>35</a:t>
+              <a:t>36</a:t>
             </a:fld>
             <a:endParaRPr lang="ko-KR" altLang="en-US"/>
           </a:p>
@@ -48101,6 +48416,234 @@
         <p:cNvPr id="1" name="">
           <a:extLst>
             <a:ext uri="{FF2B5EF4-FFF2-40B4-BE49-F238E27FC236}">
+              <a16:creationId xmlns:a16="http://schemas.microsoft.com/office/drawing/2014/main" id="{06B7D8C2-B2C0-6585-7D65-33D104287E69}"/>
+            </a:ext>
+          </a:extLst>
+        </p:cNvPr>
+        <p:cNvGrpSpPr/>
+        <p:nvPr/>
+      </p:nvGrpSpPr>
+      <p:grpSpPr>
+        <a:xfrm>
+          <a:off x="0" y="0"/>
+          <a:ext cx="0" cy="0"/>
+          <a:chOff x="0" y="0"/>
+          <a:chExt cx="0" cy="0"/>
+        </a:xfrm>
+      </p:grpSpPr>
+      <p:sp>
+        <p:nvSpPr>
+          <p:cNvPr id="2" name="제목 1">
+            <a:extLst>
+              <a:ext uri="{FF2B5EF4-FFF2-40B4-BE49-F238E27FC236}">
+                <a16:creationId xmlns:a16="http://schemas.microsoft.com/office/drawing/2014/main" id="{0F462F2C-1E6D-96A8-D689-8A4F1233703D}"/>
+              </a:ext>
+            </a:extLst>
+          </p:cNvPr>
+          <p:cNvSpPr>
+            <a:spLocks noGrp="1"/>
+          </p:cNvSpPr>
+          <p:nvPr>
+            <p:ph type="title"/>
+          </p:nvPr>
+        </p:nvSpPr>
+        <p:spPr>
+          <a:xfrm>
+            <a:off x="129225" y="83886"/>
+            <a:ext cx="2637170" cy="608225"/>
+          </a:xfrm>
+        </p:spPr>
+        <p:txBody>
+          <a:bodyPr>
+            <a:normAutofit/>
+          </a:bodyPr>
+          <a:lstStyle/>
+          <a:p>
+            <a:pPr algn="ctr"/>
+            <a:r>
+              <a:rPr lang="ko-KR" altLang="en-US" sz="3200" b="1" dirty="0"/>
+              <a:t>게임 소개</a:t>
+            </a:r>
+          </a:p>
+        </p:txBody>
+      </p:sp>
+      <p:cxnSp>
+        <p:nvCxnSpPr>
+          <p:cNvPr id="6" name="직선 연결선 5">
+            <a:extLst>
+              <a:ext uri="{FF2B5EF4-FFF2-40B4-BE49-F238E27FC236}">
+                <a16:creationId xmlns:a16="http://schemas.microsoft.com/office/drawing/2014/main" id="{8CCC7953-46E1-A734-46E4-93ACD515DE9B}"/>
+              </a:ext>
+            </a:extLst>
+          </p:cNvPr>
+          <p:cNvCxnSpPr>
+            <a:cxnSpLocks/>
+          </p:cNvCxnSpPr>
+          <p:nvPr/>
+        </p:nvCxnSpPr>
+        <p:spPr>
+          <a:xfrm>
+            <a:off x="0" y="692111"/>
+            <a:ext cx="12192000" cy="0"/>
+          </a:xfrm>
+          <a:prstGeom prst="line">
+            <a:avLst/>
+          </a:prstGeom>
+          <a:ln>
+            <a:solidFill>
+              <a:schemeClr val="bg2">
+                <a:lumMod val="75000"/>
+              </a:schemeClr>
+            </a:solidFill>
+          </a:ln>
+        </p:spPr>
+        <p:style>
+          <a:lnRef idx="2">
+            <a:schemeClr val="accent1"/>
+          </a:lnRef>
+          <a:fillRef idx="0">
+            <a:schemeClr val="accent1"/>
+          </a:fillRef>
+          <a:effectRef idx="1">
+            <a:schemeClr val="accent1"/>
+          </a:effectRef>
+          <a:fontRef idx="minor">
+            <a:schemeClr val="tx1"/>
+          </a:fontRef>
+        </p:style>
+      </p:cxnSp>
+      <p:cxnSp>
+        <p:nvCxnSpPr>
+          <p:cNvPr id="9" name="직선 연결선 8">
+            <a:extLst>
+              <a:ext uri="{FF2B5EF4-FFF2-40B4-BE49-F238E27FC236}">
+                <a16:creationId xmlns:a16="http://schemas.microsoft.com/office/drawing/2014/main" id="{4777C511-A646-86F6-7838-34D2FD159640}"/>
+              </a:ext>
+            </a:extLst>
+          </p:cNvPr>
+          <p:cNvCxnSpPr>
+            <a:cxnSpLocks/>
+          </p:cNvCxnSpPr>
+          <p:nvPr/>
+        </p:nvCxnSpPr>
+        <p:spPr>
+          <a:xfrm>
+            <a:off x="129225" y="658980"/>
+            <a:ext cx="2637170" cy="0"/>
+          </a:xfrm>
+          <a:prstGeom prst="line">
+            <a:avLst/>
+          </a:prstGeom>
+          <a:ln w="76200">
+            <a:solidFill>
+              <a:schemeClr val="tx1"/>
+            </a:solidFill>
+          </a:ln>
+        </p:spPr>
+        <p:style>
+          <a:lnRef idx="2">
+            <a:schemeClr val="accent1"/>
+          </a:lnRef>
+          <a:fillRef idx="0">
+            <a:schemeClr val="accent1"/>
+          </a:fillRef>
+          <a:effectRef idx="1">
+            <a:schemeClr val="accent1"/>
+          </a:effectRef>
+          <a:fontRef idx="minor">
+            <a:schemeClr val="tx1"/>
+          </a:fontRef>
+        </p:style>
+      </p:cxnSp>
+      <p:sp>
+        <p:nvSpPr>
+          <p:cNvPr id="16" name="슬라이드 번호 개체 틀 15">
+            <a:extLst>
+              <a:ext uri="{FF2B5EF4-FFF2-40B4-BE49-F238E27FC236}">
+                <a16:creationId xmlns:a16="http://schemas.microsoft.com/office/drawing/2014/main" id="{A2357C5F-BDD5-E183-AE24-EA4EA345C8FB}"/>
+              </a:ext>
+            </a:extLst>
+          </p:cNvPr>
+          <p:cNvSpPr>
+            <a:spLocks noGrp="1"/>
+          </p:cNvSpPr>
+          <p:nvPr>
+            <p:ph type="sldNum" sz="quarter" idx="12"/>
+          </p:nvPr>
+        </p:nvSpPr>
+        <p:spPr/>
+        <p:txBody>
+          <a:bodyPr/>
+          <a:lstStyle/>
+          <a:p>
+            <a:fld id="{8D96929D-9E84-4A42-B4C3-2E48812748E4}" type="slidenum">
+              <a:rPr lang="ko-KR" altLang="en-US" smtClean="0"/>
+              <a:t>5</a:t>
+            </a:fld>
+            <a:endParaRPr lang="ko-KR" altLang="en-US"/>
+          </a:p>
+        </p:txBody>
+      </p:sp>
+      <p:sp>
+        <p:nvSpPr>
+          <p:cNvPr id="7" name="TextBox 6">
+            <a:extLst>
+              <a:ext uri="{FF2B5EF4-FFF2-40B4-BE49-F238E27FC236}">
+                <a16:creationId xmlns:a16="http://schemas.microsoft.com/office/drawing/2014/main" id="{B907BC7B-3A30-AA11-4BC9-0DE41EB21DC8}"/>
+              </a:ext>
+            </a:extLst>
+          </p:cNvPr>
+          <p:cNvSpPr txBox="1"/>
+          <p:nvPr/>
+        </p:nvSpPr>
+        <p:spPr>
+          <a:xfrm>
+            <a:off x="454785" y="700766"/>
+            <a:ext cx="2951449" cy="523220"/>
+          </a:xfrm>
+          <a:prstGeom prst="rect">
+            <a:avLst/>
+          </a:prstGeom>
+          <a:noFill/>
+        </p:spPr>
+        <p:txBody>
+          <a:bodyPr wrap="none" rtlCol="0">
+            <a:spAutoFit/>
+          </a:bodyPr>
+          <a:lstStyle/>
+          <a:p>
+            <a:r>
+              <a:rPr lang="ko-KR" altLang="en-US" sz="2800" dirty="0">
+                <a:solidFill>
+                  <a:srgbClr val="0070C0"/>
+                </a:solidFill>
+              </a:rPr>
+              <a:t>스토리 간단 소개</a:t>
+            </a:r>
+          </a:p>
+        </p:txBody>
+      </p:sp>
+    </p:spTree>
+    <p:extLst>
+      <p:ext uri="{BB962C8B-B14F-4D97-AF65-F5344CB8AC3E}">
+        <p14:creationId xmlns:p14="http://schemas.microsoft.com/office/powerpoint/2010/main" val="1150877637"/>
+      </p:ext>
+    </p:extLst>
+  </p:cSld>
+  <p:clrMapOvr>
+    <a:masterClrMapping/>
+  </p:clrMapOvr>
+</p:sld>
+</file>
+
+<file path=ppt/slides/slide6.xml><?xml version="1.0" encoding="utf-8"?>
+<p:sld xmlns:a="http://schemas.openxmlformats.org/drawingml/2006/main" xmlns:r="http://schemas.openxmlformats.org/officeDocument/2006/relationships" xmlns:p="http://schemas.openxmlformats.org/presentationml/2006/main">
+  <p:cSld>
+    <p:spTree>
+      <p:nvGrpSpPr>
+        <p:cNvPr id="1" name="">
+          <a:extLst>
+            <a:ext uri="{FF2B5EF4-FFF2-40B4-BE49-F238E27FC236}">
               <a16:creationId xmlns:a16="http://schemas.microsoft.com/office/drawing/2014/main" id="{7D2BC3ED-0E85-1592-EB09-5274F53B3BA1}"/>
             </a:ext>
           </a:extLst>
@@ -48263,7 +48806,7 @@
           <a:p>
             <a:fld id="{8D96929D-9E84-4A42-B4C3-2E48812748E4}" type="slidenum">
               <a:rPr lang="ko-KR" altLang="en-US" smtClean="0"/>
-              <a:t>5</a:t>
+              <a:t>6</a:t>
             </a:fld>
             <a:endParaRPr lang="ko-KR" altLang="en-US"/>
           </a:p>
@@ -48701,7 +49244,7 @@
 </p:sld>
 </file>
 
-<file path=ppt/slides/slide6.xml><?xml version="1.0" encoding="utf-8"?>
+<file path=ppt/slides/slide7.xml><?xml version="1.0" encoding="utf-8"?>
 <p:sld xmlns:a="http://schemas.openxmlformats.org/drawingml/2006/main" xmlns:r="http://schemas.openxmlformats.org/officeDocument/2006/relationships" xmlns:p="http://schemas.openxmlformats.org/presentationml/2006/main">
   <p:cSld>
     <p:spTree>
@@ -51569,7 +52112,7 @@
           <a:p>
             <a:fld id="{8D96929D-9E84-4A42-B4C3-2E48812748E4}" type="slidenum">
               <a:rPr lang="ko-KR" altLang="en-US" smtClean="0"/>
-              <a:t>6</a:t>
+              <a:t>7</a:t>
             </a:fld>
             <a:endParaRPr lang="ko-KR" altLang="en-US"/>
           </a:p>
@@ -52332,7 +52875,7 @@
 </p:sld>
 </file>
 
-<file path=ppt/slides/slide7.xml><?xml version="1.0" encoding="utf-8"?>
+<file path=ppt/slides/slide8.xml><?xml version="1.0" encoding="utf-8"?>
 <p:sld xmlns:a="http://schemas.openxmlformats.org/drawingml/2006/main" xmlns:r="http://schemas.openxmlformats.org/officeDocument/2006/relationships" xmlns:p="http://schemas.openxmlformats.org/presentationml/2006/main">
   <p:cSld>
     <p:spTree>
@@ -52580,7 +53123,7 @@
           <a:p>
             <a:fld id="{8D96929D-9E84-4A42-B4C3-2E48812748E4}" type="slidenum">
               <a:rPr lang="ko-KR" altLang="en-US" smtClean="0"/>
-              <a:t>7</a:t>
+              <a:t>8</a:t>
             </a:fld>
             <a:endParaRPr lang="ko-KR" altLang="en-US"/>
           </a:p>
@@ -52599,7 +53142,7 @@
 </p:sld>
 </file>
 
-<file path=ppt/slides/slide8.xml><?xml version="1.0" encoding="utf-8"?>
+<file path=ppt/slides/slide9.xml><?xml version="1.0" encoding="utf-8"?>
 <p:sld xmlns:a="http://schemas.openxmlformats.org/drawingml/2006/main" xmlns:r="http://schemas.openxmlformats.org/officeDocument/2006/relationships" xmlns:p="http://schemas.openxmlformats.org/presentationml/2006/main">
   <p:cSld>
     <p:spTree>
@@ -52770,7 +53313,7 @@
           <a:p>
             <a:fld id="{8D96929D-9E84-4A42-B4C3-2E48812748E4}" type="slidenum">
               <a:rPr lang="ko-KR" altLang="en-US" smtClean="0"/>
-              <a:t>8</a:t>
+              <a:t>9</a:t>
             </a:fld>
             <a:endParaRPr lang="ko-KR" altLang="en-US"/>
           </a:p>
@@ -53749,320 +54292,6 @@
 </p:sld>
 </file>
 
-<file path=ppt/slides/slide9.xml><?xml version="1.0" encoding="utf-8"?>
-<p:sld xmlns:a="http://schemas.openxmlformats.org/drawingml/2006/main" xmlns:r="http://schemas.openxmlformats.org/officeDocument/2006/relationships" xmlns:p="http://schemas.openxmlformats.org/presentationml/2006/main">
-  <p:cSld>
-    <p:spTree>
-      <p:nvGrpSpPr>
-        <p:cNvPr id="1" name="">
-          <a:extLst>
-            <a:ext uri="{FF2B5EF4-FFF2-40B4-BE49-F238E27FC236}">
-              <a16:creationId xmlns:a16="http://schemas.microsoft.com/office/drawing/2014/main" id="{7FBB3AAC-825A-EC47-27A9-EF2E389E22B5}"/>
-            </a:ext>
-          </a:extLst>
-        </p:cNvPr>
-        <p:cNvGrpSpPr/>
-        <p:nvPr/>
-      </p:nvGrpSpPr>
-      <p:grpSpPr>
-        <a:xfrm>
-          <a:off x="0" y="0"/>
-          <a:ext cx="0" cy="0"/>
-          <a:chOff x="0" y="0"/>
-          <a:chExt cx="0" cy="0"/>
-        </a:xfrm>
-      </p:grpSpPr>
-      <p:sp>
-        <p:nvSpPr>
-          <p:cNvPr id="12" name="TextBox 11">
-            <a:extLst>
-              <a:ext uri="{FF2B5EF4-FFF2-40B4-BE49-F238E27FC236}">
-                <a16:creationId xmlns:a16="http://schemas.microsoft.com/office/drawing/2014/main" id="{A42B08CC-977C-2A63-2DE6-96C4B0712EB6}"/>
-              </a:ext>
-            </a:extLst>
-          </p:cNvPr>
-          <p:cNvSpPr txBox="1"/>
-          <p:nvPr/>
-        </p:nvSpPr>
-        <p:spPr>
-          <a:xfrm>
-            <a:off x="224040" y="5079473"/>
-            <a:ext cx="11743921" cy="1285288"/>
-          </a:xfrm>
-          <a:prstGeom prst="rect">
-            <a:avLst/>
-          </a:prstGeom>
-          <a:noFill/>
-        </p:spPr>
-        <p:txBody>
-          <a:bodyPr wrap="none" rtlCol="0">
-            <a:spAutoFit/>
-          </a:bodyPr>
-          <a:lstStyle/>
-          <a:p>
-            <a:pPr marL="285750" indent="-285750">
-              <a:lnSpc>
-                <a:spcPct val="150000"/>
-              </a:lnSpc>
-              <a:buFontTx/>
-              <a:buChar char="-"/>
-            </a:pPr>
-            <a:r>
-              <a:rPr lang="ko-KR" altLang="en-US" dirty="0"/>
-              <a:t>기본적으로 미니게임의 목표를 달성하기 위해서 게임을 플레이 한다</a:t>
-            </a:r>
-            <a:r>
-              <a:rPr lang="en-US" altLang="ko-KR" dirty="0"/>
-              <a:t>. </a:t>
-            </a:r>
-          </a:p>
-          <a:p>
-            <a:pPr marL="285750" indent="-285750">
-              <a:lnSpc>
-                <a:spcPct val="150000"/>
-              </a:lnSpc>
-              <a:buFontTx/>
-              <a:buChar char="-"/>
-            </a:pPr>
-            <a:r>
-              <a:rPr lang="ko-KR" altLang="en-US" dirty="0"/>
-              <a:t>특정 시간마다 랜덤하게 발생하는 방해 이벤트를 해결하여 다시 미니 게임에 집중해 게임을 클리어해야 한다</a:t>
-            </a:r>
-            <a:r>
-              <a:rPr lang="en-US" altLang="ko-KR" dirty="0"/>
-              <a:t>.</a:t>
-            </a:r>
-          </a:p>
-          <a:p>
-            <a:pPr marL="285750" indent="-285750">
-              <a:lnSpc>
-                <a:spcPct val="150000"/>
-              </a:lnSpc>
-              <a:buFontTx/>
-              <a:buChar char="-"/>
-            </a:pPr>
-            <a:r>
-              <a:rPr lang="ko-KR" altLang="en-US" dirty="0"/>
-              <a:t>미니게임은 일시정지상태에서 풀릴 경우 </a:t>
-            </a:r>
-            <a:r>
-              <a:rPr lang="en-US" altLang="ko-KR" dirty="0"/>
-              <a:t>3</a:t>
-            </a:r>
-            <a:r>
-              <a:rPr lang="ko-KR" altLang="en-US" dirty="0"/>
-              <a:t>초의 카운트 다운이 지나고 게임이 다시 재게 된다</a:t>
-            </a:r>
-            <a:r>
-              <a:rPr lang="en-US" altLang="ko-KR" dirty="0"/>
-              <a:t>.</a:t>
-            </a:r>
-            <a:endParaRPr lang="ko-KR" altLang="en-US" dirty="0"/>
-          </a:p>
-        </p:txBody>
-      </p:sp>
-      <p:pic>
-        <p:nvPicPr>
-          <p:cNvPr id="14" name="그림 13" descr="텍스트, 스크린샷, 디스플레이, 직사각형이(가) 표시된 사진&#10;&#10;자동 생성된 설명">
-            <a:extLst>
-              <a:ext uri="{FF2B5EF4-FFF2-40B4-BE49-F238E27FC236}">
-                <a16:creationId xmlns:a16="http://schemas.microsoft.com/office/drawing/2014/main" id="{62D40E5C-9F6C-E6C5-CCB2-E2C001EAFCC9}"/>
-              </a:ext>
-            </a:extLst>
-          </p:cNvPr>
-          <p:cNvPicPr>
-            <a:picLocks noChangeAspect="1"/>
-          </p:cNvPicPr>
-          <p:nvPr/>
-        </p:nvPicPr>
-        <p:blipFill>
-          <a:blip r:embed="rId2">
-            <a:extLst>
-              <a:ext uri="{28A0092B-C50C-407E-A947-70E740481C1C}">
-                <a14:useLocalDpi xmlns:a14="http://schemas.microsoft.com/office/drawing/2010/main" val="0"/>
-              </a:ext>
-            </a:extLst>
-          </a:blip>
-          <a:stretch>
-            <a:fillRect/>
-          </a:stretch>
-        </p:blipFill>
-        <p:spPr>
-          <a:xfrm>
-            <a:off x="2954214" y="970406"/>
-            <a:ext cx="6971559" cy="3908128"/>
-          </a:xfrm>
-          <a:prstGeom prst="rect">
-            <a:avLst/>
-          </a:prstGeom>
-        </p:spPr>
-      </p:pic>
-      <p:sp>
-        <p:nvSpPr>
-          <p:cNvPr id="2" name="제목 1">
-            <a:extLst>
-              <a:ext uri="{FF2B5EF4-FFF2-40B4-BE49-F238E27FC236}">
-                <a16:creationId xmlns:a16="http://schemas.microsoft.com/office/drawing/2014/main" id="{DFDE4A83-9CCA-49E6-6BDF-8A75D93338D2}"/>
-              </a:ext>
-            </a:extLst>
-          </p:cNvPr>
-          <p:cNvSpPr>
-            <a:spLocks noGrp="1"/>
-          </p:cNvSpPr>
-          <p:nvPr>
-            <p:ph type="title"/>
-          </p:nvPr>
-        </p:nvSpPr>
-        <p:spPr>
-          <a:xfrm>
-            <a:off x="129225" y="83886"/>
-            <a:ext cx="2637170" cy="608225"/>
-          </a:xfrm>
-        </p:spPr>
-        <p:txBody>
-          <a:bodyPr>
-            <a:normAutofit/>
-          </a:bodyPr>
-          <a:lstStyle/>
-          <a:p>
-            <a:pPr algn="ctr"/>
-            <a:r>
-              <a:rPr lang="ko-KR" altLang="en-US" sz="3200" b="1" dirty="0"/>
-              <a:t>미니 게임</a:t>
-            </a:r>
-          </a:p>
-        </p:txBody>
-      </p:sp>
-      <p:cxnSp>
-        <p:nvCxnSpPr>
-          <p:cNvPr id="3" name="직선 연결선 2">
-            <a:extLst>
-              <a:ext uri="{FF2B5EF4-FFF2-40B4-BE49-F238E27FC236}">
-                <a16:creationId xmlns:a16="http://schemas.microsoft.com/office/drawing/2014/main" id="{96B9FD06-4562-1FA5-9304-11A9788A7063}"/>
-              </a:ext>
-            </a:extLst>
-          </p:cNvPr>
-          <p:cNvCxnSpPr>
-            <a:cxnSpLocks/>
-          </p:cNvCxnSpPr>
-          <p:nvPr/>
-        </p:nvCxnSpPr>
-        <p:spPr>
-          <a:xfrm>
-            <a:off x="0" y="692111"/>
-            <a:ext cx="12192000" cy="0"/>
-          </a:xfrm>
-          <a:prstGeom prst="line">
-            <a:avLst/>
-          </a:prstGeom>
-          <a:ln>
-            <a:solidFill>
-              <a:schemeClr val="bg2">
-                <a:lumMod val="75000"/>
-              </a:schemeClr>
-            </a:solidFill>
-          </a:ln>
-        </p:spPr>
-        <p:style>
-          <a:lnRef idx="2">
-            <a:schemeClr val="accent1"/>
-          </a:lnRef>
-          <a:fillRef idx="0">
-            <a:schemeClr val="accent1"/>
-          </a:fillRef>
-          <a:effectRef idx="1">
-            <a:schemeClr val="accent1"/>
-          </a:effectRef>
-          <a:fontRef idx="minor">
-            <a:schemeClr val="tx1"/>
-          </a:fontRef>
-        </p:style>
-      </p:cxnSp>
-      <p:cxnSp>
-        <p:nvCxnSpPr>
-          <p:cNvPr id="4" name="직선 연결선 3">
-            <a:extLst>
-              <a:ext uri="{FF2B5EF4-FFF2-40B4-BE49-F238E27FC236}">
-                <a16:creationId xmlns:a16="http://schemas.microsoft.com/office/drawing/2014/main" id="{2E6D7959-E6F4-D7AF-5A37-E23F02C0D45A}"/>
-              </a:ext>
-            </a:extLst>
-          </p:cNvPr>
-          <p:cNvCxnSpPr>
-            <a:cxnSpLocks/>
-          </p:cNvCxnSpPr>
-          <p:nvPr/>
-        </p:nvCxnSpPr>
-        <p:spPr>
-          <a:xfrm>
-            <a:off x="129225" y="658980"/>
-            <a:ext cx="2637170" cy="0"/>
-          </a:xfrm>
-          <a:prstGeom prst="line">
-            <a:avLst/>
-          </a:prstGeom>
-          <a:ln w="76200">
-            <a:solidFill>
-              <a:schemeClr val="tx1"/>
-            </a:solidFill>
-          </a:ln>
-        </p:spPr>
-        <p:style>
-          <a:lnRef idx="2">
-            <a:schemeClr val="accent1"/>
-          </a:lnRef>
-          <a:fillRef idx="0">
-            <a:schemeClr val="accent1"/>
-          </a:fillRef>
-          <a:effectRef idx="1">
-            <a:schemeClr val="accent1"/>
-          </a:effectRef>
-          <a:fontRef idx="minor">
-            <a:schemeClr val="tx1"/>
-          </a:fontRef>
-        </p:style>
-      </p:cxnSp>
-      <p:sp>
-        <p:nvSpPr>
-          <p:cNvPr id="5" name="슬라이드 번호 개체 틀 4">
-            <a:extLst>
-              <a:ext uri="{FF2B5EF4-FFF2-40B4-BE49-F238E27FC236}">
-                <a16:creationId xmlns:a16="http://schemas.microsoft.com/office/drawing/2014/main" id="{CBE7DABE-3E89-2B53-B5DB-770178311345}"/>
-              </a:ext>
-            </a:extLst>
-          </p:cNvPr>
-          <p:cNvSpPr>
-            <a:spLocks noGrp="1"/>
-          </p:cNvSpPr>
-          <p:nvPr>
-            <p:ph type="sldNum" sz="quarter" idx="12"/>
-          </p:nvPr>
-        </p:nvSpPr>
-        <p:spPr/>
-        <p:txBody>
-          <a:bodyPr/>
-          <a:lstStyle/>
-          <a:p>
-            <a:fld id="{8D96929D-9E84-4A42-B4C3-2E48812748E4}" type="slidenum">
-              <a:rPr lang="ko-KR" altLang="en-US" smtClean="0"/>
-              <a:t>9</a:t>
-            </a:fld>
-            <a:endParaRPr lang="ko-KR" altLang="en-US"/>
-          </a:p>
-        </p:txBody>
-      </p:sp>
-    </p:spTree>
-    <p:extLst>
-      <p:ext uri="{BB962C8B-B14F-4D97-AF65-F5344CB8AC3E}">
-        <p14:creationId xmlns:p14="http://schemas.microsoft.com/office/powerpoint/2010/main" val="226208891"/>
-      </p:ext>
-    </p:extLst>
-  </p:cSld>
-  <p:clrMapOvr>
-    <a:masterClrMapping/>
-  </p:clrMapOvr>
-</p:sld>
-</file>
-
 <file path=ppt/theme/theme1.xml><?xml version="1.0" encoding="utf-8"?>
 <a:theme xmlns:a="http://schemas.openxmlformats.org/drawingml/2006/main" name="Office 테마">
   <a:themeElements>

--- a/document/Please Leave me alone!.pptx
+++ b/document/Please Leave me alone!.pptx
@@ -5,7 +5,7 @@
     <p:sldMasterId id="2147483648" r:id="rId1"/>
   </p:sldMasterIdLst>
   <p:notesMasterIdLst>
-    <p:notesMasterId r:id="rId38"/>
+    <p:notesMasterId r:id="rId39"/>
   </p:notesMasterIdLst>
   <p:sldIdLst>
     <p:sldId id="256" r:id="rId2"/>
@@ -29,21 +29,22 @@
     <p:sldId id="263" r:id="rId20"/>
     <p:sldId id="266" r:id="rId21"/>
     <p:sldId id="285" r:id="rId22"/>
-    <p:sldId id="286" r:id="rId23"/>
-    <p:sldId id="267" r:id="rId24"/>
-    <p:sldId id="268" r:id="rId25"/>
-    <p:sldId id="289" r:id="rId26"/>
-    <p:sldId id="290" r:id="rId27"/>
-    <p:sldId id="291" r:id="rId28"/>
-    <p:sldId id="292" r:id="rId29"/>
-    <p:sldId id="276" r:id="rId30"/>
-    <p:sldId id="295" r:id="rId31"/>
-    <p:sldId id="275" r:id="rId32"/>
-    <p:sldId id="287" r:id="rId33"/>
-    <p:sldId id="288" r:id="rId34"/>
-    <p:sldId id="284" r:id="rId35"/>
-    <p:sldId id="294" r:id="rId36"/>
-    <p:sldId id="296" r:id="rId37"/>
+    <p:sldId id="298" r:id="rId23"/>
+    <p:sldId id="286" r:id="rId24"/>
+    <p:sldId id="267" r:id="rId25"/>
+    <p:sldId id="268" r:id="rId26"/>
+    <p:sldId id="289" r:id="rId27"/>
+    <p:sldId id="290" r:id="rId28"/>
+    <p:sldId id="291" r:id="rId29"/>
+    <p:sldId id="292" r:id="rId30"/>
+    <p:sldId id="276" r:id="rId31"/>
+    <p:sldId id="295" r:id="rId32"/>
+    <p:sldId id="275" r:id="rId33"/>
+    <p:sldId id="287" r:id="rId34"/>
+    <p:sldId id="288" r:id="rId35"/>
+    <p:sldId id="284" r:id="rId36"/>
+    <p:sldId id="294" r:id="rId37"/>
+    <p:sldId id="296" r:id="rId38"/>
   </p:sldIdLst>
   <p:sldSz cx="12192000" cy="6858000"/>
   <p:notesSz cx="6858000" cy="9144000"/>
@@ -232,7 +233,7 @@
           <a:p>
             <a:fld id="{A9BD1FE7-2F33-4B0D-BA08-1CEE25D4E3DB}" type="datetimeFigureOut">
               <a:rPr lang="ko-KR" altLang="en-US" smtClean="0"/>
-              <a:t>2025-02-15</a:t>
+              <a:t>2025-02-16</a:t>
             </a:fld>
             <a:endParaRPr lang="ko-KR" altLang="en-US"/>
           </a:p>
@@ -564,7 +565,7 @@
           <a:p>
             <a:fld id="{7314D800-9A51-42A1-B86E-6DA909F79E40}" type="slidenum">
               <a:rPr lang="ko-KR" altLang="en-US" smtClean="0"/>
-              <a:t>26</a:t>
+              <a:t>27</a:t>
             </a:fld>
             <a:endParaRPr lang="ko-KR" altLang="en-US"/>
           </a:p>
@@ -672,7 +673,7 @@
           <a:p>
             <a:fld id="{7314D800-9A51-42A1-B86E-6DA909F79E40}" type="slidenum">
               <a:rPr lang="ko-KR" altLang="en-US" smtClean="0"/>
-              <a:t>27</a:t>
+              <a:t>28</a:t>
             </a:fld>
             <a:endParaRPr lang="ko-KR" altLang="en-US"/>
           </a:p>
@@ -780,7 +781,7 @@
           <a:p>
             <a:fld id="{7314D800-9A51-42A1-B86E-6DA909F79E40}" type="slidenum">
               <a:rPr lang="ko-KR" altLang="en-US" smtClean="0"/>
-              <a:t>28</a:t>
+              <a:t>29</a:t>
             </a:fld>
             <a:endParaRPr lang="ko-KR" altLang="en-US"/>
           </a:p>
@@ -946,7 +947,7 @@
           <a:p>
             <a:fld id="{783F481A-738D-4EBC-92BF-08655C0568CC}" type="datetime1">
               <a:rPr lang="ko-KR" altLang="en-US" smtClean="0"/>
-              <a:t>2025-02-15</a:t>
+              <a:t>2025-02-16</a:t>
             </a:fld>
             <a:endParaRPr lang="ko-KR" altLang="en-US"/>
           </a:p>
@@ -1144,7 +1145,7 @@
           <a:p>
             <a:fld id="{6D9BB776-B79C-4546-8ABA-DA45D9C133A7}" type="datetime1">
               <a:rPr lang="ko-KR" altLang="en-US" smtClean="0"/>
-              <a:t>2025-02-15</a:t>
+              <a:t>2025-02-16</a:t>
             </a:fld>
             <a:endParaRPr lang="ko-KR" altLang="en-US"/>
           </a:p>
@@ -1352,7 +1353,7 @@
           <a:p>
             <a:fld id="{720FF001-C6D3-49EC-8DC3-B2593B1DC1C3}" type="datetime1">
               <a:rPr lang="ko-KR" altLang="en-US" smtClean="0"/>
-              <a:t>2025-02-15</a:t>
+              <a:t>2025-02-16</a:t>
             </a:fld>
             <a:endParaRPr lang="ko-KR" altLang="en-US"/>
           </a:p>
@@ -1550,7 +1551,7 @@
           <a:p>
             <a:fld id="{091E519C-B90B-4A61-8F7D-EA80CD22B7D5}" type="datetime1">
               <a:rPr lang="ko-KR" altLang="en-US" smtClean="0"/>
-              <a:t>2025-02-15</a:t>
+              <a:t>2025-02-16</a:t>
             </a:fld>
             <a:endParaRPr lang="ko-KR" altLang="en-US"/>
           </a:p>
@@ -1825,7 +1826,7 @@
           <a:p>
             <a:fld id="{FD734108-2D59-40E2-B393-1F390391A1FB}" type="datetime1">
               <a:rPr lang="ko-KR" altLang="en-US" smtClean="0"/>
-              <a:t>2025-02-15</a:t>
+              <a:t>2025-02-16</a:t>
             </a:fld>
             <a:endParaRPr lang="ko-KR" altLang="en-US"/>
           </a:p>
@@ -2090,7 +2091,7 @@
           <a:p>
             <a:fld id="{297FF520-CDFD-4316-AC89-B0A764216C4E}" type="datetime1">
               <a:rPr lang="ko-KR" altLang="en-US" smtClean="0"/>
-              <a:t>2025-02-15</a:t>
+              <a:t>2025-02-16</a:t>
             </a:fld>
             <a:endParaRPr lang="ko-KR" altLang="en-US"/>
           </a:p>
@@ -2502,7 +2503,7 @@
           <a:p>
             <a:fld id="{0CF3B42C-2182-4183-A46A-124CD019AF43}" type="datetime1">
               <a:rPr lang="ko-KR" altLang="en-US" smtClean="0"/>
-              <a:t>2025-02-15</a:t>
+              <a:t>2025-02-16</a:t>
             </a:fld>
             <a:endParaRPr lang="ko-KR" altLang="en-US"/>
           </a:p>
@@ -2643,7 +2644,7 @@
           <a:p>
             <a:fld id="{B738F611-77C6-4F89-8E2C-D3A9C27DF43F}" type="datetime1">
               <a:rPr lang="ko-KR" altLang="en-US" smtClean="0"/>
-              <a:t>2025-02-15</a:t>
+              <a:t>2025-02-16</a:t>
             </a:fld>
             <a:endParaRPr lang="ko-KR" altLang="en-US"/>
           </a:p>
@@ -2756,7 +2757,7 @@
           <a:p>
             <a:fld id="{A051748B-BCED-40F0-8EF5-AF075B4618B9}" type="datetime1">
               <a:rPr lang="ko-KR" altLang="en-US" smtClean="0"/>
-              <a:t>2025-02-15</a:t>
+              <a:t>2025-02-16</a:t>
             </a:fld>
             <a:endParaRPr lang="ko-KR" altLang="en-US"/>
           </a:p>
@@ -3067,7 +3068,7 @@
           <a:p>
             <a:fld id="{41DBB85A-8EA7-4277-A6E6-46EF2EEF4790}" type="datetime1">
               <a:rPr lang="ko-KR" altLang="en-US" smtClean="0"/>
-              <a:t>2025-02-15</a:t>
+              <a:t>2025-02-16</a:t>
             </a:fld>
             <a:endParaRPr lang="ko-KR" altLang="en-US"/>
           </a:p>
@@ -3355,7 +3356,7 @@
           <a:p>
             <a:fld id="{BBE44FDA-CB41-4E86-912D-6ECC7574FD7F}" type="datetime1">
               <a:rPr lang="ko-KR" altLang="en-US" smtClean="0"/>
-              <a:t>2025-02-15</a:t>
+              <a:t>2025-02-16</a:t>
             </a:fld>
             <a:endParaRPr lang="ko-KR" altLang="en-US"/>
           </a:p>
@@ -3596,7 +3597,7 @@
           <a:p>
             <a:fld id="{F0992805-70C9-4612-850D-0415F751BF22}" type="datetime1">
               <a:rPr lang="ko-KR" altLang="en-US" smtClean="0"/>
-              <a:t>2025-02-15</a:t>
+              <a:t>2025-02-16</a:t>
             </a:fld>
             <a:endParaRPr lang="ko-KR" altLang="en-US"/>
           </a:p>
@@ -18513,17 +18514,20 @@
             </a:pPr>
             <a:r>
               <a:rPr lang="ko-KR" altLang="en-US" dirty="0"/>
-              <a:t>장애물에 </a:t>
+              <a:t>유저는 </a:t>
             </a:r>
             <a:r>
               <a:rPr lang="en-US" altLang="ko-KR" dirty="0"/>
-              <a:t>3</a:t>
+              <a:t>5</a:t>
             </a:r>
             <a:r>
               <a:rPr lang="ko-KR" altLang="en-US" dirty="0"/>
-              <a:t>번 이상 부딪힐 경우 게임 오버</a:t>
+              <a:t>개의 체력을 가지고 시작한다</a:t>
             </a:r>
-            <a:endParaRPr lang="en-US" altLang="ko-KR" dirty="0"/>
+            <a:r>
+              <a:rPr lang="en-US" altLang="ko-KR" dirty="0"/>
+              <a:t>.</a:t>
+            </a:r>
           </a:p>
         </p:txBody>
       </p:sp>
@@ -26152,6 +26156,1367 @@
         <p:cNvPr id="1" name="">
           <a:extLst>
             <a:ext uri="{FF2B5EF4-FFF2-40B4-BE49-F238E27FC236}">
+              <a16:creationId xmlns:a16="http://schemas.microsoft.com/office/drawing/2014/main" id="{F81E0218-7D1C-135C-3F30-0C665D20B4EA}"/>
+            </a:ext>
+          </a:extLst>
+        </p:cNvPr>
+        <p:cNvGrpSpPr/>
+        <p:nvPr/>
+      </p:nvGrpSpPr>
+      <p:grpSpPr>
+        <a:xfrm>
+          <a:off x="0" y="0"/>
+          <a:ext cx="0" cy="0"/>
+          <a:chOff x="0" y="0"/>
+          <a:chExt cx="0" cy="0"/>
+        </a:xfrm>
+      </p:grpSpPr>
+      <p:sp>
+        <p:nvSpPr>
+          <p:cNvPr id="10" name="제목 1">
+            <a:extLst>
+              <a:ext uri="{FF2B5EF4-FFF2-40B4-BE49-F238E27FC236}">
+                <a16:creationId xmlns:a16="http://schemas.microsoft.com/office/drawing/2014/main" id="{77CC950B-BAF5-110D-B910-DCCF5A194563}"/>
+              </a:ext>
+            </a:extLst>
+          </p:cNvPr>
+          <p:cNvSpPr>
+            <a:spLocks noGrp="1"/>
+          </p:cNvSpPr>
+          <p:nvPr>
+            <p:ph type="title"/>
+          </p:nvPr>
+        </p:nvSpPr>
+        <p:spPr>
+          <a:xfrm>
+            <a:off x="129225" y="83886"/>
+            <a:ext cx="3034834" cy="608225"/>
+          </a:xfrm>
+        </p:spPr>
+        <p:txBody>
+          <a:bodyPr>
+            <a:normAutofit/>
+          </a:bodyPr>
+          <a:lstStyle/>
+          <a:p>
+            <a:pPr algn="ctr"/>
+            <a:r>
+              <a:rPr lang="ko-KR" altLang="en-US" sz="3200" b="1"/>
+              <a:t>미니 게임 종류</a:t>
+            </a:r>
+            <a:endParaRPr lang="ko-KR" altLang="en-US" sz="3200" b="1" dirty="0"/>
+          </a:p>
+        </p:txBody>
+      </p:sp>
+      <p:cxnSp>
+        <p:nvCxnSpPr>
+          <p:cNvPr id="11" name="직선 연결선 10">
+            <a:extLst>
+              <a:ext uri="{FF2B5EF4-FFF2-40B4-BE49-F238E27FC236}">
+                <a16:creationId xmlns:a16="http://schemas.microsoft.com/office/drawing/2014/main" id="{D9E69E3B-EF31-AEAE-9915-7827C5795139}"/>
+              </a:ext>
+            </a:extLst>
+          </p:cNvPr>
+          <p:cNvCxnSpPr>
+            <a:cxnSpLocks/>
+          </p:cNvCxnSpPr>
+          <p:nvPr/>
+        </p:nvCxnSpPr>
+        <p:spPr>
+          <a:xfrm>
+            <a:off x="0" y="692111"/>
+            <a:ext cx="12192000" cy="0"/>
+          </a:xfrm>
+          <a:prstGeom prst="line">
+            <a:avLst/>
+          </a:prstGeom>
+          <a:ln>
+            <a:solidFill>
+              <a:schemeClr val="bg2">
+                <a:lumMod val="75000"/>
+              </a:schemeClr>
+            </a:solidFill>
+          </a:ln>
+        </p:spPr>
+        <p:style>
+          <a:lnRef idx="2">
+            <a:schemeClr val="accent1"/>
+          </a:lnRef>
+          <a:fillRef idx="0">
+            <a:schemeClr val="accent1"/>
+          </a:fillRef>
+          <a:effectRef idx="1">
+            <a:schemeClr val="accent1"/>
+          </a:effectRef>
+          <a:fontRef idx="minor">
+            <a:schemeClr val="tx1"/>
+          </a:fontRef>
+        </p:style>
+      </p:cxnSp>
+      <p:cxnSp>
+        <p:nvCxnSpPr>
+          <p:cNvPr id="12" name="직선 연결선 11">
+            <a:extLst>
+              <a:ext uri="{FF2B5EF4-FFF2-40B4-BE49-F238E27FC236}">
+                <a16:creationId xmlns:a16="http://schemas.microsoft.com/office/drawing/2014/main" id="{81EADD0F-B33D-48FE-E39B-969837083D53}"/>
+              </a:ext>
+            </a:extLst>
+          </p:cNvPr>
+          <p:cNvCxnSpPr>
+            <a:cxnSpLocks/>
+          </p:cNvCxnSpPr>
+          <p:nvPr/>
+        </p:nvCxnSpPr>
+        <p:spPr>
+          <a:xfrm>
+            <a:off x="129225" y="658980"/>
+            <a:ext cx="3034834" cy="0"/>
+          </a:xfrm>
+          <a:prstGeom prst="line">
+            <a:avLst/>
+          </a:prstGeom>
+          <a:ln w="76200">
+            <a:solidFill>
+              <a:schemeClr val="tx1"/>
+            </a:solidFill>
+          </a:ln>
+        </p:spPr>
+        <p:style>
+          <a:lnRef idx="2">
+            <a:schemeClr val="accent1"/>
+          </a:lnRef>
+          <a:fillRef idx="0">
+            <a:schemeClr val="accent1"/>
+          </a:fillRef>
+          <a:effectRef idx="1">
+            <a:schemeClr val="accent1"/>
+          </a:effectRef>
+          <a:fontRef idx="minor">
+            <a:schemeClr val="tx1"/>
+          </a:fontRef>
+        </p:style>
+      </p:cxnSp>
+      <p:sp>
+        <p:nvSpPr>
+          <p:cNvPr id="26" name="TextBox 25">
+            <a:extLst>
+              <a:ext uri="{FF2B5EF4-FFF2-40B4-BE49-F238E27FC236}">
+                <a16:creationId xmlns:a16="http://schemas.microsoft.com/office/drawing/2014/main" id="{11D07FE3-B1A2-9750-C11B-9A1D0E1E1EDB}"/>
+              </a:ext>
+            </a:extLst>
+          </p:cNvPr>
+          <p:cNvSpPr txBox="1"/>
+          <p:nvPr/>
+        </p:nvSpPr>
+        <p:spPr>
+          <a:xfrm>
+            <a:off x="454785" y="707392"/>
+            <a:ext cx="4107215" cy="523220"/>
+          </a:xfrm>
+          <a:prstGeom prst="rect">
+            <a:avLst/>
+          </a:prstGeom>
+          <a:noFill/>
+        </p:spPr>
+        <p:txBody>
+          <a:bodyPr wrap="none" rtlCol="0">
+            <a:spAutoFit/>
+          </a:bodyPr>
+          <a:lstStyle/>
+          <a:p>
+            <a:r>
+              <a:rPr lang="ko-KR" altLang="en-US" sz="2800" dirty="0">
+                <a:solidFill>
+                  <a:srgbClr val="0070C0"/>
+                </a:solidFill>
+              </a:rPr>
+              <a:t>러닝 게임 </a:t>
+            </a:r>
+            <a:r>
+              <a:rPr lang="en-US" altLang="ko-KR" sz="2800" dirty="0">
+                <a:solidFill>
+                  <a:srgbClr val="0070C0"/>
+                </a:solidFill>
+              </a:rPr>
+              <a:t>– </a:t>
+            </a:r>
+            <a:r>
+              <a:rPr lang="ko-KR" altLang="en-US" sz="2800" dirty="0">
+                <a:solidFill>
+                  <a:srgbClr val="0070C0"/>
+                </a:solidFill>
+              </a:rPr>
+              <a:t>체력 시스템</a:t>
+            </a:r>
+          </a:p>
+        </p:txBody>
+      </p:sp>
+      <p:sp>
+        <p:nvSpPr>
+          <p:cNvPr id="32" name="슬라이드 번호 개체 틀 31">
+            <a:extLst>
+              <a:ext uri="{FF2B5EF4-FFF2-40B4-BE49-F238E27FC236}">
+                <a16:creationId xmlns:a16="http://schemas.microsoft.com/office/drawing/2014/main" id="{2E9ED644-67C6-B847-97EC-E8B350169DB8}"/>
+              </a:ext>
+            </a:extLst>
+          </p:cNvPr>
+          <p:cNvSpPr>
+            <a:spLocks noGrp="1"/>
+          </p:cNvSpPr>
+          <p:nvPr>
+            <p:ph type="sldNum" sz="quarter" idx="12"/>
+          </p:nvPr>
+        </p:nvSpPr>
+        <p:spPr/>
+        <p:txBody>
+          <a:bodyPr/>
+          <a:lstStyle/>
+          <a:p>
+            <a:fld id="{8D96929D-9E84-4A42-B4C3-2E48812748E4}" type="slidenum">
+              <a:rPr lang="ko-KR" altLang="en-US" smtClean="0"/>
+              <a:t>22</a:t>
+            </a:fld>
+            <a:endParaRPr lang="ko-KR" altLang="en-US"/>
+          </a:p>
+        </p:txBody>
+      </p:sp>
+      <p:grpSp>
+        <p:nvGrpSpPr>
+          <p:cNvPr id="72" name="그룹 71">
+            <a:extLst>
+              <a:ext uri="{FF2B5EF4-FFF2-40B4-BE49-F238E27FC236}">
+                <a16:creationId xmlns:a16="http://schemas.microsoft.com/office/drawing/2014/main" id="{E3A8D6FC-5DBB-4E91-6827-4D77F2C5049F}"/>
+              </a:ext>
+            </a:extLst>
+          </p:cNvPr>
+          <p:cNvGrpSpPr/>
+          <p:nvPr/>
+        </p:nvGrpSpPr>
+        <p:grpSpPr>
+          <a:xfrm>
+            <a:off x="752612" y="1674506"/>
+            <a:ext cx="10980632" cy="4237950"/>
+            <a:chOff x="752612" y="1645450"/>
+            <a:chExt cx="10980632" cy="4237950"/>
+          </a:xfrm>
+        </p:grpSpPr>
+        <p:grpSp>
+          <p:nvGrpSpPr>
+            <p:cNvPr id="42" name="그룹 41">
+              <a:extLst>
+                <a:ext uri="{FF2B5EF4-FFF2-40B4-BE49-F238E27FC236}">
+                  <a16:creationId xmlns:a16="http://schemas.microsoft.com/office/drawing/2014/main" id="{9B190C06-E1A9-FF13-FFE9-5E165EBDB129}"/>
+                </a:ext>
+              </a:extLst>
+            </p:cNvPr>
+            <p:cNvGrpSpPr/>
+            <p:nvPr/>
+          </p:nvGrpSpPr>
+          <p:grpSpPr>
+            <a:xfrm>
+              <a:off x="2248126" y="1669346"/>
+              <a:ext cx="1587468" cy="2686642"/>
+              <a:chOff x="3091816" y="1602832"/>
+              <a:chExt cx="1587468" cy="2686642"/>
+            </a:xfrm>
+          </p:grpSpPr>
+          <p:grpSp>
+            <p:nvGrpSpPr>
+              <p:cNvPr id="9" name="그룹 8">
+                <a:extLst>
+                  <a:ext uri="{FF2B5EF4-FFF2-40B4-BE49-F238E27FC236}">
+                    <a16:creationId xmlns:a16="http://schemas.microsoft.com/office/drawing/2014/main" id="{BF25FFE0-C608-884A-27FB-1008A17CBA42}"/>
+                  </a:ext>
+                </a:extLst>
+              </p:cNvPr>
+              <p:cNvGrpSpPr/>
+              <p:nvPr/>
+            </p:nvGrpSpPr>
+            <p:grpSpPr>
+              <a:xfrm>
+                <a:off x="3091816" y="2592873"/>
+                <a:ext cx="1587468" cy="1696601"/>
+                <a:chOff x="2163975" y="4347754"/>
+                <a:chExt cx="980440" cy="1047842"/>
+              </a:xfrm>
+            </p:grpSpPr>
+            <p:sp>
+              <p:nvSpPr>
+                <p:cNvPr id="16" name="직사각형 15">
+                  <a:extLst>
+                    <a:ext uri="{FF2B5EF4-FFF2-40B4-BE49-F238E27FC236}">
+                      <a16:creationId xmlns:a16="http://schemas.microsoft.com/office/drawing/2014/main" id="{A348CA6C-2AA1-D582-4588-139FD86B969C}"/>
+                    </a:ext>
+                  </a:extLst>
+                </p:cNvPr>
+                <p:cNvSpPr/>
+                <p:nvPr/>
+              </p:nvSpPr>
+              <p:spPr>
+                <a:xfrm>
+                  <a:off x="2704604" y="4957320"/>
+                  <a:ext cx="438276" cy="438276"/>
+                </a:xfrm>
+                <a:prstGeom prst="rect">
+                  <a:avLst/>
+                </a:prstGeom>
+                <a:solidFill>
+                  <a:schemeClr val="accent2">
+                    <a:lumMod val="75000"/>
+                  </a:schemeClr>
+                </a:solidFill>
+                <a:ln>
+                  <a:noFill/>
+                </a:ln>
+              </p:spPr>
+              <p:style>
+                <a:lnRef idx="2">
+                  <a:schemeClr val="accent1">
+                    <a:shade val="15000"/>
+                  </a:schemeClr>
+                </a:lnRef>
+                <a:fillRef idx="1">
+                  <a:schemeClr val="accent1"/>
+                </a:fillRef>
+                <a:effectRef idx="0">
+                  <a:schemeClr val="accent1"/>
+                </a:effectRef>
+                <a:fontRef idx="minor">
+                  <a:schemeClr val="lt1"/>
+                </a:fontRef>
+              </p:style>
+              <p:txBody>
+                <a:bodyPr rtlCol="0" anchor="ctr"/>
+                <a:lstStyle/>
+                <a:p>
+                  <a:pPr algn="ctr"/>
+                  <a:endParaRPr lang="ko-KR" altLang="en-US" sz="1600"/>
+                </a:p>
+              </p:txBody>
+            </p:sp>
+            <p:sp>
+              <p:nvSpPr>
+                <p:cNvPr id="2" name="사각형: 둥근 모서리 1">
+                  <a:extLst>
+                    <a:ext uri="{FF2B5EF4-FFF2-40B4-BE49-F238E27FC236}">
+                      <a16:creationId xmlns:a16="http://schemas.microsoft.com/office/drawing/2014/main" id="{DF38A017-90A3-2C38-DAD0-41CF21650C8D}"/>
+                    </a:ext>
+                  </a:extLst>
+                </p:cNvPr>
+                <p:cNvSpPr/>
+                <p:nvPr/>
+              </p:nvSpPr>
+              <p:spPr>
+                <a:xfrm>
+                  <a:off x="2163975" y="4347754"/>
+                  <a:ext cx="586188" cy="1040597"/>
+                </a:xfrm>
+                <a:prstGeom prst="roundRect">
+                  <a:avLst/>
+                </a:prstGeom>
+                <a:solidFill>
+                  <a:schemeClr val="accent1">
+                    <a:alpha val="60000"/>
+                  </a:schemeClr>
+                </a:solidFill>
+                <a:ln>
+                  <a:noFill/>
+                </a:ln>
+              </p:spPr>
+              <p:style>
+                <a:lnRef idx="2">
+                  <a:schemeClr val="accent1">
+                    <a:shade val="15000"/>
+                  </a:schemeClr>
+                </a:lnRef>
+                <a:fillRef idx="1">
+                  <a:schemeClr val="accent1"/>
+                </a:fillRef>
+                <a:effectRef idx="0">
+                  <a:schemeClr val="accent1"/>
+                </a:effectRef>
+                <a:fontRef idx="minor">
+                  <a:schemeClr val="lt1"/>
+                </a:fontRef>
+              </p:style>
+              <p:txBody>
+                <a:bodyPr rtlCol="0" anchor="ctr"/>
+                <a:lstStyle/>
+                <a:p>
+                  <a:pPr algn="ctr"/>
+                  <a:endParaRPr lang="ko-KR" altLang="en-US" sz="1600"/>
+                </a:p>
+              </p:txBody>
+            </p:sp>
+            <p:sp>
+              <p:nvSpPr>
+                <p:cNvPr id="6" name="폭발: 8pt 5">
+                  <a:extLst>
+                    <a:ext uri="{FF2B5EF4-FFF2-40B4-BE49-F238E27FC236}">
+                      <a16:creationId xmlns:a16="http://schemas.microsoft.com/office/drawing/2014/main" id="{77A88AAD-5726-38A7-CB1E-013667D91B67}"/>
+                    </a:ext>
+                  </a:extLst>
+                </p:cNvPr>
+                <p:cNvSpPr/>
+                <p:nvPr/>
+              </p:nvSpPr>
+              <p:spPr>
+                <a:xfrm>
+                  <a:off x="2355910" y="4618657"/>
+                  <a:ext cx="788505" cy="694688"/>
+                </a:xfrm>
+                <a:prstGeom prst="irregularSeal1">
+                  <a:avLst/>
+                </a:prstGeom>
+                <a:solidFill>
+                  <a:srgbClr val="FFFF00"/>
+                </a:solidFill>
+                <a:ln>
+                  <a:noFill/>
+                </a:ln>
+              </p:spPr>
+              <p:style>
+                <a:lnRef idx="2">
+                  <a:schemeClr val="accent1">
+                    <a:shade val="15000"/>
+                  </a:schemeClr>
+                </a:lnRef>
+                <a:fillRef idx="1">
+                  <a:schemeClr val="accent1"/>
+                </a:fillRef>
+                <a:effectRef idx="0">
+                  <a:schemeClr val="accent1"/>
+                </a:effectRef>
+                <a:fontRef idx="minor">
+                  <a:schemeClr val="lt1"/>
+                </a:fontRef>
+              </p:style>
+              <p:txBody>
+                <a:bodyPr rtlCol="0" anchor="ctr"/>
+                <a:lstStyle/>
+                <a:p>
+                  <a:pPr algn="ctr"/>
+                  <a:endParaRPr lang="ko-KR" altLang="en-US"/>
+                </a:p>
+              </p:txBody>
+            </p:sp>
+          </p:grpSp>
+          <p:grpSp>
+            <p:nvGrpSpPr>
+              <p:cNvPr id="7" name="그룹 6">
+                <a:extLst>
+                  <a:ext uri="{FF2B5EF4-FFF2-40B4-BE49-F238E27FC236}">
+                    <a16:creationId xmlns:a16="http://schemas.microsoft.com/office/drawing/2014/main" id="{77151D98-328A-2831-11DA-97F5CD8D1098}"/>
+                  </a:ext>
+                </a:extLst>
+              </p:cNvPr>
+              <p:cNvGrpSpPr/>
+              <p:nvPr/>
+            </p:nvGrpSpPr>
+            <p:grpSpPr>
+              <a:xfrm>
+                <a:off x="3196917" y="1602832"/>
+                <a:ext cx="1377266" cy="742181"/>
+                <a:chOff x="2082307" y="3730918"/>
+                <a:chExt cx="850617" cy="458380"/>
+              </a:xfrm>
+            </p:grpSpPr>
+            <p:pic>
+              <p:nvPicPr>
+                <p:cNvPr id="46" name="그림 45" descr="블랙, 어둠이(가) 표시된 사진&#10;&#10;자동 생성된 설명">
+                  <a:extLst>
+                    <a:ext uri="{FF2B5EF4-FFF2-40B4-BE49-F238E27FC236}">
+                      <a16:creationId xmlns:a16="http://schemas.microsoft.com/office/drawing/2014/main" id="{5D5A5467-B6C5-B5A1-3F12-62CA78D9E841}"/>
+                    </a:ext>
+                  </a:extLst>
+                </p:cNvPr>
+                <p:cNvPicPr>
+                  <a:picLocks noChangeAspect="1"/>
+                </p:cNvPicPr>
+                <p:nvPr/>
+              </p:nvPicPr>
+              <p:blipFill>
+                <a:blip r:embed="rId2">
+                  <a:extLst>
+                    <a:ext uri="{28A0092B-C50C-407E-A947-70E740481C1C}">
+                      <a14:useLocalDpi xmlns:a14="http://schemas.microsoft.com/office/drawing/2010/main" val="0"/>
+                    </a:ext>
+                  </a:extLst>
+                </a:blip>
+                <a:stretch>
+                  <a:fillRect/>
+                </a:stretch>
+              </p:blipFill>
+              <p:spPr>
+                <a:xfrm>
+                  <a:off x="2082307" y="3730918"/>
+                  <a:ext cx="458380" cy="458380"/>
+                </a:xfrm>
+                <a:prstGeom prst="rect">
+                  <a:avLst/>
+                </a:prstGeom>
+              </p:spPr>
+            </p:pic>
+            <p:sp>
+              <p:nvSpPr>
+                <p:cNvPr id="4" name="TextBox 3">
+                  <a:extLst>
+                    <a:ext uri="{FF2B5EF4-FFF2-40B4-BE49-F238E27FC236}">
+                      <a16:creationId xmlns:a16="http://schemas.microsoft.com/office/drawing/2014/main" id="{1BCCC918-77D1-975A-D448-D2EBDB4EE0B5}"/>
+                    </a:ext>
+                  </a:extLst>
+                </p:cNvPr>
+                <p:cNvSpPr txBox="1"/>
+                <p:nvPr/>
+              </p:nvSpPr>
+              <p:spPr>
+                <a:xfrm>
+                  <a:off x="2567403" y="3779524"/>
+                  <a:ext cx="365521" cy="361164"/>
+                </a:xfrm>
+                <a:prstGeom prst="rect">
+                  <a:avLst/>
+                </a:prstGeom>
+                <a:noFill/>
+              </p:spPr>
+              <p:txBody>
+                <a:bodyPr wrap="none" rtlCol="0" anchor="ctr">
+                  <a:spAutoFit/>
+                </a:bodyPr>
+                <a:lstStyle/>
+                <a:p>
+                  <a:pPr algn="ctr"/>
+                  <a:r>
+                    <a:rPr lang="en-US" altLang="ko-KR" sz="3200" b="1" dirty="0">
+                      <a:solidFill>
+                        <a:srgbClr val="FF0000"/>
+                      </a:solidFill>
+                    </a:rPr>
+                    <a:t>-1</a:t>
+                  </a:r>
+                  <a:endParaRPr lang="ko-KR" altLang="en-US" sz="3200" b="1" dirty="0">
+                    <a:solidFill>
+                      <a:srgbClr val="FF0000"/>
+                    </a:solidFill>
+                  </a:endParaRPr>
+                </a:p>
+              </p:txBody>
+            </p:sp>
+          </p:grpSp>
+        </p:grpSp>
+        <p:sp>
+          <p:nvSpPr>
+            <p:cNvPr id="45" name="TextBox 44">
+              <a:extLst>
+                <a:ext uri="{FF2B5EF4-FFF2-40B4-BE49-F238E27FC236}">
+                  <a16:creationId xmlns:a16="http://schemas.microsoft.com/office/drawing/2014/main" id="{4BB2C709-44F2-C055-09C2-ECF773C2AED8}"/>
+                </a:ext>
+              </a:extLst>
+            </p:cNvPr>
+            <p:cNvSpPr txBox="1"/>
+            <p:nvPr/>
+          </p:nvSpPr>
+          <p:spPr>
+            <a:xfrm>
+              <a:off x="2404506" y="4588113"/>
+              <a:ext cx="1274708" cy="369332"/>
+            </a:xfrm>
+            <a:prstGeom prst="rect">
+              <a:avLst/>
+            </a:prstGeom>
+            <a:noFill/>
+          </p:spPr>
+          <p:txBody>
+            <a:bodyPr wrap="none" rtlCol="0">
+              <a:spAutoFit/>
+            </a:bodyPr>
+            <a:lstStyle/>
+            <a:p>
+              <a:pPr algn="ctr"/>
+              <a:r>
+                <a:rPr lang="en-US" altLang="ko-KR" b="1" dirty="0"/>
+                <a:t>[</a:t>
+              </a:r>
+              <a:r>
+                <a:rPr lang="ko-KR" altLang="en-US" b="1" dirty="0"/>
+                <a:t>체력소모</a:t>
+              </a:r>
+              <a:r>
+                <a:rPr lang="en-US" altLang="ko-KR" b="1" dirty="0"/>
+                <a:t>]</a:t>
+              </a:r>
+              <a:endParaRPr lang="ko-KR" altLang="en-US" b="1" dirty="0"/>
+            </a:p>
+          </p:txBody>
+        </p:sp>
+        <p:sp>
+          <p:nvSpPr>
+            <p:cNvPr id="67" name="TextBox 66">
+              <a:extLst>
+                <a:ext uri="{FF2B5EF4-FFF2-40B4-BE49-F238E27FC236}">
+                  <a16:creationId xmlns:a16="http://schemas.microsoft.com/office/drawing/2014/main" id="{56294ACC-5249-62AB-3424-C7A9CAB8B959}"/>
+                </a:ext>
+              </a:extLst>
+            </p:cNvPr>
+            <p:cNvSpPr txBox="1"/>
+            <p:nvPr/>
+          </p:nvSpPr>
+          <p:spPr>
+            <a:xfrm>
+              <a:off x="752612" y="5144736"/>
+              <a:ext cx="4578497" cy="523220"/>
+            </a:xfrm>
+            <a:prstGeom prst="rect">
+              <a:avLst/>
+            </a:prstGeom>
+            <a:noFill/>
+          </p:spPr>
+          <p:txBody>
+            <a:bodyPr wrap="none" rtlCol="0">
+              <a:spAutoFit/>
+            </a:bodyPr>
+            <a:lstStyle/>
+            <a:p>
+              <a:pPr marL="285750" indent="-285750">
+                <a:buFontTx/>
+                <a:buChar char="-"/>
+              </a:pPr>
+              <a:r>
+                <a:rPr lang="ko-KR" altLang="en-US" sz="1400" dirty="0"/>
+                <a:t>캐릭터가 장애물에 부딪힐 때마다 체력이 </a:t>
+              </a:r>
+              <a:r>
+                <a:rPr lang="en-US" altLang="ko-KR" sz="1400" dirty="0"/>
+                <a:t>1 </a:t>
+              </a:r>
+              <a:r>
+                <a:rPr lang="ko-KR" altLang="en-US" sz="1400" dirty="0"/>
+                <a:t>깎인다</a:t>
+              </a:r>
+              <a:r>
+                <a:rPr lang="en-US" altLang="ko-KR" sz="1400" dirty="0"/>
+                <a:t>.</a:t>
+              </a:r>
+            </a:p>
+            <a:p>
+              <a:pPr marL="285750" indent="-285750">
+                <a:buFontTx/>
+                <a:buChar char="-"/>
+              </a:pPr>
+              <a:r>
+                <a:rPr lang="ko-KR" altLang="en-US" sz="1400" dirty="0"/>
+                <a:t>모든 체력을 소모했을 경우 게임오버가 된다</a:t>
+              </a:r>
+              <a:r>
+                <a:rPr lang="en-US" altLang="ko-KR" sz="1400" dirty="0"/>
+                <a:t>.</a:t>
+              </a:r>
+            </a:p>
+          </p:txBody>
+        </p:sp>
+        <p:grpSp>
+          <p:nvGrpSpPr>
+            <p:cNvPr id="71" name="그룹 70">
+              <a:extLst>
+                <a:ext uri="{FF2B5EF4-FFF2-40B4-BE49-F238E27FC236}">
+                  <a16:creationId xmlns:a16="http://schemas.microsoft.com/office/drawing/2014/main" id="{702F3322-02B4-3C9F-7894-5DB4B8902BE1}"/>
+                </a:ext>
+              </a:extLst>
+            </p:cNvPr>
+            <p:cNvGrpSpPr/>
+            <p:nvPr/>
+          </p:nvGrpSpPr>
+          <p:grpSpPr>
+            <a:xfrm>
+              <a:off x="6847113" y="1645450"/>
+              <a:ext cx="3964296" cy="2734434"/>
+              <a:chOff x="6847113" y="1705084"/>
+              <a:chExt cx="3964296" cy="2734434"/>
+            </a:xfrm>
+          </p:grpSpPr>
+          <p:grpSp>
+            <p:nvGrpSpPr>
+              <p:cNvPr id="22" name="그룹 21">
+                <a:extLst>
+                  <a:ext uri="{FF2B5EF4-FFF2-40B4-BE49-F238E27FC236}">
+                    <a16:creationId xmlns:a16="http://schemas.microsoft.com/office/drawing/2014/main" id="{0891AC3A-5C1A-A913-EEA9-15C11AB12473}"/>
+                  </a:ext>
+                </a:extLst>
+              </p:cNvPr>
+              <p:cNvGrpSpPr/>
+              <p:nvPr/>
+            </p:nvGrpSpPr>
+            <p:grpSpPr>
+              <a:xfrm>
+                <a:off x="8109370" y="1705084"/>
+                <a:ext cx="1439783" cy="742181"/>
+                <a:chOff x="2082307" y="3730918"/>
+                <a:chExt cx="889228" cy="458380"/>
+              </a:xfrm>
+            </p:grpSpPr>
+            <p:pic>
+              <p:nvPicPr>
+                <p:cNvPr id="23" name="그림 22" descr="블랙, 어둠이(가) 표시된 사진&#10;&#10;자동 생성된 설명">
+                  <a:extLst>
+                    <a:ext uri="{FF2B5EF4-FFF2-40B4-BE49-F238E27FC236}">
+                      <a16:creationId xmlns:a16="http://schemas.microsoft.com/office/drawing/2014/main" id="{0F124BEF-DFBA-1609-A520-4271D8D4769A}"/>
+                    </a:ext>
+                  </a:extLst>
+                </p:cNvPr>
+                <p:cNvPicPr>
+                  <a:picLocks noChangeAspect="1"/>
+                </p:cNvPicPr>
+                <p:nvPr/>
+              </p:nvPicPr>
+              <p:blipFill>
+                <a:blip r:embed="rId2">
+                  <a:extLst>
+                    <a:ext uri="{28A0092B-C50C-407E-A947-70E740481C1C}">
+                      <a14:useLocalDpi xmlns:a14="http://schemas.microsoft.com/office/drawing/2010/main" val="0"/>
+                    </a:ext>
+                  </a:extLst>
+                </a:blip>
+                <a:stretch>
+                  <a:fillRect/>
+                </a:stretch>
+              </p:blipFill>
+              <p:spPr>
+                <a:xfrm>
+                  <a:off x="2082307" y="3730918"/>
+                  <a:ext cx="458380" cy="458380"/>
+                </a:xfrm>
+                <a:prstGeom prst="rect">
+                  <a:avLst/>
+                </a:prstGeom>
+              </p:spPr>
+            </p:pic>
+            <p:sp>
+              <p:nvSpPr>
+                <p:cNvPr id="24" name="TextBox 23">
+                  <a:extLst>
+                    <a:ext uri="{FF2B5EF4-FFF2-40B4-BE49-F238E27FC236}">
+                      <a16:creationId xmlns:a16="http://schemas.microsoft.com/office/drawing/2014/main" id="{F9531D61-0DB9-8810-7AD9-95514B890796}"/>
+                    </a:ext>
+                  </a:extLst>
+                </p:cNvPr>
+                <p:cNvSpPr txBox="1"/>
+                <p:nvPr/>
+              </p:nvSpPr>
+              <p:spPr>
+                <a:xfrm>
+                  <a:off x="2528791" y="3779524"/>
+                  <a:ext cx="442744" cy="361164"/>
+                </a:xfrm>
+                <a:prstGeom prst="rect">
+                  <a:avLst/>
+                </a:prstGeom>
+                <a:noFill/>
+              </p:spPr>
+              <p:txBody>
+                <a:bodyPr wrap="none" rtlCol="0" anchor="ctr">
+                  <a:spAutoFit/>
+                </a:bodyPr>
+                <a:lstStyle/>
+                <a:p>
+                  <a:pPr algn="ctr"/>
+                  <a:r>
+                    <a:rPr lang="en-US" altLang="ko-KR" sz="3200" b="1" dirty="0">
+                      <a:solidFill>
+                        <a:schemeClr val="accent6"/>
+                      </a:solidFill>
+                    </a:rPr>
+                    <a:t>+1</a:t>
+                  </a:r>
+                  <a:endParaRPr lang="ko-KR" altLang="en-US" sz="3200" b="1" dirty="0">
+                    <a:solidFill>
+                      <a:schemeClr val="accent6"/>
+                    </a:solidFill>
+                  </a:endParaRPr>
+                </a:p>
+              </p:txBody>
+            </p:sp>
+          </p:grpSp>
+          <p:grpSp>
+            <p:nvGrpSpPr>
+              <p:cNvPr id="40" name="그룹 39">
+                <a:extLst>
+                  <a:ext uri="{FF2B5EF4-FFF2-40B4-BE49-F238E27FC236}">
+                    <a16:creationId xmlns:a16="http://schemas.microsoft.com/office/drawing/2014/main" id="{0B9B5201-5A89-3A21-7B09-54BC334467C0}"/>
+                  </a:ext>
+                </a:extLst>
+              </p:cNvPr>
+              <p:cNvGrpSpPr/>
+              <p:nvPr/>
+            </p:nvGrpSpPr>
+            <p:grpSpPr>
+              <a:xfrm>
+                <a:off x="6847113" y="2813449"/>
+                <a:ext cx="3964296" cy="1626069"/>
+                <a:chOff x="6926530" y="2552038"/>
+                <a:chExt cx="3964296" cy="1626069"/>
+              </a:xfrm>
+            </p:grpSpPr>
+            <p:grpSp>
+              <p:nvGrpSpPr>
+                <p:cNvPr id="38" name="그룹 37">
+                  <a:extLst>
+                    <a:ext uri="{FF2B5EF4-FFF2-40B4-BE49-F238E27FC236}">
+                      <a16:creationId xmlns:a16="http://schemas.microsoft.com/office/drawing/2014/main" id="{2CE83F01-7F80-66FB-5168-A8826D5D1F90}"/>
+                    </a:ext>
+                  </a:extLst>
+                </p:cNvPr>
+                <p:cNvGrpSpPr/>
+                <p:nvPr/>
+              </p:nvGrpSpPr>
+              <p:grpSpPr>
+                <a:xfrm>
+                  <a:off x="6926530" y="2552038"/>
+                  <a:ext cx="2847912" cy="1626069"/>
+                  <a:chOff x="6926530" y="2552038"/>
+                  <a:chExt cx="2847912" cy="1626069"/>
+                </a:xfrm>
+              </p:grpSpPr>
+              <p:grpSp>
+                <p:nvGrpSpPr>
+                  <p:cNvPr id="34" name="그룹 33">
+                    <a:extLst>
+                      <a:ext uri="{FF2B5EF4-FFF2-40B4-BE49-F238E27FC236}">
+                        <a16:creationId xmlns:a16="http://schemas.microsoft.com/office/drawing/2014/main" id="{D031CE21-C921-A675-EBDF-75CFA9233E6E}"/>
+                      </a:ext>
+                    </a:extLst>
+                  </p:cNvPr>
+                  <p:cNvGrpSpPr/>
+                  <p:nvPr/>
+                </p:nvGrpSpPr>
+                <p:grpSpPr>
+                  <a:xfrm>
+                    <a:off x="8057392" y="2552038"/>
+                    <a:ext cx="586188" cy="1626069"/>
+                    <a:chOff x="7983436" y="2552038"/>
+                    <a:chExt cx="586188" cy="1626069"/>
+                  </a:xfrm>
+                </p:grpSpPr>
+                <p:sp>
+                  <p:nvSpPr>
+                    <p:cNvPr id="25" name="직사각형 24">
+                      <a:extLst>
+                        <a:ext uri="{FF2B5EF4-FFF2-40B4-BE49-F238E27FC236}">
+                          <a16:creationId xmlns:a16="http://schemas.microsoft.com/office/drawing/2014/main" id="{386CDBF8-7F00-105D-80B7-5E535F0FC57D}"/>
+                        </a:ext>
+                      </a:extLst>
+                    </p:cNvPr>
+                    <p:cNvSpPr/>
+                    <p:nvPr/>
+                  </p:nvSpPr>
+                  <p:spPr>
+                    <a:xfrm>
+                      <a:off x="8057392" y="3739831"/>
+                      <a:ext cx="438276" cy="438276"/>
+                    </a:xfrm>
+                    <a:prstGeom prst="rect">
+                      <a:avLst/>
+                    </a:prstGeom>
+                    <a:solidFill>
+                      <a:schemeClr val="accent2">
+                        <a:lumMod val="75000"/>
+                      </a:schemeClr>
+                    </a:solidFill>
+                    <a:ln>
+                      <a:noFill/>
+                    </a:ln>
+                  </p:spPr>
+                  <p:style>
+                    <a:lnRef idx="2">
+                      <a:schemeClr val="accent1">
+                        <a:shade val="15000"/>
+                      </a:schemeClr>
+                    </a:lnRef>
+                    <a:fillRef idx="1">
+                      <a:schemeClr val="accent1"/>
+                    </a:fillRef>
+                    <a:effectRef idx="0">
+                      <a:schemeClr val="accent1"/>
+                    </a:effectRef>
+                    <a:fontRef idx="minor">
+                      <a:schemeClr val="lt1"/>
+                    </a:fontRef>
+                  </p:style>
+                  <p:txBody>
+                    <a:bodyPr rtlCol="0" anchor="ctr"/>
+                    <a:lstStyle/>
+                    <a:p>
+                      <a:pPr algn="ctr"/>
+                      <a:endParaRPr lang="ko-KR" altLang="en-US" sz="1600"/>
+                    </a:p>
+                  </p:txBody>
+                </p:sp>
+                <p:sp>
+                  <p:nvSpPr>
+                    <p:cNvPr id="27" name="사각형: 둥근 모서리 26">
+                      <a:extLst>
+                        <a:ext uri="{FF2B5EF4-FFF2-40B4-BE49-F238E27FC236}">
+                          <a16:creationId xmlns:a16="http://schemas.microsoft.com/office/drawing/2014/main" id="{785FEE62-499A-F36F-3781-59ABB8731C22}"/>
+                        </a:ext>
+                      </a:extLst>
+                    </p:cNvPr>
+                    <p:cNvSpPr/>
+                    <p:nvPr/>
+                  </p:nvSpPr>
+                  <p:spPr>
+                    <a:xfrm>
+                      <a:off x="7983436" y="2552038"/>
+                      <a:ext cx="586188" cy="1040597"/>
+                    </a:xfrm>
+                    <a:prstGeom prst="roundRect">
+                      <a:avLst/>
+                    </a:prstGeom>
+                    <a:solidFill>
+                      <a:schemeClr val="accent4">
+                        <a:lumMod val="60000"/>
+                        <a:lumOff val="40000"/>
+                      </a:schemeClr>
+                    </a:solidFill>
+                    <a:ln>
+                      <a:noFill/>
+                    </a:ln>
+                  </p:spPr>
+                  <p:style>
+                    <a:lnRef idx="2">
+                      <a:schemeClr val="accent1">
+                        <a:shade val="15000"/>
+                      </a:schemeClr>
+                    </a:lnRef>
+                    <a:fillRef idx="1">
+                      <a:schemeClr val="accent1"/>
+                    </a:fillRef>
+                    <a:effectRef idx="0">
+                      <a:schemeClr val="accent1"/>
+                    </a:effectRef>
+                    <a:fontRef idx="minor">
+                      <a:schemeClr val="lt1"/>
+                    </a:fontRef>
+                  </p:style>
+                  <p:txBody>
+                    <a:bodyPr rtlCol="0" anchor="ctr"/>
+                    <a:lstStyle/>
+                    <a:p>
+                      <a:pPr algn="ctr"/>
+                      <a:endParaRPr lang="ko-KR" altLang="en-US" sz="1600" dirty="0"/>
+                    </a:p>
+                  </p:txBody>
+                </p:sp>
+              </p:grpSp>
+              <p:sp>
+                <p:nvSpPr>
+                  <p:cNvPr id="28" name="사각형: 둥근 모서리 27">
+                    <a:extLst>
+                      <a:ext uri="{FF2B5EF4-FFF2-40B4-BE49-F238E27FC236}">
+                        <a16:creationId xmlns:a16="http://schemas.microsoft.com/office/drawing/2014/main" id="{717358C8-3FF6-C72A-0BE4-FE137C0C993E}"/>
+                      </a:ext>
+                    </a:extLst>
+                  </p:cNvPr>
+                  <p:cNvSpPr/>
+                  <p:nvPr/>
+                </p:nvSpPr>
+                <p:spPr>
+                  <a:xfrm>
+                    <a:off x="6926530" y="3137510"/>
+                    <a:ext cx="586188" cy="1040597"/>
+                  </a:xfrm>
+                  <a:prstGeom prst="roundRect">
+                    <a:avLst/>
+                  </a:prstGeom>
+                  <a:solidFill>
+                    <a:schemeClr val="accent1">
+                      <a:lumMod val="40000"/>
+                      <a:lumOff val="60000"/>
+                      <a:alpha val="55000"/>
+                    </a:schemeClr>
+                  </a:solidFill>
+                  <a:ln>
+                    <a:noFill/>
+                  </a:ln>
+                </p:spPr>
+                <p:style>
+                  <a:lnRef idx="2">
+                    <a:schemeClr val="accent1">
+                      <a:shade val="15000"/>
+                    </a:schemeClr>
+                  </a:lnRef>
+                  <a:fillRef idx="1">
+                    <a:schemeClr val="accent1"/>
+                  </a:fillRef>
+                  <a:effectRef idx="0">
+                    <a:schemeClr val="accent1"/>
+                  </a:effectRef>
+                  <a:fontRef idx="minor">
+                    <a:schemeClr val="lt1"/>
+                  </a:fontRef>
+                </p:style>
+                <p:txBody>
+                  <a:bodyPr rtlCol="0" anchor="ctr"/>
+                  <a:lstStyle/>
+                  <a:p>
+                    <a:pPr algn="ctr"/>
+                    <a:endParaRPr lang="ko-KR" altLang="en-US" sz="1600"/>
+                  </a:p>
+                </p:txBody>
+              </p:sp>
+              <p:cxnSp>
+                <p:nvCxnSpPr>
+                  <p:cNvPr id="29" name="직선 화살표 연결선 28">
+                    <a:extLst>
+                      <a:ext uri="{FF2B5EF4-FFF2-40B4-BE49-F238E27FC236}">
+                        <a16:creationId xmlns:a16="http://schemas.microsoft.com/office/drawing/2014/main" id="{F2CBB60C-4D2D-A657-E822-BC3F8148CE50}"/>
+                      </a:ext>
+                    </a:extLst>
+                  </p:cNvPr>
+                  <p:cNvCxnSpPr>
+                    <a:cxnSpLocks/>
+                  </p:cNvCxnSpPr>
+                  <p:nvPr/>
+                </p:nvCxnSpPr>
+                <p:spPr>
+                  <a:xfrm flipV="1">
+                    <a:off x="7642979" y="3140047"/>
+                    <a:ext cx="284152" cy="288953"/>
+                  </a:xfrm>
+                  <a:prstGeom prst="straightConnector1">
+                    <a:avLst/>
+                  </a:prstGeom>
+                  <a:ln w="38100">
+                    <a:solidFill>
+                      <a:srgbClr val="FF0000"/>
+                    </a:solidFill>
+                    <a:tailEnd type="triangle"/>
+                  </a:ln>
+                </p:spPr>
+                <p:style>
+                  <a:lnRef idx="2">
+                    <a:schemeClr val="accent1"/>
+                  </a:lnRef>
+                  <a:fillRef idx="0">
+                    <a:schemeClr val="accent1"/>
+                  </a:fillRef>
+                  <a:effectRef idx="1">
+                    <a:schemeClr val="accent1"/>
+                  </a:effectRef>
+                  <a:fontRef idx="minor">
+                    <a:schemeClr val="tx1"/>
+                  </a:fontRef>
+                </p:style>
+              </p:cxnSp>
+              <p:sp>
+                <p:nvSpPr>
+                  <p:cNvPr id="31" name="사각형: 둥근 모서리 30">
+                    <a:extLst>
+                      <a:ext uri="{FF2B5EF4-FFF2-40B4-BE49-F238E27FC236}">
+                        <a16:creationId xmlns:a16="http://schemas.microsoft.com/office/drawing/2014/main" id="{51260F09-BB67-8F57-03B5-1EED6E58F253}"/>
+                      </a:ext>
+                    </a:extLst>
+                  </p:cNvPr>
+                  <p:cNvSpPr/>
+                  <p:nvPr/>
+                </p:nvSpPr>
+                <p:spPr>
+                  <a:xfrm>
+                    <a:off x="9188254" y="3072336"/>
+                    <a:ext cx="586188" cy="1040597"/>
+                  </a:xfrm>
+                  <a:prstGeom prst="roundRect">
+                    <a:avLst/>
+                  </a:prstGeom>
+                  <a:ln>
+                    <a:noFill/>
+                  </a:ln>
+                </p:spPr>
+                <p:style>
+                  <a:lnRef idx="2">
+                    <a:schemeClr val="accent1">
+                      <a:shade val="15000"/>
+                    </a:schemeClr>
+                  </a:lnRef>
+                  <a:fillRef idx="1">
+                    <a:schemeClr val="accent1"/>
+                  </a:fillRef>
+                  <a:effectRef idx="0">
+                    <a:schemeClr val="accent1"/>
+                  </a:effectRef>
+                  <a:fontRef idx="minor">
+                    <a:schemeClr val="lt1"/>
+                  </a:fontRef>
+                </p:style>
+                <p:txBody>
+                  <a:bodyPr rtlCol="0" anchor="ctr"/>
+                  <a:lstStyle/>
+                  <a:p>
+                    <a:pPr algn="ctr"/>
+                    <a:endParaRPr lang="ko-KR" altLang="en-US" sz="1600"/>
+                  </a:p>
+                </p:txBody>
+              </p:sp>
+              <p:cxnSp>
+                <p:nvCxnSpPr>
+                  <p:cNvPr id="37" name="직선 화살표 연결선 36">
+                    <a:extLst>
+                      <a:ext uri="{FF2B5EF4-FFF2-40B4-BE49-F238E27FC236}">
+                        <a16:creationId xmlns:a16="http://schemas.microsoft.com/office/drawing/2014/main" id="{6248FFB0-FD34-8799-2FED-1777FB827FA8}"/>
+                      </a:ext>
+                    </a:extLst>
+                  </p:cNvPr>
+                  <p:cNvCxnSpPr>
+                    <a:cxnSpLocks/>
+                  </p:cNvCxnSpPr>
+                  <p:nvPr/>
+                </p:nvCxnSpPr>
+                <p:spPr>
+                  <a:xfrm>
+                    <a:off x="8773841" y="3152043"/>
+                    <a:ext cx="284152" cy="288953"/>
+                  </a:xfrm>
+                  <a:prstGeom prst="straightConnector1">
+                    <a:avLst/>
+                  </a:prstGeom>
+                  <a:ln w="38100">
+                    <a:solidFill>
+                      <a:srgbClr val="FF0000"/>
+                    </a:solidFill>
+                    <a:tailEnd type="triangle"/>
+                  </a:ln>
+                </p:spPr>
+                <p:style>
+                  <a:lnRef idx="2">
+                    <a:schemeClr val="accent1"/>
+                  </a:lnRef>
+                  <a:fillRef idx="0">
+                    <a:schemeClr val="accent1"/>
+                  </a:fillRef>
+                  <a:effectRef idx="1">
+                    <a:schemeClr val="accent1"/>
+                  </a:effectRef>
+                  <a:fontRef idx="minor">
+                    <a:schemeClr val="tx1"/>
+                  </a:fontRef>
+                </p:style>
+              </p:cxnSp>
+            </p:grpSp>
+            <p:sp>
+              <p:nvSpPr>
+                <p:cNvPr id="39" name="TextBox 38">
+                  <a:extLst>
+                    <a:ext uri="{FF2B5EF4-FFF2-40B4-BE49-F238E27FC236}">
+                      <a16:creationId xmlns:a16="http://schemas.microsoft.com/office/drawing/2014/main" id="{C8962707-753F-266A-4DCC-254445745E3F}"/>
+                    </a:ext>
+                  </a:extLst>
+                </p:cNvPr>
+                <p:cNvSpPr txBox="1"/>
+                <p:nvPr/>
+              </p:nvSpPr>
+              <p:spPr>
+                <a:xfrm>
+                  <a:off x="10056943" y="3072685"/>
+                  <a:ext cx="833883" cy="584775"/>
+                </a:xfrm>
+                <a:prstGeom prst="rect">
+                  <a:avLst/>
+                </a:prstGeom>
+                <a:noFill/>
+              </p:spPr>
+              <p:txBody>
+                <a:bodyPr wrap="none" rtlCol="0" anchor="ctr">
+                  <a:spAutoFit/>
+                </a:bodyPr>
+                <a:lstStyle/>
+                <a:p>
+                  <a:pPr algn="ctr"/>
+                  <a:r>
+                    <a:rPr lang="en-US" altLang="ko-KR" sz="3200" b="1" dirty="0">
+                      <a:solidFill>
+                        <a:schemeClr val="accent6"/>
+                      </a:solidFill>
+                    </a:rPr>
+                    <a:t>X 5</a:t>
+                  </a:r>
+                  <a:endParaRPr lang="ko-KR" altLang="en-US" sz="3200" b="1" dirty="0">
+                    <a:solidFill>
+                      <a:schemeClr val="accent6"/>
+                    </a:solidFill>
+                  </a:endParaRPr>
+                </a:p>
+              </p:txBody>
+            </p:sp>
+          </p:grpSp>
+        </p:grpSp>
+        <p:sp>
+          <p:nvSpPr>
+            <p:cNvPr id="48" name="TextBox 47">
+              <a:extLst>
+                <a:ext uri="{FF2B5EF4-FFF2-40B4-BE49-F238E27FC236}">
+                  <a16:creationId xmlns:a16="http://schemas.microsoft.com/office/drawing/2014/main" id="{C37F9358-64FB-688E-16D0-805BB9AA845C}"/>
+                </a:ext>
+              </a:extLst>
+            </p:cNvPr>
+            <p:cNvSpPr txBox="1"/>
+            <p:nvPr/>
+          </p:nvSpPr>
+          <p:spPr>
+            <a:xfrm>
+              <a:off x="8151031" y="4588113"/>
+              <a:ext cx="1356462" cy="369332"/>
+            </a:xfrm>
+            <a:prstGeom prst="rect">
+              <a:avLst/>
+            </a:prstGeom>
+            <a:noFill/>
+          </p:spPr>
+          <p:txBody>
+            <a:bodyPr wrap="none" rtlCol="0">
+              <a:spAutoFit/>
+            </a:bodyPr>
+            <a:lstStyle/>
+            <a:p>
+              <a:pPr algn="ctr"/>
+              <a:r>
+                <a:rPr lang="en-US" altLang="ko-KR" b="1" dirty="0"/>
+                <a:t>[</a:t>
+              </a:r>
+              <a:r>
+                <a:rPr lang="ko-KR" altLang="en-US" b="1" dirty="0"/>
+                <a:t>체력 회복</a:t>
+              </a:r>
+              <a:r>
+                <a:rPr lang="en-US" altLang="ko-KR" b="1" dirty="0"/>
+                <a:t>]</a:t>
+              </a:r>
+              <a:endParaRPr lang="ko-KR" altLang="en-US" b="1" dirty="0"/>
+            </a:p>
+          </p:txBody>
+        </p:sp>
+        <p:sp>
+          <p:nvSpPr>
+            <p:cNvPr id="68" name="TextBox 67">
+              <a:extLst>
+                <a:ext uri="{FF2B5EF4-FFF2-40B4-BE49-F238E27FC236}">
+                  <a16:creationId xmlns:a16="http://schemas.microsoft.com/office/drawing/2014/main" id="{16F063B2-3BBA-1096-8859-BDE949774F4C}"/>
+                </a:ext>
+              </a:extLst>
+            </p:cNvPr>
+            <p:cNvSpPr txBox="1"/>
+            <p:nvPr/>
+          </p:nvSpPr>
+          <p:spPr>
+            <a:xfrm>
+              <a:off x="6311567" y="5144736"/>
+              <a:ext cx="5421677" cy="738664"/>
+            </a:xfrm>
+            <a:prstGeom prst="rect">
+              <a:avLst/>
+            </a:prstGeom>
+            <a:noFill/>
+          </p:spPr>
+          <p:txBody>
+            <a:bodyPr wrap="none" rtlCol="0">
+              <a:spAutoFit/>
+            </a:bodyPr>
+            <a:lstStyle/>
+            <a:p>
+              <a:pPr marL="285750" indent="-285750">
+                <a:buFontTx/>
+                <a:buChar char="-"/>
+              </a:pPr>
+              <a:r>
+                <a:rPr lang="ko-KR" altLang="en-US" sz="1400" dirty="0"/>
+                <a:t>장애물을 </a:t>
+              </a:r>
+              <a:r>
+                <a:rPr lang="en-US" altLang="ko-KR" sz="1400" dirty="0"/>
+                <a:t>5</a:t>
+              </a:r>
+              <a:r>
+                <a:rPr lang="ko-KR" altLang="en-US" sz="1400" dirty="0"/>
+                <a:t>번 연속으로 통과했을 경우 체력을 회복할 수 있다</a:t>
+              </a:r>
+              <a:r>
+                <a:rPr lang="en-US" altLang="ko-KR" sz="1400" dirty="0"/>
+                <a:t>.</a:t>
+              </a:r>
+            </a:p>
+            <a:p>
+              <a:pPr marL="285750" indent="-285750">
+                <a:buFontTx/>
+                <a:buChar char="-"/>
+              </a:pPr>
+              <a:r>
+                <a:rPr lang="ko-KR" altLang="en-US" sz="1400" dirty="0"/>
+                <a:t>만약 체력이 </a:t>
+              </a:r>
+              <a:r>
+                <a:rPr lang="en-US" altLang="ko-KR" sz="1400" dirty="0"/>
+                <a:t>5</a:t>
+              </a:r>
+              <a:r>
+                <a:rPr lang="ko-KR" altLang="en-US" sz="1400" dirty="0"/>
+                <a:t>개로 가득 찼을 경우에는 회복이 되지 않는다</a:t>
+              </a:r>
+              <a:r>
+                <a:rPr lang="en-US" altLang="ko-KR" sz="1400" dirty="0"/>
+                <a:t>.</a:t>
+              </a:r>
+            </a:p>
+            <a:p>
+              <a:pPr marL="285750" indent="-285750">
+                <a:buFontTx/>
+                <a:buChar char="-"/>
+              </a:pPr>
+              <a:r>
+                <a:rPr lang="ko-KR" altLang="en-US" sz="1400" dirty="0"/>
+                <a:t>회복 </a:t>
+              </a:r>
+              <a:r>
+                <a:rPr lang="ko-KR" altLang="en-US" sz="1400" dirty="0" err="1"/>
+                <a:t>카운팅은</a:t>
+              </a:r>
+              <a:r>
+                <a:rPr lang="ko-KR" altLang="en-US" sz="1400" dirty="0"/>
+                <a:t> 체력이 </a:t>
+              </a:r>
+              <a:r>
+                <a:rPr lang="en-US" altLang="ko-KR" sz="1400" dirty="0"/>
+                <a:t>1</a:t>
+              </a:r>
+              <a:r>
+                <a:rPr lang="ko-KR" altLang="en-US" sz="1400" dirty="0"/>
+                <a:t>개라도 줄었을 경우에 시작된다</a:t>
+              </a:r>
+              <a:r>
+                <a:rPr lang="en-US" altLang="ko-KR" sz="1400" dirty="0"/>
+                <a:t>.</a:t>
+              </a:r>
+            </a:p>
+          </p:txBody>
+        </p:sp>
+      </p:grpSp>
+    </p:spTree>
+    <p:extLst>
+      <p:ext uri="{BB962C8B-B14F-4D97-AF65-F5344CB8AC3E}">
+        <p14:creationId xmlns:p14="http://schemas.microsoft.com/office/powerpoint/2010/main" val="3532342541"/>
+      </p:ext>
+    </p:extLst>
+  </p:cSld>
+  <p:clrMapOvr>
+    <a:masterClrMapping/>
+  </p:clrMapOvr>
+</p:sld>
+</file>
+
+<file path=ppt/slides/slide23.xml><?xml version="1.0" encoding="utf-8"?>
+<p:sld xmlns:a="http://schemas.openxmlformats.org/drawingml/2006/main" xmlns:r="http://schemas.openxmlformats.org/officeDocument/2006/relationships" xmlns:p="http://schemas.openxmlformats.org/presentationml/2006/main">
+  <p:cSld>
+    <p:spTree>
+      <p:nvGrpSpPr>
+        <p:cNvPr id="1" name="">
+          <a:extLst>
+            <a:ext uri="{FF2B5EF4-FFF2-40B4-BE49-F238E27FC236}">
               <a16:creationId xmlns:a16="http://schemas.microsoft.com/office/drawing/2014/main" id="{639DD998-1613-3AE7-00F3-4C017C72B351}"/>
             </a:ext>
           </a:extLst>
@@ -26370,7 +27735,7 @@
           <a:p>
             <a:fld id="{8D96929D-9E84-4A42-B4C3-2E48812748E4}" type="slidenum">
               <a:rPr lang="ko-KR" altLang="en-US" smtClean="0"/>
-              <a:t>22</a:t>
+              <a:t>23</a:t>
             </a:fld>
             <a:endParaRPr lang="ko-KR" altLang="en-US"/>
           </a:p>
@@ -27376,7 +28741,7 @@
 </p:sld>
 </file>
 
-<file path=ppt/slides/slide23.xml><?xml version="1.0" encoding="utf-8"?>
+<file path=ppt/slides/slide24.xml><?xml version="1.0" encoding="utf-8"?>
 <p:sld xmlns:a="http://schemas.openxmlformats.org/drawingml/2006/main" xmlns:r="http://schemas.openxmlformats.org/officeDocument/2006/relationships" xmlns:p="http://schemas.openxmlformats.org/presentationml/2006/main">
   <p:cSld>
     <p:spTree>
@@ -27506,10 +28871,16 @@
           <p:cNvGraphicFramePr>
             <a:graphicFrameLocks noGrp="1"/>
           </p:cNvGraphicFramePr>
-          <p:nvPr/>
+          <p:nvPr>
+            <p:extLst>
+              <p:ext uri="{D42A27DB-BD31-4B8C-83A1-F6EECF244321}">
+                <p14:modId xmlns:p14="http://schemas.microsoft.com/office/powerpoint/2010/main" val="2459610548"/>
+              </p:ext>
+            </p:extLst>
+          </p:nvPr>
         </p:nvGraphicFramePr>
         <p:xfrm>
-          <a:off x="2939774" y="3104610"/>
+          <a:off x="3451088" y="2952210"/>
           <a:ext cx="5289825" cy="2595880"/>
         </p:xfrm>
         <a:graphic>
@@ -28109,7 +29480,7 @@
           <a:p>
             <a:fld id="{8D96929D-9E84-4A42-B4C3-2E48812748E4}" type="slidenum">
               <a:rPr lang="ko-KR" altLang="en-US" smtClean="0"/>
-              <a:t>23</a:t>
+              <a:t>24</a:t>
             </a:fld>
             <a:endParaRPr lang="ko-KR" altLang="en-US"/>
           </a:p>
@@ -28128,7 +29499,7 @@
 </p:sld>
 </file>
 
-<file path=ppt/slides/slide24.xml><?xml version="1.0" encoding="utf-8"?>
+<file path=ppt/slides/slide25.xml><?xml version="1.0" encoding="utf-8"?>
 <p:sld xmlns:a="http://schemas.openxmlformats.org/drawingml/2006/main" xmlns:r="http://schemas.openxmlformats.org/officeDocument/2006/relationships" xmlns:p="http://schemas.openxmlformats.org/presentationml/2006/main">
   <p:cSld>
     <p:spTree>
@@ -28493,7 +29864,7 @@
           <a:p>
             <a:fld id="{8D96929D-9E84-4A42-B4C3-2E48812748E4}" type="slidenum">
               <a:rPr lang="ko-KR" altLang="en-US" smtClean="0"/>
-              <a:t>24</a:t>
+              <a:t>25</a:t>
             </a:fld>
             <a:endParaRPr lang="ko-KR" altLang="en-US"/>
           </a:p>
@@ -28512,7 +29883,7 @@
 </p:sld>
 </file>
 
-<file path=ppt/slides/slide25.xml><?xml version="1.0" encoding="utf-8"?>
+<file path=ppt/slides/slide26.xml><?xml version="1.0" encoding="utf-8"?>
 <p:sld xmlns:a="http://schemas.openxmlformats.org/drawingml/2006/main" xmlns:r="http://schemas.openxmlformats.org/officeDocument/2006/relationships" xmlns:p="http://schemas.openxmlformats.org/presentationml/2006/main">
   <p:cSld>
     <p:spTree>
@@ -28818,7 +30189,7 @@
           <a:p>
             <a:fld id="{8D96929D-9E84-4A42-B4C3-2E48812748E4}" type="slidenum">
               <a:rPr lang="ko-KR" altLang="en-US" smtClean="0"/>
-              <a:t>25</a:t>
+              <a:t>26</a:t>
             </a:fld>
             <a:endParaRPr lang="ko-KR" altLang="en-US"/>
           </a:p>
@@ -29328,7 +30699,7 @@
 </p:sld>
 </file>
 
-<file path=ppt/slides/slide26.xml><?xml version="1.0" encoding="utf-8"?>
+<file path=ppt/slides/slide27.xml><?xml version="1.0" encoding="utf-8"?>
 <p:sld xmlns:a="http://schemas.openxmlformats.org/drawingml/2006/main" xmlns:r="http://schemas.openxmlformats.org/officeDocument/2006/relationships" xmlns:p="http://schemas.openxmlformats.org/presentationml/2006/main">
   <p:cSld>
     <p:spTree>
@@ -29499,7 +30870,7 @@
           <a:p>
             <a:fld id="{8D96929D-9E84-4A42-B4C3-2E48812748E4}" type="slidenum">
               <a:rPr lang="ko-KR" altLang="en-US" smtClean="0"/>
-              <a:t>26</a:t>
+              <a:t>27</a:t>
             </a:fld>
             <a:endParaRPr lang="ko-KR" altLang="en-US"/>
           </a:p>
@@ -30370,7 +31741,7 @@
 </p:sld>
 </file>
 
-<file path=ppt/slides/slide27.xml><?xml version="1.0" encoding="utf-8"?>
+<file path=ppt/slides/slide28.xml><?xml version="1.0" encoding="utf-8"?>
 <p:sld xmlns:a="http://schemas.openxmlformats.org/drawingml/2006/main" xmlns:r="http://schemas.openxmlformats.org/officeDocument/2006/relationships" xmlns:p="http://schemas.openxmlformats.org/presentationml/2006/main">
   <p:cSld>
     <p:spTree>
@@ -30541,7 +31912,7 @@
           <a:p>
             <a:fld id="{8D96929D-9E84-4A42-B4C3-2E48812748E4}" type="slidenum">
               <a:rPr lang="ko-KR" altLang="en-US" smtClean="0"/>
-              <a:t>27</a:t>
+              <a:t>28</a:t>
             </a:fld>
             <a:endParaRPr lang="ko-KR" altLang="en-US"/>
           </a:p>
@@ -31790,7 +33161,7 @@
 </p:sld>
 </file>
 
-<file path=ppt/slides/slide28.xml><?xml version="1.0" encoding="utf-8"?>
+<file path=ppt/slides/slide29.xml><?xml version="1.0" encoding="utf-8"?>
 <p:sld xmlns:a="http://schemas.openxmlformats.org/drawingml/2006/main" xmlns:r="http://schemas.openxmlformats.org/officeDocument/2006/relationships" xmlns:p="http://schemas.openxmlformats.org/presentationml/2006/main">
   <p:cSld>
     <p:spTree>
@@ -31961,7 +33332,7 @@
           <a:p>
             <a:fld id="{8D96929D-9E84-4A42-B4C3-2E48812748E4}" type="slidenum">
               <a:rPr lang="ko-KR" altLang="en-US" smtClean="0"/>
-              <a:t>28</a:t>
+              <a:t>29</a:t>
             </a:fld>
             <a:endParaRPr lang="ko-KR" altLang="en-US"/>
           </a:p>
@@ -32509,7 +33880,252 @@
 </p:sld>
 </file>
 
-<file path=ppt/slides/slide29.xml><?xml version="1.0" encoding="utf-8"?>
+<file path=ppt/slides/slide3.xml><?xml version="1.0" encoding="utf-8"?>
+<p:sld xmlns:a="http://schemas.openxmlformats.org/drawingml/2006/main" xmlns:r="http://schemas.openxmlformats.org/officeDocument/2006/relationships" xmlns:p="http://schemas.openxmlformats.org/presentationml/2006/main">
+  <p:cSld>
+    <p:spTree>
+      <p:nvGrpSpPr>
+        <p:cNvPr id="1" name="">
+          <a:extLst>
+            <a:ext uri="{FF2B5EF4-FFF2-40B4-BE49-F238E27FC236}">
+              <a16:creationId xmlns:a16="http://schemas.microsoft.com/office/drawing/2014/main" id="{6E432048-5F36-E66C-8197-E75317296DEC}"/>
+            </a:ext>
+          </a:extLst>
+        </p:cNvPr>
+        <p:cNvGrpSpPr/>
+        <p:nvPr/>
+      </p:nvGrpSpPr>
+      <p:grpSpPr>
+        <a:xfrm>
+          <a:off x="0" y="0"/>
+          <a:ext cx="0" cy="0"/>
+          <a:chOff x="0" y="0"/>
+          <a:chExt cx="0" cy="0"/>
+        </a:xfrm>
+      </p:grpSpPr>
+      <p:sp>
+        <p:nvSpPr>
+          <p:cNvPr id="4" name="사각형: 둥근 모서리 3">
+            <a:extLst>
+              <a:ext uri="{FF2B5EF4-FFF2-40B4-BE49-F238E27FC236}">
+                <a16:creationId xmlns:a16="http://schemas.microsoft.com/office/drawing/2014/main" id="{88D2F86A-D0C1-6194-3948-ED3EFE0C9AF1}"/>
+              </a:ext>
+            </a:extLst>
+          </p:cNvPr>
+          <p:cNvSpPr/>
+          <p:nvPr/>
+        </p:nvSpPr>
+        <p:spPr>
+          <a:xfrm>
+            <a:off x="228600" y="681059"/>
+            <a:ext cx="11734800" cy="695739"/>
+          </a:xfrm>
+          <a:prstGeom prst="roundRect">
+            <a:avLst>
+              <a:gd name="adj" fmla="val 50000"/>
+            </a:avLst>
+          </a:prstGeom>
+          <a:solidFill>
+            <a:schemeClr val="bg1">
+              <a:lumMod val="95000"/>
+            </a:schemeClr>
+          </a:solidFill>
+          <a:ln w="19050">
+            <a:solidFill>
+              <a:schemeClr val="bg1">
+                <a:lumMod val="85000"/>
+              </a:schemeClr>
+            </a:solidFill>
+          </a:ln>
+          <a:effectLst>
+            <a:outerShdw blurRad="50800" dist="38100" dir="8100000" algn="tr" rotWithShape="0">
+              <a:prstClr val="black">
+                <a:alpha val="40000"/>
+              </a:prstClr>
+            </a:outerShdw>
+          </a:effectLst>
+        </p:spPr>
+        <p:style>
+          <a:lnRef idx="2">
+            <a:schemeClr val="accent1">
+              <a:shade val="15000"/>
+            </a:schemeClr>
+          </a:lnRef>
+          <a:fillRef idx="1">
+            <a:schemeClr val="accent1"/>
+          </a:fillRef>
+          <a:effectRef idx="0">
+            <a:schemeClr val="accent1"/>
+          </a:effectRef>
+          <a:fontRef idx="minor">
+            <a:schemeClr val="lt1"/>
+          </a:fontRef>
+        </p:style>
+        <p:txBody>
+          <a:bodyPr rtlCol="0" anchor="ctr"/>
+          <a:lstStyle/>
+          <a:p>
+            <a:r>
+              <a:rPr lang="ko-KR" altLang="en-US" sz="3600" b="1" dirty="0">
+                <a:solidFill>
+                  <a:schemeClr val="tx1"/>
+                </a:solidFill>
+              </a:rPr>
+              <a:t>  게임 개요</a:t>
+            </a:r>
+          </a:p>
+        </p:txBody>
+      </p:sp>
+      <p:pic>
+        <p:nvPicPr>
+          <p:cNvPr id="10" name="그래픽 9" descr="기타 단색으로 채워진">
+            <a:extLst>
+              <a:ext uri="{FF2B5EF4-FFF2-40B4-BE49-F238E27FC236}">
+                <a16:creationId xmlns:a16="http://schemas.microsoft.com/office/drawing/2014/main" id="{236AD4FF-B76D-059C-D059-45AA3F04D622}"/>
+              </a:ext>
+            </a:extLst>
+          </p:cNvPr>
+          <p:cNvPicPr>
+            <a:picLocks noChangeAspect="1"/>
+          </p:cNvPicPr>
+          <p:nvPr/>
+        </p:nvPicPr>
+        <p:blipFill>
+          <a:blip r:embed="rId2">
+            <a:extLst>
+              <a:ext uri="{96DAC541-7B7A-43D3-8B79-37D633B846F1}">
+                <asvg:svgBlip xmlns:asvg="http://schemas.microsoft.com/office/drawing/2016/SVG/main" r:embed="rId3"/>
+              </a:ext>
+            </a:extLst>
+          </a:blip>
+          <a:stretch>
+            <a:fillRect/>
+          </a:stretch>
+        </p:blipFill>
+        <p:spPr>
+          <a:xfrm rot="5400000">
+            <a:off x="11265877" y="761335"/>
+            <a:ext cx="559191" cy="559191"/>
+          </a:xfrm>
+          <a:prstGeom prst="rect">
+            <a:avLst/>
+          </a:prstGeom>
+        </p:spPr>
+      </p:pic>
+      <p:sp>
+        <p:nvSpPr>
+          <p:cNvPr id="11" name="TextBox 10">
+            <a:extLst>
+              <a:ext uri="{FF2B5EF4-FFF2-40B4-BE49-F238E27FC236}">
+                <a16:creationId xmlns:a16="http://schemas.microsoft.com/office/drawing/2014/main" id="{5A66836E-F0FC-E8F3-6313-86DF0EF7403D}"/>
+              </a:ext>
+            </a:extLst>
+          </p:cNvPr>
+          <p:cNvSpPr txBox="1"/>
+          <p:nvPr/>
+        </p:nvSpPr>
+        <p:spPr>
+          <a:xfrm>
+            <a:off x="821635" y="1928191"/>
+            <a:ext cx="2597425" cy="1682961"/>
+          </a:xfrm>
+          <a:prstGeom prst="rect">
+            <a:avLst/>
+          </a:prstGeom>
+          <a:noFill/>
+        </p:spPr>
+        <p:txBody>
+          <a:bodyPr wrap="square" rtlCol="0">
+            <a:spAutoFit/>
+          </a:bodyPr>
+          <a:lstStyle/>
+          <a:p>
+            <a:pPr marL="342900" indent="-342900">
+              <a:lnSpc>
+                <a:spcPct val="150000"/>
+              </a:lnSpc>
+              <a:buFontTx/>
+              <a:buChar char="-"/>
+            </a:pPr>
+            <a:r>
+              <a:rPr lang="ko-KR" altLang="en-US" sz="2400" b="1" dirty="0"/>
+              <a:t>게임소개</a:t>
+            </a:r>
+            <a:endParaRPr lang="en-US" altLang="ko-KR" sz="2400" b="1" dirty="0"/>
+          </a:p>
+          <a:p>
+            <a:pPr marL="342900" indent="-342900">
+              <a:lnSpc>
+                <a:spcPct val="150000"/>
+              </a:lnSpc>
+              <a:buFontTx/>
+              <a:buChar char="-"/>
+            </a:pPr>
+            <a:r>
+              <a:rPr lang="ko-KR" altLang="en-US" sz="2400" b="1" dirty="0"/>
+              <a:t>장르</a:t>
+            </a:r>
+            <a:endParaRPr lang="en-US" altLang="ko-KR" sz="2400" b="1" dirty="0"/>
+          </a:p>
+          <a:p>
+            <a:pPr marL="342900" indent="-342900">
+              <a:lnSpc>
+                <a:spcPct val="150000"/>
+              </a:lnSpc>
+              <a:buFontTx/>
+              <a:buChar char="-"/>
+            </a:pPr>
+            <a:r>
+              <a:rPr lang="ko-KR" altLang="en-US" sz="2400" b="1" dirty="0"/>
+              <a:t>주요 요소</a:t>
+            </a:r>
+            <a:endParaRPr lang="en-US" altLang="ko-KR" sz="2400" b="1" dirty="0"/>
+          </a:p>
+        </p:txBody>
+      </p:sp>
+      <p:sp>
+        <p:nvSpPr>
+          <p:cNvPr id="12" name="슬라이드 번호 개체 틀 11">
+            <a:extLst>
+              <a:ext uri="{FF2B5EF4-FFF2-40B4-BE49-F238E27FC236}">
+                <a16:creationId xmlns:a16="http://schemas.microsoft.com/office/drawing/2014/main" id="{2FB65050-84ED-FFE9-7866-CDB53F4287FF}"/>
+              </a:ext>
+            </a:extLst>
+          </p:cNvPr>
+          <p:cNvSpPr>
+            <a:spLocks noGrp="1"/>
+          </p:cNvSpPr>
+          <p:nvPr>
+            <p:ph type="sldNum" sz="quarter" idx="12"/>
+          </p:nvPr>
+        </p:nvSpPr>
+        <p:spPr/>
+        <p:txBody>
+          <a:bodyPr/>
+          <a:lstStyle/>
+          <a:p>
+            <a:fld id="{8D96929D-9E84-4A42-B4C3-2E48812748E4}" type="slidenum">
+              <a:rPr lang="ko-KR" altLang="en-US" smtClean="0"/>
+              <a:t>3</a:t>
+            </a:fld>
+            <a:endParaRPr lang="ko-KR" altLang="en-US"/>
+          </a:p>
+        </p:txBody>
+      </p:sp>
+    </p:spTree>
+    <p:extLst>
+      <p:ext uri="{BB962C8B-B14F-4D97-AF65-F5344CB8AC3E}">
+        <p14:creationId xmlns:p14="http://schemas.microsoft.com/office/powerpoint/2010/main" val="986517549"/>
+      </p:ext>
+    </p:extLst>
+  </p:cSld>
+  <p:clrMapOvr>
+    <a:masterClrMapping/>
+  </p:clrMapOvr>
+</p:sld>
+</file>
+
+<file path=ppt/slides/slide30.xml><?xml version="1.0" encoding="utf-8"?>
 <p:sld xmlns:a="http://schemas.openxmlformats.org/drawingml/2006/main" xmlns:r="http://schemas.openxmlformats.org/officeDocument/2006/relationships" xmlns:p="http://schemas.openxmlformats.org/presentationml/2006/main">
   <p:cSld>
     <p:spTree>
@@ -32942,7 +34558,7 @@
           <a:p>
             <a:fld id="{8D96929D-9E84-4A42-B4C3-2E48812748E4}" type="slidenum">
               <a:rPr lang="ko-KR" altLang="en-US" smtClean="0"/>
-              <a:t>29</a:t>
+              <a:t>30</a:t>
             </a:fld>
             <a:endParaRPr lang="ko-KR" altLang="en-US"/>
           </a:p>
@@ -33106,252 +34722,7 @@
 </p:sld>
 </file>
 
-<file path=ppt/slides/slide3.xml><?xml version="1.0" encoding="utf-8"?>
-<p:sld xmlns:a="http://schemas.openxmlformats.org/drawingml/2006/main" xmlns:r="http://schemas.openxmlformats.org/officeDocument/2006/relationships" xmlns:p="http://schemas.openxmlformats.org/presentationml/2006/main">
-  <p:cSld>
-    <p:spTree>
-      <p:nvGrpSpPr>
-        <p:cNvPr id="1" name="">
-          <a:extLst>
-            <a:ext uri="{FF2B5EF4-FFF2-40B4-BE49-F238E27FC236}">
-              <a16:creationId xmlns:a16="http://schemas.microsoft.com/office/drawing/2014/main" id="{6E432048-5F36-E66C-8197-E75317296DEC}"/>
-            </a:ext>
-          </a:extLst>
-        </p:cNvPr>
-        <p:cNvGrpSpPr/>
-        <p:nvPr/>
-      </p:nvGrpSpPr>
-      <p:grpSpPr>
-        <a:xfrm>
-          <a:off x="0" y="0"/>
-          <a:ext cx="0" cy="0"/>
-          <a:chOff x="0" y="0"/>
-          <a:chExt cx="0" cy="0"/>
-        </a:xfrm>
-      </p:grpSpPr>
-      <p:sp>
-        <p:nvSpPr>
-          <p:cNvPr id="4" name="사각형: 둥근 모서리 3">
-            <a:extLst>
-              <a:ext uri="{FF2B5EF4-FFF2-40B4-BE49-F238E27FC236}">
-                <a16:creationId xmlns:a16="http://schemas.microsoft.com/office/drawing/2014/main" id="{88D2F86A-D0C1-6194-3948-ED3EFE0C9AF1}"/>
-              </a:ext>
-            </a:extLst>
-          </p:cNvPr>
-          <p:cNvSpPr/>
-          <p:nvPr/>
-        </p:nvSpPr>
-        <p:spPr>
-          <a:xfrm>
-            <a:off x="228600" y="681059"/>
-            <a:ext cx="11734800" cy="695739"/>
-          </a:xfrm>
-          <a:prstGeom prst="roundRect">
-            <a:avLst>
-              <a:gd name="adj" fmla="val 50000"/>
-            </a:avLst>
-          </a:prstGeom>
-          <a:solidFill>
-            <a:schemeClr val="bg1">
-              <a:lumMod val="95000"/>
-            </a:schemeClr>
-          </a:solidFill>
-          <a:ln w="19050">
-            <a:solidFill>
-              <a:schemeClr val="bg1">
-                <a:lumMod val="85000"/>
-              </a:schemeClr>
-            </a:solidFill>
-          </a:ln>
-          <a:effectLst>
-            <a:outerShdw blurRad="50800" dist="38100" dir="8100000" algn="tr" rotWithShape="0">
-              <a:prstClr val="black">
-                <a:alpha val="40000"/>
-              </a:prstClr>
-            </a:outerShdw>
-          </a:effectLst>
-        </p:spPr>
-        <p:style>
-          <a:lnRef idx="2">
-            <a:schemeClr val="accent1">
-              <a:shade val="15000"/>
-            </a:schemeClr>
-          </a:lnRef>
-          <a:fillRef idx="1">
-            <a:schemeClr val="accent1"/>
-          </a:fillRef>
-          <a:effectRef idx="0">
-            <a:schemeClr val="accent1"/>
-          </a:effectRef>
-          <a:fontRef idx="minor">
-            <a:schemeClr val="lt1"/>
-          </a:fontRef>
-        </p:style>
-        <p:txBody>
-          <a:bodyPr rtlCol="0" anchor="ctr"/>
-          <a:lstStyle/>
-          <a:p>
-            <a:r>
-              <a:rPr lang="ko-KR" altLang="en-US" sz="3600" b="1" dirty="0">
-                <a:solidFill>
-                  <a:schemeClr val="tx1"/>
-                </a:solidFill>
-              </a:rPr>
-              <a:t>  게임 개요</a:t>
-            </a:r>
-          </a:p>
-        </p:txBody>
-      </p:sp>
-      <p:pic>
-        <p:nvPicPr>
-          <p:cNvPr id="10" name="그래픽 9" descr="기타 단색으로 채워진">
-            <a:extLst>
-              <a:ext uri="{FF2B5EF4-FFF2-40B4-BE49-F238E27FC236}">
-                <a16:creationId xmlns:a16="http://schemas.microsoft.com/office/drawing/2014/main" id="{236AD4FF-B76D-059C-D059-45AA3F04D622}"/>
-              </a:ext>
-            </a:extLst>
-          </p:cNvPr>
-          <p:cNvPicPr>
-            <a:picLocks noChangeAspect="1"/>
-          </p:cNvPicPr>
-          <p:nvPr/>
-        </p:nvPicPr>
-        <p:blipFill>
-          <a:blip r:embed="rId2">
-            <a:extLst>
-              <a:ext uri="{96DAC541-7B7A-43D3-8B79-37D633B846F1}">
-                <asvg:svgBlip xmlns:asvg="http://schemas.microsoft.com/office/drawing/2016/SVG/main" r:embed="rId3"/>
-              </a:ext>
-            </a:extLst>
-          </a:blip>
-          <a:stretch>
-            <a:fillRect/>
-          </a:stretch>
-        </p:blipFill>
-        <p:spPr>
-          <a:xfrm rot="5400000">
-            <a:off x="11265877" y="761335"/>
-            <a:ext cx="559191" cy="559191"/>
-          </a:xfrm>
-          <a:prstGeom prst="rect">
-            <a:avLst/>
-          </a:prstGeom>
-        </p:spPr>
-      </p:pic>
-      <p:sp>
-        <p:nvSpPr>
-          <p:cNvPr id="11" name="TextBox 10">
-            <a:extLst>
-              <a:ext uri="{FF2B5EF4-FFF2-40B4-BE49-F238E27FC236}">
-                <a16:creationId xmlns:a16="http://schemas.microsoft.com/office/drawing/2014/main" id="{5A66836E-F0FC-E8F3-6313-86DF0EF7403D}"/>
-              </a:ext>
-            </a:extLst>
-          </p:cNvPr>
-          <p:cNvSpPr txBox="1"/>
-          <p:nvPr/>
-        </p:nvSpPr>
-        <p:spPr>
-          <a:xfrm>
-            <a:off x="821635" y="1928191"/>
-            <a:ext cx="2597425" cy="1682961"/>
-          </a:xfrm>
-          <a:prstGeom prst="rect">
-            <a:avLst/>
-          </a:prstGeom>
-          <a:noFill/>
-        </p:spPr>
-        <p:txBody>
-          <a:bodyPr wrap="square" rtlCol="0">
-            <a:spAutoFit/>
-          </a:bodyPr>
-          <a:lstStyle/>
-          <a:p>
-            <a:pPr marL="342900" indent="-342900">
-              <a:lnSpc>
-                <a:spcPct val="150000"/>
-              </a:lnSpc>
-              <a:buFontTx/>
-              <a:buChar char="-"/>
-            </a:pPr>
-            <a:r>
-              <a:rPr lang="ko-KR" altLang="en-US" sz="2400" b="1" dirty="0"/>
-              <a:t>게임소개</a:t>
-            </a:r>
-            <a:endParaRPr lang="en-US" altLang="ko-KR" sz="2400" b="1" dirty="0"/>
-          </a:p>
-          <a:p>
-            <a:pPr marL="342900" indent="-342900">
-              <a:lnSpc>
-                <a:spcPct val="150000"/>
-              </a:lnSpc>
-              <a:buFontTx/>
-              <a:buChar char="-"/>
-            </a:pPr>
-            <a:r>
-              <a:rPr lang="ko-KR" altLang="en-US" sz="2400" b="1" dirty="0"/>
-              <a:t>장르</a:t>
-            </a:r>
-            <a:endParaRPr lang="en-US" altLang="ko-KR" sz="2400" b="1" dirty="0"/>
-          </a:p>
-          <a:p>
-            <a:pPr marL="342900" indent="-342900">
-              <a:lnSpc>
-                <a:spcPct val="150000"/>
-              </a:lnSpc>
-              <a:buFontTx/>
-              <a:buChar char="-"/>
-            </a:pPr>
-            <a:r>
-              <a:rPr lang="ko-KR" altLang="en-US" sz="2400" b="1" dirty="0"/>
-              <a:t>주요 요소</a:t>
-            </a:r>
-            <a:endParaRPr lang="en-US" altLang="ko-KR" sz="2400" b="1" dirty="0"/>
-          </a:p>
-        </p:txBody>
-      </p:sp>
-      <p:sp>
-        <p:nvSpPr>
-          <p:cNvPr id="12" name="슬라이드 번호 개체 틀 11">
-            <a:extLst>
-              <a:ext uri="{FF2B5EF4-FFF2-40B4-BE49-F238E27FC236}">
-                <a16:creationId xmlns:a16="http://schemas.microsoft.com/office/drawing/2014/main" id="{2FB65050-84ED-FFE9-7866-CDB53F4287FF}"/>
-              </a:ext>
-            </a:extLst>
-          </p:cNvPr>
-          <p:cNvSpPr>
-            <a:spLocks noGrp="1"/>
-          </p:cNvSpPr>
-          <p:nvPr>
-            <p:ph type="sldNum" sz="quarter" idx="12"/>
-          </p:nvPr>
-        </p:nvSpPr>
-        <p:spPr/>
-        <p:txBody>
-          <a:bodyPr/>
-          <a:lstStyle/>
-          <a:p>
-            <a:fld id="{8D96929D-9E84-4A42-B4C3-2E48812748E4}" type="slidenum">
-              <a:rPr lang="ko-KR" altLang="en-US" smtClean="0"/>
-              <a:t>3</a:t>
-            </a:fld>
-            <a:endParaRPr lang="ko-KR" altLang="en-US"/>
-          </a:p>
-        </p:txBody>
-      </p:sp>
-    </p:spTree>
-    <p:extLst>
-      <p:ext uri="{BB962C8B-B14F-4D97-AF65-F5344CB8AC3E}">
-        <p14:creationId xmlns:p14="http://schemas.microsoft.com/office/powerpoint/2010/main" val="986517549"/>
-      </p:ext>
-    </p:extLst>
-  </p:cSld>
-  <p:clrMapOvr>
-    <a:masterClrMapping/>
-  </p:clrMapOvr>
-</p:sld>
-</file>
-
-<file path=ppt/slides/slide30.xml><?xml version="1.0" encoding="utf-8"?>
+<file path=ppt/slides/slide31.xml><?xml version="1.0" encoding="utf-8"?>
 <p:sld xmlns:a="http://schemas.openxmlformats.org/drawingml/2006/main" xmlns:r="http://schemas.openxmlformats.org/officeDocument/2006/relationships" xmlns:p="http://schemas.openxmlformats.org/presentationml/2006/main">
   <p:cSld>
     <p:spTree>
@@ -33521,7 +34892,7 @@
           <a:p>
             <a:fld id="{8D96929D-9E84-4A42-B4C3-2E48812748E4}" type="slidenum">
               <a:rPr lang="ko-KR" altLang="en-US" smtClean="0"/>
-              <a:t>30</a:t>
+              <a:t>31</a:t>
             </a:fld>
             <a:endParaRPr lang="ko-KR" altLang="en-US"/>
           </a:p>
@@ -33540,7 +34911,7 @@
 </p:sld>
 </file>
 
-<file path=ppt/slides/slide31.xml><?xml version="1.0" encoding="utf-8"?>
+<file path=ppt/slides/slide32.xml><?xml version="1.0" encoding="utf-8"?>
 <p:sld xmlns:a="http://schemas.openxmlformats.org/drawingml/2006/main" xmlns:r="http://schemas.openxmlformats.org/officeDocument/2006/relationships" xmlns:p="http://schemas.openxmlformats.org/presentationml/2006/main">
   <p:cSld>
     <p:spTree>
@@ -37128,7 +38499,7 @@
           <a:p>
             <a:fld id="{8D96929D-9E84-4A42-B4C3-2E48812748E4}" type="slidenum">
               <a:rPr lang="ko-KR" altLang="en-US" smtClean="0"/>
-              <a:t>31</a:t>
+              <a:t>32</a:t>
             </a:fld>
             <a:endParaRPr lang="ko-KR" altLang="en-US"/>
           </a:p>
@@ -37199,7 +38570,7 @@
 </p:sld>
 </file>
 
-<file path=ppt/slides/slide32.xml><?xml version="1.0" encoding="utf-8"?>
+<file path=ppt/slides/slide33.xml><?xml version="1.0" encoding="utf-8"?>
 <p:sld xmlns:a="http://schemas.openxmlformats.org/drawingml/2006/main" xmlns:r="http://schemas.openxmlformats.org/officeDocument/2006/relationships" xmlns:p="http://schemas.openxmlformats.org/presentationml/2006/main">
   <p:cSld>
     <p:spTree>
@@ -38957,7 +40328,7 @@
           <a:p>
             <a:fld id="{8D96929D-9E84-4A42-B4C3-2E48812748E4}" type="slidenum">
               <a:rPr lang="ko-KR" altLang="en-US" smtClean="0"/>
-              <a:t>32</a:t>
+              <a:t>33</a:t>
             </a:fld>
             <a:endParaRPr lang="ko-KR" altLang="en-US"/>
           </a:p>
@@ -40022,7 +41393,7 @@
 </p:sld>
 </file>
 
-<file path=ppt/slides/slide33.xml><?xml version="1.0" encoding="utf-8"?>
+<file path=ppt/slides/slide34.xml><?xml version="1.0" encoding="utf-8"?>
 <p:sld xmlns:a="http://schemas.openxmlformats.org/drawingml/2006/main" xmlns:r="http://schemas.openxmlformats.org/officeDocument/2006/relationships" xmlns:p="http://schemas.openxmlformats.org/presentationml/2006/main">
   <p:cSld>
     <p:spTree>
@@ -40282,7 +41653,7 @@
           <a:p>
             <a:fld id="{8D96929D-9E84-4A42-B4C3-2E48812748E4}" type="slidenum">
               <a:rPr lang="ko-KR" altLang="en-US" smtClean="0"/>
-              <a:t>33</a:t>
+              <a:t>34</a:t>
             </a:fld>
             <a:endParaRPr lang="ko-KR" altLang="en-US"/>
           </a:p>
@@ -42532,7 +43903,7 @@
 </p:sld>
 </file>
 
-<file path=ppt/slides/slide34.xml><?xml version="1.0" encoding="utf-8"?>
+<file path=ppt/slides/slide35.xml><?xml version="1.0" encoding="utf-8"?>
 <p:sld xmlns:a="http://schemas.openxmlformats.org/drawingml/2006/main" xmlns:r="http://schemas.openxmlformats.org/officeDocument/2006/relationships" xmlns:p="http://schemas.openxmlformats.org/presentationml/2006/main">
   <p:cSld>
     <p:spTree>
@@ -42959,7 +44330,7 @@
           <a:p>
             <a:fld id="{8D96929D-9E84-4A42-B4C3-2E48812748E4}" type="slidenum">
               <a:rPr lang="ko-KR" altLang="en-US" smtClean="0"/>
-              <a:t>34</a:t>
+              <a:t>35</a:t>
             </a:fld>
             <a:endParaRPr lang="ko-KR" altLang="en-US"/>
           </a:p>
@@ -45820,7 +47191,7 @@
 </p:sld>
 </file>
 
-<file path=ppt/slides/slide35.xml><?xml version="1.0" encoding="utf-8"?>
+<file path=ppt/slides/slide36.xml><?xml version="1.0" encoding="utf-8"?>
 <p:sld xmlns:a="http://schemas.openxmlformats.org/drawingml/2006/main" xmlns:r="http://schemas.openxmlformats.org/officeDocument/2006/relationships" xmlns:p="http://schemas.openxmlformats.org/presentationml/2006/main">
   <p:cSld>
     <p:spTree>
@@ -46266,7 +47637,7 @@
           <a:p>
             <a:fld id="{8D96929D-9E84-4A42-B4C3-2E48812748E4}" type="slidenum">
               <a:rPr lang="ko-KR" altLang="en-US" smtClean="0"/>
-              <a:t>35</a:t>
+              <a:t>36</a:t>
             </a:fld>
             <a:endParaRPr lang="ko-KR" altLang="en-US"/>
           </a:p>
@@ -47815,7 +49186,7 @@
 </p:sld>
 </file>
 
-<file path=ppt/slides/slide36.xml><?xml version="1.0" encoding="utf-8"?>
+<file path=ppt/slides/slide37.xml><?xml version="1.0" encoding="utf-8"?>
 <p:sld xmlns:a="http://schemas.openxmlformats.org/drawingml/2006/main" xmlns:r="http://schemas.openxmlformats.org/officeDocument/2006/relationships" xmlns:p="http://schemas.openxmlformats.org/presentationml/2006/main">
   <p:cSld>
     <p:spTree>
@@ -47990,7 +49361,7 @@
           <a:p>
             <a:fld id="{8D96929D-9E84-4A42-B4C3-2E48812748E4}" type="slidenum">
               <a:rPr lang="ko-KR" altLang="en-US" smtClean="0"/>
-              <a:t>36</a:t>
+              <a:t>37</a:t>
             </a:fld>
             <a:endParaRPr lang="ko-KR" altLang="en-US"/>
           </a:p>

--- a/document/Please Leave me alone!.pptx
+++ b/document/Please Leave me alone!.pptx
@@ -233,7 +233,7 @@
           <a:p>
             <a:fld id="{A9BD1FE7-2F33-4B0D-BA08-1CEE25D4E3DB}" type="datetimeFigureOut">
               <a:rPr lang="ko-KR" altLang="en-US" smtClean="0"/>
-              <a:t>2025-02-16</a:t>
+              <a:t>2025-02-17</a:t>
             </a:fld>
             <a:endParaRPr lang="ko-KR" altLang="en-US"/>
           </a:p>
@@ -947,7 +947,7 @@
           <a:p>
             <a:fld id="{783F481A-738D-4EBC-92BF-08655C0568CC}" type="datetime1">
               <a:rPr lang="ko-KR" altLang="en-US" smtClean="0"/>
-              <a:t>2025-02-16</a:t>
+              <a:t>2025-02-17</a:t>
             </a:fld>
             <a:endParaRPr lang="ko-KR" altLang="en-US"/>
           </a:p>
@@ -1145,7 +1145,7 @@
           <a:p>
             <a:fld id="{6D9BB776-B79C-4546-8ABA-DA45D9C133A7}" type="datetime1">
               <a:rPr lang="ko-KR" altLang="en-US" smtClean="0"/>
-              <a:t>2025-02-16</a:t>
+              <a:t>2025-02-17</a:t>
             </a:fld>
             <a:endParaRPr lang="ko-KR" altLang="en-US"/>
           </a:p>
@@ -1353,7 +1353,7 @@
           <a:p>
             <a:fld id="{720FF001-C6D3-49EC-8DC3-B2593B1DC1C3}" type="datetime1">
               <a:rPr lang="ko-KR" altLang="en-US" smtClean="0"/>
-              <a:t>2025-02-16</a:t>
+              <a:t>2025-02-17</a:t>
             </a:fld>
             <a:endParaRPr lang="ko-KR" altLang="en-US"/>
           </a:p>
@@ -1551,7 +1551,7 @@
           <a:p>
             <a:fld id="{091E519C-B90B-4A61-8F7D-EA80CD22B7D5}" type="datetime1">
               <a:rPr lang="ko-KR" altLang="en-US" smtClean="0"/>
-              <a:t>2025-02-16</a:t>
+              <a:t>2025-02-17</a:t>
             </a:fld>
             <a:endParaRPr lang="ko-KR" altLang="en-US"/>
           </a:p>
@@ -1826,7 +1826,7 @@
           <a:p>
             <a:fld id="{FD734108-2D59-40E2-B393-1F390391A1FB}" type="datetime1">
               <a:rPr lang="ko-KR" altLang="en-US" smtClean="0"/>
-              <a:t>2025-02-16</a:t>
+              <a:t>2025-02-17</a:t>
             </a:fld>
             <a:endParaRPr lang="ko-KR" altLang="en-US"/>
           </a:p>
@@ -2091,7 +2091,7 @@
           <a:p>
             <a:fld id="{297FF520-CDFD-4316-AC89-B0A764216C4E}" type="datetime1">
               <a:rPr lang="ko-KR" altLang="en-US" smtClean="0"/>
-              <a:t>2025-02-16</a:t>
+              <a:t>2025-02-17</a:t>
             </a:fld>
             <a:endParaRPr lang="ko-KR" altLang="en-US"/>
           </a:p>
@@ -2503,7 +2503,7 @@
           <a:p>
             <a:fld id="{0CF3B42C-2182-4183-A46A-124CD019AF43}" type="datetime1">
               <a:rPr lang="ko-KR" altLang="en-US" smtClean="0"/>
-              <a:t>2025-02-16</a:t>
+              <a:t>2025-02-17</a:t>
             </a:fld>
             <a:endParaRPr lang="ko-KR" altLang="en-US"/>
           </a:p>
@@ -2644,7 +2644,7 @@
           <a:p>
             <a:fld id="{B738F611-77C6-4F89-8E2C-D3A9C27DF43F}" type="datetime1">
               <a:rPr lang="ko-KR" altLang="en-US" smtClean="0"/>
-              <a:t>2025-02-16</a:t>
+              <a:t>2025-02-17</a:t>
             </a:fld>
             <a:endParaRPr lang="ko-KR" altLang="en-US"/>
           </a:p>
@@ -2757,7 +2757,7 @@
           <a:p>
             <a:fld id="{A051748B-BCED-40F0-8EF5-AF075B4618B9}" type="datetime1">
               <a:rPr lang="ko-KR" altLang="en-US" smtClean="0"/>
-              <a:t>2025-02-16</a:t>
+              <a:t>2025-02-17</a:t>
             </a:fld>
             <a:endParaRPr lang="ko-KR" altLang="en-US"/>
           </a:p>
@@ -3068,7 +3068,7 @@
           <a:p>
             <a:fld id="{41DBB85A-8EA7-4277-A6E6-46EF2EEF4790}" type="datetime1">
               <a:rPr lang="ko-KR" altLang="en-US" smtClean="0"/>
-              <a:t>2025-02-16</a:t>
+              <a:t>2025-02-17</a:t>
             </a:fld>
             <a:endParaRPr lang="ko-KR" altLang="en-US"/>
           </a:p>
@@ -3356,7 +3356,7 @@
           <a:p>
             <a:fld id="{BBE44FDA-CB41-4E86-912D-6ECC7574FD7F}" type="datetime1">
               <a:rPr lang="ko-KR" altLang="en-US" smtClean="0"/>
-              <a:t>2025-02-16</a:t>
+              <a:t>2025-02-17</a:t>
             </a:fld>
             <a:endParaRPr lang="ko-KR" altLang="en-US"/>
           </a:p>
@@ -3597,7 +3597,7 @@
           <a:p>
             <a:fld id="{F0992805-70C9-4612-850D-0415F751BF22}" type="datetime1">
               <a:rPr lang="ko-KR" altLang="en-US" smtClean="0"/>
-              <a:t>2025-02-16</a:t>
+              <a:t>2025-02-17</a:t>
             </a:fld>
             <a:endParaRPr lang="ko-KR" altLang="en-US"/>
           </a:p>
@@ -16547,8 +16547,8 @@
         </p:nvSpPr>
         <p:spPr>
           <a:xfrm>
-            <a:off x="430696" y="5365387"/>
-            <a:ext cx="11222944" cy="1200329"/>
+            <a:off x="430696" y="5117242"/>
+            <a:ext cx="8823249" cy="1343381"/>
           </a:xfrm>
           <a:prstGeom prst="rect">
             <a:avLst/>
@@ -16562,65 +16562,77 @@
           <a:lstStyle/>
           <a:p>
             <a:pPr marL="285750" indent="-285750">
+              <a:lnSpc>
+                <a:spcPct val="150000"/>
+              </a:lnSpc>
               <a:buFontTx/>
               <a:buChar char="-"/>
             </a:pPr>
             <a:r>
-              <a:rPr lang="ko-KR" altLang="en-US" dirty="0"/>
+              <a:rPr lang="ko-KR" altLang="en-US" sz="1400" dirty="0"/>
               <a:t>플레이어가 미니게임에서 게임오버 당하지 않은 상태로 </a:t>
             </a:r>
             <a:r>
-              <a:rPr lang="en-US" altLang="ko-KR" dirty="0"/>
+              <a:rPr lang="en-US" altLang="ko-KR" sz="1400" dirty="0"/>
               <a:t>10</a:t>
             </a:r>
             <a:r>
-              <a:rPr lang="ko-KR" altLang="en-US" dirty="0"/>
+              <a:rPr lang="ko-KR" altLang="en-US" sz="1400" dirty="0"/>
               <a:t>분을 버티게 되면 목표 달성 창으로 넘어간다</a:t>
             </a:r>
             <a:r>
-              <a:rPr lang="en-US" altLang="ko-KR" dirty="0"/>
+              <a:rPr lang="en-US" altLang="ko-KR" sz="1400" dirty="0"/>
               <a:t>.</a:t>
             </a:r>
           </a:p>
           <a:p>
             <a:pPr marL="285750" indent="-285750">
+              <a:lnSpc>
+                <a:spcPct val="150000"/>
+              </a:lnSpc>
               <a:buFontTx/>
               <a:buChar char="-"/>
             </a:pPr>
             <a:r>
-              <a:rPr lang="ko-KR" altLang="en-US" dirty="0"/>
+              <a:rPr lang="ko-KR" altLang="en-US" sz="1400" dirty="0"/>
               <a:t>만약 플레이어가 미니게임의 목표를 달성한 채로 넘어가게 되면 목표 달성 성공 처리가 된다</a:t>
             </a:r>
             <a:r>
-              <a:rPr lang="en-US" altLang="ko-KR" dirty="0"/>
+              <a:rPr lang="en-US" altLang="ko-KR" sz="1400" dirty="0"/>
               <a:t>. </a:t>
             </a:r>
           </a:p>
           <a:p>
             <a:pPr marL="285750" indent="-285750">
+              <a:lnSpc>
+                <a:spcPct val="150000"/>
+              </a:lnSpc>
               <a:buFontTx/>
               <a:buChar char="-"/>
             </a:pPr>
             <a:r>
-              <a:rPr lang="ko-KR" altLang="en-US" dirty="0"/>
+              <a:rPr lang="ko-KR" altLang="en-US" sz="1400" dirty="0"/>
               <a:t>방해 이벤트를 해결 하였을 경우 목표 달성 성공처리가 된다</a:t>
             </a:r>
             <a:r>
-              <a:rPr lang="en-US" altLang="ko-KR" dirty="0"/>
+              <a:rPr lang="en-US" altLang="ko-KR" sz="1400" dirty="0"/>
               <a:t>.</a:t>
             </a:r>
           </a:p>
           <a:p>
             <a:pPr marL="285750" indent="-285750">
+              <a:lnSpc>
+                <a:spcPct val="150000"/>
+              </a:lnSpc>
               <a:buFontTx/>
               <a:buChar char="-"/>
             </a:pPr>
             <a:r>
-              <a:rPr lang="ko-KR" altLang="en-US" dirty="0"/>
+              <a:rPr lang="ko-KR" altLang="en-US" sz="1400" dirty="0"/>
               <a:t>무시 하였을 경우에는 목표 달성 실패 처리 된다</a:t>
             </a:r>
             <a:r>
-              <a:rPr lang="en-US" altLang="ko-KR" dirty="0"/>
+              <a:rPr lang="en-US" altLang="ko-KR" sz="1400" dirty="0"/>
               <a:t>.</a:t>
             </a:r>
           </a:p>
@@ -17663,7 +17675,7 @@
         <p:spPr>
           <a:xfrm>
             <a:off x="636105" y="1636644"/>
-            <a:ext cx="8334333" cy="646331"/>
+            <a:ext cx="8252580" cy="646331"/>
           </a:xfrm>
           <a:prstGeom prst="rect">
             <a:avLst/>
@@ -17677,8 +17689,8 @@
           <a:lstStyle/>
           <a:p>
             <a:pPr marL="285750" indent="-285750">
-              <a:buFont typeface="Arial" panose="020B0604020202020204" pitchFamily="34" charset="0"/>
-              <a:buChar char="•"/>
+              <a:buFontTx/>
+              <a:buChar char="-"/>
             </a:pPr>
             <a:r>
               <a:rPr lang="ko-KR" altLang="en-US" dirty="0"/>
@@ -17691,8 +17703,8 @@
           </a:p>
           <a:p>
             <a:pPr marL="285750" indent="-285750">
-              <a:buFont typeface="Arial" panose="020B0604020202020204" pitchFamily="34" charset="0"/>
-              <a:buChar char="•"/>
+              <a:buFontTx/>
+              <a:buChar char="-"/>
             </a:pPr>
             <a:r>
               <a:rPr lang="ko-KR" altLang="en-US" dirty="0"/>
@@ -18433,7 +18445,7 @@
         <p:spPr>
           <a:xfrm>
             <a:off x="554527" y="5210360"/>
-            <a:ext cx="11200502" cy="1200329"/>
+            <a:ext cx="8804013" cy="1343381"/>
           </a:xfrm>
           <a:prstGeom prst="rect">
             <a:avLst/>
@@ -18447,85 +18459,89 @@
           <a:lstStyle/>
           <a:p>
             <a:pPr marL="285750" indent="-285750">
+              <a:lnSpc>
+                <a:spcPct val="150000"/>
+              </a:lnSpc>
               <a:buFontTx/>
               <a:buChar char="-"/>
             </a:pPr>
             <a:r>
-              <a:rPr lang="ko-KR" altLang="en-US" dirty="0" err="1"/>
+              <a:rPr lang="ko-KR" altLang="en-US" sz="1400" dirty="0" err="1"/>
               <a:t>횡스크롤</a:t>
             </a:r>
             <a:r>
-              <a:rPr lang="ko-KR" altLang="en-US" dirty="0"/>
+              <a:rPr lang="ko-KR" altLang="en-US" sz="1400" dirty="0"/>
               <a:t> 러닝 게임으로 점프와 슬라이딩 두개의 기능으로 장애물을 피할 때마다 점수를 얻는 게임이다</a:t>
             </a:r>
             <a:r>
-              <a:rPr lang="en-US" altLang="ko-KR" dirty="0"/>
+              <a:rPr lang="en-US" altLang="ko-KR" sz="1400" dirty="0"/>
               <a:t>.</a:t>
             </a:r>
           </a:p>
           <a:p>
             <a:pPr marL="285750" indent="-285750">
+              <a:lnSpc>
+                <a:spcPct val="150000"/>
+              </a:lnSpc>
               <a:buFontTx/>
               <a:buChar char="-"/>
             </a:pPr>
             <a:r>
-              <a:rPr lang="ko-KR" altLang="en-US" dirty="0"/>
-              <a:t>캐릭터는 고정 되어 있고 장애물이 플레이어에게 다가오는 형식</a:t>
+              <a:rPr lang="ko-KR" altLang="en-US" sz="1400" dirty="0"/>
+              <a:t>캐릭터는 고정 되어 있고 장애물이 플레이어에게 다가오는 형식으로 진행된다</a:t>
             </a:r>
             <a:r>
-              <a:rPr lang="en-US" altLang="ko-KR" dirty="0"/>
-              <a:t>(</a:t>
-            </a:r>
-            <a:r>
-              <a:rPr lang="ko-KR" altLang="en-US" dirty="0"/>
-              <a:t>속도는 점수 배점에 따라 달라진다</a:t>
-            </a:r>
-            <a:r>
-              <a:rPr lang="en-US" altLang="ko-KR" dirty="0"/>
-              <a:t>.)</a:t>
-            </a:r>
-          </a:p>
-          <a:p>
-            <a:pPr marL="285750" indent="-285750">
-              <a:buFontTx/>
-              <a:buChar char="-"/>
-            </a:pPr>
-            <a:r>
-              <a:rPr lang="ko-KR" altLang="en-US" dirty="0"/>
-              <a:t>정해진 시간동안 </a:t>
-            </a:r>
-            <a:r>
-              <a:rPr lang="en-US" altLang="ko-KR" dirty="0"/>
-              <a:t>1</a:t>
-            </a:r>
-            <a:r>
-              <a:rPr lang="ko-KR" altLang="en-US" dirty="0"/>
-              <a:t>등을 유지하는 것이 목표이다</a:t>
-            </a:r>
-            <a:r>
-              <a:rPr lang="en-US" altLang="ko-KR" dirty="0"/>
+              <a:rPr lang="en-US" altLang="ko-KR" sz="1400" dirty="0"/>
               <a:t>.</a:t>
             </a:r>
           </a:p>
           <a:p>
             <a:pPr marL="285750" indent="-285750">
+              <a:lnSpc>
+                <a:spcPct val="150000"/>
+              </a:lnSpc>
               <a:buFontTx/>
               <a:buChar char="-"/>
             </a:pPr>
             <a:r>
-              <a:rPr lang="ko-KR" altLang="en-US" dirty="0"/>
-              <a:t>유저는 </a:t>
+              <a:rPr lang="ko-KR" altLang="en-US" sz="1400" dirty="0"/>
+              <a:t>게임을 시작하면 플레이어 포함 </a:t>
             </a:r>
             <a:r>
-              <a:rPr lang="en-US" altLang="ko-KR" dirty="0"/>
-              <a:t>5</a:t>
+              <a:rPr lang="en-US" altLang="ko-KR" sz="1400" dirty="0"/>
+              <a:t>3</a:t>
             </a:r>
             <a:r>
-              <a:rPr lang="ko-KR" altLang="en-US" dirty="0"/>
-              <a:t>개의 체력을 가지고 시작한다</a:t>
+              <a:rPr lang="ko-KR" altLang="en-US" sz="1400" dirty="0"/>
+              <a:t>명이서 점수로 랭킹을 다투는 형식으로 진행된다</a:t>
             </a:r>
             <a:r>
-              <a:rPr lang="en-US" altLang="ko-KR" dirty="0"/>
+              <a:rPr lang="en-US" altLang="ko-KR" sz="1400" dirty="0"/>
+              <a:t>.</a:t>
+            </a:r>
+          </a:p>
+          <a:p>
+            <a:pPr marL="285750" indent="-285750">
+              <a:lnSpc>
+                <a:spcPct val="150000"/>
+              </a:lnSpc>
+              <a:buFontTx/>
+              <a:buChar char="-"/>
+            </a:pPr>
+            <a:r>
+              <a:rPr lang="ko-KR" altLang="en-US" sz="1400" dirty="0"/>
+              <a:t>플레이어는 시간이 끝날 때 게임에서 </a:t>
+            </a:r>
+            <a:r>
+              <a:rPr lang="en-US" altLang="ko-KR" sz="1400" dirty="0"/>
+              <a:t>1</a:t>
+            </a:r>
+            <a:r>
+              <a:rPr lang="ko-KR" altLang="en-US" sz="1400" dirty="0"/>
+              <a:t>등을 하였다면 게임을 클리어 했다는 형식의 엔딩이 등장한다</a:t>
+            </a:r>
+            <a:r>
+              <a:rPr lang="en-US" altLang="ko-KR" sz="1400" dirty="0"/>
               <a:t>.</a:t>
             </a:r>
           </a:p>
@@ -20635,7 +20651,7 @@
         </p:nvSpPr>
         <p:spPr>
           <a:xfrm>
-            <a:off x="1659288" y="3523336"/>
+            <a:off x="1659288" y="3429000"/>
             <a:ext cx="1994452" cy="365125"/>
           </a:xfrm>
           <a:prstGeom prst="roundRect">
@@ -20698,7 +20714,7 @@
         </p:nvSpPr>
         <p:spPr>
           <a:xfrm>
-            <a:off x="1659288" y="4169159"/>
+            <a:off x="1659288" y="4417884"/>
             <a:ext cx="1994452" cy="365125"/>
           </a:xfrm>
           <a:prstGeom prst="roundRect">
@@ -20761,7 +20777,7 @@
         </p:nvSpPr>
         <p:spPr>
           <a:xfrm>
-            <a:off x="1659288" y="4814982"/>
+            <a:off x="1659288" y="4912327"/>
             <a:ext cx="1994452" cy="365125"/>
           </a:xfrm>
           <a:prstGeom prst="roundRect">
@@ -20862,18 +20878,13 @@
           <a:lstStyle/>
           <a:p>
             <a:r>
-              <a:rPr lang="ko-KR" altLang="en-US" sz="1600">
+              <a:rPr lang="ko-KR" altLang="en-US" sz="1600" dirty="0">
                 <a:solidFill>
                   <a:schemeClr val="tx1"/>
                 </a:solidFill>
               </a:rPr>
               <a:t>플레이 흐름도</a:t>
             </a:r>
-            <a:endParaRPr lang="ko-KR" altLang="en-US" sz="1600" dirty="0">
-              <a:solidFill>
-                <a:schemeClr val="tx1"/>
-              </a:solidFill>
-            </a:endParaRPr>
           </a:p>
         </p:txBody>
       </p:sp>
@@ -21336,6 +21347,69 @@
               <a:t>.</a:t>
             </a:r>
             <a:endParaRPr lang="ko-KR" altLang="en-US" dirty="0"/>
+          </a:p>
+        </p:txBody>
+      </p:sp>
+      <p:sp>
+        <p:nvSpPr>
+          <p:cNvPr id="6" name="사각형: 둥근 모서리 5">
+            <a:hlinkClick r:id="rId6" action="ppaction://hlinksldjump"/>
+            <a:extLst>
+              <a:ext uri="{FF2B5EF4-FFF2-40B4-BE49-F238E27FC236}">
+                <a16:creationId xmlns:a16="http://schemas.microsoft.com/office/drawing/2014/main" id="{04C0F975-9481-FA7F-7C20-1696CF4EF2CC}"/>
+              </a:ext>
+            </a:extLst>
+          </p:cNvPr>
+          <p:cNvSpPr/>
+          <p:nvPr/>
+        </p:nvSpPr>
+        <p:spPr>
+          <a:xfrm>
+            <a:off x="1659288" y="3923442"/>
+            <a:ext cx="1994452" cy="365125"/>
+          </a:xfrm>
+          <a:prstGeom prst="roundRect">
+            <a:avLst>
+              <a:gd name="adj" fmla="val 50000"/>
+            </a:avLst>
+          </a:prstGeom>
+          <a:solidFill>
+            <a:schemeClr val="bg1">
+              <a:lumMod val="85000"/>
+            </a:schemeClr>
+          </a:solidFill>
+          <a:ln>
+            <a:noFill/>
+          </a:ln>
+        </p:spPr>
+        <p:style>
+          <a:lnRef idx="2">
+            <a:schemeClr val="accent1">
+              <a:shade val="15000"/>
+            </a:schemeClr>
+          </a:lnRef>
+          <a:fillRef idx="1">
+            <a:schemeClr val="accent1"/>
+          </a:fillRef>
+          <a:effectRef idx="0">
+            <a:schemeClr val="accent1"/>
+          </a:effectRef>
+          <a:fontRef idx="minor">
+            <a:schemeClr val="lt1"/>
+          </a:fontRef>
+        </p:style>
+        <p:txBody>
+          <a:bodyPr rtlCol="0" anchor="ctr"/>
+          <a:lstStyle/>
+          <a:p>
+            <a:r>
+              <a:rPr lang="ko-KR" altLang="en-US" sz="1600" dirty="0">
+                <a:solidFill>
+                  <a:schemeClr val="tx1"/>
+                </a:solidFill>
+              </a:rPr>
+              <a:t>스토리</a:t>
+            </a:r>
           </a:p>
         </p:txBody>
       </p:sp>
@@ -28624,7 +28698,7 @@
         <p:spPr>
           <a:xfrm>
             <a:off x="574998" y="5227278"/>
-            <a:ext cx="9685665" cy="923330"/>
+            <a:ext cx="7625806" cy="1020216"/>
           </a:xfrm>
           <a:prstGeom prst="rect">
             <a:avLst/>
@@ -28638,91 +28712,100 @@
           <a:lstStyle/>
           <a:p>
             <a:pPr marL="285750" indent="-285750">
+              <a:lnSpc>
+                <a:spcPct val="150000"/>
+              </a:lnSpc>
               <a:buFontTx/>
               <a:buChar char="-"/>
             </a:pPr>
             <a:r>
-              <a:rPr lang="ko-KR" altLang="en-US" dirty="0"/>
+              <a:rPr lang="ko-KR" altLang="en-US" sz="1400" dirty="0"/>
               <a:t>장애물 패턴은 총 </a:t>
             </a:r>
             <a:r>
-              <a:rPr lang="en-US" altLang="ko-KR" dirty="0"/>
+              <a:rPr lang="en-US" altLang="ko-KR" sz="1400" dirty="0"/>
               <a:t>2</a:t>
             </a:r>
             <a:r>
-              <a:rPr lang="ko-KR" altLang="en-US" dirty="0"/>
+              <a:rPr lang="ko-KR" altLang="en-US" sz="1400" dirty="0"/>
               <a:t>가지이며 장애물 간 간격은 </a:t>
             </a:r>
             <a:r>
-              <a:rPr lang="en-US" altLang="ko-KR" dirty="0"/>
+              <a:rPr lang="en-US" altLang="ko-KR" sz="1400" dirty="0"/>
               <a:t>6M</a:t>
             </a:r>
             <a:r>
-              <a:rPr lang="ko-KR" altLang="en-US" dirty="0"/>
+              <a:rPr lang="ko-KR" altLang="en-US" sz="1400" dirty="0"/>
               <a:t>이다</a:t>
             </a:r>
             <a:r>
-              <a:rPr lang="en-US" altLang="ko-KR" dirty="0"/>
+              <a:rPr lang="en-US" altLang="ko-KR" sz="1400" dirty="0"/>
               <a:t>.</a:t>
             </a:r>
           </a:p>
           <a:p>
             <a:pPr marL="285750" indent="-285750">
+              <a:lnSpc>
+                <a:spcPct val="150000"/>
+              </a:lnSpc>
               <a:buFontTx/>
               <a:buChar char="-"/>
             </a:pPr>
             <a:r>
-              <a:rPr lang="ko-KR" altLang="en-US" dirty="0"/>
+              <a:rPr lang="ko-KR" altLang="en-US" sz="1400" dirty="0"/>
               <a:t>장애물은 </a:t>
             </a:r>
             <a:r>
-              <a:rPr lang="en-US" altLang="ko-KR" dirty="0"/>
+              <a:rPr lang="en-US" altLang="ko-KR" sz="1400" dirty="0"/>
               <a:t>2</a:t>
             </a:r>
             <a:r>
-              <a:rPr lang="ko-KR" altLang="en-US" dirty="0"/>
+              <a:rPr lang="ko-KR" altLang="en-US" sz="1400" dirty="0"/>
               <a:t>개중 랜덤하게 설정된다</a:t>
             </a:r>
             <a:r>
-              <a:rPr lang="en-US" altLang="ko-KR" dirty="0"/>
+              <a:rPr lang="en-US" altLang="ko-KR" sz="1400" dirty="0"/>
               <a:t>.</a:t>
             </a:r>
           </a:p>
           <a:p>
             <a:pPr marL="285750" indent="-285750">
+              <a:lnSpc>
+                <a:spcPct val="150000"/>
+              </a:lnSpc>
               <a:buFontTx/>
               <a:buChar char="-"/>
             </a:pPr>
             <a:r>
-              <a:rPr lang="ko-KR" altLang="en-US" dirty="0"/>
+              <a:rPr lang="ko-KR" altLang="en-US" sz="1400" dirty="0"/>
               <a:t>장애물 간 간격은 기본 </a:t>
             </a:r>
             <a:r>
-              <a:rPr lang="en-US" altLang="ko-KR" dirty="0"/>
+              <a:rPr lang="en-US" altLang="ko-KR" sz="1400" dirty="0"/>
               <a:t>6M</a:t>
             </a:r>
             <a:r>
-              <a:rPr lang="ko-KR" altLang="en-US" dirty="0"/>
+              <a:rPr lang="ko-KR" altLang="en-US" sz="1400" dirty="0"/>
               <a:t>로 속도가 빨라질 수록 </a:t>
             </a:r>
             <a:r>
-              <a:rPr lang="en-US" altLang="ko-KR" dirty="0"/>
+              <a:rPr lang="en-US" altLang="ko-KR" sz="1400" dirty="0"/>
               <a:t>“6m * </a:t>
             </a:r>
             <a:r>
-              <a:rPr lang="ko-KR" altLang="en-US" dirty="0"/>
+              <a:rPr lang="ko-KR" altLang="en-US" sz="1400" dirty="0"/>
               <a:t>현재 속도</a:t>
             </a:r>
             <a:r>
-              <a:rPr lang="en-US" altLang="ko-KR" dirty="0"/>
+              <a:rPr lang="en-US" altLang="ko-KR" sz="1400" dirty="0"/>
               <a:t>”</a:t>
             </a:r>
             <a:r>
-              <a:rPr lang="ko-KR" altLang="en-US" dirty="0"/>
+              <a:rPr lang="ko-KR" altLang="en-US" sz="1400" dirty="0"/>
               <a:t>의 간격으로 변경된다</a:t>
             </a:r>
             <a:r>
-              <a:rPr lang="en-US" altLang="ko-KR" dirty="0"/>
+              <a:rPr lang="en-US" altLang="ko-KR" sz="1400" dirty="0"/>
               <a:t>.</a:t>
             </a:r>
           </a:p>
@@ -29536,8 +29619,8 @@
         </p:nvSpPr>
         <p:spPr>
           <a:xfrm>
-            <a:off x="430696" y="1504122"/>
-            <a:ext cx="8646919" cy="1477328"/>
+            <a:off x="430696" y="1398104"/>
+            <a:ext cx="11684609" cy="1200329"/>
           </a:xfrm>
           <a:prstGeom prst="rect">
             <a:avLst/>
@@ -29600,37 +29683,15 @@
             </a:pPr>
             <a:r>
               <a:rPr lang="ko-KR" altLang="en-US" dirty="0"/>
-              <a:t>플레이어는 시작할 때 </a:t>
+              <a:t>플레이어는 점수의 배수 시스템을 통해서 빠르게 증가 되지만 다른 </a:t>
             </a:r>
             <a:r>
               <a:rPr lang="en-US" altLang="ko-KR" dirty="0"/>
-              <a:t>2</a:t>
+              <a:t>NPC</a:t>
             </a:r>
             <a:r>
               <a:rPr lang="ko-KR" altLang="en-US" dirty="0"/>
-              <a:t>등과 </a:t>
-            </a:r>
-            <a:r>
-              <a:rPr lang="en-US" altLang="ko-KR" dirty="0"/>
-              <a:t>30,000</a:t>
-            </a:r>
-            <a:r>
-              <a:rPr lang="ko-KR" altLang="en-US" dirty="0"/>
-              <a:t>점 차이로 게임을 시작하게 된다</a:t>
-            </a:r>
-            <a:r>
-              <a:rPr lang="en-US" altLang="ko-KR" dirty="0"/>
-              <a:t>.</a:t>
-            </a:r>
-          </a:p>
-          <a:p>
-            <a:pPr marL="285750" indent="-285750">
-              <a:buFontTx/>
-              <a:buChar char="-"/>
-            </a:pPr>
-            <a:r>
-              <a:rPr lang="ko-KR" altLang="en-US" dirty="0"/>
-              <a:t>방해 이벤트가 나오기전까지는 유저와 동일하게 점수가 상승한다</a:t>
+              <a:t>들의 점수는 초당 점수로만 측정된다</a:t>
             </a:r>
             <a:r>
               <a:rPr lang="en-US" altLang="ko-KR" dirty="0"/>
@@ -49833,7 +49894,7 @@
             <a:pPr algn="ctr"/>
             <a:r>
               <a:rPr lang="ko-KR" altLang="en-US" sz="3200" b="1" dirty="0"/>
-              <a:t>게임 소개</a:t>
+              <a:t>스토리</a:t>
             </a:r>
           </a:p>
         </p:txBody>
@@ -49957,10 +50018,10 @@
       </p:sp>
       <p:sp>
         <p:nvSpPr>
-          <p:cNvPr id="7" name="TextBox 6">
+          <p:cNvPr id="3" name="TextBox 2">
             <a:extLst>
               <a:ext uri="{FF2B5EF4-FFF2-40B4-BE49-F238E27FC236}">
-                <a16:creationId xmlns:a16="http://schemas.microsoft.com/office/drawing/2014/main" id="{B907BC7B-3A30-AA11-4BC9-0DE41EB21DC8}"/>
+                <a16:creationId xmlns:a16="http://schemas.microsoft.com/office/drawing/2014/main" id="{E8DDFE58-1B68-EC8B-6608-ACECF6EFC83F}"/>
               </a:ext>
             </a:extLst>
           </p:cNvPr>
@@ -49969,8 +50030,8 @@
         </p:nvSpPr>
         <p:spPr>
           <a:xfrm>
-            <a:off x="454785" y="700766"/>
-            <a:ext cx="2951449" cy="523220"/>
+            <a:off x="454785" y="4750904"/>
+            <a:ext cx="9424375" cy="1020216"/>
           </a:xfrm>
           <a:prstGeom prst="rect">
             <a:avLst/>
@@ -49983,14 +50044,80 @@
           </a:bodyPr>
           <a:lstStyle/>
           <a:p>
+            <a:pPr marL="285750" indent="-285750">
+              <a:lnSpc>
+                <a:spcPct val="150000"/>
+              </a:lnSpc>
+              <a:buFontTx/>
+              <a:buChar char="-"/>
+            </a:pPr>
             <a:r>
-              <a:rPr lang="ko-KR" altLang="en-US" sz="2800" dirty="0">
-                <a:solidFill>
-                  <a:srgbClr val="0070C0"/>
-                </a:solidFill>
-              </a:rPr>
-              <a:t>스토리 간단 소개</a:t>
+              <a:rPr lang="ko-KR" altLang="en-US" sz="1400" dirty="0"/>
+              <a:t>게임의 메인 화면을 </a:t>
             </a:r>
+            <a:r>
+              <a:rPr lang="ko-KR" altLang="en-US" sz="1400" dirty="0" err="1"/>
+              <a:t>스와이프해서</a:t>
+            </a:r>
+            <a:r>
+              <a:rPr lang="ko-KR" altLang="en-US" sz="1400" dirty="0"/>
+              <a:t> 메뉴화면으로 들어가게 되면 친구에게 </a:t>
+            </a:r>
+            <a:r>
+              <a:rPr lang="en-US" altLang="ko-KR" sz="1400" dirty="0"/>
+              <a:t>10</a:t>
+            </a:r>
+            <a:r>
+              <a:rPr lang="ko-KR" altLang="en-US" sz="1400" dirty="0"/>
+              <a:t>분 늦을 것 같다는 문자가 등장한다</a:t>
+            </a:r>
+            <a:r>
+              <a:rPr lang="en-US" altLang="ko-KR" sz="1400" dirty="0"/>
+              <a:t>.</a:t>
+            </a:r>
+          </a:p>
+          <a:p>
+            <a:pPr marL="285750" indent="-285750">
+              <a:lnSpc>
+                <a:spcPct val="150000"/>
+              </a:lnSpc>
+              <a:buFontTx/>
+              <a:buChar char="-"/>
+            </a:pPr>
+            <a:r>
+              <a:rPr lang="ko-KR" altLang="en-US" sz="1400" dirty="0"/>
+              <a:t>핸드폰 밑으로 </a:t>
+            </a:r>
+            <a:r>
+              <a:rPr lang="en-US" altLang="ko-KR" sz="1400" dirty="0"/>
+              <a:t>“</a:t>
+            </a:r>
+            <a:r>
+              <a:rPr lang="ko-KR" altLang="en-US" sz="1400" dirty="0"/>
+              <a:t>그러면 시간이 좀 남는데 게임이나 조금 할까</a:t>
+            </a:r>
+            <a:r>
+              <a:rPr lang="en-US" altLang="ko-KR" sz="1400" dirty="0"/>
+              <a:t>?”</a:t>
+            </a:r>
+            <a:r>
+              <a:rPr lang="ko-KR" altLang="en-US" sz="1400" dirty="0"/>
+              <a:t>라는 대사를 자막으로 출력한다</a:t>
+            </a:r>
+            <a:r>
+              <a:rPr lang="en-US" altLang="ko-KR" sz="1400" dirty="0"/>
+              <a:t>.</a:t>
+            </a:r>
+          </a:p>
+          <a:p>
+            <a:pPr marL="285750" indent="-285750">
+              <a:lnSpc>
+                <a:spcPct val="150000"/>
+              </a:lnSpc>
+              <a:buFontTx/>
+              <a:buChar char="-"/>
+            </a:pPr>
+            <a:endParaRPr lang="en-US" altLang="ko-KR" sz="1400" dirty="0"/>
           </a:p>
         </p:txBody>
       </p:sp>
@@ -52656,7 +52783,7 @@
         <p:spPr>
           <a:xfrm>
             <a:off x="323762" y="4576505"/>
-            <a:ext cx="6163867" cy="1700787"/>
+            <a:ext cx="4897495" cy="1666546"/>
           </a:xfrm>
           <a:prstGeom prst="rect">
             <a:avLst/>
@@ -52677,11 +52804,11 @@
               <a:buChar char="-"/>
             </a:pPr>
             <a:r>
-              <a:rPr lang="ko-KR" altLang="en-US" dirty="0"/>
+              <a:rPr lang="ko-KR" altLang="en-US" sz="1400" dirty="0"/>
               <a:t>플레이어가 주로 조작하는 요소이다</a:t>
             </a:r>
             <a:r>
-              <a:rPr lang="en-US" altLang="ko-KR" dirty="0"/>
+              <a:rPr lang="en-US" altLang="ko-KR" sz="1400" dirty="0"/>
               <a:t>.</a:t>
             </a:r>
           </a:p>
@@ -52694,11 +52821,11 @@
               <a:buChar char="-"/>
             </a:pPr>
             <a:r>
-              <a:rPr lang="ko-KR" altLang="en-US" dirty="0"/>
+              <a:rPr lang="ko-KR" altLang="en-US" sz="1400" dirty="0"/>
               <a:t>미니게임을 플레이할 때는 가로상태로 진행한다</a:t>
             </a:r>
             <a:r>
-              <a:rPr lang="en-US" altLang="ko-KR" dirty="0"/>
+              <a:rPr lang="en-US" altLang="ko-KR" sz="1400" dirty="0"/>
               <a:t>.</a:t>
             </a:r>
           </a:p>
@@ -52711,11 +52838,11 @@
               <a:buChar char="-"/>
             </a:pPr>
             <a:r>
-              <a:rPr lang="ko-KR" altLang="en-US" dirty="0"/>
-              <a:t>특정 방해 이벤트를 해결 할 때는 가로로 변경된다</a:t>
+              <a:rPr lang="ko-KR" altLang="en-US" sz="1400" dirty="0"/>
+              <a:t>그 외의 상황에서는 세로상태로 게임이 진행된다</a:t>
             </a:r>
             <a:r>
-              <a:rPr lang="en-US" altLang="ko-KR" dirty="0"/>
+              <a:rPr lang="en-US" altLang="ko-KR" sz="1400" dirty="0"/>
               <a:t>.</a:t>
             </a:r>
           </a:p>
@@ -52728,30 +52855,47 @@
               <a:buChar char="-"/>
             </a:pPr>
             <a:r>
-              <a:rPr lang="ko-KR" altLang="en-US" dirty="0"/>
+              <a:rPr lang="ko-KR" altLang="en-US" sz="1400" dirty="0"/>
+              <a:t>특정 방해 이벤트를 해결 할 때는 가로로 변경된다</a:t>
+            </a:r>
+            <a:r>
+              <a:rPr lang="en-US" altLang="ko-KR" sz="1400" dirty="0"/>
+              <a:t>.</a:t>
+            </a:r>
+          </a:p>
+          <a:p>
+            <a:pPr marL="285750" indent="-285750">
+              <a:lnSpc>
+                <a:spcPct val="150000"/>
+              </a:lnSpc>
+              <a:buFontTx/>
+              <a:buChar char="-"/>
+            </a:pPr>
+            <a:r>
+              <a:rPr lang="ko-KR" altLang="en-US" sz="1400" dirty="0"/>
               <a:t>화면의 크기는 </a:t>
             </a:r>
             <a:r>
-              <a:rPr lang="en-US" altLang="ko-KR" dirty="0"/>
+              <a:rPr lang="en-US" altLang="ko-KR" sz="1400" dirty="0"/>
               <a:t>16:9 </a:t>
             </a:r>
             <a:r>
-              <a:rPr lang="ko-KR" altLang="en-US" dirty="0"/>
+              <a:rPr lang="ko-KR" altLang="en-US" sz="1400" dirty="0"/>
               <a:t>비율을 가진다</a:t>
             </a:r>
             <a:r>
-              <a:rPr lang="en-US" altLang="ko-KR" dirty="0"/>
+              <a:rPr lang="en-US" altLang="ko-KR" sz="1400" dirty="0"/>
               <a:t>.(</a:t>
             </a:r>
             <a:r>
-              <a:rPr lang="ko-KR" altLang="en-US" dirty="0"/>
+              <a:rPr lang="ko-KR" altLang="en-US" sz="1400" dirty="0"/>
               <a:t>사이즈 </a:t>
             </a:r>
             <a:r>
-              <a:rPr lang="en-US" altLang="ko-KR" dirty="0"/>
+              <a:rPr lang="en-US" altLang="ko-KR" sz="1400" dirty="0"/>
               <a:t>: 960 X 600)</a:t>
             </a:r>
-            <a:endParaRPr lang="ko-KR" altLang="en-US" dirty="0"/>
+            <a:endParaRPr lang="ko-KR" altLang="en-US" sz="1400" dirty="0"/>
           </a:p>
         </p:txBody>
       </p:sp>

--- a/document/Please Leave me alone!.pptx
+++ b/document/Please Leave me alone!.pptx
@@ -233,7 +233,7 @@
           <a:p>
             <a:fld id="{A9BD1FE7-2F33-4B0D-BA08-1CEE25D4E3DB}" type="datetimeFigureOut">
               <a:rPr lang="ko-KR" altLang="en-US" smtClean="0"/>
-              <a:t>2025-02-17</a:t>
+              <a:t>2025-02-18</a:t>
             </a:fld>
             <a:endParaRPr lang="ko-KR" altLang="en-US"/>
           </a:p>
@@ -947,7 +947,7 @@
           <a:p>
             <a:fld id="{783F481A-738D-4EBC-92BF-08655C0568CC}" type="datetime1">
               <a:rPr lang="ko-KR" altLang="en-US" smtClean="0"/>
-              <a:t>2025-02-17</a:t>
+              <a:t>2025-02-18</a:t>
             </a:fld>
             <a:endParaRPr lang="ko-KR" altLang="en-US"/>
           </a:p>
@@ -1145,7 +1145,7 @@
           <a:p>
             <a:fld id="{6D9BB776-B79C-4546-8ABA-DA45D9C133A7}" type="datetime1">
               <a:rPr lang="ko-KR" altLang="en-US" smtClean="0"/>
-              <a:t>2025-02-17</a:t>
+              <a:t>2025-02-18</a:t>
             </a:fld>
             <a:endParaRPr lang="ko-KR" altLang="en-US"/>
           </a:p>
@@ -1353,7 +1353,7 @@
           <a:p>
             <a:fld id="{720FF001-C6D3-49EC-8DC3-B2593B1DC1C3}" type="datetime1">
               <a:rPr lang="ko-KR" altLang="en-US" smtClean="0"/>
-              <a:t>2025-02-17</a:t>
+              <a:t>2025-02-18</a:t>
             </a:fld>
             <a:endParaRPr lang="ko-KR" altLang="en-US"/>
           </a:p>
@@ -1551,7 +1551,7 @@
           <a:p>
             <a:fld id="{091E519C-B90B-4A61-8F7D-EA80CD22B7D5}" type="datetime1">
               <a:rPr lang="ko-KR" altLang="en-US" smtClean="0"/>
-              <a:t>2025-02-17</a:t>
+              <a:t>2025-02-18</a:t>
             </a:fld>
             <a:endParaRPr lang="ko-KR" altLang="en-US"/>
           </a:p>
@@ -1826,7 +1826,7 @@
           <a:p>
             <a:fld id="{FD734108-2D59-40E2-B393-1F390391A1FB}" type="datetime1">
               <a:rPr lang="ko-KR" altLang="en-US" smtClean="0"/>
-              <a:t>2025-02-17</a:t>
+              <a:t>2025-02-18</a:t>
             </a:fld>
             <a:endParaRPr lang="ko-KR" altLang="en-US"/>
           </a:p>
@@ -2091,7 +2091,7 @@
           <a:p>
             <a:fld id="{297FF520-CDFD-4316-AC89-B0A764216C4E}" type="datetime1">
               <a:rPr lang="ko-KR" altLang="en-US" smtClean="0"/>
-              <a:t>2025-02-17</a:t>
+              <a:t>2025-02-18</a:t>
             </a:fld>
             <a:endParaRPr lang="ko-KR" altLang="en-US"/>
           </a:p>
@@ -2503,7 +2503,7 @@
           <a:p>
             <a:fld id="{0CF3B42C-2182-4183-A46A-124CD019AF43}" type="datetime1">
               <a:rPr lang="ko-KR" altLang="en-US" smtClean="0"/>
-              <a:t>2025-02-17</a:t>
+              <a:t>2025-02-18</a:t>
             </a:fld>
             <a:endParaRPr lang="ko-KR" altLang="en-US"/>
           </a:p>
@@ -2644,7 +2644,7 @@
           <a:p>
             <a:fld id="{B738F611-77C6-4F89-8E2C-D3A9C27DF43F}" type="datetime1">
               <a:rPr lang="ko-KR" altLang="en-US" smtClean="0"/>
-              <a:t>2025-02-17</a:t>
+              <a:t>2025-02-18</a:t>
             </a:fld>
             <a:endParaRPr lang="ko-KR" altLang="en-US"/>
           </a:p>
@@ -2757,7 +2757,7 @@
           <a:p>
             <a:fld id="{A051748B-BCED-40F0-8EF5-AF075B4618B9}" type="datetime1">
               <a:rPr lang="ko-KR" altLang="en-US" smtClean="0"/>
-              <a:t>2025-02-17</a:t>
+              <a:t>2025-02-18</a:t>
             </a:fld>
             <a:endParaRPr lang="ko-KR" altLang="en-US"/>
           </a:p>
@@ -3068,7 +3068,7 @@
           <a:p>
             <a:fld id="{41DBB85A-8EA7-4277-A6E6-46EF2EEF4790}" type="datetime1">
               <a:rPr lang="ko-KR" altLang="en-US" smtClean="0"/>
-              <a:t>2025-02-17</a:t>
+              <a:t>2025-02-18</a:t>
             </a:fld>
             <a:endParaRPr lang="ko-KR" altLang="en-US"/>
           </a:p>
@@ -3356,7 +3356,7 @@
           <a:p>
             <a:fld id="{BBE44FDA-CB41-4E86-912D-6ECC7574FD7F}" type="datetime1">
               <a:rPr lang="ko-KR" altLang="en-US" smtClean="0"/>
-              <a:t>2025-02-17</a:t>
+              <a:t>2025-02-18</a:t>
             </a:fld>
             <a:endParaRPr lang="ko-KR" altLang="en-US"/>
           </a:p>
@@ -3597,7 +3597,7 @@
           <a:p>
             <a:fld id="{F0992805-70C9-4612-850D-0415F751BF22}" type="datetime1">
               <a:rPr lang="ko-KR" altLang="en-US" smtClean="0"/>
-              <a:t>2025-02-17</a:t>
+              <a:t>2025-02-18</a:t>
             </a:fld>
             <a:endParaRPr lang="ko-KR" altLang="en-US"/>
           </a:p>
@@ -21077,234 +21077,213 @@
           </a:p>
         </p:txBody>
       </p:sp>
-      <p:grpSp>
-        <p:nvGrpSpPr>
-          <p:cNvPr id="30" name="그룹 29">
+      <p:sp>
+        <p:nvSpPr>
+          <p:cNvPr id="22" name="사각형: 둥근 모서리 21">
+            <a:hlinkClick r:id="rId12" action="ppaction://hlinksldjump"/>
             <a:extLst>
               <a:ext uri="{FF2B5EF4-FFF2-40B4-BE49-F238E27FC236}">
-                <a16:creationId xmlns:a16="http://schemas.microsoft.com/office/drawing/2014/main" id="{C7C5FAF1-8617-A300-E5FE-FB471E38FB19}"/>
+                <a16:creationId xmlns:a16="http://schemas.microsoft.com/office/drawing/2014/main" id="{D06A8D2F-E1D6-F84C-0BA0-375A9D08EEC1}"/>
               </a:ext>
             </a:extLst>
           </p:cNvPr>
-          <p:cNvGrpSpPr/>
+          <p:cNvSpPr/>
           <p:nvPr/>
-        </p:nvGrpSpPr>
-        <p:grpSpPr>
+        </p:nvSpPr>
+        <p:spPr>
           <a:xfrm>
-            <a:off x="8538260" y="3471375"/>
-            <a:ext cx="1994452" cy="1760694"/>
-            <a:chOff x="8538260" y="3446255"/>
-            <a:chExt cx="1994452" cy="1760694"/>
+            <a:off x="8538260" y="3429000"/>
+            <a:ext cx="1994452" cy="365125"/>
           </a:xfrm>
-        </p:grpSpPr>
-        <p:sp>
-          <p:nvSpPr>
-            <p:cNvPr id="22" name="사각형: 둥근 모서리 21">
-              <a:hlinkClick r:id="rId12" action="ppaction://hlinksldjump"/>
-              <a:extLst>
-                <a:ext uri="{FF2B5EF4-FFF2-40B4-BE49-F238E27FC236}">
-                  <a16:creationId xmlns:a16="http://schemas.microsoft.com/office/drawing/2014/main" id="{D06A8D2F-E1D6-F84C-0BA0-375A9D08EEC1}"/>
-                </a:ext>
-              </a:extLst>
-            </p:cNvPr>
-            <p:cNvSpPr/>
-            <p:nvPr/>
-          </p:nvSpPr>
-          <p:spPr>
-            <a:xfrm>
-              <a:off x="8538260" y="3446255"/>
-              <a:ext cx="1994452" cy="365125"/>
-            </a:xfrm>
-            <a:prstGeom prst="roundRect">
-              <a:avLst>
-                <a:gd name="adj" fmla="val 50000"/>
-              </a:avLst>
-            </a:prstGeom>
-            <a:solidFill>
-              <a:schemeClr val="bg1">
-                <a:lumMod val="85000"/>
-              </a:schemeClr>
-            </a:solidFill>
-            <a:ln>
-              <a:noFill/>
-            </a:ln>
-          </p:spPr>
-          <p:style>
-            <a:lnRef idx="2">
-              <a:schemeClr val="accent1">
-                <a:shade val="15000"/>
-              </a:schemeClr>
-            </a:lnRef>
-            <a:fillRef idx="1">
-              <a:schemeClr val="accent1"/>
-            </a:fillRef>
-            <a:effectRef idx="0">
-              <a:schemeClr val="accent1"/>
-            </a:effectRef>
-            <a:fontRef idx="minor">
-              <a:schemeClr val="lt1"/>
-            </a:fontRef>
-          </p:style>
-          <p:txBody>
-            <a:bodyPr rtlCol="0" anchor="ctr"/>
-            <a:lstStyle/>
-            <a:p>
-              <a:r>
-                <a:rPr lang="ko-KR" altLang="en-US" sz="1600">
-                  <a:solidFill>
-                    <a:schemeClr val="tx1"/>
-                  </a:solidFill>
-                </a:rPr>
-                <a:t>미니 게임</a:t>
-              </a:r>
-              <a:endParaRPr lang="ko-KR" altLang="en-US" sz="1600" dirty="0">
+          <a:prstGeom prst="roundRect">
+            <a:avLst>
+              <a:gd name="adj" fmla="val 50000"/>
+            </a:avLst>
+          </a:prstGeom>
+          <a:solidFill>
+            <a:schemeClr val="bg1">
+              <a:lumMod val="85000"/>
+            </a:schemeClr>
+          </a:solidFill>
+          <a:ln>
+            <a:noFill/>
+          </a:ln>
+        </p:spPr>
+        <p:style>
+          <a:lnRef idx="2">
+            <a:schemeClr val="accent1">
+              <a:shade val="15000"/>
+            </a:schemeClr>
+          </a:lnRef>
+          <a:fillRef idx="1">
+            <a:schemeClr val="accent1"/>
+          </a:fillRef>
+          <a:effectRef idx="0">
+            <a:schemeClr val="accent1"/>
+          </a:effectRef>
+          <a:fontRef idx="minor">
+            <a:schemeClr val="lt1"/>
+          </a:fontRef>
+        </p:style>
+        <p:txBody>
+          <a:bodyPr rtlCol="0" anchor="ctr"/>
+          <a:lstStyle/>
+          <a:p>
+            <a:r>
+              <a:rPr lang="ko-KR" altLang="en-US" sz="1600">
                 <a:solidFill>
                   <a:schemeClr val="tx1"/>
                 </a:solidFill>
-              </a:endParaRPr>
-            </a:p>
-          </p:txBody>
-        </p:sp>
-        <p:sp>
-          <p:nvSpPr>
-            <p:cNvPr id="28" name="사각형: 둥근 모서리 27">
-              <a:hlinkClick r:id="rId13" action="ppaction://hlinksldjump"/>
-              <a:extLst>
-                <a:ext uri="{FF2B5EF4-FFF2-40B4-BE49-F238E27FC236}">
-                  <a16:creationId xmlns:a16="http://schemas.microsoft.com/office/drawing/2014/main" id="{F47302B6-3EC0-4829-0D90-6A9B861A3950}"/>
-                </a:ext>
-              </a:extLst>
-            </p:cNvPr>
-            <p:cNvSpPr/>
-            <p:nvPr/>
-          </p:nvSpPr>
-          <p:spPr>
-            <a:xfrm>
-              <a:off x="8538260" y="4144039"/>
-              <a:ext cx="1994452" cy="365125"/>
-            </a:xfrm>
-            <a:prstGeom prst="roundRect">
-              <a:avLst>
-                <a:gd name="adj" fmla="val 50000"/>
-              </a:avLst>
-            </a:prstGeom>
-            <a:solidFill>
-              <a:schemeClr val="bg1">
-                <a:lumMod val="85000"/>
-              </a:schemeClr>
-            </a:solidFill>
-            <a:ln>
-              <a:noFill/>
-            </a:ln>
-          </p:spPr>
-          <p:style>
-            <a:lnRef idx="2">
-              <a:schemeClr val="accent1">
-                <a:shade val="15000"/>
-              </a:schemeClr>
-            </a:lnRef>
-            <a:fillRef idx="1">
-              <a:schemeClr val="accent1"/>
-            </a:fillRef>
-            <a:effectRef idx="0">
-              <a:schemeClr val="accent1"/>
-            </a:effectRef>
-            <a:fontRef idx="minor">
-              <a:schemeClr val="lt1"/>
-            </a:fontRef>
-          </p:style>
-          <p:txBody>
-            <a:bodyPr rtlCol="0" anchor="ctr"/>
-            <a:lstStyle/>
-            <a:p>
-              <a:r>
-                <a:rPr lang="ko-KR" altLang="en-US" sz="1600" dirty="0">
-                  <a:solidFill>
-                    <a:schemeClr val="tx1"/>
-                  </a:solidFill>
-                </a:rPr>
-                <a:t>방해 이벤트</a:t>
-              </a:r>
-            </a:p>
-          </p:txBody>
-        </p:sp>
-        <p:sp>
-          <p:nvSpPr>
-            <p:cNvPr id="29" name="사각형: 둥근 모서리 28">
-              <a:hlinkClick r:id="rId14" action="ppaction://hlinksldjump"/>
-              <a:extLst>
-                <a:ext uri="{FF2B5EF4-FFF2-40B4-BE49-F238E27FC236}">
-                  <a16:creationId xmlns:a16="http://schemas.microsoft.com/office/drawing/2014/main" id="{418F241B-A692-C18C-663C-7F7BC3DAAF6E}"/>
-                </a:ext>
-              </a:extLst>
-            </p:cNvPr>
-            <p:cNvSpPr/>
-            <p:nvPr/>
-          </p:nvSpPr>
-          <p:spPr>
-            <a:xfrm>
-              <a:off x="8538260" y="4841824"/>
-              <a:ext cx="1994452" cy="365125"/>
-            </a:xfrm>
-            <a:prstGeom prst="roundRect">
-              <a:avLst>
-                <a:gd name="adj" fmla="val 50000"/>
-              </a:avLst>
-            </a:prstGeom>
-            <a:solidFill>
-              <a:schemeClr val="bg1">
-                <a:lumMod val="85000"/>
-              </a:schemeClr>
-            </a:solidFill>
-            <a:ln>
-              <a:noFill/>
-            </a:ln>
-          </p:spPr>
-          <p:style>
-            <a:lnRef idx="2">
-              <a:schemeClr val="accent1">
-                <a:shade val="15000"/>
-              </a:schemeClr>
-            </a:lnRef>
-            <a:fillRef idx="1">
-              <a:schemeClr val="accent1"/>
-            </a:fillRef>
-            <a:effectRef idx="0">
-              <a:schemeClr val="accent1"/>
-            </a:effectRef>
-            <a:fontRef idx="minor">
-              <a:schemeClr val="lt1"/>
-            </a:fontRef>
-          </p:style>
-          <p:txBody>
-            <a:bodyPr rtlCol="0" anchor="ctr"/>
-            <a:lstStyle/>
-            <a:p>
-              <a:r>
-                <a:rPr lang="ko-KR" altLang="en-US" sz="1600" dirty="0">
-                  <a:solidFill>
-                    <a:schemeClr val="tx1"/>
-                  </a:solidFill>
-                </a:rPr>
-                <a:t>기타 </a:t>
-              </a:r>
-              <a:r>
-                <a:rPr lang="en-US" altLang="ko-KR" sz="1600" dirty="0">
-                  <a:solidFill>
-                    <a:schemeClr val="tx1"/>
-                  </a:solidFill>
-                </a:rPr>
-                <a:t>UI</a:t>
-              </a:r>
-              <a:endParaRPr lang="ko-KR" altLang="en-US" sz="1600" dirty="0">
+              </a:rPr>
+              <a:t>미니 게임</a:t>
+            </a:r>
+            <a:endParaRPr lang="ko-KR" altLang="en-US" sz="1600" dirty="0">
+              <a:solidFill>
+                <a:schemeClr val="tx1"/>
+              </a:solidFill>
+            </a:endParaRPr>
+          </a:p>
+        </p:txBody>
+      </p:sp>
+      <p:sp>
+        <p:nvSpPr>
+          <p:cNvPr id="28" name="사각형: 둥근 모서리 27">
+            <a:hlinkClick r:id="rId13" action="ppaction://hlinksldjump"/>
+            <a:extLst>
+              <a:ext uri="{FF2B5EF4-FFF2-40B4-BE49-F238E27FC236}">
+                <a16:creationId xmlns:a16="http://schemas.microsoft.com/office/drawing/2014/main" id="{F47302B6-3EC0-4829-0D90-6A9B861A3950}"/>
+              </a:ext>
+            </a:extLst>
+          </p:cNvPr>
+          <p:cNvSpPr/>
+          <p:nvPr/>
+        </p:nvSpPr>
+        <p:spPr>
+          <a:xfrm>
+            <a:off x="8538260" y="3923442"/>
+            <a:ext cx="1994452" cy="365125"/>
+          </a:xfrm>
+          <a:prstGeom prst="roundRect">
+            <a:avLst>
+              <a:gd name="adj" fmla="val 50000"/>
+            </a:avLst>
+          </a:prstGeom>
+          <a:solidFill>
+            <a:schemeClr val="bg1">
+              <a:lumMod val="85000"/>
+            </a:schemeClr>
+          </a:solidFill>
+          <a:ln>
+            <a:noFill/>
+          </a:ln>
+        </p:spPr>
+        <p:style>
+          <a:lnRef idx="2">
+            <a:schemeClr val="accent1">
+              <a:shade val="15000"/>
+            </a:schemeClr>
+          </a:lnRef>
+          <a:fillRef idx="1">
+            <a:schemeClr val="accent1"/>
+          </a:fillRef>
+          <a:effectRef idx="0">
+            <a:schemeClr val="accent1"/>
+          </a:effectRef>
+          <a:fontRef idx="minor">
+            <a:schemeClr val="lt1"/>
+          </a:fontRef>
+        </p:style>
+        <p:txBody>
+          <a:bodyPr rtlCol="0" anchor="ctr"/>
+          <a:lstStyle/>
+          <a:p>
+            <a:r>
+              <a:rPr lang="ko-KR" altLang="en-US" sz="1600" dirty="0">
                 <a:solidFill>
                   <a:schemeClr val="tx1"/>
                 </a:solidFill>
-              </a:endParaRPr>
-            </a:p>
-          </p:txBody>
-        </p:sp>
-      </p:grpSp>
+              </a:rPr>
+              <a:t>방해 이벤트</a:t>
+            </a:r>
+          </a:p>
+        </p:txBody>
+      </p:sp>
+      <p:sp>
+        <p:nvSpPr>
+          <p:cNvPr id="29" name="사각형: 둥근 모서리 28">
+            <a:hlinkClick r:id="rId14" action="ppaction://hlinksldjump"/>
+            <a:extLst>
+              <a:ext uri="{FF2B5EF4-FFF2-40B4-BE49-F238E27FC236}">
+                <a16:creationId xmlns:a16="http://schemas.microsoft.com/office/drawing/2014/main" id="{418F241B-A692-C18C-663C-7F7BC3DAAF6E}"/>
+              </a:ext>
+            </a:extLst>
+          </p:cNvPr>
+          <p:cNvSpPr/>
+          <p:nvPr/>
+        </p:nvSpPr>
+        <p:spPr>
+          <a:xfrm>
+            <a:off x="8538260" y="4912327"/>
+            <a:ext cx="1994452" cy="365125"/>
+          </a:xfrm>
+          <a:prstGeom prst="roundRect">
+            <a:avLst>
+              <a:gd name="adj" fmla="val 50000"/>
+            </a:avLst>
+          </a:prstGeom>
+          <a:solidFill>
+            <a:schemeClr val="bg1">
+              <a:lumMod val="85000"/>
+            </a:schemeClr>
+          </a:solidFill>
+          <a:ln>
+            <a:noFill/>
+          </a:ln>
+        </p:spPr>
+        <p:style>
+          <a:lnRef idx="2">
+            <a:schemeClr val="accent1">
+              <a:shade val="15000"/>
+            </a:schemeClr>
+          </a:lnRef>
+          <a:fillRef idx="1">
+            <a:schemeClr val="accent1"/>
+          </a:fillRef>
+          <a:effectRef idx="0">
+            <a:schemeClr val="accent1"/>
+          </a:effectRef>
+          <a:fontRef idx="minor">
+            <a:schemeClr val="lt1"/>
+          </a:fontRef>
+        </p:style>
+        <p:txBody>
+          <a:bodyPr rtlCol="0" anchor="ctr"/>
+          <a:lstStyle/>
+          <a:p>
+            <a:r>
+              <a:rPr lang="ko-KR" altLang="en-US" sz="1600" dirty="0">
+                <a:solidFill>
+                  <a:schemeClr val="tx1"/>
+                </a:solidFill>
+              </a:rPr>
+              <a:t>기타 </a:t>
+            </a:r>
+            <a:r>
+              <a:rPr lang="en-US" altLang="ko-KR" sz="1600" dirty="0">
+                <a:solidFill>
+                  <a:schemeClr val="tx1"/>
+                </a:solidFill>
+              </a:rPr>
+              <a:t>UI</a:t>
+            </a:r>
+            <a:endParaRPr lang="ko-KR" altLang="en-US" sz="1600" dirty="0">
+              <a:solidFill>
+                <a:schemeClr val="tx1"/>
+              </a:solidFill>
+            </a:endParaRPr>
+          </a:p>
+        </p:txBody>
+      </p:sp>
       <p:sp>
         <p:nvSpPr>
           <p:cNvPr id="31" name="TextBox 30">
@@ -21410,6 +21389,74 @@
               </a:rPr>
               <a:t>스토리</a:t>
             </a:r>
+          </a:p>
+        </p:txBody>
+      </p:sp>
+      <p:sp>
+        <p:nvSpPr>
+          <p:cNvPr id="2" name="사각형: 둥근 모서리 1">
+            <a:hlinkClick r:id="rId13" action="ppaction://hlinksldjump"/>
+            <a:extLst>
+              <a:ext uri="{FF2B5EF4-FFF2-40B4-BE49-F238E27FC236}">
+                <a16:creationId xmlns:a16="http://schemas.microsoft.com/office/drawing/2014/main" id="{6D66D64D-C85D-459C-25B6-E63065E02118}"/>
+              </a:ext>
+            </a:extLst>
+          </p:cNvPr>
+          <p:cNvSpPr/>
+          <p:nvPr/>
+        </p:nvSpPr>
+        <p:spPr>
+          <a:xfrm>
+            <a:off x="8538260" y="4417884"/>
+            <a:ext cx="1994452" cy="365125"/>
+          </a:xfrm>
+          <a:prstGeom prst="roundRect">
+            <a:avLst>
+              <a:gd name="adj" fmla="val 50000"/>
+            </a:avLst>
+          </a:prstGeom>
+          <a:solidFill>
+            <a:schemeClr val="bg1">
+              <a:lumMod val="85000"/>
+            </a:schemeClr>
+          </a:solidFill>
+          <a:ln>
+            <a:noFill/>
+          </a:ln>
+        </p:spPr>
+        <p:style>
+          <a:lnRef idx="2">
+            <a:schemeClr val="accent1">
+              <a:shade val="15000"/>
+            </a:schemeClr>
+          </a:lnRef>
+          <a:fillRef idx="1">
+            <a:schemeClr val="accent1"/>
+          </a:fillRef>
+          <a:effectRef idx="0">
+            <a:schemeClr val="accent1"/>
+          </a:effectRef>
+          <a:fontRef idx="minor">
+            <a:schemeClr val="lt1"/>
+          </a:fontRef>
+        </p:style>
+        <p:txBody>
+          <a:bodyPr rtlCol="0" anchor="ctr"/>
+          <a:lstStyle/>
+          <a:p>
+            <a:r>
+              <a:rPr lang="ko-KR" altLang="en-US" sz="1600">
+                <a:solidFill>
+                  <a:schemeClr val="tx1"/>
+                </a:solidFill>
+              </a:rPr>
+              <a:t>도전 과제</a:t>
+            </a:r>
+            <a:endParaRPr lang="ko-KR" altLang="en-US" sz="1600" dirty="0">
+              <a:solidFill>
+                <a:schemeClr val="tx1"/>
+              </a:solidFill>
+            </a:endParaRPr>
           </a:p>
         </p:txBody>
       </p:sp>
@@ -50031,7 +50078,7 @@
         <p:spPr>
           <a:xfrm>
             <a:off x="454785" y="4750904"/>
-            <a:ext cx="9424375" cy="1020216"/>
+            <a:ext cx="9424375" cy="1343381"/>
           </a:xfrm>
           <a:prstGeom prst="rect">
             <a:avLst/>
@@ -50070,6 +50117,23 @@
             <a:r>
               <a:rPr lang="ko-KR" altLang="en-US" sz="1400" dirty="0"/>
               <a:t>분 늦을 것 같다는 문자가 등장한다</a:t>
+            </a:r>
+            <a:r>
+              <a:rPr lang="en-US" altLang="ko-KR" sz="1400" dirty="0"/>
+              <a:t>.</a:t>
+            </a:r>
+          </a:p>
+          <a:p>
+            <a:pPr marL="285750" indent="-285750">
+              <a:lnSpc>
+                <a:spcPct val="150000"/>
+              </a:lnSpc>
+              <a:buFontTx/>
+              <a:buChar char="-"/>
+            </a:pPr>
+            <a:r>
+              <a:rPr lang="ko-KR" altLang="en-US" sz="1400" dirty="0"/>
+              <a:t>친구들이 집들이 오기로 한다는 컨셉의 스토리</a:t>
             </a:r>
             <a:r>
               <a:rPr lang="en-US" altLang="ko-KR" sz="1400" dirty="0"/>

--- a/document/Please Leave me alone!.pptx
+++ b/document/Please Leave me alone!.pptx
@@ -5,7 +5,7 @@
     <p:sldMasterId id="2147483648" r:id="rId1"/>
   </p:sldMasterIdLst>
   <p:notesMasterIdLst>
-    <p:notesMasterId r:id="rId39"/>
+    <p:notesMasterId r:id="rId40"/>
   </p:notesMasterIdLst>
   <p:sldIdLst>
     <p:sldId id="256" r:id="rId2"/>
@@ -27,24 +27,25 @@
     <p:sldId id="272" r:id="rId18"/>
     <p:sldId id="260" r:id="rId19"/>
     <p:sldId id="263" r:id="rId20"/>
-    <p:sldId id="266" r:id="rId21"/>
-    <p:sldId id="285" r:id="rId22"/>
-    <p:sldId id="298" r:id="rId23"/>
-    <p:sldId id="286" r:id="rId24"/>
-    <p:sldId id="267" r:id="rId25"/>
-    <p:sldId id="268" r:id="rId26"/>
-    <p:sldId id="289" r:id="rId27"/>
-    <p:sldId id="290" r:id="rId28"/>
-    <p:sldId id="291" r:id="rId29"/>
-    <p:sldId id="292" r:id="rId30"/>
-    <p:sldId id="276" r:id="rId31"/>
-    <p:sldId id="295" r:id="rId32"/>
-    <p:sldId id="275" r:id="rId33"/>
-    <p:sldId id="287" r:id="rId34"/>
-    <p:sldId id="288" r:id="rId35"/>
-    <p:sldId id="284" r:id="rId36"/>
-    <p:sldId id="294" r:id="rId37"/>
-    <p:sldId id="296" r:id="rId38"/>
+    <p:sldId id="299" r:id="rId21"/>
+    <p:sldId id="266" r:id="rId22"/>
+    <p:sldId id="285" r:id="rId23"/>
+    <p:sldId id="298" r:id="rId24"/>
+    <p:sldId id="286" r:id="rId25"/>
+    <p:sldId id="267" r:id="rId26"/>
+    <p:sldId id="268" r:id="rId27"/>
+    <p:sldId id="289" r:id="rId28"/>
+    <p:sldId id="290" r:id="rId29"/>
+    <p:sldId id="291" r:id="rId30"/>
+    <p:sldId id="292" r:id="rId31"/>
+    <p:sldId id="276" r:id="rId32"/>
+    <p:sldId id="295" r:id="rId33"/>
+    <p:sldId id="275" r:id="rId34"/>
+    <p:sldId id="287" r:id="rId35"/>
+    <p:sldId id="288" r:id="rId36"/>
+    <p:sldId id="284" r:id="rId37"/>
+    <p:sldId id="294" r:id="rId38"/>
+    <p:sldId id="296" r:id="rId39"/>
   </p:sldIdLst>
   <p:sldSz cx="12192000" cy="6858000"/>
   <p:notesSz cx="6858000" cy="9144000"/>
@@ -233,7 +234,7 @@
           <a:p>
             <a:fld id="{A9BD1FE7-2F33-4B0D-BA08-1CEE25D4E3DB}" type="datetimeFigureOut">
               <a:rPr lang="ko-KR" altLang="en-US" smtClean="0"/>
-              <a:t>2025-02-18</a:t>
+              <a:t>2025-02-19</a:t>
             </a:fld>
             <a:endParaRPr lang="ko-KR" altLang="en-US"/>
           </a:p>
@@ -565,7 +566,7 @@
           <a:p>
             <a:fld id="{7314D800-9A51-42A1-B86E-6DA909F79E40}" type="slidenum">
               <a:rPr lang="ko-KR" altLang="en-US" smtClean="0"/>
-              <a:t>27</a:t>
+              <a:t>28</a:t>
             </a:fld>
             <a:endParaRPr lang="ko-KR" altLang="en-US"/>
           </a:p>
@@ -673,7 +674,7 @@
           <a:p>
             <a:fld id="{7314D800-9A51-42A1-B86E-6DA909F79E40}" type="slidenum">
               <a:rPr lang="ko-KR" altLang="en-US" smtClean="0"/>
-              <a:t>28</a:t>
+              <a:t>29</a:t>
             </a:fld>
             <a:endParaRPr lang="ko-KR" altLang="en-US"/>
           </a:p>
@@ -781,7 +782,7 @@
           <a:p>
             <a:fld id="{7314D800-9A51-42A1-B86E-6DA909F79E40}" type="slidenum">
               <a:rPr lang="ko-KR" altLang="en-US" smtClean="0"/>
-              <a:t>29</a:t>
+              <a:t>30</a:t>
             </a:fld>
             <a:endParaRPr lang="ko-KR" altLang="en-US"/>
           </a:p>
@@ -947,7 +948,7 @@
           <a:p>
             <a:fld id="{783F481A-738D-4EBC-92BF-08655C0568CC}" type="datetime1">
               <a:rPr lang="ko-KR" altLang="en-US" smtClean="0"/>
-              <a:t>2025-02-18</a:t>
+              <a:t>2025-02-19</a:t>
             </a:fld>
             <a:endParaRPr lang="ko-KR" altLang="en-US"/>
           </a:p>
@@ -1145,7 +1146,7 @@
           <a:p>
             <a:fld id="{6D9BB776-B79C-4546-8ABA-DA45D9C133A7}" type="datetime1">
               <a:rPr lang="ko-KR" altLang="en-US" smtClean="0"/>
-              <a:t>2025-02-18</a:t>
+              <a:t>2025-02-19</a:t>
             </a:fld>
             <a:endParaRPr lang="ko-KR" altLang="en-US"/>
           </a:p>
@@ -1353,7 +1354,7 @@
           <a:p>
             <a:fld id="{720FF001-C6D3-49EC-8DC3-B2593B1DC1C3}" type="datetime1">
               <a:rPr lang="ko-KR" altLang="en-US" smtClean="0"/>
-              <a:t>2025-02-18</a:t>
+              <a:t>2025-02-19</a:t>
             </a:fld>
             <a:endParaRPr lang="ko-KR" altLang="en-US"/>
           </a:p>
@@ -1551,7 +1552,7 @@
           <a:p>
             <a:fld id="{091E519C-B90B-4A61-8F7D-EA80CD22B7D5}" type="datetime1">
               <a:rPr lang="ko-KR" altLang="en-US" smtClean="0"/>
-              <a:t>2025-02-18</a:t>
+              <a:t>2025-02-19</a:t>
             </a:fld>
             <a:endParaRPr lang="ko-KR" altLang="en-US"/>
           </a:p>
@@ -1826,7 +1827,7 @@
           <a:p>
             <a:fld id="{FD734108-2D59-40E2-B393-1F390391A1FB}" type="datetime1">
               <a:rPr lang="ko-KR" altLang="en-US" smtClean="0"/>
-              <a:t>2025-02-18</a:t>
+              <a:t>2025-02-19</a:t>
             </a:fld>
             <a:endParaRPr lang="ko-KR" altLang="en-US"/>
           </a:p>
@@ -2091,7 +2092,7 @@
           <a:p>
             <a:fld id="{297FF520-CDFD-4316-AC89-B0A764216C4E}" type="datetime1">
               <a:rPr lang="ko-KR" altLang="en-US" smtClean="0"/>
-              <a:t>2025-02-18</a:t>
+              <a:t>2025-02-19</a:t>
             </a:fld>
             <a:endParaRPr lang="ko-KR" altLang="en-US"/>
           </a:p>
@@ -2503,7 +2504,7 @@
           <a:p>
             <a:fld id="{0CF3B42C-2182-4183-A46A-124CD019AF43}" type="datetime1">
               <a:rPr lang="ko-KR" altLang="en-US" smtClean="0"/>
-              <a:t>2025-02-18</a:t>
+              <a:t>2025-02-19</a:t>
             </a:fld>
             <a:endParaRPr lang="ko-KR" altLang="en-US"/>
           </a:p>
@@ -2644,7 +2645,7 @@
           <a:p>
             <a:fld id="{B738F611-77C6-4F89-8E2C-D3A9C27DF43F}" type="datetime1">
               <a:rPr lang="ko-KR" altLang="en-US" smtClean="0"/>
-              <a:t>2025-02-18</a:t>
+              <a:t>2025-02-19</a:t>
             </a:fld>
             <a:endParaRPr lang="ko-KR" altLang="en-US"/>
           </a:p>
@@ -2757,7 +2758,7 @@
           <a:p>
             <a:fld id="{A051748B-BCED-40F0-8EF5-AF075B4618B9}" type="datetime1">
               <a:rPr lang="ko-KR" altLang="en-US" smtClean="0"/>
-              <a:t>2025-02-18</a:t>
+              <a:t>2025-02-19</a:t>
             </a:fld>
             <a:endParaRPr lang="ko-KR" altLang="en-US"/>
           </a:p>
@@ -3068,7 +3069,7 @@
           <a:p>
             <a:fld id="{41DBB85A-8EA7-4277-A6E6-46EF2EEF4790}" type="datetime1">
               <a:rPr lang="ko-KR" altLang="en-US" smtClean="0"/>
-              <a:t>2025-02-18</a:t>
+              <a:t>2025-02-19</a:t>
             </a:fld>
             <a:endParaRPr lang="ko-KR" altLang="en-US"/>
           </a:p>
@@ -3356,7 +3357,7 @@
           <a:p>
             <a:fld id="{BBE44FDA-CB41-4E86-912D-6ECC7574FD7F}" type="datetime1">
               <a:rPr lang="ko-KR" altLang="en-US" smtClean="0"/>
-              <a:t>2025-02-18</a:t>
+              <a:t>2025-02-19</a:t>
             </a:fld>
             <a:endParaRPr lang="ko-KR" altLang="en-US"/>
           </a:p>
@@ -3597,7 +3598,7 @@
           <a:p>
             <a:fld id="{F0992805-70C9-4612-850D-0415F751BF22}" type="datetime1">
               <a:rPr lang="ko-KR" altLang="en-US" smtClean="0"/>
-              <a:t>2025-02-18</a:t>
+              <a:t>2025-02-19</a:t>
             </a:fld>
             <a:endParaRPr lang="ko-KR" altLang="en-US"/>
           </a:p>
@@ -21481,6 +21482,251 @@
         <p:cNvPr id="1" name="">
           <a:extLst>
             <a:ext uri="{FF2B5EF4-FFF2-40B4-BE49-F238E27FC236}">
+              <a16:creationId xmlns:a16="http://schemas.microsoft.com/office/drawing/2014/main" id="{881F058E-1162-FD8E-5E95-445099392592}"/>
+            </a:ext>
+          </a:extLst>
+        </p:cNvPr>
+        <p:cNvGrpSpPr/>
+        <p:nvPr/>
+      </p:nvGrpSpPr>
+      <p:grpSpPr>
+        <a:xfrm>
+          <a:off x="0" y="0"/>
+          <a:ext cx="0" cy="0"/>
+          <a:chOff x="0" y="0"/>
+          <a:chExt cx="0" cy="0"/>
+        </a:xfrm>
+      </p:grpSpPr>
+      <p:sp>
+        <p:nvSpPr>
+          <p:cNvPr id="5" name="제목 1">
+            <a:extLst>
+              <a:ext uri="{FF2B5EF4-FFF2-40B4-BE49-F238E27FC236}">
+                <a16:creationId xmlns:a16="http://schemas.microsoft.com/office/drawing/2014/main" id="{19E014C6-3D9D-9A77-AECF-6D6C18500E2B}"/>
+              </a:ext>
+            </a:extLst>
+          </p:cNvPr>
+          <p:cNvSpPr>
+            <a:spLocks noGrp="1"/>
+          </p:cNvSpPr>
+          <p:nvPr>
+            <p:ph type="title"/>
+          </p:nvPr>
+        </p:nvSpPr>
+        <p:spPr>
+          <a:xfrm>
+            <a:off x="129225" y="83886"/>
+            <a:ext cx="3034834" cy="608225"/>
+          </a:xfrm>
+        </p:spPr>
+        <p:txBody>
+          <a:bodyPr>
+            <a:normAutofit/>
+          </a:bodyPr>
+          <a:lstStyle/>
+          <a:p>
+            <a:pPr algn="ctr"/>
+            <a:r>
+              <a:rPr lang="ko-KR" altLang="en-US" sz="3200" b="1"/>
+              <a:t>미니 게임 종류</a:t>
+            </a:r>
+            <a:endParaRPr lang="ko-KR" altLang="en-US" sz="3200" b="1" dirty="0"/>
+          </a:p>
+        </p:txBody>
+      </p:sp>
+      <p:cxnSp>
+        <p:nvCxnSpPr>
+          <p:cNvPr id="6" name="직선 연결선 5">
+            <a:extLst>
+              <a:ext uri="{FF2B5EF4-FFF2-40B4-BE49-F238E27FC236}">
+                <a16:creationId xmlns:a16="http://schemas.microsoft.com/office/drawing/2014/main" id="{1D1233DA-E922-ABF7-1C6A-EA5F6FFC2750}"/>
+              </a:ext>
+            </a:extLst>
+          </p:cNvPr>
+          <p:cNvCxnSpPr>
+            <a:cxnSpLocks/>
+          </p:cNvCxnSpPr>
+          <p:nvPr/>
+        </p:nvCxnSpPr>
+        <p:spPr>
+          <a:xfrm>
+            <a:off x="0" y="692111"/>
+            <a:ext cx="12192000" cy="0"/>
+          </a:xfrm>
+          <a:prstGeom prst="line">
+            <a:avLst/>
+          </a:prstGeom>
+          <a:ln>
+            <a:solidFill>
+              <a:schemeClr val="bg2">
+                <a:lumMod val="75000"/>
+              </a:schemeClr>
+            </a:solidFill>
+          </a:ln>
+        </p:spPr>
+        <p:style>
+          <a:lnRef idx="2">
+            <a:schemeClr val="accent1"/>
+          </a:lnRef>
+          <a:fillRef idx="0">
+            <a:schemeClr val="accent1"/>
+          </a:fillRef>
+          <a:effectRef idx="1">
+            <a:schemeClr val="accent1"/>
+          </a:effectRef>
+          <a:fontRef idx="minor">
+            <a:schemeClr val="tx1"/>
+          </a:fontRef>
+        </p:style>
+      </p:cxnSp>
+      <p:cxnSp>
+        <p:nvCxnSpPr>
+          <p:cNvPr id="7" name="직선 연결선 6">
+            <a:extLst>
+              <a:ext uri="{FF2B5EF4-FFF2-40B4-BE49-F238E27FC236}">
+                <a16:creationId xmlns:a16="http://schemas.microsoft.com/office/drawing/2014/main" id="{75C31ECD-F067-78D2-66AC-B9CE172738F5}"/>
+              </a:ext>
+            </a:extLst>
+          </p:cNvPr>
+          <p:cNvCxnSpPr>
+            <a:cxnSpLocks/>
+          </p:cNvCxnSpPr>
+          <p:nvPr/>
+        </p:nvCxnSpPr>
+        <p:spPr>
+          <a:xfrm>
+            <a:off x="129225" y="658980"/>
+            <a:ext cx="3034834" cy="0"/>
+          </a:xfrm>
+          <a:prstGeom prst="line">
+            <a:avLst/>
+          </a:prstGeom>
+          <a:ln w="76200">
+            <a:solidFill>
+              <a:schemeClr val="tx1"/>
+            </a:solidFill>
+          </a:ln>
+        </p:spPr>
+        <p:style>
+          <a:lnRef idx="2">
+            <a:schemeClr val="accent1"/>
+          </a:lnRef>
+          <a:fillRef idx="0">
+            <a:schemeClr val="accent1"/>
+          </a:fillRef>
+          <a:effectRef idx="1">
+            <a:schemeClr val="accent1"/>
+          </a:effectRef>
+          <a:fontRef idx="minor">
+            <a:schemeClr val="tx1"/>
+          </a:fontRef>
+        </p:style>
+      </p:cxnSp>
+      <p:sp>
+        <p:nvSpPr>
+          <p:cNvPr id="10" name="슬라이드 번호 개체 틀 9">
+            <a:extLst>
+              <a:ext uri="{FF2B5EF4-FFF2-40B4-BE49-F238E27FC236}">
+                <a16:creationId xmlns:a16="http://schemas.microsoft.com/office/drawing/2014/main" id="{D678189F-1098-4C1C-5DD9-9DA9BED418A8}"/>
+              </a:ext>
+            </a:extLst>
+          </p:cNvPr>
+          <p:cNvSpPr>
+            <a:spLocks noGrp="1"/>
+          </p:cNvSpPr>
+          <p:nvPr>
+            <p:ph type="sldNum" sz="quarter" idx="12"/>
+          </p:nvPr>
+        </p:nvSpPr>
+        <p:spPr/>
+        <p:txBody>
+          <a:bodyPr/>
+          <a:lstStyle/>
+          <a:p>
+            <a:fld id="{8D96929D-9E84-4A42-B4C3-2E48812748E4}" type="slidenum">
+              <a:rPr lang="ko-KR" altLang="en-US" smtClean="0"/>
+              <a:t>20</a:t>
+            </a:fld>
+            <a:endParaRPr lang="ko-KR" altLang="en-US"/>
+          </a:p>
+        </p:txBody>
+      </p:sp>
+      <p:sp>
+        <p:nvSpPr>
+          <p:cNvPr id="2" name="TextBox 1">
+            <a:extLst>
+              <a:ext uri="{FF2B5EF4-FFF2-40B4-BE49-F238E27FC236}">
+                <a16:creationId xmlns:a16="http://schemas.microsoft.com/office/drawing/2014/main" id="{041BB856-7433-A3B2-736D-2CCBB5656EA6}"/>
+              </a:ext>
+            </a:extLst>
+          </p:cNvPr>
+          <p:cNvSpPr txBox="1"/>
+          <p:nvPr/>
+        </p:nvSpPr>
+        <p:spPr>
+          <a:xfrm>
+            <a:off x="454785" y="707392"/>
+            <a:ext cx="5311069" cy="523220"/>
+          </a:xfrm>
+          <a:prstGeom prst="rect">
+            <a:avLst/>
+          </a:prstGeom>
+          <a:noFill/>
+        </p:spPr>
+        <p:txBody>
+          <a:bodyPr wrap="none" rtlCol="0">
+            <a:spAutoFit/>
+          </a:bodyPr>
+          <a:lstStyle/>
+          <a:p>
+            <a:r>
+              <a:rPr lang="ko-KR" altLang="en-US" sz="2800" dirty="0">
+                <a:solidFill>
+                  <a:srgbClr val="0070C0"/>
+                </a:solidFill>
+              </a:rPr>
+              <a:t>러닝 게임 </a:t>
+            </a:r>
+            <a:r>
+              <a:rPr lang="en-US" altLang="ko-KR" sz="2800" dirty="0">
+                <a:solidFill>
+                  <a:srgbClr val="0070C0"/>
+                </a:solidFill>
+              </a:rPr>
+              <a:t>– </a:t>
+            </a:r>
+            <a:r>
+              <a:rPr lang="ko-KR" altLang="en-US" sz="2800" dirty="0">
+                <a:solidFill>
+                  <a:srgbClr val="0070C0"/>
+                </a:solidFill>
+              </a:rPr>
+              <a:t>게임 플레이 흐름도</a:t>
+            </a:r>
+          </a:p>
+        </p:txBody>
+      </p:sp>
+    </p:spTree>
+    <p:extLst>
+      <p:ext uri="{BB962C8B-B14F-4D97-AF65-F5344CB8AC3E}">
+        <p14:creationId xmlns:p14="http://schemas.microsoft.com/office/powerpoint/2010/main" val="2831888250"/>
+      </p:ext>
+    </p:extLst>
+  </p:cSld>
+  <p:clrMapOvr>
+    <a:masterClrMapping/>
+  </p:clrMapOvr>
+</p:sld>
+</file>
+
+<file path=ppt/slides/slide21.xml><?xml version="1.0" encoding="utf-8"?>
+<p:sld xmlns:a="http://schemas.openxmlformats.org/drawingml/2006/main" xmlns:r="http://schemas.openxmlformats.org/officeDocument/2006/relationships" xmlns:p="http://schemas.openxmlformats.org/presentationml/2006/main">
+  <p:cSld>
+    <p:spTree>
+      <p:nvGrpSpPr>
+        <p:cNvPr id="1" name="">
+          <a:extLst>
+            <a:ext uri="{FF2B5EF4-FFF2-40B4-BE49-F238E27FC236}">
               <a16:creationId xmlns:a16="http://schemas.microsoft.com/office/drawing/2014/main" id="{2F4FD8A3-F25C-C781-965A-F2158A377ED2}"/>
             </a:ext>
           </a:extLst>
@@ -24562,7 +24808,7 @@
           <a:p>
             <a:fld id="{8D96929D-9E84-4A42-B4C3-2E48812748E4}" type="slidenum">
               <a:rPr lang="ko-KR" altLang="en-US" smtClean="0"/>
-              <a:t>20</a:t>
+              <a:t>21</a:t>
             </a:fld>
             <a:endParaRPr lang="ko-KR" altLang="en-US"/>
           </a:p>
@@ -24581,7 +24827,7 @@
 </p:sld>
 </file>
 
-<file path=ppt/slides/slide21.xml><?xml version="1.0" encoding="utf-8"?>
+<file path=ppt/slides/slide22.xml><?xml version="1.0" encoding="utf-8"?>
 <p:sld xmlns:a="http://schemas.openxmlformats.org/drawingml/2006/main" xmlns:r="http://schemas.openxmlformats.org/officeDocument/2006/relationships" xmlns:p="http://schemas.openxmlformats.org/presentationml/2006/main">
   <p:cSld>
     <p:spTree>
@@ -25906,7 +26152,7 @@
           <a:p>
             <a:fld id="{8D96929D-9E84-4A42-B4C3-2E48812748E4}" type="slidenum">
               <a:rPr lang="ko-KR" altLang="en-US" smtClean="0"/>
-              <a:t>21</a:t>
+              <a:t>22</a:t>
             </a:fld>
             <a:endParaRPr lang="ko-KR" altLang="en-US"/>
           </a:p>
@@ -26269,7 +26515,7 @@
 </p:sld>
 </file>
 
-<file path=ppt/slides/slide22.xml><?xml version="1.0" encoding="utf-8"?>
+<file path=ppt/slides/slide23.xml><?xml version="1.0" encoding="utf-8"?>
 <p:sld xmlns:a="http://schemas.openxmlformats.org/drawingml/2006/main" xmlns:r="http://schemas.openxmlformats.org/officeDocument/2006/relationships" xmlns:p="http://schemas.openxmlformats.org/presentationml/2006/main">
   <p:cSld>
     <p:spTree>
@@ -26495,7 +26741,7 @@
           <a:p>
             <a:fld id="{8D96929D-9E84-4A42-B4C3-2E48812748E4}" type="slidenum">
               <a:rPr lang="ko-KR" altLang="en-US" smtClean="0"/>
-              <a:t>22</a:t>
+              <a:t>23</a:t>
             </a:fld>
             <a:endParaRPr lang="ko-KR" altLang="en-US"/>
           </a:p>
@@ -27630,7 +27876,7 @@
 </p:sld>
 </file>
 
-<file path=ppt/slides/slide23.xml><?xml version="1.0" encoding="utf-8"?>
+<file path=ppt/slides/slide24.xml><?xml version="1.0" encoding="utf-8"?>
 <p:sld xmlns:a="http://schemas.openxmlformats.org/drawingml/2006/main" xmlns:r="http://schemas.openxmlformats.org/officeDocument/2006/relationships" xmlns:p="http://schemas.openxmlformats.org/presentationml/2006/main">
   <p:cSld>
     <p:spTree>
@@ -27856,7 +28102,7 @@
           <a:p>
             <a:fld id="{8D96929D-9E84-4A42-B4C3-2E48812748E4}" type="slidenum">
               <a:rPr lang="ko-KR" altLang="en-US" smtClean="0"/>
-              <a:t>23</a:t>
+              <a:t>24</a:t>
             </a:fld>
             <a:endParaRPr lang="ko-KR" altLang="en-US"/>
           </a:p>
@@ -28871,7 +29117,7 @@
 </p:sld>
 </file>
 
-<file path=ppt/slides/slide24.xml><?xml version="1.0" encoding="utf-8"?>
+<file path=ppt/slides/slide25.xml><?xml version="1.0" encoding="utf-8"?>
 <p:sld xmlns:a="http://schemas.openxmlformats.org/drawingml/2006/main" xmlns:r="http://schemas.openxmlformats.org/officeDocument/2006/relationships" xmlns:p="http://schemas.openxmlformats.org/presentationml/2006/main">
   <p:cSld>
     <p:spTree>
@@ -29610,7 +29856,7 @@
           <a:p>
             <a:fld id="{8D96929D-9E84-4A42-B4C3-2E48812748E4}" type="slidenum">
               <a:rPr lang="ko-KR" altLang="en-US" smtClean="0"/>
-              <a:t>24</a:t>
+              <a:t>25</a:t>
             </a:fld>
             <a:endParaRPr lang="ko-KR" altLang="en-US"/>
           </a:p>
@@ -29629,7 +29875,7 @@
 </p:sld>
 </file>
 
-<file path=ppt/slides/slide25.xml><?xml version="1.0" encoding="utf-8"?>
+<file path=ppt/slides/slide26.xml><?xml version="1.0" encoding="utf-8"?>
 <p:sld xmlns:a="http://schemas.openxmlformats.org/drawingml/2006/main" xmlns:r="http://schemas.openxmlformats.org/officeDocument/2006/relationships" xmlns:p="http://schemas.openxmlformats.org/presentationml/2006/main">
   <p:cSld>
     <p:spTree>
@@ -29972,7 +30218,7 @@
           <a:p>
             <a:fld id="{8D96929D-9E84-4A42-B4C3-2E48812748E4}" type="slidenum">
               <a:rPr lang="ko-KR" altLang="en-US" smtClean="0"/>
-              <a:t>25</a:t>
+              <a:t>26</a:t>
             </a:fld>
             <a:endParaRPr lang="ko-KR" altLang="en-US"/>
           </a:p>
@@ -29991,7 +30237,7 @@
 </p:sld>
 </file>
 
-<file path=ppt/slides/slide26.xml><?xml version="1.0" encoding="utf-8"?>
+<file path=ppt/slides/slide27.xml><?xml version="1.0" encoding="utf-8"?>
 <p:sld xmlns:a="http://schemas.openxmlformats.org/drawingml/2006/main" xmlns:r="http://schemas.openxmlformats.org/officeDocument/2006/relationships" xmlns:p="http://schemas.openxmlformats.org/presentationml/2006/main">
   <p:cSld>
     <p:spTree>
@@ -30297,7 +30543,7 @@
           <a:p>
             <a:fld id="{8D96929D-9E84-4A42-B4C3-2E48812748E4}" type="slidenum">
               <a:rPr lang="ko-KR" altLang="en-US" smtClean="0"/>
-              <a:t>26</a:t>
+              <a:t>27</a:t>
             </a:fld>
             <a:endParaRPr lang="ko-KR" altLang="en-US"/>
           </a:p>
@@ -30807,7 +31053,7 @@
 </p:sld>
 </file>
 
-<file path=ppt/slides/slide27.xml><?xml version="1.0" encoding="utf-8"?>
+<file path=ppt/slides/slide28.xml><?xml version="1.0" encoding="utf-8"?>
 <p:sld xmlns:a="http://schemas.openxmlformats.org/drawingml/2006/main" xmlns:r="http://schemas.openxmlformats.org/officeDocument/2006/relationships" xmlns:p="http://schemas.openxmlformats.org/presentationml/2006/main">
   <p:cSld>
     <p:spTree>
@@ -30978,7 +31224,7 @@
           <a:p>
             <a:fld id="{8D96929D-9E84-4A42-B4C3-2E48812748E4}" type="slidenum">
               <a:rPr lang="ko-KR" altLang="en-US" smtClean="0"/>
-              <a:t>27</a:t>
+              <a:t>28</a:t>
             </a:fld>
             <a:endParaRPr lang="ko-KR" altLang="en-US"/>
           </a:p>
@@ -31849,7 +32095,7 @@
 </p:sld>
 </file>
 
-<file path=ppt/slides/slide28.xml><?xml version="1.0" encoding="utf-8"?>
+<file path=ppt/slides/slide29.xml><?xml version="1.0" encoding="utf-8"?>
 <p:sld xmlns:a="http://schemas.openxmlformats.org/drawingml/2006/main" xmlns:r="http://schemas.openxmlformats.org/officeDocument/2006/relationships" xmlns:p="http://schemas.openxmlformats.org/presentationml/2006/main">
   <p:cSld>
     <p:spTree>
@@ -32020,7 +32266,7 @@
           <a:p>
             <a:fld id="{8D96929D-9E84-4A42-B4C3-2E48812748E4}" type="slidenum">
               <a:rPr lang="ko-KR" altLang="en-US" smtClean="0"/>
-              <a:t>28</a:t>
+              <a:t>29</a:t>
             </a:fld>
             <a:endParaRPr lang="ko-KR" altLang="en-US"/>
           </a:p>
@@ -33269,7 +33515,252 @@
 </p:sld>
 </file>
 
-<file path=ppt/slides/slide29.xml><?xml version="1.0" encoding="utf-8"?>
+<file path=ppt/slides/slide3.xml><?xml version="1.0" encoding="utf-8"?>
+<p:sld xmlns:a="http://schemas.openxmlformats.org/drawingml/2006/main" xmlns:r="http://schemas.openxmlformats.org/officeDocument/2006/relationships" xmlns:p="http://schemas.openxmlformats.org/presentationml/2006/main">
+  <p:cSld>
+    <p:spTree>
+      <p:nvGrpSpPr>
+        <p:cNvPr id="1" name="">
+          <a:extLst>
+            <a:ext uri="{FF2B5EF4-FFF2-40B4-BE49-F238E27FC236}">
+              <a16:creationId xmlns:a16="http://schemas.microsoft.com/office/drawing/2014/main" id="{6E432048-5F36-E66C-8197-E75317296DEC}"/>
+            </a:ext>
+          </a:extLst>
+        </p:cNvPr>
+        <p:cNvGrpSpPr/>
+        <p:nvPr/>
+      </p:nvGrpSpPr>
+      <p:grpSpPr>
+        <a:xfrm>
+          <a:off x="0" y="0"/>
+          <a:ext cx="0" cy="0"/>
+          <a:chOff x="0" y="0"/>
+          <a:chExt cx="0" cy="0"/>
+        </a:xfrm>
+      </p:grpSpPr>
+      <p:sp>
+        <p:nvSpPr>
+          <p:cNvPr id="4" name="사각형: 둥근 모서리 3">
+            <a:extLst>
+              <a:ext uri="{FF2B5EF4-FFF2-40B4-BE49-F238E27FC236}">
+                <a16:creationId xmlns:a16="http://schemas.microsoft.com/office/drawing/2014/main" id="{88D2F86A-D0C1-6194-3948-ED3EFE0C9AF1}"/>
+              </a:ext>
+            </a:extLst>
+          </p:cNvPr>
+          <p:cNvSpPr/>
+          <p:nvPr/>
+        </p:nvSpPr>
+        <p:spPr>
+          <a:xfrm>
+            <a:off x="228600" y="681059"/>
+            <a:ext cx="11734800" cy="695739"/>
+          </a:xfrm>
+          <a:prstGeom prst="roundRect">
+            <a:avLst>
+              <a:gd name="adj" fmla="val 50000"/>
+            </a:avLst>
+          </a:prstGeom>
+          <a:solidFill>
+            <a:schemeClr val="bg1">
+              <a:lumMod val="95000"/>
+            </a:schemeClr>
+          </a:solidFill>
+          <a:ln w="19050">
+            <a:solidFill>
+              <a:schemeClr val="bg1">
+                <a:lumMod val="85000"/>
+              </a:schemeClr>
+            </a:solidFill>
+          </a:ln>
+          <a:effectLst>
+            <a:outerShdw blurRad="50800" dist="38100" dir="8100000" algn="tr" rotWithShape="0">
+              <a:prstClr val="black">
+                <a:alpha val="40000"/>
+              </a:prstClr>
+            </a:outerShdw>
+          </a:effectLst>
+        </p:spPr>
+        <p:style>
+          <a:lnRef idx="2">
+            <a:schemeClr val="accent1">
+              <a:shade val="15000"/>
+            </a:schemeClr>
+          </a:lnRef>
+          <a:fillRef idx="1">
+            <a:schemeClr val="accent1"/>
+          </a:fillRef>
+          <a:effectRef idx="0">
+            <a:schemeClr val="accent1"/>
+          </a:effectRef>
+          <a:fontRef idx="minor">
+            <a:schemeClr val="lt1"/>
+          </a:fontRef>
+        </p:style>
+        <p:txBody>
+          <a:bodyPr rtlCol="0" anchor="ctr"/>
+          <a:lstStyle/>
+          <a:p>
+            <a:r>
+              <a:rPr lang="ko-KR" altLang="en-US" sz="3600" b="1" dirty="0">
+                <a:solidFill>
+                  <a:schemeClr val="tx1"/>
+                </a:solidFill>
+              </a:rPr>
+              <a:t>  게임 개요</a:t>
+            </a:r>
+          </a:p>
+        </p:txBody>
+      </p:sp>
+      <p:pic>
+        <p:nvPicPr>
+          <p:cNvPr id="10" name="그래픽 9" descr="기타 단색으로 채워진">
+            <a:extLst>
+              <a:ext uri="{FF2B5EF4-FFF2-40B4-BE49-F238E27FC236}">
+                <a16:creationId xmlns:a16="http://schemas.microsoft.com/office/drawing/2014/main" id="{236AD4FF-B76D-059C-D059-45AA3F04D622}"/>
+              </a:ext>
+            </a:extLst>
+          </p:cNvPr>
+          <p:cNvPicPr>
+            <a:picLocks noChangeAspect="1"/>
+          </p:cNvPicPr>
+          <p:nvPr/>
+        </p:nvPicPr>
+        <p:blipFill>
+          <a:blip r:embed="rId2">
+            <a:extLst>
+              <a:ext uri="{96DAC541-7B7A-43D3-8B79-37D633B846F1}">
+                <asvg:svgBlip xmlns:asvg="http://schemas.microsoft.com/office/drawing/2016/SVG/main" r:embed="rId3"/>
+              </a:ext>
+            </a:extLst>
+          </a:blip>
+          <a:stretch>
+            <a:fillRect/>
+          </a:stretch>
+        </p:blipFill>
+        <p:spPr>
+          <a:xfrm rot="5400000">
+            <a:off x="11265877" y="761335"/>
+            <a:ext cx="559191" cy="559191"/>
+          </a:xfrm>
+          <a:prstGeom prst="rect">
+            <a:avLst/>
+          </a:prstGeom>
+        </p:spPr>
+      </p:pic>
+      <p:sp>
+        <p:nvSpPr>
+          <p:cNvPr id="11" name="TextBox 10">
+            <a:extLst>
+              <a:ext uri="{FF2B5EF4-FFF2-40B4-BE49-F238E27FC236}">
+                <a16:creationId xmlns:a16="http://schemas.microsoft.com/office/drawing/2014/main" id="{5A66836E-F0FC-E8F3-6313-86DF0EF7403D}"/>
+              </a:ext>
+            </a:extLst>
+          </p:cNvPr>
+          <p:cNvSpPr txBox="1"/>
+          <p:nvPr/>
+        </p:nvSpPr>
+        <p:spPr>
+          <a:xfrm>
+            <a:off x="821635" y="1928191"/>
+            <a:ext cx="2597425" cy="1682961"/>
+          </a:xfrm>
+          <a:prstGeom prst="rect">
+            <a:avLst/>
+          </a:prstGeom>
+          <a:noFill/>
+        </p:spPr>
+        <p:txBody>
+          <a:bodyPr wrap="square" rtlCol="0">
+            <a:spAutoFit/>
+          </a:bodyPr>
+          <a:lstStyle/>
+          <a:p>
+            <a:pPr marL="342900" indent="-342900">
+              <a:lnSpc>
+                <a:spcPct val="150000"/>
+              </a:lnSpc>
+              <a:buFontTx/>
+              <a:buChar char="-"/>
+            </a:pPr>
+            <a:r>
+              <a:rPr lang="ko-KR" altLang="en-US" sz="2400" b="1" dirty="0"/>
+              <a:t>게임소개</a:t>
+            </a:r>
+            <a:endParaRPr lang="en-US" altLang="ko-KR" sz="2400" b="1" dirty="0"/>
+          </a:p>
+          <a:p>
+            <a:pPr marL="342900" indent="-342900">
+              <a:lnSpc>
+                <a:spcPct val="150000"/>
+              </a:lnSpc>
+              <a:buFontTx/>
+              <a:buChar char="-"/>
+            </a:pPr>
+            <a:r>
+              <a:rPr lang="ko-KR" altLang="en-US" sz="2400" b="1" dirty="0"/>
+              <a:t>장르</a:t>
+            </a:r>
+            <a:endParaRPr lang="en-US" altLang="ko-KR" sz="2400" b="1" dirty="0"/>
+          </a:p>
+          <a:p>
+            <a:pPr marL="342900" indent="-342900">
+              <a:lnSpc>
+                <a:spcPct val="150000"/>
+              </a:lnSpc>
+              <a:buFontTx/>
+              <a:buChar char="-"/>
+            </a:pPr>
+            <a:r>
+              <a:rPr lang="ko-KR" altLang="en-US" sz="2400" b="1" dirty="0"/>
+              <a:t>주요 요소</a:t>
+            </a:r>
+            <a:endParaRPr lang="en-US" altLang="ko-KR" sz="2400" b="1" dirty="0"/>
+          </a:p>
+        </p:txBody>
+      </p:sp>
+      <p:sp>
+        <p:nvSpPr>
+          <p:cNvPr id="12" name="슬라이드 번호 개체 틀 11">
+            <a:extLst>
+              <a:ext uri="{FF2B5EF4-FFF2-40B4-BE49-F238E27FC236}">
+                <a16:creationId xmlns:a16="http://schemas.microsoft.com/office/drawing/2014/main" id="{2FB65050-84ED-FFE9-7866-CDB53F4287FF}"/>
+              </a:ext>
+            </a:extLst>
+          </p:cNvPr>
+          <p:cNvSpPr>
+            <a:spLocks noGrp="1"/>
+          </p:cNvSpPr>
+          <p:nvPr>
+            <p:ph type="sldNum" sz="quarter" idx="12"/>
+          </p:nvPr>
+        </p:nvSpPr>
+        <p:spPr/>
+        <p:txBody>
+          <a:bodyPr/>
+          <a:lstStyle/>
+          <a:p>
+            <a:fld id="{8D96929D-9E84-4A42-B4C3-2E48812748E4}" type="slidenum">
+              <a:rPr lang="ko-KR" altLang="en-US" smtClean="0"/>
+              <a:t>3</a:t>
+            </a:fld>
+            <a:endParaRPr lang="ko-KR" altLang="en-US"/>
+          </a:p>
+        </p:txBody>
+      </p:sp>
+    </p:spTree>
+    <p:extLst>
+      <p:ext uri="{BB962C8B-B14F-4D97-AF65-F5344CB8AC3E}">
+        <p14:creationId xmlns:p14="http://schemas.microsoft.com/office/powerpoint/2010/main" val="986517549"/>
+      </p:ext>
+    </p:extLst>
+  </p:cSld>
+  <p:clrMapOvr>
+    <a:masterClrMapping/>
+  </p:clrMapOvr>
+</p:sld>
+</file>
+
+<file path=ppt/slides/slide30.xml><?xml version="1.0" encoding="utf-8"?>
 <p:sld xmlns:a="http://schemas.openxmlformats.org/drawingml/2006/main" xmlns:r="http://schemas.openxmlformats.org/officeDocument/2006/relationships" xmlns:p="http://schemas.openxmlformats.org/presentationml/2006/main">
   <p:cSld>
     <p:spTree>
@@ -33440,7 +33931,7 @@
           <a:p>
             <a:fld id="{8D96929D-9E84-4A42-B4C3-2E48812748E4}" type="slidenum">
               <a:rPr lang="ko-KR" altLang="en-US" smtClean="0"/>
-              <a:t>29</a:t>
+              <a:t>30</a:t>
             </a:fld>
             <a:endParaRPr lang="ko-KR" altLang="en-US"/>
           </a:p>
@@ -33988,252 +34479,7 @@
 </p:sld>
 </file>
 
-<file path=ppt/slides/slide3.xml><?xml version="1.0" encoding="utf-8"?>
-<p:sld xmlns:a="http://schemas.openxmlformats.org/drawingml/2006/main" xmlns:r="http://schemas.openxmlformats.org/officeDocument/2006/relationships" xmlns:p="http://schemas.openxmlformats.org/presentationml/2006/main">
-  <p:cSld>
-    <p:spTree>
-      <p:nvGrpSpPr>
-        <p:cNvPr id="1" name="">
-          <a:extLst>
-            <a:ext uri="{FF2B5EF4-FFF2-40B4-BE49-F238E27FC236}">
-              <a16:creationId xmlns:a16="http://schemas.microsoft.com/office/drawing/2014/main" id="{6E432048-5F36-E66C-8197-E75317296DEC}"/>
-            </a:ext>
-          </a:extLst>
-        </p:cNvPr>
-        <p:cNvGrpSpPr/>
-        <p:nvPr/>
-      </p:nvGrpSpPr>
-      <p:grpSpPr>
-        <a:xfrm>
-          <a:off x="0" y="0"/>
-          <a:ext cx="0" cy="0"/>
-          <a:chOff x="0" y="0"/>
-          <a:chExt cx="0" cy="0"/>
-        </a:xfrm>
-      </p:grpSpPr>
-      <p:sp>
-        <p:nvSpPr>
-          <p:cNvPr id="4" name="사각형: 둥근 모서리 3">
-            <a:extLst>
-              <a:ext uri="{FF2B5EF4-FFF2-40B4-BE49-F238E27FC236}">
-                <a16:creationId xmlns:a16="http://schemas.microsoft.com/office/drawing/2014/main" id="{88D2F86A-D0C1-6194-3948-ED3EFE0C9AF1}"/>
-              </a:ext>
-            </a:extLst>
-          </p:cNvPr>
-          <p:cNvSpPr/>
-          <p:nvPr/>
-        </p:nvSpPr>
-        <p:spPr>
-          <a:xfrm>
-            <a:off x="228600" y="681059"/>
-            <a:ext cx="11734800" cy="695739"/>
-          </a:xfrm>
-          <a:prstGeom prst="roundRect">
-            <a:avLst>
-              <a:gd name="adj" fmla="val 50000"/>
-            </a:avLst>
-          </a:prstGeom>
-          <a:solidFill>
-            <a:schemeClr val="bg1">
-              <a:lumMod val="95000"/>
-            </a:schemeClr>
-          </a:solidFill>
-          <a:ln w="19050">
-            <a:solidFill>
-              <a:schemeClr val="bg1">
-                <a:lumMod val="85000"/>
-              </a:schemeClr>
-            </a:solidFill>
-          </a:ln>
-          <a:effectLst>
-            <a:outerShdw blurRad="50800" dist="38100" dir="8100000" algn="tr" rotWithShape="0">
-              <a:prstClr val="black">
-                <a:alpha val="40000"/>
-              </a:prstClr>
-            </a:outerShdw>
-          </a:effectLst>
-        </p:spPr>
-        <p:style>
-          <a:lnRef idx="2">
-            <a:schemeClr val="accent1">
-              <a:shade val="15000"/>
-            </a:schemeClr>
-          </a:lnRef>
-          <a:fillRef idx="1">
-            <a:schemeClr val="accent1"/>
-          </a:fillRef>
-          <a:effectRef idx="0">
-            <a:schemeClr val="accent1"/>
-          </a:effectRef>
-          <a:fontRef idx="minor">
-            <a:schemeClr val="lt1"/>
-          </a:fontRef>
-        </p:style>
-        <p:txBody>
-          <a:bodyPr rtlCol="0" anchor="ctr"/>
-          <a:lstStyle/>
-          <a:p>
-            <a:r>
-              <a:rPr lang="ko-KR" altLang="en-US" sz="3600" b="1" dirty="0">
-                <a:solidFill>
-                  <a:schemeClr val="tx1"/>
-                </a:solidFill>
-              </a:rPr>
-              <a:t>  게임 개요</a:t>
-            </a:r>
-          </a:p>
-        </p:txBody>
-      </p:sp>
-      <p:pic>
-        <p:nvPicPr>
-          <p:cNvPr id="10" name="그래픽 9" descr="기타 단색으로 채워진">
-            <a:extLst>
-              <a:ext uri="{FF2B5EF4-FFF2-40B4-BE49-F238E27FC236}">
-                <a16:creationId xmlns:a16="http://schemas.microsoft.com/office/drawing/2014/main" id="{236AD4FF-B76D-059C-D059-45AA3F04D622}"/>
-              </a:ext>
-            </a:extLst>
-          </p:cNvPr>
-          <p:cNvPicPr>
-            <a:picLocks noChangeAspect="1"/>
-          </p:cNvPicPr>
-          <p:nvPr/>
-        </p:nvPicPr>
-        <p:blipFill>
-          <a:blip r:embed="rId2">
-            <a:extLst>
-              <a:ext uri="{96DAC541-7B7A-43D3-8B79-37D633B846F1}">
-                <asvg:svgBlip xmlns:asvg="http://schemas.microsoft.com/office/drawing/2016/SVG/main" r:embed="rId3"/>
-              </a:ext>
-            </a:extLst>
-          </a:blip>
-          <a:stretch>
-            <a:fillRect/>
-          </a:stretch>
-        </p:blipFill>
-        <p:spPr>
-          <a:xfrm rot="5400000">
-            <a:off x="11265877" y="761335"/>
-            <a:ext cx="559191" cy="559191"/>
-          </a:xfrm>
-          <a:prstGeom prst="rect">
-            <a:avLst/>
-          </a:prstGeom>
-        </p:spPr>
-      </p:pic>
-      <p:sp>
-        <p:nvSpPr>
-          <p:cNvPr id="11" name="TextBox 10">
-            <a:extLst>
-              <a:ext uri="{FF2B5EF4-FFF2-40B4-BE49-F238E27FC236}">
-                <a16:creationId xmlns:a16="http://schemas.microsoft.com/office/drawing/2014/main" id="{5A66836E-F0FC-E8F3-6313-86DF0EF7403D}"/>
-              </a:ext>
-            </a:extLst>
-          </p:cNvPr>
-          <p:cNvSpPr txBox="1"/>
-          <p:nvPr/>
-        </p:nvSpPr>
-        <p:spPr>
-          <a:xfrm>
-            <a:off x="821635" y="1928191"/>
-            <a:ext cx="2597425" cy="1682961"/>
-          </a:xfrm>
-          <a:prstGeom prst="rect">
-            <a:avLst/>
-          </a:prstGeom>
-          <a:noFill/>
-        </p:spPr>
-        <p:txBody>
-          <a:bodyPr wrap="square" rtlCol="0">
-            <a:spAutoFit/>
-          </a:bodyPr>
-          <a:lstStyle/>
-          <a:p>
-            <a:pPr marL="342900" indent="-342900">
-              <a:lnSpc>
-                <a:spcPct val="150000"/>
-              </a:lnSpc>
-              <a:buFontTx/>
-              <a:buChar char="-"/>
-            </a:pPr>
-            <a:r>
-              <a:rPr lang="ko-KR" altLang="en-US" sz="2400" b="1" dirty="0"/>
-              <a:t>게임소개</a:t>
-            </a:r>
-            <a:endParaRPr lang="en-US" altLang="ko-KR" sz="2400" b="1" dirty="0"/>
-          </a:p>
-          <a:p>
-            <a:pPr marL="342900" indent="-342900">
-              <a:lnSpc>
-                <a:spcPct val="150000"/>
-              </a:lnSpc>
-              <a:buFontTx/>
-              <a:buChar char="-"/>
-            </a:pPr>
-            <a:r>
-              <a:rPr lang="ko-KR" altLang="en-US" sz="2400" b="1" dirty="0"/>
-              <a:t>장르</a:t>
-            </a:r>
-            <a:endParaRPr lang="en-US" altLang="ko-KR" sz="2400" b="1" dirty="0"/>
-          </a:p>
-          <a:p>
-            <a:pPr marL="342900" indent="-342900">
-              <a:lnSpc>
-                <a:spcPct val="150000"/>
-              </a:lnSpc>
-              <a:buFontTx/>
-              <a:buChar char="-"/>
-            </a:pPr>
-            <a:r>
-              <a:rPr lang="ko-KR" altLang="en-US" sz="2400" b="1" dirty="0"/>
-              <a:t>주요 요소</a:t>
-            </a:r>
-            <a:endParaRPr lang="en-US" altLang="ko-KR" sz="2400" b="1" dirty="0"/>
-          </a:p>
-        </p:txBody>
-      </p:sp>
-      <p:sp>
-        <p:nvSpPr>
-          <p:cNvPr id="12" name="슬라이드 번호 개체 틀 11">
-            <a:extLst>
-              <a:ext uri="{FF2B5EF4-FFF2-40B4-BE49-F238E27FC236}">
-                <a16:creationId xmlns:a16="http://schemas.microsoft.com/office/drawing/2014/main" id="{2FB65050-84ED-FFE9-7866-CDB53F4287FF}"/>
-              </a:ext>
-            </a:extLst>
-          </p:cNvPr>
-          <p:cNvSpPr>
-            <a:spLocks noGrp="1"/>
-          </p:cNvSpPr>
-          <p:nvPr>
-            <p:ph type="sldNum" sz="quarter" idx="12"/>
-          </p:nvPr>
-        </p:nvSpPr>
-        <p:spPr/>
-        <p:txBody>
-          <a:bodyPr/>
-          <a:lstStyle/>
-          <a:p>
-            <a:fld id="{8D96929D-9E84-4A42-B4C3-2E48812748E4}" type="slidenum">
-              <a:rPr lang="ko-KR" altLang="en-US" smtClean="0"/>
-              <a:t>3</a:t>
-            </a:fld>
-            <a:endParaRPr lang="ko-KR" altLang="en-US"/>
-          </a:p>
-        </p:txBody>
-      </p:sp>
-    </p:spTree>
-    <p:extLst>
-      <p:ext uri="{BB962C8B-B14F-4D97-AF65-F5344CB8AC3E}">
-        <p14:creationId xmlns:p14="http://schemas.microsoft.com/office/powerpoint/2010/main" val="986517549"/>
-      </p:ext>
-    </p:extLst>
-  </p:cSld>
-  <p:clrMapOvr>
-    <a:masterClrMapping/>
-  </p:clrMapOvr>
-</p:sld>
-</file>
-
-<file path=ppt/slides/slide30.xml><?xml version="1.0" encoding="utf-8"?>
+<file path=ppt/slides/slide31.xml><?xml version="1.0" encoding="utf-8"?>
 <p:sld xmlns:a="http://schemas.openxmlformats.org/drawingml/2006/main" xmlns:r="http://schemas.openxmlformats.org/officeDocument/2006/relationships" xmlns:p="http://schemas.openxmlformats.org/presentationml/2006/main">
   <p:cSld>
     <p:spTree>
@@ -34666,7 +34912,7 @@
           <a:p>
             <a:fld id="{8D96929D-9E84-4A42-B4C3-2E48812748E4}" type="slidenum">
               <a:rPr lang="ko-KR" altLang="en-US" smtClean="0"/>
-              <a:t>30</a:t>
+              <a:t>31</a:t>
             </a:fld>
             <a:endParaRPr lang="ko-KR" altLang="en-US"/>
           </a:p>
@@ -34830,7 +35076,7 @@
 </p:sld>
 </file>
 
-<file path=ppt/slides/slide31.xml><?xml version="1.0" encoding="utf-8"?>
+<file path=ppt/slides/slide32.xml><?xml version="1.0" encoding="utf-8"?>
 <p:sld xmlns:a="http://schemas.openxmlformats.org/drawingml/2006/main" xmlns:r="http://schemas.openxmlformats.org/officeDocument/2006/relationships" xmlns:p="http://schemas.openxmlformats.org/presentationml/2006/main">
   <p:cSld>
     <p:spTree>
@@ -35000,7 +35246,7 @@
           <a:p>
             <a:fld id="{8D96929D-9E84-4A42-B4C3-2E48812748E4}" type="slidenum">
               <a:rPr lang="ko-KR" altLang="en-US" smtClean="0"/>
-              <a:t>31</a:t>
+              <a:t>32</a:t>
             </a:fld>
             <a:endParaRPr lang="ko-KR" altLang="en-US"/>
           </a:p>
@@ -35019,7 +35265,7 @@
 </p:sld>
 </file>
 
-<file path=ppt/slides/slide32.xml><?xml version="1.0" encoding="utf-8"?>
+<file path=ppt/slides/slide33.xml><?xml version="1.0" encoding="utf-8"?>
 <p:sld xmlns:a="http://schemas.openxmlformats.org/drawingml/2006/main" xmlns:r="http://schemas.openxmlformats.org/officeDocument/2006/relationships" xmlns:p="http://schemas.openxmlformats.org/presentationml/2006/main">
   <p:cSld>
     <p:spTree>
@@ -38607,7 +38853,7 @@
           <a:p>
             <a:fld id="{8D96929D-9E84-4A42-B4C3-2E48812748E4}" type="slidenum">
               <a:rPr lang="ko-KR" altLang="en-US" smtClean="0"/>
-              <a:t>32</a:t>
+              <a:t>33</a:t>
             </a:fld>
             <a:endParaRPr lang="ko-KR" altLang="en-US"/>
           </a:p>
@@ -38678,7 +38924,7 @@
 </p:sld>
 </file>
 
-<file path=ppt/slides/slide33.xml><?xml version="1.0" encoding="utf-8"?>
+<file path=ppt/slides/slide34.xml><?xml version="1.0" encoding="utf-8"?>
 <p:sld xmlns:a="http://schemas.openxmlformats.org/drawingml/2006/main" xmlns:r="http://schemas.openxmlformats.org/officeDocument/2006/relationships" xmlns:p="http://schemas.openxmlformats.org/presentationml/2006/main">
   <p:cSld>
     <p:spTree>
@@ -40436,7 +40682,7 @@
           <a:p>
             <a:fld id="{8D96929D-9E84-4A42-B4C3-2E48812748E4}" type="slidenum">
               <a:rPr lang="ko-KR" altLang="en-US" smtClean="0"/>
-              <a:t>33</a:t>
+              <a:t>34</a:t>
             </a:fld>
             <a:endParaRPr lang="ko-KR" altLang="en-US"/>
           </a:p>
@@ -41501,7 +41747,7 @@
 </p:sld>
 </file>
 
-<file path=ppt/slides/slide34.xml><?xml version="1.0" encoding="utf-8"?>
+<file path=ppt/slides/slide35.xml><?xml version="1.0" encoding="utf-8"?>
 <p:sld xmlns:a="http://schemas.openxmlformats.org/drawingml/2006/main" xmlns:r="http://schemas.openxmlformats.org/officeDocument/2006/relationships" xmlns:p="http://schemas.openxmlformats.org/presentationml/2006/main">
   <p:cSld>
     <p:spTree>
@@ -41761,7 +42007,7 @@
           <a:p>
             <a:fld id="{8D96929D-9E84-4A42-B4C3-2E48812748E4}" type="slidenum">
               <a:rPr lang="ko-KR" altLang="en-US" smtClean="0"/>
-              <a:t>34</a:t>
+              <a:t>35</a:t>
             </a:fld>
             <a:endParaRPr lang="ko-KR" altLang="en-US"/>
           </a:p>
@@ -44011,7 +44257,7 @@
 </p:sld>
 </file>
 
-<file path=ppt/slides/slide35.xml><?xml version="1.0" encoding="utf-8"?>
+<file path=ppt/slides/slide36.xml><?xml version="1.0" encoding="utf-8"?>
 <p:sld xmlns:a="http://schemas.openxmlformats.org/drawingml/2006/main" xmlns:r="http://schemas.openxmlformats.org/officeDocument/2006/relationships" xmlns:p="http://schemas.openxmlformats.org/presentationml/2006/main">
   <p:cSld>
     <p:spTree>
@@ -44438,7 +44684,7 @@
           <a:p>
             <a:fld id="{8D96929D-9E84-4A42-B4C3-2E48812748E4}" type="slidenum">
               <a:rPr lang="ko-KR" altLang="en-US" smtClean="0"/>
-              <a:t>35</a:t>
+              <a:t>36</a:t>
             </a:fld>
             <a:endParaRPr lang="ko-KR" altLang="en-US"/>
           </a:p>
@@ -47299,7 +47545,7 @@
 </p:sld>
 </file>
 
-<file path=ppt/slides/slide36.xml><?xml version="1.0" encoding="utf-8"?>
+<file path=ppt/slides/slide37.xml><?xml version="1.0" encoding="utf-8"?>
 <p:sld xmlns:a="http://schemas.openxmlformats.org/drawingml/2006/main" xmlns:r="http://schemas.openxmlformats.org/officeDocument/2006/relationships" xmlns:p="http://schemas.openxmlformats.org/presentationml/2006/main">
   <p:cSld>
     <p:spTree>
@@ -47745,7 +47991,7 @@
           <a:p>
             <a:fld id="{8D96929D-9E84-4A42-B4C3-2E48812748E4}" type="slidenum">
               <a:rPr lang="ko-KR" altLang="en-US" smtClean="0"/>
-              <a:t>36</a:t>
+              <a:t>37</a:t>
             </a:fld>
             <a:endParaRPr lang="ko-KR" altLang="en-US"/>
           </a:p>
@@ -49294,7 +49540,7 @@
 </p:sld>
 </file>
 
-<file path=ppt/slides/slide37.xml><?xml version="1.0" encoding="utf-8"?>
+<file path=ppt/slides/slide38.xml><?xml version="1.0" encoding="utf-8"?>
 <p:sld xmlns:a="http://schemas.openxmlformats.org/drawingml/2006/main" xmlns:r="http://schemas.openxmlformats.org/officeDocument/2006/relationships" xmlns:p="http://schemas.openxmlformats.org/presentationml/2006/main">
   <p:cSld>
     <p:spTree>
@@ -49469,7 +49715,7 @@
           <a:p>
             <a:fld id="{8D96929D-9E84-4A42-B4C3-2E48812748E4}" type="slidenum">
               <a:rPr lang="ko-KR" altLang="en-US" smtClean="0"/>
-              <a:t>37</a:t>
+              <a:t>38</a:t>
             </a:fld>
             <a:endParaRPr lang="ko-KR" altLang="en-US"/>
           </a:p>

--- a/document/Please Leave me alone!.pptx
+++ b/document/Please Leave me alone!.pptx
@@ -234,7 +234,7 @@
           <a:p>
             <a:fld id="{A9BD1FE7-2F33-4B0D-BA08-1CEE25D4E3DB}" type="datetimeFigureOut">
               <a:rPr lang="ko-KR" altLang="en-US" smtClean="0"/>
-              <a:t>2025-02-19</a:t>
+              <a:t>2025-02-20</a:t>
             </a:fld>
             <a:endParaRPr lang="ko-KR" altLang="en-US"/>
           </a:p>
@@ -948,7 +948,7 @@
           <a:p>
             <a:fld id="{783F481A-738D-4EBC-92BF-08655C0568CC}" type="datetime1">
               <a:rPr lang="ko-KR" altLang="en-US" smtClean="0"/>
-              <a:t>2025-02-19</a:t>
+              <a:t>2025-02-20</a:t>
             </a:fld>
             <a:endParaRPr lang="ko-KR" altLang="en-US"/>
           </a:p>
@@ -1146,7 +1146,7 @@
           <a:p>
             <a:fld id="{6D9BB776-B79C-4546-8ABA-DA45D9C133A7}" type="datetime1">
               <a:rPr lang="ko-KR" altLang="en-US" smtClean="0"/>
-              <a:t>2025-02-19</a:t>
+              <a:t>2025-02-20</a:t>
             </a:fld>
             <a:endParaRPr lang="ko-KR" altLang="en-US"/>
           </a:p>
@@ -1354,7 +1354,7 @@
           <a:p>
             <a:fld id="{720FF001-C6D3-49EC-8DC3-B2593B1DC1C3}" type="datetime1">
               <a:rPr lang="ko-KR" altLang="en-US" smtClean="0"/>
-              <a:t>2025-02-19</a:t>
+              <a:t>2025-02-20</a:t>
             </a:fld>
             <a:endParaRPr lang="ko-KR" altLang="en-US"/>
           </a:p>
@@ -1552,7 +1552,7 @@
           <a:p>
             <a:fld id="{091E519C-B90B-4A61-8F7D-EA80CD22B7D5}" type="datetime1">
               <a:rPr lang="ko-KR" altLang="en-US" smtClean="0"/>
-              <a:t>2025-02-19</a:t>
+              <a:t>2025-02-20</a:t>
             </a:fld>
             <a:endParaRPr lang="ko-KR" altLang="en-US"/>
           </a:p>
@@ -1827,7 +1827,7 @@
           <a:p>
             <a:fld id="{FD734108-2D59-40E2-B393-1F390391A1FB}" type="datetime1">
               <a:rPr lang="ko-KR" altLang="en-US" smtClean="0"/>
-              <a:t>2025-02-19</a:t>
+              <a:t>2025-02-20</a:t>
             </a:fld>
             <a:endParaRPr lang="ko-KR" altLang="en-US"/>
           </a:p>
@@ -2092,7 +2092,7 @@
           <a:p>
             <a:fld id="{297FF520-CDFD-4316-AC89-B0A764216C4E}" type="datetime1">
               <a:rPr lang="ko-KR" altLang="en-US" smtClean="0"/>
-              <a:t>2025-02-19</a:t>
+              <a:t>2025-02-20</a:t>
             </a:fld>
             <a:endParaRPr lang="ko-KR" altLang="en-US"/>
           </a:p>
@@ -2504,7 +2504,7 @@
           <a:p>
             <a:fld id="{0CF3B42C-2182-4183-A46A-124CD019AF43}" type="datetime1">
               <a:rPr lang="ko-KR" altLang="en-US" smtClean="0"/>
-              <a:t>2025-02-19</a:t>
+              <a:t>2025-02-20</a:t>
             </a:fld>
             <a:endParaRPr lang="ko-KR" altLang="en-US"/>
           </a:p>
@@ -2645,7 +2645,7 @@
           <a:p>
             <a:fld id="{B738F611-77C6-4F89-8E2C-D3A9C27DF43F}" type="datetime1">
               <a:rPr lang="ko-KR" altLang="en-US" smtClean="0"/>
-              <a:t>2025-02-19</a:t>
+              <a:t>2025-02-20</a:t>
             </a:fld>
             <a:endParaRPr lang="ko-KR" altLang="en-US"/>
           </a:p>
@@ -2758,7 +2758,7 @@
           <a:p>
             <a:fld id="{A051748B-BCED-40F0-8EF5-AF075B4618B9}" type="datetime1">
               <a:rPr lang="ko-KR" altLang="en-US" smtClean="0"/>
-              <a:t>2025-02-19</a:t>
+              <a:t>2025-02-20</a:t>
             </a:fld>
             <a:endParaRPr lang="ko-KR" altLang="en-US"/>
           </a:p>
@@ -3069,7 +3069,7 @@
           <a:p>
             <a:fld id="{41DBB85A-8EA7-4277-A6E6-46EF2EEF4790}" type="datetime1">
               <a:rPr lang="ko-KR" altLang="en-US" smtClean="0"/>
-              <a:t>2025-02-19</a:t>
+              <a:t>2025-02-20</a:t>
             </a:fld>
             <a:endParaRPr lang="ko-KR" altLang="en-US"/>
           </a:p>
@@ -3357,7 +3357,7 @@
           <a:p>
             <a:fld id="{BBE44FDA-CB41-4E86-912D-6ECC7574FD7F}" type="datetime1">
               <a:rPr lang="ko-KR" altLang="en-US" smtClean="0"/>
-              <a:t>2025-02-19</a:t>
+              <a:t>2025-02-20</a:t>
             </a:fld>
             <a:endParaRPr lang="ko-KR" altLang="en-US"/>
           </a:p>
@@ -3598,7 +3598,7 @@
           <a:p>
             <a:fld id="{F0992805-70C9-4612-850D-0415F751BF22}" type="datetime1">
               <a:rPr lang="ko-KR" altLang="en-US" smtClean="0"/>
-              <a:t>2025-02-19</a:t>
+              <a:t>2025-02-20</a:t>
             </a:fld>
             <a:endParaRPr lang="ko-KR" altLang="en-US"/>
           </a:p>
@@ -13298,12 +13298,330 @@
           </a:p>
         </p:txBody>
       </p:sp>
+      <p:graphicFrame>
+        <p:nvGraphicFramePr>
+          <p:cNvPr id="5" name="표 4">
+            <a:extLst>
+              <a:ext uri="{FF2B5EF4-FFF2-40B4-BE49-F238E27FC236}">
+                <a16:creationId xmlns:a16="http://schemas.microsoft.com/office/drawing/2014/main" id="{45828E9A-294E-2C40-49B7-25E41C04503D}"/>
+              </a:ext>
+            </a:extLst>
+          </p:cNvPr>
+          <p:cNvGraphicFramePr>
+            <a:graphicFrameLocks noGrp="1"/>
+          </p:cNvGraphicFramePr>
+          <p:nvPr>
+            <p:extLst>
+              <p:ext uri="{D42A27DB-BD31-4B8C-83A1-F6EECF244321}">
+                <p14:modId xmlns:p14="http://schemas.microsoft.com/office/powerpoint/2010/main" val="3938138793"/>
+              </p:ext>
+            </p:extLst>
+          </p:nvPr>
+        </p:nvGraphicFramePr>
+        <p:xfrm>
+          <a:off x="303694" y="1995154"/>
+          <a:ext cx="11584611" cy="1722174"/>
+        </p:xfrm>
+        <a:graphic>
+          <a:graphicData uri="http://schemas.openxmlformats.org/drawingml/2006/table">
+            <a:tbl>
+              <a:tblPr firstRow="1" bandRow="1">
+                <a:tableStyleId>{5940675A-B579-460E-94D1-54222C63F5DA}</a:tableStyleId>
+              </a:tblPr>
+              <a:tblGrid>
+                <a:gridCol w="1685235">
+                  <a:extLst>
+                    <a:ext uri="{9D8B030D-6E8A-4147-A177-3AD203B41FA5}">
+                      <a16:colId xmlns:a16="http://schemas.microsoft.com/office/drawing/2014/main" val="1510179050"/>
+                    </a:ext>
+                  </a:extLst>
+                </a:gridCol>
+                <a:gridCol w="2474844">
+                  <a:extLst>
+                    <a:ext uri="{9D8B030D-6E8A-4147-A177-3AD203B41FA5}">
+                      <a16:colId xmlns:a16="http://schemas.microsoft.com/office/drawing/2014/main" val="587225051"/>
+                    </a:ext>
+                  </a:extLst>
+                </a:gridCol>
+                <a:gridCol w="2474844">
+                  <a:extLst>
+                    <a:ext uri="{9D8B030D-6E8A-4147-A177-3AD203B41FA5}">
+                      <a16:colId xmlns:a16="http://schemas.microsoft.com/office/drawing/2014/main" val="1168535199"/>
+                    </a:ext>
+                  </a:extLst>
+                </a:gridCol>
+                <a:gridCol w="2474844">
+                  <a:extLst>
+                    <a:ext uri="{9D8B030D-6E8A-4147-A177-3AD203B41FA5}">
+                      <a16:colId xmlns:a16="http://schemas.microsoft.com/office/drawing/2014/main" val="2491620359"/>
+                    </a:ext>
+                  </a:extLst>
+                </a:gridCol>
+                <a:gridCol w="2474844">
+                  <a:extLst>
+                    <a:ext uri="{9D8B030D-6E8A-4147-A177-3AD203B41FA5}">
+                      <a16:colId xmlns:a16="http://schemas.microsoft.com/office/drawing/2014/main" val="917884021"/>
+                    </a:ext>
+                  </a:extLst>
+                </a:gridCol>
+              </a:tblGrid>
+              <a:tr h="574058">
+                <a:tc>
+                  <a:txBody>
+                    <a:bodyPr/>
+                    <a:lstStyle/>
+                    <a:p>
+                      <a:pPr latinLnBrk="1"/>
+                      <a:r>
+                        <a:rPr lang="ko-KR" altLang="en-US" sz="1600" dirty="0"/>
+                        <a:t>이벤트 타이머</a:t>
+                      </a:r>
+                    </a:p>
+                  </a:txBody>
+                  <a:tcPr anchor="ctr"/>
+                </a:tc>
+                <a:tc>
+                  <a:txBody>
+                    <a:bodyPr/>
+                    <a:lstStyle/>
+                    <a:p>
+                      <a:pPr latinLnBrk="1"/>
+                      <a:endParaRPr lang="ko-KR" altLang="en-US" sz="1600" dirty="0"/>
+                    </a:p>
+                  </a:txBody>
+                  <a:tcPr anchor="ctr"/>
+                </a:tc>
+                <a:tc>
+                  <a:txBody>
+                    <a:bodyPr/>
+                    <a:lstStyle/>
+                    <a:p>
+                      <a:pPr latinLnBrk="1"/>
+                      <a:endParaRPr lang="ko-KR" altLang="en-US" sz="1600" dirty="0"/>
+                    </a:p>
+                  </a:txBody>
+                  <a:tcPr anchor="ctr"/>
+                </a:tc>
+                <a:tc>
+                  <a:txBody>
+                    <a:bodyPr/>
+                    <a:lstStyle/>
+                    <a:p>
+                      <a:pPr latinLnBrk="1"/>
+                      <a:endParaRPr lang="ko-KR" altLang="en-US" sz="1600"/>
+                    </a:p>
+                  </a:txBody>
+                  <a:tcPr anchor="ctr"/>
+                </a:tc>
+                <a:tc>
+                  <a:txBody>
+                    <a:bodyPr/>
+                    <a:lstStyle/>
+                    <a:p>
+                      <a:pPr latinLnBrk="1"/>
+                      <a:endParaRPr lang="ko-KR" altLang="en-US" sz="1600"/>
+                    </a:p>
+                  </a:txBody>
+                  <a:tcPr anchor="ctr"/>
+                </a:tc>
+                <a:extLst>
+                  <a:ext uri="{0D108BD9-81ED-4DB2-BD59-A6C34878D82A}">
+                    <a16:rowId xmlns:a16="http://schemas.microsoft.com/office/drawing/2014/main" val="298489347"/>
+                  </a:ext>
+                </a:extLst>
+              </a:tr>
+              <a:tr h="574058">
+                <a:tc>
+                  <a:txBody>
+                    <a:bodyPr/>
+                    <a:lstStyle/>
+                    <a:p>
+                      <a:pPr latinLnBrk="1"/>
+                      <a:r>
+                        <a:rPr lang="en-US" altLang="ko-KR" sz="1600" dirty="0"/>
+                        <a:t>1</a:t>
+                      </a:r>
+                      <a:r>
+                        <a:rPr lang="ko-KR" altLang="en-US" sz="1600" dirty="0"/>
+                        <a:t>번 이벤트</a:t>
+                      </a:r>
+                    </a:p>
+                  </a:txBody>
+                  <a:tcPr anchor="ctr"/>
+                </a:tc>
+                <a:tc>
+                  <a:txBody>
+                    <a:bodyPr/>
+                    <a:lstStyle/>
+                    <a:p>
+                      <a:pPr latinLnBrk="1"/>
+                      <a:endParaRPr lang="ko-KR" altLang="en-US" sz="1600" dirty="0"/>
+                    </a:p>
+                  </a:txBody>
+                  <a:tcPr anchor="ctr"/>
+                </a:tc>
+                <a:tc>
+                  <a:txBody>
+                    <a:bodyPr/>
+                    <a:lstStyle/>
+                    <a:p>
+                      <a:pPr latinLnBrk="1"/>
+                      <a:endParaRPr lang="ko-KR" altLang="en-US" sz="1600" dirty="0"/>
+                    </a:p>
+                  </a:txBody>
+                  <a:tcPr anchor="ctr"/>
+                </a:tc>
+                <a:tc>
+                  <a:txBody>
+                    <a:bodyPr/>
+                    <a:lstStyle/>
+                    <a:p>
+                      <a:pPr latinLnBrk="1"/>
+                      <a:endParaRPr lang="ko-KR" altLang="en-US" sz="1600"/>
+                    </a:p>
+                  </a:txBody>
+                  <a:tcPr anchor="ctr"/>
+                </a:tc>
+                <a:tc>
+                  <a:txBody>
+                    <a:bodyPr/>
+                    <a:lstStyle/>
+                    <a:p>
+                      <a:pPr latinLnBrk="1"/>
+                      <a:endParaRPr lang="ko-KR" altLang="en-US" sz="1600"/>
+                    </a:p>
+                  </a:txBody>
+                  <a:tcPr anchor="ctr"/>
+                </a:tc>
+                <a:extLst>
+                  <a:ext uri="{0D108BD9-81ED-4DB2-BD59-A6C34878D82A}">
+                    <a16:rowId xmlns:a16="http://schemas.microsoft.com/office/drawing/2014/main" val="2496531297"/>
+                  </a:ext>
+                </a:extLst>
+              </a:tr>
+              <a:tr h="574058">
+                <a:tc>
+                  <a:txBody>
+                    <a:bodyPr/>
+                    <a:lstStyle/>
+                    <a:p>
+                      <a:pPr latinLnBrk="1"/>
+                      <a:r>
+                        <a:rPr lang="en-US" altLang="ko-KR" sz="1600" dirty="0"/>
+                        <a:t>2</a:t>
+                      </a:r>
+                      <a:r>
+                        <a:rPr lang="ko-KR" altLang="en-US" sz="1600" dirty="0"/>
+                        <a:t>번 이벤트</a:t>
+                      </a:r>
+                    </a:p>
+                  </a:txBody>
+                  <a:tcPr anchor="ctr"/>
+                </a:tc>
+                <a:tc>
+                  <a:txBody>
+                    <a:bodyPr/>
+                    <a:lstStyle/>
+                    <a:p>
+                      <a:pPr latinLnBrk="1"/>
+                      <a:endParaRPr lang="ko-KR" altLang="en-US" sz="1600" dirty="0"/>
+                    </a:p>
+                  </a:txBody>
+                  <a:tcPr anchor="ctr"/>
+                </a:tc>
+                <a:tc>
+                  <a:txBody>
+                    <a:bodyPr/>
+                    <a:lstStyle/>
+                    <a:p>
+                      <a:pPr latinLnBrk="1"/>
+                      <a:endParaRPr lang="ko-KR" altLang="en-US" sz="1600"/>
+                    </a:p>
+                  </a:txBody>
+                  <a:tcPr anchor="ctr"/>
+                </a:tc>
+                <a:tc>
+                  <a:txBody>
+                    <a:bodyPr/>
+                    <a:lstStyle/>
+                    <a:p>
+                      <a:pPr latinLnBrk="1"/>
+                      <a:endParaRPr lang="ko-KR" altLang="en-US" sz="1600" dirty="0"/>
+                    </a:p>
+                  </a:txBody>
+                  <a:tcPr anchor="ctr"/>
+                </a:tc>
+                <a:tc>
+                  <a:txBody>
+                    <a:bodyPr/>
+                    <a:lstStyle/>
+                    <a:p>
+                      <a:pPr latinLnBrk="1"/>
+                      <a:endParaRPr lang="ko-KR" altLang="en-US" sz="1600" dirty="0"/>
+                    </a:p>
+                  </a:txBody>
+                  <a:tcPr anchor="ctr"/>
+                </a:tc>
+                <a:extLst>
+                  <a:ext uri="{0D108BD9-81ED-4DB2-BD59-A6C34878D82A}">
+                    <a16:rowId xmlns:a16="http://schemas.microsoft.com/office/drawing/2014/main" val="35595445"/>
+                  </a:ext>
+                </a:extLst>
+              </a:tr>
+            </a:tbl>
+          </a:graphicData>
+        </a:graphic>
+      </p:graphicFrame>
       <p:sp>
         <p:nvSpPr>
-          <p:cNvPr id="75" name="TextBox 74">
+          <p:cNvPr id="7" name="왼쪽 대괄호 6">
             <a:extLst>
               <a:ext uri="{FF2B5EF4-FFF2-40B4-BE49-F238E27FC236}">
-                <a16:creationId xmlns:a16="http://schemas.microsoft.com/office/drawing/2014/main" id="{6C22D209-BD89-D058-B74A-0EC9BCFB1DC9}"/>
+                <a16:creationId xmlns:a16="http://schemas.microsoft.com/office/drawing/2014/main" id="{64A6F5CB-8DC5-2FB0-B9BE-A8748E3F1834}"/>
+              </a:ext>
+            </a:extLst>
+          </p:cNvPr>
+          <p:cNvSpPr/>
+          <p:nvPr/>
+        </p:nvSpPr>
+        <p:spPr>
+          <a:xfrm rot="5400000">
+            <a:off x="3060634" y="621830"/>
+            <a:ext cx="294993" cy="2451655"/>
+          </a:xfrm>
+          <a:prstGeom prst="leftBracket">
+            <a:avLst/>
+          </a:prstGeom>
+        </p:spPr>
+        <p:style>
+          <a:lnRef idx="2">
+            <a:schemeClr val="accent1"/>
+          </a:lnRef>
+          <a:fillRef idx="0">
+            <a:schemeClr val="accent1"/>
+          </a:fillRef>
+          <a:effectRef idx="1">
+            <a:schemeClr val="accent1"/>
+          </a:effectRef>
+          <a:fontRef idx="minor">
+            <a:schemeClr val="tx1"/>
+          </a:fontRef>
+        </p:style>
+        <p:txBody>
+          <a:bodyPr rtlCol="0" anchor="ctr"/>
+          <a:lstStyle/>
+          <a:p>
+            <a:pPr algn="ctr"/>
+            <a:endParaRPr lang="ko-KR" altLang="en-US" dirty="0"/>
+          </a:p>
+        </p:txBody>
+      </p:sp>
+      <p:sp>
+        <p:nvSpPr>
+          <p:cNvPr id="8" name="TextBox 7">
+            <a:extLst>
+              <a:ext uri="{FF2B5EF4-FFF2-40B4-BE49-F238E27FC236}">
+                <a16:creationId xmlns:a16="http://schemas.microsoft.com/office/drawing/2014/main" id="{8E6A3C69-C1B4-88B7-6BD2-DC3D45FCE7DC}"/>
               </a:ext>
             </a:extLst>
           </p:cNvPr>
@@ -13312,8 +13630,408 @@
         </p:nvSpPr>
         <p:spPr>
           <a:xfrm>
-            <a:off x="361325" y="5173870"/>
-            <a:ext cx="11304698" cy="783356"/>
+            <a:off x="2930233" y="1320164"/>
+            <a:ext cx="668773" cy="369332"/>
+          </a:xfrm>
+          <a:prstGeom prst="rect">
+            <a:avLst/>
+          </a:prstGeom>
+          <a:noFill/>
+        </p:spPr>
+        <p:txBody>
+          <a:bodyPr wrap="none" rtlCol="0">
+            <a:spAutoFit/>
+          </a:bodyPr>
+          <a:lstStyle/>
+          <a:p>
+            <a:r>
+              <a:rPr lang="en-US" altLang="ko-KR"/>
+              <a:t>30</a:t>
+            </a:r>
+            <a:r>
+              <a:rPr lang="ko-KR" altLang="en-US" dirty="0"/>
+              <a:t>초</a:t>
+            </a:r>
+          </a:p>
+        </p:txBody>
+      </p:sp>
+      <p:sp>
+        <p:nvSpPr>
+          <p:cNvPr id="9" name="직사각형 8">
+            <a:extLst>
+              <a:ext uri="{FF2B5EF4-FFF2-40B4-BE49-F238E27FC236}">
+                <a16:creationId xmlns:a16="http://schemas.microsoft.com/office/drawing/2014/main" id="{F559F06B-1EDD-B8F8-3262-92F9D4B34A44}"/>
+              </a:ext>
+            </a:extLst>
+          </p:cNvPr>
+          <p:cNvSpPr/>
+          <p:nvPr/>
+        </p:nvSpPr>
+        <p:spPr>
+          <a:xfrm>
+            <a:off x="1995555" y="2124229"/>
+            <a:ext cx="2451655" cy="294993"/>
+          </a:xfrm>
+          <a:prstGeom prst="rect">
+            <a:avLst/>
+          </a:prstGeom>
+          <a:solidFill>
+            <a:schemeClr val="accent4">
+              <a:lumMod val="60000"/>
+              <a:lumOff val="40000"/>
+            </a:schemeClr>
+          </a:solidFill>
+          <a:ln>
+            <a:noFill/>
+          </a:ln>
+        </p:spPr>
+        <p:style>
+          <a:lnRef idx="2">
+            <a:schemeClr val="accent1">
+              <a:shade val="15000"/>
+            </a:schemeClr>
+          </a:lnRef>
+          <a:fillRef idx="1">
+            <a:schemeClr val="accent1"/>
+          </a:fillRef>
+          <a:effectRef idx="0">
+            <a:schemeClr val="accent1"/>
+          </a:effectRef>
+          <a:fontRef idx="minor">
+            <a:schemeClr val="lt1"/>
+          </a:fontRef>
+        </p:style>
+        <p:txBody>
+          <a:bodyPr rtlCol="0" anchor="ctr"/>
+          <a:lstStyle/>
+          <a:p>
+            <a:pPr algn="ctr"/>
+            <a:endParaRPr lang="ko-KR" altLang="en-US"/>
+          </a:p>
+        </p:txBody>
+      </p:sp>
+      <p:sp>
+        <p:nvSpPr>
+          <p:cNvPr id="10" name="직사각형 9">
+            <a:extLst>
+              <a:ext uri="{FF2B5EF4-FFF2-40B4-BE49-F238E27FC236}">
+                <a16:creationId xmlns:a16="http://schemas.microsoft.com/office/drawing/2014/main" id="{8451DA01-0344-93E9-6561-ADC05CCFFC13}"/>
+              </a:ext>
+            </a:extLst>
+          </p:cNvPr>
+          <p:cNvSpPr/>
+          <p:nvPr/>
+        </p:nvSpPr>
+        <p:spPr>
+          <a:xfrm>
+            <a:off x="4473714" y="2710770"/>
+            <a:ext cx="4935330" cy="294993"/>
+          </a:xfrm>
+          <a:prstGeom prst="rect">
+            <a:avLst/>
+          </a:prstGeom>
+          <a:solidFill>
+            <a:schemeClr val="accent4">
+              <a:lumMod val="60000"/>
+              <a:lumOff val="40000"/>
+            </a:schemeClr>
+          </a:solidFill>
+          <a:ln>
+            <a:noFill/>
+          </a:ln>
+        </p:spPr>
+        <p:style>
+          <a:lnRef idx="2">
+            <a:schemeClr val="accent1">
+              <a:shade val="15000"/>
+            </a:schemeClr>
+          </a:lnRef>
+          <a:fillRef idx="1">
+            <a:schemeClr val="accent1"/>
+          </a:fillRef>
+          <a:effectRef idx="0">
+            <a:schemeClr val="accent1"/>
+          </a:effectRef>
+          <a:fontRef idx="minor">
+            <a:schemeClr val="lt1"/>
+          </a:fontRef>
+        </p:style>
+        <p:txBody>
+          <a:bodyPr rtlCol="0" anchor="ctr"/>
+          <a:lstStyle/>
+          <a:p>
+            <a:pPr algn="ctr"/>
+            <a:endParaRPr lang="ko-KR" altLang="en-US"/>
+          </a:p>
+        </p:txBody>
+      </p:sp>
+      <p:sp>
+        <p:nvSpPr>
+          <p:cNvPr id="11" name="직사각형 10">
+            <a:extLst>
+              <a:ext uri="{FF2B5EF4-FFF2-40B4-BE49-F238E27FC236}">
+                <a16:creationId xmlns:a16="http://schemas.microsoft.com/office/drawing/2014/main" id="{FBFB750C-8659-2639-F9D5-864154A6710C}"/>
+              </a:ext>
+            </a:extLst>
+          </p:cNvPr>
+          <p:cNvSpPr/>
+          <p:nvPr/>
+        </p:nvSpPr>
+        <p:spPr>
+          <a:xfrm>
+            <a:off x="4483649" y="2124229"/>
+            <a:ext cx="2451655" cy="294993"/>
+          </a:xfrm>
+          <a:prstGeom prst="rect">
+            <a:avLst/>
+          </a:prstGeom>
+          <a:solidFill>
+            <a:schemeClr val="tx2">
+              <a:lumMod val="75000"/>
+              <a:lumOff val="25000"/>
+            </a:schemeClr>
+          </a:solidFill>
+          <a:ln>
+            <a:noFill/>
+          </a:ln>
+        </p:spPr>
+        <p:style>
+          <a:lnRef idx="2">
+            <a:schemeClr val="accent1">
+              <a:shade val="15000"/>
+            </a:schemeClr>
+          </a:lnRef>
+          <a:fillRef idx="1">
+            <a:schemeClr val="accent1"/>
+          </a:fillRef>
+          <a:effectRef idx="0">
+            <a:schemeClr val="accent1"/>
+          </a:effectRef>
+          <a:fontRef idx="minor">
+            <a:schemeClr val="lt1"/>
+          </a:fontRef>
+        </p:style>
+        <p:txBody>
+          <a:bodyPr rtlCol="0" anchor="ctr"/>
+          <a:lstStyle/>
+          <a:p>
+            <a:pPr algn="ctr"/>
+            <a:endParaRPr lang="ko-KR" altLang="en-US"/>
+          </a:p>
+        </p:txBody>
+      </p:sp>
+      <p:cxnSp>
+        <p:nvCxnSpPr>
+          <p:cNvPr id="12" name="연결선: 꺾임 11">
+            <a:extLst>
+              <a:ext uri="{FF2B5EF4-FFF2-40B4-BE49-F238E27FC236}">
+                <a16:creationId xmlns:a16="http://schemas.microsoft.com/office/drawing/2014/main" id="{D3D6C9D2-EB66-99AA-6E73-00FE0B0435D8}"/>
+              </a:ext>
+            </a:extLst>
+          </p:cNvPr>
+          <p:cNvCxnSpPr>
+            <a:cxnSpLocks/>
+            <a:stCxn id="9" idx="2"/>
+            <a:endCxn id="10" idx="1"/>
+          </p:cNvCxnSpPr>
+          <p:nvPr/>
+        </p:nvCxnSpPr>
+        <p:spPr>
+          <a:xfrm rot="16200000" flipH="1">
+            <a:off x="3628026" y="2012578"/>
+            <a:ext cx="439045" cy="1252331"/>
+          </a:xfrm>
+          <a:prstGeom prst="bentConnector2">
+            <a:avLst/>
+          </a:prstGeom>
+          <a:ln w="57150">
+            <a:solidFill>
+              <a:srgbClr val="FF0000"/>
+            </a:solidFill>
+            <a:tailEnd type="triangle"/>
+          </a:ln>
+        </p:spPr>
+        <p:style>
+          <a:lnRef idx="2">
+            <a:schemeClr val="accent1"/>
+          </a:lnRef>
+          <a:fillRef idx="0">
+            <a:schemeClr val="accent1"/>
+          </a:fillRef>
+          <a:effectRef idx="1">
+            <a:schemeClr val="accent1"/>
+          </a:effectRef>
+          <a:fontRef idx="minor">
+            <a:schemeClr val="tx1"/>
+          </a:fontRef>
+        </p:style>
+      </p:cxnSp>
+      <p:sp>
+        <p:nvSpPr>
+          <p:cNvPr id="13" name="직사각형 12">
+            <a:extLst>
+              <a:ext uri="{FF2B5EF4-FFF2-40B4-BE49-F238E27FC236}">
+                <a16:creationId xmlns:a16="http://schemas.microsoft.com/office/drawing/2014/main" id="{3CAD2089-2279-071F-7B40-75732ADEA75A}"/>
+              </a:ext>
+            </a:extLst>
+          </p:cNvPr>
+          <p:cNvSpPr/>
+          <p:nvPr/>
+        </p:nvSpPr>
+        <p:spPr>
+          <a:xfrm>
+            <a:off x="9409043" y="3286043"/>
+            <a:ext cx="2479261" cy="294993"/>
+          </a:xfrm>
+          <a:prstGeom prst="rect">
+            <a:avLst/>
+          </a:prstGeom>
+          <a:solidFill>
+            <a:srgbClr val="215F9A"/>
+          </a:solidFill>
+          <a:ln>
+            <a:noFill/>
+          </a:ln>
+        </p:spPr>
+        <p:style>
+          <a:lnRef idx="2">
+            <a:schemeClr val="accent1">
+              <a:shade val="15000"/>
+            </a:schemeClr>
+          </a:lnRef>
+          <a:fillRef idx="1">
+            <a:schemeClr val="accent1"/>
+          </a:fillRef>
+          <a:effectRef idx="0">
+            <a:schemeClr val="accent1"/>
+          </a:effectRef>
+          <a:fontRef idx="minor">
+            <a:schemeClr val="lt1"/>
+          </a:fontRef>
+        </p:style>
+        <p:txBody>
+          <a:bodyPr rtlCol="0" anchor="ctr"/>
+          <a:lstStyle/>
+          <a:p>
+            <a:pPr algn="ctr"/>
+            <a:endParaRPr lang="ko-KR" altLang="en-US"/>
+          </a:p>
+        </p:txBody>
+      </p:sp>
+      <p:cxnSp>
+        <p:nvCxnSpPr>
+          <p:cNvPr id="15" name="연결선: 꺾임 14">
+            <a:extLst>
+              <a:ext uri="{FF2B5EF4-FFF2-40B4-BE49-F238E27FC236}">
+                <a16:creationId xmlns:a16="http://schemas.microsoft.com/office/drawing/2014/main" id="{54CCAEAD-990E-DEDB-18DD-FAF1B2E46C2B}"/>
+              </a:ext>
+            </a:extLst>
+          </p:cNvPr>
+          <p:cNvCxnSpPr>
+            <a:cxnSpLocks/>
+            <a:stCxn id="11" idx="2"/>
+            <a:endCxn id="13" idx="1"/>
+          </p:cNvCxnSpPr>
+          <p:nvPr/>
+        </p:nvCxnSpPr>
+        <p:spPr>
+          <a:xfrm rot="16200000" flipH="1">
+            <a:off x="7052101" y="1076598"/>
+            <a:ext cx="1014318" cy="3699566"/>
+          </a:xfrm>
+          <a:prstGeom prst="bentConnector2">
+            <a:avLst/>
+          </a:prstGeom>
+          <a:ln w="57150">
+            <a:solidFill>
+              <a:srgbClr val="FF0000"/>
+            </a:solidFill>
+            <a:tailEnd type="triangle"/>
+          </a:ln>
+        </p:spPr>
+        <p:style>
+          <a:lnRef idx="2">
+            <a:schemeClr val="accent1"/>
+          </a:lnRef>
+          <a:fillRef idx="0">
+            <a:schemeClr val="accent1"/>
+          </a:fillRef>
+          <a:effectRef idx="1">
+            <a:schemeClr val="accent1"/>
+          </a:effectRef>
+          <a:fontRef idx="minor">
+            <a:schemeClr val="tx1"/>
+          </a:fontRef>
+        </p:style>
+      </p:cxnSp>
+      <p:sp>
+        <p:nvSpPr>
+          <p:cNvPr id="16" name="직사각형 15">
+            <a:extLst>
+              <a:ext uri="{FF2B5EF4-FFF2-40B4-BE49-F238E27FC236}">
+                <a16:creationId xmlns:a16="http://schemas.microsoft.com/office/drawing/2014/main" id="{7A3A3FF3-415D-260E-CE5D-CE9DECB9ED36}"/>
+              </a:ext>
+            </a:extLst>
+          </p:cNvPr>
+          <p:cNvSpPr/>
+          <p:nvPr/>
+        </p:nvSpPr>
+        <p:spPr>
+          <a:xfrm>
+            <a:off x="9422845" y="2135432"/>
+            <a:ext cx="2451655" cy="294993"/>
+          </a:xfrm>
+          <a:prstGeom prst="rect">
+            <a:avLst/>
+          </a:prstGeom>
+          <a:solidFill>
+            <a:schemeClr val="accent6"/>
+          </a:solidFill>
+          <a:ln>
+            <a:noFill/>
+          </a:ln>
+        </p:spPr>
+        <p:style>
+          <a:lnRef idx="2">
+            <a:schemeClr val="accent1">
+              <a:shade val="15000"/>
+            </a:schemeClr>
+          </a:lnRef>
+          <a:fillRef idx="1">
+            <a:schemeClr val="accent1"/>
+          </a:fillRef>
+          <a:effectRef idx="0">
+            <a:schemeClr val="accent1"/>
+          </a:effectRef>
+          <a:fontRef idx="minor">
+            <a:schemeClr val="lt1"/>
+          </a:fontRef>
+        </p:style>
+        <p:txBody>
+          <a:bodyPr rtlCol="0" anchor="ctr"/>
+          <a:lstStyle/>
+          <a:p>
+            <a:pPr algn="ctr"/>
+            <a:endParaRPr lang="ko-KR" altLang="en-US"/>
+          </a:p>
+        </p:txBody>
+      </p:sp>
+      <p:sp>
+        <p:nvSpPr>
+          <p:cNvPr id="17" name="TextBox 16">
+            <a:extLst>
+              <a:ext uri="{FF2B5EF4-FFF2-40B4-BE49-F238E27FC236}">
+                <a16:creationId xmlns:a16="http://schemas.microsoft.com/office/drawing/2014/main" id="{52A5B876-FD40-1084-085E-FF7265CDBE45}"/>
+              </a:ext>
+            </a:extLst>
+          </p:cNvPr>
+          <p:cNvSpPr txBox="1"/>
+          <p:nvPr/>
+        </p:nvSpPr>
+        <p:spPr>
+          <a:xfrm>
+            <a:off x="361325" y="4795658"/>
+            <a:ext cx="11198900" cy="1152688"/>
           </a:xfrm>
           <a:prstGeom prst="rect">
             <a:avLst/>
@@ -13335,7 +14053,15 @@
             </a:pPr>
             <a:r>
               <a:rPr lang="ko-KR" altLang="en-US" sz="1600" dirty="0"/>
-              <a:t>플레이어가 방해 이벤트를 해결하고 미니 게임으로 돌아와 게임으로 돌아가기 버튼을 누르면 타이머가 돌아가게 된다</a:t>
+              <a:t>방해 이벤트는 </a:t>
+            </a:r>
+            <a:r>
+              <a:rPr lang="en-US" altLang="ko-KR" sz="1600" dirty="0"/>
+              <a:t>30</a:t>
+            </a:r>
+            <a:r>
+              <a:rPr lang="ko-KR" altLang="en-US" sz="1600" dirty="0"/>
+              <a:t>초의 타이머를 가지고 실행 된다</a:t>
             </a:r>
             <a:r>
               <a:rPr lang="en-US" altLang="ko-KR" sz="1600" dirty="0"/>
@@ -13352,15 +14078,40 @@
             </a:pPr>
             <a:r>
               <a:rPr lang="ko-KR" altLang="en-US" sz="1600" dirty="0"/>
-              <a:t>타이머가 돌아가고 </a:t>
+              <a:t>현재 방해이벤트 </a:t>
             </a:r>
             <a:r>
               <a:rPr lang="en-US" altLang="ko-KR" sz="1600" dirty="0"/>
-              <a:t>1</a:t>
+              <a:t>+ </a:t>
             </a:r>
             <a:r>
               <a:rPr lang="ko-KR" altLang="en-US" sz="1600" dirty="0"/>
-              <a:t>분이 넘어갈 때 각 등급에 맞는 방해 이벤트 혹은 후속 이벤트가 등장하게 된다</a:t>
+              <a:t>후속이벤트가 </a:t>
+            </a:r>
+            <a:r>
+              <a:rPr lang="en-US" altLang="ko-KR" sz="1600" dirty="0"/>
+              <a:t>30</a:t>
+            </a:r>
+            <a:r>
+              <a:rPr lang="ko-KR" altLang="en-US" sz="1600" dirty="0"/>
+              <a:t>초를 넘도록 해결이 되지 않았을 경우 타이머는 한번만 돌고 잠시 멈춘다</a:t>
+            </a:r>
+            <a:r>
+              <a:rPr lang="en-US" altLang="ko-KR" sz="1600" dirty="0"/>
+              <a:t>.</a:t>
+            </a:r>
+          </a:p>
+          <a:p>
+            <a:pPr marL="285750" indent="-285750">
+              <a:lnSpc>
+                <a:spcPct val="150000"/>
+              </a:lnSpc>
+              <a:buFontTx/>
+              <a:buChar char="-"/>
+            </a:pPr>
+            <a:r>
+              <a:rPr lang="ko-KR" altLang="en-US" sz="1600" dirty="0"/>
+              <a:t>진행하던 이벤트가 모두 해결하고 난 후 미리 돌았던 타이머에 해당하는 이벤트가 바로 등장하며 타이머도 다시 돈다</a:t>
             </a:r>
             <a:r>
               <a:rPr lang="en-US" altLang="ko-KR" sz="1600" dirty="0"/>
@@ -13369,3090 +14120,12 @@
           </a:p>
         </p:txBody>
       </p:sp>
-      <p:grpSp>
-        <p:nvGrpSpPr>
-          <p:cNvPr id="2" name="그룹 1">
+      <p:sp>
+        <p:nvSpPr>
+          <p:cNvPr id="18" name="직사각형 17">
             <a:extLst>
               <a:ext uri="{FF2B5EF4-FFF2-40B4-BE49-F238E27FC236}">
-                <a16:creationId xmlns:a16="http://schemas.microsoft.com/office/drawing/2014/main" id="{DCAB1667-F49B-80E5-A5A1-767B0C113F8B}"/>
-              </a:ext>
-            </a:extLst>
-          </p:cNvPr>
-          <p:cNvGrpSpPr/>
-          <p:nvPr/>
-        </p:nvGrpSpPr>
-        <p:grpSpPr>
-          <a:xfrm>
-            <a:off x="281612" y="1637684"/>
-            <a:ext cx="4969565" cy="2856997"/>
-            <a:chOff x="2809461" y="1364959"/>
-            <a:chExt cx="6003235" cy="3451253"/>
-          </a:xfrm>
-        </p:grpSpPr>
-        <p:sp>
-          <p:nvSpPr>
-            <p:cNvPr id="42" name="사각형: 둥근 모서리 41">
-              <a:extLst>
-                <a:ext uri="{FF2B5EF4-FFF2-40B4-BE49-F238E27FC236}">
-                  <a16:creationId xmlns:a16="http://schemas.microsoft.com/office/drawing/2014/main" id="{49C9CB8D-33C7-0152-0488-D6A1B17B4CC1}"/>
-                </a:ext>
-              </a:extLst>
-            </p:cNvPr>
-            <p:cNvSpPr/>
-            <p:nvPr/>
-          </p:nvSpPr>
-          <p:spPr>
-            <a:xfrm>
-              <a:off x="2809461" y="1364959"/>
-              <a:ext cx="6003235" cy="3451253"/>
-            </a:xfrm>
-            <a:prstGeom prst="roundRect">
-              <a:avLst>
-                <a:gd name="adj" fmla="val 2928"/>
-              </a:avLst>
-            </a:prstGeom>
-            <a:solidFill>
-              <a:schemeClr val="bg2">
-                <a:lumMod val="75000"/>
-              </a:schemeClr>
-            </a:solidFill>
-          </p:spPr>
-          <p:style>
-            <a:lnRef idx="2">
-              <a:schemeClr val="accent1">
-                <a:shade val="15000"/>
-              </a:schemeClr>
-            </a:lnRef>
-            <a:fillRef idx="1">
-              <a:schemeClr val="accent1"/>
-            </a:fillRef>
-            <a:effectRef idx="0">
-              <a:schemeClr val="accent1"/>
-            </a:effectRef>
-            <a:fontRef idx="minor">
-              <a:schemeClr val="lt1"/>
-            </a:fontRef>
-          </p:style>
-          <p:txBody>
-            <a:bodyPr rtlCol="0" anchor="ctr"/>
-            <a:lstStyle/>
-            <a:p>
-              <a:pPr algn="ctr"/>
-              <a:endParaRPr lang="ko-KR" altLang="en-US" sz="1600"/>
-            </a:p>
-          </p:txBody>
-        </p:sp>
-        <p:grpSp>
-          <p:nvGrpSpPr>
-            <p:cNvPr id="43" name="그룹 42">
-              <a:extLst>
-                <a:ext uri="{FF2B5EF4-FFF2-40B4-BE49-F238E27FC236}">
-                  <a16:creationId xmlns:a16="http://schemas.microsoft.com/office/drawing/2014/main" id="{26A7A238-E1B2-2BF0-CC9A-2A63EF9E36B3}"/>
-                </a:ext>
-              </a:extLst>
-            </p:cNvPr>
-            <p:cNvGrpSpPr/>
-            <p:nvPr/>
-          </p:nvGrpSpPr>
-          <p:grpSpPr>
-            <a:xfrm>
-              <a:off x="3016050" y="1489520"/>
-              <a:ext cx="5638665" cy="3171749"/>
-              <a:chOff x="371062" y="208722"/>
-              <a:chExt cx="11449877" cy="6440556"/>
-            </a:xfrm>
-          </p:grpSpPr>
-          <p:sp>
-            <p:nvSpPr>
-              <p:cNvPr id="55" name="직사각형 54">
-                <a:extLst>
-                  <a:ext uri="{FF2B5EF4-FFF2-40B4-BE49-F238E27FC236}">
-                    <a16:creationId xmlns:a16="http://schemas.microsoft.com/office/drawing/2014/main" id="{F05789AA-3D7A-1B92-E0B3-46AB1A73B333}"/>
-                  </a:ext>
-                </a:extLst>
-              </p:cNvPr>
-              <p:cNvSpPr>
-                <a:spLocks noChangeAspect="1"/>
-              </p:cNvSpPr>
-              <p:nvPr/>
-            </p:nvSpPr>
-            <p:spPr>
-              <a:xfrm>
-                <a:off x="371062" y="208722"/>
-                <a:ext cx="11449877" cy="6440556"/>
-              </a:xfrm>
-              <a:prstGeom prst="rect">
-                <a:avLst/>
-              </a:prstGeom>
-              <a:solidFill>
-                <a:schemeClr val="bg1"/>
-              </a:solidFill>
-              <a:ln>
-                <a:solidFill>
-                  <a:schemeClr val="tx1"/>
-                </a:solidFill>
-              </a:ln>
-            </p:spPr>
-            <p:style>
-              <a:lnRef idx="2">
-                <a:schemeClr val="accent1">
-                  <a:shade val="15000"/>
-                </a:schemeClr>
-              </a:lnRef>
-              <a:fillRef idx="1">
-                <a:schemeClr val="accent1"/>
-              </a:fillRef>
-              <a:effectRef idx="0">
-                <a:schemeClr val="accent1"/>
-              </a:effectRef>
-              <a:fontRef idx="minor">
-                <a:schemeClr val="lt1"/>
-              </a:fontRef>
-            </p:style>
-            <p:txBody>
-              <a:bodyPr rtlCol="0" anchor="ctr"/>
-              <a:lstStyle/>
-              <a:p>
-                <a:pPr algn="ctr"/>
-                <a:endParaRPr lang="ko-KR" altLang="en-US" sz="600"/>
-              </a:p>
-            </p:txBody>
-          </p:sp>
-          <p:sp>
-            <p:nvSpPr>
-              <p:cNvPr id="56" name="직사각형 55">
-                <a:extLst>
-                  <a:ext uri="{FF2B5EF4-FFF2-40B4-BE49-F238E27FC236}">
-                    <a16:creationId xmlns:a16="http://schemas.microsoft.com/office/drawing/2014/main" id="{E4DA729D-18B8-45FA-763F-E5006E425615}"/>
-                  </a:ext>
-                </a:extLst>
-              </p:cNvPr>
-              <p:cNvSpPr/>
-              <p:nvPr/>
-            </p:nvSpPr>
-            <p:spPr>
-              <a:xfrm>
-                <a:off x="371062" y="5493026"/>
-                <a:ext cx="11449876" cy="1156252"/>
-              </a:xfrm>
-              <a:prstGeom prst="rect">
-                <a:avLst/>
-              </a:prstGeom>
-              <a:solidFill>
-                <a:schemeClr val="tx1">
-                  <a:lumMod val="65000"/>
-                  <a:lumOff val="35000"/>
-                </a:schemeClr>
-              </a:solidFill>
-              <a:ln>
-                <a:solidFill>
-                  <a:schemeClr val="tx1"/>
-                </a:solidFill>
-              </a:ln>
-            </p:spPr>
-            <p:style>
-              <a:lnRef idx="2">
-                <a:schemeClr val="accent1">
-                  <a:shade val="15000"/>
-                </a:schemeClr>
-              </a:lnRef>
-              <a:fillRef idx="1">
-                <a:schemeClr val="accent1"/>
-              </a:fillRef>
-              <a:effectRef idx="0">
-                <a:schemeClr val="accent1"/>
-              </a:effectRef>
-              <a:fontRef idx="minor">
-                <a:schemeClr val="lt1"/>
-              </a:fontRef>
-            </p:style>
-            <p:txBody>
-              <a:bodyPr rtlCol="0" anchor="ctr"/>
-              <a:lstStyle/>
-              <a:p>
-                <a:pPr algn="ctr"/>
-                <a:endParaRPr lang="ko-KR" altLang="en-US" sz="600"/>
-              </a:p>
-            </p:txBody>
-          </p:sp>
-          <p:sp>
-            <p:nvSpPr>
-              <p:cNvPr id="57" name="사각형: 둥근 모서리 56">
-                <a:extLst>
-                  <a:ext uri="{FF2B5EF4-FFF2-40B4-BE49-F238E27FC236}">
-                    <a16:creationId xmlns:a16="http://schemas.microsoft.com/office/drawing/2014/main" id="{7384A3F4-9336-7624-B194-72A723B0FC09}"/>
-                  </a:ext>
-                </a:extLst>
-              </p:cNvPr>
-              <p:cNvSpPr/>
-              <p:nvPr/>
-            </p:nvSpPr>
-            <p:spPr>
-              <a:xfrm>
-                <a:off x="578115" y="4210904"/>
-                <a:ext cx="722243" cy="1282122"/>
-              </a:xfrm>
-              <a:prstGeom prst="roundRect">
-                <a:avLst/>
-              </a:prstGeom>
-              <a:ln>
-                <a:noFill/>
-              </a:ln>
-            </p:spPr>
-            <p:style>
-              <a:lnRef idx="2">
-                <a:schemeClr val="accent1">
-                  <a:shade val="15000"/>
-                </a:schemeClr>
-              </a:lnRef>
-              <a:fillRef idx="1">
-                <a:schemeClr val="accent1"/>
-              </a:fillRef>
-              <a:effectRef idx="0">
-                <a:schemeClr val="accent1"/>
-              </a:effectRef>
-              <a:fontRef idx="minor">
-                <a:schemeClr val="lt1"/>
-              </a:fontRef>
-            </p:style>
-            <p:txBody>
-              <a:bodyPr rtlCol="0" anchor="ctr"/>
-              <a:lstStyle/>
-              <a:p>
-                <a:pPr algn="ctr"/>
-                <a:endParaRPr lang="ko-KR" altLang="en-US" sz="600"/>
-              </a:p>
-            </p:txBody>
-          </p:sp>
-          <p:sp>
-            <p:nvSpPr>
-              <p:cNvPr id="58" name="직사각형 57">
-                <a:extLst>
-                  <a:ext uri="{FF2B5EF4-FFF2-40B4-BE49-F238E27FC236}">
-                    <a16:creationId xmlns:a16="http://schemas.microsoft.com/office/drawing/2014/main" id="{C1079458-CA83-7B1E-3B7A-6987FB01CCFF}"/>
-                  </a:ext>
-                </a:extLst>
-              </p:cNvPr>
-              <p:cNvSpPr/>
-              <p:nvPr/>
-            </p:nvSpPr>
-            <p:spPr>
-              <a:xfrm>
-                <a:off x="4923703" y="4953026"/>
-                <a:ext cx="540000" cy="540000"/>
-              </a:xfrm>
-              <a:prstGeom prst="rect">
-                <a:avLst/>
-              </a:prstGeom>
-              <a:solidFill>
-                <a:schemeClr val="accent2">
-                  <a:lumMod val="75000"/>
-                </a:schemeClr>
-              </a:solidFill>
-              <a:ln>
-                <a:noFill/>
-              </a:ln>
-            </p:spPr>
-            <p:style>
-              <a:lnRef idx="2">
-                <a:schemeClr val="accent1">
-                  <a:shade val="15000"/>
-                </a:schemeClr>
-              </a:lnRef>
-              <a:fillRef idx="1">
-                <a:schemeClr val="accent1"/>
-              </a:fillRef>
-              <a:effectRef idx="0">
-                <a:schemeClr val="accent1"/>
-              </a:effectRef>
-              <a:fontRef idx="minor">
-                <a:schemeClr val="lt1"/>
-              </a:fontRef>
-            </p:style>
-            <p:txBody>
-              <a:bodyPr rtlCol="0" anchor="ctr"/>
-              <a:lstStyle/>
-              <a:p>
-                <a:pPr algn="ctr"/>
-                <a:endParaRPr lang="ko-KR" altLang="en-US" sz="600"/>
-              </a:p>
-            </p:txBody>
-          </p:sp>
-          <p:sp>
-            <p:nvSpPr>
-              <p:cNvPr id="59" name="직사각형 58">
-                <a:extLst>
-                  <a:ext uri="{FF2B5EF4-FFF2-40B4-BE49-F238E27FC236}">
-                    <a16:creationId xmlns:a16="http://schemas.microsoft.com/office/drawing/2014/main" id="{9401D7A7-7C40-BBED-136D-A76C1568BD6C}"/>
-                  </a:ext>
-                </a:extLst>
-              </p:cNvPr>
-              <p:cNvSpPr/>
-              <p:nvPr/>
-            </p:nvSpPr>
-            <p:spPr>
-              <a:xfrm>
-                <a:off x="8186557" y="3860605"/>
-                <a:ext cx="540000" cy="540000"/>
-              </a:xfrm>
-              <a:prstGeom prst="rect">
-                <a:avLst/>
-              </a:prstGeom>
-              <a:solidFill>
-                <a:schemeClr val="accent2">
-                  <a:lumMod val="75000"/>
-                </a:schemeClr>
-              </a:solidFill>
-              <a:ln>
-                <a:noFill/>
-              </a:ln>
-            </p:spPr>
-            <p:style>
-              <a:lnRef idx="2">
-                <a:schemeClr val="accent1">
-                  <a:shade val="15000"/>
-                </a:schemeClr>
-              </a:lnRef>
-              <a:fillRef idx="1">
-                <a:schemeClr val="accent1"/>
-              </a:fillRef>
-              <a:effectRef idx="0">
-                <a:schemeClr val="accent1"/>
-              </a:effectRef>
-              <a:fontRef idx="minor">
-                <a:schemeClr val="lt1"/>
-              </a:fontRef>
-            </p:style>
-            <p:txBody>
-              <a:bodyPr rtlCol="0" anchor="ctr"/>
-              <a:lstStyle/>
-              <a:p>
-                <a:pPr algn="ctr"/>
-                <a:endParaRPr lang="ko-KR" altLang="en-US" sz="600"/>
-              </a:p>
-            </p:txBody>
-          </p:sp>
-          <p:sp>
-            <p:nvSpPr>
-              <p:cNvPr id="60" name="TextBox 59">
-                <a:extLst>
-                  <a:ext uri="{FF2B5EF4-FFF2-40B4-BE49-F238E27FC236}">
-                    <a16:creationId xmlns:a16="http://schemas.microsoft.com/office/drawing/2014/main" id="{10BBB424-D0A5-14A4-5C49-A8A2A09F836A}"/>
-                  </a:ext>
-                </a:extLst>
-              </p:cNvPr>
-              <p:cNvSpPr txBox="1"/>
-              <p:nvPr/>
-            </p:nvSpPr>
-            <p:spPr>
-              <a:xfrm>
-                <a:off x="9932504" y="311425"/>
-                <a:ext cx="1563758" cy="452979"/>
-              </a:xfrm>
-              <a:prstGeom prst="rect">
-                <a:avLst/>
-              </a:prstGeom>
-              <a:noFill/>
-            </p:spPr>
-            <p:txBody>
-              <a:bodyPr wrap="square" rtlCol="0">
-                <a:spAutoFit/>
-              </a:bodyPr>
-              <a:lstStyle/>
-              <a:p>
-                <a:pPr algn="ctr"/>
-                <a:r>
-                  <a:rPr lang="en-US" altLang="ko-KR" sz="600" b="1" dirty="0"/>
-                  <a:t>&lt;</a:t>
-                </a:r>
-                <a:r>
-                  <a:rPr lang="ko-KR" altLang="en-US" sz="600" b="1" dirty="0"/>
-                  <a:t>현재 순위</a:t>
-                </a:r>
-                <a:r>
-                  <a:rPr lang="en-US" altLang="ko-KR" sz="600" b="1" dirty="0"/>
-                  <a:t>&gt;</a:t>
-                </a:r>
-                <a:endParaRPr lang="ko-KR" altLang="en-US" sz="600" b="1" dirty="0"/>
-              </a:p>
-            </p:txBody>
-          </p:sp>
-          <p:grpSp>
-            <p:nvGrpSpPr>
-              <p:cNvPr id="61" name="그룹 60">
-                <a:extLst>
-                  <a:ext uri="{FF2B5EF4-FFF2-40B4-BE49-F238E27FC236}">
-                    <a16:creationId xmlns:a16="http://schemas.microsoft.com/office/drawing/2014/main" id="{A9815484-A6A1-7E0E-8EFD-77AB9473083A}"/>
-                  </a:ext>
-                </a:extLst>
-              </p:cNvPr>
-              <p:cNvGrpSpPr/>
-              <p:nvPr/>
-            </p:nvGrpSpPr>
-            <p:grpSpPr>
-              <a:xfrm>
-                <a:off x="9690652" y="682717"/>
-                <a:ext cx="2047462" cy="360000"/>
-                <a:chOff x="9687339" y="685059"/>
-                <a:chExt cx="2047462" cy="360000"/>
-              </a:xfrm>
-            </p:grpSpPr>
-            <p:sp>
-              <p:nvSpPr>
-                <p:cNvPr id="70" name="직사각형 69">
-                  <a:extLst>
-                    <a:ext uri="{FF2B5EF4-FFF2-40B4-BE49-F238E27FC236}">
-                      <a16:creationId xmlns:a16="http://schemas.microsoft.com/office/drawing/2014/main" id="{23B25828-4000-2411-67B7-C3D42AD9B251}"/>
-                    </a:ext>
-                  </a:extLst>
-                </p:cNvPr>
-                <p:cNvSpPr/>
-                <p:nvPr/>
-              </p:nvSpPr>
-              <p:spPr>
-                <a:xfrm>
-                  <a:off x="9687339" y="685059"/>
-                  <a:ext cx="324678" cy="360000"/>
-                </a:xfrm>
-                <a:prstGeom prst="rect">
-                  <a:avLst/>
-                </a:prstGeom>
-                <a:solidFill>
-                  <a:srgbClr val="FFFF00"/>
-                </a:solidFill>
-                <a:ln>
-                  <a:noFill/>
-                </a:ln>
-              </p:spPr>
-              <p:style>
-                <a:lnRef idx="2">
-                  <a:schemeClr val="accent1">
-                    <a:shade val="15000"/>
-                  </a:schemeClr>
-                </a:lnRef>
-                <a:fillRef idx="1">
-                  <a:schemeClr val="accent1"/>
-                </a:fillRef>
-                <a:effectRef idx="0">
-                  <a:schemeClr val="accent1"/>
-                </a:effectRef>
-                <a:fontRef idx="minor">
-                  <a:schemeClr val="lt1"/>
-                </a:fontRef>
-              </p:style>
-              <p:txBody>
-                <a:bodyPr rtlCol="0" anchor="ctr"/>
-                <a:lstStyle/>
-                <a:p>
-                  <a:pPr algn="ctr"/>
-                  <a:r>
-                    <a:rPr lang="en-US" altLang="ko-KR" sz="600" dirty="0">
-                      <a:solidFill>
-                        <a:schemeClr val="tx1"/>
-                      </a:solidFill>
-                    </a:rPr>
-                    <a:t>1</a:t>
-                  </a:r>
-                  <a:endParaRPr lang="ko-KR" altLang="en-US" sz="600" dirty="0">
-                    <a:solidFill>
-                      <a:schemeClr val="tx1"/>
-                    </a:solidFill>
-                  </a:endParaRPr>
-                </a:p>
-              </p:txBody>
-            </p:sp>
-            <p:sp>
-              <p:nvSpPr>
-                <p:cNvPr id="71" name="직사각형 70">
-                  <a:extLst>
-                    <a:ext uri="{FF2B5EF4-FFF2-40B4-BE49-F238E27FC236}">
-                      <a16:creationId xmlns:a16="http://schemas.microsoft.com/office/drawing/2014/main" id="{EE032041-5F26-D0E6-1856-E2FAA762628F}"/>
-                    </a:ext>
-                  </a:extLst>
-                </p:cNvPr>
-                <p:cNvSpPr/>
-                <p:nvPr/>
-              </p:nvSpPr>
-              <p:spPr>
-                <a:xfrm>
-                  <a:off x="10012017" y="685059"/>
-                  <a:ext cx="556592" cy="360000"/>
-                </a:xfrm>
-                <a:prstGeom prst="rect">
-                  <a:avLst/>
-                </a:prstGeom>
-                <a:solidFill>
-                  <a:schemeClr val="bg2">
-                    <a:lumMod val="75000"/>
-                  </a:schemeClr>
-                </a:solidFill>
-                <a:ln>
-                  <a:noFill/>
-                </a:ln>
-              </p:spPr>
-              <p:style>
-                <a:lnRef idx="2">
-                  <a:schemeClr val="accent1">
-                    <a:shade val="15000"/>
-                  </a:schemeClr>
-                </a:lnRef>
-                <a:fillRef idx="1">
-                  <a:schemeClr val="accent1"/>
-                </a:fillRef>
-                <a:effectRef idx="0">
-                  <a:schemeClr val="accent1"/>
-                </a:effectRef>
-                <a:fontRef idx="minor">
-                  <a:schemeClr val="lt1"/>
-                </a:fontRef>
-              </p:style>
-              <p:txBody>
-                <a:bodyPr rtlCol="0" anchor="ctr"/>
-                <a:lstStyle/>
-                <a:p>
-                  <a:r>
-                    <a:rPr lang="en-US" altLang="ko-KR" sz="400" dirty="0">
-                      <a:solidFill>
-                        <a:schemeClr val="tx1"/>
-                      </a:solidFill>
-                    </a:rPr>
-                    <a:t>You</a:t>
-                  </a:r>
-                  <a:endParaRPr lang="ko-KR" altLang="en-US" sz="400" dirty="0">
-                    <a:solidFill>
-                      <a:schemeClr val="tx1"/>
-                    </a:solidFill>
-                  </a:endParaRPr>
-                </a:p>
-              </p:txBody>
-            </p:sp>
-            <p:sp>
-              <p:nvSpPr>
-                <p:cNvPr id="72" name="직사각형 71">
-                  <a:extLst>
-                    <a:ext uri="{FF2B5EF4-FFF2-40B4-BE49-F238E27FC236}">
-                      <a16:creationId xmlns:a16="http://schemas.microsoft.com/office/drawing/2014/main" id="{CEC626C8-C74C-C0D5-2B1D-5387B118E947}"/>
-                    </a:ext>
-                  </a:extLst>
-                </p:cNvPr>
-                <p:cNvSpPr/>
-                <p:nvPr/>
-              </p:nvSpPr>
-              <p:spPr>
-                <a:xfrm>
-                  <a:off x="10508972" y="685059"/>
-                  <a:ext cx="1225829" cy="360000"/>
-                </a:xfrm>
-                <a:prstGeom prst="rect">
-                  <a:avLst/>
-                </a:prstGeom>
-                <a:solidFill>
-                  <a:schemeClr val="bg2">
-                    <a:lumMod val="75000"/>
-                  </a:schemeClr>
-                </a:solidFill>
-                <a:ln>
-                  <a:noFill/>
-                </a:ln>
-              </p:spPr>
-              <p:style>
-                <a:lnRef idx="2">
-                  <a:schemeClr val="accent1">
-                    <a:shade val="15000"/>
-                  </a:schemeClr>
-                </a:lnRef>
-                <a:fillRef idx="1">
-                  <a:schemeClr val="accent1"/>
-                </a:fillRef>
-                <a:effectRef idx="0">
-                  <a:schemeClr val="accent1"/>
-                </a:effectRef>
-                <a:fontRef idx="minor">
-                  <a:schemeClr val="lt1"/>
-                </a:fontRef>
-              </p:style>
-              <p:txBody>
-                <a:bodyPr rtlCol="0" anchor="ctr"/>
-                <a:lstStyle/>
-                <a:p>
-                  <a:pPr algn="r"/>
-                  <a:r>
-                    <a:rPr lang="en-US" altLang="ko-KR" sz="400" dirty="0">
-                      <a:solidFill>
-                        <a:schemeClr val="tx1"/>
-                      </a:solidFill>
-                    </a:rPr>
-                    <a:t>123,000pt</a:t>
-                  </a:r>
-                  <a:endParaRPr lang="ko-KR" altLang="en-US" sz="400" dirty="0">
-                    <a:solidFill>
-                      <a:schemeClr val="tx1"/>
-                    </a:solidFill>
-                  </a:endParaRPr>
-                </a:p>
-              </p:txBody>
-            </p:sp>
-          </p:grpSp>
-          <p:grpSp>
-            <p:nvGrpSpPr>
-              <p:cNvPr id="62" name="그룹 61">
-                <a:extLst>
-                  <a:ext uri="{FF2B5EF4-FFF2-40B4-BE49-F238E27FC236}">
-                    <a16:creationId xmlns:a16="http://schemas.microsoft.com/office/drawing/2014/main" id="{5D8A5993-C246-5494-6FC2-26EA685836A6}"/>
-                  </a:ext>
-                </a:extLst>
-              </p:cNvPr>
-              <p:cNvGrpSpPr/>
-              <p:nvPr/>
-            </p:nvGrpSpPr>
-            <p:grpSpPr>
-              <a:xfrm>
-                <a:off x="9690652" y="1044675"/>
-                <a:ext cx="2047462" cy="360000"/>
-                <a:chOff x="9687339" y="685059"/>
-                <a:chExt cx="2047462" cy="360000"/>
-              </a:xfrm>
-            </p:grpSpPr>
-            <p:sp>
-              <p:nvSpPr>
-                <p:cNvPr id="67" name="직사각형 66">
-                  <a:extLst>
-                    <a:ext uri="{FF2B5EF4-FFF2-40B4-BE49-F238E27FC236}">
-                      <a16:creationId xmlns:a16="http://schemas.microsoft.com/office/drawing/2014/main" id="{7FB38CBA-A687-3497-386E-AFB545345656}"/>
-                    </a:ext>
-                  </a:extLst>
-                </p:cNvPr>
-                <p:cNvSpPr/>
-                <p:nvPr/>
-              </p:nvSpPr>
-              <p:spPr>
-                <a:xfrm>
-                  <a:off x="9687339" y="685059"/>
-                  <a:ext cx="324678" cy="360000"/>
-                </a:xfrm>
-                <a:prstGeom prst="rect">
-                  <a:avLst/>
-                </a:prstGeom>
-                <a:solidFill>
-                  <a:schemeClr val="bg1">
-                    <a:lumMod val="85000"/>
-                  </a:schemeClr>
-                </a:solidFill>
-                <a:ln>
-                  <a:noFill/>
-                </a:ln>
-              </p:spPr>
-              <p:style>
-                <a:lnRef idx="2">
-                  <a:schemeClr val="accent1">
-                    <a:shade val="15000"/>
-                  </a:schemeClr>
-                </a:lnRef>
-                <a:fillRef idx="1">
-                  <a:schemeClr val="accent1"/>
-                </a:fillRef>
-                <a:effectRef idx="0">
-                  <a:schemeClr val="accent1"/>
-                </a:effectRef>
-                <a:fontRef idx="minor">
-                  <a:schemeClr val="lt1"/>
-                </a:fontRef>
-              </p:style>
-              <p:txBody>
-                <a:bodyPr rtlCol="0" anchor="ctr"/>
-                <a:lstStyle/>
-                <a:p>
-                  <a:pPr algn="ctr"/>
-                  <a:r>
-                    <a:rPr lang="en-US" altLang="ko-KR" sz="600" dirty="0">
-                      <a:solidFill>
-                        <a:schemeClr val="tx1"/>
-                      </a:solidFill>
-                    </a:rPr>
-                    <a:t>2</a:t>
-                  </a:r>
-                  <a:endParaRPr lang="ko-KR" altLang="en-US" sz="600" dirty="0">
-                    <a:solidFill>
-                      <a:schemeClr val="tx1"/>
-                    </a:solidFill>
-                  </a:endParaRPr>
-                </a:p>
-              </p:txBody>
-            </p:sp>
-            <p:sp>
-              <p:nvSpPr>
-                <p:cNvPr id="68" name="직사각형 67">
-                  <a:extLst>
-                    <a:ext uri="{FF2B5EF4-FFF2-40B4-BE49-F238E27FC236}">
-                      <a16:creationId xmlns:a16="http://schemas.microsoft.com/office/drawing/2014/main" id="{8C7D8B04-420D-5EBE-EA42-8BB858C54839}"/>
-                    </a:ext>
-                  </a:extLst>
-                </p:cNvPr>
-                <p:cNvSpPr/>
-                <p:nvPr/>
-              </p:nvSpPr>
-              <p:spPr>
-                <a:xfrm>
-                  <a:off x="10012017" y="685059"/>
-                  <a:ext cx="556592" cy="360000"/>
-                </a:xfrm>
-                <a:prstGeom prst="rect">
-                  <a:avLst/>
-                </a:prstGeom>
-                <a:solidFill>
-                  <a:schemeClr val="bg1"/>
-                </a:solidFill>
-                <a:ln>
-                  <a:noFill/>
-                </a:ln>
-              </p:spPr>
-              <p:style>
-                <a:lnRef idx="2">
-                  <a:schemeClr val="accent1">
-                    <a:shade val="15000"/>
-                  </a:schemeClr>
-                </a:lnRef>
-                <a:fillRef idx="1">
-                  <a:schemeClr val="accent1"/>
-                </a:fillRef>
-                <a:effectRef idx="0">
-                  <a:schemeClr val="accent1"/>
-                </a:effectRef>
-                <a:fontRef idx="minor">
-                  <a:schemeClr val="lt1"/>
-                </a:fontRef>
-              </p:style>
-              <p:txBody>
-                <a:bodyPr rtlCol="0" anchor="ctr"/>
-                <a:lstStyle/>
-                <a:p>
-                  <a:r>
-                    <a:rPr lang="en-US" altLang="ko-KR" sz="400" dirty="0">
-                      <a:solidFill>
-                        <a:schemeClr val="tx1"/>
-                      </a:solidFill>
-                    </a:rPr>
-                    <a:t>P1</a:t>
-                  </a:r>
-                  <a:endParaRPr lang="ko-KR" altLang="en-US" sz="400" dirty="0">
-                    <a:solidFill>
-                      <a:schemeClr val="tx1"/>
-                    </a:solidFill>
-                  </a:endParaRPr>
-                </a:p>
-              </p:txBody>
-            </p:sp>
-            <p:sp>
-              <p:nvSpPr>
-                <p:cNvPr id="69" name="직사각형 68">
-                  <a:extLst>
-                    <a:ext uri="{FF2B5EF4-FFF2-40B4-BE49-F238E27FC236}">
-                      <a16:creationId xmlns:a16="http://schemas.microsoft.com/office/drawing/2014/main" id="{3A70FB7F-967D-8357-6C74-5CEAFAD7DE5F}"/>
-                    </a:ext>
-                  </a:extLst>
-                </p:cNvPr>
-                <p:cNvSpPr/>
-                <p:nvPr/>
-              </p:nvSpPr>
-              <p:spPr>
-                <a:xfrm>
-                  <a:off x="10508972" y="685059"/>
-                  <a:ext cx="1225829" cy="360000"/>
-                </a:xfrm>
-                <a:prstGeom prst="rect">
-                  <a:avLst/>
-                </a:prstGeom>
-                <a:solidFill>
-                  <a:schemeClr val="bg1"/>
-                </a:solidFill>
-                <a:ln>
-                  <a:noFill/>
-                </a:ln>
-              </p:spPr>
-              <p:style>
-                <a:lnRef idx="2">
-                  <a:schemeClr val="accent1">
-                    <a:shade val="15000"/>
-                  </a:schemeClr>
-                </a:lnRef>
-                <a:fillRef idx="1">
-                  <a:schemeClr val="accent1"/>
-                </a:fillRef>
-                <a:effectRef idx="0">
-                  <a:schemeClr val="accent1"/>
-                </a:effectRef>
-                <a:fontRef idx="minor">
-                  <a:schemeClr val="lt1"/>
-                </a:fontRef>
-              </p:style>
-              <p:txBody>
-                <a:bodyPr rtlCol="0" anchor="ctr"/>
-                <a:lstStyle/>
-                <a:p>
-                  <a:pPr algn="r"/>
-                  <a:r>
-                    <a:rPr lang="en-US" altLang="ko-KR" sz="400" dirty="0">
-                      <a:solidFill>
-                        <a:schemeClr val="tx1"/>
-                      </a:solidFill>
-                    </a:rPr>
-                    <a:t>96,000pt</a:t>
-                  </a:r>
-                  <a:endParaRPr lang="ko-KR" altLang="en-US" sz="400" dirty="0">
-                    <a:solidFill>
-                      <a:schemeClr val="tx1"/>
-                    </a:solidFill>
-                  </a:endParaRPr>
-                </a:p>
-              </p:txBody>
-            </p:sp>
-          </p:grpSp>
-          <p:grpSp>
-            <p:nvGrpSpPr>
-              <p:cNvPr id="63" name="그룹 62">
-                <a:extLst>
-                  <a:ext uri="{FF2B5EF4-FFF2-40B4-BE49-F238E27FC236}">
-                    <a16:creationId xmlns:a16="http://schemas.microsoft.com/office/drawing/2014/main" id="{DF9A7657-CAC5-79F5-4B84-57435A0A4608}"/>
-                  </a:ext>
-                </a:extLst>
-              </p:cNvPr>
-              <p:cNvGrpSpPr/>
-              <p:nvPr/>
-            </p:nvGrpSpPr>
-            <p:grpSpPr>
-              <a:xfrm>
-                <a:off x="9690652" y="1406633"/>
-                <a:ext cx="2047462" cy="360000"/>
-                <a:chOff x="9687339" y="685059"/>
-                <a:chExt cx="2047462" cy="360000"/>
-              </a:xfrm>
-            </p:grpSpPr>
-            <p:sp>
-              <p:nvSpPr>
-                <p:cNvPr id="64" name="직사각형 63">
-                  <a:extLst>
-                    <a:ext uri="{FF2B5EF4-FFF2-40B4-BE49-F238E27FC236}">
-                      <a16:creationId xmlns:a16="http://schemas.microsoft.com/office/drawing/2014/main" id="{EFEF64B6-1155-C749-823F-9B23C8198755}"/>
-                    </a:ext>
-                  </a:extLst>
-                </p:cNvPr>
-                <p:cNvSpPr/>
-                <p:nvPr/>
-              </p:nvSpPr>
-              <p:spPr>
-                <a:xfrm>
-                  <a:off x="9687339" y="685059"/>
-                  <a:ext cx="324678" cy="360000"/>
-                </a:xfrm>
-                <a:prstGeom prst="rect">
-                  <a:avLst/>
-                </a:prstGeom>
-                <a:solidFill>
-                  <a:schemeClr val="accent2">
-                    <a:lumMod val="60000"/>
-                    <a:lumOff val="40000"/>
-                  </a:schemeClr>
-                </a:solidFill>
-                <a:ln>
-                  <a:noFill/>
-                </a:ln>
-              </p:spPr>
-              <p:style>
-                <a:lnRef idx="2">
-                  <a:schemeClr val="accent1">
-                    <a:shade val="15000"/>
-                  </a:schemeClr>
-                </a:lnRef>
-                <a:fillRef idx="1">
-                  <a:schemeClr val="accent1"/>
-                </a:fillRef>
-                <a:effectRef idx="0">
-                  <a:schemeClr val="accent1"/>
-                </a:effectRef>
-                <a:fontRef idx="minor">
-                  <a:schemeClr val="lt1"/>
-                </a:fontRef>
-              </p:style>
-              <p:txBody>
-                <a:bodyPr rtlCol="0" anchor="ctr"/>
-                <a:lstStyle/>
-                <a:p>
-                  <a:pPr algn="ctr"/>
-                  <a:r>
-                    <a:rPr lang="en-US" altLang="ko-KR" sz="600" dirty="0">
-                      <a:solidFill>
-                        <a:schemeClr val="tx1"/>
-                      </a:solidFill>
-                    </a:rPr>
-                    <a:t>3</a:t>
-                  </a:r>
-                  <a:endParaRPr lang="ko-KR" altLang="en-US" sz="600" dirty="0">
-                    <a:solidFill>
-                      <a:schemeClr val="tx1"/>
-                    </a:solidFill>
-                  </a:endParaRPr>
-                </a:p>
-              </p:txBody>
-            </p:sp>
-            <p:sp>
-              <p:nvSpPr>
-                <p:cNvPr id="65" name="직사각형 64">
-                  <a:extLst>
-                    <a:ext uri="{FF2B5EF4-FFF2-40B4-BE49-F238E27FC236}">
-                      <a16:creationId xmlns:a16="http://schemas.microsoft.com/office/drawing/2014/main" id="{23E6234C-8F4F-9FDE-AED0-18E111425E83}"/>
-                    </a:ext>
-                  </a:extLst>
-                </p:cNvPr>
-                <p:cNvSpPr/>
-                <p:nvPr/>
-              </p:nvSpPr>
-              <p:spPr>
-                <a:xfrm>
-                  <a:off x="10012017" y="685059"/>
-                  <a:ext cx="556592" cy="360000"/>
-                </a:xfrm>
-                <a:prstGeom prst="rect">
-                  <a:avLst/>
-                </a:prstGeom>
-                <a:solidFill>
-                  <a:schemeClr val="bg1"/>
-                </a:solidFill>
-                <a:ln>
-                  <a:noFill/>
-                </a:ln>
-              </p:spPr>
-              <p:style>
-                <a:lnRef idx="2">
-                  <a:schemeClr val="accent1">
-                    <a:shade val="15000"/>
-                  </a:schemeClr>
-                </a:lnRef>
-                <a:fillRef idx="1">
-                  <a:schemeClr val="accent1"/>
-                </a:fillRef>
-                <a:effectRef idx="0">
-                  <a:schemeClr val="accent1"/>
-                </a:effectRef>
-                <a:fontRef idx="minor">
-                  <a:schemeClr val="lt1"/>
-                </a:fontRef>
-              </p:style>
-              <p:txBody>
-                <a:bodyPr rtlCol="0" anchor="ctr"/>
-                <a:lstStyle/>
-                <a:p>
-                  <a:r>
-                    <a:rPr lang="en-US" altLang="ko-KR" sz="400" dirty="0">
-                      <a:solidFill>
-                        <a:schemeClr val="tx1"/>
-                      </a:solidFill>
-                    </a:rPr>
-                    <a:t>P2</a:t>
-                  </a:r>
-                  <a:endParaRPr lang="ko-KR" altLang="en-US" sz="400" dirty="0">
-                    <a:solidFill>
-                      <a:schemeClr val="tx1"/>
-                    </a:solidFill>
-                  </a:endParaRPr>
-                </a:p>
-              </p:txBody>
-            </p:sp>
-            <p:sp>
-              <p:nvSpPr>
-                <p:cNvPr id="66" name="직사각형 65">
-                  <a:extLst>
-                    <a:ext uri="{FF2B5EF4-FFF2-40B4-BE49-F238E27FC236}">
-                      <a16:creationId xmlns:a16="http://schemas.microsoft.com/office/drawing/2014/main" id="{575C722D-14AC-4A8E-590D-3211EE982A1D}"/>
-                    </a:ext>
-                  </a:extLst>
-                </p:cNvPr>
-                <p:cNvSpPr/>
-                <p:nvPr/>
-              </p:nvSpPr>
-              <p:spPr>
-                <a:xfrm>
-                  <a:off x="10508972" y="685059"/>
-                  <a:ext cx="1225829" cy="360000"/>
-                </a:xfrm>
-                <a:prstGeom prst="rect">
-                  <a:avLst/>
-                </a:prstGeom>
-                <a:solidFill>
-                  <a:schemeClr val="bg1"/>
-                </a:solidFill>
-                <a:ln>
-                  <a:noFill/>
-                </a:ln>
-              </p:spPr>
-              <p:style>
-                <a:lnRef idx="2">
-                  <a:schemeClr val="accent1">
-                    <a:shade val="15000"/>
-                  </a:schemeClr>
-                </a:lnRef>
-                <a:fillRef idx="1">
-                  <a:schemeClr val="accent1"/>
-                </a:fillRef>
-                <a:effectRef idx="0">
-                  <a:schemeClr val="accent1"/>
-                </a:effectRef>
-                <a:fontRef idx="minor">
-                  <a:schemeClr val="lt1"/>
-                </a:fontRef>
-              </p:style>
-              <p:txBody>
-                <a:bodyPr rtlCol="0" anchor="ctr"/>
-                <a:lstStyle/>
-                <a:p>
-                  <a:pPr algn="r"/>
-                  <a:r>
-                    <a:rPr lang="en-US" altLang="ko-KR" sz="400" dirty="0">
-                      <a:solidFill>
-                        <a:schemeClr val="tx1"/>
-                      </a:solidFill>
-                    </a:rPr>
-                    <a:t>50,000pt</a:t>
-                  </a:r>
-                  <a:endParaRPr lang="ko-KR" altLang="en-US" sz="400" dirty="0">
-                    <a:solidFill>
-                      <a:schemeClr val="tx1"/>
-                    </a:solidFill>
-                  </a:endParaRPr>
-                </a:p>
-              </p:txBody>
-            </p:sp>
-          </p:grpSp>
-        </p:grpSp>
-        <p:sp>
-          <p:nvSpPr>
-            <p:cNvPr id="44" name="타원 43">
-              <a:extLst>
-                <a:ext uri="{FF2B5EF4-FFF2-40B4-BE49-F238E27FC236}">
-                  <a16:creationId xmlns:a16="http://schemas.microsoft.com/office/drawing/2014/main" id="{BFE0B77C-F884-C0CD-FA20-6AF789FEA9EB}"/>
-                </a:ext>
-              </a:extLst>
-            </p:cNvPr>
-            <p:cNvSpPr/>
-            <p:nvPr/>
-          </p:nvSpPr>
-          <p:spPr>
-            <a:xfrm>
-              <a:off x="2849441" y="3024426"/>
-              <a:ext cx="132318" cy="132318"/>
-            </a:xfrm>
-            <a:prstGeom prst="ellipse">
-              <a:avLst/>
-            </a:prstGeom>
-            <a:solidFill>
-              <a:schemeClr val="tx1">
-                <a:lumMod val="85000"/>
-                <a:lumOff val="15000"/>
-              </a:schemeClr>
-            </a:solidFill>
-          </p:spPr>
-          <p:style>
-            <a:lnRef idx="2">
-              <a:schemeClr val="accent1">
-                <a:shade val="15000"/>
-              </a:schemeClr>
-            </a:lnRef>
-            <a:fillRef idx="1">
-              <a:schemeClr val="accent1"/>
-            </a:fillRef>
-            <a:effectRef idx="0">
-              <a:schemeClr val="accent1"/>
-            </a:effectRef>
-            <a:fontRef idx="minor">
-              <a:schemeClr val="lt1"/>
-            </a:fontRef>
-          </p:style>
-          <p:txBody>
-            <a:bodyPr rtlCol="0" anchor="ctr"/>
-            <a:lstStyle/>
-            <a:p>
-              <a:pPr algn="ctr"/>
-              <a:endParaRPr lang="ko-KR" altLang="en-US" sz="1600"/>
-            </a:p>
-          </p:txBody>
-        </p:sp>
-        <p:sp>
-          <p:nvSpPr>
-            <p:cNvPr id="45" name="직사각형 44">
-              <a:extLst>
-                <a:ext uri="{FF2B5EF4-FFF2-40B4-BE49-F238E27FC236}">
-                  <a16:creationId xmlns:a16="http://schemas.microsoft.com/office/drawing/2014/main" id="{205E8197-4EC6-95FA-F9BD-57DA69E157CB}"/>
-                </a:ext>
-              </a:extLst>
-            </p:cNvPr>
-            <p:cNvSpPr/>
-            <p:nvPr/>
-          </p:nvSpPr>
-          <p:spPr>
-            <a:xfrm>
-              <a:off x="5118397" y="1550881"/>
-              <a:ext cx="1397514" cy="257419"/>
-            </a:xfrm>
-            <a:prstGeom prst="rect">
-              <a:avLst/>
-            </a:prstGeom>
-          </p:spPr>
-          <p:style>
-            <a:lnRef idx="2">
-              <a:schemeClr val="accent1">
-                <a:shade val="15000"/>
-              </a:schemeClr>
-            </a:lnRef>
-            <a:fillRef idx="1">
-              <a:schemeClr val="accent1"/>
-            </a:fillRef>
-            <a:effectRef idx="0">
-              <a:schemeClr val="accent1"/>
-            </a:effectRef>
-            <a:fontRef idx="minor">
-              <a:schemeClr val="lt1"/>
-            </a:fontRef>
-          </p:style>
-          <p:txBody>
-            <a:bodyPr rtlCol="0" anchor="ctr"/>
-            <a:lstStyle/>
-            <a:p>
-              <a:pPr algn="ctr"/>
-              <a:r>
-                <a:rPr lang="ko-KR" altLang="en-US" sz="1000" dirty="0"/>
-                <a:t>현재 점수 </a:t>
-              </a:r>
-              <a:r>
-                <a:rPr lang="en-US" altLang="ko-KR" sz="1000" dirty="0"/>
-                <a:t>:</a:t>
-              </a:r>
-              <a:r>
-                <a:rPr lang="ko-KR" altLang="en-US" sz="1000" dirty="0"/>
-                <a:t> </a:t>
-              </a:r>
-              <a:r>
-                <a:rPr lang="en-US" altLang="ko-KR" sz="1000" dirty="0"/>
-                <a:t>123,000</a:t>
-              </a:r>
-              <a:endParaRPr lang="ko-KR" altLang="en-US" sz="1000" dirty="0"/>
-            </a:p>
-          </p:txBody>
-        </p:sp>
-        <p:sp>
-          <p:nvSpPr>
-            <p:cNvPr id="46" name="직사각형 45">
-              <a:extLst>
-                <a:ext uri="{FF2B5EF4-FFF2-40B4-BE49-F238E27FC236}">
-                  <a16:creationId xmlns:a16="http://schemas.microsoft.com/office/drawing/2014/main" id="{D369B7E5-8A94-1C0A-64F7-A7F19B627578}"/>
-                </a:ext>
-              </a:extLst>
-            </p:cNvPr>
-            <p:cNvSpPr/>
-            <p:nvPr/>
-          </p:nvSpPr>
-          <p:spPr>
-            <a:xfrm>
-              <a:off x="3016050" y="1484965"/>
-              <a:ext cx="5638664" cy="3171749"/>
-            </a:xfrm>
-            <a:prstGeom prst="rect">
-              <a:avLst/>
-            </a:prstGeom>
-            <a:solidFill>
-              <a:schemeClr val="bg2">
-                <a:lumMod val="50000"/>
-                <a:alpha val="50000"/>
-              </a:schemeClr>
-            </a:solidFill>
-          </p:spPr>
-          <p:style>
-            <a:lnRef idx="2">
-              <a:schemeClr val="accent1">
-                <a:shade val="15000"/>
-              </a:schemeClr>
-            </a:lnRef>
-            <a:fillRef idx="1">
-              <a:schemeClr val="accent1"/>
-            </a:fillRef>
-            <a:effectRef idx="0">
-              <a:schemeClr val="accent1"/>
-            </a:effectRef>
-            <a:fontRef idx="minor">
-              <a:schemeClr val="lt1"/>
-            </a:fontRef>
-          </p:style>
-          <p:txBody>
-            <a:bodyPr rtlCol="0" anchor="ctr"/>
-            <a:lstStyle/>
-            <a:p>
-              <a:pPr algn="ctr"/>
-              <a:endParaRPr lang="ko-KR" altLang="en-US" sz="1600"/>
-            </a:p>
-          </p:txBody>
-        </p:sp>
-        <p:sp>
-          <p:nvSpPr>
-            <p:cNvPr id="47" name="직사각형 46">
-              <a:extLst>
-                <a:ext uri="{FF2B5EF4-FFF2-40B4-BE49-F238E27FC236}">
-                  <a16:creationId xmlns:a16="http://schemas.microsoft.com/office/drawing/2014/main" id="{4F75BC3C-5C50-0951-B7BB-58B7345126BA}"/>
-                </a:ext>
-              </a:extLst>
-            </p:cNvPr>
-            <p:cNvSpPr/>
-            <p:nvPr/>
-          </p:nvSpPr>
-          <p:spPr>
-            <a:xfrm>
-              <a:off x="5009026" y="2634874"/>
-              <a:ext cx="1618914" cy="919002"/>
-            </a:xfrm>
-            <a:prstGeom prst="rect">
-              <a:avLst/>
-            </a:prstGeom>
-            <a:ln>
-              <a:noFill/>
-            </a:ln>
-          </p:spPr>
-          <p:style>
-            <a:lnRef idx="2">
-              <a:schemeClr val="accent1">
-                <a:shade val="15000"/>
-              </a:schemeClr>
-            </a:lnRef>
-            <a:fillRef idx="1">
-              <a:schemeClr val="accent1"/>
-            </a:fillRef>
-            <a:effectRef idx="0">
-              <a:schemeClr val="accent1"/>
-            </a:effectRef>
-            <a:fontRef idx="minor">
-              <a:schemeClr val="lt1"/>
-            </a:fontRef>
-          </p:style>
-          <p:txBody>
-            <a:bodyPr rtlCol="0" anchor="t"/>
-            <a:lstStyle/>
-            <a:p>
-              <a:pPr algn="ctr"/>
-              <a:endParaRPr lang="en-US" altLang="ko-KR" sz="1100" dirty="0"/>
-            </a:p>
-            <a:p>
-              <a:pPr algn="ctr"/>
-              <a:r>
-                <a:rPr lang="ko-KR" altLang="en-US" sz="900" dirty="0"/>
-                <a:t>환경 설정</a:t>
-              </a:r>
-              <a:endParaRPr lang="en-US" altLang="ko-KR" sz="900" dirty="0"/>
-            </a:p>
-            <a:p>
-              <a:pPr algn="ctr"/>
-              <a:endParaRPr lang="en-US" altLang="ko-KR" sz="900" dirty="0"/>
-            </a:p>
-            <a:p>
-              <a:pPr algn="ctr"/>
-              <a:r>
-                <a:rPr lang="ko-KR" altLang="en-US" sz="900" dirty="0"/>
-                <a:t>게임으로 돌아가기</a:t>
-              </a:r>
-            </a:p>
-          </p:txBody>
-        </p:sp>
-        <p:grpSp>
-          <p:nvGrpSpPr>
-            <p:cNvPr id="48" name="그룹 47">
-              <a:extLst>
-                <a:ext uri="{FF2B5EF4-FFF2-40B4-BE49-F238E27FC236}">
-                  <a16:creationId xmlns:a16="http://schemas.microsoft.com/office/drawing/2014/main" id="{3B55B403-FF06-3177-3477-B5C1792D4249}"/>
-                </a:ext>
-              </a:extLst>
-            </p:cNvPr>
-            <p:cNvGrpSpPr/>
-            <p:nvPr/>
-          </p:nvGrpSpPr>
-          <p:grpSpPr>
-            <a:xfrm>
-              <a:off x="3253020" y="1550881"/>
-              <a:ext cx="5164726" cy="1083993"/>
-              <a:chOff x="3299791" y="1759879"/>
-              <a:chExt cx="5632174" cy="1182103"/>
-            </a:xfrm>
-          </p:grpSpPr>
-          <p:sp>
-            <p:nvSpPr>
-              <p:cNvPr id="49" name="사각형: 둥근 모서리 48">
-                <a:extLst>
-                  <a:ext uri="{FF2B5EF4-FFF2-40B4-BE49-F238E27FC236}">
-                    <a16:creationId xmlns:a16="http://schemas.microsoft.com/office/drawing/2014/main" id="{59580E80-A9D3-3A44-7794-8798C40E9932}"/>
-                  </a:ext>
-                </a:extLst>
-              </p:cNvPr>
-              <p:cNvSpPr/>
-              <p:nvPr/>
-            </p:nvSpPr>
-            <p:spPr>
-              <a:xfrm>
-                <a:off x="3299791" y="1759879"/>
-                <a:ext cx="5632174" cy="1182103"/>
-              </a:xfrm>
-              <a:prstGeom prst="roundRect">
-                <a:avLst/>
-              </a:prstGeom>
-              <a:solidFill>
-                <a:schemeClr val="bg1">
-                  <a:lumMod val="85000"/>
-                </a:schemeClr>
-              </a:solidFill>
-            </p:spPr>
-            <p:style>
-              <a:lnRef idx="2">
-                <a:schemeClr val="accent1">
-                  <a:shade val="15000"/>
-                </a:schemeClr>
-              </a:lnRef>
-              <a:fillRef idx="1">
-                <a:schemeClr val="accent1"/>
-              </a:fillRef>
-              <a:effectRef idx="0">
-                <a:schemeClr val="accent1"/>
-              </a:effectRef>
-              <a:fontRef idx="minor">
-                <a:schemeClr val="lt1"/>
-              </a:fontRef>
-            </p:style>
-            <p:txBody>
-              <a:bodyPr rtlCol="0" anchor="ctr"/>
-              <a:lstStyle/>
-              <a:p>
-                <a:pPr algn="ctr"/>
-                <a:endParaRPr lang="ko-KR" altLang="en-US" sz="1600"/>
-              </a:p>
-            </p:txBody>
-          </p:sp>
-          <p:sp>
-            <p:nvSpPr>
-              <p:cNvPr id="51" name="직사각형 50">
-                <a:extLst>
-                  <a:ext uri="{FF2B5EF4-FFF2-40B4-BE49-F238E27FC236}">
-                    <a16:creationId xmlns:a16="http://schemas.microsoft.com/office/drawing/2014/main" id="{BC634DC4-0897-CA61-4C64-C6FE16BA44E3}"/>
-                  </a:ext>
-                </a:extLst>
-              </p:cNvPr>
-              <p:cNvSpPr/>
-              <p:nvPr/>
-            </p:nvSpPr>
-            <p:spPr>
-              <a:xfrm>
-                <a:off x="3942522" y="1848148"/>
-                <a:ext cx="4750904" cy="981191"/>
-              </a:xfrm>
-              <a:prstGeom prst="rect">
-                <a:avLst/>
-              </a:prstGeom>
-              <a:solidFill>
-                <a:srgbClr val="D9D9D9"/>
-              </a:solidFill>
-              <a:ln>
-                <a:noFill/>
-              </a:ln>
-            </p:spPr>
-            <p:style>
-              <a:lnRef idx="2">
-                <a:schemeClr val="accent1">
-                  <a:shade val="15000"/>
-                </a:schemeClr>
-              </a:lnRef>
-              <a:fillRef idx="1">
-                <a:schemeClr val="accent1"/>
-              </a:fillRef>
-              <a:effectRef idx="0">
-                <a:schemeClr val="accent1"/>
-              </a:effectRef>
-              <a:fontRef idx="minor">
-                <a:schemeClr val="lt1"/>
-              </a:fontRef>
-            </p:style>
-            <p:txBody>
-              <a:bodyPr rtlCol="0" anchor="t"/>
-              <a:lstStyle/>
-              <a:p>
-                <a:pPr algn="ctr"/>
-                <a:r>
-                  <a:rPr lang="en-US" altLang="ko-KR" sz="1400" dirty="0">
-                    <a:solidFill>
-                      <a:schemeClr val="tx1"/>
-                    </a:solidFill>
-                  </a:rPr>
-                  <a:t>NPC</a:t>
-                </a:r>
-                <a:r>
-                  <a:rPr lang="ko-KR" altLang="en-US" sz="1400" dirty="0">
-                    <a:solidFill>
-                      <a:schemeClr val="tx1"/>
-                    </a:solidFill>
-                  </a:rPr>
-                  <a:t>이름</a:t>
-                </a:r>
-                <a:endParaRPr lang="en-US" altLang="ko-KR" sz="1400" dirty="0">
-                  <a:solidFill>
-                    <a:schemeClr val="tx1"/>
-                  </a:solidFill>
-                </a:endParaRPr>
-              </a:p>
-              <a:p>
-                <a:pPr algn="ctr"/>
-                <a:r>
-                  <a:rPr lang="en-US" altLang="ko-KR" sz="1400" dirty="0">
-                    <a:solidFill>
-                      <a:schemeClr val="tx1"/>
-                    </a:solidFill>
-                  </a:rPr>
-                  <a:t>010-xxxx-xxxx</a:t>
-                </a:r>
-                <a:endParaRPr lang="ko-KR" altLang="en-US" sz="1400" dirty="0">
-                  <a:solidFill>
-                    <a:schemeClr val="tx1"/>
-                  </a:solidFill>
-                </a:endParaRPr>
-              </a:p>
-            </p:txBody>
-          </p:sp>
-          <p:grpSp>
-            <p:nvGrpSpPr>
-              <p:cNvPr id="52" name="그룹 51">
-                <a:extLst>
-                  <a:ext uri="{FF2B5EF4-FFF2-40B4-BE49-F238E27FC236}">
-                    <a16:creationId xmlns:a16="http://schemas.microsoft.com/office/drawing/2014/main" id="{C39DAB4D-0F44-1306-1AD2-997B7176F68E}"/>
-                  </a:ext>
-                </a:extLst>
-              </p:cNvPr>
-              <p:cNvGrpSpPr/>
-              <p:nvPr/>
-            </p:nvGrpSpPr>
-            <p:grpSpPr>
-              <a:xfrm>
-                <a:off x="4094364" y="2631887"/>
-                <a:ext cx="4447221" cy="259070"/>
-                <a:chOff x="4055165" y="2631887"/>
-                <a:chExt cx="4447221" cy="259070"/>
-              </a:xfrm>
-            </p:grpSpPr>
-            <p:sp>
-              <p:nvSpPr>
-                <p:cNvPr id="53" name="직사각형 52">
-                  <a:extLst>
-                    <a:ext uri="{FF2B5EF4-FFF2-40B4-BE49-F238E27FC236}">
-                      <a16:creationId xmlns:a16="http://schemas.microsoft.com/office/drawing/2014/main" id="{9E7B676B-A978-2F66-FA1A-9B80B07DB7B9}"/>
-                    </a:ext>
-                  </a:extLst>
-                </p:cNvPr>
-                <p:cNvSpPr/>
-                <p:nvPr/>
-              </p:nvSpPr>
-              <p:spPr>
-                <a:xfrm>
-                  <a:off x="4055165" y="2631887"/>
-                  <a:ext cx="1524000" cy="259070"/>
-                </a:xfrm>
-                <a:prstGeom prst="rect">
-                  <a:avLst/>
-                </a:prstGeom>
-                <a:solidFill>
-                  <a:srgbClr val="00B050"/>
-                </a:solidFill>
-                <a:ln>
-                  <a:solidFill>
-                    <a:schemeClr val="tx1"/>
-                  </a:solidFill>
-                </a:ln>
-              </p:spPr>
-              <p:style>
-                <a:lnRef idx="2">
-                  <a:schemeClr val="accent1">
-                    <a:shade val="15000"/>
-                  </a:schemeClr>
-                </a:lnRef>
-                <a:fillRef idx="1">
-                  <a:schemeClr val="accent1"/>
-                </a:fillRef>
-                <a:effectRef idx="0">
-                  <a:schemeClr val="accent1"/>
-                </a:effectRef>
-                <a:fontRef idx="minor">
-                  <a:schemeClr val="lt1"/>
-                </a:fontRef>
-              </p:style>
-              <p:txBody>
-                <a:bodyPr rtlCol="0" anchor="ctr"/>
-                <a:lstStyle/>
-                <a:p>
-                  <a:pPr algn="ctr"/>
-                  <a:r>
-                    <a:rPr lang="ko-KR" altLang="en-US" sz="1100" dirty="0">
-                      <a:solidFill>
-                        <a:schemeClr val="tx1"/>
-                      </a:solidFill>
-                    </a:rPr>
-                    <a:t>전화 받기</a:t>
-                  </a:r>
-                </a:p>
-              </p:txBody>
-            </p:sp>
-            <p:sp>
-              <p:nvSpPr>
-                <p:cNvPr id="54" name="직사각형 53">
-                  <a:extLst>
-                    <a:ext uri="{FF2B5EF4-FFF2-40B4-BE49-F238E27FC236}">
-                      <a16:creationId xmlns:a16="http://schemas.microsoft.com/office/drawing/2014/main" id="{355FBC2E-1AE6-7B3A-AE61-CBF368634F4B}"/>
-                    </a:ext>
-                  </a:extLst>
-                </p:cNvPr>
-                <p:cNvSpPr/>
-                <p:nvPr/>
-              </p:nvSpPr>
-              <p:spPr>
-                <a:xfrm>
-                  <a:off x="6978386" y="2631887"/>
-                  <a:ext cx="1524000" cy="259070"/>
-                </a:xfrm>
-                <a:prstGeom prst="rect">
-                  <a:avLst/>
-                </a:prstGeom>
-                <a:solidFill>
-                  <a:srgbClr val="C00000"/>
-                </a:solidFill>
-                <a:ln>
-                  <a:solidFill>
-                    <a:schemeClr val="tx1"/>
-                  </a:solidFill>
-                </a:ln>
-              </p:spPr>
-              <p:style>
-                <a:lnRef idx="2">
-                  <a:schemeClr val="accent1">
-                    <a:shade val="15000"/>
-                  </a:schemeClr>
-                </a:lnRef>
-                <a:fillRef idx="1">
-                  <a:schemeClr val="accent1"/>
-                </a:fillRef>
-                <a:effectRef idx="0">
-                  <a:schemeClr val="accent1"/>
-                </a:effectRef>
-                <a:fontRef idx="minor">
-                  <a:schemeClr val="lt1"/>
-                </a:fontRef>
-              </p:style>
-              <p:txBody>
-                <a:bodyPr rtlCol="0" anchor="ctr"/>
-                <a:lstStyle/>
-                <a:p>
-                  <a:pPr algn="ctr"/>
-                  <a:r>
-                    <a:rPr lang="ko-KR" altLang="en-US" sz="1100" dirty="0">
-                      <a:solidFill>
-                        <a:schemeClr val="tx1"/>
-                      </a:solidFill>
-                    </a:rPr>
-                    <a:t>무시하기</a:t>
-                  </a:r>
-                </a:p>
-              </p:txBody>
-            </p:sp>
-          </p:grpSp>
-        </p:grpSp>
-        <p:pic>
-          <p:nvPicPr>
-            <p:cNvPr id="74" name="그래픽 73" descr="수신기 단색으로 채워진">
-              <a:extLst>
-                <a:ext uri="{FF2B5EF4-FFF2-40B4-BE49-F238E27FC236}">
-                  <a16:creationId xmlns:a16="http://schemas.microsoft.com/office/drawing/2014/main" id="{FE19F88E-5D01-B798-A38A-1E32C96CCB58}"/>
-                </a:ext>
-              </a:extLst>
-            </p:cNvPr>
-            <p:cNvPicPr>
-              <a:picLocks noChangeAspect="1"/>
-            </p:cNvPicPr>
-            <p:nvPr/>
-          </p:nvPicPr>
-          <p:blipFill>
-            <a:blip r:embed="rId2">
-              <a:extLst>
-                <a:ext uri="{96DAC541-7B7A-43D3-8B79-37D633B846F1}">
-                  <asvg:svgBlip xmlns:asvg="http://schemas.microsoft.com/office/drawing/2016/SVG/main" r:embed="rId3"/>
-                </a:ext>
-              </a:extLst>
-            </a:blip>
-            <a:stretch>
-              <a:fillRect/>
-            </a:stretch>
-          </p:blipFill>
-          <p:spPr>
-            <a:xfrm>
-              <a:off x="4691960" y="1622630"/>
-              <a:ext cx="533089" cy="533089"/>
-            </a:xfrm>
-            <a:prstGeom prst="rect">
-              <a:avLst/>
-            </a:prstGeom>
-          </p:spPr>
-        </p:pic>
-        <p:sp>
-          <p:nvSpPr>
-            <p:cNvPr id="76" name="직사각형 75">
-              <a:extLst>
-                <a:ext uri="{FF2B5EF4-FFF2-40B4-BE49-F238E27FC236}">
-                  <a16:creationId xmlns:a16="http://schemas.microsoft.com/office/drawing/2014/main" id="{1C16A411-7D67-0ADE-8C82-5304FFA77B38}"/>
-                </a:ext>
-              </a:extLst>
-            </p:cNvPr>
-            <p:cNvSpPr/>
-            <p:nvPr/>
-          </p:nvSpPr>
-          <p:spPr>
-            <a:xfrm>
-              <a:off x="6529163" y="2263362"/>
-              <a:ext cx="1647360" cy="394850"/>
-            </a:xfrm>
-            <a:prstGeom prst="rect">
-              <a:avLst/>
-            </a:prstGeom>
-            <a:noFill/>
-            <a:ln w="38100">
-              <a:solidFill>
-                <a:srgbClr val="FF0000"/>
-              </a:solidFill>
-            </a:ln>
-          </p:spPr>
-          <p:style>
-            <a:lnRef idx="2">
-              <a:schemeClr val="accent1">
-                <a:shade val="15000"/>
-              </a:schemeClr>
-            </a:lnRef>
-            <a:fillRef idx="1">
-              <a:schemeClr val="accent1"/>
-            </a:fillRef>
-            <a:effectRef idx="0">
-              <a:schemeClr val="accent1"/>
-            </a:effectRef>
-            <a:fontRef idx="minor">
-              <a:schemeClr val="lt1"/>
-            </a:fontRef>
-          </p:style>
-          <p:txBody>
-            <a:bodyPr rtlCol="0" anchor="ctr"/>
-            <a:lstStyle/>
-            <a:p>
-              <a:pPr algn="ctr"/>
-              <a:endParaRPr lang="ko-KR" altLang="en-US" sz="1600"/>
-            </a:p>
-          </p:txBody>
-        </p:sp>
-      </p:grpSp>
-      <p:grpSp>
-        <p:nvGrpSpPr>
-          <p:cNvPr id="108" name="그룹 107">
-            <a:extLst>
-              <a:ext uri="{FF2B5EF4-FFF2-40B4-BE49-F238E27FC236}">
-                <a16:creationId xmlns:a16="http://schemas.microsoft.com/office/drawing/2014/main" id="{592A23AB-97B0-3205-5280-F57F47D6F5E9}"/>
-              </a:ext>
-            </a:extLst>
-          </p:cNvPr>
-          <p:cNvGrpSpPr/>
-          <p:nvPr/>
-        </p:nvGrpSpPr>
-        <p:grpSpPr>
-          <a:xfrm>
-            <a:off x="5497183" y="2321330"/>
-            <a:ext cx="1310784" cy="1489704"/>
-            <a:chOff x="5630041" y="2472523"/>
-            <a:chExt cx="1310784" cy="1489704"/>
-          </a:xfrm>
-        </p:grpSpPr>
-        <p:sp>
-          <p:nvSpPr>
-            <p:cNvPr id="3" name="화살표: 오른쪽 2">
-              <a:extLst>
-                <a:ext uri="{FF2B5EF4-FFF2-40B4-BE49-F238E27FC236}">
-                  <a16:creationId xmlns:a16="http://schemas.microsoft.com/office/drawing/2014/main" id="{F29C989B-DC69-D5F3-101C-E4483C2C30F3}"/>
-                </a:ext>
-              </a:extLst>
-            </p:cNvPr>
-            <p:cNvSpPr/>
-            <p:nvPr/>
-          </p:nvSpPr>
-          <p:spPr>
-            <a:xfrm>
-              <a:off x="5630041" y="2472523"/>
-              <a:ext cx="1310784" cy="996159"/>
-            </a:xfrm>
-            <a:prstGeom prst="rightArrow">
-              <a:avLst/>
-            </a:prstGeom>
-            <a:solidFill>
-              <a:schemeClr val="tx1"/>
-            </a:solidFill>
-            <a:ln>
-              <a:noFill/>
-            </a:ln>
-          </p:spPr>
-          <p:style>
-            <a:lnRef idx="2">
-              <a:schemeClr val="accent1">
-                <a:shade val="15000"/>
-              </a:schemeClr>
-            </a:lnRef>
-            <a:fillRef idx="1">
-              <a:schemeClr val="accent1"/>
-            </a:fillRef>
-            <a:effectRef idx="0">
-              <a:schemeClr val="accent1"/>
-            </a:effectRef>
-            <a:fontRef idx="minor">
-              <a:schemeClr val="lt1"/>
-            </a:fontRef>
-          </p:style>
-          <p:txBody>
-            <a:bodyPr rtlCol="0" anchor="ctr"/>
-            <a:lstStyle/>
-            <a:p>
-              <a:pPr algn="ctr"/>
-              <a:endParaRPr lang="ko-KR" altLang="en-US"/>
-            </a:p>
-          </p:txBody>
-        </p:sp>
-        <p:sp>
-          <p:nvSpPr>
-            <p:cNvPr id="4" name="TextBox 3">
-              <a:extLst>
-                <a:ext uri="{FF2B5EF4-FFF2-40B4-BE49-F238E27FC236}">
-                  <a16:creationId xmlns:a16="http://schemas.microsoft.com/office/drawing/2014/main" id="{76E1F669-1E74-033F-56BB-1E2365E50123}"/>
-                </a:ext>
-              </a:extLst>
-            </p:cNvPr>
-            <p:cNvSpPr txBox="1"/>
-            <p:nvPr/>
-          </p:nvSpPr>
-          <p:spPr>
-            <a:xfrm>
-              <a:off x="5805975" y="3592895"/>
-              <a:ext cx="958917" cy="369332"/>
-            </a:xfrm>
-            <a:prstGeom prst="rect">
-              <a:avLst/>
-            </a:prstGeom>
-            <a:noFill/>
-          </p:spPr>
-          <p:txBody>
-            <a:bodyPr wrap="none" rtlCol="0">
-              <a:spAutoFit/>
-            </a:bodyPr>
-            <a:lstStyle/>
-            <a:p>
-              <a:pPr algn="ctr"/>
-              <a:r>
-                <a:rPr lang="ko-KR" altLang="en-US" dirty="0"/>
-                <a:t>해결 후</a:t>
-              </a:r>
-            </a:p>
-          </p:txBody>
-        </p:sp>
-      </p:grpSp>
-      <p:grpSp>
-        <p:nvGrpSpPr>
-          <p:cNvPr id="73" name="그룹 72">
-            <a:extLst>
-              <a:ext uri="{FF2B5EF4-FFF2-40B4-BE49-F238E27FC236}">
-                <a16:creationId xmlns:a16="http://schemas.microsoft.com/office/drawing/2014/main" id="{EB90EE67-D514-5DB1-DC2A-4A1C0B26F443}"/>
-              </a:ext>
-            </a:extLst>
-          </p:cNvPr>
-          <p:cNvGrpSpPr/>
-          <p:nvPr/>
-        </p:nvGrpSpPr>
-        <p:grpSpPr>
-          <a:xfrm>
-            <a:off x="7053974" y="1636982"/>
-            <a:ext cx="4968000" cy="2858400"/>
-            <a:chOff x="2816087" y="1557130"/>
-            <a:chExt cx="6546574" cy="3763618"/>
-          </a:xfrm>
-        </p:grpSpPr>
-        <p:sp>
-          <p:nvSpPr>
-            <p:cNvPr id="77" name="사각형: 둥근 모서리 76">
-              <a:extLst>
-                <a:ext uri="{FF2B5EF4-FFF2-40B4-BE49-F238E27FC236}">
-                  <a16:creationId xmlns:a16="http://schemas.microsoft.com/office/drawing/2014/main" id="{096BD494-E0ED-FBEF-D8F1-396D9E3DF14D}"/>
-                </a:ext>
-              </a:extLst>
-            </p:cNvPr>
-            <p:cNvSpPr/>
-            <p:nvPr/>
-          </p:nvSpPr>
-          <p:spPr>
-            <a:xfrm>
-              <a:off x="2816087" y="1557130"/>
-              <a:ext cx="6546574" cy="3763618"/>
-            </a:xfrm>
-            <a:prstGeom prst="roundRect">
-              <a:avLst>
-                <a:gd name="adj" fmla="val 2928"/>
-              </a:avLst>
-            </a:prstGeom>
-            <a:solidFill>
-              <a:schemeClr val="bg2">
-                <a:lumMod val="75000"/>
-              </a:schemeClr>
-            </a:solidFill>
-          </p:spPr>
-          <p:style>
-            <a:lnRef idx="2">
-              <a:schemeClr val="accent1">
-                <a:shade val="15000"/>
-              </a:schemeClr>
-            </a:lnRef>
-            <a:fillRef idx="1">
-              <a:schemeClr val="accent1"/>
-            </a:fillRef>
-            <a:effectRef idx="0">
-              <a:schemeClr val="accent1"/>
-            </a:effectRef>
-            <a:fontRef idx="minor">
-              <a:schemeClr val="lt1"/>
-            </a:fontRef>
-          </p:style>
-          <p:txBody>
-            <a:bodyPr rtlCol="0" anchor="ctr"/>
-            <a:lstStyle/>
-            <a:p>
-              <a:pPr algn="ctr"/>
-              <a:endParaRPr lang="ko-KR" altLang="en-US" sz="1100"/>
-            </a:p>
-          </p:txBody>
-        </p:sp>
-        <p:grpSp>
-          <p:nvGrpSpPr>
-            <p:cNvPr id="78" name="그룹 77">
-              <a:extLst>
-                <a:ext uri="{FF2B5EF4-FFF2-40B4-BE49-F238E27FC236}">
-                  <a16:creationId xmlns:a16="http://schemas.microsoft.com/office/drawing/2014/main" id="{5F2BBAFC-09DE-E7F1-5435-63589453B0DF}"/>
-                </a:ext>
-              </a:extLst>
-            </p:cNvPr>
-            <p:cNvGrpSpPr/>
-            <p:nvPr/>
-          </p:nvGrpSpPr>
-          <p:grpSpPr>
-            <a:xfrm>
-              <a:off x="3041374" y="1692965"/>
-              <a:ext cx="6149008" cy="3458817"/>
-              <a:chOff x="371062" y="208722"/>
-              <a:chExt cx="11449877" cy="6440556"/>
-            </a:xfrm>
-          </p:grpSpPr>
-          <p:sp>
-            <p:nvSpPr>
-              <p:cNvPr id="90" name="직사각형 89">
-                <a:extLst>
-                  <a:ext uri="{FF2B5EF4-FFF2-40B4-BE49-F238E27FC236}">
-                    <a16:creationId xmlns:a16="http://schemas.microsoft.com/office/drawing/2014/main" id="{B1AEE92C-4317-C193-3F5F-BB077DB6B3E3}"/>
-                  </a:ext>
-                </a:extLst>
-              </p:cNvPr>
-              <p:cNvSpPr>
-                <a:spLocks noChangeAspect="1"/>
-              </p:cNvSpPr>
-              <p:nvPr/>
-            </p:nvSpPr>
-            <p:spPr>
-              <a:xfrm>
-                <a:off x="371062" y="208722"/>
-                <a:ext cx="11449877" cy="6440556"/>
-              </a:xfrm>
-              <a:prstGeom prst="rect">
-                <a:avLst/>
-              </a:prstGeom>
-              <a:solidFill>
-                <a:schemeClr val="bg1"/>
-              </a:solidFill>
-              <a:ln>
-                <a:solidFill>
-                  <a:schemeClr val="tx1"/>
-                </a:solidFill>
-              </a:ln>
-            </p:spPr>
-            <p:style>
-              <a:lnRef idx="2">
-                <a:schemeClr val="accent1">
-                  <a:shade val="15000"/>
-                </a:schemeClr>
-              </a:lnRef>
-              <a:fillRef idx="1">
-                <a:schemeClr val="accent1"/>
-              </a:fillRef>
-              <a:effectRef idx="0">
-                <a:schemeClr val="accent1"/>
-              </a:effectRef>
-              <a:fontRef idx="minor">
-                <a:schemeClr val="lt1"/>
-              </a:fontRef>
-            </p:style>
-            <p:txBody>
-              <a:bodyPr rtlCol="0" anchor="ctr"/>
-              <a:lstStyle/>
-              <a:p>
-                <a:pPr algn="ctr"/>
-                <a:endParaRPr lang="ko-KR" altLang="en-US" sz="300"/>
-              </a:p>
-            </p:txBody>
-          </p:sp>
-          <p:sp>
-            <p:nvSpPr>
-              <p:cNvPr id="91" name="직사각형 90">
-                <a:extLst>
-                  <a:ext uri="{FF2B5EF4-FFF2-40B4-BE49-F238E27FC236}">
-                    <a16:creationId xmlns:a16="http://schemas.microsoft.com/office/drawing/2014/main" id="{7435AE5B-A731-1C17-5479-C3B483A81B00}"/>
-                  </a:ext>
-                </a:extLst>
-              </p:cNvPr>
-              <p:cNvSpPr/>
-              <p:nvPr/>
-            </p:nvSpPr>
-            <p:spPr>
-              <a:xfrm>
-                <a:off x="371062" y="5493026"/>
-                <a:ext cx="11449876" cy="1156252"/>
-              </a:xfrm>
-              <a:prstGeom prst="rect">
-                <a:avLst/>
-              </a:prstGeom>
-              <a:solidFill>
-                <a:schemeClr val="tx1">
-                  <a:lumMod val="65000"/>
-                  <a:lumOff val="35000"/>
-                </a:schemeClr>
-              </a:solidFill>
-              <a:ln>
-                <a:solidFill>
-                  <a:schemeClr val="tx1"/>
-                </a:solidFill>
-              </a:ln>
-            </p:spPr>
-            <p:style>
-              <a:lnRef idx="2">
-                <a:schemeClr val="accent1">
-                  <a:shade val="15000"/>
-                </a:schemeClr>
-              </a:lnRef>
-              <a:fillRef idx="1">
-                <a:schemeClr val="accent1"/>
-              </a:fillRef>
-              <a:effectRef idx="0">
-                <a:schemeClr val="accent1"/>
-              </a:effectRef>
-              <a:fontRef idx="minor">
-                <a:schemeClr val="lt1"/>
-              </a:fontRef>
-            </p:style>
-            <p:txBody>
-              <a:bodyPr rtlCol="0" anchor="ctr"/>
-              <a:lstStyle/>
-              <a:p>
-                <a:pPr algn="ctr"/>
-                <a:endParaRPr lang="ko-KR" altLang="en-US" sz="300"/>
-              </a:p>
-            </p:txBody>
-          </p:sp>
-          <p:sp>
-            <p:nvSpPr>
-              <p:cNvPr id="92" name="사각형: 둥근 모서리 91">
-                <a:extLst>
-                  <a:ext uri="{FF2B5EF4-FFF2-40B4-BE49-F238E27FC236}">
-                    <a16:creationId xmlns:a16="http://schemas.microsoft.com/office/drawing/2014/main" id="{F47ADC73-9AC1-7C76-FD31-3CA5C551DF42}"/>
-                  </a:ext>
-                </a:extLst>
-              </p:cNvPr>
-              <p:cNvSpPr/>
-              <p:nvPr/>
-            </p:nvSpPr>
-            <p:spPr>
-              <a:xfrm>
-                <a:off x="578115" y="4210904"/>
-                <a:ext cx="722243" cy="1282122"/>
-              </a:xfrm>
-              <a:prstGeom prst="roundRect">
-                <a:avLst/>
-              </a:prstGeom>
-              <a:ln>
-                <a:noFill/>
-              </a:ln>
-            </p:spPr>
-            <p:style>
-              <a:lnRef idx="2">
-                <a:schemeClr val="accent1">
-                  <a:shade val="15000"/>
-                </a:schemeClr>
-              </a:lnRef>
-              <a:fillRef idx="1">
-                <a:schemeClr val="accent1"/>
-              </a:fillRef>
-              <a:effectRef idx="0">
-                <a:schemeClr val="accent1"/>
-              </a:effectRef>
-              <a:fontRef idx="minor">
-                <a:schemeClr val="lt1"/>
-              </a:fontRef>
-            </p:style>
-            <p:txBody>
-              <a:bodyPr rtlCol="0" anchor="ctr"/>
-              <a:lstStyle/>
-              <a:p>
-                <a:pPr algn="ctr"/>
-                <a:endParaRPr lang="ko-KR" altLang="en-US" sz="300"/>
-              </a:p>
-            </p:txBody>
-          </p:sp>
-          <p:sp>
-            <p:nvSpPr>
-              <p:cNvPr id="93" name="직사각형 92">
-                <a:extLst>
-                  <a:ext uri="{FF2B5EF4-FFF2-40B4-BE49-F238E27FC236}">
-                    <a16:creationId xmlns:a16="http://schemas.microsoft.com/office/drawing/2014/main" id="{FD7A836C-D873-41B3-565B-DE6B97EB939C}"/>
-                  </a:ext>
-                </a:extLst>
-              </p:cNvPr>
-              <p:cNvSpPr/>
-              <p:nvPr/>
-            </p:nvSpPr>
-            <p:spPr>
-              <a:xfrm>
-                <a:off x="4923703" y="4953026"/>
-                <a:ext cx="540000" cy="540000"/>
-              </a:xfrm>
-              <a:prstGeom prst="rect">
-                <a:avLst/>
-              </a:prstGeom>
-              <a:solidFill>
-                <a:schemeClr val="accent2">
-                  <a:lumMod val="75000"/>
-                </a:schemeClr>
-              </a:solidFill>
-              <a:ln>
-                <a:noFill/>
-              </a:ln>
-            </p:spPr>
-            <p:style>
-              <a:lnRef idx="2">
-                <a:schemeClr val="accent1">
-                  <a:shade val="15000"/>
-                </a:schemeClr>
-              </a:lnRef>
-              <a:fillRef idx="1">
-                <a:schemeClr val="accent1"/>
-              </a:fillRef>
-              <a:effectRef idx="0">
-                <a:schemeClr val="accent1"/>
-              </a:effectRef>
-              <a:fontRef idx="minor">
-                <a:schemeClr val="lt1"/>
-              </a:fontRef>
-            </p:style>
-            <p:txBody>
-              <a:bodyPr rtlCol="0" anchor="ctr"/>
-              <a:lstStyle/>
-              <a:p>
-                <a:pPr algn="ctr"/>
-                <a:endParaRPr lang="ko-KR" altLang="en-US" sz="300"/>
-              </a:p>
-            </p:txBody>
-          </p:sp>
-          <p:sp>
-            <p:nvSpPr>
-              <p:cNvPr id="94" name="직사각형 93">
-                <a:extLst>
-                  <a:ext uri="{FF2B5EF4-FFF2-40B4-BE49-F238E27FC236}">
-                    <a16:creationId xmlns:a16="http://schemas.microsoft.com/office/drawing/2014/main" id="{C974C712-FC52-4382-A69A-8E0FA57A01E5}"/>
-                  </a:ext>
-                </a:extLst>
-              </p:cNvPr>
-              <p:cNvSpPr/>
-              <p:nvPr/>
-            </p:nvSpPr>
-            <p:spPr>
-              <a:xfrm>
-                <a:off x="8186557" y="3860605"/>
-                <a:ext cx="540000" cy="540000"/>
-              </a:xfrm>
-              <a:prstGeom prst="rect">
-                <a:avLst/>
-              </a:prstGeom>
-              <a:solidFill>
-                <a:schemeClr val="accent2">
-                  <a:lumMod val="75000"/>
-                </a:schemeClr>
-              </a:solidFill>
-              <a:ln>
-                <a:noFill/>
-              </a:ln>
-            </p:spPr>
-            <p:style>
-              <a:lnRef idx="2">
-                <a:schemeClr val="accent1">
-                  <a:shade val="15000"/>
-                </a:schemeClr>
-              </a:lnRef>
-              <a:fillRef idx="1">
-                <a:schemeClr val="accent1"/>
-              </a:fillRef>
-              <a:effectRef idx="0">
-                <a:schemeClr val="accent1"/>
-              </a:effectRef>
-              <a:fontRef idx="minor">
-                <a:schemeClr val="lt1"/>
-              </a:fontRef>
-            </p:style>
-            <p:txBody>
-              <a:bodyPr rtlCol="0" anchor="ctr"/>
-              <a:lstStyle/>
-              <a:p>
-                <a:pPr algn="ctr"/>
-                <a:endParaRPr lang="ko-KR" altLang="en-US" sz="300"/>
-              </a:p>
-            </p:txBody>
-          </p:sp>
-          <p:sp>
-            <p:nvSpPr>
-              <p:cNvPr id="95" name="TextBox 94">
-                <a:extLst>
-                  <a:ext uri="{FF2B5EF4-FFF2-40B4-BE49-F238E27FC236}">
-                    <a16:creationId xmlns:a16="http://schemas.microsoft.com/office/drawing/2014/main" id="{669A1BCE-E776-8C4C-9A16-DE5E785D3BBA}"/>
-                  </a:ext>
-                </a:extLst>
-              </p:cNvPr>
-              <p:cNvSpPr txBox="1"/>
-              <p:nvPr/>
-            </p:nvSpPr>
-            <p:spPr>
-              <a:xfrm>
-                <a:off x="9932503" y="311426"/>
-                <a:ext cx="1563758" cy="339567"/>
-              </a:xfrm>
-              <a:prstGeom prst="rect">
-                <a:avLst/>
-              </a:prstGeom>
-              <a:noFill/>
-            </p:spPr>
-            <p:txBody>
-              <a:bodyPr wrap="square" rtlCol="0">
-                <a:spAutoFit/>
-              </a:bodyPr>
-              <a:lstStyle/>
-              <a:p>
-                <a:pPr algn="ctr"/>
-                <a:r>
-                  <a:rPr lang="en-US" altLang="ko-KR" sz="300" b="1" dirty="0"/>
-                  <a:t>&lt;</a:t>
-                </a:r>
-                <a:r>
-                  <a:rPr lang="ko-KR" altLang="en-US" sz="300" b="1" dirty="0"/>
-                  <a:t>현재 순위</a:t>
-                </a:r>
-                <a:r>
-                  <a:rPr lang="en-US" altLang="ko-KR" sz="300" b="1" dirty="0"/>
-                  <a:t>&gt;</a:t>
-                </a:r>
-                <a:endParaRPr lang="ko-KR" altLang="en-US" sz="300" b="1" dirty="0"/>
-              </a:p>
-            </p:txBody>
-          </p:sp>
-          <p:grpSp>
-            <p:nvGrpSpPr>
-              <p:cNvPr id="96" name="그룹 95">
-                <a:extLst>
-                  <a:ext uri="{FF2B5EF4-FFF2-40B4-BE49-F238E27FC236}">
-                    <a16:creationId xmlns:a16="http://schemas.microsoft.com/office/drawing/2014/main" id="{C18F09B2-3E7A-0B83-C037-279FF281A057}"/>
-                  </a:ext>
-                </a:extLst>
-              </p:cNvPr>
-              <p:cNvGrpSpPr/>
-              <p:nvPr/>
-            </p:nvGrpSpPr>
-            <p:grpSpPr>
-              <a:xfrm>
-                <a:off x="9690652" y="682717"/>
-                <a:ext cx="2047462" cy="360000"/>
-                <a:chOff x="9687339" y="685059"/>
-                <a:chExt cx="2047462" cy="360000"/>
-              </a:xfrm>
-            </p:grpSpPr>
-            <p:sp>
-              <p:nvSpPr>
-                <p:cNvPr id="105" name="직사각형 104">
-                  <a:extLst>
-                    <a:ext uri="{FF2B5EF4-FFF2-40B4-BE49-F238E27FC236}">
-                      <a16:creationId xmlns:a16="http://schemas.microsoft.com/office/drawing/2014/main" id="{1DA224F2-F7F1-26C1-58EA-00A376613293}"/>
-                    </a:ext>
-                  </a:extLst>
-                </p:cNvPr>
-                <p:cNvSpPr/>
-                <p:nvPr/>
-              </p:nvSpPr>
-              <p:spPr>
-                <a:xfrm>
-                  <a:off x="9687339" y="685059"/>
-                  <a:ext cx="324678" cy="360000"/>
-                </a:xfrm>
-                <a:prstGeom prst="rect">
-                  <a:avLst/>
-                </a:prstGeom>
-                <a:solidFill>
-                  <a:srgbClr val="FFFF00"/>
-                </a:solidFill>
-                <a:ln>
-                  <a:noFill/>
-                </a:ln>
-              </p:spPr>
-              <p:style>
-                <a:lnRef idx="2">
-                  <a:schemeClr val="accent1">
-                    <a:shade val="15000"/>
-                  </a:schemeClr>
-                </a:lnRef>
-                <a:fillRef idx="1">
-                  <a:schemeClr val="accent1"/>
-                </a:fillRef>
-                <a:effectRef idx="0">
-                  <a:schemeClr val="accent1"/>
-                </a:effectRef>
-                <a:fontRef idx="minor">
-                  <a:schemeClr val="lt1"/>
-                </a:fontRef>
-              </p:style>
-              <p:txBody>
-                <a:bodyPr rtlCol="0" anchor="ctr"/>
-                <a:lstStyle/>
-                <a:p>
-                  <a:pPr algn="ctr"/>
-                  <a:r>
-                    <a:rPr lang="en-US" altLang="ko-KR" sz="300" dirty="0">
-                      <a:solidFill>
-                        <a:schemeClr val="tx1"/>
-                      </a:solidFill>
-                    </a:rPr>
-                    <a:t>1</a:t>
-                  </a:r>
-                  <a:endParaRPr lang="ko-KR" altLang="en-US" sz="300" dirty="0">
-                    <a:solidFill>
-                      <a:schemeClr val="tx1"/>
-                    </a:solidFill>
-                  </a:endParaRPr>
-                </a:p>
-              </p:txBody>
-            </p:sp>
-            <p:sp>
-              <p:nvSpPr>
-                <p:cNvPr id="106" name="직사각형 105">
-                  <a:extLst>
-                    <a:ext uri="{FF2B5EF4-FFF2-40B4-BE49-F238E27FC236}">
-                      <a16:creationId xmlns:a16="http://schemas.microsoft.com/office/drawing/2014/main" id="{CD6580B0-03C7-226F-B4DE-34C8BCD5556B}"/>
-                    </a:ext>
-                  </a:extLst>
-                </p:cNvPr>
-                <p:cNvSpPr/>
-                <p:nvPr/>
-              </p:nvSpPr>
-              <p:spPr>
-                <a:xfrm>
-                  <a:off x="10012017" y="685059"/>
-                  <a:ext cx="556592" cy="360000"/>
-                </a:xfrm>
-                <a:prstGeom prst="rect">
-                  <a:avLst/>
-                </a:prstGeom>
-                <a:solidFill>
-                  <a:schemeClr val="bg2">
-                    <a:lumMod val="75000"/>
-                  </a:schemeClr>
-                </a:solidFill>
-                <a:ln>
-                  <a:noFill/>
-                </a:ln>
-              </p:spPr>
-              <p:style>
-                <a:lnRef idx="2">
-                  <a:schemeClr val="accent1">
-                    <a:shade val="15000"/>
-                  </a:schemeClr>
-                </a:lnRef>
-                <a:fillRef idx="1">
-                  <a:schemeClr val="accent1"/>
-                </a:fillRef>
-                <a:effectRef idx="0">
-                  <a:schemeClr val="accent1"/>
-                </a:effectRef>
-                <a:fontRef idx="minor">
-                  <a:schemeClr val="lt1"/>
-                </a:fontRef>
-              </p:style>
-              <p:txBody>
-                <a:bodyPr rtlCol="0" anchor="ctr"/>
-                <a:lstStyle/>
-                <a:p>
-                  <a:r>
-                    <a:rPr lang="en-US" altLang="ko-KR" sz="200" dirty="0">
-                      <a:solidFill>
-                        <a:schemeClr val="tx1"/>
-                      </a:solidFill>
-                    </a:rPr>
-                    <a:t>You</a:t>
-                  </a:r>
-                  <a:endParaRPr lang="ko-KR" altLang="en-US" sz="200" dirty="0">
-                    <a:solidFill>
-                      <a:schemeClr val="tx1"/>
-                    </a:solidFill>
-                  </a:endParaRPr>
-                </a:p>
-              </p:txBody>
-            </p:sp>
-            <p:sp>
-              <p:nvSpPr>
-                <p:cNvPr id="107" name="직사각형 106">
-                  <a:extLst>
-                    <a:ext uri="{FF2B5EF4-FFF2-40B4-BE49-F238E27FC236}">
-                      <a16:creationId xmlns:a16="http://schemas.microsoft.com/office/drawing/2014/main" id="{258D07B3-EB12-0A81-4835-69BC0348F811}"/>
-                    </a:ext>
-                  </a:extLst>
-                </p:cNvPr>
-                <p:cNvSpPr/>
-                <p:nvPr/>
-              </p:nvSpPr>
-              <p:spPr>
-                <a:xfrm>
-                  <a:off x="10508972" y="685059"/>
-                  <a:ext cx="1225829" cy="360000"/>
-                </a:xfrm>
-                <a:prstGeom prst="rect">
-                  <a:avLst/>
-                </a:prstGeom>
-                <a:solidFill>
-                  <a:schemeClr val="bg2">
-                    <a:lumMod val="75000"/>
-                  </a:schemeClr>
-                </a:solidFill>
-                <a:ln>
-                  <a:noFill/>
-                </a:ln>
-              </p:spPr>
-              <p:style>
-                <a:lnRef idx="2">
-                  <a:schemeClr val="accent1">
-                    <a:shade val="15000"/>
-                  </a:schemeClr>
-                </a:lnRef>
-                <a:fillRef idx="1">
-                  <a:schemeClr val="accent1"/>
-                </a:fillRef>
-                <a:effectRef idx="0">
-                  <a:schemeClr val="accent1"/>
-                </a:effectRef>
-                <a:fontRef idx="minor">
-                  <a:schemeClr val="lt1"/>
-                </a:fontRef>
-              </p:style>
-              <p:txBody>
-                <a:bodyPr rtlCol="0" anchor="ctr"/>
-                <a:lstStyle/>
-                <a:p>
-                  <a:pPr algn="r"/>
-                  <a:r>
-                    <a:rPr lang="en-US" altLang="ko-KR" sz="200" dirty="0">
-                      <a:solidFill>
-                        <a:schemeClr val="tx1"/>
-                      </a:solidFill>
-                    </a:rPr>
-                    <a:t>123,000pt</a:t>
-                  </a:r>
-                  <a:endParaRPr lang="ko-KR" altLang="en-US" sz="200" dirty="0">
-                    <a:solidFill>
-                      <a:schemeClr val="tx1"/>
-                    </a:solidFill>
-                  </a:endParaRPr>
-                </a:p>
-              </p:txBody>
-            </p:sp>
-          </p:grpSp>
-          <p:grpSp>
-            <p:nvGrpSpPr>
-              <p:cNvPr id="97" name="그룹 96">
-                <a:extLst>
-                  <a:ext uri="{FF2B5EF4-FFF2-40B4-BE49-F238E27FC236}">
-                    <a16:creationId xmlns:a16="http://schemas.microsoft.com/office/drawing/2014/main" id="{3131EA6F-C899-3F65-335A-C261E55CBC03}"/>
-                  </a:ext>
-                </a:extLst>
-              </p:cNvPr>
-              <p:cNvGrpSpPr/>
-              <p:nvPr/>
-            </p:nvGrpSpPr>
-            <p:grpSpPr>
-              <a:xfrm>
-                <a:off x="9690652" y="1044675"/>
-                <a:ext cx="2047462" cy="360000"/>
-                <a:chOff x="9687339" y="685059"/>
-                <a:chExt cx="2047462" cy="360000"/>
-              </a:xfrm>
-            </p:grpSpPr>
-            <p:sp>
-              <p:nvSpPr>
-                <p:cNvPr id="102" name="직사각형 101">
-                  <a:extLst>
-                    <a:ext uri="{FF2B5EF4-FFF2-40B4-BE49-F238E27FC236}">
-                      <a16:creationId xmlns:a16="http://schemas.microsoft.com/office/drawing/2014/main" id="{F5775C7B-A5EF-0CE9-0EF8-3BEF464F965B}"/>
-                    </a:ext>
-                  </a:extLst>
-                </p:cNvPr>
-                <p:cNvSpPr/>
-                <p:nvPr/>
-              </p:nvSpPr>
-              <p:spPr>
-                <a:xfrm>
-                  <a:off x="9687339" y="685059"/>
-                  <a:ext cx="324678" cy="360000"/>
-                </a:xfrm>
-                <a:prstGeom prst="rect">
-                  <a:avLst/>
-                </a:prstGeom>
-                <a:solidFill>
-                  <a:schemeClr val="bg1">
-                    <a:lumMod val="85000"/>
-                  </a:schemeClr>
-                </a:solidFill>
-                <a:ln>
-                  <a:noFill/>
-                </a:ln>
-              </p:spPr>
-              <p:style>
-                <a:lnRef idx="2">
-                  <a:schemeClr val="accent1">
-                    <a:shade val="15000"/>
-                  </a:schemeClr>
-                </a:lnRef>
-                <a:fillRef idx="1">
-                  <a:schemeClr val="accent1"/>
-                </a:fillRef>
-                <a:effectRef idx="0">
-                  <a:schemeClr val="accent1"/>
-                </a:effectRef>
-                <a:fontRef idx="minor">
-                  <a:schemeClr val="lt1"/>
-                </a:fontRef>
-              </p:style>
-              <p:txBody>
-                <a:bodyPr rtlCol="0" anchor="ctr"/>
-                <a:lstStyle/>
-                <a:p>
-                  <a:pPr algn="ctr"/>
-                  <a:r>
-                    <a:rPr lang="en-US" altLang="ko-KR" sz="300" dirty="0">
-                      <a:solidFill>
-                        <a:schemeClr val="tx1"/>
-                      </a:solidFill>
-                    </a:rPr>
-                    <a:t>2</a:t>
-                  </a:r>
-                  <a:endParaRPr lang="ko-KR" altLang="en-US" sz="300" dirty="0">
-                    <a:solidFill>
-                      <a:schemeClr val="tx1"/>
-                    </a:solidFill>
-                  </a:endParaRPr>
-                </a:p>
-              </p:txBody>
-            </p:sp>
-            <p:sp>
-              <p:nvSpPr>
-                <p:cNvPr id="103" name="직사각형 102">
-                  <a:extLst>
-                    <a:ext uri="{FF2B5EF4-FFF2-40B4-BE49-F238E27FC236}">
-                      <a16:creationId xmlns:a16="http://schemas.microsoft.com/office/drawing/2014/main" id="{9F67234C-70DD-17B7-75E6-5C2FF0AA62A6}"/>
-                    </a:ext>
-                  </a:extLst>
-                </p:cNvPr>
-                <p:cNvSpPr/>
-                <p:nvPr/>
-              </p:nvSpPr>
-              <p:spPr>
-                <a:xfrm>
-                  <a:off x="10012017" y="685059"/>
-                  <a:ext cx="556592" cy="360000"/>
-                </a:xfrm>
-                <a:prstGeom prst="rect">
-                  <a:avLst/>
-                </a:prstGeom>
-                <a:solidFill>
-                  <a:schemeClr val="bg1"/>
-                </a:solidFill>
-                <a:ln>
-                  <a:noFill/>
-                </a:ln>
-              </p:spPr>
-              <p:style>
-                <a:lnRef idx="2">
-                  <a:schemeClr val="accent1">
-                    <a:shade val="15000"/>
-                  </a:schemeClr>
-                </a:lnRef>
-                <a:fillRef idx="1">
-                  <a:schemeClr val="accent1"/>
-                </a:fillRef>
-                <a:effectRef idx="0">
-                  <a:schemeClr val="accent1"/>
-                </a:effectRef>
-                <a:fontRef idx="minor">
-                  <a:schemeClr val="lt1"/>
-                </a:fontRef>
-              </p:style>
-              <p:txBody>
-                <a:bodyPr rtlCol="0" anchor="ctr"/>
-                <a:lstStyle/>
-                <a:p>
-                  <a:r>
-                    <a:rPr lang="en-US" altLang="ko-KR" sz="200" dirty="0">
-                      <a:solidFill>
-                        <a:schemeClr val="tx1"/>
-                      </a:solidFill>
-                    </a:rPr>
-                    <a:t>P1</a:t>
-                  </a:r>
-                  <a:endParaRPr lang="ko-KR" altLang="en-US" sz="200" dirty="0">
-                    <a:solidFill>
-                      <a:schemeClr val="tx1"/>
-                    </a:solidFill>
-                  </a:endParaRPr>
-                </a:p>
-              </p:txBody>
-            </p:sp>
-            <p:sp>
-              <p:nvSpPr>
-                <p:cNvPr id="104" name="직사각형 103">
-                  <a:extLst>
-                    <a:ext uri="{FF2B5EF4-FFF2-40B4-BE49-F238E27FC236}">
-                      <a16:creationId xmlns:a16="http://schemas.microsoft.com/office/drawing/2014/main" id="{14161747-64B7-E146-C567-D801067A0DEB}"/>
-                    </a:ext>
-                  </a:extLst>
-                </p:cNvPr>
-                <p:cNvSpPr/>
-                <p:nvPr/>
-              </p:nvSpPr>
-              <p:spPr>
-                <a:xfrm>
-                  <a:off x="10508972" y="685059"/>
-                  <a:ext cx="1225829" cy="360000"/>
-                </a:xfrm>
-                <a:prstGeom prst="rect">
-                  <a:avLst/>
-                </a:prstGeom>
-                <a:solidFill>
-                  <a:schemeClr val="bg1"/>
-                </a:solidFill>
-                <a:ln>
-                  <a:noFill/>
-                </a:ln>
-              </p:spPr>
-              <p:style>
-                <a:lnRef idx="2">
-                  <a:schemeClr val="accent1">
-                    <a:shade val="15000"/>
-                  </a:schemeClr>
-                </a:lnRef>
-                <a:fillRef idx="1">
-                  <a:schemeClr val="accent1"/>
-                </a:fillRef>
-                <a:effectRef idx="0">
-                  <a:schemeClr val="accent1"/>
-                </a:effectRef>
-                <a:fontRef idx="minor">
-                  <a:schemeClr val="lt1"/>
-                </a:fontRef>
-              </p:style>
-              <p:txBody>
-                <a:bodyPr rtlCol="0" anchor="ctr"/>
-                <a:lstStyle/>
-                <a:p>
-                  <a:pPr algn="r"/>
-                  <a:r>
-                    <a:rPr lang="en-US" altLang="ko-KR" sz="200" dirty="0">
-                      <a:solidFill>
-                        <a:schemeClr val="tx1"/>
-                      </a:solidFill>
-                    </a:rPr>
-                    <a:t>96,000pt</a:t>
-                  </a:r>
-                  <a:endParaRPr lang="ko-KR" altLang="en-US" sz="200" dirty="0">
-                    <a:solidFill>
-                      <a:schemeClr val="tx1"/>
-                    </a:solidFill>
-                  </a:endParaRPr>
-                </a:p>
-              </p:txBody>
-            </p:sp>
-          </p:grpSp>
-          <p:grpSp>
-            <p:nvGrpSpPr>
-              <p:cNvPr id="98" name="그룹 97">
-                <a:extLst>
-                  <a:ext uri="{FF2B5EF4-FFF2-40B4-BE49-F238E27FC236}">
-                    <a16:creationId xmlns:a16="http://schemas.microsoft.com/office/drawing/2014/main" id="{6E91E0E7-0DC9-FEC6-6C6B-02025F3669B2}"/>
-                  </a:ext>
-                </a:extLst>
-              </p:cNvPr>
-              <p:cNvGrpSpPr/>
-              <p:nvPr/>
-            </p:nvGrpSpPr>
-            <p:grpSpPr>
-              <a:xfrm>
-                <a:off x="9690652" y="1406633"/>
-                <a:ext cx="2047462" cy="360000"/>
-                <a:chOff x="9687339" y="685059"/>
-                <a:chExt cx="2047462" cy="360000"/>
-              </a:xfrm>
-            </p:grpSpPr>
-            <p:sp>
-              <p:nvSpPr>
-                <p:cNvPr id="99" name="직사각형 98">
-                  <a:extLst>
-                    <a:ext uri="{FF2B5EF4-FFF2-40B4-BE49-F238E27FC236}">
-                      <a16:creationId xmlns:a16="http://schemas.microsoft.com/office/drawing/2014/main" id="{6F1934A5-0D3D-A47F-8B95-AD153723E58A}"/>
-                    </a:ext>
-                  </a:extLst>
-                </p:cNvPr>
-                <p:cNvSpPr/>
-                <p:nvPr/>
-              </p:nvSpPr>
-              <p:spPr>
-                <a:xfrm>
-                  <a:off x="9687339" y="685059"/>
-                  <a:ext cx="324678" cy="360000"/>
-                </a:xfrm>
-                <a:prstGeom prst="rect">
-                  <a:avLst/>
-                </a:prstGeom>
-                <a:solidFill>
-                  <a:schemeClr val="accent2">
-                    <a:lumMod val="60000"/>
-                    <a:lumOff val="40000"/>
-                  </a:schemeClr>
-                </a:solidFill>
-                <a:ln>
-                  <a:noFill/>
-                </a:ln>
-              </p:spPr>
-              <p:style>
-                <a:lnRef idx="2">
-                  <a:schemeClr val="accent1">
-                    <a:shade val="15000"/>
-                  </a:schemeClr>
-                </a:lnRef>
-                <a:fillRef idx="1">
-                  <a:schemeClr val="accent1"/>
-                </a:fillRef>
-                <a:effectRef idx="0">
-                  <a:schemeClr val="accent1"/>
-                </a:effectRef>
-                <a:fontRef idx="minor">
-                  <a:schemeClr val="lt1"/>
-                </a:fontRef>
-              </p:style>
-              <p:txBody>
-                <a:bodyPr rtlCol="0" anchor="ctr"/>
-                <a:lstStyle/>
-                <a:p>
-                  <a:pPr algn="ctr"/>
-                  <a:r>
-                    <a:rPr lang="en-US" altLang="ko-KR" sz="300" dirty="0">
-                      <a:solidFill>
-                        <a:schemeClr val="tx1"/>
-                      </a:solidFill>
-                    </a:rPr>
-                    <a:t>3</a:t>
-                  </a:r>
-                  <a:endParaRPr lang="ko-KR" altLang="en-US" sz="300" dirty="0">
-                    <a:solidFill>
-                      <a:schemeClr val="tx1"/>
-                    </a:solidFill>
-                  </a:endParaRPr>
-                </a:p>
-              </p:txBody>
-            </p:sp>
-            <p:sp>
-              <p:nvSpPr>
-                <p:cNvPr id="100" name="직사각형 99">
-                  <a:extLst>
-                    <a:ext uri="{FF2B5EF4-FFF2-40B4-BE49-F238E27FC236}">
-                      <a16:creationId xmlns:a16="http://schemas.microsoft.com/office/drawing/2014/main" id="{E8F3BCFE-4E99-B0B0-B912-8602C69EDE41}"/>
-                    </a:ext>
-                  </a:extLst>
-                </p:cNvPr>
-                <p:cNvSpPr/>
-                <p:nvPr/>
-              </p:nvSpPr>
-              <p:spPr>
-                <a:xfrm>
-                  <a:off x="10012017" y="685059"/>
-                  <a:ext cx="556592" cy="360000"/>
-                </a:xfrm>
-                <a:prstGeom prst="rect">
-                  <a:avLst/>
-                </a:prstGeom>
-                <a:solidFill>
-                  <a:schemeClr val="bg1"/>
-                </a:solidFill>
-                <a:ln>
-                  <a:noFill/>
-                </a:ln>
-              </p:spPr>
-              <p:style>
-                <a:lnRef idx="2">
-                  <a:schemeClr val="accent1">
-                    <a:shade val="15000"/>
-                  </a:schemeClr>
-                </a:lnRef>
-                <a:fillRef idx="1">
-                  <a:schemeClr val="accent1"/>
-                </a:fillRef>
-                <a:effectRef idx="0">
-                  <a:schemeClr val="accent1"/>
-                </a:effectRef>
-                <a:fontRef idx="minor">
-                  <a:schemeClr val="lt1"/>
-                </a:fontRef>
-              </p:style>
-              <p:txBody>
-                <a:bodyPr rtlCol="0" anchor="ctr"/>
-                <a:lstStyle/>
-                <a:p>
-                  <a:r>
-                    <a:rPr lang="en-US" altLang="ko-KR" sz="200" dirty="0">
-                      <a:solidFill>
-                        <a:schemeClr val="tx1"/>
-                      </a:solidFill>
-                    </a:rPr>
-                    <a:t>P2</a:t>
-                  </a:r>
-                  <a:endParaRPr lang="ko-KR" altLang="en-US" sz="200" dirty="0">
-                    <a:solidFill>
-                      <a:schemeClr val="tx1"/>
-                    </a:solidFill>
-                  </a:endParaRPr>
-                </a:p>
-              </p:txBody>
-            </p:sp>
-            <p:sp>
-              <p:nvSpPr>
-                <p:cNvPr id="101" name="직사각형 100">
-                  <a:extLst>
-                    <a:ext uri="{FF2B5EF4-FFF2-40B4-BE49-F238E27FC236}">
-                      <a16:creationId xmlns:a16="http://schemas.microsoft.com/office/drawing/2014/main" id="{E95B8518-E14D-ADD8-3317-4AF9EF939CB4}"/>
-                    </a:ext>
-                  </a:extLst>
-                </p:cNvPr>
-                <p:cNvSpPr/>
-                <p:nvPr/>
-              </p:nvSpPr>
-              <p:spPr>
-                <a:xfrm>
-                  <a:off x="10508972" y="685059"/>
-                  <a:ext cx="1225829" cy="360000"/>
-                </a:xfrm>
-                <a:prstGeom prst="rect">
-                  <a:avLst/>
-                </a:prstGeom>
-                <a:solidFill>
-                  <a:schemeClr val="bg1"/>
-                </a:solidFill>
-                <a:ln>
-                  <a:noFill/>
-                </a:ln>
-              </p:spPr>
-              <p:style>
-                <a:lnRef idx="2">
-                  <a:schemeClr val="accent1">
-                    <a:shade val="15000"/>
-                  </a:schemeClr>
-                </a:lnRef>
-                <a:fillRef idx="1">
-                  <a:schemeClr val="accent1"/>
-                </a:fillRef>
-                <a:effectRef idx="0">
-                  <a:schemeClr val="accent1"/>
-                </a:effectRef>
-                <a:fontRef idx="minor">
-                  <a:schemeClr val="lt1"/>
-                </a:fontRef>
-              </p:style>
-              <p:txBody>
-                <a:bodyPr rtlCol="0" anchor="ctr"/>
-                <a:lstStyle/>
-                <a:p>
-                  <a:pPr algn="r"/>
-                  <a:r>
-                    <a:rPr lang="en-US" altLang="ko-KR" sz="200" dirty="0">
-                      <a:solidFill>
-                        <a:schemeClr val="tx1"/>
-                      </a:solidFill>
-                    </a:rPr>
-                    <a:t>50,000pt</a:t>
-                  </a:r>
-                  <a:endParaRPr lang="ko-KR" altLang="en-US" sz="200" dirty="0">
-                    <a:solidFill>
-                      <a:schemeClr val="tx1"/>
-                    </a:solidFill>
-                  </a:endParaRPr>
-                </a:p>
-              </p:txBody>
-            </p:sp>
-          </p:grpSp>
-        </p:grpSp>
-        <p:sp>
-          <p:nvSpPr>
-            <p:cNvPr id="79" name="타원 78">
-              <a:extLst>
-                <a:ext uri="{FF2B5EF4-FFF2-40B4-BE49-F238E27FC236}">
-                  <a16:creationId xmlns:a16="http://schemas.microsoft.com/office/drawing/2014/main" id="{35577746-33D7-4B21-A031-F4550C5CC7E2}"/>
-                </a:ext>
-              </a:extLst>
-            </p:cNvPr>
-            <p:cNvSpPr/>
-            <p:nvPr/>
-          </p:nvSpPr>
-          <p:spPr>
-            <a:xfrm>
-              <a:off x="2859686" y="3366792"/>
-              <a:ext cx="144294" cy="144294"/>
-            </a:xfrm>
-            <a:prstGeom prst="ellipse">
-              <a:avLst/>
-            </a:prstGeom>
-            <a:solidFill>
-              <a:schemeClr val="tx1">
-                <a:lumMod val="85000"/>
-                <a:lumOff val="15000"/>
-              </a:schemeClr>
-            </a:solidFill>
-          </p:spPr>
-          <p:style>
-            <a:lnRef idx="2">
-              <a:schemeClr val="accent1">
-                <a:shade val="15000"/>
-              </a:schemeClr>
-            </a:lnRef>
-            <a:fillRef idx="1">
-              <a:schemeClr val="accent1"/>
-            </a:fillRef>
-            <a:effectRef idx="0">
-              <a:schemeClr val="accent1"/>
-            </a:effectRef>
-            <a:fontRef idx="minor">
-              <a:schemeClr val="lt1"/>
-            </a:fontRef>
-          </p:style>
-          <p:txBody>
-            <a:bodyPr rtlCol="0" anchor="ctr"/>
-            <a:lstStyle/>
-            <a:p>
-              <a:pPr algn="ctr"/>
-              <a:endParaRPr lang="ko-KR" altLang="en-US" sz="1100"/>
-            </a:p>
-          </p:txBody>
-        </p:sp>
-        <p:sp>
-          <p:nvSpPr>
-            <p:cNvPr id="80" name="직사각형 79">
-              <a:extLst>
-                <a:ext uri="{FF2B5EF4-FFF2-40B4-BE49-F238E27FC236}">
-                  <a16:creationId xmlns:a16="http://schemas.microsoft.com/office/drawing/2014/main" id="{F904265C-3E3F-F5D4-C7C3-E7A24A45251E}"/>
-                </a:ext>
-              </a:extLst>
-            </p:cNvPr>
-            <p:cNvSpPr/>
-            <p:nvPr/>
-          </p:nvSpPr>
-          <p:spPr>
-            <a:xfrm>
-              <a:off x="5334000" y="1759879"/>
-              <a:ext cx="1524000" cy="280717"/>
-            </a:xfrm>
-            <a:prstGeom prst="rect">
-              <a:avLst/>
-            </a:prstGeom>
-          </p:spPr>
-          <p:style>
-            <a:lnRef idx="2">
-              <a:schemeClr val="accent1">
-                <a:shade val="15000"/>
-              </a:schemeClr>
-            </a:lnRef>
-            <a:fillRef idx="1">
-              <a:schemeClr val="accent1"/>
-            </a:fillRef>
-            <a:effectRef idx="0">
-              <a:schemeClr val="accent1"/>
-            </a:effectRef>
-            <a:fontRef idx="minor">
-              <a:schemeClr val="lt1"/>
-            </a:fontRef>
-          </p:style>
-          <p:txBody>
-            <a:bodyPr rtlCol="0" anchor="ctr"/>
-            <a:lstStyle/>
-            <a:p>
-              <a:pPr algn="ctr"/>
-              <a:r>
-                <a:rPr lang="ko-KR" altLang="en-US" sz="700" dirty="0"/>
-                <a:t>현재 점수 </a:t>
-              </a:r>
-              <a:r>
-                <a:rPr lang="en-US" altLang="ko-KR" sz="700" dirty="0"/>
-                <a:t>:</a:t>
-              </a:r>
-              <a:r>
-                <a:rPr lang="ko-KR" altLang="en-US" sz="700" dirty="0"/>
-                <a:t> </a:t>
-              </a:r>
-              <a:r>
-                <a:rPr lang="en-US" altLang="ko-KR" sz="700" dirty="0"/>
-                <a:t>123,000</a:t>
-              </a:r>
-              <a:endParaRPr lang="ko-KR" altLang="en-US" sz="700" dirty="0"/>
-            </a:p>
-          </p:txBody>
-        </p:sp>
-        <p:sp>
-          <p:nvSpPr>
-            <p:cNvPr id="81" name="직사각형 80">
-              <a:extLst>
-                <a:ext uri="{FF2B5EF4-FFF2-40B4-BE49-F238E27FC236}">
-                  <a16:creationId xmlns:a16="http://schemas.microsoft.com/office/drawing/2014/main" id="{0FC8F891-890C-6C28-EF78-0928357A043F}"/>
-                </a:ext>
-              </a:extLst>
-            </p:cNvPr>
-            <p:cNvSpPr/>
-            <p:nvPr/>
-          </p:nvSpPr>
-          <p:spPr>
-            <a:xfrm>
-              <a:off x="3041374" y="1687997"/>
-              <a:ext cx="6149007" cy="3458817"/>
-            </a:xfrm>
-            <a:prstGeom prst="rect">
-              <a:avLst/>
-            </a:prstGeom>
-            <a:solidFill>
-              <a:schemeClr val="bg2">
-                <a:lumMod val="50000"/>
-                <a:alpha val="50000"/>
-              </a:schemeClr>
-            </a:solidFill>
-          </p:spPr>
-          <p:style>
-            <a:lnRef idx="2">
-              <a:schemeClr val="accent1">
-                <a:shade val="15000"/>
-              </a:schemeClr>
-            </a:lnRef>
-            <a:fillRef idx="1">
-              <a:schemeClr val="accent1"/>
-            </a:fillRef>
-            <a:effectRef idx="0">
-              <a:schemeClr val="accent1"/>
-            </a:effectRef>
-            <a:fontRef idx="minor">
-              <a:schemeClr val="lt1"/>
-            </a:fontRef>
-          </p:style>
-          <p:txBody>
-            <a:bodyPr rtlCol="0" anchor="ctr"/>
-            <a:lstStyle/>
-            <a:p>
-              <a:pPr algn="ctr"/>
-              <a:endParaRPr lang="ko-KR" altLang="en-US" sz="1100"/>
-            </a:p>
-          </p:txBody>
-        </p:sp>
-        <p:sp>
-          <p:nvSpPr>
-            <p:cNvPr id="82" name="직사각형 81">
-              <a:extLst>
-                <a:ext uri="{FF2B5EF4-FFF2-40B4-BE49-F238E27FC236}">
-                  <a16:creationId xmlns:a16="http://schemas.microsoft.com/office/drawing/2014/main" id="{AEAD7EBD-2F82-F78A-7950-F6A15F4B0359}"/>
-                </a:ext>
-              </a:extLst>
-            </p:cNvPr>
-            <p:cNvSpPr/>
-            <p:nvPr/>
-          </p:nvSpPr>
-          <p:spPr>
-            <a:xfrm>
-              <a:off x="5214730" y="2941982"/>
-              <a:ext cx="1765438" cy="1002179"/>
-            </a:xfrm>
-            <a:prstGeom prst="rect">
-              <a:avLst/>
-            </a:prstGeom>
-            <a:ln>
-              <a:noFill/>
-            </a:ln>
-          </p:spPr>
-          <p:style>
-            <a:lnRef idx="2">
-              <a:schemeClr val="accent1">
-                <a:shade val="15000"/>
-              </a:schemeClr>
-            </a:lnRef>
-            <a:fillRef idx="1">
-              <a:schemeClr val="accent1"/>
-            </a:fillRef>
-            <a:effectRef idx="0">
-              <a:schemeClr val="accent1"/>
-            </a:effectRef>
-            <a:fontRef idx="minor">
-              <a:schemeClr val="lt1"/>
-            </a:fontRef>
-          </p:style>
-          <p:txBody>
-            <a:bodyPr rtlCol="0" anchor="t"/>
-            <a:lstStyle/>
-            <a:p>
-              <a:pPr algn="ctr"/>
-              <a:endParaRPr lang="en-US" altLang="ko-KR" sz="900" dirty="0"/>
-            </a:p>
-            <a:p>
-              <a:pPr algn="ctr"/>
-              <a:r>
-                <a:rPr lang="ko-KR" altLang="en-US" sz="900" dirty="0"/>
-                <a:t>환경 설정</a:t>
-              </a:r>
-              <a:endParaRPr lang="en-US" altLang="ko-KR" sz="900" dirty="0"/>
-            </a:p>
-            <a:p>
-              <a:pPr algn="ctr"/>
-              <a:endParaRPr lang="en-US" altLang="ko-KR" sz="900" dirty="0"/>
-            </a:p>
-            <a:p>
-              <a:pPr algn="ctr"/>
-              <a:r>
-                <a:rPr lang="ko-KR" altLang="en-US" sz="900" dirty="0"/>
-                <a:t>게임으로 돌아가기</a:t>
-              </a:r>
-            </a:p>
-          </p:txBody>
-        </p:sp>
-      </p:grpSp>
-      <p:sp>
-        <p:nvSpPr>
-          <p:cNvPr id="6" name="사각형: 둥근 모서리 5">
-            <a:extLst>
-              <a:ext uri="{FF2B5EF4-FFF2-40B4-BE49-F238E27FC236}">
-                <a16:creationId xmlns:a16="http://schemas.microsoft.com/office/drawing/2014/main" id="{B152E2A3-AE13-6C30-9F35-52F72E09EF16}"/>
+                <a16:creationId xmlns:a16="http://schemas.microsoft.com/office/drawing/2014/main" id="{3856D54D-14D0-02F5-2613-8E517BD990DF}"/>
               </a:ext>
             </a:extLst>
           </p:cNvPr>
@@ -16461,13 +14134,11 @@
         </p:nvSpPr>
         <p:spPr>
           <a:xfrm>
-            <a:off x="8874232" y="2289628"/>
-            <a:ext cx="1339739" cy="393025"/>
+            <a:off x="10352505" y="4002051"/>
+            <a:ext cx="1478170" cy="180000"/>
           </a:xfrm>
-          <a:prstGeom prst="roundRect">
-            <a:avLst>
-              <a:gd name="adj" fmla="val 50000"/>
-            </a:avLst>
+          <a:prstGeom prst="rect">
+            <a:avLst/>
           </a:prstGeom>
         </p:spPr>
         <p:style>
@@ -16491,9 +14162,117 @@
           <a:lstStyle/>
           <a:p>
             <a:pPr algn="ctr"/>
-            <a:r>
-              <a:rPr lang="ko-KR" altLang="en-US" sz="1600" b="1"/>
-              <a:t>일시 정지</a:t>
+            <a:endParaRPr lang="ko-KR" altLang="en-US" sz="1000"/>
+          </a:p>
+        </p:txBody>
+      </p:sp>
+      <p:sp>
+        <p:nvSpPr>
+          <p:cNvPr id="20" name="TextBox 19">
+            <a:extLst>
+              <a:ext uri="{FF2B5EF4-FFF2-40B4-BE49-F238E27FC236}">
+                <a16:creationId xmlns:a16="http://schemas.microsoft.com/office/drawing/2014/main" id="{67554530-2248-52B1-2845-542EAB3A94FC}"/>
+              </a:ext>
+            </a:extLst>
+          </p:cNvPr>
+          <p:cNvSpPr txBox="1"/>
+          <p:nvPr/>
+        </p:nvSpPr>
+        <p:spPr>
+          <a:xfrm>
+            <a:off x="8765557" y="3968941"/>
+            <a:ext cx="1473480" cy="246221"/>
+          </a:xfrm>
+          <a:prstGeom prst="rect">
+            <a:avLst/>
+          </a:prstGeom>
+          <a:noFill/>
+        </p:spPr>
+        <p:txBody>
+          <a:bodyPr wrap="none" rtlCol="0">
+            <a:spAutoFit/>
+          </a:bodyPr>
+          <a:lstStyle/>
+          <a:p>
+            <a:r>
+              <a:rPr lang="ko-KR" altLang="en-US" sz="1000" dirty="0"/>
+              <a:t>이벤트 진행 사항 표기</a:t>
+            </a:r>
+          </a:p>
+        </p:txBody>
+      </p:sp>
+      <p:cxnSp>
+        <p:nvCxnSpPr>
+          <p:cNvPr id="25" name="직선 화살표 연결선 24">
+            <a:extLst>
+              <a:ext uri="{FF2B5EF4-FFF2-40B4-BE49-F238E27FC236}">
+                <a16:creationId xmlns:a16="http://schemas.microsoft.com/office/drawing/2014/main" id="{9BC12F29-3268-6422-6D92-82677560C396}"/>
+              </a:ext>
+            </a:extLst>
+          </p:cNvPr>
+          <p:cNvCxnSpPr>
+            <a:cxnSpLocks/>
+          </p:cNvCxnSpPr>
+          <p:nvPr/>
+        </p:nvCxnSpPr>
+        <p:spPr>
+          <a:xfrm>
+            <a:off x="10352505" y="4426204"/>
+            <a:ext cx="1288774" cy="0"/>
+          </a:xfrm>
+          <a:prstGeom prst="straightConnector1">
+            <a:avLst/>
+          </a:prstGeom>
+          <a:ln>
+            <a:tailEnd type="triangle"/>
+          </a:ln>
+        </p:spPr>
+        <p:style>
+          <a:lnRef idx="2">
+            <a:schemeClr val="accent1"/>
+          </a:lnRef>
+          <a:fillRef idx="0">
+            <a:schemeClr val="accent1"/>
+          </a:fillRef>
+          <a:effectRef idx="1">
+            <a:schemeClr val="accent1"/>
+          </a:effectRef>
+          <a:fontRef idx="minor">
+            <a:schemeClr val="tx1"/>
+          </a:fontRef>
+        </p:style>
+      </p:cxnSp>
+      <p:sp>
+        <p:nvSpPr>
+          <p:cNvPr id="26" name="TextBox 25">
+            <a:extLst>
+              <a:ext uri="{FF2B5EF4-FFF2-40B4-BE49-F238E27FC236}">
+                <a16:creationId xmlns:a16="http://schemas.microsoft.com/office/drawing/2014/main" id="{7D72F04A-580C-08C3-C2FC-E4D41B865448}"/>
+              </a:ext>
+            </a:extLst>
+          </p:cNvPr>
+          <p:cNvSpPr txBox="1"/>
+          <p:nvPr/>
+        </p:nvSpPr>
+        <p:spPr>
+          <a:xfrm>
+            <a:off x="8765557" y="4303094"/>
+            <a:ext cx="1300356" cy="246221"/>
+          </a:xfrm>
+          <a:prstGeom prst="rect">
+            <a:avLst/>
+          </a:prstGeom>
+          <a:noFill/>
+        </p:spPr>
+        <p:txBody>
+          <a:bodyPr wrap="none" rtlCol="0">
+            <a:spAutoFit/>
+          </a:bodyPr>
+          <a:lstStyle/>
+          <a:p>
+            <a:r>
+              <a:rPr lang="ko-KR" altLang="en-US" sz="1000" dirty="0"/>
+              <a:t>할당된 이벤트 표기</a:t>
             </a:r>
           </a:p>
         </p:txBody>
@@ -17675,7 +15454,7 @@
         </p:nvSpPr>
         <p:spPr>
           <a:xfrm>
-            <a:off x="636105" y="1636644"/>
+            <a:off x="636105" y="1411357"/>
             <a:ext cx="8252580" cy="646331"/>
           </a:xfrm>
           <a:prstGeom prst="rect">
@@ -17733,13 +15512,13 @@
           <p:nvPr>
             <p:extLst>
               <p:ext uri="{D42A27DB-BD31-4B8C-83A1-F6EECF244321}">
-                <p14:modId xmlns:p14="http://schemas.microsoft.com/office/powerpoint/2010/main" val="276322744"/>
+                <p14:modId xmlns:p14="http://schemas.microsoft.com/office/powerpoint/2010/main" val="487594803"/>
               </p:ext>
             </p:extLst>
           </p:nvPr>
         </p:nvGraphicFramePr>
         <p:xfrm>
-          <a:off x="2642695" y="3038349"/>
+          <a:off x="3386667" y="2501900"/>
           <a:ext cx="5418666" cy="1854200"/>
         </p:xfrm>
         <a:graphic>
@@ -17787,7 +15566,7 @@
                       <a:pPr algn="ctr" latinLnBrk="1"/>
                       <a:r>
                         <a:rPr lang="ko-KR" altLang="en-US" dirty="0"/>
-                        <a:t>목표 달성한 항목</a:t>
+                        <a:t>해결한 이벤트 수</a:t>
                       </a:r>
                     </a:p>
                   </a:txBody>
@@ -21706,6 +19485,42 @@
           </a:p>
         </p:txBody>
       </p:sp>
+      <p:pic>
+        <p:nvPicPr>
+          <p:cNvPr id="4" name="그림 3">
+            <a:extLst>
+              <a:ext uri="{FF2B5EF4-FFF2-40B4-BE49-F238E27FC236}">
+                <a16:creationId xmlns:a16="http://schemas.microsoft.com/office/drawing/2014/main" id="{C180DB0A-B8A8-30F2-CF2F-11C7E32A8416}"/>
+              </a:ext>
+            </a:extLst>
+          </p:cNvPr>
+          <p:cNvPicPr>
+            <a:picLocks noChangeAspect="1"/>
+          </p:cNvPicPr>
+          <p:nvPr/>
+        </p:nvPicPr>
+        <p:blipFill>
+          <a:blip r:embed="rId2">
+            <a:extLst>
+              <a:ext uri="{28A0092B-C50C-407E-A947-70E740481C1C}">
+                <a14:useLocalDpi xmlns:a14="http://schemas.microsoft.com/office/drawing/2010/main" val="0"/>
+              </a:ext>
+            </a:extLst>
+          </a:blip>
+          <a:stretch>
+            <a:fillRect/>
+          </a:stretch>
+        </p:blipFill>
+        <p:spPr>
+          <a:xfrm>
+            <a:off x="865801" y="3350982"/>
+            <a:ext cx="10460399" cy="884999"/>
+          </a:xfrm>
+          <a:prstGeom prst="rect">
+            <a:avLst/>
+          </a:prstGeom>
+        </p:spPr>
+      </p:pic>
     </p:spTree>
     <p:extLst>
       <p:ext uri="{BB962C8B-B14F-4D97-AF65-F5344CB8AC3E}">
@@ -26678,7 +24493,7 @@
         <p:spPr>
           <a:xfrm>
             <a:off x="454785" y="707392"/>
-            <a:ext cx="4107215" cy="523220"/>
+            <a:ext cx="4070345" cy="523220"/>
           </a:xfrm>
           <a:prstGeom prst="rect">
             <a:avLst/>
@@ -26705,7 +24520,7 @@
                   <a:srgbClr val="0070C0"/>
                 </a:solidFill>
               </a:rPr>
-              <a:t>– </a:t>
+              <a:t>- </a:t>
             </a:r>
             <a:r>
               <a:rPr lang="ko-KR" altLang="en-US" sz="2800" dirty="0">
@@ -27815,15 +25630,7 @@
               </a:pPr>
               <a:r>
                 <a:rPr lang="ko-KR" altLang="en-US" sz="1400" dirty="0"/>
-                <a:t>만약 체력이 </a:t>
-              </a:r>
-              <a:r>
-                <a:rPr lang="en-US" altLang="ko-KR" sz="1400" dirty="0"/>
-                <a:t>5</a:t>
-              </a:r>
-              <a:r>
-                <a:rPr lang="ko-KR" altLang="en-US" sz="1400" dirty="0"/>
-                <a:t>개로 가득 찼을 경우에는 회복이 되지 않는다</a:t>
+                <a:t>회복 되는 체력은 최대 체력을 넘기지 않는다</a:t>
               </a:r>
               <a:r>
                 <a:rPr lang="en-US" altLang="ko-KR" sz="1400" dirty="0"/>
@@ -27845,15 +25652,15 @@
               </a:r>
               <a:r>
                 <a:rPr lang="ko-KR" altLang="en-US" sz="1400" dirty="0"/>
-                <a:t> 체력이 </a:t>
+                <a:t> 체력을 잃는 시점에서 </a:t>
               </a:r>
               <a:r>
-                <a:rPr lang="en-US" altLang="ko-KR" sz="1400" dirty="0"/>
-                <a:t>1</a:t>
+                <a:rPr lang="ko-KR" altLang="en-US" sz="1400" dirty="0" err="1"/>
+                <a:t>카운팅이</a:t>
               </a:r>
               <a:r>
                 <a:rPr lang="ko-KR" altLang="en-US" sz="1400" dirty="0"/>
-                <a:t>개라도 줄었을 경우에 시작된다</a:t>
+                <a:t> 시작된다</a:t>
               </a:r>
               <a:r>
                 <a:rPr lang="en-US" altLang="ko-KR" sz="1400" dirty="0"/>

--- a/document/Please Leave me alone!.pptx
+++ b/document/Please Leave me alone!.pptx
@@ -39,13 +39,13 @@
     <p:sldId id="291" r:id="rId30"/>
     <p:sldId id="292" r:id="rId31"/>
     <p:sldId id="276" r:id="rId32"/>
-    <p:sldId id="295" r:id="rId33"/>
-    <p:sldId id="275" r:id="rId34"/>
-    <p:sldId id="287" r:id="rId35"/>
-    <p:sldId id="288" r:id="rId36"/>
-    <p:sldId id="284" r:id="rId37"/>
-    <p:sldId id="294" r:id="rId38"/>
-    <p:sldId id="296" r:id="rId39"/>
+    <p:sldId id="275" r:id="rId33"/>
+    <p:sldId id="287" r:id="rId34"/>
+    <p:sldId id="288" r:id="rId35"/>
+    <p:sldId id="284" r:id="rId36"/>
+    <p:sldId id="294" r:id="rId37"/>
+    <p:sldId id="296" r:id="rId38"/>
+    <p:sldId id="300" r:id="rId39"/>
   </p:sldIdLst>
   <p:sldSz cx="12192000" cy="6858000"/>
   <p:notesSz cx="6858000" cy="9144000"/>
@@ -234,7 +234,7 @@
           <a:p>
             <a:fld id="{A9BD1FE7-2F33-4B0D-BA08-1CEE25D4E3DB}" type="datetimeFigureOut">
               <a:rPr lang="ko-KR" altLang="en-US" smtClean="0"/>
-              <a:t>2025-02-20</a:t>
+              <a:t>2025-02-21</a:t>
             </a:fld>
             <a:endParaRPr lang="ko-KR" altLang="en-US"/>
           </a:p>
@@ -948,7 +948,7 @@
           <a:p>
             <a:fld id="{783F481A-738D-4EBC-92BF-08655C0568CC}" type="datetime1">
               <a:rPr lang="ko-KR" altLang="en-US" smtClean="0"/>
-              <a:t>2025-02-20</a:t>
+              <a:t>2025-02-21</a:t>
             </a:fld>
             <a:endParaRPr lang="ko-KR" altLang="en-US"/>
           </a:p>
@@ -1146,7 +1146,7 @@
           <a:p>
             <a:fld id="{6D9BB776-B79C-4546-8ABA-DA45D9C133A7}" type="datetime1">
               <a:rPr lang="ko-KR" altLang="en-US" smtClean="0"/>
-              <a:t>2025-02-20</a:t>
+              <a:t>2025-02-21</a:t>
             </a:fld>
             <a:endParaRPr lang="ko-KR" altLang="en-US"/>
           </a:p>
@@ -1354,7 +1354,7 @@
           <a:p>
             <a:fld id="{720FF001-C6D3-49EC-8DC3-B2593B1DC1C3}" type="datetime1">
               <a:rPr lang="ko-KR" altLang="en-US" smtClean="0"/>
-              <a:t>2025-02-20</a:t>
+              <a:t>2025-02-21</a:t>
             </a:fld>
             <a:endParaRPr lang="ko-KR" altLang="en-US"/>
           </a:p>
@@ -1552,7 +1552,7 @@
           <a:p>
             <a:fld id="{091E519C-B90B-4A61-8F7D-EA80CD22B7D5}" type="datetime1">
               <a:rPr lang="ko-KR" altLang="en-US" smtClean="0"/>
-              <a:t>2025-02-20</a:t>
+              <a:t>2025-02-21</a:t>
             </a:fld>
             <a:endParaRPr lang="ko-KR" altLang="en-US"/>
           </a:p>
@@ -1827,7 +1827,7 @@
           <a:p>
             <a:fld id="{FD734108-2D59-40E2-B393-1F390391A1FB}" type="datetime1">
               <a:rPr lang="ko-KR" altLang="en-US" smtClean="0"/>
-              <a:t>2025-02-20</a:t>
+              <a:t>2025-02-21</a:t>
             </a:fld>
             <a:endParaRPr lang="ko-KR" altLang="en-US"/>
           </a:p>
@@ -2092,7 +2092,7 @@
           <a:p>
             <a:fld id="{297FF520-CDFD-4316-AC89-B0A764216C4E}" type="datetime1">
               <a:rPr lang="ko-KR" altLang="en-US" smtClean="0"/>
-              <a:t>2025-02-20</a:t>
+              <a:t>2025-02-21</a:t>
             </a:fld>
             <a:endParaRPr lang="ko-KR" altLang="en-US"/>
           </a:p>
@@ -2504,7 +2504,7 @@
           <a:p>
             <a:fld id="{0CF3B42C-2182-4183-A46A-124CD019AF43}" type="datetime1">
               <a:rPr lang="ko-KR" altLang="en-US" smtClean="0"/>
-              <a:t>2025-02-20</a:t>
+              <a:t>2025-02-21</a:t>
             </a:fld>
             <a:endParaRPr lang="ko-KR" altLang="en-US"/>
           </a:p>
@@ -2645,7 +2645,7 @@
           <a:p>
             <a:fld id="{B738F611-77C6-4F89-8E2C-D3A9C27DF43F}" type="datetime1">
               <a:rPr lang="ko-KR" altLang="en-US" smtClean="0"/>
-              <a:t>2025-02-20</a:t>
+              <a:t>2025-02-21</a:t>
             </a:fld>
             <a:endParaRPr lang="ko-KR" altLang="en-US"/>
           </a:p>
@@ -2758,7 +2758,7 @@
           <a:p>
             <a:fld id="{A051748B-BCED-40F0-8EF5-AF075B4618B9}" type="datetime1">
               <a:rPr lang="ko-KR" altLang="en-US" smtClean="0"/>
-              <a:t>2025-02-20</a:t>
+              <a:t>2025-02-21</a:t>
             </a:fld>
             <a:endParaRPr lang="ko-KR" altLang="en-US"/>
           </a:p>
@@ -3069,7 +3069,7 @@
           <a:p>
             <a:fld id="{41DBB85A-8EA7-4277-A6E6-46EF2EEF4790}" type="datetime1">
               <a:rPr lang="ko-KR" altLang="en-US" smtClean="0"/>
-              <a:t>2025-02-20</a:t>
+              <a:t>2025-02-21</a:t>
             </a:fld>
             <a:endParaRPr lang="ko-KR" altLang="en-US"/>
           </a:p>
@@ -3357,7 +3357,7 @@
           <a:p>
             <a:fld id="{BBE44FDA-CB41-4E86-912D-6ECC7574FD7F}" type="datetime1">
               <a:rPr lang="ko-KR" altLang="en-US" smtClean="0"/>
-              <a:t>2025-02-20</a:t>
+              <a:t>2025-02-21</a:t>
             </a:fld>
             <a:endParaRPr lang="ko-KR" altLang="en-US"/>
           </a:p>
@@ -3598,7 +3598,7 @@
           <a:p>
             <a:fld id="{F0992805-70C9-4612-850D-0415F751BF22}" type="datetime1">
               <a:rPr lang="ko-KR" altLang="en-US" smtClean="0"/>
-              <a:t>2025-02-20</a:t>
+              <a:t>2025-02-21</a:t>
             </a:fld>
             <a:endParaRPr lang="ko-KR" altLang="en-US"/>
           </a:p>
@@ -26797,8 +26797,8 @@
         </p:nvSpPr>
         <p:spPr>
           <a:xfrm>
-            <a:off x="574998" y="5227278"/>
-            <a:ext cx="7625806" cy="1020216"/>
+            <a:off x="574998" y="5203662"/>
+            <a:ext cx="8656537" cy="1152688"/>
           </a:xfrm>
           <a:prstGeom prst="rect">
             <a:avLst/>
@@ -26819,27 +26819,27 @@
               <a:buChar char="-"/>
             </a:pPr>
             <a:r>
-              <a:rPr lang="ko-KR" altLang="en-US" sz="1400" dirty="0"/>
+              <a:rPr lang="ko-KR" altLang="en-US" sz="1600" dirty="0"/>
               <a:t>장애물 패턴은 총 </a:t>
             </a:r>
             <a:r>
-              <a:rPr lang="en-US" altLang="ko-KR" sz="1400" dirty="0"/>
+              <a:rPr lang="en-US" altLang="ko-KR" sz="1600" dirty="0"/>
               <a:t>2</a:t>
             </a:r>
             <a:r>
-              <a:rPr lang="ko-KR" altLang="en-US" sz="1400" dirty="0"/>
+              <a:rPr lang="ko-KR" altLang="en-US" sz="1600" dirty="0"/>
               <a:t>가지이며 장애물 간 간격은 </a:t>
             </a:r>
             <a:r>
-              <a:rPr lang="en-US" altLang="ko-KR" sz="1400" dirty="0"/>
+              <a:rPr lang="en-US" altLang="ko-KR" sz="1600" dirty="0"/>
               <a:t>6M</a:t>
             </a:r>
             <a:r>
-              <a:rPr lang="ko-KR" altLang="en-US" sz="1400" dirty="0"/>
+              <a:rPr lang="ko-KR" altLang="en-US" sz="1600" dirty="0"/>
               <a:t>이다</a:t>
             </a:r>
             <a:r>
-              <a:rPr lang="en-US" altLang="ko-KR" sz="1400" dirty="0"/>
+              <a:rPr lang="en-US" altLang="ko-KR" sz="1600" dirty="0"/>
               <a:t>.</a:t>
             </a:r>
           </a:p>
@@ -26852,19 +26852,19 @@
               <a:buChar char="-"/>
             </a:pPr>
             <a:r>
-              <a:rPr lang="ko-KR" altLang="en-US" sz="1400" dirty="0"/>
+              <a:rPr lang="ko-KR" altLang="en-US" sz="1600" dirty="0"/>
               <a:t>장애물은 </a:t>
             </a:r>
             <a:r>
-              <a:rPr lang="en-US" altLang="ko-KR" sz="1400" dirty="0"/>
+              <a:rPr lang="en-US" altLang="ko-KR" sz="1600" dirty="0"/>
               <a:t>2</a:t>
             </a:r>
             <a:r>
-              <a:rPr lang="ko-KR" altLang="en-US" sz="1400" dirty="0"/>
+              <a:rPr lang="ko-KR" altLang="en-US" sz="1600" dirty="0"/>
               <a:t>개중 랜덤하게 설정된다</a:t>
             </a:r>
             <a:r>
-              <a:rPr lang="en-US" altLang="ko-KR" sz="1400" dirty="0"/>
+              <a:rPr lang="en-US" altLang="ko-KR" sz="1600" dirty="0"/>
               <a:t>.</a:t>
             </a:r>
           </a:p>
@@ -26877,35 +26877,35 @@
               <a:buChar char="-"/>
             </a:pPr>
             <a:r>
-              <a:rPr lang="ko-KR" altLang="en-US" sz="1400" dirty="0"/>
+              <a:rPr lang="ko-KR" altLang="en-US" sz="1600" dirty="0"/>
               <a:t>장애물 간 간격은 기본 </a:t>
             </a:r>
             <a:r>
-              <a:rPr lang="en-US" altLang="ko-KR" sz="1400" dirty="0"/>
+              <a:rPr lang="en-US" altLang="ko-KR" sz="1600" dirty="0"/>
               <a:t>6M</a:t>
             </a:r>
             <a:r>
-              <a:rPr lang="ko-KR" altLang="en-US" sz="1400" dirty="0"/>
+              <a:rPr lang="ko-KR" altLang="en-US" sz="1600" dirty="0"/>
               <a:t>로 속도가 빨라질 수록 </a:t>
             </a:r>
             <a:r>
-              <a:rPr lang="en-US" altLang="ko-KR" sz="1400" dirty="0"/>
+              <a:rPr lang="en-US" altLang="ko-KR" sz="1600" dirty="0"/>
               <a:t>“6m * </a:t>
             </a:r>
             <a:r>
-              <a:rPr lang="ko-KR" altLang="en-US" sz="1400" dirty="0"/>
+              <a:rPr lang="ko-KR" altLang="en-US" sz="1600" dirty="0"/>
               <a:t>현재 속도</a:t>
             </a:r>
             <a:r>
-              <a:rPr lang="en-US" altLang="ko-KR" sz="1400" dirty="0"/>
+              <a:rPr lang="en-US" altLang="ko-KR" sz="1600" dirty="0"/>
               <a:t>”</a:t>
             </a:r>
             <a:r>
-              <a:rPr lang="ko-KR" altLang="en-US" sz="1400" dirty="0"/>
+              <a:rPr lang="ko-KR" altLang="en-US" sz="1600" dirty="0"/>
               <a:t>의 간격으로 변경된다</a:t>
             </a:r>
             <a:r>
-              <a:rPr lang="en-US" altLang="ko-KR" sz="1400" dirty="0"/>
+              <a:rPr lang="en-US" altLang="ko-KR" sz="1600" dirty="0"/>
               <a:t>.</a:t>
             </a:r>
           </a:p>
@@ -26961,8 +26961,8 @@
         </p:nvSpPr>
         <p:spPr>
           <a:xfrm>
-            <a:off x="430696" y="1436695"/>
-            <a:ext cx="8125942" cy="923330"/>
+            <a:off x="454785" y="1488308"/>
+            <a:ext cx="7273145" cy="1192955"/>
           </a:xfrm>
           <a:prstGeom prst="rect">
             <a:avLst/>
@@ -26976,67 +26976,76 @@
           <a:lstStyle/>
           <a:p>
             <a:pPr marL="285750" indent="-285750">
+              <a:lnSpc>
+                <a:spcPct val="150000"/>
+              </a:lnSpc>
               <a:buFontTx/>
               <a:buChar char="-"/>
             </a:pPr>
             <a:r>
-              <a:rPr lang="ko-KR" altLang="en-US" dirty="0"/>
+              <a:rPr lang="ko-KR" altLang="en-US" sz="1600" dirty="0"/>
               <a:t>방해물을 슬라이딩과 점프를 통해서 피할 때마다 점수가 </a:t>
             </a:r>
             <a:r>
-              <a:rPr lang="en-US" altLang="ko-KR" dirty="0"/>
+              <a:rPr lang="en-US" altLang="ko-KR" sz="1600" dirty="0"/>
               <a:t>10</a:t>
             </a:r>
             <a:r>
-              <a:rPr lang="ko-KR" altLang="en-US" dirty="0"/>
+              <a:rPr lang="ko-KR" altLang="en-US" sz="1600" dirty="0"/>
               <a:t>올라가게 된다</a:t>
             </a:r>
             <a:r>
-              <a:rPr lang="en-US" altLang="ko-KR" dirty="0"/>
+              <a:rPr lang="en-US" altLang="ko-KR" sz="1600" dirty="0"/>
               <a:t>.</a:t>
             </a:r>
           </a:p>
           <a:p>
             <a:pPr marL="285750" indent="-285750">
+              <a:lnSpc>
+                <a:spcPct val="150000"/>
+              </a:lnSpc>
               <a:buFontTx/>
               <a:buChar char="-"/>
             </a:pPr>
             <a:r>
-              <a:rPr lang="ko-KR" altLang="en-US" dirty="0"/>
+              <a:rPr lang="ko-KR" altLang="en-US" sz="1600" dirty="0"/>
               <a:t>연속으로 피하면 피할수록 얻는 점수의 배수가 올라간다</a:t>
             </a:r>
             <a:r>
-              <a:rPr lang="en-US" altLang="ko-KR" dirty="0"/>
+              <a:rPr lang="en-US" altLang="ko-KR" sz="1600" dirty="0"/>
               <a:t>.(</a:t>
             </a:r>
             <a:r>
-              <a:rPr lang="ko-KR" altLang="en-US" dirty="0"/>
+              <a:rPr lang="ko-KR" altLang="en-US" sz="1600" dirty="0"/>
               <a:t>최대 </a:t>
             </a:r>
             <a:r>
-              <a:rPr lang="en-US" altLang="ko-KR" dirty="0"/>
+              <a:rPr lang="en-US" altLang="ko-KR" sz="1600" dirty="0"/>
               <a:t>5</a:t>
             </a:r>
             <a:r>
-              <a:rPr lang="ko-KR" altLang="en-US" dirty="0"/>
+              <a:rPr lang="ko-KR" altLang="en-US" sz="1600" dirty="0"/>
               <a:t>배수</a:t>
             </a:r>
             <a:r>
-              <a:rPr lang="en-US" altLang="ko-KR" dirty="0"/>
+              <a:rPr lang="en-US" altLang="ko-KR" sz="1600" dirty="0"/>
               <a:t>)</a:t>
             </a:r>
           </a:p>
           <a:p>
             <a:pPr marL="285750" indent="-285750">
+              <a:lnSpc>
+                <a:spcPct val="150000"/>
+              </a:lnSpc>
               <a:buFontTx/>
               <a:buChar char="-"/>
             </a:pPr>
             <a:r>
-              <a:rPr lang="ko-KR" altLang="en-US" dirty="0"/>
+              <a:rPr lang="ko-KR" altLang="en-US" sz="1600" dirty="0"/>
               <a:t>배수가 올라갈 수록 장애물이 다가오는 속도가 점점 빨라진다</a:t>
             </a:r>
             <a:r>
-              <a:rPr lang="en-US" altLang="ko-KR" dirty="0"/>
+              <a:rPr lang="en-US" altLang="ko-KR" sz="1600" dirty="0"/>
               <a:t>.</a:t>
             </a:r>
           </a:p>
@@ -27057,7 +27066,7 @@
           <p:nvPr>
             <p:extLst>
               <p:ext uri="{D42A27DB-BD31-4B8C-83A1-F6EECF244321}">
-                <p14:modId xmlns:p14="http://schemas.microsoft.com/office/powerpoint/2010/main" val="2459610548"/>
+                <p14:modId xmlns:p14="http://schemas.microsoft.com/office/powerpoint/2010/main" val="576862600"/>
               </p:ext>
             </p:extLst>
           </p:nvPr>
@@ -32884,195 +32893,6 @@
 </file>
 
 <file path=ppt/slides/slide32.xml><?xml version="1.0" encoding="utf-8"?>
-<p:sld xmlns:a="http://schemas.openxmlformats.org/drawingml/2006/main" xmlns:r="http://schemas.openxmlformats.org/officeDocument/2006/relationships" xmlns:p="http://schemas.openxmlformats.org/presentationml/2006/main">
-  <p:cSld>
-    <p:spTree>
-      <p:nvGrpSpPr>
-        <p:cNvPr id="1" name="">
-          <a:extLst>
-            <a:ext uri="{FF2B5EF4-FFF2-40B4-BE49-F238E27FC236}">
-              <a16:creationId xmlns:a16="http://schemas.microsoft.com/office/drawing/2014/main" id="{D47E555D-855F-EE56-D0AE-311EBAED6905}"/>
-            </a:ext>
-          </a:extLst>
-        </p:cNvPr>
-        <p:cNvGrpSpPr/>
-        <p:nvPr/>
-      </p:nvGrpSpPr>
-      <p:grpSpPr>
-        <a:xfrm>
-          <a:off x="0" y="0"/>
-          <a:ext cx="0" cy="0"/>
-          <a:chOff x="0" y="0"/>
-          <a:chExt cx="0" cy="0"/>
-        </a:xfrm>
-      </p:grpSpPr>
-      <p:sp>
-        <p:nvSpPr>
-          <p:cNvPr id="4" name="제목 1">
-            <a:extLst>
-              <a:ext uri="{FF2B5EF4-FFF2-40B4-BE49-F238E27FC236}">
-                <a16:creationId xmlns:a16="http://schemas.microsoft.com/office/drawing/2014/main" id="{3DFF4D9B-3FFB-B45B-B283-3CAD66FAD96D}"/>
-              </a:ext>
-            </a:extLst>
-          </p:cNvPr>
-          <p:cNvSpPr>
-            <a:spLocks noGrp="1"/>
-          </p:cNvSpPr>
-          <p:nvPr>
-            <p:ph type="title"/>
-          </p:nvPr>
-        </p:nvSpPr>
-        <p:spPr>
-          <a:xfrm>
-            <a:off x="129224" y="83886"/>
-            <a:ext cx="3243453" cy="608225"/>
-          </a:xfrm>
-        </p:spPr>
-        <p:txBody>
-          <a:bodyPr>
-            <a:normAutofit fontScale="90000"/>
-          </a:bodyPr>
-          <a:lstStyle/>
-          <a:p>
-            <a:pPr algn="ctr"/>
-            <a:r>
-              <a:rPr lang="ko-KR" altLang="en-US" sz="3200" b="1" dirty="0"/>
-              <a:t>방해 이벤트 종류</a:t>
-            </a:r>
-          </a:p>
-        </p:txBody>
-      </p:sp>
-      <p:cxnSp>
-        <p:nvCxnSpPr>
-          <p:cNvPr id="7" name="직선 연결선 6">
-            <a:extLst>
-              <a:ext uri="{FF2B5EF4-FFF2-40B4-BE49-F238E27FC236}">
-                <a16:creationId xmlns:a16="http://schemas.microsoft.com/office/drawing/2014/main" id="{D98EBF14-B0C9-5E8B-8590-375E046AFDE1}"/>
-              </a:ext>
-            </a:extLst>
-          </p:cNvPr>
-          <p:cNvCxnSpPr>
-            <a:cxnSpLocks/>
-          </p:cNvCxnSpPr>
-          <p:nvPr/>
-        </p:nvCxnSpPr>
-        <p:spPr>
-          <a:xfrm>
-            <a:off x="0" y="692111"/>
-            <a:ext cx="12192000" cy="0"/>
-          </a:xfrm>
-          <a:prstGeom prst="line">
-            <a:avLst/>
-          </a:prstGeom>
-          <a:ln>
-            <a:solidFill>
-              <a:schemeClr val="bg2">
-                <a:lumMod val="75000"/>
-              </a:schemeClr>
-            </a:solidFill>
-          </a:ln>
-        </p:spPr>
-        <p:style>
-          <a:lnRef idx="2">
-            <a:schemeClr val="accent1"/>
-          </a:lnRef>
-          <a:fillRef idx="0">
-            <a:schemeClr val="accent1"/>
-          </a:fillRef>
-          <a:effectRef idx="1">
-            <a:schemeClr val="accent1"/>
-          </a:effectRef>
-          <a:fontRef idx="minor">
-            <a:schemeClr val="tx1"/>
-          </a:fontRef>
-        </p:style>
-      </p:cxnSp>
-      <p:cxnSp>
-        <p:nvCxnSpPr>
-          <p:cNvPr id="8" name="직선 연결선 7">
-            <a:extLst>
-              <a:ext uri="{FF2B5EF4-FFF2-40B4-BE49-F238E27FC236}">
-                <a16:creationId xmlns:a16="http://schemas.microsoft.com/office/drawing/2014/main" id="{C1D06A7D-1A16-7E25-19B3-EF2ADBB06E92}"/>
-              </a:ext>
-            </a:extLst>
-          </p:cNvPr>
-          <p:cNvCxnSpPr>
-            <a:cxnSpLocks/>
-          </p:cNvCxnSpPr>
-          <p:nvPr/>
-        </p:nvCxnSpPr>
-        <p:spPr>
-          <a:xfrm>
-            <a:off x="129225" y="658980"/>
-            <a:ext cx="3243452" cy="0"/>
-          </a:xfrm>
-          <a:prstGeom prst="line">
-            <a:avLst/>
-          </a:prstGeom>
-          <a:ln w="76200">
-            <a:solidFill>
-              <a:schemeClr val="tx1"/>
-            </a:solidFill>
-          </a:ln>
-        </p:spPr>
-        <p:style>
-          <a:lnRef idx="2">
-            <a:schemeClr val="accent1"/>
-          </a:lnRef>
-          <a:fillRef idx="0">
-            <a:schemeClr val="accent1"/>
-          </a:fillRef>
-          <a:effectRef idx="1">
-            <a:schemeClr val="accent1"/>
-          </a:effectRef>
-          <a:fontRef idx="minor">
-            <a:schemeClr val="tx1"/>
-          </a:fontRef>
-        </p:style>
-      </p:cxnSp>
-      <p:sp>
-        <p:nvSpPr>
-          <p:cNvPr id="14" name="슬라이드 번호 개체 틀 13">
-            <a:extLst>
-              <a:ext uri="{FF2B5EF4-FFF2-40B4-BE49-F238E27FC236}">
-                <a16:creationId xmlns:a16="http://schemas.microsoft.com/office/drawing/2014/main" id="{F580C4C0-9D83-3709-5860-E9F10D6785D6}"/>
-              </a:ext>
-            </a:extLst>
-          </p:cNvPr>
-          <p:cNvSpPr>
-            <a:spLocks noGrp="1"/>
-          </p:cNvSpPr>
-          <p:nvPr>
-            <p:ph type="sldNum" sz="quarter" idx="12"/>
-          </p:nvPr>
-        </p:nvSpPr>
-        <p:spPr/>
-        <p:txBody>
-          <a:bodyPr/>
-          <a:lstStyle/>
-          <a:p>
-            <a:fld id="{8D96929D-9E84-4A42-B4C3-2E48812748E4}" type="slidenum">
-              <a:rPr lang="ko-KR" altLang="en-US" smtClean="0"/>
-              <a:t>32</a:t>
-            </a:fld>
-            <a:endParaRPr lang="ko-KR" altLang="en-US"/>
-          </a:p>
-        </p:txBody>
-      </p:sp>
-    </p:spTree>
-    <p:extLst>
-      <p:ext uri="{BB962C8B-B14F-4D97-AF65-F5344CB8AC3E}">
-        <p14:creationId xmlns:p14="http://schemas.microsoft.com/office/powerpoint/2010/main" val="3552313690"/>
-      </p:ext>
-    </p:extLst>
-  </p:cSld>
-  <p:clrMapOvr>
-    <a:masterClrMapping/>
-  </p:clrMapOvr>
-</p:sld>
-</file>
-
-<file path=ppt/slides/slide33.xml><?xml version="1.0" encoding="utf-8"?>
 <p:sld xmlns:a="http://schemas.openxmlformats.org/drawingml/2006/main" xmlns:r="http://schemas.openxmlformats.org/officeDocument/2006/relationships" xmlns:p="http://schemas.openxmlformats.org/presentationml/2006/main">
   <p:cSld>
     <p:spTree>
@@ -36660,7 +36480,7 @@
           <a:p>
             <a:fld id="{8D96929D-9E84-4A42-B4C3-2E48812748E4}" type="slidenum">
               <a:rPr lang="ko-KR" altLang="en-US" smtClean="0"/>
-              <a:t>33</a:t>
+              <a:t>32</a:t>
             </a:fld>
             <a:endParaRPr lang="ko-KR" altLang="en-US"/>
           </a:p>
@@ -36731,7 +36551,7 @@
 </p:sld>
 </file>
 
-<file path=ppt/slides/slide34.xml><?xml version="1.0" encoding="utf-8"?>
+<file path=ppt/slides/slide33.xml><?xml version="1.0" encoding="utf-8"?>
 <p:sld xmlns:a="http://schemas.openxmlformats.org/drawingml/2006/main" xmlns:r="http://schemas.openxmlformats.org/officeDocument/2006/relationships" xmlns:p="http://schemas.openxmlformats.org/presentationml/2006/main">
   <p:cSld>
     <p:spTree>
@@ -38489,7 +38309,7 @@
           <a:p>
             <a:fld id="{8D96929D-9E84-4A42-B4C3-2E48812748E4}" type="slidenum">
               <a:rPr lang="ko-KR" altLang="en-US" smtClean="0"/>
-              <a:t>34</a:t>
+              <a:t>33</a:t>
             </a:fld>
             <a:endParaRPr lang="ko-KR" altLang="en-US"/>
           </a:p>
@@ -39554,7 +39374,7 @@
 </p:sld>
 </file>
 
-<file path=ppt/slides/slide35.xml><?xml version="1.0" encoding="utf-8"?>
+<file path=ppt/slides/slide34.xml><?xml version="1.0" encoding="utf-8"?>
 <p:sld xmlns:a="http://schemas.openxmlformats.org/drawingml/2006/main" xmlns:r="http://schemas.openxmlformats.org/officeDocument/2006/relationships" xmlns:p="http://schemas.openxmlformats.org/presentationml/2006/main">
   <p:cSld>
     <p:spTree>
@@ -39814,7 +39634,7 @@
           <a:p>
             <a:fld id="{8D96929D-9E84-4A42-B4C3-2E48812748E4}" type="slidenum">
               <a:rPr lang="ko-KR" altLang="en-US" smtClean="0"/>
-              <a:t>35</a:t>
+              <a:t>34</a:t>
             </a:fld>
             <a:endParaRPr lang="ko-KR" altLang="en-US"/>
           </a:p>
@@ -42064,7 +41884,7 @@
 </p:sld>
 </file>
 
-<file path=ppt/slides/slide36.xml><?xml version="1.0" encoding="utf-8"?>
+<file path=ppt/slides/slide35.xml><?xml version="1.0" encoding="utf-8"?>
 <p:sld xmlns:a="http://schemas.openxmlformats.org/drawingml/2006/main" xmlns:r="http://schemas.openxmlformats.org/officeDocument/2006/relationships" xmlns:p="http://schemas.openxmlformats.org/presentationml/2006/main">
   <p:cSld>
     <p:spTree>
@@ -42491,7 +42311,7 @@
           <a:p>
             <a:fld id="{8D96929D-9E84-4A42-B4C3-2E48812748E4}" type="slidenum">
               <a:rPr lang="ko-KR" altLang="en-US" smtClean="0"/>
-              <a:t>36</a:t>
+              <a:t>35</a:t>
             </a:fld>
             <a:endParaRPr lang="ko-KR" altLang="en-US"/>
           </a:p>
@@ -45352,7 +45172,7 @@
 </p:sld>
 </file>
 
-<file path=ppt/slides/slide37.xml><?xml version="1.0" encoding="utf-8"?>
+<file path=ppt/slides/slide36.xml><?xml version="1.0" encoding="utf-8"?>
 <p:sld xmlns:a="http://schemas.openxmlformats.org/drawingml/2006/main" xmlns:r="http://schemas.openxmlformats.org/officeDocument/2006/relationships" xmlns:p="http://schemas.openxmlformats.org/presentationml/2006/main">
   <p:cSld>
     <p:spTree>
@@ -45798,7 +45618,7 @@
           <a:p>
             <a:fld id="{8D96929D-9E84-4A42-B4C3-2E48812748E4}" type="slidenum">
               <a:rPr lang="ko-KR" altLang="en-US" smtClean="0"/>
-              <a:t>37</a:t>
+              <a:t>36</a:t>
             </a:fld>
             <a:endParaRPr lang="ko-KR" altLang="en-US"/>
           </a:p>
@@ -47347,7 +47167,7 @@
 </p:sld>
 </file>
 
-<file path=ppt/slides/slide38.xml><?xml version="1.0" encoding="utf-8"?>
+<file path=ppt/slides/slide37.xml><?xml version="1.0" encoding="utf-8"?>
 <p:sld xmlns:a="http://schemas.openxmlformats.org/drawingml/2006/main" xmlns:r="http://schemas.openxmlformats.org/officeDocument/2006/relationships" xmlns:p="http://schemas.openxmlformats.org/presentationml/2006/main">
   <p:cSld>
     <p:spTree>
@@ -47522,7 +47342,7 @@
           <a:p>
             <a:fld id="{8D96929D-9E84-4A42-B4C3-2E48812748E4}" type="slidenum">
               <a:rPr lang="ko-KR" altLang="en-US" smtClean="0"/>
-              <a:t>38</a:t>
+              <a:t>37</a:t>
             </a:fld>
             <a:endParaRPr lang="ko-KR" altLang="en-US"/>
           </a:p>
@@ -47580,10 +47400,960 @@
           </a:p>
         </p:txBody>
       </p:sp>
+      <p:pic>
+        <p:nvPicPr>
+          <p:cNvPr id="13" name="그림 12" descr="텍스트, 스크린샷, 폰트, 디자인이(가) 표시된 사진&#10;&#10;AI가 생성한 콘텐츠는 부정확할 수 있습니다.">
+            <a:extLst>
+              <a:ext uri="{FF2B5EF4-FFF2-40B4-BE49-F238E27FC236}">
+                <a16:creationId xmlns:a16="http://schemas.microsoft.com/office/drawing/2014/main" id="{7E7A1B72-96C8-87BA-FD18-89AF9D19FD91}"/>
+              </a:ext>
+            </a:extLst>
+          </p:cNvPr>
+          <p:cNvPicPr>
+            <a:picLocks noChangeAspect="1"/>
+          </p:cNvPicPr>
+          <p:nvPr/>
+        </p:nvPicPr>
+        <p:blipFill>
+          <a:blip r:embed="rId2">
+            <a:extLst>
+              <a:ext uri="{28A0092B-C50C-407E-A947-70E740481C1C}">
+                <a14:useLocalDpi xmlns:a14="http://schemas.microsoft.com/office/drawing/2010/main" val="0"/>
+              </a:ext>
+            </a:extLst>
+          </a:blip>
+          <a:stretch>
+            <a:fillRect/>
+          </a:stretch>
+        </p:blipFill>
+        <p:spPr>
+          <a:xfrm>
+            <a:off x="4714110" y="1398677"/>
+            <a:ext cx="2763780" cy="4789608"/>
+          </a:xfrm>
+          <a:prstGeom prst="rect">
+            <a:avLst/>
+          </a:prstGeom>
+        </p:spPr>
+      </p:pic>
+      <p:sp>
+        <p:nvSpPr>
+          <p:cNvPr id="15" name="말풍선: 사각형 14">
+            <a:extLst>
+              <a:ext uri="{FF2B5EF4-FFF2-40B4-BE49-F238E27FC236}">
+                <a16:creationId xmlns:a16="http://schemas.microsoft.com/office/drawing/2014/main" id="{B3A13D59-669B-954F-550F-1C324E4B4A6C}"/>
+              </a:ext>
+            </a:extLst>
+          </p:cNvPr>
+          <p:cNvSpPr/>
+          <p:nvPr/>
+        </p:nvSpPr>
+        <p:spPr>
+          <a:xfrm>
+            <a:off x="1099930" y="1840145"/>
+            <a:ext cx="3855729" cy="836794"/>
+          </a:xfrm>
+          <a:prstGeom prst="wedgeRectCallout">
+            <a:avLst>
+              <a:gd name="adj1" fmla="val 57358"/>
+              <a:gd name="adj2" fmla="val 28107"/>
+            </a:avLst>
+          </a:prstGeom>
+          <a:solidFill>
+            <a:schemeClr val="accent1">
+              <a:lumMod val="40000"/>
+              <a:lumOff val="60000"/>
+            </a:schemeClr>
+          </a:solidFill>
+        </p:spPr>
+        <p:style>
+          <a:lnRef idx="2">
+            <a:schemeClr val="accent1">
+              <a:shade val="15000"/>
+            </a:schemeClr>
+          </a:lnRef>
+          <a:fillRef idx="1">
+            <a:schemeClr val="accent1"/>
+          </a:fillRef>
+          <a:effectRef idx="0">
+            <a:schemeClr val="accent1"/>
+          </a:effectRef>
+          <a:fontRef idx="minor">
+            <a:schemeClr val="lt1"/>
+          </a:fontRef>
+        </p:style>
+        <p:txBody>
+          <a:bodyPr rtlCol="0" anchor="ctr"/>
+          <a:lstStyle/>
+          <a:p>
+            <a:pPr algn="ctr"/>
+            <a:r>
+              <a:rPr lang="en-US" altLang="ko-KR" sz="1400" b="1" dirty="0">
+                <a:solidFill>
+                  <a:schemeClr val="tx1"/>
+                </a:solidFill>
+              </a:rPr>
+              <a:t>[</a:t>
+            </a:r>
+            <a:r>
+              <a:rPr lang="ko-KR" altLang="en-US" sz="1400" b="1" dirty="0">
+                <a:solidFill>
+                  <a:schemeClr val="tx1"/>
+                </a:solidFill>
+              </a:rPr>
+              <a:t>게임 타이틀</a:t>
+            </a:r>
+            <a:r>
+              <a:rPr lang="en-US" altLang="ko-KR" sz="1400" b="1" dirty="0">
+                <a:solidFill>
+                  <a:schemeClr val="tx1"/>
+                </a:solidFill>
+              </a:rPr>
+              <a:t>]</a:t>
+            </a:r>
+          </a:p>
+          <a:p>
+            <a:pPr marL="171450" indent="-171450">
+              <a:buFontTx/>
+              <a:buChar char="-"/>
+            </a:pPr>
+            <a:r>
+              <a:rPr lang="ko-KR" altLang="en-US" sz="1200" dirty="0">
+                <a:solidFill>
+                  <a:schemeClr val="tx1"/>
+                </a:solidFill>
+              </a:rPr>
+              <a:t>게임 상단에 위치하여 게임의 타이틀을 나타낸다</a:t>
+            </a:r>
+            <a:r>
+              <a:rPr lang="en-US" altLang="ko-KR" sz="1200" dirty="0">
+                <a:solidFill>
+                  <a:schemeClr val="tx1"/>
+                </a:solidFill>
+              </a:rPr>
+              <a:t>.</a:t>
+            </a:r>
+          </a:p>
+          <a:p>
+            <a:pPr marL="171450" indent="-171450">
+              <a:buFontTx/>
+              <a:buChar char="-"/>
+            </a:pPr>
+            <a:r>
+              <a:rPr lang="ko-KR" altLang="en-US" sz="1200" dirty="0">
+                <a:solidFill>
+                  <a:schemeClr val="tx1"/>
+                </a:solidFill>
+              </a:rPr>
+              <a:t>제목의 경우 </a:t>
+            </a:r>
+            <a:r>
+              <a:rPr lang="en-US" altLang="ko-KR" sz="1200" dirty="0">
+                <a:solidFill>
+                  <a:schemeClr val="tx1"/>
+                </a:solidFill>
+              </a:rPr>
+              <a:t>30pt</a:t>
+            </a:r>
+            <a:r>
+              <a:rPr lang="ko-KR" altLang="en-US" sz="1200" dirty="0">
+                <a:solidFill>
+                  <a:schemeClr val="tx1"/>
+                </a:solidFill>
+              </a:rPr>
+              <a:t>로 표기한다</a:t>
+            </a:r>
+            <a:r>
+              <a:rPr lang="en-US" altLang="ko-KR" sz="1200" dirty="0">
+                <a:solidFill>
+                  <a:schemeClr val="tx1"/>
+                </a:solidFill>
+              </a:rPr>
+              <a:t>.</a:t>
+            </a:r>
+          </a:p>
+          <a:p>
+            <a:pPr marL="171450" indent="-171450">
+              <a:buFontTx/>
+              <a:buChar char="-"/>
+            </a:pPr>
+            <a:r>
+              <a:rPr lang="ko-KR" altLang="en-US" sz="1200" dirty="0">
+                <a:solidFill>
+                  <a:schemeClr val="tx1"/>
+                </a:solidFill>
+              </a:rPr>
+              <a:t>부제목은 </a:t>
+            </a:r>
+            <a:r>
+              <a:rPr lang="en-US" altLang="ko-KR" sz="1200" dirty="0">
+                <a:solidFill>
+                  <a:schemeClr val="tx1"/>
+                </a:solidFill>
+              </a:rPr>
+              <a:t>15pt</a:t>
+            </a:r>
+            <a:r>
+              <a:rPr lang="ko-KR" altLang="en-US" sz="1200" dirty="0">
+                <a:solidFill>
+                  <a:schemeClr val="tx1"/>
+                </a:solidFill>
+              </a:rPr>
+              <a:t>로 표기한다</a:t>
+            </a:r>
+            <a:r>
+              <a:rPr lang="en-US" altLang="ko-KR" sz="1200" dirty="0">
+                <a:solidFill>
+                  <a:schemeClr val="tx1"/>
+                </a:solidFill>
+              </a:rPr>
+              <a:t>.</a:t>
+            </a:r>
+            <a:endParaRPr lang="ko-KR" altLang="en-US" sz="1200" dirty="0">
+              <a:solidFill>
+                <a:schemeClr val="tx1"/>
+              </a:solidFill>
+            </a:endParaRPr>
+          </a:p>
+        </p:txBody>
+      </p:sp>
+      <p:sp>
+        <p:nvSpPr>
+          <p:cNvPr id="16" name="말풍선: 사각형 15">
+            <a:extLst>
+              <a:ext uri="{FF2B5EF4-FFF2-40B4-BE49-F238E27FC236}">
+                <a16:creationId xmlns:a16="http://schemas.microsoft.com/office/drawing/2014/main" id="{2029D3BF-A67D-A0F8-F24F-48929F17D059}"/>
+              </a:ext>
+            </a:extLst>
+          </p:cNvPr>
+          <p:cNvSpPr/>
+          <p:nvPr/>
+        </p:nvSpPr>
+        <p:spPr>
+          <a:xfrm>
+            <a:off x="1033669" y="3177421"/>
+            <a:ext cx="3855729" cy="836794"/>
+          </a:xfrm>
+          <a:prstGeom prst="wedgeRectCallout">
+            <a:avLst>
+              <a:gd name="adj1" fmla="val 62170"/>
+              <a:gd name="adj2" fmla="val -32073"/>
+            </a:avLst>
+          </a:prstGeom>
+          <a:solidFill>
+            <a:schemeClr val="accent1">
+              <a:lumMod val="40000"/>
+              <a:lumOff val="60000"/>
+            </a:schemeClr>
+          </a:solidFill>
+        </p:spPr>
+        <p:style>
+          <a:lnRef idx="2">
+            <a:schemeClr val="accent1">
+              <a:shade val="15000"/>
+            </a:schemeClr>
+          </a:lnRef>
+          <a:fillRef idx="1">
+            <a:schemeClr val="accent1"/>
+          </a:fillRef>
+          <a:effectRef idx="0">
+            <a:schemeClr val="accent1"/>
+          </a:effectRef>
+          <a:fontRef idx="minor">
+            <a:schemeClr val="lt1"/>
+          </a:fontRef>
+        </p:style>
+        <p:txBody>
+          <a:bodyPr rtlCol="0" anchor="ctr"/>
+          <a:lstStyle/>
+          <a:p>
+            <a:pPr algn="ctr"/>
+            <a:r>
+              <a:rPr lang="en-US" altLang="ko-KR" sz="1400" b="1" dirty="0">
+                <a:solidFill>
+                  <a:schemeClr val="tx1"/>
+                </a:solidFill>
+              </a:rPr>
+              <a:t>[</a:t>
+            </a:r>
+            <a:r>
+              <a:rPr lang="ko-KR" altLang="en-US" sz="1400" b="1" dirty="0">
+                <a:solidFill>
+                  <a:schemeClr val="tx1"/>
+                </a:solidFill>
+              </a:rPr>
+              <a:t>현재 시간</a:t>
+            </a:r>
+            <a:r>
+              <a:rPr lang="en-US" altLang="ko-KR" sz="1400" b="1" dirty="0">
+                <a:solidFill>
+                  <a:schemeClr val="tx1"/>
+                </a:solidFill>
+              </a:rPr>
+              <a:t>]</a:t>
+            </a:r>
+          </a:p>
+          <a:p>
+            <a:pPr marL="171450" indent="-171450">
+              <a:buFontTx/>
+              <a:buChar char="-"/>
+            </a:pPr>
+            <a:r>
+              <a:rPr lang="ko-KR" altLang="en-US" sz="1200" dirty="0">
+                <a:solidFill>
+                  <a:schemeClr val="tx1"/>
+                </a:solidFill>
+              </a:rPr>
+              <a:t>플레이어의 </a:t>
+            </a:r>
+            <a:r>
+              <a:rPr lang="en-US" altLang="ko-KR" sz="1200" dirty="0">
+                <a:solidFill>
+                  <a:schemeClr val="tx1"/>
+                </a:solidFill>
+              </a:rPr>
+              <a:t>PC</a:t>
+            </a:r>
+            <a:r>
+              <a:rPr lang="ko-KR" altLang="en-US" sz="1200" dirty="0">
+                <a:solidFill>
+                  <a:schemeClr val="tx1"/>
+                </a:solidFill>
+              </a:rPr>
+              <a:t>의 현재 시간을 받아와서 표기한다</a:t>
+            </a:r>
+            <a:r>
+              <a:rPr lang="en-US" altLang="ko-KR" sz="1200" dirty="0">
+                <a:solidFill>
+                  <a:schemeClr val="tx1"/>
+                </a:solidFill>
+              </a:rPr>
+              <a:t>.</a:t>
+            </a:r>
+          </a:p>
+          <a:p>
+            <a:pPr marL="171450" indent="-171450">
+              <a:buFontTx/>
+              <a:buChar char="-"/>
+            </a:pPr>
+            <a:r>
+              <a:rPr lang="ko-KR" altLang="en-US" sz="1200" dirty="0">
+                <a:solidFill>
+                  <a:schemeClr val="tx1"/>
+                </a:solidFill>
+              </a:rPr>
+              <a:t>표기 방식은 </a:t>
+            </a:r>
+            <a:r>
+              <a:rPr lang="en-US" altLang="ko-KR" sz="1200" dirty="0">
+                <a:solidFill>
+                  <a:schemeClr val="tx1"/>
+                </a:solidFill>
+              </a:rPr>
+              <a:t>“(</a:t>
+            </a:r>
+            <a:r>
+              <a:rPr lang="ko-KR" altLang="en-US" sz="1200" dirty="0">
+                <a:solidFill>
+                  <a:schemeClr val="tx1"/>
+                </a:solidFill>
+              </a:rPr>
+              <a:t>시</a:t>
+            </a:r>
+            <a:r>
+              <a:rPr lang="en-US" altLang="ko-KR" sz="1200" dirty="0">
+                <a:solidFill>
+                  <a:schemeClr val="tx1"/>
+                </a:solidFill>
+              </a:rPr>
+              <a:t>) : (</a:t>
+            </a:r>
+            <a:r>
+              <a:rPr lang="ko-KR" altLang="en-US" sz="1200" dirty="0">
+                <a:solidFill>
+                  <a:schemeClr val="tx1"/>
+                </a:solidFill>
+              </a:rPr>
+              <a:t>분</a:t>
+            </a:r>
+            <a:r>
+              <a:rPr lang="en-US" altLang="ko-KR" sz="1200" dirty="0">
+                <a:solidFill>
+                  <a:schemeClr val="tx1"/>
+                </a:solidFill>
+              </a:rPr>
+              <a:t>)” </a:t>
+            </a:r>
+            <a:r>
+              <a:rPr lang="ko-KR" altLang="en-US" sz="1200" dirty="0">
+                <a:solidFill>
+                  <a:schemeClr val="tx1"/>
+                </a:solidFill>
+              </a:rPr>
+              <a:t>로 표기한다</a:t>
+            </a:r>
+            <a:r>
+              <a:rPr lang="en-US" altLang="ko-KR" sz="1200" dirty="0">
+                <a:solidFill>
+                  <a:schemeClr val="tx1"/>
+                </a:solidFill>
+              </a:rPr>
+              <a:t>.</a:t>
+            </a:r>
+            <a:endParaRPr lang="ko-KR" altLang="en-US" sz="1200" dirty="0">
+              <a:solidFill>
+                <a:schemeClr val="tx1"/>
+              </a:solidFill>
+            </a:endParaRPr>
+          </a:p>
+        </p:txBody>
+      </p:sp>
+      <p:sp>
+        <p:nvSpPr>
+          <p:cNvPr id="17" name="말풍선: 사각형 16">
+            <a:extLst>
+              <a:ext uri="{FF2B5EF4-FFF2-40B4-BE49-F238E27FC236}">
+                <a16:creationId xmlns:a16="http://schemas.microsoft.com/office/drawing/2014/main" id="{89B04E78-4E36-88A3-DDFB-C9FCDC62F0F6}"/>
+              </a:ext>
+            </a:extLst>
+          </p:cNvPr>
+          <p:cNvSpPr/>
+          <p:nvPr/>
+        </p:nvSpPr>
+        <p:spPr>
+          <a:xfrm>
+            <a:off x="7236341" y="4920081"/>
+            <a:ext cx="4458702" cy="884367"/>
+          </a:xfrm>
+          <a:prstGeom prst="wedgeRectCallout">
+            <a:avLst>
+              <a:gd name="adj1" fmla="val -56579"/>
+              <a:gd name="adj2" fmla="val 37609"/>
+            </a:avLst>
+          </a:prstGeom>
+          <a:solidFill>
+            <a:schemeClr val="accent1">
+              <a:lumMod val="40000"/>
+              <a:lumOff val="60000"/>
+            </a:schemeClr>
+          </a:solidFill>
+        </p:spPr>
+        <p:style>
+          <a:lnRef idx="2">
+            <a:schemeClr val="accent1">
+              <a:shade val="15000"/>
+            </a:schemeClr>
+          </a:lnRef>
+          <a:fillRef idx="1">
+            <a:schemeClr val="accent1"/>
+          </a:fillRef>
+          <a:effectRef idx="0">
+            <a:schemeClr val="accent1"/>
+          </a:effectRef>
+          <a:fontRef idx="minor">
+            <a:schemeClr val="lt1"/>
+          </a:fontRef>
+        </p:style>
+        <p:txBody>
+          <a:bodyPr rtlCol="0" anchor="ctr"/>
+          <a:lstStyle/>
+          <a:p>
+            <a:pPr algn="ctr"/>
+            <a:r>
+              <a:rPr lang="en-US" altLang="ko-KR" sz="1400" b="1" dirty="0">
+                <a:solidFill>
+                  <a:schemeClr val="tx1"/>
+                </a:solidFill>
+              </a:rPr>
+              <a:t>[</a:t>
+            </a:r>
+            <a:r>
+              <a:rPr lang="ko-KR" altLang="en-US" sz="1400" b="1" dirty="0">
+                <a:solidFill>
+                  <a:schemeClr val="tx1"/>
+                </a:solidFill>
+              </a:rPr>
+              <a:t>게임 시작</a:t>
+            </a:r>
+            <a:r>
+              <a:rPr lang="en-US" altLang="ko-KR" sz="1400" b="1" dirty="0">
+                <a:solidFill>
+                  <a:schemeClr val="tx1"/>
+                </a:solidFill>
+              </a:rPr>
+              <a:t>]</a:t>
+            </a:r>
+          </a:p>
+          <a:p>
+            <a:pPr marL="171450" indent="-171450">
+              <a:buFontTx/>
+              <a:buChar char="-"/>
+            </a:pPr>
+            <a:r>
+              <a:rPr lang="ko-KR" altLang="en-US" sz="1200" dirty="0">
+                <a:solidFill>
+                  <a:schemeClr val="tx1"/>
+                </a:solidFill>
+              </a:rPr>
+              <a:t>버튼으로 클릭하는 것이 아니라 화면을 터치하여 시작 한다</a:t>
+            </a:r>
+            <a:r>
+              <a:rPr lang="en-US" altLang="ko-KR" sz="1200" dirty="0">
+                <a:solidFill>
+                  <a:schemeClr val="tx1"/>
+                </a:solidFill>
+              </a:rPr>
+              <a:t>.</a:t>
+            </a:r>
+          </a:p>
+          <a:p>
+            <a:pPr marL="171450" indent="-171450">
+              <a:buFontTx/>
+              <a:buChar char="-"/>
+            </a:pPr>
+            <a:r>
+              <a:rPr lang="ko-KR" altLang="en-US" sz="1200" dirty="0">
+                <a:solidFill>
+                  <a:schemeClr val="tx1"/>
+                </a:solidFill>
+              </a:rPr>
+              <a:t>해당 방식을 글씨로 표기하여 플레이하게 한다</a:t>
+            </a:r>
+            <a:r>
+              <a:rPr lang="en-US" altLang="ko-KR" sz="1200" dirty="0">
+                <a:solidFill>
+                  <a:schemeClr val="tx1"/>
+                </a:solidFill>
+              </a:rPr>
+              <a:t>.</a:t>
+            </a:r>
+          </a:p>
+          <a:p>
+            <a:pPr marL="171450" indent="-171450">
+              <a:buFontTx/>
+              <a:buChar char="-"/>
+            </a:pPr>
+            <a:r>
+              <a:rPr lang="ko-KR" altLang="en-US" sz="1200" dirty="0">
+                <a:solidFill>
+                  <a:schemeClr val="tx1"/>
+                </a:solidFill>
+              </a:rPr>
+              <a:t>글씨 크기 </a:t>
+            </a:r>
+            <a:r>
+              <a:rPr lang="en-US" altLang="ko-KR" sz="1200" dirty="0">
+                <a:solidFill>
+                  <a:schemeClr val="tx1"/>
+                </a:solidFill>
+              </a:rPr>
+              <a:t>: 8pt</a:t>
+            </a:r>
+            <a:endParaRPr lang="ko-KR" altLang="en-US" sz="1200" dirty="0">
+              <a:solidFill>
+                <a:schemeClr val="tx1"/>
+              </a:solidFill>
+            </a:endParaRPr>
+          </a:p>
+        </p:txBody>
+      </p:sp>
     </p:spTree>
     <p:extLst>
       <p:ext uri="{BB962C8B-B14F-4D97-AF65-F5344CB8AC3E}">
         <p14:creationId xmlns:p14="http://schemas.microsoft.com/office/powerpoint/2010/main" val="3196397919"/>
+      </p:ext>
+    </p:extLst>
+  </p:cSld>
+  <p:clrMapOvr>
+    <a:masterClrMapping/>
+  </p:clrMapOvr>
+</p:sld>
+</file>
+
+<file path=ppt/slides/slide38.xml><?xml version="1.0" encoding="utf-8"?>
+<p:sld xmlns:a="http://schemas.openxmlformats.org/drawingml/2006/main" xmlns:r="http://schemas.openxmlformats.org/officeDocument/2006/relationships" xmlns:p="http://schemas.openxmlformats.org/presentationml/2006/main">
+  <p:cSld>
+    <p:spTree>
+      <p:nvGrpSpPr>
+        <p:cNvPr id="1" name="">
+          <a:extLst>
+            <a:ext uri="{FF2B5EF4-FFF2-40B4-BE49-F238E27FC236}">
+              <a16:creationId xmlns:a16="http://schemas.microsoft.com/office/drawing/2014/main" id="{3472A0D8-BCCA-76BC-B72D-0970ACE03A1C}"/>
+            </a:ext>
+          </a:extLst>
+        </p:cNvPr>
+        <p:cNvGrpSpPr/>
+        <p:nvPr/>
+      </p:nvGrpSpPr>
+      <p:grpSpPr>
+        <a:xfrm>
+          <a:off x="0" y="0"/>
+          <a:ext cx="0" cy="0"/>
+          <a:chOff x="0" y="0"/>
+          <a:chExt cx="0" cy="0"/>
+        </a:xfrm>
+      </p:grpSpPr>
+      <p:sp>
+        <p:nvSpPr>
+          <p:cNvPr id="4" name="제목 1">
+            <a:extLst>
+              <a:ext uri="{FF2B5EF4-FFF2-40B4-BE49-F238E27FC236}">
+                <a16:creationId xmlns:a16="http://schemas.microsoft.com/office/drawing/2014/main" id="{2F20DD40-8FE3-80E3-1ED2-874B8DA6D315}"/>
+              </a:ext>
+            </a:extLst>
+          </p:cNvPr>
+          <p:cNvSpPr>
+            <a:spLocks noGrp="1"/>
+          </p:cNvSpPr>
+          <p:nvPr>
+            <p:ph type="title"/>
+          </p:nvPr>
+        </p:nvSpPr>
+        <p:spPr>
+          <a:xfrm>
+            <a:off x="129225" y="83886"/>
+            <a:ext cx="2037506" cy="608225"/>
+          </a:xfrm>
+        </p:spPr>
+        <p:txBody>
+          <a:bodyPr>
+            <a:normAutofit/>
+          </a:bodyPr>
+          <a:lstStyle/>
+          <a:p>
+            <a:pPr algn="ctr"/>
+            <a:r>
+              <a:rPr lang="ko-KR" altLang="en-US" sz="3200" b="1" dirty="0"/>
+              <a:t>기타 </a:t>
+            </a:r>
+            <a:r>
+              <a:rPr lang="en-US" altLang="ko-KR" sz="3200" b="1" dirty="0"/>
+              <a:t>UI</a:t>
+            </a:r>
+            <a:endParaRPr lang="ko-KR" altLang="en-US" sz="3200" b="1" dirty="0"/>
+          </a:p>
+        </p:txBody>
+      </p:sp>
+      <p:cxnSp>
+        <p:nvCxnSpPr>
+          <p:cNvPr id="7" name="직선 연결선 6">
+            <a:extLst>
+              <a:ext uri="{FF2B5EF4-FFF2-40B4-BE49-F238E27FC236}">
+                <a16:creationId xmlns:a16="http://schemas.microsoft.com/office/drawing/2014/main" id="{D120806F-5E7B-EAD1-8C4A-81FB9D9DE43A}"/>
+              </a:ext>
+            </a:extLst>
+          </p:cNvPr>
+          <p:cNvCxnSpPr>
+            <a:cxnSpLocks/>
+          </p:cNvCxnSpPr>
+          <p:nvPr/>
+        </p:nvCxnSpPr>
+        <p:spPr>
+          <a:xfrm>
+            <a:off x="0" y="692111"/>
+            <a:ext cx="12192000" cy="0"/>
+          </a:xfrm>
+          <a:prstGeom prst="line">
+            <a:avLst/>
+          </a:prstGeom>
+          <a:ln>
+            <a:solidFill>
+              <a:schemeClr val="bg2">
+                <a:lumMod val="75000"/>
+              </a:schemeClr>
+            </a:solidFill>
+          </a:ln>
+        </p:spPr>
+        <p:style>
+          <a:lnRef idx="2">
+            <a:schemeClr val="accent1"/>
+          </a:lnRef>
+          <a:fillRef idx="0">
+            <a:schemeClr val="accent1"/>
+          </a:fillRef>
+          <a:effectRef idx="1">
+            <a:schemeClr val="accent1"/>
+          </a:effectRef>
+          <a:fontRef idx="minor">
+            <a:schemeClr val="tx1"/>
+          </a:fontRef>
+        </p:style>
+      </p:cxnSp>
+      <p:cxnSp>
+        <p:nvCxnSpPr>
+          <p:cNvPr id="8" name="직선 연결선 7">
+            <a:extLst>
+              <a:ext uri="{FF2B5EF4-FFF2-40B4-BE49-F238E27FC236}">
+                <a16:creationId xmlns:a16="http://schemas.microsoft.com/office/drawing/2014/main" id="{6E3DC860-6941-8178-352F-17756EE3AB7B}"/>
+              </a:ext>
+            </a:extLst>
+          </p:cNvPr>
+          <p:cNvCxnSpPr>
+            <a:cxnSpLocks/>
+          </p:cNvCxnSpPr>
+          <p:nvPr/>
+        </p:nvCxnSpPr>
+        <p:spPr>
+          <a:xfrm>
+            <a:off x="129225" y="658980"/>
+            <a:ext cx="2037505" cy="0"/>
+          </a:xfrm>
+          <a:prstGeom prst="line">
+            <a:avLst/>
+          </a:prstGeom>
+          <a:ln w="76200">
+            <a:solidFill>
+              <a:schemeClr val="tx1"/>
+            </a:solidFill>
+          </a:ln>
+        </p:spPr>
+        <p:style>
+          <a:lnRef idx="2">
+            <a:schemeClr val="accent1"/>
+          </a:lnRef>
+          <a:fillRef idx="0">
+            <a:schemeClr val="accent1"/>
+          </a:fillRef>
+          <a:effectRef idx="1">
+            <a:schemeClr val="accent1"/>
+          </a:effectRef>
+          <a:fontRef idx="minor">
+            <a:schemeClr val="tx1"/>
+          </a:fontRef>
+        </p:style>
+      </p:cxnSp>
+      <p:sp>
+        <p:nvSpPr>
+          <p:cNvPr id="14" name="슬라이드 번호 개체 틀 13">
+            <a:extLst>
+              <a:ext uri="{FF2B5EF4-FFF2-40B4-BE49-F238E27FC236}">
+                <a16:creationId xmlns:a16="http://schemas.microsoft.com/office/drawing/2014/main" id="{1CE76125-B34A-2735-2F9C-48E261DB969D}"/>
+              </a:ext>
+            </a:extLst>
+          </p:cNvPr>
+          <p:cNvSpPr>
+            <a:spLocks noGrp="1"/>
+          </p:cNvSpPr>
+          <p:nvPr>
+            <p:ph type="sldNum" sz="quarter" idx="12"/>
+          </p:nvPr>
+        </p:nvSpPr>
+        <p:spPr/>
+        <p:txBody>
+          <a:bodyPr/>
+          <a:lstStyle/>
+          <a:p>
+            <a:fld id="{8D96929D-9E84-4A42-B4C3-2E48812748E4}" type="slidenum">
+              <a:rPr lang="ko-KR" altLang="en-US" smtClean="0"/>
+              <a:t>38</a:t>
+            </a:fld>
+            <a:endParaRPr lang="ko-KR" altLang="en-US" dirty="0"/>
+          </a:p>
+        </p:txBody>
+      </p:sp>
+      <p:sp>
+        <p:nvSpPr>
+          <p:cNvPr id="3" name="TextBox 2">
+            <a:extLst>
+              <a:ext uri="{FF2B5EF4-FFF2-40B4-BE49-F238E27FC236}">
+                <a16:creationId xmlns:a16="http://schemas.microsoft.com/office/drawing/2014/main" id="{1F1D4E55-9449-821C-B89A-D59C4F44F538}"/>
+              </a:ext>
+            </a:extLst>
+          </p:cNvPr>
+          <p:cNvSpPr txBox="1"/>
+          <p:nvPr/>
+        </p:nvSpPr>
+        <p:spPr>
+          <a:xfrm>
+            <a:off x="454785" y="707392"/>
+            <a:ext cx="2095445" cy="523220"/>
+          </a:xfrm>
+          <a:prstGeom prst="rect">
+            <a:avLst/>
+          </a:prstGeom>
+          <a:noFill/>
+        </p:spPr>
+        <p:txBody>
+          <a:bodyPr wrap="none" rtlCol="0">
+            <a:spAutoFit/>
+          </a:bodyPr>
+          <a:lstStyle/>
+          <a:p>
+            <a:r>
+              <a:rPr lang="ko-KR" altLang="en-US" sz="2800" dirty="0">
+                <a:solidFill>
+                  <a:srgbClr val="0070C0"/>
+                </a:solidFill>
+              </a:rPr>
+              <a:t>튜토리얼 </a:t>
+            </a:r>
+            <a:r>
+              <a:rPr lang="en-US" altLang="ko-KR" sz="2800" dirty="0">
+                <a:solidFill>
+                  <a:srgbClr val="0070C0"/>
+                </a:solidFill>
+              </a:rPr>
+              <a:t>UI</a:t>
+            </a:r>
+            <a:endParaRPr lang="ko-KR" altLang="en-US" sz="2800" dirty="0">
+              <a:solidFill>
+                <a:srgbClr val="0070C0"/>
+              </a:solidFill>
+            </a:endParaRPr>
+          </a:p>
+        </p:txBody>
+      </p:sp>
+      <p:pic>
+        <p:nvPicPr>
+          <p:cNvPr id="5" name="그림 4" descr="멀티미디어, 스크린샷, 텍스트, 태블릿 컴퓨터이(가) 표시된 사진&#10;&#10;AI가 생성한 콘텐츠는 부정확할 수 있습니다.">
+            <a:extLst>
+              <a:ext uri="{FF2B5EF4-FFF2-40B4-BE49-F238E27FC236}">
+                <a16:creationId xmlns:a16="http://schemas.microsoft.com/office/drawing/2014/main" id="{92283BB5-A274-161A-BD28-1EB1BB1EFC00}"/>
+              </a:ext>
+            </a:extLst>
+          </p:cNvPr>
+          <p:cNvPicPr>
+            <a:picLocks noChangeAspect="1"/>
+          </p:cNvPicPr>
+          <p:nvPr/>
+        </p:nvPicPr>
+        <p:blipFill>
+          <a:blip r:embed="rId2">
+            <a:extLst>
+              <a:ext uri="{28A0092B-C50C-407E-A947-70E740481C1C}">
+                <a14:useLocalDpi xmlns:a14="http://schemas.microsoft.com/office/drawing/2010/main" val="0"/>
+              </a:ext>
+            </a:extLst>
+          </a:blip>
+          <a:stretch>
+            <a:fillRect/>
+          </a:stretch>
+        </p:blipFill>
+        <p:spPr>
+          <a:xfrm>
+            <a:off x="1829379" y="1434649"/>
+            <a:ext cx="8533242" cy="4717664"/>
+          </a:xfrm>
+          <a:prstGeom prst="rect">
+            <a:avLst/>
+          </a:prstGeom>
+        </p:spPr>
+      </p:pic>
+      <p:sp>
+        <p:nvSpPr>
+          <p:cNvPr id="9" name="말풍선: 사각형 8">
+            <a:extLst>
+              <a:ext uri="{FF2B5EF4-FFF2-40B4-BE49-F238E27FC236}">
+                <a16:creationId xmlns:a16="http://schemas.microsoft.com/office/drawing/2014/main" id="{2152EE96-5118-C8D2-7422-C419D6CAA27F}"/>
+              </a:ext>
+            </a:extLst>
+          </p:cNvPr>
+          <p:cNvSpPr/>
+          <p:nvPr/>
+        </p:nvSpPr>
+        <p:spPr>
+          <a:xfrm>
+            <a:off x="838200" y="5756836"/>
+            <a:ext cx="4458702" cy="884367"/>
+          </a:xfrm>
+          <a:prstGeom prst="wedgeRectCallout">
+            <a:avLst>
+              <a:gd name="adj1" fmla="val 29763"/>
+              <a:gd name="adj2" fmla="val -82270"/>
+            </a:avLst>
+          </a:prstGeom>
+          <a:solidFill>
+            <a:schemeClr val="accent1">
+              <a:lumMod val="40000"/>
+              <a:lumOff val="60000"/>
+            </a:schemeClr>
+          </a:solidFill>
+        </p:spPr>
+        <p:style>
+          <a:lnRef idx="2">
+            <a:schemeClr val="accent1">
+              <a:shade val="15000"/>
+            </a:schemeClr>
+          </a:lnRef>
+          <a:fillRef idx="1">
+            <a:schemeClr val="accent1"/>
+          </a:fillRef>
+          <a:effectRef idx="0">
+            <a:schemeClr val="accent1"/>
+          </a:effectRef>
+          <a:fontRef idx="minor">
+            <a:schemeClr val="lt1"/>
+          </a:fontRef>
+        </p:style>
+        <p:txBody>
+          <a:bodyPr rtlCol="0" anchor="ctr"/>
+          <a:lstStyle/>
+          <a:p>
+            <a:pPr algn="ctr"/>
+            <a:r>
+              <a:rPr lang="en-US" altLang="ko-KR" sz="1400" b="1" dirty="0">
+                <a:solidFill>
+                  <a:schemeClr val="tx1"/>
+                </a:solidFill>
+              </a:rPr>
+              <a:t>[</a:t>
+            </a:r>
+            <a:r>
+              <a:rPr lang="ko-KR" altLang="en-US" sz="1400" b="1" dirty="0">
+                <a:solidFill>
+                  <a:schemeClr val="tx1"/>
+                </a:solidFill>
+              </a:rPr>
+              <a:t>튜토리얼 이미지</a:t>
+            </a:r>
+            <a:r>
+              <a:rPr lang="en-US" altLang="ko-KR" sz="1400" b="1" dirty="0">
+                <a:solidFill>
+                  <a:schemeClr val="tx1"/>
+                </a:solidFill>
+              </a:rPr>
+              <a:t>]</a:t>
+            </a:r>
+          </a:p>
+          <a:p>
+            <a:pPr marL="171450" indent="-171450">
+              <a:buFontTx/>
+              <a:buChar char="-"/>
+            </a:pPr>
+            <a:r>
+              <a:rPr lang="ko-KR" altLang="en-US" sz="1200" dirty="0">
+                <a:solidFill>
+                  <a:schemeClr val="tx1"/>
+                </a:solidFill>
+              </a:rPr>
+              <a:t>화면의 중앙에 배치가 된다</a:t>
+            </a:r>
+            <a:r>
+              <a:rPr lang="en-US" altLang="ko-KR" sz="1200" dirty="0">
+                <a:solidFill>
+                  <a:schemeClr val="tx1"/>
+                </a:solidFill>
+              </a:rPr>
+              <a:t>.</a:t>
+            </a:r>
+          </a:p>
+          <a:p>
+            <a:pPr marL="171450" indent="-171450">
+              <a:buFontTx/>
+              <a:buChar char="-"/>
+            </a:pPr>
+            <a:endParaRPr lang="ko-KR" altLang="en-US" sz="1200" dirty="0">
+              <a:solidFill>
+                <a:schemeClr val="tx1"/>
+              </a:solidFill>
+            </a:endParaRPr>
+          </a:p>
+        </p:txBody>
+      </p:sp>
+    </p:spTree>
+    <p:extLst>
+      <p:ext uri="{BB962C8B-B14F-4D97-AF65-F5344CB8AC3E}">
+        <p14:creationId xmlns:p14="http://schemas.microsoft.com/office/powerpoint/2010/main" val="3954445130"/>
       </p:ext>
     </p:extLst>
   </p:cSld>

--- a/document/Please Leave me alone!.pptx
+++ b/document/Please Leave me alone!.pptx
@@ -234,7 +234,7 @@
           <a:p>
             <a:fld id="{A9BD1FE7-2F33-4B0D-BA08-1CEE25D4E3DB}" type="datetimeFigureOut">
               <a:rPr lang="ko-KR" altLang="en-US" smtClean="0"/>
-              <a:t>2025-02-21</a:t>
+              <a:t>2025-02-22</a:t>
             </a:fld>
             <a:endParaRPr lang="ko-KR" altLang="en-US"/>
           </a:p>
@@ -948,7 +948,7 @@
           <a:p>
             <a:fld id="{783F481A-738D-4EBC-92BF-08655C0568CC}" type="datetime1">
               <a:rPr lang="ko-KR" altLang="en-US" smtClean="0"/>
-              <a:t>2025-02-21</a:t>
+              <a:t>2025-02-22</a:t>
             </a:fld>
             <a:endParaRPr lang="ko-KR" altLang="en-US"/>
           </a:p>
@@ -1146,7 +1146,7 @@
           <a:p>
             <a:fld id="{6D9BB776-B79C-4546-8ABA-DA45D9C133A7}" type="datetime1">
               <a:rPr lang="ko-KR" altLang="en-US" smtClean="0"/>
-              <a:t>2025-02-21</a:t>
+              <a:t>2025-02-22</a:t>
             </a:fld>
             <a:endParaRPr lang="ko-KR" altLang="en-US"/>
           </a:p>
@@ -1354,7 +1354,7 @@
           <a:p>
             <a:fld id="{720FF001-C6D3-49EC-8DC3-B2593B1DC1C3}" type="datetime1">
               <a:rPr lang="ko-KR" altLang="en-US" smtClean="0"/>
-              <a:t>2025-02-21</a:t>
+              <a:t>2025-02-22</a:t>
             </a:fld>
             <a:endParaRPr lang="ko-KR" altLang="en-US"/>
           </a:p>
@@ -1552,7 +1552,7 @@
           <a:p>
             <a:fld id="{091E519C-B90B-4A61-8F7D-EA80CD22B7D5}" type="datetime1">
               <a:rPr lang="ko-KR" altLang="en-US" smtClean="0"/>
-              <a:t>2025-02-21</a:t>
+              <a:t>2025-02-22</a:t>
             </a:fld>
             <a:endParaRPr lang="ko-KR" altLang="en-US"/>
           </a:p>
@@ -1827,7 +1827,7 @@
           <a:p>
             <a:fld id="{FD734108-2D59-40E2-B393-1F390391A1FB}" type="datetime1">
               <a:rPr lang="ko-KR" altLang="en-US" smtClean="0"/>
-              <a:t>2025-02-21</a:t>
+              <a:t>2025-02-22</a:t>
             </a:fld>
             <a:endParaRPr lang="ko-KR" altLang="en-US"/>
           </a:p>
@@ -2092,7 +2092,7 @@
           <a:p>
             <a:fld id="{297FF520-CDFD-4316-AC89-B0A764216C4E}" type="datetime1">
               <a:rPr lang="ko-KR" altLang="en-US" smtClean="0"/>
-              <a:t>2025-02-21</a:t>
+              <a:t>2025-02-22</a:t>
             </a:fld>
             <a:endParaRPr lang="ko-KR" altLang="en-US"/>
           </a:p>
@@ -2504,7 +2504,7 @@
           <a:p>
             <a:fld id="{0CF3B42C-2182-4183-A46A-124CD019AF43}" type="datetime1">
               <a:rPr lang="ko-KR" altLang="en-US" smtClean="0"/>
-              <a:t>2025-02-21</a:t>
+              <a:t>2025-02-22</a:t>
             </a:fld>
             <a:endParaRPr lang="ko-KR" altLang="en-US"/>
           </a:p>
@@ -2645,7 +2645,7 @@
           <a:p>
             <a:fld id="{B738F611-77C6-4F89-8E2C-D3A9C27DF43F}" type="datetime1">
               <a:rPr lang="ko-KR" altLang="en-US" smtClean="0"/>
-              <a:t>2025-02-21</a:t>
+              <a:t>2025-02-22</a:t>
             </a:fld>
             <a:endParaRPr lang="ko-KR" altLang="en-US"/>
           </a:p>
@@ -2758,7 +2758,7 @@
           <a:p>
             <a:fld id="{A051748B-BCED-40F0-8EF5-AF075B4618B9}" type="datetime1">
               <a:rPr lang="ko-KR" altLang="en-US" smtClean="0"/>
-              <a:t>2025-02-21</a:t>
+              <a:t>2025-02-22</a:t>
             </a:fld>
             <a:endParaRPr lang="ko-KR" altLang="en-US"/>
           </a:p>
@@ -3069,7 +3069,7 @@
           <a:p>
             <a:fld id="{41DBB85A-8EA7-4277-A6E6-46EF2EEF4790}" type="datetime1">
               <a:rPr lang="ko-KR" altLang="en-US" smtClean="0"/>
-              <a:t>2025-02-21</a:t>
+              <a:t>2025-02-22</a:t>
             </a:fld>
             <a:endParaRPr lang="ko-KR" altLang="en-US"/>
           </a:p>
@@ -3357,7 +3357,7 @@
           <a:p>
             <a:fld id="{BBE44FDA-CB41-4E86-912D-6ECC7574FD7F}" type="datetime1">
               <a:rPr lang="ko-KR" altLang="en-US" smtClean="0"/>
-              <a:t>2025-02-21</a:t>
+              <a:t>2025-02-22</a:t>
             </a:fld>
             <a:endParaRPr lang="ko-KR" altLang="en-US"/>
           </a:p>
@@ -3598,7 +3598,7 @@
           <a:p>
             <a:fld id="{F0992805-70C9-4612-850D-0415F751BF22}" type="datetime1">
               <a:rPr lang="ko-KR" altLang="en-US" smtClean="0"/>
-              <a:t>2025-02-21</a:t>
+              <a:t>2025-02-22</a:t>
             </a:fld>
             <a:endParaRPr lang="ko-KR" altLang="en-US"/>
           </a:p>
@@ -48239,114 +48239,375 @@
           </a:prstGeom>
         </p:spPr>
       </p:pic>
-      <p:sp>
-        <p:nvSpPr>
-          <p:cNvPr id="9" name="말풍선: 사각형 8">
+      <p:grpSp>
+        <p:nvGrpSpPr>
+          <p:cNvPr id="12" name="그룹 11">
             <a:extLst>
               <a:ext uri="{FF2B5EF4-FFF2-40B4-BE49-F238E27FC236}">
-                <a16:creationId xmlns:a16="http://schemas.microsoft.com/office/drawing/2014/main" id="{2152EE96-5118-C8D2-7422-C419D6CAA27F}"/>
+                <a16:creationId xmlns:a16="http://schemas.microsoft.com/office/drawing/2014/main" id="{A92297B7-2CB5-23CD-ECC3-0AD780B9211E}"/>
               </a:ext>
             </a:extLst>
           </p:cNvPr>
-          <p:cNvSpPr/>
+          <p:cNvGrpSpPr/>
+          <p:nvPr/>
+        </p:nvGrpSpPr>
+        <p:grpSpPr>
+          <a:xfrm rot="5400000">
+            <a:off x="2097642" y="3581562"/>
+            <a:ext cx="3435525" cy="248054"/>
+            <a:chOff x="1170814" y="4384113"/>
+            <a:chExt cx="544901" cy="248054"/>
+          </a:xfrm>
+        </p:grpSpPr>
+        <p:cxnSp>
+          <p:nvCxnSpPr>
+            <p:cNvPr id="2" name="직선 연결선 1">
+              <a:extLst>
+                <a:ext uri="{FF2B5EF4-FFF2-40B4-BE49-F238E27FC236}">
+                  <a16:creationId xmlns:a16="http://schemas.microsoft.com/office/drawing/2014/main" id="{1AFAA46F-0EEF-DD3C-2BE1-2FC174D00F06}"/>
+                </a:ext>
+              </a:extLst>
+            </p:cNvPr>
+            <p:cNvCxnSpPr>
+              <a:cxnSpLocks/>
+            </p:cNvCxnSpPr>
+            <p:nvPr/>
+          </p:nvCxnSpPr>
+          <p:spPr>
+            <a:xfrm rot="16200000">
+              <a:off x="1046787" y="4508140"/>
+              <a:ext cx="248054" cy="0"/>
+            </a:xfrm>
+            <a:prstGeom prst="line">
+              <a:avLst/>
+            </a:prstGeom>
+            <a:ln w="38100">
+              <a:solidFill>
+                <a:srgbClr val="FF0000"/>
+              </a:solidFill>
+            </a:ln>
+          </p:spPr>
+          <p:style>
+            <a:lnRef idx="2">
+              <a:schemeClr val="accent1"/>
+            </a:lnRef>
+            <a:fillRef idx="0">
+              <a:schemeClr val="accent1"/>
+            </a:fillRef>
+            <a:effectRef idx="1">
+              <a:schemeClr val="accent1"/>
+            </a:effectRef>
+            <a:fontRef idx="minor">
+              <a:schemeClr val="tx1"/>
+            </a:fontRef>
+          </p:style>
+        </p:cxnSp>
+        <p:cxnSp>
+          <p:nvCxnSpPr>
+            <p:cNvPr id="6" name="직선 연결선 5">
+              <a:extLst>
+                <a:ext uri="{FF2B5EF4-FFF2-40B4-BE49-F238E27FC236}">
+                  <a16:creationId xmlns:a16="http://schemas.microsoft.com/office/drawing/2014/main" id="{46C9D0D0-A2E9-AAD5-F151-30D829594F73}"/>
+                </a:ext>
+              </a:extLst>
+            </p:cNvPr>
+            <p:cNvCxnSpPr>
+              <a:cxnSpLocks/>
+            </p:cNvCxnSpPr>
+            <p:nvPr/>
+          </p:nvCxnSpPr>
+          <p:spPr>
+            <a:xfrm rot="16200000">
+              <a:off x="1591686" y="4508140"/>
+              <a:ext cx="248054" cy="0"/>
+            </a:xfrm>
+            <a:prstGeom prst="line">
+              <a:avLst/>
+            </a:prstGeom>
+            <a:ln w="38100">
+              <a:solidFill>
+                <a:srgbClr val="FF0000"/>
+              </a:solidFill>
+            </a:ln>
+          </p:spPr>
+          <p:style>
+            <a:lnRef idx="2">
+              <a:schemeClr val="accent1"/>
+            </a:lnRef>
+            <a:fillRef idx="0">
+              <a:schemeClr val="accent1"/>
+            </a:fillRef>
+            <a:effectRef idx="1">
+              <a:schemeClr val="accent1"/>
+            </a:effectRef>
+            <a:fontRef idx="minor">
+              <a:schemeClr val="tx1"/>
+            </a:fontRef>
+          </p:style>
+        </p:cxnSp>
+        <p:cxnSp>
+          <p:nvCxnSpPr>
+            <p:cNvPr id="10" name="직선 연결선 9">
+              <a:extLst>
+                <a:ext uri="{FF2B5EF4-FFF2-40B4-BE49-F238E27FC236}">
+                  <a16:creationId xmlns:a16="http://schemas.microsoft.com/office/drawing/2014/main" id="{91A394DC-D68B-20C1-2E0A-9478E76B0B0D}"/>
+                </a:ext>
+              </a:extLst>
+            </p:cNvPr>
+            <p:cNvCxnSpPr>
+              <a:cxnSpLocks/>
+            </p:cNvCxnSpPr>
+            <p:nvPr/>
+          </p:nvCxnSpPr>
+          <p:spPr>
+            <a:xfrm>
+              <a:off x="1170814" y="4508140"/>
+              <a:ext cx="544901" cy="0"/>
+            </a:xfrm>
+            <a:prstGeom prst="line">
+              <a:avLst/>
+            </a:prstGeom>
+            <a:ln w="38100">
+              <a:solidFill>
+                <a:srgbClr val="FF0000"/>
+              </a:solidFill>
+            </a:ln>
+          </p:spPr>
+          <p:style>
+            <a:lnRef idx="2">
+              <a:schemeClr val="accent1"/>
+            </a:lnRef>
+            <a:fillRef idx="0">
+              <a:schemeClr val="accent1"/>
+            </a:fillRef>
+            <a:effectRef idx="1">
+              <a:schemeClr val="accent1"/>
+            </a:effectRef>
+            <a:fontRef idx="minor">
+              <a:schemeClr val="tx1"/>
+            </a:fontRef>
+          </p:style>
+        </p:cxnSp>
+      </p:grpSp>
+      <p:sp>
+        <p:nvSpPr>
+          <p:cNvPr id="11" name="TextBox 10">
+            <a:extLst>
+              <a:ext uri="{FF2B5EF4-FFF2-40B4-BE49-F238E27FC236}">
+                <a16:creationId xmlns:a16="http://schemas.microsoft.com/office/drawing/2014/main" id="{8DEA39C9-071F-9491-1E87-7C72F24E818B}"/>
+              </a:ext>
+            </a:extLst>
+          </p:cNvPr>
+          <p:cNvSpPr txBox="1"/>
           <p:nvPr/>
         </p:nvSpPr>
         <p:spPr>
           <a:xfrm>
-            <a:off x="838200" y="5756836"/>
-            <a:ext cx="4458702" cy="884367"/>
+            <a:off x="3337893" y="3677655"/>
+            <a:ext cx="415498" cy="261610"/>
           </a:xfrm>
-          <a:prstGeom prst="wedgeRectCallout">
-            <a:avLst>
-              <a:gd name="adj1" fmla="val 29763"/>
-              <a:gd name="adj2" fmla="val -82270"/>
-            </a:avLst>
+          <a:prstGeom prst="rect">
+            <a:avLst/>
           </a:prstGeom>
-          <a:solidFill>
-            <a:schemeClr val="accent1">
-              <a:lumMod val="40000"/>
-              <a:lumOff val="60000"/>
-            </a:schemeClr>
-          </a:solidFill>
+          <a:noFill/>
         </p:spPr>
-        <p:style>
-          <a:lnRef idx="2">
-            <a:schemeClr val="accent1">
-              <a:shade val="15000"/>
-            </a:schemeClr>
-          </a:lnRef>
-          <a:fillRef idx="1">
-            <a:schemeClr val="accent1"/>
-          </a:fillRef>
-          <a:effectRef idx="0">
-            <a:schemeClr val="accent1"/>
-          </a:effectRef>
-          <a:fontRef idx="minor">
-            <a:schemeClr val="lt1"/>
-          </a:fontRef>
-        </p:style>
         <p:txBody>
-          <a:bodyPr rtlCol="0" anchor="ctr"/>
+          <a:bodyPr wrap="none" rtlCol="0">
+            <a:spAutoFit/>
+          </a:bodyPr>
           <a:lstStyle/>
           <a:p>
-            <a:pPr algn="ctr"/>
-            <a:r>
-              <a:rPr lang="en-US" altLang="ko-KR" sz="1400" b="1" dirty="0">
-                <a:solidFill>
-                  <a:schemeClr val="tx1"/>
-                </a:solidFill>
-              </a:rPr>
-              <a:t>[</a:t>
-            </a:r>
-            <a:r>
-              <a:rPr lang="ko-KR" altLang="en-US" sz="1400" b="1" dirty="0">
-                <a:solidFill>
-                  <a:schemeClr val="tx1"/>
-                </a:solidFill>
-              </a:rPr>
-              <a:t>튜토리얼 이미지</a:t>
-            </a:r>
-            <a:r>
-              <a:rPr lang="en-US" altLang="ko-KR" sz="1400" b="1" dirty="0">
-                <a:solidFill>
-                  <a:schemeClr val="tx1"/>
-                </a:solidFill>
-              </a:rPr>
-              <a:t>]</a:t>
-            </a:r>
+            <a:r>
+              <a:rPr lang="en-US" altLang="ko-KR" sz="1100" dirty="0"/>
+              <a:t>550</a:t>
+            </a:r>
+            <a:endParaRPr lang="ko-KR" altLang="en-US" sz="1100" dirty="0"/>
           </a:p>
+        </p:txBody>
+      </p:sp>
+      <p:grpSp>
+        <p:nvGrpSpPr>
+          <p:cNvPr id="13" name="그룹 12">
+            <a:extLst>
+              <a:ext uri="{FF2B5EF4-FFF2-40B4-BE49-F238E27FC236}">
+                <a16:creationId xmlns:a16="http://schemas.microsoft.com/office/drawing/2014/main" id="{F7486A38-DE86-32C8-A1B9-B52E3463EF7E}"/>
+              </a:ext>
+            </a:extLst>
+          </p:cNvPr>
+          <p:cNvGrpSpPr/>
+          <p:nvPr/>
+        </p:nvGrpSpPr>
+        <p:grpSpPr>
+          <a:xfrm>
+            <a:off x="3954930" y="1739772"/>
+            <a:ext cx="4274670" cy="248054"/>
+            <a:chOff x="1170814" y="4384113"/>
+            <a:chExt cx="544901" cy="248054"/>
+          </a:xfrm>
+        </p:grpSpPr>
+        <p:cxnSp>
+          <p:nvCxnSpPr>
+            <p:cNvPr id="15" name="직선 연결선 14">
+              <a:extLst>
+                <a:ext uri="{FF2B5EF4-FFF2-40B4-BE49-F238E27FC236}">
+                  <a16:creationId xmlns:a16="http://schemas.microsoft.com/office/drawing/2014/main" id="{BDD489FF-125A-F83A-554A-ECD5437180ED}"/>
+                </a:ext>
+              </a:extLst>
+            </p:cNvPr>
+            <p:cNvCxnSpPr>
+              <a:cxnSpLocks/>
+            </p:cNvCxnSpPr>
+            <p:nvPr/>
+          </p:nvCxnSpPr>
+          <p:spPr>
+            <a:xfrm rot="16200000">
+              <a:off x="1046787" y="4508140"/>
+              <a:ext cx="248054" cy="0"/>
+            </a:xfrm>
+            <a:prstGeom prst="line">
+              <a:avLst/>
+            </a:prstGeom>
+            <a:ln w="38100">
+              <a:solidFill>
+                <a:srgbClr val="FF0000"/>
+              </a:solidFill>
+            </a:ln>
+          </p:spPr>
+          <p:style>
+            <a:lnRef idx="2">
+              <a:schemeClr val="accent1"/>
+            </a:lnRef>
+            <a:fillRef idx="0">
+              <a:schemeClr val="accent1"/>
+            </a:fillRef>
+            <a:effectRef idx="1">
+              <a:schemeClr val="accent1"/>
+            </a:effectRef>
+            <a:fontRef idx="minor">
+              <a:schemeClr val="tx1"/>
+            </a:fontRef>
+          </p:style>
+        </p:cxnSp>
+        <p:cxnSp>
+          <p:nvCxnSpPr>
+            <p:cNvPr id="16" name="직선 연결선 15">
+              <a:extLst>
+                <a:ext uri="{FF2B5EF4-FFF2-40B4-BE49-F238E27FC236}">
+                  <a16:creationId xmlns:a16="http://schemas.microsoft.com/office/drawing/2014/main" id="{6B46B576-F3EB-8273-A5C5-773B8370580D}"/>
+                </a:ext>
+              </a:extLst>
+            </p:cNvPr>
+            <p:cNvCxnSpPr>
+              <a:cxnSpLocks/>
+            </p:cNvCxnSpPr>
+            <p:nvPr/>
+          </p:nvCxnSpPr>
+          <p:spPr>
+            <a:xfrm rot="16200000">
+              <a:off x="1591686" y="4508140"/>
+              <a:ext cx="248054" cy="0"/>
+            </a:xfrm>
+            <a:prstGeom prst="line">
+              <a:avLst/>
+            </a:prstGeom>
+            <a:ln w="38100">
+              <a:solidFill>
+                <a:srgbClr val="FF0000"/>
+              </a:solidFill>
+            </a:ln>
+          </p:spPr>
+          <p:style>
+            <a:lnRef idx="2">
+              <a:schemeClr val="accent1"/>
+            </a:lnRef>
+            <a:fillRef idx="0">
+              <a:schemeClr val="accent1"/>
+            </a:fillRef>
+            <a:effectRef idx="1">
+              <a:schemeClr val="accent1"/>
+            </a:effectRef>
+            <a:fontRef idx="minor">
+              <a:schemeClr val="tx1"/>
+            </a:fontRef>
+          </p:style>
+        </p:cxnSp>
+        <p:cxnSp>
+          <p:nvCxnSpPr>
+            <p:cNvPr id="17" name="직선 연결선 16">
+              <a:extLst>
+                <a:ext uri="{FF2B5EF4-FFF2-40B4-BE49-F238E27FC236}">
+                  <a16:creationId xmlns:a16="http://schemas.microsoft.com/office/drawing/2014/main" id="{5E31268A-1D0C-D911-51E0-AD7780009EC2}"/>
+                </a:ext>
+              </a:extLst>
+            </p:cNvPr>
+            <p:cNvCxnSpPr>
+              <a:cxnSpLocks/>
+            </p:cNvCxnSpPr>
+            <p:nvPr/>
+          </p:nvCxnSpPr>
+          <p:spPr>
+            <a:xfrm>
+              <a:off x="1170814" y="4508140"/>
+              <a:ext cx="544901" cy="0"/>
+            </a:xfrm>
+            <a:prstGeom prst="line">
+              <a:avLst/>
+            </a:prstGeom>
+            <a:ln w="38100">
+              <a:solidFill>
+                <a:srgbClr val="FF0000"/>
+              </a:solidFill>
+            </a:ln>
+          </p:spPr>
+          <p:style>
+            <a:lnRef idx="2">
+              <a:schemeClr val="accent1"/>
+            </a:lnRef>
+            <a:fillRef idx="0">
+              <a:schemeClr val="accent1"/>
+            </a:fillRef>
+            <a:effectRef idx="1">
+              <a:schemeClr val="accent1"/>
+            </a:effectRef>
+            <a:fontRef idx="minor">
+              <a:schemeClr val="tx1"/>
+            </a:fontRef>
+          </p:style>
+        </p:cxnSp>
+      </p:grpSp>
+      <p:sp>
+        <p:nvSpPr>
+          <p:cNvPr id="18" name="TextBox 17">
+            <a:extLst>
+              <a:ext uri="{FF2B5EF4-FFF2-40B4-BE49-F238E27FC236}">
+                <a16:creationId xmlns:a16="http://schemas.microsoft.com/office/drawing/2014/main" id="{9D221799-6D83-AB8C-B3EA-2BE22BE9AE30}"/>
+              </a:ext>
+            </a:extLst>
+          </p:cNvPr>
+          <p:cNvSpPr txBox="1"/>
+          <p:nvPr/>
+        </p:nvSpPr>
+        <p:spPr>
+          <a:xfrm>
+            <a:off x="5869008" y="1796384"/>
+            <a:ext cx="415498" cy="261610"/>
+          </a:xfrm>
+          <a:prstGeom prst="rect">
+            <a:avLst/>
+          </a:prstGeom>
+          <a:noFill/>
+        </p:spPr>
+        <p:txBody>
+          <a:bodyPr wrap="none" rtlCol="0">
+            <a:spAutoFit/>
+          </a:bodyPr>
+          <a:lstStyle/>
           <a:p>
-            <a:pPr marL="171450" indent="-171450">
-              <a:buFontTx/>
-              <a:buChar char="-"/>
-            </a:pPr>
-            <a:r>
-              <a:rPr lang="ko-KR" altLang="en-US" sz="1200" dirty="0">
-                <a:solidFill>
-                  <a:schemeClr val="tx1"/>
-                </a:solidFill>
-              </a:rPr>
-              <a:t>화면의 중앙에 배치가 된다</a:t>
-            </a:r>
-            <a:r>
-              <a:rPr lang="en-US" altLang="ko-KR" sz="1200" dirty="0">
-                <a:solidFill>
-                  <a:schemeClr val="tx1"/>
-                </a:solidFill>
-              </a:rPr>
-              <a:t>.</a:t>
-            </a:r>
-          </a:p>
-          <a:p>
-            <a:pPr marL="171450" indent="-171450">
-              <a:buFontTx/>
-              <a:buChar char="-"/>
-            </a:pPr>
-            <a:endParaRPr lang="ko-KR" altLang="en-US" sz="1200" dirty="0">
-              <a:solidFill>
-                <a:schemeClr val="tx1"/>
-              </a:solidFill>
-            </a:endParaRPr>
+            <a:r>
+              <a:rPr lang="en-US" altLang="ko-KR" sz="1100" dirty="0"/>
+              <a:t>550</a:t>
+            </a:r>
+            <a:endParaRPr lang="ko-KR" altLang="en-US" sz="1100" dirty="0"/>
           </a:p>
         </p:txBody>
       </p:sp>

--- a/document/Please Leave me alone!.pptx
+++ b/document/Please Leave me alone!.pptx
@@ -5,7 +5,7 @@
     <p:sldMasterId id="2147483648" r:id="rId1"/>
   </p:sldMasterIdLst>
   <p:notesMasterIdLst>
-    <p:notesMasterId r:id="rId40"/>
+    <p:notesMasterId r:id="rId43"/>
   </p:notesMasterIdLst>
   <p:sldIdLst>
     <p:sldId id="256" r:id="rId2"/>
@@ -28,24 +28,27 @@
     <p:sldId id="260" r:id="rId19"/>
     <p:sldId id="263" r:id="rId20"/>
     <p:sldId id="299" r:id="rId21"/>
-    <p:sldId id="266" r:id="rId22"/>
-    <p:sldId id="285" r:id="rId23"/>
-    <p:sldId id="298" r:id="rId24"/>
-    <p:sldId id="286" r:id="rId25"/>
-    <p:sldId id="267" r:id="rId26"/>
-    <p:sldId id="268" r:id="rId27"/>
-    <p:sldId id="289" r:id="rId28"/>
-    <p:sldId id="290" r:id="rId29"/>
-    <p:sldId id="291" r:id="rId30"/>
-    <p:sldId id="292" r:id="rId31"/>
-    <p:sldId id="276" r:id="rId32"/>
-    <p:sldId id="275" r:id="rId33"/>
-    <p:sldId id="287" r:id="rId34"/>
-    <p:sldId id="288" r:id="rId35"/>
-    <p:sldId id="284" r:id="rId36"/>
-    <p:sldId id="294" r:id="rId37"/>
-    <p:sldId id="296" r:id="rId38"/>
-    <p:sldId id="300" r:id="rId39"/>
+    <p:sldId id="301" r:id="rId22"/>
+    <p:sldId id="302" r:id="rId23"/>
+    <p:sldId id="303" r:id="rId24"/>
+    <p:sldId id="266" r:id="rId25"/>
+    <p:sldId id="285" r:id="rId26"/>
+    <p:sldId id="298" r:id="rId27"/>
+    <p:sldId id="286" r:id="rId28"/>
+    <p:sldId id="267" r:id="rId29"/>
+    <p:sldId id="268" r:id="rId30"/>
+    <p:sldId id="289" r:id="rId31"/>
+    <p:sldId id="290" r:id="rId32"/>
+    <p:sldId id="291" r:id="rId33"/>
+    <p:sldId id="292" r:id="rId34"/>
+    <p:sldId id="276" r:id="rId35"/>
+    <p:sldId id="275" r:id="rId36"/>
+    <p:sldId id="287" r:id="rId37"/>
+    <p:sldId id="288" r:id="rId38"/>
+    <p:sldId id="284" r:id="rId39"/>
+    <p:sldId id="294" r:id="rId40"/>
+    <p:sldId id="296" r:id="rId41"/>
+    <p:sldId id="300" r:id="rId42"/>
   </p:sldIdLst>
   <p:sldSz cx="12192000" cy="6858000"/>
   <p:notesSz cx="6858000" cy="9144000"/>
@@ -566,7 +569,307 @@
           <a:p>
             <a:fld id="{7314D800-9A51-42A1-B86E-6DA909F79E40}" type="slidenum">
               <a:rPr lang="ko-KR" altLang="en-US" smtClean="0"/>
-              <a:t>28</a:t>
+              <a:t>21</a:t>
+            </a:fld>
+            <a:endParaRPr lang="ko-KR" altLang="en-US"/>
+          </a:p>
+        </p:txBody>
+      </p:sp>
+    </p:spTree>
+    <p:extLst>
+      <p:ext uri="{BB962C8B-B14F-4D97-AF65-F5344CB8AC3E}">
+        <p14:creationId xmlns:p14="http://schemas.microsoft.com/office/powerpoint/2010/main" val="2418617595"/>
+      </p:ext>
+    </p:extLst>
+  </p:cSld>
+  <p:clrMapOvr>
+    <a:masterClrMapping/>
+  </p:clrMapOvr>
+</p:notes>
+</file>
+
+<file path=ppt/notesSlides/notesSlide2.xml><?xml version="1.0" encoding="utf-8"?>
+<p:notes xmlns:a="http://schemas.openxmlformats.org/drawingml/2006/main" xmlns:r="http://schemas.openxmlformats.org/officeDocument/2006/relationships" xmlns:p="http://schemas.openxmlformats.org/presentationml/2006/main">
+  <p:cSld>
+    <p:spTree>
+      <p:nvGrpSpPr>
+        <p:cNvPr id="1" name="">
+          <a:extLst>
+            <a:ext uri="{FF2B5EF4-FFF2-40B4-BE49-F238E27FC236}">
+              <a16:creationId xmlns:a16="http://schemas.microsoft.com/office/drawing/2014/main" id="{0611E113-D871-2C21-E499-7B886CA2B901}"/>
+            </a:ext>
+          </a:extLst>
+        </p:cNvPr>
+        <p:cNvGrpSpPr/>
+        <p:nvPr/>
+      </p:nvGrpSpPr>
+      <p:grpSpPr>
+        <a:xfrm>
+          <a:off x="0" y="0"/>
+          <a:ext cx="0" cy="0"/>
+          <a:chOff x="0" y="0"/>
+          <a:chExt cx="0" cy="0"/>
+        </a:xfrm>
+      </p:grpSpPr>
+      <p:sp>
+        <p:nvSpPr>
+          <p:cNvPr id="2" name="슬라이드 이미지 개체 틀 1">
+            <a:extLst>
+              <a:ext uri="{FF2B5EF4-FFF2-40B4-BE49-F238E27FC236}">
+                <a16:creationId xmlns:a16="http://schemas.microsoft.com/office/drawing/2014/main" id="{ECA1DB41-8E12-150E-1D65-A088217B9EA7}"/>
+              </a:ext>
+            </a:extLst>
+          </p:cNvPr>
+          <p:cNvSpPr>
+            <a:spLocks noGrp="1" noRot="1" noChangeAspect="1"/>
+          </p:cNvSpPr>
+          <p:nvPr>
+            <p:ph type="sldImg"/>
+          </p:nvPr>
+        </p:nvSpPr>
+        <p:spPr/>
+      </p:sp>
+      <p:sp>
+        <p:nvSpPr>
+          <p:cNvPr id="3" name="슬라이드 노트 개체 틀 2">
+            <a:extLst>
+              <a:ext uri="{FF2B5EF4-FFF2-40B4-BE49-F238E27FC236}">
+                <a16:creationId xmlns:a16="http://schemas.microsoft.com/office/drawing/2014/main" id="{0D7B146E-2A4F-1381-D2D3-E2431D180722}"/>
+              </a:ext>
+            </a:extLst>
+          </p:cNvPr>
+          <p:cNvSpPr>
+            <a:spLocks noGrp="1"/>
+          </p:cNvSpPr>
+          <p:nvPr>
+            <p:ph type="body" idx="1"/>
+          </p:nvPr>
+        </p:nvSpPr>
+        <p:spPr/>
+        <p:txBody>
+          <a:bodyPr/>
+          <a:lstStyle/>
+          <a:p>
+            <a:endParaRPr lang="ko-KR" altLang="en-US" dirty="0"/>
+          </a:p>
+        </p:txBody>
+      </p:sp>
+      <p:sp>
+        <p:nvSpPr>
+          <p:cNvPr id="4" name="슬라이드 번호 개체 틀 3">
+            <a:extLst>
+              <a:ext uri="{FF2B5EF4-FFF2-40B4-BE49-F238E27FC236}">
+                <a16:creationId xmlns:a16="http://schemas.microsoft.com/office/drawing/2014/main" id="{AEE53817-7FCE-1811-DED7-B4B31577B0AE}"/>
+              </a:ext>
+            </a:extLst>
+          </p:cNvPr>
+          <p:cNvSpPr>
+            <a:spLocks noGrp="1"/>
+          </p:cNvSpPr>
+          <p:nvPr>
+            <p:ph type="sldNum" sz="quarter" idx="5"/>
+          </p:nvPr>
+        </p:nvSpPr>
+        <p:spPr/>
+        <p:txBody>
+          <a:bodyPr/>
+          <a:lstStyle/>
+          <a:p>
+            <a:fld id="{7314D800-9A51-42A1-B86E-6DA909F79E40}" type="slidenum">
+              <a:rPr lang="ko-KR" altLang="en-US" smtClean="0"/>
+              <a:t>22</a:t>
+            </a:fld>
+            <a:endParaRPr lang="ko-KR" altLang="en-US"/>
+          </a:p>
+        </p:txBody>
+      </p:sp>
+    </p:spTree>
+    <p:extLst>
+      <p:ext uri="{BB962C8B-B14F-4D97-AF65-F5344CB8AC3E}">
+        <p14:creationId xmlns:p14="http://schemas.microsoft.com/office/powerpoint/2010/main" val="471351536"/>
+      </p:ext>
+    </p:extLst>
+  </p:cSld>
+  <p:clrMapOvr>
+    <a:masterClrMapping/>
+  </p:clrMapOvr>
+</p:notes>
+</file>
+
+<file path=ppt/notesSlides/notesSlide3.xml><?xml version="1.0" encoding="utf-8"?>
+<p:notes xmlns:a="http://schemas.openxmlformats.org/drawingml/2006/main" xmlns:r="http://schemas.openxmlformats.org/officeDocument/2006/relationships" xmlns:p="http://schemas.openxmlformats.org/presentationml/2006/main">
+  <p:cSld>
+    <p:spTree>
+      <p:nvGrpSpPr>
+        <p:cNvPr id="1" name="">
+          <a:extLst>
+            <a:ext uri="{FF2B5EF4-FFF2-40B4-BE49-F238E27FC236}">
+              <a16:creationId xmlns:a16="http://schemas.microsoft.com/office/drawing/2014/main" id="{90520DA3-4D40-0EDE-687F-1A5E1595C8FC}"/>
+            </a:ext>
+          </a:extLst>
+        </p:cNvPr>
+        <p:cNvGrpSpPr/>
+        <p:nvPr/>
+      </p:nvGrpSpPr>
+      <p:grpSpPr>
+        <a:xfrm>
+          <a:off x="0" y="0"/>
+          <a:ext cx="0" cy="0"/>
+          <a:chOff x="0" y="0"/>
+          <a:chExt cx="0" cy="0"/>
+        </a:xfrm>
+      </p:grpSpPr>
+      <p:sp>
+        <p:nvSpPr>
+          <p:cNvPr id="2" name="슬라이드 이미지 개체 틀 1">
+            <a:extLst>
+              <a:ext uri="{FF2B5EF4-FFF2-40B4-BE49-F238E27FC236}">
+                <a16:creationId xmlns:a16="http://schemas.microsoft.com/office/drawing/2014/main" id="{6DECA6E5-ABDC-1771-62E2-5639F1CF8412}"/>
+              </a:ext>
+            </a:extLst>
+          </p:cNvPr>
+          <p:cNvSpPr>
+            <a:spLocks noGrp="1" noRot="1" noChangeAspect="1"/>
+          </p:cNvSpPr>
+          <p:nvPr>
+            <p:ph type="sldImg"/>
+          </p:nvPr>
+        </p:nvSpPr>
+        <p:spPr/>
+      </p:sp>
+      <p:sp>
+        <p:nvSpPr>
+          <p:cNvPr id="3" name="슬라이드 노트 개체 틀 2">
+            <a:extLst>
+              <a:ext uri="{FF2B5EF4-FFF2-40B4-BE49-F238E27FC236}">
+                <a16:creationId xmlns:a16="http://schemas.microsoft.com/office/drawing/2014/main" id="{58133587-6683-EB4D-524E-81CD997C3650}"/>
+              </a:ext>
+            </a:extLst>
+          </p:cNvPr>
+          <p:cNvSpPr>
+            <a:spLocks noGrp="1"/>
+          </p:cNvSpPr>
+          <p:nvPr>
+            <p:ph type="body" idx="1"/>
+          </p:nvPr>
+        </p:nvSpPr>
+        <p:spPr/>
+        <p:txBody>
+          <a:bodyPr/>
+          <a:lstStyle/>
+          <a:p>
+            <a:endParaRPr lang="ko-KR" altLang="en-US" dirty="0"/>
+          </a:p>
+        </p:txBody>
+      </p:sp>
+      <p:sp>
+        <p:nvSpPr>
+          <p:cNvPr id="4" name="슬라이드 번호 개체 틀 3">
+            <a:extLst>
+              <a:ext uri="{FF2B5EF4-FFF2-40B4-BE49-F238E27FC236}">
+                <a16:creationId xmlns:a16="http://schemas.microsoft.com/office/drawing/2014/main" id="{52D9879B-99BF-32AB-4500-45D256A391B9}"/>
+              </a:ext>
+            </a:extLst>
+          </p:cNvPr>
+          <p:cNvSpPr>
+            <a:spLocks noGrp="1"/>
+          </p:cNvSpPr>
+          <p:nvPr>
+            <p:ph type="sldNum" sz="quarter" idx="5"/>
+          </p:nvPr>
+        </p:nvSpPr>
+        <p:spPr/>
+        <p:txBody>
+          <a:bodyPr/>
+          <a:lstStyle/>
+          <a:p>
+            <a:fld id="{7314D800-9A51-42A1-B86E-6DA909F79E40}" type="slidenum">
+              <a:rPr lang="ko-KR" altLang="en-US" smtClean="0"/>
+              <a:t>23</a:t>
+            </a:fld>
+            <a:endParaRPr lang="ko-KR" altLang="en-US"/>
+          </a:p>
+        </p:txBody>
+      </p:sp>
+    </p:spTree>
+    <p:extLst>
+      <p:ext uri="{BB962C8B-B14F-4D97-AF65-F5344CB8AC3E}">
+        <p14:creationId xmlns:p14="http://schemas.microsoft.com/office/powerpoint/2010/main" val="135617168"/>
+      </p:ext>
+    </p:extLst>
+  </p:cSld>
+  <p:clrMapOvr>
+    <a:masterClrMapping/>
+  </p:clrMapOvr>
+</p:notes>
+</file>
+
+<file path=ppt/notesSlides/notesSlide4.xml><?xml version="1.0" encoding="utf-8"?>
+<p:notes xmlns:a="http://schemas.openxmlformats.org/drawingml/2006/main" xmlns:r="http://schemas.openxmlformats.org/officeDocument/2006/relationships" xmlns:p="http://schemas.openxmlformats.org/presentationml/2006/main">
+  <p:cSld>
+    <p:spTree>
+      <p:nvGrpSpPr>
+        <p:cNvPr id="1" name=""/>
+        <p:cNvGrpSpPr/>
+        <p:nvPr/>
+      </p:nvGrpSpPr>
+      <p:grpSpPr>
+        <a:xfrm>
+          <a:off x="0" y="0"/>
+          <a:ext cx="0" cy="0"/>
+          <a:chOff x="0" y="0"/>
+          <a:chExt cx="0" cy="0"/>
+        </a:xfrm>
+      </p:grpSpPr>
+      <p:sp>
+        <p:nvSpPr>
+          <p:cNvPr id="2" name="슬라이드 이미지 개체 틀 1"/>
+          <p:cNvSpPr>
+            <a:spLocks noGrp="1" noRot="1" noChangeAspect="1"/>
+          </p:cNvSpPr>
+          <p:nvPr>
+            <p:ph type="sldImg"/>
+          </p:nvPr>
+        </p:nvSpPr>
+        <p:spPr/>
+      </p:sp>
+      <p:sp>
+        <p:nvSpPr>
+          <p:cNvPr id="3" name="슬라이드 노트 개체 틀 2"/>
+          <p:cNvSpPr>
+            <a:spLocks noGrp="1"/>
+          </p:cNvSpPr>
+          <p:nvPr>
+            <p:ph type="body" idx="1"/>
+          </p:nvPr>
+        </p:nvSpPr>
+        <p:spPr/>
+        <p:txBody>
+          <a:bodyPr/>
+          <a:lstStyle/>
+          <a:p>
+            <a:endParaRPr lang="ko-KR" altLang="en-US" dirty="0"/>
+          </a:p>
+        </p:txBody>
+      </p:sp>
+      <p:sp>
+        <p:nvSpPr>
+          <p:cNvPr id="4" name="슬라이드 번호 개체 틀 3"/>
+          <p:cNvSpPr>
+            <a:spLocks noGrp="1"/>
+          </p:cNvSpPr>
+          <p:nvPr>
+            <p:ph type="sldNum" sz="quarter" idx="5"/>
+          </p:nvPr>
+        </p:nvSpPr>
+        <p:spPr/>
+        <p:txBody>
+          <a:bodyPr/>
+          <a:lstStyle/>
+          <a:p>
+            <a:fld id="{7314D800-9A51-42A1-B86E-6DA909F79E40}" type="slidenum">
+              <a:rPr lang="ko-KR" altLang="en-US" smtClean="0"/>
+              <a:t>31</a:t>
             </a:fld>
             <a:endParaRPr lang="ko-KR" altLang="en-US"/>
           </a:p>
@@ -585,7 +888,7 @@
 </p:notes>
 </file>
 
-<file path=ppt/notesSlides/notesSlide2.xml><?xml version="1.0" encoding="utf-8"?>
+<file path=ppt/notesSlides/notesSlide5.xml><?xml version="1.0" encoding="utf-8"?>
 <p:notes xmlns:a="http://schemas.openxmlformats.org/drawingml/2006/main" xmlns:r="http://schemas.openxmlformats.org/officeDocument/2006/relationships" xmlns:p="http://schemas.openxmlformats.org/presentationml/2006/main">
   <p:cSld>
     <p:spTree>
@@ -674,7 +977,7 @@
           <a:p>
             <a:fld id="{7314D800-9A51-42A1-B86E-6DA909F79E40}" type="slidenum">
               <a:rPr lang="ko-KR" altLang="en-US" smtClean="0"/>
-              <a:t>29</a:t>
+              <a:t>32</a:t>
             </a:fld>
             <a:endParaRPr lang="ko-KR" altLang="en-US"/>
           </a:p>
@@ -693,7 +996,7 @@
 </p:notes>
 </file>
 
-<file path=ppt/notesSlides/notesSlide3.xml><?xml version="1.0" encoding="utf-8"?>
+<file path=ppt/notesSlides/notesSlide6.xml><?xml version="1.0" encoding="utf-8"?>
 <p:notes xmlns:a="http://schemas.openxmlformats.org/drawingml/2006/main" xmlns:r="http://schemas.openxmlformats.org/officeDocument/2006/relationships" xmlns:p="http://schemas.openxmlformats.org/presentationml/2006/main">
   <p:cSld>
     <p:spTree>
@@ -782,7 +1085,7 @@
           <a:p>
             <a:fld id="{7314D800-9A51-42A1-B86E-6DA909F79E40}" type="slidenum">
               <a:rPr lang="ko-KR" altLang="en-US" smtClean="0"/>
-              <a:t>30</a:t>
+              <a:t>33</a:t>
             </a:fld>
             <a:endParaRPr lang="ko-KR" altLang="en-US"/>
           </a:p>
@@ -19487,10 +19790,10 @@
       </p:sp>
       <p:pic>
         <p:nvPicPr>
-          <p:cNvPr id="4" name="그림 3">
+          <p:cNvPr id="8" name="그림 7">
             <a:extLst>
               <a:ext uri="{FF2B5EF4-FFF2-40B4-BE49-F238E27FC236}">
-                <a16:creationId xmlns:a16="http://schemas.microsoft.com/office/drawing/2014/main" id="{C180DB0A-B8A8-30F2-CF2F-11C7E32A8416}"/>
+                <a16:creationId xmlns:a16="http://schemas.microsoft.com/office/drawing/2014/main" id="{34888F7E-7DA5-0E10-0CDD-6164D317C5F2}"/>
               </a:ext>
             </a:extLst>
           </p:cNvPr>
@@ -19513,8 +19816,8 @@
         </p:blipFill>
         <p:spPr>
           <a:xfrm>
-            <a:off x="865801" y="3350982"/>
-            <a:ext cx="10460399" cy="884999"/>
+            <a:off x="732039" y="3175725"/>
+            <a:ext cx="10727921" cy="678138"/>
           </a:xfrm>
           <a:prstGeom prst="rect">
             <a:avLst/>
@@ -19535,6 +19838,3175 @@
 </file>
 
 <file path=ppt/slides/slide21.xml><?xml version="1.0" encoding="utf-8"?>
+<p:sld xmlns:a="http://schemas.openxmlformats.org/drawingml/2006/main" xmlns:r="http://schemas.openxmlformats.org/officeDocument/2006/relationships" xmlns:p="http://schemas.openxmlformats.org/presentationml/2006/main">
+  <p:cSld>
+    <p:spTree>
+      <p:nvGrpSpPr>
+        <p:cNvPr id="1" name="">
+          <a:extLst>
+            <a:ext uri="{FF2B5EF4-FFF2-40B4-BE49-F238E27FC236}">
+              <a16:creationId xmlns:a16="http://schemas.microsoft.com/office/drawing/2014/main" id="{9F094AFF-9280-06FB-5947-016D80649F64}"/>
+            </a:ext>
+          </a:extLst>
+        </p:cNvPr>
+        <p:cNvGrpSpPr/>
+        <p:nvPr/>
+      </p:nvGrpSpPr>
+      <p:grpSpPr>
+        <a:xfrm>
+          <a:off x="0" y="0"/>
+          <a:ext cx="0" cy="0"/>
+          <a:chOff x="0" y="0"/>
+          <a:chExt cx="0" cy="0"/>
+        </a:xfrm>
+      </p:grpSpPr>
+      <p:sp>
+        <p:nvSpPr>
+          <p:cNvPr id="5" name="제목 1">
+            <a:extLst>
+              <a:ext uri="{FF2B5EF4-FFF2-40B4-BE49-F238E27FC236}">
+                <a16:creationId xmlns:a16="http://schemas.microsoft.com/office/drawing/2014/main" id="{A3848BD0-9F9F-7857-7AF4-50CFB57B1D93}"/>
+              </a:ext>
+            </a:extLst>
+          </p:cNvPr>
+          <p:cNvSpPr>
+            <a:spLocks noGrp="1"/>
+          </p:cNvSpPr>
+          <p:nvPr>
+            <p:ph type="title"/>
+          </p:nvPr>
+        </p:nvSpPr>
+        <p:spPr>
+          <a:xfrm>
+            <a:off x="129225" y="83886"/>
+            <a:ext cx="3034834" cy="608225"/>
+          </a:xfrm>
+        </p:spPr>
+        <p:txBody>
+          <a:bodyPr>
+            <a:normAutofit/>
+          </a:bodyPr>
+          <a:lstStyle/>
+          <a:p>
+            <a:pPr algn="ctr"/>
+            <a:r>
+              <a:rPr lang="ko-KR" altLang="en-US" sz="3200" b="1"/>
+              <a:t>미니 게임 종류</a:t>
+            </a:r>
+            <a:endParaRPr lang="ko-KR" altLang="en-US" sz="3200" b="1" dirty="0"/>
+          </a:p>
+        </p:txBody>
+      </p:sp>
+      <p:cxnSp>
+        <p:nvCxnSpPr>
+          <p:cNvPr id="6" name="직선 연결선 5">
+            <a:extLst>
+              <a:ext uri="{FF2B5EF4-FFF2-40B4-BE49-F238E27FC236}">
+                <a16:creationId xmlns:a16="http://schemas.microsoft.com/office/drawing/2014/main" id="{A4DF2AFE-E154-E558-75B8-FB8B6628ADEC}"/>
+              </a:ext>
+            </a:extLst>
+          </p:cNvPr>
+          <p:cNvCxnSpPr>
+            <a:cxnSpLocks/>
+          </p:cNvCxnSpPr>
+          <p:nvPr/>
+        </p:nvCxnSpPr>
+        <p:spPr>
+          <a:xfrm>
+            <a:off x="0" y="692111"/>
+            <a:ext cx="12192000" cy="0"/>
+          </a:xfrm>
+          <a:prstGeom prst="line">
+            <a:avLst/>
+          </a:prstGeom>
+          <a:ln>
+            <a:solidFill>
+              <a:schemeClr val="bg2">
+                <a:lumMod val="75000"/>
+              </a:schemeClr>
+            </a:solidFill>
+          </a:ln>
+        </p:spPr>
+        <p:style>
+          <a:lnRef idx="2">
+            <a:schemeClr val="accent1"/>
+          </a:lnRef>
+          <a:fillRef idx="0">
+            <a:schemeClr val="accent1"/>
+          </a:fillRef>
+          <a:effectRef idx="1">
+            <a:schemeClr val="accent1"/>
+          </a:effectRef>
+          <a:fontRef idx="minor">
+            <a:schemeClr val="tx1"/>
+          </a:fontRef>
+        </p:style>
+      </p:cxnSp>
+      <p:cxnSp>
+        <p:nvCxnSpPr>
+          <p:cNvPr id="7" name="직선 연결선 6">
+            <a:extLst>
+              <a:ext uri="{FF2B5EF4-FFF2-40B4-BE49-F238E27FC236}">
+                <a16:creationId xmlns:a16="http://schemas.microsoft.com/office/drawing/2014/main" id="{CA5E9BE5-6806-87FF-5423-EF579B1A9D5A}"/>
+              </a:ext>
+            </a:extLst>
+          </p:cNvPr>
+          <p:cNvCxnSpPr>
+            <a:cxnSpLocks/>
+          </p:cNvCxnSpPr>
+          <p:nvPr/>
+        </p:nvCxnSpPr>
+        <p:spPr>
+          <a:xfrm>
+            <a:off x="129225" y="658980"/>
+            <a:ext cx="3034834" cy="0"/>
+          </a:xfrm>
+          <a:prstGeom prst="line">
+            <a:avLst/>
+          </a:prstGeom>
+          <a:ln w="76200">
+            <a:solidFill>
+              <a:schemeClr val="tx1"/>
+            </a:solidFill>
+          </a:ln>
+        </p:spPr>
+        <p:style>
+          <a:lnRef idx="2">
+            <a:schemeClr val="accent1"/>
+          </a:lnRef>
+          <a:fillRef idx="0">
+            <a:schemeClr val="accent1"/>
+          </a:fillRef>
+          <a:effectRef idx="1">
+            <a:schemeClr val="accent1"/>
+          </a:effectRef>
+          <a:fontRef idx="minor">
+            <a:schemeClr val="tx1"/>
+          </a:fontRef>
+        </p:style>
+      </p:cxnSp>
+      <p:sp>
+        <p:nvSpPr>
+          <p:cNvPr id="10" name="슬라이드 번호 개체 틀 9">
+            <a:extLst>
+              <a:ext uri="{FF2B5EF4-FFF2-40B4-BE49-F238E27FC236}">
+                <a16:creationId xmlns:a16="http://schemas.microsoft.com/office/drawing/2014/main" id="{5975A3BE-E366-9854-ABE0-8189E16CD588}"/>
+              </a:ext>
+            </a:extLst>
+          </p:cNvPr>
+          <p:cNvSpPr>
+            <a:spLocks noGrp="1"/>
+          </p:cNvSpPr>
+          <p:nvPr>
+            <p:ph type="sldNum" sz="quarter" idx="12"/>
+          </p:nvPr>
+        </p:nvSpPr>
+        <p:spPr/>
+        <p:txBody>
+          <a:bodyPr/>
+          <a:lstStyle/>
+          <a:p>
+            <a:fld id="{8D96929D-9E84-4A42-B4C3-2E48812748E4}" type="slidenum">
+              <a:rPr lang="ko-KR" altLang="en-US" smtClean="0"/>
+              <a:t>21</a:t>
+            </a:fld>
+            <a:endParaRPr lang="ko-KR" altLang="en-US"/>
+          </a:p>
+        </p:txBody>
+      </p:sp>
+      <p:sp>
+        <p:nvSpPr>
+          <p:cNvPr id="2" name="TextBox 1">
+            <a:extLst>
+              <a:ext uri="{FF2B5EF4-FFF2-40B4-BE49-F238E27FC236}">
+                <a16:creationId xmlns:a16="http://schemas.microsoft.com/office/drawing/2014/main" id="{E50C0F07-40D7-3F04-405C-5BBD2D42806B}"/>
+              </a:ext>
+            </a:extLst>
+          </p:cNvPr>
+          <p:cNvSpPr txBox="1"/>
+          <p:nvPr/>
+        </p:nvSpPr>
+        <p:spPr>
+          <a:xfrm>
+            <a:off x="454785" y="707392"/>
+            <a:ext cx="3621504" cy="523220"/>
+          </a:xfrm>
+          <a:prstGeom prst="rect">
+            <a:avLst/>
+          </a:prstGeom>
+          <a:noFill/>
+        </p:spPr>
+        <p:txBody>
+          <a:bodyPr wrap="none" rtlCol="0">
+            <a:spAutoFit/>
+          </a:bodyPr>
+          <a:lstStyle/>
+          <a:p>
+            <a:r>
+              <a:rPr lang="ko-KR" altLang="en-US" sz="2800" dirty="0">
+                <a:solidFill>
+                  <a:srgbClr val="0070C0"/>
+                </a:solidFill>
+              </a:rPr>
+              <a:t>러닝 게임 </a:t>
+            </a:r>
+            <a:r>
+              <a:rPr lang="en-US" altLang="ko-KR" sz="2800" dirty="0">
+                <a:solidFill>
+                  <a:srgbClr val="0070C0"/>
+                </a:solidFill>
+              </a:rPr>
+              <a:t>– </a:t>
+            </a:r>
+            <a:r>
+              <a:rPr lang="ko-KR" altLang="en-US" sz="2800" dirty="0">
+                <a:solidFill>
+                  <a:srgbClr val="0070C0"/>
+                </a:solidFill>
+              </a:rPr>
+              <a:t>튜토리얼</a:t>
+            </a:r>
+          </a:p>
+        </p:txBody>
+      </p:sp>
+      <p:sp>
+        <p:nvSpPr>
+          <p:cNvPr id="16" name="TextBox 15">
+            <a:extLst>
+              <a:ext uri="{FF2B5EF4-FFF2-40B4-BE49-F238E27FC236}">
+                <a16:creationId xmlns:a16="http://schemas.microsoft.com/office/drawing/2014/main" id="{70FDD36C-A721-BF92-6880-2E818EC6E83F}"/>
+              </a:ext>
+            </a:extLst>
+          </p:cNvPr>
+          <p:cNvSpPr txBox="1"/>
+          <p:nvPr/>
+        </p:nvSpPr>
+        <p:spPr>
+          <a:xfrm>
+            <a:off x="554527" y="5077839"/>
+            <a:ext cx="4955203" cy="697050"/>
+          </a:xfrm>
+          <a:prstGeom prst="rect">
+            <a:avLst/>
+          </a:prstGeom>
+          <a:noFill/>
+        </p:spPr>
+        <p:txBody>
+          <a:bodyPr wrap="none" rtlCol="0">
+            <a:spAutoFit/>
+          </a:bodyPr>
+          <a:lstStyle/>
+          <a:p>
+            <a:pPr marL="285750" indent="-285750">
+              <a:lnSpc>
+                <a:spcPct val="150000"/>
+              </a:lnSpc>
+              <a:buFontTx/>
+              <a:buChar char="-"/>
+            </a:pPr>
+            <a:r>
+              <a:rPr lang="ko-KR" altLang="en-US" sz="1400" dirty="0"/>
+              <a:t>플레이어가 본게임을 처음 실행했을 경우에만 등장한다</a:t>
+            </a:r>
+            <a:r>
+              <a:rPr lang="en-US" altLang="ko-KR" sz="1400" dirty="0"/>
+              <a:t>.</a:t>
+            </a:r>
+          </a:p>
+          <a:p>
+            <a:pPr marL="285750" indent="-285750">
+              <a:lnSpc>
+                <a:spcPct val="150000"/>
+              </a:lnSpc>
+              <a:buFontTx/>
+              <a:buChar char="-"/>
+            </a:pPr>
+            <a:r>
+              <a:rPr lang="ko-KR" altLang="en-US" sz="1400" dirty="0"/>
+              <a:t>버튼을 통해 페이지를 넘겨서 내용을 확인할 수 있다</a:t>
+            </a:r>
+            <a:r>
+              <a:rPr lang="en-US" altLang="ko-KR" sz="1400" dirty="0"/>
+              <a:t>.</a:t>
+            </a:r>
+          </a:p>
+        </p:txBody>
+      </p:sp>
+      <p:grpSp>
+        <p:nvGrpSpPr>
+          <p:cNvPr id="17" name="그룹 16">
+            <a:extLst>
+              <a:ext uri="{FF2B5EF4-FFF2-40B4-BE49-F238E27FC236}">
+                <a16:creationId xmlns:a16="http://schemas.microsoft.com/office/drawing/2014/main" id="{97F1076F-105D-4A1B-CB04-8E0D722025E3}"/>
+              </a:ext>
+            </a:extLst>
+          </p:cNvPr>
+          <p:cNvGrpSpPr/>
+          <p:nvPr/>
+        </p:nvGrpSpPr>
+        <p:grpSpPr>
+          <a:xfrm>
+            <a:off x="454785" y="1714226"/>
+            <a:ext cx="11196222" cy="2880000"/>
+            <a:chOff x="454785" y="1508564"/>
+            <a:chExt cx="11196222" cy="2880000"/>
+          </a:xfrm>
+        </p:grpSpPr>
+        <p:pic>
+          <p:nvPicPr>
+            <p:cNvPr id="4" name="그림 3" descr="텍스트, 스크린샷, 멀티미디어, 운영 체제이(가) 표시된 사진&#10;&#10;AI가 생성한 콘텐츠는 부정확할 수 있습니다.">
+              <a:extLst>
+                <a:ext uri="{FF2B5EF4-FFF2-40B4-BE49-F238E27FC236}">
+                  <a16:creationId xmlns:a16="http://schemas.microsoft.com/office/drawing/2014/main" id="{FEB076C3-6977-3AB2-65EC-FC467721863E}"/>
+                </a:ext>
+              </a:extLst>
+            </p:cNvPr>
+            <p:cNvPicPr>
+              <a:picLocks noChangeAspect="1"/>
+            </p:cNvPicPr>
+            <p:nvPr/>
+          </p:nvPicPr>
+          <p:blipFill>
+            <a:blip r:embed="rId3">
+              <a:extLst>
+                <a:ext uri="{28A0092B-C50C-407E-A947-70E740481C1C}">
+                  <a14:useLocalDpi xmlns:a14="http://schemas.microsoft.com/office/drawing/2010/main" val="0"/>
+                </a:ext>
+              </a:extLst>
+            </a:blip>
+            <a:stretch>
+              <a:fillRect/>
+            </a:stretch>
+          </p:blipFill>
+          <p:spPr>
+            <a:xfrm>
+              <a:off x="454785" y="1508564"/>
+              <a:ext cx="3443350" cy="2880000"/>
+            </a:xfrm>
+            <a:prstGeom prst="rect">
+              <a:avLst/>
+            </a:prstGeom>
+          </p:spPr>
+        </p:pic>
+        <p:pic>
+          <p:nvPicPr>
+            <p:cNvPr id="9" name="그림 8" descr="텍스트, 스크린샷, 멀티미디어, 소프트웨어이(가) 표시된 사진&#10;&#10;AI가 생성한 콘텐츠는 부정확할 수 있습니다.">
+              <a:extLst>
+                <a:ext uri="{FF2B5EF4-FFF2-40B4-BE49-F238E27FC236}">
+                  <a16:creationId xmlns:a16="http://schemas.microsoft.com/office/drawing/2014/main" id="{CBACD2FA-396F-14DC-CE85-D5BDADE1A90B}"/>
+                </a:ext>
+              </a:extLst>
+            </p:cNvPr>
+            <p:cNvPicPr>
+              <a:picLocks noChangeAspect="1"/>
+            </p:cNvPicPr>
+            <p:nvPr/>
+          </p:nvPicPr>
+          <p:blipFill>
+            <a:blip r:embed="rId4">
+              <a:extLst>
+                <a:ext uri="{28A0092B-C50C-407E-A947-70E740481C1C}">
+                  <a14:useLocalDpi xmlns:a14="http://schemas.microsoft.com/office/drawing/2010/main" val="0"/>
+                </a:ext>
+              </a:extLst>
+            </a:blip>
+            <a:stretch>
+              <a:fillRect/>
+            </a:stretch>
+          </p:blipFill>
+          <p:spPr>
+            <a:xfrm>
+              <a:off x="4331221" y="1508564"/>
+              <a:ext cx="3443350" cy="2880000"/>
+            </a:xfrm>
+            <a:prstGeom prst="rect">
+              <a:avLst/>
+            </a:prstGeom>
+          </p:spPr>
+        </p:pic>
+        <p:pic>
+          <p:nvPicPr>
+            <p:cNvPr id="14" name="그림 13" descr="텍스트, 전자제품, 스크린샷, 운영 체제이(가) 표시된 사진&#10;&#10;AI가 생성한 콘텐츠는 부정확할 수 있습니다.">
+              <a:extLst>
+                <a:ext uri="{FF2B5EF4-FFF2-40B4-BE49-F238E27FC236}">
+                  <a16:creationId xmlns:a16="http://schemas.microsoft.com/office/drawing/2014/main" id="{C54B583E-7818-4D18-89E5-F37433C37788}"/>
+                </a:ext>
+              </a:extLst>
+            </p:cNvPr>
+            <p:cNvPicPr>
+              <a:picLocks noChangeAspect="1"/>
+            </p:cNvPicPr>
+            <p:nvPr/>
+          </p:nvPicPr>
+          <p:blipFill>
+            <a:blip r:embed="rId5">
+              <a:extLst>
+                <a:ext uri="{28A0092B-C50C-407E-A947-70E740481C1C}">
+                  <a14:useLocalDpi xmlns:a14="http://schemas.microsoft.com/office/drawing/2010/main" val="0"/>
+                </a:ext>
+              </a:extLst>
+            </a:blip>
+            <a:stretch>
+              <a:fillRect/>
+            </a:stretch>
+          </p:blipFill>
+          <p:spPr>
+            <a:xfrm>
+              <a:off x="8207657" y="1508564"/>
+              <a:ext cx="3443350" cy="2880000"/>
+            </a:xfrm>
+            <a:prstGeom prst="rect">
+              <a:avLst/>
+            </a:prstGeom>
+          </p:spPr>
+        </p:pic>
+      </p:grpSp>
+      <p:sp>
+        <p:nvSpPr>
+          <p:cNvPr id="18" name="TextBox 17">
+            <a:extLst>
+              <a:ext uri="{FF2B5EF4-FFF2-40B4-BE49-F238E27FC236}">
+                <a16:creationId xmlns:a16="http://schemas.microsoft.com/office/drawing/2014/main" id="{A08384CF-3E53-3DE4-2359-E39A8D2FCB10}"/>
+              </a:ext>
+            </a:extLst>
+          </p:cNvPr>
+          <p:cNvSpPr txBox="1"/>
+          <p:nvPr/>
+        </p:nvSpPr>
+        <p:spPr>
+          <a:xfrm>
+            <a:off x="5149922" y="1000576"/>
+            <a:ext cx="2339102" cy="373885"/>
+          </a:xfrm>
+          <a:prstGeom prst="rect">
+            <a:avLst/>
+          </a:prstGeom>
+          <a:noFill/>
+        </p:spPr>
+        <p:txBody>
+          <a:bodyPr wrap="none" rtlCol="0">
+            <a:spAutoFit/>
+          </a:bodyPr>
+          <a:lstStyle/>
+          <a:p>
+            <a:pPr>
+              <a:lnSpc>
+                <a:spcPct val="150000"/>
+              </a:lnSpc>
+            </a:pPr>
+            <a:r>
+              <a:rPr lang="en-US" altLang="ko-KR" sz="1400" dirty="0">
+                <a:solidFill>
+                  <a:srgbClr val="FF0000"/>
+                </a:solidFill>
+              </a:rPr>
+              <a:t>※</a:t>
+            </a:r>
+            <a:r>
+              <a:rPr lang="ko-KR" altLang="en-US" sz="1400" dirty="0">
+                <a:solidFill>
+                  <a:srgbClr val="FF0000"/>
+                </a:solidFill>
+              </a:rPr>
+              <a:t> </a:t>
+            </a:r>
+            <a:r>
+              <a:rPr lang="en-US" altLang="ko-KR" sz="1400" dirty="0" err="1">
+                <a:solidFill>
+                  <a:srgbClr val="FF0000"/>
+                </a:solidFill>
+              </a:rPr>
+              <a:t>ui</a:t>
+            </a:r>
+            <a:r>
+              <a:rPr lang="ko-KR" altLang="en-US" sz="1400" dirty="0">
+                <a:solidFill>
+                  <a:srgbClr val="FF0000"/>
+                </a:solidFill>
+              </a:rPr>
+              <a:t>별 크기는 </a:t>
+            </a:r>
+            <a:r>
+              <a:rPr lang="en-US" altLang="ko-KR" sz="1400" dirty="0">
+                <a:solidFill>
+                  <a:srgbClr val="FF0000"/>
+                </a:solidFill>
+              </a:rPr>
+              <a:t>UI</a:t>
+            </a:r>
+            <a:r>
+              <a:rPr lang="ko-KR" altLang="en-US" sz="1400" dirty="0">
+                <a:solidFill>
+                  <a:srgbClr val="FF0000"/>
+                </a:solidFill>
+              </a:rPr>
+              <a:t>문서 참조</a:t>
+            </a:r>
+            <a:endParaRPr lang="en-US" altLang="ko-KR" sz="1400" dirty="0">
+              <a:solidFill>
+                <a:srgbClr val="FF0000"/>
+              </a:solidFill>
+            </a:endParaRPr>
+          </a:p>
+        </p:txBody>
+      </p:sp>
+    </p:spTree>
+    <p:extLst>
+      <p:ext uri="{BB962C8B-B14F-4D97-AF65-F5344CB8AC3E}">
+        <p14:creationId xmlns:p14="http://schemas.microsoft.com/office/powerpoint/2010/main" val="986988639"/>
+      </p:ext>
+    </p:extLst>
+  </p:cSld>
+  <p:clrMapOvr>
+    <a:masterClrMapping/>
+  </p:clrMapOvr>
+</p:sld>
+</file>
+
+<file path=ppt/slides/slide22.xml><?xml version="1.0" encoding="utf-8"?>
+<p:sld xmlns:a="http://schemas.openxmlformats.org/drawingml/2006/main" xmlns:r="http://schemas.openxmlformats.org/officeDocument/2006/relationships" xmlns:p="http://schemas.openxmlformats.org/presentationml/2006/main">
+  <p:cSld>
+    <p:spTree>
+      <p:nvGrpSpPr>
+        <p:cNvPr id="1" name="">
+          <a:extLst>
+            <a:ext uri="{FF2B5EF4-FFF2-40B4-BE49-F238E27FC236}">
+              <a16:creationId xmlns:a16="http://schemas.microsoft.com/office/drawing/2014/main" id="{C757F0A3-7B44-1E85-BC6F-12A05BFD47E8}"/>
+            </a:ext>
+          </a:extLst>
+        </p:cNvPr>
+        <p:cNvGrpSpPr/>
+        <p:nvPr/>
+      </p:nvGrpSpPr>
+      <p:grpSpPr>
+        <a:xfrm>
+          <a:off x="0" y="0"/>
+          <a:ext cx="0" cy="0"/>
+          <a:chOff x="0" y="0"/>
+          <a:chExt cx="0" cy="0"/>
+        </a:xfrm>
+      </p:grpSpPr>
+      <p:sp>
+        <p:nvSpPr>
+          <p:cNvPr id="5" name="제목 1">
+            <a:extLst>
+              <a:ext uri="{FF2B5EF4-FFF2-40B4-BE49-F238E27FC236}">
+                <a16:creationId xmlns:a16="http://schemas.microsoft.com/office/drawing/2014/main" id="{33069619-3668-B695-6A7A-0E4936793A51}"/>
+              </a:ext>
+            </a:extLst>
+          </p:cNvPr>
+          <p:cNvSpPr>
+            <a:spLocks noGrp="1"/>
+          </p:cNvSpPr>
+          <p:nvPr>
+            <p:ph type="title"/>
+          </p:nvPr>
+        </p:nvSpPr>
+        <p:spPr>
+          <a:xfrm>
+            <a:off x="129225" y="83886"/>
+            <a:ext cx="3034834" cy="608225"/>
+          </a:xfrm>
+        </p:spPr>
+        <p:txBody>
+          <a:bodyPr>
+            <a:normAutofit/>
+          </a:bodyPr>
+          <a:lstStyle/>
+          <a:p>
+            <a:pPr algn="ctr"/>
+            <a:r>
+              <a:rPr lang="ko-KR" altLang="en-US" sz="3200" b="1"/>
+              <a:t>미니 게임 종류</a:t>
+            </a:r>
+            <a:endParaRPr lang="ko-KR" altLang="en-US" sz="3200" b="1" dirty="0"/>
+          </a:p>
+        </p:txBody>
+      </p:sp>
+      <p:cxnSp>
+        <p:nvCxnSpPr>
+          <p:cNvPr id="6" name="직선 연결선 5">
+            <a:extLst>
+              <a:ext uri="{FF2B5EF4-FFF2-40B4-BE49-F238E27FC236}">
+                <a16:creationId xmlns:a16="http://schemas.microsoft.com/office/drawing/2014/main" id="{A235DDEC-E93A-96B8-4544-E6A0BC73C2F4}"/>
+              </a:ext>
+            </a:extLst>
+          </p:cNvPr>
+          <p:cNvCxnSpPr>
+            <a:cxnSpLocks/>
+          </p:cNvCxnSpPr>
+          <p:nvPr/>
+        </p:nvCxnSpPr>
+        <p:spPr>
+          <a:xfrm>
+            <a:off x="0" y="692111"/>
+            <a:ext cx="12192000" cy="0"/>
+          </a:xfrm>
+          <a:prstGeom prst="line">
+            <a:avLst/>
+          </a:prstGeom>
+          <a:ln>
+            <a:solidFill>
+              <a:schemeClr val="bg2">
+                <a:lumMod val="75000"/>
+              </a:schemeClr>
+            </a:solidFill>
+          </a:ln>
+        </p:spPr>
+        <p:style>
+          <a:lnRef idx="2">
+            <a:schemeClr val="accent1"/>
+          </a:lnRef>
+          <a:fillRef idx="0">
+            <a:schemeClr val="accent1"/>
+          </a:fillRef>
+          <a:effectRef idx="1">
+            <a:schemeClr val="accent1"/>
+          </a:effectRef>
+          <a:fontRef idx="minor">
+            <a:schemeClr val="tx1"/>
+          </a:fontRef>
+        </p:style>
+      </p:cxnSp>
+      <p:cxnSp>
+        <p:nvCxnSpPr>
+          <p:cNvPr id="7" name="직선 연결선 6">
+            <a:extLst>
+              <a:ext uri="{FF2B5EF4-FFF2-40B4-BE49-F238E27FC236}">
+                <a16:creationId xmlns:a16="http://schemas.microsoft.com/office/drawing/2014/main" id="{E4C46DFB-4D4F-9E2D-5C5B-A5FD2645D614}"/>
+              </a:ext>
+            </a:extLst>
+          </p:cNvPr>
+          <p:cNvCxnSpPr>
+            <a:cxnSpLocks/>
+          </p:cNvCxnSpPr>
+          <p:nvPr/>
+        </p:nvCxnSpPr>
+        <p:spPr>
+          <a:xfrm>
+            <a:off x="129225" y="658980"/>
+            <a:ext cx="3034834" cy="0"/>
+          </a:xfrm>
+          <a:prstGeom prst="line">
+            <a:avLst/>
+          </a:prstGeom>
+          <a:ln w="76200">
+            <a:solidFill>
+              <a:schemeClr val="tx1"/>
+            </a:solidFill>
+          </a:ln>
+        </p:spPr>
+        <p:style>
+          <a:lnRef idx="2">
+            <a:schemeClr val="accent1"/>
+          </a:lnRef>
+          <a:fillRef idx="0">
+            <a:schemeClr val="accent1"/>
+          </a:fillRef>
+          <a:effectRef idx="1">
+            <a:schemeClr val="accent1"/>
+          </a:effectRef>
+          <a:fontRef idx="minor">
+            <a:schemeClr val="tx1"/>
+          </a:fontRef>
+        </p:style>
+      </p:cxnSp>
+      <p:sp>
+        <p:nvSpPr>
+          <p:cNvPr id="10" name="슬라이드 번호 개체 틀 9">
+            <a:extLst>
+              <a:ext uri="{FF2B5EF4-FFF2-40B4-BE49-F238E27FC236}">
+                <a16:creationId xmlns:a16="http://schemas.microsoft.com/office/drawing/2014/main" id="{5814524D-5D93-14BB-82C5-B36B288F1AE3}"/>
+              </a:ext>
+            </a:extLst>
+          </p:cNvPr>
+          <p:cNvSpPr>
+            <a:spLocks noGrp="1"/>
+          </p:cNvSpPr>
+          <p:nvPr>
+            <p:ph type="sldNum" sz="quarter" idx="12"/>
+          </p:nvPr>
+        </p:nvSpPr>
+        <p:spPr/>
+        <p:txBody>
+          <a:bodyPr/>
+          <a:lstStyle/>
+          <a:p>
+            <a:fld id="{8D96929D-9E84-4A42-B4C3-2E48812748E4}" type="slidenum">
+              <a:rPr lang="ko-KR" altLang="en-US" smtClean="0"/>
+              <a:t>22</a:t>
+            </a:fld>
+            <a:endParaRPr lang="ko-KR" altLang="en-US"/>
+          </a:p>
+        </p:txBody>
+      </p:sp>
+      <p:sp>
+        <p:nvSpPr>
+          <p:cNvPr id="2" name="TextBox 1">
+            <a:extLst>
+              <a:ext uri="{FF2B5EF4-FFF2-40B4-BE49-F238E27FC236}">
+                <a16:creationId xmlns:a16="http://schemas.microsoft.com/office/drawing/2014/main" id="{73E2946C-130E-213D-ACB6-34EAB4BC4CF4}"/>
+              </a:ext>
+            </a:extLst>
+          </p:cNvPr>
+          <p:cNvSpPr txBox="1"/>
+          <p:nvPr/>
+        </p:nvSpPr>
+        <p:spPr>
+          <a:xfrm>
+            <a:off x="454785" y="707392"/>
+            <a:ext cx="2903359" cy="523220"/>
+          </a:xfrm>
+          <a:prstGeom prst="rect">
+            <a:avLst/>
+          </a:prstGeom>
+          <a:noFill/>
+        </p:spPr>
+        <p:txBody>
+          <a:bodyPr wrap="none" rtlCol="0">
+            <a:spAutoFit/>
+          </a:bodyPr>
+          <a:lstStyle/>
+          <a:p>
+            <a:r>
+              <a:rPr lang="ko-KR" altLang="en-US" sz="2800" dirty="0">
+                <a:solidFill>
+                  <a:srgbClr val="0070C0"/>
+                </a:solidFill>
+              </a:rPr>
+              <a:t>러닝 게임 </a:t>
+            </a:r>
+            <a:r>
+              <a:rPr lang="en-US" altLang="ko-KR" sz="2800" dirty="0">
+                <a:solidFill>
+                  <a:srgbClr val="0070C0"/>
+                </a:solidFill>
+              </a:rPr>
+              <a:t>– </a:t>
+            </a:r>
+            <a:r>
+              <a:rPr lang="ko-KR" altLang="en-US" sz="2800" dirty="0">
+                <a:solidFill>
+                  <a:srgbClr val="0070C0"/>
+                </a:solidFill>
+              </a:rPr>
+              <a:t>메뉴</a:t>
+            </a:r>
+          </a:p>
+        </p:txBody>
+      </p:sp>
+      <p:grpSp>
+        <p:nvGrpSpPr>
+          <p:cNvPr id="24" name="그룹 23">
+            <a:extLst>
+              <a:ext uri="{FF2B5EF4-FFF2-40B4-BE49-F238E27FC236}">
+                <a16:creationId xmlns:a16="http://schemas.microsoft.com/office/drawing/2014/main" id="{1CD54D5C-51B0-4C28-14C4-2955E4772752}"/>
+              </a:ext>
+            </a:extLst>
+          </p:cNvPr>
+          <p:cNvGrpSpPr/>
+          <p:nvPr/>
+        </p:nvGrpSpPr>
+        <p:grpSpPr>
+          <a:xfrm>
+            <a:off x="226944" y="1446537"/>
+            <a:ext cx="5363818" cy="3017148"/>
+            <a:chOff x="6197048" y="1773290"/>
+            <a:chExt cx="5363818" cy="3017148"/>
+          </a:xfrm>
+        </p:grpSpPr>
+        <p:pic>
+          <p:nvPicPr>
+            <p:cNvPr id="14" name="그림 13" descr="아니메, 일러스트레이션, 클립아트, 만화 영화이(가) 표시된 사진&#10;&#10;AI가 생성한 콘텐츠는 부정확할 수 있습니다.">
+              <a:extLst>
+                <a:ext uri="{FF2B5EF4-FFF2-40B4-BE49-F238E27FC236}">
+                  <a16:creationId xmlns:a16="http://schemas.microsoft.com/office/drawing/2014/main" id="{1B1DE1C8-E2B4-C747-B1C3-27C0B85DC973}"/>
+                </a:ext>
+              </a:extLst>
+            </p:cNvPr>
+            <p:cNvPicPr>
+              <a:picLocks noChangeAspect="1"/>
+            </p:cNvPicPr>
+            <p:nvPr/>
+          </p:nvPicPr>
+          <p:blipFill>
+            <a:blip r:embed="rId3">
+              <a:extLst>
+                <a:ext uri="{28A0092B-C50C-407E-A947-70E740481C1C}">
+                  <a14:useLocalDpi xmlns:a14="http://schemas.microsoft.com/office/drawing/2010/main" val="0"/>
+                </a:ext>
+              </a:extLst>
+            </a:blip>
+            <a:stretch>
+              <a:fillRect/>
+            </a:stretch>
+          </p:blipFill>
+          <p:spPr>
+            <a:xfrm>
+              <a:off x="6197048" y="1773290"/>
+              <a:ext cx="5363818" cy="3017148"/>
+            </a:xfrm>
+            <a:prstGeom prst="rect">
+              <a:avLst/>
+            </a:prstGeom>
+          </p:spPr>
+        </p:pic>
+        <p:sp>
+          <p:nvSpPr>
+            <p:cNvPr id="19" name="TextBox 18">
+              <a:extLst>
+                <a:ext uri="{FF2B5EF4-FFF2-40B4-BE49-F238E27FC236}">
+                  <a16:creationId xmlns:a16="http://schemas.microsoft.com/office/drawing/2014/main" id="{9D0DF8F7-3793-971F-D818-24087BE08B00}"/>
+                </a:ext>
+              </a:extLst>
+            </p:cNvPr>
+            <p:cNvSpPr txBox="1"/>
+            <p:nvPr/>
+          </p:nvSpPr>
+          <p:spPr>
+            <a:xfrm>
+              <a:off x="6197048" y="3503836"/>
+              <a:ext cx="2078936" cy="369332"/>
+            </a:xfrm>
+            <a:prstGeom prst="rect">
+              <a:avLst/>
+            </a:prstGeom>
+            <a:noFill/>
+          </p:spPr>
+          <p:txBody>
+            <a:bodyPr wrap="square" rtlCol="0">
+              <a:spAutoFit/>
+            </a:bodyPr>
+            <a:lstStyle/>
+            <a:p>
+              <a:pPr algn="ctr"/>
+              <a:r>
+                <a:rPr lang="en-US" altLang="ko-KR" dirty="0">
+                  <a:solidFill>
+                    <a:schemeClr val="bg2"/>
+                  </a:solidFill>
+                </a:rPr>
+                <a:t>Touch to Start</a:t>
+              </a:r>
+              <a:endParaRPr lang="ko-KR" altLang="en-US" dirty="0">
+                <a:solidFill>
+                  <a:schemeClr val="bg2"/>
+                </a:solidFill>
+              </a:endParaRPr>
+            </a:p>
+          </p:txBody>
+        </p:sp>
+        <p:pic>
+          <p:nvPicPr>
+            <p:cNvPr id="20" name="그림 19" descr="픽셀, 그래픽, 디자인이(가) 표시된 사진&#10;&#10;AI가 생성한 콘텐츠는 부정확할 수 있습니다.">
+              <a:extLst>
+                <a:ext uri="{FF2B5EF4-FFF2-40B4-BE49-F238E27FC236}">
+                  <a16:creationId xmlns:a16="http://schemas.microsoft.com/office/drawing/2014/main" id="{A37484C7-2E94-BF18-9C59-FDC0934DC0EF}"/>
+                </a:ext>
+              </a:extLst>
+            </p:cNvPr>
+            <p:cNvPicPr>
+              <a:picLocks noChangeAspect="1"/>
+            </p:cNvPicPr>
+            <p:nvPr/>
+          </p:nvPicPr>
+          <p:blipFill>
+            <a:blip r:embed="rId4">
+              <a:extLst>
+                <a:ext uri="{28A0092B-C50C-407E-A947-70E740481C1C}">
+                  <a14:useLocalDpi xmlns:a14="http://schemas.microsoft.com/office/drawing/2010/main" val="0"/>
+                </a:ext>
+              </a:extLst>
+            </a:blip>
+            <a:stretch>
+              <a:fillRect/>
+            </a:stretch>
+          </p:blipFill>
+          <p:spPr>
+            <a:xfrm>
+              <a:off x="6528147" y="2158863"/>
+              <a:ext cx="1303888" cy="931349"/>
+            </a:xfrm>
+            <a:prstGeom prst="rect">
+              <a:avLst/>
+            </a:prstGeom>
+          </p:spPr>
+        </p:pic>
+      </p:grpSp>
+      <p:grpSp>
+        <p:nvGrpSpPr>
+          <p:cNvPr id="12" name="그룹 11">
+            <a:extLst>
+              <a:ext uri="{FF2B5EF4-FFF2-40B4-BE49-F238E27FC236}">
+                <a16:creationId xmlns:a16="http://schemas.microsoft.com/office/drawing/2014/main" id="{A2BC3AD4-8C92-4C82-B912-61221742CE1F}"/>
+              </a:ext>
+            </a:extLst>
+          </p:cNvPr>
+          <p:cNvGrpSpPr/>
+          <p:nvPr/>
+        </p:nvGrpSpPr>
+        <p:grpSpPr>
+          <a:xfrm>
+            <a:off x="6096000" y="1446537"/>
+            <a:ext cx="5363818" cy="3017790"/>
+            <a:chOff x="6096000" y="1446537"/>
+            <a:chExt cx="5363818" cy="3017790"/>
+          </a:xfrm>
+        </p:grpSpPr>
+        <p:pic>
+          <p:nvPicPr>
+            <p:cNvPr id="9" name="그림 8" descr="일렉트릭 블루, 하늘빛, 하늘, 아쿠아이(가) 표시된 사진&#10;&#10;AI가 생성한 콘텐츠는 부정확할 수 있습니다.">
+              <a:extLst>
+                <a:ext uri="{FF2B5EF4-FFF2-40B4-BE49-F238E27FC236}">
+                  <a16:creationId xmlns:a16="http://schemas.microsoft.com/office/drawing/2014/main" id="{C831A85E-C020-1EFC-7D71-91B6084ECCA2}"/>
+                </a:ext>
+              </a:extLst>
+            </p:cNvPr>
+            <p:cNvPicPr>
+              <a:picLocks noChangeAspect="1"/>
+            </p:cNvPicPr>
+            <p:nvPr/>
+          </p:nvPicPr>
+          <p:blipFill>
+            <a:blip r:embed="rId5">
+              <a:extLst>
+                <a:ext uri="{28A0092B-C50C-407E-A947-70E740481C1C}">
+                  <a14:useLocalDpi xmlns:a14="http://schemas.microsoft.com/office/drawing/2010/main" val="0"/>
+                </a:ext>
+              </a:extLst>
+            </a:blip>
+            <a:srcRect r="2044"/>
+            <a:stretch/>
+          </p:blipFill>
+          <p:spPr>
+            <a:xfrm>
+              <a:off x="6096000" y="1446537"/>
+              <a:ext cx="5363818" cy="3017790"/>
+            </a:xfrm>
+            <a:prstGeom prst="rect">
+              <a:avLst/>
+            </a:prstGeom>
+          </p:spPr>
+        </p:pic>
+        <p:sp>
+          <p:nvSpPr>
+            <p:cNvPr id="25" name="사각형: 둥근 모서리 24">
+              <a:extLst>
+                <a:ext uri="{FF2B5EF4-FFF2-40B4-BE49-F238E27FC236}">
+                  <a16:creationId xmlns:a16="http://schemas.microsoft.com/office/drawing/2014/main" id="{85E9C426-5AD2-79E9-6537-D48D5C5A2971}"/>
+                </a:ext>
+              </a:extLst>
+            </p:cNvPr>
+            <p:cNvSpPr/>
+            <p:nvPr/>
+          </p:nvSpPr>
+          <p:spPr>
+            <a:xfrm>
+              <a:off x="9508745" y="3923782"/>
+              <a:ext cx="1838739" cy="421557"/>
+            </a:xfrm>
+            <a:prstGeom prst="roundRect">
+              <a:avLst>
+                <a:gd name="adj" fmla="val 34849"/>
+              </a:avLst>
+            </a:prstGeom>
+            <a:solidFill>
+              <a:srgbClr val="00B050"/>
+            </a:solidFill>
+            <a:ln>
+              <a:noFill/>
+            </a:ln>
+          </p:spPr>
+          <p:style>
+            <a:lnRef idx="2">
+              <a:schemeClr val="accent1">
+                <a:shade val="15000"/>
+              </a:schemeClr>
+            </a:lnRef>
+            <a:fillRef idx="1">
+              <a:schemeClr val="accent1"/>
+            </a:fillRef>
+            <a:effectRef idx="0">
+              <a:schemeClr val="accent1"/>
+            </a:effectRef>
+            <a:fontRef idx="minor">
+              <a:schemeClr val="lt1"/>
+            </a:fontRef>
+          </p:style>
+          <p:txBody>
+            <a:bodyPr rtlCol="0" anchor="ctr"/>
+            <a:lstStyle/>
+            <a:p>
+              <a:pPr algn="ctr"/>
+              <a:r>
+                <a:rPr lang="ko-KR" altLang="en-US" sz="1400" dirty="0"/>
+                <a:t>매칭 시작</a:t>
+              </a:r>
+            </a:p>
+          </p:txBody>
+        </p:sp>
+        <p:sp>
+          <p:nvSpPr>
+            <p:cNvPr id="23" name="TextBox 22">
+              <a:extLst>
+                <a:ext uri="{FF2B5EF4-FFF2-40B4-BE49-F238E27FC236}">
+                  <a16:creationId xmlns:a16="http://schemas.microsoft.com/office/drawing/2014/main" id="{F19678DD-3794-E127-94D4-DE54B808C5FF}"/>
+                </a:ext>
+              </a:extLst>
+            </p:cNvPr>
+            <p:cNvSpPr txBox="1"/>
+            <p:nvPr/>
+          </p:nvSpPr>
+          <p:spPr>
+            <a:xfrm>
+              <a:off x="9599907" y="4152795"/>
+              <a:ext cx="1669047" cy="215444"/>
+            </a:xfrm>
+            <a:prstGeom prst="rect">
+              <a:avLst/>
+            </a:prstGeom>
+            <a:noFill/>
+          </p:spPr>
+          <p:txBody>
+            <a:bodyPr wrap="none" rtlCol="0">
+              <a:spAutoFit/>
+            </a:bodyPr>
+            <a:lstStyle/>
+            <a:p>
+              <a:r>
+                <a:rPr lang="ko-KR" altLang="en-US" sz="800" dirty="0">
+                  <a:solidFill>
+                    <a:srgbClr val="FF0000"/>
+                  </a:solidFill>
+                </a:rPr>
+                <a:t>시즌 종료까지 </a:t>
+              </a:r>
+              <a:r>
+                <a:rPr lang="en-US" altLang="ko-KR" sz="800" dirty="0">
+                  <a:solidFill>
+                    <a:srgbClr val="FF0000"/>
+                  </a:solidFill>
+                </a:rPr>
+                <a:t>10</a:t>
+              </a:r>
+              <a:r>
+                <a:rPr lang="ko-KR" altLang="en-US" sz="800" dirty="0">
+                  <a:solidFill>
+                    <a:srgbClr val="FF0000"/>
+                  </a:solidFill>
+                </a:rPr>
+                <a:t>분 남았습니다</a:t>
+              </a:r>
+              <a:r>
+                <a:rPr lang="en-US" altLang="ko-KR" sz="800" dirty="0">
+                  <a:solidFill>
+                    <a:srgbClr val="FF0000"/>
+                  </a:solidFill>
+                </a:rPr>
+                <a:t>!</a:t>
+              </a:r>
+              <a:endParaRPr lang="ko-KR" altLang="en-US" sz="800" dirty="0">
+                <a:solidFill>
+                  <a:srgbClr val="FF0000"/>
+                </a:solidFill>
+              </a:endParaRPr>
+            </a:p>
+          </p:txBody>
+        </p:sp>
+        <p:pic>
+          <p:nvPicPr>
+            <p:cNvPr id="28" name="그림 27" descr="픽셀, 스크린샷이(가) 표시된 사진&#10;&#10;AI가 생성한 콘텐츠는 부정확할 수 있습니다.">
+              <a:extLst>
+                <a:ext uri="{FF2B5EF4-FFF2-40B4-BE49-F238E27FC236}">
+                  <a16:creationId xmlns:a16="http://schemas.microsoft.com/office/drawing/2014/main" id="{2727F72B-9DE0-927C-C9D4-DFAFC5E42122}"/>
+                </a:ext>
+              </a:extLst>
+            </p:cNvPr>
+            <p:cNvPicPr>
+              <a:picLocks noChangeAspect="1"/>
+            </p:cNvPicPr>
+            <p:nvPr/>
+          </p:nvPicPr>
+          <p:blipFill>
+            <a:blip r:embed="rId6">
+              <a:extLst>
+                <a:ext uri="{28A0092B-C50C-407E-A947-70E740481C1C}">
+                  <a14:useLocalDpi xmlns:a14="http://schemas.microsoft.com/office/drawing/2010/main" val="0"/>
+                </a:ext>
+              </a:extLst>
+            </a:blip>
+            <a:srcRect r="82400"/>
+            <a:stretch/>
+          </p:blipFill>
+          <p:spPr>
+            <a:xfrm>
+              <a:off x="7304469" y="2597306"/>
+              <a:ext cx="694208" cy="1168704"/>
+            </a:xfrm>
+            <a:prstGeom prst="rect">
+              <a:avLst/>
+            </a:prstGeom>
+          </p:spPr>
+        </p:pic>
+        <p:sp>
+          <p:nvSpPr>
+            <p:cNvPr id="30" name="직사각형 29">
+              <a:extLst>
+                <a:ext uri="{FF2B5EF4-FFF2-40B4-BE49-F238E27FC236}">
+                  <a16:creationId xmlns:a16="http://schemas.microsoft.com/office/drawing/2014/main" id="{FEFC5882-7080-191D-22E6-9493E3732B0B}"/>
+                </a:ext>
+              </a:extLst>
+            </p:cNvPr>
+            <p:cNvSpPr/>
+            <p:nvPr/>
+          </p:nvSpPr>
+          <p:spPr>
+            <a:xfrm>
+              <a:off x="9515061" y="1961322"/>
+              <a:ext cx="1838739" cy="1629592"/>
+            </a:xfrm>
+            <a:prstGeom prst="rect">
+              <a:avLst/>
+            </a:prstGeom>
+            <a:solidFill>
+              <a:schemeClr val="bg1"/>
+            </a:solidFill>
+          </p:spPr>
+          <p:style>
+            <a:lnRef idx="2">
+              <a:schemeClr val="accent1">
+                <a:shade val="15000"/>
+              </a:schemeClr>
+            </a:lnRef>
+            <a:fillRef idx="1">
+              <a:schemeClr val="accent1"/>
+            </a:fillRef>
+            <a:effectRef idx="0">
+              <a:schemeClr val="accent1"/>
+            </a:effectRef>
+            <a:fontRef idx="minor">
+              <a:schemeClr val="lt1"/>
+            </a:fontRef>
+          </p:style>
+          <p:txBody>
+            <a:bodyPr rtlCol="0" anchor="ctr"/>
+            <a:lstStyle/>
+            <a:p>
+              <a:pPr algn="ctr"/>
+              <a:endParaRPr lang="ko-KR" altLang="en-US"/>
+            </a:p>
+          </p:txBody>
+        </p:sp>
+        <p:sp>
+          <p:nvSpPr>
+            <p:cNvPr id="31" name="직사각형 30">
+              <a:extLst>
+                <a:ext uri="{FF2B5EF4-FFF2-40B4-BE49-F238E27FC236}">
+                  <a16:creationId xmlns:a16="http://schemas.microsoft.com/office/drawing/2014/main" id="{F0C37F95-B628-8228-4E38-5C5FCDC48034}"/>
+                </a:ext>
+              </a:extLst>
+            </p:cNvPr>
+            <p:cNvSpPr/>
+            <p:nvPr/>
+          </p:nvSpPr>
+          <p:spPr>
+            <a:xfrm>
+              <a:off x="9818204" y="1721886"/>
+              <a:ext cx="1232453" cy="457200"/>
+            </a:xfrm>
+            <a:prstGeom prst="rect">
+              <a:avLst/>
+            </a:prstGeom>
+            <a:solidFill>
+              <a:schemeClr val="accent2">
+                <a:lumMod val="60000"/>
+                <a:lumOff val="40000"/>
+              </a:schemeClr>
+            </a:solidFill>
+          </p:spPr>
+          <p:style>
+            <a:lnRef idx="2">
+              <a:schemeClr val="accent1">
+                <a:shade val="15000"/>
+              </a:schemeClr>
+            </a:lnRef>
+            <a:fillRef idx="1">
+              <a:schemeClr val="accent1"/>
+            </a:fillRef>
+            <a:effectRef idx="0">
+              <a:schemeClr val="accent1"/>
+            </a:effectRef>
+            <a:fontRef idx="minor">
+              <a:schemeClr val="lt1"/>
+            </a:fontRef>
+          </p:style>
+          <p:txBody>
+            <a:bodyPr rtlCol="0" anchor="ctr"/>
+            <a:lstStyle/>
+            <a:p>
+              <a:pPr algn="ctr"/>
+              <a:r>
+                <a:rPr lang="ko-KR" altLang="en-US" sz="1500" dirty="0">
+                  <a:solidFill>
+                    <a:schemeClr val="tx1"/>
+                  </a:solidFill>
+                </a:rPr>
+                <a:t>현재 랭킹</a:t>
+              </a:r>
+            </a:p>
+          </p:txBody>
+        </p:sp>
+        <p:sp>
+          <p:nvSpPr>
+            <p:cNvPr id="32" name="TextBox 31">
+              <a:extLst>
+                <a:ext uri="{FF2B5EF4-FFF2-40B4-BE49-F238E27FC236}">
+                  <a16:creationId xmlns:a16="http://schemas.microsoft.com/office/drawing/2014/main" id="{9B5D1279-6153-8D91-535F-95E7AD69B631}"/>
+                </a:ext>
+              </a:extLst>
+            </p:cNvPr>
+            <p:cNvSpPr txBox="1"/>
+            <p:nvPr/>
+          </p:nvSpPr>
+          <p:spPr>
+            <a:xfrm>
+              <a:off x="10163362" y="2283314"/>
+              <a:ext cx="542136" cy="369332"/>
+            </a:xfrm>
+            <a:prstGeom prst="rect">
+              <a:avLst/>
+            </a:prstGeom>
+            <a:noFill/>
+          </p:spPr>
+          <p:txBody>
+            <a:bodyPr wrap="none" rtlCol="0">
+              <a:spAutoFit/>
+            </a:bodyPr>
+            <a:lstStyle/>
+            <a:p>
+              <a:r>
+                <a:rPr lang="en-US" altLang="ko-KR"/>
+                <a:t>2</a:t>
+              </a:r>
+              <a:r>
+                <a:rPr lang="ko-KR" altLang="en-US" dirty="0"/>
+                <a:t>위</a:t>
+              </a:r>
+            </a:p>
+          </p:txBody>
+        </p:sp>
+        <p:sp>
+          <p:nvSpPr>
+            <p:cNvPr id="33" name="TextBox 32">
+              <a:extLst>
+                <a:ext uri="{FF2B5EF4-FFF2-40B4-BE49-F238E27FC236}">
+                  <a16:creationId xmlns:a16="http://schemas.microsoft.com/office/drawing/2014/main" id="{9A7E6E9D-211F-0491-92F5-9C4E17E5D722}"/>
+                </a:ext>
+              </a:extLst>
+            </p:cNvPr>
+            <p:cNvSpPr txBox="1"/>
+            <p:nvPr/>
+          </p:nvSpPr>
+          <p:spPr>
+            <a:xfrm>
+              <a:off x="9946957" y="2646401"/>
+              <a:ext cx="974947" cy="276999"/>
+            </a:xfrm>
+            <a:prstGeom prst="rect">
+              <a:avLst/>
+            </a:prstGeom>
+            <a:noFill/>
+          </p:spPr>
+          <p:txBody>
+            <a:bodyPr wrap="none" rtlCol="0">
+              <a:spAutoFit/>
+            </a:bodyPr>
+            <a:lstStyle/>
+            <a:p>
+              <a:r>
+                <a:rPr lang="ko-KR" altLang="en-US" sz="1200" dirty="0"/>
+                <a:t>승점 </a:t>
+              </a:r>
+              <a:r>
+                <a:rPr lang="en-US" altLang="ko-KR" sz="1200" dirty="0"/>
+                <a:t>: 2055</a:t>
+              </a:r>
+              <a:endParaRPr lang="ko-KR" altLang="en-US" sz="1200" dirty="0"/>
+            </a:p>
+          </p:txBody>
+        </p:sp>
+        <p:sp>
+          <p:nvSpPr>
+            <p:cNvPr id="34" name="TextBox 33">
+              <a:extLst>
+                <a:ext uri="{FF2B5EF4-FFF2-40B4-BE49-F238E27FC236}">
+                  <a16:creationId xmlns:a16="http://schemas.microsoft.com/office/drawing/2014/main" id="{3767AF5E-BF6A-E9D3-C3B2-9D3F0DCE062C}"/>
+                </a:ext>
+              </a:extLst>
+            </p:cNvPr>
+            <p:cNvSpPr txBox="1"/>
+            <p:nvPr/>
+          </p:nvSpPr>
+          <p:spPr>
+            <a:xfrm>
+              <a:off x="9967796" y="2899872"/>
+              <a:ext cx="933269" cy="276999"/>
+            </a:xfrm>
+            <a:prstGeom prst="rect">
+              <a:avLst/>
+            </a:prstGeom>
+            <a:noFill/>
+          </p:spPr>
+          <p:txBody>
+            <a:bodyPr wrap="none" rtlCol="0">
+              <a:spAutoFit/>
+            </a:bodyPr>
+            <a:lstStyle/>
+            <a:p>
+              <a:r>
+                <a:rPr lang="ko-KR" altLang="en-US" sz="1200" dirty="0"/>
+                <a:t>승률 </a:t>
+              </a:r>
+              <a:r>
+                <a:rPr lang="en-US" altLang="ko-KR" sz="1200" dirty="0"/>
+                <a:t>: 35%</a:t>
+              </a:r>
+              <a:endParaRPr lang="ko-KR" altLang="en-US" sz="1200" dirty="0"/>
+            </a:p>
+          </p:txBody>
+        </p:sp>
+        <p:sp>
+          <p:nvSpPr>
+            <p:cNvPr id="35" name="사각형: 둥근 모서리 34">
+              <a:extLst>
+                <a:ext uri="{FF2B5EF4-FFF2-40B4-BE49-F238E27FC236}">
+                  <a16:creationId xmlns:a16="http://schemas.microsoft.com/office/drawing/2014/main" id="{67011BE0-D8E3-0290-A799-57432A58D204}"/>
+                </a:ext>
+              </a:extLst>
+            </p:cNvPr>
+            <p:cNvSpPr/>
+            <p:nvPr/>
+          </p:nvSpPr>
+          <p:spPr>
+            <a:xfrm>
+              <a:off x="6147099" y="3929270"/>
+              <a:ext cx="1486154" cy="421557"/>
+            </a:xfrm>
+            <a:prstGeom prst="roundRect">
+              <a:avLst>
+                <a:gd name="adj" fmla="val 34849"/>
+              </a:avLst>
+            </a:prstGeom>
+            <a:solidFill>
+              <a:srgbClr val="00B050"/>
+            </a:solidFill>
+            <a:ln>
+              <a:noFill/>
+            </a:ln>
+          </p:spPr>
+          <p:style>
+            <a:lnRef idx="2">
+              <a:schemeClr val="accent1">
+                <a:shade val="15000"/>
+              </a:schemeClr>
+            </a:lnRef>
+            <a:fillRef idx="1">
+              <a:schemeClr val="accent1"/>
+            </a:fillRef>
+            <a:effectRef idx="0">
+              <a:schemeClr val="accent1"/>
+            </a:effectRef>
+            <a:fontRef idx="minor">
+              <a:schemeClr val="lt1"/>
+            </a:fontRef>
+          </p:style>
+          <p:txBody>
+            <a:bodyPr rtlCol="0" anchor="ctr"/>
+            <a:lstStyle/>
+            <a:p>
+              <a:pPr algn="ctr"/>
+              <a:r>
+                <a:rPr lang="ko-KR" altLang="en-US" sz="1400"/>
+                <a:t>순위표</a:t>
+              </a:r>
+            </a:p>
+          </p:txBody>
+        </p:sp>
+        <p:sp>
+          <p:nvSpPr>
+            <p:cNvPr id="36" name="TextBox 35">
+              <a:extLst>
+                <a:ext uri="{FF2B5EF4-FFF2-40B4-BE49-F238E27FC236}">
+                  <a16:creationId xmlns:a16="http://schemas.microsoft.com/office/drawing/2014/main" id="{76917708-FA40-CD01-E300-93BB8D0F2A84}"/>
+                </a:ext>
+              </a:extLst>
+            </p:cNvPr>
+            <p:cNvSpPr txBox="1"/>
+            <p:nvPr/>
+          </p:nvSpPr>
+          <p:spPr>
+            <a:xfrm>
+              <a:off x="6096000" y="2053061"/>
+              <a:ext cx="1537253" cy="307777"/>
+            </a:xfrm>
+            <a:prstGeom prst="rect">
+              <a:avLst/>
+            </a:prstGeom>
+            <a:noFill/>
+          </p:spPr>
+          <p:txBody>
+            <a:bodyPr wrap="square" rtlCol="0">
+              <a:spAutoFit/>
+            </a:bodyPr>
+            <a:lstStyle/>
+            <a:p>
+              <a:pPr algn="ctr"/>
+              <a:r>
+                <a:rPr lang="ko-KR" altLang="en-US" sz="1400" dirty="0"/>
+                <a:t>시즌 </a:t>
+              </a:r>
+              <a:r>
+                <a:rPr lang="en-US" altLang="ko-KR" sz="1400" dirty="0"/>
+                <a:t>1 </a:t>
+              </a:r>
+              <a:r>
+                <a:rPr lang="ko-KR" altLang="en-US" sz="1400" dirty="0" err="1"/>
+                <a:t>랭킹전</a:t>
+              </a:r>
+              <a:endParaRPr lang="ko-KR" altLang="en-US" sz="1400" dirty="0"/>
+            </a:p>
+          </p:txBody>
+        </p:sp>
+        <p:pic>
+          <p:nvPicPr>
+            <p:cNvPr id="37" name="그림 36" descr="픽셀, 그래픽, 디자인이(가) 표시된 사진&#10;&#10;AI가 생성한 콘텐츠는 부정확할 수 있습니다.">
+              <a:extLst>
+                <a:ext uri="{FF2B5EF4-FFF2-40B4-BE49-F238E27FC236}">
+                  <a16:creationId xmlns:a16="http://schemas.microsoft.com/office/drawing/2014/main" id="{CB0CA0D8-876A-C03C-8B43-B4A5745DAF3E}"/>
+                </a:ext>
+              </a:extLst>
+            </p:cNvPr>
+            <p:cNvPicPr>
+              <a:picLocks noChangeAspect="1"/>
+            </p:cNvPicPr>
+            <p:nvPr/>
+          </p:nvPicPr>
+          <p:blipFill>
+            <a:blip r:embed="rId4">
+              <a:extLst>
+                <a:ext uri="{28A0092B-C50C-407E-A947-70E740481C1C}">
+                  <a14:useLocalDpi xmlns:a14="http://schemas.microsoft.com/office/drawing/2010/main" val="0"/>
+                </a:ext>
+              </a:extLst>
+            </a:blip>
+            <a:stretch>
+              <a:fillRect/>
+            </a:stretch>
+          </p:blipFill>
+          <p:spPr>
+            <a:xfrm>
+              <a:off x="6430022" y="1491394"/>
+              <a:ext cx="840794" cy="600568"/>
+            </a:xfrm>
+            <a:prstGeom prst="rect">
+              <a:avLst/>
+            </a:prstGeom>
+          </p:spPr>
+        </p:pic>
+      </p:grpSp>
+      <p:sp>
+        <p:nvSpPr>
+          <p:cNvPr id="4" name="TextBox 3">
+            <a:extLst>
+              <a:ext uri="{FF2B5EF4-FFF2-40B4-BE49-F238E27FC236}">
+                <a16:creationId xmlns:a16="http://schemas.microsoft.com/office/drawing/2014/main" id="{5CABF971-67E8-43AE-D196-8165750683BF}"/>
+              </a:ext>
+            </a:extLst>
+          </p:cNvPr>
+          <p:cNvSpPr txBox="1"/>
+          <p:nvPr/>
+        </p:nvSpPr>
+        <p:spPr>
+          <a:xfrm>
+            <a:off x="554527" y="5077839"/>
+            <a:ext cx="5860900" cy="1020216"/>
+          </a:xfrm>
+          <a:prstGeom prst="rect">
+            <a:avLst/>
+          </a:prstGeom>
+          <a:noFill/>
+        </p:spPr>
+        <p:txBody>
+          <a:bodyPr wrap="none" rtlCol="0">
+            <a:spAutoFit/>
+          </a:bodyPr>
+          <a:lstStyle/>
+          <a:p>
+            <a:pPr marL="285750" indent="-285750">
+              <a:lnSpc>
+                <a:spcPct val="150000"/>
+              </a:lnSpc>
+              <a:buFontTx/>
+              <a:buChar char="-"/>
+            </a:pPr>
+            <a:r>
+              <a:rPr lang="ko-KR" altLang="en-US" sz="1400" dirty="0"/>
+              <a:t>메인 화면에서 화면을 터치하게 되면 메뉴 화면으로 넘어가게 된다</a:t>
+            </a:r>
+            <a:r>
+              <a:rPr lang="en-US" altLang="ko-KR" sz="1400" dirty="0"/>
+              <a:t>.</a:t>
+            </a:r>
+          </a:p>
+          <a:p>
+            <a:pPr marL="285750" indent="-285750">
+              <a:lnSpc>
+                <a:spcPct val="150000"/>
+              </a:lnSpc>
+              <a:buFontTx/>
+              <a:buChar char="-"/>
+            </a:pPr>
+            <a:r>
+              <a:rPr lang="ko-KR" altLang="en-US" sz="1400" dirty="0"/>
+              <a:t>메뉴 화면에서는 현재 랭킹과 </a:t>
+            </a:r>
+            <a:r>
+              <a:rPr lang="ko-KR" altLang="en-US" sz="1400" dirty="0" err="1"/>
+              <a:t>더불어서</a:t>
+            </a:r>
+            <a:r>
+              <a:rPr lang="ko-KR" altLang="en-US" sz="1400" dirty="0"/>
+              <a:t> 순위표를 확인 할 수 있다</a:t>
+            </a:r>
+            <a:r>
+              <a:rPr lang="en-US" altLang="ko-KR" sz="1400" dirty="0"/>
+              <a:t>.</a:t>
+            </a:r>
+          </a:p>
+          <a:p>
+            <a:pPr marL="285750" indent="-285750">
+              <a:lnSpc>
+                <a:spcPct val="150000"/>
+              </a:lnSpc>
+              <a:buFontTx/>
+              <a:buChar char="-"/>
+            </a:pPr>
+            <a:r>
+              <a:rPr lang="ko-KR" altLang="en-US" sz="1400" dirty="0"/>
+              <a:t>매칭 시작 버튼을 클릭하게 되면 매칭 </a:t>
+            </a:r>
+            <a:r>
+              <a:rPr lang="en-US" altLang="ko-KR" sz="1400" dirty="0"/>
+              <a:t>UI</a:t>
+            </a:r>
+            <a:r>
+              <a:rPr lang="ko-KR" altLang="en-US" sz="1400" dirty="0"/>
+              <a:t>가 등장한다</a:t>
+            </a:r>
+            <a:r>
+              <a:rPr lang="en-US" altLang="ko-KR" sz="1400" dirty="0"/>
+              <a:t>.</a:t>
+            </a:r>
+          </a:p>
+        </p:txBody>
+      </p:sp>
+      <p:sp>
+        <p:nvSpPr>
+          <p:cNvPr id="8" name="TextBox 7">
+            <a:extLst>
+              <a:ext uri="{FF2B5EF4-FFF2-40B4-BE49-F238E27FC236}">
+                <a16:creationId xmlns:a16="http://schemas.microsoft.com/office/drawing/2014/main" id="{4631E5FD-21D4-C071-869F-EE95E615845D}"/>
+              </a:ext>
+            </a:extLst>
+          </p:cNvPr>
+          <p:cNvSpPr txBox="1"/>
+          <p:nvPr/>
+        </p:nvSpPr>
+        <p:spPr>
+          <a:xfrm>
+            <a:off x="2215394" y="4463685"/>
+            <a:ext cx="1386918" cy="373885"/>
+          </a:xfrm>
+          <a:prstGeom prst="rect">
+            <a:avLst/>
+          </a:prstGeom>
+          <a:noFill/>
+        </p:spPr>
+        <p:txBody>
+          <a:bodyPr wrap="none" rtlCol="0">
+            <a:spAutoFit/>
+          </a:bodyPr>
+          <a:lstStyle/>
+          <a:p>
+            <a:pPr>
+              <a:lnSpc>
+                <a:spcPct val="150000"/>
+              </a:lnSpc>
+            </a:pPr>
+            <a:r>
+              <a:rPr lang="ko-KR" altLang="en-US" sz="1400" dirty="0"/>
+              <a:t>게임 메인 화면</a:t>
+            </a:r>
+            <a:endParaRPr lang="en-US" altLang="ko-KR" sz="1400" dirty="0"/>
+          </a:p>
+        </p:txBody>
+      </p:sp>
+      <p:sp>
+        <p:nvSpPr>
+          <p:cNvPr id="11" name="TextBox 10">
+            <a:extLst>
+              <a:ext uri="{FF2B5EF4-FFF2-40B4-BE49-F238E27FC236}">
+                <a16:creationId xmlns:a16="http://schemas.microsoft.com/office/drawing/2014/main" id="{1454FA89-0671-629A-A447-4E9B0937EACB}"/>
+              </a:ext>
+            </a:extLst>
+          </p:cNvPr>
+          <p:cNvSpPr txBox="1"/>
+          <p:nvPr/>
+        </p:nvSpPr>
+        <p:spPr>
+          <a:xfrm>
+            <a:off x="8084450" y="4463685"/>
+            <a:ext cx="1386918" cy="373885"/>
+          </a:xfrm>
+          <a:prstGeom prst="rect">
+            <a:avLst/>
+          </a:prstGeom>
+          <a:noFill/>
+        </p:spPr>
+        <p:txBody>
+          <a:bodyPr wrap="none" rtlCol="0">
+            <a:spAutoFit/>
+          </a:bodyPr>
+          <a:lstStyle/>
+          <a:p>
+            <a:pPr>
+              <a:lnSpc>
+                <a:spcPct val="150000"/>
+              </a:lnSpc>
+            </a:pPr>
+            <a:r>
+              <a:rPr lang="ko-KR" altLang="en-US" sz="1400" dirty="0"/>
+              <a:t>게임 메뉴 화면</a:t>
+            </a:r>
+            <a:endParaRPr lang="en-US" altLang="ko-KR" sz="1400" dirty="0"/>
+          </a:p>
+        </p:txBody>
+      </p:sp>
+      <p:sp>
+        <p:nvSpPr>
+          <p:cNvPr id="13" name="TextBox 12">
+            <a:extLst>
+              <a:ext uri="{FF2B5EF4-FFF2-40B4-BE49-F238E27FC236}">
+                <a16:creationId xmlns:a16="http://schemas.microsoft.com/office/drawing/2014/main" id="{6E2FE166-D228-AF1C-0259-FBB7B7D36D6C}"/>
+              </a:ext>
+            </a:extLst>
+          </p:cNvPr>
+          <p:cNvSpPr txBox="1"/>
+          <p:nvPr/>
+        </p:nvSpPr>
+        <p:spPr>
+          <a:xfrm>
+            <a:off x="5149922" y="1000576"/>
+            <a:ext cx="2339102" cy="373885"/>
+          </a:xfrm>
+          <a:prstGeom prst="rect">
+            <a:avLst/>
+          </a:prstGeom>
+          <a:noFill/>
+        </p:spPr>
+        <p:txBody>
+          <a:bodyPr wrap="none" rtlCol="0">
+            <a:spAutoFit/>
+          </a:bodyPr>
+          <a:lstStyle/>
+          <a:p>
+            <a:pPr>
+              <a:lnSpc>
+                <a:spcPct val="150000"/>
+              </a:lnSpc>
+            </a:pPr>
+            <a:r>
+              <a:rPr lang="en-US" altLang="ko-KR" sz="1400" dirty="0">
+                <a:solidFill>
+                  <a:srgbClr val="FF0000"/>
+                </a:solidFill>
+              </a:rPr>
+              <a:t>※</a:t>
+            </a:r>
+            <a:r>
+              <a:rPr lang="ko-KR" altLang="en-US" sz="1400" dirty="0">
+                <a:solidFill>
+                  <a:srgbClr val="FF0000"/>
+                </a:solidFill>
+              </a:rPr>
+              <a:t> </a:t>
+            </a:r>
+            <a:r>
+              <a:rPr lang="en-US" altLang="ko-KR" sz="1400" dirty="0" err="1">
+                <a:solidFill>
+                  <a:srgbClr val="FF0000"/>
+                </a:solidFill>
+              </a:rPr>
+              <a:t>ui</a:t>
+            </a:r>
+            <a:r>
+              <a:rPr lang="ko-KR" altLang="en-US" sz="1400" dirty="0">
+                <a:solidFill>
+                  <a:srgbClr val="FF0000"/>
+                </a:solidFill>
+              </a:rPr>
+              <a:t>별 크기는 </a:t>
+            </a:r>
+            <a:r>
+              <a:rPr lang="en-US" altLang="ko-KR" sz="1400" dirty="0">
+                <a:solidFill>
+                  <a:srgbClr val="FF0000"/>
+                </a:solidFill>
+              </a:rPr>
+              <a:t>UI</a:t>
+            </a:r>
+            <a:r>
+              <a:rPr lang="ko-KR" altLang="en-US" sz="1400" dirty="0">
+                <a:solidFill>
+                  <a:srgbClr val="FF0000"/>
+                </a:solidFill>
+              </a:rPr>
+              <a:t>문서 참조</a:t>
+            </a:r>
+            <a:endParaRPr lang="en-US" altLang="ko-KR" sz="1400" dirty="0">
+              <a:solidFill>
+                <a:srgbClr val="FF0000"/>
+              </a:solidFill>
+            </a:endParaRPr>
+          </a:p>
+        </p:txBody>
+      </p:sp>
+    </p:spTree>
+    <p:extLst>
+      <p:ext uri="{BB962C8B-B14F-4D97-AF65-F5344CB8AC3E}">
+        <p14:creationId xmlns:p14="http://schemas.microsoft.com/office/powerpoint/2010/main" val="3061727655"/>
+      </p:ext>
+    </p:extLst>
+  </p:cSld>
+  <p:clrMapOvr>
+    <a:masterClrMapping/>
+  </p:clrMapOvr>
+</p:sld>
+</file>
+
+<file path=ppt/slides/slide23.xml><?xml version="1.0" encoding="utf-8"?>
+<p:sld xmlns:a="http://schemas.openxmlformats.org/drawingml/2006/main" xmlns:r="http://schemas.openxmlformats.org/officeDocument/2006/relationships" xmlns:p="http://schemas.openxmlformats.org/presentationml/2006/main">
+  <p:cSld>
+    <p:spTree>
+      <p:nvGrpSpPr>
+        <p:cNvPr id="1" name="">
+          <a:extLst>
+            <a:ext uri="{FF2B5EF4-FFF2-40B4-BE49-F238E27FC236}">
+              <a16:creationId xmlns:a16="http://schemas.microsoft.com/office/drawing/2014/main" id="{2417C5B3-DDE2-7E8E-DBC2-9AE2B51BCD5E}"/>
+            </a:ext>
+          </a:extLst>
+        </p:cNvPr>
+        <p:cNvGrpSpPr/>
+        <p:nvPr/>
+      </p:nvGrpSpPr>
+      <p:grpSpPr>
+        <a:xfrm>
+          <a:off x="0" y="0"/>
+          <a:ext cx="0" cy="0"/>
+          <a:chOff x="0" y="0"/>
+          <a:chExt cx="0" cy="0"/>
+        </a:xfrm>
+      </p:grpSpPr>
+      <p:sp>
+        <p:nvSpPr>
+          <p:cNvPr id="5" name="제목 1">
+            <a:extLst>
+              <a:ext uri="{FF2B5EF4-FFF2-40B4-BE49-F238E27FC236}">
+                <a16:creationId xmlns:a16="http://schemas.microsoft.com/office/drawing/2014/main" id="{A6214294-6386-FF77-26BD-9DC95ABA6DC0}"/>
+              </a:ext>
+            </a:extLst>
+          </p:cNvPr>
+          <p:cNvSpPr>
+            <a:spLocks noGrp="1"/>
+          </p:cNvSpPr>
+          <p:nvPr>
+            <p:ph type="title"/>
+          </p:nvPr>
+        </p:nvSpPr>
+        <p:spPr>
+          <a:xfrm>
+            <a:off x="129225" y="83886"/>
+            <a:ext cx="3034834" cy="608225"/>
+          </a:xfrm>
+        </p:spPr>
+        <p:txBody>
+          <a:bodyPr>
+            <a:normAutofit/>
+          </a:bodyPr>
+          <a:lstStyle/>
+          <a:p>
+            <a:pPr algn="ctr"/>
+            <a:r>
+              <a:rPr lang="ko-KR" altLang="en-US" sz="3200" b="1"/>
+              <a:t>미니 게임 종류</a:t>
+            </a:r>
+            <a:endParaRPr lang="ko-KR" altLang="en-US" sz="3200" b="1" dirty="0"/>
+          </a:p>
+        </p:txBody>
+      </p:sp>
+      <p:cxnSp>
+        <p:nvCxnSpPr>
+          <p:cNvPr id="6" name="직선 연결선 5">
+            <a:extLst>
+              <a:ext uri="{FF2B5EF4-FFF2-40B4-BE49-F238E27FC236}">
+                <a16:creationId xmlns:a16="http://schemas.microsoft.com/office/drawing/2014/main" id="{CB49B648-6AB3-D95A-F494-14525DF781C9}"/>
+              </a:ext>
+            </a:extLst>
+          </p:cNvPr>
+          <p:cNvCxnSpPr>
+            <a:cxnSpLocks/>
+          </p:cNvCxnSpPr>
+          <p:nvPr/>
+        </p:nvCxnSpPr>
+        <p:spPr>
+          <a:xfrm>
+            <a:off x="0" y="692111"/>
+            <a:ext cx="12192000" cy="0"/>
+          </a:xfrm>
+          <a:prstGeom prst="line">
+            <a:avLst/>
+          </a:prstGeom>
+          <a:ln>
+            <a:solidFill>
+              <a:schemeClr val="bg2">
+                <a:lumMod val="75000"/>
+              </a:schemeClr>
+            </a:solidFill>
+          </a:ln>
+        </p:spPr>
+        <p:style>
+          <a:lnRef idx="2">
+            <a:schemeClr val="accent1"/>
+          </a:lnRef>
+          <a:fillRef idx="0">
+            <a:schemeClr val="accent1"/>
+          </a:fillRef>
+          <a:effectRef idx="1">
+            <a:schemeClr val="accent1"/>
+          </a:effectRef>
+          <a:fontRef idx="minor">
+            <a:schemeClr val="tx1"/>
+          </a:fontRef>
+        </p:style>
+      </p:cxnSp>
+      <p:cxnSp>
+        <p:nvCxnSpPr>
+          <p:cNvPr id="7" name="직선 연결선 6">
+            <a:extLst>
+              <a:ext uri="{FF2B5EF4-FFF2-40B4-BE49-F238E27FC236}">
+                <a16:creationId xmlns:a16="http://schemas.microsoft.com/office/drawing/2014/main" id="{27405179-34FF-4713-4A97-B9465F9A9624}"/>
+              </a:ext>
+            </a:extLst>
+          </p:cNvPr>
+          <p:cNvCxnSpPr>
+            <a:cxnSpLocks/>
+          </p:cNvCxnSpPr>
+          <p:nvPr/>
+        </p:nvCxnSpPr>
+        <p:spPr>
+          <a:xfrm>
+            <a:off x="129225" y="658980"/>
+            <a:ext cx="3034834" cy="0"/>
+          </a:xfrm>
+          <a:prstGeom prst="line">
+            <a:avLst/>
+          </a:prstGeom>
+          <a:ln w="76200">
+            <a:solidFill>
+              <a:schemeClr val="tx1"/>
+            </a:solidFill>
+          </a:ln>
+        </p:spPr>
+        <p:style>
+          <a:lnRef idx="2">
+            <a:schemeClr val="accent1"/>
+          </a:lnRef>
+          <a:fillRef idx="0">
+            <a:schemeClr val="accent1"/>
+          </a:fillRef>
+          <a:effectRef idx="1">
+            <a:schemeClr val="accent1"/>
+          </a:effectRef>
+          <a:fontRef idx="minor">
+            <a:schemeClr val="tx1"/>
+          </a:fontRef>
+        </p:style>
+      </p:cxnSp>
+      <p:sp>
+        <p:nvSpPr>
+          <p:cNvPr id="10" name="슬라이드 번호 개체 틀 9">
+            <a:extLst>
+              <a:ext uri="{FF2B5EF4-FFF2-40B4-BE49-F238E27FC236}">
+                <a16:creationId xmlns:a16="http://schemas.microsoft.com/office/drawing/2014/main" id="{33D4D5E9-6633-496E-95EF-15D96CC5BD24}"/>
+              </a:ext>
+            </a:extLst>
+          </p:cNvPr>
+          <p:cNvSpPr>
+            <a:spLocks noGrp="1"/>
+          </p:cNvSpPr>
+          <p:nvPr>
+            <p:ph type="sldNum" sz="quarter" idx="12"/>
+          </p:nvPr>
+        </p:nvSpPr>
+        <p:spPr/>
+        <p:txBody>
+          <a:bodyPr/>
+          <a:lstStyle/>
+          <a:p>
+            <a:fld id="{8D96929D-9E84-4A42-B4C3-2E48812748E4}" type="slidenum">
+              <a:rPr lang="ko-KR" altLang="en-US" smtClean="0"/>
+              <a:t>23</a:t>
+            </a:fld>
+            <a:endParaRPr lang="ko-KR" altLang="en-US"/>
+          </a:p>
+        </p:txBody>
+      </p:sp>
+      <p:sp>
+        <p:nvSpPr>
+          <p:cNvPr id="2" name="TextBox 1">
+            <a:extLst>
+              <a:ext uri="{FF2B5EF4-FFF2-40B4-BE49-F238E27FC236}">
+                <a16:creationId xmlns:a16="http://schemas.microsoft.com/office/drawing/2014/main" id="{A62AA00D-A4C4-424B-4978-AF22E3BED3CA}"/>
+              </a:ext>
+            </a:extLst>
+          </p:cNvPr>
+          <p:cNvSpPr txBox="1"/>
+          <p:nvPr/>
+        </p:nvSpPr>
+        <p:spPr>
+          <a:xfrm>
+            <a:off x="454785" y="707392"/>
+            <a:ext cx="3377848" cy="523220"/>
+          </a:xfrm>
+          <a:prstGeom prst="rect">
+            <a:avLst/>
+          </a:prstGeom>
+          <a:noFill/>
+        </p:spPr>
+        <p:txBody>
+          <a:bodyPr wrap="none" rtlCol="0">
+            <a:spAutoFit/>
+          </a:bodyPr>
+          <a:lstStyle/>
+          <a:p>
+            <a:r>
+              <a:rPr lang="ko-KR" altLang="en-US" sz="2800" dirty="0">
+                <a:solidFill>
+                  <a:srgbClr val="0070C0"/>
+                </a:solidFill>
+              </a:rPr>
+              <a:t>러닝 게임 </a:t>
+            </a:r>
+            <a:r>
+              <a:rPr lang="en-US" altLang="ko-KR" sz="2800" dirty="0">
+                <a:solidFill>
+                  <a:srgbClr val="0070C0"/>
+                </a:solidFill>
+              </a:rPr>
+              <a:t>– </a:t>
+            </a:r>
+            <a:r>
+              <a:rPr lang="ko-KR" altLang="en-US" sz="2800" dirty="0">
+                <a:solidFill>
+                  <a:srgbClr val="0070C0"/>
+                </a:solidFill>
+              </a:rPr>
+              <a:t>매칭 </a:t>
+            </a:r>
+            <a:r>
+              <a:rPr lang="en-US" altLang="ko-KR" sz="2800" dirty="0">
+                <a:solidFill>
+                  <a:srgbClr val="0070C0"/>
+                </a:solidFill>
+              </a:rPr>
+              <a:t>UI</a:t>
+            </a:r>
+            <a:endParaRPr lang="ko-KR" altLang="en-US" sz="2800" dirty="0">
+              <a:solidFill>
+                <a:srgbClr val="0070C0"/>
+              </a:solidFill>
+            </a:endParaRPr>
+          </a:p>
+        </p:txBody>
+      </p:sp>
+      <p:sp>
+        <p:nvSpPr>
+          <p:cNvPr id="4" name="TextBox 3">
+            <a:extLst>
+              <a:ext uri="{FF2B5EF4-FFF2-40B4-BE49-F238E27FC236}">
+                <a16:creationId xmlns:a16="http://schemas.microsoft.com/office/drawing/2014/main" id="{12D722F4-6EFA-6746-C48A-9038924E7A84}"/>
+              </a:ext>
+            </a:extLst>
+          </p:cNvPr>
+          <p:cNvSpPr txBox="1"/>
+          <p:nvPr/>
+        </p:nvSpPr>
+        <p:spPr>
+          <a:xfrm>
+            <a:off x="554527" y="5299683"/>
+            <a:ext cx="6942926" cy="1343381"/>
+          </a:xfrm>
+          <a:prstGeom prst="rect">
+            <a:avLst/>
+          </a:prstGeom>
+          <a:noFill/>
+        </p:spPr>
+        <p:txBody>
+          <a:bodyPr wrap="none" rtlCol="0">
+            <a:spAutoFit/>
+          </a:bodyPr>
+          <a:lstStyle/>
+          <a:p>
+            <a:pPr marL="285750" indent="-285750">
+              <a:lnSpc>
+                <a:spcPct val="150000"/>
+              </a:lnSpc>
+              <a:buFontTx/>
+              <a:buChar char="-"/>
+            </a:pPr>
+            <a:r>
+              <a:rPr lang="ko-KR" altLang="en-US" sz="1400" dirty="0"/>
+              <a:t>매칭 시작 버튼을 클릭하게 되면 등장하게 된다</a:t>
+            </a:r>
+            <a:r>
+              <a:rPr lang="en-US" altLang="ko-KR" sz="1400" dirty="0"/>
+              <a:t>.</a:t>
+            </a:r>
+          </a:p>
+          <a:p>
+            <a:pPr marL="285750" indent="-285750">
+              <a:lnSpc>
+                <a:spcPct val="150000"/>
+              </a:lnSpc>
+              <a:buFontTx/>
+              <a:buChar char="-"/>
+            </a:pPr>
+            <a:r>
+              <a:rPr lang="en-US" altLang="ko-KR" sz="1400" dirty="0"/>
+              <a:t>NPC</a:t>
+            </a:r>
+            <a:r>
+              <a:rPr lang="ko-KR" altLang="en-US" sz="1400" dirty="0"/>
+              <a:t>와 매칭이 된다는 연출을 위해 </a:t>
+            </a:r>
+            <a:r>
+              <a:rPr lang="en-US" altLang="ko-KR" sz="1400" dirty="0"/>
+              <a:t>2</a:t>
+            </a:r>
+            <a:r>
+              <a:rPr lang="ko-KR" altLang="en-US" sz="1400" dirty="0"/>
+              <a:t>초간 등장하는 </a:t>
+            </a:r>
+            <a:r>
+              <a:rPr lang="en-US" altLang="ko-KR" sz="1400" dirty="0"/>
+              <a:t>UI</a:t>
+            </a:r>
+            <a:r>
+              <a:rPr lang="ko-KR" altLang="en-US" sz="1400" dirty="0"/>
+              <a:t>이다</a:t>
+            </a:r>
+            <a:r>
+              <a:rPr lang="en-US" altLang="ko-KR" sz="1400" dirty="0"/>
+              <a:t>.</a:t>
+            </a:r>
+          </a:p>
+          <a:p>
+            <a:pPr marL="285750" indent="-285750">
+              <a:lnSpc>
+                <a:spcPct val="150000"/>
+              </a:lnSpc>
+              <a:buFontTx/>
+              <a:buChar char="-"/>
+            </a:pPr>
+            <a:r>
+              <a:rPr lang="ko-KR" altLang="en-US" sz="1400" dirty="0"/>
+              <a:t>화면 중앙에 </a:t>
+            </a:r>
+            <a:r>
+              <a:rPr lang="en-US" altLang="ko-KR" sz="1400" dirty="0"/>
+              <a:t>UI</a:t>
+            </a:r>
+            <a:r>
+              <a:rPr lang="ko-KR" altLang="en-US" sz="1400" dirty="0"/>
+              <a:t>가 뜨면서 배경은 어둡게 처리된다</a:t>
+            </a:r>
+            <a:r>
+              <a:rPr lang="en-US" altLang="ko-KR" sz="1400" dirty="0"/>
+              <a:t>.</a:t>
+            </a:r>
+          </a:p>
+          <a:p>
+            <a:pPr marL="285750" indent="-285750">
+              <a:lnSpc>
+                <a:spcPct val="150000"/>
+              </a:lnSpc>
+              <a:buFontTx/>
+              <a:buChar char="-"/>
+            </a:pPr>
+            <a:r>
+              <a:rPr lang="ko-KR" altLang="en-US" sz="1400" dirty="0"/>
+              <a:t>매칭 중에서 </a:t>
+            </a:r>
+            <a:r>
+              <a:rPr lang="en-US" altLang="ko-KR" sz="1400" dirty="0"/>
+              <a:t>2</a:t>
+            </a:r>
+            <a:r>
+              <a:rPr lang="ko-KR" altLang="en-US" sz="1400" dirty="0"/>
+              <a:t>초가 지나면 매칭 완료로 글자가 변경되면서 게임을 시작하게 된다</a:t>
+            </a:r>
+            <a:r>
+              <a:rPr lang="en-US" altLang="ko-KR" sz="1400" dirty="0"/>
+              <a:t>.</a:t>
+            </a:r>
+          </a:p>
+        </p:txBody>
+      </p:sp>
+      <p:grpSp>
+        <p:nvGrpSpPr>
+          <p:cNvPr id="38" name="그룹 37">
+            <a:extLst>
+              <a:ext uri="{FF2B5EF4-FFF2-40B4-BE49-F238E27FC236}">
+                <a16:creationId xmlns:a16="http://schemas.microsoft.com/office/drawing/2014/main" id="{5AA8B28C-CDA5-F782-3F89-267E215263B1}"/>
+              </a:ext>
+            </a:extLst>
+          </p:cNvPr>
+          <p:cNvGrpSpPr/>
+          <p:nvPr/>
+        </p:nvGrpSpPr>
+        <p:grpSpPr>
+          <a:xfrm>
+            <a:off x="753508" y="1360397"/>
+            <a:ext cx="6815351" cy="3834451"/>
+            <a:chOff x="753508" y="1360397"/>
+            <a:chExt cx="6815351" cy="3834451"/>
+          </a:xfrm>
+        </p:grpSpPr>
+        <p:grpSp>
+          <p:nvGrpSpPr>
+            <p:cNvPr id="3" name="그룹 2">
+              <a:extLst>
+                <a:ext uri="{FF2B5EF4-FFF2-40B4-BE49-F238E27FC236}">
+                  <a16:creationId xmlns:a16="http://schemas.microsoft.com/office/drawing/2014/main" id="{ECF6030B-A675-0A9B-FA06-3235F4E19116}"/>
+                </a:ext>
+              </a:extLst>
+            </p:cNvPr>
+            <p:cNvGrpSpPr/>
+            <p:nvPr/>
+          </p:nvGrpSpPr>
+          <p:grpSpPr>
+            <a:xfrm>
+              <a:off x="753508" y="1360397"/>
+              <a:ext cx="6815351" cy="3834451"/>
+              <a:chOff x="6096000" y="1446537"/>
+              <a:chExt cx="5363818" cy="3017790"/>
+            </a:xfrm>
+          </p:grpSpPr>
+          <p:pic>
+            <p:nvPicPr>
+              <p:cNvPr id="9" name="그림 8" descr="일렉트릭 블루, 하늘빛, 하늘, 아쿠아이(가) 표시된 사진&#10;&#10;AI가 생성한 콘텐츠는 부정확할 수 있습니다.">
+                <a:extLst>
+                  <a:ext uri="{FF2B5EF4-FFF2-40B4-BE49-F238E27FC236}">
+                    <a16:creationId xmlns:a16="http://schemas.microsoft.com/office/drawing/2014/main" id="{1CB6AB72-F558-EE35-F3D9-B06158958273}"/>
+                  </a:ext>
+                </a:extLst>
+              </p:cNvPr>
+              <p:cNvPicPr>
+                <a:picLocks noChangeAspect="1"/>
+              </p:cNvPicPr>
+              <p:nvPr/>
+            </p:nvPicPr>
+            <p:blipFill>
+              <a:blip r:embed="rId3">
+                <a:extLst>
+                  <a:ext uri="{28A0092B-C50C-407E-A947-70E740481C1C}">
+                    <a14:useLocalDpi xmlns:a14="http://schemas.microsoft.com/office/drawing/2010/main" val="0"/>
+                  </a:ext>
+                </a:extLst>
+              </a:blip>
+              <a:srcRect r="2044"/>
+              <a:stretch/>
+            </p:blipFill>
+            <p:spPr>
+              <a:xfrm>
+                <a:off x="6096000" y="1446537"/>
+                <a:ext cx="5363818" cy="3017790"/>
+              </a:xfrm>
+              <a:prstGeom prst="rect">
+                <a:avLst/>
+              </a:prstGeom>
+            </p:spPr>
+          </p:pic>
+          <p:sp>
+            <p:nvSpPr>
+              <p:cNvPr id="25" name="사각형: 둥근 모서리 24">
+                <a:extLst>
+                  <a:ext uri="{FF2B5EF4-FFF2-40B4-BE49-F238E27FC236}">
+                    <a16:creationId xmlns:a16="http://schemas.microsoft.com/office/drawing/2014/main" id="{AB766071-1BD8-57D4-2564-9DF6A70ECA56}"/>
+                  </a:ext>
+                </a:extLst>
+              </p:cNvPr>
+              <p:cNvSpPr/>
+              <p:nvPr/>
+            </p:nvSpPr>
+            <p:spPr>
+              <a:xfrm>
+                <a:off x="9508745" y="3923782"/>
+                <a:ext cx="1838739" cy="421557"/>
+              </a:xfrm>
+              <a:prstGeom prst="roundRect">
+                <a:avLst>
+                  <a:gd name="adj" fmla="val 34849"/>
+                </a:avLst>
+              </a:prstGeom>
+              <a:solidFill>
+                <a:srgbClr val="00B050"/>
+              </a:solidFill>
+              <a:ln>
+                <a:noFill/>
+              </a:ln>
+            </p:spPr>
+            <p:style>
+              <a:lnRef idx="2">
+                <a:schemeClr val="accent1">
+                  <a:shade val="15000"/>
+                </a:schemeClr>
+              </a:lnRef>
+              <a:fillRef idx="1">
+                <a:schemeClr val="accent1"/>
+              </a:fillRef>
+              <a:effectRef idx="0">
+                <a:schemeClr val="accent1"/>
+              </a:effectRef>
+              <a:fontRef idx="minor">
+                <a:schemeClr val="lt1"/>
+              </a:fontRef>
+            </p:style>
+            <p:txBody>
+              <a:bodyPr rtlCol="0" anchor="ctr"/>
+              <a:lstStyle/>
+              <a:p>
+                <a:pPr algn="ctr"/>
+                <a:r>
+                  <a:rPr lang="ko-KR" altLang="en-US" sz="2000" dirty="0"/>
+                  <a:t>매칭 시작</a:t>
+                </a:r>
+              </a:p>
+            </p:txBody>
+          </p:sp>
+          <p:sp>
+            <p:nvSpPr>
+              <p:cNvPr id="23" name="TextBox 22">
+                <a:extLst>
+                  <a:ext uri="{FF2B5EF4-FFF2-40B4-BE49-F238E27FC236}">
+                    <a16:creationId xmlns:a16="http://schemas.microsoft.com/office/drawing/2014/main" id="{E0750922-FB9E-7E27-17D9-7A914EF2E36A}"/>
+                  </a:ext>
+                </a:extLst>
+              </p:cNvPr>
+              <p:cNvSpPr txBox="1"/>
+              <p:nvPr/>
+            </p:nvSpPr>
+            <p:spPr>
+              <a:xfrm>
+                <a:off x="9599907" y="4152795"/>
+                <a:ext cx="1676912" cy="199837"/>
+              </a:xfrm>
+              <a:prstGeom prst="rect">
+                <a:avLst/>
+              </a:prstGeom>
+              <a:noFill/>
+            </p:spPr>
+            <p:txBody>
+              <a:bodyPr wrap="none" rtlCol="0">
+                <a:spAutoFit/>
+              </a:bodyPr>
+              <a:lstStyle/>
+              <a:p>
+                <a:r>
+                  <a:rPr lang="ko-KR" altLang="en-US" sz="1050" dirty="0">
+                    <a:solidFill>
+                      <a:srgbClr val="FF0000"/>
+                    </a:solidFill>
+                  </a:rPr>
+                  <a:t>시즌 종료까지 </a:t>
+                </a:r>
+                <a:r>
+                  <a:rPr lang="en-US" altLang="ko-KR" sz="1050" dirty="0">
+                    <a:solidFill>
+                      <a:srgbClr val="FF0000"/>
+                    </a:solidFill>
+                  </a:rPr>
+                  <a:t>10</a:t>
+                </a:r>
+                <a:r>
+                  <a:rPr lang="ko-KR" altLang="en-US" sz="1050" dirty="0">
+                    <a:solidFill>
+                      <a:srgbClr val="FF0000"/>
+                    </a:solidFill>
+                  </a:rPr>
+                  <a:t>분 남았습니다</a:t>
+                </a:r>
+                <a:r>
+                  <a:rPr lang="en-US" altLang="ko-KR" sz="1050" dirty="0">
+                    <a:solidFill>
+                      <a:srgbClr val="FF0000"/>
+                    </a:solidFill>
+                  </a:rPr>
+                  <a:t>!</a:t>
+                </a:r>
+                <a:endParaRPr lang="ko-KR" altLang="en-US" sz="1050" dirty="0">
+                  <a:solidFill>
+                    <a:srgbClr val="FF0000"/>
+                  </a:solidFill>
+                </a:endParaRPr>
+              </a:p>
+            </p:txBody>
+          </p:sp>
+          <p:pic>
+            <p:nvPicPr>
+              <p:cNvPr id="28" name="그림 27" descr="픽셀, 스크린샷이(가) 표시된 사진&#10;&#10;AI가 생성한 콘텐츠는 부정확할 수 있습니다.">
+                <a:extLst>
+                  <a:ext uri="{FF2B5EF4-FFF2-40B4-BE49-F238E27FC236}">
+                    <a16:creationId xmlns:a16="http://schemas.microsoft.com/office/drawing/2014/main" id="{0DE5E239-6541-43CF-F7E4-FCDB25C93562}"/>
+                  </a:ext>
+                </a:extLst>
+              </p:cNvPr>
+              <p:cNvPicPr>
+                <a:picLocks noChangeAspect="1"/>
+              </p:cNvPicPr>
+              <p:nvPr/>
+            </p:nvPicPr>
+            <p:blipFill>
+              <a:blip r:embed="rId4">
+                <a:extLst>
+                  <a:ext uri="{28A0092B-C50C-407E-A947-70E740481C1C}">
+                    <a14:useLocalDpi xmlns:a14="http://schemas.microsoft.com/office/drawing/2010/main" val="0"/>
+                  </a:ext>
+                </a:extLst>
+              </a:blip>
+              <a:srcRect r="82400"/>
+              <a:stretch/>
+            </p:blipFill>
+            <p:spPr>
+              <a:xfrm>
+                <a:off x="7304469" y="2597306"/>
+                <a:ext cx="694208" cy="1168704"/>
+              </a:xfrm>
+              <a:prstGeom prst="rect">
+                <a:avLst/>
+              </a:prstGeom>
+            </p:spPr>
+          </p:pic>
+          <p:sp>
+            <p:nvSpPr>
+              <p:cNvPr id="30" name="직사각형 29">
+                <a:extLst>
+                  <a:ext uri="{FF2B5EF4-FFF2-40B4-BE49-F238E27FC236}">
+                    <a16:creationId xmlns:a16="http://schemas.microsoft.com/office/drawing/2014/main" id="{B9F82AC3-94AD-0B66-7E61-6E22FE2B35BB}"/>
+                  </a:ext>
+                </a:extLst>
+              </p:cNvPr>
+              <p:cNvSpPr/>
+              <p:nvPr/>
+            </p:nvSpPr>
+            <p:spPr>
+              <a:xfrm>
+                <a:off x="9515061" y="1961322"/>
+                <a:ext cx="1838739" cy="1629592"/>
+              </a:xfrm>
+              <a:prstGeom prst="rect">
+                <a:avLst/>
+              </a:prstGeom>
+              <a:solidFill>
+                <a:schemeClr val="bg1"/>
+              </a:solidFill>
+            </p:spPr>
+            <p:style>
+              <a:lnRef idx="2">
+                <a:schemeClr val="accent1">
+                  <a:shade val="15000"/>
+                </a:schemeClr>
+              </a:lnRef>
+              <a:fillRef idx="1">
+                <a:schemeClr val="accent1"/>
+              </a:fillRef>
+              <a:effectRef idx="0">
+                <a:schemeClr val="accent1"/>
+              </a:effectRef>
+              <a:fontRef idx="minor">
+                <a:schemeClr val="lt1"/>
+              </a:fontRef>
+            </p:style>
+            <p:txBody>
+              <a:bodyPr rtlCol="0" anchor="ctr"/>
+              <a:lstStyle/>
+              <a:p>
+                <a:pPr algn="ctr"/>
+                <a:endParaRPr lang="ko-KR" altLang="en-US" sz="2800"/>
+              </a:p>
+            </p:txBody>
+          </p:sp>
+          <p:sp>
+            <p:nvSpPr>
+              <p:cNvPr id="31" name="직사각형 30">
+                <a:extLst>
+                  <a:ext uri="{FF2B5EF4-FFF2-40B4-BE49-F238E27FC236}">
+                    <a16:creationId xmlns:a16="http://schemas.microsoft.com/office/drawing/2014/main" id="{2781F9AD-81F7-4CBD-5E9A-624457CA0F60}"/>
+                  </a:ext>
+                </a:extLst>
+              </p:cNvPr>
+              <p:cNvSpPr/>
+              <p:nvPr/>
+            </p:nvSpPr>
+            <p:spPr>
+              <a:xfrm>
+                <a:off x="9818204" y="1721886"/>
+                <a:ext cx="1232453" cy="457200"/>
+              </a:xfrm>
+              <a:prstGeom prst="rect">
+                <a:avLst/>
+              </a:prstGeom>
+              <a:solidFill>
+                <a:schemeClr val="accent2">
+                  <a:lumMod val="60000"/>
+                  <a:lumOff val="40000"/>
+                </a:schemeClr>
+              </a:solidFill>
+            </p:spPr>
+            <p:style>
+              <a:lnRef idx="2">
+                <a:schemeClr val="accent1">
+                  <a:shade val="15000"/>
+                </a:schemeClr>
+              </a:lnRef>
+              <a:fillRef idx="1">
+                <a:schemeClr val="accent1"/>
+              </a:fillRef>
+              <a:effectRef idx="0">
+                <a:schemeClr val="accent1"/>
+              </a:effectRef>
+              <a:fontRef idx="minor">
+                <a:schemeClr val="lt1"/>
+              </a:fontRef>
+            </p:style>
+            <p:txBody>
+              <a:bodyPr rtlCol="0" anchor="ctr"/>
+              <a:lstStyle/>
+              <a:p>
+                <a:pPr algn="ctr"/>
+                <a:r>
+                  <a:rPr lang="ko-KR" altLang="en-US" sz="2000" dirty="0">
+                    <a:solidFill>
+                      <a:schemeClr val="tx1"/>
+                    </a:solidFill>
+                  </a:rPr>
+                  <a:t>현재 랭킹</a:t>
+                </a:r>
+              </a:p>
+            </p:txBody>
+          </p:sp>
+          <p:sp>
+            <p:nvSpPr>
+              <p:cNvPr id="32" name="TextBox 31">
+                <a:extLst>
+                  <a:ext uri="{FF2B5EF4-FFF2-40B4-BE49-F238E27FC236}">
+                    <a16:creationId xmlns:a16="http://schemas.microsoft.com/office/drawing/2014/main" id="{708B36C5-C450-1C10-8B78-A99D2667D045}"/>
+                  </a:ext>
+                </a:extLst>
+              </p:cNvPr>
+              <p:cNvSpPr txBox="1"/>
+              <p:nvPr/>
+            </p:nvSpPr>
+            <p:spPr>
+              <a:xfrm>
+                <a:off x="10163362" y="2283314"/>
+                <a:ext cx="583109" cy="411785"/>
+              </a:xfrm>
+              <a:prstGeom prst="rect">
+                <a:avLst/>
+              </a:prstGeom>
+              <a:noFill/>
+            </p:spPr>
+            <p:txBody>
+              <a:bodyPr wrap="none" rtlCol="0">
+                <a:spAutoFit/>
+              </a:bodyPr>
+              <a:lstStyle/>
+              <a:p>
+                <a:r>
+                  <a:rPr lang="en-US" altLang="ko-KR" sz="2800"/>
+                  <a:t>2</a:t>
+                </a:r>
+                <a:r>
+                  <a:rPr lang="ko-KR" altLang="en-US" sz="2800" dirty="0"/>
+                  <a:t>위</a:t>
+                </a:r>
+              </a:p>
+            </p:txBody>
+          </p:sp>
+          <p:sp>
+            <p:nvSpPr>
+              <p:cNvPr id="33" name="TextBox 32">
+                <a:extLst>
+                  <a:ext uri="{FF2B5EF4-FFF2-40B4-BE49-F238E27FC236}">
+                    <a16:creationId xmlns:a16="http://schemas.microsoft.com/office/drawing/2014/main" id="{6E0B6E97-ADF4-6649-CCC1-9051506C9F20}"/>
+                  </a:ext>
+                </a:extLst>
+              </p:cNvPr>
+              <p:cNvSpPr txBox="1"/>
+              <p:nvPr/>
+            </p:nvSpPr>
+            <p:spPr>
+              <a:xfrm>
+                <a:off x="9946957" y="2646401"/>
+                <a:ext cx="1076393" cy="290672"/>
+              </a:xfrm>
+              <a:prstGeom prst="rect">
+                <a:avLst/>
+              </a:prstGeom>
+              <a:noFill/>
+            </p:spPr>
+            <p:txBody>
+              <a:bodyPr wrap="none" rtlCol="0">
+                <a:spAutoFit/>
+              </a:bodyPr>
+              <a:lstStyle/>
+              <a:p>
+                <a:r>
+                  <a:rPr lang="ko-KR" altLang="en-US" dirty="0"/>
+                  <a:t>승점 </a:t>
+                </a:r>
+                <a:r>
+                  <a:rPr lang="en-US" altLang="ko-KR" dirty="0"/>
+                  <a:t>: 2055</a:t>
+                </a:r>
+                <a:endParaRPr lang="ko-KR" altLang="en-US" dirty="0"/>
+              </a:p>
+            </p:txBody>
+          </p:sp>
+          <p:sp>
+            <p:nvSpPr>
+              <p:cNvPr id="34" name="TextBox 33">
+                <a:extLst>
+                  <a:ext uri="{FF2B5EF4-FFF2-40B4-BE49-F238E27FC236}">
+                    <a16:creationId xmlns:a16="http://schemas.microsoft.com/office/drawing/2014/main" id="{90B258D6-3254-686A-AED4-4D178CA06262}"/>
+                  </a:ext>
+                </a:extLst>
+              </p:cNvPr>
+              <p:cNvSpPr txBox="1"/>
+              <p:nvPr/>
+            </p:nvSpPr>
+            <p:spPr>
+              <a:xfrm>
+                <a:off x="9967796" y="2899872"/>
+                <a:ext cx="1028453" cy="290672"/>
+              </a:xfrm>
+              <a:prstGeom prst="rect">
+                <a:avLst/>
+              </a:prstGeom>
+              <a:noFill/>
+            </p:spPr>
+            <p:txBody>
+              <a:bodyPr wrap="none" rtlCol="0">
+                <a:spAutoFit/>
+              </a:bodyPr>
+              <a:lstStyle/>
+              <a:p>
+                <a:r>
+                  <a:rPr lang="ko-KR" altLang="en-US" dirty="0"/>
+                  <a:t>승률 </a:t>
+                </a:r>
+                <a:r>
+                  <a:rPr lang="en-US" altLang="ko-KR" dirty="0"/>
+                  <a:t>: 35%</a:t>
+                </a:r>
+                <a:endParaRPr lang="ko-KR" altLang="en-US" dirty="0"/>
+              </a:p>
+            </p:txBody>
+          </p:sp>
+          <p:sp>
+            <p:nvSpPr>
+              <p:cNvPr id="35" name="사각형: 둥근 모서리 34">
+                <a:extLst>
+                  <a:ext uri="{FF2B5EF4-FFF2-40B4-BE49-F238E27FC236}">
+                    <a16:creationId xmlns:a16="http://schemas.microsoft.com/office/drawing/2014/main" id="{8797D6A8-E546-BA47-4FF5-43DAFB9C8249}"/>
+                  </a:ext>
+                </a:extLst>
+              </p:cNvPr>
+              <p:cNvSpPr/>
+              <p:nvPr/>
+            </p:nvSpPr>
+            <p:spPr>
+              <a:xfrm>
+                <a:off x="6147099" y="3929270"/>
+                <a:ext cx="1486154" cy="421557"/>
+              </a:xfrm>
+              <a:prstGeom prst="roundRect">
+                <a:avLst>
+                  <a:gd name="adj" fmla="val 34849"/>
+                </a:avLst>
+              </a:prstGeom>
+              <a:solidFill>
+                <a:srgbClr val="00B050"/>
+              </a:solidFill>
+              <a:ln>
+                <a:noFill/>
+              </a:ln>
+            </p:spPr>
+            <p:style>
+              <a:lnRef idx="2">
+                <a:schemeClr val="accent1">
+                  <a:shade val="15000"/>
+                </a:schemeClr>
+              </a:lnRef>
+              <a:fillRef idx="1">
+                <a:schemeClr val="accent1"/>
+              </a:fillRef>
+              <a:effectRef idx="0">
+                <a:schemeClr val="accent1"/>
+              </a:effectRef>
+              <a:fontRef idx="minor">
+                <a:schemeClr val="lt1"/>
+              </a:fontRef>
+            </p:style>
+            <p:txBody>
+              <a:bodyPr rtlCol="0" anchor="ctr"/>
+              <a:lstStyle/>
+              <a:p>
+                <a:pPr algn="ctr"/>
+                <a:r>
+                  <a:rPr lang="ko-KR" altLang="en-US" sz="2000"/>
+                  <a:t>순위표</a:t>
+                </a:r>
+              </a:p>
+            </p:txBody>
+          </p:sp>
+          <p:sp>
+            <p:nvSpPr>
+              <p:cNvPr id="36" name="TextBox 35">
+                <a:extLst>
+                  <a:ext uri="{FF2B5EF4-FFF2-40B4-BE49-F238E27FC236}">
+                    <a16:creationId xmlns:a16="http://schemas.microsoft.com/office/drawing/2014/main" id="{32DED3FC-36F9-A527-4381-5785746EC26C}"/>
+                  </a:ext>
+                </a:extLst>
+              </p:cNvPr>
+              <p:cNvSpPr txBox="1"/>
+              <p:nvPr/>
+            </p:nvSpPr>
+            <p:spPr>
+              <a:xfrm>
+                <a:off x="6096000" y="2053061"/>
+                <a:ext cx="1596887" cy="314895"/>
+              </a:xfrm>
+              <a:prstGeom prst="rect">
+                <a:avLst/>
+              </a:prstGeom>
+              <a:noFill/>
+            </p:spPr>
+            <p:txBody>
+              <a:bodyPr wrap="square" rtlCol="0">
+                <a:spAutoFit/>
+              </a:bodyPr>
+              <a:lstStyle/>
+              <a:p>
+                <a:pPr algn="ctr"/>
+                <a:r>
+                  <a:rPr lang="ko-KR" altLang="en-US" sz="2000" dirty="0"/>
+                  <a:t>시즌 </a:t>
+                </a:r>
+                <a:r>
+                  <a:rPr lang="en-US" altLang="ko-KR" sz="2000" dirty="0"/>
+                  <a:t>1 </a:t>
+                </a:r>
+                <a:r>
+                  <a:rPr lang="ko-KR" altLang="en-US" sz="2000" dirty="0" err="1"/>
+                  <a:t>랭킹전</a:t>
+                </a:r>
+                <a:endParaRPr lang="ko-KR" altLang="en-US" sz="2000" dirty="0"/>
+              </a:p>
+            </p:txBody>
+          </p:sp>
+          <p:pic>
+            <p:nvPicPr>
+              <p:cNvPr id="37" name="그림 36" descr="픽셀, 그래픽, 디자인이(가) 표시된 사진&#10;&#10;AI가 생성한 콘텐츠는 부정확할 수 있습니다.">
+                <a:extLst>
+                  <a:ext uri="{FF2B5EF4-FFF2-40B4-BE49-F238E27FC236}">
+                    <a16:creationId xmlns:a16="http://schemas.microsoft.com/office/drawing/2014/main" id="{A8227616-3592-F637-C327-E22DBE165CA8}"/>
+                  </a:ext>
+                </a:extLst>
+              </p:cNvPr>
+              <p:cNvPicPr>
+                <a:picLocks noChangeAspect="1"/>
+              </p:cNvPicPr>
+              <p:nvPr/>
+            </p:nvPicPr>
+            <p:blipFill>
+              <a:blip r:embed="rId5">
+                <a:extLst>
+                  <a:ext uri="{28A0092B-C50C-407E-A947-70E740481C1C}">
+                    <a14:useLocalDpi xmlns:a14="http://schemas.microsoft.com/office/drawing/2010/main" val="0"/>
+                  </a:ext>
+                </a:extLst>
+              </a:blip>
+              <a:stretch>
+                <a:fillRect/>
+              </a:stretch>
+            </p:blipFill>
+            <p:spPr>
+              <a:xfrm>
+                <a:off x="6430022" y="1491394"/>
+                <a:ext cx="840794" cy="600568"/>
+              </a:xfrm>
+              <a:prstGeom prst="rect">
+                <a:avLst/>
+              </a:prstGeom>
+            </p:spPr>
+          </p:pic>
+        </p:grpSp>
+        <p:sp>
+          <p:nvSpPr>
+            <p:cNvPr id="8" name="직사각형 7">
+              <a:extLst>
+                <a:ext uri="{FF2B5EF4-FFF2-40B4-BE49-F238E27FC236}">
+                  <a16:creationId xmlns:a16="http://schemas.microsoft.com/office/drawing/2014/main" id="{FED32458-A533-DF15-CEA6-A9FDF2F1664A}"/>
+                </a:ext>
+              </a:extLst>
+            </p:cNvPr>
+            <p:cNvSpPr/>
+            <p:nvPr/>
+          </p:nvSpPr>
+          <p:spPr>
+            <a:xfrm>
+              <a:off x="753508" y="1360397"/>
+              <a:ext cx="6815350" cy="3834451"/>
+            </a:xfrm>
+            <a:prstGeom prst="rect">
+              <a:avLst/>
+            </a:prstGeom>
+            <a:solidFill>
+              <a:schemeClr val="tx1">
+                <a:lumMod val="65000"/>
+                <a:lumOff val="35000"/>
+                <a:alpha val="75000"/>
+              </a:schemeClr>
+            </a:solidFill>
+            <a:ln>
+              <a:noFill/>
+            </a:ln>
+          </p:spPr>
+          <p:style>
+            <a:lnRef idx="2">
+              <a:schemeClr val="accent1">
+                <a:shade val="15000"/>
+              </a:schemeClr>
+            </a:lnRef>
+            <a:fillRef idx="1">
+              <a:schemeClr val="accent1"/>
+            </a:fillRef>
+            <a:effectRef idx="0">
+              <a:schemeClr val="accent1"/>
+            </a:effectRef>
+            <a:fontRef idx="minor">
+              <a:schemeClr val="lt1"/>
+            </a:fontRef>
+          </p:style>
+          <p:txBody>
+            <a:bodyPr rtlCol="0" anchor="ctr"/>
+            <a:lstStyle/>
+            <a:p>
+              <a:pPr algn="ctr"/>
+              <a:endParaRPr lang="ko-KR" altLang="en-US"/>
+            </a:p>
+          </p:txBody>
+        </p:sp>
+        <p:grpSp>
+          <p:nvGrpSpPr>
+            <p:cNvPr id="18" name="그룹 17">
+              <a:extLst>
+                <a:ext uri="{FF2B5EF4-FFF2-40B4-BE49-F238E27FC236}">
+                  <a16:creationId xmlns:a16="http://schemas.microsoft.com/office/drawing/2014/main" id="{F53D0371-B596-A054-83A5-B406FA0DBC2A}"/>
+                </a:ext>
+              </a:extLst>
+            </p:cNvPr>
+            <p:cNvGrpSpPr/>
+            <p:nvPr/>
+          </p:nvGrpSpPr>
+          <p:grpSpPr>
+            <a:xfrm>
+              <a:off x="2684808" y="2372747"/>
+              <a:ext cx="2952750" cy="1809750"/>
+              <a:chOff x="4619625" y="2372747"/>
+              <a:chExt cx="2952750" cy="1809750"/>
+            </a:xfrm>
+          </p:grpSpPr>
+          <p:pic>
+            <p:nvPicPr>
+              <p:cNvPr id="12" name="그림 11" descr="직사각형, 스크린샷, 라인이(가) 표시된 사진&#10;&#10;AI가 생성한 콘텐츠는 부정확할 수 있습니다.">
+                <a:extLst>
+                  <a:ext uri="{FF2B5EF4-FFF2-40B4-BE49-F238E27FC236}">
+                    <a16:creationId xmlns:a16="http://schemas.microsoft.com/office/drawing/2014/main" id="{CD8591EC-58F0-1A37-E030-3ADD3257D890}"/>
+                  </a:ext>
+                </a:extLst>
+              </p:cNvPr>
+              <p:cNvPicPr>
+                <a:picLocks noChangeAspect="1"/>
+              </p:cNvPicPr>
+              <p:nvPr/>
+            </p:nvPicPr>
+            <p:blipFill>
+              <a:blip r:embed="rId6">
+                <a:extLst>
+                  <a:ext uri="{28A0092B-C50C-407E-A947-70E740481C1C}">
+                    <a14:useLocalDpi xmlns:a14="http://schemas.microsoft.com/office/drawing/2010/main" val="0"/>
+                  </a:ext>
+                </a:extLst>
+              </a:blip>
+              <a:stretch>
+                <a:fillRect/>
+              </a:stretch>
+            </p:blipFill>
+            <p:spPr>
+              <a:xfrm>
+                <a:off x="4619625" y="2372747"/>
+                <a:ext cx="2952750" cy="1809750"/>
+              </a:xfrm>
+              <a:prstGeom prst="rect">
+                <a:avLst/>
+              </a:prstGeom>
+            </p:spPr>
+          </p:pic>
+          <p:sp>
+            <p:nvSpPr>
+              <p:cNvPr id="13" name="TextBox 12">
+                <a:extLst>
+                  <a:ext uri="{FF2B5EF4-FFF2-40B4-BE49-F238E27FC236}">
+                    <a16:creationId xmlns:a16="http://schemas.microsoft.com/office/drawing/2014/main" id="{9491155A-B2D7-294C-FFAF-E44AA617F289}"/>
+                  </a:ext>
+                </a:extLst>
+              </p:cNvPr>
+              <p:cNvSpPr txBox="1"/>
+              <p:nvPr/>
+            </p:nvSpPr>
+            <p:spPr>
+              <a:xfrm>
+                <a:off x="5616542" y="3019268"/>
+                <a:ext cx="958917" cy="369332"/>
+              </a:xfrm>
+              <a:prstGeom prst="rect">
+                <a:avLst/>
+              </a:prstGeom>
+              <a:noFill/>
+            </p:spPr>
+            <p:txBody>
+              <a:bodyPr wrap="none" rtlCol="0">
+                <a:spAutoFit/>
+              </a:bodyPr>
+              <a:lstStyle/>
+              <a:p>
+                <a:pPr algn="ctr"/>
+                <a:r>
+                  <a:rPr lang="ko-KR" altLang="en-US" dirty="0"/>
+                  <a:t>매칭 중</a:t>
+                </a:r>
+              </a:p>
+            </p:txBody>
+          </p:sp>
+          <p:sp>
+            <p:nvSpPr>
+              <p:cNvPr id="16" name="TextBox 15">
+                <a:extLst>
+                  <a:ext uri="{FF2B5EF4-FFF2-40B4-BE49-F238E27FC236}">
+                    <a16:creationId xmlns:a16="http://schemas.microsoft.com/office/drawing/2014/main" id="{F0C09489-C0ED-0EB2-B43C-AD071592E9A2}"/>
+                  </a:ext>
+                </a:extLst>
+              </p:cNvPr>
+              <p:cNvSpPr txBox="1"/>
+              <p:nvPr/>
+            </p:nvSpPr>
+            <p:spPr>
+              <a:xfrm>
+                <a:off x="5642991" y="3415353"/>
+                <a:ext cx="906018" cy="369332"/>
+              </a:xfrm>
+              <a:prstGeom prst="rect">
+                <a:avLst/>
+              </a:prstGeom>
+              <a:noFill/>
+            </p:spPr>
+            <p:txBody>
+              <a:bodyPr wrap="none" rtlCol="0">
+                <a:spAutoFit/>
+              </a:bodyPr>
+              <a:lstStyle/>
+              <a:p>
+                <a:pPr algn="ctr"/>
+                <a:r>
+                  <a:rPr lang="en-US" altLang="ko-KR" dirty="0"/>
+                  <a:t>00 : 01</a:t>
+                </a:r>
+                <a:endParaRPr lang="ko-KR" altLang="en-US" dirty="0"/>
+              </a:p>
+            </p:txBody>
+          </p:sp>
+        </p:grpSp>
+      </p:grpSp>
+      <p:sp>
+        <p:nvSpPr>
+          <p:cNvPr id="21" name="화살표: 오른쪽 20">
+            <a:extLst>
+              <a:ext uri="{FF2B5EF4-FFF2-40B4-BE49-F238E27FC236}">
+                <a16:creationId xmlns:a16="http://schemas.microsoft.com/office/drawing/2014/main" id="{F27EBDD2-5511-B657-BACF-F4320E31656C}"/>
+              </a:ext>
+            </a:extLst>
+          </p:cNvPr>
+          <p:cNvSpPr/>
+          <p:nvPr/>
+        </p:nvSpPr>
+        <p:spPr>
+          <a:xfrm>
+            <a:off x="6215270" y="2822582"/>
+            <a:ext cx="2273860" cy="1020547"/>
+          </a:xfrm>
+          <a:prstGeom prst="rightArrow">
+            <a:avLst/>
+          </a:prstGeom>
+        </p:spPr>
+        <p:style>
+          <a:lnRef idx="2">
+            <a:schemeClr val="accent1">
+              <a:shade val="15000"/>
+            </a:schemeClr>
+          </a:lnRef>
+          <a:fillRef idx="1">
+            <a:schemeClr val="accent1"/>
+          </a:fillRef>
+          <a:effectRef idx="0">
+            <a:schemeClr val="accent1"/>
+          </a:effectRef>
+          <a:fontRef idx="minor">
+            <a:schemeClr val="lt1"/>
+          </a:fontRef>
+        </p:style>
+        <p:txBody>
+          <a:bodyPr rtlCol="0" anchor="ctr"/>
+          <a:lstStyle/>
+          <a:p>
+            <a:pPr algn="ctr"/>
+            <a:endParaRPr lang="ko-KR" altLang="en-US"/>
+          </a:p>
+        </p:txBody>
+      </p:sp>
+      <p:grpSp>
+        <p:nvGrpSpPr>
+          <p:cNvPr id="22" name="그룹 21">
+            <a:extLst>
+              <a:ext uri="{FF2B5EF4-FFF2-40B4-BE49-F238E27FC236}">
+                <a16:creationId xmlns:a16="http://schemas.microsoft.com/office/drawing/2014/main" id="{C0573237-DCCA-B77A-6B60-6CDBE83AE7AC}"/>
+              </a:ext>
+            </a:extLst>
+          </p:cNvPr>
+          <p:cNvGrpSpPr/>
+          <p:nvPr/>
+        </p:nvGrpSpPr>
+        <p:grpSpPr>
+          <a:xfrm>
+            <a:off x="8944055" y="2380043"/>
+            <a:ext cx="2952750" cy="1809750"/>
+            <a:chOff x="4619625" y="2372747"/>
+            <a:chExt cx="2952750" cy="1809750"/>
+          </a:xfrm>
+        </p:grpSpPr>
+        <p:pic>
+          <p:nvPicPr>
+            <p:cNvPr id="26" name="그림 25" descr="직사각형, 스크린샷, 라인이(가) 표시된 사진&#10;&#10;AI가 생성한 콘텐츠는 부정확할 수 있습니다.">
+              <a:extLst>
+                <a:ext uri="{FF2B5EF4-FFF2-40B4-BE49-F238E27FC236}">
+                  <a16:creationId xmlns:a16="http://schemas.microsoft.com/office/drawing/2014/main" id="{5AC9482F-5631-1A42-9194-01D4F417E106}"/>
+                </a:ext>
+              </a:extLst>
+            </p:cNvPr>
+            <p:cNvPicPr>
+              <a:picLocks noChangeAspect="1"/>
+            </p:cNvPicPr>
+            <p:nvPr/>
+          </p:nvPicPr>
+          <p:blipFill>
+            <a:blip r:embed="rId6">
+              <a:extLst>
+                <a:ext uri="{28A0092B-C50C-407E-A947-70E740481C1C}">
+                  <a14:useLocalDpi xmlns:a14="http://schemas.microsoft.com/office/drawing/2010/main" val="0"/>
+                </a:ext>
+              </a:extLst>
+            </a:blip>
+            <a:stretch>
+              <a:fillRect/>
+            </a:stretch>
+          </p:blipFill>
+          <p:spPr>
+            <a:xfrm>
+              <a:off x="4619625" y="2372747"/>
+              <a:ext cx="2952750" cy="1809750"/>
+            </a:xfrm>
+            <a:prstGeom prst="rect">
+              <a:avLst/>
+            </a:prstGeom>
+          </p:spPr>
+        </p:pic>
+        <p:sp>
+          <p:nvSpPr>
+            <p:cNvPr id="27" name="TextBox 26">
+              <a:extLst>
+                <a:ext uri="{FF2B5EF4-FFF2-40B4-BE49-F238E27FC236}">
+                  <a16:creationId xmlns:a16="http://schemas.microsoft.com/office/drawing/2014/main" id="{83923472-71B4-BBF6-EB82-B1760378316C}"/>
+                </a:ext>
+              </a:extLst>
+            </p:cNvPr>
+            <p:cNvSpPr txBox="1"/>
+            <p:nvPr/>
+          </p:nvSpPr>
+          <p:spPr>
+            <a:xfrm>
+              <a:off x="5467463" y="3019268"/>
+              <a:ext cx="1257075" cy="369332"/>
+            </a:xfrm>
+            <a:prstGeom prst="rect">
+              <a:avLst/>
+            </a:prstGeom>
+            <a:noFill/>
+          </p:spPr>
+          <p:txBody>
+            <a:bodyPr wrap="none" rtlCol="0">
+              <a:spAutoFit/>
+            </a:bodyPr>
+            <a:lstStyle/>
+            <a:p>
+              <a:pPr algn="ctr"/>
+              <a:r>
+                <a:rPr lang="ko-KR" altLang="en-US" dirty="0"/>
+                <a:t>매칭 완료</a:t>
+              </a:r>
+              <a:r>
+                <a:rPr lang="en-US" altLang="ko-KR" dirty="0"/>
+                <a:t>!</a:t>
+              </a:r>
+              <a:endParaRPr lang="ko-KR" altLang="en-US" dirty="0"/>
+            </a:p>
+          </p:txBody>
+        </p:sp>
+      </p:grpSp>
+      <p:sp>
+        <p:nvSpPr>
+          <p:cNvPr id="39" name="TextBox 38">
+            <a:extLst>
+              <a:ext uri="{FF2B5EF4-FFF2-40B4-BE49-F238E27FC236}">
+                <a16:creationId xmlns:a16="http://schemas.microsoft.com/office/drawing/2014/main" id="{619475EF-B496-D592-4F0E-9E3AED8CC9E4}"/>
+              </a:ext>
+            </a:extLst>
+          </p:cNvPr>
+          <p:cNvSpPr txBox="1"/>
+          <p:nvPr/>
+        </p:nvSpPr>
+        <p:spPr>
+          <a:xfrm>
+            <a:off x="5149922" y="1000576"/>
+            <a:ext cx="2339102" cy="373885"/>
+          </a:xfrm>
+          <a:prstGeom prst="rect">
+            <a:avLst/>
+          </a:prstGeom>
+          <a:noFill/>
+        </p:spPr>
+        <p:txBody>
+          <a:bodyPr wrap="none" rtlCol="0">
+            <a:spAutoFit/>
+          </a:bodyPr>
+          <a:lstStyle/>
+          <a:p>
+            <a:pPr>
+              <a:lnSpc>
+                <a:spcPct val="150000"/>
+              </a:lnSpc>
+            </a:pPr>
+            <a:r>
+              <a:rPr lang="en-US" altLang="ko-KR" sz="1400" dirty="0">
+                <a:solidFill>
+                  <a:srgbClr val="FF0000"/>
+                </a:solidFill>
+              </a:rPr>
+              <a:t>※</a:t>
+            </a:r>
+            <a:r>
+              <a:rPr lang="ko-KR" altLang="en-US" sz="1400" dirty="0">
+                <a:solidFill>
+                  <a:srgbClr val="FF0000"/>
+                </a:solidFill>
+              </a:rPr>
+              <a:t> </a:t>
+            </a:r>
+            <a:r>
+              <a:rPr lang="en-US" altLang="ko-KR" sz="1400" dirty="0" err="1">
+                <a:solidFill>
+                  <a:srgbClr val="FF0000"/>
+                </a:solidFill>
+              </a:rPr>
+              <a:t>ui</a:t>
+            </a:r>
+            <a:r>
+              <a:rPr lang="ko-KR" altLang="en-US" sz="1400" dirty="0">
+                <a:solidFill>
+                  <a:srgbClr val="FF0000"/>
+                </a:solidFill>
+              </a:rPr>
+              <a:t>별 크기는 </a:t>
+            </a:r>
+            <a:r>
+              <a:rPr lang="en-US" altLang="ko-KR" sz="1400" dirty="0">
+                <a:solidFill>
+                  <a:srgbClr val="FF0000"/>
+                </a:solidFill>
+              </a:rPr>
+              <a:t>UI</a:t>
+            </a:r>
+            <a:r>
+              <a:rPr lang="ko-KR" altLang="en-US" sz="1400" dirty="0">
+                <a:solidFill>
+                  <a:srgbClr val="FF0000"/>
+                </a:solidFill>
+              </a:rPr>
+              <a:t>문서 참조</a:t>
+            </a:r>
+            <a:endParaRPr lang="en-US" altLang="ko-KR" sz="1400" dirty="0">
+              <a:solidFill>
+                <a:srgbClr val="FF0000"/>
+              </a:solidFill>
+            </a:endParaRPr>
+          </a:p>
+        </p:txBody>
+      </p:sp>
+    </p:spTree>
+    <p:extLst>
+      <p:ext uri="{BB962C8B-B14F-4D97-AF65-F5344CB8AC3E}">
+        <p14:creationId xmlns:p14="http://schemas.microsoft.com/office/powerpoint/2010/main" val="1930882067"/>
+      </p:ext>
+    </p:extLst>
+  </p:cSld>
+  <p:clrMapOvr>
+    <a:masterClrMapping/>
+  </p:clrMapOvr>
+</p:sld>
+</file>
+
+<file path=ppt/slides/slide24.xml><?xml version="1.0" encoding="utf-8"?>
 <p:sld xmlns:a="http://schemas.openxmlformats.org/drawingml/2006/main" xmlns:r="http://schemas.openxmlformats.org/officeDocument/2006/relationships" xmlns:p="http://schemas.openxmlformats.org/presentationml/2006/main">
   <p:cSld>
     <p:spTree>
@@ -22576,7 +26048,7 @@
         <p:spPr>
           <a:xfrm>
             <a:off x="454785" y="707392"/>
-            <a:ext cx="1747594" cy="523220"/>
+            <a:ext cx="4107215" cy="523220"/>
           </a:xfrm>
           <a:prstGeom prst="rect">
             <a:avLst/>
@@ -22595,7 +26067,23 @@
                   <a:srgbClr val="0070C0"/>
                 </a:solidFill>
               </a:rPr>
-              <a:t>러닝 게임</a:t>
+              <a:t>러닝 게임 </a:t>
+            </a:r>
+            <a:r>
+              <a:rPr lang="en-US" altLang="ko-KR" sz="2800" dirty="0">
+                <a:solidFill>
+                  <a:srgbClr val="0070C0"/>
+                </a:solidFill>
+              </a:rPr>
+              <a:t>– </a:t>
+            </a:r>
+            <a:r>
+              <a:rPr lang="ko-KR" altLang="en-US" sz="2800" dirty="0">
+                <a:solidFill>
+                  <a:srgbClr val="0070C0"/>
+                </a:solidFill>
+              </a:rPr>
+              <a:t>게임 플레이</a:t>
             </a:r>
           </a:p>
         </p:txBody>
@@ -22623,7 +26111,7 @@
           <a:p>
             <a:fld id="{8D96929D-9E84-4A42-B4C3-2E48812748E4}" type="slidenum">
               <a:rPr lang="ko-KR" altLang="en-US" smtClean="0"/>
-              <a:t>21</a:t>
+              <a:t>24</a:t>
             </a:fld>
             <a:endParaRPr lang="ko-KR" altLang="en-US"/>
           </a:p>
@@ -22642,7 +26130,7 @@
 </p:sld>
 </file>
 
-<file path=ppt/slides/slide22.xml><?xml version="1.0" encoding="utf-8"?>
+<file path=ppt/slides/slide25.xml><?xml version="1.0" encoding="utf-8"?>
 <p:sld xmlns:a="http://schemas.openxmlformats.org/drawingml/2006/main" xmlns:r="http://schemas.openxmlformats.org/officeDocument/2006/relationships" xmlns:p="http://schemas.openxmlformats.org/presentationml/2006/main">
   <p:cSld>
     <p:spTree>
@@ -23907,45 +27395,6 @@
       </p:cxnSp>
       <p:sp>
         <p:nvSpPr>
-          <p:cNvPr id="26" name="TextBox 25">
-            <a:extLst>
-              <a:ext uri="{FF2B5EF4-FFF2-40B4-BE49-F238E27FC236}">
-                <a16:creationId xmlns:a16="http://schemas.microsoft.com/office/drawing/2014/main" id="{18E89654-096D-9997-FC95-6B54BCBF57A4}"/>
-              </a:ext>
-            </a:extLst>
-          </p:cNvPr>
-          <p:cNvSpPr txBox="1"/>
-          <p:nvPr/>
-        </p:nvSpPr>
-        <p:spPr>
-          <a:xfrm>
-            <a:off x="454785" y="707392"/>
-            <a:ext cx="1747594" cy="523220"/>
-          </a:xfrm>
-          <a:prstGeom prst="rect">
-            <a:avLst/>
-          </a:prstGeom>
-          <a:noFill/>
-        </p:spPr>
-        <p:txBody>
-          <a:bodyPr wrap="none" rtlCol="0">
-            <a:spAutoFit/>
-          </a:bodyPr>
-          <a:lstStyle/>
-          <a:p>
-            <a:r>
-              <a:rPr lang="ko-KR" altLang="en-US" sz="2800" dirty="0">
-                <a:solidFill>
-                  <a:srgbClr val="0070C0"/>
-                </a:solidFill>
-              </a:rPr>
-              <a:t>러닝 게임</a:t>
-            </a:r>
-          </a:p>
-        </p:txBody>
-      </p:sp>
-      <p:sp>
-        <p:nvSpPr>
           <p:cNvPr id="32" name="슬라이드 번호 개체 틀 31">
             <a:extLst>
               <a:ext uri="{FF2B5EF4-FFF2-40B4-BE49-F238E27FC236}">
@@ -23967,7 +27416,7 @@
           <a:p>
             <a:fld id="{8D96929D-9E84-4A42-B4C3-2E48812748E4}" type="slidenum">
               <a:rPr lang="ko-KR" altLang="en-US" smtClean="0"/>
-              <a:t>22</a:t>
+              <a:t>25</a:t>
             </a:fld>
             <a:endParaRPr lang="ko-KR" altLang="en-US"/>
           </a:p>
@@ -24317,6 +27766,61 @@
           </a:p>
         </p:txBody>
       </p:sp>
+      <p:sp>
+        <p:nvSpPr>
+          <p:cNvPr id="4" name="TextBox 3">
+            <a:extLst>
+              <a:ext uri="{FF2B5EF4-FFF2-40B4-BE49-F238E27FC236}">
+                <a16:creationId xmlns:a16="http://schemas.microsoft.com/office/drawing/2014/main" id="{5FC6CBFB-4F57-435C-AEAB-BE3811280795}"/>
+              </a:ext>
+            </a:extLst>
+          </p:cNvPr>
+          <p:cNvSpPr txBox="1"/>
+          <p:nvPr/>
+        </p:nvSpPr>
+        <p:spPr>
+          <a:xfrm>
+            <a:off x="454785" y="707392"/>
+            <a:ext cx="4107215" cy="523220"/>
+          </a:xfrm>
+          <a:prstGeom prst="rect">
+            <a:avLst/>
+          </a:prstGeom>
+          <a:noFill/>
+        </p:spPr>
+        <p:txBody>
+          <a:bodyPr wrap="none" rtlCol="0">
+            <a:spAutoFit/>
+          </a:bodyPr>
+          <a:lstStyle/>
+          <a:p>
+            <a:r>
+              <a:rPr lang="ko-KR" altLang="en-US" sz="2800" dirty="0">
+                <a:solidFill>
+                  <a:srgbClr val="0070C0"/>
+                </a:solidFill>
+              </a:rPr>
+              <a:t>러닝 게임 </a:t>
+            </a:r>
+            <a:r>
+              <a:rPr lang="en-US" altLang="ko-KR" sz="2800" dirty="0">
+                <a:solidFill>
+                  <a:srgbClr val="0070C0"/>
+                </a:solidFill>
+              </a:rPr>
+              <a:t>– </a:t>
+            </a:r>
+            <a:r>
+              <a:rPr lang="ko-KR" altLang="en-US" sz="2800" dirty="0">
+                <a:solidFill>
+                  <a:srgbClr val="0070C0"/>
+                </a:solidFill>
+              </a:rPr>
+              <a:t>게임 플레이</a:t>
+            </a:r>
+          </a:p>
+        </p:txBody>
+      </p:sp>
     </p:spTree>
     <p:extLst>
       <p:ext uri="{BB962C8B-B14F-4D97-AF65-F5344CB8AC3E}">
@@ -24330,7 +27834,7 @@
 </p:sld>
 </file>
 
-<file path=ppt/slides/slide23.xml><?xml version="1.0" encoding="utf-8"?>
+<file path=ppt/slides/slide26.xml><?xml version="1.0" encoding="utf-8"?>
 <p:sld xmlns:a="http://schemas.openxmlformats.org/drawingml/2006/main" xmlns:r="http://schemas.openxmlformats.org/officeDocument/2006/relationships" xmlns:p="http://schemas.openxmlformats.org/presentationml/2006/main">
   <p:cSld>
     <p:spTree>
@@ -24556,7 +28060,7 @@
           <a:p>
             <a:fld id="{8D96929D-9E84-4A42-B4C3-2E48812748E4}" type="slidenum">
               <a:rPr lang="ko-KR" altLang="en-US" smtClean="0"/>
-              <a:t>23</a:t>
+              <a:t>26</a:t>
             </a:fld>
             <a:endParaRPr lang="ko-KR" altLang="en-US"/>
           </a:p>
@@ -25683,7 +29187,7 @@
 </p:sld>
 </file>
 
-<file path=ppt/slides/slide24.xml><?xml version="1.0" encoding="utf-8"?>
+<file path=ppt/slides/slide27.xml><?xml version="1.0" encoding="utf-8"?>
 <p:sld xmlns:a="http://schemas.openxmlformats.org/drawingml/2006/main" xmlns:r="http://schemas.openxmlformats.org/officeDocument/2006/relationships" xmlns:p="http://schemas.openxmlformats.org/presentationml/2006/main">
   <p:cSld>
     <p:spTree>
@@ -25909,7 +29413,7 @@
           <a:p>
             <a:fld id="{8D96929D-9E84-4A42-B4C3-2E48812748E4}" type="slidenum">
               <a:rPr lang="ko-KR" altLang="en-US" smtClean="0"/>
-              <a:t>24</a:t>
+              <a:t>27</a:t>
             </a:fld>
             <a:endParaRPr lang="ko-KR" altLang="en-US"/>
           </a:p>
@@ -26924,7 +30428,7 @@
 </p:sld>
 </file>
 
-<file path=ppt/slides/slide25.xml><?xml version="1.0" encoding="utf-8"?>
+<file path=ppt/slides/slide28.xml><?xml version="1.0" encoding="utf-8"?>
 <p:sld xmlns:a="http://schemas.openxmlformats.org/drawingml/2006/main" xmlns:r="http://schemas.openxmlformats.org/officeDocument/2006/relationships" xmlns:p="http://schemas.openxmlformats.org/presentationml/2006/main">
   <p:cSld>
     <p:spTree>
@@ -27672,7 +31176,7 @@
           <a:p>
             <a:fld id="{8D96929D-9E84-4A42-B4C3-2E48812748E4}" type="slidenum">
               <a:rPr lang="ko-KR" altLang="en-US" smtClean="0"/>
-              <a:t>25</a:t>
+              <a:t>28</a:t>
             </a:fld>
             <a:endParaRPr lang="ko-KR" altLang="en-US"/>
           </a:p>
@@ -27691,7 +31195,7 @@
 </p:sld>
 </file>
 
-<file path=ppt/slides/slide26.xml><?xml version="1.0" encoding="utf-8"?>
+<file path=ppt/slides/slide29.xml><?xml version="1.0" encoding="utf-8"?>
 <p:sld xmlns:a="http://schemas.openxmlformats.org/drawingml/2006/main" xmlns:r="http://schemas.openxmlformats.org/officeDocument/2006/relationships" xmlns:p="http://schemas.openxmlformats.org/presentationml/2006/main">
   <p:cSld>
     <p:spTree>
@@ -28034,7 +31538,7 @@
           <a:p>
             <a:fld id="{8D96929D-9E84-4A42-B4C3-2E48812748E4}" type="slidenum">
               <a:rPr lang="ko-KR" altLang="en-US" smtClean="0"/>
-              <a:t>26</a:t>
+              <a:t>29</a:t>
             </a:fld>
             <a:endParaRPr lang="ko-KR" altLang="en-US"/>
           </a:p>
@@ -28053,7 +31557,252 @@
 </p:sld>
 </file>
 
-<file path=ppt/slides/slide27.xml><?xml version="1.0" encoding="utf-8"?>
+<file path=ppt/slides/slide3.xml><?xml version="1.0" encoding="utf-8"?>
+<p:sld xmlns:a="http://schemas.openxmlformats.org/drawingml/2006/main" xmlns:r="http://schemas.openxmlformats.org/officeDocument/2006/relationships" xmlns:p="http://schemas.openxmlformats.org/presentationml/2006/main">
+  <p:cSld>
+    <p:spTree>
+      <p:nvGrpSpPr>
+        <p:cNvPr id="1" name="">
+          <a:extLst>
+            <a:ext uri="{FF2B5EF4-FFF2-40B4-BE49-F238E27FC236}">
+              <a16:creationId xmlns:a16="http://schemas.microsoft.com/office/drawing/2014/main" id="{6E432048-5F36-E66C-8197-E75317296DEC}"/>
+            </a:ext>
+          </a:extLst>
+        </p:cNvPr>
+        <p:cNvGrpSpPr/>
+        <p:nvPr/>
+      </p:nvGrpSpPr>
+      <p:grpSpPr>
+        <a:xfrm>
+          <a:off x="0" y="0"/>
+          <a:ext cx="0" cy="0"/>
+          <a:chOff x="0" y="0"/>
+          <a:chExt cx="0" cy="0"/>
+        </a:xfrm>
+      </p:grpSpPr>
+      <p:sp>
+        <p:nvSpPr>
+          <p:cNvPr id="4" name="사각형: 둥근 모서리 3">
+            <a:extLst>
+              <a:ext uri="{FF2B5EF4-FFF2-40B4-BE49-F238E27FC236}">
+                <a16:creationId xmlns:a16="http://schemas.microsoft.com/office/drawing/2014/main" id="{88D2F86A-D0C1-6194-3948-ED3EFE0C9AF1}"/>
+              </a:ext>
+            </a:extLst>
+          </p:cNvPr>
+          <p:cNvSpPr/>
+          <p:nvPr/>
+        </p:nvSpPr>
+        <p:spPr>
+          <a:xfrm>
+            <a:off x="228600" y="681059"/>
+            <a:ext cx="11734800" cy="695739"/>
+          </a:xfrm>
+          <a:prstGeom prst="roundRect">
+            <a:avLst>
+              <a:gd name="adj" fmla="val 50000"/>
+            </a:avLst>
+          </a:prstGeom>
+          <a:solidFill>
+            <a:schemeClr val="bg1">
+              <a:lumMod val="95000"/>
+            </a:schemeClr>
+          </a:solidFill>
+          <a:ln w="19050">
+            <a:solidFill>
+              <a:schemeClr val="bg1">
+                <a:lumMod val="85000"/>
+              </a:schemeClr>
+            </a:solidFill>
+          </a:ln>
+          <a:effectLst>
+            <a:outerShdw blurRad="50800" dist="38100" dir="8100000" algn="tr" rotWithShape="0">
+              <a:prstClr val="black">
+                <a:alpha val="40000"/>
+              </a:prstClr>
+            </a:outerShdw>
+          </a:effectLst>
+        </p:spPr>
+        <p:style>
+          <a:lnRef idx="2">
+            <a:schemeClr val="accent1">
+              <a:shade val="15000"/>
+            </a:schemeClr>
+          </a:lnRef>
+          <a:fillRef idx="1">
+            <a:schemeClr val="accent1"/>
+          </a:fillRef>
+          <a:effectRef idx="0">
+            <a:schemeClr val="accent1"/>
+          </a:effectRef>
+          <a:fontRef idx="minor">
+            <a:schemeClr val="lt1"/>
+          </a:fontRef>
+        </p:style>
+        <p:txBody>
+          <a:bodyPr rtlCol="0" anchor="ctr"/>
+          <a:lstStyle/>
+          <a:p>
+            <a:r>
+              <a:rPr lang="ko-KR" altLang="en-US" sz="3600" b="1" dirty="0">
+                <a:solidFill>
+                  <a:schemeClr val="tx1"/>
+                </a:solidFill>
+              </a:rPr>
+              <a:t>  게임 개요</a:t>
+            </a:r>
+          </a:p>
+        </p:txBody>
+      </p:sp>
+      <p:pic>
+        <p:nvPicPr>
+          <p:cNvPr id="10" name="그래픽 9" descr="기타 단색으로 채워진">
+            <a:extLst>
+              <a:ext uri="{FF2B5EF4-FFF2-40B4-BE49-F238E27FC236}">
+                <a16:creationId xmlns:a16="http://schemas.microsoft.com/office/drawing/2014/main" id="{236AD4FF-B76D-059C-D059-45AA3F04D622}"/>
+              </a:ext>
+            </a:extLst>
+          </p:cNvPr>
+          <p:cNvPicPr>
+            <a:picLocks noChangeAspect="1"/>
+          </p:cNvPicPr>
+          <p:nvPr/>
+        </p:nvPicPr>
+        <p:blipFill>
+          <a:blip r:embed="rId2">
+            <a:extLst>
+              <a:ext uri="{96DAC541-7B7A-43D3-8B79-37D633B846F1}">
+                <asvg:svgBlip xmlns:asvg="http://schemas.microsoft.com/office/drawing/2016/SVG/main" r:embed="rId3"/>
+              </a:ext>
+            </a:extLst>
+          </a:blip>
+          <a:stretch>
+            <a:fillRect/>
+          </a:stretch>
+        </p:blipFill>
+        <p:spPr>
+          <a:xfrm rot="5400000">
+            <a:off x="11265877" y="761335"/>
+            <a:ext cx="559191" cy="559191"/>
+          </a:xfrm>
+          <a:prstGeom prst="rect">
+            <a:avLst/>
+          </a:prstGeom>
+        </p:spPr>
+      </p:pic>
+      <p:sp>
+        <p:nvSpPr>
+          <p:cNvPr id="11" name="TextBox 10">
+            <a:extLst>
+              <a:ext uri="{FF2B5EF4-FFF2-40B4-BE49-F238E27FC236}">
+                <a16:creationId xmlns:a16="http://schemas.microsoft.com/office/drawing/2014/main" id="{5A66836E-F0FC-E8F3-6313-86DF0EF7403D}"/>
+              </a:ext>
+            </a:extLst>
+          </p:cNvPr>
+          <p:cNvSpPr txBox="1"/>
+          <p:nvPr/>
+        </p:nvSpPr>
+        <p:spPr>
+          <a:xfrm>
+            <a:off x="821635" y="1928191"/>
+            <a:ext cx="2597425" cy="1682961"/>
+          </a:xfrm>
+          <a:prstGeom prst="rect">
+            <a:avLst/>
+          </a:prstGeom>
+          <a:noFill/>
+        </p:spPr>
+        <p:txBody>
+          <a:bodyPr wrap="square" rtlCol="0">
+            <a:spAutoFit/>
+          </a:bodyPr>
+          <a:lstStyle/>
+          <a:p>
+            <a:pPr marL="342900" indent="-342900">
+              <a:lnSpc>
+                <a:spcPct val="150000"/>
+              </a:lnSpc>
+              <a:buFontTx/>
+              <a:buChar char="-"/>
+            </a:pPr>
+            <a:r>
+              <a:rPr lang="ko-KR" altLang="en-US" sz="2400" b="1" dirty="0"/>
+              <a:t>게임소개</a:t>
+            </a:r>
+            <a:endParaRPr lang="en-US" altLang="ko-KR" sz="2400" b="1" dirty="0"/>
+          </a:p>
+          <a:p>
+            <a:pPr marL="342900" indent="-342900">
+              <a:lnSpc>
+                <a:spcPct val="150000"/>
+              </a:lnSpc>
+              <a:buFontTx/>
+              <a:buChar char="-"/>
+            </a:pPr>
+            <a:r>
+              <a:rPr lang="ko-KR" altLang="en-US" sz="2400" b="1" dirty="0"/>
+              <a:t>장르</a:t>
+            </a:r>
+            <a:endParaRPr lang="en-US" altLang="ko-KR" sz="2400" b="1" dirty="0"/>
+          </a:p>
+          <a:p>
+            <a:pPr marL="342900" indent="-342900">
+              <a:lnSpc>
+                <a:spcPct val="150000"/>
+              </a:lnSpc>
+              <a:buFontTx/>
+              <a:buChar char="-"/>
+            </a:pPr>
+            <a:r>
+              <a:rPr lang="ko-KR" altLang="en-US" sz="2400" b="1" dirty="0"/>
+              <a:t>주요 요소</a:t>
+            </a:r>
+            <a:endParaRPr lang="en-US" altLang="ko-KR" sz="2400" b="1" dirty="0"/>
+          </a:p>
+        </p:txBody>
+      </p:sp>
+      <p:sp>
+        <p:nvSpPr>
+          <p:cNvPr id="12" name="슬라이드 번호 개체 틀 11">
+            <a:extLst>
+              <a:ext uri="{FF2B5EF4-FFF2-40B4-BE49-F238E27FC236}">
+                <a16:creationId xmlns:a16="http://schemas.microsoft.com/office/drawing/2014/main" id="{2FB65050-84ED-FFE9-7866-CDB53F4287FF}"/>
+              </a:ext>
+            </a:extLst>
+          </p:cNvPr>
+          <p:cNvSpPr>
+            <a:spLocks noGrp="1"/>
+          </p:cNvSpPr>
+          <p:nvPr>
+            <p:ph type="sldNum" sz="quarter" idx="12"/>
+          </p:nvPr>
+        </p:nvSpPr>
+        <p:spPr/>
+        <p:txBody>
+          <a:bodyPr/>
+          <a:lstStyle/>
+          <a:p>
+            <a:fld id="{8D96929D-9E84-4A42-B4C3-2E48812748E4}" type="slidenum">
+              <a:rPr lang="ko-KR" altLang="en-US" smtClean="0"/>
+              <a:t>3</a:t>
+            </a:fld>
+            <a:endParaRPr lang="ko-KR" altLang="en-US"/>
+          </a:p>
+        </p:txBody>
+      </p:sp>
+    </p:spTree>
+    <p:extLst>
+      <p:ext uri="{BB962C8B-B14F-4D97-AF65-F5344CB8AC3E}">
+        <p14:creationId xmlns:p14="http://schemas.microsoft.com/office/powerpoint/2010/main" val="986517549"/>
+      </p:ext>
+    </p:extLst>
+  </p:cSld>
+  <p:clrMapOvr>
+    <a:masterClrMapping/>
+  </p:clrMapOvr>
+</p:sld>
+</file>
+
+<file path=ppt/slides/slide30.xml><?xml version="1.0" encoding="utf-8"?>
 <p:sld xmlns:a="http://schemas.openxmlformats.org/drawingml/2006/main" xmlns:r="http://schemas.openxmlformats.org/officeDocument/2006/relationships" xmlns:p="http://schemas.openxmlformats.org/presentationml/2006/main">
   <p:cSld>
     <p:spTree>
@@ -28359,7 +32108,7 @@
           <a:p>
             <a:fld id="{8D96929D-9E84-4A42-B4C3-2E48812748E4}" type="slidenum">
               <a:rPr lang="ko-KR" altLang="en-US" smtClean="0"/>
-              <a:t>27</a:t>
+              <a:t>30</a:t>
             </a:fld>
             <a:endParaRPr lang="ko-KR" altLang="en-US"/>
           </a:p>
@@ -28869,7 +32618,7 @@
 </p:sld>
 </file>
 
-<file path=ppt/slides/slide28.xml><?xml version="1.0" encoding="utf-8"?>
+<file path=ppt/slides/slide31.xml><?xml version="1.0" encoding="utf-8"?>
 <p:sld xmlns:a="http://schemas.openxmlformats.org/drawingml/2006/main" xmlns:r="http://schemas.openxmlformats.org/officeDocument/2006/relationships" xmlns:p="http://schemas.openxmlformats.org/presentationml/2006/main">
   <p:cSld>
     <p:spTree>
@@ -29040,7 +32789,7 @@
           <a:p>
             <a:fld id="{8D96929D-9E84-4A42-B4C3-2E48812748E4}" type="slidenum">
               <a:rPr lang="ko-KR" altLang="en-US" smtClean="0"/>
-              <a:t>28</a:t>
+              <a:t>31</a:t>
             </a:fld>
             <a:endParaRPr lang="ko-KR" altLang="en-US"/>
           </a:p>
@@ -29911,7 +33660,7 @@
 </p:sld>
 </file>
 
-<file path=ppt/slides/slide29.xml><?xml version="1.0" encoding="utf-8"?>
+<file path=ppt/slides/slide32.xml><?xml version="1.0" encoding="utf-8"?>
 <p:sld xmlns:a="http://schemas.openxmlformats.org/drawingml/2006/main" xmlns:r="http://schemas.openxmlformats.org/officeDocument/2006/relationships" xmlns:p="http://schemas.openxmlformats.org/presentationml/2006/main">
   <p:cSld>
     <p:spTree>
@@ -30082,7 +33831,7 @@
           <a:p>
             <a:fld id="{8D96929D-9E84-4A42-B4C3-2E48812748E4}" type="slidenum">
               <a:rPr lang="ko-KR" altLang="en-US" smtClean="0"/>
-              <a:t>29</a:t>
+              <a:t>32</a:t>
             </a:fld>
             <a:endParaRPr lang="ko-KR" altLang="en-US"/>
           </a:p>
@@ -31331,252 +35080,7 @@
 </p:sld>
 </file>
 
-<file path=ppt/slides/slide3.xml><?xml version="1.0" encoding="utf-8"?>
-<p:sld xmlns:a="http://schemas.openxmlformats.org/drawingml/2006/main" xmlns:r="http://schemas.openxmlformats.org/officeDocument/2006/relationships" xmlns:p="http://schemas.openxmlformats.org/presentationml/2006/main">
-  <p:cSld>
-    <p:spTree>
-      <p:nvGrpSpPr>
-        <p:cNvPr id="1" name="">
-          <a:extLst>
-            <a:ext uri="{FF2B5EF4-FFF2-40B4-BE49-F238E27FC236}">
-              <a16:creationId xmlns:a16="http://schemas.microsoft.com/office/drawing/2014/main" id="{6E432048-5F36-E66C-8197-E75317296DEC}"/>
-            </a:ext>
-          </a:extLst>
-        </p:cNvPr>
-        <p:cNvGrpSpPr/>
-        <p:nvPr/>
-      </p:nvGrpSpPr>
-      <p:grpSpPr>
-        <a:xfrm>
-          <a:off x="0" y="0"/>
-          <a:ext cx="0" cy="0"/>
-          <a:chOff x="0" y="0"/>
-          <a:chExt cx="0" cy="0"/>
-        </a:xfrm>
-      </p:grpSpPr>
-      <p:sp>
-        <p:nvSpPr>
-          <p:cNvPr id="4" name="사각형: 둥근 모서리 3">
-            <a:extLst>
-              <a:ext uri="{FF2B5EF4-FFF2-40B4-BE49-F238E27FC236}">
-                <a16:creationId xmlns:a16="http://schemas.microsoft.com/office/drawing/2014/main" id="{88D2F86A-D0C1-6194-3948-ED3EFE0C9AF1}"/>
-              </a:ext>
-            </a:extLst>
-          </p:cNvPr>
-          <p:cNvSpPr/>
-          <p:nvPr/>
-        </p:nvSpPr>
-        <p:spPr>
-          <a:xfrm>
-            <a:off x="228600" y="681059"/>
-            <a:ext cx="11734800" cy="695739"/>
-          </a:xfrm>
-          <a:prstGeom prst="roundRect">
-            <a:avLst>
-              <a:gd name="adj" fmla="val 50000"/>
-            </a:avLst>
-          </a:prstGeom>
-          <a:solidFill>
-            <a:schemeClr val="bg1">
-              <a:lumMod val="95000"/>
-            </a:schemeClr>
-          </a:solidFill>
-          <a:ln w="19050">
-            <a:solidFill>
-              <a:schemeClr val="bg1">
-                <a:lumMod val="85000"/>
-              </a:schemeClr>
-            </a:solidFill>
-          </a:ln>
-          <a:effectLst>
-            <a:outerShdw blurRad="50800" dist="38100" dir="8100000" algn="tr" rotWithShape="0">
-              <a:prstClr val="black">
-                <a:alpha val="40000"/>
-              </a:prstClr>
-            </a:outerShdw>
-          </a:effectLst>
-        </p:spPr>
-        <p:style>
-          <a:lnRef idx="2">
-            <a:schemeClr val="accent1">
-              <a:shade val="15000"/>
-            </a:schemeClr>
-          </a:lnRef>
-          <a:fillRef idx="1">
-            <a:schemeClr val="accent1"/>
-          </a:fillRef>
-          <a:effectRef idx="0">
-            <a:schemeClr val="accent1"/>
-          </a:effectRef>
-          <a:fontRef idx="minor">
-            <a:schemeClr val="lt1"/>
-          </a:fontRef>
-        </p:style>
-        <p:txBody>
-          <a:bodyPr rtlCol="0" anchor="ctr"/>
-          <a:lstStyle/>
-          <a:p>
-            <a:r>
-              <a:rPr lang="ko-KR" altLang="en-US" sz="3600" b="1" dirty="0">
-                <a:solidFill>
-                  <a:schemeClr val="tx1"/>
-                </a:solidFill>
-              </a:rPr>
-              <a:t>  게임 개요</a:t>
-            </a:r>
-          </a:p>
-        </p:txBody>
-      </p:sp>
-      <p:pic>
-        <p:nvPicPr>
-          <p:cNvPr id="10" name="그래픽 9" descr="기타 단색으로 채워진">
-            <a:extLst>
-              <a:ext uri="{FF2B5EF4-FFF2-40B4-BE49-F238E27FC236}">
-                <a16:creationId xmlns:a16="http://schemas.microsoft.com/office/drawing/2014/main" id="{236AD4FF-B76D-059C-D059-45AA3F04D622}"/>
-              </a:ext>
-            </a:extLst>
-          </p:cNvPr>
-          <p:cNvPicPr>
-            <a:picLocks noChangeAspect="1"/>
-          </p:cNvPicPr>
-          <p:nvPr/>
-        </p:nvPicPr>
-        <p:blipFill>
-          <a:blip r:embed="rId2">
-            <a:extLst>
-              <a:ext uri="{96DAC541-7B7A-43D3-8B79-37D633B846F1}">
-                <asvg:svgBlip xmlns:asvg="http://schemas.microsoft.com/office/drawing/2016/SVG/main" r:embed="rId3"/>
-              </a:ext>
-            </a:extLst>
-          </a:blip>
-          <a:stretch>
-            <a:fillRect/>
-          </a:stretch>
-        </p:blipFill>
-        <p:spPr>
-          <a:xfrm rot="5400000">
-            <a:off x="11265877" y="761335"/>
-            <a:ext cx="559191" cy="559191"/>
-          </a:xfrm>
-          <a:prstGeom prst="rect">
-            <a:avLst/>
-          </a:prstGeom>
-        </p:spPr>
-      </p:pic>
-      <p:sp>
-        <p:nvSpPr>
-          <p:cNvPr id="11" name="TextBox 10">
-            <a:extLst>
-              <a:ext uri="{FF2B5EF4-FFF2-40B4-BE49-F238E27FC236}">
-                <a16:creationId xmlns:a16="http://schemas.microsoft.com/office/drawing/2014/main" id="{5A66836E-F0FC-E8F3-6313-86DF0EF7403D}"/>
-              </a:ext>
-            </a:extLst>
-          </p:cNvPr>
-          <p:cNvSpPr txBox="1"/>
-          <p:nvPr/>
-        </p:nvSpPr>
-        <p:spPr>
-          <a:xfrm>
-            <a:off x="821635" y="1928191"/>
-            <a:ext cx="2597425" cy="1682961"/>
-          </a:xfrm>
-          <a:prstGeom prst="rect">
-            <a:avLst/>
-          </a:prstGeom>
-          <a:noFill/>
-        </p:spPr>
-        <p:txBody>
-          <a:bodyPr wrap="square" rtlCol="0">
-            <a:spAutoFit/>
-          </a:bodyPr>
-          <a:lstStyle/>
-          <a:p>
-            <a:pPr marL="342900" indent="-342900">
-              <a:lnSpc>
-                <a:spcPct val="150000"/>
-              </a:lnSpc>
-              <a:buFontTx/>
-              <a:buChar char="-"/>
-            </a:pPr>
-            <a:r>
-              <a:rPr lang="ko-KR" altLang="en-US" sz="2400" b="1" dirty="0"/>
-              <a:t>게임소개</a:t>
-            </a:r>
-            <a:endParaRPr lang="en-US" altLang="ko-KR" sz="2400" b="1" dirty="0"/>
-          </a:p>
-          <a:p>
-            <a:pPr marL="342900" indent="-342900">
-              <a:lnSpc>
-                <a:spcPct val="150000"/>
-              </a:lnSpc>
-              <a:buFontTx/>
-              <a:buChar char="-"/>
-            </a:pPr>
-            <a:r>
-              <a:rPr lang="ko-KR" altLang="en-US" sz="2400" b="1" dirty="0"/>
-              <a:t>장르</a:t>
-            </a:r>
-            <a:endParaRPr lang="en-US" altLang="ko-KR" sz="2400" b="1" dirty="0"/>
-          </a:p>
-          <a:p>
-            <a:pPr marL="342900" indent="-342900">
-              <a:lnSpc>
-                <a:spcPct val="150000"/>
-              </a:lnSpc>
-              <a:buFontTx/>
-              <a:buChar char="-"/>
-            </a:pPr>
-            <a:r>
-              <a:rPr lang="ko-KR" altLang="en-US" sz="2400" b="1" dirty="0"/>
-              <a:t>주요 요소</a:t>
-            </a:r>
-            <a:endParaRPr lang="en-US" altLang="ko-KR" sz="2400" b="1" dirty="0"/>
-          </a:p>
-        </p:txBody>
-      </p:sp>
-      <p:sp>
-        <p:nvSpPr>
-          <p:cNvPr id="12" name="슬라이드 번호 개체 틀 11">
-            <a:extLst>
-              <a:ext uri="{FF2B5EF4-FFF2-40B4-BE49-F238E27FC236}">
-                <a16:creationId xmlns:a16="http://schemas.microsoft.com/office/drawing/2014/main" id="{2FB65050-84ED-FFE9-7866-CDB53F4287FF}"/>
-              </a:ext>
-            </a:extLst>
-          </p:cNvPr>
-          <p:cNvSpPr>
-            <a:spLocks noGrp="1"/>
-          </p:cNvSpPr>
-          <p:nvPr>
-            <p:ph type="sldNum" sz="quarter" idx="12"/>
-          </p:nvPr>
-        </p:nvSpPr>
-        <p:spPr/>
-        <p:txBody>
-          <a:bodyPr/>
-          <a:lstStyle/>
-          <a:p>
-            <a:fld id="{8D96929D-9E84-4A42-B4C3-2E48812748E4}" type="slidenum">
-              <a:rPr lang="ko-KR" altLang="en-US" smtClean="0"/>
-              <a:t>3</a:t>
-            </a:fld>
-            <a:endParaRPr lang="ko-KR" altLang="en-US"/>
-          </a:p>
-        </p:txBody>
-      </p:sp>
-    </p:spTree>
-    <p:extLst>
-      <p:ext uri="{BB962C8B-B14F-4D97-AF65-F5344CB8AC3E}">
-        <p14:creationId xmlns:p14="http://schemas.microsoft.com/office/powerpoint/2010/main" val="986517549"/>
-      </p:ext>
-    </p:extLst>
-  </p:cSld>
-  <p:clrMapOvr>
-    <a:masterClrMapping/>
-  </p:clrMapOvr>
-</p:sld>
-</file>
-
-<file path=ppt/slides/slide30.xml><?xml version="1.0" encoding="utf-8"?>
+<file path=ppt/slides/slide33.xml><?xml version="1.0" encoding="utf-8"?>
 <p:sld xmlns:a="http://schemas.openxmlformats.org/drawingml/2006/main" xmlns:r="http://schemas.openxmlformats.org/officeDocument/2006/relationships" xmlns:p="http://schemas.openxmlformats.org/presentationml/2006/main">
   <p:cSld>
     <p:spTree>
@@ -31747,7 +35251,7 @@
           <a:p>
             <a:fld id="{8D96929D-9E84-4A42-B4C3-2E48812748E4}" type="slidenum">
               <a:rPr lang="ko-KR" altLang="en-US" smtClean="0"/>
-              <a:t>30</a:t>
+              <a:t>33</a:t>
             </a:fld>
             <a:endParaRPr lang="ko-KR" altLang="en-US"/>
           </a:p>
@@ -32295,7 +35799,7 @@
 </p:sld>
 </file>
 
-<file path=ppt/slides/slide31.xml><?xml version="1.0" encoding="utf-8"?>
+<file path=ppt/slides/slide34.xml><?xml version="1.0" encoding="utf-8"?>
 <p:sld xmlns:a="http://schemas.openxmlformats.org/drawingml/2006/main" xmlns:r="http://schemas.openxmlformats.org/officeDocument/2006/relationships" xmlns:p="http://schemas.openxmlformats.org/presentationml/2006/main">
   <p:cSld>
     <p:spTree>
@@ -32728,7 +36232,7 @@
           <a:p>
             <a:fld id="{8D96929D-9E84-4A42-B4C3-2E48812748E4}" type="slidenum">
               <a:rPr lang="ko-KR" altLang="en-US" smtClean="0"/>
-              <a:t>31</a:t>
+              <a:t>34</a:t>
             </a:fld>
             <a:endParaRPr lang="ko-KR" altLang="en-US"/>
           </a:p>
@@ -32892,7 +36396,7 @@
 </p:sld>
 </file>
 
-<file path=ppt/slides/slide32.xml><?xml version="1.0" encoding="utf-8"?>
+<file path=ppt/slides/slide35.xml><?xml version="1.0" encoding="utf-8"?>
 <p:sld xmlns:a="http://schemas.openxmlformats.org/drawingml/2006/main" xmlns:r="http://schemas.openxmlformats.org/officeDocument/2006/relationships" xmlns:p="http://schemas.openxmlformats.org/presentationml/2006/main">
   <p:cSld>
     <p:spTree>
@@ -36480,7 +39984,7 @@
           <a:p>
             <a:fld id="{8D96929D-9E84-4A42-B4C3-2E48812748E4}" type="slidenum">
               <a:rPr lang="ko-KR" altLang="en-US" smtClean="0"/>
-              <a:t>32</a:t>
+              <a:t>35</a:t>
             </a:fld>
             <a:endParaRPr lang="ko-KR" altLang="en-US"/>
           </a:p>
@@ -36551,7 +40055,7 @@
 </p:sld>
 </file>
 
-<file path=ppt/slides/slide33.xml><?xml version="1.0" encoding="utf-8"?>
+<file path=ppt/slides/slide36.xml><?xml version="1.0" encoding="utf-8"?>
 <p:sld xmlns:a="http://schemas.openxmlformats.org/drawingml/2006/main" xmlns:r="http://schemas.openxmlformats.org/officeDocument/2006/relationships" xmlns:p="http://schemas.openxmlformats.org/presentationml/2006/main">
   <p:cSld>
     <p:spTree>
@@ -38309,7 +41813,7 @@
           <a:p>
             <a:fld id="{8D96929D-9E84-4A42-B4C3-2E48812748E4}" type="slidenum">
               <a:rPr lang="ko-KR" altLang="en-US" smtClean="0"/>
-              <a:t>33</a:t>
+              <a:t>36</a:t>
             </a:fld>
             <a:endParaRPr lang="ko-KR" altLang="en-US"/>
           </a:p>
@@ -39374,7 +42878,7 @@
 </p:sld>
 </file>
 
-<file path=ppt/slides/slide34.xml><?xml version="1.0" encoding="utf-8"?>
+<file path=ppt/slides/slide37.xml><?xml version="1.0" encoding="utf-8"?>
 <p:sld xmlns:a="http://schemas.openxmlformats.org/drawingml/2006/main" xmlns:r="http://schemas.openxmlformats.org/officeDocument/2006/relationships" xmlns:p="http://schemas.openxmlformats.org/presentationml/2006/main">
   <p:cSld>
     <p:spTree>
@@ -39634,7 +43138,7 @@
           <a:p>
             <a:fld id="{8D96929D-9E84-4A42-B4C3-2E48812748E4}" type="slidenum">
               <a:rPr lang="ko-KR" altLang="en-US" smtClean="0"/>
-              <a:t>34</a:t>
+              <a:t>37</a:t>
             </a:fld>
             <a:endParaRPr lang="ko-KR" altLang="en-US"/>
           </a:p>
@@ -41884,7 +45388,7 @@
 </p:sld>
 </file>
 
-<file path=ppt/slides/slide35.xml><?xml version="1.0" encoding="utf-8"?>
+<file path=ppt/slides/slide38.xml><?xml version="1.0" encoding="utf-8"?>
 <p:sld xmlns:a="http://schemas.openxmlformats.org/drawingml/2006/main" xmlns:r="http://schemas.openxmlformats.org/officeDocument/2006/relationships" xmlns:p="http://schemas.openxmlformats.org/presentationml/2006/main">
   <p:cSld>
     <p:spTree>
@@ -42311,7 +45815,7 @@
           <a:p>
             <a:fld id="{8D96929D-9E84-4A42-B4C3-2E48812748E4}" type="slidenum">
               <a:rPr lang="ko-KR" altLang="en-US" smtClean="0"/>
-              <a:t>35</a:t>
+              <a:t>38</a:t>
             </a:fld>
             <a:endParaRPr lang="ko-KR" altLang="en-US"/>
           </a:p>
@@ -45172,7 +48676,7 @@
 </p:sld>
 </file>
 
-<file path=ppt/slides/slide36.xml><?xml version="1.0" encoding="utf-8"?>
+<file path=ppt/slides/slide39.xml><?xml version="1.0" encoding="utf-8"?>
 <p:sld xmlns:a="http://schemas.openxmlformats.org/drawingml/2006/main" xmlns:r="http://schemas.openxmlformats.org/officeDocument/2006/relationships" xmlns:p="http://schemas.openxmlformats.org/presentationml/2006/main">
   <p:cSld>
     <p:spTree>
@@ -45618,7 +49122,7 @@
           <a:p>
             <a:fld id="{8D96929D-9E84-4A42-B4C3-2E48812748E4}" type="slidenum">
               <a:rPr lang="ko-KR" altLang="en-US" smtClean="0"/>
-              <a:t>36</a:t>
+              <a:t>39</a:t>
             </a:fld>
             <a:endParaRPr lang="ko-KR" altLang="en-US"/>
           </a:p>
@@ -47167,7 +50671,354 @@
 </p:sld>
 </file>
 
-<file path=ppt/slides/slide37.xml><?xml version="1.0" encoding="utf-8"?>
+<file path=ppt/slides/slide4.xml><?xml version="1.0" encoding="utf-8"?>
+<p:sld xmlns:a="http://schemas.openxmlformats.org/drawingml/2006/main" xmlns:r="http://schemas.openxmlformats.org/officeDocument/2006/relationships" xmlns:p="http://schemas.openxmlformats.org/presentationml/2006/main">
+  <p:cSld>
+    <p:spTree>
+      <p:nvGrpSpPr>
+        <p:cNvPr id="1" name="">
+          <a:extLst>
+            <a:ext uri="{FF2B5EF4-FFF2-40B4-BE49-F238E27FC236}">
+              <a16:creationId xmlns:a16="http://schemas.microsoft.com/office/drawing/2014/main" id="{5124ADC2-EE00-7D18-4F05-0F96F6E25E8E}"/>
+            </a:ext>
+          </a:extLst>
+        </p:cNvPr>
+        <p:cNvGrpSpPr/>
+        <p:nvPr/>
+      </p:nvGrpSpPr>
+      <p:grpSpPr>
+        <a:xfrm>
+          <a:off x="0" y="0"/>
+          <a:ext cx="0" cy="0"/>
+          <a:chOff x="0" y="0"/>
+          <a:chExt cx="0" cy="0"/>
+        </a:xfrm>
+      </p:grpSpPr>
+      <p:sp>
+        <p:nvSpPr>
+          <p:cNvPr id="2" name="제목 1">
+            <a:extLst>
+              <a:ext uri="{FF2B5EF4-FFF2-40B4-BE49-F238E27FC236}">
+                <a16:creationId xmlns:a16="http://schemas.microsoft.com/office/drawing/2014/main" id="{1F165EF9-282C-511B-B532-05ACF7B36349}"/>
+              </a:ext>
+            </a:extLst>
+          </p:cNvPr>
+          <p:cNvSpPr>
+            <a:spLocks noGrp="1"/>
+          </p:cNvSpPr>
+          <p:nvPr>
+            <p:ph type="title"/>
+          </p:nvPr>
+        </p:nvSpPr>
+        <p:spPr>
+          <a:xfrm>
+            <a:off x="129225" y="83886"/>
+            <a:ext cx="2637170" cy="608225"/>
+          </a:xfrm>
+        </p:spPr>
+        <p:txBody>
+          <a:bodyPr>
+            <a:normAutofit/>
+          </a:bodyPr>
+          <a:lstStyle/>
+          <a:p>
+            <a:pPr algn="ctr"/>
+            <a:r>
+              <a:rPr lang="ko-KR" altLang="en-US" sz="3200" b="1" dirty="0"/>
+              <a:t>게임 소개</a:t>
+            </a:r>
+          </a:p>
+        </p:txBody>
+      </p:sp>
+      <p:sp>
+        <p:nvSpPr>
+          <p:cNvPr id="4" name="TextBox 3">
+            <a:extLst>
+              <a:ext uri="{FF2B5EF4-FFF2-40B4-BE49-F238E27FC236}">
+                <a16:creationId xmlns:a16="http://schemas.microsoft.com/office/drawing/2014/main" id="{C8203336-FAA6-B957-5DFC-A5A4670259B7}"/>
+              </a:ext>
+            </a:extLst>
+          </p:cNvPr>
+          <p:cNvSpPr txBox="1"/>
+          <p:nvPr/>
+        </p:nvSpPr>
+        <p:spPr>
+          <a:xfrm>
+            <a:off x="381942" y="2729948"/>
+            <a:ext cx="11428129" cy="584775"/>
+          </a:xfrm>
+          <a:prstGeom prst="rect">
+            <a:avLst/>
+          </a:prstGeom>
+          <a:noFill/>
+        </p:spPr>
+        <p:txBody>
+          <a:bodyPr wrap="none" rtlCol="0">
+            <a:spAutoFit/>
+          </a:bodyPr>
+          <a:lstStyle/>
+          <a:p>
+            <a:pPr algn="ctr"/>
+            <a:r>
+              <a:rPr lang="ko-KR" altLang="en-US" sz="3200" b="1" dirty="0">
+                <a:solidFill>
+                  <a:srgbClr val="0070C0"/>
+                </a:solidFill>
+              </a:rPr>
+              <a:t>게임 외적으로 오는 방해들을 해결하면서 게임을 클리어하라</a:t>
+            </a:r>
+            <a:r>
+              <a:rPr lang="en-US" altLang="ko-KR" sz="3200" b="1" dirty="0">
+                <a:solidFill>
+                  <a:srgbClr val="0070C0"/>
+                </a:solidFill>
+              </a:rPr>
+              <a:t>!</a:t>
+            </a:r>
+            <a:endParaRPr lang="ko-KR" altLang="en-US" sz="3200" b="1" dirty="0">
+              <a:solidFill>
+                <a:srgbClr val="0070C0"/>
+              </a:solidFill>
+            </a:endParaRPr>
+          </a:p>
+        </p:txBody>
+      </p:sp>
+      <p:sp>
+        <p:nvSpPr>
+          <p:cNvPr id="5" name="TextBox 4">
+            <a:extLst>
+              <a:ext uri="{FF2B5EF4-FFF2-40B4-BE49-F238E27FC236}">
+                <a16:creationId xmlns:a16="http://schemas.microsoft.com/office/drawing/2014/main" id="{C65C7532-870E-B3EE-501E-153F5044A95F}"/>
+              </a:ext>
+            </a:extLst>
+          </p:cNvPr>
+          <p:cNvSpPr txBox="1"/>
+          <p:nvPr/>
+        </p:nvSpPr>
+        <p:spPr>
+          <a:xfrm>
+            <a:off x="309362" y="4306079"/>
+            <a:ext cx="10001456" cy="1522020"/>
+          </a:xfrm>
+          <a:prstGeom prst="rect">
+            <a:avLst/>
+          </a:prstGeom>
+          <a:noFill/>
+        </p:spPr>
+        <p:txBody>
+          <a:bodyPr wrap="none" rtlCol="0">
+            <a:spAutoFit/>
+          </a:bodyPr>
+          <a:lstStyle/>
+          <a:p>
+            <a:pPr marL="285750" indent="-285750">
+              <a:lnSpc>
+                <a:spcPct val="150000"/>
+              </a:lnSpc>
+              <a:buFontTx/>
+              <a:buChar char="-"/>
+            </a:pPr>
+            <a:r>
+              <a:rPr lang="ko-KR" altLang="en-US" sz="1600" dirty="0"/>
+              <a:t>유저는 제한된 시간내에 미니게임의 클리어 조건을 달성해야 한다</a:t>
+            </a:r>
+            <a:r>
+              <a:rPr lang="en-US" altLang="ko-KR" sz="1600" dirty="0"/>
+              <a:t>.</a:t>
+            </a:r>
+          </a:p>
+          <a:p>
+            <a:pPr marL="285750" indent="-285750">
+              <a:lnSpc>
+                <a:spcPct val="150000"/>
+              </a:lnSpc>
+              <a:buFontTx/>
+              <a:buChar char="-"/>
+            </a:pPr>
+            <a:r>
+              <a:rPr lang="ko-KR" altLang="en-US" sz="1600" dirty="0"/>
+              <a:t>게임을 플레이하는 동안 특정시간마다 </a:t>
+            </a:r>
+            <a:r>
+              <a:rPr lang="ko-KR" altLang="en-US" sz="1600" dirty="0" err="1"/>
+              <a:t>랜덤한</a:t>
+            </a:r>
+            <a:r>
+              <a:rPr lang="ko-KR" altLang="en-US" sz="1600" dirty="0"/>
+              <a:t> 방해 이벤트들이 진행된다</a:t>
+            </a:r>
+            <a:r>
+              <a:rPr lang="en-US" altLang="ko-KR" sz="1600" dirty="0"/>
+              <a:t>.</a:t>
+            </a:r>
+          </a:p>
+          <a:p>
+            <a:pPr marL="285750" indent="-285750">
+              <a:lnSpc>
+                <a:spcPct val="150000"/>
+              </a:lnSpc>
+              <a:buFontTx/>
+              <a:buChar char="-"/>
+            </a:pPr>
+            <a:r>
+              <a:rPr lang="ko-KR" altLang="en-US" sz="1600" dirty="0"/>
+              <a:t>방해 이벤트마다 해결하는 방식이 다르며 이벤트를 해결하는 동안 시간이 흘러간다</a:t>
+            </a:r>
+            <a:r>
+              <a:rPr lang="en-US" altLang="ko-KR" sz="1600" dirty="0"/>
+              <a:t>.</a:t>
+            </a:r>
+          </a:p>
+          <a:p>
+            <a:pPr marL="285750" indent="-285750">
+              <a:lnSpc>
+                <a:spcPct val="150000"/>
+              </a:lnSpc>
+              <a:buFontTx/>
+              <a:buChar char="-"/>
+            </a:pPr>
+            <a:r>
+              <a:rPr lang="ko-KR" altLang="en-US" sz="1600" dirty="0"/>
+              <a:t>시간이 모두 지나고 게임 클리어 조건에 도달하지 못하거나 미니게임에서 게임 오버되면 게임이 끝난다</a:t>
+            </a:r>
+            <a:r>
+              <a:rPr lang="en-US" altLang="ko-KR" sz="1600" dirty="0"/>
+              <a:t>.</a:t>
+            </a:r>
+          </a:p>
+        </p:txBody>
+      </p:sp>
+      <p:cxnSp>
+        <p:nvCxnSpPr>
+          <p:cNvPr id="6" name="직선 연결선 5">
+            <a:extLst>
+              <a:ext uri="{FF2B5EF4-FFF2-40B4-BE49-F238E27FC236}">
+                <a16:creationId xmlns:a16="http://schemas.microsoft.com/office/drawing/2014/main" id="{E7BBEECA-C910-B670-5E63-47718DC16EE6}"/>
+              </a:ext>
+            </a:extLst>
+          </p:cNvPr>
+          <p:cNvCxnSpPr>
+            <a:cxnSpLocks/>
+          </p:cNvCxnSpPr>
+          <p:nvPr/>
+        </p:nvCxnSpPr>
+        <p:spPr>
+          <a:xfrm>
+            <a:off x="0" y="692111"/>
+            <a:ext cx="12192000" cy="0"/>
+          </a:xfrm>
+          <a:prstGeom prst="line">
+            <a:avLst/>
+          </a:prstGeom>
+          <a:ln>
+            <a:solidFill>
+              <a:schemeClr val="bg2">
+                <a:lumMod val="75000"/>
+              </a:schemeClr>
+            </a:solidFill>
+          </a:ln>
+        </p:spPr>
+        <p:style>
+          <a:lnRef idx="2">
+            <a:schemeClr val="accent1"/>
+          </a:lnRef>
+          <a:fillRef idx="0">
+            <a:schemeClr val="accent1"/>
+          </a:fillRef>
+          <a:effectRef idx="1">
+            <a:schemeClr val="accent1"/>
+          </a:effectRef>
+          <a:fontRef idx="minor">
+            <a:schemeClr val="tx1"/>
+          </a:fontRef>
+        </p:style>
+      </p:cxnSp>
+      <p:cxnSp>
+        <p:nvCxnSpPr>
+          <p:cNvPr id="9" name="직선 연결선 8">
+            <a:extLst>
+              <a:ext uri="{FF2B5EF4-FFF2-40B4-BE49-F238E27FC236}">
+                <a16:creationId xmlns:a16="http://schemas.microsoft.com/office/drawing/2014/main" id="{67B9ED10-07C8-C07F-C066-79677C1B25EF}"/>
+              </a:ext>
+            </a:extLst>
+          </p:cNvPr>
+          <p:cNvCxnSpPr>
+            <a:cxnSpLocks/>
+          </p:cNvCxnSpPr>
+          <p:nvPr/>
+        </p:nvCxnSpPr>
+        <p:spPr>
+          <a:xfrm>
+            <a:off x="129225" y="658980"/>
+            <a:ext cx="2637170" cy="0"/>
+          </a:xfrm>
+          <a:prstGeom prst="line">
+            <a:avLst/>
+          </a:prstGeom>
+          <a:ln w="76200">
+            <a:solidFill>
+              <a:schemeClr val="tx1"/>
+            </a:solidFill>
+          </a:ln>
+        </p:spPr>
+        <p:style>
+          <a:lnRef idx="2">
+            <a:schemeClr val="accent1"/>
+          </a:lnRef>
+          <a:fillRef idx="0">
+            <a:schemeClr val="accent1"/>
+          </a:fillRef>
+          <a:effectRef idx="1">
+            <a:schemeClr val="accent1"/>
+          </a:effectRef>
+          <a:fontRef idx="minor">
+            <a:schemeClr val="tx1"/>
+          </a:fontRef>
+        </p:style>
+      </p:cxnSp>
+      <p:sp>
+        <p:nvSpPr>
+          <p:cNvPr id="16" name="슬라이드 번호 개체 틀 15">
+            <a:extLst>
+              <a:ext uri="{FF2B5EF4-FFF2-40B4-BE49-F238E27FC236}">
+                <a16:creationId xmlns:a16="http://schemas.microsoft.com/office/drawing/2014/main" id="{348E6866-338B-5593-C919-88B7C3A96308}"/>
+              </a:ext>
+            </a:extLst>
+          </p:cNvPr>
+          <p:cNvSpPr>
+            <a:spLocks noGrp="1"/>
+          </p:cNvSpPr>
+          <p:nvPr>
+            <p:ph type="sldNum" sz="quarter" idx="12"/>
+          </p:nvPr>
+        </p:nvSpPr>
+        <p:spPr/>
+        <p:txBody>
+          <a:bodyPr/>
+          <a:lstStyle/>
+          <a:p>
+            <a:fld id="{8D96929D-9E84-4A42-B4C3-2E48812748E4}" type="slidenum">
+              <a:rPr lang="ko-KR" altLang="en-US" smtClean="0"/>
+              <a:t>4</a:t>
+            </a:fld>
+            <a:endParaRPr lang="ko-KR" altLang="en-US"/>
+          </a:p>
+        </p:txBody>
+      </p:sp>
+    </p:spTree>
+    <p:extLst>
+      <p:ext uri="{BB962C8B-B14F-4D97-AF65-F5344CB8AC3E}">
+        <p14:creationId xmlns:p14="http://schemas.microsoft.com/office/powerpoint/2010/main" val="2126326606"/>
+      </p:ext>
+    </p:extLst>
+  </p:cSld>
+  <p:clrMapOvr>
+    <a:masterClrMapping/>
+  </p:clrMapOvr>
+</p:sld>
+</file>
+
+<file path=ppt/slides/slide40.xml><?xml version="1.0" encoding="utf-8"?>
 <p:sld xmlns:a="http://schemas.openxmlformats.org/drawingml/2006/main" xmlns:r="http://schemas.openxmlformats.org/officeDocument/2006/relationships" xmlns:p="http://schemas.openxmlformats.org/presentationml/2006/main">
   <p:cSld>
     <p:spTree>
@@ -47342,7 +51193,7 @@
           <a:p>
             <a:fld id="{8D96929D-9E84-4A42-B4C3-2E48812748E4}" type="slidenum">
               <a:rPr lang="ko-KR" altLang="en-US" smtClean="0"/>
-              <a:t>37</a:t>
+              <a:t>40</a:t>
             </a:fld>
             <a:endParaRPr lang="ko-KR" altLang="en-US"/>
           </a:p>
@@ -47970,7 +51821,7 @@
 </p:sld>
 </file>
 
-<file path=ppt/slides/slide38.xml><?xml version="1.0" encoding="utf-8"?>
+<file path=ppt/slides/slide41.xml><?xml version="1.0" encoding="utf-8"?>
 <p:sld xmlns:a="http://schemas.openxmlformats.org/drawingml/2006/main" xmlns:r="http://schemas.openxmlformats.org/officeDocument/2006/relationships" xmlns:p="http://schemas.openxmlformats.org/presentationml/2006/main">
   <p:cSld>
     <p:spTree>
@@ -48145,7 +51996,7 @@
           <a:p>
             <a:fld id="{8D96929D-9E84-4A42-B4C3-2E48812748E4}" type="slidenum">
               <a:rPr lang="ko-KR" altLang="en-US" smtClean="0"/>
-              <a:t>38</a:t>
+              <a:t>41</a:t>
             </a:fld>
             <a:endParaRPr lang="ko-KR" altLang="en-US" dirty="0"/>
           </a:p>
@@ -48615,353 +52466,6 @@
     <p:extLst>
       <p:ext uri="{BB962C8B-B14F-4D97-AF65-F5344CB8AC3E}">
         <p14:creationId xmlns:p14="http://schemas.microsoft.com/office/powerpoint/2010/main" val="3954445130"/>
-      </p:ext>
-    </p:extLst>
-  </p:cSld>
-  <p:clrMapOvr>
-    <a:masterClrMapping/>
-  </p:clrMapOvr>
-</p:sld>
-</file>
-
-<file path=ppt/slides/slide4.xml><?xml version="1.0" encoding="utf-8"?>
-<p:sld xmlns:a="http://schemas.openxmlformats.org/drawingml/2006/main" xmlns:r="http://schemas.openxmlformats.org/officeDocument/2006/relationships" xmlns:p="http://schemas.openxmlformats.org/presentationml/2006/main">
-  <p:cSld>
-    <p:spTree>
-      <p:nvGrpSpPr>
-        <p:cNvPr id="1" name="">
-          <a:extLst>
-            <a:ext uri="{FF2B5EF4-FFF2-40B4-BE49-F238E27FC236}">
-              <a16:creationId xmlns:a16="http://schemas.microsoft.com/office/drawing/2014/main" id="{5124ADC2-EE00-7D18-4F05-0F96F6E25E8E}"/>
-            </a:ext>
-          </a:extLst>
-        </p:cNvPr>
-        <p:cNvGrpSpPr/>
-        <p:nvPr/>
-      </p:nvGrpSpPr>
-      <p:grpSpPr>
-        <a:xfrm>
-          <a:off x="0" y="0"/>
-          <a:ext cx="0" cy="0"/>
-          <a:chOff x="0" y="0"/>
-          <a:chExt cx="0" cy="0"/>
-        </a:xfrm>
-      </p:grpSpPr>
-      <p:sp>
-        <p:nvSpPr>
-          <p:cNvPr id="2" name="제목 1">
-            <a:extLst>
-              <a:ext uri="{FF2B5EF4-FFF2-40B4-BE49-F238E27FC236}">
-                <a16:creationId xmlns:a16="http://schemas.microsoft.com/office/drawing/2014/main" id="{1F165EF9-282C-511B-B532-05ACF7B36349}"/>
-              </a:ext>
-            </a:extLst>
-          </p:cNvPr>
-          <p:cNvSpPr>
-            <a:spLocks noGrp="1"/>
-          </p:cNvSpPr>
-          <p:nvPr>
-            <p:ph type="title"/>
-          </p:nvPr>
-        </p:nvSpPr>
-        <p:spPr>
-          <a:xfrm>
-            <a:off x="129225" y="83886"/>
-            <a:ext cx="2637170" cy="608225"/>
-          </a:xfrm>
-        </p:spPr>
-        <p:txBody>
-          <a:bodyPr>
-            <a:normAutofit/>
-          </a:bodyPr>
-          <a:lstStyle/>
-          <a:p>
-            <a:pPr algn="ctr"/>
-            <a:r>
-              <a:rPr lang="ko-KR" altLang="en-US" sz="3200" b="1" dirty="0"/>
-              <a:t>게임 소개</a:t>
-            </a:r>
-          </a:p>
-        </p:txBody>
-      </p:sp>
-      <p:sp>
-        <p:nvSpPr>
-          <p:cNvPr id="4" name="TextBox 3">
-            <a:extLst>
-              <a:ext uri="{FF2B5EF4-FFF2-40B4-BE49-F238E27FC236}">
-                <a16:creationId xmlns:a16="http://schemas.microsoft.com/office/drawing/2014/main" id="{C8203336-FAA6-B957-5DFC-A5A4670259B7}"/>
-              </a:ext>
-            </a:extLst>
-          </p:cNvPr>
-          <p:cNvSpPr txBox="1"/>
-          <p:nvPr/>
-        </p:nvSpPr>
-        <p:spPr>
-          <a:xfrm>
-            <a:off x="381942" y="2729948"/>
-            <a:ext cx="11428129" cy="584775"/>
-          </a:xfrm>
-          <a:prstGeom prst="rect">
-            <a:avLst/>
-          </a:prstGeom>
-          <a:noFill/>
-        </p:spPr>
-        <p:txBody>
-          <a:bodyPr wrap="none" rtlCol="0">
-            <a:spAutoFit/>
-          </a:bodyPr>
-          <a:lstStyle/>
-          <a:p>
-            <a:pPr algn="ctr"/>
-            <a:r>
-              <a:rPr lang="ko-KR" altLang="en-US" sz="3200" b="1" dirty="0">
-                <a:solidFill>
-                  <a:srgbClr val="0070C0"/>
-                </a:solidFill>
-              </a:rPr>
-              <a:t>게임 외적으로 오는 방해들을 해결하면서 게임을 클리어하라</a:t>
-            </a:r>
-            <a:r>
-              <a:rPr lang="en-US" altLang="ko-KR" sz="3200" b="1" dirty="0">
-                <a:solidFill>
-                  <a:srgbClr val="0070C0"/>
-                </a:solidFill>
-              </a:rPr>
-              <a:t>!</a:t>
-            </a:r>
-            <a:endParaRPr lang="ko-KR" altLang="en-US" sz="3200" b="1" dirty="0">
-              <a:solidFill>
-                <a:srgbClr val="0070C0"/>
-              </a:solidFill>
-            </a:endParaRPr>
-          </a:p>
-        </p:txBody>
-      </p:sp>
-      <p:sp>
-        <p:nvSpPr>
-          <p:cNvPr id="5" name="TextBox 4">
-            <a:extLst>
-              <a:ext uri="{FF2B5EF4-FFF2-40B4-BE49-F238E27FC236}">
-                <a16:creationId xmlns:a16="http://schemas.microsoft.com/office/drawing/2014/main" id="{C65C7532-870E-B3EE-501E-153F5044A95F}"/>
-              </a:ext>
-            </a:extLst>
-          </p:cNvPr>
-          <p:cNvSpPr txBox="1"/>
-          <p:nvPr/>
-        </p:nvSpPr>
-        <p:spPr>
-          <a:xfrm>
-            <a:off x="309362" y="4306079"/>
-            <a:ext cx="10001456" cy="1522020"/>
-          </a:xfrm>
-          <a:prstGeom prst="rect">
-            <a:avLst/>
-          </a:prstGeom>
-          <a:noFill/>
-        </p:spPr>
-        <p:txBody>
-          <a:bodyPr wrap="none" rtlCol="0">
-            <a:spAutoFit/>
-          </a:bodyPr>
-          <a:lstStyle/>
-          <a:p>
-            <a:pPr marL="285750" indent="-285750">
-              <a:lnSpc>
-                <a:spcPct val="150000"/>
-              </a:lnSpc>
-              <a:buFontTx/>
-              <a:buChar char="-"/>
-            </a:pPr>
-            <a:r>
-              <a:rPr lang="ko-KR" altLang="en-US" sz="1600" dirty="0"/>
-              <a:t>유저는 제한된 시간내에 미니게임의 클리어 조건을 달성해야 한다</a:t>
-            </a:r>
-            <a:r>
-              <a:rPr lang="en-US" altLang="ko-KR" sz="1600" dirty="0"/>
-              <a:t>.</a:t>
-            </a:r>
-          </a:p>
-          <a:p>
-            <a:pPr marL="285750" indent="-285750">
-              <a:lnSpc>
-                <a:spcPct val="150000"/>
-              </a:lnSpc>
-              <a:buFontTx/>
-              <a:buChar char="-"/>
-            </a:pPr>
-            <a:r>
-              <a:rPr lang="ko-KR" altLang="en-US" sz="1600" dirty="0"/>
-              <a:t>게임을 플레이하는 동안 특정시간마다 </a:t>
-            </a:r>
-            <a:r>
-              <a:rPr lang="ko-KR" altLang="en-US" sz="1600" dirty="0" err="1"/>
-              <a:t>랜덤한</a:t>
-            </a:r>
-            <a:r>
-              <a:rPr lang="ko-KR" altLang="en-US" sz="1600" dirty="0"/>
-              <a:t> 방해 이벤트들이 진행된다</a:t>
-            </a:r>
-            <a:r>
-              <a:rPr lang="en-US" altLang="ko-KR" sz="1600" dirty="0"/>
-              <a:t>.</a:t>
-            </a:r>
-          </a:p>
-          <a:p>
-            <a:pPr marL="285750" indent="-285750">
-              <a:lnSpc>
-                <a:spcPct val="150000"/>
-              </a:lnSpc>
-              <a:buFontTx/>
-              <a:buChar char="-"/>
-            </a:pPr>
-            <a:r>
-              <a:rPr lang="ko-KR" altLang="en-US" sz="1600" dirty="0"/>
-              <a:t>방해 이벤트마다 해결하는 방식이 다르며 이벤트를 해결하는 동안 시간이 흘러간다</a:t>
-            </a:r>
-            <a:r>
-              <a:rPr lang="en-US" altLang="ko-KR" sz="1600" dirty="0"/>
-              <a:t>.</a:t>
-            </a:r>
-          </a:p>
-          <a:p>
-            <a:pPr marL="285750" indent="-285750">
-              <a:lnSpc>
-                <a:spcPct val="150000"/>
-              </a:lnSpc>
-              <a:buFontTx/>
-              <a:buChar char="-"/>
-            </a:pPr>
-            <a:r>
-              <a:rPr lang="ko-KR" altLang="en-US" sz="1600" dirty="0"/>
-              <a:t>시간이 모두 지나고 게임 클리어 조건에 도달하지 못하거나 미니게임에서 게임 오버되면 게임이 끝난다</a:t>
-            </a:r>
-            <a:r>
-              <a:rPr lang="en-US" altLang="ko-KR" sz="1600" dirty="0"/>
-              <a:t>.</a:t>
-            </a:r>
-          </a:p>
-        </p:txBody>
-      </p:sp>
-      <p:cxnSp>
-        <p:nvCxnSpPr>
-          <p:cNvPr id="6" name="직선 연결선 5">
-            <a:extLst>
-              <a:ext uri="{FF2B5EF4-FFF2-40B4-BE49-F238E27FC236}">
-                <a16:creationId xmlns:a16="http://schemas.microsoft.com/office/drawing/2014/main" id="{E7BBEECA-C910-B670-5E63-47718DC16EE6}"/>
-              </a:ext>
-            </a:extLst>
-          </p:cNvPr>
-          <p:cNvCxnSpPr>
-            <a:cxnSpLocks/>
-          </p:cNvCxnSpPr>
-          <p:nvPr/>
-        </p:nvCxnSpPr>
-        <p:spPr>
-          <a:xfrm>
-            <a:off x="0" y="692111"/>
-            <a:ext cx="12192000" cy="0"/>
-          </a:xfrm>
-          <a:prstGeom prst="line">
-            <a:avLst/>
-          </a:prstGeom>
-          <a:ln>
-            <a:solidFill>
-              <a:schemeClr val="bg2">
-                <a:lumMod val="75000"/>
-              </a:schemeClr>
-            </a:solidFill>
-          </a:ln>
-        </p:spPr>
-        <p:style>
-          <a:lnRef idx="2">
-            <a:schemeClr val="accent1"/>
-          </a:lnRef>
-          <a:fillRef idx="0">
-            <a:schemeClr val="accent1"/>
-          </a:fillRef>
-          <a:effectRef idx="1">
-            <a:schemeClr val="accent1"/>
-          </a:effectRef>
-          <a:fontRef idx="minor">
-            <a:schemeClr val="tx1"/>
-          </a:fontRef>
-        </p:style>
-      </p:cxnSp>
-      <p:cxnSp>
-        <p:nvCxnSpPr>
-          <p:cNvPr id="9" name="직선 연결선 8">
-            <a:extLst>
-              <a:ext uri="{FF2B5EF4-FFF2-40B4-BE49-F238E27FC236}">
-                <a16:creationId xmlns:a16="http://schemas.microsoft.com/office/drawing/2014/main" id="{67B9ED10-07C8-C07F-C066-79677C1B25EF}"/>
-              </a:ext>
-            </a:extLst>
-          </p:cNvPr>
-          <p:cNvCxnSpPr>
-            <a:cxnSpLocks/>
-          </p:cNvCxnSpPr>
-          <p:nvPr/>
-        </p:nvCxnSpPr>
-        <p:spPr>
-          <a:xfrm>
-            <a:off x="129225" y="658980"/>
-            <a:ext cx="2637170" cy="0"/>
-          </a:xfrm>
-          <a:prstGeom prst="line">
-            <a:avLst/>
-          </a:prstGeom>
-          <a:ln w="76200">
-            <a:solidFill>
-              <a:schemeClr val="tx1"/>
-            </a:solidFill>
-          </a:ln>
-        </p:spPr>
-        <p:style>
-          <a:lnRef idx="2">
-            <a:schemeClr val="accent1"/>
-          </a:lnRef>
-          <a:fillRef idx="0">
-            <a:schemeClr val="accent1"/>
-          </a:fillRef>
-          <a:effectRef idx="1">
-            <a:schemeClr val="accent1"/>
-          </a:effectRef>
-          <a:fontRef idx="minor">
-            <a:schemeClr val="tx1"/>
-          </a:fontRef>
-        </p:style>
-      </p:cxnSp>
-      <p:sp>
-        <p:nvSpPr>
-          <p:cNvPr id="16" name="슬라이드 번호 개체 틀 15">
-            <a:extLst>
-              <a:ext uri="{FF2B5EF4-FFF2-40B4-BE49-F238E27FC236}">
-                <a16:creationId xmlns:a16="http://schemas.microsoft.com/office/drawing/2014/main" id="{348E6866-338B-5593-C919-88B7C3A96308}"/>
-              </a:ext>
-            </a:extLst>
-          </p:cNvPr>
-          <p:cNvSpPr>
-            <a:spLocks noGrp="1"/>
-          </p:cNvSpPr>
-          <p:nvPr>
-            <p:ph type="sldNum" sz="quarter" idx="12"/>
-          </p:nvPr>
-        </p:nvSpPr>
-        <p:spPr/>
-        <p:txBody>
-          <a:bodyPr/>
-          <a:lstStyle/>
-          <a:p>
-            <a:fld id="{8D96929D-9E84-4A42-B4C3-2E48812748E4}" type="slidenum">
-              <a:rPr lang="ko-KR" altLang="en-US" smtClean="0"/>
-              <a:t>4</a:t>
-            </a:fld>
-            <a:endParaRPr lang="ko-KR" altLang="en-US"/>
-          </a:p>
-        </p:txBody>
-      </p:sp>
-    </p:spTree>
-    <p:extLst>
-      <p:ext uri="{BB962C8B-B14F-4D97-AF65-F5344CB8AC3E}">
-        <p14:creationId xmlns:p14="http://schemas.microsoft.com/office/powerpoint/2010/main" val="2126326606"/>
       </p:ext>
     </p:extLst>
   </p:cSld>
